--- a/help/data-sheets/assets/EliteSupportDatasheet.pptx
+++ b/help/data-sheets/assets/EliteSupportDatasheet.pptx
@@ -152,8 +152,46 @@
 <p1510:revInfo xmlns:a="http://schemas.openxmlformats.org/drawingml/2006/main" xmlns:r="http://schemas.openxmlformats.org/officeDocument/2006/relationships" xmlns:p1510="http://schemas.microsoft.com/office/powerpoint/2015/10/main">
   <p1510:revLst>
     <p1510:client id="{86768B6F-E5DF-274A-B928-9320E1DF9962}" v="132" dt="2021-08-07T02:18:13.925"/>
+    <p1510:client id="{8C285145-5FF7-2B49-D44C-ABA3390CC068}" v="48" dt="2021-09-22T19:02:31.738"/>
   </p1510:revLst>
 </p1510:revInfo>
+</file>
+
+<file path=ppt/changesInfos/changesInfo1.xml><?xml version="1.0" encoding="utf-8"?>
+<pc:chgInfo xmlns:a="http://schemas.openxmlformats.org/drawingml/2006/main" xmlns:r="http://schemas.openxmlformats.org/officeDocument/2006/relationships" xmlns:ac="http://schemas.microsoft.com/office/drawing/2013/main/command" xmlns:pc="http://schemas.microsoft.com/office/powerpoint/2013/main/command">
+  <pc:docChgLst>
+    <pc:chgData name="Akilah Johnson" userId="S::akjohnso@adobe.com::2fa3aa60-0c9c-4d06-bae2-795983241227" providerId="AD" clId="Web-{8C285145-5FF7-2B49-D44C-ABA3390CC068}"/>
+    <pc:docChg chg="modSld">
+      <pc:chgData name="Akilah Johnson" userId="S::akjohnso@adobe.com::2fa3aa60-0c9c-4d06-bae2-795983241227" providerId="AD" clId="Web-{8C285145-5FF7-2B49-D44C-ABA3390CC068}" dt="2021-09-22T19:02:31.738" v="36" actId="1076"/>
+      <pc:docMkLst>
+        <pc:docMk/>
+      </pc:docMkLst>
+      <pc:sldChg chg="modSp">
+        <pc:chgData name="Akilah Johnson" userId="S::akjohnso@adobe.com::2fa3aa60-0c9c-4d06-bae2-795983241227" providerId="AD" clId="Web-{8C285145-5FF7-2B49-D44C-ABA3390CC068}" dt="2021-09-22T19:02:31.738" v="36" actId="1076"/>
+        <pc:sldMkLst>
+          <pc:docMk/>
+          <pc:sldMk cId="1050037809" sldId="261"/>
+        </pc:sldMkLst>
+        <pc:spChg chg="mod">
+          <ac:chgData name="Akilah Johnson" userId="S::akjohnso@adobe.com::2fa3aa60-0c9c-4d06-bae2-795983241227" providerId="AD" clId="Web-{8C285145-5FF7-2B49-D44C-ABA3390CC068}" dt="2021-09-22T19:02:31.738" v="36" actId="1076"/>
+          <ac:spMkLst>
+            <pc:docMk/>
+            <pc:sldMk cId="1050037809" sldId="261"/>
+            <ac:spMk id="64" creationId="{41467BDC-3D83-D844-B922-CD07E94E5AAB}"/>
+          </ac:spMkLst>
+        </pc:spChg>
+        <pc:graphicFrameChg chg="mod modGraphic">
+          <ac:chgData name="Akilah Johnson" userId="S::akjohnso@adobe.com::2fa3aa60-0c9c-4d06-bae2-795983241227" providerId="AD" clId="Web-{8C285145-5FF7-2B49-D44C-ABA3390CC068}" dt="2021-09-22T18:59:49.504" v="34"/>
+          <ac:graphicFrameMkLst>
+            <pc:docMk/>
+            <pc:sldMk cId="1050037809" sldId="261"/>
+            <ac:graphicFrameMk id="25" creationId="{3A91F5B0-3974-A14D-A146-FB590F2AAD18}"/>
+          </ac:graphicFrameMkLst>
+        </pc:graphicFrameChg>
+      </pc:sldChg>
+    </pc:docChg>
+  </pc:docChgLst>
+</pc:chgInfo>
 </file>
 
 <file path=ppt/notesMasters/notesMaster1.xml><?xml version="1.0" encoding="utf-8"?>
@@ -238,7 +276,7 @@
           <a:p>
             <a:fld id="{C12E57D6-2086-AA47-A7A4-C0CDE7C14E44}" type="datetimeFigureOut">
               <a:rPr lang="en-US" smtClean="0"/>
-              <a:t>8/27/2021</a:t>
+              <a:t>9/22/2021</a:t>
             </a:fld>
             <a:endParaRPr lang="en-US"/>
           </a:p>
@@ -812,7 +850,7 @@
           <a:p>
             <a:fld id="{1D8BD707-D9CF-40AE-B4C6-C98DA3205C09}" type="datetimeFigureOut">
               <a:rPr lang="en-US"/>
-              <a:t>8/27/2021</a:t>
+              <a:t>9/22/2021</a:t>
             </a:fld>
             <a:endParaRPr lang="en-US"/>
           </a:p>
@@ -1057,7 +1095,7 @@
           <a:p>
             <a:fld id="{1D8BD707-D9CF-40AE-B4C6-C98DA3205C09}" type="datetimeFigureOut">
               <a:rPr lang="en-US"/>
-              <a:t>8/27/2021</a:t>
+              <a:t>9/22/2021</a:t>
             </a:fld>
             <a:endParaRPr lang="en-US"/>
           </a:p>
@@ -1315,7 +1353,7 @@
           <a:p>
             <a:fld id="{1D8BD707-D9CF-40AE-B4C6-C98DA3205C09}" type="datetimeFigureOut">
               <a:rPr lang="en-US"/>
-              <a:t>8/27/2021</a:t>
+              <a:t>9/22/2021</a:t>
             </a:fld>
             <a:endParaRPr lang="en-US"/>
           </a:p>
@@ -1507,7 +1545,7 @@
           <a:p>
             <a:fld id="{1D8BD707-D9CF-40AE-B4C6-C98DA3205C09}" type="datetimeFigureOut">
               <a:rPr lang="en-US"/>
-              <a:t>8/27/2021</a:t>
+              <a:t>9/22/2021</a:t>
             </a:fld>
             <a:endParaRPr lang="en-US"/>
           </a:p>
@@ -1670,7 +1708,7 @@
           <a:p>
             <a:fld id="{1D8BD707-D9CF-40AE-B4C6-C98DA3205C09}" type="datetimeFigureOut">
               <a:rPr lang="en-US"/>
-              <a:t>8/27/2021</a:t>
+              <a:t>9/22/2021</a:t>
             </a:fld>
             <a:endParaRPr lang="en-US"/>
           </a:p>
@@ -1933,7 +1971,7 @@
           <a:p>
             <a:fld id="{1D8BD707-D9CF-40AE-B4C6-C98DA3205C09}" type="datetimeFigureOut">
               <a:rPr lang="en-US"/>
-              <a:t>8/27/2021</a:t>
+              <a:t>9/22/2021</a:t>
             </a:fld>
             <a:endParaRPr lang="en-US"/>
           </a:p>
@@ -16280,20 +16318,20 @@
         </p:nvSpPr>
         <p:spPr>
           <a:xfrm>
-            <a:off x="171129" y="5057379"/>
-            <a:ext cx="6476646" cy="602088"/>
+            <a:off x="184181" y="4900727"/>
+            <a:ext cx="7396804" cy="769030"/>
           </a:xfrm>
           <a:prstGeom prst="rect">
             <a:avLst/>
           </a:prstGeom>
         </p:spPr>
         <p:txBody>
-          <a:bodyPr vert="horz" wrap="square" lIns="0" tIns="116205" rIns="0" bIns="0" rtlCol="0">
+          <a:bodyPr vert="horz" wrap="square" lIns="0" tIns="116205" rIns="0" bIns="0" rtlCol="0" anchor="t">
             <a:spAutoFit/>
           </a:bodyPr>
           <a:lstStyle/>
           <a:p>
-            <a:pPr lvl="0">
+            <a:pPr>
               <a:spcBef>
                 <a:spcPts val="915"/>
               </a:spcBef>
@@ -16306,11 +16344,15 @@
                 <a:latin typeface="Adobe Clean"/>
                 <a:cs typeface="Adobe Clean"/>
               </a:rPr>
-              <a:t>Regional Hours Of Operation And Language Support</a:t>
-            </a:r>
+              <a:t>Regional scope of Adobe Support, Local Hours Of Operation And Language Support</a:t>
+            </a:r>
+            <a:endParaRPr lang="en-US" sz="1400" spc="-15" dirty="0">
+              <a:ea typeface="+mn-lt"/>
+              <a:cs typeface="+mn-lt"/>
+            </a:endParaRPr>
           </a:p>
           <a:p>
-            <a:pPr lvl="0">
+            <a:pPr>
               <a:spcBef>
                 <a:spcPts val="915"/>
               </a:spcBef>
@@ -16322,8 +16364,11 @@
                 </a:solidFill>
                 <a:latin typeface="AdobeClean-Light"/>
               </a:rPr>
-              <a:t>Adobe’s local business hours align to the customer’s billing region</a:t>
-            </a:r>
+              <a:t>The regional scope of Adobe Support is established by aligning the customer's billing address (via the Sales Order or other Adobe Support purchasing document) to one of the following regions:</a:t>
+            </a:r>
+            <a:endParaRPr lang="en-US" sz="1000" dirty="0">
+              <a:latin typeface="AdobeClean-Light"/>
+            </a:endParaRPr>
           </a:p>
         </p:txBody>
       </p:sp>
@@ -16342,7 +16387,7 @@
           <p:nvPr>
             <p:extLst>
               <p:ext uri="{D42A27DB-BD31-4B8C-83A1-F6EECF244321}">
-                <p14:modId xmlns:p14="http://schemas.microsoft.com/office/powerpoint/2010/main" val="74734285"/>
+                <p14:modId xmlns:p14="http://schemas.microsoft.com/office/powerpoint/2010/main" val="2783412495"/>
               </p:ext>
             </p:extLst>
           </p:nvPr>
@@ -16942,7 +16987,7 @@
                     <a:bodyPr/>
                     <a:lstStyle/>
                     <a:p>
-                      <a:pPr marL="0" marR="0" lvl="0" indent="0" algn="ctr" defTabSz="914400" eaLnBrk="1" fontAlgn="auto" latinLnBrk="0" hangingPunct="1">
+                      <a:pPr marL="0" marR="0" lvl="0" indent="0" algn="ctr" eaLnBrk="1" fontAlgn="auto" latinLnBrk="0" hangingPunct="1">
                         <a:lnSpc>
                           <a:spcPct val="100000"/>
                         </a:lnSpc>
@@ -16956,18 +17001,22 @@
                         <a:buSzTx/>
                         <a:buFontTx/>
                         <a:buNone/>
-                        <a:tabLst/>
-                        <a:defRPr/>
                       </a:pPr>
                       <a:r>
                         <a:rPr lang="en-US" sz="1100" dirty="0">
                           <a:solidFill>
                             <a:schemeClr val="tx1"/>
                           </a:solidFill>
-                          <a:latin typeface="Adobe Clean" panose="020B0503020404020204" pitchFamily="34" charset="0"/>
+                          <a:latin typeface="Adobe Clean"/>
                         </a:rPr>
-                        <a:t>Language support only available in English and Japanese </a:t>
+                        <a:t>Language support is only available in English and Japanese </a:t>
                       </a:r>
+                      <a:endParaRPr lang="en-US" sz="1100" dirty="0">
+                        <a:solidFill>
+                          <a:schemeClr val="tx1"/>
+                        </a:solidFill>
+                        <a:latin typeface="Adobe Clean" panose="020B0503020404020204" pitchFamily="34" charset="0"/>
+                      </a:endParaRPr>
                     </a:p>
                     <a:p>
                       <a:pPr marL="0" marR="0" lvl="0" indent="0" algn="ctr" defTabSz="914400" eaLnBrk="1" fontAlgn="auto" latinLnBrk="0" hangingPunct="1">
@@ -17009,16 +17058,16 @@
                           <a:solidFill>
                             <a:schemeClr val="tx1"/>
                           </a:solidFill>
-                          <a:latin typeface="Adobe Clean" panose="020B0503020404020204" pitchFamily="34" charset="0"/>
+                          <a:latin typeface="Adobe Clean"/>
                         </a:rPr>
-                        <a:t> </a:t>
+                        <a:t> </a:t>
                       </a:r>
                       <a:r>
                         <a:rPr lang="en-US" sz="1100" i="0" baseline="30000" dirty="0">
                           <a:solidFill>
                             <a:schemeClr val="tx1"/>
                           </a:solidFill>
-                          <a:latin typeface="Adobe Clean" panose="020B0503020404020204" pitchFamily="34" charset="0"/>
+                          <a:latin typeface="Adobe Clean"/>
                         </a:rPr>
                         <a:t>1 </a:t>
                       </a:r>
@@ -17027,19 +17076,16 @@
                           <a:solidFill>
                             <a:schemeClr val="tx1"/>
                           </a:solidFill>
-                          <a:latin typeface="Adobe Clean" panose="020B0503020404020204" pitchFamily="34" charset="0"/>
+                          <a:latin typeface="Adobe Clean"/>
                         </a:rPr>
-                        <a:t>P2, P3, P4 cases are limited to business hours only </a:t>
+                        <a:t>P2, P3, P4 cases are limited to business hours only in Japan</a:t>
                       </a:r>
-                      <a:r>
-                        <a:rPr lang="en-US" sz="1100" b="1" i="0" dirty="0">
-                          <a:solidFill>
-                            <a:schemeClr val="tx1"/>
-                          </a:solidFill>
-                          <a:latin typeface="Adobe Clean" panose="020B0503020404020204" pitchFamily="34" charset="0"/>
-                        </a:rPr>
-                        <a:t>(JAPAN)</a:t>
-                      </a:r>
+                      <a:endParaRPr lang="en-US" sz="1100" b="1" i="0" dirty="0">
+                        <a:solidFill>
+                          <a:schemeClr val="tx1"/>
+                        </a:solidFill>
+                        <a:latin typeface="Adobe Clean"/>
+                      </a:endParaRPr>
                     </a:p>
                   </a:txBody>
                   <a:tcPr anchor="ctr">
@@ -19194,6 +19240,15 @@
 </file>
 
 <file path=customXml/item1.xml><?xml version="1.0" encoding="utf-8"?>
+<?mso-contentType ?>
+<FormTemplates xmlns="http://schemas.microsoft.com/sharepoint/v3/contenttype/forms">
+  <Display>DocumentLibraryForm</Display>
+  <Edit>DocumentLibraryForm</Edit>
+  <New>DocumentLibraryForm</New>
+</FormTemplates>
+</file>
+
+<file path=customXml/item2.xml><?xml version="1.0" encoding="utf-8"?>
 <ct:contentTypeSchema xmlns:ct="http://schemas.microsoft.com/office/2006/metadata/contentType" xmlns:ma="http://schemas.microsoft.com/office/2006/metadata/properties/metaAttributes" ct:_="" ma:_="" ma:contentTypeName="Document" ma:contentTypeID="0x010100E783BF6876BCC646A459363AF21A7736" ma:contentTypeVersion="10" ma:contentTypeDescription="Create a new document." ma:contentTypeScope="" ma:versionID="c4ffda7f4f415767600769e454c2ea87">
   <xsd:schema xmlns:xsd="http://www.w3.org/2001/XMLSchema" xmlns:xs="http://www.w3.org/2001/XMLSchema" xmlns:p="http://schemas.microsoft.com/office/2006/metadata/properties" xmlns:ns2="8a053bff-88be-49e4-9a87-e748e18b8b62" xmlns:ns3="6c8368ec-3776-49b5-a5bb-90648cf9530f" targetNamespace="http://schemas.microsoft.com/office/2006/metadata/properties" ma:root="true" ma:fieldsID="df3ec33bccc23e23bce7bc897fad43d1" ns2:_="" ns3:_="">
     <xsd:import namespace="8a053bff-88be-49e4-9a87-e748e18b8b62"/>
@@ -19398,15 +19453,6 @@
 </ct:contentTypeSchema>
 </file>
 
-<file path=customXml/item2.xml><?xml version="1.0" encoding="utf-8"?>
-<?mso-contentType ?>
-<FormTemplates xmlns="http://schemas.microsoft.com/sharepoint/v3/contenttype/forms">
-  <Display>DocumentLibraryForm</Display>
-  <Edit>DocumentLibraryForm</Edit>
-  <New>DocumentLibraryForm</New>
-</FormTemplates>
-</file>
-
 <file path=customXml/item3.xml><?xml version="1.0" encoding="utf-8"?>
 <p:properties xmlns:p="http://schemas.microsoft.com/office/2006/metadata/properties" xmlns:xsi="http://www.w3.org/2001/XMLSchema-instance" xmlns:pc="http://schemas.microsoft.com/office/infopath/2007/PartnerControls">
   <documentManagement/>
@@ -19414,6 +19460,14 @@
 </file>
 
 <file path=customXml/itemProps1.xml><?xml version="1.0" encoding="utf-8"?>
+<ds:datastoreItem xmlns:ds="http://schemas.openxmlformats.org/officeDocument/2006/customXml" ds:itemID="{669D9D3B-3229-44EE-9964-24A06AE66887}">
+  <ds:schemaRefs>
+    <ds:schemaRef ds:uri="http://schemas.microsoft.com/sharepoint/v3/contenttype/forms"/>
+  </ds:schemaRefs>
+</ds:datastoreItem>
+</file>
+
+<file path=customXml/itemProps2.xml><?xml version="1.0" encoding="utf-8"?>
 <ds:datastoreItem xmlns:ds="http://schemas.openxmlformats.org/officeDocument/2006/customXml" ds:itemID="{75C1A8FD-3884-41A0-BE37-D15776C885D1}">
   <ds:schemaRefs>
     <ds:schemaRef ds:uri="http://schemas.microsoft.com/office/2006/metadata/contentType"/>
@@ -19432,14 +19486,6 @@
 </ds:datastoreItem>
 </file>
 
-<file path=customXml/itemProps2.xml><?xml version="1.0" encoding="utf-8"?>
-<ds:datastoreItem xmlns:ds="http://schemas.openxmlformats.org/officeDocument/2006/customXml" ds:itemID="{669D9D3B-3229-44EE-9964-24A06AE66887}">
-  <ds:schemaRefs>
-    <ds:schemaRef ds:uri="http://schemas.microsoft.com/sharepoint/v3/contenttype/forms"/>
-  </ds:schemaRefs>
-</ds:datastoreItem>
-</file>
-
 <file path=customXml/itemProps3.xml><?xml version="1.0" encoding="utf-8"?>
 <ds:datastoreItem xmlns:ds="http://schemas.openxmlformats.org/officeDocument/2006/customXml" ds:itemID="{CED41536-010B-47B1-9229-B72BE4090090}">
   <ds:schemaRefs>

--- a/help/data-sheets/assets/EliteSupportDatasheet.pptx
+++ b/help/data-sheets/assets/EliteSupportDatasheet.pptx
@@ -151,6 +151,7 @@
 <file path=ppt/revisionInfo.xml><?xml version="1.0" encoding="utf-8"?>
 <p1510:revInfo xmlns:a="http://schemas.openxmlformats.org/drawingml/2006/main" xmlns:r="http://schemas.openxmlformats.org/officeDocument/2006/relationships" xmlns:p1510="http://schemas.microsoft.com/office/powerpoint/2015/10/main">
   <p1510:revLst>
+    <p1510:client id="{306579C9-8574-E621-57BF-C5D6F4C605CC}" v="6" dt="2021-09-22T22:58:26.163"/>
     <p1510:client id="{86768B6F-E5DF-274A-B928-9320E1DF9962}" v="132" dt="2021-08-07T02:18:13.925"/>
     <p1510:client id="{8C285145-5FF7-2B49-D44C-ABA3390CC068}" v="48" dt="2021-09-22T19:02:31.738"/>
   </p1510:revLst>
@@ -159,6 +160,30 @@
 
 <file path=ppt/changesInfos/changesInfo1.xml><?xml version="1.0" encoding="utf-8"?>
 <pc:chgInfo xmlns:a="http://schemas.openxmlformats.org/drawingml/2006/main" xmlns:r="http://schemas.openxmlformats.org/officeDocument/2006/relationships" xmlns:ac="http://schemas.microsoft.com/office/drawing/2013/main/command" xmlns:pc="http://schemas.microsoft.com/office/powerpoint/2013/main/command">
+  <pc:docChgLst>
+    <pc:chgData name="Akilah Johnson" userId="S::akjohnso@adobe.com::2fa3aa60-0c9c-4d06-bae2-795983241227" providerId="AD" clId="Web-{306579C9-8574-E621-57BF-C5D6F4C605CC}"/>
+    <pc:docChg chg="modSld">
+      <pc:chgData name="Akilah Johnson" userId="S::akjohnso@adobe.com::2fa3aa60-0c9c-4d06-bae2-795983241227" providerId="AD" clId="Web-{306579C9-8574-E621-57BF-C5D6F4C605CC}" dt="2021-09-22T22:58:18.491" v="3"/>
+      <pc:docMkLst>
+        <pc:docMk/>
+      </pc:docMkLst>
+      <pc:sldChg chg="modSp">
+        <pc:chgData name="Akilah Johnson" userId="S::akjohnso@adobe.com::2fa3aa60-0c9c-4d06-bae2-795983241227" providerId="AD" clId="Web-{306579C9-8574-E621-57BF-C5D6F4C605CC}" dt="2021-09-22T22:58:18.491" v="3"/>
+        <pc:sldMkLst>
+          <pc:docMk/>
+          <pc:sldMk cId="1050037809" sldId="261"/>
+        </pc:sldMkLst>
+        <pc:graphicFrameChg chg="mod modGraphic">
+          <ac:chgData name="Akilah Johnson" userId="S::akjohnso@adobe.com::2fa3aa60-0c9c-4d06-bae2-795983241227" providerId="AD" clId="Web-{306579C9-8574-E621-57BF-C5D6F4C605CC}" dt="2021-09-22T22:58:18.491" v="3"/>
+          <ac:graphicFrameMkLst>
+            <pc:docMk/>
+            <pc:sldMk cId="1050037809" sldId="261"/>
+            <ac:graphicFrameMk id="25" creationId="{3A91F5B0-3974-A14D-A146-FB590F2AAD18}"/>
+          </ac:graphicFrameMkLst>
+        </pc:graphicFrameChg>
+      </pc:sldChg>
+    </pc:docChg>
+  </pc:docChgLst>
   <pc:docChgLst>
     <pc:chgData name="Akilah Johnson" userId="S::akjohnso@adobe.com::2fa3aa60-0c9c-4d06-bae2-795983241227" providerId="AD" clId="Web-{8C285145-5FF7-2B49-D44C-ABA3390CC068}"/>
     <pc:docChg chg="modSld">
@@ -16387,7 +16412,7 @@
           <p:nvPr>
             <p:extLst>
               <p:ext uri="{D42A27DB-BD31-4B8C-83A1-F6EECF244321}">
-                <p14:modId xmlns:p14="http://schemas.microsoft.com/office/powerpoint/2010/main" val="2783412495"/>
+                <p14:modId xmlns:p14="http://schemas.microsoft.com/office/powerpoint/2010/main" val="3975465108"/>
               </p:ext>
             </p:extLst>
           </p:nvPr>
@@ -17009,7 +17034,7 @@
                           </a:solidFill>
                           <a:latin typeface="Adobe Clean"/>
                         </a:rPr>
-                        <a:t>Language support is only available in English and Japanese </a:t>
+                        <a:t>Language support is only available in English and Japanese. </a:t>
                       </a:r>
                       <a:endParaRPr lang="en-US" sz="1100" dirty="0">
                         <a:solidFill>
@@ -17078,7 +17103,7 @@
                           </a:solidFill>
                           <a:latin typeface="Adobe Clean"/>
                         </a:rPr>
-                        <a:t>P2, P3, P4 cases are limited to business hours only in Japan</a:t>
+                        <a:t>P2, P3, P4 cases are limited to business hours only in Japan.</a:t>
                       </a:r>
                       <a:endParaRPr lang="en-US" sz="1100" b="1" i="0" dirty="0">
                         <a:solidFill>
@@ -19240,15 +19265,6 @@
 </file>
 
 <file path=customXml/item1.xml><?xml version="1.0" encoding="utf-8"?>
-<?mso-contentType ?>
-<FormTemplates xmlns="http://schemas.microsoft.com/sharepoint/v3/contenttype/forms">
-  <Display>DocumentLibraryForm</Display>
-  <Edit>DocumentLibraryForm</Edit>
-  <New>DocumentLibraryForm</New>
-</FormTemplates>
-</file>
-
-<file path=customXml/item2.xml><?xml version="1.0" encoding="utf-8"?>
 <ct:contentTypeSchema xmlns:ct="http://schemas.microsoft.com/office/2006/metadata/contentType" xmlns:ma="http://schemas.microsoft.com/office/2006/metadata/properties/metaAttributes" ct:_="" ma:_="" ma:contentTypeName="Document" ma:contentTypeID="0x010100E783BF6876BCC646A459363AF21A7736" ma:contentTypeVersion="10" ma:contentTypeDescription="Create a new document." ma:contentTypeScope="" ma:versionID="c4ffda7f4f415767600769e454c2ea87">
   <xsd:schema xmlns:xsd="http://www.w3.org/2001/XMLSchema" xmlns:xs="http://www.w3.org/2001/XMLSchema" xmlns:p="http://schemas.microsoft.com/office/2006/metadata/properties" xmlns:ns2="8a053bff-88be-49e4-9a87-e748e18b8b62" xmlns:ns3="6c8368ec-3776-49b5-a5bb-90648cf9530f" targetNamespace="http://schemas.microsoft.com/office/2006/metadata/properties" ma:root="true" ma:fieldsID="df3ec33bccc23e23bce7bc897fad43d1" ns2:_="" ns3:_="">
     <xsd:import namespace="8a053bff-88be-49e4-9a87-e748e18b8b62"/>
@@ -19453,6 +19469,15 @@
 </ct:contentTypeSchema>
 </file>
 
+<file path=customXml/item2.xml><?xml version="1.0" encoding="utf-8"?>
+<?mso-contentType ?>
+<FormTemplates xmlns="http://schemas.microsoft.com/sharepoint/v3/contenttype/forms">
+  <Display>DocumentLibraryForm</Display>
+  <Edit>DocumentLibraryForm</Edit>
+  <New>DocumentLibraryForm</New>
+</FormTemplates>
+</file>
+
 <file path=customXml/item3.xml><?xml version="1.0" encoding="utf-8"?>
 <p:properties xmlns:p="http://schemas.microsoft.com/office/2006/metadata/properties" xmlns:xsi="http://www.w3.org/2001/XMLSchema-instance" xmlns:pc="http://schemas.microsoft.com/office/infopath/2007/PartnerControls">
   <documentManagement/>
@@ -19460,14 +19485,6 @@
 </file>
 
 <file path=customXml/itemProps1.xml><?xml version="1.0" encoding="utf-8"?>
-<ds:datastoreItem xmlns:ds="http://schemas.openxmlformats.org/officeDocument/2006/customXml" ds:itemID="{669D9D3B-3229-44EE-9964-24A06AE66887}">
-  <ds:schemaRefs>
-    <ds:schemaRef ds:uri="http://schemas.microsoft.com/sharepoint/v3/contenttype/forms"/>
-  </ds:schemaRefs>
-</ds:datastoreItem>
-</file>
-
-<file path=customXml/itemProps2.xml><?xml version="1.0" encoding="utf-8"?>
 <ds:datastoreItem xmlns:ds="http://schemas.openxmlformats.org/officeDocument/2006/customXml" ds:itemID="{75C1A8FD-3884-41A0-BE37-D15776C885D1}">
   <ds:schemaRefs>
     <ds:schemaRef ds:uri="http://schemas.microsoft.com/office/2006/metadata/contentType"/>
@@ -19486,6 +19503,14 @@
 </ds:datastoreItem>
 </file>
 
+<file path=customXml/itemProps2.xml><?xml version="1.0" encoding="utf-8"?>
+<ds:datastoreItem xmlns:ds="http://schemas.openxmlformats.org/officeDocument/2006/customXml" ds:itemID="{669D9D3B-3229-44EE-9964-24A06AE66887}">
+  <ds:schemaRefs>
+    <ds:schemaRef ds:uri="http://schemas.microsoft.com/sharepoint/v3/contenttype/forms"/>
+  </ds:schemaRefs>
+</ds:datastoreItem>
+</file>
+
 <file path=customXml/itemProps3.xml><?xml version="1.0" encoding="utf-8"?>
 <ds:datastoreItem xmlns:ds="http://schemas.openxmlformats.org/officeDocument/2006/customXml" ds:itemID="{CED41536-010B-47B1-9229-B72BE4090090}">
   <ds:schemaRefs>

--- a/help/data-sheets/assets/EliteSupportDatasheet.pptx
+++ b/help/data-sheets/assets/EliteSupportDatasheet.pptx
@@ -301,7 +301,7 @@
           <a:p>
             <a:fld id="{C12E57D6-2086-AA47-A7A4-C0CDE7C14E44}" type="datetimeFigureOut">
               <a:rPr lang="en-US" smtClean="0"/>
-              <a:t>9/22/2021</a:t>
+              <a:t>9/30/2021</a:t>
             </a:fld>
             <a:endParaRPr lang="en-US"/>
           </a:p>
@@ -875,7 +875,7 @@
           <a:p>
             <a:fld id="{1D8BD707-D9CF-40AE-B4C6-C98DA3205C09}" type="datetimeFigureOut">
               <a:rPr lang="en-US"/>
-              <a:t>9/22/2021</a:t>
+              <a:t>9/30/2021</a:t>
             </a:fld>
             <a:endParaRPr lang="en-US"/>
           </a:p>
@@ -1120,7 +1120,7 @@
           <a:p>
             <a:fld id="{1D8BD707-D9CF-40AE-B4C6-C98DA3205C09}" type="datetimeFigureOut">
               <a:rPr lang="en-US"/>
-              <a:t>9/22/2021</a:t>
+              <a:t>9/30/2021</a:t>
             </a:fld>
             <a:endParaRPr lang="en-US"/>
           </a:p>
@@ -1378,7 +1378,7 @@
           <a:p>
             <a:fld id="{1D8BD707-D9CF-40AE-B4C6-C98DA3205C09}" type="datetimeFigureOut">
               <a:rPr lang="en-US"/>
-              <a:t>9/22/2021</a:t>
+              <a:t>9/30/2021</a:t>
             </a:fld>
             <a:endParaRPr lang="en-US"/>
           </a:p>
@@ -1570,7 +1570,7 @@
           <a:p>
             <a:fld id="{1D8BD707-D9CF-40AE-B4C6-C98DA3205C09}" type="datetimeFigureOut">
               <a:rPr lang="en-US"/>
-              <a:t>9/22/2021</a:t>
+              <a:t>9/30/2021</a:t>
             </a:fld>
             <a:endParaRPr lang="en-US"/>
           </a:p>
@@ -1733,7 +1733,7 @@
           <a:p>
             <a:fld id="{1D8BD707-D9CF-40AE-B4C6-C98DA3205C09}" type="datetimeFigureOut">
               <a:rPr lang="en-US"/>
-              <a:t>9/22/2021</a:t>
+              <a:t>9/30/2021</a:t>
             </a:fld>
             <a:endParaRPr lang="en-US"/>
           </a:p>
@@ -1996,7 +1996,7 @@
           <a:p>
             <a:fld id="{1D8BD707-D9CF-40AE-B4C6-C98DA3205C09}" type="datetimeFigureOut">
               <a:rPr lang="en-US"/>
-              <a:t>9/22/2021</a:t>
+              <a:t>9/30/2021</a:t>
             </a:fld>
             <a:endParaRPr lang="en-US"/>
           </a:p>
@@ -2271,8 +2271,8 @@
         </p:nvSpPr>
         <p:spPr>
           <a:xfrm>
-            <a:off x="502828" y="65103"/>
-            <a:ext cx="3840572" cy="366767"/>
+            <a:off x="502827" y="65103"/>
+            <a:ext cx="4725793" cy="366767"/>
           </a:xfrm>
           <a:prstGeom prst="rect">
             <a:avLst/>
@@ -2293,10 +2293,10 @@
               </a:spcBef>
             </a:pPr>
             <a:r>
-              <a:rPr sz="2300" dirty="0">
+              <a:rPr lang="de-DE" sz="2300" dirty="0">
                 <a:latin typeface="Adobe Clean" panose="020B0503020404020204" pitchFamily="34" charset="0"/>
               </a:rPr>
-              <a:t>ADOBE SUPPORTOFFERINGS</a:t>
+              <a:t>SUPPORT-ANGEBOT VON ADOBE</a:t>
             </a:r>
           </a:p>
         </p:txBody>
@@ -2309,8 +2309,8 @@
         </p:nvSpPr>
         <p:spPr>
           <a:xfrm>
-            <a:off x="159522" y="560755"/>
-            <a:ext cx="7003277" cy="1466427"/>
+            <a:off x="159522" y="590973"/>
+            <a:ext cx="7003278" cy="1466427"/>
           </a:xfrm>
           <a:prstGeom prst="rect">
             <a:avLst/>
@@ -2331,107 +2331,17 @@
               </a:spcBef>
             </a:pPr>
             <a:r>
-              <a:rPr sz="1100" spc="-5" dirty="0">
+              <a:rPr lang="de-DE" sz="1100" spc="-30" dirty="0">
                 <a:solidFill>
                   <a:srgbClr val="FFFFFF"/>
                 </a:solidFill>
                 <a:latin typeface="AdobeClean-Light"/>
                 <a:cs typeface="AdobeClean-Light"/>
               </a:rPr>
-              <a:t>Online</a:t>
-            </a:r>
-            <a:r>
-              <a:rPr sz="1100" dirty="0">
-                <a:solidFill>
-                  <a:srgbClr val="FFFFFF"/>
-                </a:solidFill>
-                <a:latin typeface="AdobeClean-Light"/>
-                <a:cs typeface="AdobeClean-Light"/>
-              </a:rPr>
-              <a:t> |</a:t>
-            </a:r>
-            <a:r>
-              <a:rPr sz="1100" spc="5" dirty="0">
-                <a:solidFill>
-                  <a:srgbClr val="FFFFFF"/>
-                </a:solidFill>
-                <a:latin typeface="AdobeClean-Light"/>
-                <a:cs typeface="AdobeClean-Light"/>
-              </a:rPr>
-              <a:t> </a:t>
-            </a:r>
-            <a:r>
-              <a:rPr sz="1100" spc="-5" dirty="0">
-                <a:solidFill>
-                  <a:srgbClr val="FFFFFF"/>
-                </a:solidFill>
-                <a:latin typeface="AdobeClean-Light"/>
-                <a:cs typeface="AdobeClean-Light"/>
-              </a:rPr>
-              <a:t>Business</a:t>
-            </a:r>
-            <a:r>
-              <a:rPr sz="1100" dirty="0">
-                <a:solidFill>
-                  <a:srgbClr val="FFFFFF"/>
-                </a:solidFill>
-                <a:latin typeface="AdobeClean-Light"/>
-                <a:cs typeface="AdobeClean-Light"/>
-              </a:rPr>
-              <a:t> |</a:t>
-            </a:r>
-            <a:r>
-              <a:rPr sz="1100" spc="10" dirty="0">
-                <a:solidFill>
-                  <a:srgbClr val="FFFFFF"/>
-                </a:solidFill>
-                <a:latin typeface="AdobeClean-Light"/>
-                <a:cs typeface="AdobeClean-Light"/>
-              </a:rPr>
-              <a:t> </a:t>
-            </a:r>
-            <a:r>
-              <a:rPr sz="1100" spc="-5" dirty="0">
-                <a:solidFill>
-                  <a:srgbClr val="FFFFFF"/>
-                </a:solidFill>
-                <a:latin typeface="AdobeClean-Light"/>
-                <a:cs typeface="AdobeClean-Light"/>
-              </a:rPr>
-              <a:t>Enterprise</a:t>
-            </a:r>
-            <a:r>
-              <a:rPr sz="1100" spc="10" dirty="0">
-                <a:solidFill>
-                  <a:srgbClr val="FFFFFF"/>
-                </a:solidFill>
-                <a:latin typeface="AdobeClean-Light"/>
-                <a:cs typeface="AdobeClean-Light"/>
-              </a:rPr>
-              <a:t> </a:t>
-            </a:r>
-            <a:r>
-              <a:rPr sz="1100" dirty="0">
-                <a:solidFill>
-                  <a:srgbClr val="FFFFFF"/>
-                </a:solidFill>
-                <a:latin typeface="AdobeClean-Light"/>
-                <a:cs typeface="AdobeClean-Light"/>
-              </a:rPr>
-              <a:t>|</a:t>
-            </a:r>
-            <a:r>
-              <a:rPr sz="1100" spc="5" dirty="0">
-                <a:solidFill>
-                  <a:srgbClr val="FFFFFF"/>
-                </a:solidFill>
-                <a:latin typeface="AdobeClean-Light"/>
-                <a:cs typeface="AdobeClean-Light"/>
-              </a:rPr>
-              <a:t> </a:t>
-            </a:r>
-            <a:r>
-              <a:rPr sz="1100" b="1" spc="-65" dirty="0">
+              <a:t>Online | Business | Enterprise | </a:t>
+            </a:r>
+            <a:r>
+              <a:rPr lang="de-DE" sz="1100" b="1" spc="-30" dirty="0">
                 <a:solidFill>
                   <a:srgbClr val="FFFFFF"/>
                 </a:solidFill>
@@ -2440,10 +2350,6 @@
               </a:rPr>
               <a:t>Elite</a:t>
             </a:r>
-            <a:endParaRPr sz="1100" dirty="0">
-              <a:latin typeface="Arial"/>
-              <a:cs typeface="Arial"/>
-            </a:endParaRPr>
           </a:p>
           <a:p>
             <a:pPr marL="12700" marR="1076325">
@@ -2452,21 +2358,99 @@
               </a:spcBef>
             </a:pPr>
             <a:r>
-              <a:rPr lang="en-US" sz="900" dirty="0">
+              <a:rPr lang="de-DE" sz="900" spc="-30" dirty="0">
                 <a:solidFill>
                   <a:schemeClr val="bg1"/>
                 </a:solidFill>
                 <a:latin typeface="Adobe Clean SemiLight" panose="020B0403020404020204" pitchFamily="34" charset="0"/>
               </a:rPr>
-              <a:t>Adobe provides a comprehensive range of technical resources to help support your business included as part of your Experience Cloud license subscription and further enhanced in the ELITE support package. ELITE support includes access to personalized learning paths and monitored community forums via the Adobe Experience League. You can also take advantage of our detailed and in-depth technical product documentation and current release notes. ELITE customers will also have access to a Named Support Engineer as well as a Technical Account Manager who combine and work in partnership with you to provide best in class proactive and reactive support while acting as your designated technical contacts in the Adobe Support Team. With deep experience in your designated Experience Cloud solutions, your support team work to ensure that no matter how complex your support needs are, the Adobe Support team will be there side by side with you throughout, to ensure you maximize your investment in the Adobe Experience Cloud solutions and to help you avoid problems before they happen.</a:t>
-            </a:r>
-            <a:endParaRPr sz="900" dirty="0">
-              <a:solidFill>
-                <a:schemeClr val="bg1"/>
-              </a:solidFill>
-              <a:latin typeface="AdobeClean-Light"/>
-              <a:cs typeface="AdobeClean-Light"/>
-            </a:endParaRPr>
+              <a:t>Adobe bietet eine umfangreiche Palette an technischen Ressourcen zur Unterstützung Ihres Unternehmens. Diese sind Teil des Experience Cloud-Lizenzabonnements und werden durch das ELITE Support-Paket weiter ergänzt. ELITE Support bietet über die Adobe Experience League Zugang zu personalisierten Lernpfaden und von Moderatoren betreuten Community-Foren. Darüber hinaus stehen Ihnen unsere umfangreiche technische Produktdokumentation sowie aktuelle Versionshinweise zur Verfügung. ELITE-Kunden erhalten auch Kontakt</a:t>
+            </a:r>
+            <a:br>
+              <a:rPr lang="sk-SK" sz="900" spc="-30" dirty="0">
+                <a:solidFill>
+                  <a:schemeClr val="bg1"/>
+                </a:solidFill>
+                <a:latin typeface="Adobe Clean SemiLight" panose="020B0403020404020204" pitchFamily="34" charset="0"/>
+              </a:rPr>
+            </a:br>
+            <a:r>
+              <a:rPr lang="de-DE" sz="900" spc="-30" dirty="0">
+                <a:solidFill>
+                  <a:schemeClr val="bg1"/>
+                </a:solidFill>
+                <a:latin typeface="Adobe Clean SemiLight" panose="020B0403020404020204" pitchFamily="34" charset="0"/>
+              </a:rPr>
+              <a:t>zu einem spezifischen Support-Mitarbeiter sowie einem Technical Account Manager. Diese sind Ihre Ansprechpartner für technische</a:t>
+            </a:r>
+            <a:br>
+              <a:rPr lang="sk-SK" sz="900" spc="-30" dirty="0">
+                <a:solidFill>
+                  <a:schemeClr val="bg1"/>
+                </a:solidFill>
+                <a:latin typeface="Adobe Clean SemiLight" panose="020B0403020404020204" pitchFamily="34" charset="0"/>
+              </a:rPr>
+            </a:br>
+            <a:r>
+              <a:rPr lang="de-DE" sz="900" spc="-30" dirty="0">
+                <a:solidFill>
+                  <a:schemeClr val="bg1"/>
+                </a:solidFill>
+                <a:latin typeface="Adobe Clean SemiLight" panose="020B0403020404020204" pitchFamily="34" charset="0"/>
+              </a:rPr>
+              <a:t> Fragen im Adobe-Support-Team und arbeiten gemeinsam mit Ihnen daran, bestmöglichen, reaktionsschnellen Support anzubieten. </a:t>
+            </a:r>
+            <a:br>
+              <a:rPr lang="sk-SK" sz="900" spc="-30" dirty="0">
+                <a:solidFill>
+                  <a:schemeClr val="bg1"/>
+                </a:solidFill>
+                <a:latin typeface="Adobe Clean SemiLight" panose="020B0403020404020204" pitchFamily="34" charset="0"/>
+              </a:rPr>
+            </a:br>
+            <a:r>
+              <a:rPr lang="de-DE" sz="900" spc="-30" dirty="0">
+                <a:solidFill>
+                  <a:schemeClr val="bg1"/>
+                </a:solidFill>
+                <a:latin typeface="Adobe Clean SemiLight" panose="020B0403020404020204" pitchFamily="34" charset="0"/>
+              </a:rPr>
+              <a:t>Mit umfangreicher Expertise in unseren Experience Cloud-Lösungen unterstützt Sie das Support-Team von Adobe auch bei den komplexesten </a:t>
+            </a:r>
+            <a:br>
+              <a:rPr lang="sk-SK" sz="900" spc="-30" dirty="0">
+                <a:solidFill>
+                  <a:schemeClr val="bg1"/>
+                </a:solidFill>
+                <a:latin typeface="Adobe Clean SemiLight" panose="020B0403020404020204" pitchFamily="34" charset="0"/>
+              </a:rPr>
+            </a:br>
+            <a:r>
+              <a:rPr lang="de-DE" sz="900" spc="-30" dirty="0">
+                <a:solidFill>
+                  <a:schemeClr val="bg1"/>
+                </a:solidFill>
+                <a:latin typeface="Adobe Clean SemiLight" panose="020B0403020404020204" pitchFamily="34" charset="0"/>
+              </a:rPr>
+              <a:t>Support-Bedürfnissen. So können Sie das Optimum aus Ihren Investitionen in die Adobe Experience Cloud-Lösungen herausholen </a:t>
+            </a:r>
+            <a:br>
+              <a:rPr lang="sk-SK" sz="900" spc="-30" dirty="0">
+                <a:solidFill>
+                  <a:schemeClr val="bg1"/>
+                </a:solidFill>
+                <a:latin typeface="Adobe Clean SemiLight" panose="020B0403020404020204" pitchFamily="34" charset="0"/>
+              </a:rPr>
+            </a:br>
+            <a:r>
+              <a:rPr lang="de-DE" sz="900" spc="-30" dirty="0">
+                <a:solidFill>
+                  <a:schemeClr val="bg1"/>
+                </a:solidFill>
+                <a:latin typeface="Adobe Clean SemiLight" panose="020B0403020404020204" pitchFamily="34" charset="0"/>
+              </a:rPr>
+              <a:t>und Probleme vermeiden, bevor sie überhaupt entstehen.</a:t>
+            </a:r>
           </a:p>
         </p:txBody>
       </p:sp>
@@ -2500,7 +2484,7 @@
               </a:spcBef>
             </a:pPr>
             <a:r>
-              <a:rPr sz="1400" b="1" u="heavy" spc="20" dirty="0">
+              <a:rPr lang="de-DE" sz="1400" b="1" u="heavy">
                 <a:solidFill>
                   <a:srgbClr val="020302"/>
                 </a:solidFill>
@@ -2512,447 +2496,8 @@
                 <a:latin typeface="Adobe Clean"/>
                 <a:cs typeface="Adobe Clean"/>
               </a:rPr>
-              <a:t>S</a:t>
-            </a:r>
-            <a:r>
-              <a:rPr sz="1400" b="1" u="heavy" dirty="0">
-                <a:solidFill>
-                  <a:srgbClr val="020302"/>
-                </a:solidFill>
-                <a:uFill>
-                  <a:solidFill>
-                    <a:srgbClr val="020302"/>
-                  </a:solidFill>
-                </a:uFill>
-                <a:latin typeface="Adobe Clean"/>
-                <a:cs typeface="Adobe Clean"/>
-              </a:rPr>
-              <a:t>er</a:t>
-            </a:r>
-            <a:r>
-              <a:rPr sz="1400" b="1" u="heavy" spc="10" dirty="0">
-                <a:solidFill>
-                  <a:srgbClr val="020302"/>
-                </a:solidFill>
-                <a:uFill>
-                  <a:solidFill>
-                    <a:srgbClr val="020302"/>
-                  </a:solidFill>
-                </a:uFill>
-                <a:latin typeface="Adobe Clean"/>
-                <a:cs typeface="Adobe Clean"/>
-              </a:rPr>
-              <a:t>vi</a:t>
-            </a:r>
-            <a:r>
-              <a:rPr sz="1400" b="1" u="heavy" dirty="0">
-                <a:solidFill>
-                  <a:srgbClr val="020302"/>
-                </a:solidFill>
-                <a:uFill>
-                  <a:solidFill>
-                    <a:srgbClr val="020302"/>
-                  </a:solidFill>
-                </a:uFill>
-                <a:latin typeface="Adobe Clean"/>
-                <a:cs typeface="Adobe Clean"/>
-              </a:rPr>
-              <a:t>ce</a:t>
-            </a:r>
-            <a:r>
-              <a:rPr sz="1400" b="1" u="heavy" spc="20" dirty="0">
-                <a:solidFill>
-                  <a:srgbClr val="020302"/>
-                </a:solidFill>
-                <a:uFill>
-                  <a:solidFill>
-                    <a:srgbClr val="020302"/>
-                  </a:solidFill>
-                </a:uFill>
-                <a:latin typeface="Adobe Clean"/>
-                <a:cs typeface="Adobe Clean"/>
-              </a:rPr>
-              <a:t> </a:t>
-            </a:r>
-            <a:r>
-              <a:rPr sz="1400" b="1" u="heavy" spc="-20" dirty="0">
-                <a:solidFill>
-                  <a:srgbClr val="020302"/>
-                </a:solidFill>
-                <a:uFill>
-                  <a:solidFill>
-                    <a:srgbClr val="020302"/>
-                  </a:solidFill>
-                </a:uFill>
-                <a:latin typeface="Adobe Clean"/>
-                <a:cs typeface="Adobe Clean"/>
-              </a:rPr>
-              <a:t>Le</a:t>
-            </a:r>
-            <a:r>
-              <a:rPr sz="1400" b="1" u="heavy" spc="-10" dirty="0">
-                <a:solidFill>
-                  <a:srgbClr val="020302"/>
-                </a:solidFill>
-                <a:uFill>
-                  <a:solidFill>
-                    <a:srgbClr val="020302"/>
-                  </a:solidFill>
-                </a:uFill>
-                <a:latin typeface="Adobe Clean"/>
-                <a:cs typeface="Adobe Clean"/>
-              </a:rPr>
-              <a:t>v</a:t>
-            </a:r>
-            <a:r>
-              <a:rPr sz="1400" b="1" u="heavy" spc="-20" dirty="0">
-                <a:solidFill>
-                  <a:srgbClr val="020302"/>
-                </a:solidFill>
-                <a:uFill>
-                  <a:solidFill>
-                    <a:srgbClr val="020302"/>
-                  </a:solidFill>
-                </a:uFill>
-                <a:latin typeface="Adobe Clean"/>
-                <a:cs typeface="Adobe Clean"/>
-              </a:rPr>
-              <a:t>e</a:t>
-            </a:r>
-            <a:r>
-              <a:rPr sz="1400" b="1" u="heavy" dirty="0">
-                <a:solidFill>
-                  <a:srgbClr val="020302"/>
-                </a:solidFill>
-                <a:uFill>
-                  <a:solidFill>
-                    <a:srgbClr val="020302"/>
-                  </a:solidFill>
-                </a:uFill>
-                <a:latin typeface="Adobe Clean"/>
-                <a:cs typeface="Adobe Clean"/>
-              </a:rPr>
-              <a:t>l</a:t>
-            </a:r>
-            <a:r>
-              <a:rPr sz="1400" b="1" u="heavy" spc="-10" dirty="0">
-                <a:solidFill>
-                  <a:srgbClr val="020302"/>
-                </a:solidFill>
-                <a:uFill>
-                  <a:solidFill>
-                    <a:srgbClr val="020302"/>
-                  </a:solidFill>
-                </a:uFill>
-                <a:latin typeface="Adobe Clean"/>
-                <a:cs typeface="Adobe Clean"/>
-              </a:rPr>
-              <a:t> </a:t>
-            </a:r>
-            <a:r>
-              <a:rPr sz="1400" b="1" u="heavy" spc="-65" dirty="0">
-                <a:solidFill>
-                  <a:srgbClr val="020302"/>
-                </a:solidFill>
-                <a:uFill>
-                  <a:solidFill>
-                    <a:srgbClr val="020302"/>
-                  </a:solidFill>
-                </a:uFill>
-                <a:latin typeface="Adobe Clean"/>
-                <a:cs typeface="Adobe Clean"/>
-              </a:rPr>
-              <a:t>T</a:t>
-            </a:r>
-            <a:r>
-              <a:rPr sz="1400" b="1" u="heavy" spc="-35" dirty="0">
-                <a:solidFill>
-                  <a:srgbClr val="020302"/>
-                </a:solidFill>
-                <a:uFill>
-                  <a:solidFill>
-                    <a:srgbClr val="020302"/>
-                  </a:solidFill>
-                </a:uFill>
-                <a:latin typeface="Adobe Clean"/>
-                <a:cs typeface="Adobe Clean"/>
-              </a:rPr>
-              <a:t>a</a:t>
-            </a:r>
-            <a:r>
-              <a:rPr sz="1400" b="1" u="heavy" spc="-45" dirty="0">
-                <a:solidFill>
-                  <a:srgbClr val="020302"/>
-                </a:solidFill>
-                <a:uFill>
-                  <a:solidFill>
-                    <a:srgbClr val="020302"/>
-                  </a:solidFill>
-                </a:uFill>
-                <a:latin typeface="Adobe Clean"/>
-                <a:cs typeface="Adobe Clean"/>
-              </a:rPr>
-              <a:t>r</a:t>
-            </a:r>
-            <a:r>
-              <a:rPr sz="1400" b="1" u="heavy" spc="-35" dirty="0">
-                <a:solidFill>
-                  <a:srgbClr val="020302"/>
-                </a:solidFill>
-                <a:uFill>
-                  <a:solidFill>
-                    <a:srgbClr val="020302"/>
-                  </a:solidFill>
-                </a:uFill>
-                <a:latin typeface="Adobe Clean"/>
-                <a:cs typeface="Adobe Clean"/>
-              </a:rPr>
-              <a:t>g</a:t>
-            </a:r>
-            <a:r>
-              <a:rPr sz="1400" b="1" u="heavy" spc="-55" dirty="0">
-                <a:solidFill>
-                  <a:srgbClr val="020302"/>
-                </a:solidFill>
-                <a:uFill>
-                  <a:solidFill>
-                    <a:srgbClr val="020302"/>
-                  </a:solidFill>
-                </a:uFill>
-                <a:latin typeface="Adobe Clean"/>
-                <a:cs typeface="Adobe Clean"/>
-              </a:rPr>
-              <a:t>et</a:t>
-            </a:r>
-            <a:r>
-              <a:rPr sz="1400" b="1" u="heavy" spc="-45" dirty="0">
-                <a:solidFill>
-                  <a:srgbClr val="020302"/>
-                </a:solidFill>
-                <a:uFill>
-                  <a:solidFill>
-                    <a:srgbClr val="020302"/>
-                  </a:solidFill>
-                </a:uFill>
-                <a:latin typeface="Adobe Clean"/>
-                <a:cs typeface="Adobe Clean"/>
-              </a:rPr>
-              <a:t>s</a:t>
-            </a:r>
-            <a:r>
-              <a:rPr sz="1400" b="1" u="heavy" dirty="0">
-                <a:solidFill>
-                  <a:srgbClr val="020302"/>
-                </a:solidFill>
-                <a:uFill>
-                  <a:solidFill>
-                    <a:srgbClr val="020302"/>
-                  </a:solidFill>
-                </a:uFill>
-                <a:latin typeface="Adobe Clean"/>
-                <a:cs typeface="Adobe Clean"/>
-              </a:rPr>
-              <a:t>:</a:t>
-            </a:r>
-            <a:r>
-              <a:rPr sz="1400" b="1" u="heavy" spc="-80" dirty="0">
-                <a:solidFill>
-                  <a:srgbClr val="020302"/>
-                </a:solidFill>
-                <a:uFill>
-                  <a:solidFill>
-                    <a:srgbClr val="020302"/>
-                  </a:solidFill>
-                </a:uFill>
-                <a:latin typeface="Adobe Clean"/>
-                <a:cs typeface="Adobe Clean"/>
-              </a:rPr>
-              <a:t> </a:t>
-            </a:r>
-            <a:r>
-              <a:rPr sz="1400" b="1" u="heavy" spc="-20" dirty="0">
-                <a:solidFill>
-                  <a:srgbClr val="020302"/>
-                </a:solidFill>
-                <a:uFill>
-                  <a:solidFill>
-                    <a:srgbClr val="020302"/>
-                  </a:solidFill>
-                </a:uFill>
-                <a:latin typeface="Adobe Clean"/>
-                <a:cs typeface="Adobe Clean"/>
-              </a:rPr>
-              <a:t>I</a:t>
-            </a:r>
-            <a:r>
-              <a:rPr sz="1400" b="1" u="heavy" spc="-10" dirty="0">
-                <a:solidFill>
-                  <a:srgbClr val="020302"/>
-                </a:solidFill>
-                <a:uFill>
-                  <a:solidFill>
-                    <a:srgbClr val="020302"/>
-                  </a:solidFill>
-                </a:uFill>
-                <a:latin typeface="Adobe Clean"/>
-                <a:cs typeface="Adobe Clean"/>
-              </a:rPr>
-              <a:t>ni</a:t>
-            </a:r>
-            <a:r>
-              <a:rPr sz="1400" b="1" u="heavy" spc="-20" dirty="0">
-                <a:solidFill>
-                  <a:srgbClr val="020302"/>
-                </a:solidFill>
-                <a:uFill>
-                  <a:solidFill>
-                    <a:srgbClr val="020302"/>
-                  </a:solidFill>
-                </a:uFill>
-                <a:latin typeface="Adobe Clean"/>
-                <a:cs typeface="Adobe Clean"/>
-              </a:rPr>
-              <a:t>t</a:t>
-            </a:r>
-            <a:r>
-              <a:rPr sz="1400" b="1" u="heavy" spc="-10" dirty="0">
-                <a:solidFill>
-                  <a:srgbClr val="020302"/>
-                </a:solidFill>
-                <a:uFill>
-                  <a:solidFill>
-                    <a:srgbClr val="020302"/>
-                  </a:solidFill>
-                </a:uFill>
-                <a:latin typeface="Adobe Clean"/>
-                <a:cs typeface="Adobe Clean"/>
-              </a:rPr>
-              <a:t>i</a:t>
-            </a:r>
-            <a:r>
-              <a:rPr sz="1400" b="1" u="heavy" dirty="0">
-                <a:solidFill>
-                  <a:srgbClr val="020302"/>
-                </a:solidFill>
-                <a:uFill>
-                  <a:solidFill>
-                    <a:srgbClr val="020302"/>
-                  </a:solidFill>
-                </a:uFill>
-                <a:latin typeface="Adobe Clean"/>
-                <a:cs typeface="Adobe Clean"/>
-              </a:rPr>
-              <a:t>al</a:t>
-            </a:r>
-            <a:r>
-              <a:rPr sz="1400" b="1" u="heavy" spc="-140" dirty="0">
-                <a:solidFill>
-                  <a:srgbClr val="020302"/>
-                </a:solidFill>
-                <a:uFill>
-                  <a:solidFill>
-                    <a:srgbClr val="020302"/>
-                  </a:solidFill>
-                </a:uFill>
-                <a:latin typeface="Adobe Clean"/>
-                <a:cs typeface="Adobe Clean"/>
-              </a:rPr>
-              <a:t> </a:t>
-            </a:r>
-            <a:r>
-              <a:rPr sz="1400" b="1" u="heavy" spc="-15" dirty="0">
-                <a:solidFill>
-                  <a:srgbClr val="020302"/>
-                </a:solidFill>
-                <a:uFill>
-                  <a:solidFill>
-                    <a:srgbClr val="020302"/>
-                  </a:solidFill>
-                </a:uFill>
-                <a:latin typeface="Adobe Clean"/>
-                <a:cs typeface="Adobe Clean"/>
-              </a:rPr>
-              <a:t>R</a:t>
-            </a:r>
-            <a:r>
-              <a:rPr sz="1400" b="1" u="heavy" spc="-25" dirty="0">
-                <a:solidFill>
-                  <a:srgbClr val="020302"/>
-                </a:solidFill>
-                <a:uFill>
-                  <a:solidFill>
-                    <a:srgbClr val="020302"/>
-                  </a:solidFill>
-                </a:uFill>
-                <a:latin typeface="Adobe Clean"/>
-                <a:cs typeface="Adobe Clean"/>
-              </a:rPr>
-              <a:t>e</a:t>
-            </a:r>
-            <a:r>
-              <a:rPr sz="1400" b="1" u="heavy" spc="-15" dirty="0">
-                <a:solidFill>
-                  <a:srgbClr val="020302"/>
-                </a:solidFill>
-                <a:uFill>
-                  <a:solidFill>
-                    <a:srgbClr val="020302"/>
-                  </a:solidFill>
-                </a:uFill>
-                <a:latin typeface="Adobe Clean"/>
-                <a:cs typeface="Adobe Clean"/>
-              </a:rPr>
-              <a:t>s</a:t>
-            </a:r>
-            <a:r>
-              <a:rPr sz="1400" b="1" u="heavy" spc="-25" dirty="0">
-                <a:solidFill>
-                  <a:srgbClr val="020302"/>
-                </a:solidFill>
-                <a:uFill>
-                  <a:solidFill>
-                    <a:srgbClr val="020302"/>
-                  </a:solidFill>
-                </a:uFill>
-                <a:latin typeface="Adobe Clean"/>
-                <a:cs typeface="Adobe Clean"/>
-              </a:rPr>
-              <a:t>p</a:t>
-            </a:r>
-            <a:r>
-              <a:rPr sz="1400" b="1" u="heavy" spc="-15" dirty="0">
-                <a:solidFill>
-                  <a:srgbClr val="020302"/>
-                </a:solidFill>
-                <a:uFill>
-                  <a:solidFill>
-                    <a:srgbClr val="020302"/>
-                  </a:solidFill>
-                </a:uFill>
-                <a:latin typeface="Adobe Clean"/>
-                <a:cs typeface="Adobe Clean"/>
-              </a:rPr>
-              <a:t>ons</a:t>
-            </a:r>
-            <a:r>
-              <a:rPr sz="1400" b="1" u="heavy" dirty="0">
-                <a:solidFill>
-                  <a:srgbClr val="020302"/>
-                </a:solidFill>
-                <a:uFill>
-                  <a:solidFill>
-                    <a:srgbClr val="020302"/>
-                  </a:solidFill>
-                </a:uFill>
-                <a:latin typeface="Adobe Clean"/>
-                <a:cs typeface="Adobe Clean"/>
-              </a:rPr>
-              <a:t>e</a:t>
-            </a:r>
-            <a:endParaRPr sz="1400" dirty="0">
-              <a:latin typeface="Adobe Clean"/>
-              <a:cs typeface="Adobe Clean"/>
-            </a:endParaRPr>
+              <a:t>Service-Level-Ziele: Erste Reaktion</a:t>
+            </a:r>
           </a:p>
         </p:txBody>
       </p:sp>
@@ -2965,14 +2510,14 @@
           <p:nvPr>
             <p:extLst>
               <p:ext uri="{D42A27DB-BD31-4B8C-83A1-F6EECF244321}">
-                <p14:modId xmlns:p14="http://schemas.microsoft.com/office/powerpoint/2010/main" val="101721845"/>
+                <p14:modId xmlns:p14="http://schemas.microsoft.com/office/powerpoint/2010/main" val="765862485"/>
               </p:ext>
             </p:extLst>
           </p:nvPr>
         </p:nvGraphicFramePr>
         <p:xfrm>
           <a:off x="145668" y="7473158"/>
-          <a:ext cx="7409815" cy="2259721"/>
+          <a:ext cx="7409815" cy="2386721"/>
         </p:xfrm>
         <a:graphic>
           <a:graphicData uri="http://schemas.openxmlformats.org/drawingml/2006/table">
@@ -3018,19 +2563,15 @@
                         </a:spcBef>
                       </a:pPr>
                       <a:r>
-                        <a:rPr sz="900" spc="0" dirty="0">
+                        <a:rPr lang="de-DE" sz="900">
                           <a:solidFill>
                             <a:srgbClr val="020302"/>
                           </a:solidFill>
                           <a:latin typeface="Adobe Clean"/>
                           <a:cs typeface="Adobe Clean"/>
                         </a:rPr>
-                        <a:t>Priority</a:t>
+                        <a:t>Priorität</a:t>
                       </a:r>
-                      <a:endParaRPr sz="900" spc="0" dirty="0">
-                        <a:latin typeface="Adobe Clean"/>
-                        <a:cs typeface="Adobe Clean"/>
-                      </a:endParaRPr>
                     </a:p>
                   </a:txBody>
                   <a:tcPr marL="0" marR="0" marT="5715" marB="0" anchor="ctr">
@@ -3077,39 +2618,15 @@
                         </a:spcBef>
                       </a:pPr>
                       <a:r>
-                        <a:rPr sz="900" spc="0" dirty="0">
+                        <a:rPr lang="de-DE" sz="900">
                           <a:solidFill>
                             <a:srgbClr val="020302"/>
                           </a:solidFill>
                           <a:latin typeface="Adobe Clean"/>
                           <a:cs typeface="Adobe Clean"/>
                         </a:rPr>
-                        <a:t>Online</a:t>
+                        <a:t>Online Support</a:t>
                       </a:r>
-                      <a:r>
-                        <a:rPr lang="en-US" sz="900" spc="0" dirty="0">
-                          <a:solidFill>
-                            <a:srgbClr val="020302"/>
-                          </a:solidFill>
-                          <a:latin typeface="Adobe Clean"/>
-                          <a:cs typeface="Adobe Clean"/>
-                        </a:rPr>
-                        <a:t> </a:t>
-                      </a:r>
-                      <a:r>
-                        <a:rPr sz="900" spc="0" dirty="0">
-                          <a:solidFill>
-                            <a:srgbClr val="020302"/>
-                          </a:solidFill>
-                          <a:latin typeface="Adobe Clean"/>
-                          <a:cs typeface="Adobe Clean"/>
-                        </a:rPr>
-                        <a:t> Support</a:t>
-                      </a:r>
-                      <a:endParaRPr sz="900" spc="0" dirty="0">
-                        <a:latin typeface="Adobe Clean"/>
-                        <a:cs typeface="Adobe Clean"/>
-                      </a:endParaRPr>
                     </a:p>
                   </a:txBody>
                   <a:tcPr marL="0" marR="0" marT="5715" marB="0" anchor="ctr">
@@ -3159,39 +2676,15 @@
                         </a:spcBef>
                       </a:pPr>
                       <a:r>
-                        <a:rPr sz="900" spc="0" dirty="0">
+                        <a:rPr lang="de-DE" sz="900">
                           <a:solidFill>
                             <a:srgbClr val="FFFFFF"/>
                           </a:solidFill>
                           <a:latin typeface="Adobe Clean"/>
                           <a:cs typeface="Adobe Clean"/>
                         </a:rPr>
-                        <a:t>Elite </a:t>
+                        <a:t>Elite Support</a:t>
                       </a:r>
-                      <a:r>
-                        <a:rPr lang="en-US" sz="900" spc="0" dirty="0">
-                          <a:solidFill>
-                            <a:srgbClr val="FFFFFF"/>
-                          </a:solidFill>
-                          <a:latin typeface="Adobe Clean"/>
-                          <a:cs typeface="Adobe Clean"/>
-                        </a:rPr>
-                        <a:t> </a:t>
-                      </a:r>
-                      <a:r>
-                        <a:rPr sz="900" spc="0" dirty="0">
-                          <a:solidFill>
-                            <a:srgbClr val="FFFFFF"/>
-                          </a:solidFill>
-                          <a:latin typeface="Adobe Clean"/>
-                          <a:cs typeface="Adobe Clean"/>
-                        </a:rPr>
-                        <a:t>Support</a:t>
-                      </a:r>
-                      <a:endParaRPr sz="900" spc="0" dirty="0">
-                        <a:latin typeface="Adobe Clean"/>
-                        <a:cs typeface="Adobe Clean"/>
-                      </a:endParaRPr>
                     </a:p>
                   </a:txBody>
                   <a:tcPr marL="0" marR="0" marT="8255" marB="0" anchor="ctr">
@@ -3248,19 +2741,15 @@
                         </a:spcBef>
                       </a:pPr>
                       <a:r>
-                        <a:rPr sz="900" b="1" spc="0" dirty="0">
+                        <a:rPr lang="de-DE" sz="900" b="1" dirty="0">
                           <a:solidFill>
                             <a:srgbClr val="020302"/>
                           </a:solidFill>
                           <a:latin typeface="Adobe Clean"/>
                           <a:cs typeface="Adobe Clean"/>
                         </a:rPr>
-                        <a:t>PRIORITY 1</a:t>
+                        <a:t>PRIORITÄT 1</a:t>
                       </a:r>
-                      <a:endParaRPr sz="900" spc="0" dirty="0">
-                        <a:latin typeface="Adobe Clean"/>
-                        <a:cs typeface="Adobe Clean"/>
-                      </a:endParaRPr>
                     </a:p>
                     <a:p>
                       <a:pPr marL="50165" marR="495934" algn="l">
@@ -3272,19 +2761,31 @@
                         </a:spcBef>
                       </a:pPr>
                       <a:r>
-                        <a:rPr lang="en-US" sz="900" b="0" i="0" u="none" strike="noStrike" spc="0" dirty="0">
+                        <a:rPr lang="de-DE" sz="900" b="0" i="0" u="none" strike="noStrike" dirty="0">
                           <a:solidFill>
                             <a:srgbClr val="000000"/>
                           </a:solidFill>
-                          <a:effectLst/>
                           <a:latin typeface="Adobe Clean Light" panose="020B0303020404020204" pitchFamily="34" charset="0"/>
                         </a:rPr>
-                        <a:t>Customer's production business functions are down or have significant data loss or service degradation and immediate attention is required to restore functionality and usability</a:t>
+                        <a:t>Die Produktionsfunktionen im Unternehmen des Kunden sind ausgefallen oder weisen </a:t>
                       </a:r>
-                      <a:endParaRPr sz="900" spc="0" dirty="0">
-                        <a:latin typeface="AdobeClean-Light"/>
-                        <a:cs typeface="AdobeClean-Light"/>
-                      </a:endParaRPr>
+                      <a:br>
+                        <a:rPr lang="sk-SK" sz="900" b="0" i="0" u="none" strike="noStrike" dirty="0">
+                          <a:solidFill>
+                            <a:srgbClr val="000000"/>
+                          </a:solidFill>
+                          <a:latin typeface="Adobe Clean Light" panose="020B0303020404020204" pitchFamily="34" charset="0"/>
+                        </a:rPr>
+                      </a:br>
+                      <a:r>
+                        <a:rPr lang="de-DE" sz="900" b="0" i="0" u="none" strike="noStrike" dirty="0">
+                          <a:solidFill>
+                            <a:srgbClr val="000000"/>
+                          </a:solidFill>
+                          <a:latin typeface="Adobe Clean Light" panose="020B0303020404020204" pitchFamily="34" charset="0"/>
+                        </a:rPr>
+                        <a:t>einen erheblichen Datenverlust oder eine Beeinträchtigung des Service auf und ein sofortiges Eingreifen ist nötig, um Funktionalität und Nutzbarkeit wiederherzustellen</a:t>
+                      </a:r>
                     </a:p>
                   </a:txBody>
                   <a:tcPr marL="0" marR="0" marT="0" marB="0" anchor="ctr">
@@ -3322,85 +2823,40 @@
                     <a:bodyPr/>
                     <a:lstStyle/>
                     <a:p>
-                      <a:pPr marL="542925" marR="492125" algn="l">
+                      <a:pPr marL="457200" marR="492125" indent="-57150" algn="ctr" defTabSz="1143000">
                         <a:lnSpc>
                           <a:spcPct val="102200"/>
                         </a:lnSpc>
                       </a:pPr>
                       <a:r>
-                        <a:rPr sz="900" spc="0" dirty="0">
+                        <a:rPr lang="de-DE" sz="900" dirty="0">
                           <a:solidFill>
                             <a:srgbClr val="020302"/>
                           </a:solidFill>
                           <a:latin typeface="AdobeClean-Light"/>
                           <a:cs typeface="AdobeClean-Light"/>
                         </a:rPr>
-                        <a:t>24x7</a:t>
+                        <a:t>24x7/</a:t>
                       </a:r>
-                      <a:r>
-                        <a:rPr lang="en-US" sz="900" spc="0" dirty="0">
+                      <a:br>
+                        <a:rPr lang="sk-SK" sz="900" dirty="0">
                           <a:solidFill>
                             <a:srgbClr val="020302"/>
                           </a:solidFill>
                           <a:latin typeface="AdobeClean-Light"/>
                           <a:cs typeface="AdobeClean-Light"/>
                         </a:rPr>
-                        <a:t> </a:t>
-                      </a:r>
+                      </a:br>
                       <a:r>
-                        <a:rPr sz="900" spc="0" dirty="0">
+                        <a:rPr lang="de-DE" sz="900" dirty="0">
                           <a:solidFill>
                             <a:srgbClr val="020302"/>
                           </a:solidFill>
                           <a:latin typeface="AdobeClean-Light"/>
                           <a:cs typeface="AdobeClean-Light"/>
                         </a:rPr>
-                        <a:t>/</a:t>
+                        <a:t>1 Stunde</a:t>
                       </a:r>
-                      <a:r>
-                        <a:rPr lang="en-US" sz="900" spc="0" dirty="0">
-                          <a:solidFill>
-                            <a:srgbClr val="020302"/>
-                          </a:solidFill>
-                          <a:latin typeface="AdobeClean-Light"/>
-                          <a:cs typeface="AdobeClean-Light"/>
-                        </a:rPr>
-                        <a:t>         </a:t>
-                      </a:r>
-                      <a:r>
-                        <a:rPr sz="900" spc="0" dirty="0">
-                          <a:solidFill>
-                            <a:srgbClr val="020302"/>
-                          </a:solidFill>
-                          <a:latin typeface="AdobeClean-Light"/>
-                          <a:cs typeface="AdobeClean-Light"/>
-                        </a:rPr>
-                        <a:t>  1</a:t>
-                      </a:r>
-                      <a:r>
-                        <a:rPr lang="en-US" sz="900" spc="0" dirty="0">
-                          <a:solidFill>
-                            <a:srgbClr val="020302"/>
-                          </a:solidFill>
-                          <a:latin typeface="AdobeClean-Light"/>
-                          <a:cs typeface="AdobeClean-Light"/>
-                        </a:rPr>
-                        <a:t> </a:t>
-                      </a:r>
-                      <a:r>
-                        <a:rPr sz="900" spc="0" dirty="0">
-                          <a:solidFill>
-                            <a:srgbClr val="020302"/>
-                          </a:solidFill>
-                          <a:latin typeface="AdobeClean-Light"/>
-                          <a:cs typeface="AdobeClean-Light"/>
-                        </a:rPr>
-                        <a:t>hour</a:t>
-                      </a:r>
-                      <a:endParaRPr sz="900" spc="0" dirty="0">
-                        <a:latin typeface="AdobeClean-Light"/>
-                        <a:cs typeface="AdobeClean-Light"/>
-                      </a:endParaRPr>
                     </a:p>
                   </a:txBody>
                   <a:tcPr marL="0" marR="0" marT="0" marB="0" anchor="ctr">
@@ -3438,75 +2894,40 @@
                     <a:bodyPr/>
                     <a:lstStyle/>
                     <a:p>
-                      <a:pPr marL="405130" marR="459740" indent="92710" algn="l">
+                      <a:pPr marL="405130" marR="459740" indent="92710" algn="ctr">
                         <a:lnSpc>
                           <a:spcPct val="100000"/>
                         </a:lnSpc>
                       </a:pPr>
                       <a:r>
-                        <a:rPr lang="en-US" sz="900" spc="0" dirty="0">
+                        <a:rPr lang="de-DE" sz="900" dirty="0">
                           <a:solidFill>
                             <a:srgbClr val="020302"/>
                           </a:solidFill>
                           <a:latin typeface="AdobeClean-Light"/>
                           <a:cs typeface="AdobeClean-Light"/>
                         </a:rPr>
-                        <a:t>2</a:t>
+                        <a:t>24x7/</a:t>
                       </a:r>
-                      <a:r>
-                        <a:rPr sz="900" spc="0" dirty="0">
+                      <a:br>
+                        <a:rPr lang="sk-SK" sz="900" dirty="0">
                           <a:solidFill>
                             <a:srgbClr val="020302"/>
                           </a:solidFill>
                           <a:latin typeface="AdobeClean-Light"/>
                           <a:cs typeface="AdobeClean-Light"/>
                         </a:rPr>
-                        <a:t>4x7 / </a:t>
-                      </a:r>
+                      </a:br>
                       <a:r>
-                        <a:rPr lang="en-US" sz="900" spc="0" dirty="0">
+                        <a:rPr lang="de-DE" sz="900" dirty="0">
                           <a:solidFill>
                             <a:srgbClr val="020302"/>
                           </a:solidFill>
                           <a:latin typeface="AdobeClean-Light"/>
                           <a:cs typeface="AdobeClean-Light"/>
                         </a:rPr>
-                        <a:t> </a:t>
+                        <a:t>15 Minuten</a:t>
                       </a:r>
-                      <a:r>
-                        <a:rPr sz="900" spc="0" dirty="0">
-                          <a:solidFill>
-                            <a:srgbClr val="020302"/>
-                          </a:solidFill>
-                          <a:latin typeface="AdobeClean-Light"/>
-                          <a:cs typeface="AdobeClean-Light"/>
-                        </a:rPr>
-                        <a:t> 15</a:t>
-                      </a:r>
-                      <a:r>
-                        <a:rPr lang="en-US" sz="900" spc="0" dirty="0">
-                          <a:solidFill>
-                            <a:srgbClr val="020302"/>
-                          </a:solidFill>
-                          <a:latin typeface="AdobeClean-Light"/>
-                          <a:cs typeface="AdobeClean-Light"/>
-                        </a:rPr>
-                        <a:t> </a:t>
-                      </a:r>
-                      <a:r>
-                        <a:rPr sz="900" spc="0" dirty="0">
-                          <a:solidFill>
-                            <a:srgbClr val="020302"/>
-                          </a:solidFill>
-                          <a:latin typeface="AdobeClean-Light"/>
-                          <a:cs typeface="AdobeClean-Light"/>
-                        </a:rPr>
-                        <a:t>minutes</a:t>
-                      </a:r>
-                      <a:endParaRPr sz="900" spc="0" dirty="0">
-                        <a:latin typeface="AdobeClean-Light"/>
-                        <a:cs typeface="AdobeClean-Light"/>
-                      </a:endParaRPr>
                     </a:p>
                   </a:txBody>
                   <a:tcPr marL="0" marR="0" marT="2540" marB="0" anchor="ctr">
@@ -3568,19 +2989,15 @@
                         </a:spcBef>
                       </a:pPr>
                       <a:r>
-                        <a:rPr sz="900" b="1" spc="0" dirty="0">
+                        <a:rPr lang="de-DE" sz="900" b="1" dirty="0">
                           <a:solidFill>
                             <a:srgbClr val="020302"/>
                           </a:solidFill>
                           <a:latin typeface="Adobe Clean"/>
                           <a:cs typeface="Adobe Clean"/>
                         </a:rPr>
-                        <a:t>PRIORITY 2</a:t>
+                        <a:t>PRIORITÄT 2</a:t>
                       </a:r>
-                      <a:endParaRPr sz="900" spc="0" dirty="0">
-                        <a:latin typeface="Adobe Clean"/>
-                        <a:cs typeface="Adobe Clean"/>
-                      </a:endParaRPr>
                     </a:p>
                     <a:p>
                       <a:pPr marL="49530" marR="719455" algn="l">
@@ -3592,19 +3009,31 @@
                         </a:spcBef>
                       </a:pPr>
                       <a:r>
-                        <a:rPr lang="en-US" sz="900" b="0" i="0" u="none" strike="noStrike" spc="0" dirty="0">
+                        <a:rPr lang="de-DE" sz="900" b="0" i="0" u="none" strike="noStrike" dirty="0">
                           <a:solidFill>
                             <a:srgbClr val="000000"/>
                           </a:solidFill>
-                          <a:effectLst/>
                           <a:latin typeface="Adobe Clean Light" panose="020B0303020404020204" pitchFamily="34" charset="0"/>
                         </a:rPr>
-                        <a:t>Customer's business functions have major service degradation or potential data loss, or a major feature is impacted</a:t>
+                        <a:t>Die Unternehmensfunktionen des Kunden weisen eine erhebliche Beeinträchtigung </a:t>
                       </a:r>
-                      <a:endParaRPr sz="900" spc="0" dirty="0">
-                        <a:latin typeface="AdobeClean-Light"/>
-                        <a:cs typeface="AdobeClean-Light"/>
-                      </a:endParaRPr>
+                      <a:br>
+                        <a:rPr lang="sk-SK" sz="900" b="0" i="0" u="none" strike="noStrike" dirty="0">
+                          <a:solidFill>
+                            <a:srgbClr val="000000"/>
+                          </a:solidFill>
+                          <a:latin typeface="Adobe Clean Light" panose="020B0303020404020204" pitchFamily="34" charset="0"/>
+                        </a:rPr>
+                      </a:br>
+                      <a:r>
+                        <a:rPr lang="de-DE" sz="900" b="0" i="0" u="none" strike="noStrike" dirty="0">
+                          <a:solidFill>
+                            <a:srgbClr val="000000"/>
+                          </a:solidFill>
+                          <a:latin typeface="Adobe Clean Light" panose="020B0303020404020204" pitchFamily="34" charset="0"/>
+                        </a:rPr>
+                        <a:t>des Service oder möglichen Datenverlust auf oder eine zentrale Funktion ist betroffen</a:t>
+                      </a:r>
                     </a:p>
                   </a:txBody>
                   <a:tcPr marL="0" marR="0" marT="0" marB="0" anchor="ctr">
@@ -3648,59 +3077,15 @@
                         </a:lnSpc>
                       </a:pPr>
                       <a:r>
-                        <a:rPr sz="900" spc="0" dirty="0">
+                        <a:rPr lang="de-DE" sz="900">
                           <a:solidFill>
                             <a:srgbClr val="020302"/>
                           </a:solidFill>
                           <a:latin typeface="AdobeClean-Light"/>
                           <a:cs typeface="AdobeClean-Light"/>
                         </a:rPr>
-                        <a:t>Business hours</a:t>
+                        <a:t>Geschäftszeiten/4 Stunden</a:t>
                       </a:r>
-                      <a:r>
-                        <a:rPr lang="en-US" sz="900" spc="0" dirty="0">
-                          <a:solidFill>
-                            <a:srgbClr val="020302"/>
-                          </a:solidFill>
-                          <a:latin typeface="AdobeClean-Light"/>
-                          <a:cs typeface="AdobeClean-Light"/>
-                        </a:rPr>
-                        <a:t> </a:t>
-                      </a:r>
-                      <a:r>
-                        <a:rPr sz="900" spc="0" dirty="0">
-                          <a:solidFill>
-                            <a:srgbClr val="020302"/>
-                          </a:solidFill>
-                          <a:latin typeface="AdobeClean-Light"/>
-                          <a:cs typeface="AdobeClean-Light"/>
-                        </a:rPr>
-                        <a:t>/  </a:t>
-                      </a:r>
-                      <a:r>
-                        <a:rPr lang="en-US" sz="900" spc="0" dirty="0">
-                          <a:solidFill>
-                            <a:srgbClr val="020302"/>
-                          </a:solidFill>
-                          <a:latin typeface="AdobeClean-Light"/>
-                          <a:cs typeface="AdobeClean-Light"/>
-                        </a:rPr>
-                        <a:t>     </a:t>
-                      </a:r>
-                      <a:r>
-                        <a:rPr sz="900" spc="0" dirty="0">
-                          <a:solidFill>
-                            <a:srgbClr val="020302"/>
-                          </a:solidFill>
-                          <a:latin typeface="AdobeClean-Light"/>
-                          <a:cs typeface="AdobeClean-Light"/>
-                        </a:rPr>
-                        <a:t>4 hours</a:t>
-                      </a:r>
-                      <a:endParaRPr sz="900" spc="0" dirty="0">
-                        <a:latin typeface="AdobeClean-Light"/>
-                        <a:cs typeface="AdobeClean-Light"/>
-                      </a:endParaRPr>
                     </a:p>
                   </a:txBody>
                   <a:tcPr marL="0" marR="0" marT="0" marB="0" anchor="ctr">
@@ -3735,45 +3120,40 @@
                     <a:bodyPr/>
                     <a:lstStyle/>
                     <a:p>
-                      <a:pPr marL="351790" marR="481330" indent="144145" algn="l">
+                      <a:pPr marL="351790" marR="481330" indent="144145" algn="ctr">
                         <a:lnSpc>
                           <a:spcPct val="102299"/>
                         </a:lnSpc>
                       </a:pPr>
                       <a:r>
-                        <a:rPr sz="900" spc="0" dirty="0">
+                        <a:rPr lang="de-DE" sz="900" dirty="0">
                           <a:solidFill>
                             <a:srgbClr val="020302"/>
                           </a:solidFill>
                           <a:latin typeface="AdobeClean-Light"/>
                           <a:cs typeface="AdobeClean-Light"/>
                         </a:rPr>
-                        <a:t>24x5 /  30</a:t>
+                        <a:t>24x5/</a:t>
                       </a:r>
-                      <a:r>
-                        <a:rPr lang="en-US" sz="900" spc="0" dirty="0">
+                      <a:br>
+                        <a:rPr lang="sk-SK" sz="900" dirty="0">
                           <a:solidFill>
                             <a:srgbClr val="020302"/>
                           </a:solidFill>
                           <a:latin typeface="AdobeClean-Light"/>
                           <a:cs typeface="AdobeClean-Light"/>
                         </a:rPr>
-                        <a:t> m</a:t>
-                      </a:r>
+                      </a:br>
                       <a:r>
-                        <a:rPr sz="900" spc="0" dirty="0">
+                        <a:rPr lang="de-DE" sz="900" dirty="0">
                           <a:solidFill>
                             <a:srgbClr val="020302"/>
                           </a:solidFill>
                           <a:latin typeface="AdobeClean-Light"/>
                           <a:cs typeface="AdobeClean-Light"/>
                         </a:rPr>
-                        <a:t>inutes</a:t>
+                        <a:t>30 Minuten</a:t>
                       </a:r>
-                      <a:endParaRPr sz="900" spc="0" dirty="0">
-                        <a:latin typeface="AdobeClean-Light"/>
-                        <a:cs typeface="AdobeClean-Light"/>
-                      </a:endParaRPr>
                     </a:p>
                   </a:txBody>
                   <a:tcPr marL="0" marR="0" marT="5080" marB="0" anchor="ctr">
@@ -3832,19 +3212,15 @@
                         </a:spcBef>
                       </a:pPr>
                       <a:r>
-                        <a:rPr sz="900" b="1" spc="0" dirty="0">
+                        <a:rPr lang="de-DE" sz="900" b="1" dirty="0">
                           <a:solidFill>
                             <a:srgbClr val="020302"/>
                           </a:solidFill>
                           <a:latin typeface="Adobe Clean"/>
                           <a:cs typeface="Adobe Clean"/>
                         </a:rPr>
-                        <a:t>PRIORITY 3</a:t>
+                        <a:t>PRIORITÄT 3</a:t>
                       </a:r>
-                      <a:endParaRPr sz="900" spc="0" dirty="0">
-                        <a:latin typeface="Adobe Clean"/>
-                        <a:cs typeface="Adobe Clean"/>
-                      </a:endParaRPr>
                     </a:p>
                     <a:p>
                       <a:pPr marL="48895" marR="387985" indent="-2540" algn="l">
@@ -3856,19 +3232,31 @@
                         </a:spcBef>
                       </a:pPr>
                       <a:r>
-                        <a:rPr lang="en-US" sz="900" b="0" i="0" u="none" strike="noStrike" spc="0" dirty="0">
+                        <a:rPr lang="de-DE" sz="900" b="0" i="0" u="none" strike="noStrike" dirty="0">
                           <a:solidFill>
                             <a:srgbClr val="000000"/>
                           </a:solidFill>
-                          <a:effectLst/>
                           <a:latin typeface="Adobe Clean Light" panose="020B0303020404020204" pitchFamily="34" charset="0"/>
                         </a:rPr>
-                        <a:t>Customer’s business functions has minor to no service degradation but there exists a solution/workaround allowing business functions to continue normally</a:t>
+                        <a:t>Die Unternehmensfunktionen des Kunden weisen eine geringfügige oder gar keine Beeinträchtigung des Service auf, es gibt jedoch eine Lösung/Problemumgehung, </a:t>
                       </a:r>
-                      <a:endParaRPr sz="900" spc="0" dirty="0">
-                        <a:latin typeface="AdobeClean-Light"/>
-                        <a:cs typeface="AdobeClean-Light"/>
-                      </a:endParaRPr>
+                      <a:br>
+                        <a:rPr lang="sk-SK" sz="900" b="0" i="0" u="none" strike="noStrike" dirty="0">
+                          <a:solidFill>
+                            <a:srgbClr val="000000"/>
+                          </a:solidFill>
+                          <a:latin typeface="Adobe Clean Light" panose="020B0303020404020204" pitchFamily="34" charset="0"/>
+                        </a:rPr>
+                      </a:br>
+                      <a:r>
+                        <a:rPr lang="de-DE" sz="900" b="0" i="0" u="none" strike="noStrike" dirty="0">
+                          <a:solidFill>
+                            <a:srgbClr val="000000"/>
+                          </a:solidFill>
+                          <a:latin typeface="Adobe Clean Light" panose="020B0303020404020204" pitchFamily="34" charset="0"/>
+                        </a:rPr>
+                        <a:t>mit der die Unternehmensfunktionen weiterhin normal genutzt werden können</a:t>
+                      </a:r>
                     </a:p>
                   </a:txBody>
                   <a:tcPr marL="0" marR="0" marT="0" marB="0" anchor="ctr">
@@ -3912,19 +3300,15 @@
                         </a:lnSpc>
                       </a:pPr>
                       <a:r>
-                        <a:rPr lang="en-US" sz="900" spc="0" dirty="0">
+                        <a:rPr lang="de-DE" sz="900">
                           <a:solidFill>
                             <a:srgbClr val="020302"/>
                           </a:solidFill>
                           <a:latin typeface="AdobeClean-Light"/>
                           <a:cs typeface="AdobeClean-Light"/>
                         </a:rPr>
-                        <a:t>Business hours /       6 hours</a:t>
+                        <a:t>Geschäftszeiten/6 Stunden</a:t>
                       </a:r>
-                      <a:endParaRPr lang="en-US" sz="900" spc="0" dirty="0">
-                        <a:latin typeface="AdobeClean-Light"/>
-                        <a:cs typeface="AdobeClean-Light"/>
-                      </a:endParaRPr>
                     </a:p>
                   </a:txBody>
                   <a:tcPr marL="0" marR="0" marT="0" marB="0" anchor="ctr">
@@ -3965,7 +3349,7 @@
                         </a:lnSpc>
                       </a:pPr>
                       <a:r>
-                        <a:rPr lang="en-US" sz="900" spc="0" dirty="0">
+                        <a:rPr lang="de-DE" sz="900" dirty="0">
                           <a:solidFill>
                             <a:srgbClr val="020302"/>
                           </a:solidFill>
@@ -3976,7 +3360,7 @@
                         <a:t>2</a:t>
                       </a:r>
                       <a:r>
-                        <a:rPr sz="900" spc="0" dirty="0">
+                        <a:rPr lang="de-DE" sz="900" dirty="0">
                           <a:solidFill>
                             <a:srgbClr val="020302"/>
                           </a:solidFill>
@@ -3984,29 +3368,7 @@
                           <a:ea typeface="+mn-ea"/>
                           <a:cs typeface="AdobeClean-Light"/>
                         </a:rPr>
-                        <a:t>4x5/  </a:t>
-                      </a:r>
-                      <a:r>
-                        <a:rPr lang="en-US" sz="900" spc="0" dirty="0">
-                          <a:solidFill>
-                            <a:srgbClr val="020302"/>
-                          </a:solidFill>
-                          <a:latin typeface="AdobeClean-Light"/>
-                          <a:ea typeface="+mn-ea"/>
-                          <a:cs typeface="AdobeClean-Light"/>
-                        </a:rPr>
-                        <a:t> </a:t>
-                      </a:r>
-                      <a:r>
-                        <a:rPr sz="900" spc="0" dirty="0">
-                          <a:solidFill>
-                            <a:srgbClr val="020302"/>
-                          </a:solidFill>
-                          <a:latin typeface="AdobeClean-Light"/>
-                          <a:ea typeface="+mn-ea"/>
-                          <a:cs typeface="AdobeClean-Light"/>
-                        </a:rPr>
-                        <a:t>1 hour</a:t>
+                        <a:t>4x5/1 Stunde</a:t>
                       </a:r>
                     </a:p>
                   </a:txBody>
@@ -4066,19 +3428,15 @@
                         </a:spcBef>
                       </a:pPr>
                       <a:r>
-                        <a:rPr sz="900" b="1" spc="0" dirty="0">
+                        <a:rPr lang="de-DE" sz="900" b="1">
                           <a:solidFill>
                             <a:srgbClr val="020302"/>
                           </a:solidFill>
                           <a:latin typeface="Adobe Clean"/>
                           <a:cs typeface="Adobe Clean"/>
                         </a:rPr>
-                        <a:t>PRIORITY 4</a:t>
+                        <a:t>PRIORITÄT 4</a:t>
                       </a:r>
-                      <a:endParaRPr sz="900" spc="0" dirty="0">
-                        <a:latin typeface="Adobe Clean"/>
-                        <a:cs typeface="Adobe Clean"/>
-                      </a:endParaRPr>
                     </a:p>
                     <a:p>
                       <a:pPr marL="62230" algn="l">
@@ -4090,19 +3448,14 @@
                         </a:spcBef>
                       </a:pPr>
                       <a:r>
-                        <a:rPr lang="en-US" sz="900" b="0" i="0" u="none" strike="noStrike" spc="0" dirty="0">
+                        <a:rPr lang="de-DE" sz="900" b="0" i="0" u="none" strike="noStrike">
                           <a:solidFill>
                             <a:srgbClr val="000000"/>
                           </a:solidFill>
-                          <a:effectLst/>
                           <a:latin typeface="Adobe Clean Light" panose="020B0303020404020204" pitchFamily="34" charset="0"/>
                         </a:rPr>
-                        <a:t>General question regarding current product functionality or an enhancement request</a:t>
+                        <a:t>Allgemeine Frage zur aktuellen Produktfunktionalität oder Anfrage zu einer Erweiterung</a:t>
                       </a:r>
-                      <a:endParaRPr sz="900" spc="0" dirty="0">
-                        <a:latin typeface="AdobeClean-Light"/>
-                        <a:cs typeface="AdobeClean-Light"/>
-                      </a:endParaRPr>
                     </a:p>
                   </a:txBody>
                   <a:tcPr marL="0" marR="0" marT="0" marB="0" anchor="ctr">
@@ -4146,19 +3499,34 @@
                         </a:lnSpc>
                       </a:pPr>
                       <a:r>
-                        <a:rPr lang="en-US" sz="900" spc="0" dirty="0">
+                        <a:rPr lang="de-DE" sz="900" dirty="0">
                           <a:solidFill>
                             <a:srgbClr val="020302"/>
                           </a:solidFill>
                           <a:latin typeface="AdobeClean-Light"/>
                           <a:cs typeface="AdobeClean-Light"/>
                         </a:rPr>
-                        <a:t>Business days /       3 days</a:t>
+                        <a:t>Geschäftstage/</a:t>
                       </a:r>
-                      <a:endParaRPr lang="en-US" sz="900" spc="0" dirty="0">
-                        <a:latin typeface="AdobeClean-Light"/>
-                        <a:cs typeface="AdobeClean-Light"/>
-                      </a:endParaRPr>
+                      <a:br>
+                        <a:rPr lang="sk-SK" sz="900" dirty="0">
+                          <a:solidFill>
+                            <a:srgbClr val="020302"/>
+                          </a:solidFill>
+                          <a:latin typeface="AdobeClean-Light"/>
+                          <a:cs typeface="AdobeClean-Light"/>
+                        </a:rPr>
+                      </a:br>
+                      <a:r>
+                        <a:rPr lang="de-DE" sz="900" dirty="0">
+                          <a:solidFill>
+                            <a:srgbClr val="020302"/>
+                          </a:solidFill>
+                          <a:latin typeface="AdobeClean-Light"/>
+                          <a:cs typeface="AdobeClean-Light"/>
+                        </a:rPr>
+                        <a:t>3 Tage</a:t>
+                      </a:r>
                     </a:p>
                   </a:txBody>
                   <a:tcPr marL="0" marR="0" marT="0" marB="0" anchor="ctr">
@@ -4193,25 +3561,40 @@
                     <a:bodyPr/>
                     <a:lstStyle/>
                     <a:p>
-                      <a:pPr marL="473709" marR="343535" indent="-175895" algn="l">
+                      <a:pPr marL="473709" marR="343535" indent="-175895" algn="ctr">
                         <a:lnSpc>
                           <a:spcPct val="102200"/>
                         </a:lnSpc>
                       </a:pPr>
                       <a:r>
-                        <a:rPr lang="en-US" sz="900" spc="0" dirty="0">
+                        <a:rPr lang="de-DE" sz="900" dirty="0">
                           <a:solidFill>
                             <a:srgbClr val="020302"/>
                           </a:solidFill>
                           <a:latin typeface="AdobeClean-Light"/>
                           <a:cs typeface="AdobeClean-Light"/>
                         </a:rPr>
-                        <a:t>Business days /       1 day</a:t>
+                        <a:t>Geschäftstage/</a:t>
                       </a:r>
-                      <a:endParaRPr lang="en-US" sz="900" spc="0" dirty="0">
-                        <a:latin typeface="AdobeClean-Light"/>
-                        <a:cs typeface="AdobeClean-Light"/>
-                      </a:endParaRPr>
+                      <a:br>
+                        <a:rPr lang="sk-SK" sz="900" dirty="0">
+                          <a:solidFill>
+                            <a:srgbClr val="020302"/>
+                          </a:solidFill>
+                          <a:latin typeface="AdobeClean-Light"/>
+                          <a:cs typeface="AdobeClean-Light"/>
+                        </a:rPr>
+                      </a:br>
+                      <a:r>
+                        <a:rPr lang="de-DE" sz="900" dirty="0">
+                          <a:solidFill>
+                            <a:srgbClr val="020302"/>
+                          </a:solidFill>
+                          <a:latin typeface="AdobeClean-Light"/>
+                          <a:cs typeface="AdobeClean-Light"/>
+                        </a:rPr>
+                        <a:t>1 Tag</a:t>
+                      </a:r>
                     </a:p>
                   </a:txBody>
                   <a:tcPr marL="0" marR="0" marT="27940" marB="0" anchor="ctr">
@@ -4289,8 +3672,8 @@
         </p:nvSpPr>
         <p:spPr>
           <a:xfrm>
-            <a:off x="97787" y="9888626"/>
-            <a:ext cx="2202180" cy="149860"/>
+            <a:off x="97786" y="9888626"/>
+            <a:ext cx="2645413" cy="133370"/>
           </a:xfrm>
           <a:prstGeom prst="rect">
             <a:avLst/>
@@ -4311,99 +3694,15 @@
               </a:spcBef>
             </a:pPr>
             <a:r>
-              <a:rPr sz="800" spc="-15" dirty="0">
+              <a:rPr lang="de-DE" sz="800" dirty="0">
                 <a:solidFill>
                   <a:srgbClr val="6D6D6D"/>
                 </a:solidFill>
                 <a:latin typeface="Adobe Clean"/>
                 <a:cs typeface="Adobe Clean"/>
               </a:rPr>
-              <a:t>©2021 </a:t>
-            </a:r>
-            <a:r>
-              <a:rPr sz="800" spc="-5" dirty="0">
-                <a:solidFill>
-                  <a:srgbClr val="6D6D6D"/>
-                </a:solidFill>
-                <a:latin typeface="Adobe Clean"/>
-                <a:cs typeface="Adobe Clean"/>
-              </a:rPr>
-              <a:t>Adobe. All</a:t>
-            </a:r>
-            <a:r>
-              <a:rPr sz="800" spc="-15" dirty="0">
-                <a:solidFill>
-                  <a:srgbClr val="6D6D6D"/>
-                </a:solidFill>
-                <a:latin typeface="Adobe Clean"/>
-                <a:cs typeface="Adobe Clean"/>
-              </a:rPr>
-              <a:t> Rights</a:t>
-            </a:r>
-            <a:r>
-              <a:rPr sz="800" spc="-5" dirty="0">
-                <a:solidFill>
-                  <a:srgbClr val="6D6D6D"/>
-                </a:solidFill>
-                <a:latin typeface="Adobe Clean"/>
-                <a:cs typeface="Adobe Clean"/>
-              </a:rPr>
-              <a:t> </a:t>
-            </a:r>
-            <a:r>
-              <a:rPr sz="800" spc="-15" dirty="0">
-                <a:solidFill>
-                  <a:srgbClr val="6D6D6D"/>
-                </a:solidFill>
-                <a:latin typeface="Adobe Clean"/>
-                <a:cs typeface="Adobe Clean"/>
-              </a:rPr>
-              <a:t>Reserved.</a:t>
-            </a:r>
-            <a:r>
-              <a:rPr sz="800" spc="-10" dirty="0">
-                <a:solidFill>
-                  <a:srgbClr val="6D6D6D"/>
-                </a:solidFill>
-                <a:latin typeface="Adobe Clean"/>
-                <a:cs typeface="Adobe Clean"/>
-              </a:rPr>
-              <a:t> </a:t>
-            </a:r>
-            <a:r>
-              <a:rPr sz="800" spc="-5" dirty="0">
-                <a:solidFill>
-                  <a:srgbClr val="6D6D6D"/>
-                </a:solidFill>
-                <a:latin typeface="Adobe Clean"/>
-                <a:cs typeface="Adobe Clean"/>
-              </a:rPr>
-              <a:t>Adobe</a:t>
-            </a:r>
-            <a:r>
-              <a:rPr sz="800" spc="65" dirty="0">
-                <a:solidFill>
-                  <a:srgbClr val="6D6D6D"/>
-                </a:solidFill>
-                <a:latin typeface="Adobe Clean"/>
-                <a:cs typeface="Adobe Clean"/>
-              </a:rPr>
-              <a:t> </a:t>
-            </a:r>
-            <a:r>
-              <a:rPr sz="800" spc="-15" dirty="0">
-                <a:solidFill>
-                  <a:srgbClr val="6D6D6D"/>
-                </a:solidFill>
-                <a:latin typeface="Adobe Clean"/>
-                <a:cs typeface="Adobe Clean"/>
-              </a:rPr>
-              <a:t>Confidential.</a:t>
-            </a:r>
-            <a:endParaRPr sz="800">
-              <a:latin typeface="Adobe Clean"/>
-              <a:cs typeface="Adobe Clean"/>
-            </a:endParaRPr>
+              <a:t>©2021 Adobe. All Rights Reserved. Adobe Confidential.</a:t>
+            </a:r>
           </a:p>
         </p:txBody>
       </p:sp>
@@ -4421,7 +3720,7 @@
         </p:nvSpPr>
         <p:spPr>
           <a:xfrm>
-            <a:off x="387610" y="421174"/>
+            <a:off x="387610" y="457200"/>
             <a:ext cx="2156171" cy="200055"/>
           </a:xfrm>
           <a:prstGeom prst="rect">
@@ -4436,7 +3735,7 @@
           <a:lstStyle/>
           <a:p>
             <a:r>
-              <a:rPr lang="en-US" sz="700" i="1" dirty="0">
+              <a:rPr lang="de-DE" sz="700" i="1" dirty="0">
                 <a:solidFill>
                   <a:schemeClr val="bg1"/>
                 </a:solidFill>
@@ -4461,7 +3760,7 @@
           <p:nvPr>
             <p:extLst>
               <p:ext uri="{D42A27DB-BD31-4B8C-83A1-F6EECF244321}">
-                <p14:modId xmlns:p14="http://schemas.microsoft.com/office/powerpoint/2010/main" val="1734001763"/>
+                <p14:modId xmlns:p14="http://schemas.microsoft.com/office/powerpoint/2010/main" val="1066754650"/>
               </p:ext>
             </p:extLst>
           </p:nvPr>
@@ -4550,39 +3849,15 @@
                         <a:defRPr/>
                       </a:pPr>
                       <a:r>
-                        <a:rPr lang="en-US" sz="900" spc="-20" dirty="0">
+                        <a:rPr lang="de-DE" sz="900">
                           <a:solidFill>
                             <a:srgbClr val="404040"/>
                           </a:solidFill>
                           <a:latin typeface="Adobe Clean"/>
                           <a:cs typeface="Adobe Clean"/>
                         </a:rPr>
-                        <a:t>Online </a:t>
+                        <a:t>Online Support</a:t>
                       </a:r>
-                      <a:r>
-                        <a:rPr lang="en-US" sz="900" spc="-135" dirty="0">
-                          <a:solidFill>
-                            <a:srgbClr val="404040"/>
-                          </a:solidFill>
-                          <a:latin typeface="Adobe Clean"/>
-                          <a:cs typeface="Adobe Clean"/>
-                        </a:rPr>
-                        <a:t> </a:t>
-                      </a:r>
-                      <a:r>
-                        <a:rPr lang="en-US" sz="900" spc="-20" dirty="0">
-                          <a:solidFill>
-                            <a:srgbClr val="404040"/>
-                          </a:solidFill>
-                          <a:latin typeface="Adobe Clean"/>
-                          <a:cs typeface="Adobe Clean"/>
-                        </a:rPr>
-                        <a:t>Support</a:t>
-                      </a:r>
-                      <a:endParaRPr lang="en-US" sz="900" dirty="0">
-                        <a:latin typeface="Adobe Clean"/>
-                        <a:cs typeface="Adobe Clean"/>
-                      </a:endParaRPr>
                     </a:p>
                   </a:txBody>
                   <a:tcPr marL="0" marR="0" marT="7620" marB="0" anchor="ctr">
@@ -4623,29 +3898,15 @@
                         </a:spcBef>
                       </a:pPr>
                       <a:r>
-                        <a:rPr lang="en-US" sz="900" spc="-20" dirty="0">
+                        <a:rPr lang="de-DE" sz="900">
                           <a:solidFill>
                             <a:srgbClr val="FFFFFF"/>
                           </a:solidFill>
                           <a:latin typeface="Adobe Clean"/>
                           <a:cs typeface="Adobe Clean"/>
                         </a:rPr>
-                        <a:t>Elite </a:t>
+                        <a:t>Elite Support</a:t>
                       </a:r>
-                      <a:r>
-                        <a:rPr sz="900" spc="-20" dirty="0">
-                          <a:solidFill>
-                            <a:srgbClr val="FFFFFF"/>
-                          </a:solidFill>
-                          <a:latin typeface="Adobe Clean"/>
-                          <a:cs typeface="Adobe Clean"/>
-                        </a:rPr>
-                        <a:t>Support</a:t>
-                      </a:r>
-                      <a:endParaRPr sz="900" dirty="0">
-                        <a:latin typeface="Adobe Clean"/>
-                        <a:cs typeface="Adobe Clean"/>
-                      </a:endParaRPr>
                     </a:p>
                   </a:txBody>
                   <a:tcPr marL="0" marR="0" marT="7620" marB="0" anchor="ctr">
@@ -4710,7 +3971,7 @@
                     <a:bodyPr/>
                     <a:lstStyle/>
                     <a:p>
-                      <a:pPr marL="0" marR="0" lvl="0" indent="0" algn="ctr" defTabSz="914400" eaLnBrk="1" fontAlgn="auto" latinLnBrk="0" hangingPunct="1">
+                      <a:pPr marL="0" marR="0" lvl="0" indent="0" algn="l" defTabSz="914400" rtl="0" eaLnBrk="1" fontAlgn="auto" latinLnBrk="0" hangingPunct="1">
                         <a:lnSpc>
                           <a:spcPct val="100000"/>
                         </a:lnSpc>
@@ -4791,13 +4052,13 @@
                         <a:defRPr/>
                       </a:pPr>
                       <a:r>
-                        <a:rPr lang="en-US" sz="800" i="1" dirty="0">
+                        <a:rPr lang="de-DE" sz="800" i="1">
                           <a:solidFill>
                             <a:schemeClr val="bg1"/>
                           </a:solidFill>
                           <a:latin typeface="Adobe Clean Light" panose="020B0303020404020204" pitchFamily="34" charset="0"/>
                         </a:rPr>
-                        <a:t>Paid Support ($)</a:t>
+                        <a:t>Kostenpflichtiger Support (€)</a:t>
                       </a:r>
                     </a:p>
                   </a:txBody>
@@ -4861,22 +4122,15 @@
                         </a:spcBef>
                       </a:pPr>
                       <a:r>
-                        <a:rPr lang="en-US" sz="1000" b="1" i="0" spc="0" dirty="0">
+                        <a:rPr lang="de-DE" sz="1000" b="1" i="0">
                           <a:solidFill>
                             <a:schemeClr val="bg1"/>
                           </a:solidFill>
                           <a:latin typeface="Adobe Clean" panose="020B0503020404020204" pitchFamily="34" charset="0"/>
                           <a:cs typeface="AdobeClean-Light"/>
                         </a:rPr>
-                        <a:t>Assigned Experts</a:t>
+                        <a:t>Zugewiesene Experten</a:t>
                       </a:r>
-                      <a:endParaRPr sz="1000" b="1" i="0" spc="0" dirty="0">
-                        <a:solidFill>
-                          <a:schemeClr val="bg1"/>
-                        </a:solidFill>
-                        <a:latin typeface="Adobe Clean" panose="020B0503020404020204" pitchFamily="34" charset="0"/>
-                        <a:cs typeface="AdobeClean-Light"/>
-                      </a:endParaRPr>
                     </a:p>
                   </a:txBody>
                   <a:tcPr marL="0" marR="0" marT="58419" marB="0" anchor="ctr">
@@ -4923,7 +4177,7 @@
                         </a:spcBef>
                       </a:pPr>
                       <a:r>
-                        <a:rPr sz="900" spc="0" dirty="0">
+                        <a:rPr lang="de-DE" sz="900">
                           <a:solidFill>
                             <a:srgbClr val="020302"/>
                           </a:solidFill>
@@ -4932,10 +4186,6 @@
                         </a:rPr>
                         <a:t>Account Support Lead</a:t>
                       </a:r>
-                      <a:endParaRPr sz="900" spc="0" dirty="0">
-                        <a:latin typeface="AdobeClean-Light"/>
-                        <a:cs typeface="AdobeClean-Light"/>
-                      </a:endParaRPr>
                     </a:p>
                   </a:txBody>
                   <a:tcPr marL="0" marR="0" marT="58419" marB="0">
@@ -4970,7 +4220,7 @@
                     <a:bodyPr/>
                     <a:lstStyle/>
                     <a:p>
-                      <a:pPr algn="ctr">
+                      <a:pPr algn="l" rtl="0">
                         <a:lnSpc>
                           <a:spcPct val="100000"/>
                         </a:lnSpc>
@@ -5011,7 +4261,7 @@
                     <a:bodyPr/>
                     <a:lstStyle/>
                     <a:p>
-                      <a:pPr algn="ctr">
+                      <a:pPr algn="l" rtl="0">
                         <a:lnSpc>
                           <a:spcPct val="100000"/>
                         </a:lnSpc>
@@ -5054,7 +4304,7 @@
                     <a:bodyPr/>
                     <a:lstStyle/>
                     <a:p>
-                      <a:pPr marL="50800">
+                      <a:pPr marL="50800" algn="l" rtl="0">
                         <a:lnSpc>
                           <a:spcPct val="100000"/>
                         </a:lnSpc>
@@ -5100,19 +4350,15 @@
                         </a:spcBef>
                       </a:pPr>
                       <a:r>
-                        <a:rPr sz="900" spc="0" dirty="0">
+                        <a:rPr lang="de-DE" sz="900">
                           <a:solidFill>
                             <a:srgbClr val="020302"/>
                           </a:solidFill>
                           <a:latin typeface="AdobeClean-Light"/>
                           <a:cs typeface="AdobeClean-Light"/>
                         </a:rPr>
-                        <a:t>Named Support Engineer</a:t>
+                        <a:t>Spezifischer Support-Mitarbeiter</a:t>
                       </a:r>
-                      <a:endParaRPr sz="900" spc="0" dirty="0">
-                        <a:latin typeface="AdobeClean-Light"/>
-                        <a:cs typeface="AdobeClean-Light"/>
-                      </a:endParaRPr>
                     </a:p>
                   </a:txBody>
                   <a:tcPr marL="0" marR="0" marT="58419" marB="0">
@@ -5135,7 +4381,7 @@
                     <a:bodyPr/>
                     <a:lstStyle/>
                     <a:p>
-                      <a:pPr algn="ctr">
+                      <a:pPr algn="l" rtl="0">
                         <a:lnSpc>
                           <a:spcPct val="100000"/>
                         </a:lnSpc>
@@ -5182,7 +4428,7 @@
                         <a:defRPr/>
                       </a:pPr>
                       <a:r>
-                        <a:rPr lang="en-US" sz="900" dirty="0">
+                        <a:rPr lang="de-DE" sz="900">
                           <a:solidFill>
                             <a:srgbClr val="020302"/>
                           </a:solidFill>
@@ -5191,10 +4437,6 @@
                         </a:rPr>
                         <a:t></a:t>
                       </a:r>
-                      <a:endParaRPr lang="en-US" sz="900" dirty="0">
-                        <a:latin typeface="Wingdings"/>
-                        <a:cs typeface="Wingdings"/>
-                      </a:endParaRPr>
                     </a:p>
                   </a:txBody>
                   <a:tcPr marL="0" marR="0" marT="0" marB="0" anchor="ctr">
@@ -5217,7 +4459,7 @@
                     <a:bodyPr/>
                     <a:lstStyle/>
                     <a:p>
-                      <a:pPr marL="50800">
+                      <a:pPr marL="50800" algn="l" rtl="0">
                         <a:lnSpc>
                           <a:spcPct val="100000"/>
                         </a:lnSpc>
@@ -5275,7 +4517,7 @@
                         </a:spcBef>
                       </a:pPr>
                       <a:r>
-                        <a:rPr sz="900" spc="0" dirty="0">
+                        <a:rPr lang="de-DE" sz="900">
                           <a:solidFill>
                             <a:srgbClr val="020302"/>
                           </a:solidFill>
@@ -5284,10 +4526,6 @@
                         </a:rPr>
                         <a:t>Technical Account Manager</a:t>
                       </a:r>
-                      <a:endParaRPr sz="900" spc="0" dirty="0">
-                        <a:latin typeface="AdobeClean-Light"/>
-                        <a:cs typeface="AdobeClean-Light"/>
-                      </a:endParaRPr>
                     </a:p>
                   </a:txBody>
                   <a:tcPr marL="0" marR="0" marT="63500" marB="0">
@@ -5316,7 +4554,7 @@
                     <a:bodyPr/>
                     <a:lstStyle/>
                     <a:p>
-                      <a:pPr algn="ctr">
+                      <a:pPr algn="l" rtl="0">
                         <a:lnSpc>
                           <a:spcPct val="100000"/>
                         </a:lnSpc>
@@ -5372,7 +4610,7 @@
                         <a:defRPr/>
                       </a:pPr>
                       <a:r>
-                        <a:rPr lang="en-US" sz="900" dirty="0">
+                        <a:rPr lang="de-DE" sz="900">
                           <a:solidFill>
                             <a:srgbClr val="020302"/>
                           </a:solidFill>
@@ -5381,10 +4619,6 @@
                         </a:rPr>
                         <a:t></a:t>
                       </a:r>
-                      <a:endParaRPr lang="en-US" sz="900" dirty="0">
-                        <a:latin typeface="Wingdings"/>
-                        <a:cs typeface="Wingdings"/>
-                      </a:endParaRPr>
                     </a:p>
                   </a:txBody>
                   <a:tcPr marL="0" marR="0" marT="0" marB="0" anchor="ctr">
@@ -5425,22 +4659,15 @@
                         </a:spcBef>
                       </a:pPr>
                       <a:r>
-                        <a:rPr lang="en-US" sz="1000" b="1" i="0" spc="0" dirty="0">
+                        <a:rPr lang="de-DE" sz="1000" b="1" i="0">
                           <a:solidFill>
                             <a:schemeClr val="bg1"/>
                           </a:solidFill>
                           <a:latin typeface="Adobe Clean" panose="020B0503020404020204" pitchFamily="34" charset="0"/>
                           <a:cs typeface="AdobeClean-Light"/>
                         </a:rPr>
-                        <a:t>Support Services</a:t>
+                        <a:t>Support-Services</a:t>
                       </a:r>
-                      <a:endParaRPr sz="1000" b="1" i="0" spc="0" dirty="0">
-                        <a:solidFill>
-                          <a:schemeClr val="bg1"/>
-                        </a:solidFill>
-                        <a:latin typeface="Adobe Clean" panose="020B0503020404020204" pitchFamily="34" charset="0"/>
-                        <a:cs typeface="AdobeClean-Light"/>
-                      </a:endParaRPr>
                     </a:p>
                   </a:txBody>
                   <a:tcPr marL="0" marR="0" marT="57150" marB="0" anchor="ctr">
@@ -5496,29 +4723,15 @@
                         </a:spcBef>
                       </a:pPr>
                       <a:r>
-                        <a:rPr lang="en-US" sz="900" spc="0" dirty="0">
+                        <a:rPr lang="de-DE" sz="900">
                           <a:solidFill>
                             <a:srgbClr val="020302"/>
                           </a:solidFill>
                           <a:latin typeface="AdobeClean-Light"/>
                           <a:cs typeface="AdobeClean-Light"/>
                         </a:rPr>
-                        <a:t>Online</a:t>
+                        <a:t>Online Support</a:t>
                       </a:r>
-                      <a:r>
-                        <a:rPr sz="900" spc="0" dirty="0">
-                          <a:solidFill>
-                            <a:srgbClr val="020302"/>
-                          </a:solidFill>
-                          <a:latin typeface="AdobeClean-Light"/>
-                          <a:cs typeface="AdobeClean-Light"/>
-                        </a:rPr>
-                        <a:t> Support</a:t>
-                      </a:r>
-                      <a:endParaRPr sz="900" spc="0" dirty="0">
-                        <a:latin typeface="AdobeClean-Light"/>
-                        <a:cs typeface="AdobeClean-Light"/>
-                      </a:endParaRPr>
                     </a:p>
                   </a:txBody>
                   <a:tcPr marL="0" marR="0" marT="57150" marB="0">
@@ -5556,39 +4769,15 @@
                         </a:spcBef>
                       </a:pPr>
                       <a:r>
-                        <a:rPr sz="900" spc="-25" dirty="0">
+                        <a:rPr lang="de-DE" sz="900">
                           <a:solidFill>
                             <a:srgbClr val="020302"/>
                           </a:solidFill>
                           <a:latin typeface="AdobeClean-Light"/>
                           <a:cs typeface="AdobeClean-Light"/>
                         </a:rPr>
-                        <a:t>Business</a:t>
+                        <a:t>Geschäftszeiten</a:t>
                       </a:r>
-                      <a:r>
-                        <a:rPr sz="900" spc="-15" dirty="0">
-                          <a:solidFill>
-                            <a:srgbClr val="020302"/>
-                          </a:solidFill>
-                          <a:latin typeface="AdobeClean-Light"/>
-                          <a:cs typeface="AdobeClean-Light"/>
-                        </a:rPr>
-                        <a:t> </a:t>
-                      </a:r>
-                      <a:r>
-                        <a:rPr sz="900" spc="-30" dirty="0">
-                          <a:solidFill>
-                            <a:srgbClr val="020302"/>
-                          </a:solidFill>
-                          <a:latin typeface="AdobeClean-Light"/>
-                          <a:cs typeface="AdobeClean-Light"/>
-                        </a:rPr>
-                        <a:t>hours</a:t>
-                      </a:r>
-                      <a:endParaRPr sz="900" dirty="0">
-                        <a:latin typeface="AdobeClean-Light"/>
-                        <a:cs typeface="AdobeClean-Light"/>
-                      </a:endParaRPr>
                     </a:p>
                   </a:txBody>
                   <a:tcPr marL="0" marR="0" marT="67945" marB="0">
@@ -5627,7 +4816,7 @@
                         </a:spcBef>
                       </a:pPr>
                       <a:r>
-                        <a:rPr lang="en-US" sz="900" spc="-25" dirty="0">
+                        <a:rPr lang="de-DE" sz="900">
                           <a:solidFill>
                             <a:srgbClr val="020302"/>
                           </a:solidFill>
@@ -5636,10 +4825,6 @@
                         </a:rPr>
                         <a:t>24x5</a:t>
                       </a:r>
-                      <a:endParaRPr sz="900" dirty="0">
-                        <a:latin typeface="AdobeClean-Light"/>
-                        <a:cs typeface="AdobeClean-Light"/>
-                      </a:endParaRPr>
                     </a:p>
                   </a:txBody>
                   <a:tcPr marL="0" marR="0" marT="67945" marB="0" anchor="ctr">
@@ -5671,7 +4856,7 @@
                     <a:bodyPr/>
                     <a:lstStyle/>
                     <a:p>
-                      <a:pPr marL="50800">
+                      <a:pPr marL="50800" algn="l" rtl="0">
                         <a:lnSpc>
                           <a:spcPct val="100000"/>
                         </a:lnSpc>
@@ -5720,39 +4905,15 @@
                         </a:spcBef>
                       </a:pPr>
                       <a:r>
-                        <a:rPr sz="900" spc="0" dirty="0">
+                        <a:rPr lang="de-DE" sz="900">
                           <a:solidFill>
                             <a:srgbClr val="020302"/>
                           </a:solidFill>
                           <a:latin typeface="AdobeClean-Light"/>
                           <a:cs typeface="AdobeClean-Light"/>
                         </a:rPr>
-                        <a:t>24x7</a:t>
+                        <a:t>24x7x365 Support für Probleme der Kategorie P1</a:t>
                       </a:r>
-                      <a:r>
-                        <a:rPr lang="en-US" sz="900" spc="0" dirty="0">
-                          <a:solidFill>
-                            <a:srgbClr val="020302"/>
-                          </a:solidFill>
-                          <a:latin typeface="AdobeClean-Light"/>
-                          <a:cs typeface="AdobeClean-Light"/>
-                        </a:rPr>
-                        <a:t>x365</a:t>
-                      </a:r>
-                      <a:r>
-                        <a:rPr sz="900" spc="0" dirty="0">
-                          <a:solidFill>
-                            <a:srgbClr val="020302"/>
-                          </a:solidFill>
-                          <a:latin typeface="AdobeClean-Light"/>
-                          <a:cs typeface="AdobeClean-Light"/>
-                        </a:rPr>
-                        <a:t> P1 Issue Support</a:t>
-                      </a:r>
-                      <a:endParaRPr sz="900" spc="0" dirty="0">
-                        <a:latin typeface="AdobeClean-Light"/>
-                        <a:cs typeface="AdobeClean-Light"/>
-                      </a:endParaRPr>
                     </a:p>
                   </a:txBody>
                   <a:tcPr marL="0" marR="0" marT="57785" marB="0">
@@ -5784,7 +4945,7 @@
                         </a:spcBef>
                       </a:pPr>
                       <a:r>
-                        <a:rPr sz="900" dirty="0">
+                        <a:rPr lang="de-DE" sz="900">
                           <a:solidFill>
                             <a:srgbClr val="020302"/>
                           </a:solidFill>
@@ -5793,10 +4954,6 @@
                         </a:rPr>
                         <a:t></a:t>
                       </a:r>
-                      <a:endParaRPr sz="900" dirty="0">
-                        <a:latin typeface="Wingdings"/>
-                        <a:cs typeface="Wingdings"/>
-                      </a:endParaRPr>
                     </a:p>
                   </a:txBody>
                   <a:tcPr marL="0" marR="0" marT="58419" marB="0">
@@ -5826,7 +4983,7 @@
                         </a:spcBef>
                       </a:pPr>
                       <a:r>
-                        <a:rPr sz="900" dirty="0">
+                        <a:rPr lang="de-DE" sz="900">
                           <a:solidFill>
                             <a:srgbClr val="020302"/>
                           </a:solidFill>
@@ -5835,10 +4992,6 @@
                         </a:rPr>
                         <a:t></a:t>
                       </a:r>
-                      <a:endParaRPr sz="900" dirty="0">
-                        <a:latin typeface="Wingdings"/>
-                        <a:cs typeface="Wingdings"/>
-                      </a:endParaRPr>
                     </a:p>
                   </a:txBody>
                   <a:tcPr marL="0" marR="0" marT="58419" marB="0" anchor="ctr">
@@ -5861,7 +5014,7 @@
                     <a:bodyPr/>
                     <a:lstStyle/>
                     <a:p>
-                      <a:pPr marL="50800">
+                      <a:pPr marL="50800" algn="l" rtl="0">
                         <a:lnSpc>
                           <a:spcPct val="100000"/>
                         </a:lnSpc>
@@ -5919,19 +5072,15 @@
                         </a:spcBef>
                       </a:pPr>
                       <a:r>
-                        <a:rPr lang="en-US" sz="900" spc="0" dirty="0">
+                        <a:rPr lang="de-DE" sz="900">
                           <a:solidFill>
                             <a:srgbClr val="020302"/>
                           </a:solidFill>
                           <a:latin typeface="AdobeClean-Light"/>
                           <a:cs typeface="AdobeClean-Light"/>
                         </a:rPr>
-                        <a:t>Named Support Contacts (per product)</a:t>
+                        <a:t>Spezifische Support-Kontakte (pro Produkt)</a:t>
                       </a:r>
-                      <a:endParaRPr sz="900" spc="0" dirty="0">
-                        <a:latin typeface="AdobeClean-Light"/>
-                        <a:cs typeface="AdobeClean-Light"/>
-                      </a:endParaRPr>
                     </a:p>
                   </a:txBody>
                   <a:tcPr marL="0" marR="0" marT="57785" marB="0">
@@ -5969,7 +5118,7 @@
                         </a:spcBef>
                       </a:pPr>
                       <a:r>
-                        <a:rPr sz="900" dirty="0">
+                        <a:rPr lang="de-DE" sz="900">
                           <a:solidFill>
                             <a:srgbClr val="020302"/>
                           </a:solidFill>
@@ -5978,10 +5127,6 @@
                         </a:rPr>
                         <a:t>4</a:t>
                       </a:r>
-                      <a:endParaRPr sz="900" dirty="0">
-                        <a:latin typeface="AdobeClean-Light"/>
-                        <a:cs typeface="AdobeClean-Light"/>
-                      </a:endParaRPr>
                     </a:p>
                   </a:txBody>
                   <a:tcPr marL="0" marR="0" marT="57785" marB="0">
@@ -6011,7 +5156,7 @@
                         </a:spcBef>
                       </a:pPr>
                       <a:r>
-                        <a:rPr lang="en-US" sz="900" dirty="0">
+                        <a:rPr lang="de-DE" sz="900">
                           <a:solidFill>
                             <a:srgbClr val="020302"/>
                           </a:solidFill>
@@ -6020,10 +5165,6 @@
                         </a:rPr>
                         <a:t>15</a:t>
                       </a:r>
-                      <a:endParaRPr sz="900" dirty="0">
-                        <a:latin typeface="AdobeClean-Light"/>
-                        <a:cs typeface="AdobeClean-Light"/>
-                      </a:endParaRPr>
                     </a:p>
                   </a:txBody>
                   <a:tcPr marL="0" marR="0" marT="57785" marB="0" anchor="ctr">
@@ -6046,7 +5187,7 @@
                     <a:bodyPr/>
                     <a:lstStyle/>
                     <a:p>
-                      <a:pPr marL="50800">
+                      <a:pPr marL="50800" algn="l" rtl="0">
                         <a:lnSpc>
                           <a:spcPct val="100000"/>
                         </a:lnSpc>
@@ -6095,19 +5236,15 @@
                         </a:spcBef>
                       </a:pPr>
                       <a:r>
-                        <a:rPr lang="en-US" sz="900" spc="0" dirty="0">
+                        <a:rPr lang="de-DE" sz="900" dirty="0">
                           <a:solidFill>
                             <a:srgbClr val="020302"/>
                           </a:solidFill>
                           <a:latin typeface="AdobeClean-Light"/>
                           <a:cs typeface="AdobeClean-Light"/>
                         </a:rPr>
-                        <a:t>Live Telephone Support</a:t>
+                        <a:t>Live-Telefon-Support</a:t>
                       </a:r>
-                      <a:endParaRPr sz="900" spc="0" dirty="0">
-                        <a:latin typeface="AdobeClean-Light"/>
-                        <a:cs typeface="AdobeClean-Light"/>
-                      </a:endParaRPr>
                     </a:p>
                   </a:txBody>
                   <a:tcPr marL="0" marR="0" marT="57785" marB="0">
@@ -6130,7 +5267,7 @@
                     <a:bodyPr/>
                     <a:lstStyle/>
                     <a:p>
-                      <a:pPr algn="ctr">
+                      <a:pPr algn="l" rtl="0">
                         <a:lnSpc>
                           <a:spcPct val="100000"/>
                         </a:lnSpc>
@@ -6171,7 +5308,7 @@
                         </a:spcBef>
                       </a:pPr>
                       <a:r>
-                        <a:rPr sz="900" dirty="0">
+                        <a:rPr lang="de-DE" sz="900">
                           <a:solidFill>
                             <a:srgbClr val="020302"/>
                           </a:solidFill>
@@ -6180,10 +5317,6 @@
                         </a:rPr>
                         <a:t></a:t>
                       </a:r>
-                      <a:endParaRPr sz="900" dirty="0">
-                        <a:latin typeface="Wingdings"/>
-                        <a:cs typeface="Wingdings"/>
-                      </a:endParaRPr>
                     </a:p>
                   </a:txBody>
                   <a:tcPr marL="0" marR="0" marT="59054" marB="0" anchor="ctr">
@@ -6206,7 +5339,7 @@
                     <a:bodyPr/>
                     <a:lstStyle/>
                     <a:p>
-                      <a:pPr marL="50800">
+                      <a:pPr marL="50800" algn="l" rtl="0">
                         <a:lnSpc>
                           <a:spcPct val="100000"/>
                         </a:lnSpc>
@@ -6255,19 +5388,15 @@
                         </a:spcBef>
                       </a:pPr>
                       <a:r>
-                        <a:rPr sz="900" spc="0" dirty="0">
+                        <a:rPr lang="de-DE" sz="900">
                           <a:solidFill>
                             <a:srgbClr val="020302"/>
                           </a:solidFill>
                           <a:latin typeface="AdobeClean-Light"/>
                           <a:cs typeface="AdobeClean-Light"/>
                         </a:rPr>
-                        <a:t>Escalation Management</a:t>
+                        <a:t>Eskalations-Management</a:t>
                       </a:r>
-                      <a:endParaRPr sz="900" spc="0" dirty="0">
-                        <a:latin typeface="AdobeClean-Light"/>
-                        <a:cs typeface="AdobeClean-Light"/>
-                      </a:endParaRPr>
                     </a:p>
                   </a:txBody>
                   <a:tcPr marL="0" marR="0" marT="58419" marB="0">
@@ -6290,7 +5419,7 @@
                     <a:bodyPr/>
                     <a:lstStyle/>
                     <a:p>
-                      <a:pPr algn="ctr">
+                      <a:pPr algn="l" rtl="0">
                         <a:lnSpc>
                           <a:spcPct val="100000"/>
                         </a:lnSpc>
@@ -6331,7 +5460,7 @@
                         </a:spcBef>
                       </a:pPr>
                       <a:r>
-                        <a:rPr sz="900" dirty="0">
+                        <a:rPr lang="de-DE" sz="900">
                           <a:solidFill>
                             <a:srgbClr val="020302"/>
                           </a:solidFill>
@@ -6340,10 +5469,6 @@
                         </a:rPr>
                         <a:t></a:t>
                       </a:r>
-                      <a:endParaRPr sz="900" dirty="0">
-                        <a:latin typeface="Wingdings"/>
-                        <a:cs typeface="Wingdings"/>
-                      </a:endParaRPr>
                     </a:p>
                   </a:txBody>
                   <a:tcPr marL="0" marR="0" marT="59690" marB="0" anchor="ctr">
@@ -6366,7 +5491,7 @@
                     <a:bodyPr/>
                     <a:lstStyle/>
                     <a:p>
-                      <a:pPr marL="50800">
+                      <a:pPr marL="50800" algn="l" rtl="0">
                         <a:lnSpc>
                           <a:spcPct val="100000"/>
                         </a:lnSpc>
@@ -6415,29 +5540,15 @@
                         </a:spcBef>
                       </a:pPr>
                       <a:r>
-                        <a:rPr sz="900" spc="0" dirty="0">
+                        <a:rPr lang="de-DE" sz="900">
                           <a:solidFill>
                             <a:srgbClr val="020302"/>
                           </a:solidFill>
                           <a:latin typeface="AdobeClean-Light"/>
                           <a:cs typeface="AdobeClean-Light"/>
                         </a:rPr>
-                        <a:t>Service Reviews </a:t>
+                        <a:t>Jährliche Service-Prüfung</a:t>
                       </a:r>
-                      <a:r>
-                        <a:rPr lang="en-US" sz="900" spc="0" dirty="0">
-                          <a:solidFill>
-                            <a:srgbClr val="020302"/>
-                          </a:solidFill>
-                          <a:latin typeface="AdobeClean-Light"/>
-                          <a:cs typeface="AdobeClean-Light"/>
-                        </a:rPr>
-                        <a:t>per Year</a:t>
-                      </a:r>
-                      <a:endParaRPr sz="900" spc="0" dirty="0">
-                        <a:latin typeface="AdobeClean-Light"/>
-                        <a:cs typeface="AdobeClean-Light"/>
-                      </a:endParaRPr>
                     </a:p>
                   </a:txBody>
                   <a:tcPr marL="0" marR="0" marT="57150" marB="0">
@@ -6460,7 +5571,7 @@
                     <a:bodyPr/>
                     <a:lstStyle/>
                     <a:p>
-                      <a:pPr>
+                      <a:pPr algn="l" rtl="0">
                         <a:lnSpc>
                           <a:spcPct val="100000"/>
                         </a:lnSpc>
@@ -6495,16 +5606,12 @@
                         </a:lnSpc>
                       </a:pPr>
                       <a:r>
-                        <a:rPr lang="en-US" sz="900" dirty="0">
+                        <a:rPr lang="de-DE" sz="900">
                           <a:latin typeface="Times New Roman"/>
                           <a:cs typeface="Times New Roman"/>
                         </a:rPr>
                         <a:t>4</a:t>
                       </a:r>
-                      <a:endParaRPr sz="900" dirty="0">
-                        <a:latin typeface="Times New Roman"/>
-                        <a:cs typeface="Times New Roman"/>
-                      </a:endParaRPr>
                     </a:p>
                   </a:txBody>
                   <a:tcPr marL="0" marR="0" marT="0" marB="0" anchor="ctr">
@@ -6546,16 +5653,12 @@
                         </a:spcBef>
                       </a:pPr>
                       <a:r>
-                        <a:rPr lang="en-US" sz="900" spc="0" dirty="0">
+                        <a:rPr lang="de-DE" sz="900">
                           <a:latin typeface="AdobeClean-Light"/>
                           <a:cs typeface="AdobeClean-Light"/>
                         </a:rPr>
-                        <a:t>Expert Sessions per Year</a:t>
+                        <a:t>Jährliche Experten-Sessions</a:t>
                       </a:r>
-                      <a:endParaRPr sz="900" spc="0" dirty="0">
-                        <a:latin typeface="AdobeClean-Light"/>
-                        <a:cs typeface="AdobeClean-Light"/>
-                      </a:endParaRPr>
                     </a:p>
                   </a:txBody>
                   <a:tcPr marL="0" marR="0" marT="57150" marB="0">
@@ -6584,7 +5687,7 @@
                     <a:bodyPr/>
                     <a:lstStyle/>
                     <a:p>
-                      <a:pPr>
+                      <a:pPr algn="l" rtl="0">
                         <a:lnSpc>
                           <a:spcPct val="100000"/>
                         </a:lnSpc>
@@ -6619,16 +5722,12 @@
                         </a:lnSpc>
                       </a:pPr>
                       <a:r>
-                        <a:rPr lang="en-US" sz="900" dirty="0">
+                        <a:rPr lang="de-DE" sz="900">
                           <a:latin typeface="Times New Roman"/>
                           <a:cs typeface="Times New Roman"/>
                         </a:rPr>
                         <a:t>4</a:t>
                       </a:r>
-                      <a:endParaRPr sz="900" dirty="0">
-                        <a:latin typeface="Times New Roman"/>
-                        <a:cs typeface="Times New Roman"/>
-                      </a:endParaRPr>
                     </a:p>
                   </a:txBody>
                   <a:tcPr marL="0" marR="0" marT="0" marB="0" anchor="ctr">
@@ -6670,16 +5769,12 @@
                         </a:spcBef>
                       </a:pPr>
                       <a:r>
-                        <a:rPr lang="en-US" sz="900" spc="0" dirty="0">
+                        <a:rPr lang="de-DE" sz="900">
                           <a:latin typeface="AdobeClean-Light"/>
                           <a:cs typeface="AdobeClean-Light"/>
                         </a:rPr>
-                        <a:t>Case Reviews</a:t>
+                        <a:t>Fallprüfungen</a:t>
                       </a:r>
-                      <a:endParaRPr sz="900" spc="0" dirty="0">
-                        <a:latin typeface="AdobeClean-Light"/>
-                        <a:cs typeface="AdobeClean-Light"/>
-                      </a:endParaRPr>
                     </a:p>
                   </a:txBody>
                   <a:tcPr marL="0" marR="0" marT="57150" marB="0">
@@ -6708,7 +5803,7 @@
                     <a:bodyPr/>
                     <a:lstStyle/>
                     <a:p>
-                      <a:pPr>
+                      <a:pPr algn="l" rtl="0">
                         <a:lnSpc>
                           <a:spcPct val="100000"/>
                         </a:lnSpc>
@@ -6755,7 +5850,7 @@
                         <a:defRPr/>
                       </a:pPr>
                       <a:r>
-                        <a:rPr lang="en-US" sz="900" dirty="0">
+                        <a:rPr lang="de-DE" sz="900">
                           <a:solidFill>
                             <a:srgbClr val="020302"/>
                           </a:solidFill>
@@ -6764,10 +5859,6 @@
                         </a:rPr>
                         <a:t></a:t>
                       </a:r>
-                      <a:endParaRPr lang="en-US" sz="900" dirty="0">
-                        <a:latin typeface="Wingdings"/>
-                        <a:cs typeface="Wingdings"/>
-                      </a:endParaRPr>
                     </a:p>
                   </a:txBody>
                   <a:tcPr marL="0" marR="0" marT="0" marB="0" anchor="ctr">
@@ -6790,7 +5881,7 @@
                     <a:bodyPr/>
                     <a:lstStyle/>
                     <a:p>
-                      <a:pPr marL="48895">
+                      <a:pPr marL="48895" algn="l" rtl="0">
                         <a:lnSpc>
                           <a:spcPct val="100000"/>
                         </a:lnSpc>
@@ -6848,29 +5939,15 @@
                         </a:spcBef>
                       </a:pPr>
                       <a:r>
-                        <a:rPr sz="900" spc="0" dirty="0">
+                        <a:rPr lang="de-DE" sz="900">
                           <a:solidFill>
                             <a:srgbClr val="020302"/>
                           </a:solidFill>
                           <a:latin typeface="AdobeClean-Light"/>
                           <a:cs typeface="AdobeClean-Light"/>
                         </a:rPr>
-                        <a:t>Event </a:t>
+                        <a:t>Ereignis-Management</a:t>
                       </a:r>
-                      <a:r>
-                        <a:rPr lang="en-US" sz="900" spc="0" dirty="0">
-                          <a:solidFill>
-                            <a:srgbClr val="020302"/>
-                          </a:solidFill>
-                          <a:latin typeface="AdobeClean-Light"/>
-                          <a:cs typeface="AdobeClean-Light"/>
-                        </a:rPr>
-                        <a:t>Management</a:t>
-                      </a:r>
-                      <a:endParaRPr sz="900" spc="0" dirty="0">
-                        <a:latin typeface="AdobeClean-Light"/>
-                        <a:cs typeface="AdobeClean-Light"/>
-                      </a:endParaRPr>
                     </a:p>
                   </a:txBody>
                   <a:tcPr marL="0" marR="0" marT="58419" marB="0">
@@ -6899,7 +5976,7 @@
                     <a:bodyPr/>
                     <a:lstStyle/>
                     <a:p>
-                      <a:pPr>
+                      <a:pPr algn="l" rtl="0">
                         <a:lnSpc>
                           <a:spcPct val="100000"/>
                         </a:lnSpc>
@@ -6946,7 +6023,7 @@
                         <a:defRPr/>
                       </a:pPr>
                       <a:r>
-                        <a:rPr lang="en-US" sz="900" dirty="0">
+                        <a:rPr lang="de-DE" sz="900">
                           <a:solidFill>
                             <a:srgbClr val="020302"/>
                           </a:solidFill>
@@ -6955,10 +6032,6 @@
                         </a:rPr>
                         <a:t></a:t>
                       </a:r>
-                      <a:endParaRPr lang="en-US" sz="900" dirty="0">
-                        <a:latin typeface="Wingdings"/>
-                        <a:cs typeface="Wingdings"/>
-                      </a:endParaRPr>
                     </a:p>
                   </a:txBody>
                   <a:tcPr marL="0" marR="0" marT="0" marB="0" anchor="ctr">
@@ -6981,7 +6054,7 @@
                     <a:bodyPr/>
                     <a:lstStyle/>
                     <a:p>
-                      <a:pPr marL="48895">
+                      <a:pPr marL="48895" algn="l" rtl="0">
                         <a:lnSpc>
                           <a:spcPct val="100000"/>
                         </a:lnSpc>
@@ -7030,39 +6103,15 @@
                         </a:spcBef>
                       </a:pPr>
                       <a:r>
-                        <a:rPr sz="900" spc="0" dirty="0">
+                        <a:rPr lang="de-DE" sz="900">
                           <a:solidFill>
                             <a:srgbClr val="020302"/>
                           </a:solidFill>
                           <a:latin typeface="AdobeClean-Light"/>
                           <a:cs typeface="AdobeClean-Light"/>
                         </a:rPr>
-                        <a:t>Environment</a:t>
+                        <a:t>Umgebungsbewertung, -wartung und -überwachung</a:t>
                       </a:r>
-                      <a:r>
-                        <a:rPr lang="en-US" sz="900" spc="0" dirty="0">
-                          <a:solidFill>
-                            <a:srgbClr val="020302"/>
-                          </a:solidFill>
-                          <a:latin typeface="AdobeClean-Light"/>
-                          <a:cs typeface="AdobeClean-Light"/>
-                        </a:rPr>
-                        <a:t> </a:t>
-                      </a:r>
-                      <a:r>
-                        <a:rPr sz="900" spc="0" dirty="0">
-                          <a:solidFill>
-                            <a:srgbClr val="020302"/>
-                          </a:solidFill>
-                          <a:latin typeface="AdobeClean-Light"/>
-                          <a:cs typeface="AdobeClean-Light"/>
-                        </a:rPr>
-                        <a:t>Review, Maintenance &amp; Monitoring</a:t>
-                      </a:r>
-                      <a:endParaRPr sz="900" spc="0" dirty="0">
-                        <a:latin typeface="AdobeClean-Light"/>
-                        <a:cs typeface="AdobeClean-Light"/>
-                      </a:endParaRPr>
                     </a:p>
                   </a:txBody>
                   <a:tcPr marL="0" marR="0" marT="59055" marB="0">
@@ -7085,7 +6134,7 @@
                     <a:bodyPr/>
                     <a:lstStyle/>
                     <a:p>
-                      <a:pPr>
+                      <a:pPr algn="l" rtl="0">
                         <a:lnSpc>
                           <a:spcPct val="100000"/>
                         </a:lnSpc>
@@ -7132,7 +6181,7 @@
                         <a:defRPr/>
                       </a:pPr>
                       <a:r>
-                        <a:rPr lang="en-US" sz="900" dirty="0">
+                        <a:rPr lang="de-DE" sz="900">
                           <a:solidFill>
                             <a:srgbClr val="020302"/>
                           </a:solidFill>
@@ -7141,10 +6190,6 @@
                         </a:rPr>
                         <a:t></a:t>
                       </a:r>
-                      <a:endParaRPr lang="en-US" sz="900" dirty="0">
-                        <a:latin typeface="Wingdings"/>
-                        <a:cs typeface="Wingdings"/>
-                      </a:endParaRPr>
                     </a:p>
                   </a:txBody>
                   <a:tcPr marL="0" marR="0" marT="0" marB="0" anchor="ctr">
@@ -7167,7 +6212,7 @@
                     <a:bodyPr/>
                     <a:lstStyle/>
                     <a:p>
-                      <a:pPr marL="49530">
+                      <a:pPr marL="49530" algn="l" rtl="0">
                         <a:lnSpc>
                           <a:spcPct val="100000"/>
                         </a:lnSpc>
@@ -7216,19 +6261,15 @@
                         </a:spcBef>
                       </a:pPr>
                       <a:r>
-                        <a:rPr sz="900" spc="0" dirty="0">
+                        <a:rPr lang="de-DE" sz="900" spc="-30" baseline="0" dirty="0">
                           <a:solidFill>
                             <a:srgbClr val="020302"/>
                           </a:solidFill>
                           <a:latin typeface="AdobeClean-Light"/>
                           <a:cs typeface="AdobeClean-Light"/>
                         </a:rPr>
-                        <a:t>Release, Migration, Upgrade &amp; Product Roadmap Review</a:t>
+                        <a:t>Prüfung von Freigabe, Migration, Aktualisierung und Produkt-Roadmap</a:t>
                       </a:r>
-                      <a:endParaRPr sz="900" spc="0" dirty="0">
-                        <a:latin typeface="AdobeClean-Light"/>
-                        <a:cs typeface="AdobeClean-Light"/>
-                      </a:endParaRPr>
                     </a:p>
                   </a:txBody>
                   <a:tcPr marL="0" marR="0" marT="63500" marB="0">
@@ -7251,7 +6292,7 @@
                     <a:bodyPr/>
                     <a:lstStyle/>
                     <a:p>
-                      <a:pPr>
+                      <a:pPr algn="l" rtl="0">
                         <a:lnSpc>
                           <a:spcPct val="100000"/>
                         </a:lnSpc>
@@ -7298,7 +6339,7 @@
                         <a:defRPr/>
                       </a:pPr>
                       <a:r>
-                        <a:rPr lang="en-US" sz="900" dirty="0">
+                        <a:rPr lang="de-DE" sz="900">
                           <a:solidFill>
                             <a:srgbClr val="020302"/>
                           </a:solidFill>
@@ -7307,10 +6348,6 @@
                         </a:rPr>
                         <a:t></a:t>
                       </a:r>
-                      <a:endParaRPr lang="en-US" sz="900" dirty="0">
-                        <a:latin typeface="Wingdings"/>
-                        <a:cs typeface="Wingdings"/>
-                      </a:endParaRPr>
                     </a:p>
                   </a:txBody>
                   <a:tcPr marL="0" marR="0" marT="0" marB="0" anchor="ctr">
@@ -7333,7 +6370,7 @@
                     <a:bodyPr/>
                     <a:lstStyle/>
                     <a:p>
-                      <a:pPr marL="49530">
+                      <a:pPr marL="49530" algn="l" rtl="0">
                         <a:lnSpc>
                           <a:spcPct val="100000"/>
                         </a:lnSpc>
@@ -7391,11 +6428,11 @@
                         </a:spcBef>
                       </a:pPr>
                       <a:r>
-                        <a:rPr sz="900" spc="0" dirty="0">
+                        <a:rPr lang="de-DE" sz="900" spc="-30" baseline="0" dirty="0">
                           <a:latin typeface="AdobeClean-Light"/>
                           <a:cs typeface="AdobeClean-Light"/>
                         </a:rPr>
-                        <a:t>Cloud Support Activities – Experience Manager as Cloud</a:t>
+                        <a:t>Cloud-Support-Aktivitäten – Experience Manager as a Cloud Service</a:t>
                       </a:r>
                     </a:p>
                   </a:txBody>
@@ -7425,7 +6462,7 @@
                     <a:bodyPr/>
                     <a:lstStyle/>
                     <a:p>
-                      <a:pPr>
+                      <a:pPr algn="l" rtl="0">
                         <a:lnSpc>
                           <a:spcPct val="100000"/>
                         </a:lnSpc>
@@ -7481,7 +6518,7 @@
                         <a:defRPr/>
                       </a:pPr>
                       <a:r>
-                        <a:rPr lang="en-US" sz="900" dirty="0">
+                        <a:rPr lang="de-DE" sz="900">
                           <a:solidFill>
                             <a:srgbClr val="020302"/>
                           </a:solidFill>
@@ -7490,10 +6527,6 @@
                         </a:rPr>
                         <a:t></a:t>
                       </a:r>
-                      <a:endParaRPr lang="en-US" sz="900" dirty="0">
-                        <a:latin typeface="Wingdings"/>
-                        <a:cs typeface="Wingdings"/>
-                      </a:endParaRPr>
                     </a:p>
                   </a:txBody>
                   <a:tcPr marL="0" marR="0" marT="0" marB="0" anchor="ctr">
@@ -7534,22 +6567,15 @@
                         </a:spcBef>
                       </a:pPr>
                       <a:r>
-                        <a:rPr lang="en-US" sz="1000" b="1" i="0" spc="0" dirty="0">
+                        <a:rPr lang="de-DE" sz="1000" b="1" i="0">
                           <a:solidFill>
                             <a:schemeClr val="bg1"/>
                           </a:solidFill>
                           <a:latin typeface="Adobe Clean" panose="020B0503020404020204" pitchFamily="34" charset="0"/>
                           <a:cs typeface="AdobeClean-Light"/>
                         </a:rPr>
-                        <a:t>Field Services</a:t>
+                        <a:t>Außendienst</a:t>
                       </a:r>
-                      <a:endParaRPr sz="1000" b="1" i="0" spc="0" dirty="0">
-                        <a:solidFill>
-                          <a:schemeClr val="bg1"/>
-                        </a:solidFill>
-                        <a:latin typeface="Adobe Clean" panose="020B0503020404020204" pitchFamily="34" charset="0"/>
-                        <a:cs typeface="AdobeClean-Light"/>
-                      </a:endParaRPr>
                     </a:p>
                   </a:txBody>
                   <a:tcPr marL="0" marR="0" marT="48260" marB="0" anchor="ctr">
@@ -7602,14 +6628,14 @@
                         </a:spcBef>
                       </a:pPr>
                       <a:r>
-                        <a:rPr sz="900" spc="0" dirty="0">
+                        <a:rPr lang="de-DE" sz="900">
                           <a:solidFill>
                             <a:srgbClr val="020302"/>
                           </a:solidFill>
                           <a:latin typeface="AdobeClean-Light"/>
                           <a:cs typeface="AdobeClean-Light"/>
                         </a:rPr>
-                        <a:t>Launch Advisory Services – First Year of new solution</a:t>
+                        <a:t>Launch Advisory-Services – Erstes Jahr mit der neuen Lösung</a:t>
                       </a:r>
                     </a:p>
                   </a:txBody>
@@ -7649,7 +6675,7 @@
                     <a:bodyPr/>
                     <a:lstStyle/>
                     <a:p>
-                      <a:pPr>
+                      <a:pPr algn="l" rtl="0">
                         <a:lnSpc>
                           <a:spcPct val="100000"/>
                         </a:lnSpc>
@@ -7721,7 +6747,7 @@
                         <a:defRPr/>
                       </a:pPr>
                       <a:r>
-                        <a:rPr lang="en-US" sz="900" dirty="0">
+                        <a:rPr lang="de-DE" sz="900">
                           <a:solidFill>
                             <a:srgbClr val="020302"/>
                           </a:solidFill>
@@ -7730,10 +6756,6 @@
                         </a:rPr>
                         <a:t></a:t>
                       </a:r>
-                      <a:endParaRPr lang="en-US" sz="900" dirty="0">
-                        <a:latin typeface="Wingdings"/>
-                        <a:cs typeface="Wingdings"/>
-                      </a:endParaRPr>
                     </a:p>
                   </a:txBody>
                   <a:tcPr marL="0" marR="0" marT="0" marB="0" anchor="ctr">
@@ -7812,11 +6834,11 @@
                         <a:defRPr/>
                       </a:pPr>
                       <a:r>
-                        <a:rPr lang="en-US" sz="900" spc="0" dirty="0">
+                        <a:rPr lang="de-DE" sz="900">
                           <a:latin typeface="AdobeClean-Light"/>
                           <a:cs typeface="AdobeClean-Light"/>
                         </a:rPr>
-                        <a:t>Field Service Activities </a:t>
+                        <a:t>Außendienstaktivitäten </a:t>
                       </a:r>
                     </a:p>
                   </a:txBody>
@@ -7850,7 +6872,7 @@
                     <a:bodyPr/>
                     <a:lstStyle/>
                     <a:p>
-                      <a:pPr algn="ctr"/>
+                      <a:pPr algn="l" rtl="0"/>
                       <a:endParaRPr lang="en-US" dirty="0"/>
                     </a:p>
                   </a:txBody>
@@ -7899,13 +6921,12 @@
                     <a:p>
                       <a:pPr algn="ctr"/>
                       <a:r>
-                        <a:rPr lang="en-US" sz="900" dirty="0">
+                        <a:rPr lang="de-DE" sz="900" dirty="0">
                           <a:latin typeface="Times New Roman"/>
                           <a:cs typeface="Times New Roman"/>
                         </a:rPr>
                         <a:t>4</a:t>
                       </a:r>
-                      <a:endParaRPr lang="en-US" dirty="0"/>
                     </a:p>
                   </a:txBody>
                   <a:tcPr marL="0" marR="0" marT="0" marB="0" anchor="ctr">
@@ -7995,9 +7016,9 @@
           <p:nvPr/>
         </p:nvSpPr>
         <p:spPr>
-          <a:xfrm>
-            <a:off x="357339" y="897487"/>
-            <a:ext cx="1736725" cy="0"/>
+          <a:xfrm flipV="1">
+            <a:off x="357339" y="851768"/>
+            <a:ext cx="1942628" cy="45719"/>
           </a:xfrm>
           <a:custGeom>
             <a:avLst/>
@@ -8039,7 +7060,7 @@
         <p:spPr>
           <a:xfrm>
             <a:off x="357339" y="608961"/>
-            <a:ext cx="1647825" cy="238760"/>
+            <a:ext cx="2407636" cy="228268"/>
           </a:xfrm>
           <a:prstGeom prst="rect">
             <a:avLst/>
@@ -8060,59 +7081,15 @@
               </a:spcBef>
             </a:pPr>
             <a:r>
-              <a:rPr sz="1400" b="1" spc="-10" dirty="0">
+              <a:rPr lang="de-DE" sz="1400" b="1" dirty="0">
                 <a:solidFill>
                   <a:srgbClr val="020302"/>
                 </a:solidFill>
                 <a:latin typeface="Adobe Clean"/>
                 <a:cs typeface="Adobe Clean"/>
               </a:rPr>
-              <a:t>Elite</a:t>
-            </a:r>
-            <a:r>
-              <a:rPr sz="1400" b="1" spc="-50" dirty="0">
-                <a:solidFill>
-                  <a:srgbClr val="020302"/>
-                </a:solidFill>
-                <a:latin typeface="Adobe Clean"/>
-                <a:cs typeface="Adobe Clean"/>
-              </a:rPr>
-              <a:t> </a:t>
-            </a:r>
-            <a:r>
-              <a:rPr sz="1400" b="1" spc="-10" dirty="0">
-                <a:solidFill>
-                  <a:srgbClr val="020302"/>
-                </a:solidFill>
-                <a:latin typeface="Adobe Clean"/>
-                <a:cs typeface="Adobe Clean"/>
-              </a:rPr>
-              <a:t>Support</a:t>
-            </a:r>
-            <a:r>
-              <a:rPr sz="1400" b="1" spc="-45" dirty="0">
-                <a:solidFill>
-                  <a:srgbClr val="020302"/>
-                </a:solidFill>
-                <a:latin typeface="Adobe Clean"/>
-                <a:cs typeface="Adobe Clean"/>
-              </a:rPr>
-              <a:t> </a:t>
-            </a:r>
-            <a:r>
-              <a:rPr sz="1400" b="1" spc="-15" dirty="0">
-                <a:solidFill>
-                  <a:srgbClr val="020302"/>
-                </a:solidFill>
-                <a:latin typeface="Adobe Clean"/>
-                <a:cs typeface="Adobe Clean"/>
-              </a:rPr>
-              <a:t>Features</a:t>
-            </a:r>
-            <a:endParaRPr sz="1400" dirty="0">
-              <a:latin typeface="Adobe Clean"/>
-              <a:cs typeface="Adobe Clean"/>
-            </a:endParaRPr>
+              <a:t>Umfang von Elite Support</a:t>
+            </a:r>
           </a:p>
         </p:txBody>
       </p:sp>
@@ -8124,8 +7101,8 @@
         </p:nvSpPr>
         <p:spPr>
           <a:xfrm>
-            <a:off x="2868167" y="1433668"/>
-            <a:ext cx="2194560" cy="936154"/>
+            <a:off x="2868165" y="1433668"/>
+            <a:ext cx="2370593" cy="936154"/>
           </a:xfrm>
           <a:prstGeom prst="rect">
             <a:avLst/>
@@ -8146,19 +7123,55 @@
               </a:spcBef>
             </a:pPr>
             <a:r>
-              <a:rPr sz="1000" dirty="0">
+              <a:rPr lang="de-DE" sz="1000" spc="-40" dirty="0">
                 <a:solidFill>
                   <a:srgbClr val="4B4B4B"/>
                 </a:solidFill>
                 <a:latin typeface="AdobeClean-Light"/>
                 <a:cs typeface="AdobeClean-Light"/>
               </a:rPr>
-              <a:t>A designated support engineer who  becomes familiar with your solution  environment and business goals. The NSE  is an experienced support engineer that  helps coordinate your Enterprise Support  experience..</a:t>
-            </a:r>
-            <a:endParaRPr sz="1000" dirty="0">
-              <a:latin typeface="AdobeClean-Light"/>
-              <a:cs typeface="AdobeClean-Light"/>
-            </a:endParaRPr>
+              <a:t>Ein spezifischer Support-Mitarbeiter, der sich mit Ihrer Lösungsumgebung und Ihren</a:t>
+            </a:r>
+            <a:r>
+              <a:rPr lang="sk-SK" sz="1000" spc="-40" dirty="0">
+                <a:solidFill>
+                  <a:srgbClr val="4B4B4B"/>
+                </a:solidFill>
+                <a:latin typeface="AdobeClean-Light"/>
+                <a:cs typeface="AdobeClean-Light"/>
+              </a:rPr>
+              <a:t> </a:t>
+            </a:r>
+            <a:r>
+              <a:rPr lang="de-DE" sz="1000" spc="-40" dirty="0">
+                <a:solidFill>
+                  <a:srgbClr val="4B4B4B"/>
+                </a:solidFill>
+                <a:latin typeface="AdobeClean-Light"/>
+                <a:cs typeface="AdobeClean-Light"/>
+              </a:rPr>
+              <a:t>Unternehmenszielen vertraut macht. Der spezifische Support-Mitarbeiter ist ein</a:t>
+            </a:r>
+            <a:r>
+              <a:rPr lang="sk-SK" sz="1000" spc="-40" dirty="0">
+                <a:solidFill>
+                  <a:srgbClr val="4B4B4B"/>
+                </a:solidFill>
+                <a:latin typeface="AdobeClean-Light"/>
+                <a:cs typeface="AdobeClean-Light"/>
+              </a:rPr>
+              <a:t> </a:t>
+            </a:r>
+            <a:r>
+              <a:rPr lang="de-DE" sz="1000" spc="-40" dirty="0">
+                <a:solidFill>
+                  <a:srgbClr val="4B4B4B"/>
+                </a:solidFill>
+                <a:latin typeface="AdobeClean-Light"/>
+                <a:cs typeface="AdobeClean-Light"/>
+              </a:rPr>
+              <a:t>erfahrener Support-Engineer, der Sie bei der Koordination Ihres Enterprise Support-Erlebnisses unterstützt.</a:t>
+            </a:r>
           </a:p>
         </p:txBody>
       </p:sp>
@@ -8218,8 +7231,8 @@
         </p:nvSpPr>
         <p:spPr>
           <a:xfrm>
-            <a:off x="5333365" y="1433668"/>
-            <a:ext cx="2194560" cy="936154"/>
+            <a:off x="5333364" y="1433668"/>
+            <a:ext cx="2394269" cy="936154"/>
           </a:xfrm>
           <a:prstGeom prst="rect">
             <a:avLst/>
@@ -8240,19 +7253,15 @@
               </a:spcBef>
             </a:pPr>
             <a:r>
-              <a:rPr sz="1000" dirty="0">
+              <a:rPr lang="de-DE" sz="1000" dirty="0">
                 <a:solidFill>
                   <a:srgbClr val="4B4B4B"/>
                 </a:solidFill>
                 <a:latin typeface="AdobeClean-Light"/>
                 <a:cs typeface="AdobeClean-Light"/>
               </a:rPr>
-              <a:t>Regular scheduled review of open  support requests, ensuring customer  alignment on case description, business  impact, status, priority and agreement on  next steps required to ensure an  expedient resolution.</a:t>
-            </a:r>
-            <a:endParaRPr sz="1000" dirty="0">
-              <a:latin typeface="AdobeClean-Light"/>
-              <a:cs typeface="AdobeClean-Light"/>
-            </a:endParaRPr>
+              <a:t>Fortlaufende planmäßige Prüfung offener Support-Anfragen, um sicherzustellen, dass Kunden über Fallbeschreibung, geschäftliche Auswirkungen, Status, Priorität und die nächsten Schritte für eine zweckdienliche Lösung auf dem Laufenden sind.</a:t>
+            </a:r>
           </a:p>
         </p:txBody>
       </p:sp>
@@ -8288,8 +7297,8 @@
         </p:nvSpPr>
         <p:spPr>
           <a:xfrm>
-            <a:off x="324341" y="1433668"/>
-            <a:ext cx="2194560" cy="782265"/>
+            <a:off x="324340" y="1433668"/>
+            <a:ext cx="2249511" cy="936154"/>
           </a:xfrm>
           <a:prstGeom prst="rect">
             <a:avLst/>
@@ -8310,24 +7319,33 @@
               </a:spcBef>
             </a:pPr>
             <a:r>
-              <a:rPr sz="1000" dirty="0">
+              <a:rPr lang="de-DE" sz="1000" dirty="0">
                 <a:solidFill>
                   <a:srgbClr val="020302"/>
                 </a:solidFill>
                 <a:latin typeface="AdobeClean-Light"/>
                 <a:cs typeface="AdobeClean-Light"/>
               </a:rPr>
-              <a:t>A designated Technical Account Manager to  oversee your Elite experience, coordinate  the support and field services  engagements, and provide proactive services  to maximize your business valu</a:t>
-            </a:r>
-            <a:r>
-              <a:rPr lang="en-US" sz="1000" dirty="0">
+              <a:t>Ein spezifischer Technical Account Manager, der Ihr Elite-Erlebnis überwacht, die Support- und Außendienstinteraktionen koordiniert und proaktiv Services bereitstellt, um Ihren Unternehmenswert </a:t>
+            </a:r>
+            <a:br>
+              <a:rPr lang="sk-SK" sz="1000" dirty="0">
                 <a:solidFill>
                   <a:srgbClr val="020302"/>
                 </a:solidFill>
                 <a:latin typeface="AdobeClean-Light"/>
                 <a:cs typeface="AdobeClean-Light"/>
               </a:rPr>
-              <a:t>e.</a:t>
+            </a:br>
+            <a:r>
+              <a:rPr lang="de-DE" sz="1000" dirty="0">
+                <a:solidFill>
+                  <a:srgbClr val="020302"/>
+                </a:solidFill>
+                <a:latin typeface="AdobeClean-Light"/>
+                <a:cs typeface="AdobeClean-Light"/>
+              </a:rPr>
+              <a:t>zu maximieren.</a:t>
             </a:r>
           </a:p>
         </p:txBody>
@@ -8362,7 +7380,7 @@
               </a:spcBef>
             </a:pPr>
             <a:r>
-              <a:rPr sz="1100" b="1" dirty="0">
+              <a:rPr lang="de-DE" sz="1100" b="1">
                 <a:solidFill>
                   <a:srgbClr val="020302"/>
                 </a:solidFill>
@@ -8371,10 +7389,6 @@
               </a:rPr>
               <a:t>Technical Account Manager</a:t>
             </a:r>
-            <a:endParaRPr sz="1100" dirty="0">
-              <a:latin typeface="Adobe Clean" panose="020B0503020404020204" pitchFamily="34" charset="0"/>
-              <a:cs typeface="Arial"/>
-            </a:endParaRPr>
           </a:p>
         </p:txBody>
       </p:sp>
@@ -8456,49 +7470,53 @@
               </a:spcBef>
             </a:pPr>
             <a:r>
-              <a:rPr sz="1000" dirty="0">
+              <a:rPr lang="de-DE" sz="1000" dirty="0">
                 <a:solidFill>
                   <a:srgbClr val="020302"/>
                 </a:solidFill>
                 <a:latin typeface="AdobeClean-Light"/>
                 <a:cs typeface="AdobeClean-Light"/>
               </a:rPr>
-              <a:t>Ongoing knowledge transfer from Adobe  </a:t>
-            </a:r>
-            <a:r>
-              <a:rPr lang="en-US" sz="1000" dirty="0">
+              <a:t>Laufender Wissenstransfer vom </a:t>
+            </a:r>
+            <a:br>
+              <a:rPr lang="sk-SK" sz="1000" dirty="0">
                 <a:solidFill>
                   <a:srgbClr val="020302"/>
                 </a:solidFill>
                 <a:latin typeface="AdobeClean-Light"/>
                 <a:cs typeface="AdobeClean-Light"/>
               </a:rPr>
-              <a:t>Support team</a:t>
-            </a:r>
-            <a:r>
-              <a:rPr sz="1000" dirty="0">
+            </a:br>
+            <a:r>
+              <a:rPr lang="de-DE" sz="1000" dirty="0">
                 <a:solidFill>
                   <a:srgbClr val="020302"/>
                 </a:solidFill>
                 <a:latin typeface="AdobeClean-Light"/>
                 <a:cs typeface="AdobeClean-Light"/>
               </a:rPr>
-              <a:t> to provide </a:t>
-            </a:r>
-            <a:r>
-              <a:rPr lang="en-US" sz="1000" dirty="0">
+              <a:t>Adobe Support-Team, um Best Practices </a:t>
+            </a:r>
+            <a:br>
+              <a:rPr lang="sk-SK" sz="1000" dirty="0">
                 <a:solidFill>
                   <a:srgbClr val="020302"/>
                 </a:solidFill>
                 <a:latin typeface="AdobeClean-Light"/>
                 <a:cs typeface="AdobeClean-Light"/>
               </a:rPr>
-              <a:t>best practices around solution usage.</a:t>
-            </a:r>
-            <a:endParaRPr sz="1000" dirty="0">
-              <a:latin typeface="AdobeClean-Light"/>
-              <a:cs typeface="AdobeClean-Light"/>
-            </a:endParaRPr>
+            </a:br>
+            <a:r>
+              <a:rPr lang="de-DE" sz="1000" dirty="0">
+                <a:solidFill>
+                  <a:srgbClr val="020302"/>
+                </a:solidFill>
+                <a:latin typeface="AdobeClean-Light"/>
+                <a:cs typeface="AdobeClean-Light"/>
+              </a:rPr>
+              <a:t>zur Lösungsnutzung bereitzustellen.</a:t>
+            </a:r>
           </a:p>
         </p:txBody>
       </p:sp>
@@ -8510,8 +7528,8 @@
         </p:nvSpPr>
         <p:spPr>
           <a:xfrm>
-            <a:off x="5265661" y="5243920"/>
-            <a:ext cx="2194560" cy="669927"/>
+            <a:off x="5265660" y="5243920"/>
+            <a:ext cx="2482881" cy="758862"/>
           </a:xfrm>
           <a:prstGeom prst="rect">
             <a:avLst/>
@@ -8532,19 +7550,34 @@
               </a:spcBef>
             </a:pPr>
             <a:r>
-              <a:rPr sz="1000" dirty="0">
+              <a:rPr lang="de-DE" sz="900" dirty="0">
                 <a:solidFill>
                   <a:srgbClr val="020302"/>
                 </a:solidFill>
                 <a:latin typeface="AdobeClean-Light"/>
                 <a:cs typeface="AdobeClean-Light"/>
               </a:rPr>
-              <a:t>Manage key events to ensure you have the  right level of support, coverage, and  mitigation plan in place during those key  business and project milestones.</a:t>
-            </a:r>
-            <a:endParaRPr sz="1000" dirty="0">
-              <a:latin typeface="AdobeClean-Light"/>
-              <a:cs typeface="AdobeClean-Light"/>
-            </a:endParaRPr>
+              <a:t>Verwalten Sie wichtige Ereignisse, um sicherzustellen, dass Sie während dieser zentralen Unternehmens- </a:t>
+            </a:r>
+            <a:br>
+              <a:rPr lang="sk-SK" sz="900" dirty="0">
+                <a:solidFill>
+                  <a:srgbClr val="020302"/>
+                </a:solidFill>
+                <a:latin typeface="AdobeClean-Light"/>
+                <a:cs typeface="AdobeClean-Light"/>
+              </a:rPr>
+            </a:br>
+            <a:r>
+              <a:rPr lang="de-DE" sz="900" dirty="0">
+                <a:solidFill>
+                  <a:srgbClr val="020302"/>
+                </a:solidFill>
+                <a:latin typeface="AdobeClean-Light"/>
+                <a:cs typeface="AdobeClean-Light"/>
+              </a:rPr>
+              <a:t>und Projekt-Milestones über angemessenen Support, entsprechende Abdeckung und einen Plan mit Sicherheitsmechanismen verfügen.</a:t>
+            </a:r>
           </a:p>
         </p:txBody>
       </p:sp>
@@ -8556,8 +7589,8 @@
         </p:nvSpPr>
         <p:spPr>
           <a:xfrm>
-            <a:off x="324341" y="5262204"/>
-            <a:ext cx="2194560" cy="698781"/>
+            <a:off x="324340" y="5228045"/>
+            <a:ext cx="2467386" cy="791755"/>
           </a:xfrm>
           <a:prstGeom prst="rect">
             <a:avLst/>
@@ -8578,19 +7611,101 @@
               </a:spcBef>
             </a:pPr>
             <a:r>
-              <a:rPr sz="1000" dirty="0">
+              <a:rPr lang="sk-SK" sz="900" dirty="0">
                 <a:solidFill>
                   <a:srgbClr val="020302"/>
                 </a:solidFill>
                 <a:latin typeface="AdobeClean-Light"/>
                 <a:cs typeface="AdobeClean-Light"/>
               </a:rPr>
-              <a:t>Receive personalized guidance on new  product features to take advantage of  latest innovations, and have Adobe  experts review release and upgrade plan.</a:t>
-            </a:r>
-            <a:endParaRPr sz="1000" dirty="0">
-              <a:latin typeface="AdobeClean-Light"/>
-              <a:cs typeface="AdobeClean-Light"/>
-            </a:endParaRPr>
+              <a:t>S</a:t>
+            </a:r>
+            <a:r>
+              <a:rPr lang="de-DE" sz="900" dirty="0">
+                <a:solidFill>
+                  <a:srgbClr val="020302"/>
+                </a:solidFill>
+                <a:latin typeface="AdobeClean-Light"/>
+                <a:cs typeface="AdobeClean-Light"/>
+              </a:rPr>
+              <a:t>ie erhalten personalisierte Anleitungen </a:t>
+            </a:r>
+            <a:br>
+              <a:rPr lang="sk-SK" sz="900" dirty="0">
+                <a:solidFill>
+                  <a:srgbClr val="020302"/>
+                </a:solidFill>
+                <a:latin typeface="AdobeClean-Light"/>
+                <a:cs typeface="AdobeClean-Light"/>
+              </a:rPr>
+            </a:br>
+            <a:r>
+              <a:rPr lang="de-DE" sz="900" dirty="0">
+                <a:solidFill>
+                  <a:srgbClr val="020302"/>
+                </a:solidFill>
+                <a:latin typeface="AdobeClean-Light"/>
+                <a:cs typeface="AdobeClean-Light"/>
+              </a:rPr>
+              <a:t>zu neuen Produktfunktionen, um die neuesten</a:t>
+            </a:r>
+            <a:br>
+              <a:rPr lang="sk-SK" sz="900" dirty="0">
+                <a:solidFill>
+                  <a:srgbClr val="020302"/>
+                </a:solidFill>
+                <a:latin typeface="AdobeClean-Light"/>
+                <a:cs typeface="AdobeClean-Light"/>
+              </a:rPr>
+            </a:br>
+            <a:r>
+              <a:rPr lang="de-DE" sz="900" dirty="0">
+                <a:solidFill>
+                  <a:srgbClr val="020302"/>
+                </a:solidFill>
+                <a:latin typeface="AdobeClean-Light"/>
+                <a:cs typeface="AdobeClean-Light"/>
+              </a:rPr>
+              <a:t>Innovationen nutzen zu können, und eine Prüfung </a:t>
+            </a:r>
+            <a:br>
+              <a:rPr lang="sk-SK" sz="900" dirty="0">
+                <a:solidFill>
+                  <a:srgbClr val="020302"/>
+                </a:solidFill>
+                <a:latin typeface="AdobeClean-Light"/>
+                <a:cs typeface="AdobeClean-Light"/>
+              </a:rPr>
+            </a:br>
+            <a:r>
+              <a:rPr lang="de-DE" sz="900" dirty="0">
+                <a:solidFill>
+                  <a:srgbClr val="020302"/>
+                </a:solidFill>
+                <a:latin typeface="AdobeClean-Light"/>
+                <a:cs typeface="AdobeClean-Light"/>
+              </a:rPr>
+              <a:t>des Veröffentlichungs- und Aktualisierungsplans </a:t>
+            </a:r>
+            <a:br>
+              <a:rPr lang="sk-SK" sz="900" dirty="0">
+                <a:solidFill>
+                  <a:srgbClr val="020302"/>
+                </a:solidFill>
+                <a:latin typeface="AdobeClean-Light"/>
+                <a:cs typeface="AdobeClean-Light"/>
+              </a:rPr>
+            </a:br>
+            <a:r>
+              <a:rPr lang="de-DE" sz="900" dirty="0">
+                <a:solidFill>
+                  <a:srgbClr val="020302"/>
+                </a:solidFill>
+                <a:latin typeface="AdobeClean-Light"/>
+                <a:cs typeface="AdobeClean-Light"/>
+              </a:rPr>
+              <a:t>durch Adobe-Experten.</a:t>
+            </a:r>
           </a:p>
         </p:txBody>
       </p:sp>
@@ -8603,7 +7718,7 @@
         <p:spPr>
           <a:xfrm>
             <a:off x="97787" y="9888626"/>
-            <a:ext cx="2202180" cy="149860"/>
+            <a:ext cx="3082618" cy="133370"/>
           </a:xfrm>
           <a:prstGeom prst="rect">
             <a:avLst/>
@@ -8624,99 +7739,15 @@
               </a:spcBef>
             </a:pPr>
             <a:r>
-              <a:rPr sz="800" spc="-15" dirty="0">
+              <a:rPr lang="de-DE" sz="800" dirty="0">
                 <a:solidFill>
                   <a:srgbClr val="6D6D6D"/>
                 </a:solidFill>
                 <a:latin typeface="Adobe Clean"/>
                 <a:cs typeface="Adobe Clean"/>
               </a:rPr>
-              <a:t>©2021 </a:t>
-            </a:r>
-            <a:r>
-              <a:rPr sz="800" spc="-5" dirty="0">
-                <a:solidFill>
-                  <a:srgbClr val="6D6D6D"/>
-                </a:solidFill>
-                <a:latin typeface="Adobe Clean"/>
-                <a:cs typeface="Adobe Clean"/>
-              </a:rPr>
-              <a:t>Adobe. All</a:t>
-            </a:r>
-            <a:r>
-              <a:rPr sz="800" spc="-15" dirty="0">
-                <a:solidFill>
-                  <a:srgbClr val="6D6D6D"/>
-                </a:solidFill>
-                <a:latin typeface="Adobe Clean"/>
-                <a:cs typeface="Adobe Clean"/>
-              </a:rPr>
-              <a:t> Rights</a:t>
-            </a:r>
-            <a:r>
-              <a:rPr sz="800" spc="-5" dirty="0">
-                <a:solidFill>
-                  <a:srgbClr val="6D6D6D"/>
-                </a:solidFill>
-                <a:latin typeface="Adobe Clean"/>
-                <a:cs typeface="Adobe Clean"/>
-              </a:rPr>
-              <a:t> </a:t>
-            </a:r>
-            <a:r>
-              <a:rPr sz="800" spc="-15" dirty="0">
-                <a:solidFill>
-                  <a:srgbClr val="6D6D6D"/>
-                </a:solidFill>
-                <a:latin typeface="Adobe Clean"/>
-                <a:cs typeface="Adobe Clean"/>
-              </a:rPr>
-              <a:t>Reserved.</a:t>
-            </a:r>
-            <a:r>
-              <a:rPr sz="800" spc="-10" dirty="0">
-                <a:solidFill>
-                  <a:srgbClr val="6D6D6D"/>
-                </a:solidFill>
-                <a:latin typeface="Adobe Clean"/>
-                <a:cs typeface="Adobe Clean"/>
-              </a:rPr>
-              <a:t> </a:t>
-            </a:r>
-            <a:r>
-              <a:rPr sz="800" spc="-5" dirty="0">
-                <a:solidFill>
-                  <a:srgbClr val="6D6D6D"/>
-                </a:solidFill>
-                <a:latin typeface="Adobe Clean"/>
-                <a:cs typeface="Adobe Clean"/>
-              </a:rPr>
-              <a:t>Adobe</a:t>
-            </a:r>
-            <a:r>
-              <a:rPr sz="800" spc="65" dirty="0">
-                <a:solidFill>
-                  <a:srgbClr val="6D6D6D"/>
-                </a:solidFill>
-                <a:latin typeface="Adobe Clean"/>
-                <a:cs typeface="Adobe Clean"/>
-              </a:rPr>
-              <a:t> </a:t>
-            </a:r>
-            <a:r>
-              <a:rPr sz="800" spc="-15" dirty="0">
-                <a:solidFill>
-                  <a:srgbClr val="6D6D6D"/>
-                </a:solidFill>
-                <a:latin typeface="Adobe Clean"/>
-                <a:cs typeface="Adobe Clean"/>
-              </a:rPr>
-              <a:t>Confidential.</a:t>
-            </a:r>
-            <a:endParaRPr sz="800">
-              <a:latin typeface="Adobe Clean"/>
-              <a:cs typeface="Adobe Clean"/>
-            </a:endParaRPr>
+              <a:t>©2021 Adobe. All Rights Reserved. Adobe Confidential.</a:t>
+            </a:r>
           </a:p>
         </p:txBody>
       </p:sp>
@@ -8774,7 +7805,7 @@
         <p:spPr>
           <a:xfrm>
             <a:off x="2791726" y="9060487"/>
-            <a:ext cx="2194560" cy="487313"/>
+            <a:ext cx="2194560" cy="795089"/>
           </a:xfrm>
           <a:prstGeom prst="rect">
             <a:avLst/>
@@ -8798,152 +7829,34 @@
               </a:tabLst>
             </a:pPr>
             <a:r>
-              <a:rPr sz="1000" spc="-20" dirty="0">
+              <a:rPr lang="de-DE" sz="1000" dirty="0">
                 <a:solidFill>
                   <a:srgbClr val="020302"/>
                 </a:solidFill>
                 <a:latin typeface="AdobeClean-Light"/>
                 <a:cs typeface="AdobeClean-Light"/>
               </a:rPr>
-              <a:t>Start </a:t>
-            </a:r>
-            <a:r>
-              <a:rPr sz="1000" dirty="0">
+              <a:t>Starten Sie eine Chat-Session, </a:t>
+            </a:r>
+            <a:br>
+              <a:rPr lang="sk-SK" sz="1000" dirty="0">
                 <a:solidFill>
                   <a:srgbClr val="020302"/>
                 </a:solidFill>
                 <a:latin typeface="AdobeClean-Light"/>
                 <a:cs typeface="AdobeClean-Light"/>
               </a:rPr>
-              <a:t>a </a:t>
-            </a:r>
-            <a:r>
-              <a:rPr sz="1000" spc="-15" dirty="0">
+            </a:br>
+            <a:r>
+              <a:rPr lang="de-DE" sz="1000" dirty="0">
                 <a:solidFill>
                   <a:srgbClr val="020302"/>
                 </a:solidFill>
                 <a:latin typeface="AdobeClean-Light"/>
                 <a:cs typeface="AdobeClean-Light"/>
               </a:rPr>
-              <a:t>chat </a:t>
-            </a:r>
-            <a:r>
-              <a:rPr sz="1000" spc="-10" dirty="0">
-                <a:solidFill>
-                  <a:srgbClr val="020302"/>
-                </a:solidFill>
-                <a:latin typeface="AdobeClean-Light"/>
-                <a:cs typeface="AdobeClean-Light"/>
-              </a:rPr>
-              <a:t>session </a:t>
-            </a:r>
-            <a:r>
-              <a:rPr sz="1000" spc="-5" dirty="0">
-                <a:solidFill>
-                  <a:srgbClr val="020302"/>
-                </a:solidFill>
-                <a:latin typeface="AdobeClean-Light"/>
-                <a:cs typeface="AdobeClean-Light"/>
-              </a:rPr>
-              <a:t>to </a:t>
-            </a:r>
-            <a:r>
-              <a:rPr sz="1000" spc="-10" dirty="0">
-                <a:solidFill>
-                  <a:srgbClr val="020302"/>
-                </a:solidFill>
-                <a:latin typeface="AdobeClean-Light"/>
-                <a:cs typeface="AdobeClean-Light"/>
-              </a:rPr>
-              <a:t>get </a:t>
-            </a:r>
-            <a:r>
-              <a:rPr sz="1000" spc="-20" dirty="0">
-                <a:solidFill>
-                  <a:srgbClr val="020302"/>
-                </a:solidFill>
-                <a:latin typeface="AdobeClean-Light"/>
-                <a:cs typeface="AdobeClean-Light"/>
-              </a:rPr>
-              <a:t>answers</a:t>
-            </a:r>
-            <a:r>
-              <a:rPr lang="en-US" sz="1000" spc="-45" dirty="0">
-                <a:solidFill>
-                  <a:srgbClr val="020302"/>
-                </a:solidFill>
-                <a:latin typeface="AdobeClean-Light"/>
-                <a:cs typeface="AdobeClean-Light"/>
-              </a:rPr>
-              <a:t> </a:t>
-            </a:r>
-            <a:r>
-              <a:rPr lang="en-US" sz="1000" dirty="0">
-                <a:solidFill>
-                  <a:srgbClr val="020302"/>
-                </a:solidFill>
-                <a:latin typeface="AdobeClean-Light"/>
-                <a:cs typeface="AdobeClean-Light"/>
-              </a:rPr>
-              <a:t>&amp; </a:t>
-            </a:r>
-            <a:r>
-              <a:rPr sz="1000" spc="-15" dirty="0">
-                <a:solidFill>
-                  <a:srgbClr val="020302"/>
-                </a:solidFill>
-                <a:latin typeface="AdobeClean-Light"/>
-                <a:cs typeface="AdobeClean-Light"/>
-              </a:rPr>
-              <a:t>help </a:t>
-            </a:r>
-            <a:r>
-              <a:rPr sz="1000" spc="-10" dirty="0">
-                <a:solidFill>
-                  <a:srgbClr val="020302"/>
-                </a:solidFill>
-                <a:latin typeface="AdobeClean-Light"/>
-                <a:cs typeface="AdobeClean-Light"/>
-              </a:rPr>
-              <a:t>with</a:t>
-            </a:r>
-            <a:r>
-              <a:rPr sz="1000" spc="85" dirty="0">
-                <a:solidFill>
-                  <a:srgbClr val="020302"/>
-                </a:solidFill>
-                <a:latin typeface="AdobeClean-Light"/>
-                <a:cs typeface="AdobeClean-Light"/>
-              </a:rPr>
-              <a:t> </a:t>
-            </a:r>
-            <a:r>
-              <a:rPr sz="1000" spc="-10" dirty="0">
-                <a:solidFill>
-                  <a:srgbClr val="020302"/>
-                </a:solidFill>
-                <a:latin typeface="AdobeClean-Light"/>
-                <a:cs typeface="AdobeClean-Light"/>
-              </a:rPr>
-              <a:t>case </a:t>
-            </a:r>
-            <a:r>
-              <a:rPr sz="1000" spc="-20" dirty="0">
-                <a:solidFill>
-                  <a:srgbClr val="020302"/>
-                </a:solidFill>
-                <a:latin typeface="AdobeClean-Light"/>
-                <a:cs typeface="AdobeClean-Light"/>
-              </a:rPr>
-              <a:t>submission</a:t>
-            </a:r>
-            <a:endParaRPr lang="en-US" sz="1000" spc="-20" dirty="0">
-              <a:solidFill>
-                <a:srgbClr val="020302"/>
-              </a:solidFill>
-              <a:latin typeface="AdobeClean-Light"/>
-              <a:cs typeface="AdobeClean-Light"/>
-            </a:endParaRPr>
+              <a:t>um Antworten und Hilfe bei der Fallübermittlung zu erhalten</a:t>
+            </a:r>
           </a:p>
           <a:p>
             <a:pPr marL="33020" marR="159385">
@@ -8958,39 +7871,44 @@
               </a:tabLst>
             </a:pPr>
             <a:r>
-              <a:rPr sz="1000" i="1" spc="-10" dirty="0">
+              <a:rPr lang="de-DE" sz="1000" i="1" dirty="0">
                 <a:solidFill>
                   <a:srgbClr val="7A7A7A"/>
                 </a:solidFill>
                 <a:latin typeface="AdobeClean-LightIt"/>
                 <a:cs typeface="AdobeClean-LightIt"/>
               </a:rPr>
-              <a:t>*Not all </a:t>
-            </a:r>
-            <a:r>
-              <a:rPr sz="1000" i="1" spc="-20" dirty="0">
+              <a:t>*Nicht alle Produkte verfügen</a:t>
+            </a:r>
+            <a:br>
+              <a:rPr lang="sk-SK" sz="1000" i="1" dirty="0">
                 <a:solidFill>
                   <a:srgbClr val="7A7A7A"/>
                 </a:solidFill>
                 <a:latin typeface="AdobeClean-LightIt"/>
                 <a:cs typeface="AdobeClean-LightIt"/>
               </a:rPr>
-              <a:t>products have live chat support</a:t>
-            </a:r>
-            <a:r>
-              <a:rPr sz="900" i="1" spc="-20" dirty="0">
+            </a:br>
+            <a:r>
+              <a:rPr lang="de-DE" sz="1000" i="1" dirty="0">
                 <a:solidFill>
                   <a:srgbClr val="7A7A7A"/>
                 </a:solidFill>
                 <a:latin typeface="AdobeClean-LightIt"/>
                 <a:cs typeface="AdobeClean-LightIt"/>
               </a:rPr>
+              <a:t>über Live-Chat-Support</a:t>
+            </a:r>
+            <a:r>
+              <a:rPr lang="de-DE" sz="900" i="1" dirty="0">
+                <a:solidFill>
+                  <a:srgbClr val="7A7A7A"/>
+                </a:solidFill>
+                <a:latin typeface="AdobeClean-LightIt"/>
+                <a:cs typeface="AdobeClean-LightIt"/>
+              </a:rPr>
               <a:t>.  </a:t>
             </a:r>
-            <a:endParaRPr sz="900" dirty="0">
-              <a:latin typeface="AdobeClean-Light"/>
-              <a:cs typeface="AdobeClean-Light"/>
-            </a:endParaRPr>
           </a:p>
         </p:txBody>
       </p:sp>
@@ -9037,12 +7955,12 @@
               <a:defRPr/>
             </a:pPr>
             <a:r>
-              <a:rPr lang="en-US" sz="1200" dirty="0">
+              <a:rPr lang="de-DE" sz="1200">
                 <a:solidFill>
                   <a:srgbClr val="000000"/>
                 </a:solidFill>
               </a:rPr>
-              <a:t>Community Forums</a:t>
+              <a:t>Community-Foren</a:t>
             </a:r>
           </a:p>
         </p:txBody>
@@ -9085,12 +8003,12 @@
               </a:spcAft>
             </a:pPr>
             <a:r>
-              <a:rPr lang="en-US" sz="1200" b="1" dirty="0">
+              <a:rPr lang="de-DE" sz="1200" b="1">
                 <a:latin typeface="+mj-lt"/>
                 <a:ea typeface="Open Sans" pitchFamily="34" charset="0"/>
                 <a:cs typeface="Open Sans" pitchFamily="34" charset="0"/>
               </a:rPr>
-              <a:t>Online Forums</a:t>
+              <a:t>Online-Foren</a:t>
             </a:r>
           </a:p>
         </p:txBody>
@@ -9110,7 +8028,7 @@
         <p:spPr>
           <a:xfrm>
             <a:off x="324341" y="7152361"/>
-            <a:ext cx="2194560" cy="959237"/>
+            <a:ext cx="2194560" cy="1113125"/>
           </a:xfrm>
           <a:prstGeom prst="rect">
             <a:avLst/>
@@ -9123,13 +8041,81 @@
           <a:lstStyle/>
           <a:p>
             <a:r>
-              <a:rPr lang="en-US" sz="1000" dirty="0">
+              <a:rPr lang="de-DE" sz="1000" dirty="0">
                 <a:solidFill>
                   <a:srgbClr val="4B4B4B"/>
                 </a:solidFill>
                 <a:latin typeface="Adobe Clean Light" panose="020B0303020404020204" pitchFamily="34" charset="0"/>
               </a:rPr>
-              <a:t>Continuous online access to a growing database of technical solutions, product documentation, FAQs and more. Connect with practitioners and other customers on Adobe Community to share best practices and lessons learned</a:t>
+              <a:t>Kontinuierlicher Online-Zugriff auf eine wachsende Datenbank technischer Lösungen, Produktdokumentationen, </a:t>
+            </a:r>
+            <a:br>
+              <a:rPr lang="sk-SK" sz="1000" dirty="0">
+                <a:solidFill>
+                  <a:srgbClr val="4B4B4B"/>
+                </a:solidFill>
+                <a:latin typeface="Adobe Clean Light" panose="020B0303020404020204" pitchFamily="34" charset="0"/>
+              </a:rPr>
+            </a:br>
+            <a:r>
+              <a:rPr lang="de-DE" sz="1000" dirty="0">
+                <a:solidFill>
+                  <a:srgbClr val="4B4B4B"/>
+                </a:solidFill>
+                <a:latin typeface="Adobe Clean Light" panose="020B0303020404020204" pitchFamily="34" charset="0"/>
+              </a:rPr>
+              <a:t>FAQs und mehr. Tauschen Sie sich </a:t>
+            </a:r>
+            <a:br>
+              <a:rPr lang="sk-SK" sz="1000" dirty="0">
+                <a:solidFill>
+                  <a:srgbClr val="4B4B4B"/>
+                </a:solidFill>
+                <a:latin typeface="Adobe Clean Light" panose="020B0303020404020204" pitchFamily="34" charset="0"/>
+              </a:rPr>
+            </a:br>
+            <a:r>
+              <a:rPr lang="de-DE" sz="1000" dirty="0">
+                <a:solidFill>
+                  <a:srgbClr val="4B4B4B"/>
+                </a:solidFill>
+                <a:latin typeface="Adobe Clean Light" panose="020B0303020404020204" pitchFamily="34" charset="0"/>
+              </a:rPr>
+              <a:t>mit Fachleuten und anderen Kunden </a:t>
+            </a:r>
+            <a:br>
+              <a:rPr lang="sk-SK" sz="1000" dirty="0">
+                <a:solidFill>
+                  <a:srgbClr val="4B4B4B"/>
+                </a:solidFill>
+                <a:latin typeface="Adobe Clean Light" panose="020B0303020404020204" pitchFamily="34" charset="0"/>
+              </a:rPr>
+            </a:br>
+            <a:r>
+              <a:rPr lang="de-DE" sz="1000" dirty="0">
+                <a:solidFill>
+                  <a:srgbClr val="4B4B4B"/>
+                </a:solidFill>
+                <a:latin typeface="Adobe Clean Light" panose="020B0303020404020204" pitchFamily="34" charset="0"/>
+              </a:rPr>
+              <a:t>in der Adobe-Community über </a:t>
+            </a:r>
+            <a:br>
+              <a:rPr lang="sk-SK" sz="1000" dirty="0">
+                <a:solidFill>
+                  <a:srgbClr val="4B4B4B"/>
+                </a:solidFill>
+                <a:latin typeface="Adobe Clean Light" panose="020B0303020404020204" pitchFamily="34" charset="0"/>
+              </a:rPr>
+            </a:br>
+            <a:r>
+              <a:rPr lang="de-DE" sz="1000" dirty="0">
+                <a:solidFill>
+                  <a:srgbClr val="4B4B4B"/>
+                </a:solidFill>
+                <a:latin typeface="Adobe Clean Light" panose="020B0303020404020204" pitchFamily="34" charset="0"/>
+              </a:rPr>
+              <a:t>Best Practices und Erfahrungen aus</a:t>
             </a:r>
           </a:p>
         </p:txBody>
@@ -9177,7 +8163,7 @@
               <a:defRPr/>
             </a:pPr>
             <a:r>
-              <a:rPr lang="en-US" sz="1200" dirty="0">
+              <a:rPr lang="de-DE" sz="1200">
                 <a:solidFill>
                   <a:srgbClr val="000000"/>
                 </a:solidFill>
@@ -9225,12 +8211,12 @@
               </a:spcAft>
             </a:pPr>
             <a:r>
-              <a:rPr lang="en-US" sz="1200" b="1" dirty="0">
+              <a:rPr lang="de-DE" sz="1200" b="1">
                 <a:latin typeface="+mj-lt"/>
                 <a:ea typeface="Open Sans" pitchFamily="34" charset="0"/>
                 <a:cs typeface="Open Sans" pitchFamily="34" charset="0"/>
               </a:rPr>
-              <a:t>Self-guided Journeys</a:t>
+              <a:t>Journeys für die Selbsthilfe</a:t>
             </a:r>
           </a:p>
         </p:txBody>
@@ -9263,13 +8249,30 @@
           <a:lstStyle/>
           <a:p>
             <a:r>
-              <a:rPr lang="en-US" sz="1000" dirty="0">
+              <a:rPr lang="de-DE" sz="1000" dirty="0">
                 <a:solidFill>
                   <a:srgbClr val="4B4B4B"/>
                 </a:solidFill>
                 <a:latin typeface="Adobe Clean Light" panose="020B0303020404020204" pitchFamily="34" charset="0"/>
               </a:rPr>
-              <a:t>Experience Makers are made with Experience League. Customers can kickstart their Customer Experience Management abilities with personalized learning to develop skills, engage with a global community of peers, and earn career advancing recognition</a:t>
+              <a:t>Experience Maker entstehen in der Experience League. Kunden können durch personalisiertes Lernen ihre Customer-Experience-Management-Fähigkeiten entwickeln, mit einer globalen Community anderer Anwender interagieren und </a:t>
+            </a:r>
+            <a:br>
+              <a:rPr lang="sk-SK" sz="1000" dirty="0">
+                <a:solidFill>
+                  <a:srgbClr val="4B4B4B"/>
+                </a:solidFill>
+                <a:latin typeface="Adobe Clean Light" panose="020B0303020404020204" pitchFamily="34" charset="0"/>
+              </a:rPr>
+            </a:br>
+            <a:r>
+              <a:rPr lang="de-DE" sz="1000" dirty="0">
+                <a:solidFill>
+                  <a:srgbClr val="4B4B4B"/>
+                </a:solidFill>
+                <a:latin typeface="Adobe Clean Light" panose="020B0303020404020204" pitchFamily="34" charset="0"/>
+              </a:rPr>
+              <a:t>so ihre eigene Karriere fördern</a:t>
             </a:r>
           </a:p>
         </p:txBody>
@@ -9317,12 +8320,12 @@
               <a:defRPr/>
             </a:pPr>
             <a:r>
-              <a:rPr lang="en-US" sz="1200" dirty="0">
+              <a:rPr lang="de-DE" sz="1200">
                 <a:solidFill>
                   <a:srgbClr val="000000"/>
                 </a:solidFill>
               </a:rPr>
-              <a:t>Live Chat  Support*</a:t>
+              <a:t>Live-Chat-Support*</a:t>
             </a:r>
           </a:p>
         </p:txBody>
@@ -9365,12 +8368,12 @@
               </a:spcAft>
             </a:pPr>
             <a:r>
-              <a:rPr lang="en-US" sz="1200" b="1" dirty="0">
+              <a:rPr lang="de-DE" sz="1200" b="1">
                 <a:latin typeface="+mj-lt"/>
                 <a:ea typeface="Open Sans" pitchFamily="34" charset="0"/>
                 <a:cs typeface="Open Sans" pitchFamily="34" charset="0"/>
               </a:rPr>
-              <a:t>Chat Support</a:t>
+              <a:t>Chat-Support</a:t>
             </a:r>
           </a:p>
         </p:txBody>
@@ -9418,7 +8421,7 @@
               <a:defRPr/>
             </a:pPr>
             <a:r>
-              <a:rPr lang="en-US" sz="1200" dirty="0">
+              <a:rPr lang="de-DE" sz="1200">
                 <a:solidFill>
                   <a:srgbClr val="000000"/>
                 </a:solidFill>
@@ -9466,12 +8469,12 @@
               </a:spcAft>
             </a:pPr>
             <a:r>
-              <a:rPr lang="en-US" sz="1200" b="1" dirty="0">
+              <a:rPr lang="de-DE" sz="1200" b="1">
                 <a:latin typeface="+mj-lt"/>
                 <a:ea typeface="Open Sans" pitchFamily="34" charset="0"/>
                 <a:cs typeface="Open Sans" pitchFamily="34" charset="0"/>
               </a:rPr>
-              <a:t>Phone  Support</a:t>
+              <a:t>Telefonischer Support</a:t>
             </a:r>
           </a:p>
         </p:txBody>
@@ -9491,7 +8494,7 @@
         <p:spPr>
           <a:xfrm>
             <a:off x="2791726" y="7152361"/>
-            <a:ext cx="2194560" cy="805349"/>
+            <a:ext cx="2194560" cy="1113125"/>
           </a:xfrm>
           <a:prstGeom prst="rect">
             <a:avLst/>
@@ -9504,35 +8507,62 @@
           <a:lstStyle/>
           <a:p>
             <a:r>
-              <a:rPr lang="en-US" sz="1000" dirty="0">
+              <a:rPr lang="de-DE" sz="1000" dirty="0">
                 <a:solidFill>
                   <a:srgbClr val="020302"/>
                 </a:solidFill>
                 <a:latin typeface="AdobeClean-Light"/>
               </a:rPr>
-              <a:t>Authorized users or </a:t>
-            </a:r>
-            <a:r>
-              <a:rPr lang="en-US" sz="1000" b="1" dirty="0">
+              <a:t>Autorisierte Anwender oder </a:t>
+            </a:r>
+            <a:r>
+              <a:rPr lang="de-DE" sz="1000" b="1" dirty="0">
                 <a:solidFill>
                   <a:srgbClr val="020302"/>
                 </a:solidFill>
                 <a:latin typeface="AdobeClean-Light"/>
               </a:rPr>
-              <a:t>Named Support Contacts </a:t>
-            </a:r>
-            <a:r>
-              <a:rPr lang="en-US" sz="1000" dirty="0">
+              <a:t>spezifische Support-Kontakte</a:t>
+            </a:r>
+            <a:r>
+              <a:rPr lang="de-DE" sz="1000" dirty="0">
                 <a:latin typeface="Adobe Clean Light" panose="020B0303020404020204" pitchFamily="34" charset="0"/>
               </a:rPr>
-              <a:t>can submit issues through all available  channels (including phone for P1) and interact with our technical support team on behalf of your company. </a:t>
-            </a:r>
-            <a:endParaRPr lang="en-US" sz="1000" dirty="0">
-              <a:solidFill>
-                <a:srgbClr val="000000"/>
-              </a:solidFill>
-              <a:latin typeface="Adobe Clean Light" panose="020B0303020404020204" pitchFamily="34" charset="0"/>
-            </a:endParaRPr>
+              <a:t> können Probleme </a:t>
+            </a:r>
+            <a:br>
+              <a:rPr lang="sk-SK" sz="1000" dirty="0">
+                <a:latin typeface="Adobe Clean Light" panose="020B0303020404020204" pitchFamily="34" charset="0"/>
+              </a:rPr>
+            </a:br>
+            <a:r>
+              <a:rPr lang="de-DE" sz="1000" dirty="0">
+                <a:latin typeface="Adobe Clean Light" panose="020B0303020404020204" pitchFamily="34" charset="0"/>
+              </a:rPr>
+              <a:t>über alle verfügbaren Kanäle </a:t>
+            </a:r>
+            <a:br>
+              <a:rPr lang="sk-SK" sz="1000" dirty="0">
+                <a:latin typeface="Adobe Clean Light" panose="020B0303020404020204" pitchFamily="34" charset="0"/>
+              </a:rPr>
+            </a:br>
+            <a:r>
+              <a:rPr lang="de-DE" sz="1000" dirty="0">
+                <a:latin typeface="Adobe Clean Light" panose="020B0303020404020204" pitchFamily="34" charset="0"/>
+              </a:rPr>
+              <a:t>(einschließlich Telefon für P1) einreichen und im Namen Ihres Unternehmens </a:t>
+            </a:r>
+            <a:br>
+              <a:rPr lang="sk-SK" sz="1000" dirty="0">
+                <a:latin typeface="Adobe Clean Light" panose="020B0303020404020204" pitchFamily="34" charset="0"/>
+              </a:rPr>
+            </a:br>
+            <a:r>
+              <a:rPr lang="de-DE" sz="1000" dirty="0">
+                <a:latin typeface="Adobe Clean Light" panose="020B0303020404020204" pitchFamily="34" charset="0"/>
+              </a:rPr>
+              <a:t>mit unserem technischen Support-Team interagieren. </a:t>
+            </a:r>
           </a:p>
         </p:txBody>
       </p:sp>
@@ -9550,8 +8580,8 @@
         </p:nvSpPr>
         <p:spPr>
           <a:xfrm>
-            <a:off x="214971" y="6447157"/>
-            <a:ext cx="1848207" cy="45719"/>
+            <a:off x="214971" y="6477000"/>
+            <a:ext cx="2084996" cy="45719"/>
           </a:xfrm>
           <a:custGeom>
             <a:avLst/>
@@ -9627,7 +8657,7 @@
               <a:defRPr/>
             </a:pPr>
             <a:r>
-              <a:rPr lang="en-US" sz="1200" dirty="0">
+              <a:rPr lang="de-DE" sz="1200">
                 <a:solidFill>
                   <a:srgbClr val="000000"/>
                 </a:solidFill>
@@ -9675,12 +8705,12 @@
               </a:spcAft>
             </a:pPr>
             <a:r>
-              <a:rPr lang="en-US" sz="1200" b="1" dirty="0">
+              <a:rPr lang="de-DE" sz="1200" b="1">
                 <a:latin typeface="+mj-lt"/>
                 <a:ea typeface="Open Sans" pitchFamily="34" charset="0"/>
                 <a:cs typeface="Open Sans" pitchFamily="34" charset="0"/>
               </a:rPr>
-              <a:t>Webinars</a:t>
+              <a:t>Webinare</a:t>
             </a:r>
           </a:p>
         </p:txBody>
@@ -9713,13 +8743,13 @@
           <a:lstStyle/>
           <a:p>
             <a:r>
-              <a:rPr lang="en-US" sz="1000" dirty="0">
+              <a:rPr lang="de-DE" sz="1000" spc="-30" dirty="0">
                 <a:solidFill>
                   <a:srgbClr val="4B4B4B"/>
                 </a:solidFill>
                 <a:latin typeface="Adobe Clean Light" panose="020B0303020404020204" pitchFamily="34" charset="0"/>
               </a:rPr>
-              <a:t>Office Hours led by the Adobe Customer Support team includes sessions designed to inform as well as help participants troubleshoot problems and provide tips and tricks for success with Adobe solutions. </a:t>
+              <a:t>Die vom Adobe Support-Team geleitete Office Hours-Reihe umfasst Sessions mit informativem Inhalt sowie Angebote zur Problembehebung sowie Tipps und Tricks für den Erfolg bei der Nutzung von Adobe-Lösungen. </a:t>
             </a:r>
           </a:p>
         </p:txBody>
@@ -9767,12 +8797,12 @@
               <a:defRPr/>
             </a:pPr>
             <a:r>
-              <a:rPr lang="en-US" sz="1200" dirty="0">
+              <a:rPr lang="de-DE" sz="1200">
                 <a:solidFill>
                   <a:srgbClr val="000000"/>
                 </a:solidFill>
               </a:rPr>
-              <a:t>Self-help Portals</a:t>
+              <a:t>Selbsthilfe-Portale</a:t>
             </a:r>
           </a:p>
         </p:txBody>
@@ -9815,12 +8845,12 @@
               </a:spcAft>
             </a:pPr>
             <a:r>
-              <a:rPr lang="en-US" sz="1200" b="1" dirty="0">
+              <a:rPr lang="de-DE" sz="1200" b="1">
                 <a:latin typeface="+mj-lt"/>
                 <a:ea typeface="Open Sans" pitchFamily="34" charset="0"/>
                 <a:cs typeface="Open Sans" pitchFamily="34" charset="0"/>
               </a:rPr>
-              <a:t>24/7 Support Portal</a:t>
+              <a:t>24/7-Support-Portal</a:t>
             </a:r>
           </a:p>
         </p:txBody>
@@ -9840,7 +8870,7 @@
         <p:spPr>
           <a:xfrm>
             <a:off x="5265661" y="8987081"/>
-            <a:ext cx="2194560" cy="805349"/>
+            <a:ext cx="2408952" cy="959237"/>
           </a:xfrm>
           <a:prstGeom prst="rect">
             <a:avLst/>
@@ -9853,30 +8883,13 @@
           <a:lstStyle/>
           <a:p>
             <a:r>
-              <a:rPr lang="en-US" sz="1000" dirty="0">
+              <a:rPr lang="de-DE" sz="1000" dirty="0">
                 <a:solidFill>
                   <a:srgbClr val="4B4B4B"/>
                 </a:solidFill>
                 <a:latin typeface="Adobe Clean Light" panose="020B0303020404020204" pitchFamily="34" charset="0"/>
               </a:rPr>
-              <a:t>On-demand access to the online </a:t>
-            </a:r>
-            <a:br>
-              <a:rPr lang="en-US" sz="1000" dirty="0">
-                <a:solidFill>
-                  <a:srgbClr val="4B4B4B"/>
-                </a:solidFill>
-                <a:latin typeface="Adobe Clean Light" panose="020B0303020404020204" pitchFamily="34" charset="0"/>
-              </a:rPr>
-            </a:br>
-            <a:r>
-              <a:rPr lang="en-US" sz="1000" dirty="0">
-                <a:solidFill>
-                  <a:srgbClr val="4B4B4B"/>
-                </a:solidFill>
-                <a:latin typeface="Adobe Clean Light" panose="020B0303020404020204" pitchFamily="34" charset="0"/>
-              </a:rPr>
-              <a:t>Self-help Support Portal to submit support requests, review case status, and browse other resources, like our knowledgebase, news and alerts, featured tips, and more.</a:t>
+              <a:t>On-Demand-Zugriff auf das Online-Selbsthilfe-Support-Portal, um Support-Anfragen einzureichen, den Fallstatus zu überprüfen und andere Ressourcen zu durchsuchen, z. B. unsere Wissensdatenbank, Neuigkeiten und Hinweise, spezielle Tipps und mehr.</a:t>
             </a:r>
           </a:p>
         </p:txBody>
@@ -10184,7 +9197,7 @@
         </p:nvSpPr>
         <p:spPr>
           <a:xfrm>
-            <a:off x="214971" y="6124178"/>
+            <a:off x="214971" y="6172200"/>
             <a:ext cx="1930978" cy="307777"/>
           </a:xfrm>
           <a:prstGeom prst="rect">
@@ -10206,19 +9219,15 @@
               </a:spcBef>
             </a:pPr>
             <a:r>
-              <a:rPr lang="en-US" sz="1400" b="1" dirty="0">
+              <a:rPr lang="de-DE" sz="1400" b="1" dirty="0">
                 <a:solidFill>
                   <a:srgbClr val="020302"/>
                 </a:solidFill>
                 <a:latin typeface="Adobe Clean"/>
                 <a:cs typeface="Adobe Clean"/>
               </a:rPr>
-              <a:t>Online Support Features</a:t>
-            </a:r>
-            <a:endParaRPr lang="en-US" sz="1400" dirty="0">
-              <a:latin typeface="Adobe Clean"/>
-              <a:cs typeface="Adobe Clean"/>
-            </a:endParaRPr>
+              <a:t>Umfang von Online Support</a:t>
+            </a:r>
           </a:p>
         </p:txBody>
       </p:sp>
@@ -10419,14 +9428,14 @@
         <p:spPr>
           <a:xfrm>
             <a:off x="324341" y="4031705"/>
-            <a:ext cx="2194560" cy="499111"/>
+            <a:ext cx="2249510" cy="672172"/>
           </a:xfrm>
           <a:prstGeom prst="rect">
             <a:avLst/>
           </a:prstGeom>
         </p:spPr>
         <p:txBody>
-          <a:bodyPr lIns="0" tIns="0" rIns="0" bIns="0">
+          <a:bodyPr wrap="square" lIns="0" tIns="0" rIns="0" bIns="0">
             <a:spAutoFit/>
           </a:bodyPr>
           <a:lstStyle/>
@@ -10440,22 +9449,15 @@
               </a:spcBef>
             </a:pPr>
             <a:r>
-              <a:rPr lang="en-US" sz="1000" dirty="0">
+              <a:rPr lang="de-DE" sz="1000" dirty="0">
                 <a:solidFill>
                   <a:srgbClr val="020302"/>
                 </a:solidFill>
                 <a:latin typeface="AdobeClean-Light"/>
                 <a:cs typeface="AdobeClean-Light"/>
               </a:rPr>
-              <a:t>Proactive review of your solution  deployment, configuration, and overall  architecture, including integrations.</a:t>
-            </a:r>
-            <a:endParaRPr lang="en-US" sz="1000" dirty="0">
-              <a:solidFill>
-                <a:prstClr val="black"/>
-              </a:solidFill>
-              <a:latin typeface="AdobeClean-Light"/>
-              <a:cs typeface="AdobeClean-Light"/>
-            </a:endParaRPr>
+              <a:t>Proaktive Prüfung Ihrer Lösungsimplementierung, -konfiguration und -architektur, einschließlich Integrationen.</a:t>
+            </a:r>
           </a:p>
         </p:txBody>
       </p:sp>
@@ -10473,15 +9475,15 @@
         </p:nvSpPr>
         <p:spPr>
           <a:xfrm>
-            <a:off x="5265661" y="4031705"/>
-            <a:ext cx="2194560" cy="652615"/>
+            <a:off x="5265660" y="4031705"/>
+            <a:ext cx="2354339" cy="652615"/>
           </a:xfrm>
           <a:prstGeom prst="rect">
             <a:avLst/>
           </a:prstGeom>
         </p:spPr>
         <p:txBody>
-          <a:bodyPr lIns="0" tIns="0" rIns="0" bIns="0">
+          <a:bodyPr wrap="square" lIns="0" tIns="0" rIns="0" bIns="0">
             <a:spAutoFit/>
           </a:bodyPr>
           <a:lstStyle/>
@@ -10495,22 +9497,15 @@
               </a:spcBef>
             </a:pPr>
             <a:r>
-              <a:rPr lang="en-US" sz="1000" dirty="0">
+              <a:rPr lang="de-DE" sz="1000" dirty="0">
                 <a:solidFill>
                   <a:srgbClr val="020302"/>
                 </a:solidFill>
                 <a:latin typeface="AdobeClean-Light"/>
                 <a:cs typeface="AdobeClean-Light"/>
               </a:rPr>
-              <a:t>Receive maintenance best practices and latest  fixes (SPs, MR, patches, FPs) to remain up-to-  date on all maintenance checks</a:t>
-            </a:r>
-            <a:endParaRPr lang="en-US" sz="1000" dirty="0">
-              <a:solidFill>
-                <a:prstClr val="black"/>
-              </a:solidFill>
-              <a:latin typeface="AdobeClean-Light"/>
-              <a:cs typeface="AdobeClean-Light"/>
-            </a:endParaRPr>
+              <a:t>Sie erhalten Best Practices für die Wartung und aktuelle Fehlerbehebungen (SPs, MR, Patches, FPs), damit Sie bei allen Wartungsprüfungen auf dem neuesten Stand sind</a:t>
+            </a:r>
           </a:p>
         </p:txBody>
       </p:sp>
@@ -10547,22 +9542,15 @@
               </a:spcBef>
             </a:pPr>
             <a:r>
-              <a:rPr lang="en-US" sz="1000" dirty="0">
+              <a:rPr lang="de-DE" sz="1000" dirty="0">
                 <a:solidFill>
                   <a:srgbClr val="4B4B4B"/>
                 </a:solidFill>
                 <a:latin typeface="AdobeClean-Light"/>
                 <a:cs typeface="AdobeClean-Light"/>
               </a:rPr>
-              <a:t>A regular review of Elite program services, support metrics, and deliverables, including a forward-looking plan</a:t>
-            </a:r>
-            <a:endParaRPr lang="en-US" sz="1000" dirty="0">
-              <a:solidFill>
-                <a:prstClr val="black"/>
-              </a:solidFill>
-              <a:latin typeface="AdobeClean-Light"/>
-              <a:cs typeface="AdobeClean-Light"/>
-            </a:endParaRPr>
+              <a:t>Fortlaufende Prüfung der Services, Support-Metriken und Bereitstellungen des Elite-Programms, einschließlich eines zukunftsorientierten Plans</a:t>
+            </a:r>
           </a:p>
         </p:txBody>
       </p:sp>
@@ -10580,15 +9568,15 @@
         </p:nvSpPr>
         <p:spPr>
           <a:xfrm>
-            <a:off x="5431520" y="2854370"/>
-            <a:ext cx="2194560" cy="615553"/>
+            <a:off x="5431520" y="2895600"/>
+            <a:ext cx="2340880" cy="615553"/>
           </a:xfrm>
           <a:prstGeom prst="rect">
             <a:avLst/>
           </a:prstGeom>
         </p:spPr>
         <p:txBody>
-          <a:bodyPr lIns="0" tIns="0" rIns="0" bIns="0">
+          <a:bodyPr wrap="square" lIns="0" tIns="0" rIns="0" bIns="0">
             <a:spAutoFit/>
           </a:bodyPr>
           <a:lstStyle/>
@@ -10599,22 +9587,15 @@
               </a:spcBef>
             </a:pPr>
             <a:r>
-              <a:rPr lang="en-US" sz="1000" dirty="0">
+              <a:rPr lang="de-DE" sz="1000" dirty="0">
                 <a:solidFill>
                   <a:srgbClr val="4B4B4B"/>
                 </a:solidFill>
                 <a:latin typeface="AdobeClean-Light"/>
                 <a:cs typeface="AdobeClean-Light"/>
               </a:rPr>
-              <a:t>A 60-minute session focusing on a  specific product feature and how it can  be utilized to solve common business  problems.</a:t>
-            </a:r>
-            <a:endParaRPr lang="en-US" sz="1000" dirty="0">
-              <a:solidFill>
-                <a:prstClr val="black"/>
-              </a:solidFill>
-              <a:latin typeface="AdobeClean-Light"/>
-              <a:cs typeface="AdobeClean-Light"/>
-            </a:endParaRPr>
+              <a:t>Eine 60-minütige Session mit Konzentration auf eine bestimmte Produktfunktion und deren Nutzung zum Lösen gängiger Unternehmensprobleme.</a:t>
+            </a:r>
           </a:p>
         </p:txBody>
       </p:sp>
@@ -10633,14 +9614,14 @@
         <p:spPr>
           <a:xfrm>
             <a:off x="324341" y="2842848"/>
-            <a:ext cx="2194560" cy="615553"/>
+            <a:ext cx="2428138" cy="615553"/>
           </a:xfrm>
           <a:prstGeom prst="rect">
             <a:avLst/>
           </a:prstGeom>
         </p:spPr>
         <p:txBody>
-          <a:bodyPr lIns="0" tIns="0" rIns="0" bIns="0">
+          <a:bodyPr wrap="square" lIns="0" tIns="0" rIns="0" bIns="0">
             <a:spAutoFit/>
           </a:bodyPr>
           <a:lstStyle/>
@@ -10651,16 +9632,15 @@
               </a:spcBef>
             </a:pPr>
             <a:r>
-              <a:rPr lang="en-US" sz="1000" dirty="0">
+              <a:rPr lang="de-DE" sz="1000" spc="-50" dirty="0">
                 <a:solidFill>
                   <a:srgbClr val="4B4B4B"/>
                 </a:solidFill>
                 <a:latin typeface="AdobeClean-Light"/>
                 <a:cs typeface="AdobeClean-Light"/>
               </a:rPr>
-              <a:t>A designated point of contact within Adobe  who can provide escalation assistance,  regular updates and ensure priority is given  to your most critical open support requests.</a:t>
-            </a:r>
-            <a:endParaRPr lang="en-US" dirty="0"/>
+              <a:t>Ein spezifischer Ansprechpartner innerhalb von Adobe, der Unterstützung bei Eskalation und regelmäßigen Updates bietet und sicherstellt, dass die wichtigsten offenen Support-Anfragen priorisiert werden.</a:t>
+            </a:r>
           </a:p>
         </p:txBody>
       </p:sp>
@@ -10697,22 +9677,15 @@
               </a:spcBef>
             </a:pPr>
             <a:r>
-              <a:rPr lang="en-US" sz="1100" b="1" dirty="0">
+              <a:rPr lang="de-DE" sz="1100" b="1">
                 <a:solidFill>
                   <a:srgbClr val="020302"/>
                 </a:solidFill>
                 <a:latin typeface="Adobe Clean" panose="020B0503020404020204" pitchFamily="34" charset="0"/>
                 <a:cs typeface="Arial"/>
               </a:rPr>
-              <a:t>Named Support Engineer</a:t>
-            </a:r>
-            <a:endParaRPr lang="en-US" sz="1100" dirty="0">
-              <a:solidFill>
-                <a:prstClr val="black"/>
-              </a:solidFill>
-              <a:latin typeface="Adobe Clean" panose="020B0503020404020204" pitchFamily="34" charset="0"/>
-              <a:cs typeface="Arial"/>
-            </a:endParaRPr>
+              <a:t>Spezifischer Support-Mitarbeiter</a:t>
+            </a:r>
           </a:p>
         </p:txBody>
       </p:sp>
@@ -10749,22 +9722,15 @@
               </a:spcBef>
             </a:pPr>
             <a:r>
-              <a:rPr lang="en-US" sz="1100" b="1" dirty="0">
+              <a:rPr lang="de-DE" sz="1100" b="1">
                 <a:solidFill>
                   <a:srgbClr val="020302"/>
                 </a:solidFill>
                 <a:latin typeface="Adobe Clean" panose="020B0503020404020204" pitchFamily="34" charset="0"/>
                 <a:cs typeface="Arial"/>
               </a:rPr>
-              <a:t>Case Reviews</a:t>
-            </a:r>
-            <a:endParaRPr lang="en-US" sz="1100" dirty="0">
-              <a:solidFill>
-                <a:prstClr val="black"/>
-              </a:solidFill>
-              <a:latin typeface="Adobe Clean" panose="020B0503020404020204" pitchFamily="34" charset="0"/>
-              <a:cs typeface="Arial"/>
-            </a:endParaRPr>
+              <a:t>Fallprüfungen</a:t>
+            </a:r>
           </a:p>
         </p:txBody>
       </p:sp>
@@ -10801,22 +9767,15 @@
               </a:spcBef>
             </a:pPr>
             <a:r>
-              <a:rPr lang="en-US" sz="1100" b="1" dirty="0">
+              <a:rPr lang="de-DE" sz="1100" b="1">
                 <a:solidFill>
                   <a:srgbClr val="020302"/>
                 </a:solidFill>
                 <a:latin typeface="Adobe Clean" panose="020B0503020404020204" pitchFamily="34" charset="0"/>
                 <a:cs typeface="Adobe Clean"/>
               </a:rPr>
-              <a:t>Maintenance &amp; Monitoring</a:t>
-            </a:r>
-            <a:endParaRPr lang="en-US" sz="1100" dirty="0">
-              <a:solidFill>
-                <a:prstClr val="black"/>
-              </a:solidFill>
-              <a:latin typeface="Adobe Clean" panose="020B0503020404020204" pitchFamily="34" charset="0"/>
-              <a:cs typeface="Adobe Clean"/>
-            </a:endParaRPr>
+              <a:t>Wartung und Überwachung</a:t>
+            </a:r>
           </a:p>
         </p:txBody>
       </p:sp>
@@ -10853,22 +9812,15 @@
               </a:spcBef>
             </a:pPr>
             <a:r>
-              <a:rPr lang="en-US" sz="1100" b="1" dirty="0">
+              <a:rPr lang="de-DE" sz="1100" b="1">
                 <a:solidFill>
                   <a:srgbClr val="020302"/>
                 </a:solidFill>
                 <a:latin typeface="Adobe Clean" panose="020B0503020404020204" pitchFamily="34" charset="0"/>
                 <a:cs typeface="Adobe Clean"/>
               </a:rPr>
-              <a:t>Solution Roadmap Review</a:t>
-            </a:r>
-            <a:endParaRPr lang="en-US" sz="1100" dirty="0">
-              <a:solidFill>
-                <a:prstClr val="black"/>
-              </a:solidFill>
-              <a:latin typeface="Adobe Clean" panose="020B0503020404020204" pitchFamily="34" charset="0"/>
-              <a:cs typeface="Adobe Clean"/>
-            </a:endParaRPr>
+              <a:t>Prüfung der Lösungs-Roadmap</a:t>
+            </a:r>
           </a:p>
         </p:txBody>
       </p:sp>
@@ -10905,22 +9857,15 @@
               </a:spcBef>
             </a:pPr>
             <a:r>
-              <a:rPr lang="en-US" sz="1100" b="1" dirty="0">
+              <a:rPr lang="de-DE" sz="1100" b="1">
                 <a:solidFill>
                   <a:srgbClr val="020302"/>
                 </a:solidFill>
                 <a:latin typeface="Adobe Clean" panose="020B0503020404020204" pitchFamily="34" charset="0"/>
                 <a:cs typeface="Adobe Clean"/>
               </a:rPr>
-              <a:t>Environment Review</a:t>
-            </a:r>
-            <a:endParaRPr lang="en-US" sz="1100" dirty="0">
-              <a:solidFill>
-                <a:prstClr val="black"/>
-              </a:solidFill>
-              <a:latin typeface="Adobe Clean" panose="020B0503020404020204" pitchFamily="34" charset="0"/>
-              <a:cs typeface="Adobe Clean"/>
-            </a:endParaRPr>
+              <a:t>Umgebungsprüfung</a:t>
+            </a:r>
           </a:p>
         </p:txBody>
       </p:sp>
@@ -10957,22 +9902,15 @@
               </a:spcBef>
             </a:pPr>
             <a:r>
-              <a:rPr lang="en-US" sz="1100" b="1" dirty="0">
+              <a:rPr lang="de-DE" sz="1100" b="1">
                 <a:solidFill>
                   <a:srgbClr val="020302"/>
                 </a:solidFill>
                 <a:latin typeface="Adobe Clean" panose="020B0503020404020204" pitchFamily="34" charset="0"/>
                 <a:cs typeface="Adobe Clean"/>
               </a:rPr>
-              <a:t>Escalation Management</a:t>
-            </a:r>
-            <a:endParaRPr lang="en-US" sz="1100" dirty="0">
-              <a:solidFill>
-                <a:prstClr val="black"/>
-              </a:solidFill>
-              <a:latin typeface="Adobe Clean" panose="020B0503020404020204" pitchFamily="34" charset="0"/>
-              <a:cs typeface="Adobe Clean"/>
-            </a:endParaRPr>
+              <a:t>Eskalations-Management</a:t>
+            </a:r>
           </a:p>
         </p:txBody>
       </p:sp>
@@ -11009,22 +9947,15 @@
               </a:spcBef>
             </a:pPr>
             <a:r>
-              <a:rPr lang="en-US" sz="1100" b="1" dirty="0">
+              <a:rPr lang="de-DE" sz="1100" b="1">
                 <a:solidFill>
                   <a:srgbClr val="020302"/>
                 </a:solidFill>
                 <a:latin typeface="Adobe Clean" panose="020B0503020404020204" pitchFamily="34" charset="0"/>
                 <a:cs typeface="Adobe Clean"/>
               </a:rPr>
-              <a:t>Service Reviews</a:t>
-            </a:r>
-            <a:endParaRPr lang="en-US" sz="1100" dirty="0">
-              <a:solidFill>
-                <a:prstClr val="black"/>
-              </a:solidFill>
-              <a:latin typeface="Adobe Clean" panose="020B0503020404020204" pitchFamily="34" charset="0"/>
-              <a:cs typeface="Adobe Clean"/>
-            </a:endParaRPr>
+              <a:t>Service-Prüfungen</a:t>
+            </a:r>
           </a:p>
         </p:txBody>
       </p:sp>
@@ -11061,22 +9992,15 @@
               </a:spcBef>
             </a:pPr>
             <a:r>
-              <a:rPr lang="en-US" sz="1100" b="1" dirty="0">
+              <a:rPr lang="de-DE" sz="1100" b="1">
                 <a:solidFill>
                   <a:srgbClr val="020302"/>
                 </a:solidFill>
                 <a:latin typeface="Adobe Clean" panose="020B0503020404020204" pitchFamily="34" charset="0"/>
                 <a:cs typeface="Adobe Clean"/>
               </a:rPr>
-              <a:t>Expert Sessions</a:t>
-            </a:r>
-            <a:endParaRPr lang="en-US" sz="1100" dirty="0">
-              <a:solidFill>
-                <a:prstClr val="black"/>
-              </a:solidFill>
-              <a:latin typeface="Adobe Clean" panose="020B0503020404020204" pitchFamily="34" charset="0"/>
-              <a:cs typeface="Adobe Clean"/>
-            </a:endParaRPr>
+              <a:t>Experten-Sessions</a:t>
+            </a:r>
           </a:p>
         </p:txBody>
       </p:sp>
@@ -11094,8 +10018,8 @@
         </p:nvSpPr>
         <p:spPr>
           <a:xfrm>
-            <a:off x="689237" y="4935181"/>
-            <a:ext cx="2194560" cy="169277"/>
+            <a:off x="683086" y="4863599"/>
+            <a:ext cx="2194560" cy="338554"/>
           </a:xfrm>
           <a:prstGeom prst="rect">
             <a:avLst/>
@@ -11113,22 +10037,34 @@
               </a:spcBef>
             </a:pPr>
             <a:r>
-              <a:rPr lang="en-US" sz="1100" b="1" dirty="0">
+              <a:rPr lang="de-DE" sz="1100" b="1" dirty="0">
                 <a:solidFill>
                   <a:srgbClr val="020302"/>
                 </a:solidFill>
                 <a:latin typeface="Adobe Clean" panose="020B0503020404020204" pitchFamily="34" charset="0"/>
                 <a:cs typeface="Adobe Clean"/>
               </a:rPr>
-              <a:t>Release Preparation &amp; Review</a:t>
-            </a:r>
-            <a:endParaRPr lang="en-US" sz="1100" dirty="0">
-              <a:solidFill>
-                <a:prstClr val="black"/>
-              </a:solidFill>
-              <a:latin typeface="Adobe Clean" panose="020B0503020404020204" pitchFamily="34" charset="0"/>
-              <a:cs typeface="Adobe Clean"/>
-            </a:endParaRPr>
+              <a:t>Vorbereitung und Prüfung</a:t>
+            </a:r>
+            <a:br>
+              <a:rPr lang="sk-SK" sz="1100" b="1" dirty="0">
+                <a:solidFill>
+                  <a:srgbClr val="020302"/>
+                </a:solidFill>
+                <a:latin typeface="Adobe Clean" panose="020B0503020404020204" pitchFamily="34" charset="0"/>
+                <a:cs typeface="Adobe Clean"/>
+              </a:rPr>
+            </a:br>
+            <a:r>
+              <a:rPr lang="de-DE" sz="1100" b="1" dirty="0">
+                <a:solidFill>
+                  <a:srgbClr val="020302"/>
+                </a:solidFill>
+                <a:latin typeface="Adobe Clean" panose="020B0503020404020204" pitchFamily="34" charset="0"/>
+                <a:cs typeface="Adobe Clean"/>
+              </a:rPr>
+              <a:t> für neue Versionen</a:t>
+            </a:r>
           </a:p>
         </p:txBody>
       </p:sp>
@@ -11168,19 +10104,15 @@
               </a:spcBef>
             </a:pPr>
             <a:r>
-              <a:rPr lang="en-US" sz="1100" b="1" dirty="0">
+              <a:rPr lang="de-DE" sz="1100" b="1">
                 <a:solidFill>
                   <a:srgbClr val="020302"/>
                 </a:solidFill>
                 <a:latin typeface="Adobe Clean" panose="020B0503020404020204" pitchFamily="34" charset="0"/>
                 <a:cs typeface="Adobe Clean"/>
               </a:rPr>
-              <a:t>Knowledge Transfer</a:t>
-            </a:r>
-            <a:endParaRPr lang="en-US" sz="1100" dirty="0">
-              <a:latin typeface="Adobe Clean" panose="020B0503020404020204" pitchFamily="34" charset="0"/>
-              <a:cs typeface="Adobe Clean"/>
-            </a:endParaRPr>
+              <a:t>Wissenstransfer</a:t>
+            </a:r>
           </a:p>
         </p:txBody>
       </p:sp>
@@ -11220,19 +10152,15 @@
               </a:spcBef>
             </a:pPr>
             <a:r>
-              <a:rPr lang="en-US" sz="1100" b="1" dirty="0">
+              <a:rPr lang="de-DE" sz="1100" b="1">
                 <a:solidFill>
                   <a:srgbClr val="020302"/>
                 </a:solidFill>
                 <a:latin typeface="Adobe Clean" panose="020B0503020404020204" pitchFamily="34" charset="0"/>
                 <a:cs typeface="Adobe Clean"/>
               </a:rPr>
-              <a:t>Event Management</a:t>
-            </a:r>
-            <a:endParaRPr lang="en-US" sz="1100" dirty="0">
-              <a:latin typeface="Adobe Clean" panose="020B0503020404020204" pitchFamily="34" charset="0"/>
-              <a:cs typeface="Adobe Clean"/>
-            </a:endParaRPr>
+              <a:t>Ereignis-Management</a:t>
+            </a:r>
           </a:p>
         </p:txBody>
       </p:sp>
@@ -11559,7 +10487,7 @@
         <p:spPr>
           <a:xfrm>
             <a:off x="2764975" y="4039530"/>
-            <a:ext cx="2282011" cy="708399"/>
+            <a:ext cx="2488526" cy="881460"/>
           </a:xfrm>
           <a:prstGeom prst="rect">
             <a:avLst/>
@@ -11580,19 +10508,34 @@
               </a:spcBef>
             </a:pPr>
             <a:r>
-              <a:rPr lang="en-US" sz="1000" dirty="0">
+              <a:rPr lang="de-DE" sz="1000" dirty="0">
                 <a:solidFill>
                   <a:srgbClr val="020302"/>
                 </a:solidFill>
                 <a:latin typeface="AdobeClean-Light"/>
                 <a:cs typeface="AdobeClean-Light"/>
               </a:rPr>
-              <a:t>Compare and align Adobe solution  roadmap with your project roadmap to  mitigate risk and prepare for the future.</a:t>
-            </a:r>
-            <a:endParaRPr lang="en-US" sz="1000" dirty="0">
-              <a:latin typeface="AdobeClean-Light"/>
-              <a:cs typeface="AdobeClean-Light"/>
-            </a:endParaRPr>
+              <a:t>Vergleich der Adobe-Lösungs-Roadmap mit Ihrer Projekt-Roadmap und entsprechende Ausrichtung, um Risiken zu minimieren </a:t>
+            </a:r>
+            <a:br>
+              <a:rPr lang="sk-SK" sz="1000" dirty="0">
+                <a:solidFill>
+                  <a:srgbClr val="020302"/>
+                </a:solidFill>
+                <a:latin typeface="AdobeClean-Light"/>
+                <a:cs typeface="AdobeClean-Light"/>
+              </a:rPr>
+            </a:br>
+            <a:r>
+              <a:rPr lang="de-DE" sz="1000" dirty="0">
+                <a:solidFill>
+                  <a:srgbClr val="020302"/>
+                </a:solidFill>
+                <a:latin typeface="AdobeClean-Light"/>
+                <a:cs typeface="AdobeClean-Light"/>
+              </a:rPr>
+              <a:t>und sich auf die Zukunft vorzubereiten.</a:t>
+            </a:r>
           </a:p>
           <a:p>
             <a:pPr marL="18415" marR="262255" lvl="0">
@@ -11604,7 +10547,7 @@
               </a:spcBef>
             </a:pPr>
             <a:r>
-              <a:rPr lang="en-US" sz="1000" dirty="0">
+              <a:rPr lang="de-DE" sz="1000" dirty="0">
                 <a:solidFill>
                   <a:srgbClr val="020302"/>
                 </a:solidFill>
@@ -11613,13 +10556,6 @@
               </a:rPr>
               <a:t>.</a:t>
             </a:r>
-            <a:endParaRPr lang="en-US" sz="1000" dirty="0">
-              <a:solidFill>
-                <a:prstClr val="black"/>
-              </a:solidFill>
-              <a:latin typeface="AdobeClean-Light"/>
-              <a:cs typeface="AdobeClean-Light"/>
-            </a:endParaRPr>
           </a:p>
         </p:txBody>
       </p:sp>
@@ -11906,7 +10842,7 @@
         </p:nvSpPr>
         <p:spPr>
           <a:xfrm>
-            <a:off x="4724779" y="2654678"/>
+            <a:off x="4800600" y="2654678"/>
             <a:ext cx="1894205" cy="0"/>
           </a:xfrm>
           <a:custGeom>
@@ -11948,8 +10884,8 @@
         </p:nvSpPr>
         <p:spPr>
           <a:xfrm>
-            <a:off x="4843269" y="2329688"/>
-            <a:ext cx="1656080" cy="238760"/>
+            <a:off x="4843268" y="2329688"/>
+            <a:ext cx="2014705" cy="228268"/>
           </a:xfrm>
           <a:prstGeom prst="rect">
             <a:avLst/>
@@ -11970,179 +10906,15 @@
               </a:spcBef>
             </a:pPr>
             <a:r>
-              <a:rPr sz="1400" b="1" spc="-25" dirty="0">
+              <a:rPr lang="de-DE" sz="1400" b="1" dirty="0">
                 <a:solidFill>
                   <a:srgbClr val="020302"/>
                 </a:solidFill>
                 <a:latin typeface="Adobe Clean"/>
                 <a:cs typeface="Adobe Clean"/>
               </a:rPr>
-              <a:t>Fi</a:t>
-            </a:r>
-            <a:r>
-              <a:rPr sz="1400" b="1" spc="-35" dirty="0">
-                <a:solidFill>
-                  <a:srgbClr val="020302"/>
-                </a:solidFill>
-                <a:latin typeface="Adobe Clean"/>
-                <a:cs typeface="Adobe Clean"/>
-              </a:rPr>
-              <a:t>e</a:t>
-            </a:r>
-            <a:r>
-              <a:rPr sz="1400" b="1" spc="-25" dirty="0">
-                <a:solidFill>
-                  <a:srgbClr val="020302"/>
-                </a:solidFill>
-                <a:latin typeface="Adobe Clean"/>
-                <a:cs typeface="Adobe Clean"/>
-              </a:rPr>
-              <a:t>l</a:t>
-            </a:r>
-            <a:r>
-              <a:rPr sz="1400" b="1" dirty="0">
-                <a:solidFill>
-                  <a:srgbClr val="020302"/>
-                </a:solidFill>
-                <a:latin typeface="Adobe Clean"/>
-                <a:cs typeface="Adobe Clean"/>
-              </a:rPr>
-              <a:t>d</a:t>
-            </a:r>
-            <a:r>
-              <a:rPr sz="1400" b="1" spc="-40" dirty="0">
-                <a:solidFill>
-                  <a:srgbClr val="020302"/>
-                </a:solidFill>
-                <a:latin typeface="Adobe Clean"/>
-                <a:cs typeface="Adobe Clean"/>
-              </a:rPr>
-              <a:t> </a:t>
-            </a:r>
-            <a:r>
-              <a:rPr sz="1400" b="1" spc="25" dirty="0">
-                <a:solidFill>
-                  <a:srgbClr val="020302"/>
-                </a:solidFill>
-                <a:latin typeface="Adobe Clean"/>
-                <a:cs typeface="Adobe Clean"/>
-              </a:rPr>
-              <a:t>S</a:t>
-            </a:r>
-            <a:r>
-              <a:rPr sz="1400" b="1" spc="5" dirty="0">
-                <a:solidFill>
-                  <a:srgbClr val="020302"/>
-                </a:solidFill>
-                <a:latin typeface="Adobe Clean"/>
-                <a:cs typeface="Adobe Clean"/>
-              </a:rPr>
-              <a:t>e</a:t>
-            </a:r>
-            <a:r>
-              <a:rPr sz="1400" b="1" spc="15" dirty="0">
-                <a:solidFill>
-                  <a:srgbClr val="020302"/>
-                </a:solidFill>
-                <a:latin typeface="Adobe Clean"/>
-                <a:cs typeface="Adobe Clean"/>
-              </a:rPr>
-              <a:t>rvi</a:t>
-            </a:r>
-            <a:r>
-              <a:rPr sz="1400" b="1" spc="5" dirty="0">
-                <a:solidFill>
-                  <a:srgbClr val="020302"/>
-                </a:solidFill>
-                <a:latin typeface="Adobe Clean"/>
-                <a:cs typeface="Adobe Clean"/>
-              </a:rPr>
-              <a:t>c</a:t>
-            </a:r>
-            <a:r>
-              <a:rPr sz="1400" b="1" dirty="0">
-                <a:solidFill>
-                  <a:srgbClr val="020302"/>
-                </a:solidFill>
-                <a:latin typeface="Adobe Clean"/>
-                <a:cs typeface="Adobe Clean"/>
-              </a:rPr>
-              <a:t>e</a:t>
-            </a:r>
-            <a:r>
-              <a:rPr sz="1400" b="1" spc="-190" dirty="0">
-                <a:solidFill>
-                  <a:srgbClr val="020302"/>
-                </a:solidFill>
-                <a:latin typeface="Adobe Clean"/>
-                <a:cs typeface="Adobe Clean"/>
-              </a:rPr>
-              <a:t> </a:t>
-            </a:r>
-            <a:r>
-              <a:rPr sz="1400" b="1" spc="5" dirty="0">
-                <a:solidFill>
-                  <a:srgbClr val="020302"/>
-                </a:solidFill>
-                <a:latin typeface="Adobe Clean"/>
-                <a:cs typeface="Adobe Clean"/>
-              </a:rPr>
-              <a:t>A</a:t>
-            </a:r>
-            <a:r>
-              <a:rPr sz="1400" b="1" spc="-5" dirty="0">
-                <a:solidFill>
-                  <a:srgbClr val="020302"/>
-                </a:solidFill>
-                <a:latin typeface="Adobe Clean"/>
-                <a:cs typeface="Adobe Clean"/>
-              </a:rPr>
-              <a:t>ct</a:t>
-            </a:r>
-            <a:r>
-              <a:rPr sz="1400" b="1" spc="5" dirty="0">
-                <a:solidFill>
-                  <a:srgbClr val="020302"/>
-                </a:solidFill>
-                <a:latin typeface="Adobe Clean"/>
-                <a:cs typeface="Adobe Clean"/>
-              </a:rPr>
-              <a:t>ivi</a:t>
-            </a:r>
-            <a:r>
-              <a:rPr sz="1400" b="1" spc="-5" dirty="0">
-                <a:solidFill>
-                  <a:srgbClr val="020302"/>
-                </a:solidFill>
-                <a:latin typeface="Adobe Clean"/>
-                <a:cs typeface="Adobe Clean"/>
-              </a:rPr>
-              <a:t>t</a:t>
-            </a:r>
-            <a:r>
-              <a:rPr sz="1400" b="1" spc="5" dirty="0">
-                <a:solidFill>
-                  <a:srgbClr val="020302"/>
-                </a:solidFill>
-                <a:latin typeface="Adobe Clean"/>
-                <a:cs typeface="Adobe Clean"/>
-              </a:rPr>
-              <a:t>i</a:t>
-            </a:r>
-            <a:r>
-              <a:rPr sz="1400" b="1" spc="-5" dirty="0">
-                <a:solidFill>
-                  <a:srgbClr val="020302"/>
-                </a:solidFill>
-                <a:latin typeface="Adobe Clean"/>
-                <a:cs typeface="Adobe Clean"/>
-              </a:rPr>
-              <a:t>es</a:t>
-            </a:r>
-            <a:endParaRPr sz="1400">
-              <a:latin typeface="Adobe Clean"/>
-              <a:cs typeface="Adobe Clean"/>
-            </a:endParaRPr>
+              <a:t>Außendienstaktivitäten</a:t>
+            </a:r>
           </a:p>
         </p:txBody>
       </p:sp>
@@ -12154,8 +10926,8 @@
         </p:nvSpPr>
         <p:spPr>
           <a:xfrm>
-            <a:off x="914422" y="2342312"/>
-            <a:ext cx="1242060" cy="238760"/>
+            <a:off x="914421" y="2342312"/>
+            <a:ext cx="1465519" cy="228268"/>
           </a:xfrm>
           <a:prstGeom prst="rect">
             <a:avLst/>
@@ -12176,99 +10948,15 @@
               </a:spcBef>
             </a:pPr>
             <a:r>
-              <a:rPr sz="1400" b="1" spc="-25" dirty="0">
+              <a:rPr lang="de-DE" sz="1400" b="1" dirty="0">
                 <a:solidFill>
                   <a:srgbClr val="020302"/>
                 </a:solidFill>
                 <a:latin typeface="Adobe Clean"/>
                 <a:cs typeface="Adobe Clean"/>
               </a:rPr>
-              <a:t>L</a:t>
-            </a:r>
-            <a:r>
-              <a:rPr sz="1400" b="1" spc="-5" dirty="0">
-                <a:solidFill>
-                  <a:srgbClr val="020302"/>
-                </a:solidFill>
-                <a:latin typeface="Adobe Clean"/>
-                <a:cs typeface="Adobe Clean"/>
-              </a:rPr>
-              <a:t>a</a:t>
-            </a:r>
-            <a:r>
-              <a:rPr sz="1400" b="1" spc="-20" dirty="0">
-                <a:solidFill>
-                  <a:srgbClr val="020302"/>
-                </a:solidFill>
-                <a:latin typeface="Adobe Clean"/>
-                <a:cs typeface="Adobe Clean"/>
-              </a:rPr>
-              <a:t>u</a:t>
-            </a:r>
-            <a:r>
-              <a:rPr sz="1400" b="1" spc="-15" dirty="0">
-                <a:solidFill>
-                  <a:srgbClr val="020302"/>
-                </a:solidFill>
-                <a:latin typeface="Adobe Clean"/>
-                <a:cs typeface="Adobe Clean"/>
-              </a:rPr>
-              <a:t>n</a:t>
-            </a:r>
-            <a:r>
-              <a:rPr sz="1400" b="1" spc="-25" dirty="0">
-                <a:solidFill>
-                  <a:srgbClr val="020302"/>
-                </a:solidFill>
-                <a:latin typeface="Adobe Clean"/>
-                <a:cs typeface="Adobe Clean"/>
-              </a:rPr>
-              <a:t>c</a:t>
-            </a:r>
-            <a:r>
-              <a:rPr sz="1400" b="1" dirty="0">
-                <a:solidFill>
-                  <a:srgbClr val="020302"/>
-                </a:solidFill>
-                <a:latin typeface="Adobe Clean"/>
-                <a:cs typeface="Adobe Clean"/>
-              </a:rPr>
-              <a:t>h</a:t>
-            </a:r>
-            <a:r>
-              <a:rPr sz="1400" b="1" spc="-25" dirty="0">
-                <a:solidFill>
-                  <a:srgbClr val="020302"/>
-                </a:solidFill>
-                <a:latin typeface="Adobe Clean"/>
-                <a:cs typeface="Adobe Clean"/>
-              </a:rPr>
-              <a:t> </a:t>
-            </a:r>
-            <a:r>
-              <a:rPr sz="1400" b="1" spc="-10" dirty="0">
-                <a:solidFill>
-                  <a:srgbClr val="020302"/>
-                </a:solidFill>
-                <a:latin typeface="Adobe Clean"/>
-                <a:cs typeface="Adobe Clean"/>
-              </a:rPr>
-              <a:t>Advisor</a:t>
-            </a:r>
-            <a:r>
-              <a:rPr sz="1400" b="1" dirty="0">
-                <a:solidFill>
-                  <a:srgbClr val="020302"/>
-                </a:solidFill>
-                <a:latin typeface="Adobe Clean"/>
-                <a:cs typeface="Adobe Clean"/>
-              </a:rPr>
-              <a:t>y</a:t>
-            </a:r>
-            <a:endParaRPr sz="1400">
-              <a:latin typeface="Adobe Clean"/>
-              <a:cs typeface="Adobe Clean"/>
-            </a:endParaRPr>
+              <a:t>Launch Advisory</a:t>
+            </a:r>
           </a:p>
         </p:txBody>
       </p:sp>
@@ -12281,7 +10969,7 @@
         <p:spPr>
           <a:xfrm>
             <a:off x="242187" y="2787904"/>
-            <a:ext cx="3004185" cy="635000"/>
+            <a:ext cx="3450092" cy="628377"/>
           </a:xfrm>
           <a:prstGeom prst="rect">
             <a:avLst/>
@@ -12302,103 +10990,95 @@
               </a:spcBef>
             </a:pPr>
             <a:r>
-              <a:rPr sz="1000" dirty="0">
+              <a:rPr lang="de-DE" sz="1000" dirty="0">
                 <a:solidFill>
                   <a:srgbClr val="1F1F1F"/>
                 </a:solidFill>
                 <a:latin typeface="AdobeClean-Light"/>
                 <a:cs typeface="AdobeClean-Light"/>
               </a:rPr>
-              <a:t>For customers implementing a </a:t>
-            </a:r>
-            <a:r>
-              <a:rPr sz="1000" b="1" dirty="0">
+              <a:t>Für Kunden, die eine </a:t>
+            </a:r>
+            <a:r>
+              <a:rPr lang="de-DE" sz="1000" b="1" dirty="0">
                 <a:solidFill>
                   <a:srgbClr val="1F1F1F"/>
                 </a:solidFill>
                 <a:latin typeface="Adobe Clean"/>
                 <a:cs typeface="Adobe Clean"/>
               </a:rPr>
-              <a:t>new Adobe Experience Cloud  solution, </a:t>
-            </a:r>
-            <a:r>
-              <a:rPr sz="1000" dirty="0">
+              <a:t>neue Adobe Experience Cloud-Lösung implementieren, bietet </a:t>
+            </a:r>
+            <a:r>
+              <a:rPr lang="de-DE" sz="1000" dirty="0">
                 <a:latin typeface="AdobeClean-Light"/>
                 <a:cs typeface="AdobeClean-Light"/>
               </a:rPr>
               <a:t>Launch Advisory </a:t>
             </a:r>
             <a:r>
-              <a:rPr sz="1000" dirty="0">
+              <a:rPr lang="de-DE" sz="1000" dirty="0">
                 <a:latin typeface="AdobeClean-SemiLight"/>
                 <a:cs typeface="AdobeClean-SemiLight"/>
               </a:rPr>
-              <a:t>is a </a:t>
-            </a:r>
-            <a:r>
-              <a:rPr sz="950" dirty="0">
+              <a:t>eine </a:t>
+            </a:r>
+            <a:r>
+              <a:rPr lang="de-DE" sz="950" dirty="0">
                 <a:latin typeface="AdobeClean-SemiLight"/>
                 <a:cs typeface="AdobeClean-SemiLight"/>
               </a:rPr>
-              <a:t>core set of advisory</a:t>
-            </a:r>
-            <a:endParaRPr sz="950">
-              <a:latin typeface="AdobeClean-SemiLight"/>
-              <a:cs typeface="AdobeClean-SemiLight"/>
-            </a:endParaRPr>
-          </a:p>
-          <a:p>
-            <a:pPr marL="12700" marR="86995" indent="-635">
-              <a:lnSpc>
-                <a:spcPct val="100000"/>
-              </a:lnSpc>
-            </a:pPr>
-            <a:r>
-              <a:rPr sz="950" dirty="0">
+              <a:t>zentrale Palette von Beratungs-Services</a:t>
+            </a:r>
+            <a:r>
+              <a:rPr lang="sk-SK" sz="950" dirty="0">
                 <a:latin typeface="AdobeClean-SemiLight"/>
                 <a:cs typeface="AdobeClean-SemiLight"/>
               </a:rPr>
-              <a:t>services </a:t>
-            </a:r>
-            <a:r>
-              <a:rPr sz="1000" dirty="0">
+              <a:t> </a:t>
+            </a:r>
+            <a:r>
+              <a:rPr lang="de-DE" sz="950" dirty="0">
+                <a:latin typeface="AdobeClean-SemiLight"/>
+                <a:cs typeface="AdobeClean-SemiLight"/>
+              </a:rPr>
+              <a:t>und </a:t>
+            </a:r>
+            <a:r>
+              <a:rPr lang="de-DE" sz="1000" dirty="0">
                 <a:latin typeface="AdobeClean-Light"/>
                 <a:cs typeface="AdobeClean-Light"/>
               </a:rPr>
-              <a:t>and recommendations that are proven to </a:t>
-            </a:r>
-            <a:r>
-              <a:rPr sz="950" dirty="0">
+              <a:t>Empfehlungen, die nachweislich </a:t>
+            </a:r>
+            <a:r>
+              <a:rPr lang="de-DE" sz="950" dirty="0">
                 <a:latin typeface="AdobeClean-Light"/>
                 <a:cs typeface="AdobeClean-Light"/>
               </a:rPr>
-              <a:t>support  successful deployments </a:t>
-            </a:r>
-            <a:r>
-              <a:rPr sz="1000" dirty="0">
+              <a:t>erfolgreiche Implementierungen unterstützen </a:t>
+            </a:r>
+            <a:r>
+              <a:rPr lang="de-DE" sz="1000" dirty="0">
                 <a:latin typeface="AdobeClean-Light"/>
                 <a:cs typeface="AdobeClean-Light"/>
               </a:rPr>
-              <a:t>and </a:t>
-            </a:r>
-            <a:r>
-              <a:rPr sz="950" dirty="0">
+              <a:t>und </a:t>
+            </a:r>
+            <a:r>
+              <a:rPr lang="de-DE" sz="950" dirty="0">
                 <a:latin typeface="AdobeClean-Light"/>
                 <a:cs typeface="AdobeClean-Light"/>
               </a:rPr>
-              <a:t>accelerate time-to-value</a:t>
-            </a:r>
-            <a:r>
-              <a:rPr sz="1000" dirty="0">
+              <a:t>die Time-to-Value beschleunigen</a:t>
+            </a:r>
+            <a:r>
+              <a:rPr lang="de-DE" sz="1000" dirty="0">
                 <a:latin typeface="AdobeClean-Light"/>
                 <a:cs typeface="AdobeClean-Light"/>
               </a:rPr>
               <a:t>.</a:t>
             </a:r>
-            <a:endParaRPr sz="1000">
-              <a:latin typeface="AdobeClean-Light"/>
-              <a:cs typeface="AdobeClean-Light"/>
-            </a:endParaRPr>
           </a:p>
         </p:txBody>
       </p:sp>
@@ -12511,79 +11191,75 @@
               </a:spcBef>
             </a:pPr>
             <a:r>
-              <a:rPr sz="1000" dirty="0">
+              <a:rPr lang="de-DE" sz="1000" dirty="0">
                 <a:solidFill>
                   <a:srgbClr val="4B4B4B"/>
                 </a:solidFill>
                 <a:latin typeface="AdobeClean-Light"/>
                 <a:cs typeface="AdobeClean-Light"/>
               </a:rPr>
-              <a:t>Field Services are used for </a:t>
-            </a:r>
-            <a:r>
-              <a:rPr sz="1000" b="1" dirty="0">
+              <a:t>Der Außendienst sorgt für </a:t>
+            </a:r>
+            <a:r>
+              <a:rPr lang="de-DE" sz="1000" b="1" dirty="0">
                 <a:solidFill>
                   <a:srgbClr val="4B4B4B"/>
                 </a:solidFill>
                 <a:latin typeface="Adobe Clean"/>
                 <a:cs typeface="Adobe Clean"/>
               </a:rPr>
-              <a:t>quick resolution</a:t>
-            </a:r>
-            <a:r>
-              <a:rPr sz="1000" dirty="0">
+              <a:t>schnelle Problemlösung,</a:t>
+            </a:r>
+            <a:r>
+              <a:rPr lang="de-DE" sz="1000" dirty="0">
                 <a:solidFill>
                   <a:srgbClr val="4B4B4B"/>
                 </a:solidFill>
                 <a:latin typeface="AdobeClean-Light"/>
                 <a:cs typeface="AdobeClean-Light"/>
               </a:rPr>
-              <a:t>, focused customer success  and accelerated </a:t>
-            </a:r>
-            <a:r>
-              <a:rPr sz="1000" b="1" dirty="0">
+              <a:t> fokussierten Kundenerfolg und beschleunigte </a:t>
+            </a:r>
+            <a:r>
+              <a:rPr lang="de-DE" sz="1000" b="1" dirty="0">
                 <a:solidFill>
                   <a:srgbClr val="4B4B4B"/>
                 </a:solidFill>
                 <a:latin typeface="Adobe Clean"/>
                 <a:cs typeface="Adobe Clean"/>
               </a:rPr>
-              <a:t>time-to-value</a:t>
-            </a:r>
-            <a:r>
-              <a:rPr sz="1000" dirty="0">
+              <a:t>Time-to-Value</a:t>
+            </a:r>
+            <a:r>
+              <a:rPr lang="de-DE" sz="1000" dirty="0">
                 <a:solidFill>
                   <a:srgbClr val="4B4B4B"/>
                 </a:solidFill>
                 <a:latin typeface="AdobeClean-Light"/>
                 <a:cs typeface="AdobeClean-Light"/>
               </a:rPr>
-              <a:t>. If Launch advisory is active there will be  </a:t>
-            </a:r>
-            <a:r>
-              <a:rPr sz="1000" b="1" dirty="0">
+              <a:t>. Wenn Launch Advisory aktiv ist, gibt es im ersten Jahr keinen </a:t>
+            </a:r>
+            <a:r>
+              <a:rPr lang="de-DE" sz="1000" b="1" dirty="0">
                 <a:solidFill>
                   <a:srgbClr val="4B4B4B"/>
                 </a:solidFill>
                 <a:latin typeface="Adobe Clean"/>
                 <a:cs typeface="Adobe Clean"/>
               </a:rPr>
-              <a:t>no Field Services in year 1 </a:t>
-            </a:r>
-            <a:r>
-              <a:rPr sz="1000" dirty="0">
+              <a:t>Außendienst für </a:t>
+            </a:r>
+            <a:r>
+              <a:rPr lang="de-DE" sz="1000" dirty="0">
                 <a:solidFill>
                   <a:srgbClr val="4B4B4B"/>
                 </a:solidFill>
                 <a:latin typeface="AdobeClean-Light"/>
                 <a:cs typeface="AdobeClean-Light"/>
               </a:rPr>
-              <a:t>for any solution product covered by a  Support contract.</a:t>
-            </a:r>
-            <a:endParaRPr sz="1000" dirty="0">
-              <a:latin typeface="AdobeClean-Light"/>
-              <a:cs typeface="AdobeClean-Light"/>
-            </a:endParaRPr>
+              <a:t>Lösungsprodukte, die unter einen Adobe Support-Vertrag fallen.</a:t>
+            </a:r>
           </a:p>
         </p:txBody>
       </p:sp>
@@ -12679,8 +11355,8 @@
         </p:nvSpPr>
         <p:spPr>
           <a:xfrm>
-            <a:off x="263464" y="5348732"/>
-            <a:ext cx="3114040" cy="482600"/>
+            <a:off x="263463" y="5348732"/>
+            <a:ext cx="3428815" cy="482600"/>
           </a:xfrm>
           <a:prstGeom prst="rect">
             <a:avLst/>
@@ -12701,11 +11377,11 @@
               </a:spcBef>
             </a:pPr>
             <a:r>
-              <a:rPr sz="1000" dirty="0">
+              <a:rPr lang="de-DE" sz="1000" dirty="0">
                 <a:latin typeface="AdobeClean-Light"/>
                 <a:cs typeface="AdobeClean-Light"/>
               </a:rPr>
-              <a:t>Launch Advisory will align with your project schedule through  common milestones (Kickoff, Define, Design, Go-live and Post  Launch) to guide, validate, assess and make recommendations.</a:t>
+              <a:t>Launch Advisory orientiert sich anhand gängiger Milestones (Kickoff, Definition, Design, Go-Live und Post-Launch) an Ihren Projektplan und umfasst Anleitung, Prüfung, Bewertung und Empfehlungen.</a:t>
             </a:r>
           </a:p>
         </p:txBody>
@@ -12719,7 +11395,7 @@
         <p:spPr>
           <a:xfrm>
             <a:off x="263464" y="5982715"/>
-            <a:ext cx="1247140" cy="166712"/>
+            <a:ext cx="2116476" cy="166712"/>
           </a:xfrm>
           <a:prstGeom prst="rect">
             <a:avLst/>
@@ -12740,16 +11416,12 @@
               </a:spcBef>
             </a:pPr>
             <a:r>
-              <a:rPr sz="1000" dirty="0">
+              <a:rPr lang="de-DE" sz="1000" dirty="0">
                 <a:latin typeface="AdobeClean-Light"/>
                 <a:cs typeface="AdobeClean-Light"/>
               </a:rPr>
-              <a:t>Key Deliverables include:</a:t>
-            </a:r>
-            <a:endParaRPr sz="1000">
-              <a:latin typeface="AdobeClean-Light"/>
-              <a:cs typeface="AdobeClean-Light"/>
-            </a:endParaRPr>
+              <a:t>Zu den wichtigsten Angeboten gehören:</a:t>
+            </a:r>
           </a:p>
         </p:txBody>
       </p:sp>
@@ -12762,7 +11434,7 @@
         <p:spPr>
           <a:xfrm>
             <a:off x="205422" y="6308299"/>
-            <a:ext cx="2745105" cy="592470"/>
+            <a:ext cx="3171587" cy="592470"/>
           </a:xfrm>
           <a:prstGeom prst="rect">
             <a:avLst/>
@@ -12782,12 +11454,12 @@
               <a:buChar char="•"/>
             </a:pPr>
             <a:r>
-              <a:rPr lang="en-US" sz="1000" dirty="0">
+              <a:rPr lang="de-DE" sz="1000" dirty="0">
                 <a:solidFill>
                   <a:prstClr val="black"/>
                 </a:solidFill>
               </a:rPr>
-              <a:t>Kickoff (including project collaboration plan) deck</a:t>
+              <a:t>Kickoff-Deck (einschließlich Projekt-Kooperationsplan)</a:t>
             </a:r>
           </a:p>
           <a:p>
@@ -12799,12 +11471,12 @@
               <a:buChar char="•"/>
             </a:pPr>
             <a:r>
-              <a:rPr lang="en-US" sz="1000" dirty="0">
+              <a:rPr lang="de-DE" sz="1000" dirty="0">
                 <a:solidFill>
                   <a:prstClr val="black"/>
                 </a:solidFill>
               </a:rPr>
-              <a:t>Assessment &amp; recommendations document(s)</a:t>
+              <a:t>Dokument(e) für Bewertung und Empfehlung</a:t>
             </a:r>
           </a:p>
           <a:p>
@@ -12816,12 +11488,12 @@
               <a:buChar char="•"/>
             </a:pPr>
             <a:r>
-              <a:rPr lang="en-US" sz="1000" dirty="0">
+              <a:rPr lang="de-DE" sz="1000" dirty="0">
                 <a:solidFill>
                   <a:prstClr val="black"/>
                 </a:solidFill>
               </a:rPr>
-              <a:t>Engagement summary</a:t>
+              <a:t>Interaktionszusammenfassung</a:t>
             </a:r>
           </a:p>
         </p:txBody>
@@ -12856,19 +11528,15 @@
               </a:spcBef>
             </a:pPr>
             <a:r>
-              <a:rPr sz="1600" dirty="0">
+              <a:rPr lang="de-DE" sz="1600">
                 <a:solidFill>
                   <a:srgbClr val="FFFFFF"/>
                 </a:solidFill>
                 <a:latin typeface="Arial"/>
                 <a:cs typeface="Arial"/>
               </a:rPr>
-              <a:t>Implementation</a:t>
-            </a:r>
-            <a:endParaRPr sz="1600" dirty="0">
-              <a:latin typeface="Arial"/>
-              <a:cs typeface="Arial"/>
-            </a:endParaRPr>
+              <a:t>Implementierung</a:t>
+            </a:r>
           </a:p>
           <a:p>
             <a:pPr marL="12700" marR="5080">
@@ -12880,32 +11548,32 @@
               </a:spcBef>
             </a:pPr>
             <a:r>
-              <a:rPr sz="1000" dirty="0">
+              <a:rPr lang="de-DE" sz="1000">
                 <a:latin typeface="AdobeClean-Light"/>
                 <a:cs typeface="AdobeClean-Light"/>
               </a:rPr>
-              <a:t>Adobe solution experts help validate requirements, architecture,  development process, and launch readiness reviews </a:t>
-            </a:r>
-            <a:r>
-              <a:rPr sz="1000" dirty="0">
+              <a:t>Experten für Adobe-Lösungen helfen bei der Prüfung von Anforderungen, Architektur, Entwicklungsprozess und Launch-Bereitschaft </a:t>
+            </a:r>
+            <a:r>
+              <a:rPr lang="de-DE" sz="1000">
                 <a:latin typeface="AdobeClean-SemiLight"/>
                 <a:cs typeface="AdobeClean-SemiLight"/>
               </a:rPr>
-              <a:t>with </a:t>
-            </a:r>
-            <a:r>
-              <a:rPr sz="950" dirty="0">
+              <a:t>mit </a:t>
+            </a:r>
+            <a:r>
+              <a:rPr lang="de-DE" sz="950">
                 <a:latin typeface="AdobeClean-SemiLight"/>
                 <a:cs typeface="AdobeClean-SemiLight"/>
               </a:rPr>
-              <a:t>best  practice-based guidance </a:t>
-            </a:r>
-            <a:r>
-              <a:rPr sz="1000" dirty="0">
+              <a:t>Best Practice-basierten Anleitungen </a:t>
+            </a:r>
+            <a:r>
+              <a:rPr lang="de-DE" sz="1000">
                 <a:latin typeface="AdobeClean-SemiLight"/>
                 <a:cs typeface="AdobeClean-SemiLight"/>
               </a:rPr>
-              <a:t>to customers and implementation  partners.</a:t>
+              <a:t>für Kunden und Implementierungspartner.</a:t>
             </a:r>
           </a:p>
         </p:txBody>
@@ -12917,15 +11585,20 @@
           <p:nvPr/>
         </p:nvPicPr>
         <p:blipFill>
-          <a:blip r:embed="rId3" cstate="print"/>
-          <a:stretch>
-            <a:fillRect/>
-          </a:stretch>
+          <a:blip r:embed="rId3">
+            <a:extLst>
+              <a:ext uri="{28A0092B-C50C-407E-A947-70E740481C1C}">
+                <a14:useLocalDpi xmlns:a14="http://schemas.microsoft.com/office/drawing/2010/main" val="0"/>
+              </a:ext>
+            </a:extLst>
+          </a:blip>
+          <a:srcRect/>
+          <a:stretch/>
         </p:blipFill>
         <p:spPr>
           <a:xfrm>
-            <a:off x="363328" y="6930985"/>
-            <a:ext cx="3053821" cy="2818913"/>
+            <a:off x="363328" y="6932449"/>
+            <a:ext cx="3053821" cy="2815984"/>
           </a:xfrm>
           <a:prstGeom prst="rect">
             <a:avLst/>
@@ -12941,7 +11614,7 @@
         <p:spPr>
           <a:xfrm>
             <a:off x="3947346" y="5363972"/>
-            <a:ext cx="3335020" cy="659765"/>
+            <a:ext cx="3335020" cy="805029"/>
           </a:xfrm>
           <a:prstGeom prst="rect">
             <a:avLst/>
@@ -12962,18 +11635,31 @@
               </a:spcBef>
             </a:pPr>
             <a:r>
-              <a:rPr sz="1000" b="1" dirty="0">
+              <a:rPr lang="de-DE" sz="1000" b="1" dirty="0">
                 <a:latin typeface="Arial"/>
                 <a:cs typeface="Arial"/>
               </a:rPr>
-              <a:t>Technical Track Activities </a:t>
-            </a:r>
-            <a:r>
-              <a:rPr sz="1000" dirty="0">
+              <a:t>Aktivitäten des technischen Tracks</a:t>
+            </a:r>
+            <a:r>
+              <a:rPr lang="de-DE" sz="1000" dirty="0">
                 <a:latin typeface="AdobeClean-Light"/>
                 <a:cs typeface="AdobeClean-Light"/>
               </a:rPr>
-              <a:t>ensure customers are technically sound  and maximizing their tool adoption. Specifically, these types of  activities include support and recommendations related to platform  configurations, integrations and troubleshooting</a:t>
+              <a:t> stellen sicher, dass Kunden technisch versiert sind und ihre Tools optimal nutzen. Diese Aktivitätstypen umfassen insbesondere Support und Empfehlungen für Plattformkonfigurationen, Integrationen und </a:t>
+            </a:r>
+            <a:br>
+              <a:rPr lang="sk-SK" sz="1000" dirty="0">
+                <a:latin typeface="AdobeClean-Light"/>
+                <a:cs typeface="AdobeClean-Light"/>
+              </a:rPr>
+            </a:br>
+            <a:r>
+              <a:rPr lang="de-DE" sz="1000" dirty="0">
+                <a:latin typeface="AdobeClean-Light"/>
+                <a:cs typeface="AdobeClean-Light"/>
+              </a:rPr>
+              <a:t>die Fehlerbehebung</a:t>
             </a:r>
           </a:p>
         </p:txBody>
@@ -12987,7 +11673,7 @@
         <p:spPr>
           <a:xfrm>
             <a:off x="3947346" y="6174740"/>
-            <a:ext cx="2099310" cy="1436291"/>
+            <a:ext cx="3335020" cy="1436291"/>
           </a:xfrm>
           <a:prstGeom prst="rect">
             <a:avLst/>
@@ -13008,11 +11694,11 @@
               </a:spcBef>
             </a:pPr>
             <a:r>
-              <a:rPr sz="1000" dirty="0">
+              <a:rPr lang="de-DE" sz="1000" dirty="0">
                 <a:latin typeface="AdobeClean-Light"/>
                 <a:cs typeface="AdobeClean-Light"/>
               </a:rPr>
-              <a:t>Types of technical activities available::</a:t>
+              <a:t>Verfügbare technische Aktivitäten:</a:t>
             </a:r>
           </a:p>
           <a:p>
@@ -13027,12 +11713,12 @@
               <a:buChar char="ü"/>
             </a:pPr>
             <a:r>
-              <a:rPr lang="en-US" sz="1000" dirty="0">
+              <a:rPr lang="de-DE" sz="1000" dirty="0">
                 <a:solidFill>
                   <a:prstClr val="black"/>
                 </a:solidFill>
               </a:rPr>
-              <a:t>Health audit</a:t>
+              <a:t>Statusprüfung</a:t>
             </a:r>
           </a:p>
           <a:p>
@@ -13047,12 +11733,12 @@
               <a:buChar char="ü"/>
             </a:pPr>
             <a:r>
-              <a:rPr lang="en-US" sz="1000" dirty="0">
+              <a:rPr lang="de-DE" sz="1000" dirty="0">
                 <a:solidFill>
                   <a:prstClr val="black"/>
                 </a:solidFill>
               </a:rPr>
-              <a:t>Platform audit</a:t>
+              <a:t>Plattformprüfung</a:t>
             </a:r>
           </a:p>
           <a:p>
@@ -13067,12 +11753,12 @@
               <a:buChar char="ü"/>
             </a:pPr>
             <a:r>
-              <a:rPr lang="en-US" sz="1000" dirty="0">
+              <a:rPr lang="de-DE" sz="1000" dirty="0">
                 <a:solidFill>
                   <a:prstClr val="black"/>
                 </a:solidFill>
               </a:rPr>
-              <a:t>Feature set enablement</a:t>
+              <a:t>Aktivierung von Funktionssätzen</a:t>
             </a:r>
           </a:p>
           <a:p>
@@ -13087,12 +11773,12 @@
               <a:buChar char="ü"/>
             </a:pPr>
             <a:r>
-              <a:rPr lang="en-US" sz="1000" dirty="0">
+              <a:rPr lang="de-DE" sz="1000" dirty="0">
                 <a:solidFill>
                   <a:prstClr val="black"/>
                 </a:solidFill>
               </a:rPr>
-              <a:t>Basic integrations and configurations</a:t>
+              <a:t>Grundlegende Integrationen und Konfigurationen</a:t>
             </a:r>
           </a:p>
           <a:p>
@@ -13107,12 +11793,12 @@
               <a:buChar char="ü"/>
             </a:pPr>
             <a:r>
-              <a:rPr lang="en-US" sz="1000" dirty="0">
+              <a:rPr lang="de-DE" sz="1000" dirty="0">
                 <a:solidFill>
                   <a:prstClr val="black"/>
                 </a:solidFill>
               </a:rPr>
-              <a:t>Customer solution troubleshooting</a:t>
+              <a:t>Fehlerbehebung bei der Kundenlösung</a:t>
             </a:r>
           </a:p>
           <a:p>
@@ -13127,12 +11813,12 @@
               <a:buChar char="ü"/>
             </a:pPr>
             <a:r>
-              <a:rPr lang="en-US" sz="1000" dirty="0">
+              <a:rPr lang="de-DE" sz="1000" dirty="0">
                 <a:solidFill>
                   <a:prstClr val="black"/>
                 </a:solidFill>
               </a:rPr>
-              <a:t>Cloud service support</a:t>
+              <a:t>Cloud-Service-Support</a:t>
             </a:r>
           </a:p>
         </p:txBody>
@@ -13146,7 +11832,7 @@
         <p:spPr>
           <a:xfrm>
             <a:off x="3942774" y="7717028"/>
-            <a:ext cx="3208655" cy="1989006"/>
+            <a:ext cx="3601507" cy="1989006"/>
           </a:xfrm>
           <a:prstGeom prst="rect">
             <a:avLst/>
@@ -13167,18 +11853,18 @@
               </a:spcBef>
             </a:pPr>
             <a:r>
-              <a:rPr sz="1000" b="1" dirty="0">
+              <a:rPr lang="de-DE" sz="1000" b="1" dirty="0">
                 <a:latin typeface="Arial"/>
                 <a:cs typeface="Arial"/>
               </a:rPr>
-              <a:t>Strategic Track Activities </a:t>
-            </a:r>
-            <a:r>
-              <a:rPr sz="1000" dirty="0">
+              <a:t>Aktivitäten des strategischen Tracks</a:t>
+            </a:r>
+            <a:r>
+              <a:rPr lang="de-DE" sz="1000" dirty="0">
                 <a:latin typeface="AdobeClean-Light"/>
                 <a:cs typeface="AdobeClean-Light"/>
               </a:rPr>
-              <a:t>locate opportunities to ensure value is  being realized from a customer’s Adobe solutions. They include  support recommendations related to strategy, measurement and  maturity to drive value realization across one or more Adobe  solutions.</a:t>
+              <a:t> ermitteln Möglichkeiten, mit den vom Kunden genutzten Adobe-Lösungen optimale Ergebnisse zu erzielen. Sie enthalten Support-Empfehlungen zu Strategie, Messung und Reifegrad, mit denen eine oder mehrere Adobe-Lösungen optimal genutzt werden können.</a:t>
             </a:r>
           </a:p>
           <a:p>
@@ -13202,11 +11888,11 @@
               </a:lnSpc>
             </a:pPr>
             <a:r>
-              <a:rPr sz="1000" dirty="0">
+              <a:rPr lang="de-DE" sz="1000" dirty="0">
                 <a:latin typeface="AdobeClean-Light"/>
                 <a:cs typeface="AdobeClean-Light"/>
               </a:rPr>
-              <a:t>Types of strategic activities available::</a:t>
+              <a:t>Verfügbare strategische Aktivitäten:</a:t>
             </a:r>
           </a:p>
           <a:p>
@@ -13221,12 +11907,12 @@
               <a:buChar char="ü"/>
             </a:pPr>
             <a:r>
-              <a:rPr lang="en-US" sz="1000" dirty="0">
+              <a:rPr lang="de-DE" sz="1000" dirty="0">
                 <a:solidFill>
                   <a:prstClr val="black"/>
                 </a:solidFill>
               </a:rPr>
-              <a:t>Maturity Roadmap</a:t>
+              <a:t>Reifegrad-Roadmap</a:t>
             </a:r>
           </a:p>
           <a:p>
@@ -13241,12 +11927,12 @@
               <a:buChar char="ü"/>
             </a:pPr>
             <a:r>
-              <a:rPr lang="en-US" sz="1000" dirty="0">
+              <a:rPr lang="de-DE" sz="1000" dirty="0">
                 <a:solidFill>
                   <a:prstClr val="black"/>
                 </a:solidFill>
               </a:rPr>
-              <a:t>Use case development/measurement</a:t>
+              <a:t>Use-Case-Entwicklung/-Messung</a:t>
             </a:r>
           </a:p>
           <a:p>
@@ -13261,12 +11947,12 @@
               <a:buChar char="ü"/>
             </a:pPr>
             <a:r>
-              <a:rPr lang="en-US" sz="1000" dirty="0">
+              <a:rPr lang="de-DE" sz="1000" dirty="0">
                 <a:solidFill>
                   <a:prstClr val="black"/>
                 </a:solidFill>
               </a:rPr>
-              <a:t>Reporting &amp; analysis</a:t>
+              <a:t>Reporting und Analyse</a:t>
             </a:r>
           </a:p>
           <a:p>
@@ -13281,12 +11967,12 @@
               <a:buChar char="ü"/>
             </a:pPr>
             <a:r>
-              <a:rPr lang="en-US" sz="1000" dirty="0">
+              <a:rPr lang="de-DE" sz="1000" dirty="0">
                 <a:solidFill>
                   <a:prstClr val="black"/>
                 </a:solidFill>
               </a:rPr>
-              <a:t>Best practices enablement</a:t>
+              <a:t>Aktivierung von Best Practices</a:t>
             </a:r>
           </a:p>
         </p:txBody>
@@ -13321,19 +12007,15 @@
               </a:spcBef>
             </a:pPr>
             <a:r>
-              <a:rPr sz="1600" dirty="0">
+              <a:rPr lang="de-DE" sz="1600" dirty="0">
                 <a:solidFill>
                   <a:srgbClr val="FFFFFF"/>
                 </a:solidFill>
                 <a:latin typeface="Arial"/>
                 <a:cs typeface="Arial"/>
               </a:rPr>
-              <a:t>Run &amp; Operate</a:t>
-            </a:r>
-            <a:endParaRPr sz="1600" dirty="0">
-              <a:latin typeface="Arial"/>
-              <a:cs typeface="Arial"/>
-            </a:endParaRPr>
+              <a:t>Ausführung und Betrieb</a:t>
+            </a:r>
           </a:p>
           <a:p>
             <a:pPr marL="12700">
@@ -13345,37 +12027,17 @@
               </a:spcBef>
             </a:pPr>
             <a:r>
-              <a:rPr sz="1000" dirty="0">
+              <a:rPr lang="de-DE" sz="1000" dirty="0">
                 <a:solidFill>
                   <a:srgbClr val="1F1F1F"/>
                 </a:solidFill>
                 <a:latin typeface="Adobe Clean"/>
                 <a:cs typeface="Adobe Clean"/>
               </a:rPr>
-              <a:t>As an </a:t>
-            </a:r>
-            <a:r>
-              <a:rPr lang="en-US" sz="1000" dirty="0">
-                <a:solidFill>
-                  <a:srgbClr val="1F1F1F"/>
-                </a:solidFill>
-                <a:latin typeface="Adobe Clean"/>
-                <a:cs typeface="Adobe Clean"/>
-              </a:rPr>
-              <a:t>Elite</a:t>
-            </a:r>
-            <a:r>
-              <a:rPr sz="1000" dirty="0">
-                <a:solidFill>
-                  <a:srgbClr val="1F1F1F"/>
-                </a:solidFill>
-                <a:latin typeface="Adobe Clean"/>
-                <a:cs typeface="Adobe Clean"/>
-              </a:rPr>
-              <a:t> customer, you are  eligible for</a:t>
-            </a:r>
-            <a:r>
-              <a:rPr lang="en-US" sz="1200" dirty="0">
+              <a:t>Als Elite-Kunde können Sie</a:t>
+            </a:r>
+            <a:r>
+              <a:rPr lang="de-DE" sz="1200" dirty="0">
                 <a:solidFill>
                   <a:srgbClr val="1F1F1F"/>
                 </a:solidFill>
@@ -13390,7 +12052,7 @@
               <a:t> </a:t>
             </a:r>
             <a:r>
-              <a:rPr lang="en-US" sz="1200" u="sng" dirty="0">
+              <a:rPr lang="de-DE" sz="1200" u="sng" dirty="0">
                 <a:solidFill>
                   <a:srgbClr val="1F1F1F"/>
                 </a:solidFill>
@@ -13402,10 +12064,10 @@
                 <a:latin typeface="Times New Roman"/>
                 <a:cs typeface="Times New Roman"/>
               </a:rPr>
-              <a:t>4</a:t>
-            </a:r>
-            <a:r>
-              <a:rPr sz="1200" b="1" dirty="0">
+              <a:t>vier</a:t>
+            </a:r>
+            <a:r>
+              <a:rPr lang="de-DE" sz="1200" b="1" dirty="0">
                 <a:solidFill>
                   <a:srgbClr val="1F1F1F"/>
                 </a:solidFill>
@@ -13415,19 +12077,15 @@
               <a:t> </a:t>
             </a:r>
             <a:r>
-              <a:rPr sz="1000" b="1" dirty="0">
+              <a:rPr lang="de-DE" sz="1000" b="1" dirty="0">
                 <a:solidFill>
                   <a:srgbClr val="1F1F1F"/>
                 </a:solidFill>
                 <a:latin typeface="Arial"/>
                 <a:cs typeface="Arial"/>
               </a:rPr>
-              <a:t>activities per year</a:t>
-            </a:r>
-            <a:endParaRPr sz="1000" dirty="0">
-              <a:latin typeface="Arial"/>
-              <a:cs typeface="Arial"/>
-            </a:endParaRPr>
+              <a:t>Aktivitäten pro Jahr</a:t>
+            </a:r>
           </a:p>
           <a:p>
             <a:pPr marL="12700">
@@ -13439,59 +12097,74 @@
               </a:spcBef>
             </a:pPr>
             <a:r>
-              <a:rPr sz="1000" dirty="0">
+              <a:rPr lang="de-DE" sz="1000" dirty="0">
                 <a:solidFill>
                   <a:srgbClr val="1F1F1F"/>
                 </a:solidFill>
                 <a:latin typeface="Adobe Clean"/>
                 <a:cs typeface="Adobe Clean"/>
               </a:rPr>
-              <a:t>from the following two tracks: </a:t>
-            </a:r>
-            <a:r>
-              <a:rPr sz="1000" b="1" dirty="0">
+              <a:t>aus dem </a:t>
+            </a:r>
+            <a:r>
+              <a:rPr lang="de-DE" sz="1000" b="1" dirty="0">
                 <a:solidFill>
                   <a:srgbClr val="1F1F1F"/>
                 </a:solidFill>
                 <a:latin typeface="Arial"/>
                 <a:cs typeface="Arial"/>
               </a:rPr>
-              <a:t>Technical </a:t>
-            </a:r>
-            <a:r>
-              <a:rPr sz="1000" dirty="0">
+              <a:t>technischen </a:t>
+            </a:r>
+            <a:r>
+              <a:rPr lang="de-DE" sz="1000" dirty="0">
                 <a:solidFill>
                   <a:srgbClr val="1F1F1F"/>
                 </a:solidFill>
                 <a:latin typeface="Adobe Clean"/>
                 <a:cs typeface="Adobe Clean"/>
               </a:rPr>
-              <a:t>and/or </a:t>
-            </a:r>
-            <a:r>
-              <a:rPr sz="1000" b="1" dirty="0">
+              <a:t>und/oder dem </a:t>
+            </a:r>
+            <a:r>
+              <a:rPr lang="de-DE" sz="1000" b="1" dirty="0">
                 <a:solidFill>
                   <a:srgbClr val="1F1F1F"/>
                 </a:solidFill>
                 <a:latin typeface="Arial"/>
                 <a:cs typeface="Arial"/>
               </a:rPr>
-              <a:t>Strategic</a:t>
-            </a:r>
-            <a:r>
-              <a:rPr sz="1000" dirty="0">
+              <a:t>strategischen</a:t>
+            </a:r>
+            <a:r>
+              <a:rPr lang="de-DE" sz="1000" dirty="0">
                 <a:solidFill>
                   <a:srgbClr val="1F1F1F"/>
                 </a:solidFill>
                 <a:latin typeface="AdobeClean-Light"/>
                 <a:cs typeface="AdobeClean-Light"/>
               </a:rPr>
-              <a:t>.</a:t>
-            </a:r>
-            <a:endParaRPr sz="1000" dirty="0">
-              <a:latin typeface="AdobeClean-Light"/>
-              <a:cs typeface="AdobeClean-Light"/>
-            </a:endParaRPr>
+              <a:t> </a:t>
+            </a:r>
+            <a:br>
+              <a:rPr lang="sk-SK" sz="1000" dirty="0">
+                <a:solidFill>
+                  <a:srgbClr val="1F1F1F"/>
+                </a:solidFill>
+                <a:latin typeface="AdobeClean-Light"/>
+                <a:cs typeface="AdobeClean-Light"/>
+              </a:rPr>
+            </a:br>
+            <a:r>
+              <a:rPr lang="de-DE" sz="1000" dirty="0">
+                <a:solidFill>
+                  <a:srgbClr val="1F1F1F"/>
+                </a:solidFill>
+                <a:latin typeface="AdobeClean-Light"/>
+                <a:cs typeface="AdobeClean-Light"/>
+              </a:rPr>
+              <a:t>Track nutzen.</a:t>
+            </a:r>
           </a:p>
         </p:txBody>
       </p:sp>
@@ -13503,8 +12176,8 @@
         </p:nvSpPr>
         <p:spPr>
           <a:xfrm>
-            <a:off x="923023" y="538480"/>
-            <a:ext cx="2323349" cy="228268"/>
+            <a:off x="923023" y="538479"/>
+            <a:ext cx="2862083" cy="228268"/>
           </a:xfrm>
           <a:prstGeom prst="rect">
             <a:avLst/>
@@ -13525,69 +12198,15 @@
               </a:spcBef>
             </a:pPr>
             <a:r>
-              <a:rPr sz="1400" b="1" spc="-15" dirty="0">
+              <a:rPr lang="de-DE" sz="1400" b="1" dirty="0">
                 <a:solidFill>
                   <a:srgbClr val="020302"/>
                 </a:solidFill>
                 <a:latin typeface="Adobe Clean"/>
                 <a:cs typeface="Adobe Clean"/>
               </a:rPr>
-              <a:t>Cloud</a:t>
-            </a:r>
-            <a:r>
-              <a:rPr sz="1400" b="1" spc="-45" dirty="0">
-                <a:solidFill>
-                  <a:srgbClr val="020302"/>
-                </a:solidFill>
-                <a:latin typeface="Adobe Clean"/>
-                <a:cs typeface="Adobe Clean"/>
-              </a:rPr>
-              <a:t> </a:t>
-            </a:r>
-            <a:r>
-              <a:rPr sz="1400" b="1" spc="-15" dirty="0">
-                <a:solidFill>
-                  <a:srgbClr val="020302"/>
-                </a:solidFill>
-                <a:latin typeface="Adobe Clean"/>
-                <a:cs typeface="Adobe Clean"/>
-              </a:rPr>
-              <a:t>Support</a:t>
-            </a:r>
-            <a:r>
-              <a:rPr sz="1400" b="1" spc="-50" dirty="0">
-                <a:solidFill>
-                  <a:srgbClr val="020302"/>
-                </a:solidFill>
-                <a:latin typeface="Adobe Clean"/>
-                <a:cs typeface="Adobe Clean"/>
-              </a:rPr>
-              <a:t> </a:t>
-            </a:r>
-            <a:r>
-              <a:rPr sz="1400" b="1" spc="-15" dirty="0">
-                <a:solidFill>
-                  <a:srgbClr val="020302"/>
-                </a:solidFill>
-                <a:latin typeface="Adobe Clean"/>
-                <a:cs typeface="Adobe Clean"/>
-              </a:rPr>
-              <a:t>Activities</a:t>
-            </a:r>
-            <a:r>
-              <a:rPr lang="en-US" sz="1400" b="1" spc="-15" dirty="0">
-                <a:solidFill>
-                  <a:srgbClr val="020302"/>
-                </a:solidFill>
-                <a:latin typeface="Adobe Clean"/>
-                <a:cs typeface="Adobe Clean"/>
-              </a:rPr>
-              <a:t> - AEM</a:t>
-            </a:r>
-            <a:endParaRPr sz="1400" dirty="0">
-              <a:latin typeface="Adobe Clean"/>
-              <a:cs typeface="Adobe Clean"/>
-            </a:endParaRPr>
+              <a:t>Cloud-Support-Aktivitäten – AEM</a:t>
+            </a:r>
           </a:p>
         </p:txBody>
       </p:sp>
@@ -13600,7 +12219,7 @@
         <p:spPr>
           <a:xfrm>
             <a:off x="924894" y="814263"/>
-            <a:ext cx="2321477" cy="45719"/>
+            <a:ext cx="2492255" cy="46109"/>
           </a:xfrm>
           <a:custGeom>
             <a:avLst/>
@@ -13703,6 +12322,10 @@
           </p:nvPr>
         </p:nvSpPr>
         <p:spPr>
+          <a:xfrm>
+            <a:off x="97787" y="9861194"/>
+            <a:ext cx="2738212" cy="133370"/>
+          </a:xfrm>
           <a:prstGeom prst="rect">
             <a:avLst/>
           </a:prstGeom>
@@ -13722,36 +12345,8 @@
               </a:spcBef>
             </a:pPr>
             <a:r>
-              <a:rPr spc="-5" dirty="0"/>
-              <a:t>©2021 Adobe. All</a:t>
-            </a:r>
-            <a:r>
-              <a:rPr spc="-15" dirty="0"/>
-              <a:t> Rights</a:t>
-            </a:r>
-            <a:r>
-              <a:rPr spc="-10" dirty="0"/>
-              <a:t> </a:t>
-            </a:r>
-            <a:r>
-              <a:rPr spc="-15" dirty="0"/>
-              <a:t>Reserved.</a:t>
-            </a:r>
-            <a:r>
-              <a:rPr spc="-10" dirty="0"/>
-              <a:t> </a:t>
-            </a:r>
-            <a:r>
-              <a:rPr spc="-5" dirty="0"/>
-              <a:t>Adobe</a:t>
-            </a:r>
-            <a:r>
-              <a:rPr spc="60" dirty="0"/>
-              <a:t> </a:t>
-            </a:r>
-            <a:r>
-              <a:rPr spc="-15" dirty="0"/>
-              <a:t>Confidential.</a:t>
+              <a:rPr lang="de-DE" dirty="0"/>
+              <a:t>©2021 Adobe. All Rights Reserved. Adobe Confidential.</a:t>
             </a:r>
           </a:p>
         </p:txBody>
@@ -13807,8 +12402,8 @@
           <a:p>
             <a:pPr algn="ctr"/>
             <a:r>
-              <a:rPr lang="en-US" sz="1600" dirty="0"/>
-              <a:t>Run &amp; Operate</a:t>
+              <a:rPr lang="de-DE" sz="1600"/>
+              <a:t>Ausführung und Betrieb</a:t>
             </a:r>
           </a:p>
         </p:txBody>
@@ -13864,8 +12459,8 @@
           <a:p>
             <a:pPr algn="ctr"/>
             <a:r>
-              <a:rPr lang="en-US" sz="1600" dirty="0"/>
-              <a:t>Implementation</a:t>
+              <a:rPr lang="de-DE" sz="1600"/>
+              <a:t>Implementierung</a:t>
             </a:r>
           </a:p>
         </p:txBody>
@@ -13900,8 +12495,8 @@
           <a:p>
             <a:pPr algn="ctr"/>
             <a:r>
-              <a:rPr lang="en-US" sz="1100" dirty="0"/>
-              <a:t>Post Launch</a:t>
+              <a:rPr lang="de-DE" sz="1100"/>
+              <a:t>Post-Launch</a:t>
             </a:r>
           </a:p>
         </p:txBody>
@@ -13936,7 +12531,7 @@
           <a:p>
             <a:pPr algn="ctr"/>
             <a:r>
-              <a:rPr lang="en-US" sz="1100" dirty="0"/>
+              <a:rPr lang="de-DE" sz="1100"/>
               <a:t>Go-Live</a:t>
             </a:r>
           </a:p>
@@ -13972,8 +12567,8 @@
           <a:p>
             <a:pPr algn="ctr"/>
             <a:r>
-              <a:rPr lang="en-US" sz="1100" dirty="0"/>
-              <a:t>Define</a:t>
+              <a:rPr lang="de-DE" sz="1100"/>
+              <a:t>Definition</a:t>
             </a:r>
           </a:p>
         </p:txBody>
@@ -14008,7 +12603,7 @@
           <a:p>
             <a:pPr algn="ctr"/>
             <a:r>
-              <a:rPr lang="en-US" sz="1100" dirty="0"/>
+              <a:rPr lang="de-DE" sz="1100"/>
               <a:t>Kickoff</a:t>
             </a:r>
           </a:p>
@@ -14044,7 +12639,7 @@
           <a:p>
             <a:pPr algn="ctr"/>
             <a:r>
-              <a:rPr lang="en-US" sz="1100" dirty="0"/>
+              <a:rPr lang="de-DE" sz="1100"/>
               <a:t>Design</a:t>
             </a:r>
           </a:p>
@@ -14102,14 +12697,14 @@
           <a:p>
             <a:pPr algn="ctr"/>
             <a:r>
-              <a:rPr lang="en-US" sz="1400" dirty="0">
+              <a:rPr lang="de-DE" sz="1400">
                 <a:solidFill>
                   <a:schemeClr val="accent1">
                     <a:lumMod val="50000"/>
                   </a:schemeClr>
                 </a:solidFill>
               </a:rPr>
-              <a:t>4 Activities per Year</a:t>
+              <a:t>4 Aktivitäten pro Jahr</a:t>
             </a:r>
           </a:p>
         </p:txBody>
@@ -14128,8 +12723,8 @@
         </p:nvSpPr>
         <p:spPr>
           <a:xfrm>
-            <a:off x="5265661" y="1471646"/>
-            <a:ext cx="2194560" cy="536622"/>
+            <a:off x="5265660" y="1471646"/>
+            <a:ext cx="2278621" cy="536622"/>
           </a:xfrm>
           <a:prstGeom prst="rect">
             <a:avLst/>
@@ -14150,20 +12745,14 @@
               </a:spcBef>
             </a:pPr>
             <a:r>
-              <a:rPr lang="en-US" sz="1000" dirty="0">
+              <a:rPr lang="de-DE" sz="1000" dirty="0">
                 <a:solidFill>
                   <a:srgbClr val="4B4B4B"/>
                 </a:solidFill>
                 <a:latin typeface="Adobe Clean Light" panose="020B0303020404020204" pitchFamily="34" charset="0"/>
               </a:rPr>
-              <a:t>Drive adoption of customization best practices and core components in AEM as a Cloud Service</a:t>
-            </a:r>
-            <a:endParaRPr sz="1000" dirty="0">
-              <a:solidFill>
-                <a:srgbClr val="4B4B4B"/>
-              </a:solidFill>
-              <a:latin typeface="Adobe Clean Light" panose="020B0303020404020204" pitchFamily="34" charset="0"/>
-            </a:endParaRPr>
+              <a:t>Förderung der Übernahme von Best Practices für die Anpassung und Kernkomponenten in AEM as a Cloud Service</a:t>
+            </a:r>
           </a:p>
         </p:txBody>
       </p:sp>
@@ -14203,20 +12792,31 @@
               </a:spcBef>
             </a:pPr>
             <a:r>
-              <a:rPr lang="en-US" sz="1000" dirty="0">
+              <a:rPr lang="de-DE" sz="1000" dirty="0">
                 <a:solidFill>
                   <a:srgbClr val="4B4B4B"/>
                 </a:solidFill>
                 <a:latin typeface="Adobe Clean Light" panose="020B0303020404020204" pitchFamily="34" charset="0"/>
               </a:rPr>
-              <a:t>Identify, review and provide recommendations on customized solution adoption areas that have opportunities for optimization</a:t>
-            </a:r>
-            <a:endParaRPr sz="1000" dirty="0">
-              <a:solidFill>
-                <a:srgbClr val="4B4B4B"/>
-              </a:solidFill>
-              <a:latin typeface="Adobe Clean Light" panose="020B0303020404020204" pitchFamily="34" charset="0"/>
-            </a:endParaRPr>
+              <a:t>Identifizieren, Prüfen und Bereitstellen </a:t>
+            </a:r>
+            <a:br>
+              <a:rPr lang="sk-SK" sz="1000" dirty="0">
+                <a:solidFill>
+                  <a:srgbClr val="4B4B4B"/>
+                </a:solidFill>
+                <a:latin typeface="Adobe Clean Light" panose="020B0303020404020204" pitchFamily="34" charset="0"/>
+              </a:rPr>
+            </a:br>
+            <a:r>
+              <a:rPr lang="de-DE" sz="1000" dirty="0">
+                <a:solidFill>
+                  <a:srgbClr val="4B4B4B"/>
+                </a:solidFill>
+                <a:latin typeface="Adobe Clean Light" panose="020B0303020404020204" pitchFamily="34" charset="0"/>
+              </a:rPr>
+              <a:t>von Empfehlungen zu individuellen Lösungsübernahmebereichen mit Optimierungsmöglichkeiten</a:t>
+            </a:r>
           </a:p>
         </p:txBody>
       </p:sp>
@@ -14235,7 +12835,7 @@
         <p:spPr>
           <a:xfrm>
             <a:off x="355868" y="1417898"/>
-            <a:ext cx="2194560" cy="717376"/>
+            <a:ext cx="2317302" cy="899670"/>
           </a:xfrm>
           <a:prstGeom prst="rect">
             <a:avLst/>
@@ -14256,20 +12856,48 @@
               </a:spcBef>
             </a:pPr>
             <a:r>
-              <a:rPr lang="en-US" sz="1000" dirty="0">
+              <a:rPr lang="de-DE" sz="1000" dirty="0">
                 <a:solidFill>
                   <a:srgbClr val="4B4B4B"/>
                 </a:solidFill>
                 <a:latin typeface="Adobe Clean Light" panose="020B0303020404020204" pitchFamily="34" charset="0"/>
               </a:rPr>
-              <a:t>Technical &amp; operational governance to assist AEM as a Cloud Service Customers in adhering to industry standards and best practices for AEM as a Cloud Service</a:t>
-            </a:r>
-            <a:endParaRPr sz="1000" dirty="0">
-              <a:solidFill>
-                <a:srgbClr val="4B4B4B"/>
-              </a:solidFill>
-              <a:latin typeface="Adobe Clean Light" panose="020B0303020404020204" pitchFamily="34" charset="0"/>
-            </a:endParaRPr>
+              <a:t>Technische und betriebliche Governance </a:t>
+            </a:r>
+            <a:br>
+              <a:rPr lang="sk-SK" sz="1000" dirty="0">
+                <a:solidFill>
+                  <a:srgbClr val="4B4B4B"/>
+                </a:solidFill>
+                <a:latin typeface="Adobe Clean Light" panose="020B0303020404020204" pitchFamily="34" charset="0"/>
+              </a:rPr>
+            </a:br>
+            <a:r>
+              <a:rPr lang="de-DE" sz="1000" dirty="0">
+                <a:solidFill>
+                  <a:srgbClr val="4B4B4B"/>
+                </a:solidFill>
+                <a:latin typeface="Adobe Clean Light" panose="020B0303020404020204" pitchFamily="34" charset="0"/>
+              </a:rPr>
+              <a:t>für die Unterstützung von AEM as a Cloud Service-Kunden bei der Einhaltung von Branchenstandards und Best Practices </a:t>
+            </a:r>
+            <a:br>
+              <a:rPr lang="sk-SK" sz="1000" dirty="0">
+                <a:solidFill>
+                  <a:srgbClr val="4B4B4B"/>
+                </a:solidFill>
+                <a:latin typeface="Adobe Clean Light" panose="020B0303020404020204" pitchFamily="34" charset="0"/>
+              </a:rPr>
+            </a:br>
+            <a:r>
+              <a:rPr lang="de-DE" sz="1000" dirty="0">
+                <a:solidFill>
+                  <a:srgbClr val="4B4B4B"/>
+                </a:solidFill>
+                <a:latin typeface="Adobe Clean Light" panose="020B0303020404020204" pitchFamily="34" charset="0"/>
+              </a:rPr>
+              <a:t>für AEM as a Cloud Service</a:t>
+            </a:r>
           </a:p>
         </p:txBody>
       </p:sp>
@@ -14287,8 +12915,8 @@
         </p:nvSpPr>
         <p:spPr>
           <a:xfrm>
-            <a:off x="5181600" y="936612"/>
-            <a:ext cx="1972258" cy="461665"/>
+            <a:off x="5181599" y="936612"/>
+            <a:ext cx="2278621" cy="461665"/>
           </a:xfrm>
           <a:prstGeom prst="rect">
             <a:avLst/>
@@ -14309,489 +12937,15 @@
               </a:spcBef>
             </a:pPr>
             <a:r>
-              <a:rPr lang="en-US" sz="1200" b="1" spc="-15" dirty="0">
+              <a:rPr lang="de-DE" sz="1200" b="1" dirty="0">
                 <a:solidFill>
                   <a:srgbClr val="020302"/>
                 </a:solidFill>
                 <a:latin typeface="Adobe Clean"/>
                 <a:cs typeface="Adobe Clean"/>
               </a:rPr>
-              <a:t>C</a:t>
-            </a:r>
-            <a:r>
-              <a:rPr lang="en-US" sz="1200" b="1" spc="-20" dirty="0">
-                <a:solidFill>
-                  <a:srgbClr val="020302"/>
-                </a:solidFill>
-                <a:latin typeface="Adobe Clean"/>
-                <a:cs typeface="Adobe Clean"/>
-              </a:rPr>
-              <a:t>u</a:t>
-            </a:r>
-            <a:r>
-              <a:rPr lang="en-US" sz="1200" b="1" spc="-25" dirty="0">
-                <a:solidFill>
-                  <a:srgbClr val="020302"/>
-                </a:solidFill>
-                <a:latin typeface="Adobe Clean"/>
-                <a:cs typeface="Adobe Clean"/>
-              </a:rPr>
-              <a:t>st</a:t>
-            </a:r>
-            <a:r>
-              <a:rPr lang="en-US" sz="1200" b="1" spc="-15" dirty="0">
-                <a:solidFill>
-                  <a:srgbClr val="020302"/>
-                </a:solidFill>
-                <a:latin typeface="Adobe Clean"/>
-                <a:cs typeface="Adobe Clean"/>
-              </a:rPr>
-              <a:t>o</a:t>
-            </a:r>
-            <a:r>
-              <a:rPr lang="en-US" sz="1200" b="1" spc="-20" dirty="0">
-                <a:solidFill>
-                  <a:srgbClr val="020302"/>
-                </a:solidFill>
-                <a:latin typeface="Adobe Clean"/>
-                <a:cs typeface="Adobe Clean"/>
-              </a:rPr>
-              <a:t>miza</a:t>
-            </a:r>
-            <a:r>
-              <a:rPr lang="en-US" sz="1200" b="1" spc="-25" dirty="0">
-                <a:solidFill>
-                  <a:srgbClr val="020302"/>
-                </a:solidFill>
-                <a:latin typeface="Adobe Clean"/>
-                <a:cs typeface="Adobe Clean"/>
-              </a:rPr>
-              <a:t>t</a:t>
-            </a:r>
-            <a:r>
-              <a:rPr lang="en-US" sz="1200" b="1" spc="-20" dirty="0">
-                <a:solidFill>
-                  <a:srgbClr val="020302"/>
-                </a:solidFill>
-                <a:latin typeface="Adobe Clean"/>
-                <a:cs typeface="Adobe Clean"/>
-              </a:rPr>
-              <a:t>i</a:t>
-            </a:r>
-            <a:r>
-              <a:rPr lang="en-US" sz="1200" b="1" spc="-15" dirty="0">
-                <a:solidFill>
-                  <a:srgbClr val="020302"/>
-                </a:solidFill>
-                <a:latin typeface="Adobe Clean"/>
-                <a:cs typeface="Adobe Clean"/>
-              </a:rPr>
-              <a:t>o</a:t>
-            </a:r>
-            <a:r>
-              <a:rPr lang="en-US" sz="1200" b="1" dirty="0">
-                <a:solidFill>
-                  <a:srgbClr val="020302"/>
-                </a:solidFill>
-                <a:latin typeface="Adobe Clean"/>
-                <a:cs typeface="Adobe Clean"/>
-              </a:rPr>
-              <a:t>n</a:t>
-            </a:r>
-            <a:r>
-              <a:rPr lang="en-US" sz="1200" b="1" spc="-50" dirty="0">
-                <a:solidFill>
-                  <a:srgbClr val="020302"/>
-                </a:solidFill>
-                <a:latin typeface="Adobe Clean"/>
-                <a:cs typeface="Adobe Clean"/>
-              </a:rPr>
-              <a:t> </a:t>
-            </a:r>
-            <a:r>
-              <a:rPr lang="en-US" sz="1200" b="1" spc="-20" dirty="0">
-                <a:solidFill>
-                  <a:srgbClr val="020302"/>
-                </a:solidFill>
-                <a:latin typeface="Adobe Clean"/>
-                <a:cs typeface="Adobe Clean"/>
-              </a:rPr>
-              <a:t>B</a:t>
-            </a:r>
-            <a:r>
-              <a:rPr lang="en-US" sz="1200" b="1" spc="-25" dirty="0">
-                <a:solidFill>
-                  <a:srgbClr val="020302"/>
-                </a:solidFill>
-                <a:latin typeface="Adobe Clean"/>
-                <a:cs typeface="Adobe Clean"/>
-              </a:rPr>
-              <a:t>es</a:t>
-            </a:r>
-            <a:r>
-              <a:rPr lang="en-US" sz="1200" b="1" dirty="0">
-                <a:solidFill>
-                  <a:srgbClr val="020302"/>
-                </a:solidFill>
-                <a:latin typeface="Adobe Clean"/>
-                <a:cs typeface="Adobe Clean"/>
-              </a:rPr>
-              <a:t>t</a:t>
-            </a:r>
-            <a:r>
-              <a:rPr lang="en-US" sz="1200" b="1" spc="-50" dirty="0">
-                <a:solidFill>
-                  <a:srgbClr val="020302"/>
-                </a:solidFill>
-                <a:latin typeface="Adobe Clean"/>
-                <a:cs typeface="Adobe Clean"/>
-              </a:rPr>
-              <a:t> </a:t>
-            </a:r>
-            <a:r>
-              <a:rPr lang="en-US" sz="1200" b="1" spc="-25" dirty="0">
-                <a:solidFill>
-                  <a:srgbClr val="020302"/>
-                </a:solidFill>
-                <a:latin typeface="Adobe Clean"/>
-                <a:cs typeface="Adobe Clean"/>
-              </a:rPr>
-              <a:t>P</a:t>
-            </a:r>
-            <a:r>
-              <a:rPr lang="en-US" sz="1200" b="1" spc="-20" dirty="0">
-                <a:solidFill>
-                  <a:srgbClr val="020302"/>
-                </a:solidFill>
-                <a:latin typeface="Adobe Clean"/>
-                <a:cs typeface="Adobe Clean"/>
-              </a:rPr>
-              <a:t>ra</a:t>
-            </a:r>
-            <a:r>
-              <a:rPr lang="en-US" sz="1200" b="1" spc="-30" dirty="0">
-                <a:solidFill>
-                  <a:srgbClr val="020302"/>
-                </a:solidFill>
-                <a:latin typeface="Adobe Clean"/>
-                <a:cs typeface="Adobe Clean"/>
-              </a:rPr>
-              <a:t>c</a:t>
-            </a:r>
-            <a:r>
-              <a:rPr lang="en-US" sz="1200" b="1" spc="-25" dirty="0">
-                <a:solidFill>
-                  <a:srgbClr val="020302"/>
-                </a:solidFill>
-                <a:latin typeface="Adobe Clean"/>
-                <a:cs typeface="Adobe Clean"/>
-              </a:rPr>
-              <a:t>t</a:t>
-            </a:r>
-            <a:r>
-              <a:rPr lang="en-US" sz="1200" b="1" spc="-20" dirty="0">
-                <a:solidFill>
-                  <a:srgbClr val="020302"/>
-                </a:solidFill>
-                <a:latin typeface="Adobe Clean"/>
-                <a:cs typeface="Adobe Clean"/>
-              </a:rPr>
-              <a:t>i</a:t>
-            </a:r>
-            <a:r>
-              <a:rPr lang="en-US" sz="1200" b="1" spc="-30" dirty="0">
-                <a:solidFill>
-                  <a:srgbClr val="020302"/>
-                </a:solidFill>
-                <a:latin typeface="Adobe Clean"/>
-                <a:cs typeface="Adobe Clean"/>
-              </a:rPr>
-              <a:t>c</a:t>
-            </a:r>
-            <a:r>
-              <a:rPr lang="en-US" sz="1200" b="1" spc="-25" dirty="0">
-                <a:solidFill>
-                  <a:srgbClr val="020302"/>
-                </a:solidFill>
-                <a:latin typeface="Adobe Clean"/>
-                <a:cs typeface="Adobe Clean"/>
-              </a:rPr>
-              <a:t>e</a:t>
-            </a:r>
-            <a:r>
-              <a:rPr lang="en-US" sz="1200" b="1" dirty="0">
-                <a:solidFill>
-                  <a:srgbClr val="020302"/>
-                </a:solidFill>
-                <a:latin typeface="Adobe Clean"/>
-                <a:cs typeface="Adobe Clean"/>
-              </a:rPr>
-              <a:t>s</a:t>
-            </a:r>
-            <a:r>
-              <a:rPr lang="en-US" sz="1200" b="1" spc="-45" dirty="0">
-                <a:solidFill>
-                  <a:srgbClr val="020302"/>
-                </a:solidFill>
-                <a:latin typeface="Adobe Clean"/>
-                <a:cs typeface="Adobe Clean"/>
-              </a:rPr>
-              <a:t> </a:t>
-            </a:r>
-            <a:r>
-              <a:rPr lang="en-US" sz="1200" b="1" spc="-25" dirty="0">
-                <a:solidFill>
-                  <a:srgbClr val="020302"/>
-                </a:solidFill>
-                <a:latin typeface="Adobe Clean"/>
-                <a:cs typeface="Adobe Clean"/>
-              </a:rPr>
-              <a:t>f</a:t>
-            </a:r>
-            <a:r>
-              <a:rPr lang="en-US" sz="1200" b="1" spc="-15" dirty="0">
-                <a:solidFill>
-                  <a:srgbClr val="020302"/>
-                </a:solidFill>
-                <a:latin typeface="Adobe Clean"/>
-                <a:cs typeface="Adobe Clean"/>
-              </a:rPr>
-              <a:t>o</a:t>
-            </a:r>
-            <a:r>
-              <a:rPr lang="en-US" sz="1200" b="1" dirty="0">
-                <a:solidFill>
-                  <a:srgbClr val="020302"/>
-                </a:solidFill>
-                <a:latin typeface="Adobe Clean"/>
-                <a:cs typeface="Adobe Clean"/>
-              </a:rPr>
-              <a:t>r</a:t>
-            </a:r>
-            <a:r>
-              <a:rPr lang="en-US" sz="1200" b="1" spc="-45" dirty="0">
-                <a:solidFill>
-                  <a:srgbClr val="020302"/>
-                </a:solidFill>
-                <a:latin typeface="Adobe Clean"/>
-                <a:cs typeface="Adobe Clean"/>
-              </a:rPr>
-              <a:t> </a:t>
-            </a:r>
-            <a:r>
-              <a:rPr lang="en-US" sz="1200" b="1" spc="-30" dirty="0">
-                <a:solidFill>
-                  <a:srgbClr val="020302"/>
-                </a:solidFill>
-                <a:latin typeface="Adobe Clean"/>
-                <a:cs typeface="Adobe Clean"/>
-              </a:rPr>
-              <a:t>AE</a:t>
-            </a:r>
-            <a:r>
-              <a:rPr lang="en-US" sz="1200" b="1" dirty="0">
-                <a:solidFill>
-                  <a:srgbClr val="020302"/>
-                </a:solidFill>
-                <a:latin typeface="Adobe Clean"/>
-                <a:cs typeface="Adobe Clean"/>
-              </a:rPr>
-              <a:t>M</a:t>
-            </a:r>
-            <a:r>
-              <a:rPr lang="en-US" sz="1200" b="1" spc="-55" dirty="0">
-                <a:solidFill>
-                  <a:srgbClr val="020302"/>
-                </a:solidFill>
-                <a:latin typeface="Adobe Clean"/>
-                <a:cs typeface="Adobe Clean"/>
-              </a:rPr>
-              <a:t> </a:t>
-            </a:r>
-            <a:r>
-              <a:rPr lang="en-US" sz="1200" b="1" spc="-20" dirty="0">
-                <a:solidFill>
-                  <a:srgbClr val="020302"/>
-                </a:solidFill>
-                <a:latin typeface="Adobe Clean"/>
-                <a:cs typeface="Adobe Clean"/>
-              </a:rPr>
-              <a:t>a</a:t>
-            </a:r>
-            <a:r>
-              <a:rPr lang="en-US" sz="1200" b="1" dirty="0">
-                <a:solidFill>
-                  <a:srgbClr val="020302"/>
-                </a:solidFill>
-                <a:latin typeface="Adobe Clean"/>
-                <a:cs typeface="Adobe Clean"/>
-              </a:rPr>
-              <a:t>s</a:t>
-            </a:r>
-            <a:r>
-              <a:rPr lang="en-US" sz="1200" b="1" spc="-45" dirty="0">
-                <a:solidFill>
-                  <a:srgbClr val="020302"/>
-                </a:solidFill>
-                <a:latin typeface="Adobe Clean"/>
-                <a:cs typeface="Adobe Clean"/>
-              </a:rPr>
-              <a:t> </a:t>
-            </a:r>
-            <a:r>
-              <a:rPr lang="en-US" sz="1200" b="1" dirty="0">
-                <a:solidFill>
-                  <a:srgbClr val="020302"/>
-                </a:solidFill>
-                <a:latin typeface="Adobe Clean"/>
-                <a:cs typeface="Adobe Clean"/>
-              </a:rPr>
-              <a:t>a</a:t>
-            </a:r>
-            <a:r>
-              <a:rPr lang="en-US" sz="1200" b="1" spc="-45" dirty="0">
-                <a:solidFill>
-                  <a:srgbClr val="020302"/>
-                </a:solidFill>
-                <a:latin typeface="Adobe Clean"/>
-                <a:cs typeface="Adobe Clean"/>
-              </a:rPr>
-              <a:t> </a:t>
-            </a:r>
-            <a:r>
-              <a:rPr lang="en-US" sz="1200" b="1" spc="-15" dirty="0">
-                <a:solidFill>
-                  <a:srgbClr val="020302"/>
-                </a:solidFill>
-                <a:latin typeface="Adobe Clean"/>
-                <a:cs typeface="Adobe Clean"/>
-              </a:rPr>
-              <a:t>C</a:t>
-            </a:r>
-            <a:r>
-              <a:rPr lang="en-US" sz="1200" b="1" spc="-25" dirty="0">
-                <a:solidFill>
-                  <a:srgbClr val="020302"/>
-                </a:solidFill>
-                <a:latin typeface="Adobe Clean"/>
-                <a:cs typeface="Adobe Clean"/>
-              </a:rPr>
-              <a:t>l</a:t>
-            </a:r>
-            <a:r>
-              <a:rPr lang="en-US" sz="1200" b="1" spc="-15" dirty="0">
-                <a:solidFill>
-                  <a:srgbClr val="020302"/>
-                </a:solidFill>
-                <a:latin typeface="Adobe Clean"/>
-                <a:cs typeface="Adobe Clean"/>
-              </a:rPr>
-              <a:t>o</a:t>
-            </a:r>
-            <a:r>
-              <a:rPr lang="en-US" sz="1200" b="1" spc="-20" dirty="0">
-                <a:solidFill>
-                  <a:srgbClr val="020302"/>
-                </a:solidFill>
-                <a:latin typeface="Adobe Clean"/>
-                <a:cs typeface="Adobe Clean"/>
-              </a:rPr>
-              <a:t>u</a:t>
-            </a:r>
-            <a:r>
-              <a:rPr lang="en-US" sz="1200" b="1" dirty="0">
-                <a:solidFill>
-                  <a:srgbClr val="020302"/>
-                </a:solidFill>
-                <a:latin typeface="Adobe Clean"/>
-                <a:cs typeface="Adobe Clean"/>
-              </a:rPr>
-              <a:t>d</a:t>
-            </a:r>
-            <a:r>
-              <a:rPr lang="en-US" sz="1200" b="1" spc="-50" dirty="0">
-                <a:solidFill>
-                  <a:srgbClr val="020302"/>
-                </a:solidFill>
-                <a:latin typeface="Adobe Clean"/>
-                <a:cs typeface="Adobe Clean"/>
-              </a:rPr>
-              <a:t> </a:t>
-            </a:r>
-            <a:r>
-              <a:rPr lang="en-US" sz="1200" b="1" spc="-20" dirty="0">
-                <a:solidFill>
-                  <a:srgbClr val="020302"/>
-                </a:solidFill>
-                <a:latin typeface="Adobe Clean"/>
-                <a:cs typeface="Adobe Clean"/>
-              </a:rPr>
-              <a:t>S</a:t>
-            </a:r>
-            <a:r>
-              <a:rPr lang="en-US" sz="1200" b="1" spc="-25" dirty="0">
-                <a:solidFill>
-                  <a:srgbClr val="020302"/>
-                </a:solidFill>
-                <a:latin typeface="Adobe Clean"/>
-                <a:cs typeface="Adobe Clean"/>
-              </a:rPr>
-              <a:t>e</a:t>
-            </a:r>
-            <a:r>
-              <a:rPr lang="en-US" sz="1200" b="1" spc="-20" dirty="0">
-                <a:solidFill>
-                  <a:srgbClr val="020302"/>
-                </a:solidFill>
-                <a:latin typeface="Adobe Clean"/>
-                <a:cs typeface="Adobe Clean"/>
-              </a:rPr>
-              <a:t>r</a:t>
-            </a:r>
-            <a:r>
-              <a:rPr lang="en-US" sz="1200" b="1" spc="-30" dirty="0">
-                <a:solidFill>
-                  <a:srgbClr val="020302"/>
-                </a:solidFill>
-                <a:latin typeface="Adobe Clean"/>
-                <a:cs typeface="Adobe Clean"/>
-              </a:rPr>
-              <a:t>v</a:t>
-            </a:r>
-            <a:r>
-              <a:rPr lang="en-US" sz="1200" b="1" spc="-20" dirty="0">
-                <a:solidFill>
-                  <a:srgbClr val="020302"/>
-                </a:solidFill>
-                <a:latin typeface="Adobe Clean"/>
-                <a:cs typeface="Adobe Clean"/>
-              </a:rPr>
-              <a:t>i</a:t>
-            </a:r>
-            <a:r>
-              <a:rPr lang="en-US" sz="1200" b="1" spc="-30" dirty="0">
-                <a:solidFill>
-                  <a:srgbClr val="020302"/>
-                </a:solidFill>
-                <a:latin typeface="Adobe Clean"/>
-                <a:cs typeface="Adobe Clean"/>
-              </a:rPr>
-              <a:t>c</a:t>
-            </a:r>
-            <a:r>
-              <a:rPr lang="en-US" sz="1200" b="1" dirty="0">
-                <a:solidFill>
-                  <a:srgbClr val="020302"/>
-                </a:solidFill>
-                <a:latin typeface="Adobe Clean"/>
-                <a:cs typeface="Adobe Clean"/>
-              </a:rPr>
-              <a:t>e</a:t>
-            </a:r>
-            <a:endParaRPr lang="en-US" sz="1200" dirty="0">
-              <a:latin typeface="Adobe Clean"/>
-              <a:cs typeface="Adobe Clean"/>
-            </a:endParaRPr>
+              <a:t>Best Practices für die Anpassung von AEM as a Cloud Service</a:t>
+            </a:r>
           </a:p>
         </p:txBody>
       </p:sp>
@@ -14831,19 +12985,15 @@
               </a:spcBef>
             </a:pPr>
             <a:r>
-              <a:rPr lang="en-US" sz="1200" b="1" spc="-25" dirty="0">
+              <a:rPr lang="de-DE" sz="1200" b="1">
                 <a:solidFill>
                   <a:srgbClr val="020302"/>
                 </a:solidFill>
                 <a:latin typeface="Adobe Clean"/>
                 <a:cs typeface="Adobe Clean"/>
               </a:rPr>
-              <a:t>Value-added Services for AEM as a Cloud Service</a:t>
-            </a:r>
-            <a:endParaRPr lang="en-US" sz="1200" dirty="0">
-              <a:latin typeface="Adobe Clean"/>
-              <a:cs typeface="Adobe Clean"/>
-            </a:endParaRPr>
+              <a:t>Zusatz-Services für AEM as a Cloud Service</a:t>
+            </a:r>
           </a:p>
         </p:txBody>
       </p:sp>
@@ -14883,359 +13033,34 @@
               </a:spcBef>
             </a:pPr>
             <a:r>
-              <a:rPr lang="en-US" sz="1200" b="1" spc="-20" dirty="0">
+              <a:rPr lang="de-DE" sz="1200" b="1" dirty="0">
                 <a:solidFill>
                   <a:srgbClr val="020302"/>
                 </a:solidFill>
                 <a:latin typeface="Adobe Clean"/>
                 <a:cs typeface="Adobe Clean"/>
               </a:rPr>
-              <a:t>G</a:t>
-            </a:r>
-            <a:r>
-              <a:rPr lang="en-US" sz="1200" b="1" spc="-15" dirty="0">
+              <a:t>Governance für AEM </a:t>
+            </a:r>
+            <a:br>
+              <a:rPr lang="sk-SK" sz="1200" b="1" dirty="0">
                 <a:solidFill>
                   <a:srgbClr val="020302"/>
                 </a:solidFill>
                 <a:latin typeface="Adobe Clean"/>
                 <a:cs typeface="Adobe Clean"/>
               </a:rPr>
-              <a:t>o</a:t>
-            </a:r>
-            <a:r>
-              <a:rPr lang="en-US" sz="1200" b="1" spc="-25" dirty="0">
+            </a:br>
+            <a:r>
+              <a:rPr lang="de-DE" sz="1200" b="1" dirty="0">
                 <a:solidFill>
                   <a:srgbClr val="020302"/>
                 </a:solidFill>
                 <a:latin typeface="Adobe Clean"/>
                 <a:cs typeface="Adobe Clean"/>
               </a:rPr>
-              <a:t>ve</a:t>
-            </a:r>
-            <a:r>
-              <a:rPr lang="en-US" sz="1200" b="1" spc="-20" dirty="0">
-                <a:solidFill>
-                  <a:srgbClr val="020302"/>
-                </a:solidFill>
-                <a:latin typeface="Adobe Clean"/>
-                <a:cs typeface="Adobe Clean"/>
-              </a:rPr>
-              <a:t>r</a:t>
-            </a:r>
-            <a:r>
-              <a:rPr lang="en-US" sz="1200" b="1" spc="-25" dirty="0">
-                <a:solidFill>
-                  <a:srgbClr val="020302"/>
-                </a:solidFill>
-                <a:latin typeface="Adobe Clean"/>
-                <a:cs typeface="Adobe Clean"/>
-              </a:rPr>
-              <a:t>n</a:t>
-            </a:r>
-            <a:r>
-              <a:rPr lang="en-US" sz="1200" b="1" spc="-20" dirty="0">
-                <a:solidFill>
-                  <a:srgbClr val="020302"/>
-                </a:solidFill>
-                <a:latin typeface="Adobe Clean"/>
-                <a:cs typeface="Adobe Clean"/>
-              </a:rPr>
-              <a:t>a</a:t>
-            </a:r>
-            <a:r>
-              <a:rPr lang="en-US" sz="1200" b="1" spc="-25" dirty="0">
-                <a:solidFill>
-                  <a:srgbClr val="020302"/>
-                </a:solidFill>
-                <a:latin typeface="Adobe Clean"/>
-                <a:cs typeface="Adobe Clean"/>
-              </a:rPr>
-              <a:t>n</a:t>
-            </a:r>
-            <a:r>
-              <a:rPr lang="en-US" sz="1200" b="1" spc="-30" dirty="0">
-                <a:solidFill>
-                  <a:srgbClr val="020302"/>
-                </a:solidFill>
-                <a:latin typeface="Adobe Clean"/>
-                <a:cs typeface="Adobe Clean"/>
-              </a:rPr>
-              <a:t>c</a:t>
-            </a:r>
-            <a:r>
-              <a:rPr lang="en-US" sz="1200" b="1" dirty="0">
-                <a:solidFill>
-                  <a:srgbClr val="020302"/>
-                </a:solidFill>
-                <a:latin typeface="Adobe Clean"/>
-                <a:cs typeface="Adobe Clean"/>
-              </a:rPr>
-              <a:t>e</a:t>
-            </a:r>
-            <a:r>
-              <a:rPr lang="en-US" sz="1200" b="1" spc="-50" dirty="0">
-                <a:solidFill>
-                  <a:srgbClr val="020302"/>
-                </a:solidFill>
-                <a:latin typeface="Adobe Clean"/>
-                <a:cs typeface="Adobe Clean"/>
-              </a:rPr>
-              <a:t> </a:t>
-            </a:r>
-            <a:r>
-              <a:rPr lang="en-US" sz="1200" b="1" spc="-25" dirty="0">
-                <a:solidFill>
-                  <a:srgbClr val="020302"/>
-                </a:solidFill>
-                <a:latin typeface="Adobe Clean"/>
-                <a:cs typeface="Adobe Clean"/>
-              </a:rPr>
-              <a:t>f</a:t>
-            </a:r>
-            <a:r>
-              <a:rPr lang="en-US" sz="1200" b="1" spc="-15" dirty="0">
-                <a:solidFill>
-                  <a:srgbClr val="020302"/>
-                </a:solidFill>
-                <a:latin typeface="Adobe Clean"/>
-                <a:cs typeface="Adobe Clean"/>
-              </a:rPr>
-              <a:t>o</a:t>
-            </a:r>
-            <a:r>
-              <a:rPr lang="en-US" sz="1200" b="1" dirty="0">
-                <a:solidFill>
-                  <a:srgbClr val="020302"/>
-                </a:solidFill>
-                <a:latin typeface="Adobe Clean"/>
-                <a:cs typeface="Adobe Clean"/>
-              </a:rPr>
-              <a:t>r</a:t>
-            </a:r>
-            <a:r>
-              <a:rPr lang="en-US" sz="1200" b="1" spc="-45" dirty="0">
-                <a:solidFill>
-                  <a:srgbClr val="020302"/>
-                </a:solidFill>
-                <a:latin typeface="Adobe Clean"/>
-                <a:cs typeface="Adobe Clean"/>
-              </a:rPr>
-              <a:t> </a:t>
-            </a:r>
-            <a:r>
-              <a:rPr lang="en-US" sz="1200" b="1" spc="-30" dirty="0">
-                <a:solidFill>
-                  <a:srgbClr val="020302"/>
-                </a:solidFill>
-                <a:latin typeface="Adobe Clean"/>
-                <a:cs typeface="Adobe Clean"/>
-              </a:rPr>
-              <a:t>A</a:t>
-            </a:r>
-            <a:r>
-              <a:rPr lang="en-US" sz="1200" b="1" spc="-25" dirty="0">
-                <a:solidFill>
-                  <a:srgbClr val="020302"/>
-                </a:solidFill>
-                <a:latin typeface="Adobe Clean"/>
-                <a:cs typeface="Adobe Clean"/>
-              </a:rPr>
-              <a:t>E</a:t>
-            </a:r>
-            <a:r>
-              <a:rPr lang="en-US" sz="1200" b="1" dirty="0">
-                <a:solidFill>
-                  <a:srgbClr val="020302"/>
-                </a:solidFill>
-                <a:latin typeface="Adobe Clean"/>
-                <a:cs typeface="Adobe Clean"/>
-              </a:rPr>
-              <a:t>M</a:t>
-            </a:r>
-            <a:r>
-              <a:rPr lang="en-US" sz="1200" b="1" spc="-50" dirty="0">
-                <a:solidFill>
-                  <a:srgbClr val="020302"/>
-                </a:solidFill>
-                <a:latin typeface="Adobe Clean"/>
-                <a:cs typeface="Adobe Clean"/>
-              </a:rPr>
-              <a:t> </a:t>
-            </a:r>
-            <a:r>
-              <a:rPr lang="en-US" sz="1200" b="1" spc="-20" dirty="0">
-                <a:solidFill>
-                  <a:srgbClr val="020302"/>
-                </a:solidFill>
-                <a:latin typeface="Adobe Clean"/>
-                <a:cs typeface="Adobe Clean"/>
-              </a:rPr>
-              <a:t>a</a:t>
-            </a:r>
-            <a:r>
-              <a:rPr lang="en-US" sz="1200" b="1" dirty="0">
-                <a:solidFill>
-                  <a:srgbClr val="020302"/>
-                </a:solidFill>
-                <a:latin typeface="Adobe Clean"/>
-                <a:cs typeface="Adobe Clean"/>
-              </a:rPr>
-              <a:t>s</a:t>
-            </a:r>
-            <a:r>
-              <a:rPr lang="en-US" sz="1200" b="1" spc="-45" dirty="0">
-                <a:solidFill>
-                  <a:srgbClr val="020302"/>
-                </a:solidFill>
-                <a:latin typeface="Adobe Clean"/>
-                <a:cs typeface="Adobe Clean"/>
-              </a:rPr>
-              <a:t> </a:t>
-            </a:r>
-            <a:r>
-              <a:rPr lang="en-US" sz="1200" b="1" dirty="0">
-                <a:solidFill>
-                  <a:srgbClr val="020302"/>
-                </a:solidFill>
-                <a:latin typeface="Adobe Clean"/>
-                <a:cs typeface="Adobe Clean"/>
-              </a:rPr>
-              <a:t>a</a:t>
-            </a:r>
-            <a:r>
-              <a:rPr lang="en-US" sz="1200" b="1" spc="-40" dirty="0">
-                <a:solidFill>
-                  <a:srgbClr val="020302"/>
-                </a:solidFill>
-                <a:latin typeface="Adobe Clean"/>
-                <a:cs typeface="Adobe Clean"/>
-              </a:rPr>
-              <a:t> </a:t>
-            </a:r>
-            <a:r>
-              <a:rPr lang="en-US" sz="1200" b="1" spc="-15" dirty="0">
-                <a:solidFill>
-                  <a:srgbClr val="020302"/>
-                </a:solidFill>
-                <a:latin typeface="Adobe Clean"/>
-                <a:cs typeface="Adobe Clean"/>
-              </a:rPr>
-              <a:t>C</a:t>
-            </a:r>
-            <a:r>
-              <a:rPr lang="en-US" sz="1200" b="1" spc="-25" dirty="0">
-                <a:solidFill>
-                  <a:srgbClr val="020302"/>
-                </a:solidFill>
-                <a:latin typeface="Adobe Clean"/>
-                <a:cs typeface="Adobe Clean"/>
-              </a:rPr>
-              <a:t>l</a:t>
-            </a:r>
-            <a:r>
-              <a:rPr lang="en-US" sz="1200" b="1" spc="-15" dirty="0">
-                <a:solidFill>
-                  <a:srgbClr val="020302"/>
-                </a:solidFill>
-                <a:latin typeface="Adobe Clean"/>
-                <a:cs typeface="Adobe Clean"/>
-              </a:rPr>
-              <a:t>ou</a:t>
-            </a:r>
-            <a:r>
-              <a:rPr lang="en-US" sz="1200" b="1" dirty="0">
-                <a:solidFill>
-                  <a:srgbClr val="020302"/>
-                </a:solidFill>
-                <a:latin typeface="Adobe Clean"/>
-                <a:cs typeface="Adobe Clean"/>
-              </a:rPr>
-              <a:t>d</a:t>
-            </a:r>
-            <a:r>
-              <a:rPr lang="en-US" sz="1200" b="1" spc="-50" dirty="0">
-                <a:solidFill>
-                  <a:srgbClr val="020302"/>
-                </a:solidFill>
-                <a:latin typeface="Adobe Clean"/>
-                <a:cs typeface="Adobe Clean"/>
-              </a:rPr>
-              <a:t> </a:t>
-            </a:r>
-            <a:r>
-              <a:rPr lang="en-US" sz="1200" b="1" spc="-20" dirty="0">
-                <a:solidFill>
-                  <a:srgbClr val="020302"/>
-                </a:solidFill>
-                <a:latin typeface="Adobe Clean"/>
-                <a:cs typeface="Adobe Clean"/>
-              </a:rPr>
-              <a:t>S</a:t>
-            </a:r>
-            <a:r>
-              <a:rPr lang="en-US" sz="1200" b="1" spc="-25" dirty="0">
-                <a:solidFill>
-                  <a:srgbClr val="020302"/>
-                </a:solidFill>
-                <a:latin typeface="Adobe Clean"/>
-                <a:cs typeface="Adobe Clean"/>
-              </a:rPr>
-              <a:t>e</a:t>
-            </a:r>
-            <a:r>
-              <a:rPr lang="en-US" sz="1200" b="1" spc="-20" dirty="0">
-                <a:solidFill>
-                  <a:srgbClr val="020302"/>
-                </a:solidFill>
-                <a:latin typeface="Adobe Clean"/>
-                <a:cs typeface="Adobe Clean"/>
-              </a:rPr>
-              <a:t>r</a:t>
-            </a:r>
-            <a:r>
-              <a:rPr lang="en-US" sz="1200" b="1" spc="-25" dirty="0">
-                <a:solidFill>
-                  <a:srgbClr val="020302"/>
-                </a:solidFill>
-                <a:latin typeface="Adobe Clean"/>
-                <a:cs typeface="Adobe Clean"/>
-              </a:rPr>
-              <a:t>v</a:t>
-            </a:r>
-            <a:r>
-              <a:rPr lang="en-US" sz="1200" b="1" spc="-20" dirty="0">
-                <a:solidFill>
-                  <a:srgbClr val="020302"/>
-                </a:solidFill>
-                <a:latin typeface="Adobe Clean"/>
-                <a:cs typeface="Adobe Clean"/>
-              </a:rPr>
-              <a:t>i</a:t>
-            </a:r>
-            <a:r>
-              <a:rPr lang="en-US" sz="1200" b="1" spc="-30" dirty="0">
-                <a:solidFill>
-                  <a:srgbClr val="020302"/>
-                </a:solidFill>
-                <a:latin typeface="Adobe Clean"/>
-                <a:cs typeface="Adobe Clean"/>
-              </a:rPr>
-              <a:t>c</a:t>
-            </a:r>
-            <a:r>
-              <a:rPr lang="en-US" sz="1200" b="1" dirty="0">
-                <a:solidFill>
-                  <a:srgbClr val="020302"/>
-                </a:solidFill>
-                <a:latin typeface="Adobe Clean"/>
-                <a:cs typeface="Adobe Clean"/>
-              </a:rPr>
-              <a:t>e</a:t>
-            </a:r>
-            <a:endParaRPr lang="en-US" sz="1200" dirty="0">
-              <a:latin typeface="Adobe Clean"/>
-              <a:cs typeface="Adobe Clean"/>
-            </a:endParaRPr>
+              <a:t>as a Cloud Service</a:t>
+            </a:r>
           </a:p>
         </p:txBody>
       </p:sp>
@@ -15296,49 +13121,15 @@
               </a:lnSpc>
             </a:pPr>
             <a:r>
-              <a:rPr sz="500" spc="-5" dirty="0">
+              <a:rPr lang="de-DE" sz="500">
                 <a:solidFill>
                   <a:srgbClr val="6C6C6C"/>
                 </a:solidFill>
                 <a:latin typeface="Adobe Clean"/>
                 <a:cs typeface="Adobe Clean"/>
               </a:rPr>
-              <a:t>©2020 Adobe. All Rights Reserved. </a:t>
-            </a:r>
-            <a:r>
-              <a:rPr sz="500" dirty="0">
-                <a:solidFill>
-                  <a:srgbClr val="6C6C6C"/>
-                </a:solidFill>
-                <a:latin typeface="Adobe Clean"/>
-                <a:cs typeface="Adobe Clean"/>
-              </a:rPr>
-              <a:t>Adobe</a:t>
-            </a:r>
-            <a:r>
-              <a:rPr sz="500" spc="5" dirty="0">
-                <a:solidFill>
-                  <a:srgbClr val="6C6C6C"/>
-                </a:solidFill>
-                <a:latin typeface="Adobe Clean"/>
-                <a:cs typeface="Adobe Clean"/>
-              </a:rPr>
-              <a:t> </a:t>
-            </a:r>
-            <a:r>
-              <a:rPr sz="500" spc="-5" dirty="0">
-                <a:solidFill>
-                  <a:srgbClr val="6C6C6C"/>
-                </a:solidFill>
-                <a:latin typeface="Adobe Clean"/>
-                <a:cs typeface="Adobe Clean"/>
-              </a:rPr>
-              <a:t>Confidential.</a:t>
-            </a:r>
-            <a:endParaRPr sz="500">
-              <a:latin typeface="Adobe Clean"/>
-              <a:cs typeface="Adobe Clean"/>
-            </a:endParaRPr>
+              <a:t>©2020 Adobe. All Rights Reserved. Adobe Confidential.</a:t>
+            </a:r>
           </a:p>
           <a:p>
             <a:pPr>
@@ -15364,39 +13155,15 @@
               </a:spcBef>
             </a:pPr>
             <a:r>
-              <a:rPr sz="800" spc="-5" dirty="0">
+              <a:rPr lang="de-DE" sz="800">
                 <a:solidFill>
                   <a:srgbClr val="6D6D6D"/>
                 </a:solidFill>
                 <a:latin typeface="Adobe Clean"/>
                 <a:cs typeface="Adobe Clean"/>
               </a:rPr>
-              <a:t>©2020 Adobe. All Rights Reserved. Adobe</a:t>
-            </a:r>
-            <a:r>
-              <a:rPr sz="800" spc="75" dirty="0">
-                <a:solidFill>
-                  <a:srgbClr val="6D6D6D"/>
-                </a:solidFill>
-                <a:latin typeface="Adobe Clean"/>
-                <a:cs typeface="Adobe Clean"/>
-              </a:rPr>
-              <a:t> </a:t>
-            </a:r>
-            <a:r>
-              <a:rPr sz="800" spc="-5" dirty="0">
-                <a:solidFill>
-                  <a:srgbClr val="6D6D6D"/>
-                </a:solidFill>
-                <a:latin typeface="Adobe Clean"/>
-                <a:cs typeface="Adobe Clean"/>
-              </a:rPr>
-              <a:t>Confidential.</a:t>
-            </a:r>
-            <a:endParaRPr sz="800">
-              <a:latin typeface="Adobe Clean"/>
-              <a:cs typeface="Adobe Clean"/>
-            </a:endParaRPr>
+              <a:t>©2020 Adobe. All Rights Reserved. Adobe Confidential.</a:t>
+            </a:r>
           </a:p>
         </p:txBody>
       </p:sp>
@@ -15480,19 +13247,15 @@
               </a:spcBef>
             </a:pPr>
             <a:r>
-              <a:rPr lang="en-US" sz="1400" b="1" spc="-15" dirty="0">
+              <a:rPr lang="de-DE" sz="1400" b="1">
                 <a:solidFill>
                   <a:srgbClr val="020302"/>
                 </a:solidFill>
                 <a:latin typeface="Adobe Clean"/>
                 <a:cs typeface="Adobe Clean"/>
               </a:rPr>
-              <a:t>Resources</a:t>
-            </a:r>
-            <a:endParaRPr sz="1400" dirty="0">
-              <a:latin typeface="Adobe Clean"/>
-              <a:cs typeface="Adobe Clean"/>
-            </a:endParaRPr>
+              <a:t>Ressourcen</a:t>
+            </a:r>
           </a:p>
         </p:txBody>
       </p:sp>
@@ -15526,7 +13289,7 @@
               </a:spcBef>
             </a:pPr>
             <a:r>
-              <a:rPr sz="800" spc="-15" dirty="0">
+              <a:rPr lang="de-DE" sz="800">
                 <a:solidFill>
                   <a:srgbClr val="777879"/>
                 </a:solidFill>
@@ -15535,10 +13298,6 @@
               </a:rPr>
               <a:t>Adobe</a:t>
             </a:r>
-            <a:endParaRPr sz="800">
-              <a:latin typeface="Adobe Clean"/>
-              <a:cs typeface="Adobe Clean"/>
-            </a:endParaRPr>
           </a:p>
           <a:p>
             <a:pPr marL="12700">
@@ -15547,39 +13306,15 @@
               </a:lnSpc>
             </a:pPr>
             <a:r>
-              <a:rPr sz="800" spc="-15" dirty="0">
+              <a:rPr lang="de-DE" sz="800">
                 <a:solidFill>
                   <a:srgbClr val="777879"/>
                 </a:solidFill>
                 <a:latin typeface="Adobe Clean"/>
                 <a:cs typeface="Adobe Clean"/>
               </a:rPr>
-              <a:t>345 Park</a:t>
-            </a:r>
-            <a:r>
-              <a:rPr sz="800" spc="-100" dirty="0">
-                <a:solidFill>
-                  <a:srgbClr val="777879"/>
-                </a:solidFill>
-                <a:latin typeface="Adobe Clean"/>
-                <a:cs typeface="Adobe Clean"/>
-              </a:rPr>
-              <a:t> </a:t>
-            </a:r>
-            <a:r>
-              <a:rPr sz="800" spc="-15" dirty="0">
-                <a:solidFill>
-                  <a:srgbClr val="777879"/>
-                </a:solidFill>
-                <a:latin typeface="Adobe Clean"/>
-                <a:cs typeface="Adobe Clean"/>
-              </a:rPr>
-              <a:t>Avenue</a:t>
-            </a:r>
-            <a:endParaRPr sz="800">
-              <a:latin typeface="Adobe Clean"/>
-              <a:cs typeface="Adobe Clean"/>
-            </a:endParaRPr>
+              <a:t>345 Park Avenue</a:t>
+            </a:r>
           </a:p>
           <a:p>
             <a:pPr marL="12700">
@@ -15588,49 +13323,15 @@
               </a:lnSpc>
             </a:pPr>
             <a:r>
-              <a:rPr sz="800" spc="-10" dirty="0">
+              <a:rPr lang="de-DE" sz="800">
                 <a:solidFill>
                   <a:srgbClr val="777879"/>
                 </a:solidFill>
                 <a:latin typeface="Adobe Clean"/>
                 <a:cs typeface="Adobe Clean"/>
               </a:rPr>
-              <a:t>San </a:t>
-            </a:r>
-            <a:r>
-              <a:rPr sz="800" spc="-15" dirty="0">
-                <a:solidFill>
-                  <a:srgbClr val="777879"/>
-                </a:solidFill>
-                <a:latin typeface="Adobe Clean"/>
-                <a:cs typeface="Adobe Clean"/>
-              </a:rPr>
-              <a:t>Jose,</a:t>
-            </a:r>
-            <a:r>
-              <a:rPr sz="800" spc="-140" dirty="0">
-                <a:solidFill>
-                  <a:srgbClr val="777879"/>
-                </a:solidFill>
-                <a:latin typeface="Adobe Clean"/>
-                <a:cs typeface="Adobe Clean"/>
-              </a:rPr>
-              <a:t> </a:t>
-            </a:r>
-            <a:r>
-              <a:rPr sz="800" spc="-20" dirty="0">
-                <a:solidFill>
-                  <a:srgbClr val="777879"/>
-                </a:solidFill>
-                <a:latin typeface="Adobe Clean"/>
-                <a:cs typeface="Adobe Clean"/>
-              </a:rPr>
-              <a:t>CA95110-2704</a:t>
-            </a:r>
-            <a:endParaRPr sz="800">
-              <a:latin typeface="Adobe Clean"/>
-              <a:cs typeface="Adobe Clean"/>
-            </a:endParaRPr>
+              <a:t>San Jose, CA95110-2704</a:t>
+            </a:r>
           </a:p>
           <a:p>
             <a:pPr marL="12700">
@@ -15642,7 +13343,7 @@
               </a:spcBef>
             </a:pPr>
             <a:r>
-              <a:rPr sz="800" spc="-10" dirty="0">
+              <a:rPr lang="de-DE" sz="800">
                 <a:solidFill>
                   <a:srgbClr val="777879"/>
                 </a:solidFill>
@@ -15651,10 +13352,6 @@
               </a:rPr>
               <a:t>USA</a:t>
             </a:r>
-            <a:endParaRPr sz="800">
-              <a:latin typeface="Adobe Clean"/>
-              <a:cs typeface="Adobe Clean"/>
-            </a:endParaRPr>
           </a:p>
           <a:p>
             <a:pPr marL="12700">
@@ -15666,7 +13363,7 @@
               </a:spcBef>
             </a:pPr>
             <a:r>
-              <a:rPr sz="800" u="sng" spc="-25" dirty="0">
+              <a:rPr lang="de-DE" sz="800" u="sng">
                 <a:solidFill>
                   <a:srgbClr val="5F5F5F"/>
                 </a:solidFill>
@@ -15681,10 +13378,6 @@
               </a:rPr>
               <a:t>www.adobe.com</a:t>
             </a:r>
-            <a:endParaRPr sz="800">
-              <a:latin typeface="Adobe Clean"/>
-              <a:cs typeface="Adobe Clean"/>
-            </a:endParaRPr>
           </a:p>
         </p:txBody>
       </p:sp>
@@ -15838,7 +13531,7 @@
         <p:spPr>
           <a:xfrm>
             <a:off x="75947" y="9437110"/>
-            <a:ext cx="5466715" cy="570865"/>
+            <a:ext cx="5809358" cy="570865"/>
           </a:xfrm>
           <a:prstGeom prst="rect">
             <a:avLst/>
@@ -15859,409 +13552,15 @@
               </a:spcBef>
             </a:pPr>
             <a:r>
-              <a:rPr sz="1100" i="1" spc="-10" dirty="0">
+              <a:rPr lang="de-DE" sz="1100" i="1" dirty="0">
                 <a:solidFill>
                   <a:srgbClr val="777879"/>
                 </a:solidFill>
                 <a:latin typeface="AdobeClean-LightIt"/>
                 <a:cs typeface="AdobeClean-LightIt"/>
               </a:rPr>
-              <a:t>To</a:t>
-            </a:r>
-            <a:r>
-              <a:rPr sz="1100" i="1" spc="-50" dirty="0">
-                <a:solidFill>
-                  <a:srgbClr val="777879"/>
-                </a:solidFill>
-                <a:latin typeface="AdobeClean-LightIt"/>
-                <a:cs typeface="AdobeClean-LightIt"/>
-              </a:rPr>
-              <a:t> </a:t>
-            </a:r>
-            <a:r>
-              <a:rPr sz="1100" i="1" spc="-15" dirty="0">
-                <a:solidFill>
-                  <a:srgbClr val="777879"/>
-                </a:solidFill>
-                <a:latin typeface="AdobeClean-LightIt"/>
-                <a:cs typeface="AdobeClean-LightIt"/>
-              </a:rPr>
-              <a:t>learn</a:t>
-            </a:r>
-            <a:r>
-              <a:rPr sz="1100" i="1" spc="-40" dirty="0">
-                <a:solidFill>
-                  <a:srgbClr val="777879"/>
-                </a:solidFill>
-                <a:latin typeface="AdobeClean-LightIt"/>
-                <a:cs typeface="AdobeClean-LightIt"/>
-              </a:rPr>
-              <a:t> </a:t>
-            </a:r>
-            <a:r>
-              <a:rPr sz="1100" i="1" spc="-15" dirty="0">
-                <a:solidFill>
-                  <a:srgbClr val="777879"/>
-                </a:solidFill>
-                <a:latin typeface="AdobeClean-LightIt"/>
-                <a:cs typeface="AdobeClean-LightIt"/>
-              </a:rPr>
-              <a:t>more</a:t>
-            </a:r>
-            <a:r>
-              <a:rPr sz="1100" i="1" spc="-45" dirty="0">
-                <a:solidFill>
-                  <a:srgbClr val="777879"/>
-                </a:solidFill>
-                <a:latin typeface="AdobeClean-LightIt"/>
-                <a:cs typeface="AdobeClean-LightIt"/>
-              </a:rPr>
-              <a:t> </a:t>
-            </a:r>
-            <a:r>
-              <a:rPr sz="1100" i="1" spc="-15" dirty="0">
-                <a:solidFill>
-                  <a:srgbClr val="777879"/>
-                </a:solidFill>
-                <a:latin typeface="AdobeClean-LightIt"/>
-                <a:cs typeface="AdobeClean-LightIt"/>
-              </a:rPr>
-              <a:t>about</a:t>
-            </a:r>
-            <a:r>
-              <a:rPr sz="1100" i="1" spc="-45" dirty="0">
-                <a:solidFill>
-                  <a:srgbClr val="777879"/>
-                </a:solidFill>
-                <a:latin typeface="AdobeClean-LightIt"/>
-                <a:cs typeface="AdobeClean-LightIt"/>
-              </a:rPr>
-              <a:t> </a:t>
-            </a:r>
-            <a:r>
-              <a:rPr sz="1100" i="1" spc="-15" dirty="0">
-                <a:solidFill>
-                  <a:srgbClr val="777879"/>
-                </a:solidFill>
-                <a:latin typeface="AdobeClean-LightIt"/>
-                <a:cs typeface="AdobeClean-LightIt"/>
-              </a:rPr>
-              <a:t>Adobe</a:t>
-            </a:r>
-            <a:r>
-              <a:rPr sz="1100" i="1" spc="-60" dirty="0">
-                <a:solidFill>
-                  <a:srgbClr val="777879"/>
-                </a:solidFill>
-                <a:latin typeface="AdobeClean-LightIt"/>
-                <a:cs typeface="AdobeClean-LightIt"/>
-              </a:rPr>
-              <a:t> </a:t>
-            </a:r>
-            <a:r>
-              <a:rPr sz="1100" i="1" spc="-15" dirty="0">
-                <a:solidFill>
-                  <a:srgbClr val="777879"/>
-                </a:solidFill>
-                <a:latin typeface="AdobeClean-LightIt"/>
-                <a:cs typeface="AdobeClean-LightIt"/>
-              </a:rPr>
-              <a:t>Support</a:t>
-            </a:r>
-            <a:r>
-              <a:rPr lang="en-US" sz="1100" i="1" spc="-15" dirty="0">
-                <a:solidFill>
-                  <a:srgbClr val="777879"/>
-                </a:solidFill>
-                <a:latin typeface="AdobeClean-LightIt"/>
-                <a:cs typeface="AdobeClean-LightIt"/>
-              </a:rPr>
-              <a:t> Offerings</a:t>
-            </a:r>
-            <a:r>
-              <a:rPr sz="1100" i="1" spc="-75" dirty="0">
-                <a:solidFill>
-                  <a:srgbClr val="777879"/>
-                </a:solidFill>
-                <a:latin typeface="AdobeClean-LightIt"/>
-                <a:cs typeface="AdobeClean-LightIt"/>
-              </a:rPr>
-              <a:t> </a:t>
-            </a:r>
-            <a:r>
-              <a:rPr sz="1100" i="1" spc="-15" dirty="0">
-                <a:solidFill>
-                  <a:srgbClr val="777879"/>
-                </a:solidFill>
-                <a:latin typeface="AdobeClean-LightIt"/>
-                <a:cs typeface="AdobeClean-LightIt"/>
-              </a:rPr>
-              <a:t>and</a:t>
-            </a:r>
-            <a:r>
-              <a:rPr sz="1100" i="1" spc="-50" dirty="0">
-                <a:solidFill>
-                  <a:srgbClr val="777879"/>
-                </a:solidFill>
-                <a:latin typeface="AdobeClean-LightIt"/>
-                <a:cs typeface="AdobeClean-LightIt"/>
-              </a:rPr>
-              <a:t> </a:t>
-            </a:r>
-            <a:r>
-              <a:rPr sz="1100" i="1" spc="-15" dirty="0">
-                <a:solidFill>
-                  <a:srgbClr val="777879"/>
-                </a:solidFill>
-                <a:latin typeface="AdobeClean-LightIt"/>
-                <a:cs typeface="AdobeClean-LightIt"/>
-              </a:rPr>
-              <a:t>the</a:t>
-            </a:r>
-            <a:r>
-              <a:rPr sz="1100" i="1" spc="-55" dirty="0">
-                <a:solidFill>
-                  <a:srgbClr val="777879"/>
-                </a:solidFill>
-                <a:latin typeface="AdobeClean-LightIt"/>
-                <a:cs typeface="AdobeClean-LightIt"/>
-              </a:rPr>
-              <a:t> </a:t>
-            </a:r>
-            <a:r>
-              <a:rPr sz="1100" i="1" spc="-15" dirty="0">
-                <a:solidFill>
-                  <a:srgbClr val="777879"/>
-                </a:solidFill>
-                <a:latin typeface="AdobeClean-LightIt"/>
-                <a:cs typeface="AdobeClean-LightIt"/>
-              </a:rPr>
-              <a:t>right</a:t>
-            </a:r>
-            <a:r>
-              <a:rPr sz="1100" i="1" spc="-95" dirty="0">
-                <a:solidFill>
-                  <a:srgbClr val="777879"/>
-                </a:solidFill>
-                <a:latin typeface="AdobeClean-LightIt"/>
-                <a:cs typeface="AdobeClean-LightIt"/>
-              </a:rPr>
-              <a:t> </a:t>
-            </a:r>
-            <a:r>
-              <a:rPr sz="1100" i="1" spc="-15" dirty="0">
-                <a:solidFill>
-                  <a:srgbClr val="777879"/>
-                </a:solidFill>
-                <a:latin typeface="AdobeClean-LightIt"/>
-                <a:cs typeface="AdobeClean-LightIt"/>
-              </a:rPr>
-              <a:t>level</a:t>
-            </a:r>
-            <a:r>
-              <a:rPr sz="1100" i="1" spc="-55" dirty="0">
-                <a:solidFill>
-                  <a:srgbClr val="777879"/>
-                </a:solidFill>
-                <a:latin typeface="AdobeClean-LightIt"/>
-                <a:cs typeface="AdobeClean-LightIt"/>
-              </a:rPr>
-              <a:t> </a:t>
-            </a:r>
-            <a:r>
-              <a:rPr sz="1100" i="1" spc="-15" dirty="0">
-                <a:solidFill>
-                  <a:srgbClr val="777879"/>
-                </a:solidFill>
-                <a:latin typeface="AdobeClean-LightIt"/>
-                <a:cs typeface="AdobeClean-LightIt"/>
-              </a:rPr>
-              <a:t>for</a:t>
-            </a:r>
-            <a:r>
-              <a:rPr sz="1100" i="1" spc="-85" dirty="0">
-                <a:solidFill>
-                  <a:srgbClr val="777879"/>
-                </a:solidFill>
-                <a:latin typeface="AdobeClean-LightIt"/>
-                <a:cs typeface="AdobeClean-LightIt"/>
-              </a:rPr>
-              <a:t> </a:t>
-            </a:r>
-            <a:r>
-              <a:rPr sz="1100" i="1" spc="-15" dirty="0">
-                <a:solidFill>
-                  <a:srgbClr val="777879"/>
-                </a:solidFill>
-                <a:latin typeface="AdobeClean-LightIt"/>
-                <a:cs typeface="AdobeClean-LightIt"/>
-              </a:rPr>
-              <a:t>you,</a:t>
-            </a:r>
-            <a:r>
-              <a:rPr sz="1100" i="1" spc="-65" dirty="0">
-                <a:solidFill>
-                  <a:srgbClr val="777879"/>
-                </a:solidFill>
-                <a:latin typeface="AdobeClean-LightIt"/>
-                <a:cs typeface="AdobeClean-LightIt"/>
-              </a:rPr>
-              <a:t> </a:t>
-            </a:r>
-            <a:r>
-              <a:rPr sz="1100" i="1" spc="-15" dirty="0">
-                <a:solidFill>
-                  <a:srgbClr val="777879"/>
-                </a:solidFill>
-                <a:latin typeface="AdobeClean-LightIt"/>
-                <a:cs typeface="AdobeClean-LightIt"/>
-              </a:rPr>
-              <a:t>contact</a:t>
-            </a:r>
-            <a:r>
-              <a:rPr sz="1100" i="1" spc="-85" dirty="0">
-                <a:solidFill>
-                  <a:srgbClr val="777879"/>
-                </a:solidFill>
-                <a:latin typeface="AdobeClean-LightIt"/>
-                <a:cs typeface="AdobeClean-LightIt"/>
-              </a:rPr>
-              <a:t> </a:t>
-            </a:r>
-            <a:r>
-              <a:rPr sz="1100" i="1" spc="-15" dirty="0">
-                <a:solidFill>
-                  <a:srgbClr val="777879"/>
-                </a:solidFill>
-                <a:latin typeface="AdobeClean-LightIt"/>
-                <a:cs typeface="AdobeClean-LightIt"/>
-              </a:rPr>
-              <a:t>your</a:t>
-            </a:r>
-            <a:r>
-              <a:rPr sz="1100" i="1" spc="-70" dirty="0">
-                <a:solidFill>
-                  <a:srgbClr val="777879"/>
-                </a:solidFill>
-                <a:latin typeface="AdobeClean-LightIt"/>
-                <a:cs typeface="AdobeClean-LightIt"/>
-              </a:rPr>
-              <a:t> </a:t>
-            </a:r>
-            <a:r>
-              <a:rPr sz="1100" i="1" spc="-15" dirty="0">
-                <a:solidFill>
-                  <a:srgbClr val="777879"/>
-                </a:solidFill>
-                <a:latin typeface="AdobeClean-LightIt"/>
-                <a:cs typeface="AdobeClean-LightIt"/>
-              </a:rPr>
-              <a:t>Named</a:t>
-            </a:r>
-            <a:r>
-              <a:rPr sz="1100" i="1" spc="-55" dirty="0">
-                <a:solidFill>
-                  <a:srgbClr val="777879"/>
-                </a:solidFill>
-                <a:latin typeface="AdobeClean-LightIt"/>
-                <a:cs typeface="AdobeClean-LightIt"/>
-              </a:rPr>
-              <a:t> </a:t>
-            </a:r>
-            <a:r>
-              <a:rPr sz="1100" i="1" spc="-25" dirty="0">
-                <a:solidFill>
-                  <a:srgbClr val="777879"/>
-                </a:solidFill>
-                <a:latin typeface="AdobeClean-LightIt"/>
-                <a:cs typeface="AdobeClean-LightIt"/>
-              </a:rPr>
-              <a:t>Account</a:t>
-            </a:r>
-            <a:r>
-              <a:rPr sz="1100" i="1" spc="-120" dirty="0">
-                <a:solidFill>
-                  <a:srgbClr val="777879"/>
-                </a:solidFill>
-                <a:latin typeface="AdobeClean-LightIt"/>
-                <a:cs typeface="AdobeClean-LightIt"/>
-              </a:rPr>
-              <a:t> </a:t>
-            </a:r>
-            <a:r>
-              <a:rPr sz="1100" i="1" spc="-20" dirty="0">
-                <a:solidFill>
-                  <a:srgbClr val="777879"/>
-                </a:solidFill>
-                <a:latin typeface="AdobeClean-LightIt"/>
-                <a:cs typeface="AdobeClean-LightIt"/>
-              </a:rPr>
-              <a:t>Manager  </a:t>
-            </a:r>
-            <a:r>
-              <a:rPr sz="1100" i="1" spc="-15" dirty="0">
-                <a:solidFill>
-                  <a:srgbClr val="777879"/>
-                </a:solidFill>
-                <a:latin typeface="AdobeClean-LightIt"/>
-                <a:cs typeface="AdobeClean-LightIt"/>
-              </a:rPr>
-              <a:t>(NAM) </a:t>
-            </a:r>
-            <a:r>
-              <a:rPr sz="1100" i="1" spc="-10" dirty="0">
-                <a:solidFill>
-                  <a:srgbClr val="777879"/>
-                </a:solidFill>
-                <a:latin typeface="AdobeClean-LightIt"/>
-                <a:cs typeface="AdobeClean-LightIt"/>
-              </a:rPr>
-              <a:t>or </a:t>
-            </a:r>
-            <a:r>
-              <a:rPr sz="1100" i="1" spc="-15" dirty="0">
-                <a:solidFill>
-                  <a:srgbClr val="777879"/>
-                </a:solidFill>
-                <a:latin typeface="AdobeClean-LightIt"/>
-                <a:cs typeface="AdobeClean-LightIt"/>
-              </a:rPr>
-              <a:t>Customer </a:t>
-            </a:r>
-            <a:r>
-              <a:rPr sz="1100" i="1" spc="-20" dirty="0">
-                <a:solidFill>
-                  <a:srgbClr val="777879"/>
-                </a:solidFill>
-                <a:latin typeface="AdobeClean-LightIt"/>
-                <a:cs typeface="AdobeClean-LightIt"/>
-              </a:rPr>
-              <a:t>Success</a:t>
-            </a:r>
-            <a:r>
-              <a:rPr sz="1100" i="1" spc="-180" dirty="0">
-                <a:solidFill>
-                  <a:srgbClr val="777879"/>
-                </a:solidFill>
-                <a:latin typeface="AdobeClean-LightIt"/>
-                <a:cs typeface="AdobeClean-LightIt"/>
-              </a:rPr>
-              <a:t> </a:t>
-            </a:r>
-            <a:r>
-              <a:rPr sz="1100" i="1" spc="-15" dirty="0">
-                <a:solidFill>
-                  <a:srgbClr val="777879"/>
-                </a:solidFill>
-                <a:latin typeface="AdobeClean-LightIt"/>
-                <a:cs typeface="AdobeClean-LightIt"/>
-              </a:rPr>
-              <a:t>Manager(CSM)</a:t>
-            </a:r>
-            <a:endParaRPr sz="1100" dirty="0">
-              <a:latin typeface="AdobeClean-LightIt"/>
-              <a:cs typeface="AdobeClean-LightIt"/>
-            </a:endParaRPr>
+              <a:t>Weitere Informationen zum Support-Angebot von Adobe sowie zum für Ihre Bedürfnisse geeigneten Support-Level erhalten Sie bei Ihrem spezifischen Account-Manager (NAM) oder Ihrem Customer Success Manager(CSM)</a:t>
+            </a:r>
           </a:p>
           <a:p>
             <a:pPr marL="34290">
@@ -16273,59 +13572,15 @@
               </a:spcBef>
             </a:pPr>
             <a:r>
-              <a:rPr sz="800" spc="-5" dirty="0">
+              <a:rPr lang="de-DE" sz="800" dirty="0">
                 <a:solidFill>
                   <a:srgbClr val="6D6D6D"/>
                 </a:solidFill>
                 <a:latin typeface="Adobe Clean"/>
                 <a:cs typeface="Adobe Clean"/>
               </a:rPr>
-              <a:t>©202</a:t>
-            </a:r>
-            <a:r>
-              <a:rPr lang="en-US" sz="800" spc="-5" dirty="0">
-                <a:solidFill>
-                  <a:srgbClr val="6D6D6D"/>
-                </a:solidFill>
-                <a:latin typeface="Adobe Clean"/>
-                <a:cs typeface="Adobe Clean"/>
-              </a:rPr>
-              <a:t>1</a:t>
-            </a:r>
-            <a:r>
-              <a:rPr sz="800" spc="-5" dirty="0">
-                <a:solidFill>
-                  <a:srgbClr val="6D6D6D"/>
-                </a:solidFill>
-                <a:latin typeface="Adobe Clean"/>
-                <a:cs typeface="Adobe Clean"/>
-              </a:rPr>
-              <a:t> Adobe. All Rights Reserved. Adobe</a:t>
-            </a:r>
-            <a:r>
-              <a:rPr sz="800" spc="75" dirty="0">
-                <a:solidFill>
-                  <a:srgbClr val="6D6D6D"/>
-                </a:solidFill>
-                <a:latin typeface="Adobe Clean"/>
-                <a:cs typeface="Adobe Clean"/>
-              </a:rPr>
-              <a:t> </a:t>
-            </a:r>
-            <a:r>
-              <a:rPr sz="800" spc="-5" dirty="0">
-                <a:solidFill>
-                  <a:srgbClr val="6D6D6D"/>
-                </a:solidFill>
-                <a:latin typeface="Adobe Clean"/>
-                <a:cs typeface="Adobe Clean"/>
-              </a:rPr>
-              <a:t>Confidential.</a:t>
-            </a:r>
-            <a:endParaRPr sz="800" dirty="0">
-              <a:latin typeface="Adobe Clean"/>
-              <a:cs typeface="Adobe Clean"/>
-            </a:endParaRPr>
+              <a:t>©2021 Adobe. All Rights Reserved. Adobe Confidential.</a:t>
+            </a:r>
           </a:p>
         </p:txBody>
       </p:sp>
@@ -16362,19 +13617,15 @@
               </a:spcBef>
             </a:pPr>
             <a:r>
-              <a:rPr lang="en-US" sz="1400" b="1" spc="-15" dirty="0">
+              <a:rPr lang="de-DE" sz="1400" b="1" dirty="0">
                 <a:solidFill>
                   <a:srgbClr val="020302"/>
                 </a:solidFill>
                 <a:latin typeface="Adobe Clean"/>
                 <a:cs typeface="Adobe Clean"/>
               </a:rPr>
-              <a:t>Regional scope of Adobe Support, Local Hours Of Operation And Language Support</a:t>
-            </a:r>
-            <a:endParaRPr lang="en-US" sz="1400" spc="-15" dirty="0">
-              <a:ea typeface="+mn-lt"/>
-              <a:cs typeface="+mn-lt"/>
-            </a:endParaRPr>
+              <a:t>Regionales Support-Angebot von Adobe, örtliche Geschäftszeiten und unterstützte Sprachen</a:t>
+            </a:r>
           </a:p>
           <a:p>
             <a:pPr>
@@ -16383,17 +13634,31 @@
               </a:spcBef>
             </a:pPr>
             <a:r>
-              <a:rPr lang="en-US" sz="1000" spc="-15" dirty="0">
+              <a:rPr lang="de-DE" sz="1000" dirty="0">
                 <a:solidFill>
                   <a:srgbClr val="1F1F1F"/>
                 </a:solidFill>
                 <a:latin typeface="AdobeClean-Light"/>
               </a:rPr>
-              <a:t>The regional scope of Adobe Support is established by aligning the customer's billing address (via the Sales Order or other Adobe Support purchasing document) to one of the following regions:</a:t>
-            </a:r>
-            <a:endParaRPr lang="en-US" sz="1000" dirty="0">
-              <a:latin typeface="AdobeClean-Light"/>
-            </a:endParaRPr>
+              <a:t>Das regionale Support-Angebot von Adobe wird durch Abgleich der Rechnungsadresse des Kunden </a:t>
+            </a:r>
+            <a:br>
+              <a:rPr lang="sk-SK" sz="1000" dirty="0">
+                <a:solidFill>
+                  <a:srgbClr val="1F1F1F"/>
+                </a:solidFill>
+                <a:latin typeface="AdobeClean-Light"/>
+              </a:rPr>
+            </a:br>
+            <a:r>
+              <a:rPr lang="de-DE" sz="1000" dirty="0">
+                <a:solidFill>
+                  <a:srgbClr val="1F1F1F"/>
+                </a:solidFill>
+                <a:latin typeface="AdobeClean-Light"/>
+              </a:rPr>
+              <a:t>(entsprechend dem Kundenauftrag oder einer anderen Kaufbestätigung für Adobe-Support) mit einer der folgenden Regionen ermittelt:</a:t>
+            </a:r>
           </a:p>
         </p:txBody>
       </p:sp>
@@ -16465,13 +13730,13 @@
                     <a:p>
                       <a:pPr algn="ctr"/>
                       <a:r>
-                        <a:rPr lang="en-US" sz="1100" dirty="0">
+                        <a:rPr lang="de-DE" sz="1100">
                           <a:solidFill>
                             <a:schemeClr val="tx1"/>
                           </a:solidFill>
                           <a:latin typeface="Adobe Clean" panose="020B0503020404020204" pitchFamily="34" charset="0"/>
                         </a:rPr>
-                        <a:t>Americas</a:t>
+                        <a:t>Nord- und Südamerika</a:t>
                       </a:r>
                     </a:p>
                   </a:txBody>
@@ -16530,13 +13795,13 @@
                     <a:p>
                       <a:pPr algn="ctr"/>
                       <a:r>
-                        <a:rPr lang="en-US" sz="1100" dirty="0">
+                        <a:rPr lang="de-DE" sz="1100">
                           <a:solidFill>
                             <a:schemeClr val="tx1"/>
                           </a:solidFill>
                           <a:latin typeface="Adobe Clean" panose="020B0503020404020204" pitchFamily="34" charset="0"/>
                         </a:rPr>
-                        <a:t>Europe, Middle East &amp; Africa</a:t>
+                        <a:t>Europa, Naher Osten und Afrika</a:t>
                       </a:r>
                     </a:p>
                   </a:txBody>
@@ -16595,13 +13860,13 @@
                     <a:p>
                       <a:pPr algn="ctr"/>
                       <a:r>
-                        <a:rPr lang="en-US" sz="1100" dirty="0">
+                        <a:rPr lang="de-DE" sz="1100">
                           <a:solidFill>
                             <a:schemeClr val="tx1"/>
                           </a:solidFill>
                           <a:latin typeface="Adobe Clean" panose="020B0503020404020204" pitchFamily="34" charset="0"/>
                         </a:rPr>
-                        <a:t>Asia Pacific</a:t>
+                        <a:t>Asien-Pazifik</a:t>
                       </a:r>
                     </a:p>
                   </a:txBody>
@@ -16660,7 +13925,7 @@
                     <a:p>
                       <a:pPr algn="ctr"/>
                       <a:r>
-                        <a:rPr lang="en-US" sz="1100" dirty="0">
+                        <a:rPr lang="de-DE" sz="1100">
                           <a:solidFill>
                             <a:schemeClr val="tx1"/>
                           </a:solidFill>
@@ -16669,7 +13934,7 @@
                         <a:t>Japan </a:t>
                       </a:r>
                       <a:r>
-                        <a:rPr lang="en-US" sz="1100" baseline="30000" dirty="0">
+                        <a:rPr lang="de-DE" sz="1100" baseline="30000">
                           <a:solidFill>
                             <a:schemeClr val="tx1"/>
                           </a:solidFill>
@@ -16677,12 +13942,6 @@
                         </a:rPr>
                         <a:t>1 </a:t>
                       </a:r>
-                      <a:endParaRPr lang="en-US" sz="1100" dirty="0">
-                        <a:solidFill>
-                          <a:schemeClr val="tx1"/>
-                        </a:solidFill>
-                        <a:latin typeface="Adobe Clean" panose="020B0503020404020204" pitchFamily="34" charset="0"/>
-                      </a:endParaRPr>
                     </a:p>
                   </a:txBody>
                   <a:tcPr anchor="ctr">
@@ -16747,13 +14006,13 @@
                     <a:p>
                       <a:pPr algn="ctr"/>
                       <a:r>
-                        <a:rPr lang="en-US" sz="1100" dirty="0">
+                        <a:rPr lang="de-DE" sz="1100">
                           <a:solidFill>
                             <a:schemeClr val="tx1"/>
                           </a:solidFill>
                           <a:latin typeface="Adobe Clean" panose="020B0503020404020204" pitchFamily="34" charset="0"/>
                         </a:rPr>
-                        <a:t>6 am – 5:30 pm</a:t>
+                        <a:t>6:00–17:30 Uhr</a:t>
                       </a:r>
                     </a:p>
                   </a:txBody>
@@ -16812,13 +14071,13 @@
                     <a:p>
                       <a:pPr algn="ctr"/>
                       <a:r>
-                        <a:rPr lang="en-US" sz="1100" dirty="0">
+                        <a:rPr lang="de-DE" sz="1100">
                           <a:solidFill>
                             <a:schemeClr val="tx1"/>
                           </a:solidFill>
                           <a:latin typeface="Adobe Clean" panose="020B0503020404020204" pitchFamily="34" charset="0"/>
                         </a:rPr>
-                        <a:t>9 am – 5 pm</a:t>
+                        <a:t>9:00–17:00 Uhr</a:t>
                       </a:r>
                     </a:p>
                   </a:txBody>
@@ -16877,13 +14136,13 @@
                     <a:p>
                       <a:pPr algn="ctr"/>
                       <a:r>
-                        <a:rPr lang="en-US" sz="1100" dirty="0">
+                        <a:rPr lang="de-DE" sz="1100">
                           <a:solidFill>
                             <a:schemeClr val="tx1"/>
                           </a:solidFill>
                           <a:latin typeface="Adobe Clean" panose="020B0503020404020204" pitchFamily="34" charset="0"/>
                         </a:rPr>
-                        <a:t>9 am – 5 pm</a:t>
+                        <a:t>9:00–17:00 Uhr</a:t>
                       </a:r>
                     </a:p>
                   </a:txBody>
@@ -16942,13 +14201,13 @@
                     <a:p>
                       <a:pPr algn="ctr"/>
                       <a:r>
-                        <a:rPr lang="en-US" sz="1100" dirty="0">
+                        <a:rPr lang="de-DE" sz="1100">
                           <a:solidFill>
                             <a:schemeClr val="tx1"/>
                           </a:solidFill>
                           <a:latin typeface="Adobe Clean" panose="020B0503020404020204" pitchFamily="34" charset="0"/>
                         </a:rPr>
-                        <a:t>9 am – 5:30 pm</a:t>
+                        <a:t>9:00–17:30 Uhr</a:t>
                       </a:r>
                     </a:p>
                   </a:txBody>
@@ -17028,23 +14287,17 @@
                         <a:buNone/>
                       </a:pPr>
                       <a:r>
-                        <a:rPr lang="en-US" sz="1100" dirty="0">
+                        <a:rPr lang="de-DE" sz="1100">
                           <a:solidFill>
                             <a:schemeClr val="tx1"/>
                           </a:solidFill>
                           <a:latin typeface="Adobe Clean"/>
                         </a:rPr>
-                        <a:t>Language support is only available in English and Japanese. </a:t>
+                        <a:t>Sprachunterstützung ist nur auf Englisch und Japanisch verfügbar. </a:t>
                       </a:r>
-                      <a:endParaRPr lang="en-US" sz="1100" dirty="0">
-                        <a:solidFill>
-                          <a:schemeClr val="tx1"/>
-                        </a:solidFill>
-                        <a:latin typeface="Adobe Clean" panose="020B0503020404020204" pitchFamily="34" charset="0"/>
-                      </a:endParaRPr>
                     </a:p>
                     <a:p>
-                      <a:pPr marL="0" marR="0" lvl="0" indent="0" algn="ctr" defTabSz="914400" eaLnBrk="1" fontAlgn="auto" latinLnBrk="0" hangingPunct="1">
+                      <a:pPr marL="0" marR="0" lvl="0" indent="0" algn="l" defTabSz="914400" rtl="0" eaLnBrk="1" fontAlgn="auto" latinLnBrk="0" hangingPunct="1">
                         <a:lnSpc>
                           <a:spcPct val="100000"/>
                         </a:lnSpc>
@@ -17079,7 +14332,7 @@
                     <a:p>
                       <a:pPr algn="ctr"/>
                       <a:r>
-                        <a:rPr lang="en-US" sz="1100" i="0" dirty="0">
+                        <a:rPr lang="de-DE" sz="1100" i="0">
                           <a:solidFill>
                             <a:schemeClr val="tx1"/>
                           </a:solidFill>
@@ -17088,29 +14341,23 @@
                         <a:t> </a:t>
                       </a:r>
                       <a:r>
-                        <a:rPr lang="en-US" sz="1100" i="0" baseline="30000" dirty="0">
+                        <a:rPr lang="de-DE" sz="1100" i="0" baseline="30000">
                           <a:solidFill>
                             <a:schemeClr val="tx1"/>
                           </a:solidFill>
                           <a:latin typeface="Adobe Clean"/>
                         </a:rPr>
-                        <a:t>1 </a:t>
+                        <a:t>1</a:t>
                       </a:r>
                       <a:r>
-                        <a:rPr lang="en-US" sz="1100" i="0" dirty="0">
+                        <a:rPr lang="de-DE" sz="1100" i="0">
                           <a:solidFill>
                             <a:schemeClr val="tx1"/>
                           </a:solidFill>
                           <a:latin typeface="Adobe Clean"/>
                         </a:rPr>
-                        <a:t>P2, P3, P4 cases are limited to business hours only in Japan.</a:t>
+                        <a:t>Fälle der Kategorien P2, P3 und P4 sind in Japan auf Geschäftszeiten beschränkt.</a:t>
                       </a:r>
-                      <a:endParaRPr lang="en-US" sz="1100" b="1" i="0" dirty="0">
-                        <a:solidFill>
-                          <a:schemeClr val="tx1"/>
-                        </a:solidFill>
-                        <a:latin typeface="Adobe Clean"/>
-                      </a:endParaRPr>
                     </a:p>
                   </a:txBody>
                   <a:tcPr anchor="ctr">
@@ -17474,129 +14721,15 @@
               </a:spcBef>
             </a:pPr>
             <a:r>
-              <a:rPr sz="1200" b="1" spc="-15" dirty="0">
+              <a:rPr lang="de-DE" sz="1200" b="1">
                 <a:solidFill>
                   <a:srgbClr val="FFFFFF"/>
                 </a:solidFill>
                 <a:latin typeface="Adobe Clean"/>
                 <a:cs typeface="Adobe Clean"/>
               </a:rPr>
-              <a:t>U</a:t>
-            </a:r>
-            <a:r>
-              <a:rPr sz="1200" b="1" spc="-20" dirty="0">
-                <a:solidFill>
-                  <a:srgbClr val="FFFFFF"/>
-                </a:solidFill>
-                <a:latin typeface="Adobe Clean"/>
-                <a:cs typeface="Adobe Clean"/>
-              </a:rPr>
-              <a:t>n</a:t>
-            </a:r>
-            <a:r>
-              <a:rPr sz="1200" b="1" spc="-25" dirty="0">
-                <a:solidFill>
-                  <a:srgbClr val="FFFFFF"/>
-                </a:solidFill>
-                <a:latin typeface="Adobe Clean"/>
-                <a:cs typeface="Adobe Clean"/>
-              </a:rPr>
-              <a:t>p</a:t>
-            </a:r>
-            <a:r>
-              <a:rPr sz="1200" b="1" spc="-15" dirty="0">
-                <a:solidFill>
-                  <a:srgbClr val="FFFFFF"/>
-                </a:solidFill>
-                <a:latin typeface="Adobe Clean"/>
-                <a:cs typeface="Adobe Clean"/>
-              </a:rPr>
-              <a:t>a</a:t>
-            </a:r>
-            <a:r>
-              <a:rPr sz="1200" b="1" spc="-25" dirty="0">
-                <a:solidFill>
-                  <a:srgbClr val="FFFFFF"/>
-                </a:solidFill>
-                <a:latin typeface="Adobe Clean"/>
-                <a:cs typeface="Adobe Clean"/>
-              </a:rPr>
-              <a:t>r</a:t>
-            </a:r>
-            <a:r>
-              <a:rPr sz="1200" b="1" spc="-15" dirty="0">
-                <a:solidFill>
-                  <a:srgbClr val="FFFFFF"/>
-                </a:solidFill>
-                <a:latin typeface="Adobe Clean"/>
-                <a:cs typeface="Adobe Clean"/>
-              </a:rPr>
-              <a:t>a</a:t>
-            </a:r>
-            <a:r>
-              <a:rPr sz="1200" b="1" spc="-30" dirty="0">
-                <a:solidFill>
-                  <a:srgbClr val="FFFFFF"/>
-                </a:solidFill>
-                <a:latin typeface="Adobe Clean"/>
-                <a:cs typeface="Adobe Clean"/>
-              </a:rPr>
-              <a:t>ll</a:t>
-            </a:r>
-            <a:r>
-              <a:rPr sz="1200" b="1" spc="-25" dirty="0">
-                <a:solidFill>
-                  <a:srgbClr val="FFFFFF"/>
-                </a:solidFill>
-                <a:latin typeface="Adobe Clean"/>
-                <a:cs typeface="Adobe Clean"/>
-              </a:rPr>
-              <a:t>e</a:t>
-            </a:r>
-            <a:r>
-              <a:rPr sz="1200" b="1" spc="-30" dirty="0">
-                <a:solidFill>
-                  <a:srgbClr val="FFFFFF"/>
-                </a:solidFill>
-                <a:latin typeface="Adobe Clean"/>
-                <a:cs typeface="Adobe Clean"/>
-              </a:rPr>
-              <a:t>l</a:t>
-            </a:r>
-            <a:r>
-              <a:rPr sz="1200" b="1" spc="-25" dirty="0">
-                <a:solidFill>
-                  <a:srgbClr val="FFFFFF"/>
-                </a:solidFill>
-                <a:latin typeface="Adobe Clean"/>
-                <a:cs typeface="Adobe Clean"/>
-              </a:rPr>
-              <a:t>e</a:t>
-            </a:r>
-            <a:r>
-              <a:rPr sz="1200" b="1" dirty="0">
-                <a:solidFill>
-                  <a:srgbClr val="FFFFFF"/>
-                </a:solidFill>
-                <a:latin typeface="Adobe Clean"/>
-                <a:cs typeface="Adobe Clean"/>
-              </a:rPr>
-              <a:t>d  </a:t>
-            </a:r>
-            <a:r>
-              <a:rPr sz="1200" b="1" spc="-25" dirty="0">
-                <a:solidFill>
-                  <a:srgbClr val="FFFFFF"/>
-                </a:solidFill>
-                <a:latin typeface="Adobe Clean"/>
-                <a:cs typeface="Adobe Clean"/>
-              </a:rPr>
-              <a:t>Expertise</a:t>
-            </a:r>
-            <a:endParaRPr sz="1200" dirty="0">
-              <a:latin typeface="Adobe Clean"/>
-              <a:cs typeface="Adobe Clean"/>
-            </a:endParaRPr>
+              <a:t>Unübertroffenes Know-how</a:t>
+            </a:r>
           </a:p>
         </p:txBody>
       </p:sp>
@@ -17636,19 +14769,15 @@
               </a:spcBef>
             </a:pPr>
             <a:r>
-              <a:rPr lang="en-US" sz="1200" b="1" spc="-15" dirty="0">
+              <a:rPr lang="de-DE" sz="1200" b="1">
                 <a:solidFill>
                   <a:srgbClr val="FFFFFF"/>
                 </a:solidFill>
                 <a:latin typeface="Adobe Clean"/>
                 <a:cs typeface="Adobe Clean"/>
               </a:rPr>
-              <a:t>Accelerated Support</a:t>
-            </a:r>
-            <a:endParaRPr sz="1200" dirty="0">
-              <a:latin typeface="Adobe Clean"/>
-              <a:cs typeface="Adobe Clean"/>
-            </a:endParaRPr>
+              <a:t>Schneller Support</a:t>
+            </a:r>
           </a:p>
         </p:txBody>
       </p:sp>
@@ -17666,8 +14795,8 @@
         </p:nvSpPr>
         <p:spPr>
           <a:xfrm>
-            <a:off x="6624119" y="8543943"/>
-            <a:ext cx="510540" cy="385445"/>
+            <a:off x="6624118" y="8543943"/>
+            <a:ext cx="767281" cy="385445"/>
           </a:xfrm>
           <a:prstGeom prst="rect">
             <a:avLst/>
@@ -17688,109 +14817,15 @@
               </a:spcBef>
             </a:pPr>
             <a:r>
-              <a:rPr sz="1200" b="1" spc="-50" dirty="0">
+              <a:rPr lang="de-DE" sz="1200" b="1" dirty="0">
                 <a:solidFill>
                   <a:srgbClr val="FFFFFF"/>
                 </a:solidFill>
                 <a:latin typeface="Adobe Clean"/>
                 <a:cs typeface="Adobe Clean"/>
               </a:rPr>
-              <a:t>S</a:t>
-            </a:r>
-            <a:r>
-              <a:rPr sz="1200" b="1" spc="-20" dirty="0">
-                <a:solidFill>
-                  <a:srgbClr val="FFFFFF"/>
-                </a:solidFill>
-                <a:latin typeface="Adobe Clean"/>
-                <a:cs typeface="Adobe Clean"/>
-              </a:rPr>
-              <a:t>t</a:t>
-            </a:r>
-            <a:r>
-              <a:rPr sz="1200" b="1" spc="-75" dirty="0">
-                <a:solidFill>
-                  <a:srgbClr val="FFFFFF"/>
-                </a:solidFill>
-                <a:latin typeface="Adobe Clean"/>
-                <a:cs typeface="Adobe Clean"/>
-              </a:rPr>
-              <a:t>r</a:t>
-            </a:r>
-            <a:r>
-              <a:rPr sz="1200" b="1" spc="-90" dirty="0">
-                <a:solidFill>
-                  <a:srgbClr val="FFFFFF"/>
-                </a:solidFill>
-                <a:latin typeface="Adobe Clean"/>
-                <a:cs typeface="Adobe Clean"/>
-              </a:rPr>
-              <a:t>a</a:t>
-            </a:r>
-            <a:r>
-              <a:rPr sz="1200" b="1" spc="-55" dirty="0">
-                <a:solidFill>
-                  <a:srgbClr val="FFFFFF"/>
-                </a:solidFill>
-                <a:latin typeface="Adobe Clean"/>
-                <a:cs typeface="Adobe Clean"/>
-              </a:rPr>
-              <a:t>t</a:t>
-            </a:r>
-            <a:r>
-              <a:rPr sz="1200" b="1" spc="-100" dirty="0">
-                <a:solidFill>
-                  <a:srgbClr val="FFFFFF"/>
-                </a:solidFill>
-                <a:latin typeface="Adobe Clean"/>
-                <a:cs typeface="Adobe Clean"/>
-              </a:rPr>
-              <a:t>e</a:t>
-            </a:r>
-            <a:r>
-              <a:rPr sz="1200" b="1" spc="-80" dirty="0">
-                <a:solidFill>
-                  <a:srgbClr val="FFFFFF"/>
-                </a:solidFill>
-                <a:latin typeface="Adobe Clean"/>
-                <a:cs typeface="Adobe Clean"/>
-              </a:rPr>
-              <a:t>g</a:t>
-            </a:r>
-            <a:r>
-              <a:rPr sz="1200" b="1" spc="-35" dirty="0">
-                <a:solidFill>
-                  <a:srgbClr val="FFFFFF"/>
-                </a:solidFill>
-                <a:latin typeface="Adobe Clean"/>
-                <a:cs typeface="Adobe Clean"/>
-              </a:rPr>
-              <a:t>i</a:t>
-            </a:r>
-            <a:r>
-              <a:rPr sz="1200" b="1" dirty="0">
-                <a:solidFill>
-                  <a:srgbClr val="FFFFFF"/>
-                </a:solidFill>
-                <a:latin typeface="Adobe Clean"/>
-                <a:cs typeface="Adobe Clean"/>
-              </a:rPr>
-              <a:t>c  </a:t>
-            </a:r>
-            <a:r>
-              <a:rPr sz="1200" b="1" spc="-45" dirty="0">
-                <a:solidFill>
-                  <a:srgbClr val="FFFFFF"/>
-                </a:solidFill>
-                <a:latin typeface="Adobe Clean"/>
-                <a:cs typeface="Adobe Clean"/>
-              </a:rPr>
-              <a:t>Advice</a:t>
-            </a:r>
-            <a:endParaRPr sz="1200" dirty="0">
-              <a:latin typeface="Adobe Clean"/>
-              <a:cs typeface="Adobe Clean"/>
-            </a:endParaRPr>
+              <a:t>Strategische Beratung</a:t>
+            </a:r>
           </a:p>
         </p:txBody>
       </p:sp>
@@ -17809,14 +14844,14 @@
           <p:nvPr>
             <p:extLst>
               <p:ext uri="{D42A27DB-BD31-4B8C-83A1-F6EECF244321}">
-                <p14:modId xmlns:p14="http://schemas.microsoft.com/office/powerpoint/2010/main" val="1493671087"/>
+                <p14:modId xmlns:p14="http://schemas.microsoft.com/office/powerpoint/2010/main" val="3733690768"/>
               </p:ext>
             </p:extLst>
           </p:nvPr>
         </p:nvGraphicFramePr>
         <p:xfrm>
           <a:off x="194236" y="1059345"/>
-          <a:ext cx="7368291" cy="3235960"/>
+          <a:ext cx="7368291" cy="3413760"/>
         </p:xfrm>
         <a:graphic>
           <a:graphicData uri="http://schemas.openxmlformats.org/drawingml/2006/table">
@@ -17847,7 +14882,7 @@
                     <a:lstStyle/>
                     <a:p>
                       <a:r>
-                        <a:rPr lang="en-US" sz="1100" b="0" dirty="0">
+                        <a:rPr lang="de-DE" sz="1100" b="0">
                           <a:solidFill>
                             <a:schemeClr val="tx1"/>
                           </a:solidFill>
@@ -17858,14 +14893,6 @@
                         </a:rPr>
                         <a:t>Experience League</a:t>
                       </a:r>
-                      <a:endParaRPr lang="en-US" sz="1100" b="0" dirty="0">
-                        <a:solidFill>
-                          <a:schemeClr val="tx1"/>
-                        </a:solidFill>
-                        <a:latin typeface="Adobe Clean" panose="020B0503020404020204" pitchFamily="34" charset="0"/>
-                        <a:ea typeface="+mn-ea"/>
-                        <a:cs typeface="+mn-cs"/>
-                      </a:endParaRPr>
                     </a:p>
                   </a:txBody>
                   <a:tcPr marL="47625" marR="47625" marT="0" marB="0" anchor="ctr">
@@ -17939,7 +14966,7 @@
                         <a:defRPr/>
                       </a:pPr>
                       <a:r>
-                        <a:rPr lang="en-US" sz="1000" b="0" kern="1200" dirty="0">
+                        <a:rPr lang="de-DE" sz="1000" b="0" dirty="0">
                           <a:solidFill>
                             <a:srgbClr val="000000"/>
                           </a:solidFill>
@@ -17947,7 +14974,28 @@
                           <a:ea typeface="+mn-ea"/>
                           <a:cs typeface="+mn-cs"/>
                         </a:rPr>
-                        <a:t>Experience League is how Adobe helps businesses achieve the value they expect from their Adobe investment. It’s the unified place where customers can learn, connect, and grow along a personalized path to success that includes self-help tutorials, product documentation, instructor-led training, community and technical support. </a:t>
+                        <a:t>Mit der Experience League unterstützt Adobe Unternehmen dabei, </a:t>
+                      </a:r>
+                      <a:br>
+                        <a:rPr lang="sk-SK" sz="1000" b="0" dirty="0">
+                          <a:solidFill>
+                            <a:srgbClr val="000000"/>
+                          </a:solidFill>
+                          <a:latin typeface="Adobe Clean Light" panose="020B0303020404020204" pitchFamily="34" charset="0"/>
+                          <a:ea typeface="+mn-ea"/>
+                          <a:cs typeface="+mn-cs"/>
+                        </a:rPr>
+                      </a:br>
+                      <a:r>
+                        <a:rPr lang="de-DE" sz="1000" b="0" dirty="0">
+                          <a:solidFill>
+                            <a:srgbClr val="000000"/>
+                          </a:solidFill>
+                          <a:latin typeface="Adobe Clean Light" panose="020B0303020404020204" pitchFamily="34" charset="0"/>
+                          <a:ea typeface="+mn-ea"/>
+                          <a:cs typeface="+mn-cs"/>
+                        </a:rPr>
+                        <a:t>mit ihren Investitionen in Adobe optimale Ergebnisse zu erzielen. An diesem zentralen Ort können Kunden auf einem personalisierten Weg zum Erfolg lernen, Kontakte knüpfen und sich weiterentwickeln. Dafür nutzen sie Selbsthilfe-Tutorials, Produktdokumentation, von Kursleitern geführte Schulungen, Community und technischen Support. </a:t>
                       </a:r>
                     </a:p>
                   </a:txBody>
@@ -18029,11 +15077,10 @@
                         <a:defRPr/>
                       </a:pPr>
                       <a:r>
-                        <a:rPr lang="en-US" sz="1100" dirty="0">
+                        <a:rPr lang="de-DE" sz="1100">
                           <a:solidFill>
                             <a:schemeClr val="dk1"/>
                           </a:solidFill>
-                          <a:effectLst/>
                           <a:latin typeface="Adobe Clean" panose="020B0503020404020204" pitchFamily="34" charset="0"/>
                           <a:ea typeface="+mn-ea"/>
                           <a:cs typeface="+mn-cs"/>
@@ -18042,26 +15089,16 @@
                         <a:t>Training</a:t>
                       </a:r>
                       <a:r>
-                        <a:rPr lang="en-US" sz="1100" dirty="0">
+                        <a:rPr lang="de-DE" sz="1100">
                           <a:solidFill>
                             <a:schemeClr val="dk1"/>
                           </a:solidFill>
-                          <a:effectLst/>
                           <a:latin typeface="Adobe Clean" panose="020B0503020404020204" pitchFamily="34" charset="0"/>
                           <a:ea typeface="+mn-ea"/>
                           <a:cs typeface="+mn-cs"/>
                         </a:rPr>
                         <a:t> </a:t>
                       </a:r>
-                      <a:endParaRPr lang="en-US" sz="1100" dirty="0">
-                        <a:solidFill>
-                          <a:schemeClr val="tx1"/>
-                        </a:solidFill>
-                        <a:effectLst/>
-                        <a:latin typeface="Adobe Clean" panose="020B0503020404020204" pitchFamily="34" charset="0"/>
-                        <a:ea typeface="+mn-ea"/>
-                        <a:cs typeface="+mn-cs"/>
-                      </a:endParaRPr>
                     </a:p>
                   </a:txBody>
                   <a:tcPr anchor="ctr">
@@ -18135,7 +15172,7 @@
                         <a:defRPr/>
                       </a:pPr>
                       <a:r>
-                        <a:rPr lang="en-US" sz="1000" kern="1200" dirty="0">
+                        <a:rPr lang="de-DE" sz="1000">
                           <a:solidFill>
                             <a:srgbClr val="000000"/>
                           </a:solidFill>
@@ -18143,7 +15180,7 @@
                           <a:ea typeface="+mn-ea"/>
                           <a:cs typeface="+mn-cs"/>
                         </a:rPr>
-                        <a:t>Adobe Digital Learning Services courses are accessible from Experience League. Learning courses integrate both on-demand and instructor-led lessons.  Here you can accrue skills that have recognized market value and position them to drive success in your organizations.</a:t>
+                        <a:t>Adobe Digital Learning Services-Kurse sind über die Experience League verfügbar. Das Angebot umfasst sowohl On-Demand- als auch von Kursleiter geführte Schulungen.  Hier können Sie Kompetenzen erwerben, die auf dem Markt anerkannt sind und den Erfolg im Unternehmen vorantreiben.</a:t>
                       </a:r>
                     </a:p>
                   </a:txBody>
@@ -18225,27 +15262,17 @@
                         <a:defRPr/>
                       </a:pPr>
                       <a:r>
-                        <a:rPr lang="en-US" sz="1100" dirty="0">
+                        <a:rPr lang="de-DE" sz="1100">
                           <a:solidFill>
                             <a:schemeClr val="tx1"/>
                           </a:solidFill>
-                          <a:effectLst/>
                           <a:latin typeface="Adobe Clean" panose="020B0503020404020204" pitchFamily="34" charset="0"/>
                           <a:ea typeface="+mn-ea"/>
                           <a:cs typeface="+mn-cs"/>
                           <a:hlinkClick r:id="rId9"/>
                         </a:rPr>
-                        <a:t>Production Issues &amp; System Outages</a:t>
+                        <a:t>Produktionsprobleme und Systemausfälle</a:t>
                       </a:r>
-                      <a:endParaRPr lang="en-US" sz="1100" dirty="0">
-                        <a:solidFill>
-                          <a:schemeClr val="tx1"/>
-                        </a:solidFill>
-                        <a:effectLst/>
-                        <a:latin typeface="Adobe Clean" panose="020B0503020404020204" pitchFamily="34" charset="0"/>
-                        <a:ea typeface="+mn-ea"/>
-                        <a:cs typeface="+mn-cs"/>
-                      </a:endParaRPr>
                     </a:p>
                   </a:txBody>
                   <a:tcPr anchor="ctr">
@@ -18319,7 +15346,7 @@
                         <a:defRPr/>
                       </a:pPr>
                       <a:r>
-                        <a:rPr lang="en-US" sz="1000" kern="1200" dirty="0">
+                        <a:rPr lang="de-DE" sz="1000" dirty="0">
                           <a:solidFill>
                             <a:srgbClr val="000000"/>
                           </a:solidFill>
@@ -18327,7 +15354,49 @@
                           <a:ea typeface="+mn-ea"/>
                           <a:cs typeface="+mn-cs"/>
                         </a:rPr>
-                        <a:t>Status.adobe.com conveys the health information of all Adobe products and services that are deployed in multi-tenant environments. Customers can choose their subscription preferences to get email notifications whenever Adobe creates, updates or resolves a product event. This can include scheduled maintenance or service issues of varying levels of severity. </a:t>
+                        <a:t>Status.adobe.com übermittelt die Statusinformationen sämtlicher Adobe-Produkte und -Services, die in Umgebungen mit mehreren Mandanten implementiert sind. Kunden können Voreinstellungen </a:t>
+                      </a:r>
+                      <a:br>
+                        <a:rPr lang="sk-SK" sz="1000" dirty="0">
+                          <a:solidFill>
+                            <a:srgbClr val="000000"/>
+                          </a:solidFill>
+                          <a:latin typeface="Adobe Clean Light" panose="020B0303020404020204" pitchFamily="34" charset="0"/>
+                          <a:ea typeface="+mn-ea"/>
+                          <a:cs typeface="+mn-cs"/>
+                        </a:rPr>
+                      </a:br>
+                      <a:r>
+                        <a:rPr lang="de-DE" sz="1000" dirty="0">
+                          <a:solidFill>
+                            <a:srgbClr val="000000"/>
+                          </a:solidFill>
+                          <a:latin typeface="Adobe Clean Light" panose="020B0303020404020204" pitchFamily="34" charset="0"/>
+                          <a:ea typeface="+mn-ea"/>
+                          <a:cs typeface="+mn-cs"/>
+                        </a:rPr>
+                        <a:t>für ihr Abonnement auswählen und E-Mail-Benachrichtigungen erhalten, wenn Adobe ein Produktereignis erstellt, aktualisiert oder löst. </a:t>
+                      </a:r>
+                      <a:br>
+                        <a:rPr lang="sk-SK" sz="1000" dirty="0">
+                          <a:solidFill>
+                            <a:srgbClr val="000000"/>
+                          </a:solidFill>
+                          <a:latin typeface="Adobe Clean Light" panose="020B0303020404020204" pitchFamily="34" charset="0"/>
+                          <a:ea typeface="+mn-ea"/>
+                          <a:cs typeface="+mn-cs"/>
+                        </a:rPr>
+                      </a:br>
+                      <a:r>
+                        <a:rPr lang="de-DE" sz="1000" dirty="0">
+                          <a:solidFill>
+                            <a:srgbClr val="000000"/>
+                          </a:solidFill>
+                          <a:latin typeface="Adobe Clean Light" panose="020B0303020404020204" pitchFamily="34" charset="0"/>
+                          <a:ea typeface="+mn-ea"/>
+                          <a:cs typeface="+mn-cs"/>
+                        </a:rPr>
+                        <a:t>Dies kann geplante Wartungen oder Service-Probleme unterschiedlichen Schweregrads umfassen. </a:t>
                       </a:r>
                     </a:p>
                   </a:txBody>
@@ -18409,27 +15478,17 @@
                         <a:defRPr/>
                       </a:pPr>
                       <a:r>
-                        <a:rPr lang="en-US" sz="1100" dirty="0">
+                        <a:rPr lang="de-DE" sz="1100">
                           <a:solidFill>
                             <a:schemeClr val="tx1"/>
                           </a:solidFill>
-                          <a:effectLst/>
                           <a:latin typeface="Adobe Clean" panose="020B0503020404020204" pitchFamily="34" charset="0"/>
                           <a:ea typeface="+mn-ea"/>
                           <a:cs typeface="+mn-cs"/>
                           <a:hlinkClick r:id="rId10"/>
                         </a:rPr>
-                        <a:t>Terms and Conditions</a:t>
+                        <a:t>Geschäftsbedingungen</a:t>
                       </a:r>
-                      <a:endParaRPr lang="en-US" sz="1100" dirty="0">
-                        <a:solidFill>
-                          <a:schemeClr val="tx1"/>
-                        </a:solidFill>
-                        <a:effectLst/>
-                        <a:latin typeface="Adobe Clean" panose="020B0503020404020204" pitchFamily="34" charset="0"/>
-                        <a:ea typeface="+mn-ea"/>
-                        <a:cs typeface="+mn-cs"/>
-                      </a:endParaRPr>
                     </a:p>
                   </a:txBody>
                   <a:tcPr anchor="ctr">
@@ -18486,7 +15545,7 @@
                     <a:lstStyle/>
                     <a:p>
                       <a:r>
-                        <a:rPr lang="en-US" sz="1000" kern="1200" dirty="0">
+                        <a:rPr lang="de-DE" sz="1000" dirty="0">
                           <a:solidFill>
                             <a:srgbClr val="000000"/>
                           </a:solidFill>
@@ -18494,7 +15553,28 @@
                           <a:ea typeface="+mn-ea"/>
                           <a:cs typeface="+mn-cs"/>
                         </a:rPr>
-                        <a:t>Terms and conditions detailing Support Services offerings</a:t>
+                        <a:t>Allgemeine Geschäftsbedingungen mit detaillierten Informationen </a:t>
+                      </a:r>
+                      <a:br>
+                        <a:rPr lang="sk-SK" sz="1000" dirty="0">
+                          <a:solidFill>
+                            <a:srgbClr val="000000"/>
+                          </a:solidFill>
+                          <a:latin typeface="Adobe Clean Light" panose="020B0303020404020204" pitchFamily="34" charset="0"/>
+                          <a:ea typeface="+mn-ea"/>
+                          <a:cs typeface="+mn-cs"/>
+                        </a:rPr>
+                      </a:br>
+                      <a:r>
+                        <a:rPr lang="de-DE" sz="1000" dirty="0">
+                          <a:solidFill>
+                            <a:srgbClr val="000000"/>
+                          </a:solidFill>
+                          <a:latin typeface="Adobe Clean Light" panose="020B0303020404020204" pitchFamily="34" charset="0"/>
+                          <a:ea typeface="+mn-ea"/>
+                          <a:cs typeface="+mn-cs"/>
+                        </a:rPr>
+                        <a:t>zu den angebotenen Support-Services</a:t>
                       </a:r>
                     </a:p>
                   </a:txBody>
@@ -19265,6 +16345,21 @@
 </file>
 
 <file path=customXml/item1.xml><?xml version="1.0" encoding="utf-8"?>
+<p:properties xmlns:p="http://schemas.microsoft.com/office/2006/metadata/properties" xmlns:xsi="http://www.w3.org/2001/XMLSchema-instance" xmlns:pc="http://schemas.microsoft.com/office/infopath/2007/PartnerControls">
+  <documentManagement/>
+</p:properties>
+</file>
+
+<file path=customXml/item2.xml><?xml version="1.0" encoding="utf-8"?>
+<?mso-contentType ?>
+<FormTemplates xmlns="http://schemas.microsoft.com/sharepoint/v3/contenttype/forms">
+  <Display>DocumentLibraryForm</Display>
+  <Edit>DocumentLibraryForm</Edit>
+  <New>DocumentLibraryForm</New>
+</FormTemplates>
+</file>
+
+<file path=customXml/item3.xml><?xml version="1.0" encoding="utf-8"?>
 <ct:contentTypeSchema xmlns:ct="http://schemas.microsoft.com/office/2006/metadata/contentType" xmlns:ma="http://schemas.microsoft.com/office/2006/metadata/properties/metaAttributes" ct:_="" ma:_="" ma:contentTypeName="Document" ma:contentTypeID="0x010100E783BF6876BCC646A459363AF21A7736" ma:contentTypeVersion="10" ma:contentTypeDescription="Create a new document." ma:contentTypeScope="" ma:versionID="c4ffda7f4f415767600769e454c2ea87">
   <xsd:schema xmlns:xsd="http://www.w3.org/2001/XMLSchema" xmlns:xs="http://www.w3.org/2001/XMLSchema" xmlns:p="http://schemas.microsoft.com/office/2006/metadata/properties" xmlns:ns2="8a053bff-88be-49e4-9a87-e748e18b8b62" xmlns:ns3="6c8368ec-3776-49b5-a5bb-90648cf9530f" targetNamespace="http://schemas.microsoft.com/office/2006/metadata/properties" ma:root="true" ma:fieldsID="df3ec33bccc23e23bce7bc897fad43d1" ns2:_="" ns3:_="">
     <xsd:import namespace="8a053bff-88be-49e4-9a87-e748e18b8b62"/>
@@ -19469,22 +16564,24 @@
 </ct:contentTypeSchema>
 </file>
 
-<file path=customXml/item2.xml><?xml version="1.0" encoding="utf-8"?>
-<?mso-contentType ?>
-<FormTemplates xmlns="http://schemas.microsoft.com/sharepoint/v3/contenttype/forms">
-  <Display>DocumentLibraryForm</Display>
-  <Edit>DocumentLibraryForm</Edit>
-  <New>DocumentLibraryForm</New>
-</FormTemplates>
+<file path=customXml/itemProps1.xml><?xml version="1.0" encoding="utf-8"?>
+<ds:datastoreItem xmlns:ds="http://schemas.openxmlformats.org/officeDocument/2006/customXml" ds:itemID="{CED41536-010B-47B1-9229-B72BE4090090}">
+  <ds:schemaRefs>
+    <ds:schemaRef ds:uri="http://schemas.microsoft.com/office/2006/metadata/properties"/>
+    <ds:schemaRef ds:uri="http://schemas.microsoft.com/office/infopath/2007/PartnerControls"/>
+  </ds:schemaRefs>
+</ds:datastoreItem>
 </file>
 
-<file path=customXml/item3.xml><?xml version="1.0" encoding="utf-8"?>
-<p:properties xmlns:p="http://schemas.microsoft.com/office/2006/metadata/properties" xmlns:xsi="http://www.w3.org/2001/XMLSchema-instance" xmlns:pc="http://schemas.microsoft.com/office/infopath/2007/PartnerControls">
-  <documentManagement/>
-</p:properties>
+<file path=customXml/itemProps2.xml><?xml version="1.0" encoding="utf-8"?>
+<ds:datastoreItem xmlns:ds="http://schemas.openxmlformats.org/officeDocument/2006/customXml" ds:itemID="{669D9D3B-3229-44EE-9964-24A06AE66887}">
+  <ds:schemaRefs>
+    <ds:schemaRef ds:uri="http://schemas.microsoft.com/sharepoint/v3/contenttype/forms"/>
+  </ds:schemaRefs>
+</ds:datastoreItem>
 </file>
 
-<file path=customXml/itemProps1.xml><?xml version="1.0" encoding="utf-8"?>
+<file path=customXml/itemProps3.xml><?xml version="1.0" encoding="utf-8"?>
 <ds:datastoreItem xmlns:ds="http://schemas.openxmlformats.org/officeDocument/2006/customXml" ds:itemID="{75C1A8FD-3884-41A0-BE37-D15776C885D1}">
   <ds:schemaRefs>
     <ds:schemaRef ds:uri="http://schemas.microsoft.com/office/2006/metadata/contentType"/>
@@ -19501,21 +16598,4 @@
     <ds:schemaRef ds:uri="http://schemas.microsoft.com/internal/obd"/>
   </ds:schemaRefs>
 </ds:datastoreItem>
-</file>
-
-<file path=customXml/itemProps2.xml><?xml version="1.0" encoding="utf-8"?>
-<ds:datastoreItem xmlns:ds="http://schemas.openxmlformats.org/officeDocument/2006/customXml" ds:itemID="{669D9D3B-3229-44EE-9964-24A06AE66887}">
-  <ds:schemaRefs>
-    <ds:schemaRef ds:uri="http://schemas.microsoft.com/sharepoint/v3/contenttype/forms"/>
-  </ds:schemaRefs>
-</ds:datastoreItem>
-</file>
-
-<file path=customXml/itemProps3.xml><?xml version="1.0" encoding="utf-8"?>
-<ds:datastoreItem xmlns:ds="http://schemas.openxmlformats.org/officeDocument/2006/customXml" ds:itemID="{CED41536-010B-47B1-9229-B72BE4090090}">
-  <ds:schemaRefs>
-    <ds:schemaRef ds:uri="http://schemas.microsoft.com/office/2006/metadata/properties"/>
-    <ds:schemaRef ds:uri="http://schemas.microsoft.com/office/infopath/2007/PartnerControls"/>
-  </ds:schemaRefs>
-</ds:datastoreItem>
 </file>
--- a/help/data-sheets/assets/EliteSupportDatasheet.pptx
+++ b/help/data-sheets/assets/EliteSupportDatasheet.pptx
@@ -151,9 +151,7 @@
 <file path=ppt/revisionInfo.xml><?xml version="1.0" encoding="utf-8"?>
 <p1510:revInfo xmlns:a="http://schemas.openxmlformats.org/drawingml/2006/main" xmlns:r="http://schemas.openxmlformats.org/officeDocument/2006/relationships" xmlns:p1510="http://schemas.microsoft.com/office/powerpoint/2015/10/main">
   <p1510:revLst>
-    <p1510:client id="{306579C9-8574-E621-57BF-C5D6F4C605CC}" v="6" dt="2021-09-22T22:58:26.163"/>
-    <p1510:client id="{86768B6F-E5DF-274A-B928-9320E1DF9962}" v="132" dt="2021-08-07T02:18:13.925"/>
-    <p1510:client id="{8C285145-5FF7-2B49-D44C-ABA3390CC068}" v="48" dt="2021-09-22T19:02:31.738"/>
+    <p1510:client id="{0BC4D7A0-4BBD-1B49-BE14-170949F0EA37}" v="4" dt="2021-10-13T19:10:14.670"/>
   </p1510:revLst>
 </p1510:revInfo>
 </file>
@@ -161,58 +159,26 @@
 <file path=ppt/changesInfos/changesInfo1.xml><?xml version="1.0" encoding="utf-8"?>
 <pc:chgInfo xmlns:a="http://schemas.openxmlformats.org/drawingml/2006/main" xmlns:r="http://schemas.openxmlformats.org/officeDocument/2006/relationships" xmlns:ac="http://schemas.microsoft.com/office/drawing/2013/main/command" xmlns:pc="http://schemas.microsoft.com/office/powerpoint/2013/main/command">
   <pc:docChgLst>
-    <pc:chgData name="Akilah Johnson" userId="S::akjohnso@adobe.com::2fa3aa60-0c9c-4d06-bae2-795983241227" providerId="AD" clId="Web-{306579C9-8574-E621-57BF-C5D6F4C605CC}"/>
+    <pc:chgData name="Lauren Schutte" userId="6e08b2d3-447a-4d66-86be-444d50df187f" providerId="ADAL" clId="{0BC4D7A0-4BBD-1B49-BE14-170949F0EA37}"/>
     <pc:docChg chg="modSld">
-      <pc:chgData name="Akilah Johnson" userId="S::akjohnso@adobe.com::2fa3aa60-0c9c-4d06-bae2-795983241227" providerId="AD" clId="Web-{306579C9-8574-E621-57BF-C5D6F4C605CC}" dt="2021-09-22T22:58:18.491" v="3"/>
+      <pc:chgData name="Lauren Schutte" userId="6e08b2d3-447a-4d66-86be-444d50df187f" providerId="ADAL" clId="{0BC4D7A0-4BBD-1B49-BE14-170949F0EA37}" dt="2021-10-13T19:10:14.671" v="3" actId="1035"/>
       <pc:docMkLst>
         <pc:docMk/>
       </pc:docMkLst>
-      <pc:sldChg chg="modSp">
-        <pc:chgData name="Akilah Johnson" userId="S::akjohnso@adobe.com::2fa3aa60-0c9c-4d06-bae2-795983241227" providerId="AD" clId="Web-{306579C9-8574-E621-57BF-C5D6F4C605CC}" dt="2021-09-22T22:58:18.491" v="3"/>
+      <pc:sldChg chg="modSp mod">
+        <pc:chgData name="Lauren Schutte" userId="6e08b2d3-447a-4d66-86be-444d50df187f" providerId="ADAL" clId="{0BC4D7A0-4BBD-1B49-BE14-170949F0EA37}" dt="2021-10-13T19:10:14.671" v="3" actId="1035"/>
         <pc:sldMkLst>
           <pc:docMk/>
-          <pc:sldMk cId="1050037809" sldId="261"/>
-        </pc:sldMkLst>
-        <pc:graphicFrameChg chg="mod modGraphic">
-          <ac:chgData name="Akilah Johnson" userId="S::akjohnso@adobe.com::2fa3aa60-0c9c-4d06-bae2-795983241227" providerId="AD" clId="Web-{306579C9-8574-E621-57BF-C5D6F4C605CC}" dt="2021-09-22T22:58:18.491" v="3"/>
-          <ac:graphicFrameMkLst>
-            <pc:docMk/>
-            <pc:sldMk cId="1050037809" sldId="261"/>
-            <ac:graphicFrameMk id="25" creationId="{3A91F5B0-3974-A14D-A146-FB590F2AAD18}"/>
-          </ac:graphicFrameMkLst>
-        </pc:graphicFrameChg>
-      </pc:sldChg>
-    </pc:docChg>
-  </pc:docChgLst>
-  <pc:docChgLst>
-    <pc:chgData name="Akilah Johnson" userId="S::akjohnso@adobe.com::2fa3aa60-0c9c-4d06-bae2-795983241227" providerId="AD" clId="Web-{8C285145-5FF7-2B49-D44C-ABA3390CC068}"/>
-    <pc:docChg chg="modSld">
-      <pc:chgData name="Akilah Johnson" userId="S::akjohnso@adobe.com::2fa3aa60-0c9c-4d06-bae2-795983241227" providerId="AD" clId="Web-{8C285145-5FF7-2B49-D44C-ABA3390CC068}" dt="2021-09-22T19:02:31.738" v="36" actId="1076"/>
-      <pc:docMkLst>
-        <pc:docMk/>
-      </pc:docMkLst>
-      <pc:sldChg chg="modSp">
-        <pc:chgData name="Akilah Johnson" userId="S::akjohnso@adobe.com::2fa3aa60-0c9c-4d06-bae2-795983241227" providerId="AD" clId="Web-{8C285145-5FF7-2B49-D44C-ABA3390CC068}" dt="2021-09-22T19:02:31.738" v="36" actId="1076"/>
-        <pc:sldMkLst>
-          <pc:docMk/>
-          <pc:sldMk cId="1050037809" sldId="261"/>
+          <pc:sldMk cId="0" sldId="256"/>
         </pc:sldMkLst>
         <pc:spChg chg="mod">
-          <ac:chgData name="Akilah Johnson" userId="S::akjohnso@adobe.com::2fa3aa60-0c9c-4d06-bae2-795983241227" providerId="AD" clId="Web-{8C285145-5FF7-2B49-D44C-ABA3390CC068}" dt="2021-09-22T19:02:31.738" v="36" actId="1076"/>
+          <ac:chgData name="Lauren Schutte" userId="6e08b2d3-447a-4d66-86be-444d50df187f" providerId="ADAL" clId="{0BC4D7A0-4BBD-1B49-BE14-170949F0EA37}" dt="2021-10-13T19:10:14.671" v="3" actId="1035"/>
           <ac:spMkLst>
             <pc:docMk/>
-            <pc:sldMk cId="1050037809" sldId="261"/>
-            <ac:spMk id="64" creationId="{41467BDC-3D83-D844-B922-CD07E94E5AAB}"/>
+            <pc:sldMk cId="0" sldId="256"/>
+            <ac:spMk id="4" creationId="{00000000-0000-0000-0000-000000000000}"/>
           </ac:spMkLst>
         </pc:spChg>
-        <pc:graphicFrameChg chg="mod modGraphic">
-          <ac:chgData name="Akilah Johnson" userId="S::akjohnso@adobe.com::2fa3aa60-0c9c-4d06-bae2-795983241227" providerId="AD" clId="Web-{8C285145-5FF7-2B49-D44C-ABA3390CC068}" dt="2021-09-22T18:59:49.504" v="34"/>
-          <ac:graphicFrameMkLst>
-            <pc:docMk/>
-            <pc:sldMk cId="1050037809" sldId="261"/>
-            <ac:graphicFrameMk id="25" creationId="{3A91F5B0-3974-A14D-A146-FB590F2AAD18}"/>
-          </ac:graphicFrameMkLst>
-        </pc:graphicFrameChg>
       </pc:sldChg>
     </pc:docChg>
   </pc:docChgLst>
@@ -301,7 +267,7 @@
           <a:p>
             <a:fld id="{C12E57D6-2086-AA47-A7A4-C0CDE7C14E44}" type="datetimeFigureOut">
               <a:rPr lang="en-US" smtClean="0"/>
-              <a:t>9/30/2021</a:t>
+              <a:t>10/13/2021</a:t>
             </a:fld>
             <a:endParaRPr lang="en-US"/>
           </a:p>
@@ -612,7 +578,7 @@
           <a:bodyPr/>
           <a:lstStyle/>
           <a:p>
-            <a:endParaRPr lang="en-US" dirty="0"/>
+            <a:endParaRPr lang="en-US"/>
           </a:p>
         </p:txBody>
       </p:sp>
@@ -696,7 +662,7 @@
           <a:bodyPr/>
           <a:lstStyle/>
           <a:p>
-            <a:endParaRPr lang="en-US" dirty="0"/>
+            <a:endParaRPr lang="en-US"/>
           </a:p>
         </p:txBody>
       </p:sp>
@@ -875,7 +841,7 @@
           <a:p>
             <a:fld id="{1D8BD707-D9CF-40AE-B4C6-C98DA3205C09}" type="datetimeFigureOut">
               <a:rPr lang="en-US"/>
-              <a:t>9/30/2021</a:t>
+              <a:t>10/13/2021</a:t>
             </a:fld>
             <a:endParaRPr lang="en-US"/>
           </a:p>
@@ -915,7 +881,7 @@
               </a:spcBef>
             </a:pPr>
             <a:r>
-              <a:rPr spc="-5" dirty="0"/>
+              <a:rPr spc="-5"/>
               <a:t>©</a:t>
             </a:r>
             <a:fld id="{81D60167-4931-47E6-BA6A-407CBD079E47}" type="slidenum">
@@ -923,35 +889,35 @@
               <a:t>‹#›</a:t>
             </a:fld>
             <a:r>
-              <a:rPr spc="-5" dirty="0"/>
+              <a:rPr spc="-5"/>
               <a:t> Adobe. All</a:t>
             </a:r>
             <a:r>
-              <a:rPr spc="-15" dirty="0"/>
+              <a:rPr spc="-15"/>
               <a:t> Rights</a:t>
             </a:r>
             <a:r>
-              <a:rPr spc="-10" dirty="0"/>
+              <a:rPr spc="-10"/>
               <a:t> </a:t>
             </a:r>
             <a:r>
-              <a:rPr spc="-15" dirty="0"/>
+              <a:rPr spc="-15"/>
               <a:t>Reserved.</a:t>
             </a:r>
             <a:r>
-              <a:rPr spc="-10" dirty="0"/>
+              <a:rPr spc="-10"/>
               <a:t> </a:t>
             </a:r>
             <a:r>
-              <a:rPr spc="-5" dirty="0"/>
+              <a:rPr spc="-5"/>
               <a:t>Adobe</a:t>
             </a:r>
             <a:r>
-              <a:rPr spc="60" dirty="0"/>
+              <a:rPr spc="60"/>
               <a:t> </a:t>
             </a:r>
             <a:r>
-              <a:rPr spc="-15" dirty="0"/>
+              <a:rPr spc="-15"/>
               <a:t>Confidential.</a:t>
             </a:r>
           </a:p>
@@ -1120,7 +1086,7 @@
           <a:p>
             <a:fld id="{1D8BD707-D9CF-40AE-B4C6-C98DA3205C09}" type="datetimeFigureOut">
               <a:rPr lang="en-US"/>
-              <a:t>9/30/2021</a:t>
+              <a:t>10/13/2021</a:t>
             </a:fld>
             <a:endParaRPr lang="en-US"/>
           </a:p>
@@ -1160,7 +1126,7 @@
               </a:spcBef>
             </a:pPr>
             <a:r>
-              <a:rPr spc="-5" dirty="0"/>
+              <a:rPr spc="-5"/>
               <a:t>©</a:t>
             </a:r>
             <a:fld id="{81D60167-4931-47E6-BA6A-407CBD079E47}" type="slidenum">
@@ -1168,35 +1134,35 @@
               <a:t>‹#›</a:t>
             </a:fld>
             <a:r>
-              <a:rPr spc="-5" dirty="0"/>
+              <a:rPr spc="-5"/>
               <a:t> Adobe. All</a:t>
             </a:r>
             <a:r>
-              <a:rPr spc="-15" dirty="0"/>
+              <a:rPr spc="-15"/>
               <a:t> Rights</a:t>
             </a:r>
             <a:r>
-              <a:rPr spc="-10" dirty="0"/>
+              <a:rPr spc="-10"/>
               <a:t> </a:t>
             </a:r>
             <a:r>
-              <a:rPr spc="-15" dirty="0"/>
+              <a:rPr spc="-15"/>
               <a:t>Reserved.</a:t>
             </a:r>
             <a:r>
-              <a:rPr spc="-10" dirty="0"/>
+              <a:rPr spc="-10"/>
               <a:t> </a:t>
             </a:r>
             <a:r>
-              <a:rPr spc="-5" dirty="0"/>
+              <a:rPr spc="-5"/>
               <a:t>Adobe</a:t>
             </a:r>
             <a:r>
-              <a:rPr spc="60" dirty="0"/>
+              <a:rPr spc="60"/>
               <a:t> </a:t>
             </a:r>
             <a:r>
-              <a:rPr spc="-15" dirty="0"/>
+              <a:rPr spc="-15"/>
               <a:t>Confidential.</a:t>
             </a:r>
           </a:p>
@@ -1378,7 +1344,7 @@
           <a:p>
             <a:fld id="{1D8BD707-D9CF-40AE-B4C6-C98DA3205C09}" type="datetimeFigureOut">
               <a:rPr lang="en-US"/>
-              <a:t>9/30/2021</a:t>
+              <a:t>10/13/2021</a:t>
             </a:fld>
             <a:endParaRPr lang="en-US"/>
           </a:p>
@@ -1418,7 +1384,7 @@
               </a:spcBef>
             </a:pPr>
             <a:r>
-              <a:rPr spc="-5" dirty="0"/>
+              <a:rPr spc="-5"/>
               <a:t>©</a:t>
             </a:r>
             <a:fld id="{81D60167-4931-47E6-BA6A-407CBD079E47}" type="slidenum">
@@ -1426,35 +1392,35 @@
               <a:t>‹#›</a:t>
             </a:fld>
             <a:r>
-              <a:rPr spc="-5" dirty="0"/>
+              <a:rPr spc="-5"/>
               <a:t> Adobe. All</a:t>
             </a:r>
             <a:r>
-              <a:rPr spc="-15" dirty="0"/>
+              <a:rPr spc="-15"/>
               <a:t> Rights</a:t>
             </a:r>
             <a:r>
-              <a:rPr spc="-10" dirty="0"/>
+              <a:rPr spc="-10"/>
               <a:t> </a:t>
             </a:r>
             <a:r>
-              <a:rPr spc="-15" dirty="0"/>
+              <a:rPr spc="-15"/>
               <a:t>Reserved.</a:t>
             </a:r>
             <a:r>
-              <a:rPr spc="-10" dirty="0"/>
+              <a:rPr spc="-10"/>
               <a:t> </a:t>
             </a:r>
             <a:r>
-              <a:rPr spc="-5" dirty="0"/>
+              <a:rPr spc="-5"/>
               <a:t>Adobe</a:t>
             </a:r>
             <a:r>
-              <a:rPr spc="60" dirty="0"/>
+              <a:rPr spc="60"/>
               <a:t> </a:t>
             </a:r>
             <a:r>
-              <a:rPr spc="-15" dirty="0"/>
+              <a:rPr spc="-15"/>
               <a:t>Confidential.</a:t>
             </a:r>
           </a:p>
@@ -1570,7 +1536,7 @@
           <a:p>
             <a:fld id="{1D8BD707-D9CF-40AE-B4C6-C98DA3205C09}" type="datetimeFigureOut">
               <a:rPr lang="en-US"/>
-              <a:t>9/30/2021</a:t>
+              <a:t>10/13/2021</a:t>
             </a:fld>
             <a:endParaRPr lang="en-US"/>
           </a:p>
@@ -1610,7 +1576,7 @@
               </a:spcBef>
             </a:pPr>
             <a:r>
-              <a:rPr spc="-5" dirty="0"/>
+              <a:rPr spc="-5"/>
               <a:t>©</a:t>
             </a:r>
             <a:fld id="{81D60167-4931-47E6-BA6A-407CBD079E47}" type="slidenum">
@@ -1618,35 +1584,35 @@
               <a:t>‹#›</a:t>
             </a:fld>
             <a:r>
-              <a:rPr spc="-5" dirty="0"/>
+              <a:rPr spc="-5"/>
               <a:t> Adobe. All</a:t>
             </a:r>
             <a:r>
-              <a:rPr spc="-15" dirty="0"/>
+              <a:rPr spc="-15"/>
               <a:t> Rights</a:t>
             </a:r>
             <a:r>
-              <a:rPr spc="-10" dirty="0"/>
+              <a:rPr spc="-10"/>
               <a:t> </a:t>
             </a:r>
             <a:r>
-              <a:rPr spc="-15" dirty="0"/>
+              <a:rPr spc="-15"/>
               <a:t>Reserved.</a:t>
             </a:r>
             <a:r>
-              <a:rPr spc="-10" dirty="0"/>
+              <a:rPr spc="-10"/>
               <a:t> </a:t>
             </a:r>
             <a:r>
-              <a:rPr spc="-5" dirty="0"/>
+              <a:rPr spc="-5"/>
               <a:t>Adobe</a:t>
             </a:r>
             <a:r>
-              <a:rPr spc="60" dirty="0"/>
+              <a:rPr spc="60"/>
               <a:t> </a:t>
             </a:r>
             <a:r>
-              <a:rPr spc="-15" dirty="0"/>
+              <a:rPr spc="-15"/>
               <a:t>Confidential.</a:t>
             </a:r>
           </a:p>
@@ -1733,7 +1699,7 @@
           <a:p>
             <a:fld id="{1D8BD707-D9CF-40AE-B4C6-C98DA3205C09}" type="datetimeFigureOut">
               <a:rPr lang="en-US"/>
-              <a:t>9/30/2021</a:t>
+              <a:t>10/13/2021</a:t>
             </a:fld>
             <a:endParaRPr lang="en-US"/>
           </a:p>
@@ -1773,7 +1739,7 @@
               </a:spcBef>
             </a:pPr>
             <a:r>
-              <a:rPr spc="-5" dirty="0"/>
+              <a:rPr spc="-5"/>
               <a:t>©</a:t>
             </a:r>
             <a:fld id="{81D60167-4931-47E6-BA6A-407CBD079E47}" type="slidenum">
@@ -1781,35 +1747,35 @@
               <a:t>‹#›</a:t>
             </a:fld>
             <a:r>
-              <a:rPr spc="-5" dirty="0"/>
+              <a:rPr spc="-5"/>
               <a:t> Adobe. All</a:t>
             </a:r>
             <a:r>
-              <a:rPr spc="-15" dirty="0"/>
+              <a:rPr spc="-15"/>
               <a:t> Rights</a:t>
             </a:r>
             <a:r>
-              <a:rPr spc="-10" dirty="0"/>
+              <a:rPr spc="-10"/>
               <a:t> </a:t>
             </a:r>
             <a:r>
-              <a:rPr spc="-15" dirty="0"/>
+              <a:rPr spc="-15"/>
               <a:t>Reserved.</a:t>
             </a:r>
             <a:r>
-              <a:rPr spc="-10" dirty="0"/>
+              <a:rPr spc="-10"/>
               <a:t> </a:t>
             </a:r>
             <a:r>
-              <a:rPr spc="-5" dirty="0"/>
+              <a:rPr spc="-5"/>
               <a:t>Adobe</a:t>
             </a:r>
             <a:r>
-              <a:rPr spc="60" dirty="0"/>
+              <a:rPr spc="60"/>
               <a:t> </a:t>
             </a:r>
             <a:r>
-              <a:rPr spc="-15" dirty="0"/>
+              <a:rPr spc="-15"/>
               <a:t>Confidential.</a:t>
             </a:r>
           </a:p>
@@ -1996,7 +1962,7 @@
           <a:p>
             <a:fld id="{1D8BD707-D9CF-40AE-B4C6-C98DA3205C09}" type="datetimeFigureOut">
               <a:rPr lang="en-US"/>
-              <a:t>9/30/2021</a:t>
+              <a:t>10/13/2021</a:t>
             </a:fld>
             <a:endParaRPr lang="en-US"/>
           </a:p>
@@ -2046,7 +2012,7 @@
               </a:spcBef>
             </a:pPr>
             <a:r>
-              <a:rPr spc="-5" dirty="0"/>
+              <a:rPr spc="-5"/>
               <a:t>©</a:t>
             </a:r>
             <a:fld id="{81D60167-4931-47E6-BA6A-407CBD079E47}" type="slidenum">
@@ -2054,35 +2020,35 @@
               <a:t>‹#›</a:t>
             </a:fld>
             <a:r>
-              <a:rPr spc="-5" dirty="0"/>
+              <a:rPr spc="-5"/>
               <a:t> Adobe. All</a:t>
             </a:r>
             <a:r>
-              <a:rPr spc="-15" dirty="0"/>
+              <a:rPr spc="-15"/>
               <a:t> Rights</a:t>
             </a:r>
             <a:r>
-              <a:rPr spc="-10" dirty="0"/>
+              <a:rPr spc="-10"/>
               <a:t> </a:t>
             </a:r>
             <a:r>
-              <a:rPr spc="-15" dirty="0"/>
+              <a:rPr spc="-15"/>
               <a:t>Reserved.</a:t>
             </a:r>
             <a:r>
-              <a:rPr spc="-10" dirty="0"/>
+              <a:rPr spc="-10"/>
               <a:t> </a:t>
             </a:r>
             <a:r>
-              <a:rPr spc="-5" dirty="0"/>
+              <a:rPr spc="-5"/>
               <a:t>Adobe</a:t>
             </a:r>
             <a:r>
-              <a:rPr spc="60" dirty="0"/>
+              <a:rPr spc="60"/>
               <a:t> </a:t>
             </a:r>
             <a:r>
-              <a:rPr spc="-15" dirty="0"/>
+              <a:rPr spc="-15"/>
               <a:t>Confidential.</a:t>
             </a:r>
           </a:p>
@@ -2271,33 +2237,35 @@
         </p:nvSpPr>
         <p:spPr>
           <a:xfrm>
-            <a:off x="502827" y="65103"/>
-            <a:ext cx="4725793" cy="366767"/>
+            <a:off x="502828" y="65103"/>
+            <a:ext cx="3840572" cy="366767"/>
           </a:xfrm>
           <a:prstGeom prst="rect">
             <a:avLst/>
           </a:prstGeom>
         </p:spPr>
         <p:txBody>
-          <a:bodyPr vert="horz" wrap="square" lIns="0" tIns="12700" rIns="0" bIns="0" rtlCol="0">
+          <a:bodyPr vert="horz" wrap="square" lIns="0" tIns="12700" rIns="0" bIns="0" rtlCol="0" anchor="t">
             <a:spAutoFit/>
           </a:bodyPr>
           <a:lstStyle/>
           <a:p>
             <a:pPr marL="12700">
-              <a:lnSpc>
-                <a:spcPct val="100000"/>
-              </a:lnSpc>
               <a:spcBef>
                 <a:spcPts val="100"/>
               </a:spcBef>
             </a:pPr>
             <a:r>
-              <a:rPr lang="de-DE" sz="2300" dirty="0">
-                <a:latin typeface="Adobe Clean" panose="020B0503020404020204" pitchFamily="34" charset="0"/>
-              </a:rPr>
-              <a:t>SUPPORT-ANGEBOT VON ADOBE</a:t>
-            </a:r>
+              <a:rPr sz="2300"/>
+              <a:t>ADOBE </a:t>
+            </a:r>
+            <a:r>
+              <a:rPr lang="en-US" sz="2300"/>
+              <a:t>SUPPORT PLANS</a:t>
+            </a:r>
+            <a:endParaRPr sz="2300">
+              <a:latin typeface="Adobe Clean" panose="020B0503020404020204" pitchFamily="34" charset="0"/>
+            </a:endParaRPr>
           </a:p>
         </p:txBody>
       </p:sp>
@@ -2309,8 +2277,8 @@
         </p:nvSpPr>
         <p:spPr>
           <a:xfrm>
-            <a:off x="159522" y="590973"/>
-            <a:ext cx="7003278" cy="1466427"/>
+            <a:off x="159522" y="560755"/>
+            <a:ext cx="7003277" cy="1466427"/>
           </a:xfrm>
           <a:prstGeom prst="rect">
             <a:avLst/>
@@ -2331,17 +2299,107 @@
               </a:spcBef>
             </a:pPr>
             <a:r>
-              <a:rPr lang="de-DE" sz="1100" spc="-30" dirty="0">
+              <a:rPr sz="1100" spc="-5">
                 <a:solidFill>
                   <a:srgbClr val="FFFFFF"/>
                 </a:solidFill>
                 <a:latin typeface="AdobeClean-Light"/>
                 <a:cs typeface="AdobeClean-Light"/>
               </a:rPr>
-              <a:t>Online | Business | Enterprise | </a:t>
-            </a:r>
-            <a:r>
-              <a:rPr lang="de-DE" sz="1100" b="1" spc="-30" dirty="0">
+              <a:t>Online</a:t>
+            </a:r>
+            <a:r>
+              <a:rPr sz="1100">
+                <a:solidFill>
+                  <a:srgbClr val="FFFFFF"/>
+                </a:solidFill>
+                <a:latin typeface="AdobeClean-Light"/>
+                <a:cs typeface="AdobeClean-Light"/>
+              </a:rPr>
+              <a:t> |</a:t>
+            </a:r>
+            <a:r>
+              <a:rPr sz="1100" spc="5">
+                <a:solidFill>
+                  <a:srgbClr val="FFFFFF"/>
+                </a:solidFill>
+                <a:latin typeface="AdobeClean-Light"/>
+                <a:cs typeface="AdobeClean-Light"/>
+              </a:rPr>
+              <a:t> </a:t>
+            </a:r>
+            <a:r>
+              <a:rPr sz="1100" spc="-5">
+                <a:solidFill>
+                  <a:srgbClr val="FFFFFF"/>
+                </a:solidFill>
+                <a:latin typeface="AdobeClean-Light"/>
+                <a:cs typeface="AdobeClean-Light"/>
+              </a:rPr>
+              <a:t>Business</a:t>
+            </a:r>
+            <a:r>
+              <a:rPr sz="1100">
+                <a:solidFill>
+                  <a:srgbClr val="FFFFFF"/>
+                </a:solidFill>
+                <a:latin typeface="AdobeClean-Light"/>
+                <a:cs typeface="AdobeClean-Light"/>
+              </a:rPr>
+              <a:t> |</a:t>
+            </a:r>
+            <a:r>
+              <a:rPr sz="1100" spc="10">
+                <a:solidFill>
+                  <a:srgbClr val="FFFFFF"/>
+                </a:solidFill>
+                <a:latin typeface="AdobeClean-Light"/>
+                <a:cs typeface="AdobeClean-Light"/>
+              </a:rPr>
+              <a:t> </a:t>
+            </a:r>
+            <a:r>
+              <a:rPr sz="1100" spc="-5">
+                <a:solidFill>
+                  <a:srgbClr val="FFFFFF"/>
+                </a:solidFill>
+                <a:latin typeface="AdobeClean-Light"/>
+                <a:cs typeface="AdobeClean-Light"/>
+              </a:rPr>
+              <a:t>Enterprise</a:t>
+            </a:r>
+            <a:r>
+              <a:rPr sz="1100" spc="10">
+                <a:solidFill>
+                  <a:srgbClr val="FFFFFF"/>
+                </a:solidFill>
+                <a:latin typeface="AdobeClean-Light"/>
+                <a:cs typeface="AdobeClean-Light"/>
+              </a:rPr>
+              <a:t> </a:t>
+            </a:r>
+            <a:r>
+              <a:rPr sz="1100">
+                <a:solidFill>
+                  <a:srgbClr val="FFFFFF"/>
+                </a:solidFill>
+                <a:latin typeface="AdobeClean-Light"/>
+                <a:cs typeface="AdobeClean-Light"/>
+              </a:rPr>
+              <a:t>|</a:t>
+            </a:r>
+            <a:r>
+              <a:rPr sz="1100" spc="5">
+                <a:solidFill>
+                  <a:srgbClr val="FFFFFF"/>
+                </a:solidFill>
+                <a:latin typeface="AdobeClean-Light"/>
+                <a:cs typeface="AdobeClean-Light"/>
+              </a:rPr>
+              <a:t> </a:t>
+            </a:r>
+            <a:r>
+              <a:rPr sz="1100" b="1" spc="-65">
                 <a:solidFill>
                   <a:srgbClr val="FFFFFF"/>
                 </a:solidFill>
@@ -2350,6 +2408,10 @@
               </a:rPr>
               <a:t>Elite</a:t>
             </a:r>
+            <a:endParaRPr sz="1100">
+              <a:latin typeface="Arial"/>
+              <a:cs typeface="Arial"/>
+            </a:endParaRPr>
           </a:p>
           <a:p>
             <a:pPr marL="12700" marR="1076325">
@@ -2358,99 +2420,21 @@
               </a:spcBef>
             </a:pPr>
             <a:r>
-              <a:rPr lang="de-DE" sz="900" spc="-30" dirty="0">
+              <a:rPr lang="en-US" sz="900">
                 <a:solidFill>
                   <a:schemeClr val="bg1"/>
                 </a:solidFill>
                 <a:latin typeface="Adobe Clean SemiLight" panose="020B0403020404020204" pitchFamily="34" charset="0"/>
               </a:rPr>
-              <a:t>Adobe bietet eine umfangreiche Palette an technischen Ressourcen zur Unterstützung Ihres Unternehmens. Diese sind Teil des Experience Cloud-Lizenzabonnements und werden durch das ELITE Support-Paket weiter ergänzt. ELITE Support bietet über die Adobe Experience League Zugang zu personalisierten Lernpfaden und von Moderatoren betreuten Community-Foren. Darüber hinaus stehen Ihnen unsere umfangreiche technische Produktdokumentation sowie aktuelle Versionshinweise zur Verfügung. ELITE-Kunden erhalten auch Kontakt</a:t>
-            </a:r>
-            <a:br>
-              <a:rPr lang="sk-SK" sz="900" spc="-30" dirty="0">
-                <a:solidFill>
-                  <a:schemeClr val="bg1"/>
-                </a:solidFill>
-                <a:latin typeface="Adobe Clean SemiLight" panose="020B0403020404020204" pitchFamily="34" charset="0"/>
-              </a:rPr>
-            </a:br>
-            <a:r>
-              <a:rPr lang="de-DE" sz="900" spc="-30" dirty="0">
-                <a:solidFill>
-                  <a:schemeClr val="bg1"/>
-                </a:solidFill>
-                <a:latin typeface="Adobe Clean SemiLight" panose="020B0403020404020204" pitchFamily="34" charset="0"/>
-              </a:rPr>
-              <a:t>zu einem spezifischen Support-Mitarbeiter sowie einem Technical Account Manager. Diese sind Ihre Ansprechpartner für technische</a:t>
-            </a:r>
-            <a:br>
-              <a:rPr lang="sk-SK" sz="900" spc="-30" dirty="0">
-                <a:solidFill>
-                  <a:schemeClr val="bg1"/>
-                </a:solidFill>
-                <a:latin typeface="Adobe Clean SemiLight" panose="020B0403020404020204" pitchFamily="34" charset="0"/>
-              </a:rPr>
-            </a:br>
-            <a:r>
-              <a:rPr lang="de-DE" sz="900" spc="-30" dirty="0">
-                <a:solidFill>
-                  <a:schemeClr val="bg1"/>
-                </a:solidFill>
-                <a:latin typeface="Adobe Clean SemiLight" panose="020B0403020404020204" pitchFamily="34" charset="0"/>
-              </a:rPr>
-              <a:t> Fragen im Adobe-Support-Team und arbeiten gemeinsam mit Ihnen daran, bestmöglichen, reaktionsschnellen Support anzubieten. </a:t>
-            </a:r>
-            <a:br>
-              <a:rPr lang="sk-SK" sz="900" spc="-30" dirty="0">
-                <a:solidFill>
-                  <a:schemeClr val="bg1"/>
-                </a:solidFill>
-                <a:latin typeface="Adobe Clean SemiLight" panose="020B0403020404020204" pitchFamily="34" charset="0"/>
-              </a:rPr>
-            </a:br>
-            <a:r>
-              <a:rPr lang="de-DE" sz="900" spc="-30" dirty="0">
-                <a:solidFill>
-                  <a:schemeClr val="bg1"/>
-                </a:solidFill>
-                <a:latin typeface="Adobe Clean SemiLight" panose="020B0403020404020204" pitchFamily="34" charset="0"/>
-              </a:rPr>
-              <a:t>Mit umfangreicher Expertise in unseren Experience Cloud-Lösungen unterstützt Sie das Support-Team von Adobe auch bei den komplexesten </a:t>
-            </a:r>
-            <a:br>
-              <a:rPr lang="sk-SK" sz="900" spc="-30" dirty="0">
-                <a:solidFill>
-                  <a:schemeClr val="bg1"/>
-                </a:solidFill>
-                <a:latin typeface="Adobe Clean SemiLight" panose="020B0403020404020204" pitchFamily="34" charset="0"/>
-              </a:rPr>
-            </a:br>
-            <a:r>
-              <a:rPr lang="de-DE" sz="900" spc="-30" dirty="0">
-                <a:solidFill>
-                  <a:schemeClr val="bg1"/>
-                </a:solidFill>
-                <a:latin typeface="Adobe Clean SemiLight" panose="020B0403020404020204" pitchFamily="34" charset="0"/>
-              </a:rPr>
-              <a:t>Support-Bedürfnissen. So können Sie das Optimum aus Ihren Investitionen in die Adobe Experience Cloud-Lösungen herausholen </a:t>
-            </a:r>
-            <a:br>
-              <a:rPr lang="sk-SK" sz="900" spc="-30" dirty="0">
-                <a:solidFill>
-                  <a:schemeClr val="bg1"/>
-                </a:solidFill>
-                <a:latin typeface="Adobe Clean SemiLight" panose="020B0403020404020204" pitchFamily="34" charset="0"/>
-              </a:rPr>
-            </a:br>
-            <a:r>
-              <a:rPr lang="de-DE" sz="900" spc="-30" dirty="0">
-                <a:solidFill>
-                  <a:schemeClr val="bg1"/>
-                </a:solidFill>
-                <a:latin typeface="Adobe Clean SemiLight" panose="020B0403020404020204" pitchFamily="34" charset="0"/>
-              </a:rPr>
-              <a:t>und Probleme vermeiden, bevor sie überhaupt entstehen.</a:t>
-            </a:r>
+              <a:t>Adobe provides a comprehensive range of technical resources to help support your business included as part of your Experience Cloud license subscription and further enhanced in the ELITE support package. ELITE support includes access to personalized learning paths and monitored community forums via the Adobe Experience League. You can also take advantage of our detailed and in-depth technical product documentation and current release notes. ELITE customers will also have access to a Named Support Engineer as well as a Technical Account Manager who combine and work in partnership with you to provide best in class proactive and reactive support while acting as your designated technical contacts in the Adobe Support Team. With deep experience in your designated Experience Cloud solutions, your support team work to ensure that no matter how complex your support needs are, the Adobe Support team will be there side by side with you throughout, to ensure you maximize your investment in the Adobe Experience Cloud solutions and to help you avoid problems before they happen.</a:t>
+            </a:r>
+            <a:endParaRPr sz="900">
+              <a:solidFill>
+                <a:schemeClr val="bg1"/>
+              </a:solidFill>
+              <a:latin typeface="AdobeClean-Light"/>
+              <a:cs typeface="AdobeClean-Light"/>
+            </a:endParaRPr>
           </a:p>
         </p:txBody>
       </p:sp>
@@ -2462,7 +2446,7 @@
         </p:nvSpPr>
         <p:spPr>
           <a:xfrm>
-            <a:off x="168564" y="7024371"/>
+            <a:off x="168564" y="7162800"/>
             <a:ext cx="2780665" cy="238760"/>
           </a:xfrm>
           <a:prstGeom prst="rect">
@@ -2484,7 +2468,7 @@
               </a:spcBef>
             </a:pPr>
             <a:r>
-              <a:rPr lang="de-DE" sz="1400" b="1" u="heavy">
+              <a:rPr sz="1400" b="1" u="heavy" spc="20">
                 <a:solidFill>
                   <a:srgbClr val="020302"/>
                 </a:solidFill>
@@ -2496,8 +2480,447 @@
                 <a:latin typeface="Adobe Clean"/>
                 <a:cs typeface="Adobe Clean"/>
               </a:rPr>
-              <a:t>Service-Level-Ziele: Erste Reaktion</a:t>
-            </a:r>
+              <a:t>S</a:t>
+            </a:r>
+            <a:r>
+              <a:rPr sz="1400" b="1" u="heavy">
+                <a:solidFill>
+                  <a:srgbClr val="020302"/>
+                </a:solidFill>
+                <a:uFill>
+                  <a:solidFill>
+                    <a:srgbClr val="020302"/>
+                  </a:solidFill>
+                </a:uFill>
+                <a:latin typeface="Adobe Clean"/>
+                <a:cs typeface="Adobe Clean"/>
+              </a:rPr>
+              <a:t>er</a:t>
+            </a:r>
+            <a:r>
+              <a:rPr sz="1400" b="1" u="heavy" spc="10">
+                <a:solidFill>
+                  <a:srgbClr val="020302"/>
+                </a:solidFill>
+                <a:uFill>
+                  <a:solidFill>
+                    <a:srgbClr val="020302"/>
+                  </a:solidFill>
+                </a:uFill>
+                <a:latin typeface="Adobe Clean"/>
+                <a:cs typeface="Adobe Clean"/>
+              </a:rPr>
+              <a:t>vi</a:t>
+            </a:r>
+            <a:r>
+              <a:rPr sz="1400" b="1" u="heavy">
+                <a:solidFill>
+                  <a:srgbClr val="020302"/>
+                </a:solidFill>
+                <a:uFill>
+                  <a:solidFill>
+                    <a:srgbClr val="020302"/>
+                  </a:solidFill>
+                </a:uFill>
+                <a:latin typeface="Adobe Clean"/>
+                <a:cs typeface="Adobe Clean"/>
+              </a:rPr>
+              <a:t>ce</a:t>
+            </a:r>
+            <a:r>
+              <a:rPr sz="1400" b="1" u="heavy" spc="20">
+                <a:solidFill>
+                  <a:srgbClr val="020302"/>
+                </a:solidFill>
+                <a:uFill>
+                  <a:solidFill>
+                    <a:srgbClr val="020302"/>
+                  </a:solidFill>
+                </a:uFill>
+                <a:latin typeface="Adobe Clean"/>
+                <a:cs typeface="Adobe Clean"/>
+              </a:rPr>
+              <a:t> </a:t>
+            </a:r>
+            <a:r>
+              <a:rPr sz="1400" b="1" u="heavy" spc="-20">
+                <a:solidFill>
+                  <a:srgbClr val="020302"/>
+                </a:solidFill>
+                <a:uFill>
+                  <a:solidFill>
+                    <a:srgbClr val="020302"/>
+                  </a:solidFill>
+                </a:uFill>
+                <a:latin typeface="Adobe Clean"/>
+                <a:cs typeface="Adobe Clean"/>
+              </a:rPr>
+              <a:t>Le</a:t>
+            </a:r>
+            <a:r>
+              <a:rPr sz="1400" b="1" u="heavy" spc="-10">
+                <a:solidFill>
+                  <a:srgbClr val="020302"/>
+                </a:solidFill>
+                <a:uFill>
+                  <a:solidFill>
+                    <a:srgbClr val="020302"/>
+                  </a:solidFill>
+                </a:uFill>
+                <a:latin typeface="Adobe Clean"/>
+                <a:cs typeface="Adobe Clean"/>
+              </a:rPr>
+              <a:t>v</a:t>
+            </a:r>
+            <a:r>
+              <a:rPr sz="1400" b="1" u="heavy" spc="-20">
+                <a:solidFill>
+                  <a:srgbClr val="020302"/>
+                </a:solidFill>
+                <a:uFill>
+                  <a:solidFill>
+                    <a:srgbClr val="020302"/>
+                  </a:solidFill>
+                </a:uFill>
+                <a:latin typeface="Adobe Clean"/>
+                <a:cs typeface="Adobe Clean"/>
+              </a:rPr>
+              <a:t>e</a:t>
+            </a:r>
+            <a:r>
+              <a:rPr sz="1400" b="1" u="heavy">
+                <a:solidFill>
+                  <a:srgbClr val="020302"/>
+                </a:solidFill>
+                <a:uFill>
+                  <a:solidFill>
+                    <a:srgbClr val="020302"/>
+                  </a:solidFill>
+                </a:uFill>
+                <a:latin typeface="Adobe Clean"/>
+                <a:cs typeface="Adobe Clean"/>
+              </a:rPr>
+              <a:t>l</a:t>
+            </a:r>
+            <a:r>
+              <a:rPr sz="1400" b="1" u="heavy" spc="-10">
+                <a:solidFill>
+                  <a:srgbClr val="020302"/>
+                </a:solidFill>
+                <a:uFill>
+                  <a:solidFill>
+                    <a:srgbClr val="020302"/>
+                  </a:solidFill>
+                </a:uFill>
+                <a:latin typeface="Adobe Clean"/>
+                <a:cs typeface="Adobe Clean"/>
+              </a:rPr>
+              <a:t> </a:t>
+            </a:r>
+            <a:r>
+              <a:rPr sz="1400" b="1" u="heavy" spc="-65">
+                <a:solidFill>
+                  <a:srgbClr val="020302"/>
+                </a:solidFill>
+                <a:uFill>
+                  <a:solidFill>
+                    <a:srgbClr val="020302"/>
+                  </a:solidFill>
+                </a:uFill>
+                <a:latin typeface="Adobe Clean"/>
+                <a:cs typeface="Adobe Clean"/>
+              </a:rPr>
+              <a:t>T</a:t>
+            </a:r>
+            <a:r>
+              <a:rPr sz="1400" b="1" u="heavy" spc="-35">
+                <a:solidFill>
+                  <a:srgbClr val="020302"/>
+                </a:solidFill>
+                <a:uFill>
+                  <a:solidFill>
+                    <a:srgbClr val="020302"/>
+                  </a:solidFill>
+                </a:uFill>
+                <a:latin typeface="Adobe Clean"/>
+                <a:cs typeface="Adobe Clean"/>
+              </a:rPr>
+              <a:t>a</a:t>
+            </a:r>
+            <a:r>
+              <a:rPr sz="1400" b="1" u="heavy" spc="-45">
+                <a:solidFill>
+                  <a:srgbClr val="020302"/>
+                </a:solidFill>
+                <a:uFill>
+                  <a:solidFill>
+                    <a:srgbClr val="020302"/>
+                  </a:solidFill>
+                </a:uFill>
+                <a:latin typeface="Adobe Clean"/>
+                <a:cs typeface="Adobe Clean"/>
+              </a:rPr>
+              <a:t>r</a:t>
+            </a:r>
+            <a:r>
+              <a:rPr sz="1400" b="1" u="heavy" spc="-35">
+                <a:solidFill>
+                  <a:srgbClr val="020302"/>
+                </a:solidFill>
+                <a:uFill>
+                  <a:solidFill>
+                    <a:srgbClr val="020302"/>
+                  </a:solidFill>
+                </a:uFill>
+                <a:latin typeface="Adobe Clean"/>
+                <a:cs typeface="Adobe Clean"/>
+              </a:rPr>
+              <a:t>g</a:t>
+            </a:r>
+            <a:r>
+              <a:rPr sz="1400" b="1" u="heavy" spc="-55">
+                <a:solidFill>
+                  <a:srgbClr val="020302"/>
+                </a:solidFill>
+                <a:uFill>
+                  <a:solidFill>
+                    <a:srgbClr val="020302"/>
+                  </a:solidFill>
+                </a:uFill>
+                <a:latin typeface="Adobe Clean"/>
+                <a:cs typeface="Adobe Clean"/>
+              </a:rPr>
+              <a:t>et</a:t>
+            </a:r>
+            <a:r>
+              <a:rPr sz="1400" b="1" u="heavy" spc="-45">
+                <a:solidFill>
+                  <a:srgbClr val="020302"/>
+                </a:solidFill>
+                <a:uFill>
+                  <a:solidFill>
+                    <a:srgbClr val="020302"/>
+                  </a:solidFill>
+                </a:uFill>
+                <a:latin typeface="Adobe Clean"/>
+                <a:cs typeface="Adobe Clean"/>
+              </a:rPr>
+              <a:t>s</a:t>
+            </a:r>
+            <a:r>
+              <a:rPr sz="1400" b="1" u="heavy">
+                <a:solidFill>
+                  <a:srgbClr val="020302"/>
+                </a:solidFill>
+                <a:uFill>
+                  <a:solidFill>
+                    <a:srgbClr val="020302"/>
+                  </a:solidFill>
+                </a:uFill>
+                <a:latin typeface="Adobe Clean"/>
+                <a:cs typeface="Adobe Clean"/>
+              </a:rPr>
+              <a:t>:</a:t>
+            </a:r>
+            <a:r>
+              <a:rPr sz="1400" b="1" u="heavy" spc="-80">
+                <a:solidFill>
+                  <a:srgbClr val="020302"/>
+                </a:solidFill>
+                <a:uFill>
+                  <a:solidFill>
+                    <a:srgbClr val="020302"/>
+                  </a:solidFill>
+                </a:uFill>
+                <a:latin typeface="Adobe Clean"/>
+                <a:cs typeface="Adobe Clean"/>
+              </a:rPr>
+              <a:t> </a:t>
+            </a:r>
+            <a:r>
+              <a:rPr sz="1400" b="1" u="heavy" spc="-20">
+                <a:solidFill>
+                  <a:srgbClr val="020302"/>
+                </a:solidFill>
+                <a:uFill>
+                  <a:solidFill>
+                    <a:srgbClr val="020302"/>
+                  </a:solidFill>
+                </a:uFill>
+                <a:latin typeface="Adobe Clean"/>
+                <a:cs typeface="Adobe Clean"/>
+              </a:rPr>
+              <a:t>I</a:t>
+            </a:r>
+            <a:r>
+              <a:rPr sz="1400" b="1" u="heavy" spc="-10">
+                <a:solidFill>
+                  <a:srgbClr val="020302"/>
+                </a:solidFill>
+                <a:uFill>
+                  <a:solidFill>
+                    <a:srgbClr val="020302"/>
+                  </a:solidFill>
+                </a:uFill>
+                <a:latin typeface="Adobe Clean"/>
+                <a:cs typeface="Adobe Clean"/>
+              </a:rPr>
+              <a:t>ni</a:t>
+            </a:r>
+            <a:r>
+              <a:rPr sz="1400" b="1" u="heavy" spc="-20">
+                <a:solidFill>
+                  <a:srgbClr val="020302"/>
+                </a:solidFill>
+                <a:uFill>
+                  <a:solidFill>
+                    <a:srgbClr val="020302"/>
+                  </a:solidFill>
+                </a:uFill>
+                <a:latin typeface="Adobe Clean"/>
+                <a:cs typeface="Adobe Clean"/>
+              </a:rPr>
+              <a:t>t</a:t>
+            </a:r>
+            <a:r>
+              <a:rPr sz="1400" b="1" u="heavy" spc="-10">
+                <a:solidFill>
+                  <a:srgbClr val="020302"/>
+                </a:solidFill>
+                <a:uFill>
+                  <a:solidFill>
+                    <a:srgbClr val="020302"/>
+                  </a:solidFill>
+                </a:uFill>
+                <a:latin typeface="Adobe Clean"/>
+                <a:cs typeface="Adobe Clean"/>
+              </a:rPr>
+              <a:t>i</a:t>
+            </a:r>
+            <a:r>
+              <a:rPr sz="1400" b="1" u="heavy">
+                <a:solidFill>
+                  <a:srgbClr val="020302"/>
+                </a:solidFill>
+                <a:uFill>
+                  <a:solidFill>
+                    <a:srgbClr val="020302"/>
+                  </a:solidFill>
+                </a:uFill>
+                <a:latin typeface="Adobe Clean"/>
+                <a:cs typeface="Adobe Clean"/>
+              </a:rPr>
+              <a:t>al</a:t>
+            </a:r>
+            <a:r>
+              <a:rPr sz="1400" b="1" u="heavy" spc="-140">
+                <a:solidFill>
+                  <a:srgbClr val="020302"/>
+                </a:solidFill>
+                <a:uFill>
+                  <a:solidFill>
+                    <a:srgbClr val="020302"/>
+                  </a:solidFill>
+                </a:uFill>
+                <a:latin typeface="Adobe Clean"/>
+                <a:cs typeface="Adobe Clean"/>
+              </a:rPr>
+              <a:t> </a:t>
+            </a:r>
+            <a:r>
+              <a:rPr sz="1400" b="1" u="heavy" spc="-15">
+                <a:solidFill>
+                  <a:srgbClr val="020302"/>
+                </a:solidFill>
+                <a:uFill>
+                  <a:solidFill>
+                    <a:srgbClr val="020302"/>
+                  </a:solidFill>
+                </a:uFill>
+                <a:latin typeface="Adobe Clean"/>
+                <a:cs typeface="Adobe Clean"/>
+              </a:rPr>
+              <a:t>R</a:t>
+            </a:r>
+            <a:r>
+              <a:rPr sz="1400" b="1" u="heavy" spc="-25">
+                <a:solidFill>
+                  <a:srgbClr val="020302"/>
+                </a:solidFill>
+                <a:uFill>
+                  <a:solidFill>
+                    <a:srgbClr val="020302"/>
+                  </a:solidFill>
+                </a:uFill>
+                <a:latin typeface="Adobe Clean"/>
+                <a:cs typeface="Adobe Clean"/>
+              </a:rPr>
+              <a:t>e</a:t>
+            </a:r>
+            <a:r>
+              <a:rPr sz="1400" b="1" u="heavy" spc="-15">
+                <a:solidFill>
+                  <a:srgbClr val="020302"/>
+                </a:solidFill>
+                <a:uFill>
+                  <a:solidFill>
+                    <a:srgbClr val="020302"/>
+                  </a:solidFill>
+                </a:uFill>
+                <a:latin typeface="Adobe Clean"/>
+                <a:cs typeface="Adobe Clean"/>
+              </a:rPr>
+              <a:t>s</a:t>
+            </a:r>
+            <a:r>
+              <a:rPr sz="1400" b="1" u="heavy" spc="-25">
+                <a:solidFill>
+                  <a:srgbClr val="020302"/>
+                </a:solidFill>
+                <a:uFill>
+                  <a:solidFill>
+                    <a:srgbClr val="020302"/>
+                  </a:solidFill>
+                </a:uFill>
+                <a:latin typeface="Adobe Clean"/>
+                <a:cs typeface="Adobe Clean"/>
+              </a:rPr>
+              <a:t>p</a:t>
+            </a:r>
+            <a:r>
+              <a:rPr sz="1400" b="1" u="heavy" spc="-15">
+                <a:solidFill>
+                  <a:srgbClr val="020302"/>
+                </a:solidFill>
+                <a:uFill>
+                  <a:solidFill>
+                    <a:srgbClr val="020302"/>
+                  </a:solidFill>
+                </a:uFill>
+                <a:latin typeface="Adobe Clean"/>
+                <a:cs typeface="Adobe Clean"/>
+              </a:rPr>
+              <a:t>ons</a:t>
+            </a:r>
+            <a:r>
+              <a:rPr sz="1400" b="1" u="heavy">
+                <a:solidFill>
+                  <a:srgbClr val="020302"/>
+                </a:solidFill>
+                <a:uFill>
+                  <a:solidFill>
+                    <a:srgbClr val="020302"/>
+                  </a:solidFill>
+                </a:uFill>
+                <a:latin typeface="Adobe Clean"/>
+                <a:cs typeface="Adobe Clean"/>
+              </a:rPr>
+              <a:t>e</a:t>
+            </a:r>
+            <a:endParaRPr sz="1400">
+              <a:latin typeface="Adobe Clean"/>
+              <a:cs typeface="Adobe Clean"/>
+            </a:endParaRPr>
           </a:p>
         </p:txBody>
       </p:sp>
@@ -2510,14 +2933,14 @@
           <p:nvPr>
             <p:extLst>
               <p:ext uri="{D42A27DB-BD31-4B8C-83A1-F6EECF244321}">
-                <p14:modId xmlns:p14="http://schemas.microsoft.com/office/powerpoint/2010/main" val="765862485"/>
+                <p14:modId xmlns:p14="http://schemas.microsoft.com/office/powerpoint/2010/main" val="101721845"/>
               </p:ext>
             </p:extLst>
           </p:nvPr>
         </p:nvGraphicFramePr>
         <p:xfrm>
           <a:off x="145668" y="7473158"/>
-          <a:ext cx="7409815" cy="2386721"/>
+          <a:ext cx="7409815" cy="2259721"/>
         </p:xfrm>
         <a:graphic>
           <a:graphicData uri="http://schemas.openxmlformats.org/drawingml/2006/table">
@@ -2563,15 +2986,19 @@
                         </a:spcBef>
                       </a:pPr>
                       <a:r>
-                        <a:rPr lang="de-DE" sz="900">
+                        <a:rPr sz="900" spc="0">
                           <a:solidFill>
                             <a:srgbClr val="020302"/>
                           </a:solidFill>
                           <a:latin typeface="Adobe Clean"/>
                           <a:cs typeface="Adobe Clean"/>
                         </a:rPr>
-                        <a:t>Priorität</a:t>
+                        <a:t>Priority</a:t>
                       </a:r>
+                      <a:endParaRPr sz="900" spc="0">
+                        <a:latin typeface="Adobe Clean"/>
+                        <a:cs typeface="Adobe Clean"/>
+                      </a:endParaRPr>
                     </a:p>
                   </a:txBody>
                   <a:tcPr marL="0" marR="0" marT="5715" marB="0" anchor="ctr">
@@ -2618,15 +3045,39 @@
                         </a:spcBef>
                       </a:pPr>
                       <a:r>
-                        <a:rPr lang="de-DE" sz="900">
+                        <a:rPr sz="900" spc="0">
                           <a:solidFill>
                             <a:srgbClr val="020302"/>
                           </a:solidFill>
                           <a:latin typeface="Adobe Clean"/>
                           <a:cs typeface="Adobe Clean"/>
                         </a:rPr>
-                        <a:t>Online Support</a:t>
+                        <a:t>Online</a:t>
                       </a:r>
+                      <a:r>
+                        <a:rPr lang="en-US" sz="900" spc="0">
+                          <a:solidFill>
+                            <a:srgbClr val="020302"/>
+                          </a:solidFill>
+                          <a:latin typeface="Adobe Clean"/>
+                          <a:cs typeface="Adobe Clean"/>
+                        </a:rPr>
+                        <a:t> </a:t>
+                      </a:r>
+                      <a:r>
+                        <a:rPr sz="900" spc="0">
+                          <a:solidFill>
+                            <a:srgbClr val="020302"/>
+                          </a:solidFill>
+                          <a:latin typeface="Adobe Clean"/>
+                          <a:cs typeface="Adobe Clean"/>
+                        </a:rPr>
+                        <a:t> Support</a:t>
+                      </a:r>
+                      <a:endParaRPr sz="900" spc="0">
+                        <a:latin typeface="Adobe Clean"/>
+                        <a:cs typeface="Adobe Clean"/>
+                      </a:endParaRPr>
                     </a:p>
                   </a:txBody>
                   <a:tcPr marL="0" marR="0" marT="5715" marB="0" anchor="ctr">
@@ -2676,15 +3127,39 @@
                         </a:spcBef>
                       </a:pPr>
                       <a:r>
-                        <a:rPr lang="de-DE" sz="900">
+                        <a:rPr sz="900" spc="0">
                           <a:solidFill>
                             <a:srgbClr val="FFFFFF"/>
                           </a:solidFill>
                           <a:latin typeface="Adobe Clean"/>
                           <a:cs typeface="Adobe Clean"/>
                         </a:rPr>
-                        <a:t>Elite Support</a:t>
+                        <a:t>Elite </a:t>
                       </a:r>
+                      <a:r>
+                        <a:rPr lang="en-US" sz="900" spc="0">
+                          <a:solidFill>
+                            <a:srgbClr val="FFFFFF"/>
+                          </a:solidFill>
+                          <a:latin typeface="Adobe Clean"/>
+                          <a:cs typeface="Adobe Clean"/>
+                        </a:rPr>
+                        <a:t> </a:t>
+                      </a:r>
+                      <a:r>
+                        <a:rPr sz="900" spc="0">
+                          <a:solidFill>
+                            <a:srgbClr val="FFFFFF"/>
+                          </a:solidFill>
+                          <a:latin typeface="Adobe Clean"/>
+                          <a:cs typeface="Adobe Clean"/>
+                        </a:rPr>
+                        <a:t>Support</a:t>
+                      </a:r>
+                      <a:endParaRPr sz="900" spc="0">
+                        <a:latin typeface="Adobe Clean"/>
+                        <a:cs typeface="Adobe Clean"/>
+                      </a:endParaRPr>
                     </a:p>
                   </a:txBody>
                   <a:tcPr marL="0" marR="0" marT="8255" marB="0" anchor="ctr">
@@ -2741,15 +3216,19 @@
                         </a:spcBef>
                       </a:pPr>
                       <a:r>
-                        <a:rPr lang="de-DE" sz="900" b="1" dirty="0">
+                        <a:rPr sz="900" b="1" spc="0">
                           <a:solidFill>
                             <a:srgbClr val="020302"/>
                           </a:solidFill>
                           <a:latin typeface="Adobe Clean"/>
                           <a:cs typeface="Adobe Clean"/>
                         </a:rPr>
-                        <a:t>PRIORITÄT 1</a:t>
+                        <a:t>PRIORITY 1</a:t>
                       </a:r>
+                      <a:endParaRPr sz="900" spc="0">
+                        <a:latin typeface="Adobe Clean"/>
+                        <a:cs typeface="Adobe Clean"/>
+                      </a:endParaRPr>
                     </a:p>
                     <a:p>
                       <a:pPr marL="50165" marR="495934" algn="l">
@@ -2761,31 +3240,19 @@
                         </a:spcBef>
                       </a:pPr>
                       <a:r>
-                        <a:rPr lang="de-DE" sz="900" b="0" i="0" u="none" strike="noStrike" dirty="0">
+                        <a:rPr lang="en-US" sz="900" b="0" i="0" u="none" strike="noStrike" spc="0">
                           <a:solidFill>
                             <a:srgbClr val="000000"/>
                           </a:solidFill>
+                          <a:effectLst/>
                           <a:latin typeface="Adobe Clean Light" panose="020B0303020404020204" pitchFamily="34" charset="0"/>
                         </a:rPr>
-                        <a:t>Die Produktionsfunktionen im Unternehmen des Kunden sind ausgefallen oder weisen </a:t>
+                        <a:t>Customer's production business functions are down or have significant data loss or service degradation and immediate attention is required to restore functionality and usability</a:t>
                       </a:r>
-                      <a:br>
-                        <a:rPr lang="sk-SK" sz="900" b="0" i="0" u="none" strike="noStrike" dirty="0">
-                          <a:solidFill>
-                            <a:srgbClr val="000000"/>
-                          </a:solidFill>
-                          <a:latin typeface="Adobe Clean Light" panose="020B0303020404020204" pitchFamily="34" charset="0"/>
-                        </a:rPr>
-                      </a:br>
-                      <a:r>
-                        <a:rPr lang="de-DE" sz="900" b="0" i="0" u="none" strike="noStrike" dirty="0">
-                          <a:solidFill>
-                            <a:srgbClr val="000000"/>
-                          </a:solidFill>
-                          <a:latin typeface="Adobe Clean Light" panose="020B0303020404020204" pitchFamily="34" charset="0"/>
-                        </a:rPr>
-                        <a:t>einen erheblichen Datenverlust oder eine Beeinträchtigung des Service auf und ein sofortiges Eingreifen ist nötig, um Funktionalität und Nutzbarkeit wiederherzustellen</a:t>
-                      </a:r>
+                      <a:endParaRPr sz="900" spc="0">
+                        <a:latin typeface="AdobeClean-Light"/>
+                        <a:cs typeface="AdobeClean-Light"/>
+                      </a:endParaRPr>
                     </a:p>
                   </a:txBody>
                   <a:tcPr marL="0" marR="0" marT="0" marB="0" anchor="ctr">
@@ -2823,40 +3290,85 @@
                     <a:bodyPr/>
                     <a:lstStyle/>
                     <a:p>
-                      <a:pPr marL="457200" marR="492125" indent="-57150" algn="ctr" defTabSz="1143000">
+                      <a:pPr marL="542925" marR="492125" algn="l">
                         <a:lnSpc>
                           <a:spcPct val="102200"/>
                         </a:lnSpc>
                       </a:pPr>
                       <a:r>
-                        <a:rPr lang="de-DE" sz="900" dirty="0">
+                        <a:rPr sz="900" spc="0">
                           <a:solidFill>
                             <a:srgbClr val="020302"/>
                           </a:solidFill>
                           <a:latin typeface="AdobeClean-Light"/>
                           <a:cs typeface="AdobeClean-Light"/>
                         </a:rPr>
-                        <a:t>24x7/</a:t>
+                        <a:t>24x7</a:t>
                       </a:r>
-                      <a:br>
-                        <a:rPr lang="sk-SK" sz="900" dirty="0">
+                      <a:r>
+                        <a:rPr lang="en-US" sz="900" spc="0">
                           <a:solidFill>
                             <a:srgbClr val="020302"/>
                           </a:solidFill>
                           <a:latin typeface="AdobeClean-Light"/>
                           <a:cs typeface="AdobeClean-Light"/>
                         </a:rPr>
-                      </a:br>
+                        <a:t> </a:t>
+                      </a:r>
                       <a:r>
-                        <a:rPr lang="de-DE" sz="900" dirty="0">
+                        <a:rPr sz="900" spc="0">
                           <a:solidFill>
                             <a:srgbClr val="020302"/>
                           </a:solidFill>
                           <a:latin typeface="AdobeClean-Light"/>
                           <a:cs typeface="AdobeClean-Light"/>
                         </a:rPr>
-                        <a:t>1 Stunde</a:t>
+                        <a:t>/</a:t>
                       </a:r>
+                      <a:r>
+                        <a:rPr lang="en-US" sz="900" spc="0">
+                          <a:solidFill>
+                            <a:srgbClr val="020302"/>
+                          </a:solidFill>
+                          <a:latin typeface="AdobeClean-Light"/>
+                          <a:cs typeface="AdobeClean-Light"/>
+                        </a:rPr>
+                        <a:t>         </a:t>
+                      </a:r>
+                      <a:r>
+                        <a:rPr sz="900" spc="0">
+                          <a:solidFill>
+                            <a:srgbClr val="020302"/>
+                          </a:solidFill>
+                          <a:latin typeface="AdobeClean-Light"/>
+                          <a:cs typeface="AdobeClean-Light"/>
+                        </a:rPr>
+                        <a:t>  1</a:t>
+                      </a:r>
+                      <a:r>
+                        <a:rPr lang="en-US" sz="900" spc="0">
+                          <a:solidFill>
+                            <a:srgbClr val="020302"/>
+                          </a:solidFill>
+                          <a:latin typeface="AdobeClean-Light"/>
+                          <a:cs typeface="AdobeClean-Light"/>
+                        </a:rPr>
+                        <a:t> </a:t>
+                      </a:r>
+                      <a:r>
+                        <a:rPr sz="900" spc="0">
+                          <a:solidFill>
+                            <a:srgbClr val="020302"/>
+                          </a:solidFill>
+                          <a:latin typeface="AdobeClean-Light"/>
+                          <a:cs typeface="AdobeClean-Light"/>
+                        </a:rPr>
+                        <a:t>hour</a:t>
+                      </a:r>
+                      <a:endParaRPr sz="900" spc="0">
+                        <a:latin typeface="AdobeClean-Light"/>
+                        <a:cs typeface="AdobeClean-Light"/>
+                      </a:endParaRPr>
                     </a:p>
                   </a:txBody>
                   <a:tcPr marL="0" marR="0" marT="0" marB="0" anchor="ctr">
@@ -2894,40 +3406,75 @@
                     <a:bodyPr/>
                     <a:lstStyle/>
                     <a:p>
-                      <a:pPr marL="405130" marR="459740" indent="92710" algn="ctr">
+                      <a:pPr marL="405130" marR="459740" indent="92710" algn="l">
                         <a:lnSpc>
                           <a:spcPct val="100000"/>
                         </a:lnSpc>
                       </a:pPr>
                       <a:r>
-                        <a:rPr lang="de-DE" sz="900" dirty="0">
+                        <a:rPr lang="en-US" sz="900" spc="0">
                           <a:solidFill>
                             <a:srgbClr val="020302"/>
                           </a:solidFill>
                           <a:latin typeface="AdobeClean-Light"/>
                           <a:cs typeface="AdobeClean-Light"/>
                         </a:rPr>
-                        <a:t>24x7/</a:t>
+                        <a:t>2</a:t>
                       </a:r>
-                      <a:br>
-                        <a:rPr lang="sk-SK" sz="900" dirty="0">
+                      <a:r>
+                        <a:rPr sz="900" spc="0">
                           <a:solidFill>
                             <a:srgbClr val="020302"/>
                           </a:solidFill>
                           <a:latin typeface="AdobeClean-Light"/>
                           <a:cs typeface="AdobeClean-Light"/>
                         </a:rPr>
-                      </a:br>
+                        <a:t>4x7 / </a:t>
+                      </a:r>
                       <a:r>
-                        <a:rPr lang="de-DE" sz="900" dirty="0">
+                        <a:rPr lang="en-US" sz="900" spc="0">
                           <a:solidFill>
                             <a:srgbClr val="020302"/>
                           </a:solidFill>
                           <a:latin typeface="AdobeClean-Light"/>
                           <a:cs typeface="AdobeClean-Light"/>
                         </a:rPr>
-                        <a:t>15 Minuten</a:t>
+                        <a:t> </a:t>
                       </a:r>
+                      <a:r>
+                        <a:rPr sz="900" spc="0">
+                          <a:solidFill>
+                            <a:srgbClr val="020302"/>
+                          </a:solidFill>
+                          <a:latin typeface="AdobeClean-Light"/>
+                          <a:cs typeface="AdobeClean-Light"/>
+                        </a:rPr>
+                        <a:t> 15</a:t>
+                      </a:r>
+                      <a:r>
+                        <a:rPr lang="en-US" sz="900" spc="0">
+                          <a:solidFill>
+                            <a:srgbClr val="020302"/>
+                          </a:solidFill>
+                          <a:latin typeface="AdobeClean-Light"/>
+                          <a:cs typeface="AdobeClean-Light"/>
+                        </a:rPr>
+                        <a:t> </a:t>
+                      </a:r>
+                      <a:r>
+                        <a:rPr sz="900" spc="0">
+                          <a:solidFill>
+                            <a:srgbClr val="020302"/>
+                          </a:solidFill>
+                          <a:latin typeface="AdobeClean-Light"/>
+                          <a:cs typeface="AdobeClean-Light"/>
+                        </a:rPr>
+                        <a:t>minutes</a:t>
+                      </a:r>
+                      <a:endParaRPr sz="900" spc="0">
+                        <a:latin typeface="AdobeClean-Light"/>
+                        <a:cs typeface="AdobeClean-Light"/>
+                      </a:endParaRPr>
                     </a:p>
                   </a:txBody>
                   <a:tcPr marL="0" marR="0" marT="2540" marB="0" anchor="ctr">
@@ -2989,15 +3536,19 @@
                         </a:spcBef>
                       </a:pPr>
                       <a:r>
-                        <a:rPr lang="de-DE" sz="900" b="1" dirty="0">
+                        <a:rPr sz="900" b="1" spc="0">
                           <a:solidFill>
                             <a:srgbClr val="020302"/>
                           </a:solidFill>
                           <a:latin typeface="Adobe Clean"/>
                           <a:cs typeface="Adobe Clean"/>
                         </a:rPr>
-                        <a:t>PRIORITÄT 2</a:t>
+                        <a:t>PRIORITY 2</a:t>
                       </a:r>
+                      <a:endParaRPr sz="900" spc="0">
+                        <a:latin typeface="Adobe Clean"/>
+                        <a:cs typeface="Adobe Clean"/>
+                      </a:endParaRPr>
                     </a:p>
                     <a:p>
                       <a:pPr marL="49530" marR="719455" algn="l">
@@ -3009,31 +3560,19 @@
                         </a:spcBef>
                       </a:pPr>
                       <a:r>
-                        <a:rPr lang="de-DE" sz="900" b="0" i="0" u="none" strike="noStrike" dirty="0">
+                        <a:rPr lang="en-US" sz="900" b="0" i="0" u="none" strike="noStrike" spc="0">
                           <a:solidFill>
                             <a:srgbClr val="000000"/>
                           </a:solidFill>
+                          <a:effectLst/>
                           <a:latin typeface="Adobe Clean Light" panose="020B0303020404020204" pitchFamily="34" charset="0"/>
                         </a:rPr>
-                        <a:t>Die Unternehmensfunktionen des Kunden weisen eine erhebliche Beeinträchtigung </a:t>
+                        <a:t>Customer's business functions have major service degradation or potential data loss, or a major feature is impacted</a:t>
                       </a:r>
-                      <a:br>
-                        <a:rPr lang="sk-SK" sz="900" b="0" i="0" u="none" strike="noStrike" dirty="0">
-                          <a:solidFill>
-                            <a:srgbClr val="000000"/>
-                          </a:solidFill>
-                          <a:latin typeface="Adobe Clean Light" panose="020B0303020404020204" pitchFamily="34" charset="0"/>
-                        </a:rPr>
-                      </a:br>
-                      <a:r>
-                        <a:rPr lang="de-DE" sz="900" b="0" i="0" u="none" strike="noStrike" dirty="0">
-                          <a:solidFill>
-                            <a:srgbClr val="000000"/>
-                          </a:solidFill>
-                          <a:latin typeface="Adobe Clean Light" panose="020B0303020404020204" pitchFamily="34" charset="0"/>
-                        </a:rPr>
-                        <a:t>des Service oder möglichen Datenverlust auf oder eine zentrale Funktion ist betroffen</a:t>
-                      </a:r>
+                      <a:endParaRPr sz="900" spc="0">
+                        <a:latin typeface="AdobeClean-Light"/>
+                        <a:cs typeface="AdobeClean-Light"/>
+                      </a:endParaRPr>
                     </a:p>
                   </a:txBody>
                   <a:tcPr marL="0" marR="0" marT="0" marB="0" anchor="ctr">
@@ -3077,15 +3616,59 @@
                         </a:lnSpc>
                       </a:pPr>
                       <a:r>
-                        <a:rPr lang="de-DE" sz="900">
+                        <a:rPr sz="900" spc="0">
                           <a:solidFill>
                             <a:srgbClr val="020302"/>
                           </a:solidFill>
                           <a:latin typeface="AdobeClean-Light"/>
                           <a:cs typeface="AdobeClean-Light"/>
                         </a:rPr>
-                        <a:t>Geschäftszeiten/4 Stunden</a:t>
+                        <a:t>Business hours</a:t>
                       </a:r>
+                      <a:r>
+                        <a:rPr lang="en-US" sz="900" spc="0">
+                          <a:solidFill>
+                            <a:srgbClr val="020302"/>
+                          </a:solidFill>
+                          <a:latin typeface="AdobeClean-Light"/>
+                          <a:cs typeface="AdobeClean-Light"/>
+                        </a:rPr>
+                        <a:t> </a:t>
+                      </a:r>
+                      <a:r>
+                        <a:rPr sz="900" spc="0">
+                          <a:solidFill>
+                            <a:srgbClr val="020302"/>
+                          </a:solidFill>
+                          <a:latin typeface="AdobeClean-Light"/>
+                          <a:cs typeface="AdobeClean-Light"/>
+                        </a:rPr>
+                        <a:t>/  </a:t>
+                      </a:r>
+                      <a:r>
+                        <a:rPr lang="en-US" sz="900" spc="0">
+                          <a:solidFill>
+                            <a:srgbClr val="020302"/>
+                          </a:solidFill>
+                          <a:latin typeface="AdobeClean-Light"/>
+                          <a:cs typeface="AdobeClean-Light"/>
+                        </a:rPr>
+                        <a:t>     </a:t>
+                      </a:r>
+                      <a:r>
+                        <a:rPr sz="900" spc="0">
+                          <a:solidFill>
+                            <a:srgbClr val="020302"/>
+                          </a:solidFill>
+                          <a:latin typeface="AdobeClean-Light"/>
+                          <a:cs typeface="AdobeClean-Light"/>
+                        </a:rPr>
+                        <a:t>4 hours</a:t>
+                      </a:r>
+                      <a:endParaRPr sz="900" spc="0">
+                        <a:latin typeface="AdobeClean-Light"/>
+                        <a:cs typeface="AdobeClean-Light"/>
+                      </a:endParaRPr>
                     </a:p>
                   </a:txBody>
                   <a:tcPr marL="0" marR="0" marT="0" marB="0" anchor="ctr">
@@ -3120,40 +3703,45 @@
                     <a:bodyPr/>
                     <a:lstStyle/>
                     <a:p>
-                      <a:pPr marL="351790" marR="481330" indent="144145" algn="ctr">
+                      <a:pPr marL="351790" marR="481330" indent="144145" algn="l">
                         <a:lnSpc>
                           <a:spcPct val="102299"/>
                         </a:lnSpc>
                       </a:pPr>
                       <a:r>
-                        <a:rPr lang="de-DE" sz="900" dirty="0">
+                        <a:rPr sz="900" spc="0">
                           <a:solidFill>
                             <a:srgbClr val="020302"/>
                           </a:solidFill>
                           <a:latin typeface="AdobeClean-Light"/>
                           <a:cs typeface="AdobeClean-Light"/>
                         </a:rPr>
-                        <a:t>24x5/</a:t>
+                        <a:t>24x5 /  30</a:t>
                       </a:r>
-                      <a:br>
-                        <a:rPr lang="sk-SK" sz="900" dirty="0">
+                      <a:r>
+                        <a:rPr lang="en-US" sz="900" spc="0">
                           <a:solidFill>
                             <a:srgbClr val="020302"/>
                           </a:solidFill>
                           <a:latin typeface="AdobeClean-Light"/>
                           <a:cs typeface="AdobeClean-Light"/>
                         </a:rPr>
-                      </a:br>
+                        <a:t> m</a:t>
+                      </a:r>
                       <a:r>
-                        <a:rPr lang="de-DE" sz="900" dirty="0">
+                        <a:rPr sz="900" spc="0">
                           <a:solidFill>
                             <a:srgbClr val="020302"/>
                           </a:solidFill>
                           <a:latin typeface="AdobeClean-Light"/>
                           <a:cs typeface="AdobeClean-Light"/>
                         </a:rPr>
-                        <a:t>30 Minuten</a:t>
+                        <a:t>inutes</a:t>
                       </a:r>
+                      <a:endParaRPr sz="900" spc="0">
+                        <a:latin typeface="AdobeClean-Light"/>
+                        <a:cs typeface="AdobeClean-Light"/>
+                      </a:endParaRPr>
                     </a:p>
                   </a:txBody>
                   <a:tcPr marL="0" marR="0" marT="5080" marB="0" anchor="ctr">
@@ -3212,15 +3800,19 @@
                         </a:spcBef>
                       </a:pPr>
                       <a:r>
-                        <a:rPr lang="de-DE" sz="900" b="1" dirty="0">
+                        <a:rPr sz="900" b="1" spc="0">
                           <a:solidFill>
                             <a:srgbClr val="020302"/>
                           </a:solidFill>
                           <a:latin typeface="Adobe Clean"/>
                           <a:cs typeface="Adobe Clean"/>
                         </a:rPr>
-                        <a:t>PRIORITÄT 3</a:t>
+                        <a:t>PRIORITY 3</a:t>
                       </a:r>
+                      <a:endParaRPr sz="900" spc="0">
+                        <a:latin typeface="Adobe Clean"/>
+                        <a:cs typeface="Adobe Clean"/>
+                      </a:endParaRPr>
                     </a:p>
                     <a:p>
                       <a:pPr marL="48895" marR="387985" indent="-2540" algn="l">
@@ -3232,31 +3824,19 @@
                         </a:spcBef>
                       </a:pPr>
                       <a:r>
-                        <a:rPr lang="de-DE" sz="900" b="0" i="0" u="none" strike="noStrike" dirty="0">
+                        <a:rPr lang="en-US" sz="900" b="0" i="0" u="none" strike="noStrike" spc="0">
                           <a:solidFill>
                             <a:srgbClr val="000000"/>
                           </a:solidFill>
+                          <a:effectLst/>
                           <a:latin typeface="Adobe Clean Light" panose="020B0303020404020204" pitchFamily="34" charset="0"/>
                         </a:rPr>
-                        <a:t>Die Unternehmensfunktionen des Kunden weisen eine geringfügige oder gar keine Beeinträchtigung des Service auf, es gibt jedoch eine Lösung/Problemumgehung, </a:t>
+                        <a:t>Customer’s business functions has minor to no service degradation but there exists a solution/workaround allowing business functions to continue normally</a:t>
                       </a:r>
-                      <a:br>
-                        <a:rPr lang="sk-SK" sz="900" b="0" i="0" u="none" strike="noStrike" dirty="0">
-                          <a:solidFill>
-                            <a:srgbClr val="000000"/>
-                          </a:solidFill>
-                          <a:latin typeface="Adobe Clean Light" panose="020B0303020404020204" pitchFamily="34" charset="0"/>
-                        </a:rPr>
-                      </a:br>
-                      <a:r>
-                        <a:rPr lang="de-DE" sz="900" b="0" i="0" u="none" strike="noStrike" dirty="0">
-                          <a:solidFill>
-                            <a:srgbClr val="000000"/>
-                          </a:solidFill>
-                          <a:latin typeface="Adobe Clean Light" panose="020B0303020404020204" pitchFamily="34" charset="0"/>
-                        </a:rPr>
-                        <a:t>mit der die Unternehmensfunktionen weiterhin normal genutzt werden können</a:t>
-                      </a:r>
+                      <a:endParaRPr sz="900" spc="0">
+                        <a:latin typeface="AdobeClean-Light"/>
+                        <a:cs typeface="AdobeClean-Light"/>
+                      </a:endParaRPr>
                     </a:p>
                   </a:txBody>
                   <a:tcPr marL="0" marR="0" marT="0" marB="0" anchor="ctr">
@@ -3300,15 +3880,19 @@
                         </a:lnSpc>
                       </a:pPr>
                       <a:r>
-                        <a:rPr lang="de-DE" sz="900">
+                        <a:rPr lang="en-US" sz="900" spc="0">
                           <a:solidFill>
                             <a:srgbClr val="020302"/>
                           </a:solidFill>
                           <a:latin typeface="AdobeClean-Light"/>
                           <a:cs typeface="AdobeClean-Light"/>
                         </a:rPr>
-                        <a:t>Geschäftszeiten/6 Stunden</a:t>
+                        <a:t>Business hours /       6 hours</a:t>
                       </a:r>
+                      <a:endParaRPr lang="en-US" sz="900" spc="0">
+                        <a:latin typeface="AdobeClean-Light"/>
+                        <a:cs typeface="AdobeClean-Light"/>
+                      </a:endParaRPr>
                     </a:p>
                   </a:txBody>
                   <a:tcPr marL="0" marR="0" marT="0" marB="0" anchor="ctr">
@@ -3349,7 +3933,7 @@
                         </a:lnSpc>
                       </a:pPr>
                       <a:r>
-                        <a:rPr lang="de-DE" sz="900" dirty="0">
+                        <a:rPr lang="en-US" sz="900" spc="0">
                           <a:solidFill>
                             <a:srgbClr val="020302"/>
                           </a:solidFill>
@@ -3360,7 +3944,7 @@
                         <a:t>2</a:t>
                       </a:r>
                       <a:r>
-                        <a:rPr lang="de-DE" sz="900" dirty="0">
+                        <a:rPr sz="900" spc="0">
                           <a:solidFill>
                             <a:srgbClr val="020302"/>
                           </a:solidFill>
@@ -3368,7 +3952,29 @@
                           <a:ea typeface="+mn-ea"/>
                           <a:cs typeface="AdobeClean-Light"/>
                         </a:rPr>
-                        <a:t>4x5/1 Stunde</a:t>
+                        <a:t>4x5/  </a:t>
+                      </a:r>
+                      <a:r>
+                        <a:rPr lang="en-US" sz="900" spc="0">
+                          <a:solidFill>
+                            <a:srgbClr val="020302"/>
+                          </a:solidFill>
+                          <a:latin typeface="AdobeClean-Light"/>
+                          <a:ea typeface="+mn-ea"/>
+                          <a:cs typeface="AdobeClean-Light"/>
+                        </a:rPr>
+                        <a:t> </a:t>
+                      </a:r>
+                      <a:r>
+                        <a:rPr sz="900" spc="0">
+                          <a:solidFill>
+                            <a:srgbClr val="020302"/>
+                          </a:solidFill>
+                          <a:latin typeface="AdobeClean-Light"/>
+                          <a:ea typeface="+mn-ea"/>
+                          <a:cs typeface="AdobeClean-Light"/>
+                        </a:rPr>
+                        <a:t>1 hour</a:t>
                       </a:r>
                     </a:p>
                   </a:txBody>
@@ -3428,15 +4034,19 @@
                         </a:spcBef>
                       </a:pPr>
                       <a:r>
-                        <a:rPr lang="de-DE" sz="900" b="1">
+                        <a:rPr sz="900" b="1" spc="0">
                           <a:solidFill>
                             <a:srgbClr val="020302"/>
                           </a:solidFill>
                           <a:latin typeface="Adobe Clean"/>
                           <a:cs typeface="Adobe Clean"/>
                         </a:rPr>
-                        <a:t>PRIORITÄT 4</a:t>
+                        <a:t>PRIORITY 4</a:t>
                       </a:r>
+                      <a:endParaRPr sz="900" spc="0">
+                        <a:latin typeface="Adobe Clean"/>
+                        <a:cs typeface="Adobe Clean"/>
+                      </a:endParaRPr>
                     </a:p>
                     <a:p>
                       <a:pPr marL="62230" algn="l">
@@ -3448,14 +4058,19 @@
                         </a:spcBef>
                       </a:pPr>
                       <a:r>
-                        <a:rPr lang="de-DE" sz="900" b="0" i="0" u="none" strike="noStrike">
+                        <a:rPr lang="en-US" sz="900" b="0" i="0" u="none" strike="noStrike" spc="0">
                           <a:solidFill>
                             <a:srgbClr val="000000"/>
                           </a:solidFill>
+                          <a:effectLst/>
                           <a:latin typeface="Adobe Clean Light" panose="020B0303020404020204" pitchFamily="34" charset="0"/>
                         </a:rPr>
-                        <a:t>Allgemeine Frage zur aktuellen Produktfunktionalität oder Anfrage zu einer Erweiterung</a:t>
+                        <a:t>General question regarding current product functionality or an enhancement request</a:t>
                       </a:r>
+                      <a:endParaRPr sz="900" spc="0">
+                        <a:latin typeface="AdobeClean-Light"/>
+                        <a:cs typeface="AdobeClean-Light"/>
+                      </a:endParaRPr>
                     </a:p>
                   </a:txBody>
                   <a:tcPr marL="0" marR="0" marT="0" marB="0" anchor="ctr">
@@ -3499,34 +4114,19 @@
                         </a:lnSpc>
                       </a:pPr>
                       <a:r>
-                        <a:rPr lang="de-DE" sz="900" dirty="0">
+                        <a:rPr lang="en-US" sz="900" spc="0">
                           <a:solidFill>
                             <a:srgbClr val="020302"/>
                           </a:solidFill>
                           <a:latin typeface="AdobeClean-Light"/>
                           <a:cs typeface="AdobeClean-Light"/>
                         </a:rPr>
-                        <a:t>Geschäftstage/</a:t>
+                        <a:t>Business days /       3 days</a:t>
                       </a:r>
-                      <a:br>
-                        <a:rPr lang="sk-SK" sz="900" dirty="0">
-                          <a:solidFill>
-                            <a:srgbClr val="020302"/>
-                          </a:solidFill>
-                          <a:latin typeface="AdobeClean-Light"/>
-                          <a:cs typeface="AdobeClean-Light"/>
-                        </a:rPr>
-                      </a:br>
-                      <a:r>
-                        <a:rPr lang="de-DE" sz="900" dirty="0">
-                          <a:solidFill>
-                            <a:srgbClr val="020302"/>
-                          </a:solidFill>
-                          <a:latin typeface="AdobeClean-Light"/>
-                          <a:cs typeface="AdobeClean-Light"/>
-                        </a:rPr>
-                        <a:t>3 Tage</a:t>
-                      </a:r>
+                      <a:endParaRPr lang="en-US" sz="900" spc="0">
+                        <a:latin typeface="AdobeClean-Light"/>
+                        <a:cs typeface="AdobeClean-Light"/>
+                      </a:endParaRPr>
                     </a:p>
                   </a:txBody>
                   <a:tcPr marL="0" marR="0" marT="0" marB="0" anchor="ctr">
@@ -3561,40 +4161,25 @@
                     <a:bodyPr/>
                     <a:lstStyle/>
                     <a:p>
-                      <a:pPr marL="473709" marR="343535" indent="-175895" algn="ctr">
+                      <a:pPr marL="473709" marR="343535" indent="-175895" algn="l">
                         <a:lnSpc>
                           <a:spcPct val="102200"/>
                         </a:lnSpc>
                       </a:pPr>
                       <a:r>
-                        <a:rPr lang="de-DE" sz="900" dirty="0">
+                        <a:rPr lang="en-US" sz="900" spc="0">
                           <a:solidFill>
                             <a:srgbClr val="020302"/>
                           </a:solidFill>
                           <a:latin typeface="AdobeClean-Light"/>
                           <a:cs typeface="AdobeClean-Light"/>
                         </a:rPr>
-                        <a:t>Geschäftstage/</a:t>
+                        <a:t>Business days /       1 day</a:t>
                       </a:r>
-                      <a:br>
-                        <a:rPr lang="sk-SK" sz="900" dirty="0">
-                          <a:solidFill>
-                            <a:srgbClr val="020302"/>
-                          </a:solidFill>
-                          <a:latin typeface="AdobeClean-Light"/>
-                          <a:cs typeface="AdobeClean-Light"/>
-                        </a:rPr>
-                      </a:br>
-                      <a:r>
-                        <a:rPr lang="de-DE" sz="900" dirty="0">
-                          <a:solidFill>
-                            <a:srgbClr val="020302"/>
-                          </a:solidFill>
-                          <a:latin typeface="AdobeClean-Light"/>
-                          <a:cs typeface="AdobeClean-Light"/>
-                        </a:rPr>
-                        <a:t>1 Tag</a:t>
-                      </a:r>
+                      <a:endParaRPr lang="en-US" sz="900" spc="0">
+                        <a:latin typeface="AdobeClean-Light"/>
+                        <a:cs typeface="AdobeClean-Light"/>
+                      </a:endParaRPr>
                     </a:p>
                   </a:txBody>
                   <a:tcPr marL="0" marR="0" marT="27940" marB="0" anchor="ctr">
@@ -3672,8 +4257,8 @@
         </p:nvSpPr>
         <p:spPr>
           <a:xfrm>
-            <a:off x="97786" y="9888626"/>
-            <a:ext cx="2645413" cy="133370"/>
+            <a:off x="97787" y="9888626"/>
+            <a:ext cx="2202180" cy="149860"/>
           </a:xfrm>
           <a:prstGeom prst="rect">
             <a:avLst/>
@@ -3694,15 +4279,99 @@
               </a:spcBef>
             </a:pPr>
             <a:r>
-              <a:rPr lang="de-DE" sz="800" dirty="0">
+              <a:rPr sz="800" spc="-15">
                 <a:solidFill>
                   <a:srgbClr val="6D6D6D"/>
                 </a:solidFill>
                 <a:latin typeface="Adobe Clean"/>
                 <a:cs typeface="Adobe Clean"/>
               </a:rPr>
-              <a:t>©2021 Adobe. All Rights Reserved. Adobe Confidential.</a:t>
-            </a:r>
+              <a:t>©2021 </a:t>
+            </a:r>
+            <a:r>
+              <a:rPr sz="800" spc="-5">
+                <a:solidFill>
+                  <a:srgbClr val="6D6D6D"/>
+                </a:solidFill>
+                <a:latin typeface="Adobe Clean"/>
+                <a:cs typeface="Adobe Clean"/>
+              </a:rPr>
+              <a:t>Adobe. All</a:t>
+            </a:r>
+            <a:r>
+              <a:rPr sz="800" spc="-15">
+                <a:solidFill>
+                  <a:srgbClr val="6D6D6D"/>
+                </a:solidFill>
+                <a:latin typeface="Adobe Clean"/>
+                <a:cs typeface="Adobe Clean"/>
+              </a:rPr>
+              <a:t> Rights</a:t>
+            </a:r>
+            <a:r>
+              <a:rPr sz="800" spc="-5">
+                <a:solidFill>
+                  <a:srgbClr val="6D6D6D"/>
+                </a:solidFill>
+                <a:latin typeface="Adobe Clean"/>
+                <a:cs typeface="Adobe Clean"/>
+              </a:rPr>
+              <a:t> </a:t>
+            </a:r>
+            <a:r>
+              <a:rPr sz="800" spc="-15">
+                <a:solidFill>
+                  <a:srgbClr val="6D6D6D"/>
+                </a:solidFill>
+                <a:latin typeface="Adobe Clean"/>
+                <a:cs typeface="Adobe Clean"/>
+              </a:rPr>
+              <a:t>Reserved.</a:t>
+            </a:r>
+            <a:r>
+              <a:rPr sz="800" spc="-10">
+                <a:solidFill>
+                  <a:srgbClr val="6D6D6D"/>
+                </a:solidFill>
+                <a:latin typeface="Adobe Clean"/>
+                <a:cs typeface="Adobe Clean"/>
+              </a:rPr>
+              <a:t> </a:t>
+            </a:r>
+            <a:r>
+              <a:rPr sz="800" spc="-5">
+                <a:solidFill>
+                  <a:srgbClr val="6D6D6D"/>
+                </a:solidFill>
+                <a:latin typeface="Adobe Clean"/>
+                <a:cs typeface="Adobe Clean"/>
+              </a:rPr>
+              <a:t>Adobe</a:t>
+            </a:r>
+            <a:r>
+              <a:rPr sz="800" spc="65">
+                <a:solidFill>
+                  <a:srgbClr val="6D6D6D"/>
+                </a:solidFill>
+                <a:latin typeface="Adobe Clean"/>
+                <a:cs typeface="Adobe Clean"/>
+              </a:rPr>
+              <a:t> </a:t>
+            </a:r>
+            <a:r>
+              <a:rPr sz="800" spc="-15">
+                <a:solidFill>
+                  <a:srgbClr val="6D6D6D"/>
+                </a:solidFill>
+                <a:latin typeface="Adobe Clean"/>
+                <a:cs typeface="Adobe Clean"/>
+              </a:rPr>
+              <a:t>Confidential.</a:t>
+            </a:r>
+            <a:endParaRPr sz="800">
+              <a:latin typeface="Adobe Clean"/>
+              <a:cs typeface="Adobe Clean"/>
+            </a:endParaRPr>
           </a:p>
         </p:txBody>
       </p:sp>
@@ -3720,7 +4389,7 @@
         </p:nvSpPr>
         <p:spPr>
           <a:xfrm>
-            <a:off x="387610" y="457200"/>
+            <a:off x="387610" y="421174"/>
             <a:ext cx="2156171" cy="200055"/>
           </a:xfrm>
           <a:prstGeom prst="rect">
@@ -3735,7 +4404,7 @@
           <a:lstStyle/>
           <a:p>
             <a:r>
-              <a:rPr lang="de-DE" sz="700" i="1" dirty="0">
+              <a:rPr lang="en-US" sz="700" i="1">
                 <a:solidFill>
                   <a:schemeClr val="bg1"/>
                 </a:solidFill>
@@ -3760,7 +4429,7 @@
           <p:nvPr>
             <p:extLst>
               <p:ext uri="{D42A27DB-BD31-4B8C-83A1-F6EECF244321}">
-                <p14:modId xmlns:p14="http://schemas.microsoft.com/office/powerpoint/2010/main" val="1066754650"/>
+                <p14:modId xmlns:p14="http://schemas.microsoft.com/office/powerpoint/2010/main" val="1734001763"/>
               </p:ext>
             </p:extLst>
           </p:nvPr>
@@ -3811,7 +4480,7 @@
                     <a:bodyPr/>
                     <a:lstStyle/>
                     <a:p>
-                      <a:endParaRPr lang="en-US" dirty="0"/>
+                      <a:endParaRPr lang="en-US"/>
                     </a:p>
                   </a:txBody>
                   <a:tcPr/>
@@ -3849,15 +4518,39 @@
                         <a:defRPr/>
                       </a:pPr>
                       <a:r>
-                        <a:rPr lang="de-DE" sz="900">
+                        <a:rPr lang="en-US" sz="900" spc="-20">
                           <a:solidFill>
                             <a:srgbClr val="404040"/>
                           </a:solidFill>
                           <a:latin typeface="Adobe Clean"/>
                           <a:cs typeface="Adobe Clean"/>
                         </a:rPr>
-                        <a:t>Online Support</a:t>
+                        <a:t>Online </a:t>
                       </a:r>
+                      <a:r>
+                        <a:rPr lang="en-US" sz="900" spc="-135">
+                          <a:solidFill>
+                            <a:srgbClr val="404040"/>
+                          </a:solidFill>
+                          <a:latin typeface="Adobe Clean"/>
+                          <a:cs typeface="Adobe Clean"/>
+                        </a:rPr>
+                        <a:t> </a:t>
+                      </a:r>
+                      <a:r>
+                        <a:rPr lang="en-US" sz="900" spc="-20">
+                          <a:solidFill>
+                            <a:srgbClr val="404040"/>
+                          </a:solidFill>
+                          <a:latin typeface="Adobe Clean"/>
+                          <a:cs typeface="Adobe Clean"/>
+                        </a:rPr>
+                        <a:t>Support</a:t>
+                      </a:r>
+                      <a:endParaRPr lang="en-US" sz="900">
+                        <a:latin typeface="Adobe Clean"/>
+                        <a:cs typeface="Adobe Clean"/>
+                      </a:endParaRPr>
                     </a:p>
                   </a:txBody>
                   <a:tcPr marL="0" marR="0" marT="7620" marB="0" anchor="ctr">
@@ -3898,15 +4591,29 @@
                         </a:spcBef>
                       </a:pPr>
                       <a:r>
-                        <a:rPr lang="de-DE" sz="900">
+                        <a:rPr lang="en-US" sz="900" spc="-20">
                           <a:solidFill>
                             <a:srgbClr val="FFFFFF"/>
                           </a:solidFill>
                           <a:latin typeface="Adobe Clean"/>
                           <a:cs typeface="Adobe Clean"/>
                         </a:rPr>
-                        <a:t>Elite Support</a:t>
+                        <a:t>Elite </a:t>
                       </a:r>
+                      <a:r>
+                        <a:rPr sz="900" spc="-20">
+                          <a:solidFill>
+                            <a:srgbClr val="FFFFFF"/>
+                          </a:solidFill>
+                          <a:latin typeface="Adobe Clean"/>
+                          <a:cs typeface="Adobe Clean"/>
+                        </a:rPr>
+                        <a:t>Support</a:t>
+                      </a:r>
+                      <a:endParaRPr sz="900">
+                        <a:latin typeface="Adobe Clean"/>
+                        <a:cs typeface="Adobe Clean"/>
+                      </a:endParaRPr>
                     </a:p>
                   </a:txBody>
                   <a:tcPr marL="0" marR="0" marT="7620" marB="0" anchor="ctr">
@@ -3951,7 +4658,7 @@
                     <a:bodyPr/>
                     <a:lstStyle/>
                     <a:p>
-                      <a:endParaRPr lang="en-US" dirty="0"/>
+                      <a:endParaRPr lang="en-US"/>
                     </a:p>
                   </a:txBody>
                   <a:tcPr/>
@@ -3971,7 +4678,7 @@
                     <a:bodyPr/>
                     <a:lstStyle/>
                     <a:p>
-                      <a:pPr marL="0" marR="0" lvl="0" indent="0" algn="l" defTabSz="914400" rtl="0" eaLnBrk="1" fontAlgn="auto" latinLnBrk="0" hangingPunct="1">
+                      <a:pPr marL="0" marR="0" lvl="0" indent="0" algn="ctr" defTabSz="914400" eaLnBrk="1" fontAlgn="auto" latinLnBrk="0" hangingPunct="1">
                         <a:lnSpc>
                           <a:spcPct val="100000"/>
                         </a:lnSpc>
@@ -3988,7 +4695,7 @@
                         <a:tabLst/>
                         <a:defRPr/>
                       </a:pPr>
-                      <a:endParaRPr lang="en-US" sz="800" i="1" dirty="0">
+                      <a:endParaRPr lang="en-US" sz="800" i="1">
                         <a:solidFill>
                           <a:sysClr val="windowText" lastClr="000000"/>
                         </a:solidFill>
@@ -4052,13 +4759,13 @@
                         <a:defRPr/>
                       </a:pPr>
                       <a:r>
-                        <a:rPr lang="de-DE" sz="800" i="1">
+                        <a:rPr lang="en-US" sz="800" i="1">
                           <a:solidFill>
                             <a:schemeClr val="bg1"/>
                           </a:solidFill>
                           <a:latin typeface="Adobe Clean Light" panose="020B0303020404020204" pitchFamily="34" charset="0"/>
                         </a:rPr>
-                        <a:t>Kostenpflichtiger Support (€)</a:t>
+                        <a:t>Paid Support ($)</a:t>
                       </a:r>
                     </a:p>
                   </a:txBody>
@@ -4122,15 +4829,22 @@
                         </a:spcBef>
                       </a:pPr>
                       <a:r>
-                        <a:rPr lang="de-DE" sz="1000" b="1" i="0">
+                        <a:rPr lang="en-US" sz="1000" b="1" i="0" spc="0">
                           <a:solidFill>
                             <a:schemeClr val="bg1"/>
                           </a:solidFill>
                           <a:latin typeface="Adobe Clean" panose="020B0503020404020204" pitchFamily="34" charset="0"/>
                           <a:cs typeface="AdobeClean-Light"/>
                         </a:rPr>
-                        <a:t>Zugewiesene Experten</a:t>
+                        <a:t>Assigned Experts</a:t>
                       </a:r>
+                      <a:endParaRPr sz="1000" b="1" i="0" spc="0">
+                        <a:solidFill>
+                          <a:schemeClr val="bg1"/>
+                        </a:solidFill>
+                        <a:latin typeface="Adobe Clean" panose="020B0503020404020204" pitchFamily="34" charset="0"/>
+                        <a:cs typeface="AdobeClean-Light"/>
+                      </a:endParaRPr>
                     </a:p>
                   </a:txBody>
                   <a:tcPr marL="0" marR="0" marT="58419" marB="0" anchor="ctr">
@@ -4177,7 +4891,7 @@
                         </a:spcBef>
                       </a:pPr>
                       <a:r>
-                        <a:rPr lang="de-DE" sz="900">
+                        <a:rPr sz="900" spc="0">
                           <a:solidFill>
                             <a:srgbClr val="020302"/>
                           </a:solidFill>
@@ -4186,6 +4900,10 @@
                         </a:rPr>
                         <a:t>Account Support Lead</a:t>
                       </a:r>
+                      <a:endParaRPr sz="900" spc="0">
+                        <a:latin typeface="AdobeClean-Light"/>
+                        <a:cs typeface="AdobeClean-Light"/>
+                      </a:endParaRPr>
                     </a:p>
                   </a:txBody>
                   <a:tcPr marL="0" marR="0" marT="58419" marB="0">
@@ -4220,7 +4938,7 @@
                     <a:bodyPr/>
                     <a:lstStyle/>
                     <a:p>
-                      <a:pPr algn="l" rtl="0">
+                      <a:pPr algn="ctr">
                         <a:lnSpc>
                           <a:spcPct val="100000"/>
                         </a:lnSpc>
@@ -4228,7 +4946,7 @@
                           <a:spcPts val="470"/>
                         </a:spcBef>
                       </a:pPr>
-                      <a:endParaRPr sz="900" dirty="0">
+                      <a:endParaRPr sz="900">
                         <a:latin typeface="Wingdings"/>
                         <a:cs typeface="Wingdings"/>
                       </a:endParaRPr>
@@ -4261,7 +4979,7 @@
                     <a:bodyPr/>
                     <a:lstStyle/>
                     <a:p>
-                      <a:pPr algn="l" rtl="0">
+                      <a:pPr algn="ctr">
                         <a:lnSpc>
                           <a:spcPct val="100000"/>
                         </a:lnSpc>
@@ -4269,7 +4987,7 @@
                           <a:spcPts val="470"/>
                         </a:spcBef>
                       </a:pPr>
-                      <a:endParaRPr sz="900" dirty="0">
+                      <a:endParaRPr sz="900">
                         <a:latin typeface="Wingdings"/>
                         <a:cs typeface="Wingdings"/>
                       </a:endParaRPr>
@@ -4304,7 +5022,7 @@
                     <a:bodyPr/>
                     <a:lstStyle/>
                     <a:p>
-                      <a:pPr marL="50800" algn="l" rtl="0">
+                      <a:pPr marL="50800">
                         <a:lnSpc>
                           <a:spcPct val="100000"/>
                         </a:lnSpc>
@@ -4312,7 +5030,7 @@
                           <a:spcPts val="459"/>
                         </a:spcBef>
                       </a:pPr>
-                      <a:endParaRPr sz="900" dirty="0">
+                      <a:endParaRPr sz="900">
                         <a:latin typeface="AdobeClean-Light"/>
                         <a:cs typeface="AdobeClean-Light"/>
                       </a:endParaRPr>
@@ -4350,15 +5068,19 @@
                         </a:spcBef>
                       </a:pPr>
                       <a:r>
-                        <a:rPr lang="de-DE" sz="900">
+                        <a:rPr sz="900" spc="0">
                           <a:solidFill>
                             <a:srgbClr val="020302"/>
                           </a:solidFill>
                           <a:latin typeface="AdobeClean-Light"/>
                           <a:cs typeface="AdobeClean-Light"/>
                         </a:rPr>
-                        <a:t>Spezifischer Support-Mitarbeiter</a:t>
+                        <a:t>Named Support Engineer</a:t>
                       </a:r>
+                      <a:endParaRPr sz="900" spc="0">
+                        <a:latin typeface="AdobeClean-Light"/>
+                        <a:cs typeface="AdobeClean-Light"/>
+                      </a:endParaRPr>
                     </a:p>
                   </a:txBody>
                   <a:tcPr marL="0" marR="0" marT="58419" marB="0">
@@ -4381,12 +5103,12 @@
                     <a:bodyPr/>
                     <a:lstStyle/>
                     <a:p>
-                      <a:pPr algn="l" rtl="0">
+                      <a:pPr algn="ctr">
                         <a:lnSpc>
                           <a:spcPct val="100000"/>
                         </a:lnSpc>
                       </a:pPr>
-                      <a:endParaRPr sz="900" dirty="0">
+                      <a:endParaRPr sz="900">
                         <a:latin typeface="Times New Roman"/>
                         <a:cs typeface="Times New Roman"/>
                       </a:endParaRPr>
@@ -4428,7 +5150,7 @@
                         <a:defRPr/>
                       </a:pPr>
                       <a:r>
-                        <a:rPr lang="de-DE" sz="900">
+                        <a:rPr lang="en-US" sz="900">
                           <a:solidFill>
                             <a:srgbClr val="020302"/>
                           </a:solidFill>
@@ -4437,6 +5159,10 @@
                         </a:rPr>
                         <a:t></a:t>
                       </a:r>
+                      <a:endParaRPr lang="en-US" sz="900">
+                        <a:latin typeface="Wingdings"/>
+                        <a:cs typeface="Wingdings"/>
+                      </a:endParaRPr>
                     </a:p>
                   </a:txBody>
                   <a:tcPr marL="0" marR="0" marT="0" marB="0" anchor="ctr">
@@ -4459,7 +5185,7 @@
                     <a:bodyPr/>
                     <a:lstStyle/>
                     <a:p>
-                      <a:pPr marL="50800" algn="l" rtl="0">
+                      <a:pPr marL="50800">
                         <a:lnSpc>
                           <a:spcPct val="100000"/>
                         </a:lnSpc>
@@ -4467,7 +5193,7 @@
                           <a:spcPts val="500"/>
                         </a:spcBef>
                       </a:pPr>
-                      <a:endParaRPr sz="900" dirty="0">
+                      <a:endParaRPr sz="900">
                         <a:latin typeface="AdobeClean-Light"/>
                         <a:cs typeface="AdobeClean-Light"/>
                       </a:endParaRPr>
@@ -4517,7 +5243,7 @@
                         </a:spcBef>
                       </a:pPr>
                       <a:r>
-                        <a:rPr lang="de-DE" sz="900">
+                        <a:rPr sz="900" spc="0">
                           <a:solidFill>
                             <a:srgbClr val="020302"/>
                           </a:solidFill>
@@ -4526,6 +5252,10 @@
                         </a:rPr>
                         <a:t>Technical Account Manager</a:t>
                       </a:r>
+                      <a:endParaRPr sz="900" spc="0">
+                        <a:latin typeface="AdobeClean-Light"/>
+                        <a:cs typeface="AdobeClean-Light"/>
+                      </a:endParaRPr>
                     </a:p>
                   </a:txBody>
                   <a:tcPr marL="0" marR="0" marT="63500" marB="0">
@@ -4554,12 +5284,12 @@
                     <a:bodyPr/>
                     <a:lstStyle/>
                     <a:p>
-                      <a:pPr algn="l" rtl="0">
+                      <a:pPr algn="ctr">
                         <a:lnSpc>
                           <a:spcPct val="100000"/>
                         </a:lnSpc>
                       </a:pPr>
-                      <a:endParaRPr sz="900" dirty="0">
+                      <a:endParaRPr sz="900">
                         <a:latin typeface="Times New Roman"/>
                         <a:cs typeface="Times New Roman"/>
                       </a:endParaRPr>
@@ -4610,7 +5340,7 @@
                         <a:defRPr/>
                       </a:pPr>
                       <a:r>
-                        <a:rPr lang="de-DE" sz="900">
+                        <a:rPr lang="en-US" sz="900">
                           <a:solidFill>
                             <a:srgbClr val="020302"/>
                           </a:solidFill>
@@ -4619,6 +5349,10 @@
                         </a:rPr>
                         <a:t></a:t>
                       </a:r>
+                      <a:endParaRPr lang="en-US" sz="900">
+                        <a:latin typeface="Wingdings"/>
+                        <a:cs typeface="Wingdings"/>
+                      </a:endParaRPr>
                     </a:p>
                   </a:txBody>
                   <a:tcPr marL="0" marR="0" marT="0" marB="0" anchor="ctr">
@@ -4659,15 +5393,22 @@
                         </a:spcBef>
                       </a:pPr>
                       <a:r>
-                        <a:rPr lang="de-DE" sz="1000" b="1" i="0">
+                        <a:rPr lang="en-US" sz="1000" b="1" i="0" spc="0">
                           <a:solidFill>
                             <a:schemeClr val="bg1"/>
                           </a:solidFill>
                           <a:latin typeface="Adobe Clean" panose="020B0503020404020204" pitchFamily="34" charset="0"/>
                           <a:cs typeface="AdobeClean-Light"/>
                         </a:rPr>
-                        <a:t>Support-Services</a:t>
+                        <a:t>Support Services</a:t>
                       </a:r>
+                      <a:endParaRPr sz="1000" b="1" i="0" spc="0">
+                        <a:solidFill>
+                          <a:schemeClr val="bg1"/>
+                        </a:solidFill>
+                        <a:latin typeface="Adobe Clean" panose="020B0503020404020204" pitchFamily="34" charset="0"/>
+                        <a:cs typeface="AdobeClean-Light"/>
+                      </a:endParaRPr>
                     </a:p>
                   </a:txBody>
                   <a:tcPr marL="0" marR="0" marT="57150" marB="0" anchor="ctr">
@@ -4723,15 +5464,29 @@
                         </a:spcBef>
                       </a:pPr>
                       <a:r>
-                        <a:rPr lang="de-DE" sz="900">
+                        <a:rPr lang="en-US" sz="900" spc="0">
                           <a:solidFill>
                             <a:srgbClr val="020302"/>
                           </a:solidFill>
                           <a:latin typeface="AdobeClean-Light"/>
                           <a:cs typeface="AdobeClean-Light"/>
                         </a:rPr>
-                        <a:t>Online Support</a:t>
+                        <a:t>Online</a:t>
                       </a:r>
+                      <a:r>
+                        <a:rPr sz="900" spc="0">
+                          <a:solidFill>
+                            <a:srgbClr val="020302"/>
+                          </a:solidFill>
+                          <a:latin typeface="AdobeClean-Light"/>
+                          <a:cs typeface="AdobeClean-Light"/>
+                        </a:rPr>
+                        <a:t> Support</a:t>
+                      </a:r>
+                      <a:endParaRPr sz="900" spc="0">
+                        <a:latin typeface="AdobeClean-Light"/>
+                        <a:cs typeface="AdobeClean-Light"/>
+                      </a:endParaRPr>
                     </a:p>
                   </a:txBody>
                   <a:tcPr marL="0" marR="0" marT="57150" marB="0">
@@ -4769,15 +5524,39 @@
                         </a:spcBef>
                       </a:pPr>
                       <a:r>
-                        <a:rPr lang="de-DE" sz="900">
+                        <a:rPr sz="900" spc="-25">
                           <a:solidFill>
                             <a:srgbClr val="020302"/>
                           </a:solidFill>
                           <a:latin typeface="AdobeClean-Light"/>
                           <a:cs typeface="AdobeClean-Light"/>
                         </a:rPr>
-                        <a:t>Geschäftszeiten</a:t>
+                        <a:t>Business</a:t>
                       </a:r>
+                      <a:r>
+                        <a:rPr sz="900" spc="-15">
+                          <a:solidFill>
+                            <a:srgbClr val="020302"/>
+                          </a:solidFill>
+                          <a:latin typeface="AdobeClean-Light"/>
+                          <a:cs typeface="AdobeClean-Light"/>
+                        </a:rPr>
+                        <a:t> </a:t>
+                      </a:r>
+                      <a:r>
+                        <a:rPr sz="900" spc="-30">
+                          <a:solidFill>
+                            <a:srgbClr val="020302"/>
+                          </a:solidFill>
+                          <a:latin typeface="AdobeClean-Light"/>
+                          <a:cs typeface="AdobeClean-Light"/>
+                        </a:rPr>
+                        <a:t>hours</a:t>
+                      </a:r>
+                      <a:endParaRPr sz="900">
+                        <a:latin typeface="AdobeClean-Light"/>
+                        <a:cs typeface="AdobeClean-Light"/>
+                      </a:endParaRPr>
                     </a:p>
                   </a:txBody>
                   <a:tcPr marL="0" marR="0" marT="67945" marB="0">
@@ -4816,7 +5595,7 @@
                         </a:spcBef>
                       </a:pPr>
                       <a:r>
-                        <a:rPr lang="de-DE" sz="900">
+                        <a:rPr lang="en-US" sz="900" spc="-25">
                           <a:solidFill>
                             <a:srgbClr val="020302"/>
                           </a:solidFill>
@@ -4825,6 +5604,10 @@
                         </a:rPr>
                         <a:t>24x5</a:t>
                       </a:r>
+                      <a:endParaRPr sz="900">
+                        <a:latin typeface="AdobeClean-Light"/>
+                        <a:cs typeface="AdobeClean-Light"/>
+                      </a:endParaRPr>
                     </a:p>
                   </a:txBody>
                   <a:tcPr marL="0" marR="0" marT="67945" marB="0" anchor="ctr">
@@ -4856,7 +5639,7 @@
                     <a:bodyPr/>
                     <a:lstStyle/>
                     <a:p>
-                      <a:pPr marL="50800" algn="l" rtl="0">
+                      <a:pPr marL="50800">
                         <a:lnSpc>
                           <a:spcPct val="100000"/>
                         </a:lnSpc>
@@ -4864,7 +5647,7 @@
                           <a:spcPts val="455"/>
                         </a:spcBef>
                       </a:pPr>
-                      <a:endParaRPr sz="900" dirty="0">
+                      <a:endParaRPr sz="900">
                         <a:latin typeface="AdobeClean-Light"/>
                         <a:cs typeface="AdobeClean-Light"/>
                       </a:endParaRPr>
@@ -4905,15 +5688,39 @@
                         </a:spcBef>
                       </a:pPr>
                       <a:r>
-                        <a:rPr lang="de-DE" sz="900">
+                        <a:rPr sz="900" spc="0">
                           <a:solidFill>
                             <a:srgbClr val="020302"/>
                           </a:solidFill>
                           <a:latin typeface="AdobeClean-Light"/>
                           <a:cs typeface="AdobeClean-Light"/>
                         </a:rPr>
-                        <a:t>24x7x365 Support für Probleme der Kategorie P1</a:t>
+                        <a:t>24x7</a:t>
                       </a:r>
+                      <a:r>
+                        <a:rPr lang="en-US" sz="900" spc="0">
+                          <a:solidFill>
+                            <a:srgbClr val="020302"/>
+                          </a:solidFill>
+                          <a:latin typeface="AdobeClean-Light"/>
+                          <a:cs typeface="AdobeClean-Light"/>
+                        </a:rPr>
+                        <a:t>x365</a:t>
+                      </a:r>
+                      <a:r>
+                        <a:rPr sz="900" spc="0">
+                          <a:solidFill>
+                            <a:srgbClr val="020302"/>
+                          </a:solidFill>
+                          <a:latin typeface="AdobeClean-Light"/>
+                          <a:cs typeface="AdobeClean-Light"/>
+                        </a:rPr>
+                        <a:t> P1 Issue Support</a:t>
+                      </a:r>
+                      <a:endParaRPr sz="900" spc="0">
+                        <a:latin typeface="AdobeClean-Light"/>
+                        <a:cs typeface="AdobeClean-Light"/>
+                      </a:endParaRPr>
                     </a:p>
                   </a:txBody>
                   <a:tcPr marL="0" marR="0" marT="57785" marB="0">
@@ -4945,7 +5752,7 @@
                         </a:spcBef>
                       </a:pPr>
                       <a:r>
-                        <a:rPr lang="de-DE" sz="900">
+                        <a:rPr sz="900">
                           <a:solidFill>
                             <a:srgbClr val="020302"/>
                           </a:solidFill>
@@ -4954,6 +5761,10 @@
                         </a:rPr>
                         <a:t></a:t>
                       </a:r>
+                      <a:endParaRPr sz="900">
+                        <a:latin typeface="Wingdings"/>
+                        <a:cs typeface="Wingdings"/>
+                      </a:endParaRPr>
                     </a:p>
                   </a:txBody>
                   <a:tcPr marL="0" marR="0" marT="58419" marB="0">
@@ -4983,7 +5794,7 @@
                         </a:spcBef>
                       </a:pPr>
                       <a:r>
-                        <a:rPr lang="de-DE" sz="900">
+                        <a:rPr sz="900">
                           <a:solidFill>
                             <a:srgbClr val="020302"/>
                           </a:solidFill>
@@ -4992,6 +5803,10 @@
                         </a:rPr>
                         <a:t></a:t>
                       </a:r>
+                      <a:endParaRPr sz="900">
+                        <a:latin typeface="Wingdings"/>
+                        <a:cs typeface="Wingdings"/>
+                      </a:endParaRPr>
                     </a:p>
                   </a:txBody>
                   <a:tcPr marL="0" marR="0" marT="58419" marB="0" anchor="ctr">
@@ -5014,7 +5829,7 @@
                     <a:bodyPr/>
                     <a:lstStyle/>
                     <a:p>
-                      <a:pPr marL="50800" algn="l" rtl="0">
+                      <a:pPr marL="50800">
                         <a:lnSpc>
                           <a:spcPct val="100000"/>
                         </a:lnSpc>
@@ -5022,7 +5837,7 @@
                           <a:spcPts val="455"/>
                         </a:spcBef>
                       </a:pPr>
-                      <a:endParaRPr sz="900" dirty="0">
+                      <a:endParaRPr sz="900">
                         <a:latin typeface="AdobeClean-Light"/>
                         <a:cs typeface="AdobeClean-Light"/>
                       </a:endParaRPr>
@@ -5072,15 +5887,19 @@
                         </a:spcBef>
                       </a:pPr>
                       <a:r>
-                        <a:rPr lang="de-DE" sz="900">
+                        <a:rPr lang="en-US" sz="900" spc="0">
                           <a:solidFill>
                             <a:srgbClr val="020302"/>
                           </a:solidFill>
                           <a:latin typeface="AdobeClean-Light"/>
                           <a:cs typeface="AdobeClean-Light"/>
                         </a:rPr>
-                        <a:t>Spezifische Support-Kontakte (pro Produkt)</a:t>
+                        <a:t>Named Support Contacts (per product)</a:t>
                       </a:r>
+                      <a:endParaRPr sz="900" spc="0">
+                        <a:latin typeface="AdobeClean-Light"/>
+                        <a:cs typeface="AdobeClean-Light"/>
+                      </a:endParaRPr>
                     </a:p>
                   </a:txBody>
                   <a:tcPr marL="0" marR="0" marT="57785" marB="0">
@@ -5118,7 +5937,7 @@
                         </a:spcBef>
                       </a:pPr>
                       <a:r>
-                        <a:rPr lang="de-DE" sz="900">
+                        <a:rPr sz="900">
                           <a:solidFill>
                             <a:srgbClr val="020302"/>
                           </a:solidFill>
@@ -5127,6 +5946,10 @@
                         </a:rPr>
                         <a:t>4</a:t>
                       </a:r>
+                      <a:endParaRPr sz="900">
+                        <a:latin typeface="AdobeClean-Light"/>
+                        <a:cs typeface="AdobeClean-Light"/>
+                      </a:endParaRPr>
                     </a:p>
                   </a:txBody>
                   <a:tcPr marL="0" marR="0" marT="57785" marB="0">
@@ -5156,7 +5979,7 @@
                         </a:spcBef>
                       </a:pPr>
                       <a:r>
-                        <a:rPr lang="de-DE" sz="900">
+                        <a:rPr lang="en-US" sz="900">
                           <a:solidFill>
                             <a:srgbClr val="020302"/>
                           </a:solidFill>
@@ -5165,6 +5988,10 @@
                         </a:rPr>
                         <a:t>15</a:t>
                       </a:r>
+                      <a:endParaRPr sz="900">
+                        <a:latin typeface="AdobeClean-Light"/>
+                        <a:cs typeface="AdobeClean-Light"/>
+                      </a:endParaRPr>
                     </a:p>
                   </a:txBody>
                   <a:tcPr marL="0" marR="0" marT="57785" marB="0" anchor="ctr">
@@ -5187,7 +6014,7 @@
                     <a:bodyPr/>
                     <a:lstStyle/>
                     <a:p>
-                      <a:pPr marL="50800" algn="l" rtl="0">
+                      <a:pPr marL="50800">
                         <a:lnSpc>
                           <a:spcPct val="100000"/>
                         </a:lnSpc>
@@ -5195,7 +6022,7 @@
                           <a:spcPts val="455"/>
                         </a:spcBef>
                       </a:pPr>
-                      <a:endParaRPr sz="900" dirty="0">
+                      <a:endParaRPr sz="900">
                         <a:latin typeface="AdobeClean-Light"/>
                         <a:cs typeface="AdobeClean-Light"/>
                       </a:endParaRPr>
@@ -5236,15 +6063,19 @@
                         </a:spcBef>
                       </a:pPr>
                       <a:r>
-                        <a:rPr lang="de-DE" sz="900" dirty="0">
+                        <a:rPr lang="en-US" sz="900" spc="0">
                           <a:solidFill>
                             <a:srgbClr val="020302"/>
                           </a:solidFill>
                           <a:latin typeface="AdobeClean-Light"/>
                           <a:cs typeface="AdobeClean-Light"/>
                         </a:rPr>
-                        <a:t>Live-Telefon-Support</a:t>
+                        <a:t>Live Telephone Support</a:t>
                       </a:r>
+                      <a:endParaRPr sz="900" spc="0">
+                        <a:latin typeface="AdobeClean-Light"/>
+                        <a:cs typeface="AdobeClean-Light"/>
+                      </a:endParaRPr>
                     </a:p>
                   </a:txBody>
                   <a:tcPr marL="0" marR="0" marT="57785" marB="0">
@@ -5267,7 +6098,7 @@
                     <a:bodyPr/>
                     <a:lstStyle/>
                     <a:p>
-                      <a:pPr algn="l" rtl="0">
+                      <a:pPr algn="ctr">
                         <a:lnSpc>
                           <a:spcPct val="100000"/>
                         </a:lnSpc>
@@ -5275,7 +6106,7 @@
                           <a:spcPts val="464"/>
                         </a:spcBef>
                       </a:pPr>
-                      <a:endParaRPr sz="900" dirty="0">
+                      <a:endParaRPr sz="900">
                         <a:latin typeface="Wingdings"/>
                         <a:cs typeface="Wingdings"/>
                       </a:endParaRPr>
@@ -5308,7 +6139,7 @@
                         </a:spcBef>
                       </a:pPr>
                       <a:r>
-                        <a:rPr lang="de-DE" sz="900">
+                        <a:rPr sz="900">
                           <a:solidFill>
                             <a:srgbClr val="020302"/>
                           </a:solidFill>
@@ -5317,6 +6148,10 @@
                         </a:rPr>
                         <a:t></a:t>
                       </a:r>
+                      <a:endParaRPr sz="900">
+                        <a:latin typeface="Wingdings"/>
+                        <a:cs typeface="Wingdings"/>
+                      </a:endParaRPr>
                     </a:p>
                   </a:txBody>
                   <a:tcPr marL="0" marR="0" marT="59054" marB="0" anchor="ctr">
@@ -5339,7 +6174,7 @@
                     <a:bodyPr/>
                     <a:lstStyle/>
                     <a:p>
-                      <a:pPr marL="50800" algn="l" rtl="0">
+                      <a:pPr marL="50800">
                         <a:lnSpc>
                           <a:spcPct val="100000"/>
                         </a:lnSpc>
@@ -5347,7 +6182,7 @@
                           <a:spcPts val="459"/>
                         </a:spcBef>
                       </a:pPr>
-                      <a:endParaRPr sz="900" dirty="0">
+                      <a:endParaRPr sz="900">
                         <a:latin typeface="AdobeClean-Light"/>
                         <a:cs typeface="AdobeClean-Light"/>
                       </a:endParaRPr>
@@ -5388,15 +6223,19 @@
                         </a:spcBef>
                       </a:pPr>
                       <a:r>
-                        <a:rPr lang="de-DE" sz="900">
+                        <a:rPr sz="900" spc="0">
                           <a:solidFill>
                             <a:srgbClr val="020302"/>
                           </a:solidFill>
                           <a:latin typeface="AdobeClean-Light"/>
                           <a:cs typeface="AdobeClean-Light"/>
                         </a:rPr>
-                        <a:t>Eskalations-Management</a:t>
+                        <a:t>Escalation Management</a:t>
                       </a:r>
+                      <a:endParaRPr sz="900" spc="0">
+                        <a:latin typeface="AdobeClean-Light"/>
+                        <a:cs typeface="AdobeClean-Light"/>
+                      </a:endParaRPr>
                     </a:p>
                   </a:txBody>
                   <a:tcPr marL="0" marR="0" marT="58419" marB="0">
@@ -5419,7 +6258,7 @@
                     <a:bodyPr/>
                     <a:lstStyle/>
                     <a:p>
-                      <a:pPr algn="l" rtl="0">
+                      <a:pPr algn="ctr">
                         <a:lnSpc>
                           <a:spcPct val="100000"/>
                         </a:lnSpc>
@@ -5427,7 +6266,7 @@
                           <a:spcPts val="470"/>
                         </a:spcBef>
                       </a:pPr>
-                      <a:endParaRPr sz="900" dirty="0">
+                      <a:endParaRPr sz="900">
                         <a:latin typeface="Wingdings"/>
                         <a:cs typeface="Wingdings"/>
                       </a:endParaRPr>
@@ -5460,7 +6299,7 @@
                         </a:spcBef>
                       </a:pPr>
                       <a:r>
-                        <a:rPr lang="de-DE" sz="900">
+                        <a:rPr sz="900">
                           <a:solidFill>
                             <a:srgbClr val="020302"/>
                           </a:solidFill>
@@ -5469,6 +6308,10 @@
                         </a:rPr>
                         <a:t></a:t>
                       </a:r>
+                      <a:endParaRPr sz="900">
+                        <a:latin typeface="Wingdings"/>
+                        <a:cs typeface="Wingdings"/>
+                      </a:endParaRPr>
                     </a:p>
                   </a:txBody>
                   <a:tcPr marL="0" marR="0" marT="59690" marB="0" anchor="ctr">
@@ -5491,7 +6334,7 @@
                     <a:bodyPr/>
                     <a:lstStyle/>
                     <a:p>
-                      <a:pPr marL="50800" algn="l" rtl="0">
+                      <a:pPr marL="50800">
                         <a:lnSpc>
                           <a:spcPct val="100000"/>
                         </a:lnSpc>
@@ -5499,7 +6342,7 @@
                           <a:spcPts val="450"/>
                         </a:spcBef>
                       </a:pPr>
-                      <a:endParaRPr sz="900" dirty="0">
+                      <a:endParaRPr sz="900">
                         <a:latin typeface="AdobeClean-Light"/>
                         <a:cs typeface="AdobeClean-Light"/>
                       </a:endParaRPr>
@@ -5540,15 +6383,29 @@
                         </a:spcBef>
                       </a:pPr>
                       <a:r>
-                        <a:rPr lang="de-DE" sz="900">
+                        <a:rPr sz="900" spc="0">
                           <a:solidFill>
                             <a:srgbClr val="020302"/>
                           </a:solidFill>
                           <a:latin typeface="AdobeClean-Light"/>
                           <a:cs typeface="AdobeClean-Light"/>
                         </a:rPr>
-                        <a:t>Jährliche Service-Prüfung</a:t>
+                        <a:t>Service Reviews </a:t>
                       </a:r>
+                      <a:r>
+                        <a:rPr lang="en-US" sz="900" spc="0">
+                          <a:solidFill>
+                            <a:srgbClr val="020302"/>
+                          </a:solidFill>
+                          <a:latin typeface="AdobeClean-Light"/>
+                          <a:cs typeface="AdobeClean-Light"/>
+                        </a:rPr>
+                        <a:t>per Year</a:t>
+                      </a:r>
+                      <a:endParaRPr sz="900" spc="0">
+                        <a:latin typeface="AdobeClean-Light"/>
+                        <a:cs typeface="AdobeClean-Light"/>
+                      </a:endParaRPr>
                     </a:p>
                   </a:txBody>
                   <a:tcPr marL="0" marR="0" marT="57150" marB="0">
@@ -5571,12 +6428,12 @@
                     <a:bodyPr/>
                     <a:lstStyle/>
                     <a:p>
-                      <a:pPr algn="l" rtl="0">
+                      <a:pPr>
                         <a:lnSpc>
                           <a:spcPct val="100000"/>
                         </a:lnSpc>
                       </a:pPr>
-                      <a:endParaRPr sz="900" dirty="0">
+                      <a:endParaRPr sz="900">
                         <a:latin typeface="Times New Roman"/>
                         <a:cs typeface="Times New Roman"/>
                       </a:endParaRPr>
@@ -5606,12 +6463,16 @@
                         </a:lnSpc>
                       </a:pPr>
                       <a:r>
-                        <a:rPr lang="de-DE" sz="900">
+                        <a:rPr lang="en-US" sz="900">
                           <a:latin typeface="Times New Roman"/>
                           <a:cs typeface="Times New Roman"/>
                         </a:rPr>
                         <a:t>4</a:t>
                       </a:r>
+                      <a:endParaRPr sz="900">
+                        <a:latin typeface="Times New Roman"/>
+                        <a:cs typeface="Times New Roman"/>
+                      </a:endParaRPr>
                     </a:p>
                   </a:txBody>
                   <a:tcPr marL="0" marR="0" marT="0" marB="0" anchor="ctr">
@@ -5653,12 +6514,16 @@
                         </a:spcBef>
                       </a:pPr>
                       <a:r>
-                        <a:rPr lang="de-DE" sz="900">
+                        <a:rPr lang="en-US" sz="900" spc="0">
                           <a:latin typeface="AdobeClean-Light"/>
                           <a:cs typeface="AdobeClean-Light"/>
                         </a:rPr>
-                        <a:t>Jährliche Experten-Sessions</a:t>
+                        <a:t>Expert Sessions per Year</a:t>
                       </a:r>
+                      <a:endParaRPr sz="900" spc="0">
+                        <a:latin typeface="AdobeClean-Light"/>
+                        <a:cs typeface="AdobeClean-Light"/>
+                      </a:endParaRPr>
                     </a:p>
                   </a:txBody>
                   <a:tcPr marL="0" marR="0" marT="57150" marB="0">
@@ -5687,12 +6552,12 @@
                     <a:bodyPr/>
                     <a:lstStyle/>
                     <a:p>
-                      <a:pPr algn="l" rtl="0">
+                      <a:pPr>
                         <a:lnSpc>
                           <a:spcPct val="100000"/>
                         </a:lnSpc>
                       </a:pPr>
-                      <a:endParaRPr sz="900" dirty="0">
+                      <a:endParaRPr sz="900">
                         <a:latin typeface="Times New Roman"/>
                         <a:cs typeface="Times New Roman"/>
                       </a:endParaRPr>
@@ -5722,12 +6587,16 @@
                         </a:lnSpc>
                       </a:pPr>
                       <a:r>
-                        <a:rPr lang="de-DE" sz="900">
+                        <a:rPr lang="en-US" sz="900">
                           <a:latin typeface="Times New Roman"/>
                           <a:cs typeface="Times New Roman"/>
                         </a:rPr>
                         <a:t>4</a:t>
                       </a:r>
+                      <a:endParaRPr sz="900">
+                        <a:latin typeface="Times New Roman"/>
+                        <a:cs typeface="Times New Roman"/>
+                      </a:endParaRPr>
                     </a:p>
                   </a:txBody>
                   <a:tcPr marL="0" marR="0" marT="0" marB="0" anchor="ctr">
@@ -5769,12 +6638,16 @@
                         </a:spcBef>
                       </a:pPr>
                       <a:r>
-                        <a:rPr lang="de-DE" sz="900">
+                        <a:rPr lang="en-US" sz="900" spc="0">
                           <a:latin typeface="AdobeClean-Light"/>
                           <a:cs typeface="AdobeClean-Light"/>
                         </a:rPr>
-                        <a:t>Fallprüfungen</a:t>
+                        <a:t>Case Reviews</a:t>
                       </a:r>
+                      <a:endParaRPr sz="900" spc="0">
+                        <a:latin typeface="AdobeClean-Light"/>
+                        <a:cs typeface="AdobeClean-Light"/>
+                      </a:endParaRPr>
                     </a:p>
                   </a:txBody>
                   <a:tcPr marL="0" marR="0" marT="57150" marB="0">
@@ -5803,12 +6676,12 @@
                     <a:bodyPr/>
                     <a:lstStyle/>
                     <a:p>
-                      <a:pPr algn="l" rtl="0">
+                      <a:pPr>
                         <a:lnSpc>
                           <a:spcPct val="100000"/>
                         </a:lnSpc>
                       </a:pPr>
-                      <a:endParaRPr sz="900" dirty="0">
+                      <a:endParaRPr sz="900">
                         <a:latin typeface="Times New Roman"/>
                         <a:cs typeface="Times New Roman"/>
                       </a:endParaRPr>
@@ -5850,7 +6723,7 @@
                         <a:defRPr/>
                       </a:pPr>
                       <a:r>
-                        <a:rPr lang="de-DE" sz="900">
+                        <a:rPr lang="en-US" sz="900">
                           <a:solidFill>
                             <a:srgbClr val="020302"/>
                           </a:solidFill>
@@ -5859,6 +6732,10 @@
                         </a:rPr>
                         <a:t></a:t>
                       </a:r>
+                      <a:endParaRPr lang="en-US" sz="900">
+                        <a:latin typeface="Wingdings"/>
+                        <a:cs typeface="Wingdings"/>
+                      </a:endParaRPr>
                     </a:p>
                   </a:txBody>
                   <a:tcPr marL="0" marR="0" marT="0" marB="0" anchor="ctr">
@@ -5881,7 +6758,7 @@
                     <a:bodyPr/>
                     <a:lstStyle/>
                     <a:p>
-                      <a:pPr marL="48895" algn="l" rtl="0">
+                      <a:pPr marL="48895">
                         <a:lnSpc>
                           <a:spcPct val="100000"/>
                         </a:lnSpc>
@@ -5889,7 +6766,7 @@
                           <a:spcPts val="459"/>
                         </a:spcBef>
                       </a:pPr>
-                      <a:endParaRPr sz="900" dirty="0">
+                      <a:endParaRPr sz="900">
                         <a:latin typeface="AdobeClean-Light"/>
                         <a:cs typeface="AdobeClean-Light"/>
                       </a:endParaRPr>
@@ -5939,15 +6816,29 @@
                         </a:spcBef>
                       </a:pPr>
                       <a:r>
-                        <a:rPr lang="de-DE" sz="900">
+                        <a:rPr sz="900" spc="0">
                           <a:solidFill>
                             <a:srgbClr val="020302"/>
                           </a:solidFill>
                           <a:latin typeface="AdobeClean-Light"/>
                           <a:cs typeface="AdobeClean-Light"/>
                         </a:rPr>
-                        <a:t>Ereignis-Management</a:t>
+                        <a:t>Event </a:t>
                       </a:r>
+                      <a:r>
+                        <a:rPr lang="en-US" sz="900" spc="0">
+                          <a:solidFill>
+                            <a:srgbClr val="020302"/>
+                          </a:solidFill>
+                          <a:latin typeface="AdobeClean-Light"/>
+                          <a:cs typeface="AdobeClean-Light"/>
+                        </a:rPr>
+                        <a:t>Management</a:t>
+                      </a:r>
+                      <a:endParaRPr sz="900" spc="0">
+                        <a:latin typeface="AdobeClean-Light"/>
+                        <a:cs typeface="AdobeClean-Light"/>
+                      </a:endParaRPr>
                     </a:p>
                   </a:txBody>
                   <a:tcPr marL="0" marR="0" marT="58419" marB="0">
@@ -5976,12 +6867,12 @@
                     <a:bodyPr/>
                     <a:lstStyle/>
                     <a:p>
-                      <a:pPr algn="l" rtl="0">
+                      <a:pPr>
                         <a:lnSpc>
                           <a:spcPct val="100000"/>
                         </a:lnSpc>
                       </a:pPr>
-                      <a:endParaRPr sz="900" dirty="0">
+                      <a:endParaRPr sz="900">
                         <a:latin typeface="Times New Roman"/>
                         <a:cs typeface="Times New Roman"/>
                       </a:endParaRPr>
@@ -6023,7 +6914,7 @@
                         <a:defRPr/>
                       </a:pPr>
                       <a:r>
-                        <a:rPr lang="de-DE" sz="900">
+                        <a:rPr lang="en-US" sz="900">
                           <a:solidFill>
                             <a:srgbClr val="020302"/>
                           </a:solidFill>
@@ -6032,6 +6923,10 @@
                         </a:rPr>
                         <a:t></a:t>
                       </a:r>
+                      <a:endParaRPr lang="en-US" sz="900">
+                        <a:latin typeface="Wingdings"/>
+                        <a:cs typeface="Wingdings"/>
+                      </a:endParaRPr>
                     </a:p>
                   </a:txBody>
                   <a:tcPr marL="0" marR="0" marT="0" marB="0" anchor="ctr">
@@ -6054,7 +6949,7 @@
                     <a:bodyPr/>
                     <a:lstStyle/>
                     <a:p>
-                      <a:pPr marL="48895" algn="l" rtl="0">
+                      <a:pPr marL="48895">
                         <a:lnSpc>
                           <a:spcPct val="100000"/>
                         </a:lnSpc>
@@ -6062,7 +6957,7 @@
                           <a:spcPts val="465"/>
                         </a:spcBef>
                       </a:pPr>
-                      <a:endParaRPr sz="900" dirty="0">
+                      <a:endParaRPr sz="900">
                         <a:latin typeface="AdobeClean-Light"/>
                         <a:cs typeface="AdobeClean-Light"/>
                       </a:endParaRPr>
@@ -6103,15 +6998,39 @@
                         </a:spcBef>
                       </a:pPr>
                       <a:r>
-                        <a:rPr lang="de-DE" sz="900">
+                        <a:rPr sz="900" spc="0">
                           <a:solidFill>
                             <a:srgbClr val="020302"/>
                           </a:solidFill>
                           <a:latin typeface="AdobeClean-Light"/>
                           <a:cs typeface="AdobeClean-Light"/>
                         </a:rPr>
-                        <a:t>Umgebungsbewertung, -wartung und -überwachung</a:t>
+                        <a:t>Environment</a:t>
                       </a:r>
+                      <a:r>
+                        <a:rPr lang="en-US" sz="900" spc="0">
+                          <a:solidFill>
+                            <a:srgbClr val="020302"/>
+                          </a:solidFill>
+                          <a:latin typeface="AdobeClean-Light"/>
+                          <a:cs typeface="AdobeClean-Light"/>
+                        </a:rPr>
+                        <a:t> </a:t>
+                      </a:r>
+                      <a:r>
+                        <a:rPr sz="900" spc="0">
+                          <a:solidFill>
+                            <a:srgbClr val="020302"/>
+                          </a:solidFill>
+                          <a:latin typeface="AdobeClean-Light"/>
+                          <a:cs typeface="AdobeClean-Light"/>
+                        </a:rPr>
+                        <a:t>Review, Maintenance &amp; Monitoring</a:t>
+                      </a:r>
+                      <a:endParaRPr sz="900" spc="0">
+                        <a:latin typeface="AdobeClean-Light"/>
+                        <a:cs typeface="AdobeClean-Light"/>
+                      </a:endParaRPr>
                     </a:p>
                   </a:txBody>
                   <a:tcPr marL="0" marR="0" marT="59055" marB="0">
@@ -6134,12 +7053,12 @@
                     <a:bodyPr/>
                     <a:lstStyle/>
                     <a:p>
-                      <a:pPr algn="l" rtl="0">
+                      <a:pPr>
                         <a:lnSpc>
                           <a:spcPct val="100000"/>
                         </a:lnSpc>
                       </a:pPr>
-                      <a:endParaRPr sz="900" dirty="0">
+                      <a:endParaRPr sz="900">
                         <a:latin typeface="Times New Roman"/>
                         <a:cs typeface="Times New Roman"/>
                       </a:endParaRPr>
@@ -6181,7 +7100,7 @@
                         <a:defRPr/>
                       </a:pPr>
                       <a:r>
-                        <a:rPr lang="de-DE" sz="900">
+                        <a:rPr lang="en-US" sz="900">
                           <a:solidFill>
                             <a:srgbClr val="020302"/>
                           </a:solidFill>
@@ -6190,6 +7109,10 @@
                         </a:rPr>
                         <a:t></a:t>
                       </a:r>
+                      <a:endParaRPr lang="en-US" sz="900">
+                        <a:latin typeface="Wingdings"/>
+                        <a:cs typeface="Wingdings"/>
+                      </a:endParaRPr>
                     </a:p>
                   </a:txBody>
                   <a:tcPr marL="0" marR="0" marT="0" marB="0" anchor="ctr">
@@ -6212,7 +7135,7 @@
                     <a:bodyPr/>
                     <a:lstStyle/>
                     <a:p>
-                      <a:pPr marL="49530" algn="l" rtl="0">
+                      <a:pPr marL="49530">
                         <a:lnSpc>
                           <a:spcPct val="100000"/>
                         </a:lnSpc>
@@ -6220,7 +7143,7 @@
                           <a:spcPts val="500"/>
                         </a:spcBef>
                       </a:pPr>
-                      <a:endParaRPr sz="900" dirty="0">
+                      <a:endParaRPr sz="900">
                         <a:latin typeface="AdobeClean-Light"/>
                         <a:cs typeface="AdobeClean-Light"/>
                       </a:endParaRPr>
@@ -6261,15 +7184,19 @@
                         </a:spcBef>
                       </a:pPr>
                       <a:r>
-                        <a:rPr lang="de-DE" sz="900" spc="-30" baseline="0" dirty="0">
+                        <a:rPr sz="900" spc="0">
                           <a:solidFill>
                             <a:srgbClr val="020302"/>
                           </a:solidFill>
                           <a:latin typeface="AdobeClean-Light"/>
                           <a:cs typeface="AdobeClean-Light"/>
                         </a:rPr>
-                        <a:t>Prüfung von Freigabe, Migration, Aktualisierung und Produkt-Roadmap</a:t>
+                        <a:t>Release, Migration, Upgrade &amp; Product Roadmap Review</a:t>
                       </a:r>
+                      <a:endParaRPr sz="900" spc="0">
+                        <a:latin typeface="AdobeClean-Light"/>
+                        <a:cs typeface="AdobeClean-Light"/>
+                      </a:endParaRPr>
                     </a:p>
                   </a:txBody>
                   <a:tcPr marL="0" marR="0" marT="63500" marB="0">
@@ -6292,12 +7219,12 @@
                     <a:bodyPr/>
                     <a:lstStyle/>
                     <a:p>
-                      <a:pPr algn="l" rtl="0">
+                      <a:pPr>
                         <a:lnSpc>
                           <a:spcPct val="100000"/>
                         </a:lnSpc>
                       </a:pPr>
-                      <a:endParaRPr sz="900" dirty="0">
+                      <a:endParaRPr sz="900">
                         <a:latin typeface="Times New Roman"/>
                         <a:cs typeface="Times New Roman"/>
                       </a:endParaRPr>
@@ -6339,7 +7266,7 @@
                         <a:defRPr/>
                       </a:pPr>
                       <a:r>
-                        <a:rPr lang="de-DE" sz="900">
+                        <a:rPr lang="en-US" sz="900">
                           <a:solidFill>
                             <a:srgbClr val="020302"/>
                           </a:solidFill>
@@ -6348,6 +7275,10 @@
                         </a:rPr>
                         <a:t></a:t>
                       </a:r>
+                      <a:endParaRPr lang="en-US" sz="900">
+                        <a:latin typeface="Wingdings"/>
+                        <a:cs typeface="Wingdings"/>
+                      </a:endParaRPr>
                     </a:p>
                   </a:txBody>
                   <a:tcPr marL="0" marR="0" marT="0" marB="0" anchor="ctr">
@@ -6370,7 +7301,7 @@
                     <a:bodyPr/>
                     <a:lstStyle/>
                     <a:p>
-                      <a:pPr marL="49530" algn="l" rtl="0">
+                      <a:pPr marL="49530">
                         <a:lnSpc>
                           <a:spcPct val="100000"/>
                         </a:lnSpc>
@@ -6378,7 +7309,7 @@
                           <a:spcPts val="530"/>
                         </a:spcBef>
                       </a:pPr>
-                      <a:endParaRPr sz="900" dirty="0">
+                      <a:endParaRPr sz="900">
                         <a:latin typeface="AdobeClean-Light"/>
                         <a:cs typeface="AdobeClean-Light"/>
                       </a:endParaRPr>
@@ -6428,11 +7359,11 @@
                         </a:spcBef>
                       </a:pPr>
                       <a:r>
-                        <a:rPr lang="de-DE" sz="900" spc="-30" baseline="0" dirty="0">
+                        <a:rPr sz="900" spc="0">
                           <a:latin typeface="AdobeClean-Light"/>
                           <a:cs typeface="AdobeClean-Light"/>
                         </a:rPr>
-                        <a:t>Cloud-Support-Aktivitäten – Experience Manager as a Cloud Service</a:t>
+                        <a:t>Cloud Support Activities – Experience Manager as Cloud</a:t>
                       </a:r>
                     </a:p>
                   </a:txBody>
@@ -6462,12 +7393,12 @@
                     <a:bodyPr/>
                     <a:lstStyle/>
                     <a:p>
-                      <a:pPr algn="l" rtl="0">
+                      <a:pPr>
                         <a:lnSpc>
                           <a:spcPct val="100000"/>
                         </a:lnSpc>
                       </a:pPr>
-                      <a:endParaRPr sz="900" dirty="0">
+                      <a:endParaRPr sz="900">
                         <a:latin typeface="Times New Roman"/>
                         <a:cs typeface="Times New Roman"/>
                       </a:endParaRPr>
@@ -6518,7 +7449,7 @@
                         <a:defRPr/>
                       </a:pPr>
                       <a:r>
-                        <a:rPr lang="de-DE" sz="900">
+                        <a:rPr lang="en-US" sz="900">
                           <a:solidFill>
                             <a:srgbClr val="020302"/>
                           </a:solidFill>
@@ -6527,6 +7458,10 @@
                         </a:rPr>
                         <a:t></a:t>
                       </a:r>
+                      <a:endParaRPr lang="en-US" sz="900">
+                        <a:latin typeface="Wingdings"/>
+                        <a:cs typeface="Wingdings"/>
+                      </a:endParaRPr>
                     </a:p>
                   </a:txBody>
                   <a:tcPr marL="0" marR="0" marT="0" marB="0" anchor="ctr">
@@ -6567,15 +7502,22 @@
                         </a:spcBef>
                       </a:pPr>
                       <a:r>
-                        <a:rPr lang="de-DE" sz="1000" b="1" i="0">
+                        <a:rPr lang="en-US" sz="1000" b="1" i="0" spc="0">
                           <a:solidFill>
                             <a:schemeClr val="bg1"/>
                           </a:solidFill>
                           <a:latin typeface="Adobe Clean" panose="020B0503020404020204" pitchFamily="34" charset="0"/>
                           <a:cs typeface="AdobeClean-Light"/>
                         </a:rPr>
-                        <a:t>Außendienst</a:t>
+                        <a:t>Field Services</a:t>
                       </a:r>
+                      <a:endParaRPr sz="1000" b="1" i="0" spc="0">
+                        <a:solidFill>
+                          <a:schemeClr val="bg1"/>
+                        </a:solidFill>
+                        <a:latin typeface="Adobe Clean" panose="020B0503020404020204" pitchFamily="34" charset="0"/>
+                        <a:cs typeface="AdobeClean-Light"/>
+                      </a:endParaRPr>
                     </a:p>
                   </a:txBody>
                   <a:tcPr marL="0" marR="0" marT="48260" marB="0" anchor="ctr">
@@ -6628,14 +7570,14 @@
                         </a:spcBef>
                       </a:pPr>
                       <a:r>
-                        <a:rPr lang="de-DE" sz="900">
+                        <a:rPr sz="900" spc="0">
                           <a:solidFill>
                             <a:srgbClr val="020302"/>
                           </a:solidFill>
                           <a:latin typeface="AdobeClean-Light"/>
                           <a:cs typeface="AdobeClean-Light"/>
                         </a:rPr>
-                        <a:t>Launch Advisory-Services – Erstes Jahr mit der neuen Lösung</a:t>
+                        <a:t>Launch Advisory Services – First Year of new solution</a:t>
                       </a:r>
                     </a:p>
                   </a:txBody>
@@ -6675,12 +7617,12 @@
                     <a:bodyPr/>
                     <a:lstStyle/>
                     <a:p>
-                      <a:pPr algn="l" rtl="0">
+                      <a:pPr>
                         <a:lnSpc>
                           <a:spcPct val="100000"/>
                         </a:lnSpc>
                       </a:pPr>
-                      <a:endParaRPr sz="900" dirty="0">
+                      <a:endParaRPr sz="900">
                         <a:latin typeface="Times New Roman"/>
                         <a:cs typeface="Times New Roman"/>
                       </a:endParaRPr>
@@ -6747,7 +7689,7 @@
                         <a:defRPr/>
                       </a:pPr>
                       <a:r>
-                        <a:rPr lang="de-DE" sz="900">
+                        <a:rPr lang="en-US" sz="900">
                           <a:solidFill>
                             <a:srgbClr val="020302"/>
                           </a:solidFill>
@@ -6756,6 +7698,10 @@
                         </a:rPr>
                         <a:t></a:t>
                       </a:r>
+                      <a:endParaRPr lang="en-US" sz="900">
+                        <a:latin typeface="Wingdings"/>
+                        <a:cs typeface="Wingdings"/>
+                      </a:endParaRPr>
                     </a:p>
                   </a:txBody>
                   <a:tcPr marL="0" marR="0" marT="0" marB="0" anchor="ctr">
@@ -6834,11 +7780,11 @@
                         <a:defRPr/>
                       </a:pPr>
                       <a:r>
-                        <a:rPr lang="de-DE" sz="900">
+                        <a:rPr lang="en-US" sz="900" spc="0">
                           <a:latin typeface="AdobeClean-Light"/>
                           <a:cs typeface="AdobeClean-Light"/>
                         </a:rPr>
-                        <a:t>Außendienstaktivitäten </a:t>
+                        <a:t>Field Service Activities </a:t>
                       </a:r>
                     </a:p>
                   </a:txBody>
@@ -6872,8 +7818,8 @@
                     <a:bodyPr/>
                     <a:lstStyle/>
                     <a:p>
-                      <a:pPr algn="l" rtl="0"/>
-                      <a:endParaRPr lang="en-US" dirty="0"/>
+                      <a:pPr algn="ctr"/>
+                      <a:endParaRPr lang="en-US"/>
                     </a:p>
                   </a:txBody>
                   <a:tcPr marL="0" marR="0" marT="0" marB="0">
@@ -6921,12 +7867,13 @@
                     <a:p>
                       <a:pPr algn="ctr"/>
                       <a:r>
-                        <a:rPr lang="de-DE" sz="900" dirty="0">
+                        <a:rPr lang="en-US" sz="900">
                           <a:latin typeface="Times New Roman"/>
                           <a:cs typeface="Times New Roman"/>
                         </a:rPr>
                         <a:t>4</a:t>
                       </a:r>
+                      <a:endParaRPr lang="en-US"/>
                     </a:p>
                   </a:txBody>
                   <a:tcPr marL="0" marR="0" marT="0" marB="0" anchor="ctr">
@@ -7016,9 +7963,9 @@
           <p:nvPr/>
         </p:nvSpPr>
         <p:spPr>
-          <a:xfrm flipV="1">
-            <a:off x="357339" y="851768"/>
-            <a:ext cx="1942628" cy="45719"/>
+          <a:xfrm>
+            <a:off x="357339" y="897487"/>
+            <a:ext cx="1736725" cy="0"/>
           </a:xfrm>
           <a:custGeom>
             <a:avLst/>
@@ -7060,7 +8007,7 @@
         <p:spPr>
           <a:xfrm>
             <a:off x="357339" y="608961"/>
-            <a:ext cx="2407636" cy="228268"/>
+            <a:ext cx="1647825" cy="238760"/>
           </a:xfrm>
           <a:prstGeom prst="rect">
             <a:avLst/>
@@ -7081,15 +8028,59 @@
               </a:spcBef>
             </a:pPr>
             <a:r>
-              <a:rPr lang="de-DE" sz="1400" b="1" dirty="0">
+              <a:rPr sz="1400" b="1" spc="-10">
                 <a:solidFill>
                   <a:srgbClr val="020302"/>
                 </a:solidFill>
                 <a:latin typeface="Adobe Clean"/>
                 <a:cs typeface="Adobe Clean"/>
               </a:rPr>
-              <a:t>Umfang von Elite Support</a:t>
-            </a:r>
+              <a:t>Elite</a:t>
+            </a:r>
+            <a:r>
+              <a:rPr sz="1400" b="1" spc="-50">
+                <a:solidFill>
+                  <a:srgbClr val="020302"/>
+                </a:solidFill>
+                <a:latin typeface="Adobe Clean"/>
+                <a:cs typeface="Adobe Clean"/>
+              </a:rPr>
+              <a:t> </a:t>
+            </a:r>
+            <a:r>
+              <a:rPr sz="1400" b="1" spc="-10">
+                <a:solidFill>
+                  <a:srgbClr val="020302"/>
+                </a:solidFill>
+                <a:latin typeface="Adobe Clean"/>
+                <a:cs typeface="Adobe Clean"/>
+              </a:rPr>
+              <a:t>Support</a:t>
+            </a:r>
+            <a:r>
+              <a:rPr sz="1400" b="1" spc="-45">
+                <a:solidFill>
+                  <a:srgbClr val="020302"/>
+                </a:solidFill>
+                <a:latin typeface="Adobe Clean"/>
+                <a:cs typeface="Adobe Clean"/>
+              </a:rPr>
+              <a:t> </a:t>
+            </a:r>
+            <a:r>
+              <a:rPr sz="1400" b="1" spc="-15">
+                <a:solidFill>
+                  <a:srgbClr val="020302"/>
+                </a:solidFill>
+                <a:latin typeface="Adobe Clean"/>
+                <a:cs typeface="Adobe Clean"/>
+              </a:rPr>
+              <a:t>Features</a:t>
+            </a:r>
+            <a:endParaRPr sz="1400">
+              <a:latin typeface="Adobe Clean"/>
+              <a:cs typeface="Adobe Clean"/>
+            </a:endParaRPr>
           </a:p>
         </p:txBody>
       </p:sp>
@@ -7101,8 +8092,8 @@
         </p:nvSpPr>
         <p:spPr>
           <a:xfrm>
-            <a:off x="2868165" y="1433668"/>
-            <a:ext cx="2370593" cy="936154"/>
+            <a:off x="2868167" y="1433668"/>
+            <a:ext cx="2194560" cy="936154"/>
           </a:xfrm>
           <a:prstGeom prst="rect">
             <a:avLst/>
@@ -7123,55 +8114,19 @@
               </a:spcBef>
             </a:pPr>
             <a:r>
-              <a:rPr lang="de-DE" sz="1000" spc="-40" dirty="0">
+              <a:rPr sz="1000">
                 <a:solidFill>
                   <a:srgbClr val="4B4B4B"/>
                 </a:solidFill>
                 <a:latin typeface="AdobeClean-Light"/>
                 <a:cs typeface="AdobeClean-Light"/>
               </a:rPr>
-              <a:t>Ein spezifischer Support-Mitarbeiter, der sich mit Ihrer Lösungsumgebung und Ihren</a:t>
-            </a:r>
-            <a:r>
-              <a:rPr lang="sk-SK" sz="1000" spc="-40" dirty="0">
-                <a:solidFill>
-                  <a:srgbClr val="4B4B4B"/>
-                </a:solidFill>
-                <a:latin typeface="AdobeClean-Light"/>
-                <a:cs typeface="AdobeClean-Light"/>
-              </a:rPr>
-              <a:t> </a:t>
-            </a:r>
-            <a:r>
-              <a:rPr lang="de-DE" sz="1000" spc="-40" dirty="0">
-                <a:solidFill>
-                  <a:srgbClr val="4B4B4B"/>
-                </a:solidFill>
-                <a:latin typeface="AdobeClean-Light"/>
-                <a:cs typeface="AdobeClean-Light"/>
-              </a:rPr>
-              <a:t>Unternehmenszielen vertraut macht. Der spezifische Support-Mitarbeiter ist ein</a:t>
-            </a:r>
-            <a:r>
-              <a:rPr lang="sk-SK" sz="1000" spc="-40" dirty="0">
-                <a:solidFill>
-                  <a:srgbClr val="4B4B4B"/>
-                </a:solidFill>
-                <a:latin typeface="AdobeClean-Light"/>
-                <a:cs typeface="AdobeClean-Light"/>
-              </a:rPr>
-              <a:t> </a:t>
-            </a:r>
-            <a:r>
-              <a:rPr lang="de-DE" sz="1000" spc="-40" dirty="0">
-                <a:solidFill>
-                  <a:srgbClr val="4B4B4B"/>
-                </a:solidFill>
-                <a:latin typeface="AdobeClean-Light"/>
-                <a:cs typeface="AdobeClean-Light"/>
-              </a:rPr>
-              <a:t>erfahrener Support-Engineer, der Sie bei der Koordination Ihres Enterprise Support-Erlebnisses unterstützt.</a:t>
-            </a:r>
+              <a:t>A designated support engineer who  becomes familiar with your solution  environment and business goals. The NSE  is an experienced support engineer that  helps coordinate your Enterprise Support  experience.</a:t>
+            </a:r>
+            <a:endParaRPr sz="1000">
+              <a:latin typeface="AdobeClean-Light"/>
+              <a:cs typeface="AdobeClean-Light"/>
+            </a:endParaRPr>
           </a:p>
         </p:txBody>
       </p:sp>
@@ -7231,8 +8186,8 @@
         </p:nvSpPr>
         <p:spPr>
           <a:xfrm>
-            <a:off x="5333364" y="1433668"/>
-            <a:ext cx="2394269" cy="936154"/>
+            <a:off x="5333365" y="1433668"/>
+            <a:ext cx="2194560" cy="936154"/>
           </a:xfrm>
           <a:prstGeom prst="rect">
             <a:avLst/>
@@ -7253,15 +8208,19 @@
               </a:spcBef>
             </a:pPr>
             <a:r>
-              <a:rPr lang="de-DE" sz="1000" dirty="0">
+              <a:rPr sz="1000">
                 <a:solidFill>
                   <a:srgbClr val="4B4B4B"/>
                 </a:solidFill>
                 <a:latin typeface="AdobeClean-Light"/>
                 <a:cs typeface="AdobeClean-Light"/>
               </a:rPr>
-              <a:t>Fortlaufende planmäßige Prüfung offener Support-Anfragen, um sicherzustellen, dass Kunden über Fallbeschreibung, geschäftliche Auswirkungen, Status, Priorität und die nächsten Schritte für eine zweckdienliche Lösung auf dem Laufenden sind.</a:t>
-            </a:r>
+              <a:t>Regular scheduled review of open  support requests, ensuring customer  alignment on case description, business  impact, status, priority and agreement on  next steps required to ensure an  expedient resolution.</a:t>
+            </a:r>
+            <a:endParaRPr sz="1000">
+              <a:latin typeface="AdobeClean-Light"/>
+              <a:cs typeface="AdobeClean-Light"/>
+            </a:endParaRPr>
           </a:p>
         </p:txBody>
       </p:sp>
@@ -7297,8 +8256,8 @@
         </p:nvSpPr>
         <p:spPr>
           <a:xfrm>
-            <a:off x="324340" y="1433668"/>
-            <a:ext cx="2249511" cy="936154"/>
+            <a:off x="324341" y="1433668"/>
+            <a:ext cx="2194560" cy="782265"/>
           </a:xfrm>
           <a:prstGeom prst="rect">
             <a:avLst/>
@@ -7319,33 +8278,24 @@
               </a:spcBef>
             </a:pPr>
             <a:r>
-              <a:rPr lang="de-DE" sz="1000" dirty="0">
+              <a:rPr sz="1000">
                 <a:solidFill>
                   <a:srgbClr val="020302"/>
                 </a:solidFill>
                 <a:latin typeface="AdobeClean-Light"/>
                 <a:cs typeface="AdobeClean-Light"/>
               </a:rPr>
-              <a:t>Ein spezifischer Technical Account Manager, der Ihr Elite-Erlebnis überwacht, die Support- und Außendienstinteraktionen koordiniert und proaktiv Services bereitstellt, um Ihren Unternehmenswert </a:t>
-            </a:r>
-            <a:br>
-              <a:rPr lang="sk-SK" sz="1000" dirty="0">
+              <a:t>A designated Technical Account Manager to  oversee your Elite experience, coordinate  the support and field services  engagements, and provide proactive services  to maximize your business valu</a:t>
+            </a:r>
+            <a:r>
+              <a:rPr lang="en-US" sz="1000">
                 <a:solidFill>
                   <a:srgbClr val="020302"/>
                 </a:solidFill>
                 <a:latin typeface="AdobeClean-Light"/>
                 <a:cs typeface="AdobeClean-Light"/>
               </a:rPr>
-            </a:br>
-            <a:r>
-              <a:rPr lang="de-DE" sz="1000" dirty="0">
-                <a:solidFill>
-                  <a:srgbClr val="020302"/>
-                </a:solidFill>
-                <a:latin typeface="AdobeClean-Light"/>
-                <a:cs typeface="AdobeClean-Light"/>
-              </a:rPr>
-              <a:t>zu maximieren.</a:t>
+              <a:t>e.</a:t>
             </a:r>
           </a:p>
         </p:txBody>
@@ -7380,7 +8330,7 @@
               </a:spcBef>
             </a:pPr>
             <a:r>
-              <a:rPr lang="de-DE" sz="1100" b="1">
+              <a:rPr sz="1100" b="1">
                 <a:solidFill>
                   <a:srgbClr val="020302"/>
                 </a:solidFill>
@@ -7389,6 +8339,10 @@
               </a:rPr>
               <a:t>Technical Account Manager</a:t>
             </a:r>
+            <a:endParaRPr sz="1100">
+              <a:latin typeface="Adobe Clean" panose="020B0503020404020204" pitchFamily="34" charset="0"/>
+              <a:cs typeface="Arial"/>
+            </a:endParaRPr>
           </a:p>
         </p:txBody>
       </p:sp>
@@ -7470,53 +8424,49 @@
               </a:spcBef>
             </a:pPr>
             <a:r>
-              <a:rPr lang="de-DE" sz="1000" dirty="0">
+              <a:rPr sz="1000">
                 <a:solidFill>
                   <a:srgbClr val="020302"/>
                 </a:solidFill>
                 <a:latin typeface="AdobeClean-Light"/>
                 <a:cs typeface="AdobeClean-Light"/>
               </a:rPr>
-              <a:t>Laufender Wissenstransfer vom </a:t>
-            </a:r>
-            <a:br>
-              <a:rPr lang="sk-SK" sz="1000" dirty="0">
+              <a:t>Ongoing knowledge transfer from Adobe  </a:t>
+            </a:r>
+            <a:r>
+              <a:rPr lang="en-US" sz="1000">
                 <a:solidFill>
                   <a:srgbClr val="020302"/>
                 </a:solidFill>
                 <a:latin typeface="AdobeClean-Light"/>
                 <a:cs typeface="AdobeClean-Light"/>
               </a:rPr>
-            </a:br>
-            <a:r>
-              <a:rPr lang="de-DE" sz="1000" dirty="0">
+              <a:t>Support team</a:t>
+            </a:r>
+            <a:r>
+              <a:rPr sz="1000">
                 <a:solidFill>
                   <a:srgbClr val="020302"/>
                 </a:solidFill>
                 <a:latin typeface="AdobeClean-Light"/>
                 <a:cs typeface="AdobeClean-Light"/>
               </a:rPr>
-              <a:t>Adobe Support-Team, um Best Practices </a:t>
-            </a:r>
-            <a:br>
-              <a:rPr lang="sk-SK" sz="1000" dirty="0">
+              <a:t> to provide </a:t>
+            </a:r>
+            <a:r>
+              <a:rPr lang="en-US" sz="1000">
                 <a:solidFill>
                   <a:srgbClr val="020302"/>
                 </a:solidFill>
                 <a:latin typeface="AdobeClean-Light"/>
                 <a:cs typeface="AdobeClean-Light"/>
               </a:rPr>
-            </a:br>
-            <a:r>
-              <a:rPr lang="de-DE" sz="1000" dirty="0">
-                <a:solidFill>
-                  <a:srgbClr val="020302"/>
-                </a:solidFill>
-                <a:latin typeface="AdobeClean-Light"/>
-                <a:cs typeface="AdobeClean-Light"/>
-              </a:rPr>
-              <a:t>zur Lösungsnutzung bereitzustellen.</a:t>
-            </a:r>
+              <a:t>best practices around solution usage.</a:t>
+            </a:r>
+            <a:endParaRPr sz="1000">
+              <a:latin typeface="AdobeClean-Light"/>
+              <a:cs typeface="AdobeClean-Light"/>
+            </a:endParaRPr>
           </a:p>
         </p:txBody>
       </p:sp>
@@ -7528,8 +8478,8 @@
         </p:nvSpPr>
         <p:spPr>
           <a:xfrm>
-            <a:off x="5265660" y="5243920"/>
-            <a:ext cx="2482881" cy="758862"/>
+            <a:off x="5265661" y="5243920"/>
+            <a:ext cx="2194560" cy="669927"/>
           </a:xfrm>
           <a:prstGeom prst="rect">
             <a:avLst/>
@@ -7550,34 +8500,19 @@
               </a:spcBef>
             </a:pPr>
             <a:r>
-              <a:rPr lang="de-DE" sz="900" dirty="0">
+              <a:rPr sz="1000">
                 <a:solidFill>
                   <a:srgbClr val="020302"/>
                 </a:solidFill>
                 <a:latin typeface="AdobeClean-Light"/>
                 <a:cs typeface="AdobeClean-Light"/>
               </a:rPr>
-              <a:t>Verwalten Sie wichtige Ereignisse, um sicherzustellen, dass Sie während dieser zentralen Unternehmens- </a:t>
-            </a:r>
-            <a:br>
-              <a:rPr lang="sk-SK" sz="900" dirty="0">
-                <a:solidFill>
-                  <a:srgbClr val="020302"/>
-                </a:solidFill>
-                <a:latin typeface="AdobeClean-Light"/>
-                <a:cs typeface="AdobeClean-Light"/>
-              </a:rPr>
-            </a:br>
-            <a:r>
-              <a:rPr lang="de-DE" sz="900" dirty="0">
-                <a:solidFill>
-                  <a:srgbClr val="020302"/>
-                </a:solidFill>
-                <a:latin typeface="AdobeClean-Light"/>
-                <a:cs typeface="AdobeClean-Light"/>
-              </a:rPr>
-              <a:t>und Projekt-Milestones über angemessenen Support, entsprechende Abdeckung und einen Plan mit Sicherheitsmechanismen verfügen.</a:t>
-            </a:r>
+              <a:t>Manage key events to ensure you have the  right level of support, coverage, and  mitigation plan in place during those key  business and project milestones.</a:t>
+            </a:r>
+            <a:endParaRPr sz="1000">
+              <a:latin typeface="AdobeClean-Light"/>
+              <a:cs typeface="AdobeClean-Light"/>
+            </a:endParaRPr>
           </a:p>
         </p:txBody>
       </p:sp>
@@ -7589,8 +8524,8 @@
         </p:nvSpPr>
         <p:spPr>
           <a:xfrm>
-            <a:off x="324340" y="5228045"/>
-            <a:ext cx="2467386" cy="791755"/>
+            <a:off x="324341" y="5262204"/>
+            <a:ext cx="2194560" cy="698781"/>
           </a:xfrm>
           <a:prstGeom prst="rect">
             <a:avLst/>
@@ -7611,101 +8546,19 @@
               </a:spcBef>
             </a:pPr>
             <a:r>
-              <a:rPr lang="sk-SK" sz="900" dirty="0">
+              <a:rPr sz="1000">
                 <a:solidFill>
                   <a:srgbClr val="020302"/>
                 </a:solidFill>
                 <a:latin typeface="AdobeClean-Light"/>
                 <a:cs typeface="AdobeClean-Light"/>
               </a:rPr>
-              <a:t>S</a:t>
-            </a:r>
-            <a:r>
-              <a:rPr lang="de-DE" sz="900" dirty="0">
-                <a:solidFill>
-                  <a:srgbClr val="020302"/>
-                </a:solidFill>
-                <a:latin typeface="AdobeClean-Light"/>
-                <a:cs typeface="AdobeClean-Light"/>
-              </a:rPr>
-              <a:t>ie erhalten personalisierte Anleitungen </a:t>
-            </a:r>
-            <a:br>
-              <a:rPr lang="sk-SK" sz="900" dirty="0">
-                <a:solidFill>
-                  <a:srgbClr val="020302"/>
-                </a:solidFill>
-                <a:latin typeface="AdobeClean-Light"/>
-                <a:cs typeface="AdobeClean-Light"/>
-              </a:rPr>
-            </a:br>
-            <a:r>
-              <a:rPr lang="de-DE" sz="900" dirty="0">
-                <a:solidFill>
-                  <a:srgbClr val="020302"/>
-                </a:solidFill>
-                <a:latin typeface="AdobeClean-Light"/>
-                <a:cs typeface="AdobeClean-Light"/>
-              </a:rPr>
-              <a:t>zu neuen Produktfunktionen, um die neuesten</a:t>
-            </a:r>
-            <a:br>
-              <a:rPr lang="sk-SK" sz="900" dirty="0">
-                <a:solidFill>
-                  <a:srgbClr val="020302"/>
-                </a:solidFill>
-                <a:latin typeface="AdobeClean-Light"/>
-                <a:cs typeface="AdobeClean-Light"/>
-              </a:rPr>
-            </a:br>
-            <a:r>
-              <a:rPr lang="de-DE" sz="900" dirty="0">
-                <a:solidFill>
-                  <a:srgbClr val="020302"/>
-                </a:solidFill>
-                <a:latin typeface="AdobeClean-Light"/>
-                <a:cs typeface="AdobeClean-Light"/>
-              </a:rPr>
-              <a:t>Innovationen nutzen zu können, und eine Prüfung </a:t>
-            </a:r>
-            <a:br>
-              <a:rPr lang="sk-SK" sz="900" dirty="0">
-                <a:solidFill>
-                  <a:srgbClr val="020302"/>
-                </a:solidFill>
-                <a:latin typeface="AdobeClean-Light"/>
-                <a:cs typeface="AdobeClean-Light"/>
-              </a:rPr>
-            </a:br>
-            <a:r>
-              <a:rPr lang="de-DE" sz="900" dirty="0">
-                <a:solidFill>
-                  <a:srgbClr val="020302"/>
-                </a:solidFill>
-                <a:latin typeface="AdobeClean-Light"/>
-                <a:cs typeface="AdobeClean-Light"/>
-              </a:rPr>
-              <a:t>des Veröffentlichungs- und Aktualisierungsplans </a:t>
-            </a:r>
-            <a:br>
-              <a:rPr lang="sk-SK" sz="900" dirty="0">
-                <a:solidFill>
-                  <a:srgbClr val="020302"/>
-                </a:solidFill>
-                <a:latin typeface="AdobeClean-Light"/>
-                <a:cs typeface="AdobeClean-Light"/>
-              </a:rPr>
-            </a:br>
-            <a:r>
-              <a:rPr lang="de-DE" sz="900" dirty="0">
-                <a:solidFill>
-                  <a:srgbClr val="020302"/>
-                </a:solidFill>
-                <a:latin typeface="AdobeClean-Light"/>
-                <a:cs typeface="AdobeClean-Light"/>
-              </a:rPr>
-              <a:t>durch Adobe-Experten.</a:t>
-            </a:r>
+              <a:t>Receive personalized guidance on new  product features to take advantage of  latest innovations, and have Adobe  experts review release and upgrade plan.</a:t>
+            </a:r>
+            <a:endParaRPr sz="1000">
+              <a:latin typeface="AdobeClean-Light"/>
+              <a:cs typeface="AdobeClean-Light"/>
+            </a:endParaRPr>
           </a:p>
         </p:txBody>
       </p:sp>
@@ -7718,7 +8571,7 @@
         <p:spPr>
           <a:xfrm>
             <a:off x="97787" y="9888626"/>
-            <a:ext cx="3082618" cy="133370"/>
+            <a:ext cx="2202180" cy="149860"/>
           </a:xfrm>
           <a:prstGeom prst="rect">
             <a:avLst/>
@@ -7739,15 +8592,99 @@
               </a:spcBef>
             </a:pPr>
             <a:r>
-              <a:rPr lang="de-DE" sz="800" dirty="0">
+              <a:rPr sz="800" spc="-15">
                 <a:solidFill>
                   <a:srgbClr val="6D6D6D"/>
                 </a:solidFill>
                 <a:latin typeface="Adobe Clean"/>
                 <a:cs typeface="Adobe Clean"/>
               </a:rPr>
-              <a:t>©2021 Adobe. All Rights Reserved. Adobe Confidential.</a:t>
-            </a:r>
+              <a:t>©2021 </a:t>
+            </a:r>
+            <a:r>
+              <a:rPr sz="800" spc="-5">
+                <a:solidFill>
+                  <a:srgbClr val="6D6D6D"/>
+                </a:solidFill>
+                <a:latin typeface="Adobe Clean"/>
+                <a:cs typeface="Adobe Clean"/>
+              </a:rPr>
+              <a:t>Adobe. All</a:t>
+            </a:r>
+            <a:r>
+              <a:rPr sz="800" spc="-15">
+                <a:solidFill>
+                  <a:srgbClr val="6D6D6D"/>
+                </a:solidFill>
+                <a:latin typeface="Adobe Clean"/>
+                <a:cs typeface="Adobe Clean"/>
+              </a:rPr>
+              <a:t> Rights</a:t>
+            </a:r>
+            <a:r>
+              <a:rPr sz="800" spc="-5">
+                <a:solidFill>
+                  <a:srgbClr val="6D6D6D"/>
+                </a:solidFill>
+                <a:latin typeface="Adobe Clean"/>
+                <a:cs typeface="Adobe Clean"/>
+              </a:rPr>
+              <a:t> </a:t>
+            </a:r>
+            <a:r>
+              <a:rPr sz="800" spc="-15">
+                <a:solidFill>
+                  <a:srgbClr val="6D6D6D"/>
+                </a:solidFill>
+                <a:latin typeface="Adobe Clean"/>
+                <a:cs typeface="Adobe Clean"/>
+              </a:rPr>
+              <a:t>Reserved.</a:t>
+            </a:r>
+            <a:r>
+              <a:rPr sz="800" spc="-10">
+                <a:solidFill>
+                  <a:srgbClr val="6D6D6D"/>
+                </a:solidFill>
+                <a:latin typeface="Adobe Clean"/>
+                <a:cs typeface="Adobe Clean"/>
+              </a:rPr>
+              <a:t> </a:t>
+            </a:r>
+            <a:r>
+              <a:rPr sz="800" spc="-5">
+                <a:solidFill>
+                  <a:srgbClr val="6D6D6D"/>
+                </a:solidFill>
+                <a:latin typeface="Adobe Clean"/>
+                <a:cs typeface="Adobe Clean"/>
+              </a:rPr>
+              <a:t>Adobe</a:t>
+            </a:r>
+            <a:r>
+              <a:rPr sz="800" spc="65">
+                <a:solidFill>
+                  <a:srgbClr val="6D6D6D"/>
+                </a:solidFill>
+                <a:latin typeface="Adobe Clean"/>
+                <a:cs typeface="Adobe Clean"/>
+              </a:rPr>
+              <a:t> </a:t>
+            </a:r>
+            <a:r>
+              <a:rPr sz="800" spc="-15">
+                <a:solidFill>
+                  <a:srgbClr val="6D6D6D"/>
+                </a:solidFill>
+                <a:latin typeface="Adobe Clean"/>
+                <a:cs typeface="Adobe Clean"/>
+              </a:rPr>
+              <a:t>Confidential.</a:t>
+            </a:r>
+            <a:endParaRPr sz="800">
+              <a:latin typeface="Adobe Clean"/>
+              <a:cs typeface="Adobe Clean"/>
+            </a:endParaRPr>
           </a:p>
         </p:txBody>
       </p:sp>
@@ -7805,7 +8742,7 @@
         <p:spPr>
           <a:xfrm>
             <a:off x="2791726" y="9060487"/>
-            <a:ext cx="2194560" cy="795089"/>
+            <a:ext cx="2194560" cy="487313"/>
           </a:xfrm>
           <a:prstGeom prst="rect">
             <a:avLst/>
@@ -7829,33 +8766,154 @@
               </a:tabLst>
             </a:pPr>
             <a:r>
-              <a:rPr lang="de-DE" sz="1000" dirty="0">
+              <a:rPr sz="1000" spc="-20">
                 <a:solidFill>
                   <a:srgbClr val="020302"/>
                 </a:solidFill>
                 <a:latin typeface="AdobeClean-Light"/>
                 <a:cs typeface="AdobeClean-Light"/>
               </a:rPr>
-              <a:t>Starten Sie eine Chat-Session, </a:t>
-            </a:r>
-            <a:br>
-              <a:rPr lang="sk-SK" sz="1000" dirty="0">
+              <a:t>Start </a:t>
+            </a:r>
+            <a:r>
+              <a:rPr sz="1000">
                 <a:solidFill>
                   <a:srgbClr val="020302"/>
                 </a:solidFill>
                 <a:latin typeface="AdobeClean-Light"/>
                 <a:cs typeface="AdobeClean-Light"/>
               </a:rPr>
-            </a:br>
-            <a:r>
-              <a:rPr lang="de-DE" sz="1000" dirty="0">
+              <a:t>a </a:t>
+            </a:r>
+            <a:r>
+              <a:rPr sz="1000" spc="-15">
                 <a:solidFill>
                   <a:srgbClr val="020302"/>
                 </a:solidFill>
                 <a:latin typeface="AdobeClean-Light"/>
                 <a:cs typeface="AdobeClean-Light"/>
               </a:rPr>
-              <a:t>um Antworten und Hilfe bei der Fallübermittlung zu erhalten</a:t>
+              <a:t>chat </a:t>
+            </a:r>
+            <a:r>
+              <a:rPr sz="1000" spc="-10">
+                <a:solidFill>
+                  <a:srgbClr val="020302"/>
+                </a:solidFill>
+                <a:latin typeface="AdobeClean-Light"/>
+                <a:cs typeface="AdobeClean-Light"/>
+              </a:rPr>
+              <a:t>session </a:t>
+            </a:r>
+            <a:r>
+              <a:rPr sz="1000" spc="-5">
+                <a:solidFill>
+                  <a:srgbClr val="020302"/>
+                </a:solidFill>
+                <a:latin typeface="AdobeClean-Light"/>
+                <a:cs typeface="AdobeClean-Light"/>
+              </a:rPr>
+              <a:t>to </a:t>
+            </a:r>
+            <a:r>
+              <a:rPr sz="1000" spc="-10">
+                <a:solidFill>
+                  <a:srgbClr val="020302"/>
+                </a:solidFill>
+                <a:latin typeface="AdobeClean-Light"/>
+                <a:cs typeface="AdobeClean-Light"/>
+              </a:rPr>
+              <a:t>get </a:t>
+            </a:r>
+            <a:r>
+              <a:rPr sz="1000" spc="-20">
+                <a:solidFill>
+                  <a:srgbClr val="020302"/>
+                </a:solidFill>
+                <a:latin typeface="AdobeClean-Light"/>
+                <a:cs typeface="AdobeClean-Light"/>
+              </a:rPr>
+              <a:t>answers</a:t>
+            </a:r>
+            <a:r>
+              <a:rPr lang="en-US" sz="1000" spc="-45">
+                <a:solidFill>
+                  <a:srgbClr val="020302"/>
+                </a:solidFill>
+                <a:latin typeface="AdobeClean-Light"/>
+                <a:cs typeface="AdobeClean-Light"/>
+              </a:rPr>
+              <a:t> </a:t>
+            </a:r>
+            <a:r>
+              <a:rPr lang="en-US" sz="1000">
+                <a:solidFill>
+                  <a:srgbClr val="020302"/>
+                </a:solidFill>
+                <a:latin typeface="AdobeClean-Light"/>
+                <a:cs typeface="AdobeClean-Light"/>
+              </a:rPr>
+              <a:t>&amp; </a:t>
+            </a:r>
+            <a:r>
+              <a:rPr sz="1000" spc="-15">
+                <a:solidFill>
+                  <a:srgbClr val="020302"/>
+                </a:solidFill>
+                <a:latin typeface="AdobeClean-Light"/>
+                <a:cs typeface="AdobeClean-Light"/>
+              </a:rPr>
+              <a:t>help </a:t>
+            </a:r>
+            <a:r>
+              <a:rPr sz="1000" spc="-10">
+                <a:solidFill>
+                  <a:srgbClr val="020302"/>
+                </a:solidFill>
+                <a:latin typeface="AdobeClean-Light"/>
+                <a:cs typeface="AdobeClean-Light"/>
+              </a:rPr>
+              <a:t>with</a:t>
+            </a:r>
+            <a:r>
+              <a:rPr sz="1000" spc="85">
+                <a:solidFill>
+                  <a:srgbClr val="020302"/>
+                </a:solidFill>
+                <a:latin typeface="AdobeClean-Light"/>
+                <a:cs typeface="AdobeClean-Light"/>
+              </a:rPr>
+              <a:t> </a:t>
+            </a:r>
+            <a:r>
+              <a:rPr sz="1000" spc="-10">
+                <a:solidFill>
+                  <a:srgbClr val="020302"/>
+                </a:solidFill>
+                <a:latin typeface="AdobeClean-Light"/>
+                <a:cs typeface="AdobeClean-Light"/>
+              </a:rPr>
+              <a:t>case </a:t>
+            </a:r>
+            <a:r>
+              <a:rPr sz="1000" spc="-20">
+                <a:solidFill>
+                  <a:srgbClr val="020302"/>
+                </a:solidFill>
+                <a:latin typeface="AdobeClean-Light"/>
+                <a:cs typeface="AdobeClean-Light"/>
+              </a:rPr>
+              <a:t>submission</a:t>
+            </a:r>
+            <a:r>
+              <a:rPr lang="en-US" sz="1000" spc="-20">
+                <a:solidFill>
+                  <a:srgbClr val="020302"/>
+                </a:solidFill>
+                <a:latin typeface="AdobeClean-Light"/>
+                <a:cs typeface="AdobeClean-Light"/>
+              </a:rPr>
+              <a:t>.</a:t>
             </a:r>
           </a:p>
           <a:p>
@@ -7871,44 +8929,39 @@
               </a:tabLst>
             </a:pPr>
             <a:r>
-              <a:rPr lang="de-DE" sz="1000" i="1" dirty="0">
+              <a:rPr sz="1000" i="1" spc="-10">
                 <a:solidFill>
                   <a:srgbClr val="7A7A7A"/>
                 </a:solidFill>
                 <a:latin typeface="AdobeClean-LightIt"/>
                 <a:cs typeface="AdobeClean-LightIt"/>
               </a:rPr>
-              <a:t>*Nicht alle Produkte verfügen</a:t>
-            </a:r>
-            <a:br>
-              <a:rPr lang="sk-SK" sz="1000" i="1" dirty="0">
+              <a:t>*Not all </a:t>
+            </a:r>
+            <a:r>
+              <a:rPr sz="1000" i="1" spc="-20">
                 <a:solidFill>
                   <a:srgbClr val="7A7A7A"/>
                 </a:solidFill>
                 <a:latin typeface="AdobeClean-LightIt"/>
                 <a:cs typeface="AdobeClean-LightIt"/>
               </a:rPr>
-            </a:br>
-            <a:r>
-              <a:rPr lang="de-DE" sz="1000" i="1" dirty="0">
+              <a:t>products have live chat support</a:t>
+            </a:r>
+            <a:r>
+              <a:rPr sz="900" i="1" spc="-20">
                 <a:solidFill>
                   <a:srgbClr val="7A7A7A"/>
                 </a:solidFill>
                 <a:latin typeface="AdobeClean-LightIt"/>
                 <a:cs typeface="AdobeClean-LightIt"/>
               </a:rPr>
-              <a:t>über Live-Chat-Support</a:t>
-            </a:r>
-            <a:r>
-              <a:rPr lang="de-DE" sz="900" i="1" dirty="0">
-                <a:solidFill>
-                  <a:srgbClr val="7A7A7A"/>
-                </a:solidFill>
-                <a:latin typeface="AdobeClean-LightIt"/>
-                <a:cs typeface="AdobeClean-LightIt"/>
-              </a:rPr>
               <a:t>.  </a:t>
             </a:r>
+            <a:endParaRPr sz="900">
+              <a:latin typeface="AdobeClean-Light"/>
+              <a:cs typeface="AdobeClean-Light"/>
+            </a:endParaRPr>
           </a:p>
         </p:txBody>
       </p:sp>
@@ -7955,12 +9008,12 @@
               <a:defRPr/>
             </a:pPr>
             <a:r>
-              <a:rPr lang="de-DE" sz="1200">
+              <a:rPr lang="en-US" sz="1200">
                 <a:solidFill>
                   <a:srgbClr val="000000"/>
                 </a:solidFill>
               </a:rPr>
-              <a:t>Community-Foren</a:t>
+              <a:t>Community Forums</a:t>
             </a:r>
           </a:p>
         </p:txBody>
@@ -8003,12 +9056,12 @@
               </a:spcAft>
             </a:pPr>
             <a:r>
-              <a:rPr lang="de-DE" sz="1200" b="1">
+              <a:rPr lang="en-US" sz="1200" b="1">
                 <a:latin typeface="+mj-lt"/>
                 <a:ea typeface="Open Sans" pitchFamily="34" charset="0"/>
                 <a:cs typeface="Open Sans" pitchFamily="34" charset="0"/>
               </a:rPr>
-              <a:t>Online-Foren</a:t>
+              <a:t>Online Forums</a:t>
             </a:r>
           </a:p>
         </p:txBody>
@@ -8028,7 +9081,7 @@
         <p:spPr>
           <a:xfrm>
             <a:off x="324341" y="7152361"/>
-            <a:ext cx="2194560" cy="1113125"/>
+            <a:ext cx="2194560" cy="959237"/>
           </a:xfrm>
           <a:prstGeom prst="rect">
             <a:avLst/>
@@ -8041,81 +9094,13 @@
           <a:lstStyle/>
           <a:p>
             <a:r>
-              <a:rPr lang="de-DE" sz="1000" dirty="0">
+              <a:rPr lang="en-US" sz="1000">
                 <a:solidFill>
                   <a:srgbClr val="4B4B4B"/>
                 </a:solidFill>
                 <a:latin typeface="Adobe Clean Light" panose="020B0303020404020204" pitchFamily="34" charset="0"/>
               </a:rPr>
-              <a:t>Kontinuierlicher Online-Zugriff auf eine wachsende Datenbank technischer Lösungen, Produktdokumentationen, </a:t>
-            </a:r>
-            <a:br>
-              <a:rPr lang="sk-SK" sz="1000" dirty="0">
-                <a:solidFill>
-                  <a:srgbClr val="4B4B4B"/>
-                </a:solidFill>
-                <a:latin typeface="Adobe Clean Light" panose="020B0303020404020204" pitchFamily="34" charset="0"/>
-              </a:rPr>
-            </a:br>
-            <a:r>
-              <a:rPr lang="de-DE" sz="1000" dirty="0">
-                <a:solidFill>
-                  <a:srgbClr val="4B4B4B"/>
-                </a:solidFill>
-                <a:latin typeface="Adobe Clean Light" panose="020B0303020404020204" pitchFamily="34" charset="0"/>
-              </a:rPr>
-              <a:t>FAQs und mehr. Tauschen Sie sich </a:t>
-            </a:r>
-            <a:br>
-              <a:rPr lang="sk-SK" sz="1000" dirty="0">
-                <a:solidFill>
-                  <a:srgbClr val="4B4B4B"/>
-                </a:solidFill>
-                <a:latin typeface="Adobe Clean Light" panose="020B0303020404020204" pitchFamily="34" charset="0"/>
-              </a:rPr>
-            </a:br>
-            <a:r>
-              <a:rPr lang="de-DE" sz="1000" dirty="0">
-                <a:solidFill>
-                  <a:srgbClr val="4B4B4B"/>
-                </a:solidFill>
-                <a:latin typeface="Adobe Clean Light" panose="020B0303020404020204" pitchFamily="34" charset="0"/>
-              </a:rPr>
-              <a:t>mit Fachleuten und anderen Kunden </a:t>
-            </a:r>
-            <a:br>
-              <a:rPr lang="sk-SK" sz="1000" dirty="0">
-                <a:solidFill>
-                  <a:srgbClr val="4B4B4B"/>
-                </a:solidFill>
-                <a:latin typeface="Adobe Clean Light" panose="020B0303020404020204" pitchFamily="34" charset="0"/>
-              </a:rPr>
-            </a:br>
-            <a:r>
-              <a:rPr lang="de-DE" sz="1000" dirty="0">
-                <a:solidFill>
-                  <a:srgbClr val="4B4B4B"/>
-                </a:solidFill>
-                <a:latin typeface="Adobe Clean Light" panose="020B0303020404020204" pitchFamily="34" charset="0"/>
-              </a:rPr>
-              <a:t>in der Adobe-Community über </a:t>
-            </a:r>
-            <a:br>
-              <a:rPr lang="sk-SK" sz="1000" dirty="0">
-                <a:solidFill>
-                  <a:srgbClr val="4B4B4B"/>
-                </a:solidFill>
-                <a:latin typeface="Adobe Clean Light" panose="020B0303020404020204" pitchFamily="34" charset="0"/>
-              </a:rPr>
-            </a:br>
-            <a:r>
-              <a:rPr lang="de-DE" sz="1000" dirty="0">
-                <a:solidFill>
-                  <a:srgbClr val="4B4B4B"/>
-                </a:solidFill>
-                <a:latin typeface="Adobe Clean Light" panose="020B0303020404020204" pitchFamily="34" charset="0"/>
-              </a:rPr>
-              <a:t>Best Practices und Erfahrungen aus</a:t>
+              <a:t>Continuous online access to a growing database of technical solutions, product documentation, FAQs and more. Connect with practitioners and other customers on Adobe Community to share best practices and lessons learned.</a:t>
             </a:r>
           </a:p>
         </p:txBody>
@@ -8163,7 +9148,7 @@
               <a:defRPr/>
             </a:pPr>
             <a:r>
-              <a:rPr lang="de-DE" sz="1200">
+              <a:rPr lang="en-US" sz="1200">
                 <a:solidFill>
                   <a:srgbClr val="000000"/>
                 </a:solidFill>
@@ -8211,12 +9196,12 @@
               </a:spcAft>
             </a:pPr>
             <a:r>
-              <a:rPr lang="de-DE" sz="1200" b="1">
+              <a:rPr lang="en-US" sz="1200" b="1">
                 <a:latin typeface="+mj-lt"/>
                 <a:ea typeface="Open Sans" pitchFamily="34" charset="0"/>
                 <a:cs typeface="Open Sans" pitchFamily="34" charset="0"/>
               </a:rPr>
-              <a:t>Journeys für die Selbsthilfe</a:t>
+              <a:t>Self-guided Journeys</a:t>
             </a:r>
           </a:p>
         </p:txBody>
@@ -8249,30 +9234,13 @@
           <a:lstStyle/>
           <a:p>
             <a:r>
-              <a:rPr lang="de-DE" sz="1000" dirty="0">
+              <a:rPr lang="en-US" sz="1000">
                 <a:solidFill>
                   <a:srgbClr val="4B4B4B"/>
                 </a:solidFill>
                 <a:latin typeface="Adobe Clean Light" panose="020B0303020404020204" pitchFamily="34" charset="0"/>
               </a:rPr>
-              <a:t>Experience Maker entstehen in der Experience League. Kunden können durch personalisiertes Lernen ihre Customer-Experience-Management-Fähigkeiten entwickeln, mit einer globalen Community anderer Anwender interagieren und </a:t>
-            </a:r>
-            <a:br>
-              <a:rPr lang="sk-SK" sz="1000" dirty="0">
-                <a:solidFill>
-                  <a:srgbClr val="4B4B4B"/>
-                </a:solidFill>
-                <a:latin typeface="Adobe Clean Light" panose="020B0303020404020204" pitchFamily="34" charset="0"/>
-              </a:rPr>
-            </a:br>
-            <a:r>
-              <a:rPr lang="de-DE" sz="1000" dirty="0">
-                <a:solidFill>
-                  <a:srgbClr val="4B4B4B"/>
-                </a:solidFill>
-                <a:latin typeface="Adobe Clean Light" panose="020B0303020404020204" pitchFamily="34" charset="0"/>
-              </a:rPr>
-              <a:t>so ihre eigene Karriere fördern</a:t>
+              <a:t>Experience Makers are made with Experience League. Customers can kickstart their Customer Experience Management abilities with personalized learning to develop skills, engage with a global community of peers, and earn career advancing recognition.</a:t>
             </a:r>
           </a:p>
         </p:txBody>
@@ -8320,12 +9288,12 @@
               <a:defRPr/>
             </a:pPr>
             <a:r>
-              <a:rPr lang="de-DE" sz="1200">
+              <a:rPr lang="en-US" sz="1200">
                 <a:solidFill>
                   <a:srgbClr val="000000"/>
                 </a:solidFill>
               </a:rPr>
-              <a:t>Live-Chat-Support*</a:t>
+              <a:t>Live Chat  Support*</a:t>
             </a:r>
           </a:p>
         </p:txBody>
@@ -8368,12 +9336,12 @@
               </a:spcAft>
             </a:pPr>
             <a:r>
-              <a:rPr lang="de-DE" sz="1200" b="1">
+              <a:rPr lang="en-US" sz="1200" b="1">
                 <a:latin typeface="+mj-lt"/>
                 <a:ea typeface="Open Sans" pitchFamily="34" charset="0"/>
                 <a:cs typeface="Open Sans" pitchFamily="34" charset="0"/>
               </a:rPr>
-              <a:t>Chat-Support</a:t>
+              <a:t>Chat Support</a:t>
             </a:r>
           </a:p>
         </p:txBody>
@@ -8421,7 +9389,7 @@
               <a:defRPr/>
             </a:pPr>
             <a:r>
-              <a:rPr lang="de-DE" sz="1200">
+              <a:rPr lang="en-US" sz="1200">
                 <a:solidFill>
                   <a:srgbClr val="000000"/>
                 </a:solidFill>
@@ -8469,12 +9437,12 @@
               </a:spcAft>
             </a:pPr>
             <a:r>
-              <a:rPr lang="de-DE" sz="1200" b="1">
+              <a:rPr lang="en-US" sz="1200" b="1">
                 <a:latin typeface="+mj-lt"/>
                 <a:ea typeface="Open Sans" pitchFamily="34" charset="0"/>
                 <a:cs typeface="Open Sans" pitchFamily="34" charset="0"/>
               </a:rPr>
-              <a:t>Telefonischer Support</a:t>
+              <a:t>Phone  Support</a:t>
             </a:r>
           </a:p>
         </p:txBody>
@@ -8494,7 +9462,7 @@
         <p:spPr>
           <a:xfrm>
             <a:off x="2791726" y="7152361"/>
-            <a:ext cx="2194560" cy="1113125"/>
+            <a:ext cx="2194560" cy="805349"/>
           </a:xfrm>
           <a:prstGeom prst="rect">
             <a:avLst/>
@@ -8507,62 +9475,35 @@
           <a:lstStyle/>
           <a:p>
             <a:r>
-              <a:rPr lang="de-DE" sz="1000" dirty="0">
+              <a:rPr lang="en-US" sz="1000">
                 <a:solidFill>
                   <a:srgbClr val="020302"/>
                 </a:solidFill>
                 <a:latin typeface="AdobeClean-Light"/>
               </a:rPr>
-              <a:t>Autorisierte Anwender oder </a:t>
-            </a:r>
-            <a:r>
-              <a:rPr lang="de-DE" sz="1000" b="1" dirty="0">
+              <a:t>Authorized users or </a:t>
+            </a:r>
+            <a:r>
+              <a:rPr lang="en-US" sz="1000" b="1">
                 <a:solidFill>
                   <a:srgbClr val="020302"/>
                 </a:solidFill>
                 <a:latin typeface="AdobeClean-Light"/>
               </a:rPr>
-              <a:t>spezifische Support-Kontakte</a:t>
-            </a:r>
-            <a:r>
-              <a:rPr lang="de-DE" sz="1000" dirty="0">
+              <a:t>Named Support Contacts </a:t>
+            </a:r>
+            <a:r>
+              <a:rPr lang="en-US" sz="1000">
                 <a:latin typeface="Adobe Clean Light" panose="020B0303020404020204" pitchFamily="34" charset="0"/>
               </a:rPr>
-              <a:t> können Probleme </a:t>
-            </a:r>
-            <a:br>
-              <a:rPr lang="sk-SK" sz="1000" dirty="0">
-                <a:latin typeface="Adobe Clean Light" panose="020B0303020404020204" pitchFamily="34" charset="0"/>
-              </a:rPr>
-            </a:br>
-            <a:r>
-              <a:rPr lang="de-DE" sz="1000" dirty="0">
-                <a:latin typeface="Adobe Clean Light" panose="020B0303020404020204" pitchFamily="34" charset="0"/>
-              </a:rPr>
-              <a:t>über alle verfügbaren Kanäle </a:t>
-            </a:r>
-            <a:br>
-              <a:rPr lang="sk-SK" sz="1000" dirty="0">
-                <a:latin typeface="Adobe Clean Light" panose="020B0303020404020204" pitchFamily="34" charset="0"/>
-              </a:rPr>
-            </a:br>
-            <a:r>
-              <a:rPr lang="de-DE" sz="1000" dirty="0">
-                <a:latin typeface="Adobe Clean Light" panose="020B0303020404020204" pitchFamily="34" charset="0"/>
-              </a:rPr>
-              <a:t>(einschließlich Telefon für P1) einreichen und im Namen Ihres Unternehmens </a:t>
-            </a:r>
-            <a:br>
-              <a:rPr lang="sk-SK" sz="1000" dirty="0">
-                <a:latin typeface="Adobe Clean Light" panose="020B0303020404020204" pitchFamily="34" charset="0"/>
-              </a:rPr>
-            </a:br>
-            <a:r>
-              <a:rPr lang="de-DE" sz="1000" dirty="0">
-                <a:latin typeface="Adobe Clean Light" panose="020B0303020404020204" pitchFamily="34" charset="0"/>
-              </a:rPr>
-              <a:t>mit unserem technischen Support-Team interagieren. </a:t>
-            </a:r>
+              <a:t>can submit issues through all available  channels (including phone for P1) and interact with our technical support team on behalf of your company. </a:t>
+            </a:r>
+            <a:endParaRPr lang="en-US" sz="1000">
+              <a:solidFill>
+                <a:srgbClr val="000000"/>
+              </a:solidFill>
+              <a:latin typeface="Adobe Clean Light" panose="020B0303020404020204" pitchFamily="34" charset="0"/>
+            </a:endParaRPr>
           </a:p>
         </p:txBody>
       </p:sp>
@@ -8580,8 +9521,8 @@
         </p:nvSpPr>
         <p:spPr>
           <a:xfrm>
-            <a:off x="214971" y="6477000"/>
-            <a:ext cx="2084996" cy="45719"/>
+            <a:off x="214971" y="6447157"/>
+            <a:ext cx="1848207" cy="45719"/>
           </a:xfrm>
           <a:custGeom>
             <a:avLst/>
@@ -8657,7 +9598,7 @@
               <a:defRPr/>
             </a:pPr>
             <a:r>
-              <a:rPr lang="de-DE" sz="1200">
+              <a:rPr lang="en-US" sz="1200">
                 <a:solidFill>
                   <a:srgbClr val="000000"/>
                 </a:solidFill>
@@ -8705,12 +9646,12 @@
               </a:spcAft>
             </a:pPr>
             <a:r>
-              <a:rPr lang="de-DE" sz="1200" b="1">
+              <a:rPr lang="en-US" sz="1200" b="1">
                 <a:latin typeface="+mj-lt"/>
                 <a:ea typeface="Open Sans" pitchFamily="34" charset="0"/>
                 <a:cs typeface="Open Sans" pitchFamily="34" charset="0"/>
               </a:rPr>
-              <a:t>Webinare</a:t>
+              <a:t>Webinars</a:t>
             </a:r>
           </a:p>
         </p:txBody>
@@ -8743,13 +9684,13 @@
           <a:lstStyle/>
           <a:p>
             <a:r>
-              <a:rPr lang="de-DE" sz="1000" spc="-30" dirty="0">
+              <a:rPr lang="en-US" sz="1000">
                 <a:solidFill>
                   <a:srgbClr val="4B4B4B"/>
                 </a:solidFill>
                 <a:latin typeface="Adobe Clean Light" panose="020B0303020404020204" pitchFamily="34" charset="0"/>
               </a:rPr>
-              <a:t>Die vom Adobe Support-Team geleitete Office Hours-Reihe umfasst Sessions mit informativem Inhalt sowie Angebote zur Problembehebung sowie Tipps und Tricks für den Erfolg bei der Nutzung von Adobe-Lösungen. </a:t>
+              <a:t>Office Hours led by the Adobe Customer Support team includes sessions designed to inform as well as help participants troubleshoot problems and provide tips and tricks for success with Adobe solutions. </a:t>
             </a:r>
           </a:p>
         </p:txBody>
@@ -8797,12 +9738,12 @@
               <a:defRPr/>
             </a:pPr>
             <a:r>
-              <a:rPr lang="de-DE" sz="1200">
+              <a:rPr lang="en-US" sz="1200">
                 <a:solidFill>
                   <a:srgbClr val="000000"/>
                 </a:solidFill>
               </a:rPr>
-              <a:t>Selbsthilfe-Portale</a:t>
+              <a:t>Self-help Portals</a:t>
             </a:r>
           </a:p>
         </p:txBody>
@@ -8845,12 +9786,12 @@
               </a:spcAft>
             </a:pPr>
             <a:r>
-              <a:rPr lang="de-DE" sz="1200" b="1">
+              <a:rPr lang="en-US" sz="1200" b="1">
                 <a:latin typeface="+mj-lt"/>
                 <a:ea typeface="Open Sans" pitchFamily="34" charset="0"/>
                 <a:cs typeface="Open Sans" pitchFamily="34" charset="0"/>
               </a:rPr>
-              <a:t>24/7-Support-Portal</a:t>
+              <a:t>24/7 Support Portal</a:t>
             </a:r>
           </a:p>
         </p:txBody>
@@ -8870,7 +9811,7 @@
         <p:spPr>
           <a:xfrm>
             <a:off x="5265661" y="8987081"/>
-            <a:ext cx="2408952" cy="959237"/>
+            <a:ext cx="2194560" cy="805349"/>
           </a:xfrm>
           <a:prstGeom prst="rect">
             <a:avLst/>
@@ -8883,13 +9824,30 @@
           <a:lstStyle/>
           <a:p>
             <a:r>
-              <a:rPr lang="de-DE" sz="1000" dirty="0">
+              <a:rPr lang="en-US" sz="1000">
                 <a:solidFill>
                   <a:srgbClr val="4B4B4B"/>
                 </a:solidFill>
                 <a:latin typeface="Adobe Clean Light" panose="020B0303020404020204" pitchFamily="34" charset="0"/>
               </a:rPr>
-              <a:t>On-Demand-Zugriff auf das Online-Selbsthilfe-Support-Portal, um Support-Anfragen einzureichen, den Fallstatus zu überprüfen und andere Ressourcen zu durchsuchen, z. B. unsere Wissensdatenbank, Neuigkeiten und Hinweise, spezielle Tipps und mehr.</a:t>
+              <a:t>On-demand access to the online </a:t>
+            </a:r>
+            <a:br>
+              <a:rPr lang="en-US" sz="1000">
+                <a:solidFill>
+                  <a:srgbClr val="4B4B4B"/>
+                </a:solidFill>
+                <a:latin typeface="Adobe Clean Light" panose="020B0303020404020204" pitchFamily="34" charset="0"/>
+              </a:rPr>
+            </a:br>
+            <a:r>
+              <a:rPr lang="en-US" sz="1000">
+                <a:solidFill>
+                  <a:srgbClr val="4B4B4B"/>
+                </a:solidFill>
+                <a:latin typeface="Adobe Clean Light" panose="020B0303020404020204" pitchFamily="34" charset="0"/>
+              </a:rPr>
+              <a:t>Self-help Support Portal to submit support requests, review case status, and browse other resources, like our knowledgebase, news and alerts, featured tips, and more.</a:t>
             </a:r>
           </a:p>
         </p:txBody>
@@ -9197,7 +10155,7 @@
         </p:nvSpPr>
         <p:spPr>
           <a:xfrm>
-            <a:off x="214971" y="6172200"/>
+            <a:off x="214971" y="6124178"/>
             <a:ext cx="1930978" cy="307777"/>
           </a:xfrm>
           <a:prstGeom prst="rect">
@@ -9219,15 +10177,19 @@
               </a:spcBef>
             </a:pPr>
             <a:r>
-              <a:rPr lang="de-DE" sz="1400" b="1" dirty="0">
+              <a:rPr lang="en-US" sz="1400" b="1">
                 <a:solidFill>
                   <a:srgbClr val="020302"/>
                 </a:solidFill>
                 <a:latin typeface="Adobe Clean"/>
                 <a:cs typeface="Adobe Clean"/>
               </a:rPr>
-              <a:t>Umfang von Online Support</a:t>
-            </a:r>
+              <a:t>Online Support Features</a:t>
+            </a:r>
+            <a:endParaRPr lang="en-US" sz="1400">
+              <a:latin typeface="Adobe Clean"/>
+              <a:cs typeface="Adobe Clean"/>
+            </a:endParaRPr>
           </a:p>
         </p:txBody>
       </p:sp>
@@ -9428,14 +10390,14 @@
         <p:spPr>
           <a:xfrm>
             <a:off x="324341" y="4031705"/>
-            <a:ext cx="2249510" cy="672172"/>
+            <a:ext cx="2194560" cy="499111"/>
           </a:xfrm>
           <a:prstGeom prst="rect">
             <a:avLst/>
           </a:prstGeom>
         </p:spPr>
         <p:txBody>
-          <a:bodyPr wrap="square" lIns="0" tIns="0" rIns="0" bIns="0">
+          <a:bodyPr lIns="0" tIns="0" rIns="0" bIns="0">
             <a:spAutoFit/>
           </a:bodyPr>
           <a:lstStyle/>
@@ -9449,15 +10411,22 @@
               </a:spcBef>
             </a:pPr>
             <a:r>
-              <a:rPr lang="de-DE" sz="1000" dirty="0">
+              <a:rPr lang="en-US" sz="1000">
                 <a:solidFill>
                   <a:srgbClr val="020302"/>
                 </a:solidFill>
                 <a:latin typeface="AdobeClean-Light"/>
                 <a:cs typeface="AdobeClean-Light"/>
               </a:rPr>
-              <a:t>Proaktive Prüfung Ihrer Lösungsimplementierung, -konfiguration und -architektur, einschließlich Integrationen.</a:t>
-            </a:r>
+              <a:t>Proactive review of your solution  deployment, configuration, and overall  architecture, including integrations.</a:t>
+            </a:r>
+            <a:endParaRPr lang="en-US" sz="1000">
+              <a:solidFill>
+                <a:prstClr val="black"/>
+              </a:solidFill>
+              <a:latin typeface="AdobeClean-Light"/>
+              <a:cs typeface="AdobeClean-Light"/>
+            </a:endParaRPr>
           </a:p>
         </p:txBody>
       </p:sp>
@@ -9475,15 +10444,15 @@
         </p:nvSpPr>
         <p:spPr>
           <a:xfrm>
-            <a:off x="5265660" y="4031705"/>
-            <a:ext cx="2354339" cy="652615"/>
+            <a:off x="5265661" y="4031705"/>
+            <a:ext cx="2194560" cy="652615"/>
           </a:xfrm>
           <a:prstGeom prst="rect">
             <a:avLst/>
           </a:prstGeom>
         </p:spPr>
         <p:txBody>
-          <a:bodyPr wrap="square" lIns="0" tIns="0" rIns="0" bIns="0">
+          <a:bodyPr lIns="0" tIns="0" rIns="0" bIns="0">
             <a:spAutoFit/>
           </a:bodyPr>
           <a:lstStyle/>
@@ -9497,15 +10466,22 @@
               </a:spcBef>
             </a:pPr>
             <a:r>
-              <a:rPr lang="de-DE" sz="1000" dirty="0">
+              <a:rPr lang="en-US" sz="1000">
                 <a:solidFill>
                   <a:srgbClr val="020302"/>
                 </a:solidFill>
                 <a:latin typeface="AdobeClean-Light"/>
                 <a:cs typeface="AdobeClean-Light"/>
               </a:rPr>
-              <a:t>Sie erhalten Best Practices für die Wartung und aktuelle Fehlerbehebungen (SPs, MR, Patches, FPs), damit Sie bei allen Wartungsprüfungen auf dem neuesten Stand sind</a:t>
-            </a:r>
+              <a:t>Receive maintenance best practices and latest  fixes (SPs, MR, patches, FPs) to remain up-to-  date on all maintenance checks.</a:t>
+            </a:r>
+            <a:endParaRPr lang="en-US" sz="1000">
+              <a:solidFill>
+                <a:prstClr val="black"/>
+              </a:solidFill>
+              <a:latin typeface="AdobeClean-Light"/>
+              <a:cs typeface="AdobeClean-Light"/>
+            </a:endParaRPr>
           </a:p>
         </p:txBody>
       </p:sp>
@@ -9542,15 +10518,22 @@
               </a:spcBef>
             </a:pPr>
             <a:r>
-              <a:rPr lang="de-DE" sz="1000" dirty="0">
+              <a:rPr lang="en-US" sz="1000">
                 <a:solidFill>
                   <a:srgbClr val="4B4B4B"/>
                 </a:solidFill>
                 <a:latin typeface="AdobeClean-Light"/>
                 <a:cs typeface="AdobeClean-Light"/>
               </a:rPr>
-              <a:t>Fortlaufende Prüfung der Services, Support-Metriken und Bereitstellungen des Elite-Programms, einschließlich eines zukunftsorientierten Plans</a:t>
-            </a:r>
+              <a:t>A regular review of Elite program services, support metrics, and deliverables, including a forward-looking plan</a:t>
+            </a:r>
+            <a:endParaRPr lang="en-US" sz="1000">
+              <a:solidFill>
+                <a:prstClr val="black"/>
+              </a:solidFill>
+              <a:latin typeface="AdobeClean-Light"/>
+              <a:cs typeface="AdobeClean-Light"/>
+            </a:endParaRPr>
           </a:p>
         </p:txBody>
       </p:sp>
@@ -9568,15 +10551,15 @@
         </p:nvSpPr>
         <p:spPr>
           <a:xfrm>
-            <a:off x="5431520" y="2895600"/>
-            <a:ext cx="2340880" cy="615553"/>
+            <a:off x="5431520" y="2854370"/>
+            <a:ext cx="2194560" cy="615553"/>
           </a:xfrm>
           <a:prstGeom prst="rect">
             <a:avLst/>
           </a:prstGeom>
         </p:spPr>
         <p:txBody>
-          <a:bodyPr wrap="square" lIns="0" tIns="0" rIns="0" bIns="0">
+          <a:bodyPr lIns="0" tIns="0" rIns="0" bIns="0">
             <a:spAutoFit/>
           </a:bodyPr>
           <a:lstStyle/>
@@ -9587,15 +10570,22 @@
               </a:spcBef>
             </a:pPr>
             <a:r>
-              <a:rPr lang="de-DE" sz="1000" dirty="0">
+              <a:rPr lang="en-US" sz="1000">
                 <a:solidFill>
                   <a:srgbClr val="4B4B4B"/>
                 </a:solidFill>
                 <a:latin typeface="AdobeClean-Light"/>
                 <a:cs typeface="AdobeClean-Light"/>
               </a:rPr>
-              <a:t>Eine 60-minütige Session mit Konzentration auf eine bestimmte Produktfunktion und deren Nutzung zum Lösen gängiger Unternehmensprobleme.</a:t>
-            </a:r>
+              <a:t>A 60-minute session focusing on a  specific product feature and how it can  be utilized to solve common business  problems.</a:t>
+            </a:r>
+            <a:endParaRPr lang="en-US" sz="1000">
+              <a:solidFill>
+                <a:prstClr val="black"/>
+              </a:solidFill>
+              <a:latin typeface="AdobeClean-Light"/>
+              <a:cs typeface="AdobeClean-Light"/>
+            </a:endParaRPr>
           </a:p>
         </p:txBody>
       </p:sp>
@@ -9614,14 +10604,14 @@
         <p:spPr>
           <a:xfrm>
             <a:off x="324341" y="2842848"/>
-            <a:ext cx="2428138" cy="615553"/>
+            <a:ext cx="2194560" cy="615553"/>
           </a:xfrm>
           <a:prstGeom prst="rect">
             <a:avLst/>
           </a:prstGeom>
         </p:spPr>
         <p:txBody>
-          <a:bodyPr wrap="square" lIns="0" tIns="0" rIns="0" bIns="0">
+          <a:bodyPr lIns="0" tIns="0" rIns="0" bIns="0">
             <a:spAutoFit/>
           </a:bodyPr>
           <a:lstStyle/>
@@ -9632,15 +10622,16 @@
               </a:spcBef>
             </a:pPr>
             <a:r>
-              <a:rPr lang="de-DE" sz="1000" spc="-50" dirty="0">
+              <a:rPr lang="en-US" sz="1000">
                 <a:solidFill>
                   <a:srgbClr val="4B4B4B"/>
                 </a:solidFill>
                 <a:latin typeface="AdobeClean-Light"/>
                 <a:cs typeface="AdobeClean-Light"/>
               </a:rPr>
-              <a:t>Ein spezifischer Ansprechpartner innerhalb von Adobe, der Unterstützung bei Eskalation und regelmäßigen Updates bietet und sicherstellt, dass die wichtigsten offenen Support-Anfragen priorisiert werden.</a:t>
-            </a:r>
+              <a:t>A designated point of contact within Adobe  who can provide escalation assistance,  regular updates and ensure priority is given  to your most critical open support requests.</a:t>
+            </a:r>
+            <a:endParaRPr lang="en-US"/>
           </a:p>
         </p:txBody>
       </p:sp>
@@ -9677,15 +10668,22 @@
               </a:spcBef>
             </a:pPr>
             <a:r>
-              <a:rPr lang="de-DE" sz="1100" b="1">
+              <a:rPr lang="en-US" sz="1100" b="1">
                 <a:solidFill>
                   <a:srgbClr val="020302"/>
                 </a:solidFill>
                 <a:latin typeface="Adobe Clean" panose="020B0503020404020204" pitchFamily="34" charset="0"/>
                 <a:cs typeface="Arial"/>
               </a:rPr>
-              <a:t>Spezifischer Support-Mitarbeiter</a:t>
-            </a:r>
+              <a:t>Named Support Engineer</a:t>
+            </a:r>
+            <a:endParaRPr lang="en-US" sz="1100">
+              <a:solidFill>
+                <a:prstClr val="black"/>
+              </a:solidFill>
+              <a:latin typeface="Adobe Clean" panose="020B0503020404020204" pitchFamily="34" charset="0"/>
+              <a:cs typeface="Arial"/>
+            </a:endParaRPr>
           </a:p>
         </p:txBody>
       </p:sp>
@@ -9722,15 +10720,22 @@
               </a:spcBef>
             </a:pPr>
             <a:r>
-              <a:rPr lang="de-DE" sz="1100" b="1">
+              <a:rPr lang="en-US" sz="1100" b="1">
                 <a:solidFill>
                   <a:srgbClr val="020302"/>
                 </a:solidFill>
                 <a:latin typeface="Adobe Clean" panose="020B0503020404020204" pitchFamily="34" charset="0"/>
                 <a:cs typeface="Arial"/>
               </a:rPr>
-              <a:t>Fallprüfungen</a:t>
-            </a:r>
+              <a:t>Case Reviews</a:t>
+            </a:r>
+            <a:endParaRPr lang="en-US" sz="1100">
+              <a:solidFill>
+                <a:prstClr val="black"/>
+              </a:solidFill>
+              <a:latin typeface="Adobe Clean" panose="020B0503020404020204" pitchFamily="34" charset="0"/>
+              <a:cs typeface="Arial"/>
+            </a:endParaRPr>
           </a:p>
         </p:txBody>
       </p:sp>
@@ -9767,15 +10772,22 @@
               </a:spcBef>
             </a:pPr>
             <a:r>
-              <a:rPr lang="de-DE" sz="1100" b="1">
+              <a:rPr lang="en-US" sz="1100" b="1">
                 <a:solidFill>
                   <a:srgbClr val="020302"/>
                 </a:solidFill>
                 <a:latin typeface="Adobe Clean" panose="020B0503020404020204" pitchFamily="34" charset="0"/>
                 <a:cs typeface="Adobe Clean"/>
               </a:rPr>
-              <a:t>Wartung und Überwachung</a:t>
-            </a:r>
+              <a:t>Maintenance &amp; Monitoring</a:t>
+            </a:r>
+            <a:endParaRPr lang="en-US" sz="1100">
+              <a:solidFill>
+                <a:prstClr val="black"/>
+              </a:solidFill>
+              <a:latin typeface="Adobe Clean" panose="020B0503020404020204" pitchFamily="34" charset="0"/>
+              <a:cs typeface="Adobe Clean"/>
+            </a:endParaRPr>
           </a:p>
         </p:txBody>
       </p:sp>
@@ -9812,15 +10824,22 @@
               </a:spcBef>
             </a:pPr>
             <a:r>
-              <a:rPr lang="de-DE" sz="1100" b="1">
+              <a:rPr lang="en-US" sz="1100" b="1">
                 <a:solidFill>
                   <a:srgbClr val="020302"/>
                 </a:solidFill>
                 <a:latin typeface="Adobe Clean" panose="020B0503020404020204" pitchFamily="34" charset="0"/>
                 <a:cs typeface="Adobe Clean"/>
               </a:rPr>
-              <a:t>Prüfung der Lösungs-Roadmap</a:t>
-            </a:r>
+              <a:t>Solution Roadmap Review</a:t>
+            </a:r>
+            <a:endParaRPr lang="en-US" sz="1100">
+              <a:solidFill>
+                <a:prstClr val="black"/>
+              </a:solidFill>
+              <a:latin typeface="Adobe Clean" panose="020B0503020404020204" pitchFamily="34" charset="0"/>
+              <a:cs typeface="Adobe Clean"/>
+            </a:endParaRPr>
           </a:p>
         </p:txBody>
       </p:sp>
@@ -9857,15 +10876,22 @@
               </a:spcBef>
             </a:pPr>
             <a:r>
-              <a:rPr lang="de-DE" sz="1100" b="1">
+              <a:rPr lang="en-US" sz="1100" b="1">
                 <a:solidFill>
                   <a:srgbClr val="020302"/>
                 </a:solidFill>
                 <a:latin typeface="Adobe Clean" panose="020B0503020404020204" pitchFamily="34" charset="0"/>
                 <a:cs typeface="Adobe Clean"/>
               </a:rPr>
-              <a:t>Umgebungsprüfung</a:t>
-            </a:r>
+              <a:t>Environment Review</a:t>
+            </a:r>
+            <a:endParaRPr lang="en-US" sz="1100">
+              <a:solidFill>
+                <a:prstClr val="black"/>
+              </a:solidFill>
+              <a:latin typeface="Adobe Clean" panose="020B0503020404020204" pitchFamily="34" charset="0"/>
+              <a:cs typeface="Adobe Clean"/>
+            </a:endParaRPr>
           </a:p>
         </p:txBody>
       </p:sp>
@@ -9902,15 +10928,22 @@
               </a:spcBef>
             </a:pPr>
             <a:r>
-              <a:rPr lang="de-DE" sz="1100" b="1">
+              <a:rPr lang="en-US" sz="1100" b="1">
                 <a:solidFill>
                   <a:srgbClr val="020302"/>
                 </a:solidFill>
                 <a:latin typeface="Adobe Clean" panose="020B0503020404020204" pitchFamily="34" charset="0"/>
                 <a:cs typeface="Adobe Clean"/>
               </a:rPr>
-              <a:t>Eskalations-Management</a:t>
-            </a:r>
+              <a:t>Escalation Management</a:t>
+            </a:r>
+            <a:endParaRPr lang="en-US" sz="1100">
+              <a:solidFill>
+                <a:prstClr val="black"/>
+              </a:solidFill>
+              <a:latin typeface="Adobe Clean" panose="020B0503020404020204" pitchFamily="34" charset="0"/>
+              <a:cs typeface="Adobe Clean"/>
+            </a:endParaRPr>
           </a:p>
         </p:txBody>
       </p:sp>
@@ -9947,15 +10980,22 @@
               </a:spcBef>
             </a:pPr>
             <a:r>
-              <a:rPr lang="de-DE" sz="1100" b="1">
+              <a:rPr lang="en-US" sz="1100" b="1">
                 <a:solidFill>
                   <a:srgbClr val="020302"/>
                 </a:solidFill>
                 <a:latin typeface="Adobe Clean" panose="020B0503020404020204" pitchFamily="34" charset="0"/>
                 <a:cs typeface="Adobe Clean"/>
               </a:rPr>
-              <a:t>Service-Prüfungen</a:t>
-            </a:r>
+              <a:t>Service Reviews</a:t>
+            </a:r>
+            <a:endParaRPr lang="en-US" sz="1100">
+              <a:solidFill>
+                <a:prstClr val="black"/>
+              </a:solidFill>
+              <a:latin typeface="Adobe Clean" panose="020B0503020404020204" pitchFamily="34" charset="0"/>
+              <a:cs typeface="Adobe Clean"/>
+            </a:endParaRPr>
           </a:p>
         </p:txBody>
       </p:sp>
@@ -9992,15 +11032,22 @@
               </a:spcBef>
             </a:pPr>
             <a:r>
-              <a:rPr lang="de-DE" sz="1100" b="1">
+              <a:rPr lang="en-US" sz="1100" b="1">
                 <a:solidFill>
                   <a:srgbClr val="020302"/>
                 </a:solidFill>
                 <a:latin typeface="Adobe Clean" panose="020B0503020404020204" pitchFamily="34" charset="0"/>
                 <a:cs typeface="Adobe Clean"/>
               </a:rPr>
-              <a:t>Experten-Sessions</a:t>
-            </a:r>
+              <a:t>Expert Sessions</a:t>
+            </a:r>
+            <a:endParaRPr lang="en-US" sz="1100">
+              <a:solidFill>
+                <a:prstClr val="black"/>
+              </a:solidFill>
+              <a:latin typeface="Adobe Clean" panose="020B0503020404020204" pitchFamily="34" charset="0"/>
+              <a:cs typeface="Adobe Clean"/>
+            </a:endParaRPr>
           </a:p>
         </p:txBody>
       </p:sp>
@@ -10018,8 +11065,8 @@
         </p:nvSpPr>
         <p:spPr>
           <a:xfrm>
-            <a:off x="683086" y="4863599"/>
-            <a:ext cx="2194560" cy="338554"/>
+            <a:off x="689237" y="4935181"/>
+            <a:ext cx="2194560" cy="169277"/>
           </a:xfrm>
           <a:prstGeom prst="rect">
             <a:avLst/>
@@ -10037,34 +11084,22 @@
               </a:spcBef>
             </a:pPr>
             <a:r>
-              <a:rPr lang="de-DE" sz="1100" b="1" dirty="0">
+              <a:rPr lang="en-US" sz="1100" b="1">
                 <a:solidFill>
                   <a:srgbClr val="020302"/>
                 </a:solidFill>
                 <a:latin typeface="Adobe Clean" panose="020B0503020404020204" pitchFamily="34" charset="0"/>
                 <a:cs typeface="Adobe Clean"/>
               </a:rPr>
-              <a:t>Vorbereitung und Prüfung</a:t>
-            </a:r>
-            <a:br>
-              <a:rPr lang="sk-SK" sz="1100" b="1" dirty="0">
-                <a:solidFill>
-                  <a:srgbClr val="020302"/>
-                </a:solidFill>
-                <a:latin typeface="Adobe Clean" panose="020B0503020404020204" pitchFamily="34" charset="0"/>
-                <a:cs typeface="Adobe Clean"/>
-              </a:rPr>
-            </a:br>
-            <a:r>
-              <a:rPr lang="de-DE" sz="1100" b="1" dirty="0">
-                <a:solidFill>
-                  <a:srgbClr val="020302"/>
-                </a:solidFill>
-                <a:latin typeface="Adobe Clean" panose="020B0503020404020204" pitchFamily="34" charset="0"/>
-                <a:cs typeface="Adobe Clean"/>
-              </a:rPr>
-              <a:t> für neue Versionen</a:t>
-            </a:r>
+              <a:t>Release Preparation &amp; Review</a:t>
+            </a:r>
+            <a:endParaRPr lang="en-US" sz="1100">
+              <a:solidFill>
+                <a:prstClr val="black"/>
+              </a:solidFill>
+              <a:latin typeface="Adobe Clean" panose="020B0503020404020204" pitchFamily="34" charset="0"/>
+              <a:cs typeface="Adobe Clean"/>
+            </a:endParaRPr>
           </a:p>
         </p:txBody>
       </p:sp>
@@ -10104,15 +11139,19 @@
               </a:spcBef>
             </a:pPr>
             <a:r>
-              <a:rPr lang="de-DE" sz="1100" b="1">
+              <a:rPr lang="en-US" sz="1100" b="1">
                 <a:solidFill>
                   <a:srgbClr val="020302"/>
                 </a:solidFill>
                 <a:latin typeface="Adobe Clean" panose="020B0503020404020204" pitchFamily="34" charset="0"/>
                 <a:cs typeface="Adobe Clean"/>
               </a:rPr>
-              <a:t>Wissenstransfer</a:t>
-            </a:r>
+              <a:t>Knowledge Transfer</a:t>
+            </a:r>
+            <a:endParaRPr lang="en-US" sz="1100">
+              <a:latin typeface="Adobe Clean" panose="020B0503020404020204" pitchFamily="34" charset="0"/>
+              <a:cs typeface="Adobe Clean"/>
+            </a:endParaRPr>
           </a:p>
         </p:txBody>
       </p:sp>
@@ -10152,15 +11191,19 @@
               </a:spcBef>
             </a:pPr>
             <a:r>
-              <a:rPr lang="de-DE" sz="1100" b="1">
+              <a:rPr lang="en-US" sz="1100" b="1">
                 <a:solidFill>
                   <a:srgbClr val="020302"/>
                 </a:solidFill>
                 <a:latin typeface="Adobe Clean" panose="020B0503020404020204" pitchFamily="34" charset="0"/>
                 <a:cs typeface="Adobe Clean"/>
               </a:rPr>
-              <a:t>Ereignis-Management</a:t>
-            </a:r>
+              <a:t>Event Management</a:t>
+            </a:r>
+            <a:endParaRPr lang="en-US" sz="1100">
+              <a:latin typeface="Adobe Clean" panose="020B0503020404020204" pitchFamily="34" charset="0"/>
+              <a:cs typeface="Adobe Clean"/>
+            </a:endParaRPr>
           </a:p>
         </p:txBody>
       </p:sp>
@@ -10487,7 +11530,7 @@
         <p:spPr>
           <a:xfrm>
             <a:off x="2764975" y="4039530"/>
-            <a:ext cx="2488526" cy="881460"/>
+            <a:ext cx="2282011" cy="708399"/>
           </a:xfrm>
           <a:prstGeom prst="rect">
             <a:avLst/>
@@ -10508,34 +11551,19 @@
               </a:spcBef>
             </a:pPr>
             <a:r>
-              <a:rPr lang="de-DE" sz="1000" dirty="0">
+              <a:rPr lang="en-US" sz="1000">
                 <a:solidFill>
                   <a:srgbClr val="020302"/>
                 </a:solidFill>
                 <a:latin typeface="AdobeClean-Light"/>
                 <a:cs typeface="AdobeClean-Light"/>
               </a:rPr>
-              <a:t>Vergleich der Adobe-Lösungs-Roadmap mit Ihrer Projekt-Roadmap und entsprechende Ausrichtung, um Risiken zu minimieren </a:t>
-            </a:r>
-            <a:br>
-              <a:rPr lang="sk-SK" sz="1000" dirty="0">
-                <a:solidFill>
-                  <a:srgbClr val="020302"/>
-                </a:solidFill>
-                <a:latin typeface="AdobeClean-Light"/>
-                <a:cs typeface="AdobeClean-Light"/>
-              </a:rPr>
-            </a:br>
-            <a:r>
-              <a:rPr lang="de-DE" sz="1000" dirty="0">
-                <a:solidFill>
-                  <a:srgbClr val="020302"/>
-                </a:solidFill>
-                <a:latin typeface="AdobeClean-Light"/>
-                <a:cs typeface="AdobeClean-Light"/>
-              </a:rPr>
-              <a:t>und sich auf die Zukunft vorzubereiten.</a:t>
-            </a:r>
+              <a:t>Compare and align Adobe solution  roadmap with your project roadmap to  mitigate risk and prepare for the future.</a:t>
+            </a:r>
+            <a:endParaRPr lang="en-US" sz="1000">
+              <a:latin typeface="AdobeClean-Light"/>
+              <a:cs typeface="AdobeClean-Light"/>
+            </a:endParaRPr>
           </a:p>
           <a:p>
             <a:pPr marL="18415" marR="262255" lvl="0">
@@ -10547,7 +11575,7 @@
               </a:spcBef>
             </a:pPr>
             <a:r>
-              <a:rPr lang="de-DE" sz="1000" dirty="0">
+              <a:rPr lang="en-US" sz="1000">
                 <a:solidFill>
                   <a:srgbClr val="020302"/>
                 </a:solidFill>
@@ -10556,6 +11584,13 @@
               </a:rPr>
               <a:t>.</a:t>
             </a:r>
+            <a:endParaRPr lang="en-US" sz="1000">
+              <a:solidFill>
+                <a:prstClr val="black"/>
+              </a:solidFill>
+              <a:latin typeface="AdobeClean-Light"/>
+              <a:cs typeface="AdobeClean-Light"/>
+            </a:endParaRPr>
           </a:p>
         </p:txBody>
       </p:sp>
@@ -10842,7 +11877,7 @@
         </p:nvSpPr>
         <p:spPr>
           <a:xfrm>
-            <a:off x="4800600" y="2654678"/>
+            <a:off x="4724779" y="2654678"/>
             <a:ext cx="1894205" cy="0"/>
           </a:xfrm>
           <a:custGeom>
@@ -10884,8 +11919,8 @@
         </p:nvSpPr>
         <p:spPr>
           <a:xfrm>
-            <a:off x="4843268" y="2329688"/>
-            <a:ext cx="2014705" cy="228268"/>
+            <a:off x="4843269" y="2329688"/>
+            <a:ext cx="1656080" cy="238760"/>
           </a:xfrm>
           <a:prstGeom prst="rect">
             <a:avLst/>
@@ -10906,15 +11941,179 @@
               </a:spcBef>
             </a:pPr>
             <a:r>
-              <a:rPr lang="de-DE" sz="1400" b="1" dirty="0">
+              <a:rPr sz="1400" b="1" spc="-25">
                 <a:solidFill>
                   <a:srgbClr val="020302"/>
                 </a:solidFill>
                 <a:latin typeface="Adobe Clean"/>
                 <a:cs typeface="Adobe Clean"/>
               </a:rPr>
-              <a:t>Außendienstaktivitäten</a:t>
-            </a:r>
+              <a:t>Fi</a:t>
+            </a:r>
+            <a:r>
+              <a:rPr sz="1400" b="1" spc="-35">
+                <a:solidFill>
+                  <a:srgbClr val="020302"/>
+                </a:solidFill>
+                <a:latin typeface="Adobe Clean"/>
+                <a:cs typeface="Adobe Clean"/>
+              </a:rPr>
+              <a:t>e</a:t>
+            </a:r>
+            <a:r>
+              <a:rPr sz="1400" b="1" spc="-25">
+                <a:solidFill>
+                  <a:srgbClr val="020302"/>
+                </a:solidFill>
+                <a:latin typeface="Adobe Clean"/>
+                <a:cs typeface="Adobe Clean"/>
+              </a:rPr>
+              <a:t>l</a:t>
+            </a:r>
+            <a:r>
+              <a:rPr sz="1400" b="1">
+                <a:solidFill>
+                  <a:srgbClr val="020302"/>
+                </a:solidFill>
+                <a:latin typeface="Adobe Clean"/>
+                <a:cs typeface="Adobe Clean"/>
+              </a:rPr>
+              <a:t>d</a:t>
+            </a:r>
+            <a:r>
+              <a:rPr sz="1400" b="1" spc="-40">
+                <a:solidFill>
+                  <a:srgbClr val="020302"/>
+                </a:solidFill>
+                <a:latin typeface="Adobe Clean"/>
+                <a:cs typeface="Adobe Clean"/>
+              </a:rPr>
+              <a:t> </a:t>
+            </a:r>
+            <a:r>
+              <a:rPr sz="1400" b="1" spc="25">
+                <a:solidFill>
+                  <a:srgbClr val="020302"/>
+                </a:solidFill>
+                <a:latin typeface="Adobe Clean"/>
+                <a:cs typeface="Adobe Clean"/>
+              </a:rPr>
+              <a:t>S</a:t>
+            </a:r>
+            <a:r>
+              <a:rPr sz="1400" b="1" spc="5">
+                <a:solidFill>
+                  <a:srgbClr val="020302"/>
+                </a:solidFill>
+                <a:latin typeface="Adobe Clean"/>
+                <a:cs typeface="Adobe Clean"/>
+              </a:rPr>
+              <a:t>e</a:t>
+            </a:r>
+            <a:r>
+              <a:rPr sz="1400" b="1" spc="15">
+                <a:solidFill>
+                  <a:srgbClr val="020302"/>
+                </a:solidFill>
+                <a:latin typeface="Adobe Clean"/>
+                <a:cs typeface="Adobe Clean"/>
+              </a:rPr>
+              <a:t>rvi</a:t>
+            </a:r>
+            <a:r>
+              <a:rPr sz="1400" b="1" spc="5">
+                <a:solidFill>
+                  <a:srgbClr val="020302"/>
+                </a:solidFill>
+                <a:latin typeface="Adobe Clean"/>
+                <a:cs typeface="Adobe Clean"/>
+              </a:rPr>
+              <a:t>c</a:t>
+            </a:r>
+            <a:r>
+              <a:rPr sz="1400" b="1">
+                <a:solidFill>
+                  <a:srgbClr val="020302"/>
+                </a:solidFill>
+                <a:latin typeface="Adobe Clean"/>
+                <a:cs typeface="Adobe Clean"/>
+              </a:rPr>
+              <a:t>e</a:t>
+            </a:r>
+            <a:r>
+              <a:rPr sz="1400" b="1" spc="-190">
+                <a:solidFill>
+                  <a:srgbClr val="020302"/>
+                </a:solidFill>
+                <a:latin typeface="Adobe Clean"/>
+                <a:cs typeface="Adobe Clean"/>
+              </a:rPr>
+              <a:t> </a:t>
+            </a:r>
+            <a:r>
+              <a:rPr sz="1400" b="1" spc="5">
+                <a:solidFill>
+                  <a:srgbClr val="020302"/>
+                </a:solidFill>
+                <a:latin typeface="Adobe Clean"/>
+                <a:cs typeface="Adobe Clean"/>
+              </a:rPr>
+              <a:t>A</a:t>
+            </a:r>
+            <a:r>
+              <a:rPr sz="1400" b="1" spc="-5">
+                <a:solidFill>
+                  <a:srgbClr val="020302"/>
+                </a:solidFill>
+                <a:latin typeface="Adobe Clean"/>
+                <a:cs typeface="Adobe Clean"/>
+              </a:rPr>
+              <a:t>ct</a:t>
+            </a:r>
+            <a:r>
+              <a:rPr sz="1400" b="1" spc="5">
+                <a:solidFill>
+                  <a:srgbClr val="020302"/>
+                </a:solidFill>
+                <a:latin typeface="Adobe Clean"/>
+                <a:cs typeface="Adobe Clean"/>
+              </a:rPr>
+              <a:t>ivi</a:t>
+            </a:r>
+            <a:r>
+              <a:rPr sz="1400" b="1" spc="-5">
+                <a:solidFill>
+                  <a:srgbClr val="020302"/>
+                </a:solidFill>
+                <a:latin typeface="Adobe Clean"/>
+                <a:cs typeface="Adobe Clean"/>
+              </a:rPr>
+              <a:t>t</a:t>
+            </a:r>
+            <a:r>
+              <a:rPr sz="1400" b="1" spc="5">
+                <a:solidFill>
+                  <a:srgbClr val="020302"/>
+                </a:solidFill>
+                <a:latin typeface="Adobe Clean"/>
+                <a:cs typeface="Adobe Clean"/>
+              </a:rPr>
+              <a:t>i</a:t>
+            </a:r>
+            <a:r>
+              <a:rPr sz="1400" b="1" spc="-5">
+                <a:solidFill>
+                  <a:srgbClr val="020302"/>
+                </a:solidFill>
+                <a:latin typeface="Adobe Clean"/>
+                <a:cs typeface="Adobe Clean"/>
+              </a:rPr>
+              <a:t>es</a:t>
+            </a:r>
+            <a:endParaRPr sz="1400">
+              <a:latin typeface="Adobe Clean"/>
+              <a:cs typeface="Adobe Clean"/>
+            </a:endParaRPr>
           </a:p>
         </p:txBody>
       </p:sp>
@@ -10926,8 +12125,8 @@
         </p:nvSpPr>
         <p:spPr>
           <a:xfrm>
-            <a:off x="914421" y="2342312"/>
-            <a:ext cx="1465519" cy="228268"/>
+            <a:off x="914422" y="2342312"/>
+            <a:ext cx="1242060" cy="238760"/>
           </a:xfrm>
           <a:prstGeom prst="rect">
             <a:avLst/>
@@ -10948,15 +12147,99 @@
               </a:spcBef>
             </a:pPr>
             <a:r>
-              <a:rPr lang="de-DE" sz="1400" b="1" dirty="0">
+              <a:rPr sz="1400" b="1" spc="-25">
                 <a:solidFill>
                   <a:srgbClr val="020302"/>
                 </a:solidFill>
                 <a:latin typeface="Adobe Clean"/>
                 <a:cs typeface="Adobe Clean"/>
               </a:rPr>
-              <a:t>Launch Advisory</a:t>
-            </a:r>
+              <a:t>L</a:t>
+            </a:r>
+            <a:r>
+              <a:rPr sz="1400" b="1" spc="-5">
+                <a:solidFill>
+                  <a:srgbClr val="020302"/>
+                </a:solidFill>
+                <a:latin typeface="Adobe Clean"/>
+                <a:cs typeface="Adobe Clean"/>
+              </a:rPr>
+              <a:t>a</a:t>
+            </a:r>
+            <a:r>
+              <a:rPr sz="1400" b="1" spc="-20">
+                <a:solidFill>
+                  <a:srgbClr val="020302"/>
+                </a:solidFill>
+                <a:latin typeface="Adobe Clean"/>
+                <a:cs typeface="Adobe Clean"/>
+              </a:rPr>
+              <a:t>u</a:t>
+            </a:r>
+            <a:r>
+              <a:rPr sz="1400" b="1" spc="-15">
+                <a:solidFill>
+                  <a:srgbClr val="020302"/>
+                </a:solidFill>
+                <a:latin typeface="Adobe Clean"/>
+                <a:cs typeface="Adobe Clean"/>
+              </a:rPr>
+              <a:t>n</a:t>
+            </a:r>
+            <a:r>
+              <a:rPr sz="1400" b="1" spc="-25">
+                <a:solidFill>
+                  <a:srgbClr val="020302"/>
+                </a:solidFill>
+                <a:latin typeface="Adobe Clean"/>
+                <a:cs typeface="Adobe Clean"/>
+              </a:rPr>
+              <a:t>c</a:t>
+            </a:r>
+            <a:r>
+              <a:rPr sz="1400" b="1">
+                <a:solidFill>
+                  <a:srgbClr val="020302"/>
+                </a:solidFill>
+                <a:latin typeface="Adobe Clean"/>
+                <a:cs typeface="Adobe Clean"/>
+              </a:rPr>
+              <a:t>h</a:t>
+            </a:r>
+            <a:r>
+              <a:rPr sz="1400" b="1" spc="-25">
+                <a:solidFill>
+                  <a:srgbClr val="020302"/>
+                </a:solidFill>
+                <a:latin typeface="Adobe Clean"/>
+                <a:cs typeface="Adobe Clean"/>
+              </a:rPr>
+              <a:t> </a:t>
+            </a:r>
+            <a:r>
+              <a:rPr sz="1400" b="1" spc="-10">
+                <a:solidFill>
+                  <a:srgbClr val="020302"/>
+                </a:solidFill>
+                <a:latin typeface="Adobe Clean"/>
+                <a:cs typeface="Adobe Clean"/>
+              </a:rPr>
+              <a:t>Advisor</a:t>
+            </a:r>
+            <a:r>
+              <a:rPr sz="1400" b="1">
+                <a:solidFill>
+                  <a:srgbClr val="020302"/>
+                </a:solidFill>
+                <a:latin typeface="Adobe Clean"/>
+                <a:cs typeface="Adobe Clean"/>
+              </a:rPr>
+              <a:t>y</a:t>
+            </a:r>
+            <a:endParaRPr sz="1400">
+              <a:latin typeface="Adobe Clean"/>
+              <a:cs typeface="Adobe Clean"/>
+            </a:endParaRPr>
           </a:p>
         </p:txBody>
       </p:sp>
@@ -10969,7 +12252,7 @@
         <p:spPr>
           <a:xfrm>
             <a:off x="242187" y="2787904"/>
-            <a:ext cx="3450092" cy="628377"/>
+            <a:ext cx="3004185" cy="635000"/>
           </a:xfrm>
           <a:prstGeom prst="rect">
             <a:avLst/>
@@ -10990,90 +12273,90 @@
               </a:spcBef>
             </a:pPr>
             <a:r>
-              <a:rPr lang="de-DE" sz="1000" dirty="0">
+              <a:rPr sz="1000">
                 <a:solidFill>
                   <a:srgbClr val="1F1F1F"/>
                 </a:solidFill>
                 <a:latin typeface="AdobeClean-Light"/>
                 <a:cs typeface="AdobeClean-Light"/>
               </a:rPr>
-              <a:t>Für Kunden, die eine </a:t>
-            </a:r>
-            <a:r>
-              <a:rPr lang="de-DE" sz="1000" b="1" dirty="0">
+              <a:t>For customers implementing a </a:t>
+            </a:r>
+            <a:r>
+              <a:rPr sz="1000" b="1">
                 <a:solidFill>
                   <a:srgbClr val="1F1F1F"/>
                 </a:solidFill>
                 <a:latin typeface="Adobe Clean"/>
                 <a:cs typeface="Adobe Clean"/>
               </a:rPr>
-              <a:t>neue Adobe Experience Cloud-Lösung implementieren, bietet </a:t>
-            </a:r>
-            <a:r>
-              <a:rPr lang="de-DE" sz="1000" dirty="0">
+              <a:t>new Adobe Experience Cloud  solution, </a:t>
+            </a:r>
+            <a:r>
+              <a:rPr sz="1000">
                 <a:latin typeface="AdobeClean-Light"/>
                 <a:cs typeface="AdobeClean-Light"/>
               </a:rPr>
               <a:t>Launch Advisory </a:t>
             </a:r>
             <a:r>
-              <a:rPr lang="de-DE" sz="1000" dirty="0">
+              <a:rPr sz="1000">
                 <a:latin typeface="AdobeClean-SemiLight"/>
                 <a:cs typeface="AdobeClean-SemiLight"/>
               </a:rPr>
-              <a:t>eine </a:t>
-            </a:r>
-            <a:r>
-              <a:rPr lang="de-DE" sz="950" dirty="0">
+              <a:t>is a </a:t>
+            </a:r>
+            <a:r>
+              <a:rPr sz="950">
                 <a:latin typeface="AdobeClean-SemiLight"/>
                 <a:cs typeface="AdobeClean-SemiLight"/>
               </a:rPr>
-              <a:t>zentrale Palette von Beratungs-Services</a:t>
-            </a:r>
-            <a:r>
-              <a:rPr lang="sk-SK" sz="950" dirty="0">
+              <a:t>core set of advisory</a:t>
+            </a:r>
+          </a:p>
+          <a:p>
+            <a:pPr marL="12700" marR="86995" indent="-635">
+              <a:lnSpc>
+                <a:spcPct val="100000"/>
+              </a:lnSpc>
+            </a:pPr>
+            <a:r>
+              <a:rPr sz="950">
                 <a:latin typeface="AdobeClean-SemiLight"/>
                 <a:cs typeface="AdobeClean-SemiLight"/>
               </a:rPr>
-              <a:t> </a:t>
-            </a:r>
-            <a:r>
-              <a:rPr lang="de-DE" sz="950" dirty="0">
-                <a:latin typeface="AdobeClean-SemiLight"/>
-                <a:cs typeface="AdobeClean-SemiLight"/>
-              </a:rPr>
-              <a:t>und </a:t>
-            </a:r>
-            <a:r>
-              <a:rPr lang="de-DE" sz="1000" dirty="0">
+              <a:t>services </a:t>
+            </a:r>
+            <a:r>
+              <a:rPr sz="1000">
                 <a:latin typeface="AdobeClean-Light"/>
                 <a:cs typeface="AdobeClean-Light"/>
               </a:rPr>
-              <a:t>Empfehlungen, die nachweislich </a:t>
-            </a:r>
-            <a:r>
-              <a:rPr lang="de-DE" sz="950" dirty="0">
+              <a:t>and recommendations that are proven to </a:t>
+            </a:r>
+            <a:r>
+              <a:rPr sz="950">
                 <a:latin typeface="AdobeClean-Light"/>
                 <a:cs typeface="AdobeClean-Light"/>
               </a:rPr>
-              <a:t>erfolgreiche Implementierungen unterstützen </a:t>
-            </a:r>
-            <a:r>
-              <a:rPr lang="de-DE" sz="1000" dirty="0">
+              <a:t>support  successful deployments </a:t>
+            </a:r>
+            <a:r>
+              <a:rPr sz="1000">
                 <a:latin typeface="AdobeClean-Light"/>
                 <a:cs typeface="AdobeClean-Light"/>
               </a:rPr>
-              <a:t>und </a:t>
-            </a:r>
-            <a:r>
-              <a:rPr lang="de-DE" sz="950" dirty="0">
+              <a:t>and </a:t>
+            </a:r>
+            <a:r>
+              <a:rPr sz="950">
                 <a:latin typeface="AdobeClean-Light"/>
                 <a:cs typeface="AdobeClean-Light"/>
               </a:rPr>
-              <a:t>die Time-to-Value beschleunigen</a:t>
-            </a:r>
-            <a:r>
-              <a:rPr lang="de-DE" sz="1000" dirty="0">
+              <a:t>accelerate time-to-value</a:t>
+            </a:r>
+            <a:r>
+              <a:rPr sz="1000">
                 <a:latin typeface="AdobeClean-Light"/>
                 <a:cs typeface="AdobeClean-Light"/>
               </a:rPr>
@@ -11191,75 +12474,79 @@
               </a:spcBef>
             </a:pPr>
             <a:r>
-              <a:rPr lang="de-DE" sz="1000" dirty="0">
+              <a:rPr sz="1000">
                 <a:solidFill>
                   <a:srgbClr val="4B4B4B"/>
                 </a:solidFill>
                 <a:latin typeface="AdobeClean-Light"/>
                 <a:cs typeface="AdobeClean-Light"/>
               </a:rPr>
-              <a:t>Der Außendienst sorgt für </a:t>
-            </a:r>
-            <a:r>
-              <a:rPr lang="de-DE" sz="1000" b="1" dirty="0">
+              <a:t>Field Services are used for </a:t>
+            </a:r>
+            <a:r>
+              <a:rPr sz="1000" b="1">
                 <a:solidFill>
                   <a:srgbClr val="4B4B4B"/>
                 </a:solidFill>
                 <a:latin typeface="Adobe Clean"/>
                 <a:cs typeface="Adobe Clean"/>
               </a:rPr>
-              <a:t>schnelle Problemlösung,</a:t>
-            </a:r>
-            <a:r>
-              <a:rPr lang="de-DE" sz="1000" dirty="0">
+              <a:t>quick resolution</a:t>
+            </a:r>
+            <a:r>
+              <a:rPr sz="1000">
                 <a:solidFill>
                   <a:srgbClr val="4B4B4B"/>
                 </a:solidFill>
                 <a:latin typeface="AdobeClean-Light"/>
                 <a:cs typeface="AdobeClean-Light"/>
               </a:rPr>
-              <a:t> fokussierten Kundenerfolg und beschleunigte </a:t>
-            </a:r>
-            <a:r>
-              <a:rPr lang="de-DE" sz="1000" b="1" dirty="0">
+              <a:t>, focused customer success  and accelerated </a:t>
+            </a:r>
+            <a:r>
+              <a:rPr sz="1000" b="1">
                 <a:solidFill>
                   <a:srgbClr val="4B4B4B"/>
                 </a:solidFill>
                 <a:latin typeface="Adobe Clean"/>
                 <a:cs typeface="Adobe Clean"/>
               </a:rPr>
-              <a:t>Time-to-Value</a:t>
-            </a:r>
-            <a:r>
-              <a:rPr lang="de-DE" sz="1000" dirty="0">
+              <a:t>time-to-value</a:t>
+            </a:r>
+            <a:r>
+              <a:rPr sz="1000">
                 <a:solidFill>
                   <a:srgbClr val="4B4B4B"/>
                 </a:solidFill>
                 <a:latin typeface="AdobeClean-Light"/>
                 <a:cs typeface="AdobeClean-Light"/>
               </a:rPr>
-              <a:t>. Wenn Launch Advisory aktiv ist, gibt es im ersten Jahr keinen </a:t>
-            </a:r>
-            <a:r>
-              <a:rPr lang="de-DE" sz="1000" b="1" dirty="0">
+              <a:t>. If Launch advisory is active there will be  </a:t>
+            </a:r>
+            <a:r>
+              <a:rPr sz="1000" b="1">
                 <a:solidFill>
                   <a:srgbClr val="4B4B4B"/>
                 </a:solidFill>
                 <a:latin typeface="Adobe Clean"/>
                 <a:cs typeface="Adobe Clean"/>
               </a:rPr>
-              <a:t>Außendienst für </a:t>
-            </a:r>
-            <a:r>
-              <a:rPr lang="de-DE" sz="1000" dirty="0">
+              <a:t>no Field Services in year 1 </a:t>
+            </a:r>
+            <a:r>
+              <a:rPr sz="1000">
                 <a:solidFill>
                   <a:srgbClr val="4B4B4B"/>
                 </a:solidFill>
                 <a:latin typeface="AdobeClean-Light"/>
                 <a:cs typeface="AdobeClean-Light"/>
               </a:rPr>
-              <a:t>Lösungsprodukte, die unter einen Adobe Support-Vertrag fallen.</a:t>
-            </a:r>
+              <a:t>for any solution product covered by a  Support contract.</a:t>
+            </a:r>
+            <a:endParaRPr sz="1000">
+              <a:latin typeface="AdobeClean-Light"/>
+              <a:cs typeface="AdobeClean-Light"/>
+            </a:endParaRPr>
           </a:p>
         </p:txBody>
       </p:sp>
@@ -11355,8 +12642,8 @@
         </p:nvSpPr>
         <p:spPr>
           <a:xfrm>
-            <a:off x="263463" y="5348732"/>
-            <a:ext cx="3428815" cy="482600"/>
+            <a:off x="263464" y="5348732"/>
+            <a:ext cx="3114040" cy="482600"/>
           </a:xfrm>
           <a:prstGeom prst="rect">
             <a:avLst/>
@@ -11377,11 +12664,11 @@
               </a:spcBef>
             </a:pPr>
             <a:r>
-              <a:rPr lang="de-DE" sz="1000" dirty="0">
+              <a:rPr sz="1000">
                 <a:latin typeface="AdobeClean-Light"/>
                 <a:cs typeface="AdobeClean-Light"/>
               </a:rPr>
-              <a:t>Launch Advisory orientiert sich anhand gängiger Milestones (Kickoff, Definition, Design, Go-Live und Post-Launch) an Ihren Projektplan und umfasst Anleitung, Prüfung, Bewertung und Empfehlungen.</a:t>
+              <a:t>Launch Advisory will align with your project schedule through  common milestones (Kickoff, Define, Design, Go-live and Post  Launch) to guide, validate, assess and make recommendations.</a:t>
             </a:r>
           </a:p>
         </p:txBody>
@@ -11395,7 +12682,7 @@
         <p:spPr>
           <a:xfrm>
             <a:off x="263464" y="5982715"/>
-            <a:ext cx="2116476" cy="166712"/>
+            <a:ext cx="1247140" cy="166712"/>
           </a:xfrm>
           <a:prstGeom prst="rect">
             <a:avLst/>
@@ -11416,11 +12703,11 @@
               </a:spcBef>
             </a:pPr>
             <a:r>
-              <a:rPr lang="de-DE" sz="1000" dirty="0">
+              <a:rPr sz="1000">
                 <a:latin typeface="AdobeClean-Light"/>
                 <a:cs typeface="AdobeClean-Light"/>
               </a:rPr>
-              <a:t>Zu den wichtigsten Angeboten gehören:</a:t>
+              <a:t>Key Deliverables include:</a:t>
             </a:r>
           </a:p>
         </p:txBody>
@@ -11434,7 +12721,7 @@
         <p:spPr>
           <a:xfrm>
             <a:off x="205422" y="6308299"/>
-            <a:ext cx="3171587" cy="592470"/>
+            <a:ext cx="2745105" cy="592470"/>
           </a:xfrm>
           <a:prstGeom prst="rect">
             <a:avLst/>
@@ -11454,12 +12741,12 @@
               <a:buChar char="•"/>
             </a:pPr>
             <a:r>
-              <a:rPr lang="de-DE" sz="1000" dirty="0">
+              <a:rPr lang="en-US" sz="1000">
                 <a:solidFill>
                   <a:prstClr val="black"/>
                 </a:solidFill>
               </a:rPr>
-              <a:t>Kickoff-Deck (einschließlich Projekt-Kooperationsplan)</a:t>
+              <a:t>Kickoff (including project collaboration plan) deck</a:t>
             </a:r>
           </a:p>
           <a:p>
@@ -11471,12 +12758,12 @@
               <a:buChar char="•"/>
             </a:pPr>
             <a:r>
-              <a:rPr lang="de-DE" sz="1000" dirty="0">
+              <a:rPr lang="en-US" sz="1000">
                 <a:solidFill>
                   <a:prstClr val="black"/>
                 </a:solidFill>
               </a:rPr>
-              <a:t>Dokument(e) für Bewertung und Empfehlung</a:t>
+              <a:t>Assessment &amp; recommendations document(s)</a:t>
             </a:r>
           </a:p>
           <a:p>
@@ -11488,12 +12775,12 @@
               <a:buChar char="•"/>
             </a:pPr>
             <a:r>
-              <a:rPr lang="de-DE" sz="1000" dirty="0">
+              <a:rPr lang="en-US" sz="1000">
                 <a:solidFill>
                   <a:prstClr val="black"/>
                 </a:solidFill>
               </a:rPr>
-              <a:t>Interaktionszusammenfassung</a:t>
+              <a:t>Engagement summary</a:t>
             </a:r>
           </a:p>
         </p:txBody>
@@ -11528,15 +12815,19 @@
               </a:spcBef>
             </a:pPr>
             <a:r>
-              <a:rPr lang="de-DE" sz="1600">
+              <a:rPr sz="1600">
                 <a:solidFill>
                   <a:srgbClr val="FFFFFF"/>
                 </a:solidFill>
                 <a:latin typeface="Arial"/>
                 <a:cs typeface="Arial"/>
               </a:rPr>
-              <a:t>Implementierung</a:t>
-            </a:r>
+              <a:t>Implementation</a:t>
+            </a:r>
+            <a:endParaRPr sz="1600">
+              <a:latin typeface="Arial"/>
+              <a:cs typeface="Arial"/>
+            </a:endParaRPr>
           </a:p>
           <a:p>
             <a:pPr marL="12700" marR="5080">
@@ -11548,32 +12839,32 @@
               </a:spcBef>
             </a:pPr>
             <a:r>
-              <a:rPr lang="de-DE" sz="1000">
+              <a:rPr sz="1000">
                 <a:latin typeface="AdobeClean-Light"/>
                 <a:cs typeface="AdobeClean-Light"/>
               </a:rPr>
-              <a:t>Experten für Adobe-Lösungen helfen bei der Prüfung von Anforderungen, Architektur, Entwicklungsprozess und Launch-Bereitschaft </a:t>
-            </a:r>
-            <a:r>
-              <a:rPr lang="de-DE" sz="1000">
+              <a:t>Adobe solution experts help validate requirements, architecture,  development process, and launch readiness reviews </a:t>
+            </a:r>
+            <a:r>
+              <a:rPr sz="1000">
                 <a:latin typeface="AdobeClean-SemiLight"/>
                 <a:cs typeface="AdobeClean-SemiLight"/>
               </a:rPr>
-              <a:t>mit </a:t>
-            </a:r>
-            <a:r>
-              <a:rPr lang="de-DE" sz="950">
+              <a:t>with </a:t>
+            </a:r>
+            <a:r>
+              <a:rPr sz="950">
                 <a:latin typeface="AdobeClean-SemiLight"/>
                 <a:cs typeface="AdobeClean-SemiLight"/>
               </a:rPr>
-              <a:t>Best Practice-basierten Anleitungen </a:t>
-            </a:r>
-            <a:r>
-              <a:rPr lang="de-DE" sz="1000">
+              <a:t>best  practice-based guidance </a:t>
+            </a:r>
+            <a:r>
+              <a:rPr sz="1000">
                 <a:latin typeface="AdobeClean-SemiLight"/>
                 <a:cs typeface="AdobeClean-SemiLight"/>
               </a:rPr>
-              <a:t>für Kunden und Implementierungspartner.</a:t>
+              <a:t>to customers and implementation  partners.</a:t>
             </a:r>
           </a:p>
         </p:txBody>
@@ -11585,20 +12876,15 @@
           <p:nvPr/>
         </p:nvPicPr>
         <p:blipFill>
-          <a:blip r:embed="rId3">
-            <a:extLst>
-              <a:ext uri="{28A0092B-C50C-407E-A947-70E740481C1C}">
-                <a14:useLocalDpi xmlns:a14="http://schemas.microsoft.com/office/drawing/2010/main" val="0"/>
-              </a:ext>
-            </a:extLst>
-          </a:blip>
-          <a:srcRect/>
-          <a:stretch/>
+          <a:blip r:embed="rId3" cstate="print"/>
+          <a:stretch>
+            <a:fillRect/>
+          </a:stretch>
         </p:blipFill>
         <p:spPr>
           <a:xfrm>
-            <a:off x="363328" y="6932449"/>
-            <a:ext cx="3053821" cy="2815984"/>
+            <a:off x="363328" y="6930985"/>
+            <a:ext cx="3053821" cy="2818913"/>
           </a:xfrm>
           <a:prstGeom prst="rect">
             <a:avLst/>
@@ -11614,7 +12900,7 @@
         <p:spPr>
           <a:xfrm>
             <a:off x="3947346" y="5363972"/>
-            <a:ext cx="3335020" cy="805029"/>
+            <a:ext cx="3335020" cy="659765"/>
           </a:xfrm>
           <a:prstGeom prst="rect">
             <a:avLst/>
@@ -11635,32 +12921,30 @@
               </a:spcBef>
             </a:pPr>
             <a:r>
-              <a:rPr lang="de-DE" sz="1000" b="1" dirty="0">
+              <a:rPr sz="1000" b="1">
                 <a:latin typeface="Arial"/>
                 <a:cs typeface="Arial"/>
               </a:rPr>
-              <a:t>Aktivitäten des technischen Tracks</a:t>
-            </a:r>
-            <a:r>
-              <a:rPr lang="de-DE" sz="1000" dirty="0">
+              <a:t>Technical Track Activities </a:t>
+            </a:r>
+            <a:r>
+              <a:rPr sz="1000">
                 <a:latin typeface="AdobeClean-Light"/>
                 <a:cs typeface="AdobeClean-Light"/>
               </a:rPr>
-              <a:t> stellen sicher, dass Kunden technisch versiert sind und ihre Tools optimal nutzen. Diese Aktivitätstypen umfassen insbesondere Support und Empfehlungen für Plattformkonfigurationen, Integrationen und </a:t>
-            </a:r>
-            <a:br>
-              <a:rPr lang="sk-SK" sz="1000" dirty="0">
+              <a:t>ensure customers are technically sound  and maximizing their tool adoption. Specifically, these types of  activities include support and recommendations related to platform  configurations, integrations and troubleshooting</a:t>
+            </a:r>
+            <a:r>
+              <a:rPr lang="en-US" sz="1000">
                 <a:latin typeface="AdobeClean-Light"/>
                 <a:cs typeface="AdobeClean-Light"/>
               </a:rPr>
-            </a:br>
-            <a:r>
-              <a:rPr lang="de-DE" sz="1000" dirty="0">
-                <a:latin typeface="AdobeClean-Light"/>
-                <a:cs typeface="AdobeClean-Light"/>
-              </a:rPr>
-              <a:t>die Fehlerbehebung</a:t>
-            </a:r>
+              <a:t>.</a:t>
+            </a:r>
+            <a:endParaRPr sz="1000">
+              <a:latin typeface="AdobeClean-Light"/>
+              <a:cs typeface="AdobeClean-Light"/>
+            </a:endParaRPr>
           </a:p>
         </p:txBody>
       </p:sp>
@@ -11673,7 +12957,7 @@
         <p:spPr>
           <a:xfrm>
             <a:off x="3947346" y="6174740"/>
-            <a:ext cx="3335020" cy="1436291"/>
+            <a:ext cx="2099310" cy="1436291"/>
           </a:xfrm>
           <a:prstGeom prst="rect">
             <a:avLst/>
@@ -11694,11 +12978,11 @@
               </a:spcBef>
             </a:pPr>
             <a:r>
-              <a:rPr lang="de-DE" sz="1000" dirty="0">
+              <a:rPr sz="1000">
                 <a:latin typeface="AdobeClean-Light"/>
                 <a:cs typeface="AdobeClean-Light"/>
               </a:rPr>
-              <a:t>Verfügbare technische Aktivitäten:</a:t>
+              <a:t>Types of technical activities available::</a:t>
             </a:r>
           </a:p>
           <a:p>
@@ -11713,12 +12997,12 @@
               <a:buChar char="ü"/>
             </a:pPr>
             <a:r>
-              <a:rPr lang="de-DE" sz="1000" dirty="0">
+              <a:rPr lang="en-US" sz="1000">
                 <a:solidFill>
                   <a:prstClr val="black"/>
                 </a:solidFill>
               </a:rPr>
-              <a:t>Statusprüfung</a:t>
+              <a:t>Health audit</a:t>
             </a:r>
           </a:p>
           <a:p>
@@ -11733,12 +13017,12 @@
               <a:buChar char="ü"/>
             </a:pPr>
             <a:r>
-              <a:rPr lang="de-DE" sz="1000" dirty="0">
+              <a:rPr lang="en-US" sz="1000">
                 <a:solidFill>
                   <a:prstClr val="black"/>
                 </a:solidFill>
               </a:rPr>
-              <a:t>Plattformprüfung</a:t>
+              <a:t>Platform audit</a:t>
             </a:r>
           </a:p>
           <a:p>
@@ -11753,12 +13037,12 @@
               <a:buChar char="ü"/>
             </a:pPr>
             <a:r>
-              <a:rPr lang="de-DE" sz="1000" dirty="0">
+              <a:rPr lang="en-US" sz="1000">
                 <a:solidFill>
                   <a:prstClr val="black"/>
                 </a:solidFill>
               </a:rPr>
-              <a:t>Aktivierung von Funktionssätzen</a:t>
+              <a:t>Feature set enablement</a:t>
             </a:r>
           </a:p>
           <a:p>
@@ -11773,12 +13057,12 @@
               <a:buChar char="ü"/>
             </a:pPr>
             <a:r>
-              <a:rPr lang="de-DE" sz="1000" dirty="0">
+              <a:rPr lang="en-US" sz="1000">
                 <a:solidFill>
                   <a:prstClr val="black"/>
                 </a:solidFill>
               </a:rPr>
-              <a:t>Grundlegende Integrationen und Konfigurationen</a:t>
+              <a:t>Basic integrations and configurations</a:t>
             </a:r>
           </a:p>
           <a:p>
@@ -11793,12 +13077,12 @@
               <a:buChar char="ü"/>
             </a:pPr>
             <a:r>
-              <a:rPr lang="de-DE" sz="1000" dirty="0">
+              <a:rPr lang="en-US" sz="1000">
                 <a:solidFill>
                   <a:prstClr val="black"/>
                 </a:solidFill>
               </a:rPr>
-              <a:t>Fehlerbehebung bei der Kundenlösung</a:t>
+              <a:t>Customer solution troubleshooting</a:t>
             </a:r>
           </a:p>
           <a:p>
@@ -11813,12 +13097,12 @@
               <a:buChar char="ü"/>
             </a:pPr>
             <a:r>
-              <a:rPr lang="de-DE" sz="1000" dirty="0">
+              <a:rPr lang="en-US" sz="1000">
                 <a:solidFill>
                   <a:prstClr val="black"/>
                 </a:solidFill>
               </a:rPr>
-              <a:t>Cloud-Service-Support</a:t>
+              <a:t>Cloud service support</a:t>
             </a:r>
           </a:p>
         </p:txBody>
@@ -11832,7 +13116,7 @@
         <p:spPr>
           <a:xfrm>
             <a:off x="3942774" y="7717028"/>
-            <a:ext cx="3601507" cy="1989006"/>
+            <a:ext cx="3208655" cy="1989006"/>
           </a:xfrm>
           <a:prstGeom prst="rect">
             <a:avLst/>
@@ -11853,18 +13137,18 @@
               </a:spcBef>
             </a:pPr>
             <a:r>
-              <a:rPr lang="de-DE" sz="1000" b="1" dirty="0">
+              <a:rPr sz="1000" b="1">
                 <a:latin typeface="Arial"/>
                 <a:cs typeface="Arial"/>
               </a:rPr>
-              <a:t>Aktivitäten des strategischen Tracks</a:t>
-            </a:r>
-            <a:r>
-              <a:rPr lang="de-DE" sz="1000" dirty="0">
+              <a:t>Strategic Track Activities </a:t>
+            </a:r>
+            <a:r>
+              <a:rPr sz="1000">
                 <a:latin typeface="AdobeClean-Light"/>
                 <a:cs typeface="AdobeClean-Light"/>
               </a:rPr>
-              <a:t> ermitteln Möglichkeiten, mit den vom Kunden genutzten Adobe-Lösungen optimale Ergebnisse zu erzielen. Sie enthalten Support-Empfehlungen zu Strategie, Messung und Reifegrad, mit denen eine oder mehrere Adobe-Lösungen optimal genutzt werden können.</a:t>
+              <a:t>locate opportunities to ensure value is  being realized from a customer’s Adobe solutions. They include  support recommendations related to strategy, measurement and  maturity to drive value realization across one or more Adobe  solutions.</a:t>
             </a:r>
           </a:p>
           <a:p>
@@ -11876,7 +13160,7 @@
                 <a:spcPts val="40"/>
               </a:spcBef>
             </a:pPr>
-            <a:endParaRPr sz="1100" dirty="0">
+            <a:endParaRPr sz="1100">
               <a:latin typeface="AdobeClean-Light"/>
               <a:cs typeface="AdobeClean-Light"/>
             </a:endParaRPr>
@@ -11888,11 +13172,11 @@
               </a:lnSpc>
             </a:pPr>
             <a:r>
-              <a:rPr lang="de-DE" sz="1000" dirty="0">
+              <a:rPr sz="1000">
                 <a:latin typeface="AdobeClean-Light"/>
                 <a:cs typeface="AdobeClean-Light"/>
               </a:rPr>
-              <a:t>Verfügbare strategische Aktivitäten:</a:t>
+              <a:t>Types of strategic activities available::</a:t>
             </a:r>
           </a:p>
           <a:p>
@@ -11907,12 +13191,12 @@
               <a:buChar char="ü"/>
             </a:pPr>
             <a:r>
-              <a:rPr lang="de-DE" sz="1000" dirty="0">
+              <a:rPr lang="en-US" sz="1000">
                 <a:solidFill>
                   <a:prstClr val="black"/>
                 </a:solidFill>
               </a:rPr>
-              <a:t>Reifegrad-Roadmap</a:t>
+              <a:t>Maturity Roadmap</a:t>
             </a:r>
           </a:p>
           <a:p>
@@ -11927,12 +13211,12 @@
               <a:buChar char="ü"/>
             </a:pPr>
             <a:r>
-              <a:rPr lang="de-DE" sz="1000" dirty="0">
+              <a:rPr lang="en-US" sz="1000">
                 <a:solidFill>
                   <a:prstClr val="black"/>
                 </a:solidFill>
               </a:rPr>
-              <a:t>Use-Case-Entwicklung/-Messung</a:t>
+              <a:t>Use case development/measurement</a:t>
             </a:r>
           </a:p>
           <a:p>
@@ -11947,12 +13231,12 @@
               <a:buChar char="ü"/>
             </a:pPr>
             <a:r>
-              <a:rPr lang="de-DE" sz="1000" dirty="0">
+              <a:rPr lang="en-US" sz="1000">
                 <a:solidFill>
                   <a:prstClr val="black"/>
                 </a:solidFill>
               </a:rPr>
-              <a:t>Reporting und Analyse</a:t>
+              <a:t>Reporting &amp; analysis</a:t>
             </a:r>
           </a:p>
           <a:p>
@@ -11967,12 +13251,12 @@
               <a:buChar char="ü"/>
             </a:pPr>
             <a:r>
-              <a:rPr lang="de-DE" sz="1000" dirty="0">
+              <a:rPr lang="en-US" sz="1000">
                 <a:solidFill>
                   <a:prstClr val="black"/>
                 </a:solidFill>
               </a:rPr>
-              <a:t>Aktivierung von Best Practices</a:t>
+              <a:t>Best practices enablement</a:t>
             </a:r>
           </a:p>
         </p:txBody>
@@ -11993,7 +13277,7 @@
           </a:prstGeom>
         </p:spPr>
         <p:txBody>
-          <a:bodyPr vert="horz" wrap="square" lIns="0" tIns="12700" rIns="0" bIns="0" rtlCol="0">
+          <a:bodyPr vert="horz" wrap="square" lIns="0" tIns="12700" rIns="0" bIns="0" rtlCol="0" anchor="t">
             <a:spAutoFit/>
           </a:bodyPr>
           <a:lstStyle/>
@@ -12007,37 +13291,78 @@
               </a:spcBef>
             </a:pPr>
             <a:r>
-              <a:rPr lang="de-DE" sz="1600" dirty="0">
+              <a:rPr sz="1600">
                 <a:solidFill>
                   <a:srgbClr val="FFFFFF"/>
                 </a:solidFill>
                 <a:latin typeface="Arial"/>
                 <a:cs typeface="Arial"/>
               </a:rPr>
-              <a:t>Ausführung und Betrieb</a:t>
-            </a:r>
+              <a:t>Run &amp; Operate</a:t>
+            </a:r>
+            <a:endParaRPr sz="1600">
+              <a:latin typeface="Arial"/>
+              <a:cs typeface="Arial"/>
+            </a:endParaRPr>
           </a:p>
           <a:p>
             <a:pPr marL="12700">
-              <a:lnSpc>
-                <a:spcPct val="100000"/>
-              </a:lnSpc>
               <a:spcBef>
                 <a:spcPts val="1595"/>
               </a:spcBef>
             </a:pPr>
             <a:r>
-              <a:rPr lang="de-DE" sz="1000" dirty="0">
+              <a:rPr sz="1000">
                 <a:solidFill>
                   <a:srgbClr val="1F1F1F"/>
                 </a:solidFill>
                 <a:latin typeface="Adobe Clean"/>
                 <a:cs typeface="Adobe Clean"/>
               </a:rPr>
-              <a:t>Als Elite-Kunde können Sie</a:t>
-            </a:r>
-            <a:r>
-              <a:rPr lang="de-DE" sz="1200" dirty="0">
+              <a:t>As an </a:t>
+            </a:r>
+            <a:r>
+              <a:rPr lang="en-US" sz="1000">
+                <a:solidFill>
+                  <a:srgbClr val="1F1F1F"/>
+                </a:solidFill>
+                <a:latin typeface="Adobe Clean"/>
+                <a:cs typeface="Adobe Clean"/>
+              </a:rPr>
+              <a:t>Elite</a:t>
+            </a:r>
+            <a:r>
+              <a:rPr sz="1000">
+                <a:solidFill>
+                  <a:srgbClr val="1F1F1F"/>
+                </a:solidFill>
+                <a:latin typeface="Adobe Clean"/>
+                <a:cs typeface="Adobe Clean"/>
+              </a:rPr>
+              <a:t> customer, you are</a:t>
+            </a:r>
+            <a:r>
+              <a:rPr lang="en-US" sz="1000">
+                <a:solidFill>
+                  <a:srgbClr val="1F1F1F"/>
+                </a:solidFill>
+                <a:latin typeface="Adobe Clean"/>
+                <a:cs typeface="Adobe Clean"/>
+              </a:rPr>
+              <a:t> </a:t>
+            </a:r>
+            <a:r>
+              <a:rPr sz="1000">
+                <a:solidFill>
+                  <a:srgbClr val="1F1F1F"/>
+                </a:solidFill>
+                <a:latin typeface="Adobe Clean"/>
+                <a:cs typeface="Adobe Clean"/>
+              </a:rPr>
+              <a:t> eligible for</a:t>
+            </a:r>
+            <a:r>
+              <a:rPr lang="en-US" sz="1200">
                 <a:solidFill>
                   <a:srgbClr val="1F1F1F"/>
                 </a:solidFill>
@@ -12052,7 +13377,7 @@
               <a:t> </a:t>
             </a:r>
             <a:r>
-              <a:rPr lang="de-DE" sz="1200" u="sng" dirty="0">
+              <a:rPr lang="en-US" sz="1200" u="sng">
                 <a:solidFill>
                   <a:srgbClr val="1F1F1F"/>
                 </a:solidFill>
@@ -12064,10 +13389,10 @@
                 <a:latin typeface="Times New Roman"/>
                 <a:cs typeface="Times New Roman"/>
               </a:rPr>
-              <a:t>vier</a:t>
-            </a:r>
-            <a:r>
-              <a:rPr lang="de-DE" sz="1200" b="1" dirty="0">
+              <a:t>4</a:t>
+            </a:r>
+            <a:r>
+              <a:rPr sz="1200" b="1">
                 <a:solidFill>
                   <a:srgbClr val="1F1F1F"/>
                 </a:solidFill>
@@ -12077,94 +13402,89 @@
               <a:t> </a:t>
             </a:r>
             <a:r>
-              <a:rPr lang="de-DE" sz="1000" b="1" dirty="0">
+              <a:rPr sz="1000" b="1">
                 <a:solidFill>
                   <a:srgbClr val="1F1F1F"/>
                 </a:solidFill>
                 <a:latin typeface="Arial"/>
                 <a:cs typeface="Arial"/>
               </a:rPr>
-              <a:t>Aktivitäten pro Jahr</a:t>
-            </a:r>
-          </a:p>
-          <a:p>
-            <a:pPr marL="12700">
-              <a:lnSpc>
-                <a:spcPct val="100000"/>
-              </a:lnSpc>
-              <a:spcBef>
-                <a:spcPts val="55"/>
-              </a:spcBef>
-            </a:pPr>
-            <a:r>
-              <a:rPr lang="de-DE" sz="1000" dirty="0">
-                <a:solidFill>
-                  <a:srgbClr val="1F1F1F"/>
-                </a:solidFill>
-                <a:latin typeface="Adobe Clean"/>
-                <a:cs typeface="Adobe Clean"/>
-              </a:rPr>
-              <a:t>aus dem </a:t>
-            </a:r>
-            <a:r>
-              <a:rPr lang="de-DE" sz="1000" b="1" dirty="0">
+              <a:t>activities per </a:t>
+            </a:r>
+            <a:r>
+              <a:rPr lang="en-US" sz="1000" b="1">
                 <a:solidFill>
                   <a:srgbClr val="1F1F1F"/>
                 </a:solidFill>
                 <a:latin typeface="Arial"/>
                 <a:cs typeface="Arial"/>
               </a:rPr>
-              <a:t>technischen </a:t>
-            </a:r>
-            <a:r>
-              <a:rPr lang="de-DE" sz="1000" dirty="0">
+              <a:t>year </a:t>
+            </a:r>
+            <a:r>
+              <a:rPr lang="en-US" sz="1000">
                 <a:solidFill>
                   <a:srgbClr val="1F1F1F"/>
                 </a:solidFill>
                 <a:latin typeface="Adobe Clean"/>
-                <a:cs typeface="Adobe Clean"/>
-              </a:rPr>
-              <a:t>und/oder dem </a:t>
-            </a:r>
-            <a:r>
-              <a:rPr lang="de-DE" sz="1000" b="1" dirty="0">
+                <a:cs typeface="Arial"/>
+              </a:rPr>
+              <a:t>from</a:t>
+            </a:r>
+            <a:r>
+              <a:rPr sz="1000">
+                <a:solidFill>
+                  <a:srgbClr val="1F1F1F"/>
+                </a:solidFill>
+                <a:latin typeface="Adobe Clean"/>
+                <a:cs typeface="Adobe Clean"/>
+              </a:rPr>
+              <a:t> the following two tracks: </a:t>
+            </a:r>
+            <a:r>
+              <a:rPr sz="1000" b="1">
                 <a:solidFill>
                   <a:srgbClr val="1F1F1F"/>
                 </a:solidFill>
                 <a:latin typeface="Arial"/>
                 <a:cs typeface="Arial"/>
               </a:rPr>
-              <a:t>strategischen</a:t>
-            </a:r>
-            <a:r>
-              <a:rPr lang="de-DE" sz="1000" dirty="0">
+              <a:t>Technical </a:t>
+            </a:r>
+            <a:r>
+              <a:rPr sz="1000">
                 <a:solidFill>
                   <a:srgbClr val="1F1F1F"/>
                 </a:solidFill>
+                <a:latin typeface="Adobe Clean"/>
+                <a:cs typeface="Adobe Clean"/>
+              </a:rPr>
+              <a:t>and/or </a:t>
+            </a:r>
+            <a:r>
+              <a:rPr sz="1000" b="1">
+                <a:solidFill>
+                  <a:srgbClr val="1F1F1F"/>
+                </a:solidFill>
+                <a:latin typeface="Arial"/>
+                <a:cs typeface="Arial"/>
+              </a:rPr>
+              <a:t>Strategic</a:t>
+            </a:r>
+            <a:r>
+              <a:rPr lang="en-US" sz="1000" b="1">
+                <a:solidFill>
+                  <a:srgbClr val="1F1F1F"/>
+                </a:solidFill>
                 <a:latin typeface="AdobeClean-Light"/>
-                <a:cs typeface="AdobeClean-Light"/>
-              </a:rPr>
-              <a:t> </a:t>
-            </a:r>
-            <a:br>
-              <a:rPr lang="sk-SK" sz="1000" dirty="0">
-                <a:solidFill>
-                  <a:srgbClr val="1F1F1F"/>
-                </a:solidFill>
-                <a:latin typeface="AdobeClean-Light"/>
-                <a:cs typeface="AdobeClean-Light"/>
-              </a:rPr>
-            </a:br>
-            <a:r>
-              <a:rPr lang="de-DE" sz="1000" dirty="0">
-                <a:solidFill>
-                  <a:srgbClr val="1F1F1F"/>
-                </a:solidFill>
-                <a:latin typeface="AdobeClean-Light"/>
-                <a:cs typeface="AdobeClean-Light"/>
-              </a:rPr>
-              <a:t>Track nutzen.</a:t>
-            </a:r>
+                <a:cs typeface="Arial"/>
+              </a:rPr>
+              <a:t>.</a:t>
+            </a:r>
+            <a:endParaRPr sz="1000">
+              <a:latin typeface="AdobeClean-Light"/>
+              <a:cs typeface="AdobeClean-Light"/>
+            </a:endParaRPr>
           </a:p>
         </p:txBody>
       </p:sp>
@@ -12176,8 +13496,8 @@
         </p:nvSpPr>
         <p:spPr>
           <a:xfrm>
-            <a:off x="923023" y="538479"/>
-            <a:ext cx="2862083" cy="228268"/>
+            <a:off x="923023" y="538480"/>
+            <a:ext cx="2323349" cy="228268"/>
           </a:xfrm>
           <a:prstGeom prst="rect">
             <a:avLst/>
@@ -12198,15 +13518,69 @@
               </a:spcBef>
             </a:pPr>
             <a:r>
-              <a:rPr lang="de-DE" sz="1400" b="1" dirty="0">
+              <a:rPr sz="1400" b="1" spc="-15">
                 <a:solidFill>
                   <a:srgbClr val="020302"/>
                 </a:solidFill>
                 <a:latin typeface="Adobe Clean"/>
                 <a:cs typeface="Adobe Clean"/>
               </a:rPr>
-              <a:t>Cloud-Support-Aktivitäten – AEM</a:t>
-            </a:r>
+              <a:t>Cloud</a:t>
+            </a:r>
+            <a:r>
+              <a:rPr sz="1400" b="1" spc="-45">
+                <a:solidFill>
+                  <a:srgbClr val="020302"/>
+                </a:solidFill>
+                <a:latin typeface="Adobe Clean"/>
+                <a:cs typeface="Adobe Clean"/>
+              </a:rPr>
+              <a:t> </a:t>
+            </a:r>
+            <a:r>
+              <a:rPr sz="1400" b="1" spc="-15">
+                <a:solidFill>
+                  <a:srgbClr val="020302"/>
+                </a:solidFill>
+                <a:latin typeface="Adobe Clean"/>
+                <a:cs typeface="Adobe Clean"/>
+              </a:rPr>
+              <a:t>Support</a:t>
+            </a:r>
+            <a:r>
+              <a:rPr sz="1400" b="1" spc="-50">
+                <a:solidFill>
+                  <a:srgbClr val="020302"/>
+                </a:solidFill>
+                <a:latin typeface="Adobe Clean"/>
+                <a:cs typeface="Adobe Clean"/>
+              </a:rPr>
+              <a:t> </a:t>
+            </a:r>
+            <a:r>
+              <a:rPr sz="1400" b="1" spc="-15">
+                <a:solidFill>
+                  <a:srgbClr val="020302"/>
+                </a:solidFill>
+                <a:latin typeface="Adobe Clean"/>
+                <a:cs typeface="Adobe Clean"/>
+              </a:rPr>
+              <a:t>Activities</a:t>
+            </a:r>
+            <a:r>
+              <a:rPr lang="en-US" sz="1400" b="1" spc="-15">
+                <a:solidFill>
+                  <a:srgbClr val="020302"/>
+                </a:solidFill>
+                <a:latin typeface="Adobe Clean"/>
+                <a:cs typeface="Adobe Clean"/>
+              </a:rPr>
+              <a:t> - AEM</a:t>
+            </a:r>
+            <a:endParaRPr sz="1400">
+              <a:latin typeface="Adobe Clean"/>
+              <a:cs typeface="Adobe Clean"/>
+            </a:endParaRPr>
           </a:p>
         </p:txBody>
       </p:sp>
@@ -12219,7 +13593,7 @@
         <p:spPr>
           <a:xfrm>
             <a:off x="924894" y="814263"/>
-            <a:ext cx="2492255" cy="46109"/>
+            <a:ext cx="2321477" cy="45719"/>
           </a:xfrm>
           <a:custGeom>
             <a:avLst/>
@@ -12322,10 +13696,6 @@
           </p:nvPr>
         </p:nvSpPr>
         <p:spPr>
-          <a:xfrm>
-            <a:off x="97787" y="9861194"/>
-            <a:ext cx="2738212" cy="133370"/>
-          </a:xfrm>
           <a:prstGeom prst="rect">
             <a:avLst/>
           </a:prstGeom>
@@ -12345,8 +13715,36 @@
               </a:spcBef>
             </a:pPr>
             <a:r>
-              <a:rPr lang="de-DE" dirty="0"/>
-              <a:t>©2021 Adobe. All Rights Reserved. Adobe Confidential.</a:t>
+              <a:rPr spc="-5"/>
+              <a:t>©2021 Adobe. All</a:t>
+            </a:r>
+            <a:r>
+              <a:rPr spc="-15"/>
+              <a:t> Rights</a:t>
+            </a:r>
+            <a:r>
+              <a:rPr spc="-10"/>
+              <a:t> </a:t>
+            </a:r>
+            <a:r>
+              <a:rPr spc="-15"/>
+              <a:t>Reserved.</a:t>
+            </a:r>
+            <a:r>
+              <a:rPr spc="-10"/>
+              <a:t> </a:t>
+            </a:r>
+            <a:r>
+              <a:rPr spc="-5"/>
+              <a:t>Adobe</a:t>
+            </a:r>
+            <a:r>
+              <a:rPr spc="60"/>
+              <a:t> </a:t>
+            </a:r>
+            <a:r>
+              <a:rPr spc="-15"/>
+              <a:t>Confidential.</a:t>
             </a:r>
           </a:p>
         </p:txBody>
@@ -12402,8 +13800,8 @@
           <a:p>
             <a:pPr algn="ctr"/>
             <a:r>
-              <a:rPr lang="de-DE" sz="1600"/>
-              <a:t>Ausführung und Betrieb</a:t>
+              <a:rPr lang="en-US" sz="1600"/>
+              <a:t>Run &amp; Operate</a:t>
             </a:r>
           </a:p>
         </p:txBody>
@@ -12459,8 +13857,8 @@
           <a:p>
             <a:pPr algn="ctr"/>
             <a:r>
-              <a:rPr lang="de-DE" sz="1600"/>
-              <a:t>Implementierung</a:t>
+              <a:rPr lang="en-US" sz="1600"/>
+              <a:t>Implementation</a:t>
             </a:r>
           </a:p>
         </p:txBody>
@@ -12495,8 +13893,8 @@
           <a:p>
             <a:pPr algn="ctr"/>
             <a:r>
-              <a:rPr lang="de-DE" sz="1100"/>
-              <a:t>Post-Launch</a:t>
+              <a:rPr lang="en-US" sz="1100"/>
+              <a:t>Post Launch</a:t>
             </a:r>
           </a:p>
         </p:txBody>
@@ -12531,7 +13929,7 @@
           <a:p>
             <a:pPr algn="ctr"/>
             <a:r>
-              <a:rPr lang="de-DE" sz="1100"/>
+              <a:rPr lang="en-US" sz="1100"/>
               <a:t>Go-Live</a:t>
             </a:r>
           </a:p>
@@ -12567,8 +13965,8 @@
           <a:p>
             <a:pPr algn="ctr"/>
             <a:r>
-              <a:rPr lang="de-DE" sz="1100"/>
-              <a:t>Definition</a:t>
+              <a:rPr lang="en-US" sz="1100"/>
+              <a:t>Define</a:t>
             </a:r>
           </a:p>
         </p:txBody>
@@ -12603,7 +14001,7 @@
           <a:p>
             <a:pPr algn="ctr"/>
             <a:r>
-              <a:rPr lang="de-DE" sz="1100"/>
+              <a:rPr lang="en-US" sz="1100"/>
               <a:t>Kickoff</a:t>
             </a:r>
           </a:p>
@@ -12639,7 +14037,7 @@
           <a:p>
             <a:pPr algn="ctr"/>
             <a:r>
-              <a:rPr lang="de-DE" sz="1100"/>
+              <a:rPr lang="en-US" sz="1100"/>
               <a:t>Design</a:t>
             </a:r>
           </a:p>
@@ -12697,14 +14095,14 @@
           <a:p>
             <a:pPr algn="ctr"/>
             <a:r>
-              <a:rPr lang="de-DE" sz="1400">
+              <a:rPr lang="en-US" sz="1400">
                 <a:solidFill>
                   <a:schemeClr val="accent1">
                     <a:lumMod val="50000"/>
                   </a:schemeClr>
                 </a:solidFill>
               </a:rPr>
-              <a:t>4 Aktivitäten pro Jahr</a:t>
+              <a:t>4 Activities per Year</a:t>
             </a:r>
           </a:p>
         </p:txBody>
@@ -12723,8 +14121,8 @@
         </p:nvSpPr>
         <p:spPr>
           <a:xfrm>
-            <a:off x="5265660" y="1471646"/>
-            <a:ext cx="2278621" cy="536622"/>
+            <a:off x="5265661" y="1471646"/>
+            <a:ext cx="2194560" cy="536622"/>
           </a:xfrm>
           <a:prstGeom prst="rect">
             <a:avLst/>
@@ -12745,14 +14143,20 @@
               </a:spcBef>
             </a:pPr>
             <a:r>
-              <a:rPr lang="de-DE" sz="1000" dirty="0">
+              <a:rPr lang="en-US" sz="1000">
                 <a:solidFill>
                   <a:srgbClr val="4B4B4B"/>
                 </a:solidFill>
                 <a:latin typeface="Adobe Clean Light" panose="020B0303020404020204" pitchFamily="34" charset="0"/>
               </a:rPr>
-              <a:t>Förderung der Übernahme von Best Practices für die Anpassung und Kernkomponenten in AEM as a Cloud Service</a:t>
-            </a:r>
+              <a:t>Drive adoption of customization best practices and core components in AEM as a Cloud Service.</a:t>
+            </a:r>
+            <a:endParaRPr sz="1000">
+              <a:solidFill>
+                <a:srgbClr val="4B4B4B"/>
+              </a:solidFill>
+              <a:latin typeface="Adobe Clean Light" panose="020B0303020404020204" pitchFamily="34" charset="0"/>
+            </a:endParaRPr>
           </a:p>
         </p:txBody>
       </p:sp>
@@ -12792,31 +14196,20 @@
               </a:spcBef>
             </a:pPr>
             <a:r>
-              <a:rPr lang="de-DE" sz="1000" dirty="0">
+              <a:rPr lang="en-US" sz="1000">
                 <a:solidFill>
                   <a:srgbClr val="4B4B4B"/>
                 </a:solidFill>
                 <a:latin typeface="Adobe Clean Light" panose="020B0303020404020204" pitchFamily="34" charset="0"/>
               </a:rPr>
-              <a:t>Identifizieren, Prüfen und Bereitstellen </a:t>
-            </a:r>
-            <a:br>
-              <a:rPr lang="sk-SK" sz="1000" dirty="0">
-                <a:solidFill>
-                  <a:srgbClr val="4B4B4B"/>
-                </a:solidFill>
-                <a:latin typeface="Adobe Clean Light" panose="020B0303020404020204" pitchFamily="34" charset="0"/>
-              </a:rPr>
-            </a:br>
-            <a:r>
-              <a:rPr lang="de-DE" sz="1000" dirty="0">
-                <a:solidFill>
-                  <a:srgbClr val="4B4B4B"/>
-                </a:solidFill>
-                <a:latin typeface="Adobe Clean Light" panose="020B0303020404020204" pitchFamily="34" charset="0"/>
-              </a:rPr>
-              <a:t>von Empfehlungen zu individuellen Lösungsübernahmebereichen mit Optimierungsmöglichkeiten</a:t>
-            </a:r>
+              <a:t>Identify, review and provide recommendations on customized solution adoption areas that have opportunities for optimization.</a:t>
+            </a:r>
+            <a:endParaRPr sz="1000">
+              <a:solidFill>
+                <a:srgbClr val="4B4B4B"/>
+              </a:solidFill>
+              <a:latin typeface="Adobe Clean Light" panose="020B0303020404020204" pitchFamily="34" charset="0"/>
+            </a:endParaRPr>
           </a:p>
         </p:txBody>
       </p:sp>
@@ -12835,7 +14228,7 @@
         <p:spPr>
           <a:xfrm>
             <a:off x="355868" y="1417898"/>
-            <a:ext cx="2317302" cy="899670"/>
+            <a:ext cx="2194560" cy="717376"/>
           </a:xfrm>
           <a:prstGeom prst="rect">
             <a:avLst/>
@@ -12856,48 +14249,20 @@
               </a:spcBef>
             </a:pPr>
             <a:r>
-              <a:rPr lang="de-DE" sz="1000" dirty="0">
+              <a:rPr lang="en-US" sz="1000">
                 <a:solidFill>
                   <a:srgbClr val="4B4B4B"/>
                 </a:solidFill>
                 <a:latin typeface="Adobe Clean Light" panose="020B0303020404020204" pitchFamily="34" charset="0"/>
               </a:rPr>
-              <a:t>Technische und betriebliche Governance </a:t>
-            </a:r>
-            <a:br>
-              <a:rPr lang="sk-SK" sz="1000" dirty="0">
-                <a:solidFill>
-                  <a:srgbClr val="4B4B4B"/>
-                </a:solidFill>
-                <a:latin typeface="Adobe Clean Light" panose="020B0303020404020204" pitchFamily="34" charset="0"/>
-              </a:rPr>
-            </a:br>
-            <a:r>
-              <a:rPr lang="de-DE" sz="1000" dirty="0">
-                <a:solidFill>
-                  <a:srgbClr val="4B4B4B"/>
-                </a:solidFill>
-                <a:latin typeface="Adobe Clean Light" panose="020B0303020404020204" pitchFamily="34" charset="0"/>
-              </a:rPr>
-              <a:t>für die Unterstützung von AEM as a Cloud Service-Kunden bei der Einhaltung von Branchenstandards und Best Practices </a:t>
-            </a:r>
-            <a:br>
-              <a:rPr lang="sk-SK" sz="1000" dirty="0">
-                <a:solidFill>
-                  <a:srgbClr val="4B4B4B"/>
-                </a:solidFill>
-                <a:latin typeface="Adobe Clean Light" panose="020B0303020404020204" pitchFamily="34" charset="0"/>
-              </a:rPr>
-            </a:br>
-            <a:r>
-              <a:rPr lang="de-DE" sz="1000" dirty="0">
-                <a:solidFill>
-                  <a:srgbClr val="4B4B4B"/>
-                </a:solidFill>
-                <a:latin typeface="Adobe Clean Light" panose="020B0303020404020204" pitchFamily="34" charset="0"/>
-              </a:rPr>
-              <a:t>für AEM as a Cloud Service</a:t>
-            </a:r>
+              <a:t>Technical &amp; operational governance to assist AEM as a Cloud Service Customers in adhering to industry standards and best practices for AEM as a Cloud Service.</a:t>
+            </a:r>
+            <a:endParaRPr sz="1000">
+              <a:solidFill>
+                <a:srgbClr val="4B4B4B"/>
+              </a:solidFill>
+              <a:latin typeface="Adobe Clean Light" panose="020B0303020404020204" pitchFamily="34" charset="0"/>
+            </a:endParaRPr>
           </a:p>
         </p:txBody>
       </p:sp>
@@ -12915,8 +14280,8 @@
         </p:nvSpPr>
         <p:spPr>
           <a:xfrm>
-            <a:off x="5181599" y="936612"/>
-            <a:ext cx="2278621" cy="461665"/>
+            <a:off x="5181600" y="936612"/>
+            <a:ext cx="1972258" cy="461665"/>
           </a:xfrm>
           <a:prstGeom prst="rect">
             <a:avLst/>
@@ -12937,15 +14302,489 @@
               </a:spcBef>
             </a:pPr>
             <a:r>
-              <a:rPr lang="de-DE" sz="1200" b="1" dirty="0">
+              <a:rPr lang="en-US" sz="1200" b="1" spc="-15">
                 <a:solidFill>
                   <a:srgbClr val="020302"/>
                 </a:solidFill>
                 <a:latin typeface="Adobe Clean"/>
                 <a:cs typeface="Adobe Clean"/>
               </a:rPr>
-              <a:t>Best Practices für die Anpassung von AEM as a Cloud Service</a:t>
-            </a:r>
+              <a:t>C</a:t>
+            </a:r>
+            <a:r>
+              <a:rPr lang="en-US" sz="1200" b="1" spc="-20">
+                <a:solidFill>
+                  <a:srgbClr val="020302"/>
+                </a:solidFill>
+                <a:latin typeface="Adobe Clean"/>
+                <a:cs typeface="Adobe Clean"/>
+              </a:rPr>
+              <a:t>u</a:t>
+            </a:r>
+            <a:r>
+              <a:rPr lang="en-US" sz="1200" b="1" spc="-25">
+                <a:solidFill>
+                  <a:srgbClr val="020302"/>
+                </a:solidFill>
+                <a:latin typeface="Adobe Clean"/>
+                <a:cs typeface="Adobe Clean"/>
+              </a:rPr>
+              <a:t>st</a:t>
+            </a:r>
+            <a:r>
+              <a:rPr lang="en-US" sz="1200" b="1" spc="-15">
+                <a:solidFill>
+                  <a:srgbClr val="020302"/>
+                </a:solidFill>
+                <a:latin typeface="Adobe Clean"/>
+                <a:cs typeface="Adobe Clean"/>
+              </a:rPr>
+              <a:t>o</a:t>
+            </a:r>
+            <a:r>
+              <a:rPr lang="en-US" sz="1200" b="1" spc="-20">
+                <a:solidFill>
+                  <a:srgbClr val="020302"/>
+                </a:solidFill>
+                <a:latin typeface="Adobe Clean"/>
+                <a:cs typeface="Adobe Clean"/>
+              </a:rPr>
+              <a:t>miza</a:t>
+            </a:r>
+            <a:r>
+              <a:rPr lang="en-US" sz="1200" b="1" spc="-25">
+                <a:solidFill>
+                  <a:srgbClr val="020302"/>
+                </a:solidFill>
+                <a:latin typeface="Adobe Clean"/>
+                <a:cs typeface="Adobe Clean"/>
+              </a:rPr>
+              <a:t>t</a:t>
+            </a:r>
+            <a:r>
+              <a:rPr lang="en-US" sz="1200" b="1" spc="-20">
+                <a:solidFill>
+                  <a:srgbClr val="020302"/>
+                </a:solidFill>
+                <a:latin typeface="Adobe Clean"/>
+                <a:cs typeface="Adobe Clean"/>
+              </a:rPr>
+              <a:t>i</a:t>
+            </a:r>
+            <a:r>
+              <a:rPr lang="en-US" sz="1200" b="1" spc="-15">
+                <a:solidFill>
+                  <a:srgbClr val="020302"/>
+                </a:solidFill>
+                <a:latin typeface="Adobe Clean"/>
+                <a:cs typeface="Adobe Clean"/>
+              </a:rPr>
+              <a:t>o</a:t>
+            </a:r>
+            <a:r>
+              <a:rPr lang="en-US" sz="1200" b="1">
+                <a:solidFill>
+                  <a:srgbClr val="020302"/>
+                </a:solidFill>
+                <a:latin typeface="Adobe Clean"/>
+                <a:cs typeface="Adobe Clean"/>
+              </a:rPr>
+              <a:t>n</a:t>
+            </a:r>
+            <a:r>
+              <a:rPr lang="en-US" sz="1200" b="1" spc="-50">
+                <a:solidFill>
+                  <a:srgbClr val="020302"/>
+                </a:solidFill>
+                <a:latin typeface="Adobe Clean"/>
+                <a:cs typeface="Adobe Clean"/>
+              </a:rPr>
+              <a:t> </a:t>
+            </a:r>
+            <a:r>
+              <a:rPr lang="en-US" sz="1200" b="1" spc="-20">
+                <a:solidFill>
+                  <a:srgbClr val="020302"/>
+                </a:solidFill>
+                <a:latin typeface="Adobe Clean"/>
+                <a:cs typeface="Adobe Clean"/>
+              </a:rPr>
+              <a:t>B</a:t>
+            </a:r>
+            <a:r>
+              <a:rPr lang="en-US" sz="1200" b="1" spc="-25">
+                <a:solidFill>
+                  <a:srgbClr val="020302"/>
+                </a:solidFill>
+                <a:latin typeface="Adobe Clean"/>
+                <a:cs typeface="Adobe Clean"/>
+              </a:rPr>
+              <a:t>es</a:t>
+            </a:r>
+            <a:r>
+              <a:rPr lang="en-US" sz="1200" b="1">
+                <a:solidFill>
+                  <a:srgbClr val="020302"/>
+                </a:solidFill>
+                <a:latin typeface="Adobe Clean"/>
+                <a:cs typeface="Adobe Clean"/>
+              </a:rPr>
+              <a:t>t</a:t>
+            </a:r>
+            <a:r>
+              <a:rPr lang="en-US" sz="1200" b="1" spc="-50">
+                <a:solidFill>
+                  <a:srgbClr val="020302"/>
+                </a:solidFill>
+                <a:latin typeface="Adobe Clean"/>
+                <a:cs typeface="Adobe Clean"/>
+              </a:rPr>
+              <a:t> </a:t>
+            </a:r>
+            <a:r>
+              <a:rPr lang="en-US" sz="1200" b="1" spc="-25">
+                <a:solidFill>
+                  <a:srgbClr val="020302"/>
+                </a:solidFill>
+                <a:latin typeface="Adobe Clean"/>
+                <a:cs typeface="Adobe Clean"/>
+              </a:rPr>
+              <a:t>P</a:t>
+            </a:r>
+            <a:r>
+              <a:rPr lang="en-US" sz="1200" b="1" spc="-20">
+                <a:solidFill>
+                  <a:srgbClr val="020302"/>
+                </a:solidFill>
+                <a:latin typeface="Adobe Clean"/>
+                <a:cs typeface="Adobe Clean"/>
+              </a:rPr>
+              <a:t>ra</a:t>
+            </a:r>
+            <a:r>
+              <a:rPr lang="en-US" sz="1200" b="1" spc="-30">
+                <a:solidFill>
+                  <a:srgbClr val="020302"/>
+                </a:solidFill>
+                <a:latin typeface="Adobe Clean"/>
+                <a:cs typeface="Adobe Clean"/>
+              </a:rPr>
+              <a:t>c</a:t>
+            </a:r>
+            <a:r>
+              <a:rPr lang="en-US" sz="1200" b="1" spc="-25">
+                <a:solidFill>
+                  <a:srgbClr val="020302"/>
+                </a:solidFill>
+                <a:latin typeface="Adobe Clean"/>
+                <a:cs typeface="Adobe Clean"/>
+              </a:rPr>
+              <a:t>t</a:t>
+            </a:r>
+            <a:r>
+              <a:rPr lang="en-US" sz="1200" b="1" spc="-20">
+                <a:solidFill>
+                  <a:srgbClr val="020302"/>
+                </a:solidFill>
+                <a:latin typeface="Adobe Clean"/>
+                <a:cs typeface="Adobe Clean"/>
+              </a:rPr>
+              <a:t>i</a:t>
+            </a:r>
+            <a:r>
+              <a:rPr lang="en-US" sz="1200" b="1" spc="-30">
+                <a:solidFill>
+                  <a:srgbClr val="020302"/>
+                </a:solidFill>
+                <a:latin typeface="Adobe Clean"/>
+                <a:cs typeface="Adobe Clean"/>
+              </a:rPr>
+              <a:t>c</a:t>
+            </a:r>
+            <a:r>
+              <a:rPr lang="en-US" sz="1200" b="1" spc="-25">
+                <a:solidFill>
+                  <a:srgbClr val="020302"/>
+                </a:solidFill>
+                <a:latin typeface="Adobe Clean"/>
+                <a:cs typeface="Adobe Clean"/>
+              </a:rPr>
+              <a:t>e</a:t>
+            </a:r>
+            <a:r>
+              <a:rPr lang="en-US" sz="1200" b="1">
+                <a:solidFill>
+                  <a:srgbClr val="020302"/>
+                </a:solidFill>
+                <a:latin typeface="Adobe Clean"/>
+                <a:cs typeface="Adobe Clean"/>
+              </a:rPr>
+              <a:t>s</a:t>
+            </a:r>
+            <a:r>
+              <a:rPr lang="en-US" sz="1200" b="1" spc="-45">
+                <a:solidFill>
+                  <a:srgbClr val="020302"/>
+                </a:solidFill>
+                <a:latin typeface="Adobe Clean"/>
+                <a:cs typeface="Adobe Clean"/>
+              </a:rPr>
+              <a:t> </a:t>
+            </a:r>
+            <a:r>
+              <a:rPr lang="en-US" sz="1200" b="1" spc="-25">
+                <a:solidFill>
+                  <a:srgbClr val="020302"/>
+                </a:solidFill>
+                <a:latin typeface="Adobe Clean"/>
+                <a:cs typeface="Adobe Clean"/>
+              </a:rPr>
+              <a:t>f</a:t>
+            </a:r>
+            <a:r>
+              <a:rPr lang="en-US" sz="1200" b="1" spc="-15">
+                <a:solidFill>
+                  <a:srgbClr val="020302"/>
+                </a:solidFill>
+                <a:latin typeface="Adobe Clean"/>
+                <a:cs typeface="Adobe Clean"/>
+              </a:rPr>
+              <a:t>o</a:t>
+            </a:r>
+            <a:r>
+              <a:rPr lang="en-US" sz="1200" b="1">
+                <a:solidFill>
+                  <a:srgbClr val="020302"/>
+                </a:solidFill>
+                <a:latin typeface="Adobe Clean"/>
+                <a:cs typeface="Adobe Clean"/>
+              </a:rPr>
+              <a:t>r</a:t>
+            </a:r>
+            <a:r>
+              <a:rPr lang="en-US" sz="1200" b="1" spc="-45">
+                <a:solidFill>
+                  <a:srgbClr val="020302"/>
+                </a:solidFill>
+                <a:latin typeface="Adobe Clean"/>
+                <a:cs typeface="Adobe Clean"/>
+              </a:rPr>
+              <a:t> </a:t>
+            </a:r>
+            <a:r>
+              <a:rPr lang="en-US" sz="1200" b="1" spc="-30">
+                <a:solidFill>
+                  <a:srgbClr val="020302"/>
+                </a:solidFill>
+                <a:latin typeface="Adobe Clean"/>
+                <a:cs typeface="Adobe Clean"/>
+              </a:rPr>
+              <a:t>AE</a:t>
+            </a:r>
+            <a:r>
+              <a:rPr lang="en-US" sz="1200" b="1">
+                <a:solidFill>
+                  <a:srgbClr val="020302"/>
+                </a:solidFill>
+                <a:latin typeface="Adobe Clean"/>
+                <a:cs typeface="Adobe Clean"/>
+              </a:rPr>
+              <a:t>M</a:t>
+            </a:r>
+            <a:r>
+              <a:rPr lang="en-US" sz="1200" b="1" spc="-55">
+                <a:solidFill>
+                  <a:srgbClr val="020302"/>
+                </a:solidFill>
+                <a:latin typeface="Adobe Clean"/>
+                <a:cs typeface="Adobe Clean"/>
+              </a:rPr>
+              <a:t> </a:t>
+            </a:r>
+            <a:r>
+              <a:rPr lang="en-US" sz="1200" b="1" spc="-20">
+                <a:solidFill>
+                  <a:srgbClr val="020302"/>
+                </a:solidFill>
+                <a:latin typeface="Adobe Clean"/>
+                <a:cs typeface="Adobe Clean"/>
+              </a:rPr>
+              <a:t>a</a:t>
+            </a:r>
+            <a:r>
+              <a:rPr lang="en-US" sz="1200" b="1">
+                <a:solidFill>
+                  <a:srgbClr val="020302"/>
+                </a:solidFill>
+                <a:latin typeface="Adobe Clean"/>
+                <a:cs typeface="Adobe Clean"/>
+              </a:rPr>
+              <a:t>s</a:t>
+            </a:r>
+            <a:r>
+              <a:rPr lang="en-US" sz="1200" b="1" spc="-45">
+                <a:solidFill>
+                  <a:srgbClr val="020302"/>
+                </a:solidFill>
+                <a:latin typeface="Adobe Clean"/>
+                <a:cs typeface="Adobe Clean"/>
+              </a:rPr>
+              <a:t> </a:t>
+            </a:r>
+            <a:r>
+              <a:rPr lang="en-US" sz="1200" b="1">
+                <a:solidFill>
+                  <a:srgbClr val="020302"/>
+                </a:solidFill>
+                <a:latin typeface="Adobe Clean"/>
+                <a:cs typeface="Adobe Clean"/>
+              </a:rPr>
+              <a:t>a</a:t>
+            </a:r>
+            <a:r>
+              <a:rPr lang="en-US" sz="1200" b="1" spc="-45">
+                <a:solidFill>
+                  <a:srgbClr val="020302"/>
+                </a:solidFill>
+                <a:latin typeface="Adobe Clean"/>
+                <a:cs typeface="Adobe Clean"/>
+              </a:rPr>
+              <a:t> </a:t>
+            </a:r>
+            <a:r>
+              <a:rPr lang="en-US" sz="1200" b="1" spc="-15">
+                <a:solidFill>
+                  <a:srgbClr val="020302"/>
+                </a:solidFill>
+                <a:latin typeface="Adobe Clean"/>
+                <a:cs typeface="Adobe Clean"/>
+              </a:rPr>
+              <a:t>C</a:t>
+            </a:r>
+            <a:r>
+              <a:rPr lang="en-US" sz="1200" b="1" spc="-25">
+                <a:solidFill>
+                  <a:srgbClr val="020302"/>
+                </a:solidFill>
+                <a:latin typeface="Adobe Clean"/>
+                <a:cs typeface="Adobe Clean"/>
+              </a:rPr>
+              <a:t>l</a:t>
+            </a:r>
+            <a:r>
+              <a:rPr lang="en-US" sz="1200" b="1" spc="-15">
+                <a:solidFill>
+                  <a:srgbClr val="020302"/>
+                </a:solidFill>
+                <a:latin typeface="Adobe Clean"/>
+                <a:cs typeface="Adobe Clean"/>
+              </a:rPr>
+              <a:t>o</a:t>
+            </a:r>
+            <a:r>
+              <a:rPr lang="en-US" sz="1200" b="1" spc="-20">
+                <a:solidFill>
+                  <a:srgbClr val="020302"/>
+                </a:solidFill>
+                <a:latin typeface="Adobe Clean"/>
+                <a:cs typeface="Adobe Clean"/>
+              </a:rPr>
+              <a:t>u</a:t>
+            </a:r>
+            <a:r>
+              <a:rPr lang="en-US" sz="1200" b="1">
+                <a:solidFill>
+                  <a:srgbClr val="020302"/>
+                </a:solidFill>
+                <a:latin typeface="Adobe Clean"/>
+                <a:cs typeface="Adobe Clean"/>
+              </a:rPr>
+              <a:t>d</a:t>
+            </a:r>
+            <a:r>
+              <a:rPr lang="en-US" sz="1200" b="1" spc="-50">
+                <a:solidFill>
+                  <a:srgbClr val="020302"/>
+                </a:solidFill>
+                <a:latin typeface="Adobe Clean"/>
+                <a:cs typeface="Adobe Clean"/>
+              </a:rPr>
+              <a:t> </a:t>
+            </a:r>
+            <a:r>
+              <a:rPr lang="en-US" sz="1200" b="1" spc="-20">
+                <a:solidFill>
+                  <a:srgbClr val="020302"/>
+                </a:solidFill>
+                <a:latin typeface="Adobe Clean"/>
+                <a:cs typeface="Adobe Clean"/>
+              </a:rPr>
+              <a:t>S</a:t>
+            </a:r>
+            <a:r>
+              <a:rPr lang="en-US" sz="1200" b="1" spc="-25">
+                <a:solidFill>
+                  <a:srgbClr val="020302"/>
+                </a:solidFill>
+                <a:latin typeface="Adobe Clean"/>
+                <a:cs typeface="Adobe Clean"/>
+              </a:rPr>
+              <a:t>e</a:t>
+            </a:r>
+            <a:r>
+              <a:rPr lang="en-US" sz="1200" b="1" spc="-20">
+                <a:solidFill>
+                  <a:srgbClr val="020302"/>
+                </a:solidFill>
+                <a:latin typeface="Adobe Clean"/>
+                <a:cs typeface="Adobe Clean"/>
+              </a:rPr>
+              <a:t>r</a:t>
+            </a:r>
+            <a:r>
+              <a:rPr lang="en-US" sz="1200" b="1" spc="-30">
+                <a:solidFill>
+                  <a:srgbClr val="020302"/>
+                </a:solidFill>
+                <a:latin typeface="Adobe Clean"/>
+                <a:cs typeface="Adobe Clean"/>
+              </a:rPr>
+              <a:t>v</a:t>
+            </a:r>
+            <a:r>
+              <a:rPr lang="en-US" sz="1200" b="1" spc="-20">
+                <a:solidFill>
+                  <a:srgbClr val="020302"/>
+                </a:solidFill>
+                <a:latin typeface="Adobe Clean"/>
+                <a:cs typeface="Adobe Clean"/>
+              </a:rPr>
+              <a:t>i</a:t>
+            </a:r>
+            <a:r>
+              <a:rPr lang="en-US" sz="1200" b="1" spc="-30">
+                <a:solidFill>
+                  <a:srgbClr val="020302"/>
+                </a:solidFill>
+                <a:latin typeface="Adobe Clean"/>
+                <a:cs typeface="Adobe Clean"/>
+              </a:rPr>
+              <a:t>c</a:t>
+            </a:r>
+            <a:r>
+              <a:rPr lang="en-US" sz="1200" b="1">
+                <a:solidFill>
+                  <a:srgbClr val="020302"/>
+                </a:solidFill>
+                <a:latin typeface="Adobe Clean"/>
+                <a:cs typeface="Adobe Clean"/>
+              </a:rPr>
+              <a:t>e</a:t>
+            </a:r>
+            <a:endParaRPr lang="en-US" sz="1200">
+              <a:latin typeface="Adobe Clean"/>
+              <a:cs typeface="Adobe Clean"/>
+            </a:endParaRPr>
           </a:p>
         </p:txBody>
       </p:sp>
@@ -12985,15 +14824,19 @@
               </a:spcBef>
             </a:pPr>
             <a:r>
-              <a:rPr lang="de-DE" sz="1200" b="1">
+              <a:rPr lang="en-US" sz="1200" b="1" spc="-25">
                 <a:solidFill>
                   <a:srgbClr val="020302"/>
                 </a:solidFill>
                 <a:latin typeface="Adobe Clean"/>
                 <a:cs typeface="Adobe Clean"/>
               </a:rPr>
-              <a:t>Zusatz-Services für AEM as a Cloud Service</a:t>
-            </a:r>
+              <a:t>Value-added Services for AEM as a Cloud Service</a:t>
+            </a:r>
+            <a:endParaRPr lang="en-US" sz="1200">
+              <a:latin typeface="Adobe Clean"/>
+              <a:cs typeface="Adobe Clean"/>
+            </a:endParaRPr>
           </a:p>
         </p:txBody>
       </p:sp>
@@ -13033,34 +14876,359 @@
               </a:spcBef>
             </a:pPr>
             <a:r>
-              <a:rPr lang="de-DE" sz="1200" b="1" dirty="0">
+              <a:rPr lang="en-US" sz="1200" b="1" spc="-20">
                 <a:solidFill>
                   <a:srgbClr val="020302"/>
                 </a:solidFill>
                 <a:latin typeface="Adobe Clean"/>
                 <a:cs typeface="Adobe Clean"/>
               </a:rPr>
-              <a:t>Governance für AEM </a:t>
-            </a:r>
-            <a:br>
-              <a:rPr lang="sk-SK" sz="1200" b="1" dirty="0">
+              <a:t>G</a:t>
+            </a:r>
+            <a:r>
+              <a:rPr lang="en-US" sz="1200" b="1" spc="-15">
                 <a:solidFill>
                   <a:srgbClr val="020302"/>
                 </a:solidFill>
                 <a:latin typeface="Adobe Clean"/>
                 <a:cs typeface="Adobe Clean"/>
               </a:rPr>
-            </a:br>
-            <a:r>
-              <a:rPr lang="de-DE" sz="1200" b="1" dirty="0">
+              <a:t>o</a:t>
+            </a:r>
+            <a:r>
+              <a:rPr lang="en-US" sz="1200" b="1" spc="-25">
                 <a:solidFill>
                   <a:srgbClr val="020302"/>
                 </a:solidFill>
                 <a:latin typeface="Adobe Clean"/>
                 <a:cs typeface="Adobe Clean"/>
               </a:rPr>
-              <a:t>as a Cloud Service</a:t>
-            </a:r>
+              <a:t>ve</a:t>
+            </a:r>
+            <a:r>
+              <a:rPr lang="en-US" sz="1200" b="1" spc="-20">
+                <a:solidFill>
+                  <a:srgbClr val="020302"/>
+                </a:solidFill>
+                <a:latin typeface="Adobe Clean"/>
+                <a:cs typeface="Adobe Clean"/>
+              </a:rPr>
+              <a:t>r</a:t>
+            </a:r>
+            <a:r>
+              <a:rPr lang="en-US" sz="1200" b="1" spc="-25">
+                <a:solidFill>
+                  <a:srgbClr val="020302"/>
+                </a:solidFill>
+                <a:latin typeface="Adobe Clean"/>
+                <a:cs typeface="Adobe Clean"/>
+              </a:rPr>
+              <a:t>n</a:t>
+            </a:r>
+            <a:r>
+              <a:rPr lang="en-US" sz="1200" b="1" spc="-20">
+                <a:solidFill>
+                  <a:srgbClr val="020302"/>
+                </a:solidFill>
+                <a:latin typeface="Adobe Clean"/>
+                <a:cs typeface="Adobe Clean"/>
+              </a:rPr>
+              <a:t>a</a:t>
+            </a:r>
+            <a:r>
+              <a:rPr lang="en-US" sz="1200" b="1" spc="-25">
+                <a:solidFill>
+                  <a:srgbClr val="020302"/>
+                </a:solidFill>
+                <a:latin typeface="Adobe Clean"/>
+                <a:cs typeface="Adobe Clean"/>
+              </a:rPr>
+              <a:t>n</a:t>
+            </a:r>
+            <a:r>
+              <a:rPr lang="en-US" sz="1200" b="1" spc="-30">
+                <a:solidFill>
+                  <a:srgbClr val="020302"/>
+                </a:solidFill>
+                <a:latin typeface="Adobe Clean"/>
+                <a:cs typeface="Adobe Clean"/>
+              </a:rPr>
+              <a:t>c</a:t>
+            </a:r>
+            <a:r>
+              <a:rPr lang="en-US" sz="1200" b="1">
+                <a:solidFill>
+                  <a:srgbClr val="020302"/>
+                </a:solidFill>
+                <a:latin typeface="Adobe Clean"/>
+                <a:cs typeface="Adobe Clean"/>
+              </a:rPr>
+              <a:t>e</a:t>
+            </a:r>
+            <a:r>
+              <a:rPr lang="en-US" sz="1200" b="1" spc="-50">
+                <a:solidFill>
+                  <a:srgbClr val="020302"/>
+                </a:solidFill>
+                <a:latin typeface="Adobe Clean"/>
+                <a:cs typeface="Adobe Clean"/>
+              </a:rPr>
+              <a:t> </a:t>
+            </a:r>
+            <a:r>
+              <a:rPr lang="en-US" sz="1200" b="1" spc="-25">
+                <a:solidFill>
+                  <a:srgbClr val="020302"/>
+                </a:solidFill>
+                <a:latin typeface="Adobe Clean"/>
+                <a:cs typeface="Adobe Clean"/>
+              </a:rPr>
+              <a:t>f</a:t>
+            </a:r>
+            <a:r>
+              <a:rPr lang="en-US" sz="1200" b="1" spc="-15">
+                <a:solidFill>
+                  <a:srgbClr val="020302"/>
+                </a:solidFill>
+                <a:latin typeface="Adobe Clean"/>
+                <a:cs typeface="Adobe Clean"/>
+              </a:rPr>
+              <a:t>o</a:t>
+            </a:r>
+            <a:r>
+              <a:rPr lang="en-US" sz="1200" b="1">
+                <a:solidFill>
+                  <a:srgbClr val="020302"/>
+                </a:solidFill>
+                <a:latin typeface="Adobe Clean"/>
+                <a:cs typeface="Adobe Clean"/>
+              </a:rPr>
+              <a:t>r</a:t>
+            </a:r>
+            <a:r>
+              <a:rPr lang="en-US" sz="1200" b="1" spc="-45">
+                <a:solidFill>
+                  <a:srgbClr val="020302"/>
+                </a:solidFill>
+                <a:latin typeface="Adobe Clean"/>
+                <a:cs typeface="Adobe Clean"/>
+              </a:rPr>
+              <a:t> </a:t>
+            </a:r>
+            <a:r>
+              <a:rPr lang="en-US" sz="1200" b="1" spc="-30">
+                <a:solidFill>
+                  <a:srgbClr val="020302"/>
+                </a:solidFill>
+                <a:latin typeface="Adobe Clean"/>
+                <a:cs typeface="Adobe Clean"/>
+              </a:rPr>
+              <a:t>A</a:t>
+            </a:r>
+            <a:r>
+              <a:rPr lang="en-US" sz="1200" b="1" spc="-25">
+                <a:solidFill>
+                  <a:srgbClr val="020302"/>
+                </a:solidFill>
+                <a:latin typeface="Adobe Clean"/>
+                <a:cs typeface="Adobe Clean"/>
+              </a:rPr>
+              <a:t>E</a:t>
+            </a:r>
+            <a:r>
+              <a:rPr lang="en-US" sz="1200" b="1">
+                <a:solidFill>
+                  <a:srgbClr val="020302"/>
+                </a:solidFill>
+                <a:latin typeface="Adobe Clean"/>
+                <a:cs typeface="Adobe Clean"/>
+              </a:rPr>
+              <a:t>M</a:t>
+            </a:r>
+            <a:r>
+              <a:rPr lang="en-US" sz="1200" b="1" spc="-50">
+                <a:solidFill>
+                  <a:srgbClr val="020302"/>
+                </a:solidFill>
+                <a:latin typeface="Adobe Clean"/>
+                <a:cs typeface="Adobe Clean"/>
+              </a:rPr>
+              <a:t> </a:t>
+            </a:r>
+            <a:r>
+              <a:rPr lang="en-US" sz="1200" b="1" spc="-20">
+                <a:solidFill>
+                  <a:srgbClr val="020302"/>
+                </a:solidFill>
+                <a:latin typeface="Adobe Clean"/>
+                <a:cs typeface="Adobe Clean"/>
+              </a:rPr>
+              <a:t>a</a:t>
+            </a:r>
+            <a:r>
+              <a:rPr lang="en-US" sz="1200" b="1">
+                <a:solidFill>
+                  <a:srgbClr val="020302"/>
+                </a:solidFill>
+                <a:latin typeface="Adobe Clean"/>
+                <a:cs typeface="Adobe Clean"/>
+              </a:rPr>
+              <a:t>s</a:t>
+            </a:r>
+            <a:r>
+              <a:rPr lang="en-US" sz="1200" b="1" spc="-45">
+                <a:solidFill>
+                  <a:srgbClr val="020302"/>
+                </a:solidFill>
+                <a:latin typeface="Adobe Clean"/>
+                <a:cs typeface="Adobe Clean"/>
+              </a:rPr>
+              <a:t> </a:t>
+            </a:r>
+            <a:r>
+              <a:rPr lang="en-US" sz="1200" b="1">
+                <a:solidFill>
+                  <a:srgbClr val="020302"/>
+                </a:solidFill>
+                <a:latin typeface="Adobe Clean"/>
+                <a:cs typeface="Adobe Clean"/>
+              </a:rPr>
+              <a:t>a</a:t>
+            </a:r>
+            <a:r>
+              <a:rPr lang="en-US" sz="1200" b="1" spc="-40">
+                <a:solidFill>
+                  <a:srgbClr val="020302"/>
+                </a:solidFill>
+                <a:latin typeface="Adobe Clean"/>
+                <a:cs typeface="Adobe Clean"/>
+              </a:rPr>
+              <a:t> </a:t>
+            </a:r>
+            <a:r>
+              <a:rPr lang="en-US" sz="1200" b="1" spc="-15">
+                <a:solidFill>
+                  <a:srgbClr val="020302"/>
+                </a:solidFill>
+                <a:latin typeface="Adobe Clean"/>
+                <a:cs typeface="Adobe Clean"/>
+              </a:rPr>
+              <a:t>C</a:t>
+            </a:r>
+            <a:r>
+              <a:rPr lang="en-US" sz="1200" b="1" spc="-25">
+                <a:solidFill>
+                  <a:srgbClr val="020302"/>
+                </a:solidFill>
+                <a:latin typeface="Adobe Clean"/>
+                <a:cs typeface="Adobe Clean"/>
+              </a:rPr>
+              <a:t>l</a:t>
+            </a:r>
+            <a:r>
+              <a:rPr lang="en-US" sz="1200" b="1" spc="-15">
+                <a:solidFill>
+                  <a:srgbClr val="020302"/>
+                </a:solidFill>
+                <a:latin typeface="Adobe Clean"/>
+                <a:cs typeface="Adobe Clean"/>
+              </a:rPr>
+              <a:t>ou</a:t>
+            </a:r>
+            <a:r>
+              <a:rPr lang="en-US" sz="1200" b="1">
+                <a:solidFill>
+                  <a:srgbClr val="020302"/>
+                </a:solidFill>
+                <a:latin typeface="Adobe Clean"/>
+                <a:cs typeface="Adobe Clean"/>
+              </a:rPr>
+              <a:t>d</a:t>
+            </a:r>
+            <a:r>
+              <a:rPr lang="en-US" sz="1200" b="1" spc="-50">
+                <a:solidFill>
+                  <a:srgbClr val="020302"/>
+                </a:solidFill>
+                <a:latin typeface="Adobe Clean"/>
+                <a:cs typeface="Adobe Clean"/>
+              </a:rPr>
+              <a:t> </a:t>
+            </a:r>
+            <a:r>
+              <a:rPr lang="en-US" sz="1200" b="1" spc="-20">
+                <a:solidFill>
+                  <a:srgbClr val="020302"/>
+                </a:solidFill>
+                <a:latin typeface="Adobe Clean"/>
+                <a:cs typeface="Adobe Clean"/>
+              </a:rPr>
+              <a:t>S</a:t>
+            </a:r>
+            <a:r>
+              <a:rPr lang="en-US" sz="1200" b="1" spc="-25">
+                <a:solidFill>
+                  <a:srgbClr val="020302"/>
+                </a:solidFill>
+                <a:latin typeface="Adobe Clean"/>
+                <a:cs typeface="Adobe Clean"/>
+              </a:rPr>
+              <a:t>e</a:t>
+            </a:r>
+            <a:r>
+              <a:rPr lang="en-US" sz="1200" b="1" spc="-20">
+                <a:solidFill>
+                  <a:srgbClr val="020302"/>
+                </a:solidFill>
+                <a:latin typeface="Adobe Clean"/>
+                <a:cs typeface="Adobe Clean"/>
+              </a:rPr>
+              <a:t>r</a:t>
+            </a:r>
+            <a:r>
+              <a:rPr lang="en-US" sz="1200" b="1" spc="-25">
+                <a:solidFill>
+                  <a:srgbClr val="020302"/>
+                </a:solidFill>
+                <a:latin typeface="Adobe Clean"/>
+                <a:cs typeface="Adobe Clean"/>
+              </a:rPr>
+              <a:t>v</a:t>
+            </a:r>
+            <a:r>
+              <a:rPr lang="en-US" sz="1200" b="1" spc="-20">
+                <a:solidFill>
+                  <a:srgbClr val="020302"/>
+                </a:solidFill>
+                <a:latin typeface="Adobe Clean"/>
+                <a:cs typeface="Adobe Clean"/>
+              </a:rPr>
+              <a:t>i</a:t>
+            </a:r>
+            <a:r>
+              <a:rPr lang="en-US" sz="1200" b="1" spc="-30">
+                <a:solidFill>
+                  <a:srgbClr val="020302"/>
+                </a:solidFill>
+                <a:latin typeface="Adobe Clean"/>
+                <a:cs typeface="Adobe Clean"/>
+              </a:rPr>
+              <a:t>c</a:t>
+            </a:r>
+            <a:r>
+              <a:rPr lang="en-US" sz="1200" b="1">
+                <a:solidFill>
+                  <a:srgbClr val="020302"/>
+                </a:solidFill>
+                <a:latin typeface="Adobe Clean"/>
+                <a:cs typeface="Adobe Clean"/>
+              </a:rPr>
+              <a:t>e</a:t>
+            </a:r>
+            <a:endParaRPr lang="en-US" sz="1200">
+              <a:latin typeface="Adobe Clean"/>
+              <a:cs typeface="Adobe Clean"/>
+            </a:endParaRPr>
           </a:p>
         </p:txBody>
       </p:sp>
@@ -13121,15 +15289,49 @@
               </a:lnSpc>
             </a:pPr>
             <a:r>
-              <a:rPr lang="de-DE" sz="500">
+              <a:rPr sz="500" spc="-5">
                 <a:solidFill>
                   <a:srgbClr val="6C6C6C"/>
                 </a:solidFill>
                 <a:latin typeface="Adobe Clean"/>
                 <a:cs typeface="Adobe Clean"/>
               </a:rPr>
-              <a:t>©2020 Adobe. All Rights Reserved. Adobe Confidential.</a:t>
-            </a:r>
+              <a:t>©2020 Adobe. All Rights Reserved. </a:t>
+            </a:r>
+            <a:r>
+              <a:rPr sz="500">
+                <a:solidFill>
+                  <a:srgbClr val="6C6C6C"/>
+                </a:solidFill>
+                <a:latin typeface="Adobe Clean"/>
+                <a:cs typeface="Adobe Clean"/>
+              </a:rPr>
+              <a:t>Adobe</a:t>
+            </a:r>
+            <a:r>
+              <a:rPr sz="500" spc="5">
+                <a:solidFill>
+                  <a:srgbClr val="6C6C6C"/>
+                </a:solidFill>
+                <a:latin typeface="Adobe Clean"/>
+                <a:cs typeface="Adobe Clean"/>
+              </a:rPr>
+              <a:t> </a:t>
+            </a:r>
+            <a:r>
+              <a:rPr sz="500" spc="-5">
+                <a:solidFill>
+                  <a:srgbClr val="6C6C6C"/>
+                </a:solidFill>
+                <a:latin typeface="Adobe Clean"/>
+                <a:cs typeface="Adobe Clean"/>
+              </a:rPr>
+              <a:t>Confidential.</a:t>
+            </a:r>
+            <a:endParaRPr sz="500">
+              <a:latin typeface="Adobe Clean"/>
+              <a:cs typeface="Adobe Clean"/>
+            </a:endParaRPr>
           </a:p>
           <a:p>
             <a:pPr>
@@ -13155,15 +15357,39 @@
               </a:spcBef>
             </a:pPr>
             <a:r>
-              <a:rPr lang="de-DE" sz="800">
+              <a:rPr sz="800" spc="-5">
                 <a:solidFill>
                   <a:srgbClr val="6D6D6D"/>
                 </a:solidFill>
                 <a:latin typeface="Adobe Clean"/>
                 <a:cs typeface="Adobe Clean"/>
               </a:rPr>
-              <a:t>©2020 Adobe. All Rights Reserved. Adobe Confidential.</a:t>
-            </a:r>
+              <a:t>©2020 Adobe. All Rights Reserved. Adobe</a:t>
+            </a:r>
+            <a:r>
+              <a:rPr sz="800" spc="75">
+                <a:solidFill>
+                  <a:srgbClr val="6D6D6D"/>
+                </a:solidFill>
+                <a:latin typeface="Adobe Clean"/>
+                <a:cs typeface="Adobe Clean"/>
+              </a:rPr>
+              <a:t> </a:t>
+            </a:r>
+            <a:r>
+              <a:rPr sz="800" spc="-5">
+                <a:solidFill>
+                  <a:srgbClr val="6D6D6D"/>
+                </a:solidFill>
+                <a:latin typeface="Adobe Clean"/>
+                <a:cs typeface="Adobe Clean"/>
+              </a:rPr>
+              <a:t>Confidential.</a:t>
+            </a:r>
+            <a:endParaRPr sz="800">
+              <a:latin typeface="Adobe Clean"/>
+              <a:cs typeface="Adobe Clean"/>
+            </a:endParaRPr>
           </a:p>
         </p:txBody>
       </p:sp>
@@ -13247,15 +15473,19 @@
               </a:spcBef>
             </a:pPr>
             <a:r>
-              <a:rPr lang="de-DE" sz="1400" b="1">
+              <a:rPr lang="en-US" sz="1400" b="1" spc="-15">
                 <a:solidFill>
                   <a:srgbClr val="020302"/>
                 </a:solidFill>
                 <a:latin typeface="Adobe Clean"/>
                 <a:cs typeface="Adobe Clean"/>
               </a:rPr>
-              <a:t>Ressourcen</a:t>
-            </a:r>
+              <a:t>Resources</a:t>
+            </a:r>
+            <a:endParaRPr sz="1400">
+              <a:latin typeface="Adobe Clean"/>
+              <a:cs typeface="Adobe Clean"/>
+            </a:endParaRPr>
           </a:p>
         </p:txBody>
       </p:sp>
@@ -13289,7 +15519,7 @@
               </a:spcBef>
             </a:pPr>
             <a:r>
-              <a:rPr lang="de-DE" sz="800">
+              <a:rPr sz="800" spc="-15">
                 <a:solidFill>
                   <a:srgbClr val="777879"/>
                 </a:solidFill>
@@ -13298,6 +15528,10 @@
               </a:rPr>
               <a:t>Adobe</a:t>
             </a:r>
+            <a:endParaRPr sz="800">
+              <a:latin typeface="Adobe Clean"/>
+              <a:cs typeface="Adobe Clean"/>
+            </a:endParaRPr>
           </a:p>
           <a:p>
             <a:pPr marL="12700">
@@ -13306,15 +15540,39 @@
               </a:lnSpc>
             </a:pPr>
             <a:r>
-              <a:rPr lang="de-DE" sz="800">
+              <a:rPr sz="800" spc="-15">
                 <a:solidFill>
                   <a:srgbClr val="777879"/>
                 </a:solidFill>
                 <a:latin typeface="Adobe Clean"/>
                 <a:cs typeface="Adobe Clean"/>
               </a:rPr>
-              <a:t>345 Park Avenue</a:t>
-            </a:r>
+              <a:t>345 Park</a:t>
+            </a:r>
+            <a:r>
+              <a:rPr sz="800" spc="-100">
+                <a:solidFill>
+                  <a:srgbClr val="777879"/>
+                </a:solidFill>
+                <a:latin typeface="Adobe Clean"/>
+                <a:cs typeface="Adobe Clean"/>
+              </a:rPr>
+              <a:t> </a:t>
+            </a:r>
+            <a:r>
+              <a:rPr sz="800" spc="-15">
+                <a:solidFill>
+                  <a:srgbClr val="777879"/>
+                </a:solidFill>
+                <a:latin typeface="Adobe Clean"/>
+                <a:cs typeface="Adobe Clean"/>
+              </a:rPr>
+              <a:t>Avenue</a:t>
+            </a:r>
+            <a:endParaRPr sz="800">
+              <a:latin typeface="Adobe Clean"/>
+              <a:cs typeface="Adobe Clean"/>
+            </a:endParaRPr>
           </a:p>
           <a:p>
             <a:pPr marL="12700">
@@ -13323,15 +15581,49 @@
               </a:lnSpc>
             </a:pPr>
             <a:r>
-              <a:rPr lang="de-DE" sz="800">
+              <a:rPr sz="800" spc="-10">
                 <a:solidFill>
                   <a:srgbClr val="777879"/>
                 </a:solidFill>
                 <a:latin typeface="Adobe Clean"/>
                 <a:cs typeface="Adobe Clean"/>
               </a:rPr>
-              <a:t>San Jose, CA95110-2704</a:t>
-            </a:r>
+              <a:t>San </a:t>
+            </a:r>
+            <a:r>
+              <a:rPr sz="800" spc="-15">
+                <a:solidFill>
+                  <a:srgbClr val="777879"/>
+                </a:solidFill>
+                <a:latin typeface="Adobe Clean"/>
+                <a:cs typeface="Adobe Clean"/>
+              </a:rPr>
+              <a:t>Jose,</a:t>
+            </a:r>
+            <a:r>
+              <a:rPr sz="800" spc="-140">
+                <a:solidFill>
+                  <a:srgbClr val="777879"/>
+                </a:solidFill>
+                <a:latin typeface="Adobe Clean"/>
+                <a:cs typeface="Adobe Clean"/>
+              </a:rPr>
+              <a:t> </a:t>
+            </a:r>
+            <a:r>
+              <a:rPr sz="800" spc="-20">
+                <a:solidFill>
+                  <a:srgbClr val="777879"/>
+                </a:solidFill>
+                <a:latin typeface="Adobe Clean"/>
+                <a:cs typeface="Adobe Clean"/>
+              </a:rPr>
+              <a:t>CA95110-2704</a:t>
+            </a:r>
+            <a:endParaRPr sz="800">
+              <a:latin typeface="Adobe Clean"/>
+              <a:cs typeface="Adobe Clean"/>
+            </a:endParaRPr>
           </a:p>
           <a:p>
             <a:pPr marL="12700">
@@ -13343,7 +15635,7 @@
               </a:spcBef>
             </a:pPr>
             <a:r>
-              <a:rPr lang="de-DE" sz="800">
+              <a:rPr sz="800" spc="-10">
                 <a:solidFill>
                   <a:srgbClr val="777879"/>
                 </a:solidFill>
@@ -13352,6 +15644,10 @@
               </a:rPr>
               <a:t>USA</a:t>
             </a:r>
+            <a:endParaRPr sz="800">
+              <a:latin typeface="Adobe Clean"/>
+              <a:cs typeface="Adobe Clean"/>
+            </a:endParaRPr>
           </a:p>
           <a:p>
             <a:pPr marL="12700">
@@ -13363,7 +15659,7 @@
               </a:spcBef>
             </a:pPr>
             <a:r>
-              <a:rPr lang="de-DE" sz="800" u="sng">
+              <a:rPr sz="800" u="sng" spc="-25">
                 <a:solidFill>
                   <a:srgbClr val="5F5F5F"/>
                 </a:solidFill>
@@ -13378,6 +15674,10 @@
               </a:rPr>
               <a:t>www.adobe.com</a:t>
             </a:r>
+            <a:endParaRPr sz="800">
+              <a:latin typeface="Adobe Clean"/>
+              <a:cs typeface="Adobe Clean"/>
+            </a:endParaRPr>
           </a:p>
         </p:txBody>
       </p:sp>
@@ -13531,7 +15831,7 @@
         <p:spPr>
           <a:xfrm>
             <a:off x="75947" y="9437110"/>
-            <a:ext cx="5809358" cy="570865"/>
+            <a:ext cx="5466715" cy="570865"/>
           </a:xfrm>
           <a:prstGeom prst="rect">
             <a:avLst/>
@@ -13552,15 +15852,429 @@
               </a:spcBef>
             </a:pPr>
             <a:r>
-              <a:rPr lang="de-DE" sz="1100" i="1" dirty="0">
+              <a:rPr sz="1100" i="1" spc="-10">
                 <a:solidFill>
                   <a:srgbClr val="777879"/>
                 </a:solidFill>
                 <a:latin typeface="AdobeClean-LightIt"/>
                 <a:cs typeface="AdobeClean-LightIt"/>
               </a:rPr>
-              <a:t>Weitere Informationen zum Support-Angebot von Adobe sowie zum für Ihre Bedürfnisse geeigneten Support-Level erhalten Sie bei Ihrem spezifischen Account-Manager (NAM) oder Ihrem Customer Success Manager(CSM)</a:t>
-            </a:r>
+              <a:t>To</a:t>
+            </a:r>
+            <a:r>
+              <a:rPr sz="1100" i="1" spc="-50">
+                <a:solidFill>
+                  <a:srgbClr val="777879"/>
+                </a:solidFill>
+                <a:latin typeface="AdobeClean-LightIt"/>
+                <a:cs typeface="AdobeClean-LightIt"/>
+              </a:rPr>
+              <a:t> </a:t>
+            </a:r>
+            <a:r>
+              <a:rPr sz="1100" i="1" spc="-15">
+                <a:solidFill>
+                  <a:srgbClr val="777879"/>
+                </a:solidFill>
+                <a:latin typeface="AdobeClean-LightIt"/>
+                <a:cs typeface="AdobeClean-LightIt"/>
+              </a:rPr>
+              <a:t>learn</a:t>
+            </a:r>
+            <a:r>
+              <a:rPr sz="1100" i="1" spc="-40">
+                <a:solidFill>
+                  <a:srgbClr val="777879"/>
+                </a:solidFill>
+                <a:latin typeface="AdobeClean-LightIt"/>
+                <a:cs typeface="AdobeClean-LightIt"/>
+              </a:rPr>
+              <a:t> </a:t>
+            </a:r>
+            <a:r>
+              <a:rPr sz="1100" i="1" spc="-15">
+                <a:solidFill>
+                  <a:srgbClr val="777879"/>
+                </a:solidFill>
+                <a:latin typeface="AdobeClean-LightIt"/>
+                <a:cs typeface="AdobeClean-LightIt"/>
+              </a:rPr>
+              <a:t>more</a:t>
+            </a:r>
+            <a:r>
+              <a:rPr sz="1100" i="1" spc="-45">
+                <a:solidFill>
+                  <a:srgbClr val="777879"/>
+                </a:solidFill>
+                <a:latin typeface="AdobeClean-LightIt"/>
+                <a:cs typeface="AdobeClean-LightIt"/>
+              </a:rPr>
+              <a:t> </a:t>
+            </a:r>
+            <a:r>
+              <a:rPr sz="1100" i="1" spc="-15">
+                <a:solidFill>
+                  <a:srgbClr val="777879"/>
+                </a:solidFill>
+                <a:latin typeface="AdobeClean-LightIt"/>
+                <a:cs typeface="AdobeClean-LightIt"/>
+              </a:rPr>
+              <a:t>about</a:t>
+            </a:r>
+            <a:r>
+              <a:rPr sz="1100" i="1" spc="-45">
+                <a:solidFill>
+                  <a:srgbClr val="777879"/>
+                </a:solidFill>
+                <a:latin typeface="AdobeClean-LightIt"/>
+                <a:cs typeface="AdobeClean-LightIt"/>
+              </a:rPr>
+              <a:t> </a:t>
+            </a:r>
+            <a:r>
+              <a:rPr sz="1100" i="1" spc="-15">
+                <a:solidFill>
+                  <a:srgbClr val="777879"/>
+                </a:solidFill>
+                <a:latin typeface="AdobeClean-LightIt"/>
+                <a:cs typeface="AdobeClean-LightIt"/>
+              </a:rPr>
+              <a:t>Adobe</a:t>
+            </a:r>
+            <a:r>
+              <a:rPr sz="1100" i="1" spc="-60">
+                <a:solidFill>
+                  <a:srgbClr val="777879"/>
+                </a:solidFill>
+                <a:latin typeface="AdobeClean-LightIt"/>
+                <a:cs typeface="AdobeClean-LightIt"/>
+              </a:rPr>
+              <a:t> </a:t>
+            </a:r>
+            <a:r>
+              <a:rPr sz="1100" i="1" spc="-15">
+                <a:solidFill>
+                  <a:srgbClr val="777879"/>
+                </a:solidFill>
+                <a:latin typeface="AdobeClean-LightIt"/>
+                <a:cs typeface="AdobeClean-LightIt"/>
+              </a:rPr>
+              <a:t>Support</a:t>
+            </a:r>
+            <a:r>
+              <a:rPr lang="en-US" sz="1100" i="1" spc="-15">
+                <a:solidFill>
+                  <a:srgbClr val="777879"/>
+                </a:solidFill>
+                <a:latin typeface="AdobeClean-LightIt"/>
+                <a:cs typeface="AdobeClean-LightIt"/>
+              </a:rPr>
+              <a:t> Offerings</a:t>
+            </a:r>
+            <a:r>
+              <a:rPr sz="1100" i="1" spc="-75">
+                <a:solidFill>
+                  <a:srgbClr val="777879"/>
+                </a:solidFill>
+                <a:latin typeface="AdobeClean-LightIt"/>
+                <a:cs typeface="AdobeClean-LightIt"/>
+              </a:rPr>
+              <a:t> </a:t>
+            </a:r>
+            <a:r>
+              <a:rPr sz="1100" i="1" spc="-15">
+                <a:solidFill>
+                  <a:srgbClr val="777879"/>
+                </a:solidFill>
+                <a:latin typeface="AdobeClean-LightIt"/>
+                <a:cs typeface="AdobeClean-LightIt"/>
+              </a:rPr>
+              <a:t>and</a:t>
+            </a:r>
+            <a:r>
+              <a:rPr sz="1100" i="1" spc="-50">
+                <a:solidFill>
+                  <a:srgbClr val="777879"/>
+                </a:solidFill>
+                <a:latin typeface="AdobeClean-LightIt"/>
+                <a:cs typeface="AdobeClean-LightIt"/>
+              </a:rPr>
+              <a:t> </a:t>
+            </a:r>
+            <a:r>
+              <a:rPr sz="1100" i="1" spc="-15">
+                <a:solidFill>
+                  <a:srgbClr val="777879"/>
+                </a:solidFill>
+                <a:latin typeface="AdobeClean-LightIt"/>
+                <a:cs typeface="AdobeClean-LightIt"/>
+              </a:rPr>
+              <a:t>the</a:t>
+            </a:r>
+            <a:r>
+              <a:rPr sz="1100" i="1" spc="-55">
+                <a:solidFill>
+                  <a:srgbClr val="777879"/>
+                </a:solidFill>
+                <a:latin typeface="AdobeClean-LightIt"/>
+                <a:cs typeface="AdobeClean-LightIt"/>
+              </a:rPr>
+              <a:t> </a:t>
+            </a:r>
+            <a:r>
+              <a:rPr sz="1100" i="1" spc="-15">
+                <a:solidFill>
+                  <a:srgbClr val="777879"/>
+                </a:solidFill>
+                <a:latin typeface="AdobeClean-LightIt"/>
+                <a:cs typeface="AdobeClean-LightIt"/>
+              </a:rPr>
+              <a:t>right</a:t>
+            </a:r>
+            <a:r>
+              <a:rPr sz="1100" i="1" spc="-95">
+                <a:solidFill>
+                  <a:srgbClr val="777879"/>
+                </a:solidFill>
+                <a:latin typeface="AdobeClean-LightIt"/>
+                <a:cs typeface="AdobeClean-LightIt"/>
+              </a:rPr>
+              <a:t> </a:t>
+            </a:r>
+            <a:r>
+              <a:rPr sz="1100" i="1" spc="-15">
+                <a:solidFill>
+                  <a:srgbClr val="777879"/>
+                </a:solidFill>
+                <a:latin typeface="AdobeClean-LightIt"/>
+                <a:cs typeface="AdobeClean-LightIt"/>
+              </a:rPr>
+              <a:t>level</a:t>
+            </a:r>
+            <a:r>
+              <a:rPr sz="1100" i="1" spc="-55">
+                <a:solidFill>
+                  <a:srgbClr val="777879"/>
+                </a:solidFill>
+                <a:latin typeface="AdobeClean-LightIt"/>
+                <a:cs typeface="AdobeClean-LightIt"/>
+              </a:rPr>
+              <a:t> </a:t>
+            </a:r>
+            <a:r>
+              <a:rPr sz="1100" i="1" spc="-15">
+                <a:solidFill>
+                  <a:srgbClr val="777879"/>
+                </a:solidFill>
+                <a:latin typeface="AdobeClean-LightIt"/>
+                <a:cs typeface="AdobeClean-LightIt"/>
+              </a:rPr>
+              <a:t>for</a:t>
+            </a:r>
+            <a:r>
+              <a:rPr sz="1100" i="1" spc="-85">
+                <a:solidFill>
+                  <a:srgbClr val="777879"/>
+                </a:solidFill>
+                <a:latin typeface="AdobeClean-LightIt"/>
+                <a:cs typeface="AdobeClean-LightIt"/>
+              </a:rPr>
+              <a:t> </a:t>
+            </a:r>
+            <a:r>
+              <a:rPr sz="1100" i="1" spc="-15">
+                <a:solidFill>
+                  <a:srgbClr val="777879"/>
+                </a:solidFill>
+                <a:latin typeface="AdobeClean-LightIt"/>
+                <a:cs typeface="AdobeClean-LightIt"/>
+              </a:rPr>
+              <a:t>you,</a:t>
+            </a:r>
+            <a:r>
+              <a:rPr sz="1100" i="1" spc="-65">
+                <a:solidFill>
+                  <a:srgbClr val="777879"/>
+                </a:solidFill>
+                <a:latin typeface="AdobeClean-LightIt"/>
+                <a:cs typeface="AdobeClean-LightIt"/>
+              </a:rPr>
+              <a:t> </a:t>
+            </a:r>
+            <a:r>
+              <a:rPr sz="1100" i="1" spc="-15">
+                <a:solidFill>
+                  <a:srgbClr val="777879"/>
+                </a:solidFill>
+                <a:latin typeface="AdobeClean-LightIt"/>
+                <a:cs typeface="AdobeClean-LightIt"/>
+              </a:rPr>
+              <a:t>contact</a:t>
+            </a:r>
+            <a:r>
+              <a:rPr sz="1100" i="1" spc="-85">
+                <a:solidFill>
+                  <a:srgbClr val="777879"/>
+                </a:solidFill>
+                <a:latin typeface="AdobeClean-LightIt"/>
+                <a:cs typeface="AdobeClean-LightIt"/>
+              </a:rPr>
+              <a:t> </a:t>
+            </a:r>
+            <a:r>
+              <a:rPr sz="1100" i="1" spc="-15">
+                <a:solidFill>
+                  <a:srgbClr val="777879"/>
+                </a:solidFill>
+                <a:latin typeface="AdobeClean-LightIt"/>
+                <a:cs typeface="AdobeClean-LightIt"/>
+              </a:rPr>
+              <a:t>your</a:t>
+            </a:r>
+            <a:r>
+              <a:rPr sz="1100" i="1" spc="-70">
+                <a:solidFill>
+                  <a:srgbClr val="777879"/>
+                </a:solidFill>
+                <a:latin typeface="AdobeClean-LightIt"/>
+                <a:cs typeface="AdobeClean-LightIt"/>
+              </a:rPr>
+              <a:t> </a:t>
+            </a:r>
+            <a:r>
+              <a:rPr sz="1100" i="1" spc="-15">
+                <a:solidFill>
+                  <a:srgbClr val="777879"/>
+                </a:solidFill>
+                <a:latin typeface="AdobeClean-LightIt"/>
+                <a:cs typeface="AdobeClean-LightIt"/>
+              </a:rPr>
+              <a:t>Named</a:t>
+            </a:r>
+            <a:r>
+              <a:rPr sz="1100" i="1" spc="-55">
+                <a:solidFill>
+                  <a:srgbClr val="777879"/>
+                </a:solidFill>
+                <a:latin typeface="AdobeClean-LightIt"/>
+                <a:cs typeface="AdobeClean-LightIt"/>
+              </a:rPr>
+              <a:t> </a:t>
+            </a:r>
+            <a:r>
+              <a:rPr sz="1100" i="1" spc="-25">
+                <a:solidFill>
+                  <a:srgbClr val="777879"/>
+                </a:solidFill>
+                <a:latin typeface="AdobeClean-LightIt"/>
+                <a:cs typeface="AdobeClean-LightIt"/>
+              </a:rPr>
+              <a:t>Account</a:t>
+            </a:r>
+            <a:r>
+              <a:rPr sz="1100" i="1" spc="-120">
+                <a:solidFill>
+                  <a:srgbClr val="777879"/>
+                </a:solidFill>
+                <a:latin typeface="AdobeClean-LightIt"/>
+                <a:cs typeface="AdobeClean-LightIt"/>
+              </a:rPr>
+              <a:t> </a:t>
+            </a:r>
+            <a:r>
+              <a:rPr sz="1100" i="1" spc="-20">
+                <a:solidFill>
+                  <a:srgbClr val="777879"/>
+                </a:solidFill>
+                <a:latin typeface="AdobeClean-LightIt"/>
+                <a:cs typeface="AdobeClean-LightIt"/>
+              </a:rPr>
+              <a:t>Manager  </a:t>
+            </a:r>
+            <a:r>
+              <a:rPr sz="1100" i="1" spc="-15">
+                <a:solidFill>
+                  <a:srgbClr val="777879"/>
+                </a:solidFill>
+                <a:latin typeface="AdobeClean-LightIt"/>
+                <a:cs typeface="AdobeClean-LightIt"/>
+              </a:rPr>
+              <a:t>(NAM) </a:t>
+            </a:r>
+            <a:r>
+              <a:rPr sz="1100" i="1" spc="-10">
+                <a:solidFill>
+                  <a:srgbClr val="777879"/>
+                </a:solidFill>
+                <a:latin typeface="AdobeClean-LightIt"/>
+                <a:cs typeface="AdobeClean-LightIt"/>
+              </a:rPr>
+              <a:t>or </a:t>
+            </a:r>
+            <a:r>
+              <a:rPr sz="1100" i="1" spc="-15">
+                <a:solidFill>
+                  <a:srgbClr val="777879"/>
+                </a:solidFill>
+                <a:latin typeface="AdobeClean-LightIt"/>
+                <a:cs typeface="AdobeClean-LightIt"/>
+              </a:rPr>
+              <a:t>Customer </a:t>
+            </a:r>
+            <a:r>
+              <a:rPr sz="1100" i="1" spc="-20">
+                <a:solidFill>
+                  <a:srgbClr val="777879"/>
+                </a:solidFill>
+                <a:latin typeface="AdobeClean-LightIt"/>
+                <a:cs typeface="AdobeClean-LightIt"/>
+              </a:rPr>
+              <a:t>Success</a:t>
+            </a:r>
+            <a:r>
+              <a:rPr sz="1100" i="1" spc="-180">
+                <a:solidFill>
+                  <a:srgbClr val="777879"/>
+                </a:solidFill>
+                <a:latin typeface="AdobeClean-LightIt"/>
+                <a:cs typeface="AdobeClean-LightIt"/>
+              </a:rPr>
+              <a:t> </a:t>
+            </a:r>
+            <a:r>
+              <a:rPr sz="1100" i="1" spc="-15">
+                <a:solidFill>
+                  <a:srgbClr val="777879"/>
+                </a:solidFill>
+                <a:latin typeface="AdobeClean-LightIt"/>
+                <a:cs typeface="AdobeClean-LightIt"/>
+              </a:rPr>
+              <a:t>Manager</a:t>
+            </a:r>
+            <a:r>
+              <a:rPr lang="en-US" sz="1100" i="1" spc="-15">
+                <a:solidFill>
+                  <a:srgbClr val="777879"/>
+                </a:solidFill>
+                <a:latin typeface="AdobeClean-LightIt"/>
+                <a:cs typeface="AdobeClean-LightIt"/>
+              </a:rPr>
+              <a:t> </a:t>
+            </a:r>
+            <a:r>
+              <a:rPr sz="1100" i="1" spc="-15">
+                <a:solidFill>
+                  <a:srgbClr val="777879"/>
+                </a:solidFill>
+                <a:latin typeface="AdobeClean-LightIt"/>
+                <a:cs typeface="AdobeClean-LightIt"/>
+              </a:rPr>
+              <a:t>(CSM)</a:t>
+            </a:r>
+            <a:endParaRPr sz="1100">
+              <a:latin typeface="AdobeClean-LightIt"/>
+              <a:cs typeface="AdobeClean-LightIt"/>
+            </a:endParaRPr>
           </a:p>
           <a:p>
             <a:pPr marL="34290">
@@ -13572,15 +16286,59 @@
               </a:spcBef>
             </a:pPr>
             <a:r>
-              <a:rPr lang="de-DE" sz="800" dirty="0">
+              <a:rPr sz="800" spc="-5">
                 <a:solidFill>
                   <a:srgbClr val="6D6D6D"/>
                 </a:solidFill>
                 <a:latin typeface="Adobe Clean"/>
                 <a:cs typeface="Adobe Clean"/>
               </a:rPr>
-              <a:t>©2021 Adobe. All Rights Reserved. Adobe Confidential.</a:t>
-            </a:r>
+              <a:t>©202</a:t>
+            </a:r>
+            <a:r>
+              <a:rPr lang="en-US" sz="800" spc="-5">
+                <a:solidFill>
+                  <a:srgbClr val="6D6D6D"/>
+                </a:solidFill>
+                <a:latin typeface="Adobe Clean"/>
+                <a:cs typeface="Adobe Clean"/>
+              </a:rPr>
+              <a:t>1</a:t>
+            </a:r>
+            <a:r>
+              <a:rPr sz="800" spc="-5">
+                <a:solidFill>
+                  <a:srgbClr val="6D6D6D"/>
+                </a:solidFill>
+                <a:latin typeface="Adobe Clean"/>
+                <a:cs typeface="Adobe Clean"/>
+              </a:rPr>
+              <a:t> Adobe. All Rights Reserved. Adobe</a:t>
+            </a:r>
+            <a:r>
+              <a:rPr sz="800" spc="75">
+                <a:solidFill>
+                  <a:srgbClr val="6D6D6D"/>
+                </a:solidFill>
+                <a:latin typeface="Adobe Clean"/>
+                <a:cs typeface="Adobe Clean"/>
+              </a:rPr>
+              <a:t> </a:t>
+            </a:r>
+            <a:r>
+              <a:rPr sz="800" spc="-5">
+                <a:solidFill>
+                  <a:srgbClr val="6D6D6D"/>
+                </a:solidFill>
+                <a:latin typeface="Adobe Clean"/>
+                <a:cs typeface="Adobe Clean"/>
+              </a:rPr>
+              <a:t>Confidential.</a:t>
+            </a:r>
+            <a:endParaRPr sz="800">
+              <a:latin typeface="Adobe Clean"/>
+              <a:cs typeface="Adobe Clean"/>
+            </a:endParaRPr>
           </a:p>
         </p:txBody>
       </p:sp>
@@ -13617,15 +16375,19 @@
               </a:spcBef>
             </a:pPr>
             <a:r>
-              <a:rPr lang="de-DE" sz="1400" b="1" dirty="0">
+              <a:rPr lang="en-US" sz="1400" b="1" spc="-15">
                 <a:solidFill>
                   <a:srgbClr val="020302"/>
                 </a:solidFill>
                 <a:latin typeface="Adobe Clean"/>
                 <a:cs typeface="Adobe Clean"/>
               </a:rPr>
-              <a:t>Regionales Support-Angebot von Adobe, örtliche Geschäftszeiten und unterstützte Sprachen</a:t>
-            </a:r>
+              <a:t>Regional scope of Adobe Support, Local Hours Of Operation And Language Support</a:t>
+            </a:r>
+            <a:endParaRPr lang="en-US" sz="1400" spc="-15">
+              <a:ea typeface="+mn-lt"/>
+              <a:cs typeface="+mn-lt"/>
+            </a:endParaRPr>
           </a:p>
           <a:p>
             <a:pPr>
@@ -13634,31 +16396,17 @@
               </a:spcBef>
             </a:pPr>
             <a:r>
-              <a:rPr lang="de-DE" sz="1000" dirty="0">
+              <a:rPr lang="en-US" sz="1000" spc="-15">
                 <a:solidFill>
                   <a:srgbClr val="1F1F1F"/>
                 </a:solidFill>
                 <a:latin typeface="AdobeClean-Light"/>
               </a:rPr>
-              <a:t>Das regionale Support-Angebot von Adobe wird durch Abgleich der Rechnungsadresse des Kunden </a:t>
-            </a:r>
-            <a:br>
-              <a:rPr lang="sk-SK" sz="1000" dirty="0">
-                <a:solidFill>
-                  <a:srgbClr val="1F1F1F"/>
-                </a:solidFill>
-                <a:latin typeface="AdobeClean-Light"/>
-              </a:rPr>
-            </a:br>
-            <a:r>
-              <a:rPr lang="de-DE" sz="1000" dirty="0">
-                <a:solidFill>
-                  <a:srgbClr val="1F1F1F"/>
-                </a:solidFill>
-                <a:latin typeface="AdobeClean-Light"/>
-              </a:rPr>
-              <a:t>(entsprechend dem Kundenauftrag oder einer anderen Kaufbestätigung für Adobe-Support) mit einer der folgenden Regionen ermittelt:</a:t>
-            </a:r>
+              <a:t>The regional scope of Adobe Support is established by aligning the customer's billing address (via the Sales Order or other Adobe Support purchasing document) to one of the following regions:</a:t>
+            </a:r>
+            <a:endParaRPr lang="en-US" sz="1000">
+              <a:latin typeface="AdobeClean-Light"/>
+            </a:endParaRPr>
           </a:p>
         </p:txBody>
       </p:sp>
@@ -13730,13 +16478,13 @@
                     <a:p>
                       <a:pPr algn="ctr"/>
                       <a:r>
-                        <a:rPr lang="de-DE" sz="1100">
+                        <a:rPr lang="en-US" sz="1100">
                           <a:solidFill>
                             <a:schemeClr val="tx1"/>
                           </a:solidFill>
                           <a:latin typeface="Adobe Clean" panose="020B0503020404020204" pitchFamily="34" charset="0"/>
                         </a:rPr>
-                        <a:t>Nord- und Südamerika</a:t>
+                        <a:t>Americas</a:t>
                       </a:r>
                     </a:p>
                   </a:txBody>
@@ -13795,13 +16543,13 @@
                     <a:p>
                       <a:pPr algn="ctr"/>
                       <a:r>
-                        <a:rPr lang="de-DE" sz="1100">
+                        <a:rPr lang="en-US" sz="1100">
                           <a:solidFill>
                             <a:schemeClr val="tx1"/>
                           </a:solidFill>
                           <a:latin typeface="Adobe Clean" panose="020B0503020404020204" pitchFamily="34" charset="0"/>
                         </a:rPr>
-                        <a:t>Europa, Naher Osten und Afrika</a:t>
+                        <a:t>Europe, Middle East &amp; Africa</a:t>
                       </a:r>
                     </a:p>
                   </a:txBody>
@@ -13860,13 +16608,13 @@
                     <a:p>
                       <a:pPr algn="ctr"/>
                       <a:r>
-                        <a:rPr lang="de-DE" sz="1100">
+                        <a:rPr lang="en-US" sz="1100">
                           <a:solidFill>
                             <a:schemeClr val="tx1"/>
                           </a:solidFill>
                           <a:latin typeface="Adobe Clean" panose="020B0503020404020204" pitchFamily="34" charset="0"/>
                         </a:rPr>
-                        <a:t>Asien-Pazifik</a:t>
+                        <a:t>Asia Pacific</a:t>
                       </a:r>
                     </a:p>
                   </a:txBody>
@@ -13925,7 +16673,7 @@
                     <a:p>
                       <a:pPr algn="ctr"/>
                       <a:r>
-                        <a:rPr lang="de-DE" sz="1100">
+                        <a:rPr lang="en-US" sz="1100">
                           <a:solidFill>
                             <a:schemeClr val="tx1"/>
                           </a:solidFill>
@@ -13934,7 +16682,7 @@
                         <a:t>Japan </a:t>
                       </a:r>
                       <a:r>
-                        <a:rPr lang="de-DE" sz="1100" baseline="30000">
+                        <a:rPr lang="en-US" sz="1100" baseline="30000">
                           <a:solidFill>
                             <a:schemeClr val="tx1"/>
                           </a:solidFill>
@@ -13942,6 +16690,12 @@
                         </a:rPr>
                         <a:t>1 </a:t>
                       </a:r>
+                      <a:endParaRPr lang="en-US" sz="1100">
+                        <a:solidFill>
+                          <a:schemeClr val="tx1"/>
+                        </a:solidFill>
+                        <a:latin typeface="Adobe Clean" panose="020B0503020404020204" pitchFamily="34" charset="0"/>
+                      </a:endParaRPr>
                     </a:p>
                   </a:txBody>
                   <a:tcPr anchor="ctr">
@@ -14006,13 +16760,13 @@
                     <a:p>
                       <a:pPr algn="ctr"/>
                       <a:r>
-                        <a:rPr lang="de-DE" sz="1100">
+                        <a:rPr lang="en-US" sz="1100">
                           <a:solidFill>
                             <a:schemeClr val="tx1"/>
                           </a:solidFill>
                           <a:latin typeface="Adobe Clean" panose="020B0503020404020204" pitchFamily="34" charset="0"/>
                         </a:rPr>
-                        <a:t>6:00–17:30 Uhr</a:t>
+                        <a:t>6 am – 5:30 pm</a:t>
                       </a:r>
                     </a:p>
                   </a:txBody>
@@ -14071,13 +16825,13 @@
                     <a:p>
                       <a:pPr algn="ctr"/>
                       <a:r>
-                        <a:rPr lang="de-DE" sz="1100">
+                        <a:rPr lang="en-US" sz="1100">
                           <a:solidFill>
                             <a:schemeClr val="tx1"/>
                           </a:solidFill>
                           <a:latin typeface="Adobe Clean" panose="020B0503020404020204" pitchFamily="34" charset="0"/>
                         </a:rPr>
-                        <a:t>9:00–17:00 Uhr</a:t>
+                        <a:t>9 am – 5 pm</a:t>
                       </a:r>
                     </a:p>
                   </a:txBody>
@@ -14136,13 +16890,13 @@
                     <a:p>
                       <a:pPr algn="ctr"/>
                       <a:r>
-                        <a:rPr lang="de-DE" sz="1100">
+                        <a:rPr lang="en-US" sz="1100">
                           <a:solidFill>
                             <a:schemeClr val="tx1"/>
                           </a:solidFill>
                           <a:latin typeface="Adobe Clean" panose="020B0503020404020204" pitchFamily="34" charset="0"/>
                         </a:rPr>
-                        <a:t>9:00–17:00 Uhr</a:t>
+                        <a:t>9 am – 5 pm</a:t>
                       </a:r>
                     </a:p>
                   </a:txBody>
@@ -14201,13 +16955,13 @@
                     <a:p>
                       <a:pPr algn="ctr"/>
                       <a:r>
-                        <a:rPr lang="de-DE" sz="1100">
+                        <a:rPr lang="en-US" sz="1100">
                           <a:solidFill>
                             <a:schemeClr val="tx1"/>
                           </a:solidFill>
                           <a:latin typeface="Adobe Clean" panose="020B0503020404020204" pitchFamily="34" charset="0"/>
                         </a:rPr>
-                        <a:t>9:00–17:30 Uhr</a:t>
+                        <a:t>9 am – 5:30 pm</a:t>
                       </a:r>
                     </a:p>
                   </a:txBody>
@@ -14287,17 +17041,23 @@
                         <a:buNone/>
                       </a:pPr>
                       <a:r>
-                        <a:rPr lang="de-DE" sz="1100">
+                        <a:rPr lang="en-US" sz="1100">
                           <a:solidFill>
                             <a:schemeClr val="tx1"/>
                           </a:solidFill>
                           <a:latin typeface="Adobe Clean"/>
                         </a:rPr>
-                        <a:t>Sprachunterstützung ist nur auf Englisch und Japanisch verfügbar. </a:t>
+                        <a:t>Language support is only available in English and Japanese. </a:t>
                       </a:r>
+                      <a:endParaRPr lang="en-US" sz="1100">
+                        <a:solidFill>
+                          <a:schemeClr val="tx1"/>
+                        </a:solidFill>
+                        <a:latin typeface="Adobe Clean" panose="020B0503020404020204" pitchFamily="34" charset="0"/>
+                      </a:endParaRPr>
                     </a:p>
                     <a:p>
-                      <a:pPr marL="0" marR="0" lvl="0" indent="0" algn="l" defTabSz="914400" rtl="0" eaLnBrk="1" fontAlgn="auto" latinLnBrk="0" hangingPunct="1">
+                      <a:pPr marL="0" marR="0" lvl="0" indent="0" algn="ctr" defTabSz="914400" eaLnBrk="1" fontAlgn="auto" latinLnBrk="0" hangingPunct="1">
                         <a:lnSpc>
                           <a:spcPct val="100000"/>
                         </a:lnSpc>
@@ -14314,7 +17074,7 @@
                         <a:tabLst/>
                         <a:defRPr/>
                       </a:pPr>
-                      <a:endParaRPr kumimoji="0" lang="en-US" sz="1100" b="1" i="0" u="none" strike="noStrike" kern="0" cap="none" spc="0" normalizeH="0" baseline="30000" noProof="0" dirty="0">
+                      <a:endParaRPr kumimoji="0" lang="en-US" sz="1100" b="1" i="0" u="none" strike="noStrike" kern="0" cap="none" spc="0" normalizeH="0" baseline="30000" noProof="0">
                         <a:ln>
                           <a:noFill/>
                         </a:ln>
@@ -14332,7 +17092,7 @@
                     <a:p>
                       <a:pPr algn="ctr"/>
                       <a:r>
-                        <a:rPr lang="de-DE" sz="1100" i="0">
+                        <a:rPr lang="en-US" sz="1100" i="0">
                           <a:solidFill>
                             <a:schemeClr val="tx1"/>
                           </a:solidFill>
@@ -14341,23 +17101,29 @@
                         <a:t> </a:t>
                       </a:r>
                       <a:r>
-                        <a:rPr lang="de-DE" sz="1100" i="0" baseline="30000">
+                        <a:rPr lang="en-US" sz="1100" i="0" baseline="30000">
                           <a:solidFill>
                             <a:schemeClr val="tx1"/>
                           </a:solidFill>
                           <a:latin typeface="Adobe Clean"/>
                         </a:rPr>
-                        <a:t>1</a:t>
+                        <a:t>1 </a:t>
                       </a:r>
                       <a:r>
-                        <a:rPr lang="de-DE" sz="1100" i="0">
+                        <a:rPr lang="en-US" sz="1100" i="0">
                           <a:solidFill>
                             <a:schemeClr val="tx1"/>
                           </a:solidFill>
                           <a:latin typeface="Adobe Clean"/>
                         </a:rPr>
-                        <a:t>Fälle der Kategorien P2, P3 und P4 sind in Japan auf Geschäftszeiten beschränkt.</a:t>
+                        <a:t>P2, P3, P4 cases are limited to business hours only in Japan.</a:t>
                       </a:r>
+                      <a:endParaRPr lang="en-US" sz="1100" b="1" i="0">
+                        <a:solidFill>
+                          <a:schemeClr val="tx1"/>
+                        </a:solidFill>
+                        <a:latin typeface="Adobe Clean"/>
+                      </a:endParaRPr>
                     </a:p>
                   </a:txBody>
                   <a:tcPr anchor="ctr">
@@ -14413,7 +17179,7 @@
                     <a:bodyPr/>
                     <a:lstStyle/>
                     <a:p>
-                      <a:endParaRPr lang="en-US" sz="1100" dirty="0">
+                      <a:endParaRPr lang="en-US" sz="1100">
                         <a:solidFill>
                           <a:schemeClr val="tx1"/>
                         </a:solidFill>
@@ -14474,7 +17240,7 @@
                     <a:bodyPr/>
                     <a:lstStyle/>
                     <a:p>
-                      <a:endParaRPr lang="en-US" sz="1100" dirty="0">
+                      <a:endParaRPr lang="en-US" sz="1100">
                         <a:solidFill>
                           <a:schemeClr val="tx1"/>
                         </a:solidFill>
@@ -14535,7 +17301,7 @@
                     <a:bodyPr/>
                     <a:lstStyle/>
                     <a:p>
-                      <a:endParaRPr lang="en-US" sz="1100" dirty="0">
+                      <a:endParaRPr lang="en-US" sz="1100">
                         <a:solidFill>
                           <a:schemeClr val="tx1"/>
                         </a:solidFill>
@@ -14721,15 +17487,129 @@
               </a:spcBef>
             </a:pPr>
             <a:r>
-              <a:rPr lang="de-DE" sz="1200" b="1">
+              <a:rPr sz="1200" b="1" spc="-15">
                 <a:solidFill>
                   <a:srgbClr val="FFFFFF"/>
                 </a:solidFill>
                 <a:latin typeface="Adobe Clean"/>
                 <a:cs typeface="Adobe Clean"/>
               </a:rPr>
-              <a:t>Unübertroffenes Know-how</a:t>
-            </a:r>
+              <a:t>U</a:t>
+            </a:r>
+            <a:r>
+              <a:rPr sz="1200" b="1" spc="-20">
+                <a:solidFill>
+                  <a:srgbClr val="FFFFFF"/>
+                </a:solidFill>
+                <a:latin typeface="Adobe Clean"/>
+                <a:cs typeface="Adobe Clean"/>
+              </a:rPr>
+              <a:t>n</a:t>
+            </a:r>
+            <a:r>
+              <a:rPr sz="1200" b="1" spc="-25">
+                <a:solidFill>
+                  <a:srgbClr val="FFFFFF"/>
+                </a:solidFill>
+                <a:latin typeface="Adobe Clean"/>
+                <a:cs typeface="Adobe Clean"/>
+              </a:rPr>
+              <a:t>p</a:t>
+            </a:r>
+            <a:r>
+              <a:rPr sz="1200" b="1" spc="-15">
+                <a:solidFill>
+                  <a:srgbClr val="FFFFFF"/>
+                </a:solidFill>
+                <a:latin typeface="Adobe Clean"/>
+                <a:cs typeface="Adobe Clean"/>
+              </a:rPr>
+              <a:t>a</a:t>
+            </a:r>
+            <a:r>
+              <a:rPr sz="1200" b="1" spc="-25">
+                <a:solidFill>
+                  <a:srgbClr val="FFFFFF"/>
+                </a:solidFill>
+                <a:latin typeface="Adobe Clean"/>
+                <a:cs typeface="Adobe Clean"/>
+              </a:rPr>
+              <a:t>r</a:t>
+            </a:r>
+            <a:r>
+              <a:rPr sz="1200" b="1" spc="-15">
+                <a:solidFill>
+                  <a:srgbClr val="FFFFFF"/>
+                </a:solidFill>
+                <a:latin typeface="Adobe Clean"/>
+                <a:cs typeface="Adobe Clean"/>
+              </a:rPr>
+              <a:t>a</a:t>
+            </a:r>
+            <a:r>
+              <a:rPr sz="1200" b="1" spc="-30">
+                <a:solidFill>
+                  <a:srgbClr val="FFFFFF"/>
+                </a:solidFill>
+                <a:latin typeface="Adobe Clean"/>
+                <a:cs typeface="Adobe Clean"/>
+              </a:rPr>
+              <a:t>ll</a:t>
+            </a:r>
+            <a:r>
+              <a:rPr sz="1200" b="1" spc="-25">
+                <a:solidFill>
+                  <a:srgbClr val="FFFFFF"/>
+                </a:solidFill>
+                <a:latin typeface="Adobe Clean"/>
+                <a:cs typeface="Adobe Clean"/>
+              </a:rPr>
+              <a:t>e</a:t>
+            </a:r>
+            <a:r>
+              <a:rPr sz="1200" b="1" spc="-30">
+                <a:solidFill>
+                  <a:srgbClr val="FFFFFF"/>
+                </a:solidFill>
+                <a:latin typeface="Adobe Clean"/>
+                <a:cs typeface="Adobe Clean"/>
+              </a:rPr>
+              <a:t>l</a:t>
+            </a:r>
+            <a:r>
+              <a:rPr sz="1200" b="1" spc="-25">
+                <a:solidFill>
+                  <a:srgbClr val="FFFFFF"/>
+                </a:solidFill>
+                <a:latin typeface="Adobe Clean"/>
+                <a:cs typeface="Adobe Clean"/>
+              </a:rPr>
+              <a:t>e</a:t>
+            </a:r>
+            <a:r>
+              <a:rPr sz="1200" b="1">
+                <a:solidFill>
+                  <a:srgbClr val="FFFFFF"/>
+                </a:solidFill>
+                <a:latin typeface="Adobe Clean"/>
+                <a:cs typeface="Adobe Clean"/>
+              </a:rPr>
+              <a:t>d  </a:t>
+            </a:r>
+            <a:r>
+              <a:rPr sz="1200" b="1" spc="-25">
+                <a:solidFill>
+                  <a:srgbClr val="FFFFFF"/>
+                </a:solidFill>
+                <a:latin typeface="Adobe Clean"/>
+                <a:cs typeface="Adobe Clean"/>
+              </a:rPr>
+              <a:t>Expertise</a:t>
+            </a:r>
+            <a:endParaRPr sz="1200">
+              <a:latin typeface="Adobe Clean"/>
+              <a:cs typeface="Adobe Clean"/>
+            </a:endParaRPr>
           </a:p>
         </p:txBody>
       </p:sp>
@@ -14769,15 +17649,19 @@
               </a:spcBef>
             </a:pPr>
             <a:r>
-              <a:rPr lang="de-DE" sz="1200" b="1">
+              <a:rPr lang="en-US" sz="1200" b="1" spc="-15">
                 <a:solidFill>
                   <a:srgbClr val="FFFFFF"/>
                 </a:solidFill>
                 <a:latin typeface="Adobe Clean"/>
                 <a:cs typeface="Adobe Clean"/>
               </a:rPr>
-              <a:t>Schneller Support</a:t>
-            </a:r>
+              <a:t>Accelerated Support</a:t>
+            </a:r>
+            <a:endParaRPr sz="1200">
+              <a:latin typeface="Adobe Clean"/>
+              <a:cs typeface="Adobe Clean"/>
+            </a:endParaRPr>
           </a:p>
         </p:txBody>
       </p:sp>
@@ -14795,8 +17679,8 @@
         </p:nvSpPr>
         <p:spPr>
           <a:xfrm>
-            <a:off x="6624118" y="8543943"/>
-            <a:ext cx="767281" cy="385445"/>
+            <a:off x="6624119" y="8543943"/>
+            <a:ext cx="510540" cy="385445"/>
           </a:xfrm>
           <a:prstGeom prst="rect">
             <a:avLst/>
@@ -14817,15 +17701,109 @@
               </a:spcBef>
             </a:pPr>
             <a:r>
-              <a:rPr lang="de-DE" sz="1200" b="1" dirty="0">
+              <a:rPr sz="1200" b="1" spc="-50">
                 <a:solidFill>
                   <a:srgbClr val="FFFFFF"/>
                 </a:solidFill>
                 <a:latin typeface="Adobe Clean"/>
                 <a:cs typeface="Adobe Clean"/>
               </a:rPr>
-              <a:t>Strategische Beratung</a:t>
-            </a:r>
+              <a:t>S</a:t>
+            </a:r>
+            <a:r>
+              <a:rPr sz="1200" b="1" spc="-20">
+                <a:solidFill>
+                  <a:srgbClr val="FFFFFF"/>
+                </a:solidFill>
+                <a:latin typeface="Adobe Clean"/>
+                <a:cs typeface="Adobe Clean"/>
+              </a:rPr>
+              <a:t>t</a:t>
+            </a:r>
+            <a:r>
+              <a:rPr sz="1200" b="1" spc="-75">
+                <a:solidFill>
+                  <a:srgbClr val="FFFFFF"/>
+                </a:solidFill>
+                <a:latin typeface="Adobe Clean"/>
+                <a:cs typeface="Adobe Clean"/>
+              </a:rPr>
+              <a:t>r</a:t>
+            </a:r>
+            <a:r>
+              <a:rPr sz="1200" b="1" spc="-90">
+                <a:solidFill>
+                  <a:srgbClr val="FFFFFF"/>
+                </a:solidFill>
+                <a:latin typeface="Adobe Clean"/>
+                <a:cs typeface="Adobe Clean"/>
+              </a:rPr>
+              <a:t>a</a:t>
+            </a:r>
+            <a:r>
+              <a:rPr sz="1200" b="1" spc="-55">
+                <a:solidFill>
+                  <a:srgbClr val="FFFFFF"/>
+                </a:solidFill>
+                <a:latin typeface="Adobe Clean"/>
+                <a:cs typeface="Adobe Clean"/>
+              </a:rPr>
+              <a:t>t</a:t>
+            </a:r>
+            <a:r>
+              <a:rPr sz="1200" b="1" spc="-100">
+                <a:solidFill>
+                  <a:srgbClr val="FFFFFF"/>
+                </a:solidFill>
+                <a:latin typeface="Adobe Clean"/>
+                <a:cs typeface="Adobe Clean"/>
+              </a:rPr>
+              <a:t>e</a:t>
+            </a:r>
+            <a:r>
+              <a:rPr sz="1200" b="1" spc="-80">
+                <a:solidFill>
+                  <a:srgbClr val="FFFFFF"/>
+                </a:solidFill>
+                <a:latin typeface="Adobe Clean"/>
+                <a:cs typeface="Adobe Clean"/>
+              </a:rPr>
+              <a:t>g</a:t>
+            </a:r>
+            <a:r>
+              <a:rPr sz="1200" b="1" spc="-35">
+                <a:solidFill>
+                  <a:srgbClr val="FFFFFF"/>
+                </a:solidFill>
+                <a:latin typeface="Adobe Clean"/>
+                <a:cs typeface="Adobe Clean"/>
+              </a:rPr>
+              <a:t>i</a:t>
+            </a:r>
+            <a:r>
+              <a:rPr sz="1200" b="1">
+                <a:solidFill>
+                  <a:srgbClr val="FFFFFF"/>
+                </a:solidFill>
+                <a:latin typeface="Adobe Clean"/>
+                <a:cs typeface="Adobe Clean"/>
+              </a:rPr>
+              <a:t>c  </a:t>
+            </a:r>
+            <a:r>
+              <a:rPr sz="1200" b="1" spc="-45">
+                <a:solidFill>
+                  <a:srgbClr val="FFFFFF"/>
+                </a:solidFill>
+                <a:latin typeface="Adobe Clean"/>
+                <a:cs typeface="Adobe Clean"/>
+              </a:rPr>
+              <a:t>Advice</a:t>
+            </a:r>
+            <a:endParaRPr sz="1200">
+              <a:latin typeface="Adobe Clean"/>
+              <a:cs typeface="Adobe Clean"/>
+            </a:endParaRPr>
           </a:p>
         </p:txBody>
       </p:sp>
@@ -14844,14 +17822,14 @@
           <p:nvPr>
             <p:extLst>
               <p:ext uri="{D42A27DB-BD31-4B8C-83A1-F6EECF244321}">
-                <p14:modId xmlns:p14="http://schemas.microsoft.com/office/powerpoint/2010/main" val="3733690768"/>
+                <p14:modId xmlns:p14="http://schemas.microsoft.com/office/powerpoint/2010/main" val="1493671087"/>
               </p:ext>
             </p:extLst>
           </p:nvPr>
         </p:nvGraphicFramePr>
         <p:xfrm>
           <a:off x="194236" y="1059345"/>
-          <a:ext cx="7368291" cy="3413760"/>
+          <a:ext cx="7368291" cy="2931160"/>
         </p:xfrm>
         <a:graphic>
           <a:graphicData uri="http://schemas.openxmlformats.org/drawingml/2006/table">
@@ -14882,7 +17860,7 @@
                     <a:lstStyle/>
                     <a:p>
                       <a:r>
-                        <a:rPr lang="de-DE" sz="1100" b="0">
+                        <a:rPr lang="en-US" sz="1100" b="0">
                           <a:solidFill>
                             <a:schemeClr val="tx1"/>
                           </a:solidFill>
@@ -14893,6 +17871,14 @@
                         </a:rPr>
                         <a:t>Experience League</a:t>
                       </a:r>
+                      <a:endParaRPr lang="en-US" sz="1100" b="0">
+                        <a:solidFill>
+                          <a:schemeClr val="tx1"/>
+                        </a:solidFill>
+                        <a:latin typeface="Adobe Clean" panose="020B0503020404020204" pitchFamily="34" charset="0"/>
+                        <a:ea typeface="+mn-ea"/>
+                        <a:cs typeface="+mn-cs"/>
+                      </a:endParaRPr>
                     </a:p>
                   </a:txBody>
                   <a:tcPr marL="47625" marR="47625" marT="0" marB="0" anchor="ctr">
@@ -14966,7 +17952,7 @@
                         <a:defRPr/>
                       </a:pPr>
                       <a:r>
-                        <a:rPr lang="de-DE" sz="1000" b="0" dirty="0">
+                        <a:rPr lang="en-US" sz="1000" b="0" kern="1200">
                           <a:solidFill>
                             <a:srgbClr val="000000"/>
                           </a:solidFill>
@@ -14974,28 +17960,7 @@
                           <a:ea typeface="+mn-ea"/>
                           <a:cs typeface="+mn-cs"/>
                         </a:rPr>
-                        <a:t>Mit der Experience League unterstützt Adobe Unternehmen dabei, </a:t>
-                      </a:r>
-                      <a:br>
-                        <a:rPr lang="sk-SK" sz="1000" b="0" dirty="0">
-                          <a:solidFill>
-                            <a:srgbClr val="000000"/>
-                          </a:solidFill>
-                          <a:latin typeface="Adobe Clean Light" panose="020B0303020404020204" pitchFamily="34" charset="0"/>
-                          <a:ea typeface="+mn-ea"/>
-                          <a:cs typeface="+mn-cs"/>
-                        </a:rPr>
-                      </a:br>
-                      <a:r>
-                        <a:rPr lang="de-DE" sz="1000" b="0" dirty="0">
-                          <a:solidFill>
-                            <a:srgbClr val="000000"/>
-                          </a:solidFill>
-                          <a:latin typeface="Adobe Clean Light" panose="020B0303020404020204" pitchFamily="34" charset="0"/>
-                          <a:ea typeface="+mn-ea"/>
-                          <a:cs typeface="+mn-cs"/>
-                        </a:rPr>
-                        <a:t>mit ihren Investitionen in Adobe optimale Ergebnisse zu erzielen. An diesem zentralen Ort können Kunden auf einem personalisierten Weg zum Erfolg lernen, Kontakte knüpfen und sich weiterentwickeln. Dafür nutzen sie Selbsthilfe-Tutorials, Produktdokumentation, von Kursleitern geführte Schulungen, Community und technischen Support. </a:t>
+                        <a:t>Experience League is how Adobe helps businesses achieve the value they expect from their Adobe investment. It’s the unified place where customers can learn, connect, and grow along a personalized path to success that includes self-help tutorials, product documentation, instructor-led training, community and technical support. </a:t>
                       </a:r>
                     </a:p>
                   </a:txBody>
@@ -15077,10 +18042,11 @@
                         <a:defRPr/>
                       </a:pPr>
                       <a:r>
-                        <a:rPr lang="de-DE" sz="1100">
+                        <a:rPr lang="en-US" sz="1100">
                           <a:solidFill>
                             <a:schemeClr val="dk1"/>
                           </a:solidFill>
+                          <a:effectLst/>
                           <a:latin typeface="Adobe Clean" panose="020B0503020404020204" pitchFamily="34" charset="0"/>
                           <a:ea typeface="+mn-ea"/>
                           <a:cs typeface="+mn-cs"/>
@@ -15089,16 +18055,26 @@
                         <a:t>Training</a:t>
                       </a:r>
                       <a:r>
-                        <a:rPr lang="de-DE" sz="1100">
+                        <a:rPr lang="en-US" sz="1100">
                           <a:solidFill>
                             <a:schemeClr val="dk1"/>
                           </a:solidFill>
+                          <a:effectLst/>
                           <a:latin typeface="Adobe Clean" panose="020B0503020404020204" pitchFamily="34" charset="0"/>
                           <a:ea typeface="+mn-ea"/>
                           <a:cs typeface="+mn-cs"/>
                         </a:rPr>
                         <a:t> </a:t>
                       </a:r>
+                      <a:endParaRPr lang="en-US" sz="1100">
+                        <a:solidFill>
+                          <a:schemeClr val="tx1"/>
+                        </a:solidFill>
+                        <a:effectLst/>
+                        <a:latin typeface="Adobe Clean" panose="020B0503020404020204" pitchFamily="34" charset="0"/>
+                        <a:ea typeface="+mn-ea"/>
+                        <a:cs typeface="+mn-cs"/>
+                      </a:endParaRPr>
                     </a:p>
                   </a:txBody>
                   <a:tcPr anchor="ctr">
@@ -15172,7 +18148,7 @@
                         <a:defRPr/>
                       </a:pPr>
                       <a:r>
-                        <a:rPr lang="de-DE" sz="1000">
+                        <a:rPr lang="en-US" sz="1000" kern="1200">
                           <a:solidFill>
                             <a:srgbClr val="000000"/>
                           </a:solidFill>
@@ -15180,7 +18156,7 @@
                           <a:ea typeface="+mn-ea"/>
                           <a:cs typeface="+mn-cs"/>
                         </a:rPr>
-                        <a:t>Adobe Digital Learning Services-Kurse sind über die Experience League verfügbar. Das Angebot umfasst sowohl On-Demand- als auch von Kursleiter geführte Schulungen.  Hier können Sie Kompetenzen erwerben, die auf dem Markt anerkannt sind und den Erfolg im Unternehmen vorantreiben.</a:t>
+                        <a:t>Adobe Digital Learning Services courses are accessible from Experience League. Learning courses integrate both on-demand and instructor-led lessons.  Here you can accrue skills that have recognized market value and position them to drive success in your organizations.</a:t>
                       </a:r>
                     </a:p>
                   </a:txBody>
@@ -15262,17 +18238,27 @@
                         <a:defRPr/>
                       </a:pPr>
                       <a:r>
-                        <a:rPr lang="de-DE" sz="1100">
+                        <a:rPr lang="en-US" sz="1100">
                           <a:solidFill>
                             <a:schemeClr val="tx1"/>
                           </a:solidFill>
+                          <a:effectLst/>
                           <a:latin typeface="Adobe Clean" panose="020B0503020404020204" pitchFamily="34" charset="0"/>
                           <a:ea typeface="+mn-ea"/>
                           <a:cs typeface="+mn-cs"/>
                           <a:hlinkClick r:id="rId9"/>
                         </a:rPr>
-                        <a:t>Produktionsprobleme und Systemausfälle</a:t>
+                        <a:t>Production Issues &amp; System Outages</a:t>
                       </a:r>
+                      <a:endParaRPr lang="en-US" sz="1100">
+                        <a:solidFill>
+                          <a:schemeClr val="tx1"/>
+                        </a:solidFill>
+                        <a:effectLst/>
+                        <a:latin typeface="Adobe Clean" panose="020B0503020404020204" pitchFamily="34" charset="0"/>
+                        <a:ea typeface="+mn-ea"/>
+                        <a:cs typeface="+mn-cs"/>
+                      </a:endParaRPr>
                     </a:p>
                   </a:txBody>
                   <a:tcPr anchor="ctr">
@@ -15346,7 +18332,7 @@
                         <a:defRPr/>
                       </a:pPr>
                       <a:r>
-                        <a:rPr lang="de-DE" sz="1000" dirty="0">
+                        <a:rPr lang="en-US" sz="1000" kern="1200">
                           <a:solidFill>
                             <a:srgbClr val="000000"/>
                           </a:solidFill>
@@ -15354,49 +18340,7 @@
                           <a:ea typeface="+mn-ea"/>
                           <a:cs typeface="+mn-cs"/>
                         </a:rPr>
-                        <a:t>Status.adobe.com übermittelt die Statusinformationen sämtlicher Adobe-Produkte und -Services, die in Umgebungen mit mehreren Mandanten implementiert sind. Kunden können Voreinstellungen </a:t>
-                      </a:r>
-                      <a:br>
-                        <a:rPr lang="sk-SK" sz="1000" dirty="0">
-                          <a:solidFill>
-                            <a:srgbClr val="000000"/>
-                          </a:solidFill>
-                          <a:latin typeface="Adobe Clean Light" panose="020B0303020404020204" pitchFamily="34" charset="0"/>
-                          <a:ea typeface="+mn-ea"/>
-                          <a:cs typeface="+mn-cs"/>
-                        </a:rPr>
-                      </a:br>
-                      <a:r>
-                        <a:rPr lang="de-DE" sz="1000" dirty="0">
-                          <a:solidFill>
-                            <a:srgbClr val="000000"/>
-                          </a:solidFill>
-                          <a:latin typeface="Adobe Clean Light" panose="020B0303020404020204" pitchFamily="34" charset="0"/>
-                          <a:ea typeface="+mn-ea"/>
-                          <a:cs typeface="+mn-cs"/>
-                        </a:rPr>
-                        <a:t>für ihr Abonnement auswählen und E-Mail-Benachrichtigungen erhalten, wenn Adobe ein Produktereignis erstellt, aktualisiert oder löst. </a:t>
-                      </a:r>
-                      <a:br>
-                        <a:rPr lang="sk-SK" sz="1000" dirty="0">
-                          <a:solidFill>
-                            <a:srgbClr val="000000"/>
-                          </a:solidFill>
-                          <a:latin typeface="Adobe Clean Light" panose="020B0303020404020204" pitchFamily="34" charset="0"/>
-                          <a:ea typeface="+mn-ea"/>
-                          <a:cs typeface="+mn-cs"/>
-                        </a:rPr>
-                      </a:br>
-                      <a:r>
-                        <a:rPr lang="de-DE" sz="1000" dirty="0">
-                          <a:solidFill>
-                            <a:srgbClr val="000000"/>
-                          </a:solidFill>
-                          <a:latin typeface="Adobe Clean Light" panose="020B0303020404020204" pitchFamily="34" charset="0"/>
-                          <a:ea typeface="+mn-ea"/>
-                          <a:cs typeface="+mn-cs"/>
-                        </a:rPr>
-                        <a:t>Dies kann geplante Wartungen oder Service-Probleme unterschiedlichen Schweregrads umfassen. </a:t>
+                        <a:t>Status.adobe.com conveys the health information of all Adobe products and services that are deployed in multi-tenant environments. Customers can choose their subscription preferences to get email notifications whenever Adobe creates, updates or resolves a product event. This can include scheduled maintenance or service issues of varying levels of severity. </a:t>
                       </a:r>
                     </a:p>
                   </a:txBody>
@@ -15478,17 +18422,27 @@
                         <a:defRPr/>
                       </a:pPr>
                       <a:r>
-                        <a:rPr lang="de-DE" sz="1100">
+                        <a:rPr lang="en-US" sz="1100">
                           <a:solidFill>
                             <a:schemeClr val="tx1"/>
                           </a:solidFill>
+                          <a:effectLst/>
                           <a:latin typeface="Adobe Clean" panose="020B0503020404020204" pitchFamily="34" charset="0"/>
                           <a:ea typeface="+mn-ea"/>
                           <a:cs typeface="+mn-cs"/>
                           <a:hlinkClick r:id="rId10"/>
                         </a:rPr>
-                        <a:t>Geschäftsbedingungen</a:t>
+                        <a:t>Terms and Conditions</a:t>
                       </a:r>
+                      <a:endParaRPr lang="en-US" sz="1100">
+                        <a:solidFill>
+                          <a:schemeClr val="tx1"/>
+                        </a:solidFill>
+                        <a:effectLst/>
+                        <a:latin typeface="Adobe Clean" panose="020B0503020404020204" pitchFamily="34" charset="0"/>
+                        <a:ea typeface="+mn-ea"/>
+                        <a:cs typeface="+mn-cs"/>
+                      </a:endParaRPr>
                     </a:p>
                   </a:txBody>
                   <a:tcPr anchor="ctr">
@@ -15545,7 +18499,7 @@
                     <a:lstStyle/>
                     <a:p>
                       <a:r>
-                        <a:rPr lang="de-DE" sz="1000" dirty="0">
+                        <a:rPr lang="en-US" sz="1000" kern="1200">
                           <a:solidFill>
                             <a:srgbClr val="000000"/>
                           </a:solidFill>
@@ -15553,28 +18507,7 @@
                           <a:ea typeface="+mn-ea"/>
                           <a:cs typeface="+mn-cs"/>
                         </a:rPr>
-                        <a:t>Allgemeine Geschäftsbedingungen mit detaillierten Informationen </a:t>
-                      </a:r>
-                      <a:br>
-                        <a:rPr lang="sk-SK" sz="1000" dirty="0">
-                          <a:solidFill>
-                            <a:srgbClr val="000000"/>
-                          </a:solidFill>
-                          <a:latin typeface="Adobe Clean Light" panose="020B0303020404020204" pitchFamily="34" charset="0"/>
-                          <a:ea typeface="+mn-ea"/>
-                          <a:cs typeface="+mn-cs"/>
-                        </a:rPr>
-                      </a:br>
-                      <a:r>
-                        <a:rPr lang="de-DE" sz="1000" dirty="0">
-                          <a:solidFill>
-                            <a:srgbClr val="000000"/>
-                          </a:solidFill>
-                          <a:latin typeface="Adobe Clean Light" panose="020B0303020404020204" pitchFamily="34" charset="0"/>
-                          <a:ea typeface="+mn-ea"/>
-                          <a:cs typeface="+mn-cs"/>
-                        </a:rPr>
-                        <a:t>zu den angebotenen Support-Services</a:t>
+                        <a:t>Terms and conditions detailing Support Services offerings</a:t>
                       </a:r>
                     </a:p>
                   </a:txBody>
@@ -16351,15 +19284,6 @@
 </file>
 
 <file path=customXml/item2.xml><?xml version="1.0" encoding="utf-8"?>
-<?mso-contentType ?>
-<FormTemplates xmlns="http://schemas.microsoft.com/sharepoint/v3/contenttype/forms">
-  <Display>DocumentLibraryForm</Display>
-  <Edit>DocumentLibraryForm</Edit>
-  <New>DocumentLibraryForm</New>
-</FormTemplates>
-</file>
-
-<file path=customXml/item3.xml><?xml version="1.0" encoding="utf-8"?>
 <ct:contentTypeSchema xmlns:ct="http://schemas.microsoft.com/office/2006/metadata/contentType" xmlns:ma="http://schemas.microsoft.com/office/2006/metadata/properties/metaAttributes" ct:_="" ma:_="" ma:contentTypeName="Document" ma:contentTypeID="0x010100E783BF6876BCC646A459363AF21A7736" ma:contentTypeVersion="10" ma:contentTypeDescription="Create a new document." ma:contentTypeScope="" ma:versionID="c4ffda7f4f415767600769e454c2ea87">
   <xsd:schema xmlns:xsd="http://www.w3.org/2001/XMLSchema" xmlns:xs="http://www.w3.org/2001/XMLSchema" xmlns:p="http://schemas.microsoft.com/office/2006/metadata/properties" xmlns:ns2="8a053bff-88be-49e4-9a87-e748e18b8b62" xmlns:ns3="6c8368ec-3776-49b5-a5bb-90648cf9530f" targetNamespace="http://schemas.microsoft.com/office/2006/metadata/properties" ma:root="true" ma:fieldsID="df3ec33bccc23e23bce7bc897fad43d1" ns2:_="" ns3:_="">
     <xsd:import namespace="8a053bff-88be-49e4-9a87-e748e18b8b62"/>
@@ -16564,6 +19488,15 @@
 </ct:contentTypeSchema>
 </file>
 
+<file path=customXml/item3.xml><?xml version="1.0" encoding="utf-8"?>
+<?mso-contentType ?>
+<FormTemplates xmlns="http://schemas.microsoft.com/sharepoint/v3/contenttype/forms">
+  <Display>DocumentLibraryForm</Display>
+  <Edit>DocumentLibraryForm</Edit>
+  <New>DocumentLibraryForm</New>
+</FormTemplates>
+</file>
+
 <file path=customXml/itemProps1.xml><?xml version="1.0" encoding="utf-8"?>
 <ds:datastoreItem xmlns:ds="http://schemas.openxmlformats.org/officeDocument/2006/customXml" ds:itemID="{CED41536-010B-47B1-9229-B72BE4090090}">
   <ds:schemaRefs>
@@ -16574,28 +19507,28 @@
 </file>
 
 <file path=customXml/itemProps2.xml><?xml version="1.0" encoding="utf-8"?>
+<ds:datastoreItem xmlns:ds="http://schemas.openxmlformats.org/officeDocument/2006/customXml" ds:itemID="{75C1A8FD-3884-41A0-BE37-D15776C885D1}">
+  <ds:schemaRefs>
+    <ds:schemaRef ds:uri="6c8368ec-3776-49b5-a5bb-90648cf9530f"/>
+    <ds:schemaRef ds:uri="8a053bff-88be-49e4-9a87-e748e18b8b62"/>
+    <ds:schemaRef ds:uri="http://purl.org/dc/elements/1.1/"/>
+    <ds:schemaRef ds:uri="http://purl.org/dc/terms/"/>
+    <ds:schemaRef ds:uri="http://schemas.microsoft.com/internal/obd"/>
+    <ds:schemaRef ds:uri="http://schemas.microsoft.com/office/2006/documentManagement/types"/>
+    <ds:schemaRef ds:uri="http://schemas.microsoft.com/office/2006/metadata/contentType"/>
+    <ds:schemaRef ds:uri="http://schemas.microsoft.com/office/2006/metadata/properties"/>
+    <ds:schemaRef ds:uri="http://schemas.microsoft.com/office/2006/metadata/properties/metaAttributes"/>
+    <ds:schemaRef ds:uri="http://schemas.microsoft.com/office/infopath/2007/PartnerControls"/>
+    <ds:schemaRef ds:uri="http://schemas.openxmlformats.org/package/2006/metadata/core-properties"/>
+    <ds:schemaRef ds:uri="http://www.w3.org/2001/XMLSchema"/>
+  </ds:schemaRefs>
+</ds:datastoreItem>
+</file>
+
+<file path=customXml/itemProps3.xml><?xml version="1.0" encoding="utf-8"?>
 <ds:datastoreItem xmlns:ds="http://schemas.openxmlformats.org/officeDocument/2006/customXml" ds:itemID="{669D9D3B-3229-44EE-9964-24A06AE66887}">
   <ds:schemaRefs>
     <ds:schemaRef ds:uri="http://schemas.microsoft.com/sharepoint/v3/contenttype/forms"/>
   </ds:schemaRefs>
 </ds:datastoreItem>
-</file>
-
-<file path=customXml/itemProps3.xml><?xml version="1.0" encoding="utf-8"?>
-<ds:datastoreItem xmlns:ds="http://schemas.openxmlformats.org/officeDocument/2006/customXml" ds:itemID="{75C1A8FD-3884-41A0-BE37-D15776C885D1}">
-  <ds:schemaRefs>
-    <ds:schemaRef ds:uri="http://schemas.microsoft.com/office/2006/metadata/contentType"/>
-    <ds:schemaRef ds:uri="http://schemas.microsoft.com/office/2006/metadata/properties/metaAttributes"/>
-    <ds:schemaRef ds:uri="http://www.w3.org/2001/XMLSchema"/>
-    <ds:schemaRef ds:uri="http://schemas.microsoft.com/office/2006/metadata/properties"/>
-    <ds:schemaRef ds:uri="8a053bff-88be-49e4-9a87-e748e18b8b62"/>
-    <ds:schemaRef ds:uri="6c8368ec-3776-49b5-a5bb-90648cf9530f"/>
-    <ds:schemaRef ds:uri="http://schemas.microsoft.com/office/2006/documentManagement/types"/>
-    <ds:schemaRef ds:uri="http://schemas.microsoft.com/office/infopath/2007/PartnerControls"/>
-    <ds:schemaRef ds:uri="http://schemas.openxmlformats.org/package/2006/metadata/core-properties"/>
-    <ds:schemaRef ds:uri="http://purl.org/dc/elements/1.1/"/>
-    <ds:schemaRef ds:uri="http://purl.org/dc/terms/"/>
-    <ds:schemaRef ds:uri="http://schemas.microsoft.com/internal/obd"/>
-  </ds:schemaRefs>
-</ds:datastoreItem>
 </file>
--- a/help/data-sheets/assets/EliteSupportDatasheet.pptx
+++ b/help/data-sheets/assets/EliteSupportDatasheet.pptx
@@ -151,7 +151,9 @@
 <file path=ppt/revisionInfo.xml><?xml version="1.0" encoding="utf-8"?>
 <p1510:revInfo xmlns:a="http://schemas.openxmlformats.org/drawingml/2006/main" xmlns:r="http://schemas.openxmlformats.org/officeDocument/2006/relationships" xmlns:p1510="http://schemas.microsoft.com/office/powerpoint/2015/10/main">
   <p1510:revLst>
-    <p1510:client id="{0BC4D7A0-4BBD-1B49-BE14-170949F0EA37}" v="4" dt="2021-10-13T19:10:14.670"/>
+    <p1510:client id="{306579C9-8574-E621-57BF-C5D6F4C605CC}" v="6" dt="2021-09-22T22:58:26.163"/>
+    <p1510:client id="{86768B6F-E5DF-274A-B928-9320E1DF9962}" v="132" dt="2021-08-07T02:18:13.925"/>
+    <p1510:client id="{8C285145-5FF7-2B49-D44C-ABA3390CC068}" v="48" dt="2021-09-22T19:02:31.738"/>
   </p1510:revLst>
 </p1510:revInfo>
 </file>
@@ -159,26 +161,58 @@
 <file path=ppt/changesInfos/changesInfo1.xml><?xml version="1.0" encoding="utf-8"?>
 <pc:chgInfo xmlns:a="http://schemas.openxmlformats.org/drawingml/2006/main" xmlns:r="http://schemas.openxmlformats.org/officeDocument/2006/relationships" xmlns:ac="http://schemas.microsoft.com/office/drawing/2013/main/command" xmlns:pc="http://schemas.microsoft.com/office/powerpoint/2013/main/command">
   <pc:docChgLst>
-    <pc:chgData name="Lauren Schutte" userId="6e08b2d3-447a-4d66-86be-444d50df187f" providerId="ADAL" clId="{0BC4D7A0-4BBD-1B49-BE14-170949F0EA37}"/>
+    <pc:chgData name="Akilah Johnson" userId="S::akjohnso@adobe.com::2fa3aa60-0c9c-4d06-bae2-795983241227" providerId="AD" clId="Web-{306579C9-8574-E621-57BF-C5D6F4C605CC}"/>
     <pc:docChg chg="modSld">
-      <pc:chgData name="Lauren Schutte" userId="6e08b2d3-447a-4d66-86be-444d50df187f" providerId="ADAL" clId="{0BC4D7A0-4BBD-1B49-BE14-170949F0EA37}" dt="2021-10-13T19:10:14.671" v="3" actId="1035"/>
+      <pc:chgData name="Akilah Johnson" userId="S::akjohnso@adobe.com::2fa3aa60-0c9c-4d06-bae2-795983241227" providerId="AD" clId="Web-{306579C9-8574-E621-57BF-C5D6F4C605CC}" dt="2021-09-22T22:58:18.491" v="3"/>
       <pc:docMkLst>
         <pc:docMk/>
       </pc:docMkLst>
-      <pc:sldChg chg="modSp mod">
-        <pc:chgData name="Lauren Schutte" userId="6e08b2d3-447a-4d66-86be-444d50df187f" providerId="ADAL" clId="{0BC4D7A0-4BBD-1B49-BE14-170949F0EA37}" dt="2021-10-13T19:10:14.671" v="3" actId="1035"/>
+      <pc:sldChg chg="modSp">
+        <pc:chgData name="Akilah Johnson" userId="S::akjohnso@adobe.com::2fa3aa60-0c9c-4d06-bae2-795983241227" providerId="AD" clId="Web-{306579C9-8574-E621-57BF-C5D6F4C605CC}" dt="2021-09-22T22:58:18.491" v="3"/>
         <pc:sldMkLst>
           <pc:docMk/>
-          <pc:sldMk cId="0" sldId="256"/>
+          <pc:sldMk cId="1050037809" sldId="261"/>
+        </pc:sldMkLst>
+        <pc:graphicFrameChg chg="mod modGraphic">
+          <ac:chgData name="Akilah Johnson" userId="S::akjohnso@adobe.com::2fa3aa60-0c9c-4d06-bae2-795983241227" providerId="AD" clId="Web-{306579C9-8574-E621-57BF-C5D6F4C605CC}" dt="2021-09-22T22:58:18.491" v="3"/>
+          <ac:graphicFrameMkLst>
+            <pc:docMk/>
+            <pc:sldMk cId="1050037809" sldId="261"/>
+            <ac:graphicFrameMk id="25" creationId="{3A91F5B0-3974-A14D-A146-FB590F2AAD18}"/>
+          </ac:graphicFrameMkLst>
+        </pc:graphicFrameChg>
+      </pc:sldChg>
+    </pc:docChg>
+  </pc:docChgLst>
+  <pc:docChgLst>
+    <pc:chgData name="Akilah Johnson" userId="S::akjohnso@adobe.com::2fa3aa60-0c9c-4d06-bae2-795983241227" providerId="AD" clId="Web-{8C285145-5FF7-2B49-D44C-ABA3390CC068}"/>
+    <pc:docChg chg="modSld">
+      <pc:chgData name="Akilah Johnson" userId="S::akjohnso@adobe.com::2fa3aa60-0c9c-4d06-bae2-795983241227" providerId="AD" clId="Web-{8C285145-5FF7-2B49-D44C-ABA3390CC068}" dt="2021-09-22T19:02:31.738" v="36" actId="1076"/>
+      <pc:docMkLst>
+        <pc:docMk/>
+      </pc:docMkLst>
+      <pc:sldChg chg="modSp">
+        <pc:chgData name="Akilah Johnson" userId="S::akjohnso@adobe.com::2fa3aa60-0c9c-4d06-bae2-795983241227" providerId="AD" clId="Web-{8C285145-5FF7-2B49-D44C-ABA3390CC068}" dt="2021-09-22T19:02:31.738" v="36" actId="1076"/>
+        <pc:sldMkLst>
+          <pc:docMk/>
+          <pc:sldMk cId="1050037809" sldId="261"/>
         </pc:sldMkLst>
         <pc:spChg chg="mod">
-          <ac:chgData name="Lauren Schutte" userId="6e08b2d3-447a-4d66-86be-444d50df187f" providerId="ADAL" clId="{0BC4D7A0-4BBD-1B49-BE14-170949F0EA37}" dt="2021-10-13T19:10:14.671" v="3" actId="1035"/>
+          <ac:chgData name="Akilah Johnson" userId="S::akjohnso@adobe.com::2fa3aa60-0c9c-4d06-bae2-795983241227" providerId="AD" clId="Web-{8C285145-5FF7-2B49-D44C-ABA3390CC068}" dt="2021-09-22T19:02:31.738" v="36" actId="1076"/>
           <ac:spMkLst>
             <pc:docMk/>
-            <pc:sldMk cId="0" sldId="256"/>
-            <ac:spMk id="4" creationId="{00000000-0000-0000-0000-000000000000}"/>
+            <pc:sldMk cId="1050037809" sldId="261"/>
+            <ac:spMk id="64" creationId="{41467BDC-3D83-D844-B922-CD07E94E5AAB}"/>
           </ac:spMkLst>
         </pc:spChg>
+        <pc:graphicFrameChg chg="mod modGraphic">
+          <ac:chgData name="Akilah Johnson" userId="S::akjohnso@adobe.com::2fa3aa60-0c9c-4d06-bae2-795983241227" providerId="AD" clId="Web-{8C285145-5FF7-2B49-D44C-ABA3390CC068}" dt="2021-09-22T18:59:49.504" v="34"/>
+          <ac:graphicFrameMkLst>
+            <pc:docMk/>
+            <pc:sldMk cId="1050037809" sldId="261"/>
+            <ac:graphicFrameMk id="25" creationId="{3A91F5B0-3974-A14D-A146-FB590F2AAD18}"/>
+          </ac:graphicFrameMkLst>
+        </pc:graphicFrameChg>
       </pc:sldChg>
     </pc:docChg>
   </pc:docChgLst>
@@ -267,7 +301,7 @@
           <a:p>
             <a:fld id="{C12E57D6-2086-AA47-A7A4-C0CDE7C14E44}" type="datetimeFigureOut">
               <a:rPr lang="en-US" smtClean="0"/>
-              <a:t>10/13/2021</a:t>
+              <a:t>9/30/2021</a:t>
             </a:fld>
             <a:endParaRPr lang="en-US"/>
           </a:p>
@@ -578,7 +612,7 @@
           <a:bodyPr/>
           <a:lstStyle/>
           <a:p>
-            <a:endParaRPr lang="en-US"/>
+            <a:endParaRPr lang="en-US" dirty="0"/>
           </a:p>
         </p:txBody>
       </p:sp>
@@ -662,7 +696,7 @@
           <a:bodyPr/>
           <a:lstStyle/>
           <a:p>
-            <a:endParaRPr lang="en-US"/>
+            <a:endParaRPr lang="en-US" dirty="0"/>
           </a:p>
         </p:txBody>
       </p:sp>
@@ -841,7 +875,7 @@
           <a:p>
             <a:fld id="{1D8BD707-D9CF-40AE-B4C6-C98DA3205C09}" type="datetimeFigureOut">
               <a:rPr lang="en-US"/>
-              <a:t>10/13/2021</a:t>
+              <a:t>9/30/2021</a:t>
             </a:fld>
             <a:endParaRPr lang="en-US"/>
           </a:p>
@@ -881,7 +915,7 @@
               </a:spcBef>
             </a:pPr>
             <a:r>
-              <a:rPr spc="-5"/>
+              <a:rPr spc="-5" dirty="0"/>
               <a:t>©</a:t>
             </a:r>
             <a:fld id="{81D60167-4931-47E6-BA6A-407CBD079E47}" type="slidenum">
@@ -889,35 +923,35 @@
               <a:t>‹#›</a:t>
             </a:fld>
             <a:r>
-              <a:rPr spc="-5"/>
+              <a:rPr spc="-5" dirty="0"/>
               <a:t> Adobe. All</a:t>
             </a:r>
             <a:r>
-              <a:rPr spc="-15"/>
+              <a:rPr spc="-15" dirty="0"/>
               <a:t> Rights</a:t>
             </a:r>
             <a:r>
-              <a:rPr spc="-10"/>
+              <a:rPr spc="-10" dirty="0"/>
               <a:t> </a:t>
             </a:r>
             <a:r>
-              <a:rPr spc="-15"/>
+              <a:rPr spc="-15" dirty="0"/>
               <a:t>Reserved.</a:t>
             </a:r>
             <a:r>
-              <a:rPr spc="-10"/>
+              <a:rPr spc="-10" dirty="0"/>
               <a:t> </a:t>
             </a:r>
             <a:r>
-              <a:rPr spc="-5"/>
+              <a:rPr spc="-5" dirty="0"/>
               <a:t>Adobe</a:t>
             </a:r>
             <a:r>
-              <a:rPr spc="60"/>
+              <a:rPr spc="60" dirty="0"/>
               <a:t> </a:t>
             </a:r>
             <a:r>
-              <a:rPr spc="-15"/>
+              <a:rPr spc="-15" dirty="0"/>
               <a:t>Confidential.</a:t>
             </a:r>
           </a:p>
@@ -1086,7 +1120,7 @@
           <a:p>
             <a:fld id="{1D8BD707-D9CF-40AE-B4C6-C98DA3205C09}" type="datetimeFigureOut">
               <a:rPr lang="en-US"/>
-              <a:t>10/13/2021</a:t>
+              <a:t>9/30/2021</a:t>
             </a:fld>
             <a:endParaRPr lang="en-US"/>
           </a:p>
@@ -1126,7 +1160,7 @@
               </a:spcBef>
             </a:pPr>
             <a:r>
-              <a:rPr spc="-5"/>
+              <a:rPr spc="-5" dirty="0"/>
               <a:t>©</a:t>
             </a:r>
             <a:fld id="{81D60167-4931-47E6-BA6A-407CBD079E47}" type="slidenum">
@@ -1134,35 +1168,35 @@
               <a:t>‹#›</a:t>
             </a:fld>
             <a:r>
-              <a:rPr spc="-5"/>
+              <a:rPr spc="-5" dirty="0"/>
               <a:t> Adobe. All</a:t>
             </a:r>
             <a:r>
-              <a:rPr spc="-15"/>
+              <a:rPr spc="-15" dirty="0"/>
               <a:t> Rights</a:t>
             </a:r>
             <a:r>
-              <a:rPr spc="-10"/>
+              <a:rPr spc="-10" dirty="0"/>
               <a:t> </a:t>
             </a:r>
             <a:r>
-              <a:rPr spc="-15"/>
+              <a:rPr spc="-15" dirty="0"/>
               <a:t>Reserved.</a:t>
             </a:r>
             <a:r>
-              <a:rPr spc="-10"/>
+              <a:rPr spc="-10" dirty="0"/>
               <a:t> </a:t>
             </a:r>
             <a:r>
-              <a:rPr spc="-5"/>
+              <a:rPr spc="-5" dirty="0"/>
               <a:t>Adobe</a:t>
             </a:r>
             <a:r>
-              <a:rPr spc="60"/>
+              <a:rPr spc="60" dirty="0"/>
               <a:t> </a:t>
             </a:r>
             <a:r>
-              <a:rPr spc="-15"/>
+              <a:rPr spc="-15" dirty="0"/>
               <a:t>Confidential.</a:t>
             </a:r>
           </a:p>
@@ -1344,7 +1378,7 @@
           <a:p>
             <a:fld id="{1D8BD707-D9CF-40AE-B4C6-C98DA3205C09}" type="datetimeFigureOut">
               <a:rPr lang="en-US"/>
-              <a:t>10/13/2021</a:t>
+              <a:t>9/30/2021</a:t>
             </a:fld>
             <a:endParaRPr lang="en-US"/>
           </a:p>
@@ -1384,7 +1418,7 @@
               </a:spcBef>
             </a:pPr>
             <a:r>
-              <a:rPr spc="-5"/>
+              <a:rPr spc="-5" dirty="0"/>
               <a:t>©</a:t>
             </a:r>
             <a:fld id="{81D60167-4931-47E6-BA6A-407CBD079E47}" type="slidenum">
@@ -1392,35 +1426,35 @@
               <a:t>‹#›</a:t>
             </a:fld>
             <a:r>
-              <a:rPr spc="-5"/>
+              <a:rPr spc="-5" dirty="0"/>
               <a:t> Adobe. All</a:t>
             </a:r>
             <a:r>
-              <a:rPr spc="-15"/>
+              <a:rPr spc="-15" dirty="0"/>
               <a:t> Rights</a:t>
             </a:r>
             <a:r>
-              <a:rPr spc="-10"/>
+              <a:rPr spc="-10" dirty="0"/>
               <a:t> </a:t>
             </a:r>
             <a:r>
-              <a:rPr spc="-15"/>
+              <a:rPr spc="-15" dirty="0"/>
               <a:t>Reserved.</a:t>
             </a:r>
             <a:r>
-              <a:rPr spc="-10"/>
+              <a:rPr spc="-10" dirty="0"/>
               <a:t> </a:t>
             </a:r>
             <a:r>
-              <a:rPr spc="-5"/>
+              <a:rPr spc="-5" dirty="0"/>
               <a:t>Adobe</a:t>
             </a:r>
             <a:r>
-              <a:rPr spc="60"/>
+              <a:rPr spc="60" dirty="0"/>
               <a:t> </a:t>
             </a:r>
             <a:r>
-              <a:rPr spc="-15"/>
+              <a:rPr spc="-15" dirty="0"/>
               <a:t>Confidential.</a:t>
             </a:r>
           </a:p>
@@ -1536,7 +1570,7 @@
           <a:p>
             <a:fld id="{1D8BD707-D9CF-40AE-B4C6-C98DA3205C09}" type="datetimeFigureOut">
               <a:rPr lang="en-US"/>
-              <a:t>10/13/2021</a:t>
+              <a:t>9/30/2021</a:t>
             </a:fld>
             <a:endParaRPr lang="en-US"/>
           </a:p>
@@ -1576,7 +1610,7 @@
               </a:spcBef>
             </a:pPr>
             <a:r>
-              <a:rPr spc="-5"/>
+              <a:rPr spc="-5" dirty="0"/>
               <a:t>©</a:t>
             </a:r>
             <a:fld id="{81D60167-4931-47E6-BA6A-407CBD079E47}" type="slidenum">
@@ -1584,35 +1618,35 @@
               <a:t>‹#›</a:t>
             </a:fld>
             <a:r>
-              <a:rPr spc="-5"/>
+              <a:rPr spc="-5" dirty="0"/>
               <a:t> Adobe. All</a:t>
             </a:r>
             <a:r>
-              <a:rPr spc="-15"/>
+              <a:rPr spc="-15" dirty="0"/>
               <a:t> Rights</a:t>
             </a:r>
             <a:r>
-              <a:rPr spc="-10"/>
+              <a:rPr spc="-10" dirty="0"/>
               <a:t> </a:t>
             </a:r>
             <a:r>
-              <a:rPr spc="-15"/>
+              <a:rPr spc="-15" dirty="0"/>
               <a:t>Reserved.</a:t>
             </a:r>
             <a:r>
-              <a:rPr spc="-10"/>
+              <a:rPr spc="-10" dirty="0"/>
               <a:t> </a:t>
             </a:r>
             <a:r>
-              <a:rPr spc="-5"/>
+              <a:rPr spc="-5" dirty="0"/>
               <a:t>Adobe</a:t>
             </a:r>
             <a:r>
-              <a:rPr spc="60"/>
+              <a:rPr spc="60" dirty="0"/>
               <a:t> </a:t>
             </a:r>
             <a:r>
-              <a:rPr spc="-15"/>
+              <a:rPr spc="-15" dirty="0"/>
               <a:t>Confidential.</a:t>
             </a:r>
           </a:p>
@@ -1699,7 +1733,7 @@
           <a:p>
             <a:fld id="{1D8BD707-D9CF-40AE-B4C6-C98DA3205C09}" type="datetimeFigureOut">
               <a:rPr lang="en-US"/>
-              <a:t>10/13/2021</a:t>
+              <a:t>9/30/2021</a:t>
             </a:fld>
             <a:endParaRPr lang="en-US"/>
           </a:p>
@@ -1739,7 +1773,7 @@
               </a:spcBef>
             </a:pPr>
             <a:r>
-              <a:rPr spc="-5"/>
+              <a:rPr spc="-5" dirty="0"/>
               <a:t>©</a:t>
             </a:r>
             <a:fld id="{81D60167-4931-47E6-BA6A-407CBD079E47}" type="slidenum">
@@ -1747,35 +1781,35 @@
               <a:t>‹#›</a:t>
             </a:fld>
             <a:r>
-              <a:rPr spc="-5"/>
+              <a:rPr spc="-5" dirty="0"/>
               <a:t> Adobe. All</a:t>
             </a:r>
             <a:r>
-              <a:rPr spc="-15"/>
+              <a:rPr spc="-15" dirty="0"/>
               <a:t> Rights</a:t>
             </a:r>
             <a:r>
-              <a:rPr spc="-10"/>
+              <a:rPr spc="-10" dirty="0"/>
               <a:t> </a:t>
             </a:r>
             <a:r>
-              <a:rPr spc="-15"/>
+              <a:rPr spc="-15" dirty="0"/>
               <a:t>Reserved.</a:t>
             </a:r>
             <a:r>
-              <a:rPr spc="-10"/>
+              <a:rPr spc="-10" dirty="0"/>
               <a:t> </a:t>
             </a:r>
             <a:r>
-              <a:rPr spc="-5"/>
+              <a:rPr spc="-5" dirty="0"/>
               <a:t>Adobe</a:t>
             </a:r>
             <a:r>
-              <a:rPr spc="60"/>
+              <a:rPr spc="60" dirty="0"/>
               <a:t> </a:t>
             </a:r>
             <a:r>
-              <a:rPr spc="-15"/>
+              <a:rPr spc="-15" dirty="0"/>
               <a:t>Confidential.</a:t>
             </a:r>
           </a:p>
@@ -1962,7 +1996,7 @@
           <a:p>
             <a:fld id="{1D8BD707-D9CF-40AE-B4C6-C98DA3205C09}" type="datetimeFigureOut">
               <a:rPr lang="en-US"/>
-              <a:t>10/13/2021</a:t>
+              <a:t>9/30/2021</a:t>
             </a:fld>
             <a:endParaRPr lang="en-US"/>
           </a:p>
@@ -2012,7 +2046,7 @@
               </a:spcBef>
             </a:pPr>
             <a:r>
-              <a:rPr spc="-5"/>
+              <a:rPr spc="-5" dirty="0"/>
               <a:t>©</a:t>
             </a:r>
             <a:fld id="{81D60167-4931-47E6-BA6A-407CBD079E47}" type="slidenum">
@@ -2020,35 +2054,35 @@
               <a:t>‹#›</a:t>
             </a:fld>
             <a:r>
-              <a:rPr spc="-5"/>
+              <a:rPr spc="-5" dirty="0"/>
               <a:t> Adobe. All</a:t>
             </a:r>
             <a:r>
-              <a:rPr spc="-15"/>
+              <a:rPr spc="-15" dirty="0"/>
               <a:t> Rights</a:t>
             </a:r>
             <a:r>
-              <a:rPr spc="-10"/>
+              <a:rPr spc="-10" dirty="0"/>
               <a:t> </a:t>
             </a:r>
             <a:r>
-              <a:rPr spc="-15"/>
+              <a:rPr spc="-15" dirty="0"/>
               <a:t>Reserved.</a:t>
             </a:r>
             <a:r>
-              <a:rPr spc="-10"/>
+              <a:rPr spc="-10" dirty="0"/>
               <a:t> </a:t>
             </a:r>
             <a:r>
-              <a:rPr spc="-5"/>
+              <a:rPr spc="-5" dirty="0"/>
               <a:t>Adobe</a:t>
             </a:r>
             <a:r>
-              <a:rPr spc="60"/>
+              <a:rPr spc="60" dirty="0"/>
               <a:t> </a:t>
             </a:r>
             <a:r>
-              <a:rPr spc="-15"/>
+              <a:rPr spc="-15" dirty="0"/>
               <a:t>Confidential.</a:t>
             </a:r>
           </a:p>
@@ -2237,35 +2271,33 @@
         </p:nvSpPr>
         <p:spPr>
           <a:xfrm>
-            <a:off x="502828" y="65103"/>
-            <a:ext cx="3840572" cy="366767"/>
+            <a:off x="502827" y="65103"/>
+            <a:ext cx="4725793" cy="366767"/>
           </a:xfrm>
           <a:prstGeom prst="rect">
             <a:avLst/>
           </a:prstGeom>
         </p:spPr>
         <p:txBody>
-          <a:bodyPr vert="horz" wrap="square" lIns="0" tIns="12700" rIns="0" bIns="0" rtlCol="0" anchor="t">
+          <a:bodyPr vert="horz" wrap="square" lIns="0" tIns="12700" rIns="0" bIns="0" rtlCol="0">
             <a:spAutoFit/>
           </a:bodyPr>
           <a:lstStyle/>
           <a:p>
             <a:pPr marL="12700">
+              <a:lnSpc>
+                <a:spcPct val="100000"/>
+              </a:lnSpc>
               <a:spcBef>
                 <a:spcPts val="100"/>
               </a:spcBef>
             </a:pPr>
             <a:r>
-              <a:rPr sz="2300"/>
-              <a:t>ADOBE </a:t>
-            </a:r>
-            <a:r>
-              <a:rPr lang="en-US" sz="2300"/>
-              <a:t>SUPPORT PLANS</a:t>
-            </a:r>
-            <a:endParaRPr sz="2300">
-              <a:latin typeface="Adobe Clean" panose="020B0503020404020204" pitchFamily="34" charset="0"/>
-            </a:endParaRPr>
+              <a:rPr lang="de-DE" sz="2300" dirty="0">
+                <a:latin typeface="Adobe Clean" panose="020B0503020404020204" pitchFamily="34" charset="0"/>
+              </a:rPr>
+              <a:t>SUPPORT-ANGEBOT VON ADOBE</a:t>
+            </a:r>
           </a:p>
         </p:txBody>
       </p:sp>
@@ -2277,8 +2309,8 @@
         </p:nvSpPr>
         <p:spPr>
           <a:xfrm>
-            <a:off x="159522" y="560755"/>
-            <a:ext cx="7003277" cy="1466427"/>
+            <a:off x="159522" y="590973"/>
+            <a:ext cx="7003278" cy="1466427"/>
           </a:xfrm>
           <a:prstGeom prst="rect">
             <a:avLst/>
@@ -2299,107 +2331,17 @@
               </a:spcBef>
             </a:pPr>
             <a:r>
-              <a:rPr sz="1100" spc="-5">
+              <a:rPr lang="de-DE" sz="1100" spc="-30" dirty="0">
                 <a:solidFill>
                   <a:srgbClr val="FFFFFF"/>
                 </a:solidFill>
                 <a:latin typeface="AdobeClean-Light"/>
                 <a:cs typeface="AdobeClean-Light"/>
               </a:rPr>
-              <a:t>Online</a:t>
-            </a:r>
-            <a:r>
-              <a:rPr sz="1100">
-                <a:solidFill>
-                  <a:srgbClr val="FFFFFF"/>
-                </a:solidFill>
-                <a:latin typeface="AdobeClean-Light"/>
-                <a:cs typeface="AdobeClean-Light"/>
-              </a:rPr>
-              <a:t> |</a:t>
-            </a:r>
-            <a:r>
-              <a:rPr sz="1100" spc="5">
-                <a:solidFill>
-                  <a:srgbClr val="FFFFFF"/>
-                </a:solidFill>
-                <a:latin typeface="AdobeClean-Light"/>
-                <a:cs typeface="AdobeClean-Light"/>
-              </a:rPr>
-              <a:t> </a:t>
-            </a:r>
-            <a:r>
-              <a:rPr sz="1100" spc="-5">
-                <a:solidFill>
-                  <a:srgbClr val="FFFFFF"/>
-                </a:solidFill>
-                <a:latin typeface="AdobeClean-Light"/>
-                <a:cs typeface="AdobeClean-Light"/>
-              </a:rPr>
-              <a:t>Business</a:t>
-            </a:r>
-            <a:r>
-              <a:rPr sz="1100">
-                <a:solidFill>
-                  <a:srgbClr val="FFFFFF"/>
-                </a:solidFill>
-                <a:latin typeface="AdobeClean-Light"/>
-                <a:cs typeface="AdobeClean-Light"/>
-              </a:rPr>
-              <a:t> |</a:t>
-            </a:r>
-            <a:r>
-              <a:rPr sz="1100" spc="10">
-                <a:solidFill>
-                  <a:srgbClr val="FFFFFF"/>
-                </a:solidFill>
-                <a:latin typeface="AdobeClean-Light"/>
-                <a:cs typeface="AdobeClean-Light"/>
-              </a:rPr>
-              <a:t> </a:t>
-            </a:r>
-            <a:r>
-              <a:rPr sz="1100" spc="-5">
-                <a:solidFill>
-                  <a:srgbClr val="FFFFFF"/>
-                </a:solidFill>
-                <a:latin typeface="AdobeClean-Light"/>
-                <a:cs typeface="AdobeClean-Light"/>
-              </a:rPr>
-              <a:t>Enterprise</a:t>
-            </a:r>
-            <a:r>
-              <a:rPr sz="1100" spc="10">
-                <a:solidFill>
-                  <a:srgbClr val="FFFFFF"/>
-                </a:solidFill>
-                <a:latin typeface="AdobeClean-Light"/>
-                <a:cs typeface="AdobeClean-Light"/>
-              </a:rPr>
-              <a:t> </a:t>
-            </a:r>
-            <a:r>
-              <a:rPr sz="1100">
-                <a:solidFill>
-                  <a:srgbClr val="FFFFFF"/>
-                </a:solidFill>
-                <a:latin typeface="AdobeClean-Light"/>
-                <a:cs typeface="AdobeClean-Light"/>
-              </a:rPr>
-              <a:t>|</a:t>
-            </a:r>
-            <a:r>
-              <a:rPr sz="1100" spc="5">
-                <a:solidFill>
-                  <a:srgbClr val="FFFFFF"/>
-                </a:solidFill>
-                <a:latin typeface="AdobeClean-Light"/>
-                <a:cs typeface="AdobeClean-Light"/>
-              </a:rPr>
-              <a:t> </a:t>
-            </a:r>
-            <a:r>
-              <a:rPr sz="1100" b="1" spc="-65">
+              <a:t>Online | Business | Enterprise | </a:t>
+            </a:r>
+            <a:r>
+              <a:rPr lang="de-DE" sz="1100" b="1" spc="-30" dirty="0">
                 <a:solidFill>
                   <a:srgbClr val="FFFFFF"/>
                 </a:solidFill>
@@ -2408,10 +2350,6 @@
               </a:rPr>
               <a:t>Elite</a:t>
             </a:r>
-            <a:endParaRPr sz="1100">
-              <a:latin typeface="Arial"/>
-              <a:cs typeface="Arial"/>
-            </a:endParaRPr>
           </a:p>
           <a:p>
             <a:pPr marL="12700" marR="1076325">
@@ -2420,21 +2358,99 @@
               </a:spcBef>
             </a:pPr>
             <a:r>
-              <a:rPr lang="en-US" sz="900">
+              <a:rPr lang="de-DE" sz="900" spc="-30" dirty="0">
                 <a:solidFill>
                   <a:schemeClr val="bg1"/>
                 </a:solidFill>
                 <a:latin typeface="Adobe Clean SemiLight" panose="020B0403020404020204" pitchFamily="34" charset="0"/>
               </a:rPr>
-              <a:t>Adobe provides a comprehensive range of technical resources to help support your business included as part of your Experience Cloud license subscription and further enhanced in the ELITE support package. ELITE support includes access to personalized learning paths and monitored community forums via the Adobe Experience League. You can also take advantage of our detailed and in-depth technical product documentation and current release notes. ELITE customers will also have access to a Named Support Engineer as well as a Technical Account Manager who combine and work in partnership with you to provide best in class proactive and reactive support while acting as your designated technical contacts in the Adobe Support Team. With deep experience in your designated Experience Cloud solutions, your support team work to ensure that no matter how complex your support needs are, the Adobe Support team will be there side by side with you throughout, to ensure you maximize your investment in the Adobe Experience Cloud solutions and to help you avoid problems before they happen.</a:t>
-            </a:r>
-            <a:endParaRPr sz="900">
-              <a:solidFill>
-                <a:schemeClr val="bg1"/>
-              </a:solidFill>
-              <a:latin typeface="AdobeClean-Light"/>
-              <a:cs typeface="AdobeClean-Light"/>
-            </a:endParaRPr>
+              <a:t>Adobe bietet eine umfangreiche Palette an technischen Ressourcen zur Unterstützung Ihres Unternehmens. Diese sind Teil des Experience Cloud-Lizenzabonnements und werden durch das ELITE Support-Paket weiter ergänzt. ELITE Support bietet über die Adobe Experience League Zugang zu personalisierten Lernpfaden und von Moderatoren betreuten Community-Foren. Darüber hinaus stehen Ihnen unsere umfangreiche technische Produktdokumentation sowie aktuelle Versionshinweise zur Verfügung. ELITE-Kunden erhalten auch Kontakt</a:t>
+            </a:r>
+            <a:br>
+              <a:rPr lang="sk-SK" sz="900" spc="-30" dirty="0">
+                <a:solidFill>
+                  <a:schemeClr val="bg1"/>
+                </a:solidFill>
+                <a:latin typeface="Adobe Clean SemiLight" panose="020B0403020404020204" pitchFamily="34" charset="0"/>
+              </a:rPr>
+            </a:br>
+            <a:r>
+              <a:rPr lang="de-DE" sz="900" spc="-30" dirty="0">
+                <a:solidFill>
+                  <a:schemeClr val="bg1"/>
+                </a:solidFill>
+                <a:latin typeface="Adobe Clean SemiLight" panose="020B0403020404020204" pitchFamily="34" charset="0"/>
+              </a:rPr>
+              <a:t>zu einem spezifischen Support-Mitarbeiter sowie einem Technical Account Manager. Diese sind Ihre Ansprechpartner für technische</a:t>
+            </a:r>
+            <a:br>
+              <a:rPr lang="sk-SK" sz="900" spc="-30" dirty="0">
+                <a:solidFill>
+                  <a:schemeClr val="bg1"/>
+                </a:solidFill>
+                <a:latin typeface="Adobe Clean SemiLight" panose="020B0403020404020204" pitchFamily="34" charset="0"/>
+              </a:rPr>
+            </a:br>
+            <a:r>
+              <a:rPr lang="de-DE" sz="900" spc="-30" dirty="0">
+                <a:solidFill>
+                  <a:schemeClr val="bg1"/>
+                </a:solidFill>
+                <a:latin typeface="Adobe Clean SemiLight" panose="020B0403020404020204" pitchFamily="34" charset="0"/>
+              </a:rPr>
+              <a:t> Fragen im Adobe-Support-Team und arbeiten gemeinsam mit Ihnen daran, bestmöglichen, reaktionsschnellen Support anzubieten. </a:t>
+            </a:r>
+            <a:br>
+              <a:rPr lang="sk-SK" sz="900" spc="-30" dirty="0">
+                <a:solidFill>
+                  <a:schemeClr val="bg1"/>
+                </a:solidFill>
+                <a:latin typeface="Adobe Clean SemiLight" panose="020B0403020404020204" pitchFamily="34" charset="0"/>
+              </a:rPr>
+            </a:br>
+            <a:r>
+              <a:rPr lang="de-DE" sz="900" spc="-30" dirty="0">
+                <a:solidFill>
+                  <a:schemeClr val="bg1"/>
+                </a:solidFill>
+                <a:latin typeface="Adobe Clean SemiLight" panose="020B0403020404020204" pitchFamily="34" charset="0"/>
+              </a:rPr>
+              <a:t>Mit umfangreicher Expertise in unseren Experience Cloud-Lösungen unterstützt Sie das Support-Team von Adobe auch bei den komplexesten </a:t>
+            </a:r>
+            <a:br>
+              <a:rPr lang="sk-SK" sz="900" spc="-30" dirty="0">
+                <a:solidFill>
+                  <a:schemeClr val="bg1"/>
+                </a:solidFill>
+                <a:latin typeface="Adobe Clean SemiLight" panose="020B0403020404020204" pitchFamily="34" charset="0"/>
+              </a:rPr>
+            </a:br>
+            <a:r>
+              <a:rPr lang="de-DE" sz="900" spc="-30" dirty="0">
+                <a:solidFill>
+                  <a:schemeClr val="bg1"/>
+                </a:solidFill>
+                <a:latin typeface="Adobe Clean SemiLight" panose="020B0403020404020204" pitchFamily="34" charset="0"/>
+              </a:rPr>
+              <a:t>Support-Bedürfnissen. So können Sie das Optimum aus Ihren Investitionen in die Adobe Experience Cloud-Lösungen herausholen </a:t>
+            </a:r>
+            <a:br>
+              <a:rPr lang="sk-SK" sz="900" spc="-30" dirty="0">
+                <a:solidFill>
+                  <a:schemeClr val="bg1"/>
+                </a:solidFill>
+                <a:latin typeface="Adobe Clean SemiLight" panose="020B0403020404020204" pitchFamily="34" charset="0"/>
+              </a:rPr>
+            </a:br>
+            <a:r>
+              <a:rPr lang="de-DE" sz="900" spc="-30" dirty="0">
+                <a:solidFill>
+                  <a:schemeClr val="bg1"/>
+                </a:solidFill>
+                <a:latin typeface="Adobe Clean SemiLight" panose="020B0403020404020204" pitchFamily="34" charset="0"/>
+              </a:rPr>
+              <a:t>und Probleme vermeiden, bevor sie überhaupt entstehen.</a:t>
+            </a:r>
           </a:p>
         </p:txBody>
       </p:sp>
@@ -2446,7 +2462,7 @@
         </p:nvSpPr>
         <p:spPr>
           <a:xfrm>
-            <a:off x="168564" y="7162800"/>
+            <a:off x="168564" y="7024371"/>
             <a:ext cx="2780665" cy="238760"/>
           </a:xfrm>
           <a:prstGeom prst="rect">
@@ -2468,7 +2484,7 @@
               </a:spcBef>
             </a:pPr>
             <a:r>
-              <a:rPr sz="1400" b="1" u="heavy" spc="20">
+              <a:rPr lang="de-DE" sz="1400" b="1" u="heavy">
                 <a:solidFill>
                   <a:srgbClr val="020302"/>
                 </a:solidFill>
@@ -2480,447 +2496,8 @@
                 <a:latin typeface="Adobe Clean"/>
                 <a:cs typeface="Adobe Clean"/>
               </a:rPr>
-              <a:t>S</a:t>
-            </a:r>
-            <a:r>
-              <a:rPr sz="1400" b="1" u="heavy">
-                <a:solidFill>
-                  <a:srgbClr val="020302"/>
-                </a:solidFill>
-                <a:uFill>
-                  <a:solidFill>
-                    <a:srgbClr val="020302"/>
-                  </a:solidFill>
-                </a:uFill>
-                <a:latin typeface="Adobe Clean"/>
-                <a:cs typeface="Adobe Clean"/>
-              </a:rPr>
-              <a:t>er</a:t>
-            </a:r>
-            <a:r>
-              <a:rPr sz="1400" b="1" u="heavy" spc="10">
-                <a:solidFill>
-                  <a:srgbClr val="020302"/>
-                </a:solidFill>
-                <a:uFill>
-                  <a:solidFill>
-                    <a:srgbClr val="020302"/>
-                  </a:solidFill>
-                </a:uFill>
-                <a:latin typeface="Adobe Clean"/>
-                <a:cs typeface="Adobe Clean"/>
-              </a:rPr>
-              <a:t>vi</a:t>
-            </a:r>
-            <a:r>
-              <a:rPr sz="1400" b="1" u="heavy">
-                <a:solidFill>
-                  <a:srgbClr val="020302"/>
-                </a:solidFill>
-                <a:uFill>
-                  <a:solidFill>
-                    <a:srgbClr val="020302"/>
-                  </a:solidFill>
-                </a:uFill>
-                <a:latin typeface="Adobe Clean"/>
-                <a:cs typeface="Adobe Clean"/>
-              </a:rPr>
-              <a:t>ce</a:t>
-            </a:r>
-            <a:r>
-              <a:rPr sz="1400" b="1" u="heavy" spc="20">
-                <a:solidFill>
-                  <a:srgbClr val="020302"/>
-                </a:solidFill>
-                <a:uFill>
-                  <a:solidFill>
-                    <a:srgbClr val="020302"/>
-                  </a:solidFill>
-                </a:uFill>
-                <a:latin typeface="Adobe Clean"/>
-                <a:cs typeface="Adobe Clean"/>
-              </a:rPr>
-              <a:t> </a:t>
-            </a:r>
-            <a:r>
-              <a:rPr sz="1400" b="1" u="heavy" spc="-20">
-                <a:solidFill>
-                  <a:srgbClr val="020302"/>
-                </a:solidFill>
-                <a:uFill>
-                  <a:solidFill>
-                    <a:srgbClr val="020302"/>
-                  </a:solidFill>
-                </a:uFill>
-                <a:latin typeface="Adobe Clean"/>
-                <a:cs typeface="Adobe Clean"/>
-              </a:rPr>
-              <a:t>Le</a:t>
-            </a:r>
-            <a:r>
-              <a:rPr sz="1400" b="1" u="heavy" spc="-10">
-                <a:solidFill>
-                  <a:srgbClr val="020302"/>
-                </a:solidFill>
-                <a:uFill>
-                  <a:solidFill>
-                    <a:srgbClr val="020302"/>
-                  </a:solidFill>
-                </a:uFill>
-                <a:latin typeface="Adobe Clean"/>
-                <a:cs typeface="Adobe Clean"/>
-              </a:rPr>
-              <a:t>v</a:t>
-            </a:r>
-            <a:r>
-              <a:rPr sz="1400" b="1" u="heavy" spc="-20">
-                <a:solidFill>
-                  <a:srgbClr val="020302"/>
-                </a:solidFill>
-                <a:uFill>
-                  <a:solidFill>
-                    <a:srgbClr val="020302"/>
-                  </a:solidFill>
-                </a:uFill>
-                <a:latin typeface="Adobe Clean"/>
-                <a:cs typeface="Adobe Clean"/>
-              </a:rPr>
-              <a:t>e</a:t>
-            </a:r>
-            <a:r>
-              <a:rPr sz="1400" b="1" u="heavy">
-                <a:solidFill>
-                  <a:srgbClr val="020302"/>
-                </a:solidFill>
-                <a:uFill>
-                  <a:solidFill>
-                    <a:srgbClr val="020302"/>
-                  </a:solidFill>
-                </a:uFill>
-                <a:latin typeface="Adobe Clean"/>
-                <a:cs typeface="Adobe Clean"/>
-              </a:rPr>
-              <a:t>l</a:t>
-            </a:r>
-            <a:r>
-              <a:rPr sz="1400" b="1" u="heavy" spc="-10">
-                <a:solidFill>
-                  <a:srgbClr val="020302"/>
-                </a:solidFill>
-                <a:uFill>
-                  <a:solidFill>
-                    <a:srgbClr val="020302"/>
-                  </a:solidFill>
-                </a:uFill>
-                <a:latin typeface="Adobe Clean"/>
-                <a:cs typeface="Adobe Clean"/>
-              </a:rPr>
-              <a:t> </a:t>
-            </a:r>
-            <a:r>
-              <a:rPr sz="1400" b="1" u="heavy" spc="-65">
-                <a:solidFill>
-                  <a:srgbClr val="020302"/>
-                </a:solidFill>
-                <a:uFill>
-                  <a:solidFill>
-                    <a:srgbClr val="020302"/>
-                  </a:solidFill>
-                </a:uFill>
-                <a:latin typeface="Adobe Clean"/>
-                <a:cs typeface="Adobe Clean"/>
-              </a:rPr>
-              <a:t>T</a:t>
-            </a:r>
-            <a:r>
-              <a:rPr sz="1400" b="1" u="heavy" spc="-35">
-                <a:solidFill>
-                  <a:srgbClr val="020302"/>
-                </a:solidFill>
-                <a:uFill>
-                  <a:solidFill>
-                    <a:srgbClr val="020302"/>
-                  </a:solidFill>
-                </a:uFill>
-                <a:latin typeface="Adobe Clean"/>
-                <a:cs typeface="Adobe Clean"/>
-              </a:rPr>
-              <a:t>a</a:t>
-            </a:r>
-            <a:r>
-              <a:rPr sz="1400" b="1" u="heavy" spc="-45">
-                <a:solidFill>
-                  <a:srgbClr val="020302"/>
-                </a:solidFill>
-                <a:uFill>
-                  <a:solidFill>
-                    <a:srgbClr val="020302"/>
-                  </a:solidFill>
-                </a:uFill>
-                <a:latin typeface="Adobe Clean"/>
-                <a:cs typeface="Adobe Clean"/>
-              </a:rPr>
-              <a:t>r</a:t>
-            </a:r>
-            <a:r>
-              <a:rPr sz="1400" b="1" u="heavy" spc="-35">
-                <a:solidFill>
-                  <a:srgbClr val="020302"/>
-                </a:solidFill>
-                <a:uFill>
-                  <a:solidFill>
-                    <a:srgbClr val="020302"/>
-                  </a:solidFill>
-                </a:uFill>
-                <a:latin typeface="Adobe Clean"/>
-                <a:cs typeface="Adobe Clean"/>
-              </a:rPr>
-              <a:t>g</a:t>
-            </a:r>
-            <a:r>
-              <a:rPr sz="1400" b="1" u="heavy" spc="-55">
-                <a:solidFill>
-                  <a:srgbClr val="020302"/>
-                </a:solidFill>
-                <a:uFill>
-                  <a:solidFill>
-                    <a:srgbClr val="020302"/>
-                  </a:solidFill>
-                </a:uFill>
-                <a:latin typeface="Adobe Clean"/>
-                <a:cs typeface="Adobe Clean"/>
-              </a:rPr>
-              <a:t>et</a:t>
-            </a:r>
-            <a:r>
-              <a:rPr sz="1400" b="1" u="heavy" spc="-45">
-                <a:solidFill>
-                  <a:srgbClr val="020302"/>
-                </a:solidFill>
-                <a:uFill>
-                  <a:solidFill>
-                    <a:srgbClr val="020302"/>
-                  </a:solidFill>
-                </a:uFill>
-                <a:latin typeface="Adobe Clean"/>
-                <a:cs typeface="Adobe Clean"/>
-              </a:rPr>
-              <a:t>s</a:t>
-            </a:r>
-            <a:r>
-              <a:rPr sz="1400" b="1" u="heavy">
-                <a:solidFill>
-                  <a:srgbClr val="020302"/>
-                </a:solidFill>
-                <a:uFill>
-                  <a:solidFill>
-                    <a:srgbClr val="020302"/>
-                  </a:solidFill>
-                </a:uFill>
-                <a:latin typeface="Adobe Clean"/>
-                <a:cs typeface="Adobe Clean"/>
-              </a:rPr>
-              <a:t>:</a:t>
-            </a:r>
-            <a:r>
-              <a:rPr sz="1400" b="1" u="heavy" spc="-80">
-                <a:solidFill>
-                  <a:srgbClr val="020302"/>
-                </a:solidFill>
-                <a:uFill>
-                  <a:solidFill>
-                    <a:srgbClr val="020302"/>
-                  </a:solidFill>
-                </a:uFill>
-                <a:latin typeface="Adobe Clean"/>
-                <a:cs typeface="Adobe Clean"/>
-              </a:rPr>
-              <a:t> </a:t>
-            </a:r>
-            <a:r>
-              <a:rPr sz="1400" b="1" u="heavy" spc="-20">
-                <a:solidFill>
-                  <a:srgbClr val="020302"/>
-                </a:solidFill>
-                <a:uFill>
-                  <a:solidFill>
-                    <a:srgbClr val="020302"/>
-                  </a:solidFill>
-                </a:uFill>
-                <a:latin typeface="Adobe Clean"/>
-                <a:cs typeface="Adobe Clean"/>
-              </a:rPr>
-              <a:t>I</a:t>
-            </a:r>
-            <a:r>
-              <a:rPr sz="1400" b="1" u="heavy" spc="-10">
-                <a:solidFill>
-                  <a:srgbClr val="020302"/>
-                </a:solidFill>
-                <a:uFill>
-                  <a:solidFill>
-                    <a:srgbClr val="020302"/>
-                  </a:solidFill>
-                </a:uFill>
-                <a:latin typeface="Adobe Clean"/>
-                <a:cs typeface="Adobe Clean"/>
-              </a:rPr>
-              <a:t>ni</a:t>
-            </a:r>
-            <a:r>
-              <a:rPr sz="1400" b="1" u="heavy" spc="-20">
-                <a:solidFill>
-                  <a:srgbClr val="020302"/>
-                </a:solidFill>
-                <a:uFill>
-                  <a:solidFill>
-                    <a:srgbClr val="020302"/>
-                  </a:solidFill>
-                </a:uFill>
-                <a:latin typeface="Adobe Clean"/>
-                <a:cs typeface="Adobe Clean"/>
-              </a:rPr>
-              <a:t>t</a:t>
-            </a:r>
-            <a:r>
-              <a:rPr sz="1400" b="1" u="heavy" spc="-10">
-                <a:solidFill>
-                  <a:srgbClr val="020302"/>
-                </a:solidFill>
-                <a:uFill>
-                  <a:solidFill>
-                    <a:srgbClr val="020302"/>
-                  </a:solidFill>
-                </a:uFill>
-                <a:latin typeface="Adobe Clean"/>
-                <a:cs typeface="Adobe Clean"/>
-              </a:rPr>
-              <a:t>i</a:t>
-            </a:r>
-            <a:r>
-              <a:rPr sz="1400" b="1" u="heavy">
-                <a:solidFill>
-                  <a:srgbClr val="020302"/>
-                </a:solidFill>
-                <a:uFill>
-                  <a:solidFill>
-                    <a:srgbClr val="020302"/>
-                  </a:solidFill>
-                </a:uFill>
-                <a:latin typeface="Adobe Clean"/>
-                <a:cs typeface="Adobe Clean"/>
-              </a:rPr>
-              <a:t>al</a:t>
-            </a:r>
-            <a:r>
-              <a:rPr sz="1400" b="1" u="heavy" spc="-140">
-                <a:solidFill>
-                  <a:srgbClr val="020302"/>
-                </a:solidFill>
-                <a:uFill>
-                  <a:solidFill>
-                    <a:srgbClr val="020302"/>
-                  </a:solidFill>
-                </a:uFill>
-                <a:latin typeface="Adobe Clean"/>
-                <a:cs typeface="Adobe Clean"/>
-              </a:rPr>
-              <a:t> </a:t>
-            </a:r>
-            <a:r>
-              <a:rPr sz="1400" b="1" u="heavy" spc="-15">
-                <a:solidFill>
-                  <a:srgbClr val="020302"/>
-                </a:solidFill>
-                <a:uFill>
-                  <a:solidFill>
-                    <a:srgbClr val="020302"/>
-                  </a:solidFill>
-                </a:uFill>
-                <a:latin typeface="Adobe Clean"/>
-                <a:cs typeface="Adobe Clean"/>
-              </a:rPr>
-              <a:t>R</a:t>
-            </a:r>
-            <a:r>
-              <a:rPr sz="1400" b="1" u="heavy" spc="-25">
-                <a:solidFill>
-                  <a:srgbClr val="020302"/>
-                </a:solidFill>
-                <a:uFill>
-                  <a:solidFill>
-                    <a:srgbClr val="020302"/>
-                  </a:solidFill>
-                </a:uFill>
-                <a:latin typeface="Adobe Clean"/>
-                <a:cs typeface="Adobe Clean"/>
-              </a:rPr>
-              <a:t>e</a:t>
-            </a:r>
-            <a:r>
-              <a:rPr sz="1400" b="1" u="heavy" spc="-15">
-                <a:solidFill>
-                  <a:srgbClr val="020302"/>
-                </a:solidFill>
-                <a:uFill>
-                  <a:solidFill>
-                    <a:srgbClr val="020302"/>
-                  </a:solidFill>
-                </a:uFill>
-                <a:latin typeface="Adobe Clean"/>
-                <a:cs typeface="Adobe Clean"/>
-              </a:rPr>
-              <a:t>s</a:t>
-            </a:r>
-            <a:r>
-              <a:rPr sz="1400" b="1" u="heavy" spc="-25">
-                <a:solidFill>
-                  <a:srgbClr val="020302"/>
-                </a:solidFill>
-                <a:uFill>
-                  <a:solidFill>
-                    <a:srgbClr val="020302"/>
-                  </a:solidFill>
-                </a:uFill>
-                <a:latin typeface="Adobe Clean"/>
-                <a:cs typeface="Adobe Clean"/>
-              </a:rPr>
-              <a:t>p</a:t>
-            </a:r>
-            <a:r>
-              <a:rPr sz="1400" b="1" u="heavy" spc="-15">
-                <a:solidFill>
-                  <a:srgbClr val="020302"/>
-                </a:solidFill>
-                <a:uFill>
-                  <a:solidFill>
-                    <a:srgbClr val="020302"/>
-                  </a:solidFill>
-                </a:uFill>
-                <a:latin typeface="Adobe Clean"/>
-                <a:cs typeface="Adobe Clean"/>
-              </a:rPr>
-              <a:t>ons</a:t>
-            </a:r>
-            <a:r>
-              <a:rPr sz="1400" b="1" u="heavy">
-                <a:solidFill>
-                  <a:srgbClr val="020302"/>
-                </a:solidFill>
-                <a:uFill>
-                  <a:solidFill>
-                    <a:srgbClr val="020302"/>
-                  </a:solidFill>
-                </a:uFill>
-                <a:latin typeface="Adobe Clean"/>
-                <a:cs typeface="Adobe Clean"/>
-              </a:rPr>
-              <a:t>e</a:t>
-            </a:r>
-            <a:endParaRPr sz="1400">
-              <a:latin typeface="Adobe Clean"/>
-              <a:cs typeface="Adobe Clean"/>
-            </a:endParaRPr>
+              <a:t>Service-Level-Ziele: Erste Reaktion</a:t>
+            </a:r>
           </a:p>
         </p:txBody>
       </p:sp>
@@ -2933,14 +2510,14 @@
           <p:nvPr>
             <p:extLst>
               <p:ext uri="{D42A27DB-BD31-4B8C-83A1-F6EECF244321}">
-                <p14:modId xmlns:p14="http://schemas.microsoft.com/office/powerpoint/2010/main" val="101721845"/>
+                <p14:modId xmlns:p14="http://schemas.microsoft.com/office/powerpoint/2010/main" val="765862485"/>
               </p:ext>
             </p:extLst>
           </p:nvPr>
         </p:nvGraphicFramePr>
         <p:xfrm>
           <a:off x="145668" y="7473158"/>
-          <a:ext cx="7409815" cy="2259721"/>
+          <a:ext cx="7409815" cy="2386721"/>
         </p:xfrm>
         <a:graphic>
           <a:graphicData uri="http://schemas.openxmlformats.org/drawingml/2006/table">
@@ -2986,19 +2563,15 @@
                         </a:spcBef>
                       </a:pPr>
                       <a:r>
-                        <a:rPr sz="900" spc="0">
+                        <a:rPr lang="de-DE" sz="900">
                           <a:solidFill>
                             <a:srgbClr val="020302"/>
                           </a:solidFill>
                           <a:latin typeface="Adobe Clean"/>
                           <a:cs typeface="Adobe Clean"/>
                         </a:rPr>
-                        <a:t>Priority</a:t>
+                        <a:t>Priorität</a:t>
                       </a:r>
-                      <a:endParaRPr sz="900" spc="0">
-                        <a:latin typeface="Adobe Clean"/>
-                        <a:cs typeface="Adobe Clean"/>
-                      </a:endParaRPr>
                     </a:p>
                   </a:txBody>
                   <a:tcPr marL="0" marR="0" marT="5715" marB="0" anchor="ctr">
@@ -3045,39 +2618,15 @@
                         </a:spcBef>
                       </a:pPr>
                       <a:r>
-                        <a:rPr sz="900" spc="0">
+                        <a:rPr lang="de-DE" sz="900">
                           <a:solidFill>
                             <a:srgbClr val="020302"/>
                           </a:solidFill>
                           <a:latin typeface="Adobe Clean"/>
                           <a:cs typeface="Adobe Clean"/>
                         </a:rPr>
-                        <a:t>Online</a:t>
+                        <a:t>Online Support</a:t>
                       </a:r>
-                      <a:r>
-                        <a:rPr lang="en-US" sz="900" spc="0">
-                          <a:solidFill>
-                            <a:srgbClr val="020302"/>
-                          </a:solidFill>
-                          <a:latin typeface="Adobe Clean"/>
-                          <a:cs typeface="Adobe Clean"/>
-                        </a:rPr>
-                        <a:t> </a:t>
-                      </a:r>
-                      <a:r>
-                        <a:rPr sz="900" spc="0">
-                          <a:solidFill>
-                            <a:srgbClr val="020302"/>
-                          </a:solidFill>
-                          <a:latin typeface="Adobe Clean"/>
-                          <a:cs typeface="Adobe Clean"/>
-                        </a:rPr>
-                        <a:t> Support</a:t>
-                      </a:r>
-                      <a:endParaRPr sz="900" spc="0">
-                        <a:latin typeface="Adobe Clean"/>
-                        <a:cs typeface="Adobe Clean"/>
-                      </a:endParaRPr>
                     </a:p>
                   </a:txBody>
                   <a:tcPr marL="0" marR="0" marT="5715" marB="0" anchor="ctr">
@@ -3127,39 +2676,15 @@
                         </a:spcBef>
                       </a:pPr>
                       <a:r>
-                        <a:rPr sz="900" spc="0">
+                        <a:rPr lang="de-DE" sz="900">
                           <a:solidFill>
                             <a:srgbClr val="FFFFFF"/>
                           </a:solidFill>
                           <a:latin typeface="Adobe Clean"/>
                           <a:cs typeface="Adobe Clean"/>
                         </a:rPr>
-                        <a:t>Elite </a:t>
+                        <a:t>Elite Support</a:t>
                       </a:r>
-                      <a:r>
-                        <a:rPr lang="en-US" sz="900" spc="0">
-                          <a:solidFill>
-                            <a:srgbClr val="FFFFFF"/>
-                          </a:solidFill>
-                          <a:latin typeface="Adobe Clean"/>
-                          <a:cs typeface="Adobe Clean"/>
-                        </a:rPr>
-                        <a:t> </a:t>
-                      </a:r>
-                      <a:r>
-                        <a:rPr sz="900" spc="0">
-                          <a:solidFill>
-                            <a:srgbClr val="FFFFFF"/>
-                          </a:solidFill>
-                          <a:latin typeface="Adobe Clean"/>
-                          <a:cs typeface="Adobe Clean"/>
-                        </a:rPr>
-                        <a:t>Support</a:t>
-                      </a:r>
-                      <a:endParaRPr sz="900" spc="0">
-                        <a:latin typeface="Adobe Clean"/>
-                        <a:cs typeface="Adobe Clean"/>
-                      </a:endParaRPr>
                     </a:p>
                   </a:txBody>
                   <a:tcPr marL="0" marR="0" marT="8255" marB="0" anchor="ctr">
@@ -3216,19 +2741,15 @@
                         </a:spcBef>
                       </a:pPr>
                       <a:r>
-                        <a:rPr sz="900" b="1" spc="0">
+                        <a:rPr lang="de-DE" sz="900" b="1" dirty="0">
                           <a:solidFill>
                             <a:srgbClr val="020302"/>
                           </a:solidFill>
                           <a:latin typeface="Adobe Clean"/>
                           <a:cs typeface="Adobe Clean"/>
                         </a:rPr>
-                        <a:t>PRIORITY 1</a:t>
+                        <a:t>PRIORITÄT 1</a:t>
                       </a:r>
-                      <a:endParaRPr sz="900" spc="0">
-                        <a:latin typeface="Adobe Clean"/>
-                        <a:cs typeface="Adobe Clean"/>
-                      </a:endParaRPr>
                     </a:p>
                     <a:p>
                       <a:pPr marL="50165" marR="495934" algn="l">
@@ -3240,19 +2761,31 @@
                         </a:spcBef>
                       </a:pPr>
                       <a:r>
-                        <a:rPr lang="en-US" sz="900" b="0" i="0" u="none" strike="noStrike" spc="0">
+                        <a:rPr lang="de-DE" sz="900" b="0" i="0" u="none" strike="noStrike" dirty="0">
                           <a:solidFill>
                             <a:srgbClr val="000000"/>
                           </a:solidFill>
-                          <a:effectLst/>
                           <a:latin typeface="Adobe Clean Light" panose="020B0303020404020204" pitchFamily="34" charset="0"/>
                         </a:rPr>
-                        <a:t>Customer's production business functions are down or have significant data loss or service degradation and immediate attention is required to restore functionality and usability</a:t>
+                        <a:t>Die Produktionsfunktionen im Unternehmen des Kunden sind ausgefallen oder weisen </a:t>
                       </a:r>
-                      <a:endParaRPr sz="900" spc="0">
-                        <a:latin typeface="AdobeClean-Light"/>
-                        <a:cs typeface="AdobeClean-Light"/>
-                      </a:endParaRPr>
+                      <a:br>
+                        <a:rPr lang="sk-SK" sz="900" b="0" i="0" u="none" strike="noStrike" dirty="0">
+                          <a:solidFill>
+                            <a:srgbClr val="000000"/>
+                          </a:solidFill>
+                          <a:latin typeface="Adobe Clean Light" panose="020B0303020404020204" pitchFamily="34" charset="0"/>
+                        </a:rPr>
+                      </a:br>
+                      <a:r>
+                        <a:rPr lang="de-DE" sz="900" b="0" i="0" u="none" strike="noStrike" dirty="0">
+                          <a:solidFill>
+                            <a:srgbClr val="000000"/>
+                          </a:solidFill>
+                          <a:latin typeface="Adobe Clean Light" panose="020B0303020404020204" pitchFamily="34" charset="0"/>
+                        </a:rPr>
+                        <a:t>einen erheblichen Datenverlust oder eine Beeinträchtigung des Service auf und ein sofortiges Eingreifen ist nötig, um Funktionalität und Nutzbarkeit wiederherzustellen</a:t>
+                      </a:r>
                     </a:p>
                   </a:txBody>
                   <a:tcPr marL="0" marR="0" marT="0" marB="0" anchor="ctr">
@@ -3290,85 +2823,40 @@
                     <a:bodyPr/>
                     <a:lstStyle/>
                     <a:p>
-                      <a:pPr marL="542925" marR="492125" algn="l">
+                      <a:pPr marL="457200" marR="492125" indent="-57150" algn="ctr" defTabSz="1143000">
                         <a:lnSpc>
                           <a:spcPct val="102200"/>
                         </a:lnSpc>
                       </a:pPr>
                       <a:r>
-                        <a:rPr sz="900" spc="0">
+                        <a:rPr lang="de-DE" sz="900" dirty="0">
                           <a:solidFill>
                             <a:srgbClr val="020302"/>
                           </a:solidFill>
                           <a:latin typeface="AdobeClean-Light"/>
                           <a:cs typeface="AdobeClean-Light"/>
                         </a:rPr>
-                        <a:t>24x7</a:t>
+                        <a:t>24x7/</a:t>
                       </a:r>
-                      <a:r>
-                        <a:rPr lang="en-US" sz="900" spc="0">
+                      <a:br>
+                        <a:rPr lang="sk-SK" sz="900" dirty="0">
                           <a:solidFill>
                             <a:srgbClr val="020302"/>
                           </a:solidFill>
                           <a:latin typeface="AdobeClean-Light"/>
                           <a:cs typeface="AdobeClean-Light"/>
                         </a:rPr>
-                        <a:t> </a:t>
-                      </a:r>
+                      </a:br>
                       <a:r>
-                        <a:rPr sz="900" spc="0">
+                        <a:rPr lang="de-DE" sz="900" dirty="0">
                           <a:solidFill>
                             <a:srgbClr val="020302"/>
                           </a:solidFill>
                           <a:latin typeface="AdobeClean-Light"/>
                           <a:cs typeface="AdobeClean-Light"/>
                         </a:rPr>
-                        <a:t>/</a:t>
+                        <a:t>1 Stunde</a:t>
                       </a:r>
-                      <a:r>
-                        <a:rPr lang="en-US" sz="900" spc="0">
-                          <a:solidFill>
-                            <a:srgbClr val="020302"/>
-                          </a:solidFill>
-                          <a:latin typeface="AdobeClean-Light"/>
-                          <a:cs typeface="AdobeClean-Light"/>
-                        </a:rPr>
-                        <a:t>         </a:t>
-                      </a:r>
-                      <a:r>
-                        <a:rPr sz="900" spc="0">
-                          <a:solidFill>
-                            <a:srgbClr val="020302"/>
-                          </a:solidFill>
-                          <a:latin typeface="AdobeClean-Light"/>
-                          <a:cs typeface="AdobeClean-Light"/>
-                        </a:rPr>
-                        <a:t>  1</a:t>
-                      </a:r>
-                      <a:r>
-                        <a:rPr lang="en-US" sz="900" spc="0">
-                          <a:solidFill>
-                            <a:srgbClr val="020302"/>
-                          </a:solidFill>
-                          <a:latin typeface="AdobeClean-Light"/>
-                          <a:cs typeface="AdobeClean-Light"/>
-                        </a:rPr>
-                        <a:t> </a:t>
-                      </a:r>
-                      <a:r>
-                        <a:rPr sz="900" spc="0">
-                          <a:solidFill>
-                            <a:srgbClr val="020302"/>
-                          </a:solidFill>
-                          <a:latin typeface="AdobeClean-Light"/>
-                          <a:cs typeface="AdobeClean-Light"/>
-                        </a:rPr>
-                        <a:t>hour</a:t>
-                      </a:r>
-                      <a:endParaRPr sz="900" spc="0">
-                        <a:latin typeface="AdobeClean-Light"/>
-                        <a:cs typeface="AdobeClean-Light"/>
-                      </a:endParaRPr>
                     </a:p>
                   </a:txBody>
                   <a:tcPr marL="0" marR="0" marT="0" marB="0" anchor="ctr">
@@ -3406,75 +2894,40 @@
                     <a:bodyPr/>
                     <a:lstStyle/>
                     <a:p>
-                      <a:pPr marL="405130" marR="459740" indent="92710" algn="l">
+                      <a:pPr marL="405130" marR="459740" indent="92710" algn="ctr">
                         <a:lnSpc>
                           <a:spcPct val="100000"/>
                         </a:lnSpc>
                       </a:pPr>
                       <a:r>
-                        <a:rPr lang="en-US" sz="900" spc="0">
+                        <a:rPr lang="de-DE" sz="900" dirty="0">
                           <a:solidFill>
                             <a:srgbClr val="020302"/>
                           </a:solidFill>
                           <a:latin typeface="AdobeClean-Light"/>
                           <a:cs typeface="AdobeClean-Light"/>
                         </a:rPr>
-                        <a:t>2</a:t>
+                        <a:t>24x7/</a:t>
                       </a:r>
-                      <a:r>
-                        <a:rPr sz="900" spc="0">
+                      <a:br>
+                        <a:rPr lang="sk-SK" sz="900" dirty="0">
                           <a:solidFill>
                             <a:srgbClr val="020302"/>
                           </a:solidFill>
                           <a:latin typeface="AdobeClean-Light"/>
                           <a:cs typeface="AdobeClean-Light"/>
                         </a:rPr>
-                        <a:t>4x7 / </a:t>
-                      </a:r>
+                      </a:br>
                       <a:r>
-                        <a:rPr lang="en-US" sz="900" spc="0">
+                        <a:rPr lang="de-DE" sz="900" dirty="0">
                           <a:solidFill>
                             <a:srgbClr val="020302"/>
                           </a:solidFill>
                           <a:latin typeface="AdobeClean-Light"/>
                           <a:cs typeface="AdobeClean-Light"/>
                         </a:rPr>
-                        <a:t> </a:t>
+                        <a:t>15 Minuten</a:t>
                       </a:r>
-                      <a:r>
-                        <a:rPr sz="900" spc="0">
-                          <a:solidFill>
-                            <a:srgbClr val="020302"/>
-                          </a:solidFill>
-                          <a:latin typeface="AdobeClean-Light"/>
-                          <a:cs typeface="AdobeClean-Light"/>
-                        </a:rPr>
-                        <a:t> 15</a:t>
-                      </a:r>
-                      <a:r>
-                        <a:rPr lang="en-US" sz="900" spc="0">
-                          <a:solidFill>
-                            <a:srgbClr val="020302"/>
-                          </a:solidFill>
-                          <a:latin typeface="AdobeClean-Light"/>
-                          <a:cs typeface="AdobeClean-Light"/>
-                        </a:rPr>
-                        <a:t> </a:t>
-                      </a:r>
-                      <a:r>
-                        <a:rPr sz="900" spc="0">
-                          <a:solidFill>
-                            <a:srgbClr val="020302"/>
-                          </a:solidFill>
-                          <a:latin typeface="AdobeClean-Light"/>
-                          <a:cs typeface="AdobeClean-Light"/>
-                        </a:rPr>
-                        <a:t>minutes</a:t>
-                      </a:r>
-                      <a:endParaRPr sz="900" spc="0">
-                        <a:latin typeface="AdobeClean-Light"/>
-                        <a:cs typeface="AdobeClean-Light"/>
-                      </a:endParaRPr>
                     </a:p>
                   </a:txBody>
                   <a:tcPr marL="0" marR="0" marT="2540" marB="0" anchor="ctr">
@@ -3536,19 +2989,15 @@
                         </a:spcBef>
                       </a:pPr>
                       <a:r>
-                        <a:rPr sz="900" b="1" spc="0">
+                        <a:rPr lang="de-DE" sz="900" b="1" dirty="0">
                           <a:solidFill>
                             <a:srgbClr val="020302"/>
                           </a:solidFill>
                           <a:latin typeface="Adobe Clean"/>
                           <a:cs typeface="Adobe Clean"/>
                         </a:rPr>
-                        <a:t>PRIORITY 2</a:t>
+                        <a:t>PRIORITÄT 2</a:t>
                       </a:r>
-                      <a:endParaRPr sz="900" spc="0">
-                        <a:latin typeface="Adobe Clean"/>
-                        <a:cs typeface="Adobe Clean"/>
-                      </a:endParaRPr>
                     </a:p>
                     <a:p>
                       <a:pPr marL="49530" marR="719455" algn="l">
@@ -3560,19 +3009,31 @@
                         </a:spcBef>
                       </a:pPr>
                       <a:r>
-                        <a:rPr lang="en-US" sz="900" b="0" i="0" u="none" strike="noStrike" spc="0">
+                        <a:rPr lang="de-DE" sz="900" b="0" i="0" u="none" strike="noStrike" dirty="0">
                           <a:solidFill>
                             <a:srgbClr val="000000"/>
                           </a:solidFill>
-                          <a:effectLst/>
                           <a:latin typeface="Adobe Clean Light" panose="020B0303020404020204" pitchFamily="34" charset="0"/>
                         </a:rPr>
-                        <a:t>Customer's business functions have major service degradation or potential data loss, or a major feature is impacted</a:t>
+                        <a:t>Die Unternehmensfunktionen des Kunden weisen eine erhebliche Beeinträchtigung </a:t>
                       </a:r>
-                      <a:endParaRPr sz="900" spc="0">
-                        <a:latin typeface="AdobeClean-Light"/>
-                        <a:cs typeface="AdobeClean-Light"/>
-                      </a:endParaRPr>
+                      <a:br>
+                        <a:rPr lang="sk-SK" sz="900" b="0" i="0" u="none" strike="noStrike" dirty="0">
+                          <a:solidFill>
+                            <a:srgbClr val="000000"/>
+                          </a:solidFill>
+                          <a:latin typeface="Adobe Clean Light" panose="020B0303020404020204" pitchFamily="34" charset="0"/>
+                        </a:rPr>
+                      </a:br>
+                      <a:r>
+                        <a:rPr lang="de-DE" sz="900" b="0" i="0" u="none" strike="noStrike" dirty="0">
+                          <a:solidFill>
+                            <a:srgbClr val="000000"/>
+                          </a:solidFill>
+                          <a:latin typeface="Adobe Clean Light" panose="020B0303020404020204" pitchFamily="34" charset="0"/>
+                        </a:rPr>
+                        <a:t>des Service oder möglichen Datenverlust auf oder eine zentrale Funktion ist betroffen</a:t>
+                      </a:r>
                     </a:p>
                   </a:txBody>
                   <a:tcPr marL="0" marR="0" marT="0" marB="0" anchor="ctr">
@@ -3616,59 +3077,15 @@
                         </a:lnSpc>
                       </a:pPr>
                       <a:r>
-                        <a:rPr sz="900" spc="0">
+                        <a:rPr lang="de-DE" sz="900">
                           <a:solidFill>
                             <a:srgbClr val="020302"/>
                           </a:solidFill>
                           <a:latin typeface="AdobeClean-Light"/>
                           <a:cs typeface="AdobeClean-Light"/>
                         </a:rPr>
-                        <a:t>Business hours</a:t>
+                        <a:t>Geschäftszeiten/4 Stunden</a:t>
                       </a:r>
-                      <a:r>
-                        <a:rPr lang="en-US" sz="900" spc="0">
-                          <a:solidFill>
-                            <a:srgbClr val="020302"/>
-                          </a:solidFill>
-                          <a:latin typeface="AdobeClean-Light"/>
-                          <a:cs typeface="AdobeClean-Light"/>
-                        </a:rPr>
-                        <a:t> </a:t>
-                      </a:r>
-                      <a:r>
-                        <a:rPr sz="900" spc="0">
-                          <a:solidFill>
-                            <a:srgbClr val="020302"/>
-                          </a:solidFill>
-                          <a:latin typeface="AdobeClean-Light"/>
-                          <a:cs typeface="AdobeClean-Light"/>
-                        </a:rPr>
-                        <a:t>/  </a:t>
-                      </a:r>
-                      <a:r>
-                        <a:rPr lang="en-US" sz="900" spc="0">
-                          <a:solidFill>
-                            <a:srgbClr val="020302"/>
-                          </a:solidFill>
-                          <a:latin typeface="AdobeClean-Light"/>
-                          <a:cs typeface="AdobeClean-Light"/>
-                        </a:rPr>
-                        <a:t>     </a:t>
-                      </a:r>
-                      <a:r>
-                        <a:rPr sz="900" spc="0">
-                          <a:solidFill>
-                            <a:srgbClr val="020302"/>
-                          </a:solidFill>
-                          <a:latin typeface="AdobeClean-Light"/>
-                          <a:cs typeface="AdobeClean-Light"/>
-                        </a:rPr>
-                        <a:t>4 hours</a:t>
-                      </a:r>
-                      <a:endParaRPr sz="900" spc="0">
-                        <a:latin typeface="AdobeClean-Light"/>
-                        <a:cs typeface="AdobeClean-Light"/>
-                      </a:endParaRPr>
                     </a:p>
                   </a:txBody>
                   <a:tcPr marL="0" marR="0" marT="0" marB="0" anchor="ctr">
@@ -3703,45 +3120,40 @@
                     <a:bodyPr/>
                     <a:lstStyle/>
                     <a:p>
-                      <a:pPr marL="351790" marR="481330" indent="144145" algn="l">
+                      <a:pPr marL="351790" marR="481330" indent="144145" algn="ctr">
                         <a:lnSpc>
                           <a:spcPct val="102299"/>
                         </a:lnSpc>
                       </a:pPr>
                       <a:r>
-                        <a:rPr sz="900" spc="0">
+                        <a:rPr lang="de-DE" sz="900" dirty="0">
                           <a:solidFill>
                             <a:srgbClr val="020302"/>
                           </a:solidFill>
                           <a:latin typeface="AdobeClean-Light"/>
                           <a:cs typeface="AdobeClean-Light"/>
                         </a:rPr>
-                        <a:t>24x5 /  30</a:t>
+                        <a:t>24x5/</a:t>
                       </a:r>
-                      <a:r>
-                        <a:rPr lang="en-US" sz="900" spc="0">
+                      <a:br>
+                        <a:rPr lang="sk-SK" sz="900" dirty="0">
                           <a:solidFill>
                             <a:srgbClr val="020302"/>
                           </a:solidFill>
                           <a:latin typeface="AdobeClean-Light"/>
                           <a:cs typeface="AdobeClean-Light"/>
                         </a:rPr>
-                        <a:t> m</a:t>
-                      </a:r>
+                      </a:br>
                       <a:r>
-                        <a:rPr sz="900" spc="0">
+                        <a:rPr lang="de-DE" sz="900" dirty="0">
                           <a:solidFill>
                             <a:srgbClr val="020302"/>
                           </a:solidFill>
                           <a:latin typeface="AdobeClean-Light"/>
                           <a:cs typeface="AdobeClean-Light"/>
                         </a:rPr>
-                        <a:t>inutes</a:t>
+                        <a:t>30 Minuten</a:t>
                       </a:r>
-                      <a:endParaRPr sz="900" spc="0">
-                        <a:latin typeface="AdobeClean-Light"/>
-                        <a:cs typeface="AdobeClean-Light"/>
-                      </a:endParaRPr>
                     </a:p>
                   </a:txBody>
                   <a:tcPr marL="0" marR="0" marT="5080" marB="0" anchor="ctr">
@@ -3800,19 +3212,15 @@
                         </a:spcBef>
                       </a:pPr>
                       <a:r>
-                        <a:rPr sz="900" b="1" spc="0">
+                        <a:rPr lang="de-DE" sz="900" b="1" dirty="0">
                           <a:solidFill>
                             <a:srgbClr val="020302"/>
                           </a:solidFill>
                           <a:latin typeface="Adobe Clean"/>
                           <a:cs typeface="Adobe Clean"/>
                         </a:rPr>
-                        <a:t>PRIORITY 3</a:t>
+                        <a:t>PRIORITÄT 3</a:t>
                       </a:r>
-                      <a:endParaRPr sz="900" spc="0">
-                        <a:latin typeface="Adobe Clean"/>
-                        <a:cs typeface="Adobe Clean"/>
-                      </a:endParaRPr>
                     </a:p>
                     <a:p>
                       <a:pPr marL="48895" marR="387985" indent="-2540" algn="l">
@@ -3824,19 +3232,31 @@
                         </a:spcBef>
                       </a:pPr>
                       <a:r>
-                        <a:rPr lang="en-US" sz="900" b="0" i="0" u="none" strike="noStrike" spc="0">
+                        <a:rPr lang="de-DE" sz="900" b="0" i="0" u="none" strike="noStrike" dirty="0">
                           <a:solidFill>
                             <a:srgbClr val="000000"/>
                           </a:solidFill>
-                          <a:effectLst/>
                           <a:latin typeface="Adobe Clean Light" panose="020B0303020404020204" pitchFamily="34" charset="0"/>
                         </a:rPr>
-                        <a:t>Customer’s business functions has minor to no service degradation but there exists a solution/workaround allowing business functions to continue normally</a:t>
+                        <a:t>Die Unternehmensfunktionen des Kunden weisen eine geringfügige oder gar keine Beeinträchtigung des Service auf, es gibt jedoch eine Lösung/Problemumgehung, </a:t>
                       </a:r>
-                      <a:endParaRPr sz="900" spc="0">
-                        <a:latin typeface="AdobeClean-Light"/>
-                        <a:cs typeface="AdobeClean-Light"/>
-                      </a:endParaRPr>
+                      <a:br>
+                        <a:rPr lang="sk-SK" sz="900" b="0" i="0" u="none" strike="noStrike" dirty="0">
+                          <a:solidFill>
+                            <a:srgbClr val="000000"/>
+                          </a:solidFill>
+                          <a:latin typeface="Adobe Clean Light" panose="020B0303020404020204" pitchFamily="34" charset="0"/>
+                        </a:rPr>
+                      </a:br>
+                      <a:r>
+                        <a:rPr lang="de-DE" sz="900" b="0" i="0" u="none" strike="noStrike" dirty="0">
+                          <a:solidFill>
+                            <a:srgbClr val="000000"/>
+                          </a:solidFill>
+                          <a:latin typeface="Adobe Clean Light" panose="020B0303020404020204" pitchFamily="34" charset="0"/>
+                        </a:rPr>
+                        <a:t>mit der die Unternehmensfunktionen weiterhin normal genutzt werden können</a:t>
+                      </a:r>
                     </a:p>
                   </a:txBody>
                   <a:tcPr marL="0" marR="0" marT="0" marB="0" anchor="ctr">
@@ -3880,19 +3300,15 @@
                         </a:lnSpc>
                       </a:pPr>
                       <a:r>
-                        <a:rPr lang="en-US" sz="900" spc="0">
+                        <a:rPr lang="de-DE" sz="900">
                           <a:solidFill>
                             <a:srgbClr val="020302"/>
                           </a:solidFill>
                           <a:latin typeface="AdobeClean-Light"/>
                           <a:cs typeface="AdobeClean-Light"/>
                         </a:rPr>
-                        <a:t>Business hours /       6 hours</a:t>
+                        <a:t>Geschäftszeiten/6 Stunden</a:t>
                       </a:r>
-                      <a:endParaRPr lang="en-US" sz="900" spc="0">
-                        <a:latin typeface="AdobeClean-Light"/>
-                        <a:cs typeface="AdobeClean-Light"/>
-                      </a:endParaRPr>
                     </a:p>
                   </a:txBody>
                   <a:tcPr marL="0" marR="0" marT="0" marB="0" anchor="ctr">
@@ -3933,7 +3349,7 @@
                         </a:lnSpc>
                       </a:pPr>
                       <a:r>
-                        <a:rPr lang="en-US" sz="900" spc="0">
+                        <a:rPr lang="de-DE" sz="900" dirty="0">
                           <a:solidFill>
                             <a:srgbClr val="020302"/>
                           </a:solidFill>
@@ -3944,7 +3360,7 @@
                         <a:t>2</a:t>
                       </a:r>
                       <a:r>
-                        <a:rPr sz="900" spc="0">
+                        <a:rPr lang="de-DE" sz="900" dirty="0">
                           <a:solidFill>
                             <a:srgbClr val="020302"/>
                           </a:solidFill>
@@ -3952,29 +3368,7 @@
                           <a:ea typeface="+mn-ea"/>
                           <a:cs typeface="AdobeClean-Light"/>
                         </a:rPr>
-                        <a:t>4x5/  </a:t>
-                      </a:r>
-                      <a:r>
-                        <a:rPr lang="en-US" sz="900" spc="0">
-                          <a:solidFill>
-                            <a:srgbClr val="020302"/>
-                          </a:solidFill>
-                          <a:latin typeface="AdobeClean-Light"/>
-                          <a:ea typeface="+mn-ea"/>
-                          <a:cs typeface="AdobeClean-Light"/>
-                        </a:rPr>
-                        <a:t> </a:t>
-                      </a:r>
-                      <a:r>
-                        <a:rPr sz="900" spc="0">
-                          <a:solidFill>
-                            <a:srgbClr val="020302"/>
-                          </a:solidFill>
-                          <a:latin typeface="AdobeClean-Light"/>
-                          <a:ea typeface="+mn-ea"/>
-                          <a:cs typeface="AdobeClean-Light"/>
-                        </a:rPr>
-                        <a:t>1 hour</a:t>
+                        <a:t>4x5/1 Stunde</a:t>
                       </a:r>
                     </a:p>
                   </a:txBody>
@@ -4034,19 +3428,15 @@
                         </a:spcBef>
                       </a:pPr>
                       <a:r>
-                        <a:rPr sz="900" b="1" spc="0">
+                        <a:rPr lang="de-DE" sz="900" b="1">
                           <a:solidFill>
                             <a:srgbClr val="020302"/>
                           </a:solidFill>
                           <a:latin typeface="Adobe Clean"/>
                           <a:cs typeface="Adobe Clean"/>
                         </a:rPr>
-                        <a:t>PRIORITY 4</a:t>
+                        <a:t>PRIORITÄT 4</a:t>
                       </a:r>
-                      <a:endParaRPr sz="900" spc="0">
-                        <a:latin typeface="Adobe Clean"/>
-                        <a:cs typeface="Adobe Clean"/>
-                      </a:endParaRPr>
                     </a:p>
                     <a:p>
                       <a:pPr marL="62230" algn="l">
@@ -4058,19 +3448,14 @@
                         </a:spcBef>
                       </a:pPr>
                       <a:r>
-                        <a:rPr lang="en-US" sz="900" b="0" i="0" u="none" strike="noStrike" spc="0">
+                        <a:rPr lang="de-DE" sz="900" b="0" i="0" u="none" strike="noStrike">
                           <a:solidFill>
                             <a:srgbClr val="000000"/>
                           </a:solidFill>
-                          <a:effectLst/>
                           <a:latin typeface="Adobe Clean Light" panose="020B0303020404020204" pitchFamily="34" charset="0"/>
                         </a:rPr>
-                        <a:t>General question regarding current product functionality or an enhancement request</a:t>
+                        <a:t>Allgemeine Frage zur aktuellen Produktfunktionalität oder Anfrage zu einer Erweiterung</a:t>
                       </a:r>
-                      <a:endParaRPr sz="900" spc="0">
-                        <a:latin typeface="AdobeClean-Light"/>
-                        <a:cs typeface="AdobeClean-Light"/>
-                      </a:endParaRPr>
                     </a:p>
                   </a:txBody>
                   <a:tcPr marL="0" marR="0" marT="0" marB="0" anchor="ctr">
@@ -4114,19 +3499,34 @@
                         </a:lnSpc>
                       </a:pPr>
                       <a:r>
-                        <a:rPr lang="en-US" sz="900" spc="0">
+                        <a:rPr lang="de-DE" sz="900" dirty="0">
                           <a:solidFill>
                             <a:srgbClr val="020302"/>
                           </a:solidFill>
                           <a:latin typeface="AdobeClean-Light"/>
                           <a:cs typeface="AdobeClean-Light"/>
                         </a:rPr>
-                        <a:t>Business days /       3 days</a:t>
+                        <a:t>Geschäftstage/</a:t>
                       </a:r>
-                      <a:endParaRPr lang="en-US" sz="900" spc="0">
-                        <a:latin typeface="AdobeClean-Light"/>
-                        <a:cs typeface="AdobeClean-Light"/>
-                      </a:endParaRPr>
+                      <a:br>
+                        <a:rPr lang="sk-SK" sz="900" dirty="0">
+                          <a:solidFill>
+                            <a:srgbClr val="020302"/>
+                          </a:solidFill>
+                          <a:latin typeface="AdobeClean-Light"/>
+                          <a:cs typeface="AdobeClean-Light"/>
+                        </a:rPr>
+                      </a:br>
+                      <a:r>
+                        <a:rPr lang="de-DE" sz="900" dirty="0">
+                          <a:solidFill>
+                            <a:srgbClr val="020302"/>
+                          </a:solidFill>
+                          <a:latin typeface="AdobeClean-Light"/>
+                          <a:cs typeface="AdobeClean-Light"/>
+                        </a:rPr>
+                        <a:t>3 Tage</a:t>
+                      </a:r>
                     </a:p>
                   </a:txBody>
                   <a:tcPr marL="0" marR="0" marT="0" marB="0" anchor="ctr">
@@ -4161,25 +3561,40 @@
                     <a:bodyPr/>
                     <a:lstStyle/>
                     <a:p>
-                      <a:pPr marL="473709" marR="343535" indent="-175895" algn="l">
+                      <a:pPr marL="473709" marR="343535" indent="-175895" algn="ctr">
                         <a:lnSpc>
                           <a:spcPct val="102200"/>
                         </a:lnSpc>
                       </a:pPr>
                       <a:r>
-                        <a:rPr lang="en-US" sz="900" spc="0">
+                        <a:rPr lang="de-DE" sz="900" dirty="0">
                           <a:solidFill>
                             <a:srgbClr val="020302"/>
                           </a:solidFill>
                           <a:latin typeface="AdobeClean-Light"/>
                           <a:cs typeface="AdobeClean-Light"/>
                         </a:rPr>
-                        <a:t>Business days /       1 day</a:t>
+                        <a:t>Geschäftstage/</a:t>
                       </a:r>
-                      <a:endParaRPr lang="en-US" sz="900" spc="0">
-                        <a:latin typeface="AdobeClean-Light"/>
-                        <a:cs typeface="AdobeClean-Light"/>
-                      </a:endParaRPr>
+                      <a:br>
+                        <a:rPr lang="sk-SK" sz="900" dirty="0">
+                          <a:solidFill>
+                            <a:srgbClr val="020302"/>
+                          </a:solidFill>
+                          <a:latin typeface="AdobeClean-Light"/>
+                          <a:cs typeface="AdobeClean-Light"/>
+                        </a:rPr>
+                      </a:br>
+                      <a:r>
+                        <a:rPr lang="de-DE" sz="900" dirty="0">
+                          <a:solidFill>
+                            <a:srgbClr val="020302"/>
+                          </a:solidFill>
+                          <a:latin typeface="AdobeClean-Light"/>
+                          <a:cs typeface="AdobeClean-Light"/>
+                        </a:rPr>
+                        <a:t>1 Tag</a:t>
+                      </a:r>
                     </a:p>
                   </a:txBody>
                   <a:tcPr marL="0" marR="0" marT="27940" marB="0" anchor="ctr">
@@ -4257,8 +3672,8 @@
         </p:nvSpPr>
         <p:spPr>
           <a:xfrm>
-            <a:off x="97787" y="9888626"/>
-            <a:ext cx="2202180" cy="149860"/>
+            <a:off x="97786" y="9888626"/>
+            <a:ext cx="2645413" cy="133370"/>
           </a:xfrm>
           <a:prstGeom prst="rect">
             <a:avLst/>
@@ -4279,99 +3694,15 @@
               </a:spcBef>
             </a:pPr>
             <a:r>
-              <a:rPr sz="800" spc="-15">
+              <a:rPr lang="de-DE" sz="800" dirty="0">
                 <a:solidFill>
                   <a:srgbClr val="6D6D6D"/>
                 </a:solidFill>
                 <a:latin typeface="Adobe Clean"/>
                 <a:cs typeface="Adobe Clean"/>
               </a:rPr>
-              <a:t>©2021 </a:t>
-            </a:r>
-            <a:r>
-              <a:rPr sz="800" spc="-5">
-                <a:solidFill>
-                  <a:srgbClr val="6D6D6D"/>
-                </a:solidFill>
-                <a:latin typeface="Adobe Clean"/>
-                <a:cs typeface="Adobe Clean"/>
-              </a:rPr>
-              <a:t>Adobe. All</a:t>
-            </a:r>
-            <a:r>
-              <a:rPr sz="800" spc="-15">
-                <a:solidFill>
-                  <a:srgbClr val="6D6D6D"/>
-                </a:solidFill>
-                <a:latin typeface="Adobe Clean"/>
-                <a:cs typeface="Adobe Clean"/>
-              </a:rPr>
-              <a:t> Rights</a:t>
-            </a:r>
-            <a:r>
-              <a:rPr sz="800" spc="-5">
-                <a:solidFill>
-                  <a:srgbClr val="6D6D6D"/>
-                </a:solidFill>
-                <a:latin typeface="Adobe Clean"/>
-                <a:cs typeface="Adobe Clean"/>
-              </a:rPr>
-              <a:t> </a:t>
-            </a:r>
-            <a:r>
-              <a:rPr sz="800" spc="-15">
-                <a:solidFill>
-                  <a:srgbClr val="6D6D6D"/>
-                </a:solidFill>
-                <a:latin typeface="Adobe Clean"/>
-                <a:cs typeface="Adobe Clean"/>
-              </a:rPr>
-              <a:t>Reserved.</a:t>
-            </a:r>
-            <a:r>
-              <a:rPr sz="800" spc="-10">
-                <a:solidFill>
-                  <a:srgbClr val="6D6D6D"/>
-                </a:solidFill>
-                <a:latin typeface="Adobe Clean"/>
-                <a:cs typeface="Adobe Clean"/>
-              </a:rPr>
-              <a:t> </a:t>
-            </a:r>
-            <a:r>
-              <a:rPr sz="800" spc="-5">
-                <a:solidFill>
-                  <a:srgbClr val="6D6D6D"/>
-                </a:solidFill>
-                <a:latin typeface="Adobe Clean"/>
-                <a:cs typeface="Adobe Clean"/>
-              </a:rPr>
-              <a:t>Adobe</a:t>
-            </a:r>
-            <a:r>
-              <a:rPr sz="800" spc="65">
-                <a:solidFill>
-                  <a:srgbClr val="6D6D6D"/>
-                </a:solidFill>
-                <a:latin typeface="Adobe Clean"/>
-                <a:cs typeface="Adobe Clean"/>
-              </a:rPr>
-              <a:t> </a:t>
-            </a:r>
-            <a:r>
-              <a:rPr sz="800" spc="-15">
-                <a:solidFill>
-                  <a:srgbClr val="6D6D6D"/>
-                </a:solidFill>
-                <a:latin typeface="Adobe Clean"/>
-                <a:cs typeface="Adobe Clean"/>
-              </a:rPr>
-              <a:t>Confidential.</a:t>
-            </a:r>
-            <a:endParaRPr sz="800">
-              <a:latin typeface="Adobe Clean"/>
-              <a:cs typeface="Adobe Clean"/>
-            </a:endParaRPr>
+              <a:t>©2021 Adobe. All Rights Reserved. Adobe Confidential.</a:t>
+            </a:r>
           </a:p>
         </p:txBody>
       </p:sp>
@@ -4389,7 +3720,7 @@
         </p:nvSpPr>
         <p:spPr>
           <a:xfrm>
-            <a:off x="387610" y="421174"/>
+            <a:off x="387610" y="457200"/>
             <a:ext cx="2156171" cy="200055"/>
           </a:xfrm>
           <a:prstGeom prst="rect">
@@ -4404,7 +3735,7 @@
           <a:lstStyle/>
           <a:p>
             <a:r>
-              <a:rPr lang="en-US" sz="700" i="1">
+              <a:rPr lang="de-DE" sz="700" i="1" dirty="0">
                 <a:solidFill>
                   <a:schemeClr val="bg1"/>
                 </a:solidFill>
@@ -4429,7 +3760,7 @@
           <p:nvPr>
             <p:extLst>
               <p:ext uri="{D42A27DB-BD31-4B8C-83A1-F6EECF244321}">
-                <p14:modId xmlns:p14="http://schemas.microsoft.com/office/powerpoint/2010/main" val="1734001763"/>
+                <p14:modId xmlns:p14="http://schemas.microsoft.com/office/powerpoint/2010/main" val="1066754650"/>
               </p:ext>
             </p:extLst>
           </p:nvPr>
@@ -4480,7 +3811,7 @@
                     <a:bodyPr/>
                     <a:lstStyle/>
                     <a:p>
-                      <a:endParaRPr lang="en-US"/>
+                      <a:endParaRPr lang="en-US" dirty="0"/>
                     </a:p>
                   </a:txBody>
                   <a:tcPr/>
@@ -4518,39 +3849,15 @@
                         <a:defRPr/>
                       </a:pPr>
                       <a:r>
-                        <a:rPr lang="en-US" sz="900" spc="-20">
+                        <a:rPr lang="de-DE" sz="900">
                           <a:solidFill>
                             <a:srgbClr val="404040"/>
                           </a:solidFill>
                           <a:latin typeface="Adobe Clean"/>
                           <a:cs typeface="Adobe Clean"/>
                         </a:rPr>
-                        <a:t>Online </a:t>
+                        <a:t>Online Support</a:t>
                       </a:r>
-                      <a:r>
-                        <a:rPr lang="en-US" sz="900" spc="-135">
-                          <a:solidFill>
-                            <a:srgbClr val="404040"/>
-                          </a:solidFill>
-                          <a:latin typeface="Adobe Clean"/>
-                          <a:cs typeface="Adobe Clean"/>
-                        </a:rPr>
-                        <a:t> </a:t>
-                      </a:r>
-                      <a:r>
-                        <a:rPr lang="en-US" sz="900" spc="-20">
-                          <a:solidFill>
-                            <a:srgbClr val="404040"/>
-                          </a:solidFill>
-                          <a:latin typeface="Adobe Clean"/>
-                          <a:cs typeface="Adobe Clean"/>
-                        </a:rPr>
-                        <a:t>Support</a:t>
-                      </a:r>
-                      <a:endParaRPr lang="en-US" sz="900">
-                        <a:latin typeface="Adobe Clean"/>
-                        <a:cs typeface="Adobe Clean"/>
-                      </a:endParaRPr>
                     </a:p>
                   </a:txBody>
                   <a:tcPr marL="0" marR="0" marT="7620" marB="0" anchor="ctr">
@@ -4591,29 +3898,15 @@
                         </a:spcBef>
                       </a:pPr>
                       <a:r>
-                        <a:rPr lang="en-US" sz="900" spc="-20">
+                        <a:rPr lang="de-DE" sz="900">
                           <a:solidFill>
                             <a:srgbClr val="FFFFFF"/>
                           </a:solidFill>
                           <a:latin typeface="Adobe Clean"/>
                           <a:cs typeface="Adobe Clean"/>
                         </a:rPr>
-                        <a:t>Elite </a:t>
+                        <a:t>Elite Support</a:t>
                       </a:r>
-                      <a:r>
-                        <a:rPr sz="900" spc="-20">
-                          <a:solidFill>
-                            <a:srgbClr val="FFFFFF"/>
-                          </a:solidFill>
-                          <a:latin typeface="Adobe Clean"/>
-                          <a:cs typeface="Adobe Clean"/>
-                        </a:rPr>
-                        <a:t>Support</a:t>
-                      </a:r>
-                      <a:endParaRPr sz="900">
-                        <a:latin typeface="Adobe Clean"/>
-                        <a:cs typeface="Adobe Clean"/>
-                      </a:endParaRPr>
                     </a:p>
                   </a:txBody>
                   <a:tcPr marL="0" marR="0" marT="7620" marB="0" anchor="ctr">
@@ -4658,7 +3951,7 @@
                     <a:bodyPr/>
                     <a:lstStyle/>
                     <a:p>
-                      <a:endParaRPr lang="en-US"/>
+                      <a:endParaRPr lang="en-US" dirty="0"/>
                     </a:p>
                   </a:txBody>
                   <a:tcPr/>
@@ -4678,7 +3971,7 @@
                     <a:bodyPr/>
                     <a:lstStyle/>
                     <a:p>
-                      <a:pPr marL="0" marR="0" lvl="0" indent="0" algn="ctr" defTabSz="914400" eaLnBrk="1" fontAlgn="auto" latinLnBrk="0" hangingPunct="1">
+                      <a:pPr marL="0" marR="0" lvl="0" indent="0" algn="l" defTabSz="914400" rtl="0" eaLnBrk="1" fontAlgn="auto" latinLnBrk="0" hangingPunct="1">
                         <a:lnSpc>
                           <a:spcPct val="100000"/>
                         </a:lnSpc>
@@ -4695,7 +3988,7 @@
                         <a:tabLst/>
                         <a:defRPr/>
                       </a:pPr>
-                      <a:endParaRPr lang="en-US" sz="800" i="1">
+                      <a:endParaRPr lang="en-US" sz="800" i="1" dirty="0">
                         <a:solidFill>
                           <a:sysClr val="windowText" lastClr="000000"/>
                         </a:solidFill>
@@ -4759,13 +4052,13 @@
                         <a:defRPr/>
                       </a:pPr>
                       <a:r>
-                        <a:rPr lang="en-US" sz="800" i="1">
+                        <a:rPr lang="de-DE" sz="800" i="1">
                           <a:solidFill>
                             <a:schemeClr val="bg1"/>
                           </a:solidFill>
                           <a:latin typeface="Adobe Clean Light" panose="020B0303020404020204" pitchFamily="34" charset="0"/>
                         </a:rPr>
-                        <a:t>Paid Support ($)</a:t>
+                        <a:t>Kostenpflichtiger Support (€)</a:t>
                       </a:r>
                     </a:p>
                   </a:txBody>
@@ -4829,22 +4122,15 @@
                         </a:spcBef>
                       </a:pPr>
                       <a:r>
-                        <a:rPr lang="en-US" sz="1000" b="1" i="0" spc="0">
+                        <a:rPr lang="de-DE" sz="1000" b="1" i="0">
                           <a:solidFill>
                             <a:schemeClr val="bg1"/>
                           </a:solidFill>
                           <a:latin typeface="Adobe Clean" panose="020B0503020404020204" pitchFamily="34" charset="0"/>
                           <a:cs typeface="AdobeClean-Light"/>
                         </a:rPr>
-                        <a:t>Assigned Experts</a:t>
+                        <a:t>Zugewiesene Experten</a:t>
                       </a:r>
-                      <a:endParaRPr sz="1000" b="1" i="0" spc="0">
-                        <a:solidFill>
-                          <a:schemeClr val="bg1"/>
-                        </a:solidFill>
-                        <a:latin typeface="Adobe Clean" panose="020B0503020404020204" pitchFamily="34" charset="0"/>
-                        <a:cs typeface="AdobeClean-Light"/>
-                      </a:endParaRPr>
                     </a:p>
                   </a:txBody>
                   <a:tcPr marL="0" marR="0" marT="58419" marB="0" anchor="ctr">
@@ -4891,7 +4177,7 @@
                         </a:spcBef>
                       </a:pPr>
                       <a:r>
-                        <a:rPr sz="900" spc="0">
+                        <a:rPr lang="de-DE" sz="900">
                           <a:solidFill>
                             <a:srgbClr val="020302"/>
                           </a:solidFill>
@@ -4900,10 +4186,6 @@
                         </a:rPr>
                         <a:t>Account Support Lead</a:t>
                       </a:r>
-                      <a:endParaRPr sz="900" spc="0">
-                        <a:latin typeface="AdobeClean-Light"/>
-                        <a:cs typeface="AdobeClean-Light"/>
-                      </a:endParaRPr>
                     </a:p>
                   </a:txBody>
                   <a:tcPr marL="0" marR="0" marT="58419" marB="0">
@@ -4938,7 +4220,7 @@
                     <a:bodyPr/>
                     <a:lstStyle/>
                     <a:p>
-                      <a:pPr algn="ctr">
+                      <a:pPr algn="l" rtl="0">
                         <a:lnSpc>
                           <a:spcPct val="100000"/>
                         </a:lnSpc>
@@ -4946,7 +4228,7 @@
                           <a:spcPts val="470"/>
                         </a:spcBef>
                       </a:pPr>
-                      <a:endParaRPr sz="900">
+                      <a:endParaRPr sz="900" dirty="0">
                         <a:latin typeface="Wingdings"/>
                         <a:cs typeface="Wingdings"/>
                       </a:endParaRPr>
@@ -4979,7 +4261,7 @@
                     <a:bodyPr/>
                     <a:lstStyle/>
                     <a:p>
-                      <a:pPr algn="ctr">
+                      <a:pPr algn="l" rtl="0">
                         <a:lnSpc>
                           <a:spcPct val="100000"/>
                         </a:lnSpc>
@@ -4987,7 +4269,7 @@
                           <a:spcPts val="470"/>
                         </a:spcBef>
                       </a:pPr>
-                      <a:endParaRPr sz="900">
+                      <a:endParaRPr sz="900" dirty="0">
                         <a:latin typeface="Wingdings"/>
                         <a:cs typeface="Wingdings"/>
                       </a:endParaRPr>
@@ -5022,7 +4304,7 @@
                     <a:bodyPr/>
                     <a:lstStyle/>
                     <a:p>
-                      <a:pPr marL="50800">
+                      <a:pPr marL="50800" algn="l" rtl="0">
                         <a:lnSpc>
                           <a:spcPct val="100000"/>
                         </a:lnSpc>
@@ -5030,7 +4312,7 @@
                           <a:spcPts val="459"/>
                         </a:spcBef>
                       </a:pPr>
-                      <a:endParaRPr sz="900">
+                      <a:endParaRPr sz="900" dirty="0">
                         <a:latin typeface="AdobeClean-Light"/>
                         <a:cs typeface="AdobeClean-Light"/>
                       </a:endParaRPr>
@@ -5068,19 +4350,15 @@
                         </a:spcBef>
                       </a:pPr>
                       <a:r>
-                        <a:rPr sz="900" spc="0">
+                        <a:rPr lang="de-DE" sz="900">
                           <a:solidFill>
                             <a:srgbClr val="020302"/>
                           </a:solidFill>
                           <a:latin typeface="AdobeClean-Light"/>
                           <a:cs typeface="AdobeClean-Light"/>
                         </a:rPr>
-                        <a:t>Named Support Engineer</a:t>
+                        <a:t>Spezifischer Support-Mitarbeiter</a:t>
                       </a:r>
-                      <a:endParaRPr sz="900" spc="0">
-                        <a:latin typeface="AdobeClean-Light"/>
-                        <a:cs typeface="AdobeClean-Light"/>
-                      </a:endParaRPr>
                     </a:p>
                   </a:txBody>
                   <a:tcPr marL="0" marR="0" marT="58419" marB="0">
@@ -5103,12 +4381,12 @@
                     <a:bodyPr/>
                     <a:lstStyle/>
                     <a:p>
-                      <a:pPr algn="ctr">
+                      <a:pPr algn="l" rtl="0">
                         <a:lnSpc>
                           <a:spcPct val="100000"/>
                         </a:lnSpc>
                       </a:pPr>
-                      <a:endParaRPr sz="900">
+                      <a:endParaRPr sz="900" dirty="0">
                         <a:latin typeface="Times New Roman"/>
                         <a:cs typeface="Times New Roman"/>
                       </a:endParaRPr>
@@ -5150,7 +4428,7 @@
                         <a:defRPr/>
                       </a:pPr>
                       <a:r>
-                        <a:rPr lang="en-US" sz="900">
+                        <a:rPr lang="de-DE" sz="900">
                           <a:solidFill>
                             <a:srgbClr val="020302"/>
                           </a:solidFill>
@@ -5159,10 +4437,6 @@
                         </a:rPr>
                         <a:t></a:t>
                       </a:r>
-                      <a:endParaRPr lang="en-US" sz="900">
-                        <a:latin typeface="Wingdings"/>
-                        <a:cs typeface="Wingdings"/>
-                      </a:endParaRPr>
                     </a:p>
                   </a:txBody>
                   <a:tcPr marL="0" marR="0" marT="0" marB="0" anchor="ctr">
@@ -5185,7 +4459,7 @@
                     <a:bodyPr/>
                     <a:lstStyle/>
                     <a:p>
-                      <a:pPr marL="50800">
+                      <a:pPr marL="50800" algn="l" rtl="0">
                         <a:lnSpc>
                           <a:spcPct val="100000"/>
                         </a:lnSpc>
@@ -5193,7 +4467,7 @@
                           <a:spcPts val="500"/>
                         </a:spcBef>
                       </a:pPr>
-                      <a:endParaRPr sz="900">
+                      <a:endParaRPr sz="900" dirty="0">
                         <a:latin typeface="AdobeClean-Light"/>
                         <a:cs typeface="AdobeClean-Light"/>
                       </a:endParaRPr>
@@ -5243,7 +4517,7 @@
                         </a:spcBef>
                       </a:pPr>
                       <a:r>
-                        <a:rPr sz="900" spc="0">
+                        <a:rPr lang="de-DE" sz="900">
                           <a:solidFill>
                             <a:srgbClr val="020302"/>
                           </a:solidFill>
@@ -5252,10 +4526,6 @@
                         </a:rPr>
                         <a:t>Technical Account Manager</a:t>
                       </a:r>
-                      <a:endParaRPr sz="900" spc="0">
-                        <a:latin typeface="AdobeClean-Light"/>
-                        <a:cs typeface="AdobeClean-Light"/>
-                      </a:endParaRPr>
                     </a:p>
                   </a:txBody>
                   <a:tcPr marL="0" marR="0" marT="63500" marB="0">
@@ -5284,12 +4554,12 @@
                     <a:bodyPr/>
                     <a:lstStyle/>
                     <a:p>
-                      <a:pPr algn="ctr">
+                      <a:pPr algn="l" rtl="0">
                         <a:lnSpc>
                           <a:spcPct val="100000"/>
                         </a:lnSpc>
                       </a:pPr>
-                      <a:endParaRPr sz="900">
+                      <a:endParaRPr sz="900" dirty="0">
                         <a:latin typeface="Times New Roman"/>
                         <a:cs typeface="Times New Roman"/>
                       </a:endParaRPr>
@@ -5340,7 +4610,7 @@
                         <a:defRPr/>
                       </a:pPr>
                       <a:r>
-                        <a:rPr lang="en-US" sz="900">
+                        <a:rPr lang="de-DE" sz="900">
                           <a:solidFill>
                             <a:srgbClr val="020302"/>
                           </a:solidFill>
@@ -5349,10 +4619,6 @@
                         </a:rPr>
                         <a:t></a:t>
                       </a:r>
-                      <a:endParaRPr lang="en-US" sz="900">
-                        <a:latin typeface="Wingdings"/>
-                        <a:cs typeface="Wingdings"/>
-                      </a:endParaRPr>
                     </a:p>
                   </a:txBody>
                   <a:tcPr marL="0" marR="0" marT="0" marB="0" anchor="ctr">
@@ -5393,22 +4659,15 @@
                         </a:spcBef>
                       </a:pPr>
                       <a:r>
-                        <a:rPr lang="en-US" sz="1000" b="1" i="0" spc="0">
+                        <a:rPr lang="de-DE" sz="1000" b="1" i="0">
                           <a:solidFill>
                             <a:schemeClr val="bg1"/>
                           </a:solidFill>
                           <a:latin typeface="Adobe Clean" panose="020B0503020404020204" pitchFamily="34" charset="0"/>
                           <a:cs typeface="AdobeClean-Light"/>
                         </a:rPr>
-                        <a:t>Support Services</a:t>
+                        <a:t>Support-Services</a:t>
                       </a:r>
-                      <a:endParaRPr sz="1000" b="1" i="0" spc="0">
-                        <a:solidFill>
-                          <a:schemeClr val="bg1"/>
-                        </a:solidFill>
-                        <a:latin typeface="Adobe Clean" panose="020B0503020404020204" pitchFamily="34" charset="0"/>
-                        <a:cs typeface="AdobeClean-Light"/>
-                      </a:endParaRPr>
                     </a:p>
                   </a:txBody>
                   <a:tcPr marL="0" marR="0" marT="57150" marB="0" anchor="ctr">
@@ -5464,29 +4723,15 @@
                         </a:spcBef>
                       </a:pPr>
                       <a:r>
-                        <a:rPr lang="en-US" sz="900" spc="0">
+                        <a:rPr lang="de-DE" sz="900">
                           <a:solidFill>
                             <a:srgbClr val="020302"/>
                           </a:solidFill>
                           <a:latin typeface="AdobeClean-Light"/>
                           <a:cs typeface="AdobeClean-Light"/>
                         </a:rPr>
-                        <a:t>Online</a:t>
+                        <a:t>Online Support</a:t>
                       </a:r>
-                      <a:r>
-                        <a:rPr sz="900" spc="0">
-                          <a:solidFill>
-                            <a:srgbClr val="020302"/>
-                          </a:solidFill>
-                          <a:latin typeface="AdobeClean-Light"/>
-                          <a:cs typeface="AdobeClean-Light"/>
-                        </a:rPr>
-                        <a:t> Support</a:t>
-                      </a:r>
-                      <a:endParaRPr sz="900" spc="0">
-                        <a:latin typeface="AdobeClean-Light"/>
-                        <a:cs typeface="AdobeClean-Light"/>
-                      </a:endParaRPr>
                     </a:p>
                   </a:txBody>
                   <a:tcPr marL="0" marR="0" marT="57150" marB="0">
@@ -5524,39 +4769,15 @@
                         </a:spcBef>
                       </a:pPr>
                       <a:r>
-                        <a:rPr sz="900" spc="-25">
+                        <a:rPr lang="de-DE" sz="900">
                           <a:solidFill>
                             <a:srgbClr val="020302"/>
                           </a:solidFill>
                           <a:latin typeface="AdobeClean-Light"/>
                           <a:cs typeface="AdobeClean-Light"/>
                         </a:rPr>
-                        <a:t>Business</a:t>
+                        <a:t>Geschäftszeiten</a:t>
                       </a:r>
-                      <a:r>
-                        <a:rPr sz="900" spc="-15">
-                          <a:solidFill>
-                            <a:srgbClr val="020302"/>
-                          </a:solidFill>
-                          <a:latin typeface="AdobeClean-Light"/>
-                          <a:cs typeface="AdobeClean-Light"/>
-                        </a:rPr>
-                        <a:t> </a:t>
-                      </a:r>
-                      <a:r>
-                        <a:rPr sz="900" spc="-30">
-                          <a:solidFill>
-                            <a:srgbClr val="020302"/>
-                          </a:solidFill>
-                          <a:latin typeface="AdobeClean-Light"/>
-                          <a:cs typeface="AdobeClean-Light"/>
-                        </a:rPr>
-                        <a:t>hours</a:t>
-                      </a:r>
-                      <a:endParaRPr sz="900">
-                        <a:latin typeface="AdobeClean-Light"/>
-                        <a:cs typeface="AdobeClean-Light"/>
-                      </a:endParaRPr>
                     </a:p>
                   </a:txBody>
                   <a:tcPr marL="0" marR="0" marT="67945" marB="0">
@@ -5595,7 +4816,7 @@
                         </a:spcBef>
                       </a:pPr>
                       <a:r>
-                        <a:rPr lang="en-US" sz="900" spc="-25">
+                        <a:rPr lang="de-DE" sz="900">
                           <a:solidFill>
                             <a:srgbClr val="020302"/>
                           </a:solidFill>
@@ -5604,10 +4825,6 @@
                         </a:rPr>
                         <a:t>24x5</a:t>
                       </a:r>
-                      <a:endParaRPr sz="900">
-                        <a:latin typeface="AdobeClean-Light"/>
-                        <a:cs typeface="AdobeClean-Light"/>
-                      </a:endParaRPr>
                     </a:p>
                   </a:txBody>
                   <a:tcPr marL="0" marR="0" marT="67945" marB="0" anchor="ctr">
@@ -5639,7 +4856,7 @@
                     <a:bodyPr/>
                     <a:lstStyle/>
                     <a:p>
-                      <a:pPr marL="50800">
+                      <a:pPr marL="50800" algn="l" rtl="0">
                         <a:lnSpc>
                           <a:spcPct val="100000"/>
                         </a:lnSpc>
@@ -5647,7 +4864,7 @@
                           <a:spcPts val="455"/>
                         </a:spcBef>
                       </a:pPr>
-                      <a:endParaRPr sz="900">
+                      <a:endParaRPr sz="900" dirty="0">
                         <a:latin typeface="AdobeClean-Light"/>
                         <a:cs typeface="AdobeClean-Light"/>
                       </a:endParaRPr>
@@ -5688,39 +4905,15 @@
                         </a:spcBef>
                       </a:pPr>
                       <a:r>
-                        <a:rPr sz="900" spc="0">
+                        <a:rPr lang="de-DE" sz="900">
                           <a:solidFill>
                             <a:srgbClr val="020302"/>
                           </a:solidFill>
                           <a:latin typeface="AdobeClean-Light"/>
                           <a:cs typeface="AdobeClean-Light"/>
                         </a:rPr>
-                        <a:t>24x7</a:t>
+                        <a:t>24x7x365 Support für Probleme der Kategorie P1</a:t>
                       </a:r>
-                      <a:r>
-                        <a:rPr lang="en-US" sz="900" spc="0">
-                          <a:solidFill>
-                            <a:srgbClr val="020302"/>
-                          </a:solidFill>
-                          <a:latin typeface="AdobeClean-Light"/>
-                          <a:cs typeface="AdobeClean-Light"/>
-                        </a:rPr>
-                        <a:t>x365</a:t>
-                      </a:r>
-                      <a:r>
-                        <a:rPr sz="900" spc="0">
-                          <a:solidFill>
-                            <a:srgbClr val="020302"/>
-                          </a:solidFill>
-                          <a:latin typeface="AdobeClean-Light"/>
-                          <a:cs typeface="AdobeClean-Light"/>
-                        </a:rPr>
-                        <a:t> P1 Issue Support</a:t>
-                      </a:r>
-                      <a:endParaRPr sz="900" spc="0">
-                        <a:latin typeface="AdobeClean-Light"/>
-                        <a:cs typeface="AdobeClean-Light"/>
-                      </a:endParaRPr>
                     </a:p>
                   </a:txBody>
                   <a:tcPr marL="0" marR="0" marT="57785" marB="0">
@@ -5752,7 +4945,7 @@
                         </a:spcBef>
                       </a:pPr>
                       <a:r>
-                        <a:rPr sz="900">
+                        <a:rPr lang="de-DE" sz="900">
                           <a:solidFill>
                             <a:srgbClr val="020302"/>
                           </a:solidFill>
@@ -5761,10 +4954,6 @@
                         </a:rPr>
                         <a:t></a:t>
                       </a:r>
-                      <a:endParaRPr sz="900">
-                        <a:latin typeface="Wingdings"/>
-                        <a:cs typeface="Wingdings"/>
-                      </a:endParaRPr>
                     </a:p>
                   </a:txBody>
                   <a:tcPr marL="0" marR="0" marT="58419" marB="0">
@@ -5794,7 +4983,7 @@
                         </a:spcBef>
                       </a:pPr>
                       <a:r>
-                        <a:rPr sz="900">
+                        <a:rPr lang="de-DE" sz="900">
                           <a:solidFill>
                             <a:srgbClr val="020302"/>
                           </a:solidFill>
@@ -5803,10 +4992,6 @@
                         </a:rPr>
                         <a:t></a:t>
                       </a:r>
-                      <a:endParaRPr sz="900">
-                        <a:latin typeface="Wingdings"/>
-                        <a:cs typeface="Wingdings"/>
-                      </a:endParaRPr>
                     </a:p>
                   </a:txBody>
                   <a:tcPr marL="0" marR="0" marT="58419" marB="0" anchor="ctr">
@@ -5829,7 +5014,7 @@
                     <a:bodyPr/>
                     <a:lstStyle/>
                     <a:p>
-                      <a:pPr marL="50800">
+                      <a:pPr marL="50800" algn="l" rtl="0">
                         <a:lnSpc>
                           <a:spcPct val="100000"/>
                         </a:lnSpc>
@@ -5837,7 +5022,7 @@
                           <a:spcPts val="455"/>
                         </a:spcBef>
                       </a:pPr>
-                      <a:endParaRPr sz="900">
+                      <a:endParaRPr sz="900" dirty="0">
                         <a:latin typeface="AdobeClean-Light"/>
                         <a:cs typeface="AdobeClean-Light"/>
                       </a:endParaRPr>
@@ -5887,19 +5072,15 @@
                         </a:spcBef>
                       </a:pPr>
                       <a:r>
-                        <a:rPr lang="en-US" sz="900" spc="0">
+                        <a:rPr lang="de-DE" sz="900">
                           <a:solidFill>
                             <a:srgbClr val="020302"/>
                           </a:solidFill>
                           <a:latin typeface="AdobeClean-Light"/>
                           <a:cs typeface="AdobeClean-Light"/>
                         </a:rPr>
-                        <a:t>Named Support Contacts (per product)</a:t>
+                        <a:t>Spezifische Support-Kontakte (pro Produkt)</a:t>
                       </a:r>
-                      <a:endParaRPr sz="900" spc="0">
-                        <a:latin typeface="AdobeClean-Light"/>
-                        <a:cs typeface="AdobeClean-Light"/>
-                      </a:endParaRPr>
                     </a:p>
                   </a:txBody>
                   <a:tcPr marL="0" marR="0" marT="57785" marB="0">
@@ -5937,7 +5118,7 @@
                         </a:spcBef>
                       </a:pPr>
                       <a:r>
-                        <a:rPr sz="900">
+                        <a:rPr lang="de-DE" sz="900">
                           <a:solidFill>
                             <a:srgbClr val="020302"/>
                           </a:solidFill>
@@ -5946,10 +5127,6 @@
                         </a:rPr>
                         <a:t>4</a:t>
                       </a:r>
-                      <a:endParaRPr sz="900">
-                        <a:latin typeface="AdobeClean-Light"/>
-                        <a:cs typeface="AdobeClean-Light"/>
-                      </a:endParaRPr>
                     </a:p>
                   </a:txBody>
                   <a:tcPr marL="0" marR="0" marT="57785" marB="0">
@@ -5979,7 +5156,7 @@
                         </a:spcBef>
                       </a:pPr>
                       <a:r>
-                        <a:rPr lang="en-US" sz="900">
+                        <a:rPr lang="de-DE" sz="900">
                           <a:solidFill>
                             <a:srgbClr val="020302"/>
                           </a:solidFill>
@@ -5988,10 +5165,6 @@
                         </a:rPr>
                         <a:t>15</a:t>
                       </a:r>
-                      <a:endParaRPr sz="900">
-                        <a:latin typeface="AdobeClean-Light"/>
-                        <a:cs typeface="AdobeClean-Light"/>
-                      </a:endParaRPr>
                     </a:p>
                   </a:txBody>
                   <a:tcPr marL="0" marR="0" marT="57785" marB="0" anchor="ctr">
@@ -6014,7 +5187,7 @@
                     <a:bodyPr/>
                     <a:lstStyle/>
                     <a:p>
-                      <a:pPr marL="50800">
+                      <a:pPr marL="50800" algn="l" rtl="0">
                         <a:lnSpc>
                           <a:spcPct val="100000"/>
                         </a:lnSpc>
@@ -6022,7 +5195,7 @@
                           <a:spcPts val="455"/>
                         </a:spcBef>
                       </a:pPr>
-                      <a:endParaRPr sz="900">
+                      <a:endParaRPr sz="900" dirty="0">
                         <a:latin typeface="AdobeClean-Light"/>
                         <a:cs typeface="AdobeClean-Light"/>
                       </a:endParaRPr>
@@ -6063,19 +5236,15 @@
                         </a:spcBef>
                       </a:pPr>
                       <a:r>
-                        <a:rPr lang="en-US" sz="900" spc="0">
+                        <a:rPr lang="de-DE" sz="900" dirty="0">
                           <a:solidFill>
                             <a:srgbClr val="020302"/>
                           </a:solidFill>
                           <a:latin typeface="AdobeClean-Light"/>
                           <a:cs typeface="AdobeClean-Light"/>
                         </a:rPr>
-                        <a:t>Live Telephone Support</a:t>
+                        <a:t>Live-Telefon-Support</a:t>
                       </a:r>
-                      <a:endParaRPr sz="900" spc="0">
-                        <a:latin typeface="AdobeClean-Light"/>
-                        <a:cs typeface="AdobeClean-Light"/>
-                      </a:endParaRPr>
                     </a:p>
                   </a:txBody>
                   <a:tcPr marL="0" marR="0" marT="57785" marB="0">
@@ -6098,7 +5267,7 @@
                     <a:bodyPr/>
                     <a:lstStyle/>
                     <a:p>
-                      <a:pPr algn="ctr">
+                      <a:pPr algn="l" rtl="0">
                         <a:lnSpc>
                           <a:spcPct val="100000"/>
                         </a:lnSpc>
@@ -6106,7 +5275,7 @@
                           <a:spcPts val="464"/>
                         </a:spcBef>
                       </a:pPr>
-                      <a:endParaRPr sz="900">
+                      <a:endParaRPr sz="900" dirty="0">
                         <a:latin typeface="Wingdings"/>
                         <a:cs typeface="Wingdings"/>
                       </a:endParaRPr>
@@ -6139,7 +5308,7 @@
                         </a:spcBef>
                       </a:pPr>
                       <a:r>
-                        <a:rPr sz="900">
+                        <a:rPr lang="de-DE" sz="900">
                           <a:solidFill>
                             <a:srgbClr val="020302"/>
                           </a:solidFill>
@@ -6148,10 +5317,6 @@
                         </a:rPr>
                         <a:t></a:t>
                       </a:r>
-                      <a:endParaRPr sz="900">
-                        <a:latin typeface="Wingdings"/>
-                        <a:cs typeface="Wingdings"/>
-                      </a:endParaRPr>
                     </a:p>
                   </a:txBody>
                   <a:tcPr marL="0" marR="0" marT="59054" marB="0" anchor="ctr">
@@ -6174,7 +5339,7 @@
                     <a:bodyPr/>
                     <a:lstStyle/>
                     <a:p>
-                      <a:pPr marL="50800">
+                      <a:pPr marL="50800" algn="l" rtl="0">
                         <a:lnSpc>
                           <a:spcPct val="100000"/>
                         </a:lnSpc>
@@ -6182,7 +5347,7 @@
                           <a:spcPts val="459"/>
                         </a:spcBef>
                       </a:pPr>
-                      <a:endParaRPr sz="900">
+                      <a:endParaRPr sz="900" dirty="0">
                         <a:latin typeface="AdobeClean-Light"/>
                         <a:cs typeface="AdobeClean-Light"/>
                       </a:endParaRPr>
@@ -6223,19 +5388,15 @@
                         </a:spcBef>
                       </a:pPr>
                       <a:r>
-                        <a:rPr sz="900" spc="0">
+                        <a:rPr lang="de-DE" sz="900">
                           <a:solidFill>
                             <a:srgbClr val="020302"/>
                           </a:solidFill>
                           <a:latin typeface="AdobeClean-Light"/>
                           <a:cs typeface="AdobeClean-Light"/>
                         </a:rPr>
-                        <a:t>Escalation Management</a:t>
+                        <a:t>Eskalations-Management</a:t>
                       </a:r>
-                      <a:endParaRPr sz="900" spc="0">
-                        <a:latin typeface="AdobeClean-Light"/>
-                        <a:cs typeface="AdobeClean-Light"/>
-                      </a:endParaRPr>
                     </a:p>
                   </a:txBody>
                   <a:tcPr marL="0" marR="0" marT="58419" marB="0">
@@ -6258,7 +5419,7 @@
                     <a:bodyPr/>
                     <a:lstStyle/>
                     <a:p>
-                      <a:pPr algn="ctr">
+                      <a:pPr algn="l" rtl="0">
                         <a:lnSpc>
                           <a:spcPct val="100000"/>
                         </a:lnSpc>
@@ -6266,7 +5427,7 @@
                           <a:spcPts val="470"/>
                         </a:spcBef>
                       </a:pPr>
-                      <a:endParaRPr sz="900">
+                      <a:endParaRPr sz="900" dirty="0">
                         <a:latin typeface="Wingdings"/>
                         <a:cs typeface="Wingdings"/>
                       </a:endParaRPr>
@@ -6299,7 +5460,7 @@
                         </a:spcBef>
                       </a:pPr>
                       <a:r>
-                        <a:rPr sz="900">
+                        <a:rPr lang="de-DE" sz="900">
                           <a:solidFill>
                             <a:srgbClr val="020302"/>
                           </a:solidFill>
@@ -6308,10 +5469,6 @@
                         </a:rPr>
                         <a:t></a:t>
                       </a:r>
-                      <a:endParaRPr sz="900">
-                        <a:latin typeface="Wingdings"/>
-                        <a:cs typeface="Wingdings"/>
-                      </a:endParaRPr>
                     </a:p>
                   </a:txBody>
                   <a:tcPr marL="0" marR="0" marT="59690" marB="0" anchor="ctr">
@@ -6334,7 +5491,7 @@
                     <a:bodyPr/>
                     <a:lstStyle/>
                     <a:p>
-                      <a:pPr marL="50800">
+                      <a:pPr marL="50800" algn="l" rtl="0">
                         <a:lnSpc>
                           <a:spcPct val="100000"/>
                         </a:lnSpc>
@@ -6342,7 +5499,7 @@
                           <a:spcPts val="450"/>
                         </a:spcBef>
                       </a:pPr>
-                      <a:endParaRPr sz="900">
+                      <a:endParaRPr sz="900" dirty="0">
                         <a:latin typeface="AdobeClean-Light"/>
                         <a:cs typeface="AdobeClean-Light"/>
                       </a:endParaRPr>
@@ -6383,29 +5540,15 @@
                         </a:spcBef>
                       </a:pPr>
                       <a:r>
-                        <a:rPr sz="900" spc="0">
+                        <a:rPr lang="de-DE" sz="900">
                           <a:solidFill>
                             <a:srgbClr val="020302"/>
                           </a:solidFill>
                           <a:latin typeface="AdobeClean-Light"/>
                           <a:cs typeface="AdobeClean-Light"/>
                         </a:rPr>
-                        <a:t>Service Reviews </a:t>
+                        <a:t>Jährliche Service-Prüfung</a:t>
                       </a:r>
-                      <a:r>
-                        <a:rPr lang="en-US" sz="900" spc="0">
-                          <a:solidFill>
-                            <a:srgbClr val="020302"/>
-                          </a:solidFill>
-                          <a:latin typeface="AdobeClean-Light"/>
-                          <a:cs typeface="AdobeClean-Light"/>
-                        </a:rPr>
-                        <a:t>per Year</a:t>
-                      </a:r>
-                      <a:endParaRPr sz="900" spc="0">
-                        <a:latin typeface="AdobeClean-Light"/>
-                        <a:cs typeface="AdobeClean-Light"/>
-                      </a:endParaRPr>
                     </a:p>
                   </a:txBody>
                   <a:tcPr marL="0" marR="0" marT="57150" marB="0">
@@ -6428,12 +5571,12 @@
                     <a:bodyPr/>
                     <a:lstStyle/>
                     <a:p>
-                      <a:pPr>
+                      <a:pPr algn="l" rtl="0">
                         <a:lnSpc>
                           <a:spcPct val="100000"/>
                         </a:lnSpc>
                       </a:pPr>
-                      <a:endParaRPr sz="900">
+                      <a:endParaRPr sz="900" dirty="0">
                         <a:latin typeface="Times New Roman"/>
                         <a:cs typeface="Times New Roman"/>
                       </a:endParaRPr>
@@ -6463,16 +5606,12 @@
                         </a:lnSpc>
                       </a:pPr>
                       <a:r>
-                        <a:rPr lang="en-US" sz="900">
+                        <a:rPr lang="de-DE" sz="900">
                           <a:latin typeface="Times New Roman"/>
                           <a:cs typeface="Times New Roman"/>
                         </a:rPr>
                         <a:t>4</a:t>
                       </a:r>
-                      <a:endParaRPr sz="900">
-                        <a:latin typeface="Times New Roman"/>
-                        <a:cs typeface="Times New Roman"/>
-                      </a:endParaRPr>
                     </a:p>
                   </a:txBody>
                   <a:tcPr marL="0" marR="0" marT="0" marB="0" anchor="ctr">
@@ -6514,16 +5653,12 @@
                         </a:spcBef>
                       </a:pPr>
                       <a:r>
-                        <a:rPr lang="en-US" sz="900" spc="0">
+                        <a:rPr lang="de-DE" sz="900">
                           <a:latin typeface="AdobeClean-Light"/>
                           <a:cs typeface="AdobeClean-Light"/>
                         </a:rPr>
-                        <a:t>Expert Sessions per Year</a:t>
+                        <a:t>Jährliche Experten-Sessions</a:t>
                       </a:r>
-                      <a:endParaRPr sz="900" spc="0">
-                        <a:latin typeface="AdobeClean-Light"/>
-                        <a:cs typeface="AdobeClean-Light"/>
-                      </a:endParaRPr>
                     </a:p>
                   </a:txBody>
                   <a:tcPr marL="0" marR="0" marT="57150" marB="0">
@@ -6552,12 +5687,12 @@
                     <a:bodyPr/>
                     <a:lstStyle/>
                     <a:p>
-                      <a:pPr>
+                      <a:pPr algn="l" rtl="0">
                         <a:lnSpc>
                           <a:spcPct val="100000"/>
                         </a:lnSpc>
                       </a:pPr>
-                      <a:endParaRPr sz="900">
+                      <a:endParaRPr sz="900" dirty="0">
                         <a:latin typeface="Times New Roman"/>
                         <a:cs typeface="Times New Roman"/>
                       </a:endParaRPr>
@@ -6587,16 +5722,12 @@
                         </a:lnSpc>
                       </a:pPr>
                       <a:r>
-                        <a:rPr lang="en-US" sz="900">
+                        <a:rPr lang="de-DE" sz="900">
                           <a:latin typeface="Times New Roman"/>
                           <a:cs typeface="Times New Roman"/>
                         </a:rPr>
                         <a:t>4</a:t>
                       </a:r>
-                      <a:endParaRPr sz="900">
-                        <a:latin typeface="Times New Roman"/>
-                        <a:cs typeface="Times New Roman"/>
-                      </a:endParaRPr>
                     </a:p>
                   </a:txBody>
                   <a:tcPr marL="0" marR="0" marT="0" marB="0" anchor="ctr">
@@ -6638,16 +5769,12 @@
                         </a:spcBef>
                       </a:pPr>
                       <a:r>
-                        <a:rPr lang="en-US" sz="900" spc="0">
+                        <a:rPr lang="de-DE" sz="900">
                           <a:latin typeface="AdobeClean-Light"/>
                           <a:cs typeface="AdobeClean-Light"/>
                         </a:rPr>
-                        <a:t>Case Reviews</a:t>
+                        <a:t>Fallprüfungen</a:t>
                       </a:r>
-                      <a:endParaRPr sz="900" spc="0">
-                        <a:latin typeface="AdobeClean-Light"/>
-                        <a:cs typeface="AdobeClean-Light"/>
-                      </a:endParaRPr>
                     </a:p>
                   </a:txBody>
                   <a:tcPr marL="0" marR="0" marT="57150" marB="0">
@@ -6676,12 +5803,12 @@
                     <a:bodyPr/>
                     <a:lstStyle/>
                     <a:p>
-                      <a:pPr>
+                      <a:pPr algn="l" rtl="0">
                         <a:lnSpc>
                           <a:spcPct val="100000"/>
                         </a:lnSpc>
                       </a:pPr>
-                      <a:endParaRPr sz="900">
+                      <a:endParaRPr sz="900" dirty="0">
                         <a:latin typeface="Times New Roman"/>
                         <a:cs typeface="Times New Roman"/>
                       </a:endParaRPr>
@@ -6723,7 +5850,7 @@
                         <a:defRPr/>
                       </a:pPr>
                       <a:r>
-                        <a:rPr lang="en-US" sz="900">
+                        <a:rPr lang="de-DE" sz="900">
                           <a:solidFill>
                             <a:srgbClr val="020302"/>
                           </a:solidFill>
@@ -6732,10 +5859,6 @@
                         </a:rPr>
                         <a:t></a:t>
                       </a:r>
-                      <a:endParaRPr lang="en-US" sz="900">
-                        <a:latin typeface="Wingdings"/>
-                        <a:cs typeface="Wingdings"/>
-                      </a:endParaRPr>
                     </a:p>
                   </a:txBody>
                   <a:tcPr marL="0" marR="0" marT="0" marB="0" anchor="ctr">
@@ -6758,7 +5881,7 @@
                     <a:bodyPr/>
                     <a:lstStyle/>
                     <a:p>
-                      <a:pPr marL="48895">
+                      <a:pPr marL="48895" algn="l" rtl="0">
                         <a:lnSpc>
                           <a:spcPct val="100000"/>
                         </a:lnSpc>
@@ -6766,7 +5889,7 @@
                           <a:spcPts val="459"/>
                         </a:spcBef>
                       </a:pPr>
-                      <a:endParaRPr sz="900">
+                      <a:endParaRPr sz="900" dirty="0">
                         <a:latin typeface="AdobeClean-Light"/>
                         <a:cs typeface="AdobeClean-Light"/>
                       </a:endParaRPr>
@@ -6816,29 +5939,15 @@
                         </a:spcBef>
                       </a:pPr>
                       <a:r>
-                        <a:rPr sz="900" spc="0">
+                        <a:rPr lang="de-DE" sz="900">
                           <a:solidFill>
                             <a:srgbClr val="020302"/>
                           </a:solidFill>
                           <a:latin typeface="AdobeClean-Light"/>
                           <a:cs typeface="AdobeClean-Light"/>
                         </a:rPr>
-                        <a:t>Event </a:t>
+                        <a:t>Ereignis-Management</a:t>
                       </a:r>
-                      <a:r>
-                        <a:rPr lang="en-US" sz="900" spc="0">
-                          <a:solidFill>
-                            <a:srgbClr val="020302"/>
-                          </a:solidFill>
-                          <a:latin typeface="AdobeClean-Light"/>
-                          <a:cs typeface="AdobeClean-Light"/>
-                        </a:rPr>
-                        <a:t>Management</a:t>
-                      </a:r>
-                      <a:endParaRPr sz="900" spc="0">
-                        <a:latin typeface="AdobeClean-Light"/>
-                        <a:cs typeface="AdobeClean-Light"/>
-                      </a:endParaRPr>
                     </a:p>
                   </a:txBody>
                   <a:tcPr marL="0" marR="0" marT="58419" marB="0">
@@ -6867,12 +5976,12 @@
                     <a:bodyPr/>
                     <a:lstStyle/>
                     <a:p>
-                      <a:pPr>
+                      <a:pPr algn="l" rtl="0">
                         <a:lnSpc>
                           <a:spcPct val="100000"/>
                         </a:lnSpc>
                       </a:pPr>
-                      <a:endParaRPr sz="900">
+                      <a:endParaRPr sz="900" dirty="0">
                         <a:latin typeface="Times New Roman"/>
                         <a:cs typeface="Times New Roman"/>
                       </a:endParaRPr>
@@ -6914,7 +6023,7 @@
                         <a:defRPr/>
                       </a:pPr>
                       <a:r>
-                        <a:rPr lang="en-US" sz="900">
+                        <a:rPr lang="de-DE" sz="900">
                           <a:solidFill>
                             <a:srgbClr val="020302"/>
                           </a:solidFill>
@@ -6923,10 +6032,6 @@
                         </a:rPr>
                         <a:t></a:t>
                       </a:r>
-                      <a:endParaRPr lang="en-US" sz="900">
-                        <a:latin typeface="Wingdings"/>
-                        <a:cs typeface="Wingdings"/>
-                      </a:endParaRPr>
                     </a:p>
                   </a:txBody>
                   <a:tcPr marL="0" marR="0" marT="0" marB="0" anchor="ctr">
@@ -6949,7 +6054,7 @@
                     <a:bodyPr/>
                     <a:lstStyle/>
                     <a:p>
-                      <a:pPr marL="48895">
+                      <a:pPr marL="48895" algn="l" rtl="0">
                         <a:lnSpc>
                           <a:spcPct val="100000"/>
                         </a:lnSpc>
@@ -6957,7 +6062,7 @@
                           <a:spcPts val="465"/>
                         </a:spcBef>
                       </a:pPr>
-                      <a:endParaRPr sz="900">
+                      <a:endParaRPr sz="900" dirty="0">
                         <a:latin typeface="AdobeClean-Light"/>
                         <a:cs typeface="AdobeClean-Light"/>
                       </a:endParaRPr>
@@ -6998,39 +6103,15 @@
                         </a:spcBef>
                       </a:pPr>
                       <a:r>
-                        <a:rPr sz="900" spc="0">
+                        <a:rPr lang="de-DE" sz="900">
                           <a:solidFill>
                             <a:srgbClr val="020302"/>
                           </a:solidFill>
                           <a:latin typeface="AdobeClean-Light"/>
                           <a:cs typeface="AdobeClean-Light"/>
                         </a:rPr>
-                        <a:t>Environment</a:t>
+                        <a:t>Umgebungsbewertung, -wartung und -überwachung</a:t>
                       </a:r>
-                      <a:r>
-                        <a:rPr lang="en-US" sz="900" spc="0">
-                          <a:solidFill>
-                            <a:srgbClr val="020302"/>
-                          </a:solidFill>
-                          <a:latin typeface="AdobeClean-Light"/>
-                          <a:cs typeface="AdobeClean-Light"/>
-                        </a:rPr>
-                        <a:t> </a:t>
-                      </a:r>
-                      <a:r>
-                        <a:rPr sz="900" spc="0">
-                          <a:solidFill>
-                            <a:srgbClr val="020302"/>
-                          </a:solidFill>
-                          <a:latin typeface="AdobeClean-Light"/>
-                          <a:cs typeface="AdobeClean-Light"/>
-                        </a:rPr>
-                        <a:t>Review, Maintenance &amp; Monitoring</a:t>
-                      </a:r>
-                      <a:endParaRPr sz="900" spc="0">
-                        <a:latin typeface="AdobeClean-Light"/>
-                        <a:cs typeface="AdobeClean-Light"/>
-                      </a:endParaRPr>
                     </a:p>
                   </a:txBody>
                   <a:tcPr marL="0" marR="0" marT="59055" marB="0">
@@ -7053,12 +6134,12 @@
                     <a:bodyPr/>
                     <a:lstStyle/>
                     <a:p>
-                      <a:pPr>
+                      <a:pPr algn="l" rtl="0">
                         <a:lnSpc>
                           <a:spcPct val="100000"/>
                         </a:lnSpc>
                       </a:pPr>
-                      <a:endParaRPr sz="900">
+                      <a:endParaRPr sz="900" dirty="0">
                         <a:latin typeface="Times New Roman"/>
                         <a:cs typeface="Times New Roman"/>
                       </a:endParaRPr>
@@ -7100,7 +6181,7 @@
                         <a:defRPr/>
                       </a:pPr>
                       <a:r>
-                        <a:rPr lang="en-US" sz="900">
+                        <a:rPr lang="de-DE" sz="900">
                           <a:solidFill>
                             <a:srgbClr val="020302"/>
                           </a:solidFill>
@@ -7109,10 +6190,6 @@
                         </a:rPr>
                         <a:t></a:t>
                       </a:r>
-                      <a:endParaRPr lang="en-US" sz="900">
-                        <a:latin typeface="Wingdings"/>
-                        <a:cs typeface="Wingdings"/>
-                      </a:endParaRPr>
                     </a:p>
                   </a:txBody>
                   <a:tcPr marL="0" marR="0" marT="0" marB="0" anchor="ctr">
@@ -7135,7 +6212,7 @@
                     <a:bodyPr/>
                     <a:lstStyle/>
                     <a:p>
-                      <a:pPr marL="49530">
+                      <a:pPr marL="49530" algn="l" rtl="0">
                         <a:lnSpc>
                           <a:spcPct val="100000"/>
                         </a:lnSpc>
@@ -7143,7 +6220,7 @@
                           <a:spcPts val="500"/>
                         </a:spcBef>
                       </a:pPr>
-                      <a:endParaRPr sz="900">
+                      <a:endParaRPr sz="900" dirty="0">
                         <a:latin typeface="AdobeClean-Light"/>
                         <a:cs typeface="AdobeClean-Light"/>
                       </a:endParaRPr>
@@ -7184,19 +6261,15 @@
                         </a:spcBef>
                       </a:pPr>
                       <a:r>
-                        <a:rPr sz="900" spc="0">
+                        <a:rPr lang="de-DE" sz="900" spc="-30" baseline="0" dirty="0">
                           <a:solidFill>
                             <a:srgbClr val="020302"/>
                           </a:solidFill>
                           <a:latin typeface="AdobeClean-Light"/>
                           <a:cs typeface="AdobeClean-Light"/>
                         </a:rPr>
-                        <a:t>Release, Migration, Upgrade &amp; Product Roadmap Review</a:t>
+                        <a:t>Prüfung von Freigabe, Migration, Aktualisierung und Produkt-Roadmap</a:t>
                       </a:r>
-                      <a:endParaRPr sz="900" spc="0">
-                        <a:latin typeface="AdobeClean-Light"/>
-                        <a:cs typeface="AdobeClean-Light"/>
-                      </a:endParaRPr>
                     </a:p>
                   </a:txBody>
                   <a:tcPr marL="0" marR="0" marT="63500" marB="0">
@@ -7219,12 +6292,12 @@
                     <a:bodyPr/>
                     <a:lstStyle/>
                     <a:p>
-                      <a:pPr>
+                      <a:pPr algn="l" rtl="0">
                         <a:lnSpc>
                           <a:spcPct val="100000"/>
                         </a:lnSpc>
                       </a:pPr>
-                      <a:endParaRPr sz="900">
+                      <a:endParaRPr sz="900" dirty="0">
                         <a:latin typeface="Times New Roman"/>
                         <a:cs typeface="Times New Roman"/>
                       </a:endParaRPr>
@@ -7266,7 +6339,7 @@
                         <a:defRPr/>
                       </a:pPr>
                       <a:r>
-                        <a:rPr lang="en-US" sz="900">
+                        <a:rPr lang="de-DE" sz="900">
                           <a:solidFill>
                             <a:srgbClr val="020302"/>
                           </a:solidFill>
@@ -7275,10 +6348,6 @@
                         </a:rPr>
                         <a:t></a:t>
                       </a:r>
-                      <a:endParaRPr lang="en-US" sz="900">
-                        <a:latin typeface="Wingdings"/>
-                        <a:cs typeface="Wingdings"/>
-                      </a:endParaRPr>
                     </a:p>
                   </a:txBody>
                   <a:tcPr marL="0" marR="0" marT="0" marB="0" anchor="ctr">
@@ -7301,7 +6370,7 @@
                     <a:bodyPr/>
                     <a:lstStyle/>
                     <a:p>
-                      <a:pPr marL="49530">
+                      <a:pPr marL="49530" algn="l" rtl="0">
                         <a:lnSpc>
                           <a:spcPct val="100000"/>
                         </a:lnSpc>
@@ -7309,7 +6378,7 @@
                           <a:spcPts val="530"/>
                         </a:spcBef>
                       </a:pPr>
-                      <a:endParaRPr sz="900">
+                      <a:endParaRPr sz="900" dirty="0">
                         <a:latin typeface="AdobeClean-Light"/>
                         <a:cs typeface="AdobeClean-Light"/>
                       </a:endParaRPr>
@@ -7359,11 +6428,11 @@
                         </a:spcBef>
                       </a:pPr>
                       <a:r>
-                        <a:rPr sz="900" spc="0">
+                        <a:rPr lang="de-DE" sz="900" spc="-30" baseline="0" dirty="0">
                           <a:latin typeface="AdobeClean-Light"/>
                           <a:cs typeface="AdobeClean-Light"/>
                         </a:rPr>
-                        <a:t>Cloud Support Activities – Experience Manager as Cloud</a:t>
+                        <a:t>Cloud-Support-Aktivitäten – Experience Manager as a Cloud Service</a:t>
                       </a:r>
                     </a:p>
                   </a:txBody>
@@ -7393,12 +6462,12 @@
                     <a:bodyPr/>
                     <a:lstStyle/>
                     <a:p>
-                      <a:pPr>
+                      <a:pPr algn="l" rtl="0">
                         <a:lnSpc>
                           <a:spcPct val="100000"/>
                         </a:lnSpc>
                       </a:pPr>
-                      <a:endParaRPr sz="900">
+                      <a:endParaRPr sz="900" dirty="0">
                         <a:latin typeface="Times New Roman"/>
                         <a:cs typeface="Times New Roman"/>
                       </a:endParaRPr>
@@ -7449,7 +6518,7 @@
                         <a:defRPr/>
                       </a:pPr>
                       <a:r>
-                        <a:rPr lang="en-US" sz="900">
+                        <a:rPr lang="de-DE" sz="900">
                           <a:solidFill>
                             <a:srgbClr val="020302"/>
                           </a:solidFill>
@@ -7458,10 +6527,6 @@
                         </a:rPr>
                         <a:t></a:t>
                       </a:r>
-                      <a:endParaRPr lang="en-US" sz="900">
-                        <a:latin typeface="Wingdings"/>
-                        <a:cs typeface="Wingdings"/>
-                      </a:endParaRPr>
                     </a:p>
                   </a:txBody>
                   <a:tcPr marL="0" marR="0" marT="0" marB="0" anchor="ctr">
@@ -7502,22 +6567,15 @@
                         </a:spcBef>
                       </a:pPr>
                       <a:r>
-                        <a:rPr lang="en-US" sz="1000" b="1" i="0" spc="0">
+                        <a:rPr lang="de-DE" sz="1000" b="1" i="0">
                           <a:solidFill>
                             <a:schemeClr val="bg1"/>
                           </a:solidFill>
                           <a:latin typeface="Adobe Clean" panose="020B0503020404020204" pitchFamily="34" charset="0"/>
                           <a:cs typeface="AdobeClean-Light"/>
                         </a:rPr>
-                        <a:t>Field Services</a:t>
+                        <a:t>Außendienst</a:t>
                       </a:r>
-                      <a:endParaRPr sz="1000" b="1" i="0" spc="0">
-                        <a:solidFill>
-                          <a:schemeClr val="bg1"/>
-                        </a:solidFill>
-                        <a:latin typeface="Adobe Clean" panose="020B0503020404020204" pitchFamily="34" charset="0"/>
-                        <a:cs typeface="AdobeClean-Light"/>
-                      </a:endParaRPr>
                     </a:p>
                   </a:txBody>
                   <a:tcPr marL="0" marR="0" marT="48260" marB="0" anchor="ctr">
@@ -7570,14 +6628,14 @@
                         </a:spcBef>
                       </a:pPr>
                       <a:r>
-                        <a:rPr sz="900" spc="0">
+                        <a:rPr lang="de-DE" sz="900">
                           <a:solidFill>
                             <a:srgbClr val="020302"/>
                           </a:solidFill>
                           <a:latin typeface="AdobeClean-Light"/>
                           <a:cs typeface="AdobeClean-Light"/>
                         </a:rPr>
-                        <a:t>Launch Advisory Services – First Year of new solution</a:t>
+                        <a:t>Launch Advisory-Services – Erstes Jahr mit der neuen Lösung</a:t>
                       </a:r>
                     </a:p>
                   </a:txBody>
@@ -7617,12 +6675,12 @@
                     <a:bodyPr/>
                     <a:lstStyle/>
                     <a:p>
-                      <a:pPr>
+                      <a:pPr algn="l" rtl="0">
                         <a:lnSpc>
                           <a:spcPct val="100000"/>
                         </a:lnSpc>
                       </a:pPr>
-                      <a:endParaRPr sz="900">
+                      <a:endParaRPr sz="900" dirty="0">
                         <a:latin typeface="Times New Roman"/>
                         <a:cs typeface="Times New Roman"/>
                       </a:endParaRPr>
@@ -7689,7 +6747,7 @@
                         <a:defRPr/>
                       </a:pPr>
                       <a:r>
-                        <a:rPr lang="en-US" sz="900">
+                        <a:rPr lang="de-DE" sz="900">
                           <a:solidFill>
                             <a:srgbClr val="020302"/>
                           </a:solidFill>
@@ -7698,10 +6756,6 @@
                         </a:rPr>
                         <a:t></a:t>
                       </a:r>
-                      <a:endParaRPr lang="en-US" sz="900">
-                        <a:latin typeface="Wingdings"/>
-                        <a:cs typeface="Wingdings"/>
-                      </a:endParaRPr>
                     </a:p>
                   </a:txBody>
                   <a:tcPr marL="0" marR="0" marT="0" marB="0" anchor="ctr">
@@ -7780,11 +6834,11 @@
                         <a:defRPr/>
                       </a:pPr>
                       <a:r>
-                        <a:rPr lang="en-US" sz="900" spc="0">
+                        <a:rPr lang="de-DE" sz="900">
                           <a:latin typeface="AdobeClean-Light"/>
                           <a:cs typeface="AdobeClean-Light"/>
                         </a:rPr>
-                        <a:t>Field Service Activities </a:t>
+                        <a:t>Außendienstaktivitäten </a:t>
                       </a:r>
                     </a:p>
                   </a:txBody>
@@ -7818,8 +6872,8 @@
                     <a:bodyPr/>
                     <a:lstStyle/>
                     <a:p>
-                      <a:pPr algn="ctr"/>
-                      <a:endParaRPr lang="en-US"/>
+                      <a:pPr algn="l" rtl="0"/>
+                      <a:endParaRPr lang="en-US" dirty="0"/>
                     </a:p>
                   </a:txBody>
                   <a:tcPr marL="0" marR="0" marT="0" marB="0">
@@ -7867,13 +6921,12 @@
                     <a:p>
                       <a:pPr algn="ctr"/>
                       <a:r>
-                        <a:rPr lang="en-US" sz="900">
+                        <a:rPr lang="de-DE" sz="900" dirty="0">
                           <a:latin typeface="Times New Roman"/>
                           <a:cs typeface="Times New Roman"/>
                         </a:rPr>
                         <a:t>4</a:t>
                       </a:r>
-                      <a:endParaRPr lang="en-US"/>
                     </a:p>
                   </a:txBody>
                   <a:tcPr marL="0" marR="0" marT="0" marB="0" anchor="ctr">
@@ -7963,9 +7016,9 @@
           <p:nvPr/>
         </p:nvSpPr>
         <p:spPr>
-          <a:xfrm>
-            <a:off x="357339" y="897487"/>
-            <a:ext cx="1736725" cy="0"/>
+          <a:xfrm flipV="1">
+            <a:off x="357339" y="851768"/>
+            <a:ext cx="1942628" cy="45719"/>
           </a:xfrm>
           <a:custGeom>
             <a:avLst/>
@@ -8007,7 +7060,7 @@
         <p:spPr>
           <a:xfrm>
             <a:off x="357339" y="608961"/>
-            <a:ext cx="1647825" cy="238760"/>
+            <a:ext cx="2407636" cy="228268"/>
           </a:xfrm>
           <a:prstGeom prst="rect">
             <a:avLst/>
@@ -8028,59 +7081,15 @@
               </a:spcBef>
             </a:pPr>
             <a:r>
-              <a:rPr sz="1400" b="1" spc="-10">
+              <a:rPr lang="de-DE" sz="1400" b="1" dirty="0">
                 <a:solidFill>
                   <a:srgbClr val="020302"/>
                 </a:solidFill>
                 <a:latin typeface="Adobe Clean"/>
                 <a:cs typeface="Adobe Clean"/>
               </a:rPr>
-              <a:t>Elite</a:t>
-            </a:r>
-            <a:r>
-              <a:rPr sz="1400" b="1" spc="-50">
-                <a:solidFill>
-                  <a:srgbClr val="020302"/>
-                </a:solidFill>
-                <a:latin typeface="Adobe Clean"/>
-                <a:cs typeface="Adobe Clean"/>
-              </a:rPr>
-              <a:t> </a:t>
-            </a:r>
-            <a:r>
-              <a:rPr sz="1400" b="1" spc="-10">
-                <a:solidFill>
-                  <a:srgbClr val="020302"/>
-                </a:solidFill>
-                <a:latin typeface="Adobe Clean"/>
-                <a:cs typeface="Adobe Clean"/>
-              </a:rPr>
-              <a:t>Support</a:t>
-            </a:r>
-            <a:r>
-              <a:rPr sz="1400" b="1" spc="-45">
-                <a:solidFill>
-                  <a:srgbClr val="020302"/>
-                </a:solidFill>
-                <a:latin typeface="Adobe Clean"/>
-                <a:cs typeface="Adobe Clean"/>
-              </a:rPr>
-              <a:t> </a:t>
-            </a:r>
-            <a:r>
-              <a:rPr sz="1400" b="1" spc="-15">
-                <a:solidFill>
-                  <a:srgbClr val="020302"/>
-                </a:solidFill>
-                <a:latin typeface="Adobe Clean"/>
-                <a:cs typeface="Adobe Clean"/>
-              </a:rPr>
-              <a:t>Features</a:t>
-            </a:r>
-            <a:endParaRPr sz="1400">
-              <a:latin typeface="Adobe Clean"/>
-              <a:cs typeface="Adobe Clean"/>
-            </a:endParaRPr>
+              <a:t>Umfang von Elite Support</a:t>
+            </a:r>
           </a:p>
         </p:txBody>
       </p:sp>
@@ -8092,8 +7101,8 @@
         </p:nvSpPr>
         <p:spPr>
           <a:xfrm>
-            <a:off x="2868167" y="1433668"/>
-            <a:ext cx="2194560" cy="936154"/>
+            <a:off x="2868165" y="1433668"/>
+            <a:ext cx="2370593" cy="936154"/>
           </a:xfrm>
           <a:prstGeom prst="rect">
             <a:avLst/>
@@ -8114,19 +7123,55 @@
               </a:spcBef>
             </a:pPr>
             <a:r>
-              <a:rPr sz="1000">
+              <a:rPr lang="de-DE" sz="1000" spc="-40" dirty="0">
                 <a:solidFill>
                   <a:srgbClr val="4B4B4B"/>
                 </a:solidFill>
                 <a:latin typeface="AdobeClean-Light"/>
                 <a:cs typeface="AdobeClean-Light"/>
               </a:rPr>
-              <a:t>A designated support engineer who  becomes familiar with your solution  environment and business goals. The NSE  is an experienced support engineer that  helps coordinate your Enterprise Support  experience.</a:t>
-            </a:r>
-            <a:endParaRPr sz="1000">
-              <a:latin typeface="AdobeClean-Light"/>
-              <a:cs typeface="AdobeClean-Light"/>
-            </a:endParaRPr>
+              <a:t>Ein spezifischer Support-Mitarbeiter, der sich mit Ihrer Lösungsumgebung und Ihren</a:t>
+            </a:r>
+            <a:r>
+              <a:rPr lang="sk-SK" sz="1000" spc="-40" dirty="0">
+                <a:solidFill>
+                  <a:srgbClr val="4B4B4B"/>
+                </a:solidFill>
+                <a:latin typeface="AdobeClean-Light"/>
+                <a:cs typeface="AdobeClean-Light"/>
+              </a:rPr>
+              <a:t> </a:t>
+            </a:r>
+            <a:r>
+              <a:rPr lang="de-DE" sz="1000" spc="-40" dirty="0">
+                <a:solidFill>
+                  <a:srgbClr val="4B4B4B"/>
+                </a:solidFill>
+                <a:latin typeface="AdobeClean-Light"/>
+                <a:cs typeface="AdobeClean-Light"/>
+              </a:rPr>
+              <a:t>Unternehmenszielen vertraut macht. Der spezifische Support-Mitarbeiter ist ein</a:t>
+            </a:r>
+            <a:r>
+              <a:rPr lang="sk-SK" sz="1000" spc="-40" dirty="0">
+                <a:solidFill>
+                  <a:srgbClr val="4B4B4B"/>
+                </a:solidFill>
+                <a:latin typeface="AdobeClean-Light"/>
+                <a:cs typeface="AdobeClean-Light"/>
+              </a:rPr>
+              <a:t> </a:t>
+            </a:r>
+            <a:r>
+              <a:rPr lang="de-DE" sz="1000" spc="-40" dirty="0">
+                <a:solidFill>
+                  <a:srgbClr val="4B4B4B"/>
+                </a:solidFill>
+                <a:latin typeface="AdobeClean-Light"/>
+                <a:cs typeface="AdobeClean-Light"/>
+              </a:rPr>
+              <a:t>erfahrener Support-Engineer, der Sie bei der Koordination Ihres Enterprise Support-Erlebnisses unterstützt.</a:t>
+            </a:r>
           </a:p>
         </p:txBody>
       </p:sp>
@@ -8186,8 +7231,8 @@
         </p:nvSpPr>
         <p:spPr>
           <a:xfrm>
-            <a:off x="5333365" y="1433668"/>
-            <a:ext cx="2194560" cy="936154"/>
+            <a:off x="5333364" y="1433668"/>
+            <a:ext cx="2394269" cy="936154"/>
           </a:xfrm>
           <a:prstGeom prst="rect">
             <a:avLst/>
@@ -8208,19 +7253,15 @@
               </a:spcBef>
             </a:pPr>
             <a:r>
-              <a:rPr sz="1000">
+              <a:rPr lang="de-DE" sz="1000" dirty="0">
                 <a:solidFill>
                   <a:srgbClr val="4B4B4B"/>
                 </a:solidFill>
                 <a:latin typeface="AdobeClean-Light"/>
                 <a:cs typeface="AdobeClean-Light"/>
               </a:rPr>
-              <a:t>Regular scheduled review of open  support requests, ensuring customer  alignment on case description, business  impact, status, priority and agreement on  next steps required to ensure an  expedient resolution.</a:t>
-            </a:r>
-            <a:endParaRPr sz="1000">
-              <a:latin typeface="AdobeClean-Light"/>
-              <a:cs typeface="AdobeClean-Light"/>
-            </a:endParaRPr>
+              <a:t>Fortlaufende planmäßige Prüfung offener Support-Anfragen, um sicherzustellen, dass Kunden über Fallbeschreibung, geschäftliche Auswirkungen, Status, Priorität und die nächsten Schritte für eine zweckdienliche Lösung auf dem Laufenden sind.</a:t>
+            </a:r>
           </a:p>
         </p:txBody>
       </p:sp>
@@ -8256,8 +7297,8 @@
         </p:nvSpPr>
         <p:spPr>
           <a:xfrm>
-            <a:off x="324341" y="1433668"/>
-            <a:ext cx="2194560" cy="782265"/>
+            <a:off x="324340" y="1433668"/>
+            <a:ext cx="2249511" cy="936154"/>
           </a:xfrm>
           <a:prstGeom prst="rect">
             <a:avLst/>
@@ -8278,24 +7319,33 @@
               </a:spcBef>
             </a:pPr>
             <a:r>
-              <a:rPr sz="1000">
+              <a:rPr lang="de-DE" sz="1000" dirty="0">
                 <a:solidFill>
                   <a:srgbClr val="020302"/>
                 </a:solidFill>
                 <a:latin typeface="AdobeClean-Light"/>
                 <a:cs typeface="AdobeClean-Light"/>
               </a:rPr>
-              <a:t>A designated Technical Account Manager to  oversee your Elite experience, coordinate  the support and field services  engagements, and provide proactive services  to maximize your business valu</a:t>
-            </a:r>
-            <a:r>
-              <a:rPr lang="en-US" sz="1000">
+              <a:t>Ein spezifischer Technical Account Manager, der Ihr Elite-Erlebnis überwacht, die Support- und Außendienstinteraktionen koordiniert und proaktiv Services bereitstellt, um Ihren Unternehmenswert </a:t>
+            </a:r>
+            <a:br>
+              <a:rPr lang="sk-SK" sz="1000" dirty="0">
                 <a:solidFill>
                   <a:srgbClr val="020302"/>
                 </a:solidFill>
                 <a:latin typeface="AdobeClean-Light"/>
                 <a:cs typeface="AdobeClean-Light"/>
               </a:rPr>
-              <a:t>e.</a:t>
+            </a:br>
+            <a:r>
+              <a:rPr lang="de-DE" sz="1000" dirty="0">
+                <a:solidFill>
+                  <a:srgbClr val="020302"/>
+                </a:solidFill>
+                <a:latin typeface="AdobeClean-Light"/>
+                <a:cs typeface="AdobeClean-Light"/>
+              </a:rPr>
+              <a:t>zu maximieren.</a:t>
             </a:r>
           </a:p>
         </p:txBody>
@@ -8330,7 +7380,7 @@
               </a:spcBef>
             </a:pPr>
             <a:r>
-              <a:rPr sz="1100" b="1">
+              <a:rPr lang="de-DE" sz="1100" b="1">
                 <a:solidFill>
                   <a:srgbClr val="020302"/>
                 </a:solidFill>
@@ -8339,10 +7389,6 @@
               </a:rPr>
               <a:t>Technical Account Manager</a:t>
             </a:r>
-            <a:endParaRPr sz="1100">
-              <a:latin typeface="Adobe Clean" panose="020B0503020404020204" pitchFamily="34" charset="0"/>
-              <a:cs typeface="Arial"/>
-            </a:endParaRPr>
           </a:p>
         </p:txBody>
       </p:sp>
@@ -8424,49 +7470,53 @@
               </a:spcBef>
             </a:pPr>
             <a:r>
-              <a:rPr sz="1000">
+              <a:rPr lang="de-DE" sz="1000" dirty="0">
                 <a:solidFill>
                   <a:srgbClr val="020302"/>
                 </a:solidFill>
                 <a:latin typeface="AdobeClean-Light"/>
                 <a:cs typeface="AdobeClean-Light"/>
               </a:rPr>
-              <a:t>Ongoing knowledge transfer from Adobe  </a:t>
-            </a:r>
-            <a:r>
-              <a:rPr lang="en-US" sz="1000">
+              <a:t>Laufender Wissenstransfer vom </a:t>
+            </a:r>
+            <a:br>
+              <a:rPr lang="sk-SK" sz="1000" dirty="0">
                 <a:solidFill>
                   <a:srgbClr val="020302"/>
                 </a:solidFill>
                 <a:latin typeface="AdobeClean-Light"/>
                 <a:cs typeface="AdobeClean-Light"/>
               </a:rPr>
-              <a:t>Support team</a:t>
-            </a:r>
-            <a:r>
-              <a:rPr sz="1000">
+            </a:br>
+            <a:r>
+              <a:rPr lang="de-DE" sz="1000" dirty="0">
                 <a:solidFill>
                   <a:srgbClr val="020302"/>
                 </a:solidFill>
                 <a:latin typeface="AdobeClean-Light"/>
                 <a:cs typeface="AdobeClean-Light"/>
               </a:rPr>
-              <a:t> to provide </a:t>
-            </a:r>
-            <a:r>
-              <a:rPr lang="en-US" sz="1000">
+              <a:t>Adobe Support-Team, um Best Practices </a:t>
+            </a:r>
+            <a:br>
+              <a:rPr lang="sk-SK" sz="1000" dirty="0">
                 <a:solidFill>
                   <a:srgbClr val="020302"/>
                 </a:solidFill>
                 <a:latin typeface="AdobeClean-Light"/>
                 <a:cs typeface="AdobeClean-Light"/>
               </a:rPr>
-              <a:t>best practices around solution usage.</a:t>
-            </a:r>
-            <a:endParaRPr sz="1000">
-              <a:latin typeface="AdobeClean-Light"/>
-              <a:cs typeface="AdobeClean-Light"/>
-            </a:endParaRPr>
+            </a:br>
+            <a:r>
+              <a:rPr lang="de-DE" sz="1000" dirty="0">
+                <a:solidFill>
+                  <a:srgbClr val="020302"/>
+                </a:solidFill>
+                <a:latin typeface="AdobeClean-Light"/>
+                <a:cs typeface="AdobeClean-Light"/>
+              </a:rPr>
+              <a:t>zur Lösungsnutzung bereitzustellen.</a:t>
+            </a:r>
           </a:p>
         </p:txBody>
       </p:sp>
@@ -8478,8 +7528,8 @@
         </p:nvSpPr>
         <p:spPr>
           <a:xfrm>
-            <a:off x="5265661" y="5243920"/>
-            <a:ext cx="2194560" cy="669927"/>
+            <a:off x="5265660" y="5243920"/>
+            <a:ext cx="2482881" cy="758862"/>
           </a:xfrm>
           <a:prstGeom prst="rect">
             <a:avLst/>
@@ -8500,19 +7550,34 @@
               </a:spcBef>
             </a:pPr>
             <a:r>
-              <a:rPr sz="1000">
+              <a:rPr lang="de-DE" sz="900" dirty="0">
                 <a:solidFill>
                   <a:srgbClr val="020302"/>
                 </a:solidFill>
                 <a:latin typeface="AdobeClean-Light"/>
                 <a:cs typeface="AdobeClean-Light"/>
               </a:rPr>
-              <a:t>Manage key events to ensure you have the  right level of support, coverage, and  mitigation plan in place during those key  business and project milestones.</a:t>
-            </a:r>
-            <a:endParaRPr sz="1000">
-              <a:latin typeface="AdobeClean-Light"/>
-              <a:cs typeface="AdobeClean-Light"/>
-            </a:endParaRPr>
+              <a:t>Verwalten Sie wichtige Ereignisse, um sicherzustellen, dass Sie während dieser zentralen Unternehmens- </a:t>
+            </a:r>
+            <a:br>
+              <a:rPr lang="sk-SK" sz="900" dirty="0">
+                <a:solidFill>
+                  <a:srgbClr val="020302"/>
+                </a:solidFill>
+                <a:latin typeface="AdobeClean-Light"/>
+                <a:cs typeface="AdobeClean-Light"/>
+              </a:rPr>
+            </a:br>
+            <a:r>
+              <a:rPr lang="de-DE" sz="900" dirty="0">
+                <a:solidFill>
+                  <a:srgbClr val="020302"/>
+                </a:solidFill>
+                <a:latin typeface="AdobeClean-Light"/>
+                <a:cs typeface="AdobeClean-Light"/>
+              </a:rPr>
+              <a:t>und Projekt-Milestones über angemessenen Support, entsprechende Abdeckung und einen Plan mit Sicherheitsmechanismen verfügen.</a:t>
+            </a:r>
           </a:p>
         </p:txBody>
       </p:sp>
@@ -8524,8 +7589,8 @@
         </p:nvSpPr>
         <p:spPr>
           <a:xfrm>
-            <a:off x="324341" y="5262204"/>
-            <a:ext cx="2194560" cy="698781"/>
+            <a:off x="324340" y="5228045"/>
+            <a:ext cx="2467386" cy="791755"/>
           </a:xfrm>
           <a:prstGeom prst="rect">
             <a:avLst/>
@@ -8546,19 +7611,101 @@
               </a:spcBef>
             </a:pPr>
             <a:r>
-              <a:rPr sz="1000">
+              <a:rPr lang="sk-SK" sz="900" dirty="0">
                 <a:solidFill>
                   <a:srgbClr val="020302"/>
                 </a:solidFill>
                 <a:latin typeface="AdobeClean-Light"/>
                 <a:cs typeface="AdobeClean-Light"/>
               </a:rPr>
-              <a:t>Receive personalized guidance on new  product features to take advantage of  latest innovations, and have Adobe  experts review release and upgrade plan.</a:t>
-            </a:r>
-            <a:endParaRPr sz="1000">
-              <a:latin typeface="AdobeClean-Light"/>
-              <a:cs typeface="AdobeClean-Light"/>
-            </a:endParaRPr>
+              <a:t>S</a:t>
+            </a:r>
+            <a:r>
+              <a:rPr lang="de-DE" sz="900" dirty="0">
+                <a:solidFill>
+                  <a:srgbClr val="020302"/>
+                </a:solidFill>
+                <a:latin typeface="AdobeClean-Light"/>
+                <a:cs typeface="AdobeClean-Light"/>
+              </a:rPr>
+              <a:t>ie erhalten personalisierte Anleitungen </a:t>
+            </a:r>
+            <a:br>
+              <a:rPr lang="sk-SK" sz="900" dirty="0">
+                <a:solidFill>
+                  <a:srgbClr val="020302"/>
+                </a:solidFill>
+                <a:latin typeface="AdobeClean-Light"/>
+                <a:cs typeface="AdobeClean-Light"/>
+              </a:rPr>
+            </a:br>
+            <a:r>
+              <a:rPr lang="de-DE" sz="900" dirty="0">
+                <a:solidFill>
+                  <a:srgbClr val="020302"/>
+                </a:solidFill>
+                <a:latin typeface="AdobeClean-Light"/>
+                <a:cs typeface="AdobeClean-Light"/>
+              </a:rPr>
+              <a:t>zu neuen Produktfunktionen, um die neuesten</a:t>
+            </a:r>
+            <a:br>
+              <a:rPr lang="sk-SK" sz="900" dirty="0">
+                <a:solidFill>
+                  <a:srgbClr val="020302"/>
+                </a:solidFill>
+                <a:latin typeface="AdobeClean-Light"/>
+                <a:cs typeface="AdobeClean-Light"/>
+              </a:rPr>
+            </a:br>
+            <a:r>
+              <a:rPr lang="de-DE" sz="900" dirty="0">
+                <a:solidFill>
+                  <a:srgbClr val="020302"/>
+                </a:solidFill>
+                <a:latin typeface="AdobeClean-Light"/>
+                <a:cs typeface="AdobeClean-Light"/>
+              </a:rPr>
+              <a:t>Innovationen nutzen zu können, und eine Prüfung </a:t>
+            </a:r>
+            <a:br>
+              <a:rPr lang="sk-SK" sz="900" dirty="0">
+                <a:solidFill>
+                  <a:srgbClr val="020302"/>
+                </a:solidFill>
+                <a:latin typeface="AdobeClean-Light"/>
+                <a:cs typeface="AdobeClean-Light"/>
+              </a:rPr>
+            </a:br>
+            <a:r>
+              <a:rPr lang="de-DE" sz="900" dirty="0">
+                <a:solidFill>
+                  <a:srgbClr val="020302"/>
+                </a:solidFill>
+                <a:latin typeface="AdobeClean-Light"/>
+                <a:cs typeface="AdobeClean-Light"/>
+              </a:rPr>
+              <a:t>des Veröffentlichungs- und Aktualisierungsplans </a:t>
+            </a:r>
+            <a:br>
+              <a:rPr lang="sk-SK" sz="900" dirty="0">
+                <a:solidFill>
+                  <a:srgbClr val="020302"/>
+                </a:solidFill>
+                <a:latin typeface="AdobeClean-Light"/>
+                <a:cs typeface="AdobeClean-Light"/>
+              </a:rPr>
+            </a:br>
+            <a:r>
+              <a:rPr lang="de-DE" sz="900" dirty="0">
+                <a:solidFill>
+                  <a:srgbClr val="020302"/>
+                </a:solidFill>
+                <a:latin typeface="AdobeClean-Light"/>
+                <a:cs typeface="AdobeClean-Light"/>
+              </a:rPr>
+              <a:t>durch Adobe-Experten.</a:t>
+            </a:r>
           </a:p>
         </p:txBody>
       </p:sp>
@@ -8571,7 +7718,7 @@
         <p:spPr>
           <a:xfrm>
             <a:off x="97787" y="9888626"/>
-            <a:ext cx="2202180" cy="149860"/>
+            <a:ext cx="3082618" cy="133370"/>
           </a:xfrm>
           <a:prstGeom prst="rect">
             <a:avLst/>
@@ -8592,99 +7739,15 @@
               </a:spcBef>
             </a:pPr>
             <a:r>
-              <a:rPr sz="800" spc="-15">
+              <a:rPr lang="de-DE" sz="800" dirty="0">
                 <a:solidFill>
                   <a:srgbClr val="6D6D6D"/>
                 </a:solidFill>
                 <a:latin typeface="Adobe Clean"/>
                 <a:cs typeface="Adobe Clean"/>
               </a:rPr>
-              <a:t>©2021 </a:t>
-            </a:r>
-            <a:r>
-              <a:rPr sz="800" spc="-5">
-                <a:solidFill>
-                  <a:srgbClr val="6D6D6D"/>
-                </a:solidFill>
-                <a:latin typeface="Adobe Clean"/>
-                <a:cs typeface="Adobe Clean"/>
-              </a:rPr>
-              <a:t>Adobe. All</a:t>
-            </a:r>
-            <a:r>
-              <a:rPr sz="800" spc="-15">
-                <a:solidFill>
-                  <a:srgbClr val="6D6D6D"/>
-                </a:solidFill>
-                <a:latin typeface="Adobe Clean"/>
-                <a:cs typeface="Adobe Clean"/>
-              </a:rPr>
-              <a:t> Rights</a:t>
-            </a:r>
-            <a:r>
-              <a:rPr sz="800" spc="-5">
-                <a:solidFill>
-                  <a:srgbClr val="6D6D6D"/>
-                </a:solidFill>
-                <a:latin typeface="Adobe Clean"/>
-                <a:cs typeface="Adobe Clean"/>
-              </a:rPr>
-              <a:t> </a:t>
-            </a:r>
-            <a:r>
-              <a:rPr sz="800" spc="-15">
-                <a:solidFill>
-                  <a:srgbClr val="6D6D6D"/>
-                </a:solidFill>
-                <a:latin typeface="Adobe Clean"/>
-                <a:cs typeface="Adobe Clean"/>
-              </a:rPr>
-              <a:t>Reserved.</a:t>
-            </a:r>
-            <a:r>
-              <a:rPr sz="800" spc="-10">
-                <a:solidFill>
-                  <a:srgbClr val="6D6D6D"/>
-                </a:solidFill>
-                <a:latin typeface="Adobe Clean"/>
-                <a:cs typeface="Adobe Clean"/>
-              </a:rPr>
-              <a:t> </a:t>
-            </a:r>
-            <a:r>
-              <a:rPr sz="800" spc="-5">
-                <a:solidFill>
-                  <a:srgbClr val="6D6D6D"/>
-                </a:solidFill>
-                <a:latin typeface="Adobe Clean"/>
-                <a:cs typeface="Adobe Clean"/>
-              </a:rPr>
-              <a:t>Adobe</a:t>
-            </a:r>
-            <a:r>
-              <a:rPr sz="800" spc="65">
-                <a:solidFill>
-                  <a:srgbClr val="6D6D6D"/>
-                </a:solidFill>
-                <a:latin typeface="Adobe Clean"/>
-                <a:cs typeface="Adobe Clean"/>
-              </a:rPr>
-              <a:t> </a:t>
-            </a:r>
-            <a:r>
-              <a:rPr sz="800" spc="-15">
-                <a:solidFill>
-                  <a:srgbClr val="6D6D6D"/>
-                </a:solidFill>
-                <a:latin typeface="Adobe Clean"/>
-                <a:cs typeface="Adobe Clean"/>
-              </a:rPr>
-              <a:t>Confidential.</a:t>
-            </a:r>
-            <a:endParaRPr sz="800">
-              <a:latin typeface="Adobe Clean"/>
-              <a:cs typeface="Adobe Clean"/>
-            </a:endParaRPr>
+              <a:t>©2021 Adobe. All Rights Reserved. Adobe Confidential.</a:t>
+            </a:r>
           </a:p>
         </p:txBody>
       </p:sp>
@@ -8742,7 +7805,7 @@
         <p:spPr>
           <a:xfrm>
             <a:off x="2791726" y="9060487"/>
-            <a:ext cx="2194560" cy="487313"/>
+            <a:ext cx="2194560" cy="795089"/>
           </a:xfrm>
           <a:prstGeom prst="rect">
             <a:avLst/>
@@ -8766,154 +7829,33 @@
               </a:tabLst>
             </a:pPr>
             <a:r>
-              <a:rPr sz="1000" spc="-20">
+              <a:rPr lang="de-DE" sz="1000" dirty="0">
                 <a:solidFill>
                   <a:srgbClr val="020302"/>
                 </a:solidFill>
                 <a:latin typeface="AdobeClean-Light"/>
                 <a:cs typeface="AdobeClean-Light"/>
               </a:rPr>
-              <a:t>Start </a:t>
-            </a:r>
-            <a:r>
-              <a:rPr sz="1000">
+              <a:t>Starten Sie eine Chat-Session, </a:t>
+            </a:r>
+            <a:br>
+              <a:rPr lang="sk-SK" sz="1000" dirty="0">
                 <a:solidFill>
                   <a:srgbClr val="020302"/>
                 </a:solidFill>
                 <a:latin typeface="AdobeClean-Light"/>
                 <a:cs typeface="AdobeClean-Light"/>
               </a:rPr>
-              <a:t>a </a:t>
-            </a:r>
-            <a:r>
-              <a:rPr sz="1000" spc="-15">
+            </a:br>
+            <a:r>
+              <a:rPr lang="de-DE" sz="1000" dirty="0">
                 <a:solidFill>
                   <a:srgbClr val="020302"/>
                 </a:solidFill>
                 <a:latin typeface="AdobeClean-Light"/>
                 <a:cs typeface="AdobeClean-Light"/>
               </a:rPr>
-              <a:t>chat </a:t>
-            </a:r>
-            <a:r>
-              <a:rPr sz="1000" spc="-10">
-                <a:solidFill>
-                  <a:srgbClr val="020302"/>
-                </a:solidFill>
-                <a:latin typeface="AdobeClean-Light"/>
-                <a:cs typeface="AdobeClean-Light"/>
-              </a:rPr>
-              <a:t>session </a:t>
-            </a:r>
-            <a:r>
-              <a:rPr sz="1000" spc="-5">
-                <a:solidFill>
-                  <a:srgbClr val="020302"/>
-                </a:solidFill>
-                <a:latin typeface="AdobeClean-Light"/>
-                <a:cs typeface="AdobeClean-Light"/>
-              </a:rPr>
-              <a:t>to </a:t>
-            </a:r>
-            <a:r>
-              <a:rPr sz="1000" spc="-10">
-                <a:solidFill>
-                  <a:srgbClr val="020302"/>
-                </a:solidFill>
-                <a:latin typeface="AdobeClean-Light"/>
-                <a:cs typeface="AdobeClean-Light"/>
-              </a:rPr>
-              <a:t>get </a:t>
-            </a:r>
-            <a:r>
-              <a:rPr sz="1000" spc="-20">
-                <a:solidFill>
-                  <a:srgbClr val="020302"/>
-                </a:solidFill>
-                <a:latin typeface="AdobeClean-Light"/>
-                <a:cs typeface="AdobeClean-Light"/>
-              </a:rPr>
-              <a:t>answers</a:t>
-            </a:r>
-            <a:r>
-              <a:rPr lang="en-US" sz="1000" spc="-45">
-                <a:solidFill>
-                  <a:srgbClr val="020302"/>
-                </a:solidFill>
-                <a:latin typeface="AdobeClean-Light"/>
-                <a:cs typeface="AdobeClean-Light"/>
-              </a:rPr>
-              <a:t> </a:t>
-            </a:r>
-            <a:r>
-              <a:rPr lang="en-US" sz="1000">
-                <a:solidFill>
-                  <a:srgbClr val="020302"/>
-                </a:solidFill>
-                <a:latin typeface="AdobeClean-Light"/>
-                <a:cs typeface="AdobeClean-Light"/>
-              </a:rPr>
-              <a:t>&amp; </a:t>
-            </a:r>
-            <a:r>
-              <a:rPr sz="1000" spc="-15">
-                <a:solidFill>
-                  <a:srgbClr val="020302"/>
-                </a:solidFill>
-                <a:latin typeface="AdobeClean-Light"/>
-                <a:cs typeface="AdobeClean-Light"/>
-              </a:rPr>
-              <a:t>help </a:t>
-            </a:r>
-            <a:r>
-              <a:rPr sz="1000" spc="-10">
-                <a:solidFill>
-                  <a:srgbClr val="020302"/>
-                </a:solidFill>
-                <a:latin typeface="AdobeClean-Light"/>
-                <a:cs typeface="AdobeClean-Light"/>
-              </a:rPr>
-              <a:t>with</a:t>
-            </a:r>
-            <a:r>
-              <a:rPr sz="1000" spc="85">
-                <a:solidFill>
-                  <a:srgbClr val="020302"/>
-                </a:solidFill>
-                <a:latin typeface="AdobeClean-Light"/>
-                <a:cs typeface="AdobeClean-Light"/>
-              </a:rPr>
-              <a:t> </a:t>
-            </a:r>
-            <a:r>
-              <a:rPr sz="1000" spc="-10">
-                <a:solidFill>
-                  <a:srgbClr val="020302"/>
-                </a:solidFill>
-                <a:latin typeface="AdobeClean-Light"/>
-                <a:cs typeface="AdobeClean-Light"/>
-              </a:rPr>
-              <a:t>case </a:t>
-            </a:r>
-            <a:r>
-              <a:rPr sz="1000" spc="-20">
-                <a:solidFill>
-                  <a:srgbClr val="020302"/>
-                </a:solidFill>
-                <a:latin typeface="AdobeClean-Light"/>
-                <a:cs typeface="AdobeClean-Light"/>
-              </a:rPr>
-              <a:t>submission</a:t>
-            </a:r>
-            <a:r>
-              <a:rPr lang="en-US" sz="1000" spc="-20">
-                <a:solidFill>
-                  <a:srgbClr val="020302"/>
-                </a:solidFill>
-                <a:latin typeface="AdobeClean-Light"/>
-                <a:cs typeface="AdobeClean-Light"/>
-              </a:rPr>
-              <a:t>.</a:t>
+              <a:t>um Antworten und Hilfe bei der Fallübermittlung zu erhalten</a:t>
             </a:r>
           </a:p>
           <a:p>
@@ -8929,39 +7871,44 @@
               </a:tabLst>
             </a:pPr>
             <a:r>
-              <a:rPr sz="1000" i="1" spc="-10">
+              <a:rPr lang="de-DE" sz="1000" i="1" dirty="0">
                 <a:solidFill>
                   <a:srgbClr val="7A7A7A"/>
                 </a:solidFill>
                 <a:latin typeface="AdobeClean-LightIt"/>
                 <a:cs typeface="AdobeClean-LightIt"/>
               </a:rPr>
-              <a:t>*Not all </a:t>
-            </a:r>
-            <a:r>
-              <a:rPr sz="1000" i="1" spc="-20">
+              <a:t>*Nicht alle Produkte verfügen</a:t>
+            </a:r>
+            <a:br>
+              <a:rPr lang="sk-SK" sz="1000" i="1" dirty="0">
                 <a:solidFill>
                   <a:srgbClr val="7A7A7A"/>
                 </a:solidFill>
                 <a:latin typeface="AdobeClean-LightIt"/>
                 <a:cs typeface="AdobeClean-LightIt"/>
               </a:rPr>
-              <a:t>products have live chat support</a:t>
-            </a:r>
-            <a:r>
-              <a:rPr sz="900" i="1" spc="-20">
+            </a:br>
+            <a:r>
+              <a:rPr lang="de-DE" sz="1000" i="1" dirty="0">
                 <a:solidFill>
                   <a:srgbClr val="7A7A7A"/>
                 </a:solidFill>
                 <a:latin typeface="AdobeClean-LightIt"/>
                 <a:cs typeface="AdobeClean-LightIt"/>
               </a:rPr>
+              <a:t>über Live-Chat-Support</a:t>
+            </a:r>
+            <a:r>
+              <a:rPr lang="de-DE" sz="900" i="1" dirty="0">
+                <a:solidFill>
+                  <a:srgbClr val="7A7A7A"/>
+                </a:solidFill>
+                <a:latin typeface="AdobeClean-LightIt"/>
+                <a:cs typeface="AdobeClean-LightIt"/>
+              </a:rPr>
               <a:t>.  </a:t>
             </a:r>
-            <a:endParaRPr sz="900">
-              <a:latin typeface="AdobeClean-Light"/>
-              <a:cs typeface="AdobeClean-Light"/>
-            </a:endParaRPr>
           </a:p>
         </p:txBody>
       </p:sp>
@@ -9008,12 +7955,12 @@
               <a:defRPr/>
             </a:pPr>
             <a:r>
-              <a:rPr lang="en-US" sz="1200">
+              <a:rPr lang="de-DE" sz="1200">
                 <a:solidFill>
                   <a:srgbClr val="000000"/>
                 </a:solidFill>
               </a:rPr>
-              <a:t>Community Forums</a:t>
+              <a:t>Community-Foren</a:t>
             </a:r>
           </a:p>
         </p:txBody>
@@ -9056,12 +8003,12 @@
               </a:spcAft>
             </a:pPr>
             <a:r>
-              <a:rPr lang="en-US" sz="1200" b="1">
+              <a:rPr lang="de-DE" sz="1200" b="1">
                 <a:latin typeface="+mj-lt"/>
                 <a:ea typeface="Open Sans" pitchFamily="34" charset="0"/>
                 <a:cs typeface="Open Sans" pitchFamily="34" charset="0"/>
               </a:rPr>
-              <a:t>Online Forums</a:t>
+              <a:t>Online-Foren</a:t>
             </a:r>
           </a:p>
         </p:txBody>
@@ -9081,7 +8028,7 @@
         <p:spPr>
           <a:xfrm>
             <a:off x="324341" y="7152361"/>
-            <a:ext cx="2194560" cy="959237"/>
+            <a:ext cx="2194560" cy="1113125"/>
           </a:xfrm>
           <a:prstGeom prst="rect">
             <a:avLst/>
@@ -9094,13 +8041,81 @@
           <a:lstStyle/>
           <a:p>
             <a:r>
-              <a:rPr lang="en-US" sz="1000">
+              <a:rPr lang="de-DE" sz="1000" dirty="0">
                 <a:solidFill>
                   <a:srgbClr val="4B4B4B"/>
                 </a:solidFill>
                 <a:latin typeface="Adobe Clean Light" panose="020B0303020404020204" pitchFamily="34" charset="0"/>
               </a:rPr>
-              <a:t>Continuous online access to a growing database of technical solutions, product documentation, FAQs and more. Connect with practitioners and other customers on Adobe Community to share best practices and lessons learned.</a:t>
+              <a:t>Kontinuierlicher Online-Zugriff auf eine wachsende Datenbank technischer Lösungen, Produktdokumentationen, </a:t>
+            </a:r>
+            <a:br>
+              <a:rPr lang="sk-SK" sz="1000" dirty="0">
+                <a:solidFill>
+                  <a:srgbClr val="4B4B4B"/>
+                </a:solidFill>
+                <a:latin typeface="Adobe Clean Light" panose="020B0303020404020204" pitchFamily="34" charset="0"/>
+              </a:rPr>
+            </a:br>
+            <a:r>
+              <a:rPr lang="de-DE" sz="1000" dirty="0">
+                <a:solidFill>
+                  <a:srgbClr val="4B4B4B"/>
+                </a:solidFill>
+                <a:latin typeface="Adobe Clean Light" panose="020B0303020404020204" pitchFamily="34" charset="0"/>
+              </a:rPr>
+              <a:t>FAQs und mehr. Tauschen Sie sich </a:t>
+            </a:r>
+            <a:br>
+              <a:rPr lang="sk-SK" sz="1000" dirty="0">
+                <a:solidFill>
+                  <a:srgbClr val="4B4B4B"/>
+                </a:solidFill>
+                <a:latin typeface="Adobe Clean Light" panose="020B0303020404020204" pitchFamily="34" charset="0"/>
+              </a:rPr>
+            </a:br>
+            <a:r>
+              <a:rPr lang="de-DE" sz="1000" dirty="0">
+                <a:solidFill>
+                  <a:srgbClr val="4B4B4B"/>
+                </a:solidFill>
+                <a:latin typeface="Adobe Clean Light" panose="020B0303020404020204" pitchFamily="34" charset="0"/>
+              </a:rPr>
+              <a:t>mit Fachleuten und anderen Kunden </a:t>
+            </a:r>
+            <a:br>
+              <a:rPr lang="sk-SK" sz="1000" dirty="0">
+                <a:solidFill>
+                  <a:srgbClr val="4B4B4B"/>
+                </a:solidFill>
+                <a:latin typeface="Adobe Clean Light" panose="020B0303020404020204" pitchFamily="34" charset="0"/>
+              </a:rPr>
+            </a:br>
+            <a:r>
+              <a:rPr lang="de-DE" sz="1000" dirty="0">
+                <a:solidFill>
+                  <a:srgbClr val="4B4B4B"/>
+                </a:solidFill>
+                <a:latin typeface="Adobe Clean Light" panose="020B0303020404020204" pitchFamily="34" charset="0"/>
+              </a:rPr>
+              <a:t>in der Adobe-Community über </a:t>
+            </a:r>
+            <a:br>
+              <a:rPr lang="sk-SK" sz="1000" dirty="0">
+                <a:solidFill>
+                  <a:srgbClr val="4B4B4B"/>
+                </a:solidFill>
+                <a:latin typeface="Adobe Clean Light" panose="020B0303020404020204" pitchFamily="34" charset="0"/>
+              </a:rPr>
+            </a:br>
+            <a:r>
+              <a:rPr lang="de-DE" sz="1000" dirty="0">
+                <a:solidFill>
+                  <a:srgbClr val="4B4B4B"/>
+                </a:solidFill>
+                <a:latin typeface="Adobe Clean Light" panose="020B0303020404020204" pitchFamily="34" charset="0"/>
+              </a:rPr>
+              <a:t>Best Practices und Erfahrungen aus</a:t>
             </a:r>
           </a:p>
         </p:txBody>
@@ -9148,7 +8163,7 @@
               <a:defRPr/>
             </a:pPr>
             <a:r>
-              <a:rPr lang="en-US" sz="1200">
+              <a:rPr lang="de-DE" sz="1200">
                 <a:solidFill>
                   <a:srgbClr val="000000"/>
                 </a:solidFill>
@@ -9196,12 +8211,12 @@
               </a:spcAft>
             </a:pPr>
             <a:r>
-              <a:rPr lang="en-US" sz="1200" b="1">
+              <a:rPr lang="de-DE" sz="1200" b="1">
                 <a:latin typeface="+mj-lt"/>
                 <a:ea typeface="Open Sans" pitchFamily="34" charset="0"/>
                 <a:cs typeface="Open Sans" pitchFamily="34" charset="0"/>
               </a:rPr>
-              <a:t>Self-guided Journeys</a:t>
+              <a:t>Journeys für die Selbsthilfe</a:t>
             </a:r>
           </a:p>
         </p:txBody>
@@ -9234,13 +8249,30 @@
           <a:lstStyle/>
           <a:p>
             <a:r>
-              <a:rPr lang="en-US" sz="1000">
+              <a:rPr lang="de-DE" sz="1000" dirty="0">
                 <a:solidFill>
                   <a:srgbClr val="4B4B4B"/>
                 </a:solidFill>
                 <a:latin typeface="Adobe Clean Light" panose="020B0303020404020204" pitchFamily="34" charset="0"/>
               </a:rPr>
-              <a:t>Experience Makers are made with Experience League. Customers can kickstart their Customer Experience Management abilities with personalized learning to develop skills, engage with a global community of peers, and earn career advancing recognition.</a:t>
+              <a:t>Experience Maker entstehen in der Experience League. Kunden können durch personalisiertes Lernen ihre Customer-Experience-Management-Fähigkeiten entwickeln, mit einer globalen Community anderer Anwender interagieren und </a:t>
+            </a:r>
+            <a:br>
+              <a:rPr lang="sk-SK" sz="1000" dirty="0">
+                <a:solidFill>
+                  <a:srgbClr val="4B4B4B"/>
+                </a:solidFill>
+                <a:latin typeface="Adobe Clean Light" panose="020B0303020404020204" pitchFamily="34" charset="0"/>
+              </a:rPr>
+            </a:br>
+            <a:r>
+              <a:rPr lang="de-DE" sz="1000" dirty="0">
+                <a:solidFill>
+                  <a:srgbClr val="4B4B4B"/>
+                </a:solidFill>
+                <a:latin typeface="Adobe Clean Light" panose="020B0303020404020204" pitchFamily="34" charset="0"/>
+              </a:rPr>
+              <a:t>so ihre eigene Karriere fördern</a:t>
             </a:r>
           </a:p>
         </p:txBody>
@@ -9288,12 +8320,12 @@
               <a:defRPr/>
             </a:pPr>
             <a:r>
-              <a:rPr lang="en-US" sz="1200">
+              <a:rPr lang="de-DE" sz="1200">
                 <a:solidFill>
                   <a:srgbClr val="000000"/>
                 </a:solidFill>
               </a:rPr>
-              <a:t>Live Chat  Support*</a:t>
+              <a:t>Live-Chat-Support*</a:t>
             </a:r>
           </a:p>
         </p:txBody>
@@ -9336,12 +8368,12 @@
               </a:spcAft>
             </a:pPr>
             <a:r>
-              <a:rPr lang="en-US" sz="1200" b="1">
+              <a:rPr lang="de-DE" sz="1200" b="1">
                 <a:latin typeface="+mj-lt"/>
                 <a:ea typeface="Open Sans" pitchFamily="34" charset="0"/>
                 <a:cs typeface="Open Sans" pitchFamily="34" charset="0"/>
               </a:rPr>
-              <a:t>Chat Support</a:t>
+              <a:t>Chat-Support</a:t>
             </a:r>
           </a:p>
         </p:txBody>
@@ -9389,7 +8421,7 @@
               <a:defRPr/>
             </a:pPr>
             <a:r>
-              <a:rPr lang="en-US" sz="1200">
+              <a:rPr lang="de-DE" sz="1200">
                 <a:solidFill>
                   <a:srgbClr val="000000"/>
                 </a:solidFill>
@@ -9437,12 +8469,12 @@
               </a:spcAft>
             </a:pPr>
             <a:r>
-              <a:rPr lang="en-US" sz="1200" b="1">
+              <a:rPr lang="de-DE" sz="1200" b="1">
                 <a:latin typeface="+mj-lt"/>
                 <a:ea typeface="Open Sans" pitchFamily="34" charset="0"/>
                 <a:cs typeface="Open Sans" pitchFamily="34" charset="0"/>
               </a:rPr>
-              <a:t>Phone  Support</a:t>
+              <a:t>Telefonischer Support</a:t>
             </a:r>
           </a:p>
         </p:txBody>
@@ -9462,7 +8494,7 @@
         <p:spPr>
           <a:xfrm>
             <a:off x="2791726" y="7152361"/>
-            <a:ext cx="2194560" cy="805349"/>
+            <a:ext cx="2194560" cy="1113125"/>
           </a:xfrm>
           <a:prstGeom prst="rect">
             <a:avLst/>
@@ -9475,35 +8507,62 @@
           <a:lstStyle/>
           <a:p>
             <a:r>
-              <a:rPr lang="en-US" sz="1000">
+              <a:rPr lang="de-DE" sz="1000" dirty="0">
                 <a:solidFill>
                   <a:srgbClr val="020302"/>
                 </a:solidFill>
                 <a:latin typeface="AdobeClean-Light"/>
               </a:rPr>
-              <a:t>Authorized users or </a:t>
-            </a:r>
-            <a:r>
-              <a:rPr lang="en-US" sz="1000" b="1">
+              <a:t>Autorisierte Anwender oder </a:t>
+            </a:r>
+            <a:r>
+              <a:rPr lang="de-DE" sz="1000" b="1" dirty="0">
                 <a:solidFill>
                   <a:srgbClr val="020302"/>
                 </a:solidFill>
                 <a:latin typeface="AdobeClean-Light"/>
               </a:rPr>
-              <a:t>Named Support Contacts </a:t>
-            </a:r>
-            <a:r>
-              <a:rPr lang="en-US" sz="1000">
+              <a:t>spezifische Support-Kontakte</a:t>
+            </a:r>
+            <a:r>
+              <a:rPr lang="de-DE" sz="1000" dirty="0">
                 <a:latin typeface="Adobe Clean Light" panose="020B0303020404020204" pitchFamily="34" charset="0"/>
               </a:rPr>
-              <a:t>can submit issues through all available  channels (including phone for P1) and interact with our technical support team on behalf of your company. </a:t>
-            </a:r>
-            <a:endParaRPr lang="en-US" sz="1000">
-              <a:solidFill>
-                <a:srgbClr val="000000"/>
-              </a:solidFill>
-              <a:latin typeface="Adobe Clean Light" panose="020B0303020404020204" pitchFamily="34" charset="0"/>
-            </a:endParaRPr>
+              <a:t> können Probleme </a:t>
+            </a:r>
+            <a:br>
+              <a:rPr lang="sk-SK" sz="1000" dirty="0">
+                <a:latin typeface="Adobe Clean Light" panose="020B0303020404020204" pitchFamily="34" charset="0"/>
+              </a:rPr>
+            </a:br>
+            <a:r>
+              <a:rPr lang="de-DE" sz="1000" dirty="0">
+                <a:latin typeface="Adobe Clean Light" panose="020B0303020404020204" pitchFamily="34" charset="0"/>
+              </a:rPr>
+              <a:t>über alle verfügbaren Kanäle </a:t>
+            </a:r>
+            <a:br>
+              <a:rPr lang="sk-SK" sz="1000" dirty="0">
+                <a:latin typeface="Adobe Clean Light" panose="020B0303020404020204" pitchFamily="34" charset="0"/>
+              </a:rPr>
+            </a:br>
+            <a:r>
+              <a:rPr lang="de-DE" sz="1000" dirty="0">
+                <a:latin typeface="Adobe Clean Light" panose="020B0303020404020204" pitchFamily="34" charset="0"/>
+              </a:rPr>
+              <a:t>(einschließlich Telefon für P1) einreichen und im Namen Ihres Unternehmens </a:t>
+            </a:r>
+            <a:br>
+              <a:rPr lang="sk-SK" sz="1000" dirty="0">
+                <a:latin typeface="Adobe Clean Light" panose="020B0303020404020204" pitchFamily="34" charset="0"/>
+              </a:rPr>
+            </a:br>
+            <a:r>
+              <a:rPr lang="de-DE" sz="1000" dirty="0">
+                <a:latin typeface="Adobe Clean Light" panose="020B0303020404020204" pitchFamily="34" charset="0"/>
+              </a:rPr>
+              <a:t>mit unserem technischen Support-Team interagieren. </a:t>
+            </a:r>
           </a:p>
         </p:txBody>
       </p:sp>
@@ -9521,8 +8580,8 @@
         </p:nvSpPr>
         <p:spPr>
           <a:xfrm>
-            <a:off x="214971" y="6447157"/>
-            <a:ext cx="1848207" cy="45719"/>
+            <a:off x="214971" y="6477000"/>
+            <a:ext cx="2084996" cy="45719"/>
           </a:xfrm>
           <a:custGeom>
             <a:avLst/>
@@ -9598,7 +8657,7 @@
               <a:defRPr/>
             </a:pPr>
             <a:r>
-              <a:rPr lang="en-US" sz="1200">
+              <a:rPr lang="de-DE" sz="1200">
                 <a:solidFill>
                   <a:srgbClr val="000000"/>
                 </a:solidFill>
@@ -9646,12 +8705,12 @@
               </a:spcAft>
             </a:pPr>
             <a:r>
-              <a:rPr lang="en-US" sz="1200" b="1">
+              <a:rPr lang="de-DE" sz="1200" b="1">
                 <a:latin typeface="+mj-lt"/>
                 <a:ea typeface="Open Sans" pitchFamily="34" charset="0"/>
                 <a:cs typeface="Open Sans" pitchFamily="34" charset="0"/>
               </a:rPr>
-              <a:t>Webinars</a:t>
+              <a:t>Webinare</a:t>
             </a:r>
           </a:p>
         </p:txBody>
@@ -9684,13 +8743,13 @@
           <a:lstStyle/>
           <a:p>
             <a:r>
-              <a:rPr lang="en-US" sz="1000">
+              <a:rPr lang="de-DE" sz="1000" spc="-30" dirty="0">
                 <a:solidFill>
                   <a:srgbClr val="4B4B4B"/>
                 </a:solidFill>
                 <a:latin typeface="Adobe Clean Light" panose="020B0303020404020204" pitchFamily="34" charset="0"/>
               </a:rPr>
-              <a:t>Office Hours led by the Adobe Customer Support team includes sessions designed to inform as well as help participants troubleshoot problems and provide tips and tricks for success with Adobe solutions. </a:t>
+              <a:t>Die vom Adobe Support-Team geleitete Office Hours-Reihe umfasst Sessions mit informativem Inhalt sowie Angebote zur Problembehebung sowie Tipps und Tricks für den Erfolg bei der Nutzung von Adobe-Lösungen. </a:t>
             </a:r>
           </a:p>
         </p:txBody>
@@ -9738,12 +8797,12 @@
               <a:defRPr/>
             </a:pPr>
             <a:r>
-              <a:rPr lang="en-US" sz="1200">
+              <a:rPr lang="de-DE" sz="1200">
                 <a:solidFill>
                   <a:srgbClr val="000000"/>
                 </a:solidFill>
               </a:rPr>
-              <a:t>Self-help Portals</a:t>
+              <a:t>Selbsthilfe-Portale</a:t>
             </a:r>
           </a:p>
         </p:txBody>
@@ -9786,12 +8845,12 @@
               </a:spcAft>
             </a:pPr>
             <a:r>
-              <a:rPr lang="en-US" sz="1200" b="1">
+              <a:rPr lang="de-DE" sz="1200" b="1">
                 <a:latin typeface="+mj-lt"/>
                 <a:ea typeface="Open Sans" pitchFamily="34" charset="0"/>
                 <a:cs typeface="Open Sans" pitchFamily="34" charset="0"/>
               </a:rPr>
-              <a:t>24/7 Support Portal</a:t>
+              <a:t>24/7-Support-Portal</a:t>
             </a:r>
           </a:p>
         </p:txBody>
@@ -9811,7 +8870,7 @@
         <p:spPr>
           <a:xfrm>
             <a:off x="5265661" y="8987081"/>
-            <a:ext cx="2194560" cy="805349"/>
+            <a:ext cx="2408952" cy="959237"/>
           </a:xfrm>
           <a:prstGeom prst="rect">
             <a:avLst/>
@@ -9824,30 +8883,13 @@
           <a:lstStyle/>
           <a:p>
             <a:r>
-              <a:rPr lang="en-US" sz="1000">
+              <a:rPr lang="de-DE" sz="1000" dirty="0">
                 <a:solidFill>
                   <a:srgbClr val="4B4B4B"/>
                 </a:solidFill>
                 <a:latin typeface="Adobe Clean Light" panose="020B0303020404020204" pitchFamily="34" charset="0"/>
               </a:rPr>
-              <a:t>On-demand access to the online </a:t>
-            </a:r>
-            <a:br>
-              <a:rPr lang="en-US" sz="1000">
-                <a:solidFill>
-                  <a:srgbClr val="4B4B4B"/>
-                </a:solidFill>
-                <a:latin typeface="Adobe Clean Light" panose="020B0303020404020204" pitchFamily="34" charset="0"/>
-              </a:rPr>
-            </a:br>
-            <a:r>
-              <a:rPr lang="en-US" sz="1000">
-                <a:solidFill>
-                  <a:srgbClr val="4B4B4B"/>
-                </a:solidFill>
-                <a:latin typeface="Adobe Clean Light" panose="020B0303020404020204" pitchFamily="34" charset="0"/>
-              </a:rPr>
-              <a:t>Self-help Support Portal to submit support requests, review case status, and browse other resources, like our knowledgebase, news and alerts, featured tips, and more.</a:t>
+              <a:t>On-Demand-Zugriff auf das Online-Selbsthilfe-Support-Portal, um Support-Anfragen einzureichen, den Fallstatus zu überprüfen und andere Ressourcen zu durchsuchen, z. B. unsere Wissensdatenbank, Neuigkeiten und Hinweise, spezielle Tipps und mehr.</a:t>
             </a:r>
           </a:p>
         </p:txBody>
@@ -10155,7 +9197,7 @@
         </p:nvSpPr>
         <p:spPr>
           <a:xfrm>
-            <a:off x="214971" y="6124178"/>
+            <a:off x="214971" y="6172200"/>
             <a:ext cx="1930978" cy="307777"/>
           </a:xfrm>
           <a:prstGeom prst="rect">
@@ -10177,19 +9219,15 @@
               </a:spcBef>
             </a:pPr>
             <a:r>
-              <a:rPr lang="en-US" sz="1400" b="1">
+              <a:rPr lang="de-DE" sz="1400" b="1" dirty="0">
                 <a:solidFill>
                   <a:srgbClr val="020302"/>
                 </a:solidFill>
                 <a:latin typeface="Adobe Clean"/>
                 <a:cs typeface="Adobe Clean"/>
               </a:rPr>
-              <a:t>Online Support Features</a:t>
-            </a:r>
-            <a:endParaRPr lang="en-US" sz="1400">
-              <a:latin typeface="Adobe Clean"/>
-              <a:cs typeface="Adobe Clean"/>
-            </a:endParaRPr>
+              <a:t>Umfang von Online Support</a:t>
+            </a:r>
           </a:p>
         </p:txBody>
       </p:sp>
@@ -10390,14 +9428,14 @@
         <p:spPr>
           <a:xfrm>
             <a:off x="324341" y="4031705"/>
-            <a:ext cx="2194560" cy="499111"/>
+            <a:ext cx="2249510" cy="672172"/>
           </a:xfrm>
           <a:prstGeom prst="rect">
             <a:avLst/>
           </a:prstGeom>
         </p:spPr>
         <p:txBody>
-          <a:bodyPr lIns="0" tIns="0" rIns="0" bIns="0">
+          <a:bodyPr wrap="square" lIns="0" tIns="0" rIns="0" bIns="0">
             <a:spAutoFit/>
           </a:bodyPr>
           <a:lstStyle/>
@@ -10411,22 +9449,15 @@
               </a:spcBef>
             </a:pPr>
             <a:r>
-              <a:rPr lang="en-US" sz="1000">
+              <a:rPr lang="de-DE" sz="1000" dirty="0">
                 <a:solidFill>
                   <a:srgbClr val="020302"/>
                 </a:solidFill>
                 <a:latin typeface="AdobeClean-Light"/>
                 <a:cs typeface="AdobeClean-Light"/>
               </a:rPr>
-              <a:t>Proactive review of your solution  deployment, configuration, and overall  architecture, including integrations.</a:t>
-            </a:r>
-            <a:endParaRPr lang="en-US" sz="1000">
-              <a:solidFill>
-                <a:prstClr val="black"/>
-              </a:solidFill>
-              <a:latin typeface="AdobeClean-Light"/>
-              <a:cs typeface="AdobeClean-Light"/>
-            </a:endParaRPr>
+              <a:t>Proaktive Prüfung Ihrer Lösungsimplementierung, -konfiguration und -architektur, einschließlich Integrationen.</a:t>
+            </a:r>
           </a:p>
         </p:txBody>
       </p:sp>
@@ -10444,15 +9475,15 @@
         </p:nvSpPr>
         <p:spPr>
           <a:xfrm>
-            <a:off x="5265661" y="4031705"/>
-            <a:ext cx="2194560" cy="652615"/>
+            <a:off x="5265660" y="4031705"/>
+            <a:ext cx="2354339" cy="652615"/>
           </a:xfrm>
           <a:prstGeom prst="rect">
             <a:avLst/>
           </a:prstGeom>
         </p:spPr>
         <p:txBody>
-          <a:bodyPr lIns="0" tIns="0" rIns="0" bIns="0">
+          <a:bodyPr wrap="square" lIns="0" tIns="0" rIns="0" bIns="0">
             <a:spAutoFit/>
           </a:bodyPr>
           <a:lstStyle/>
@@ -10466,22 +9497,15 @@
               </a:spcBef>
             </a:pPr>
             <a:r>
-              <a:rPr lang="en-US" sz="1000">
+              <a:rPr lang="de-DE" sz="1000" dirty="0">
                 <a:solidFill>
                   <a:srgbClr val="020302"/>
                 </a:solidFill>
                 <a:latin typeface="AdobeClean-Light"/>
                 <a:cs typeface="AdobeClean-Light"/>
               </a:rPr>
-              <a:t>Receive maintenance best practices and latest  fixes (SPs, MR, patches, FPs) to remain up-to-  date on all maintenance checks.</a:t>
-            </a:r>
-            <a:endParaRPr lang="en-US" sz="1000">
-              <a:solidFill>
-                <a:prstClr val="black"/>
-              </a:solidFill>
-              <a:latin typeface="AdobeClean-Light"/>
-              <a:cs typeface="AdobeClean-Light"/>
-            </a:endParaRPr>
+              <a:t>Sie erhalten Best Practices für die Wartung und aktuelle Fehlerbehebungen (SPs, MR, Patches, FPs), damit Sie bei allen Wartungsprüfungen auf dem neuesten Stand sind</a:t>
+            </a:r>
           </a:p>
         </p:txBody>
       </p:sp>
@@ -10518,22 +9542,15 @@
               </a:spcBef>
             </a:pPr>
             <a:r>
-              <a:rPr lang="en-US" sz="1000">
+              <a:rPr lang="de-DE" sz="1000" dirty="0">
                 <a:solidFill>
                   <a:srgbClr val="4B4B4B"/>
                 </a:solidFill>
                 <a:latin typeface="AdobeClean-Light"/>
                 <a:cs typeface="AdobeClean-Light"/>
               </a:rPr>
-              <a:t>A regular review of Elite program services, support metrics, and deliverables, including a forward-looking plan</a:t>
-            </a:r>
-            <a:endParaRPr lang="en-US" sz="1000">
-              <a:solidFill>
-                <a:prstClr val="black"/>
-              </a:solidFill>
-              <a:latin typeface="AdobeClean-Light"/>
-              <a:cs typeface="AdobeClean-Light"/>
-            </a:endParaRPr>
+              <a:t>Fortlaufende Prüfung der Services, Support-Metriken und Bereitstellungen des Elite-Programms, einschließlich eines zukunftsorientierten Plans</a:t>
+            </a:r>
           </a:p>
         </p:txBody>
       </p:sp>
@@ -10551,15 +9568,15 @@
         </p:nvSpPr>
         <p:spPr>
           <a:xfrm>
-            <a:off x="5431520" y="2854370"/>
-            <a:ext cx="2194560" cy="615553"/>
+            <a:off x="5431520" y="2895600"/>
+            <a:ext cx="2340880" cy="615553"/>
           </a:xfrm>
           <a:prstGeom prst="rect">
             <a:avLst/>
           </a:prstGeom>
         </p:spPr>
         <p:txBody>
-          <a:bodyPr lIns="0" tIns="0" rIns="0" bIns="0">
+          <a:bodyPr wrap="square" lIns="0" tIns="0" rIns="0" bIns="0">
             <a:spAutoFit/>
           </a:bodyPr>
           <a:lstStyle/>
@@ -10570,22 +9587,15 @@
               </a:spcBef>
             </a:pPr>
             <a:r>
-              <a:rPr lang="en-US" sz="1000">
+              <a:rPr lang="de-DE" sz="1000" dirty="0">
                 <a:solidFill>
                   <a:srgbClr val="4B4B4B"/>
                 </a:solidFill>
                 <a:latin typeface="AdobeClean-Light"/>
                 <a:cs typeface="AdobeClean-Light"/>
               </a:rPr>
-              <a:t>A 60-minute session focusing on a  specific product feature and how it can  be utilized to solve common business  problems.</a:t>
-            </a:r>
-            <a:endParaRPr lang="en-US" sz="1000">
-              <a:solidFill>
-                <a:prstClr val="black"/>
-              </a:solidFill>
-              <a:latin typeface="AdobeClean-Light"/>
-              <a:cs typeface="AdobeClean-Light"/>
-            </a:endParaRPr>
+              <a:t>Eine 60-minütige Session mit Konzentration auf eine bestimmte Produktfunktion und deren Nutzung zum Lösen gängiger Unternehmensprobleme.</a:t>
+            </a:r>
           </a:p>
         </p:txBody>
       </p:sp>
@@ -10604,14 +9614,14 @@
         <p:spPr>
           <a:xfrm>
             <a:off x="324341" y="2842848"/>
-            <a:ext cx="2194560" cy="615553"/>
+            <a:ext cx="2428138" cy="615553"/>
           </a:xfrm>
           <a:prstGeom prst="rect">
             <a:avLst/>
           </a:prstGeom>
         </p:spPr>
         <p:txBody>
-          <a:bodyPr lIns="0" tIns="0" rIns="0" bIns="0">
+          <a:bodyPr wrap="square" lIns="0" tIns="0" rIns="0" bIns="0">
             <a:spAutoFit/>
           </a:bodyPr>
           <a:lstStyle/>
@@ -10622,16 +9632,15 @@
               </a:spcBef>
             </a:pPr>
             <a:r>
-              <a:rPr lang="en-US" sz="1000">
+              <a:rPr lang="de-DE" sz="1000" spc="-50" dirty="0">
                 <a:solidFill>
                   <a:srgbClr val="4B4B4B"/>
                 </a:solidFill>
                 <a:latin typeface="AdobeClean-Light"/>
                 <a:cs typeface="AdobeClean-Light"/>
               </a:rPr>
-              <a:t>A designated point of contact within Adobe  who can provide escalation assistance,  regular updates and ensure priority is given  to your most critical open support requests.</a:t>
-            </a:r>
-            <a:endParaRPr lang="en-US"/>
+              <a:t>Ein spezifischer Ansprechpartner innerhalb von Adobe, der Unterstützung bei Eskalation und regelmäßigen Updates bietet und sicherstellt, dass die wichtigsten offenen Support-Anfragen priorisiert werden.</a:t>
+            </a:r>
           </a:p>
         </p:txBody>
       </p:sp>
@@ -10668,22 +9677,15 @@
               </a:spcBef>
             </a:pPr>
             <a:r>
-              <a:rPr lang="en-US" sz="1100" b="1">
+              <a:rPr lang="de-DE" sz="1100" b="1">
                 <a:solidFill>
                   <a:srgbClr val="020302"/>
                 </a:solidFill>
                 <a:latin typeface="Adobe Clean" panose="020B0503020404020204" pitchFamily="34" charset="0"/>
                 <a:cs typeface="Arial"/>
               </a:rPr>
-              <a:t>Named Support Engineer</a:t>
-            </a:r>
-            <a:endParaRPr lang="en-US" sz="1100">
-              <a:solidFill>
-                <a:prstClr val="black"/>
-              </a:solidFill>
-              <a:latin typeface="Adobe Clean" panose="020B0503020404020204" pitchFamily="34" charset="0"/>
-              <a:cs typeface="Arial"/>
-            </a:endParaRPr>
+              <a:t>Spezifischer Support-Mitarbeiter</a:t>
+            </a:r>
           </a:p>
         </p:txBody>
       </p:sp>
@@ -10720,22 +9722,15 @@
               </a:spcBef>
             </a:pPr>
             <a:r>
-              <a:rPr lang="en-US" sz="1100" b="1">
+              <a:rPr lang="de-DE" sz="1100" b="1">
                 <a:solidFill>
                   <a:srgbClr val="020302"/>
                 </a:solidFill>
                 <a:latin typeface="Adobe Clean" panose="020B0503020404020204" pitchFamily="34" charset="0"/>
                 <a:cs typeface="Arial"/>
               </a:rPr>
-              <a:t>Case Reviews</a:t>
-            </a:r>
-            <a:endParaRPr lang="en-US" sz="1100">
-              <a:solidFill>
-                <a:prstClr val="black"/>
-              </a:solidFill>
-              <a:latin typeface="Adobe Clean" panose="020B0503020404020204" pitchFamily="34" charset="0"/>
-              <a:cs typeface="Arial"/>
-            </a:endParaRPr>
+              <a:t>Fallprüfungen</a:t>
+            </a:r>
           </a:p>
         </p:txBody>
       </p:sp>
@@ -10772,22 +9767,15 @@
               </a:spcBef>
             </a:pPr>
             <a:r>
-              <a:rPr lang="en-US" sz="1100" b="1">
+              <a:rPr lang="de-DE" sz="1100" b="1">
                 <a:solidFill>
                   <a:srgbClr val="020302"/>
                 </a:solidFill>
                 <a:latin typeface="Adobe Clean" panose="020B0503020404020204" pitchFamily="34" charset="0"/>
                 <a:cs typeface="Adobe Clean"/>
               </a:rPr>
-              <a:t>Maintenance &amp; Monitoring</a:t>
-            </a:r>
-            <a:endParaRPr lang="en-US" sz="1100">
-              <a:solidFill>
-                <a:prstClr val="black"/>
-              </a:solidFill>
-              <a:latin typeface="Adobe Clean" panose="020B0503020404020204" pitchFamily="34" charset="0"/>
-              <a:cs typeface="Adobe Clean"/>
-            </a:endParaRPr>
+              <a:t>Wartung und Überwachung</a:t>
+            </a:r>
           </a:p>
         </p:txBody>
       </p:sp>
@@ -10824,22 +9812,15 @@
               </a:spcBef>
             </a:pPr>
             <a:r>
-              <a:rPr lang="en-US" sz="1100" b="1">
+              <a:rPr lang="de-DE" sz="1100" b="1">
                 <a:solidFill>
                   <a:srgbClr val="020302"/>
                 </a:solidFill>
                 <a:latin typeface="Adobe Clean" panose="020B0503020404020204" pitchFamily="34" charset="0"/>
                 <a:cs typeface="Adobe Clean"/>
               </a:rPr>
-              <a:t>Solution Roadmap Review</a:t>
-            </a:r>
-            <a:endParaRPr lang="en-US" sz="1100">
-              <a:solidFill>
-                <a:prstClr val="black"/>
-              </a:solidFill>
-              <a:latin typeface="Adobe Clean" panose="020B0503020404020204" pitchFamily="34" charset="0"/>
-              <a:cs typeface="Adobe Clean"/>
-            </a:endParaRPr>
+              <a:t>Prüfung der Lösungs-Roadmap</a:t>
+            </a:r>
           </a:p>
         </p:txBody>
       </p:sp>
@@ -10876,22 +9857,15 @@
               </a:spcBef>
             </a:pPr>
             <a:r>
-              <a:rPr lang="en-US" sz="1100" b="1">
+              <a:rPr lang="de-DE" sz="1100" b="1">
                 <a:solidFill>
                   <a:srgbClr val="020302"/>
                 </a:solidFill>
                 <a:latin typeface="Adobe Clean" panose="020B0503020404020204" pitchFamily="34" charset="0"/>
                 <a:cs typeface="Adobe Clean"/>
               </a:rPr>
-              <a:t>Environment Review</a:t>
-            </a:r>
-            <a:endParaRPr lang="en-US" sz="1100">
-              <a:solidFill>
-                <a:prstClr val="black"/>
-              </a:solidFill>
-              <a:latin typeface="Adobe Clean" panose="020B0503020404020204" pitchFamily="34" charset="0"/>
-              <a:cs typeface="Adobe Clean"/>
-            </a:endParaRPr>
+              <a:t>Umgebungsprüfung</a:t>
+            </a:r>
           </a:p>
         </p:txBody>
       </p:sp>
@@ -10928,22 +9902,15 @@
               </a:spcBef>
             </a:pPr>
             <a:r>
-              <a:rPr lang="en-US" sz="1100" b="1">
+              <a:rPr lang="de-DE" sz="1100" b="1">
                 <a:solidFill>
                   <a:srgbClr val="020302"/>
                 </a:solidFill>
                 <a:latin typeface="Adobe Clean" panose="020B0503020404020204" pitchFamily="34" charset="0"/>
                 <a:cs typeface="Adobe Clean"/>
               </a:rPr>
-              <a:t>Escalation Management</a:t>
-            </a:r>
-            <a:endParaRPr lang="en-US" sz="1100">
-              <a:solidFill>
-                <a:prstClr val="black"/>
-              </a:solidFill>
-              <a:latin typeface="Adobe Clean" panose="020B0503020404020204" pitchFamily="34" charset="0"/>
-              <a:cs typeface="Adobe Clean"/>
-            </a:endParaRPr>
+              <a:t>Eskalations-Management</a:t>
+            </a:r>
           </a:p>
         </p:txBody>
       </p:sp>
@@ -10980,22 +9947,15 @@
               </a:spcBef>
             </a:pPr>
             <a:r>
-              <a:rPr lang="en-US" sz="1100" b="1">
+              <a:rPr lang="de-DE" sz="1100" b="1">
                 <a:solidFill>
                   <a:srgbClr val="020302"/>
                 </a:solidFill>
                 <a:latin typeface="Adobe Clean" panose="020B0503020404020204" pitchFamily="34" charset="0"/>
                 <a:cs typeface="Adobe Clean"/>
               </a:rPr>
-              <a:t>Service Reviews</a:t>
-            </a:r>
-            <a:endParaRPr lang="en-US" sz="1100">
-              <a:solidFill>
-                <a:prstClr val="black"/>
-              </a:solidFill>
-              <a:latin typeface="Adobe Clean" panose="020B0503020404020204" pitchFamily="34" charset="0"/>
-              <a:cs typeface="Adobe Clean"/>
-            </a:endParaRPr>
+              <a:t>Service-Prüfungen</a:t>
+            </a:r>
           </a:p>
         </p:txBody>
       </p:sp>
@@ -11032,22 +9992,15 @@
               </a:spcBef>
             </a:pPr>
             <a:r>
-              <a:rPr lang="en-US" sz="1100" b="1">
+              <a:rPr lang="de-DE" sz="1100" b="1">
                 <a:solidFill>
                   <a:srgbClr val="020302"/>
                 </a:solidFill>
                 <a:latin typeface="Adobe Clean" panose="020B0503020404020204" pitchFamily="34" charset="0"/>
                 <a:cs typeface="Adobe Clean"/>
               </a:rPr>
-              <a:t>Expert Sessions</a:t>
-            </a:r>
-            <a:endParaRPr lang="en-US" sz="1100">
-              <a:solidFill>
-                <a:prstClr val="black"/>
-              </a:solidFill>
-              <a:latin typeface="Adobe Clean" panose="020B0503020404020204" pitchFamily="34" charset="0"/>
-              <a:cs typeface="Adobe Clean"/>
-            </a:endParaRPr>
+              <a:t>Experten-Sessions</a:t>
+            </a:r>
           </a:p>
         </p:txBody>
       </p:sp>
@@ -11065,8 +10018,8 @@
         </p:nvSpPr>
         <p:spPr>
           <a:xfrm>
-            <a:off x="689237" y="4935181"/>
-            <a:ext cx="2194560" cy="169277"/>
+            <a:off x="683086" y="4863599"/>
+            <a:ext cx="2194560" cy="338554"/>
           </a:xfrm>
           <a:prstGeom prst="rect">
             <a:avLst/>
@@ -11084,22 +10037,34 @@
               </a:spcBef>
             </a:pPr>
             <a:r>
-              <a:rPr lang="en-US" sz="1100" b="1">
+              <a:rPr lang="de-DE" sz="1100" b="1" dirty="0">
                 <a:solidFill>
                   <a:srgbClr val="020302"/>
                 </a:solidFill>
                 <a:latin typeface="Adobe Clean" panose="020B0503020404020204" pitchFamily="34" charset="0"/>
                 <a:cs typeface="Adobe Clean"/>
               </a:rPr>
-              <a:t>Release Preparation &amp; Review</a:t>
-            </a:r>
-            <a:endParaRPr lang="en-US" sz="1100">
-              <a:solidFill>
-                <a:prstClr val="black"/>
-              </a:solidFill>
-              <a:latin typeface="Adobe Clean" panose="020B0503020404020204" pitchFamily="34" charset="0"/>
-              <a:cs typeface="Adobe Clean"/>
-            </a:endParaRPr>
+              <a:t>Vorbereitung und Prüfung</a:t>
+            </a:r>
+            <a:br>
+              <a:rPr lang="sk-SK" sz="1100" b="1" dirty="0">
+                <a:solidFill>
+                  <a:srgbClr val="020302"/>
+                </a:solidFill>
+                <a:latin typeface="Adobe Clean" panose="020B0503020404020204" pitchFamily="34" charset="0"/>
+                <a:cs typeface="Adobe Clean"/>
+              </a:rPr>
+            </a:br>
+            <a:r>
+              <a:rPr lang="de-DE" sz="1100" b="1" dirty="0">
+                <a:solidFill>
+                  <a:srgbClr val="020302"/>
+                </a:solidFill>
+                <a:latin typeface="Adobe Clean" panose="020B0503020404020204" pitchFamily="34" charset="0"/>
+                <a:cs typeface="Adobe Clean"/>
+              </a:rPr>
+              <a:t> für neue Versionen</a:t>
+            </a:r>
           </a:p>
         </p:txBody>
       </p:sp>
@@ -11139,19 +10104,15 @@
               </a:spcBef>
             </a:pPr>
             <a:r>
-              <a:rPr lang="en-US" sz="1100" b="1">
+              <a:rPr lang="de-DE" sz="1100" b="1">
                 <a:solidFill>
                   <a:srgbClr val="020302"/>
                 </a:solidFill>
                 <a:latin typeface="Adobe Clean" panose="020B0503020404020204" pitchFamily="34" charset="0"/>
                 <a:cs typeface="Adobe Clean"/>
               </a:rPr>
-              <a:t>Knowledge Transfer</a:t>
-            </a:r>
-            <a:endParaRPr lang="en-US" sz="1100">
-              <a:latin typeface="Adobe Clean" panose="020B0503020404020204" pitchFamily="34" charset="0"/>
-              <a:cs typeface="Adobe Clean"/>
-            </a:endParaRPr>
+              <a:t>Wissenstransfer</a:t>
+            </a:r>
           </a:p>
         </p:txBody>
       </p:sp>
@@ -11191,19 +10152,15 @@
               </a:spcBef>
             </a:pPr>
             <a:r>
-              <a:rPr lang="en-US" sz="1100" b="1">
+              <a:rPr lang="de-DE" sz="1100" b="1">
                 <a:solidFill>
                   <a:srgbClr val="020302"/>
                 </a:solidFill>
                 <a:latin typeface="Adobe Clean" panose="020B0503020404020204" pitchFamily="34" charset="0"/>
                 <a:cs typeface="Adobe Clean"/>
               </a:rPr>
-              <a:t>Event Management</a:t>
-            </a:r>
-            <a:endParaRPr lang="en-US" sz="1100">
-              <a:latin typeface="Adobe Clean" panose="020B0503020404020204" pitchFamily="34" charset="0"/>
-              <a:cs typeface="Adobe Clean"/>
-            </a:endParaRPr>
+              <a:t>Ereignis-Management</a:t>
+            </a:r>
           </a:p>
         </p:txBody>
       </p:sp>
@@ -11530,7 +10487,7 @@
         <p:spPr>
           <a:xfrm>
             <a:off x="2764975" y="4039530"/>
-            <a:ext cx="2282011" cy="708399"/>
+            <a:ext cx="2488526" cy="881460"/>
           </a:xfrm>
           <a:prstGeom prst="rect">
             <a:avLst/>
@@ -11551,19 +10508,34 @@
               </a:spcBef>
             </a:pPr>
             <a:r>
-              <a:rPr lang="en-US" sz="1000">
+              <a:rPr lang="de-DE" sz="1000" dirty="0">
                 <a:solidFill>
                   <a:srgbClr val="020302"/>
                 </a:solidFill>
                 <a:latin typeface="AdobeClean-Light"/>
                 <a:cs typeface="AdobeClean-Light"/>
               </a:rPr>
-              <a:t>Compare and align Adobe solution  roadmap with your project roadmap to  mitigate risk and prepare for the future.</a:t>
-            </a:r>
-            <a:endParaRPr lang="en-US" sz="1000">
-              <a:latin typeface="AdobeClean-Light"/>
-              <a:cs typeface="AdobeClean-Light"/>
-            </a:endParaRPr>
+              <a:t>Vergleich der Adobe-Lösungs-Roadmap mit Ihrer Projekt-Roadmap und entsprechende Ausrichtung, um Risiken zu minimieren </a:t>
+            </a:r>
+            <a:br>
+              <a:rPr lang="sk-SK" sz="1000" dirty="0">
+                <a:solidFill>
+                  <a:srgbClr val="020302"/>
+                </a:solidFill>
+                <a:latin typeface="AdobeClean-Light"/>
+                <a:cs typeface="AdobeClean-Light"/>
+              </a:rPr>
+            </a:br>
+            <a:r>
+              <a:rPr lang="de-DE" sz="1000" dirty="0">
+                <a:solidFill>
+                  <a:srgbClr val="020302"/>
+                </a:solidFill>
+                <a:latin typeface="AdobeClean-Light"/>
+                <a:cs typeface="AdobeClean-Light"/>
+              </a:rPr>
+              <a:t>und sich auf die Zukunft vorzubereiten.</a:t>
+            </a:r>
           </a:p>
           <a:p>
             <a:pPr marL="18415" marR="262255" lvl="0">
@@ -11575,7 +10547,7 @@
               </a:spcBef>
             </a:pPr>
             <a:r>
-              <a:rPr lang="en-US" sz="1000">
+              <a:rPr lang="de-DE" sz="1000" dirty="0">
                 <a:solidFill>
                   <a:srgbClr val="020302"/>
                 </a:solidFill>
@@ -11584,13 +10556,6 @@
               </a:rPr>
               <a:t>.</a:t>
             </a:r>
-            <a:endParaRPr lang="en-US" sz="1000">
-              <a:solidFill>
-                <a:prstClr val="black"/>
-              </a:solidFill>
-              <a:latin typeface="AdobeClean-Light"/>
-              <a:cs typeface="AdobeClean-Light"/>
-            </a:endParaRPr>
           </a:p>
         </p:txBody>
       </p:sp>
@@ -11877,7 +10842,7 @@
         </p:nvSpPr>
         <p:spPr>
           <a:xfrm>
-            <a:off x="4724779" y="2654678"/>
+            <a:off x="4800600" y="2654678"/>
             <a:ext cx="1894205" cy="0"/>
           </a:xfrm>
           <a:custGeom>
@@ -11919,8 +10884,8 @@
         </p:nvSpPr>
         <p:spPr>
           <a:xfrm>
-            <a:off x="4843269" y="2329688"/>
-            <a:ext cx="1656080" cy="238760"/>
+            <a:off x="4843268" y="2329688"/>
+            <a:ext cx="2014705" cy="228268"/>
           </a:xfrm>
           <a:prstGeom prst="rect">
             <a:avLst/>
@@ -11941,179 +10906,15 @@
               </a:spcBef>
             </a:pPr>
             <a:r>
-              <a:rPr sz="1400" b="1" spc="-25">
+              <a:rPr lang="de-DE" sz="1400" b="1" dirty="0">
                 <a:solidFill>
                   <a:srgbClr val="020302"/>
                 </a:solidFill>
                 <a:latin typeface="Adobe Clean"/>
                 <a:cs typeface="Adobe Clean"/>
               </a:rPr>
-              <a:t>Fi</a:t>
-            </a:r>
-            <a:r>
-              <a:rPr sz="1400" b="1" spc="-35">
-                <a:solidFill>
-                  <a:srgbClr val="020302"/>
-                </a:solidFill>
-                <a:latin typeface="Adobe Clean"/>
-                <a:cs typeface="Adobe Clean"/>
-              </a:rPr>
-              <a:t>e</a:t>
-            </a:r>
-            <a:r>
-              <a:rPr sz="1400" b="1" spc="-25">
-                <a:solidFill>
-                  <a:srgbClr val="020302"/>
-                </a:solidFill>
-                <a:latin typeface="Adobe Clean"/>
-                <a:cs typeface="Adobe Clean"/>
-              </a:rPr>
-              <a:t>l</a:t>
-            </a:r>
-            <a:r>
-              <a:rPr sz="1400" b="1">
-                <a:solidFill>
-                  <a:srgbClr val="020302"/>
-                </a:solidFill>
-                <a:latin typeface="Adobe Clean"/>
-                <a:cs typeface="Adobe Clean"/>
-              </a:rPr>
-              <a:t>d</a:t>
-            </a:r>
-            <a:r>
-              <a:rPr sz="1400" b="1" spc="-40">
-                <a:solidFill>
-                  <a:srgbClr val="020302"/>
-                </a:solidFill>
-                <a:latin typeface="Adobe Clean"/>
-                <a:cs typeface="Adobe Clean"/>
-              </a:rPr>
-              <a:t> </a:t>
-            </a:r>
-            <a:r>
-              <a:rPr sz="1400" b="1" spc="25">
-                <a:solidFill>
-                  <a:srgbClr val="020302"/>
-                </a:solidFill>
-                <a:latin typeface="Adobe Clean"/>
-                <a:cs typeface="Adobe Clean"/>
-              </a:rPr>
-              <a:t>S</a:t>
-            </a:r>
-            <a:r>
-              <a:rPr sz="1400" b="1" spc="5">
-                <a:solidFill>
-                  <a:srgbClr val="020302"/>
-                </a:solidFill>
-                <a:latin typeface="Adobe Clean"/>
-                <a:cs typeface="Adobe Clean"/>
-              </a:rPr>
-              <a:t>e</a:t>
-            </a:r>
-            <a:r>
-              <a:rPr sz="1400" b="1" spc="15">
-                <a:solidFill>
-                  <a:srgbClr val="020302"/>
-                </a:solidFill>
-                <a:latin typeface="Adobe Clean"/>
-                <a:cs typeface="Adobe Clean"/>
-              </a:rPr>
-              <a:t>rvi</a:t>
-            </a:r>
-            <a:r>
-              <a:rPr sz="1400" b="1" spc="5">
-                <a:solidFill>
-                  <a:srgbClr val="020302"/>
-                </a:solidFill>
-                <a:latin typeface="Adobe Clean"/>
-                <a:cs typeface="Adobe Clean"/>
-              </a:rPr>
-              <a:t>c</a:t>
-            </a:r>
-            <a:r>
-              <a:rPr sz="1400" b="1">
-                <a:solidFill>
-                  <a:srgbClr val="020302"/>
-                </a:solidFill>
-                <a:latin typeface="Adobe Clean"/>
-                <a:cs typeface="Adobe Clean"/>
-              </a:rPr>
-              <a:t>e</a:t>
-            </a:r>
-            <a:r>
-              <a:rPr sz="1400" b="1" spc="-190">
-                <a:solidFill>
-                  <a:srgbClr val="020302"/>
-                </a:solidFill>
-                <a:latin typeface="Adobe Clean"/>
-                <a:cs typeface="Adobe Clean"/>
-              </a:rPr>
-              <a:t> </a:t>
-            </a:r>
-            <a:r>
-              <a:rPr sz="1400" b="1" spc="5">
-                <a:solidFill>
-                  <a:srgbClr val="020302"/>
-                </a:solidFill>
-                <a:latin typeface="Adobe Clean"/>
-                <a:cs typeface="Adobe Clean"/>
-              </a:rPr>
-              <a:t>A</a:t>
-            </a:r>
-            <a:r>
-              <a:rPr sz="1400" b="1" spc="-5">
-                <a:solidFill>
-                  <a:srgbClr val="020302"/>
-                </a:solidFill>
-                <a:latin typeface="Adobe Clean"/>
-                <a:cs typeface="Adobe Clean"/>
-              </a:rPr>
-              <a:t>ct</a:t>
-            </a:r>
-            <a:r>
-              <a:rPr sz="1400" b="1" spc="5">
-                <a:solidFill>
-                  <a:srgbClr val="020302"/>
-                </a:solidFill>
-                <a:latin typeface="Adobe Clean"/>
-                <a:cs typeface="Adobe Clean"/>
-              </a:rPr>
-              <a:t>ivi</a:t>
-            </a:r>
-            <a:r>
-              <a:rPr sz="1400" b="1" spc="-5">
-                <a:solidFill>
-                  <a:srgbClr val="020302"/>
-                </a:solidFill>
-                <a:latin typeface="Adobe Clean"/>
-                <a:cs typeface="Adobe Clean"/>
-              </a:rPr>
-              <a:t>t</a:t>
-            </a:r>
-            <a:r>
-              <a:rPr sz="1400" b="1" spc="5">
-                <a:solidFill>
-                  <a:srgbClr val="020302"/>
-                </a:solidFill>
-                <a:latin typeface="Adobe Clean"/>
-                <a:cs typeface="Adobe Clean"/>
-              </a:rPr>
-              <a:t>i</a:t>
-            </a:r>
-            <a:r>
-              <a:rPr sz="1400" b="1" spc="-5">
-                <a:solidFill>
-                  <a:srgbClr val="020302"/>
-                </a:solidFill>
-                <a:latin typeface="Adobe Clean"/>
-                <a:cs typeface="Adobe Clean"/>
-              </a:rPr>
-              <a:t>es</a:t>
-            </a:r>
-            <a:endParaRPr sz="1400">
-              <a:latin typeface="Adobe Clean"/>
-              <a:cs typeface="Adobe Clean"/>
-            </a:endParaRPr>
+              <a:t>Außendienstaktivitäten</a:t>
+            </a:r>
           </a:p>
         </p:txBody>
       </p:sp>
@@ -12125,8 +10926,8 @@
         </p:nvSpPr>
         <p:spPr>
           <a:xfrm>
-            <a:off x="914422" y="2342312"/>
-            <a:ext cx="1242060" cy="238760"/>
+            <a:off x="914421" y="2342312"/>
+            <a:ext cx="1465519" cy="228268"/>
           </a:xfrm>
           <a:prstGeom prst="rect">
             <a:avLst/>
@@ -12147,99 +10948,15 @@
               </a:spcBef>
             </a:pPr>
             <a:r>
-              <a:rPr sz="1400" b="1" spc="-25">
+              <a:rPr lang="de-DE" sz="1400" b="1" dirty="0">
                 <a:solidFill>
                   <a:srgbClr val="020302"/>
                 </a:solidFill>
                 <a:latin typeface="Adobe Clean"/>
                 <a:cs typeface="Adobe Clean"/>
               </a:rPr>
-              <a:t>L</a:t>
-            </a:r>
-            <a:r>
-              <a:rPr sz="1400" b="1" spc="-5">
-                <a:solidFill>
-                  <a:srgbClr val="020302"/>
-                </a:solidFill>
-                <a:latin typeface="Adobe Clean"/>
-                <a:cs typeface="Adobe Clean"/>
-              </a:rPr>
-              <a:t>a</a:t>
-            </a:r>
-            <a:r>
-              <a:rPr sz="1400" b="1" spc="-20">
-                <a:solidFill>
-                  <a:srgbClr val="020302"/>
-                </a:solidFill>
-                <a:latin typeface="Adobe Clean"/>
-                <a:cs typeface="Adobe Clean"/>
-              </a:rPr>
-              <a:t>u</a:t>
-            </a:r>
-            <a:r>
-              <a:rPr sz="1400" b="1" spc="-15">
-                <a:solidFill>
-                  <a:srgbClr val="020302"/>
-                </a:solidFill>
-                <a:latin typeface="Adobe Clean"/>
-                <a:cs typeface="Adobe Clean"/>
-              </a:rPr>
-              <a:t>n</a:t>
-            </a:r>
-            <a:r>
-              <a:rPr sz="1400" b="1" spc="-25">
-                <a:solidFill>
-                  <a:srgbClr val="020302"/>
-                </a:solidFill>
-                <a:latin typeface="Adobe Clean"/>
-                <a:cs typeface="Adobe Clean"/>
-              </a:rPr>
-              <a:t>c</a:t>
-            </a:r>
-            <a:r>
-              <a:rPr sz="1400" b="1">
-                <a:solidFill>
-                  <a:srgbClr val="020302"/>
-                </a:solidFill>
-                <a:latin typeface="Adobe Clean"/>
-                <a:cs typeface="Adobe Clean"/>
-              </a:rPr>
-              <a:t>h</a:t>
-            </a:r>
-            <a:r>
-              <a:rPr sz="1400" b="1" spc="-25">
-                <a:solidFill>
-                  <a:srgbClr val="020302"/>
-                </a:solidFill>
-                <a:latin typeface="Adobe Clean"/>
-                <a:cs typeface="Adobe Clean"/>
-              </a:rPr>
-              <a:t> </a:t>
-            </a:r>
-            <a:r>
-              <a:rPr sz="1400" b="1" spc="-10">
-                <a:solidFill>
-                  <a:srgbClr val="020302"/>
-                </a:solidFill>
-                <a:latin typeface="Adobe Clean"/>
-                <a:cs typeface="Adobe Clean"/>
-              </a:rPr>
-              <a:t>Advisor</a:t>
-            </a:r>
-            <a:r>
-              <a:rPr sz="1400" b="1">
-                <a:solidFill>
-                  <a:srgbClr val="020302"/>
-                </a:solidFill>
-                <a:latin typeface="Adobe Clean"/>
-                <a:cs typeface="Adobe Clean"/>
-              </a:rPr>
-              <a:t>y</a:t>
-            </a:r>
-            <a:endParaRPr sz="1400">
-              <a:latin typeface="Adobe Clean"/>
-              <a:cs typeface="Adobe Clean"/>
-            </a:endParaRPr>
+              <a:t>Launch Advisory</a:t>
+            </a:r>
           </a:p>
         </p:txBody>
       </p:sp>
@@ -12252,7 +10969,7 @@
         <p:spPr>
           <a:xfrm>
             <a:off x="242187" y="2787904"/>
-            <a:ext cx="3004185" cy="635000"/>
+            <a:ext cx="3450092" cy="628377"/>
           </a:xfrm>
           <a:prstGeom prst="rect">
             <a:avLst/>
@@ -12273,90 +10990,90 @@
               </a:spcBef>
             </a:pPr>
             <a:r>
-              <a:rPr sz="1000">
+              <a:rPr lang="de-DE" sz="1000" dirty="0">
                 <a:solidFill>
                   <a:srgbClr val="1F1F1F"/>
                 </a:solidFill>
                 <a:latin typeface="AdobeClean-Light"/>
                 <a:cs typeface="AdobeClean-Light"/>
               </a:rPr>
-              <a:t>For customers implementing a </a:t>
-            </a:r>
-            <a:r>
-              <a:rPr sz="1000" b="1">
+              <a:t>Für Kunden, die eine </a:t>
+            </a:r>
+            <a:r>
+              <a:rPr lang="de-DE" sz="1000" b="1" dirty="0">
                 <a:solidFill>
                   <a:srgbClr val="1F1F1F"/>
                 </a:solidFill>
                 <a:latin typeface="Adobe Clean"/>
                 <a:cs typeface="Adobe Clean"/>
               </a:rPr>
-              <a:t>new Adobe Experience Cloud  solution, </a:t>
-            </a:r>
-            <a:r>
-              <a:rPr sz="1000">
+              <a:t>neue Adobe Experience Cloud-Lösung implementieren, bietet </a:t>
+            </a:r>
+            <a:r>
+              <a:rPr lang="de-DE" sz="1000" dirty="0">
                 <a:latin typeface="AdobeClean-Light"/>
                 <a:cs typeface="AdobeClean-Light"/>
               </a:rPr>
               <a:t>Launch Advisory </a:t>
             </a:r>
             <a:r>
-              <a:rPr sz="1000">
+              <a:rPr lang="de-DE" sz="1000" dirty="0">
                 <a:latin typeface="AdobeClean-SemiLight"/>
                 <a:cs typeface="AdobeClean-SemiLight"/>
               </a:rPr>
-              <a:t>is a </a:t>
-            </a:r>
-            <a:r>
-              <a:rPr sz="950">
+              <a:t>eine </a:t>
+            </a:r>
+            <a:r>
+              <a:rPr lang="de-DE" sz="950" dirty="0">
                 <a:latin typeface="AdobeClean-SemiLight"/>
                 <a:cs typeface="AdobeClean-SemiLight"/>
               </a:rPr>
-              <a:t>core set of advisory</a:t>
-            </a:r>
-          </a:p>
-          <a:p>
-            <a:pPr marL="12700" marR="86995" indent="-635">
-              <a:lnSpc>
-                <a:spcPct val="100000"/>
-              </a:lnSpc>
-            </a:pPr>
-            <a:r>
-              <a:rPr sz="950">
+              <a:t>zentrale Palette von Beratungs-Services</a:t>
+            </a:r>
+            <a:r>
+              <a:rPr lang="sk-SK" sz="950" dirty="0">
                 <a:latin typeface="AdobeClean-SemiLight"/>
                 <a:cs typeface="AdobeClean-SemiLight"/>
               </a:rPr>
-              <a:t>services </a:t>
-            </a:r>
-            <a:r>
-              <a:rPr sz="1000">
+              <a:t> </a:t>
+            </a:r>
+            <a:r>
+              <a:rPr lang="de-DE" sz="950" dirty="0">
+                <a:latin typeface="AdobeClean-SemiLight"/>
+                <a:cs typeface="AdobeClean-SemiLight"/>
+              </a:rPr>
+              <a:t>und </a:t>
+            </a:r>
+            <a:r>
+              <a:rPr lang="de-DE" sz="1000" dirty="0">
                 <a:latin typeface="AdobeClean-Light"/>
                 <a:cs typeface="AdobeClean-Light"/>
               </a:rPr>
-              <a:t>and recommendations that are proven to </a:t>
-            </a:r>
-            <a:r>
-              <a:rPr sz="950">
+              <a:t>Empfehlungen, die nachweislich </a:t>
+            </a:r>
+            <a:r>
+              <a:rPr lang="de-DE" sz="950" dirty="0">
                 <a:latin typeface="AdobeClean-Light"/>
                 <a:cs typeface="AdobeClean-Light"/>
               </a:rPr>
-              <a:t>support  successful deployments </a:t>
-            </a:r>
-            <a:r>
-              <a:rPr sz="1000">
+              <a:t>erfolgreiche Implementierungen unterstützen </a:t>
+            </a:r>
+            <a:r>
+              <a:rPr lang="de-DE" sz="1000" dirty="0">
                 <a:latin typeface="AdobeClean-Light"/>
                 <a:cs typeface="AdobeClean-Light"/>
               </a:rPr>
-              <a:t>and </a:t>
-            </a:r>
-            <a:r>
-              <a:rPr sz="950">
+              <a:t>und </a:t>
+            </a:r>
+            <a:r>
+              <a:rPr lang="de-DE" sz="950" dirty="0">
                 <a:latin typeface="AdobeClean-Light"/>
                 <a:cs typeface="AdobeClean-Light"/>
               </a:rPr>
-              <a:t>accelerate time-to-value</a:t>
-            </a:r>
-            <a:r>
-              <a:rPr sz="1000">
+              <a:t>die Time-to-Value beschleunigen</a:t>
+            </a:r>
+            <a:r>
+              <a:rPr lang="de-DE" sz="1000" dirty="0">
                 <a:latin typeface="AdobeClean-Light"/>
                 <a:cs typeface="AdobeClean-Light"/>
               </a:rPr>
@@ -12474,79 +11191,75 @@
               </a:spcBef>
             </a:pPr>
             <a:r>
-              <a:rPr sz="1000">
+              <a:rPr lang="de-DE" sz="1000" dirty="0">
                 <a:solidFill>
                   <a:srgbClr val="4B4B4B"/>
                 </a:solidFill>
                 <a:latin typeface="AdobeClean-Light"/>
                 <a:cs typeface="AdobeClean-Light"/>
               </a:rPr>
-              <a:t>Field Services are used for </a:t>
-            </a:r>
-            <a:r>
-              <a:rPr sz="1000" b="1">
+              <a:t>Der Außendienst sorgt für </a:t>
+            </a:r>
+            <a:r>
+              <a:rPr lang="de-DE" sz="1000" b="1" dirty="0">
                 <a:solidFill>
                   <a:srgbClr val="4B4B4B"/>
                 </a:solidFill>
                 <a:latin typeface="Adobe Clean"/>
                 <a:cs typeface="Adobe Clean"/>
               </a:rPr>
-              <a:t>quick resolution</a:t>
-            </a:r>
-            <a:r>
-              <a:rPr sz="1000">
+              <a:t>schnelle Problemlösung,</a:t>
+            </a:r>
+            <a:r>
+              <a:rPr lang="de-DE" sz="1000" dirty="0">
                 <a:solidFill>
                   <a:srgbClr val="4B4B4B"/>
                 </a:solidFill>
                 <a:latin typeface="AdobeClean-Light"/>
                 <a:cs typeface="AdobeClean-Light"/>
               </a:rPr>
-              <a:t>, focused customer success  and accelerated </a:t>
-            </a:r>
-            <a:r>
-              <a:rPr sz="1000" b="1">
+              <a:t> fokussierten Kundenerfolg und beschleunigte </a:t>
+            </a:r>
+            <a:r>
+              <a:rPr lang="de-DE" sz="1000" b="1" dirty="0">
                 <a:solidFill>
                   <a:srgbClr val="4B4B4B"/>
                 </a:solidFill>
                 <a:latin typeface="Adobe Clean"/>
                 <a:cs typeface="Adobe Clean"/>
               </a:rPr>
-              <a:t>time-to-value</a:t>
-            </a:r>
-            <a:r>
-              <a:rPr sz="1000">
+              <a:t>Time-to-Value</a:t>
+            </a:r>
+            <a:r>
+              <a:rPr lang="de-DE" sz="1000" dirty="0">
                 <a:solidFill>
                   <a:srgbClr val="4B4B4B"/>
                 </a:solidFill>
                 <a:latin typeface="AdobeClean-Light"/>
                 <a:cs typeface="AdobeClean-Light"/>
               </a:rPr>
-              <a:t>. If Launch advisory is active there will be  </a:t>
-            </a:r>
-            <a:r>
-              <a:rPr sz="1000" b="1">
+              <a:t>. Wenn Launch Advisory aktiv ist, gibt es im ersten Jahr keinen </a:t>
+            </a:r>
+            <a:r>
+              <a:rPr lang="de-DE" sz="1000" b="1" dirty="0">
                 <a:solidFill>
                   <a:srgbClr val="4B4B4B"/>
                 </a:solidFill>
                 <a:latin typeface="Adobe Clean"/>
                 <a:cs typeface="Adobe Clean"/>
               </a:rPr>
-              <a:t>no Field Services in year 1 </a:t>
-            </a:r>
-            <a:r>
-              <a:rPr sz="1000">
+              <a:t>Außendienst für </a:t>
+            </a:r>
+            <a:r>
+              <a:rPr lang="de-DE" sz="1000" dirty="0">
                 <a:solidFill>
                   <a:srgbClr val="4B4B4B"/>
                 </a:solidFill>
                 <a:latin typeface="AdobeClean-Light"/>
                 <a:cs typeface="AdobeClean-Light"/>
               </a:rPr>
-              <a:t>for any solution product covered by a  Support contract.</a:t>
-            </a:r>
-            <a:endParaRPr sz="1000">
-              <a:latin typeface="AdobeClean-Light"/>
-              <a:cs typeface="AdobeClean-Light"/>
-            </a:endParaRPr>
+              <a:t>Lösungsprodukte, die unter einen Adobe Support-Vertrag fallen.</a:t>
+            </a:r>
           </a:p>
         </p:txBody>
       </p:sp>
@@ -12642,8 +11355,8 @@
         </p:nvSpPr>
         <p:spPr>
           <a:xfrm>
-            <a:off x="263464" y="5348732"/>
-            <a:ext cx="3114040" cy="482600"/>
+            <a:off x="263463" y="5348732"/>
+            <a:ext cx="3428815" cy="482600"/>
           </a:xfrm>
           <a:prstGeom prst="rect">
             <a:avLst/>
@@ -12664,11 +11377,11 @@
               </a:spcBef>
             </a:pPr>
             <a:r>
-              <a:rPr sz="1000">
+              <a:rPr lang="de-DE" sz="1000" dirty="0">
                 <a:latin typeface="AdobeClean-Light"/>
                 <a:cs typeface="AdobeClean-Light"/>
               </a:rPr>
-              <a:t>Launch Advisory will align with your project schedule through  common milestones (Kickoff, Define, Design, Go-live and Post  Launch) to guide, validate, assess and make recommendations.</a:t>
+              <a:t>Launch Advisory orientiert sich anhand gängiger Milestones (Kickoff, Definition, Design, Go-Live und Post-Launch) an Ihren Projektplan und umfasst Anleitung, Prüfung, Bewertung und Empfehlungen.</a:t>
             </a:r>
           </a:p>
         </p:txBody>
@@ -12682,7 +11395,7 @@
         <p:spPr>
           <a:xfrm>
             <a:off x="263464" y="5982715"/>
-            <a:ext cx="1247140" cy="166712"/>
+            <a:ext cx="2116476" cy="166712"/>
           </a:xfrm>
           <a:prstGeom prst="rect">
             <a:avLst/>
@@ -12703,11 +11416,11 @@
               </a:spcBef>
             </a:pPr>
             <a:r>
-              <a:rPr sz="1000">
+              <a:rPr lang="de-DE" sz="1000" dirty="0">
                 <a:latin typeface="AdobeClean-Light"/>
                 <a:cs typeface="AdobeClean-Light"/>
               </a:rPr>
-              <a:t>Key Deliverables include:</a:t>
+              <a:t>Zu den wichtigsten Angeboten gehören:</a:t>
             </a:r>
           </a:p>
         </p:txBody>
@@ -12721,7 +11434,7 @@
         <p:spPr>
           <a:xfrm>
             <a:off x="205422" y="6308299"/>
-            <a:ext cx="2745105" cy="592470"/>
+            <a:ext cx="3171587" cy="592470"/>
           </a:xfrm>
           <a:prstGeom prst="rect">
             <a:avLst/>
@@ -12741,12 +11454,12 @@
               <a:buChar char="•"/>
             </a:pPr>
             <a:r>
-              <a:rPr lang="en-US" sz="1000">
+              <a:rPr lang="de-DE" sz="1000" dirty="0">
                 <a:solidFill>
                   <a:prstClr val="black"/>
                 </a:solidFill>
               </a:rPr>
-              <a:t>Kickoff (including project collaboration plan) deck</a:t>
+              <a:t>Kickoff-Deck (einschließlich Projekt-Kooperationsplan)</a:t>
             </a:r>
           </a:p>
           <a:p>
@@ -12758,12 +11471,12 @@
               <a:buChar char="•"/>
             </a:pPr>
             <a:r>
-              <a:rPr lang="en-US" sz="1000">
+              <a:rPr lang="de-DE" sz="1000" dirty="0">
                 <a:solidFill>
                   <a:prstClr val="black"/>
                 </a:solidFill>
               </a:rPr>
-              <a:t>Assessment &amp; recommendations document(s)</a:t>
+              <a:t>Dokument(e) für Bewertung und Empfehlung</a:t>
             </a:r>
           </a:p>
           <a:p>
@@ -12775,12 +11488,12 @@
               <a:buChar char="•"/>
             </a:pPr>
             <a:r>
-              <a:rPr lang="en-US" sz="1000">
+              <a:rPr lang="de-DE" sz="1000" dirty="0">
                 <a:solidFill>
                   <a:prstClr val="black"/>
                 </a:solidFill>
               </a:rPr>
-              <a:t>Engagement summary</a:t>
+              <a:t>Interaktionszusammenfassung</a:t>
             </a:r>
           </a:p>
         </p:txBody>
@@ -12815,19 +11528,15 @@
               </a:spcBef>
             </a:pPr>
             <a:r>
-              <a:rPr sz="1600">
+              <a:rPr lang="de-DE" sz="1600">
                 <a:solidFill>
                   <a:srgbClr val="FFFFFF"/>
                 </a:solidFill>
                 <a:latin typeface="Arial"/>
                 <a:cs typeface="Arial"/>
               </a:rPr>
-              <a:t>Implementation</a:t>
-            </a:r>
-            <a:endParaRPr sz="1600">
-              <a:latin typeface="Arial"/>
-              <a:cs typeface="Arial"/>
-            </a:endParaRPr>
+              <a:t>Implementierung</a:t>
+            </a:r>
           </a:p>
           <a:p>
             <a:pPr marL="12700" marR="5080">
@@ -12839,32 +11548,32 @@
               </a:spcBef>
             </a:pPr>
             <a:r>
-              <a:rPr sz="1000">
+              <a:rPr lang="de-DE" sz="1000">
                 <a:latin typeface="AdobeClean-Light"/>
                 <a:cs typeface="AdobeClean-Light"/>
               </a:rPr>
-              <a:t>Adobe solution experts help validate requirements, architecture,  development process, and launch readiness reviews </a:t>
-            </a:r>
-            <a:r>
-              <a:rPr sz="1000">
+              <a:t>Experten für Adobe-Lösungen helfen bei der Prüfung von Anforderungen, Architektur, Entwicklungsprozess und Launch-Bereitschaft </a:t>
+            </a:r>
+            <a:r>
+              <a:rPr lang="de-DE" sz="1000">
                 <a:latin typeface="AdobeClean-SemiLight"/>
                 <a:cs typeface="AdobeClean-SemiLight"/>
               </a:rPr>
-              <a:t>with </a:t>
-            </a:r>
-            <a:r>
-              <a:rPr sz="950">
+              <a:t>mit </a:t>
+            </a:r>
+            <a:r>
+              <a:rPr lang="de-DE" sz="950">
                 <a:latin typeface="AdobeClean-SemiLight"/>
                 <a:cs typeface="AdobeClean-SemiLight"/>
               </a:rPr>
-              <a:t>best  practice-based guidance </a:t>
-            </a:r>
-            <a:r>
-              <a:rPr sz="1000">
+              <a:t>Best Practice-basierten Anleitungen </a:t>
+            </a:r>
+            <a:r>
+              <a:rPr lang="de-DE" sz="1000">
                 <a:latin typeface="AdobeClean-SemiLight"/>
                 <a:cs typeface="AdobeClean-SemiLight"/>
               </a:rPr>
-              <a:t>to customers and implementation  partners.</a:t>
+              <a:t>für Kunden und Implementierungspartner.</a:t>
             </a:r>
           </a:p>
         </p:txBody>
@@ -12876,15 +11585,20 @@
           <p:nvPr/>
         </p:nvPicPr>
         <p:blipFill>
-          <a:blip r:embed="rId3" cstate="print"/>
-          <a:stretch>
-            <a:fillRect/>
-          </a:stretch>
+          <a:blip r:embed="rId3">
+            <a:extLst>
+              <a:ext uri="{28A0092B-C50C-407E-A947-70E740481C1C}">
+                <a14:useLocalDpi xmlns:a14="http://schemas.microsoft.com/office/drawing/2010/main" val="0"/>
+              </a:ext>
+            </a:extLst>
+          </a:blip>
+          <a:srcRect/>
+          <a:stretch/>
         </p:blipFill>
         <p:spPr>
           <a:xfrm>
-            <a:off x="363328" y="6930985"/>
-            <a:ext cx="3053821" cy="2818913"/>
+            <a:off x="363328" y="6932449"/>
+            <a:ext cx="3053821" cy="2815984"/>
           </a:xfrm>
           <a:prstGeom prst="rect">
             <a:avLst/>
@@ -12900,7 +11614,7 @@
         <p:spPr>
           <a:xfrm>
             <a:off x="3947346" y="5363972"/>
-            <a:ext cx="3335020" cy="659765"/>
+            <a:ext cx="3335020" cy="805029"/>
           </a:xfrm>
           <a:prstGeom prst="rect">
             <a:avLst/>
@@ -12921,30 +11635,32 @@
               </a:spcBef>
             </a:pPr>
             <a:r>
-              <a:rPr sz="1000" b="1">
+              <a:rPr lang="de-DE" sz="1000" b="1" dirty="0">
                 <a:latin typeface="Arial"/>
                 <a:cs typeface="Arial"/>
               </a:rPr>
-              <a:t>Technical Track Activities </a:t>
-            </a:r>
-            <a:r>
-              <a:rPr sz="1000">
+              <a:t>Aktivitäten des technischen Tracks</a:t>
+            </a:r>
+            <a:r>
+              <a:rPr lang="de-DE" sz="1000" dirty="0">
                 <a:latin typeface="AdobeClean-Light"/>
                 <a:cs typeface="AdobeClean-Light"/>
               </a:rPr>
-              <a:t>ensure customers are technically sound  and maximizing their tool adoption. Specifically, these types of  activities include support and recommendations related to platform  configurations, integrations and troubleshooting</a:t>
-            </a:r>
-            <a:r>
-              <a:rPr lang="en-US" sz="1000">
+              <a:t> stellen sicher, dass Kunden technisch versiert sind und ihre Tools optimal nutzen. Diese Aktivitätstypen umfassen insbesondere Support und Empfehlungen für Plattformkonfigurationen, Integrationen und </a:t>
+            </a:r>
+            <a:br>
+              <a:rPr lang="sk-SK" sz="1000" dirty="0">
                 <a:latin typeface="AdobeClean-Light"/>
                 <a:cs typeface="AdobeClean-Light"/>
               </a:rPr>
-              <a:t>.</a:t>
-            </a:r>
-            <a:endParaRPr sz="1000">
-              <a:latin typeface="AdobeClean-Light"/>
-              <a:cs typeface="AdobeClean-Light"/>
-            </a:endParaRPr>
+            </a:br>
+            <a:r>
+              <a:rPr lang="de-DE" sz="1000" dirty="0">
+                <a:latin typeface="AdobeClean-Light"/>
+                <a:cs typeface="AdobeClean-Light"/>
+              </a:rPr>
+              <a:t>die Fehlerbehebung</a:t>
+            </a:r>
           </a:p>
         </p:txBody>
       </p:sp>
@@ -12957,7 +11673,7 @@
         <p:spPr>
           <a:xfrm>
             <a:off x="3947346" y="6174740"/>
-            <a:ext cx="2099310" cy="1436291"/>
+            <a:ext cx="3335020" cy="1436291"/>
           </a:xfrm>
           <a:prstGeom prst="rect">
             <a:avLst/>
@@ -12978,11 +11694,11 @@
               </a:spcBef>
             </a:pPr>
             <a:r>
-              <a:rPr sz="1000">
+              <a:rPr lang="de-DE" sz="1000" dirty="0">
                 <a:latin typeface="AdobeClean-Light"/>
                 <a:cs typeface="AdobeClean-Light"/>
               </a:rPr>
-              <a:t>Types of technical activities available::</a:t>
+              <a:t>Verfügbare technische Aktivitäten:</a:t>
             </a:r>
           </a:p>
           <a:p>
@@ -12997,12 +11713,12 @@
               <a:buChar char="ü"/>
             </a:pPr>
             <a:r>
-              <a:rPr lang="en-US" sz="1000">
+              <a:rPr lang="de-DE" sz="1000" dirty="0">
                 <a:solidFill>
                   <a:prstClr val="black"/>
                 </a:solidFill>
               </a:rPr>
-              <a:t>Health audit</a:t>
+              <a:t>Statusprüfung</a:t>
             </a:r>
           </a:p>
           <a:p>
@@ -13017,12 +11733,12 @@
               <a:buChar char="ü"/>
             </a:pPr>
             <a:r>
-              <a:rPr lang="en-US" sz="1000">
+              <a:rPr lang="de-DE" sz="1000" dirty="0">
                 <a:solidFill>
                   <a:prstClr val="black"/>
                 </a:solidFill>
               </a:rPr>
-              <a:t>Platform audit</a:t>
+              <a:t>Plattformprüfung</a:t>
             </a:r>
           </a:p>
           <a:p>
@@ -13037,12 +11753,12 @@
               <a:buChar char="ü"/>
             </a:pPr>
             <a:r>
-              <a:rPr lang="en-US" sz="1000">
+              <a:rPr lang="de-DE" sz="1000" dirty="0">
                 <a:solidFill>
                   <a:prstClr val="black"/>
                 </a:solidFill>
               </a:rPr>
-              <a:t>Feature set enablement</a:t>
+              <a:t>Aktivierung von Funktionssätzen</a:t>
             </a:r>
           </a:p>
           <a:p>
@@ -13057,12 +11773,12 @@
               <a:buChar char="ü"/>
             </a:pPr>
             <a:r>
-              <a:rPr lang="en-US" sz="1000">
+              <a:rPr lang="de-DE" sz="1000" dirty="0">
                 <a:solidFill>
                   <a:prstClr val="black"/>
                 </a:solidFill>
               </a:rPr>
-              <a:t>Basic integrations and configurations</a:t>
+              <a:t>Grundlegende Integrationen und Konfigurationen</a:t>
             </a:r>
           </a:p>
           <a:p>
@@ -13077,12 +11793,12 @@
               <a:buChar char="ü"/>
             </a:pPr>
             <a:r>
-              <a:rPr lang="en-US" sz="1000">
+              <a:rPr lang="de-DE" sz="1000" dirty="0">
                 <a:solidFill>
                   <a:prstClr val="black"/>
                 </a:solidFill>
               </a:rPr>
-              <a:t>Customer solution troubleshooting</a:t>
+              <a:t>Fehlerbehebung bei der Kundenlösung</a:t>
             </a:r>
           </a:p>
           <a:p>
@@ -13097,12 +11813,12 @@
               <a:buChar char="ü"/>
             </a:pPr>
             <a:r>
-              <a:rPr lang="en-US" sz="1000">
+              <a:rPr lang="de-DE" sz="1000" dirty="0">
                 <a:solidFill>
                   <a:prstClr val="black"/>
                 </a:solidFill>
               </a:rPr>
-              <a:t>Cloud service support</a:t>
+              <a:t>Cloud-Service-Support</a:t>
             </a:r>
           </a:p>
         </p:txBody>
@@ -13116,7 +11832,7 @@
         <p:spPr>
           <a:xfrm>
             <a:off x="3942774" y="7717028"/>
-            <a:ext cx="3208655" cy="1989006"/>
+            <a:ext cx="3601507" cy="1989006"/>
           </a:xfrm>
           <a:prstGeom prst="rect">
             <a:avLst/>
@@ -13137,18 +11853,18 @@
               </a:spcBef>
             </a:pPr>
             <a:r>
-              <a:rPr sz="1000" b="1">
+              <a:rPr lang="de-DE" sz="1000" b="1" dirty="0">
                 <a:latin typeface="Arial"/>
                 <a:cs typeface="Arial"/>
               </a:rPr>
-              <a:t>Strategic Track Activities </a:t>
-            </a:r>
-            <a:r>
-              <a:rPr sz="1000">
+              <a:t>Aktivitäten des strategischen Tracks</a:t>
+            </a:r>
+            <a:r>
+              <a:rPr lang="de-DE" sz="1000" dirty="0">
                 <a:latin typeface="AdobeClean-Light"/>
                 <a:cs typeface="AdobeClean-Light"/>
               </a:rPr>
-              <a:t>locate opportunities to ensure value is  being realized from a customer’s Adobe solutions. They include  support recommendations related to strategy, measurement and  maturity to drive value realization across one or more Adobe  solutions.</a:t>
+              <a:t> ermitteln Möglichkeiten, mit den vom Kunden genutzten Adobe-Lösungen optimale Ergebnisse zu erzielen. Sie enthalten Support-Empfehlungen zu Strategie, Messung und Reifegrad, mit denen eine oder mehrere Adobe-Lösungen optimal genutzt werden können.</a:t>
             </a:r>
           </a:p>
           <a:p>
@@ -13160,7 +11876,7 @@
                 <a:spcPts val="40"/>
               </a:spcBef>
             </a:pPr>
-            <a:endParaRPr sz="1100">
+            <a:endParaRPr sz="1100" dirty="0">
               <a:latin typeface="AdobeClean-Light"/>
               <a:cs typeface="AdobeClean-Light"/>
             </a:endParaRPr>
@@ -13172,11 +11888,11 @@
               </a:lnSpc>
             </a:pPr>
             <a:r>
-              <a:rPr sz="1000">
+              <a:rPr lang="de-DE" sz="1000" dirty="0">
                 <a:latin typeface="AdobeClean-Light"/>
                 <a:cs typeface="AdobeClean-Light"/>
               </a:rPr>
-              <a:t>Types of strategic activities available::</a:t>
+              <a:t>Verfügbare strategische Aktivitäten:</a:t>
             </a:r>
           </a:p>
           <a:p>
@@ -13191,12 +11907,12 @@
               <a:buChar char="ü"/>
             </a:pPr>
             <a:r>
-              <a:rPr lang="en-US" sz="1000">
+              <a:rPr lang="de-DE" sz="1000" dirty="0">
                 <a:solidFill>
                   <a:prstClr val="black"/>
                 </a:solidFill>
               </a:rPr>
-              <a:t>Maturity Roadmap</a:t>
+              <a:t>Reifegrad-Roadmap</a:t>
             </a:r>
           </a:p>
           <a:p>
@@ -13211,12 +11927,12 @@
               <a:buChar char="ü"/>
             </a:pPr>
             <a:r>
-              <a:rPr lang="en-US" sz="1000">
+              <a:rPr lang="de-DE" sz="1000" dirty="0">
                 <a:solidFill>
                   <a:prstClr val="black"/>
                 </a:solidFill>
               </a:rPr>
-              <a:t>Use case development/measurement</a:t>
+              <a:t>Use-Case-Entwicklung/-Messung</a:t>
             </a:r>
           </a:p>
           <a:p>
@@ -13231,12 +11947,12 @@
               <a:buChar char="ü"/>
             </a:pPr>
             <a:r>
-              <a:rPr lang="en-US" sz="1000">
+              <a:rPr lang="de-DE" sz="1000" dirty="0">
                 <a:solidFill>
                   <a:prstClr val="black"/>
                 </a:solidFill>
               </a:rPr>
-              <a:t>Reporting &amp; analysis</a:t>
+              <a:t>Reporting und Analyse</a:t>
             </a:r>
           </a:p>
           <a:p>
@@ -13251,12 +11967,12 @@
               <a:buChar char="ü"/>
             </a:pPr>
             <a:r>
-              <a:rPr lang="en-US" sz="1000">
+              <a:rPr lang="de-DE" sz="1000" dirty="0">
                 <a:solidFill>
                   <a:prstClr val="black"/>
                 </a:solidFill>
               </a:rPr>
-              <a:t>Best practices enablement</a:t>
+              <a:t>Aktivierung von Best Practices</a:t>
             </a:r>
           </a:p>
         </p:txBody>
@@ -13277,7 +11993,7 @@
           </a:prstGeom>
         </p:spPr>
         <p:txBody>
-          <a:bodyPr vert="horz" wrap="square" lIns="0" tIns="12700" rIns="0" bIns="0" rtlCol="0" anchor="t">
+          <a:bodyPr vert="horz" wrap="square" lIns="0" tIns="12700" rIns="0" bIns="0" rtlCol="0">
             <a:spAutoFit/>
           </a:bodyPr>
           <a:lstStyle/>
@@ -13291,78 +12007,37 @@
               </a:spcBef>
             </a:pPr>
             <a:r>
-              <a:rPr sz="1600">
+              <a:rPr lang="de-DE" sz="1600" dirty="0">
                 <a:solidFill>
                   <a:srgbClr val="FFFFFF"/>
                 </a:solidFill>
                 <a:latin typeface="Arial"/>
                 <a:cs typeface="Arial"/>
               </a:rPr>
-              <a:t>Run &amp; Operate</a:t>
-            </a:r>
-            <a:endParaRPr sz="1600">
-              <a:latin typeface="Arial"/>
-              <a:cs typeface="Arial"/>
-            </a:endParaRPr>
+              <a:t>Ausführung und Betrieb</a:t>
+            </a:r>
           </a:p>
           <a:p>
             <a:pPr marL="12700">
+              <a:lnSpc>
+                <a:spcPct val="100000"/>
+              </a:lnSpc>
               <a:spcBef>
                 <a:spcPts val="1595"/>
               </a:spcBef>
             </a:pPr>
             <a:r>
-              <a:rPr sz="1000">
+              <a:rPr lang="de-DE" sz="1000" dirty="0">
                 <a:solidFill>
                   <a:srgbClr val="1F1F1F"/>
                 </a:solidFill>
                 <a:latin typeface="Adobe Clean"/>
                 <a:cs typeface="Adobe Clean"/>
               </a:rPr>
-              <a:t>As an </a:t>
-            </a:r>
-            <a:r>
-              <a:rPr lang="en-US" sz="1000">
-                <a:solidFill>
-                  <a:srgbClr val="1F1F1F"/>
-                </a:solidFill>
-                <a:latin typeface="Adobe Clean"/>
-                <a:cs typeface="Adobe Clean"/>
-              </a:rPr>
-              <a:t>Elite</a:t>
-            </a:r>
-            <a:r>
-              <a:rPr sz="1000">
-                <a:solidFill>
-                  <a:srgbClr val="1F1F1F"/>
-                </a:solidFill>
-                <a:latin typeface="Adobe Clean"/>
-                <a:cs typeface="Adobe Clean"/>
-              </a:rPr>
-              <a:t> customer, you are</a:t>
-            </a:r>
-            <a:r>
-              <a:rPr lang="en-US" sz="1000">
-                <a:solidFill>
-                  <a:srgbClr val="1F1F1F"/>
-                </a:solidFill>
-                <a:latin typeface="Adobe Clean"/>
-                <a:cs typeface="Adobe Clean"/>
-              </a:rPr>
-              <a:t> </a:t>
-            </a:r>
-            <a:r>
-              <a:rPr sz="1000">
-                <a:solidFill>
-                  <a:srgbClr val="1F1F1F"/>
-                </a:solidFill>
-                <a:latin typeface="Adobe Clean"/>
-                <a:cs typeface="Adobe Clean"/>
-              </a:rPr>
-              <a:t> eligible for</a:t>
-            </a:r>
-            <a:r>
-              <a:rPr lang="en-US" sz="1200">
+              <a:t>Als Elite-Kunde können Sie</a:t>
+            </a:r>
+            <a:r>
+              <a:rPr lang="de-DE" sz="1200" dirty="0">
                 <a:solidFill>
                   <a:srgbClr val="1F1F1F"/>
                 </a:solidFill>
@@ -13377,7 +12052,7 @@
               <a:t> </a:t>
             </a:r>
             <a:r>
-              <a:rPr lang="en-US" sz="1200" u="sng">
+              <a:rPr lang="de-DE" sz="1200" u="sng" dirty="0">
                 <a:solidFill>
                   <a:srgbClr val="1F1F1F"/>
                 </a:solidFill>
@@ -13389,10 +12064,10 @@
                 <a:latin typeface="Times New Roman"/>
                 <a:cs typeface="Times New Roman"/>
               </a:rPr>
-              <a:t>4</a:t>
-            </a:r>
-            <a:r>
-              <a:rPr sz="1200" b="1">
+              <a:t>vier</a:t>
+            </a:r>
+            <a:r>
+              <a:rPr lang="de-DE" sz="1200" b="1" dirty="0">
                 <a:solidFill>
                   <a:srgbClr val="1F1F1F"/>
                 </a:solidFill>
@@ -13402,89 +12077,94 @@
               <a:t> </a:t>
             </a:r>
             <a:r>
-              <a:rPr sz="1000" b="1">
+              <a:rPr lang="de-DE" sz="1000" b="1" dirty="0">
                 <a:solidFill>
                   <a:srgbClr val="1F1F1F"/>
                 </a:solidFill>
                 <a:latin typeface="Arial"/>
                 <a:cs typeface="Arial"/>
               </a:rPr>
-              <a:t>activities per </a:t>
-            </a:r>
-            <a:r>
-              <a:rPr lang="en-US" sz="1000" b="1">
+              <a:t>Aktivitäten pro Jahr</a:t>
+            </a:r>
+          </a:p>
+          <a:p>
+            <a:pPr marL="12700">
+              <a:lnSpc>
+                <a:spcPct val="100000"/>
+              </a:lnSpc>
+              <a:spcBef>
+                <a:spcPts val="55"/>
+              </a:spcBef>
+            </a:pPr>
+            <a:r>
+              <a:rPr lang="de-DE" sz="1000" dirty="0">
+                <a:solidFill>
+                  <a:srgbClr val="1F1F1F"/>
+                </a:solidFill>
+                <a:latin typeface="Adobe Clean"/>
+                <a:cs typeface="Adobe Clean"/>
+              </a:rPr>
+              <a:t>aus dem </a:t>
+            </a:r>
+            <a:r>
+              <a:rPr lang="de-DE" sz="1000" b="1" dirty="0">
                 <a:solidFill>
                   <a:srgbClr val="1F1F1F"/>
                 </a:solidFill>
                 <a:latin typeface="Arial"/>
                 <a:cs typeface="Arial"/>
               </a:rPr>
-              <a:t>year </a:t>
-            </a:r>
-            <a:r>
-              <a:rPr lang="en-US" sz="1000">
-                <a:solidFill>
-                  <a:srgbClr val="1F1F1F"/>
-                </a:solidFill>
-                <a:latin typeface="Adobe Clean"/>
-                <a:cs typeface="Arial"/>
-              </a:rPr>
-              <a:t>from</a:t>
-            </a:r>
-            <a:r>
-              <a:rPr sz="1000">
+              <a:t>technischen </a:t>
+            </a:r>
+            <a:r>
+              <a:rPr lang="de-DE" sz="1000" dirty="0">
                 <a:solidFill>
                   <a:srgbClr val="1F1F1F"/>
                 </a:solidFill>
                 <a:latin typeface="Adobe Clean"/>
                 <a:cs typeface="Adobe Clean"/>
               </a:rPr>
-              <a:t> the following two tracks: </a:t>
-            </a:r>
-            <a:r>
-              <a:rPr sz="1000" b="1">
+              <a:t>und/oder dem </a:t>
+            </a:r>
+            <a:r>
+              <a:rPr lang="de-DE" sz="1000" b="1" dirty="0">
                 <a:solidFill>
                   <a:srgbClr val="1F1F1F"/>
                 </a:solidFill>
                 <a:latin typeface="Arial"/>
                 <a:cs typeface="Arial"/>
               </a:rPr>
-              <a:t>Technical </a:t>
-            </a:r>
-            <a:r>
-              <a:rPr sz="1000">
+              <a:t>strategischen</a:t>
+            </a:r>
+            <a:r>
+              <a:rPr lang="de-DE" sz="1000" dirty="0">
                 <a:solidFill>
                   <a:srgbClr val="1F1F1F"/>
                 </a:solidFill>
-                <a:latin typeface="Adobe Clean"/>
-                <a:cs typeface="Adobe Clean"/>
-              </a:rPr>
-              <a:t>and/or </a:t>
-            </a:r>
-            <a:r>
-              <a:rPr sz="1000" b="1">
+                <a:latin typeface="AdobeClean-Light"/>
+                <a:cs typeface="AdobeClean-Light"/>
+              </a:rPr>
+              <a:t> </a:t>
+            </a:r>
+            <a:br>
+              <a:rPr lang="sk-SK" sz="1000" dirty="0">
                 <a:solidFill>
                   <a:srgbClr val="1F1F1F"/>
                 </a:solidFill>
-                <a:latin typeface="Arial"/>
-                <a:cs typeface="Arial"/>
-              </a:rPr>
-              <a:t>Strategic</a:t>
-            </a:r>
-            <a:r>
-              <a:rPr lang="en-US" sz="1000" b="1">
+                <a:latin typeface="AdobeClean-Light"/>
+                <a:cs typeface="AdobeClean-Light"/>
+              </a:rPr>
+            </a:br>
+            <a:r>
+              <a:rPr lang="de-DE" sz="1000" dirty="0">
                 <a:solidFill>
                   <a:srgbClr val="1F1F1F"/>
                 </a:solidFill>
                 <a:latin typeface="AdobeClean-Light"/>
-                <a:cs typeface="Arial"/>
-              </a:rPr>
-              <a:t>.</a:t>
-            </a:r>
-            <a:endParaRPr sz="1000">
-              <a:latin typeface="AdobeClean-Light"/>
-              <a:cs typeface="AdobeClean-Light"/>
-            </a:endParaRPr>
+                <a:cs typeface="AdobeClean-Light"/>
+              </a:rPr>
+              <a:t>Track nutzen.</a:t>
+            </a:r>
           </a:p>
         </p:txBody>
       </p:sp>
@@ -13496,8 +12176,8 @@
         </p:nvSpPr>
         <p:spPr>
           <a:xfrm>
-            <a:off x="923023" y="538480"/>
-            <a:ext cx="2323349" cy="228268"/>
+            <a:off x="923023" y="538479"/>
+            <a:ext cx="2862083" cy="228268"/>
           </a:xfrm>
           <a:prstGeom prst="rect">
             <a:avLst/>
@@ -13518,69 +12198,15 @@
               </a:spcBef>
             </a:pPr>
             <a:r>
-              <a:rPr sz="1400" b="1" spc="-15">
+              <a:rPr lang="de-DE" sz="1400" b="1" dirty="0">
                 <a:solidFill>
                   <a:srgbClr val="020302"/>
                 </a:solidFill>
                 <a:latin typeface="Adobe Clean"/>
                 <a:cs typeface="Adobe Clean"/>
               </a:rPr>
-              <a:t>Cloud</a:t>
-            </a:r>
-            <a:r>
-              <a:rPr sz="1400" b="1" spc="-45">
-                <a:solidFill>
-                  <a:srgbClr val="020302"/>
-                </a:solidFill>
-                <a:latin typeface="Adobe Clean"/>
-                <a:cs typeface="Adobe Clean"/>
-              </a:rPr>
-              <a:t> </a:t>
-            </a:r>
-            <a:r>
-              <a:rPr sz="1400" b="1" spc="-15">
-                <a:solidFill>
-                  <a:srgbClr val="020302"/>
-                </a:solidFill>
-                <a:latin typeface="Adobe Clean"/>
-                <a:cs typeface="Adobe Clean"/>
-              </a:rPr>
-              <a:t>Support</a:t>
-            </a:r>
-            <a:r>
-              <a:rPr sz="1400" b="1" spc="-50">
-                <a:solidFill>
-                  <a:srgbClr val="020302"/>
-                </a:solidFill>
-                <a:latin typeface="Adobe Clean"/>
-                <a:cs typeface="Adobe Clean"/>
-              </a:rPr>
-              <a:t> </a:t>
-            </a:r>
-            <a:r>
-              <a:rPr sz="1400" b="1" spc="-15">
-                <a:solidFill>
-                  <a:srgbClr val="020302"/>
-                </a:solidFill>
-                <a:latin typeface="Adobe Clean"/>
-                <a:cs typeface="Adobe Clean"/>
-              </a:rPr>
-              <a:t>Activities</a:t>
-            </a:r>
-            <a:r>
-              <a:rPr lang="en-US" sz="1400" b="1" spc="-15">
-                <a:solidFill>
-                  <a:srgbClr val="020302"/>
-                </a:solidFill>
-                <a:latin typeface="Adobe Clean"/>
-                <a:cs typeface="Adobe Clean"/>
-              </a:rPr>
-              <a:t> - AEM</a:t>
-            </a:r>
-            <a:endParaRPr sz="1400">
-              <a:latin typeface="Adobe Clean"/>
-              <a:cs typeface="Adobe Clean"/>
-            </a:endParaRPr>
+              <a:t>Cloud-Support-Aktivitäten – AEM</a:t>
+            </a:r>
           </a:p>
         </p:txBody>
       </p:sp>
@@ -13593,7 +12219,7 @@
         <p:spPr>
           <a:xfrm>
             <a:off x="924894" y="814263"/>
-            <a:ext cx="2321477" cy="45719"/>
+            <a:ext cx="2492255" cy="46109"/>
           </a:xfrm>
           <a:custGeom>
             <a:avLst/>
@@ -13696,6 +12322,10 @@
           </p:nvPr>
         </p:nvSpPr>
         <p:spPr>
+          <a:xfrm>
+            <a:off x="97787" y="9861194"/>
+            <a:ext cx="2738212" cy="133370"/>
+          </a:xfrm>
           <a:prstGeom prst="rect">
             <a:avLst/>
           </a:prstGeom>
@@ -13715,36 +12345,8 @@
               </a:spcBef>
             </a:pPr>
             <a:r>
-              <a:rPr spc="-5"/>
-              <a:t>©2021 Adobe. All</a:t>
-            </a:r>
-            <a:r>
-              <a:rPr spc="-15"/>
-              <a:t> Rights</a:t>
-            </a:r>
-            <a:r>
-              <a:rPr spc="-10"/>
-              <a:t> </a:t>
-            </a:r>
-            <a:r>
-              <a:rPr spc="-15"/>
-              <a:t>Reserved.</a:t>
-            </a:r>
-            <a:r>
-              <a:rPr spc="-10"/>
-              <a:t> </a:t>
-            </a:r>
-            <a:r>
-              <a:rPr spc="-5"/>
-              <a:t>Adobe</a:t>
-            </a:r>
-            <a:r>
-              <a:rPr spc="60"/>
-              <a:t> </a:t>
-            </a:r>
-            <a:r>
-              <a:rPr spc="-15"/>
-              <a:t>Confidential.</a:t>
+              <a:rPr lang="de-DE" dirty="0"/>
+              <a:t>©2021 Adobe. All Rights Reserved. Adobe Confidential.</a:t>
             </a:r>
           </a:p>
         </p:txBody>
@@ -13800,8 +12402,8 @@
           <a:p>
             <a:pPr algn="ctr"/>
             <a:r>
-              <a:rPr lang="en-US" sz="1600"/>
-              <a:t>Run &amp; Operate</a:t>
+              <a:rPr lang="de-DE" sz="1600"/>
+              <a:t>Ausführung und Betrieb</a:t>
             </a:r>
           </a:p>
         </p:txBody>
@@ -13857,8 +12459,8 @@
           <a:p>
             <a:pPr algn="ctr"/>
             <a:r>
-              <a:rPr lang="en-US" sz="1600"/>
-              <a:t>Implementation</a:t>
+              <a:rPr lang="de-DE" sz="1600"/>
+              <a:t>Implementierung</a:t>
             </a:r>
           </a:p>
         </p:txBody>
@@ -13893,8 +12495,8 @@
           <a:p>
             <a:pPr algn="ctr"/>
             <a:r>
-              <a:rPr lang="en-US" sz="1100"/>
-              <a:t>Post Launch</a:t>
+              <a:rPr lang="de-DE" sz="1100"/>
+              <a:t>Post-Launch</a:t>
             </a:r>
           </a:p>
         </p:txBody>
@@ -13929,7 +12531,7 @@
           <a:p>
             <a:pPr algn="ctr"/>
             <a:r>
-              <a:rPr lang="en-US" sz="1100"/>
+              <a:rPr lang="de-DE" sz="1100"/>
               <a:t>Go-Live</a:t>
             </a:r>
           </a:p>
@@ -13965,8 +12567,8 @@
           <a:p>
             <a:pPr algn="ctr"/>
             <a:r>
-              <a:rPr lang="en-US" sz="1100"/>
-              <a:t>Define</a:t>
+              <a:rPr lang="de-DE" sz="1100"/>
+              <a:t>Definition</a:t>
             </a:r>
           </a:p>
         </p:txBody>
@@ -14001,7 +12603,7 @@
           <a:p>
             <a:pPr algn="ctr"/>
             <a:r>
-              <a:rPr lang="en-US" sz="1100"/>
+              <a:rPr lang="de-DE" sz="1100"/>
               <a:t>Kickoff</a:t>
             </a:r>
           </a:p>
@@ -14037,7 +12639,7 @@
           <a:p>
             <a:pPr algn="ctr"/>
             <a:r>
-              <a:rPr lang="en-US" sz="1100"/>
+              <a:rPr lang="de-DE" sz="1100"/>
               <a:t>Design</a:t>
             </a:r>
           </a:p>
@@ -14095,14 +12697,14 @@
           <a:p>
             <a:pPr algn="ctr"/>
             <a:r>
-              <a:rPr lang="en-US" sz="1400">
+              <a:rPr lang="de-DE" sz="1400">
                 <a:solidFill>
                   <a:schemeClr val="accent1">
                     <a:lumMod val="50000"/>
                   </a:schemeClr>
                 </a:solidFill>
               </a:rPr>
-              <a:t>4 Activities per Year</a:t>
+              <a:t>4 Aktivitäten pro Jahr</a:t>
             </a:r>
           </a:p>
         </p:txBody>
@@ -14121,8 +12723,8 @@
         </p:nvSpPr>
         <p:spPr>
           <a:xfrm>
-            <a:off x="5265661" y="1471646"/>
-            <a:ext cx="2194560" cy="536622"/>
+            <a:off x="5265660" y="1471646"/>
+            <a:ext cx="2278621" cy="536622"/>
           </a:xfrm>
           <a:prstGeom prst="rect">
             <a:avLst/>
@@ -14143,20 +12745,14 @@
               </a:spcBef>
             </a:pPr>
             <a:r>
-              <a:rPr lang="en-US" sz="1000">
+              <a:rPr lang="de-DE" sz="1000" dirty="0">
                 <a:solidFill>
                   <a:srgbClr val="4B4B4B"/>
                 </a:solidFill>
                 <a:latin typeface="Adobe Clean Light" panose="020B0303020404020204" pitchFamily="34" charset="0"/>
               </a:rPr>
-              <a:t>Drive adoption of customization best practices and core components in AEM as a Cloud Service.</a:t>
-            </a:r>
-            <a:endParaRPr sz="1000">
-              <a:solidFill>
-                <a:srgbClr val="4B4B4B"/>
-              </a:solidFill>
-              <a:latin typeface="Adobe Clean Light" panose="020B0303020404020204" pitchFamily="34" charset="0"/>
-            </a:endParaRPr>
+              <a:t>Förderung der Übernahme von Best Practices für die Anpassung und Kernkomponenten in AEM as a Cloud Service</a:t>
+            </a:r>
           </a:p>
         </p:txBody>
       </p:sp>
@@ -14196,20 +12792,31 @@
               </a:spcBef>
             </a:pPr>
             <a:r>
-              <a:rPr lang="en-US" sz="1000">
+              <a:rPr lang="de-DE" sz="1000" dirty="0">
                 <a:solidFill>
                   <a:srgbClr val="4B4B4B"/>
                 </a:solidFill>
                 <a:latin typeface="Adobe Clean Light" panose="020B0303020404020204" pitchFamily="34" charset="0"/>
               </a:rPr>
-              <a:t>Identify, review and provide recommendations on customized solution adoption areas that have opportunities for optimization.</a:t>
-            </a:r>
-            <a:endParaRPr sz="1000">
-              <a:solidFill>
-                <a:srgbClr val="4B4B4B"/>
-              </a:solidFill>
-              <a:latin typeface="Adobe Clean Light" panose="020B0303020404020204" pitchFamily="34" charset="0"/>
-            </a:endParaRPr>
+              <a:t>Identifizieren, Prüfen und Bereitstellen </a:t>
+            </a:r>
+            <a:br>
+              <a:rPr lang="sk-SK" sz="1000" dirty="0">
+                <a:solidFill>
+                  <a:srgbClr val="4B4B4B"/>
+                </a:solidFill>
+                <a:latin typeface="Adobe Clean Light" panose="020B0303020404020204" pitchFamily="34" charset="0"/>
+              </a:rPr>
+            </a:br>
+            <a:r>
+              <a:rPr lang="de-DE" sz="1000" dirty="0">
+                <a:solidFill>
+                  <a:srgbClr val="4B4B4B"/>
+                </a:solidFill>
+                <a:latin typeface="Adobe Clean Light" panose="020B0303020404020204" pitchFamily="34" charset="0"/>
+              </a:rPr>
+              <a:t>von Empfehlungen zu individuellen Lösungsübernahmebereichen mit Optimierungsmöglichkeiten</a:t>
+            </a:r>
           </a:p>
         </p:txBody>
       </p:sp>
@@ -14228,7 +12835,7 @@
         <p:spPr>
           <a:xfrm>
             <a:off x="355868" y="1417898"/>
-            <a:ext cx="2194560" cy="717376"/>
+            <a:ext cx="2317302" cy="899670"/>
           </a:xfrm>
           <a:prstGeom prst="rect">
             <a:avLst/>
@@ -14249,20 +12856,48 @@
               </a:spcBef>
             </a:pPr>
             <a:r>
-              <a:rPr lang="en-US" sz="1000">
+              <a:rPr lang="de-DE" sz="1000" dirty="0">
                 <a:solidFill>
                   <a:srgbClr val="4B4B4B"/>
                 </a:solidFill>
                 <a:latin typeface="Adobe Clean Light" panose="020B0303020404020204" pitchFamily="34" charset="0"/>
               </a:rPr>
-              <a:t>Technical &amp; operational governance to assist AEM as a Cloud Service Customers in adhering to industry standards and best practices for AEM as a Cloud Service.</a:t>
-            </a:r>
-            <a:endParaRPr sz="1000">
-              <a:solidFill>
-                <a:srgbClr val="4B4B4B"/>
-              </a:solidFill>
-              <a:latin typeface="Adobe Clean Light" panose="020B0303020404020204" pitchFamily="34" charset="0"/>
-            </a:endParaRPr>
+              <a:t>Technische und betriebliche Governance </a:t>
+            </a:r>
+            <a:br>
+              <a:rPr lang="sk-SK" sz="1000" dirty="0">
+                <a:solidFill>
+                  <a:srgbClr val="4B4B4B"/>
+                </a:solidFill>
+                <a:latin typeface="Adobe Clean Light" panose="020B0303020404020204" pitchFamily="34" charset="0"/>
+              </a:rPr>
+            </a:br>
+            <a:r>
+              <a:rPr lang="de-DE" sz="1000" dirty="0">
+                <a:solidFill>
+                  <a:srgbClr val="4B4B4B"/>
+                </a:solidFill>
+                <a:latin typeface="Adobe Clean Light" panose="020B0303020404020204" pitchFamily="34" charset="0"/>
+              </a:rPr>
+              <a:t>für die Unterstützung von AEM as a Cloud Service-Kunden bei der Einhaltung von Branchenstandards und Best Practices </a:t>
+            </a:r>
+            <a:br>
+              <a:rPr lang="sk-SK" sz="1000" dirty="0">
+                <a:solidFill>
+                  <a:srgbClr val="4B4B4B"/>
+                </a:solidFill>
+                <a:latin typeface="Adobe Clean Light" panose="020B0303020404020204" pitchFamily="34" charset="0"/>
+              </a:rPr>
+            </a:br>
+            <a:r>
+              <a:rPr lang="de-DE" sz="1000" dirty="0">
+                <a:solidFill>
+                  <a:srgbClr val="4B4B4B"/>
+                </a:solidFill>
+                <a:latin typeface="Adobe Clean Light" panose="020B0303020404020204" pitchFamily="34" charset="0"/>
+              </a:rPr>
+              <a:t>für AEM as a Cloud Service</a:t>
+            </a:r>
           </a:p>
         </p:txBody>
       </p:sp>
@@ -14280,8 +12915,8 @@
         </p:nvSpPr>
         <p:spPr>
           <a:xfrm>
-            <a:off x="5181600" y="936612"/>
-            <a:ext cx="1972258" cy="461665"/>
+            <a:off x="5181599" y="936612"/>
+            <a:ext cx="2278621" cy="461665"/>
           </a:xfrm>
           <a:prstGeom prst="rect">
             <a:avLst/>
@@ -14302,489 +12937,15 @@
               </a:spcBef>
             </a:pPr>
             <a:r>
-              <a:rPr lang="en-US" sz="1200" b="1" spc="-15">
+              <a:rPr lang="de-DE" sz="1200" b="1" dirty="0">
                 <a:solidFill>
                   <a:srgbClr val="020302"/>
                 </a:solidFill>
                 <a:latin typeface="Adobe Clean"/>
                 <a:cs typeface="Adobe Clean"/>
               </a:rPr>
-              <a:t>C</a:t>
-            </a:r>
-            <a:r>
-              <a:rPr lang="en-US" sz="1200" b="1" spc="-20">
-                <a:solidFill>
-                  <a:srgbClr val="020302"/>
-                </a:solidFill>
-                <a:latin typeface="Adobe Clean"/>
-                <a:cs typeface="Adobe Clean"/>
-              </a:rPr>
-              <a:t>u</a:t>
-            </a:r>
-            <a:r>
-              <a:rPr lang="en-US" sz="1200" b="1" spc="-25">
-                <a:solidFill>
-                  <a:srgbClr val="020302"/>
-                </a:solidFill>
-                <a:latin typeface="Adobe Clean"/>
-                <a:cs typeface="Adobe Clean"/>
-              </a:rPr>
-              <a:t>st</a:t>
-            </a:r>
-            <a:r>
-              <a:rPr lang="en-US" sz="1200" b="1" spc="-15">
-                <a:solidFill>
-                  <a:srgbClr val="020302"/>
-                </a:solidFill>
-                <a:latin typeface="Adobe Clean"/>
-                <a:cs typeface="Adobe Clean"/>
-              </a:rPr>
-              <a:t>o</a:t>
-            </a:r>
-            <a:r>
-              <a:rPr lang="en-US" sz="1200" b="1" spc="-20">
-                <a:solidFill>
-                  <a:srgbClr val="020302"/>
-                </a:solidFill>
-                <a:latin typeface="Adobe Clean"/>
-                <a:cs typeface="Adobe Clean"/>
-              </a:rPr>
-              <a:t>miza</a:t>
-            </a:r>
-            <a:r>
-              <a:rPr lang="en-US" sz="1200" b="1" spc="-25">
-                <a:solidFill>
-                  <a:srgbClr val="020302"/>
-                </a:solidFill>
-                <a:latin typeface="Adobe Clean"/>
-                <a:cs typeface="Adobe Clean"/>
-              </a:rPr>
-              <a:t>t</a:t>
-            </a:r>
-            <a:r>
-              <a:rPr lang="en-US" sz="1200" b="1" spc="-20">
-                <a:solidFill>
-                  <a:srgbClr val="020302"/>
-                </a:solidFill>
-                <a:latin typeface="Adobe Clean"/>
-                <a:cs typeface="Adobe Clean"/>
-              </a:rPr>
-              <a:t>i</a:t>
-            </a:r>
-            <a:r>
-              <a:rPr lang="en-US" sz="1200" b="1" spc="-15">
-                <a:solidFill>
-                  <a:srgbClr val="020302"/>
-                </a:solidFill>
-                <a:latin typeface="Adobe Clean"/>
-                <a:cs typeface="Adobe Clean"/>
-              </a:rPr>
-              <a:t>o</a:t>
-            </a:r>
-            <a:r>
-              <a:rPr lang="en-US" sz="1200" b="1">
-                <a:solidFill>
-                  <a:srgbClr val="020302"/>
-                </a:solidFill>
-                <a:latin typeface="Adobe Clean"/>
-                <a:cs typeface="Adobe Clean"/>
-              </a:rPr>
-              <a:t>n</a:t>
-            </a:r>
-            <a:r>
-              <a:rPr lang="en-US" sz="1200" b="1" spc="-50">
-                <a:solidFill>
-                  <a:srgbClr val="020302"/>
-                </a:solidFill>
-                <a:latin typeface="Adobe Clean"/>
-                <a:cs typeface="Adobe Clean"/>
-              </a:rPr>
-              <a:t> </a:t>
-            </a:r>
-            <a:r>
-              <a:rPr lang="en-US" sz="1200" b="1" spc="-20">
-                <a:solidFill>
-                  <a:srgbClr val="020302"/>
-                </a:solidFill>
-                <a:latin typeface="Adobe Clean"/>
-                <a:cs typeface="Adobe Clean"/>
-              </a:rPr>
-              <a:t>B</a:t>
-            </a:r>
-            <a:r>
-              <a:rPr lang="en-US" sz="1200" b="1" spc="-25">
-                <a:solidFill>
-                  <a:srgbClr val="020302"/>
-                </a:solidFill>
-                <a:latin typeface="Adobe Clean"/>
-                <a:cs typeface="Adobe Clean"/>
-              </a:rPr>
-              <a:t>es</a:t>
-            </a:r>
-            <a:r>
-              <a:rPr lang="en-US" sz="1200" b="1">
-                <a:solidFill>
-                  <a:srgbClr val="020302"/>
-                </a:solidFill>
-                <a:latin typeface="Adobe Clean"/>
-                <a:cs typeface="Adobe Clean"/>
-              </a:rPr>
-              <a:t>t</a:t>
-            </a:r>
-            <a:r>
-              <a:rPr lang="en-US" sz="1200" b="1" spc="-50">
-                <a:solidFill>
-                  <a:srgbClr val="020302"/>
-                </a:solidFill>
-                <a:latin typeface="Adobe Clean"/>
-                <a:cs typeface="Adobe Clean"/>
-              </a:rPr>
-              <a:t> </a:t>
-            </a:r>
-            <a:r>
-              <a:rPr lang="en-US" sz="1200" b="1" spc="-25">
-                <a:solidFill>
-                  <a:srgbClr val="020302"/>
-                </a:solidFill>
-                <a:latin typeface="Adobe Clean"/>
-                <a:cs typeface="Adobe Clean"/>
-              </a:rPr>
-              <a:t>P</a:t>
-            </a:r>
-            <a:r>
-              <a:rPr lang="en-US" sz="1200" b="1" spc="-20">
-                <a:solidFill>
-                  <a:srgbClr val="020302"/>
-                </a:solidFill>
-                <a:latin typeface="Adobe Clean"/>
-                <a:cs typeface="Adobe Clean"/>
-              </a:rPr>
-              <a:t>ra</a:t>
-            </a:r>
-            <a:r>
-              <a:rPr lang="en-US" sz="1200" b="1" spc="-30">
-                <a:solidFill>
-                  <a:srgbClr val="020302"/>
-                </a:solidFill>
-                <a:latin typeface="Adobe Clean"/>
-                <a:cs typeface="Adobe Clean"/>
-              </a:rPr>
-              <a:t>c</a:t>
-            </a:r>
-            <a:r>
-              <a:rPr lang="en-US" sz="1200" b="1" spc="-25">
-                <a:solidFill>
-                  <a:srgbClr val="020302"/>
-                </a:solidFill>
-                <a:latin typeface="Adobe Clean"/>
-                <a:cs typeface="Adobe Clean"/>
-              </a:rPr>
-              <a:t>t</a:t>
-            </a:r>
-            <a:r>
-              <a:rPr lang="en-US" sz="1200" b="1" spc="-20">
-                <a:solidFill>
-                  <a:srgbClr val="020302"/>
-                </a:solidFill>
-                <a:latin typeface="Adobe Clean"/>
-                <a:cs typeface="Adobe Clean"/>
-              </a:rPr>
-              <a:t>i</a:t>
-            </a:r>
-            <a:r>
-              <a:rPr lang="en-US" sz="1200" b="1" spc="-30">
-                <a:solidFill>
-                  <a:srgbClr val="020302"/>
-                </a:solidFill>
-                <a:latin typeface="Adobe Clean"/>
-                <a:cs typeface="Adobe Clean"/>
-              </a:rPr>
-              <a:t>c</a:t>
-            </a:r>
-            <a:r>
-              <a:rPr lang="en-US" sz="1200" b="1" spc="-25">
-                <a:solidFill>
-                  <a:srgbClr val="020302"/>
-                </a:solidFill>
-                <a:latin typeface="Adobe Clean"/>
-                <a:cs typeface="Adobe Clean"/>
-              </a:rPr>
-              <a:t>e</a:t>
-            </a:r>
-            <a:r>
-              <a:rPr lang="en-US" sz="1200" b="1">
-                <a:solidFill>
-                  <a:srgbClr val="020302"/>
-                </a:solidFill>
-                <a:latin typeface="Adobe Clean"/>
-                <a:cs typeface="Adobe Clean"/>
-              </a:rPr>
-              <a:t>s</a:t>
-            </a:r>
-            <a:r>
-              <a:rPr lang="en-US" sz="1200" b="1" spc="-45">
-                <a:solidFill>
-                  <a:srgbClr val="020302"/>
-                </a:solidFill>
-                <a:latin typeface="Adobe Clean"/>
-                <a:cs typeface="Adobe Clean"/>
-              </a:rPr>
-              <a:t> </a:t>
-            </a:r>
-            <a:r>
-              <a:rPr lang="en-US" sz="1200" b="1" spc="-25">
-                <a:solidFill>
-                  <a:srgbClr val="020302"/>
-                </a:solidFill>
-                <a:latin typeface="Adobe Clean"/>
-                <a:cs typeface="Adobe Clean"/>
-              </a:rPr>
-              <a:t>f</a:t>
-            </a:r>
-            <a:r>
-              <a:rPr lang="en-US" sz="1200" b="1" spc="-15">
-                <a:solidFill>
-                  <a:srgbClr val="020302"/>
-                </a:solidFill>
-                <a:latin typeface="Adobe Clean"/>
-                <a:cs typeface="Adobe Clean"/>
-              </a:rPr>
-              <a:t>o</a:t>
-            </a:r>
-            <a:r>
-              <a:rPr lang="en-US" sz="1200" b="1">
-                <a:solidFill>
-                  <a:srgbClr val="020302"/>
-                </a:solidFill>
-                <a:latin typeface="Adobe Clean"/>
-                <a:cs typeface="Adobe Clean"/>
-              </a:rPr>
-              <a:t>r</a:t>
-            </a:r>
-            <a:r>
-              <a:rPr lang="en-US" sz="1200" b="1" spc="-45">
-                <a:solidFill>
-                  <a:srgbClr val="020302"/>
-                </a:solidFill>
-                <a:latin typeface="Adobe Clean"/>
-                <a:cs typeface="Adobe Clean"/>
-              </a:rPr>
-              <a:t> </a:t>
-            </a:r>
-            <a:r>
-              <a:rPr lang="en-US" sz="1200" b="1" spc="-30">
-                <a:solidFill>
-                  <a:srgbClr val="020302"/>
-                </a:solidFill>
-                <a:latin typeface="Adobe Clean"/>
-                <a:cs typeface="Adobe Clean"/>
-              </a:rPr>
-              <a:t>AE</a:t>
-            </a:r>
-            <a:r>
-              <a:rPr lang="en-US" sz="1200" b="1">
-                <a:solidFill>
-                  <a:srgbClr val="020302"/>
-                </a:solidFill>
-                <a:latin typeface="Adobe Clean"/>
-                <a:cs typeface="Adobe Clean"/>
-              </a:rPr>
-              <a:t>M</a:t>
-            </a:r>
-            <a:r>
-              <a:rPr lang="en-US" sz="1200" b="1" spc="-55">
-                <a:solidFill>
-                  <a:srgbClr val="020302"/>
-                </a:solidFill>
-                <a:latin typeface="Adobe Clean"/>
-                <a:cs typeface="Adobe Clean"/>
-              </a:rPr>
-              <a:t> </a:t>
-            </a:r>
-            <a:r>
-              <a:rPr lang="en-US" sz="1200" b="1" spc="-20">
-                <a:solidFill>
-                  <a:srgbClr val="020302"/>
-                </a:solidFill>
-                <a:latin typeface="Adobe Clean"/>
-                <a:cs typeface="Adobe Clean"/>
-              </a:rPr>
-              <a:t>a</a:t>
-            </a:r>
-            <a:r>
-              <a:rPr lang="en-US" sz="1200" b="1">
-                <a:solidFill>
-                  <a:srgbClr val="020302"/>
-                </a:solidFill>
-                <a:latin typeface="Adobe Clean"/>
-                <a:cs typeface="Adobe Clean"/>
-              </a:rPr>
-              <a:t>s</a:t>
-            </a:r>
-            <a:r>
-              <a:rPr lang="en-US" sz="1200" b="1" spc="-45">
-                <a:solidFill>
-                  <a:srgbClr val="020302"/>
-                </a:solidFill>
-                <a:latin typeface="Adobe Clean"/>
-                <a:cs typeface="Adobe Clean"/>
-              </a:rPr>
-              <a:t> </a:t>
-            </a:r>
-            <a:r>
-              <a:rPr lang="en-US" sz="1200" b="1">
-                <a:solidFill>
-                  <a:srgbClr val="020302"/>
-                </a:solidFill>
-                <a:latin typeface="Adobe Clean"/>
-                <a:cs typeface="Adobe Clean"/>
-              </a:rPr>
-              <a:t>a</a:t>
-            </a:r>
-            <a:r>
-              <a:rPr lang="en-US" sz="1200" b="1" spc="-45">
-                <a:solidFill>
-                  <a:srgbClr val="020302"/>
-                </a:solidFill>
-                <a:latin typeface="Adobe Clean"/>
-                <a:cs typeface="Adobe Clean"/>
-              </a:rPr>
-              <a:t> </a:t>
-            </a:r>
-            <a:r>
-              <a:rPr lang="en-US" sz="1200" b="1" spc="-15">
-                <a:solidFill>
-                  <a:srgbClr val="020302"/>
-                </a:solidFill>
-                <a:latin typeface="Adobe Clean"/>
-                <a:cs typeface="Adobe Clean"/>
-              </a:rPr>
-              <a:t>C</a:t>
-            </a:r>
-            <a:r>
-              <a:rPr lang="en-US" sz="1200" b="1" spc="-25">
-                <a:solidFill>
-                  <a:srgbClr val="020302"/>
-                </a:solidFill>
-                <a:latin typeface="Adobe Clean"/>
-                <a:cs typeface="Adobe Clean"/>
-              </a:rPr>
-              <a:t>l</a:t>
-            </a:r>
-            <a:r>
-              <a:rPr lang="en-US" sz="1200" b="1" spc="-15">
-                <a:solidFill>
-                  <a:srgbClr val="020302"/>
-                </a:solidFill>
-                <a:latin typeface="Adobe Clean"/>
-                <a:cs typeface="Adobe Clean"/>
-              </a:rPr>
-              <a:t>o</a:t>
-            </a:r>
-            <a:r>
-              <a:rPr lang="en-US" sz="1200" b="1" spc="-20">
-                <a:solidFill>
-                  <a:srgbClr val="020302"/>
-                </a:solidFill>
-                <a:latin typeface="Adobe Clean"/>
-                <a:cs typeface="Adobe Clean"/>
-              </a:rPr>
-              <a:t>u</a:t>
-            </a:r>
-            <a:r>
-              <a:rPr lang="en-US" sz="1200" b="1">
-                <a:solidFill>
-                  <a:srgbClr val="020302"/>
-                </a:solidFill>
-                <a:latin typeface="Adobe Clean"/>
-                <a:cs typeface="Adobe Clean"/>
-              </a:rPr>
-              <a:t>d</a:t>
-            </a:r>
-            <a:r>
-              <a:rPr lang="en-US" sz="1200" b="1" spc="-50">
-                <a:solidFill>
-                  <a:srgbClr val="020302"/>
-                </a:solidFill>
-                <a:latin typeface="Adobe Clean"/>
-                <a:cs typeface="Adobe Clean"/>
-              </a:rPr>
-              <a:t> </a:t>
-            </a:r>
-            <a:r>
-              <a:rPr lang="en-US" sz="1200" b="1" spc="-20">
-                <a:solidFill>
-                  <a:srgbClr val="020302"/>
-                </a:solidFill>
-                <a:latin typeface="Adobe Clean"/>
-                <a:cs typeface="Adobe Clean"/>
-              </a:rPr>
-              <a:t>S</a:t>
-            </a:r>
-            <a:r>
-              <a:rPr lang="en-US" sz="1200" b="1" spc="-25">
-                <a:solidFill>
-                  <a:srgbClr val="020302"/>
-                </a:solidFill>
-                <a:latin typeface="Adobe Clean"/>
-                <a:cs typeface="Adobe Clean"/>
-              </a:rPr>
-              <a:t>e</a:t>
-            </a:r>
-            <a:r>
-              <a:rPr lang="en-US" sz="1200" b="1" spc="-20">
-                <a:solidFill>
-                  <a:srgbClr val="020302"/>
-                </a:solidFill>
-                <a:latin typeface="Adobe Clean"/>
-                <a:cs typeface="Adobe Clean"/>
-              </a:rPr>
-              <a:t>r</a:t>
-            </a:r>
-            <a:r>
-              <a:rPr lang="en-US" sz="1200" b="1" spc="-30">
-                <a:solidFill>
-                  <a:srgbClr val="020302"/>
-                </a:solidFill>
-                <a:latin typeface="Adobe Clean"/>
-                <a:cs typeface="Adobe Clean"/>
-              </a:rPr>
-              <a:t>v</a:t>
-            </a:r>
-            <a:r>
-              <a:rPr lang="en-US" sz="1200" b="1" spc="-20">
-                <a:solidFill>
-                  <a:srgbClr val="020302"/>
-                </a:solidFill>
-                <a:latin typeface="Adobe Clean"/>
-                <a:cs typeface="Adobe Clean"/>
-              </a:rPr>
-              <a:t>i</a:t>
-            </a:r>
-            <a:r>
-              <a:rPr lang="en-US" sz="1200" b="1" spc="-30">
-                <a:solidFill>
-                  <a:srgbClr val="020302"/>
-                </a:solidFill>
-                <a:latin typeface="Adobe Clean"/>
-                <a:cs typeface="Adobe Clean"/>
-              </a:rPr>
-              <a:t>c</a:t>
-            </a:r>
-            <a:r>
-              <a:rPr lang="en-US" sz="1200" b="1">
-                <a:solidFill>
-                  <a:srgbClr val="020302"/>
-                </a:solidFill>
-                <a:latin typeface="Adobe Clean"/>
-                <a:cs typeface="Adobe Clean"/>
-              </a:rPr>
-              <a:t>e</a:t>
-            </a:r>
-            <a:endParaRPr lang="en-US" sz="1200">
-              <a:latin typeface="Adobe Clean"/>
-              <a:cs typeface="Adobe Clean"/>
-            </a:endParaRPr>
+              <a:t>Best Practices für die Anpassung von AEM as a Cloud Service</a:t>
+            </a:r>
           </a:p>
         </p:txBody>
       </p:sp>
@@ -14824,19 +12985,15 @@
               </a:spcBef>
             </a:pPr>
             <a:r>
-              <a:rPr lang="en-US" sz="1200" b="1" spc="-25">
+              <a:rPr lang="de-DE" sz="1200" b="1">
                 <a:solidFill>
                   <a:srgbClr val="020302"/>
                 </a:solidFill>
                 <a:latin typeface="Adobe Clean"/>
                 <a:cs typeface="Adobe Clean"/>
               </a:rPr>
-              <a:t>Value-added Services for AEM as a Cloud Service</a:t>
-            </a:r>
-            <a:endParaRPr lang="en-US" sz="1200">
-              <a:latin typeface="Adobe Clean"/>
-              <a:cs typeface="Adobe Clean"/>
-            </a:endParaRPr>
+              <a:t>Zusatz-Services für AEM as a Cloud Service</a:t>
+            </a:r>
           </a:p>
         </p:txBody>
       </p:sp>
@@ -14876,359 +13033,34 @@
               </a:spcBef>
             </a:pPr>
             <a:r>
-              <a:rPr lang="en-US" sz="1200" b="1" spc="-20">
+              <a:rPr lang="de-DE" sz="1200" b="1" dirty="0">
                 <a:solidFill>
                   <a:srgbClr val="020302"/>
                 </a:solidFill>
                 <a:latin typeface="Adobe Clean"/>
                 <a:cs typeface="Adobe Clean"/>
               </a:rPr>
-              <a:t>G</a:t>
-            </a:r>
-            <a:r>
-              <a:rPr lang="en-US" sz="1200" b="1" spc="-15">
+              <a:t>Governance für AEM </a:t>
+            </a:r>
+            <a:br>
+              <a:rPr lang="sk-SK" sz="1200" b="1" dirty="0">
                 <a:solidFill>
                   <a:srgbClr val="020302"/>
                 </a:solidFill>
                 <a:latin typeface="Adobe Clean"/>
                 <a:cs typeface="Adobe Clean"/>
               </a:rPr>
-              <a:t>o</a:t>
-            </a:r>
-            <a:r>
-              <a:rPr lang="en-US" sz="1200" b="1" spc="-25">
+            </a:br>
+            <a:r>
+              <a:rPr lang="de-DE" sz="1200" b="1" dirty="0">
                 <a:solidFill>
                   <a:srgbClr val="020302"/>
                 </a:solidFill>
                 <a:latin typeface="Adobe Clean"/>
                 <a:cs typeface="Adobe Clean"/>
               </a:rPr>
-              <a:t>ve</a:t>
-            </a:r>
-            <a:r>
-              <a:rPr lang="en-US" sz="1200" b="1" spc="-20">
-                <a:solidFill>
-                  <a:srgbClr val="020302"/>
-                </a:solidFill>
-                <a:latin typeface="Adobe Clean"/>
-                <a:cs typeface="Adobe Clean"/>
-              </a:rPr>
-              <a:t>r</a:t>
-            </a:r>
-            <a:r>
-              <a:rPr lang="en-US" sz="1200" b="1" spc="-25">
-                <a:solidFill>
-                  <a:srgbClr val="020302"/>
-                </a:solidFill>
-                <a:latin typeface="Adobe Clean"/>
-                <a:cs typeface="Adobe Clean"/>
-              </a:rPr>
-              <a:t>n</a:t>
-            </a:r>
-            <a:r>
-              <a:rPr lang="en-US" sz="1200" b="1" spc="-20">
-                <a:solidFill>
-                  <a:srgbClr val="020302"/>
-                </a:solidFill>
-                <a:latin typeface="Adobe Clean"/>
-                <a:cs typeface="Adobe Clean"/>
-              </a:rPr>
-              <a:t>a</a:t>
-            </a:r>
-            <a:r>
-              <a:rPr lang="en-US" sz="1200" b="1" spc="-25">
-                <a:solidFill>
-                  <a:srgbClr val="020302"/>
-                </a:solidFill>
-                <a:latin typeface="Adobe Clean"/>
-                <a:cs typeface="Adobe Clean"/>
-              </a:rPr>
-              <a:t>n</a:t>
-            </a:r>
-            <a:r>
-              <a:rPr lang="en-US" sz="1200" b="1" spc="-30">
-                <a:solidFill>
-                  <a:srgbClr val="020302"/>
-                </a:solidFill>
-                <a:latin typeface="Adobe Clean"/>
-                <a:cs typeface="Adobe Clean"/>
-              </a:rPr>
-              <a:t>c</a:t>
-            </a:r>
-            <a:r>
-              <a:rPr lang="en-US" sz="1200" b="1">
-                <a:solidFill>
-                  <a:srgbClr val="020302"/>
-                </a:solidFill>
-                <a:latin typeface="Adobe Clean"/>
-                <a:cs typeface="Adobe Clean"/>
-              </a:rPr>
-              <a:t>e</a:t>
-            </a:r>
-            <a:r>
-              <a:rPr lang="en-US" sz="1200" b="1" spc="-50">
-                <a:solidFill>
-                  <a:srgbClr val="020302"/>
-                </a:solidFill>
-                <a:latin typeface="Adobe Clean"/>
-                <a:cs typeface="Adobe Clean"/>
-              </a:rPr>
-              <a:t> </a:t>
-            </a:r>
-            <a:r>
-              <a:rPr lang="en-US" sz="1200" b="1" spc="-25">
-                <a:solidFill>
-                  <a:srgbClr val="020302"/>
-                </a:solidFill>
-                <a:latin typeface="Adobe Clean"/>
-                <a:cs typeface="Adobe Clean"/>
-              </a:rPr>
-              <a:t>f</a:t>
-            </a:r>
-            <a:r>
-              <a:rPr lang="en-US" sz="1200" b="1" spc="-15">
-                <a:solidFill>
-                  <a:srgbClr val="020302"/>
-                </a:solidFill>
-                <a:latin typeface="Adobe Clean"/>
-                <a:cs typeface="Adobe Clean"/>
-              </a:rPr>
-              <a:t>o</a:t>
-            </a:r>
-            <a:r>
-              <a:rPr lang="en-US" sz="1200" b="1">
-                <a:solidFill>
-                  <a:srgbClr val="020302"/>
-                </a:solidFill>
-                <a:latin typeface="Adobe Clean"/>
-                <a:cs typeface="Adobe Clean"/>
-              </a:rPr>
-              <a:t>r</a:t>
-            </a:r>
-            <a:r>
-              <a:rPr lang="en-US" sz="1200" b="1" spc="-45">
-                <a:solidFill>
-                  <a:srgbClr val="020302"/>
-                </a:solidFill>
-                <a:latin typeface="Adobe Clean"/>
-                <a:cs typeface="Adobe Clean"/>
-              </a:rPr>
-              <a:t> </a:t>
-            </a:r>
-            <a:r>
-              <a:rPr lang="en-US" sz="1200" b="1" spc="-30">
-                <a:solidFill>
-                  <a:srgbClr val="020302"/>
-                </a:solidFill>
-                <a:latin typeface="Adobe Clean"/>
-                <a:cs typeface="Adobe Clean"/>
-              </a:rPr>
-              <a:t>A</a:t>
-            </a:r>
-            <a:r>
-              <a:rPr lang="en-US" sz="1200" b="1" spc="-25">
-                <a:solidFill>
-                  <a:srgbClr val="020302"/>
-                </a:solidFill>
-                <a:latin typeface="Adobe Clean"/>
-                <a:cs typeface="Adobe Clean"/>
-              </a:rPr>
-              <a:t>E</a:t>
-            </a:r>
-            <a:r>
-              <a:rPr lang="en-US" sz="1200" b="1">
-                <a:solidFill>
-                  <a:srgbClr val="020302"/>
-                </a:solidFill>
-                <a:latin typeface="Adobe Clean"/>
-                <a:cs typeface="Adobe Clean"/>
-              </a:rPr>
-              <a:t>M</a:t>
-            </a:r>
-            <a:r>
-              <a:rPr lang="en-US" sz="1200" b="1" spc="-50">
-                <a:solidFill>
-                  <a:srgbClr val="020302"/>
-                </a:solidFill>
-                <a:latin typeface="Adobe Clean"/>
-                <a:cs typeface="Adobe Clean"/>
-              </a:rPr>
-              <a:t> </a:t>
-            </a:r>
-            <a:r>
-              <a:rPr lang="en-US" sz="1200" b="1" spc="-20">
-                <a:solidFill>
-                  <a:srgbClr val="020302"/>
-                </a:solidFill>
-                <a:latin typeface="Adobe Clean"/>
-                <a:cs typeface="Adobe Clean"/>
-              </a:rPr>
-              <a:t>a</a:t>
-            </a:r>
-            <a:r>
-              <a:rPr lang="en-US" sz="1200" b="1">
-                <a:solidFill>
-                  <a:srgbClr val="020302"/>
-                </a:solidFill>
-                <a:latin typeface="Adobe Clean"/>
-                <a:cs typeface="Adobe Clean"/>
-              </a:rPr>
-              <a:t>s</a:t>
-            </a:r>
-            <a:r>
-              <a:rPr lang="en-US" sz="1200" b="1" spc="-45">
-                <a:solidFill>
-                  <a:srgbClr val="020302"/>
-                </a:solidFill>
-                <a:latin typeface="Adobe Clean"/>
-                <a:cs typeface="Adobe Clean"/>
-              </a:rPr>
-              <a:t> </a:t>
-            </a:r>
-            <a:r>
-              <a:rPr lang="en-US" sz="1200" b="1">
-                <a:solidFill>
-                  <a:srgbClr val="020302"/>
-                </a:solidFill>
-                <a:latin typeface="Adobe Clean"/>
-                <a:cs typeface="Adobe Clean"/>
-              </a:rPr>
-              <a:t>a</a:t>
-            </a:r>
-            <a:r>
-              <a:rPr lang="en-US" sz="1200" b="1" spc="-40">
-                <a:solidFill>
-                  <a:srgbClr val="020302"/>
-                </a:solidFill>
-                <a:latin typeface="Adobe Clean"/>
-                <a:cs typeface="Adobe Clean"/>
-              </a:rPr>
-              <a:t> </a:t>
-            </a:r>
-            <a:r>
-              <a:rPr lang="en-US" sz="1200" b="1" spc="-15">
-                <a:solidFill>
-                  <a:srgbClr val="020302"/>
-                </a:solidFill>
-                <a:latin typeface="Adobe Clean"/>
-                <a:cs typeface="Adobe Clean"/>
-              </a:rPr>
-              <a:t>C</a:t>
-            </a:r>
-            <a:r>
-              <a:rPr lang="en-US" sz="1200" b="1" spc="-25">
-                <a:solidFill>
-                  <a:srgbClr val="020302"/>
-                </a:solidFill>
-                <a:latin typeface="Adobe Clean"/>
-                <a:cs typeface="Adobe Clean"/>
-              </a:rPr>
-              <a:t>l</a:t>
-            </a:r>
-            <a:r>
-              <a:rPr lang="en-US" sz="1200" b="1" spc="-15">
-                <a:solidFill>
-                  <a:srgbClr val="020302"/>
-                </a:solidFill>
-                <a:latin typeface="Adobe Clean"/>
-                <a:cs typeface="Adobe Clean"/>
-              </a:rPr>
-              <a:t>ou</a:t>
-            </a:r>
-            <a:r>
-              <a:rPr lang="en-US" sz="1200" b="1">
-                <a:solidFill>
-                  <a:srgbClr val="020302"/>
-                </a:solidFill>
-                <a:latin typeface="Adobe Clean"/>
-                <a:cs typeface="Adobe Clean"/>
-              </a:rPr>
-              <a:t>d</a:t>
-            </a:r>
-            <a:r>
-              <a:rPr lang="en-US" sz="1200" b="1" spc="-50">
-                <a:solidFill>
-                  <a:srgbClr val="020302"/>
-                </a:solidFill>
-                <a:latin typeface="Adobe Clean"/>
-                <a:cs typeface="Adobe Clean"/>
-              </a:rPr>
-              <a:t> </a:t>
-            </a:r>
-            <a:r>
-              <a:rPr lang="en-US" sz="1200" b="1" spc="-20">
-                <a:solidFill>
-                  <a:srgbClr val="020302"/>
-                </a:solidFill>
-                <a:latin typeface="Adobe Clean"/>
-                <a:cs typeface="Adobe Clean"/>
-              </a:rPr>
-              <a:t>S</a:t>
-            </a:r>
-            <a:r>
-              <a:rPr lang="en-US" sz="1200" b="1" spc="-25">
-                <a:solidFill>
-                  <a:srgbClr val="020302"/>
-                </a:solidFill>
-                <a:latin typeface="Adobe Clean"/>
-                <a:cs typeface="Adobe Clean"/>
-              </a:rPr>
-              <a:t>e</a:t>
-            </a:r>
-            <a:r>
-              <a:rPr lang="en-US" sz="1200" b="1" spc="-20">
-                <a:solidFill>
-                  <a:srgbClr val="020302"/>
-                </a:solidFill>
-                <a:latin typeface="Adobe Clean"/>
-                <a:cs typeface="Adobe Clean"/>
-              </a:rPr>
-              <a:t>r</a:t>
-            </a:r>
-            <a:r>
-              <a:rPr lang="en-US" sz="1200" b="1" spc="-25">
-                <a:solidFill>
-                  <a:srgbClr val="020302"/>
-                </a:solidFill>
-                <a:latin typeface="Adobe Clean"/>
-                <a:cs typeface="Adobe Clean"/>
-              </a:rPr>
-              <a:t>v</a:t>
-            </a:r>
-            <a:r>
-              <a:rPr lang="en-US" sz="1200" b="1" spc="-20">
-                <a:solidFill>
-                  <a:srgbClr val="020302"/>
-                </a:solidFill>
-                <a:latin typeface="Adobe Clean"/>
-                <a:cs typeface="Adobe Clean"/>
-              </a:rPr>
-              <a:t>i</a:t>
-            </a:r>
-            <a:r>
-              <a:rPr lang="en-US" sz="1200" b="1" spc="-30">
-                <a:solidFill>
-                  <a:srgbClr val="020302"/>
-                </a:solidFill>
-                <a:latin typeface="Adobe Clean"/>
-                <a:cs typeface="Adobe Clean"/>
-              </a:rPr>
-              <a:t>c</a:t>
-            </a:r>
-            <a:r>
-              <a:rPr lang="en-US" sz="1200" b="1">
-                <a:solidFill>
-                  <a:srgbClr val="020302"/>
-                </a:solidFill>
-                <a:latin typeface="Adobe Clean"/>
-                <a:cs typeface="Adobe Clean"/>
-              </a:rPr>
-              <a:t>e</a:t>
-            </a:r>
-            <a:endParaRPr lang="en-US" sz="1200">
-              <a:latin typeface="Adobe Clean"/>
-              <a:cs typeface="Adobe Clean"/>
-            </a:endParaRPr>
+              <a:t>as a Cloud Service</a:t>
+            </a:r>
           </a:p>
         </p:txBody>
       </p:sp>
@@ -15289,49 +13121,15 @@
               </a:lnSpc>
             </a:pPr>
             <a:r>
-              <a:rPr sz="500" spc="-5">
+              <a:rPr lang="de-DE" sz="500">
                 <a:solidFill>
                   <a:srgbClr val="6C6C6C"/>
                 </a:solidFill>
                 <a:latin typeface="Adobe Clean"/>
                 <a:cs typeface="Adobe Clean"/>
               </a:rPr>
-              <a:t>©2020 Adobe. All Rights Reserved. </a:t>
-            </a:r>
-            <a:r>
-              <a:rPr sz="500">
-                <a:solidFill>
-                  <a:srgbClr val="6C6C6C"/>
-                </a:solidFill>
-                <a:latin typeface="Adobe Clean"/>
-                <a:cs typeface="Adobe Clean"/>
-              </a:rPr>
-              <a:t>Adobe</a:t>
-            </a:r>
-            <a:r>
-              <a:rPr sz="500" spc="5">
-                <a:solidFill>
-                  <a:srgbClr val="6C6C6C"/>
-                </a:solidFill>
-                <a:latin typeface="Adobe Clean"/>
-                <a:cs typeface="Adobe Clean"/>
-              </a:rPr>
-              <a:t> </a:t>
-            </a:r>
-            <a:r>
-              <a:rPr sz="500" spc="-5">
-                <a:solidFill>
-                  <a:srgbClr val="6C6C6C"/>
-                </a:solidFill>
-                <a:latin typeface="Adobe Clean"/>
-                <a:cs typeface="Adobe Clean"/>
-              </a:rPr>
-              <a:t>Confidential.</a:t>
-            </a:r>
-            <a:endParaRPr sz="500">
-              <a:latin typeface="Adobe Clean"/>
-              <a:cs typeface="Adobe Clean"/>
-            </a:endParaRPr>
+              <a:t>©2020 Adobe. All Rights Reserved. Adobe Confidential.</a:t>
+            </a:r>
           </a:p>
           <a:p>
             <a:pPr>
@@ -15357,39 +13155,15 @@
               </a:spcBef>
             </a:pPr>
             <a:r>
-              <a:rPr sz="800" spc="-5">
+              <a:rPr lang="de-DE" sz="800">
                 <a:solidFill>
                   <a:srgbClr val="6D6D6D"/>
                 </a:solidFill>
                 <a:latin typeface="Adobe Clean"/>
                 <a:cs typeface="Adobe Clean"/>
               </a:rPr>
-              <a:t>©2020 Adobe. All Rights Reserved. Adobe</a:t>
-            </a:r>
-            <a:r>
-              <a:rPr sz="800" spc="75">
-                <a:solidFill>
-                  <a:srgbClr val="6D6D6D"/>
-                </a:solidFill>
-                <a:latin typeface="Adobe Clean"/>
-                <a:cs typeface="Adobe Clean"/>
-              </a:rPr>
-              <a:t> </a:t>
-            </a:r>
-            <a:r>
-              <a:rPr sz="800" spc="-5">
-                <a:solidFill>
-                  <a:srgbClr val="6D6D6D"/>
-                </a:solidFill>
-                <a:latin typeface="Adobe Clean"/>
-                <a:cs typeface="Adobe Clean"/>
-              </a:rPr>
-              <a:t>Confidential.</a:t>
-            </a:r>
-            <a:endParaRPr sz="800">
-              <a:latin typeface="Adobe Clean"/>
-              <a:cs typeface="Adobe Clean"/>
-            </a:endParaRPr>
+              <a:t>©2020 Adobe. All Rights Reserved. Adobe Confidential.</a:t>
+            </a:r>
           </a:p>
         </p:txBody>
       </p:sp>
@@ -15473,19 +13247,15 @@
               </a:spcBef>
             </a:pPr>
             <a:r>
-              <a:rPr lang="en-US" sz="1400" b="1" spc="-15">
+              <a:rPr lang="de-DE" sz="1400" b="1">
                 <a:solidFill>
                   <a:srgbClr val="020302"/>
                 </a:solidFill>
                 <a:latin typeface="Adobe Clean"/>
                 <a:cs typeface="Adobe Clean"/>
               </a:rPr>
-              <a:t>Resources</a:t>
-            </a:r>
-            <a:endParaRPr sz="1400">
-              <a:latin typeface="Adobe Clean"/>
-              <a:cs typeface="Adobe Clean"/>
-            </a:endParaRPr>
+              <a:t>Ressourcen</a:t>
+            </a:r>
           </a:p>
         </p:txBody>
       </p:sp>
@@ -15519,7 +13289,7 @@
               </a:spcBef>
             </a:pPr>
             <a:r>
-              <a:rPr sz="800" spc="-15">
+              <a:rPr lang="de-DE" sz="800">
                 <a:solidFill>
                   <a:srgbClr val="777879"/>
                 </a:solidFill>
@@ -15528,10 +13298,6 @@
               </a:rPr>
               <a:t>Adobe</a:t>
             </a:r>
-            <a:endParaRPr sz="800">
-              <a:latin typeface="Adobe Clean"/>
-              <a:cs typeface="Adobe Clean"/>
-            </a:endParaRPr>
           </a:p>
           <a:p>
             <a:pPr marL="12700">
@@ -15540,39 +13306,15 @@
               </a:lnSpc>
             </a:pPr>
             <a:r>
-              <a:rPr sz="800" spc="-15">
+              <a:rPr lang="de-DE" sz="800">
                 <a:solidFill>
                   <a:srgbClr val="777879"/>
                 </a:solidFill>
                 <a:latin typeface="Adobe Clean"/>
                 <a:cs typeface="Adobe Clean"/>
               </a:rPr>
-              <a:t>345 Park</a:t>
-            </a:r>
-            <a:r>
-              <a:rPr sz="800" spc="-100">
-                <a:solidFill>
-                  <a:srgbClr val="777879"/>
-                </a:solidFill>
-                <a:latin typeface="Adobe Clean"/>
-                <a:cs typeface="Adobe Clean"/>
-              </a:rPr>
-              <a:t> </a:t>
-            </a:r>
-            <a:r>
-              <a:rPr sz="800" spc="-15">
-                <a:solidFill>
-                  <a:srgbClr val="777879"/>
-                </a:solidFill>
-                <a:latin typeface="Adobe Clean"/>
-                <a:cs typeface="Adobe Clean"/>
-              </a:rPr>
-              <a:t>Avenue</a:t>
-            </a:r>
-            <a:endParaRPr sz="800">
-              <a:latin typeface="Adobe Clean"/>
-              <a:cs typeface="Adobe Clean"/>
-            </a:endParaRPr>
+              <a:t>345 Park Avenue</a:t>
+            </a:r>
           </a:p>
           <a:p>
             <a:pPr marL="12700">
@@ -15581,49 +13323,15 @@
               </a:lnSpc>
             </a:pPr>
             <a:r>
-              <a:rPr sz="800" spc="-10">
+              <a:rPr lang="de-DE" sz="800">
                 <a:solidFill>
                   <a:srgbClr val="777879"/>
                 </a:solidFill>
                 <a:latin typeface="Adobe Clean"/>
                 <a:cs typeface="Adobe Clean"/>
               </a:rPr>
-              <a:t>San </a:t>
-            </a:r>
-            <a:r>
-              <a:rPr sz="800" spc="-15">
-                <a:solidFill>
-                  <a:srgbClr val="777879"/>
-                </a:solidFill>
-                <a:latin typeface="Adobe Clean"/>
-                <a:cs typeface="Adobe Clean"/>
-              </a:rPr>
-              <a:t>Jose,</a:t>
-            </a:r>
-            <a:r>
-              <a:rPr sz="800" spc="-140">
-                <a:solidFill>
-                  <a:srgbClr val="777879"/>
-                </a:solidFill>
-                <a:latin typeface="Adobe Clean"/>
-                <a:cs typeface="Adobe Clean"/>
-              </a:rPr>
-              <a:t> </a:t>
-            </a:r>
-            <a:r>
-              <a:rPr sz="800" spc="-20">
-                <a:solidFill>
-                  <a:srgbClr val="777879"/>
-                </a:solidFill>
-                <a:latin typeface="Adobe Clean"/>
-                <a:cs typeface="Adobe Clean"/>
-              </a:rPr>
-              <a:t>CA95110-2704</a:t>
-            </a:r>
-            <a:endParaRPr sz="800">
-              <a:latin typeface="Adobe Clean"/>
-              <a:cs typeface="Adobe Clean"/>
-            </a:endParaRPr>
+              <a:t>San Jose, CA95110-2704</a:t>
+            </a:r>
           </a:p>
           <a:p>
             <a:pPr marL="12700">
@@ -15635,7 +13343,7 @@
               </a:spcBef>
             </a:pPr>
             <a:r>
-              <a:rPr sz="800" spc="-10">
+              <a:rPr lang="de-DE" sz="800">
                 <a:solidFill>
                   <a:srgbClr val="777879"/>
                 </a:solidFill>
@@ -15644,10 +13352,6 @@
               </a:rPr>
               <a:t>USA</a:t>
             </a:r>
-            <a:endParaRPr sz="800">
-              <a:latin typeface="Adobe Clean"/>
-              <a:cs typeface="Adobe Clean"/>
-            </a:endParaRPr>
           </a:p>
           <a:p>
             <a:pPr marL="12700">
@@ -15659,7 +13363,7 @@
               </a:spcBef>
             </a:pPr>
             <a:r>
-              <a:rPr sz="800" u="sng" spc="-25">
+              <a:rPr lang="de-DE" sz="800" u="sng">
                 <a:solidFill>
                   <a:srgbClr val="5F5F5F"/>
                 </a:solidFill>
@@ -15674,10 +13378,6 @@
               </a:rPr>
               <a:t>www.adobe.com</a:t>
             </a:r>
-            <a:endParaRPr sz="800">
-              <a:latin typeface="Adobe Clean"/>
-              <a:cs typeface="Adobe Clean"/>
-            </a:endParaRPr>
           </a:p>
         </p:txBody>
       </p:sp>
@@ -15831,7 +13531,7 @@
         <p:spPr>
           <a:xfrm>
             <a:off x="75947" y="9437110"/>
-            <a:ext cx="5466715" cy="570865"/>
+            <a:ext cx="5809358" cy="570865"/>
           </a:xfrm>
           <a:prstGeom prst="rect">
             <a:avLst/>
@@ -15852,429 +13552,15 @@
               </a:spcBef>
             </a:pPr>
             <a:r>
-              <a:rPr sz="1100" i="1" spc="-10">
+              <a:rPr lang="de-DE" sz="1100" i="1" dirty="0">
                 <a:solidFill>
                   <a:srgbClr val="777879"/>
                 </a:solidFill>
                 <a:latin typeface="AdobeClean-LightIt"/>
                 <a:cs typeface="AdobeClean-LightIt"/>
               </a:rPr>
-              <a:t>To</a:t>
-            </a:r>
-            <a:r>
-              <a:rPr sz="1100" i="1" spc="-50">
-                <a:solidFill>
-                  <a:srgbClr val="777879"/>
-                </a:solidFill>
-                <a:latin typeface="AdobeClean-LightIt"/>
-                <a:cs typeface="AdobeClean-LightIt"/>
-              </a:rPr>
-              <a:t> </a:t>
-            </a:r>
-            <a:r>
-              <a:rPr sz="1100" i="1" spc="-15">
-                <a:solidFill>
-                  <a:srgbClr val="777879"/>
-                </a:solidFill>
-                <a:latin typeface="AdobeClean-LightIt"/>
-                <a:cs typeface="AdobeClean-LightIt"/>
-              </a:rPr>
-              <a:t>learn</a:t>
-            </a:r>
-            <a:r>
-              <a:rPr sz="1100" i="1" spc="-40">
-                <a:solidFill>
-                  <a:srgbClr val="777879"/>
-                </a:solidFill>
-                <a:latin typeface="AdobeClean-LightIt"/>
-                <a:cs typeface="AdobeClean-LightIt"/>
-              </a:rPr>
-              <a:t> </a:t>
-            </a:r>
-            <a:r>
-              <a:rPr sz="1100" i="1" spc="-15">
-                <a:solidFill>
-                  <a:srgbClr val="777879"/>
-                </a:solidFill>
-                <a:latin typeface="AdobeClean-LightIt"/>
-                <a:cs typeface="AdobeClean-LightIt"/>
-              </a:rPr>
-              <a:t>more</a:t>
-            </a:r>
-            <a:r>
-              <a:rPr sz="1100" i="1" spc="-45">
-                <a:solidFill>
-                  <a:srgbClr val="777879"/>
-                </a:solidFill>
-                <a:latin typeface="AdobeClean-LightIt"/>
-                <a:cs typeface="AdobeClean-LightIt"/>
-              </a:rPr>
-              <a:t> </a:t>
-            </a:r>
-            <a:r>
-              <a:rPr sz="1100" i="1" spc="-15">
-                <a:solidFill>
-                  <a:srgbClr val="777879"/>
-                </a:solidFill>
-                <a:latin typeface="AdobeClean-LightIt"/>
-                <a:cs typeface="AdobeClean-LightIt"/>
-              </a:rPr>
-              <a:t>about</a:t>
-            </a:r>
-            <a:r>
-              <a:rPr sz="1100" i="1" spc="-45">
-                <a:solidFill>
-                  <a:srgbClr val="777879"/>
-                </a:solidFill>
-                <a:latin typeface="AdobeClean-LightIt"/>
-                <a:cs typeface="AdobeClean-LightIt"/>
-              </a:rPr>
-              <a:t> </a:t>
-            </a:r>
-            <a:r>
-              <a:rPr sz="1100" i="1" spc="-15">
-                <a:solidFill>
-                  <a:srgbClr val="777879"/>
-                </a:solidFill>
-                <a:latin typeface="AdobeClean-LightIt"/>
-                <a:cs typeface="AdobeClean-LightIt"/>
-              </a:rPr>
-              <a:t>Adobe</a:t>
-            </a:r>
-            <a:r>
-              <a:rPr sz="1100" i="1" spc="-60">
-                <a:solidFill>
-                  <a:srgbClr val="777879"/>
-                </a:solidFill>
-                <a:latin typeface="AdobeClean-LightIt"/>
-                <a:cs typeface="AdobeClean-LightIt"/>
-              </a:rPr>
-              <a:t> </a:t>
-            </a:r>
-            <a:r>
-              <a:rPr sz="1100" i="1" spc="-15">
-                <a:solidFill>
-                  <a:srgbClr val="777879"/>
-                </a:solidFill>
-                <a:latin typeface="AdobeClean-LightIt"/>
-                <a:cs typeface="AdobeClean-LightIt"/>
-              </a:rPr>
-              <a:t>Support</a:t>
-            </a:r>
-            <a:r>
-              <a:rPr lang="en-US" sz="1100" i="1" spc="-15">
-                <a:solidFill>
-                  <a:srgbClr val="777879"/>
-                </a:solidFill>
-                <a:latin typeface="AdobeClean-LightIt"/>
-                <a:cs typeface="AdobeClean-LightIt"/>
-              </a:rPr>
-              <a:t> Offerings</a:t>
-            </a:r>
-            <a:r>
-              <a:rPr sz="1100" i="1" spc="-75">
-                <a:solidFill>
-                  <a:srgbClr val="777879"/>
-                </a:solidFill>
-                <a:latin typeface="AdobeClean-LightIt"/>
-                <a:cs typeface="AdobeClean-LightIt"/>
-              </a:rPr>
-              <a:t> </a:t>
-            </a:r>
-            <a:r>
-              <a:rPr sz="1100" i="1" spc="-15">
-                <a:solidFill>
-                  <a:srgbClr val="777879"/>
-                </a:solidFill>
-                <a:latin typeface="AdobeClean-LightIt"/>
-                <a:cs typeface="AdobeClean-LightIt"/>
-              </a:rPr>
-              <a:t>and</a:t>
-            </a:r>
-            <a:r>
-              <a:rPr sz="1100" i="1" spc="-50">
-                <a:solidFill>
-                  <a:srgbClr val="777879"/>
-                </a:solidFill>
-                <a:latin typeface="AdobeClean-LightIt"/>
-                <a:cs typeface="AdobeClean-LightIt"/>
-              </a:rPr>
-              <a:t> </a:t>
-            </a:r>
-            <a:r>
-              <a:rPr sz="1100" i="1" spc="-15">
-                <a:solidFill>
-                  <a:srgbClr val="777879"/>
-                </a:solidFill>
-                <a:latin typeface="AdobeClean-LightIt"/>
-                <a:cs typeface="AdobeClean-LightIt"/>
-              </a:rPr>
-              <a:t>the</a:t>
-            </a:r>
-            <a:r>
-              <a:rPr sz="1100" i="1" spc="-55">
-                <a:solidFill>
-                  <a:srgbClr val="777879"/>
-                </a:solidFill>
-                <a:latin typeface="AdobeClean-LightIt"/>
-                <a:cs typeface="AdobeClean-LightIt"/>
-              </a:rPr>
-              <a:t> </a:t>
-            </a:r>
-            <a:r>
-              <a:rPr sz="1100" i="1" spc="-15">
-                <a:solidFill>
-                  <a:srgbClr val="777879"/>
-                </a:solidFill>
-                <a:latin typeface="AdobeClean-LightIt"/>
-                <a:cs typeface="AdobeClean-LightIt"/>
-              </a:rPr>
-              <a:t>right</a:t>
-            </a:r>
-            <a:r>
-              <a:rPr sz="1100" i="1" spc="-95">
-                <a:solidFill>
-                  <a:srgbClr val="777879"/>
-                </a:solidFill>
-                <a:latin typeface="AdobeClean-LightIt"/>
-                <a:cs typeface="AdobeClean-LightIt"/>
-              </a:rPr>
-              <a:t> </a:t>
-            </a:r>
-            <a:r>
-              <a:rPr sz="1100" i="1" spc="-15">
-                <a:solidFill>
-                  <a:srgbClr val="777879"/>
-                </a:solidFill>
-                <a:latin typeface="AdobeClean-LightIt"/>
-                <a:cs typeface="AdobeClean-LightIt"/>
-              </a:rPr>
-              <a:t>level</a:t>
-            </a:r>
-            <a:r>
-              <a:rPr sz="1100" i="1" spc="-55">
-                <a:solidFill>
-                  <a:srgbClr val="777879"/>
-                </a:solidFill>
-                <a:latin typeface="AdobeClean-LightIt"/>
-                <a:cs typeface="AdobeClean-LightIt"/>
-              </a:rPr>
-              <a:t> </a:t>
-            </a:r>
-            <a:r>
-              <a:rPr sz="1100" i="1" spc="-15">
-                <a:solidFill>
-                  <a:srgbClr val="777879"/>
-                </a:solidFill>
-                <a:latin typeface="AdobeClean-LightIt"/>
-                <a:cs typeface="AdobeClean-LightIt"/>
-              </a:rPr>
-              <a:t>for</a:t>
-            </a:r>
-            <a:r>
-              <a:rPr sz="1100" i="1" spc="-85">
-                <a:solidFill>
-                  <a:srgbClr val="777879"/>
-                </a:solidFill>
-                <a:latin typeface="AdobeClean-LightIt"/>
-                <a:cs typeface="AdobeClean-LightIt"/>
-              </a:rPr>
-              <a:t> </a:t>
-            </a:r>
-            <a:r>
-              <a:rPr sz="1100" i="1" spc="-15">
-                <a:solidFill>
-                  <a:srgbClr val="777879"/>
-                </a:solidFill>
-                <a:latin typeface="AdobeClean-LightIt"/>
-                <a:cs typeface="AdobeClean-LightIt"/>
-              </a:rPr>
-              <a:t>you,</a:t>
-            </a:r>
-            <a:r>
-              <a:rPr sz="1100" i="1" spc="-65">
-                <a:solidFill>
-                  <a:srgbClr val="777879"/>
-                </a:solidFill>
-                <a:latin typeface="AdobeClean-LightIt"/>
-                <a:cs typeface="AdobeClean-LightIt"/>
-              </a:rPr>
-              <a:t> </a:t>
-            </a:r>
-            <a:r>
-              <a:rPr sz="1100" i="1" spc="-15">
-                <a:solidFill>
-                  <a:srgbClr val="777879"/>
-                </a:solidFill>
-                <a:latin typeface="AdobeClean-LightIt"/>
-                <a:cs typeface="AdobeClean-LightIt"/>
-              </a:rPr>
-              <a:t>contact</a:t>
-            </a:r>
-            <a:r>
-              <a:rPr sz="1100" i="1" spc="-85">
-                <a:solidFill>
-                  <a:srgbClr val="777879"/>
-                </a:solidFill>
-                <a:latin typeface="AdobeClean-LightIt"/>
-                <a:cs typeface="AdobeClean-LightIt"/>
-              </a:rPr>
-              <a:t> </a:t>
-            </a:r>
-            <a:r>
-              <a:rPr sz="1100" i="1" spc="-15">
-                <a:solidFill>
-                  <a:srgbClr val="777879"/>
-                </a:solidFill>
-                <a:latin typeface="AdobeClean-LightIt"/>
-                <a:cs typeface="AdobeClean-LightIt"/>
-              </a:rPr>
-              <a:t>your</a:t>
-            </a:r>
-            <a:r>
-              <a:rPr sz="1100" i="1" spc="-70">
-                <a:solidFill>
-                  <a:srgbClr val="777879"/>
-                </a:solidFill>
-                <a:latin typeface="AdobeClean-LightIt"/>
-                <a:cs typeface="AdobeClean-LightIt"/>
-              </a:rPr>
-              <a:t> </a:t>
-            </a:r>
-            <a:r>
-              <a:rPr sz="1100" i="1" spc="-15">
-                <a:solidFill>
-                  <a:srgbClr val="777879"/>
-                </a:solidFill>
-                <a:latin typeface="AdobeClean-LightIt"/>
-                <a:cs typeface="AdobeClean-LightIt"/>
-              </a:rPr>
-              <a:t>Named</a:t>
-            </a:r>
-            <a:r>
-              <a:rPr sz="1100" i="1" spc="-55">
-                <a:solidFill>
-                  <a:srgbClr val="777879"/>
-                </a:solidFill>
-                <a:latin typeface="AdobeClean-LightIt"/>
-                <a:cs typeface="AdobeClean-LightIt"/>
-              </a:rPr>
-              <a:t> </a:t>
-            </a:r>
-            <a:r>
-              <a:rPr sz="1100" i="1" spc="-25">
-                <a:solidFill>
-                  <a:srgbClr val="777879"/>
-                </a:solidFill>
-                <a:latin typeface="AdobeClean-LightIt"/>
-                <a:cs typeface="AdobeClean-LightIt"/>
-              </a:rPr>
-              <a:t>Account</a:t>
-            </a:r>
-            <a:r>
-              <a:rPr sz="1100" i="1" spc="-120">
-                <a:solidFill>
-                  <a:srgbClr val="777879"/>
-                </a:solidFill>
-                <a:latin typeface="AdobeClean-LightIt"/>
-                <a:cs typeface="AdobeClean-LightIt"/>
-              </a:rPr>
-              <a:t> </a:t>
-            </a:r>
-            <a:r>
-              <a:rPr sz="1100" i="1" spc="-20">
-                <a:solidFill>
-                  <a:srgbClr val="777879"/>
-                </a:solidFill>
-                <a:latin typeface="AdobeClean-LightIt"/>
-                <a:cs typeface="AdobeClean-LightIt"/>
-              </a:rPr>
-              <a:t>Manager  </a:t>
-            </a:r>
-            <a:r>
-              <a:rPr sz="1100" i="1" spc="-15">
-                <a:solidFill>
-                  <a:srgbClr val="777879"/>
-                </a:solidFill>
-                <a:latin typeface="AdobeClean-LightIt"/>
-                <a:cs typeface="AdobeClean-LightIt"/>
-              </a:rPr>
-              <a:t>(NAM) </a:t>
-            </a:r>
-            <a:r>
-              <a:rPr sz="1100" i="1" spc="-10">
-                <a:solidFill>
-                  <a:srgbClr val="777879"/>
-                </a:solidFill>
-                <a:latin typeface="AdobeClean-LightIt"/>
-                <a:cs typeface="AdobeClean-LightIt"/>
-              </a:rPr>
-              <a:t>or </a:t>
-            </a:r>
-            <a:r>
-              <a:rPr sz="1100" i="1" spc="-15">
-                <a:solidFill>
-                  <a:srgbClr val="777879"/>
-                </a:solidFill>
-                <a:latin typeface="AdobeClean-LightIt"/>
-                <a:cs typeface="AdobeClean-LightIt"/>
-              </a:rPr>
-              <a:t>Customer </a:t>
-            </a:r>
-            <a:r>
-              <a:rPr sz="1100" i="1" spc="-20">
-                <a:solidFill>
-                  <a:srgbClr val="777879"/>
-                </a:solidFill>
-                <a:latin typeface="AdobeClean-LightIt"/>
-                <a:cs typeface="AdobeClean-LightIt"/>
-              </a:rPr>
-              <a:t>Success</a:t>
-            </a:r>
-            <a:r>
-              <a:rPr sz="1100" i="1" spc="-180">
-                <a:solidFill>
-                  <a:srgbClr val="777879"/>
-                </a:solidFill>
-                <a:latin typeface="AdobeClean-LightIt"/>
-                <a:cs typeface="AdobeClean-LightIt"/>
-              </a:rPr>
-              <a:t> </a:t>
-            </a:r>
-            <a:r>
-              <a:rPr sz="1100" i="1" spc="-15">
-                <a:solidFill>
-                  <a:srgbClr val="777879"/>
-                </a:solidFill>
-                <a:latin typeface="AdobeClean-LightIt"/>
-                <a:cs typeface="AdobeClean-LightIt"/>
-              </a:rPr>
-              <a:t>Manager</a:t>
-            </a:r>
-            <a:r>
-              <a:rPr lang="en-US" sz="1100" i="1" spc="-15">
-                <a:solidFill>
-                  <a:srgbClr val="777879"/>
-                </a:solidFill>
-                <a:latin typeface="AdobeClean-LightIt"/>
-                <a:cs typeface="AdobeClean-LightIt"/>
-              </a:rPr>
-              <a:t> </a:t>
-            </a:r>
-            <a:r>
-              <a:rPr sz="1100" i="1" spc="-15">
-                <a:solidFill>
-                  <a:srgbClr val="777879"/>
-                </a:solidFill>
-                <a:latin typeface="AdobeClean-LightIt"/>
-                <a:cs typeface="AdobeClean-LightIt"/>
-              </a:rPr>
-              <a:t>(CSM)</a:t>
-            </a:r>
-            <a:endParaRPr sz="1100">
-              <a:latin typeface="AdobeClean-LightIt"/>
-              <a:cs typeface="AdobeClean-LightIt"/>
-            </a:endParaRPr>
+              <a:t>Weitere Informationen zum Support-Angebot von Adobe sowie zum für Ihre Bedürfnisse geeigneten Support-Level erhalten Sie bei Ihrem spezifischen Account-Manager (NAM) oder Ihrem Customer Success Manager(CSM)</a:t>
+            </a:r>
           </a:p>
           <a:p>
             <a:pPr marL="34290">
@@ -16286,59 +13572,15 @@
               </a:spcBef>
             </a:pPr>
             <a:r>
-              <a:rPr sz="800" spc="-5">
+              <a:rPr lang="de-DE" sz="800" dirty="0">
                 <a:solidFill>
                   <a:srgbClr val="6D6D6D"/>
                 </a:solidFill>
                 <a:latin typeface="Adobe Clean"/>
                 <a:cs typeface="Adobe Clean"/>
               </a:rPr>
-              <a:t>©202</a:t>
-            </a:r>
-            <a:r>
-              <a:rPr lang="en-US" sz="800" spc="-5">
-                <a:solidFill>
-                  <a:srgbClr val="6D6D6D"/>
-                </a:solidFill>
-                <a:latin typeface="Adobe Clean"/>
-                <a:cs typeface="Adobe Clean"/>
-              </a:rPr>
-              <a:t>1</a:t>
-            </a:r>
-            <a:r>
-              <a:rPr sz="800" spc="-5">
-                <a:solidFill>
-                  <a:srgbClr val="6D6D6D"/>
-                </a:solidFill>
-                <a:latin typeface="Adobe Clean"/>
-                <a:cs typeface="Adobe Clean"/>
-              </a:rPr>
-              <a:t> Adobe. All Rights Reserved. Adobe</a:t>
-            </a:r>
-            <a:r>
-              <a:rPr sz="800" spc="75">
-                <a:solidFill>
-                  <a:srgbClr val="6D6D6D"/>
-                </a:solidFill>
-                <a:latin typeface="Adobe Clean"/>
-                <a:cs typeface="Adobe Clean"/>
-              </a:rPr>
-              <a:t> </a:t>
-            </a:r>
-            <a:r>
-              <a:rPr sz="800" spc="-5">
-                <a:solidFill>
-                  <a:srgbClr val="6D6D6D"/>
-                </a:solidFill>
-                <a:latin typeface="Adobe Clean"/>
-                <a:cs typeface="Adobe Clean"/>
-              </a:rPr>
-              <a:t>Confidential.</a:t>
-            </a:r>
-            <a:endParaRPr sz="800">
-              <a:latin typeface="Adobe Clean"/>
-              <a:cs typeface="Adobe Clean"/>
-            </a:endParaRPr>
+              <a:t>©2021 Adobe. All Rights Reserved. Adobe Confidential.</a:t>
+            </a:r>
           </a:p>
         </p:txBody>
       </p:sp>
@@ -16375,19 +13617,15 @@
               </a:spcBef>
             </a:pPr>
             <a:r>
-              <a:rPr lang="en-US" sz="1400" b="1" spc="-15">
+              <a:rPr lang="de-DE" sz="1400" b="1" dirty="0">
                 <a:solidFill>
                   <a:srgbClr val="020302"/>
                 </a:solidFill>
                 <a:latin typeface="Adobe Clean"/>
                 <a:cs typeface="Adobe Clean"/>
               </a:rPr>
-              <a:t>Regional scope of Adobe Support, Local Hours Of Operation And Language Support</a:t>
-            </a:r>
-            <a:endParaRPr lang="en-US" sz="1400" spc="-15">
-              <a:ea typeface="+mn-lt"/>
-              <a:cs typeface="+mn-lt"/>
-            </a:endParaRPr>
+              <a:t>Regionales Support-Angebot von Adobe, örtliche Geschäftszeiten und unterstützte Sprachen</a:t>
+            </a:r>
           </a:p>
           <a:p>
             <a:pPr>
@@ -16396,17 +13634,31 @@
               </a:spcBef>
             </a:pPr>
             <a:r>
-              <a:rPr lang="en-US" sz="1000" spc="-15">
+              <a:rPr lang="de-DE" sz="1000" dirty="0">
                 <a:solidFill>
                   <a:srgbClr val="1F1F1F"/>
                 </a:solidFill>
                 <a:latin typeface="AdobeClean-Light"/>
               </a:rPr>
-              <a:t>The regional scope of Adobe Support is established by aligning the customer's billing address (via the Sales Order or other Adobe Support purchasing document) to one of the following regions:</a:t>
-            </a:r>
-            <a:endParaRPr lang="en-US" sz="1000">
-              <a:latin typeface="AdobeClean-Light"/>
-            </a:endParaRPr>
+              <a:t>Das regionale Support-Angebot von Adobe wird durch Abgleich der Rechnungsadresse des Kunden </a:t>
+            </a:r>
+            <a:br>
+              <a:rPr lang="sk-SK" sz="1000" dirty="0">
+                <a:solidFill>
+                  <a:srgbClr val="1F1F1F"/>
+                </a:solidFill>
+                <a:latin typeface="AdobeClean-Light"/>
+              </a:rPr>
+            </a:br>
+            <a:r>
+              <a:rPr lang="de-DE" sz="1000" dirty="0">
+                <a:solidFill>
+                  <a:srgbClr val="1F1F1F"/>
+                </a:solidFill>
+                <a:latin typeface="AdobeClean-Light"/>
+              </a:rPr>
+              <a:t>(entsprechend dem Kundenauftrag oder einer anderen Kaufbestätigung für Adobe-Support) mit einer der folgenden Regionen ermittelt:</a:t>
+            </a:r>
           </a:p>
         </p:txBody>
       </p:sp>
@@ -16478,13 +13730,13 @@
                     <a:p>
                       <a:pPr algn="ctr"/>
                       <a:r>
-                        <a:rPr lang="en-US" sz="1100">
+                        <a:rPr lang="de-DE" sz="1100">
                           <a:solidFill>
                             <a:schemeClr val="tx1"/>
                           </a:solidFill>
                           <a:latin typeface="Adobe Clean" panose="020B0503020404020204" pitchFamily="34" charset="0"/>
                         </a:rPr>
-                        <a:t>Americas</a:t>
+                        <a:t>Nord- und Südamerika</a:t>
                       </a:r>
                     </a:p>
                   </a:txBody>
@@ -16543,13 +13795,13 @@
                     <a:p>
                       <a:pPr algn="ctr"/>
                       <a:r>
-                        <a:rPr lang="en-US" sz="1100">
+                        <a:rPr lang="de-DE" sz="1100">
                           <a:solidFill>
                             <a:schemeClr val="tx1"/>
                           </a:solidFill>
                           <a:latin typeface="Adobe Clean" panose="020B0503020404020204" pitchFamily="34" charset="0"/>
                         </a:rPr>
-                        <a:t>Europe, Middle East &amp; Africa</a:t>
+                        <a:t>Europa, Naher Osten und Afrika</a:t>
                       </a:r>
                     </a:p>
                   </a:txBody>
@@ -16608,13 +13860,13 @@
                     <a:p>
                       <a:pPr algn="ctr"/>
                       <a:r>
-                        <a:rPr lang="en-US" sz="1100">
+                        <a:rPr lang="de-DE" sz="1100">
                           <a:solidFill>
                             <a:schemeClr val="tx1"/>
                           </a:solidFill>
                           <a:latin typeface="Adobe Clean" panose="020B0503020404020204" pitchFamily="34" charset="0"/>
                         </a:rPr>
-                        <a:t>Asia Pacific</a:t>
+                        <a:t>Asien-Pazifik</a:t>
                       </a:r>
                     </a:p>
                   </a:txBody>
@@ -16673,7 +13925,7 @@
                     <a:p>
                       <a:pPr algn="ctr"/>
                       <a:r>
-                        <a:rPr lang="en-US" sz="1100">
+                        <a:rPr lang="de-DE" sz="1100">
                           <a:solidFill>
                             <a:schemeClr val="tx1"/>
                           </a:solidFill>
@@ -16682,7 +13934,7 @@
                         <a:t>Japan </a:t>
                       </a:r>
                       <a:r>
-                        <a:rPr lang="en-US" sz="1100" baseline="30000">
+                        <a:rPr lang="de-DE" sz="1100" baseline="30000">
                           <a:solidFill>
                             <a:schemeClr val="tx1"/>
                           </a:solidFill>
@@ -16690,12 +13942,6 @@
                         </a:rPr>
                         <a:t>1 </a:t>
                       </a:r>
-                      <a:endParaRPr lang="en-US" sz="1100">
-                        <a:solidFill>
-                          <a:schemeClr val="tx1"/>
-                        </a:solidFill>
-                        <a:latin typeface="Adobe Clean" panose="020B0503020404020204" pitchFamily="34" charset="0"/>
-                      </a:endParaRPr>
                     </a:p>
                   </a:txBody>
                   <a:tcPr anchor="ctr">
@@ -16760,13 +14006,13 @@
                     <a:p>
                       <a:pPr algn="ctr"/>
                       <a:r>
-                        <a:rPr lang="en-US" sz="1100">
+                        <a:rPr lang="de-DE" sz="1100">
                           <a:solidFill>
                             <a:schemeClr val="tx1"/>
                           </a:solidFill>
                           <a:latin typeface="Adobe Clean" panose="020B0503020404020204" pitchFamily="34" charset="0"/>
                         </a:rPr>
-                        <a:t>6 am – 5:30 pm</a:t>
+                        <a:t>6:00–17:30 Uhr</a:t>
                       </a:r>
                     </a:p>
                   </a:txBody>
@@ -16825,13 +14071,13 @@
                     <a:p>
                       <a:pPr algn="ctr"/>
                       <a:r>
-                        <a:rPr lang="en-US" sz="1100">
+                        <a:rPr lang="de-DE" sz="1100">
                           <a:solidFill>
                             <a:schemeClr val="tx1"/>
                           </a:solidFill>
                           <a:latin typeface="Adobe Clean" panose="020B0503020404020204" pitchFamily="34" charset="0"/>
                         </a:rPr>
-                        <a:t>9 am – 5 pm</a:t>
+                        <a:t>9:00–17:00 Uhr</a:t>
                       </a:r>
                     </a:p>
                   </a:txBody>
@@ -16890,13 +14136,13 @@
                     <a:p>
                       <a:pPr algn="ctr"/>
                       <a:r>
-                        <a:rPr lang="en-US" sz="1100">
+                        <a:rPr lang="de-DE" sz="1100">
                           <a:solidFill>
                             <a:schemeClr val="tx1"/>
                           </a:solidFill>
                           <a:latin typeface="Adobe Clean" panose="020B0503020404020204" pitchFamily="34" charset="0"/>
                         </a:rPr>
-                        <a:t>9 am – 5 pm</a:t>
+                        <a:t>9:00–17:00 Uhr</a:t>
                       </a:r>
                     </a:p>
                   </a:txBody>
@@ -16955,13 +14201,13 @@
                     <a:p>
                       <a:pPr algn="ctr"/>
                       <a:r>
-                        <a:rPr lang="en-US" sz="1100">
+                        <a:rPr lang="de-DE" sz="1100">
                           <a:solidFill>
                             <a:schemeClr val="tx1"/>
                           </a:solidFill>
                           <a:latin typeface="Adobe Clean" panose="020B0503020404020204" pitchFamily="34" charset="0"/>
                         </a:rPr>
-                        <a:t>9 am – 5:30 pm</a:t>
+                        <a:t>9:00–17:30 Uhr</a:t>
                       </a:r>
                     </a:p>
                   </a:txBody>
@@ -17041,23 +14287,17 @@
                         <a:buNone/>
                       </a:pPr>
                       <a:r>
-                        <a:rPr lang="en-US" sz="1100">
+                        <a:rPr lang="de-DE" sz="1100">
                           <a:solidFill>
                             <a:schemeClr val="tx1"/>
                           </a:solidFill>
                           <a:latin typeface="Adobe Clean"/>
                         </a:rPr>
-                        <a:t>Language support is only available in English and Japanese. </a:t>
+                        <a:t>Sprachunterstützung ist nur auf Englisch und Japanisch verfügbar. </a:t>
                       </a:r>
-                      <a:endParaRPr lang="en-US" sz="1100">
-                        <a:solidFill>
-                          <a:schemeClr val="tx1"/>
-                        </a:solidFill>
-                        <a:latin typeface="Adobe Clean" panose="020B0503020404020204" pitchFamily="34" charset="0"/>
-                      </a:endParaRPr>
                     </a:p>
                     <a:p>
-                      <a:pPr marL="0" marR="0" lvl="0" indent="0" algn="ctr" defTabSz="914400" eaLnBrk="1" fontAlgn="auto" latinLnBrk="0" hangingPunct="1">
+                      <a:pPr marL="0" marR="0" lvl="0" indent="0" algn="l" defTabSz="914400" rtl="0" eaLnBrk="1" fontAlgn="auto" latinLnBrk="0" hangingPunct="1">
                         <a:lnSpc>
                           <a:spcPct val="100000"/>
                         </a:lnSpc>
@@ -17074,7 +14314,7 @@
                         <a:tabLst/>
                         <a:defRPr/>
                       </a:pPr>
-                      <a:endParaRPr kumimoji="0" lang="en-US" sz="1100" b="1" i="0" u="none" strike="noStrike" kern="0" cap="none" spc="0" normalizeH="0" baseline="30000" noProof="0">
+                      <a:endParaRPr kumimoji="0" lang="en-US" sz="1100" b="1" i="0" u="none" strike="noStrike" kern="0" cap="none" spc="0" normalizeH="0" baseline="30000" noProof="0" dirty="0">
                         <a:ln>
                           <a:noFill/>
                         </a:ln>
@@ -17092,7 +14332,7 @@
                     <a:p>
                       <a:pPr algn="ctr"/>
                       <a:r>
-                        <a:rPr lang="en-US" sz="1100" i="0">
+                        <a:rPr lang="de-DE" sz="1100" i="0">
                           <a:solidFill>
                             <a:schemeClr val="tx1"/>
                           </a:solidFill>
@@ -17101,29 +14341,23 @@
                         <a:t> </a:t>
                       </a:r>
                       <a:r>
-                        <a:rPr lang="en-US" sz="1100" i="0" baseline="30000">
+                        <a:rPr lang="de-DE" sz="1100" i="0" baseline="30000">
                           <a:solidFill>
                             <a:schemeClr val="tx1"/>
                           </a:solidFill>
                           <a:latin typeface="Adobe Clean"/>
                         </a:rPr>
-                        <a:t>1 </a:t>
+                        <a:t>1</a:t>
                       </a:r>
                       <a:r>
-                        <a:rPr lang="en-US" sz="1100" i="0">
+                        <a:rPr lang="de-DE" sz="1100" i="0">
                           <a:solidFill>
                             <a:schemeClr val="tx1"/>
                           </a:solidFill>
                           <a:latin typeface="Adobe Clean"/>
                         </a:rPr>
-                        <a:t>P2, P3, P4 cases are limited to business hours only in Japan.</a:t>
+                        <a:t>Fälle der Kategorien P2, P3 und P4 sind in Japan auf Geschäftszeiten beschränkt.</a:t>
                       </a:r>
-                      <a:endParaRPr lang="en-US" sz="1100" b="1" i="0">
-                        <a:solidFill>
-                          <a:schemeClr val="tx1"/>
-                        </a:solidFill>
-                        <a:latin typeface="Adobe Clean"/>
-                      </a:endParaRPr>
                     </a:p>
                   </a:txBody>
                   <a:tcPr anchor="ctr">
@@ -17179,7 +14413,7 @@
                     <a:bodyPr/>
                     <a:lstStyle/>
                     <a:p>
-                      <a:endParaRPr lang="en-US" sz="1100">
+                      <a:endParaRPr lang="en-US" sz="1100" dirty="0">
                         <a:solidFill>
                           <a:schemeClr val="tx1"/>
                         </a:solidFill>
@@ -17240,7 +14474,7 @@
                     <a:bodyPr/>
                     <a:lstStyle/>
                     <a:p>
-                      <a:endParaRPr lang="en-US" sz="1100">
+                      <a:endParaRPr lang="en-US" sz="1100" dirty="0">
                         <a:solidFill>
                           <a:schemeClr val="tx1"/>
                         </a:solidFill>
@@ -17301,7 +14535,7 @@
                     <a:bodyPr/>
                     <a:lstStyle/>
                     <a:p>
-                      <a:endParaRPr lang="en-US" sz="1100">
+                      <a:endParaRPr lang="en-US" sz="1100" dirty="0">
                         <a:solidFill>
                           <a:schemeClr val="tx1"/>
                         </a:solidFill>
@@ -17487,129 +14721,15 @@
               </a:spcBef>
             </a:pPr>
             <a:r>
-              <a:rPr sz="1200" b="1" spc="-15">
+              <a:rPr lang="de-DE" sz="1200" b="1">
                 <a:solidFill>
                   <a:srgbClr val="FFFFFF"/>
                 </a:solidFill>
                 <a:latin typeface="Adobe Clean"/>
                 <a:cs typeface="Adobe Clean"/>
               </a:rPr>
-              <a:t>U</a:t>
-            </a:r>
-            <a:r>
-              <a:rPr sz="1200" b="1" spc="-20">
-                <a:solidFill>
-                  <a:srgbClr val="FFFFFF"/>
-                </a:solidFill>
-                <a:latin typeface="Adobe Clean"/>
-                <a:cs typeface="Adobe Clean"/>
-              </a:rPr>
-              <a:t>n</a:t>
-            </a:r>
-            <a:r>
-              <a:rPr sz="1200" b="1" spc="-25">
-                <a:solidFill>
-                  <a:srgbClr val="FFFFFF"/>
-                </a:solidFill>
-                <a:latin typeface="Adobe Clean"/>
-                <a:cs typeface="Adobe Clean"/>
-              </a:rPr>
-              <a:t>p</a:t>
-            </a:r>
-            <a:r>
-              <a:rPr sz="1200" b="1" spc="-15">
-                <a:solidFill>
-                  <a:srgbClr val="FFFFFF"/>
-                </a:solidFill>
-                <a:latin typeface="Adobe Clean"/>
-                <a:cs typeface="Adobe Clean"/>
-              </a:rPr>
-              <a:t>a</a:t>
-            </a:r>
-            <a:r>
-              <a:rPr sz="1200" b="1" spc="-25">
-                <a:solidFill>
-                  <a:srgbClr val="FFFFFF"/>
-                </a:solidFill>
-                <a:latin typeface="Adobe Clean"/>
-                <a:cs typeface="Adobe Clean"/>
-              </a:rPr>
-              <a:t>r</a:t>
-            </a:r>
-            <a:r>
-              <a:rPr sz="1200" b="1" spc="-15">
-                <a:solidFill>
-                  <a:srgbClr val="FFFFFF"/>
-                </a:solidFill>
-                <a:latin typeface="Adobe Clean"/>
-                <a:cs typeface="Adobe Clean"/>
-              </a:rPr>
-              <a:t>a</a:t>
-            </a:r>
-            <a:r>
-              <a:rPr sz="1200" b="1" spc="-30">
-                <a:solidFill>
-                  <a:srgbClr val="FFFFFF"/>
-                </a:solidFill>
-                <a:latin typeface="Adobe Clean"/>
-                <a:cs typeface="Adobe Clean"/>
-              </a:rPr>
-              <a:t>ll</a:t>
-            </a:r>
-            <a:r>
-              <a:rPr sz="1200" b="1" spc="-25">
-                <a:solidFill>
-                  <a:srgbClr val="FFFFFF"/>
-                </a:solidFill>
-                <a:latin typeface="Adobe Clean"/>
-                <a:cs typeface="Adobe Clean"/>
-              </a:rPr>
-              <a:t>e</a:t>
-            </a:r>
-            <a:r>
-              <a:rPr sz="1200" b="1" spc="-30">
-                <a:solidFill>
-                  <a:srgbClr val="FFFFFF"/>
-                </a:solidFill>
-                <a:latin typeface="Adobe Clean"/>
-                <a:cs typeface="Adobe Clean"/>
-              </a:rPr>
-              <a:t>l</a:t>
-            </a:r>
-            <a:r>
-              <a:rPr sz="1200" b="1" spc="-25">
-                <a:solidFill>
-                  <a:srgbClr val="FFFFFF"/>
-                </a:solidFill>
-                <a:latin typeface="Adobe Clean"/>
-                <a:cs typeface="Adobe Clean"/>
-              </a:rPr>
-              <a:t>e</a:t>
-            </a:r>
-            <a:r>
-              <a:rPr sz="1200" b="1">
-                <a:solidFill>
-                  <a:srgbClr val="FFFFFF"/>
-                </a:solidFill>
-                <a:latin typeface="Adobe Clean"/>
-                <a:cs typeface="Adobe Clean"/>
-              </a:rPr>
-              <a:t>d  </a:t>
-            </a:r>
-            <a:r>
-              <a:rPr sz="1200" b="1" spc="-25">
-                <a:solidFill>
-                  <a:srgbClr val="FFFFFF"/>
-                </a:solidFill>
-                <a:latin typeface="Adobe Clean"/>
-                <a:cs typeface="Adobe Clean"/>
-              </a:rPr>
-              <a:t>Expertise</a:t>
-            </a:r>
-            <a:endParaRPr sz="1200">
-              <a:latin typeface="Adobe Clean"/>
-              <a:cs typeface="Adobe Clean"/>
-            </a:endParaRPr>
+              <a:t>Unübertroffenes Know-how</a:t>
+            </a:r>
           </a:p>
         </p:txBody>
       </p:sp>
@@ -17649,19 +14769,15 @@
               </a:spcBef>
             </a:pPr>
             <a:r>
-              <a:rPr lang="en-US" sz="1200" b="1" spc="-15">
+              <a:rPr lang="de-DE" sz="1200" b="1">
                 <a:solidFill>
                   <a:srgbClr val="FFFFFF"/>
                 </a:solidFill>
                 <a:latin typeface="Adobe Clean"/>
                 <a:cs typeface="Adobe Clean"/>
               </a:rPr>
-              <a:t>Accelerated Support</a:t>
-            </a:r>
-            <a:endParaRPr sz="1200">
-              <a:latin typeface="Adobe Clean"/>
-              <a:cs typeface="Adobe Clean"/>
-            </a:endParaRPr>
+              <a:t>Schneller Support</a:t>
+            </a:r>
           </a:p>
         </p:txBody>
       </p:sp>
@@ -17679,8 +14795,8 @@
         </p:nvSpPr>
         <p:spPr>
           <a:xfrm>
-            <a:off x="6624119" y="8543943"/>
-            <a:ext cx="510540" cy="385445"/>
+            <a:off x="6624118" y="8543943"/>
+            <a:ext cx="767281" cy="385445"/>
           </a:xfrm>
           <a:prstGeom prst="rect">
             <a:avLst/>
@@ -17701,109 +14817,15 @@
               </a:spcBef>
             </a:pPr>
             <a:r>
-              <a:rPr sz="1200" b="1" spc="-50">
+              <a:rPr lang="de-DE" sz="1200" b="1" dirty="0">
                 <a:solidFill>
                   <a:srgbClr val="FFFFFF"/>
                 </a:solidFill>
                 <a:latin typeface="Adobe Clean"/>
                 <a:cs typeface="Adobe Clean"/>
               </a:rPr>
-              <a:t>S</a:t>
-            </a:r>
-            <a:r>
-              <a:rPr sz="1200" b="1" spc="-20">
-                <a:solidFill>
-                  <a:srgbClr val="FFFFFF"/>
-                </a:solidFill>
-                <a:latin typeface="Adobe Clean"/>
-                <a:cs typeface="Adobe Clean"/>
-              </a:rPr>
-              <a:t>t</a:t>
-            </a:r>
-            <a:r>
-              <a:rPr sz="1200" b="1" spc="-75">
-                <a:solidFill>
-                  <a:srgbClr val="FFFFFF"/>
-                </a:solidFill>
-                <a:latin typeface="Adobe Clean"/>
-                <a:cs typeface="Adobe Clean"/>
-              </a:rPr>
-              <a:t>r</a:t>
-            </a:r>
-            <a:r>
-              <a:rPr sz="1200" b="1" spc="-90">
-                <a:solidFill>
-                  <a:srgbClr val="FFFFFF"/>
-                </a:solidFill>
-                <a:latin typeface="Adobe Clean"/>
-                <a:cs typeface="Adobe Clean"/>
-              </a:rPr>
-              <a:t>a</a:t>
-            </a:r>
-            <a:r>
-              <a:rPr sz="1200" b="1" spc="-55">
-                <a:solidFill>
-                  <a:srgbClr val="FFFFFF"/>
-                </a:solidFill>
-                <a:latin typeface="Adobe Clean"/>
-                <a:cs typeface="Adobe Clean"/>
-              </a:rPr>
-              <a:t>t</a:t>
-            </a:r>
-            <a:r>
-              <a:rPr sz="1200" b="1" spc="-100">
-                <a:solidFill>
-                  <a:srgbClr val="FFFFFF"/>
-                </a:solidFill>
-                <a:latin typeface="Adobe Clean"/>
-                <a:cs typeface="Adobe Clean"/>
-              </a:rPr>
-              <a:t>e</a:t>
-            </a:r>
-            <a:r>
-              <a:rPr sz="1200" b="1" spc="-80">
-                <a:solidFill>
-                  <a:srgbClr val="FFFFFF"/>
-                </a:solidFill>
-                <a:latin typeface="Adobe Clean"/>
-                <a:cs typeface="Adobe Clean"/>
-              </a:rPr>
-              <a:t>g</a:t>
-            </a:r>
-            <a:r>
-              <a:rPr sz="1200" b="1" spc="-35">
-                <a:solidFill>
-                  <a:srgbClr val="FFFFFF"/>
-                </a:solidFill>
-                <a:latin typeface="Adobe Clean"/>
-                <a:cs typeface="Adobe Clean"/>
-              </a:rPr>
-              <a:t>i</a:t>
-            </a:r>
-            <a:r>
-              <a:rPr sz="1200" b="1">
-                <a:solidFill>
-                  <a:srgbClr val="FFFFFF"/>
-                </a:solidFill>
-                <a:latin typeface="Adobe Clean"/>
-                <a:cs typeface="Adobe Clean"/>
-              </a:rPr>
-              <a:t>c  </a:t>
-            </a:r>
-            <a:r>
-              <a:rPr sz="1200" b="1" spc="-45">
-                <a:solidFill>
-                  <a:srgbClr val="FFFFFF"/>
-                </a:solidFill>
-                <a:latin typeface="Adobe Clean"/>
-                <a:cs typeface="Adobe Clean"/>
-              </a:rPr>
-              <a:t>Advice</a:t>
-            </a:r>
-            <a:endParaRPr sz="1200">
-              <a:latin typeface="Adobe Clean"/>
-              <a:cs typeface="Adobe Clean"/>
-            </a:endParaRPr>
+              <a:t>Strategische Beratung</a:t>
+            </a:r>
           </a:p>
         </p:txBody>
       </p:sp>
@@ -17822,14 +14844,14 @@
           <p:nvPr>
             <p:extLst>
               <p:ext uri="{D42A27DB-BD31-4B8C-83A1-F6EECF244321}">
-                <p14:modId xmlns:p14="http://schemas.microsoft.com/office/powerpoint/2010/main" val="1493671087"/>
+                <p14:modId xmlns:p14="http://schemas.microsoft.com/office/powerpoint/2010/main" val="3733690768"/>
               </p:ext>
             </p:extLst>
           </p:nvPr>
         </p:nvGraphicFramePr>
         <p:xfrm>
           <a:off x="194236" y="1059345"/>
-          <a:ext cx="7368291" cy="2931160"/>
+          <a:ext cx="7368291" cy="3413760"/>
         </p:xfrm>
         <a:graphic>
           <a:graphicData uri="http://schemas.openxmlformats.org/drawingml/2006/table">
@@ -17860,7 +14882,7 @@
                     <a:lstStyle/>
                     <a:p>
                       <a:r>
-                        <a:rPr lang="en-US" sz="1100" b="0">
+                        <a:rPr lang="de-DE" sz="1100" b="0">
                           <a:solidFill>
                             <a:schemeClr val="tx1"/>
                           </a:solidFill>
@@ -17871,14 +14893,6 @@
                         </a:rPr>
                         <a:t>Experience League</a:t>
                       </a:r>
-                      <a:endParaRPr lang="en-US" sz="1100" b="0">
-                        <a:solidFill>
-                          <a:schemeClr val="tx1"/>
-                        </a:solidFill>
-                        <a:latin typeface="Adobe Clean" panose="020B0503020404020204" pitchFamily="34" charset="0"/>
-                        <a:ea typeface="+mn-ea"/>
-                        <a:cs typeface="+mn-cs"/>
-                      </a:endParaRPr>
                     </a:p>
                   </a:txBody>
                   <a:tcPr marL="47625" marR="47625" marT="0" marB="0" anchor="ctr">
@@ -17952,7 +14966,7 @@
                         <a:defRPr/>
                       </a:pPr>
                       <a:r>
-                        <a:rPr lang="en-US" sz="1000" b="0" kern="1200">
+                        <a:rPr lang="de-DE" sz="1000" b="0" dirty="0">
                           <a:solidFill>
                             <a:srgbClr val="000000"/>
                           </a:solidFill>
@@ -17960,7 +14974,28 @@
                           <a:ea typeface="+mn-ea"/>
                           <a:cs typeface="+mn-cs"/>
                         </a:rPr>
-                        <a:t>Experience League is how Adobe helps businesses achieve the value they expect from their Adobe investment. It’s the unified place where customers can learn, connect, and grow along a personalized path to success that includes self-help tutorials, product documentation, instructor-led training, community and technical support. </a:t>
+                        <a:t>Mit der Experience League unterstützt Adobe Unternehmen dabei, </a:t>
+                      </a:r>
+                      <a:br>
+                        <a:rPr lang="sk-SK" sz="1000" b="0" dirty="0">
+                          <a:solidFill>
+                            <a:srgbClr val="000000"/>
+                          </a:solidFill>
+                          <a:latin typeface="Adobe Clean Light" panose="020B0303020404020204" pitchFamily="34" charset="0"/>
+                          <a:ea typeface="+mn-ea"/>
+                          <a:cs typeface="+mn-cs"/>
+                        </a:rPr>
+                      </a:br>
+                      <a:r>
+                        <a:rPr lang="de-DE" sz="1000" b="0" dirty="0">
+                          <a:solidFill>
+                            <a:srgbClr val="000000"/>
+                          </a:solidFill>
+                          <a:latin typeface="Adobe Clean Light" panose="020B0303020404020204" pitchFamily="34" charset="0"/>
+                          <a:ea typeface="+mn-ea"/>
+                          <a:cs typeface="+mn-cs"/>
+                        </a:rPr>
+                        <a:t>mit ihren Investitionen in Adobe optimale Ergebnisse zu erzielen. An diesem zentralen Ort können Kunden auf einem personalisierten Weg zum Erfolg lernen, Kontakte knüpfen und sich weiterentwickeln. Dafür nutzen sie Selbsthilfe-Tutorials, Produktdokumentation, von Kursleitern geführte Schulungen, Community und technischen Support. </a:t>
                       </a:r>
                     </a:p>
                   </a:txBody>
@@ -18042,11 +15077,10 @@
                         <a:defRPr/>
                       </a:pPr>
                       <a:r>
-                        <a:rPr lang="en-US" sz="1100">
+                        <a:rPr lang="de-DE" sz="1100">
                           <a:solidFill>
                             <a:schemeClr val="dk1"/>
                           </a:solidFill>
-                          <a:effectLst/>
                           <a:latin typeface="Adobe Clean" panose="020B0503020404020204" pitchFamily="34" charset="0"/>
                           <a:ea typeface="+mn-ea"/>
                           <a:cs typeface="+mn-cs"/>
@@ -18055,26 +15089,16 @@
                         <a:t>Training</a:t>
                       </a:r>
                       <a:r>
-                        <a:rPr lang="en-US" sz="1100">
+                        <a:rPr lang="de-DE" sz="1100">
                           <a:solidFill>
                             <a:schemeClr val="dk1"/>
                           </a:solidFill>
-                          <a:effectLst/>
                           <a:latin typeface="Adobe Clean" panose="020B0503020404020204" pitchFamily="34" charset="0"/>
                           <a:ea typeface="+mn-ea"/>
                           <a:cs typeface="+mn-cs"/>
                         </a:rPr>
                         <a:t> </a:t>
                       </a:r>
-                      <a:endParaRPr lang="en-US" sz="1100">
-                        <a:solidFill>
-                          <a:schemeClr val="tx1"/>
-                        </a:solidFill>
-                        <a:effectLst/>
-                        <a:latin typeface="Adobe Clean" panose="020B0503020404020204" pitchFamily="34" charset="0"/>
-                        <a:ea typeface="+mn-ea"/>
-                        <a:cs typeface="+mn-cs"/>
-                      </a:endParaRPr>
                     </a:p>
                   </a:txBody>
                   <a:tcPr anchor="ctr">
@@ -18148,7 +15172,7 @@
                         <a:defRPr/>
                       </a:pPr>
                       <a:r>
-                        <a:rPr lang="en-US" sz="1000" kern="1200">
+                        <a:rPr lang="de-DE" sz="1000">
                           <a:solidFill>
                             <a:srgbClr val="000000"/>
                           </a:solidFill>
@@ -18156,7 +15180,7 @@
                           <a:ea typeface="+mn-ea"/>
                           <a:cs typeface="+mn-cs"/>
                         </a:rPr>
-                        <a:t>Adobe Digital Learning Services courses are accessible from Experience League. Learning courses integrate both on-demand and instructor-led lessons.  Here you can accrue skills that have recognized market value and position them to drive success in your organizations.</a:t>
+                        <a:t>Adobe Digital Learning Services-Kurse sind über die Experience League verfügbar. Das Angebot umfasst sowohl On-Demand- als auch von Kursleiter geführte Schulungen.  Hier können Sie Kompetenzen erwerben, die auf dem Markt anerkannt sind und den Erfolg im Unternehmen vorantreiben.</a:t>
                       </a:r>
                     </a:p>
                   </a:txBody>
@@ -18238,27 +15262,17 @@
                         <a:defRPr/>
                       </a:pPr>
                       <a:r>
-                        <a:rPr lang="en-US" sz="1100">
+                        <a:rPr lang="de-DE" sz="1100">
                           <a:solidFill>
                             <a:schemeClr val="tx1"/>
                           </a:solidFill>
-                          <a:effectLst/>
                           <a:latin typeface="Adobe Clean" panose="020B0503020404020204" pitchFamily="34" charset="0"/>
                           <a:ea typeface="+mn-ea"/>
                           <a:cs typeface="+mn-cs"/>
                           <a:hlinkClick r:id="rId9"/>
                         </a:rPr>
-                        <a:t>Production Issues &amp; System Outages</a:t>
+                        <a:t>Produktionsprobleme und Systemausfälle</a:t>
                       </a:r>
-                      <a:endParaRPr lang="en-US" sz="1100">
-                        <a:solidFill>
-                          <a:schemeClr val="tx1"/>
-                        </a:solidFill>
-                        <a:effectLst/>
-                        <a:latin typeface="Adobe Clean" panose="020B0503020404020204" pitchFamily="34" charset="0"/>
-                        <a:ea typeface="+mn-ea"/>
-                        <a:cs typeface="+mn-cs"/>
-                      </a:endParaRPr>
                     </a:p>
                   </a:txBody>
                   <a:tcPr anchor="ctr">
@@ -18332,7 +15346,7 @@
                         <a:defRPr/>
                       </a:pPr>
                       <a:r>
-                        <a:rPr lang="en-US" sz="1000" kern="1200">
+                        <a:rPr lang="de-DE" sz="1000" dirty="0">
                           <a:solidFill>
                             <a:srgbClr val="000000"/>
                           </a:solidFill>
@@ -18340,7 +15354,49 @@
                           <a:ea typeface="+mn-ea"/>
                           <a:cs typeface="+mn-cs"/>
                         </a:rPr>
-                        <a:t>Status.adobe.com conveys the health information of all Adobe products and services that are deployed in multi-tenant environments. Customers can choose their subscription preferences to get email notifications whenever Adobe creates, updates or resolves a product event. This can include scheduled maintenance or service issues of varying levels of severity. </a:t>
+                        <a:t>Status.adobe.com übermittelt die Statusinformationen sämtlicher Adobe-Produkte und -Services, die in Umgebungen mit mehreren Mandanten implementiert sind. Kunden können Voreinstellungen </a:t>
+                      </a:r>
+                      <a:br>
+                        <a:rPr lang="sk-SK" sz="1000" dirty="0">
+                          <a:solidFill>
+                            <a:srgbClr val="000000"/>
+                          </a:solidFill>
+                          <a:latin typeface="Adobe Clean Light" panose="020B0303020404020204" pitchFamily="34" charset="0"/>
+                          <a:ea typeface="+mn-ea"/>
+                          <a:cs typeface="+mn-cs"/>
+                        </a:rPr>
+                      </a:br>
+                      <a:r>
+                        <a:rPr lang="de-DE" sz="1000" dirty="0">
+                          <a:solidFill>
+                            <a:srgbClr val="000000"/>
+                          </a:solidFill>
+                          <a:latin typeface="Adobe Clean Light" panose="020B0303020404020204" pitchFamily="34" charset="0"/>
+                          <a:ea typeface="+mn-ea"/>
+                          <a:cs typeface="+mn-cs"/>
+                        </a:rPr>
+                        <a:t>für ihr Abonnement auswählen und E-Mail-Benachrichtigungen erhalten, wenn Adobe ein Produktereignis erstellt, aktualisiert oder löst. </a:t>
+                      </a:r>
+                      <a:br>
+                        <a:rPr lang="sk-SK" sz="1000" dirty="0">
+                          <a:solidFill>
+                            <a:srgbClr val="000000"/>
+                          </a:solidFill>
+                          <a:latin typeface="Adobe Clean Light" panose="020B0303020404020204" pitchFamily="34" charset="0"/>
+                          <a:ea typeface="+mn-ea"/>
+                          <a:cs typeface="+mn-cs"/>
+                        </a:rPr>
+                      </a:br>
+                      <a:r>
+                        <a:rPr lang="de-DE" sz="1000" dirty="0">
+                          <a:solidFill>
+                            <a:srgbClr val="000000"/>
+                          </a:solidFill>
+                          <a:latin typeface="Adobe Clean Light" panose="020B0303020404020204" pitchFamily="34" charset="0"/>
+                          <a:ea typeface="+mn-ea"/>
+                          <a:cs typeface="+mn-cs"/>
+                        </a:rPr>
+                        <a:t>Dies kann geplante Wartungen oder Service-Probleme unterschiedlichen Schweregrads umfassen. </a:t>
                       </a:r>
                     </a:p>
                   </a:txBody>
@@ -18422,27 +15478,17 @@
                         <a:defRPr/>
                       </a:pPr>
                       <a:r>
-                        <a:rPr lang="en-US" sz="1100">
+                        <a:rPr lang="de-DE" sz="1100">
                           <a:solidFill>
                             <a:schemeClr val="tx1"/>
                           </a:solidFill>
-                          <a:effectLst/>
                           <a:latin typeface="Adobe Clean" panose="020B0503020404020204" pitchFamily="34" charset="0"/>
                           <a:ea typeface="+mn-ea"/>
                           <a:cs typeface="+mn-cs"/>
                           <a:hlinkClick r:id="rId10"/>
                         </a:rPr>
-                        <a:t>Terms and Conditions</a:t>
+                        <a:t>Geschäftsbedingungen</a:t>
                       </a:r>
-                      <a:endParaRPr lang="en-US" sz="1100">
-                        <a:solidFill>
-                          <a:schemeClr val="tx1"/>
-                        </a:solidFill>
-                        <a:effectLst/>
-                        <a:latin typeface="Adobe Clean" panose="020B0503020404020204" pitchFamily="34" charset="0"/>
-                        <a:ea typeface="+mn-ea"/>
-                        <a:cs typeface="+mn-cs"/>
-                      </a:endParaRPr>
                     </a:p>
                   </a:txBody>
                   <a:tcPr anchor="ctr">
@@ -18499,7 +15545,7 @@
                     <a:lstStyle/>
                     <a:p>
                       <a:r>
-                        <a:rPr lang="en-US" sz="1000" kern="1200">
+                        <a:rPr lang="de-DE" sz="1000" dirty="0">
                           <a:solidFill>
                             <a:srgbClr val="000000"/>
                           </a:solidFill>
@@ -18507,7 +15553,28 @@
                           <a:ea typeface="+mn-ea"/>
                           <a:cs typeface="+mn-cs"/>
                         </a:rPr>
-                        <a:t>Terms and conditions detailing Support Services offerings</a:t>
+                        <a:t>Allgemeine Geschäftsbedingungen mit detaillierten Informationen </a:t>
+                      </a:r>
+                      <a:br>
+                        <a:rPr lang="sk-SK" sz="1000" dirty="0">
+                          <a:solidFill>
+                            <a:srgbClr val="000000"/>
+                          </a:solidFill>
+                          <a:latin typeface="Adobe Clean Light" panose="020B0303020404020204" pitchFamily="34" charset="0"/>
+                          <a:ea typeface="+mn-ea"/>
+                          <a:cs typeface="+mn-cs"/>
+                        </a:rPr>
+                      </a:br>
+                      <a:r>
+                        <a:rPr lang="de-DE" sz="1000" dirty="0">
+                          <a:solidFill>
+                            <a:srgbClr val="000000"/>
+                          </a:solidFill>
+                          <a:latin typeface="Adobe Clean Light" panose="020B0303020404020204" pitchFamily="34" charset="0"/>
+                          <a:ea typeface="+mn-ea"/>
+                          <a:cs typeface="+mn-cs"/>
+                        </a:rPr>
+                        <a:t>zu den angebotenen Support-Services</a:t>
                       </a:r>
                     </a:p>
                   </a:txBody>
@@ -19284,6 +16351,15 @@
 </file>
 
 <file path=customXml/item2.xml><?xml version="1.0" encoding="utf-8"?>
+<?mso-contentType ?>
+<FormTemplates xmlns="http://schemas.microsoft.com/sharepoint/v3/contenttype/forms">
+  <Display>DocumentLibraryForm</Display>
+  <Edit>DocumentLibraryForm</Edit>
+  <New>DocumentLibraryForm</New>
+</FormTemplates>
+</file>
+
+<file path=customXml/item3.xml><?xml version="1.0" encoding="utf-8"?>
 <ct:contentTypeSchema xmlns:ct="http://schemas.microsoft.com/office/2006/metadata/contentType" xmlns:ma="http://schemas.microsoft.com/office/2006/metadata/properties/metaAttributes" ct:_="" ma:_="" ma:contentTypeName="Document" ma:contentTypeID="0x010100E783BF6876BCC646A459363AF21A7736" ma:contentTypeVersion="10" ma:contentTypeDescription="Create a new document." ma:contentTypeScope="" ma:versionID="c4ffda7f4f415767600769e454c2ea87">
   <xsd:schema xmlns:xsd="http://www.w3.org/2001/XMLSchema" xmlns:xs="http://www.w3.org/2001/XMLSchema" xmlns:p="http://schemas.microsoft.com/office/2006/metadata/properties" xmlns:ns2="8a053bff-88be-49e4-9a87-e748e18b8b62" xmlns:ns3="6c8368ec-3776-49b5-a5bb-90648cf9530f" targetNamespace="http://schemas.microsoft.com/office/2006/metadata/properties" ma:root="true" ma:fieldsID="df3ec33bccc23e23bce7bc897fad43d1" ns2:_="" ns3:_="">
     <xsd:import namespace="8a053bff-88be-49e4-9a87-e748e18b8b62"/>
@@ -19488,15 +16564,6 @@
 </ct:contentTypeSchema>
 </file>
 
-<file path=customXml/item3.xml><?xml version="1.0" encoding="utf-8"?>
-<?mso-contentType ?>
-<FormTemplates xmlns="http://schemas.microsoft.com/sharepoint/v3/contenttype/forms">
-  <Display>DocumentLibraryForm</Display>
-  <Edit>DocumentLibraryForm</Edit>
-  <New>DocumentLibraryForm</New>
-</FormTemplates>
-</file>
-
 <file path=customXml/itemProps1.xml><?xml version="1.0" encoding="utf-8"?>
 <ds:datastoreItem xmlns:ds="http://schemas.openxmlformats.org/officeDocument/2006/customXml" ds:itemID="{CED41536-010B-47B1-9229-B72BE4090090}">
   <ds:schemaRefs>
@@ -19507,28 +16574,28 @@
 </file>
 
 <file path=customXml/itemProps2.xml><?xml version="1.0" encoding="utf-8"?>
-<ds:datastoreItem xmlns:ds="http://schemas.openxmlformats.org/officeDocument/2006/customXml" ds:itemID="{75C1A8FD-3884-41A0-BE37-D15776C885D1}">
+<ds:datastoreItem xmlns:ds="http://schemas.openxmlformats.org/officeDocument/2006/customXml" ds:itemID="{669D9D3B-3229-44EE-9964-24A06AE66887}">
   <ds:schemaRefs>
-    <ds:schemaRef ds:uri="6c8368ec-3776-49b5-a5bb-90648cf9530f"/>
-    <ds:schemaRef ds:uri="8a053bff-88be-49e4-9a87-e748e18b8b62"/>
-    <ds:schemaRef ds:uri="http://purl.org/dc/elements/1.1/"/>
-    <ds:schemaRef ds:uri="http://purl.org/dc/terms/"/>
-    <ds:schemaRef ds:uri="http://schemas.microsoft.com/internal/obd"/>
-    <ds:schemaRef ds:uri="http://schemas.microsoft.com/office/2006/documentManagement/types"/>
-    <ds:schemaRef ds:uri="http://schemas.microsoft.com/office/2006/metadata/contentType"/>
-    <ds:schemaRef ds:uri="http://schemas.microsoft.com/office/2006/metadata/properties"/>
-    <ds:schemaRef ds:uri="http://schemas.microsoft.com/office/2006/metadata/properties/metaAttributes"/>
-    <ds:schemaRef ds:uri="http://schemas.microsoft.com/office/infopath/2007/PartnerControls"/>
-    <ds:schemaRef ds:uri="http://schemas.openxmlformats.org/package/2006/metadata/core-properties"/>
-    <ds:schemaRef ds:uri="http://www.w3.org/2001/XMLSchema"/>
+    <ds:schemaRef ds:uri="http://schemas.microsoft.com/sharepoint/v3/contenttype/forms"/>
   </ds:schemaRefs>
 </ds:datastoreItem>
 </file>
 
 <file path=customXml/itemProps3.xml><?xml version="1.0" encoding="utf-8"?>
-<ds:datastoreItem xmlns:ds="http://schemas.openxmlformats.org/officeDocument/2006/customXml" ds:itemID="{669D9D3B-3229-44EE-9964-24A06AE66887}">
+<ds:datastoreItem xmlns:ds="http://schemas.openxmlformats.org/officeDocument/2006/customXml" ds:itemID="{75C1A8FD-3884-41A0-BE37-D15776C885D1}">
   <ds:schemaRefs>
-    <ds:schemaRef ds:uri="http://schemas.microsoft.com/sharepoint/v3/contenttype/forms"/>
+    <ds:schemaRef ds:uri="http://schemas.microsoft.com/office/2006/metadata/contentType"/>
+    <ds:schemaRef ds:uri="http://schemas.microsoft.com/office/2006/metadata/properties/metaAttributes"/>
+    <ds:schemaRef ds:uri="http://www.w3.org/2001/XMLSchema"/>
+    <ds:schemaRef ds:uri="http://schemas.microsoft.com/office/2006/metadata/properties"/>
+    <ds:schemaRef ds:uri="8a053bff-88be-49e4-9a87-e748e18b8b62"/>
+    <ds:schemaRef ds:uri="6c8368ec-3776-49b5-a5bb-90648cf9530f"/>
+    <ds:schemaRef ds:uri="http://schemas.microsoft.com/office/2006/documentManagement/types"/>
+    <ds:schemaRef ds:uri="http://schemas.microsoft.com/office/infopath/2007/PartnerControls"/>
+    <ds:schemaRef ds:uri="http://schemas.openxmlformats.org/package/2006/metadata/core-properties"/>
+    <ds:schemaRef ds:uri="http://purl.org/dc/elements/1.1/"/>
+    <ds:schemaRef ds:uri="http://purl.org/dc/terms/"/>
+    <ds:schemaRef ds:uri="http://schemas.microsoft.com/internal/obd"/>
   </ds:schemaRefs>
 </ds:datastoreItem>
 </file>
--- a/help/data-sheets/assets/EliteSupportDatasheet.pptx
+++ b/help/data-sheets/assets/EliteSupportDatasheet.pptx
@@ -151,9 +151,7 @@
 <file path=ppt/revisionInfo.xml><?xml version="1.0" encoding="utf-8"?>
 <p1510:revInfo xmlns:a="http://schemas.openxmlformats.org/drawingml/2006/main" xmlns:r="http://schemas.openxmlformats.org/officeDocument/2006/relationships" xmlns:p1510="http://schemas.microsoft.com/office/powerpoint/2015/10/main">
   <p1510:revLst>
-    <p1510:client id="{306579C9-8574-E621-57BF-C5D6F4C605CC}" v="6" dt="2021-09-22T22:58:26.163"/>
-    <p1510:client id="{86768B6F-E5DF-274A-B928-9320E1DF9962}" v="132" dt="2021-08-07T02:18:13.925"/>
-    <p1510:client id="{8C285145-5FF7-2B49-D44C-ABA3390CC068}" v="48" dt="2021-09-22T19:02:31.738"/>
+    <p1510:client id="{0BC4D7A0-4BBD-1B49-BE14-170949F0EA37}" v="4" dt="2021-10-13T19:10:14.670"/>
   </p1510:revLst>
 </p1510:revInfo>
 </file>
@@ -161,58 +159,26 @@
 <file path=ppt/changesInfos/changesInfo1.xml><?xml version="1.0" encoding="utf-8"?>
 <pc:chgInfo xmlns:a="http://schemas.openxmlformats.org/drawingml/2006/main" xmlns:r="http://schemas.openxmlformats.org/officeDocument/2006/relationships" xmlns:ac="http://schemas.microsoft.com/office/drawing/2013/main/command" xmlns:pc="http://schemas.microsoft.com/office/powerpoint/2013/main/command">
   <pc:docChgLst>
-    <pc:chgData name="Akilah Johnson" userId="S::akjohnso@adobe.com::2fa3aa60-0c9c-4d06-bae2-795983241227" providerId="AD" clId="Web-{306579C9-8574-E621-57BF-C5D6F4C605CC}"/>
+    <pc:chgData name="Lauren Schutte" userId="6e08b2d3-447a-4d66-86be-444d50df187f" providerId="ADAL" clId="{0BC4D7A0-4BBD-1B49-BE14-170949F0EA37}"/>
     <pc:docChg chg="modSld">
-      <pc:chgData name="Akilah Johnson" userId="S::akjohnso@adobe.com::2fa3aa60-0c9c-4d06-bae2-795983241227" providerId="AD" clId="Web-{306579C9-8574-E621-57BF-C5D6F4C605CC}" dt="2021-09-22T22:58:18.491" v="3"/>
+      <pc:chgData name="Lauren Schutte" userId="6e08b2d3-447a-4d66-86be-444d50df187f" providerId="ADAL" clId="{0BC4D7A0-4BBD-1B49-BE14-170949F0EA37}" dt="2021-10-13T19:10:14.671" v="3" actId="1035"/>
       <pc:docMkLst>
         <pc:docMk/>
       </pc:docMkLst>
-      <pc:sldChg chg="modSp">
-        <pc:chgData name="Akilah Johnson" userId="S::akjohnso@adobe.com::2fa3aa60-0c9c-4d06-bae2-795983241227" providerId="AD" clId="Web-{306579C9-8574-E621-57BF-C5D6F4C605CC}" dt="2021-09-22T22:58:18.491" v="3"/>
+      <pc:sldChg chg="modSp mod">
+        <pc:chgData name="Lauren Schutte" userId="6e08b2d3-447a-4d66-86be-444d50df187f" providerId="ADAL" clId="{0BC4D7A0-4BBD-1B49-BE14-170949F0EA37}" dt="2021-10-13T19:10:14.671" v="3" actId="1035"/>
         <pc:sldMkLst>
           <pc:docMk/>
-          <pc:sldMk cId="1050037809" sldId="261"/>
-        </pc:sldMkLst>
-        <pc:graphicFrameChg chg="mod modGraphic">
-          <ac:chgData name="Akilah Johnson" userId="S::akjohnso@adobe.com::2fa3aa60-0c9c-4d06-bae2-795983241227" providerId="AD" clId="Web-{306579C9-8574-E621-57BF-C5D6F4C605CC}" dt="2021-09-22T22:58:18.491" v="3"/>
-          <ac:graphicFrameMkLst>
-            <pc:docMk/>
-            <pc:sldMk cId="1050037809" sldId="261"/>
-            <ac:graphicFrameMk id="25" creationId="{3A91F5B0-3974-A14D-A146-FB590F2AAD18}"/>
-          </ac:graphicFrameMkLst>
-        </pc:graphicFrameChg>
-      </pc:sldChg>
-    </pc:docChg>
-  </pc:docChgLst>
-  <pc:docChgLst>
-    <pc:chgData name="Akilah Johnson" userId="S::akjohnso@adobe.com::2fa3aa60-0c9c-4d06-bae2-795983241227" providerId="AD" clId="Web-{8C285145-5FF7-2B49-D44C-ABA3390CC068}"/>
-    <pc:docChg chg="modSld">
-      <pc:chgData name="Akilah Johnson" userId="S::akjohnso@adobe.com::2fa3aa60-0c9c-4d06-bae2-795983241227" providerId="AD" clId="Web-{8C285145-5FF7-2B49-D44C-ABA3390CC068}" dt="2021-09-22T19:02:31.738" v="36" actId="1076"/>
-      <pc:docMkLst>
-        <pc:docMk/>
-      </pc:docMkLst>
-      <pc:sldChg chg="modSp">
-        <pc:chgData name="Akilah Johnson" userId="S::akjohnso@adobe.com::2fa3aa60-0c9c-4d06-bae2-795983241227" providerId="AD" clId="Web-{8C285145-5FF7-2B49-D44C-ABA3390CC068}" dt="2021-09-22T19:02:31.738" v="36" actId="1076"/>
-        <pc:sldMkLst>
-          <pc:docMk/>
-          <pc:sldMk cId="1050037809" sldId="261"/>
+          <pc:sldMk cId="0" sldId="256"/>
         </pc:sldMkLst>
         <pc:spChg chg="mod">
-          <ac:chgData name="Akilah Johnson" userId="S::akjohnso@adobe.com::2fa3aa60-0c9c-4d06-bae2-795983241227" providerId="AD" clId="Web-{8C285145-5FF7-2B49-D44C-ABA3390CC068}" dt="2021-09-22T19:02:31.738" v="36" actId="1076"/>
+          <ac:chgData name="Lauren Schutte" userId="6e08b2d3-447a-4d66-86be-444d50df187f" providerId="ADAL" clId="{0BC4D7A0-4BBD-1B49-BE14-170949F0EA37}" dt="2021-10-13T19:10:14.671" v="3" actId="1035"/>
           <ac:spMkLst>
             <pc:docMk/>
-            <pc:sldMk cId="1050037809" sldId="261"/>
-            <ac:spMk id="64" creationId="{41467BDC-3D83-D844-B922-CD07E94E5AAB}"/>
+            <pc:sldMk cId="0" sldId="256"/>
+            <ac:spMk id="4" creationId="{00000000-0000-0000-0000-000000000000}"/>
           </ac:spMkLst>
         </pc:spChg>
-        <pc:graphicFrameChg chg="mod modGraphic">
-          <ac:chgData name="Akilah Johnson" userId="S::akjohnso@adobe.com::2fa3aa60-0c9c-4d06-bae2-795983241227" providerId="AD" clId="Web-{8C285145-5FF7-2B49-D44C-ABA3390CC068}" dt="2021-09-22T18:59:49.504" v="34"/>
-          <ac:graphicFrameMkLst>
-            <pc:docMk/>
-            <pc:sldMk cId="1050037809" sldId="261"/>
-            <ac:graphicFrameMk id="25" creationId="{3A91F5B0-3974-A14D-A146-FB590F2AAD18}"/>
-          </ac:graphicFrameMkLst>
-        </pc:graphicFrameChg>
       </pc:sldChg>
     </pc:docChg>
   </pc:docChgLst>
@@ -301,7 +267,7 @@
           <a:p>
             <a:fld id="{C12E57D6-2086-AA47-A7A4-C0CDE7C14E44}" type="datetimeFigureOut">
               <a:rPr lang="en-US" smtClean="0"/>
-              <a:t>9/30/2021</a:t>
+              <a:t>11/12/2021</a:t>
             </a:fld>
             <a:endParaRPr lang="en-US"/>
           </a:p>
@@ -715,6 +681,90 @@
           <a:bodyPr/>
           <a:lstStyle/>
           <a:p>
+            <a:fld id="{3FE59989-9CFD-3E47-ADC5-9472F49CBD92}" type="slidenum">
+              <a:rPr lang="en-US" smtClean="0"/>
+              <a:t>2</a:t>
+            </a:fld>
+            <a:endParaRPr lang="en-US"/>
+          </a:p>
+        </p:txBody>
+      </p:sp>
+    </p:spTree>
+    <p:extLst>
+      <p:ext uri="{BB962C8B-B14F-4D97-AF65-F5344CB8AC3E}">
+        <p14:creationId xmlns:p14="http://schemas.microsoft.com/office/powerpoint/2010/main" val="789515730"/>
+      </p:ext>
+    </p:extLst>
+  </p:cSld>
+  <p:clrMapOvr>
+    <a:masterClrMapping/>
+  </p:clrMapOvr>
+</p:notes>
+</file>
+
+<file path=ppt/notesSlides/notesSlide3.xml><?xml version="1.0" encoding="utf-8"?>
+<p:notes xmlns:a="http://schemas.openxmlformats.org/drawingml/2006/main" xmlns:r="http://schemas.openxmlformats.org/officeDocument/2006/relationships" xmlns:p="http://schemas.openxmlformats.org/presentationml/2006/main">
+  <p:cSld>
+    <p:spTree>
+      <p:nvGrpSpPr>
+        <p:cNvPr id="1" name=""/>
+        <p:cNvGrpSpPr/>
+        <p:nvPr/>
+      </p:nvGrpSpPr>
+      <p:grpSpPr>
+        <a:xfrm>
+          <a:off x="0" y="0"/>
+          <a:ext cx="0" cy="0"/>
+          <a:chOff x="0" y="0"/>
+          <a:chExt cx="0" cy="0"/>
+        </a:xfrm>
+      </p:grpSpPr>
+      <p:sp>
+        <p:nvSpPr>
+          <p:cNvPr id="2" name="Slide Image Placeholder 1"/>
+          <p:cNvSpPr>
+            <a:spLocks noGrp="1" noRot="1" noChangeAspect="1"/>
+          </p:cNvSpPr>
+          <p:nvPr>
+            <p:ph type="sldImg"/>
+          </p:nvPr>
+        </p:nvSpPr>
+        <p:spPr/>
+      </p:sp>
+      <p:sp>
+        <p:nvSpPr>
+          <p:cNvPr id="3" name="Notes Placeholder 2"/>
+          <p:cNvSpPr>
+            <a:spLocks noGrp="1"/>
+          </p:cNvSpPr>
+          <p:nvPr>
+            <p:ph type="body" idx="1"/>
+          </p:nvPr>
+        </p:nvSpPr>
+        <p:spPr/>
+        <p:txBody>
+          <a:bodyPr/>
+          <a:lstStyle/>
+          <a:p>
+            <a:endParaRPr lang="en-US"/>
+          </a:p>
+        </p:txBody>
+      </p:sp>
+      <p:sp>
+        <p:nvSpPr>
+          <p:cNvPr id="4" name="Slide Number Placeholder 3"/>
+          <p:cNvSpPr>
+            <a:spLocks noGrp="1"/>
+          </p:cNvSpPr>
+          <p:nvPr>
+            <p:ph type="sldNum" sz="quarter" idx="5"/>
+          </p:nvPr>
+        </p:nvSpPr>
+        <p:spPr/>
+        <p:txBody>
+          <a:bodyPr/>
+          <a:lstStyle/>
+          <a:p>
             <a:fld id="{7DA1E84E-BC3F-7D4F-A7DC-121CE042C070}" type="slidenum">
               <a:rPr lang="en-US" smtClean="0"/>
               <a:t>4</a:t>
@@ -875,7 +925,7 @@
           <a:p>
             <a:fld id="{1D8BD707-D9CF-40AE-B4C6-C98DA3205C09}" type="datetimeFigureOut">
               <a:rPr lang="en-US"/>
-              <a:t>9/30/2021</a:t>
+              <a:t>11/12/2021</a:t>
             </a:fld>
             <a:endParaRPr lang="en-US"/>
           </a:p>
@@ -915,7 +965,7 @@
               </a:spcBef>
             </a:pPr>
             <a:r>
-              <a:rPr spc="-5" dirty="0"/>
+              <a:rPr spc="-5"/>
               <a:t>©</a:t>
             </a:r>
             <a:fld id="{81D60167-4931-47E6-BA6A-407CBD079E47}" type="slidenum">
@@ -923,35 +973,35 @@
               <a:t>‹#›</a:t>
             </a:fld>
             <a:r>
-              <a:rPr spc="-5" dirty="0"/>
+              <a:rPr spc="-5"/>
               <a:t> Adobe. All</a:t>
             </a:r>
             <a:r>
-              <a:rPr spc="-15" dirty="0"/>
+              <a:rPr spc="-15"/>
               <a:t> Rights</a:t>
             </a:r>
             <a:r>
-              <a:rPr spc="-10" dirty="0"/>
+              <a:rPr spc="-10"/>
               <a:t> </a:t>
             </a:r>
             <a:r>
-              <a:rPr spc="-15" dirty="0"/>
+              <a:rPr spc="-15"/>
               <a:t>Reserved.</a:t>
             </a:r>
             <a:r>
-              <a:rPr spc="-10" dirty="0"/>
+              <a:rPr spc="-10"/>
               <a:t> </a:t>
             </a:r>
             <a:r>
-              <a:rPr spc="-5" dirty="0"/>
+              <a:rPr spc="-5"/>
               <a:t>Adobe</a:t>
             </a:r>
             <a:r>
-              <a:rPr spc="60" dirty="0"/>
+              <a:rPr spc="60"/>
               <a:t> </a:t>
             </a:r>
             <a:r>
-              <a:rPr spc="-15" dirty="0"/>
+              <a:rPr spc="-15"/>
               <a:t>Confidential.</a:t>
             </a:r>
           </a:p>
@@ -1120,7 +1170,7 @@
           <a:p>
             <a:fld id="{1D8BD707-D9CF-40AE-B4C6-C98DA3205C09}" type="datetimeFigureOut">
               <a:rPr lang="en-US"/>
-              <a:t>9/30/2021</a:t>
+              <a:t>11/12/2021</a:t>
             </a:fld>
             <a:endParaRPr lang="en-US"/>
           </a:p>
@@ -1160,7 +1210,7 @@
               </a:spcBef>
             </a:pPr>
             <a:r>
-              <a:rPr spc="-5" dirty="0"/>
+              <a:rPr spc="-5"/>
               <a:t>©</a:t>
             </a:r>
             <a:fld id="{81D60167-4931-47E6-BA6A-407CBD079E47}" type="slidenum">
@@ -1168,35 +1218,35 @@
               <a:t>‹#›</a:t>
             </a:fld>
             <a:r>
-              <a:rPr spc="-5" dirty="0"/>
+              <a:rPr spc="-5"/>
               <a:t> Adobe. All</a:t>
             </a:r>
             <a:r>
-              <a:rPr spc="-15" dirty="0"/>
+              <a:rPr spc="-15"/>
               <a:t> Rights</a:t>
             </a:r>
             <a:r>
-              <a:rPr spc="-10" dirty="0"/>
+              <a:rPr spc="-10"/>
               <a:t> </a:t>
             </a:r>
             <a:r>
-              <a:rPr spc="-15" dirty="0"/>
+              <a:rPr spc="-15"/>
               <a:t>Reserved.</a:t>
             </a:r>
             <a:r>
-              <a:rPr spc="-10" dirty="0"/>
+              <a:rPr spc="-10"/>
               <a:t> </a:t>
             </a:r>
             <a:r>
-              <a:rPr spc="-5" dirty="0"/>
+              <a:rPr spc="-5"/>
               <a:t>Adobe</a:t>
             </a:r>
             <a:r>
-              <a:rPr spc="60" dirty="0"/>
+              <a:rPr spc="60"/>
               <a:t> </a:t>
             </a:r>
             <a:r>
-              <a:rPr spc="-15" dirty="0"/>
+              <a:rPr spc="-15"/>
               <a:t>Confidential.</a:t>
             </a:r>
           </a:p>
@@ -1378,7 +1428,7 @@
           <a:p>
             <a:fld id="{1D8BD707-D9CF-40AE-B4C6-C98DA3205C09}" type="datetimeFigureOut">
               <a:rPr lang="en-US"/>
-              <a:t>9/30/2021</a:t>
+              <a:t>11/12/2021</a:t>
             </a:fld>
             <a:endParaRPr lang="en-US"/>
           </a:p>
@@ -1418,7 +1468,7 @@
               </a:spcBef>
             </a:pPr>
             <a:r>
-              <a:rPr spc="-5" dirty="0"/>
+              <a:rPr spc="-5"/>
               <a:t>©</a:t>
             </a:r>
             <a:fld id="{81D60167-4931-47E6-BA6A-407CBD079E47}" type="slidenum">
@@ -1426,35 +1476,35 @@
               <a:t>‹#›</a:t>
             </a:fld>
             <a:r>
-              <a:rPr spc="-5" dirty="0"/>
+              <a:rPr spc="-5"/>
               <a:t> Adobe. All</a:t>
             </a:r>
             <a:r>
-              <a:rPr spc="-15" dirty="0"/>
+              <a:rPr spc="-15"/>
               <a:t> Rights</a:t>
             </a:r>
             <a:r>
-              <a:rPr spc="-10" dirty="0"/>
+              <a:rPr spc="-10"/>
               <a:t> </a:t>
             </a:r>
             <a:r>
-              <a:rPr spc="-15" dirty="0"/>
+              <a:rPr spc="-15"/>
               <a:t>Reserved.</a:t>
             </a:r>
             <a:r>
-              <a:rPr spc="-10" dirty="0"/>
+              <a:rPr spc="-10"/>
               <a:t> </a:t>
             </a:r>
             <a:r>
-              <a:rPr spc="-5" dirty="0"/>
+              <a:rPr spc="-5"/>
               <a:t>Adobe</a:t>
             </a:r>
             <a:r>
-              <a:rPr spc="60" dirty="0"/>
+              <a:rPr spc="60"/>
               <a:t> </a:t>
             </a:r>
             <a:r>
-              <a:rPr spc="-15" dirty="0"/>
+              <a:rPr spc="-15"/>
               <a:t>Confidential.</a:t>
             </a:r>
           </a:p>
@@ -1570,7 +1620,7 @@
           <a:p>
             <a:fld id="{1D8BD707-D9CF-40AE-B4C6-C98DA3205C09}" type="datetimeFigureOut">
               <a:rPr lang="en-US"/>
-              <a:t>9/30/2021</a:t>
+              <a:t>11/12/2021</a:t>
             </a:fld>
             <a:endParaRPr lang="en-US"/>
           </a:p>
@@ -1610,7 +1660,7 @@
               </a:spcBef>
             </a:pPr>
             <a:r>
-              <a:rPr spc="-5" dirty="0"/>
+              <a:rPr spc="-5"/>
               <a:t>©</a:t>
             </a:r>
             <a:fld id="{81D60167-4931-47E6-BA6A-407CBD079E47}" type="slidenum">
@@ -1618,35 +1668,35 @@
               <a:t>‹#›</a:t>
             </a:fld>
             <a:r>
-              <a:rPr spc="-5" dirty="0"/>
+              <a:rPr spc="-5"/>
               <a:t> Adobe. All</a:t>
             </a:r>
             <a:r>
-              <a:rPr spc="-15" dirty="0"/>
+              <a:rPr spc="-15"/>
               <a:t> Rights</a:t>
             </a:r>
             <a:r>
-              <a:rPr spc="-10" dirty="0"/>
+              <a:rPr spc="-10"/>
               <a:t> </a:t>
             </a:r>
             <a:r>
-              <a:rPr spc="-15" dirty="0"/>
+              <a:rPr spc="-15"/>
               <a:t>Reserved.</a:t>
             </a:r>
             <a:r>
-              <a:rPr spc="-10" dirty="0"/>
+              <a:rPr spc="-10"/>
               <a:t> </a:t>
             </a:r>
             <a:r>
-              <a:rPr spc="-5" dirty="0"/>
+              <a:rPr spc="-5"/>
               <a:t>Adobe</a:t>
             </a:r>
             <a:r>
-              <a:rPr spc="60" dirty="0"/>
+              <a:rPr spc="60"/>
               <a:t> </a:t>
             </a:r>
             <a:r>
-              <a:rPr spc="-15" dirty="0"/>
+              <a:rPr spc="-15"/>
               <a:t>Confidential.</a:t>
             </a:r>
           </a:p>
@@ -1733,7 +1783,7 @@
           <a:p>
             <a:fld id="{1D8BD707-D9CF-40AE-B4C6-C98DA3205C09}" type="datetimeFigureOut">
               <a:rPr lang="en-US"/>
-              <a:t>9/30/2021</a:t>
+              <a:t>11/12/2021</a:t>
             </a:fld>
             <a:endParaRPr lang="en-US"/>
           </a:p>
@@ -1773,7 +1823,7 @@
               </a:spcBef>
             </a:pPr>
             <a:r>
-              <a:rPr spc="-5" dirty="0"/>
+              <a:rPr spc="-5"/>
               <a:t>©</a:t>
             </a:r>
             <a:fld id="{81D60167-4931-47E6-BA6A-407CBD079E47}" type="slidenum">
@@ -1781,35 +1831,35 @@
               <a:t>‹#›</a:t>
             </a:fld>
             <a:r>
-              <a:rPr spc="-5" dirty="0"/>
+              <a:rPr spc="-5"/>
               <a:t> Adobe. All</a:t>
             </a:r>
             <a:r>
-              <a:rPr spc="-15" dirty="0"/>
+              <a:rPr spc="-15"/>
               <a:t> Rights</a:t>
             </a:r>
             <a:r>
-              <a:rPr spc="-10" dirty="0"/>
+              <a:rPr spc="-10"/>
               <a:t> </a:t>
             </a:r>
             <a:r>
-              <a:rPr spc="-15" dirty="0"/>
+              <a:rPr spc="-15"/>
               <a:t>Reserved.</a:t>
             </a:r>
             <a:r>
-              <a:rPr spc="-10" dirty="0"/>
+              <a:rPr spc="-10"/>
               <a:t> </a:t>
             </a:r>
             <a:r>
-              <a:rPr spc="-5" dirty="0"/>
+              <a:rPr spc="-5"/>
               <a:t>Adobe</a:t>
             </a:r>
             <a:r>
-              <a:rPr spc="60" dirty="0"/>
+              <a:rPr spc="60"/>
               <a:t> </a:t>
             </a:r>
             <a:r>
-              <a:rPr spc="-15" dirty="0"/>
+              <a:rPr spc="-15"/>
               <a:t>Confidential.</a:t>
             </a:r>
           </a:p>
@@ -1996,7 +2046,7 @@
           <a:p>
             <a:fld id="{1D8BD707-D9CF-40AE-B4C6-C98DA3205C09}" type="datetimeFigureOut">
               <a:rPr lang="en-US"/>
-              <a:t>9/30/2021</a:t>
+              <a:t>11/12/2021</a:t>
             </a:fld>
             <a:endParaRPr lang="en-US"/>
           </a:p>
@@ -2046,7 +2096,7 @@
               </a:spcBef>
             </a:pPr>
             <a:r>
-              <a:rPr spc="-5" dirty="0"/>
+              <a:rPr spc="-5"/>
               <a:t>©</a:t>
             </a:r>
             <a:fld id="{81D60167-4931-47E6-BA6A-407CBD079E47}" type="slidenum">
@@ -2054,35 +2104,35 @@
               <a:t>‹#›</a:t>
             </a:fld>
             <a:r>
-              <a:rPr spc="-5" dirty="0"/>
+              <a:rPr spc="-5"/>
               <a:t> Adobe. All</a:t>
             </a:r>
             <a:r>
-              <a:rPr spc="-15" dirty="0"/>
+              <a:rPr spc="-15"/>
               <a:t> Rights</a:t>
             </a:r>
             <a:r>
-              <a:rPr spc="-10" dirty="0"/>
+              <a:rPr spc="-10"/>
               <a:t> </a:t>
             </a:r>
             <a:r>
-              <a:rPr spc="-15" dirty="0"/>
+              <a:rPr spc="-15"/>
               <a:t>Reserved.</a:t>
             </a:r>
             <a:r>
-              <a:rPr spc="-10" dirty="0"/>
+              <a:rPr spc="-10"/>
               <a:t> </a:t>
             </a:r>
             <a:r>
-              <a:rPr spc="-5" dirty="0"/>
+              <a:rPr spc="-5"/>
               <a:t>Adobe</a:t>
             </a:r>
             <a:r>
-              <a:rPr spc="60" dirty="0"/>
+              <a:rPr spc="60"/>
               <a:t> </a:t>
             </a:r>
             <a:r>
-              <a:rPr spc="-15" dirty="0"/>
+              <a:rPr spc="-15"/>
               <a:t>Confidential.</a:t>
             </a:r>
           </a:p>
@@ -2272,31 +2322,26 @@
         <p:spPr>
           <a:xfrm>
             <a:off x="502827" y="65103"/>
-            <a:ext cx="4725793" cy="366767"/>
+            <a:ext cx="4897433" cy="366767"/>
           </a:xfrm>
           <a:prstGeom prst="rect">
             <a:avLst/>
           </a:prstGeom>
         </p:spPr>
         <p:txBody>
-          <a:bodyPr vert="horz" wrap="square" lIns="0" tIns="12700" rIns="0" bIns="0" rtlCol="0">
+          <a:bodyPr vert="horz" wrap="square" lIns="0" tIns="12700" rIns="0" bIns="0" rtlCol="0" anchor="t">
             <a:spAutoFit/>
           </a:bodyPr>
           <a:lstStyle/>
           <a:p>
             <a:pPr marL="12700">
-              <a:lnSpc>
-                <a:spcPct val="100000"/>
-              </a:lnSpc>
               <a:spcBef>
                 <a:spcPts val="100"/>
               </a:spcBef>
             </a:pPr>
             <a:r>
-              <a:rPr lang="de-DE" sz="2300" dirty="0">
-                <a:latin typeface="Adobe Clean" panose="020B0503020404020204" pitchFamily="34" charset="0"/>
-              </a:rPr>
-              <a:t>SUPPORT-ANGEBOT VON ADOBE</a:t>
+              <a:rPr lang="de-DE" sz="2300" dirty="0"/>
+              <a:t>SUPPORT-PAKETE VON ADOBE</a:t>
             </a:r>
           </a:p>
         </p:txBody>
@@ -2309,8 +2354,8 @@
         </p:nvSpPr>
         <p:spPr>
           <a:xfrm>
-            <a:off x="159522" y="590973"/>
-            <a:ext cx="7003278" cy="1466427"/>
+            <a:off x="159522" y="560755"/>
+            <a:ext cx="7003277" cy="1438727"/>
           </a:xfrm>
           <a:prstGeom prst="rect">
             <a:avLst/>
@@ -2331,7 +2376,7 @@
               </a:spcBef>
             </a:pPr>
             <a:r>
-              <a:rPr lang="de-DE" sz="1100" spc="-30" dirty="0">
+              <a:rPr lang="de-DE" sz="1100" dirty="0">
                 <a:solidFill>
                   <a:srgbClr val="FFFFFF"/>
                 </a:solidFill>
@@ -2341,11 +2386,11 @@
               <a:t>Online | Business | Enterprise | </a:t>
             </a:r>
             <a:r>
-              <a:rPr lang="de-DE" sz="1100" b="1" spc="-30" dirty="0">
+              <a:rPr lang="de-DE" sz="1100" b="1" dirty="0">
                 <a:solidFill>
                   <a:srgbClr val="FFFFFF"/>
                 </a:solidFill>
-                <a:latin typeface="Arial"/>
+                <a:latin typeface="Adobe Clean" panose="020B0503020404020204" pitchFamily="34" charset="0"/>
                 <a:cs typeface="Arial"/>
               </a:rPr>
               <a:t>Elite</a:t>
@@ -2358,16 +2403,16 @@
               </a:spcBef>
             </a:pPr>
             <a:r>
-              <a:rPr lang="de-DE" sz="900" spc="-30" dirty="0">
+              <a:rPr lang="de-DE" sz="870" dirty="0">
                 <a:solidFill>
                   <a:schemeClr val="bg1"/>
                 </a:solidFill>
                 <a:latin typeface="Adobe Clean SemiLight" panose="020B0403020404020204" pitchFamily="34" charset="0"/>
               </a:rPr>
-              <a:t>Adobe bietet eine umfangreiche Palette an technischen Ressourcen zur Unterstützung Ihres Unternehmens. Diese sind Teil des Experience Cloud-Lizenzabonnements und werden durch das ELITE Support-Paket weiter ergänzt. ELITE Support bietet über die Adobe Experience League Zugang zu personalisierten Lernpfaden und von Moderatoren betreuten Community-Foren. Darüber hinaus stehen Ihnen unsere umfangreiche technische Produktdokumentation sowie aktuelle Versionshinweise zur Verfügung. ELITE-Kunden erhalten auch Kontakt</a:t>
+              <a:t>Adobe bietet eine umfangreiche Palette an technischen Ressourcen zur Unterstützung Ihres Unternehmens. Diese sind Teil </a:t>
             </a:r>
             <a:br>
-              <a:rPr lang="sk-SK" sz="900" spc="-30" dirty="0">
+              <a:rPr lang="de-DE" sz="870" dirty="0">
                 <a:solidFill>
                   <a:schemeClr val="bg1"/>
                 </a:solidFill>
@@ -2375,16 +2420,16 @@
               </a:rPr>
             </a:br>
             <a:r>
-              <a:rPr lang="de-DE" sz="900" spc="-30" dirty="0">
+              <a:rPr lang="de-DE" sz="870" spc="-10" dirty="0">
                 <a:solidFill>
                   <a:schemeClr val="bg1"/>
                 </a:solidFill>
                 <a:latin typeface="Adobe Clean SemiLight" panose="020B0403020404020204" pitchFamily="34" charset="0"/>
               </a:rPr>
-              <a:t>zu einem spezifischen Support-Mitarbeiter sowie einem Technical Account Manager. Diese sind Ihre Ansprechpartner für technische</a:t>
+              <a:t>des Experience Cloud-Lizenzabonnements und werden durch das ELITE Support-Paket weiter ergänzt. ELITE Support bietet </a:t>
             </a:r>
             <a:br>
-              <a:rPr lang="sk-SK" sz="900" spc="-30" dirty="0">
+              <a:rPr lang="de-DE" sz="870" spc="-10" dirty="0">
                 <a:solidFill>
                   <a:schemeClr val="bg1"/>
                 </a:solidFill>
@@ -2392,16 +2437,16 @@
               </a:rPr>
             </a:br>
             <a:r>
-              <a:rPr lang="de-DE" sz="900" spc="-30" dirty="0">
+              <a:rPr lang="de-DE" sz="870" spc="-10" dirty="0">
                 <a:solidFill>
                   <a:schemeClr val="bg1"/>
                 </a:solidFill>
                 <a:latin typeface="Adobe Clean SemiLight" panose="020B0403020404020204" pitchFamily="34" charset="0"/>
               </a:rPr>
-              <a:t> Fragen im Adobe-Support-Team und arbeiten gemeinsam mit Ihnen daran, bestmöglichen, reaktionsschnellen Support anzubieten. </a:t>
+              <a:t>über die Adobe Experience League Zugang zu personalisierten Lernpfaden und von Moderatoren betreuten Community-Foren. </a:t>
             </a:r>
             <a:br>
-              <a:rPr lang="sk-SK" sz="900" spc="-30" dirty="0">
+              <a:rPr lang="de-DE" sz="870" spc="-10" dirty="0">
                 <a:solidFill>
                   <a:schemeClr val="bg1"/>
                 </a:solidFill>
@@ -2409,16 +2454,16 @@
               </a:rPr>
             </a:br>
             <a:r>
-              <a:rPr lang="de-DE" sz="900" spc="-30" dirty="0">
+              <a:rPr lang="de-DE" sz="870" spc="-10" dirty="0">
                 <a:solidFill>
                   <a:schemeClr val="bg1"/>
                 </a:solidFill>
                 <a:latin typeface="Adobe Clean SemiLight" panose="020B0403020404020204" pitchFamily="34" charset="0"/>
               </a:rPr>
-              <a:t>Mit umfangreicher Expertise in unseren Experience Cloud-Lösungen unterstützt Sie das Support-Team von Adobe auch bei den komplexesten </a:t>
+              <a:t>Darüber hinaus stehen Ihnen unsere umfangreiche technische Produktdokumentation sowie aktuelle Versionshinweise zur Verfügung. ELITE-Kunden erhalten auch Kontakt zu einem spezifischen Support-Mitarbeiter sowie einem Technical Account Manager. </a:t>
             </a:r>
             <a:br>
-              <a:rPr lang="sk-SK" sz="900" spc="-30" dirty="0">
+              <a:rPr lang="de-DE" sz="870" spc="-10" dirty="0">
                 <a:solidFill>
                   <a:schemeClr val="bg1"/>
                 </a:solidFill>
@@ -2426,16 +2471,16 @@
               </a:rPr>
             </a:br>
             <a:r>
-              <a:rPr lang="de-DE" sz="900" spc="-30" dirty="0">
+              <a:rPr lang="de-DE" sz="870" spc="-10" dirty="0">
                 <a:solidFill>
                   <a:schemeClr val="bg1"/>
                 </a:solidFill>
                 <a:latin typeface="Adobe Clean SemiLight" panose="020B0403020404020204" pitchFamily="34" charset="0"/>
               </a:rPr>
-              <a:t>Support-Bedürfnissen. So können Sie das Optimum aus Ihren Investitionen in die Adobe Experience Cloud-Lösungen herausholen </a:t>
+              <a:t>Diese sind Ihre Ansprechpartner für technische Fragen im Adobe-Support-Team und arbeiten gemeinsam mit Ihnen daran, </a:t>
             </a:r>
             <a:br>
-              <a:rPr lang="sk-SK" sz="900" spc="-30" dirty="0">
+              <a:rPr lang="de-DE" sz="870" spc="-10" dirty="0">
                 <a:solidFill>
                   <a:schemeClr val="bg1"/>
                 </a:solidFill>
@@ -2443,13 +2488,47 @@
               </a:rPr>
             </a:br>
             <a:r>
-              <a:rPr lang="de-DE" sz="900" spc="-30" dirty="0">
+              <a:rPr lang="de-DE" sz="870" spc="-10" dirty="0">
                 <a:solidFill>
                   <a:schemeClr val="bg1"/>
                 </a:solidFill>
                 <a:latin typeface="Adobe Clean SemiLight" panose="020B0403020404020204" pitchFamily="34" charset="0"/>
               </a:rPr>
-              <a:t>und Probleme vermeiden, bevor sie überhaupt entstehen.</a:t>
+              <a:t>bestmöglichen, reaktionsschnellen Support anzubieten. Mit umfangreicher Expertise in unseren Experience Cloud-Lösungen </a:t>
+            </a:r>
+            <a:br>
+              <a:rPr lang="de-DE" sz="870" spc="-10" dirty="0">
+                <a:solidFill>
+                  <a:schemeClr val="bg1"/>
+                </a:solidFill>
+                <a:latin typeface="Adobe Clean SemiLight" panose="020B0403020404020204" pitchFamily="34" charset="0"/>
+              </a:rPr>
+            </a:br>
+            <a:r>
+              <a:rPr lang="de-DE" sz="870" spc="-10" dirty="0">
+                <a:solidFill>
+                  <a:schemeClr val="bg1"/>
+                </a:solidFill>
+                <a:latin typeface="Adobe Clean SemiLight" panose="020B0403020404020204" pitchFamily="34" charset="0"/>
+              </a:rPr>
+              <a:t>unterstützt Sie das Support-Team von Adobe auch bei den komplexesten Support-Bedürfnissen. So können Sie das Optimum aus </a:t>
+            </a:r>
+            <a:br>
+              <a:rPr lang="de-DE" sz="870" spc="-10" dirty="0">
+                <a:solidFill>
+                  <a:schemeClr val="bg1"/>
+                </a:solidFill>
+                <a:latin typeface="Adobe Clean SemiLight" panose="020B0403020404020204" pitchFamily="34" charset="0"/>
+              </a:rPr>
+            </a:br>
+            <a:r>
+              <a:rPr lang="de-DE" sz="870" spc="-10" dirty="0">
+                <a:solidFill>
+                  <a:schemeClr val="bg1"/>
+                </a:solidFill>
+                <a:latin typeface="Adobe Clean SemiLight" panose="020B0403020404020204" pitchFamily="34" charset="0"/>
+              </a:rPr>
+              <a:t>Ihren Investitionen in die Adobe Experience Cloud-Lösungen herausholen und Probleme vermeiden, bevor sie überhaupt entstehen.</a:t>
             </a:r>
           </a:p>
         </p:txBody>
@@ -2462,7 +2541,7 @@
         </p:nvSpPr>
         <p:spPr>
           <a:xfrm>
-            <a:off x="168564" y="7024371"/>
+            <a:off x="168564" y="7102475"/>
             <a:ext cx="2780665" cy="238760"/>
           </a:xfrm>
           <a:prstGeom prst="rect">
@@ -2484,7 +2563,7 @@
               </a:spcBef>
             </a:pPr>
             <a:r>
-              <a:rPr lang="de-DE" sz="1400" b="1" u="heavy">
+              <a:rPr lang="de-DE" sz="1400" b="1" u="heavy" dirty="0">
                 <a:solidFill>
                   <a:srgbClr val="020302"/>
                 </a:solidFill>
@@ -2510,14 +2589,14 @@
           <p:nvPr>
             <p:extLst>
               <p:ext uri="{D42A27DB-BD31-4B8C-83A1-F6EECF244321}">
-                <p14:modId xmlns:p14="http://schemas.microsoft.com/office/powerpoint/2010/main" val="765862485"/>
+                <p14:modId xmlns:p14="http://schemas.microsoft.com/office/powerpoint/2010/main" val="2281940611"/>
               </p:ext>
             </p:extLst>
           </p:nvPr>
         </p:nvGraphicFramePr>
         <p:xfrm>
-          <a:off x="145668" y="7473158"/>
-          <a:ext cx="7409815" cy="2386721"/>
+          <a:off x="145668" y="7374733"/>
+          <a:ext cx="7409815" cy="2458721"/>
         </p:xfrm>
         <a:graphic>
           <a:graphicData uri="http://schemas.openxmlformats.org/drawingml/2006/table">
@@ -2526,14 +2605,14 @@
                 <a:tableStyleId>{2D5ABB26-0587-4C30-8999-92F81FD0307C}</a:tableStyleId>
               </a:tblPr>
               <a:tblGrid>
-                <a:gridCol w="4654932">
+                <a:gridCol w="4724782">
                   <a:extLst>
                     <a:ext uri="{9D8B030D-6E8A-4147-A177-3AD203B41FA5}">
                       <a16:colId xmlns:a16="http://schemas.microsoft.com/office/drawing/2014/main" val="20000"/>
                     </a:ext>
                   </a:extLst>
                 </a:gridCol>
-                <a:gridCol w="1371600">
+                <a:gridCol w="1301750">
                   <a:extLst>
                     <a:ext uri="{9D8B030D-6E8A-4147-A177-3AD203B41FA5}">
                       <a16:colId xmlns:a16="http://schemas.microsoft.com/office/drawing/2014/main" val="20001"/>
@@ -2563,7 +2642,7 @@
                         </a:spcBef>
                       </a:pPr>
                       <a:r>
-                        <a:rPr lang="de-DE" sz="900">
+                        <a:rPr lang="de-DE" sz="900" dirty="0">
                           <a:solidFill>
                             <a:srgbClr val="020302"/>
                           </a:solidFill>
@@ -2609,20 +2688,30 @@
                     <a:bodyPr/>
                     <a:lstStyle/>
                     <a:p>
-                      <a:pPr marL="382905" algn="l">
+                      <a:pPr marL="2540" marR="0" lvl="0" indent="0" algn="ctr" defTabSz="914400" eaLnBrk="1" fontAlgn="auto" latinLnBrk="0" hangingPunct="1">
                         <a:lnSpc>
                           <a:spcPct val="100000"/>
                         </a:lnSpc>
                         <a:spcBef>
-                          <a:spcPts val="45"/>
+                          <a:spcPts val="60"/>
                         </a:spcBef>
+                        <a:spcAft>
+                          <a:spcPts val="0"/>
+                        </a:spcAft>
+                        <a:buClrTx/>
+                        <a:buSzTx/>
+                        <a:buFontTx/>
+                        <a:buNone/>
+                        <a:tabLst/>
+                        <a:defRPr/>
                       </a:pPr>
                       <a:r>
-                        <a:rPr lang="de-DE" sz="900">
+                        <a:rPr lang="de-DE" sz="900" dirty="0">
                           <a:solidFill>
-                            <a:srgbClr val="020302"/>
+                            <a:srgbClr val="404040"/>
                           </a:solidFill>
                           <a:latin typeface="Adobe Clean"/>
+                          <a:ea typeface="+mn-ea"/>
                           <a:cs typeface="Adobe Clean"/>
                         </a:rPr>
                         <a:t>Online Support</a:t>
@@ -2667,20 +2756,21 @@
                     <a:bodyPr/>
                     <a:lstStyle/>
                     <a:p>
-                      <a:pPr marL="263525" algn="l">
+                      <a:pPr marL="2540" algn="ctr">
                         <a:lnSpc>
                           <a:spcPct val="100000"/>
                         </a:lnSpc>
                         <a:spcBef>
-                          <a:spcPts val="65"/>
+                          <a:spcPts val="60"/>
                         </a:spcBef>
                       </a:pPr>
                       <a:r>
-                        <a:rPr lang="de-DE" sz="900">
+                        <a:rPr lang="de-DE" sz="900" dirty="0">
                           <a:solidFill>
                             <a:srgbClr val="FFFFFF"/>
                           </a:solidFill>
                           <a:latin typeface="Adobe Clean"/>
+                          <a:ea typeface="+mn-ea"/>
                           <a:cs typeface="Adobe Clean"/>
                         </a:rPr>
                         <a:t>Elite Support</a:t>
@@ -2770,7 +2860,7 @@
                         <a:t>Die Produktionsfunktionen im Unternehmen des Kunden sind ausgefallen oder weisen </a:t>
                       </a:r>
                       <a:br>
-                        <a:rPr lang="sk-SK" sz="900" b="0" i="0" u="none" strike="noStrike" dirty="0">
+                        <a:rPr lang="de-DE" sz="900" b="0" i="0" u="none" strike="noStrike" dirty="0">
                           <a:solidFill>
                             <a:srgbClr val="000000"/>
                           </a:solidFill>
@@ -2788,7 +2878,7 @@
                       </a:r>
                     </a:p>
                   </a:txBody>
-                  <a:tcPr marL="0" marR="0" marT="0" marB="0" anchor="ctr">
+                  <a:tcPr marL="0" marR="0" marT="0" marB="36000" anchor="ctr">
                     <a:lnL w="6350">
                       <a:solidFill>
                         <a:srgbClr val="B7B8B8"/>
@@ -2823,7 +2913,7 @@
                     <a:bodyPr/>
                     <a:lstStyle/>
                     <a:p>
-                      <a:pPr marL="457200" marR="492125" indent="-57150" algn="ctr" defTabSz="1143000">
+                      <a:pPr marL="396875" marR="492125" indent="50800" algn="ctr">
                         <a:lnSpc>
                           <a:spcPct val="102200"/>
                         </a:lnSpc>
@@ -2839,7 +2929,7 @@
                         <a:t>24x7/</a:t>
                       </a:r>
                       <a:br>
-                        <a:rPr lang="sk-SK" sz="900" dirty="0">
+                        <a:rPr lang="de-DE" sz="900" dirty="0">
                           <a:solidFill>
                             <a:srgbClr val="020302"/>
                           </a:solidFill>
@@ -2894,7 +2984,7 @@
                     <a:bodyPr/>
                     <a:lstStyle/>
                     <a:p>
-                      <a:pPr marL="405130" marR="459740" indent="92710" algn="ctr">
+                      <a:pPr marL="404813" marR="459740" indent="1588" algn="ctr">
                         <a:lnSpc>
                           <a:spcPct val="100000"/>
                         </a:lnSpc>
@@ -2910,7 +3000,7 @@
                         <a:t>24x7/</a:t>
                       </a:r>
                       <a:br>
-                        <a:rPr lang="sk-SK" sz="900" dirty="0">
+                        <a:rPr lang="de-DE" sz="900" dirty="0">
                           <a:solidFill>
                             <a:srgbClr val="020302"/>
                           </a:solidFill>
@@ -3018,7 +3108,7 @@
                         <a:t>Die Unternehmensfunktionen des Kunden weisen eine erhebliche Beeinträchtigung </a:t>
                       </a:r>
                       <a:br>
-                        <a:rPr lang="sk-SK" sz="900" b="0" i="0" u="none" strike="noStrike" dirty="0">
+                        <a:rPr lang="de-DE" sz="900" b="0" i="0" u="none" strike="noStrike" dirty="0">
                           <a:solidFill>
                             <a:srgbClr val="000000"/>
                           </a:solidFill>
@@ -3071,20 +3161,42 @@
                     <a:bodyPr/>
                     <a:lstStyle/>
                     <a:p>
-                      <a:pPr marL="473709" marR="343535" indent="-175895" algn="l">
+                      <a:pPr marL="301625" marR="343535" indent="-3175" algn="ctr">
                         <a:lnSpc>
                           <a:spcPct val="102200"/>
                         </a:lnSpc>
                       </a:pPr>
                       <a:r>
-                        <a:rPr lang="de-DE" sz="900">
+                        <a:rPr lang="de-DE" sz="820" dirty="0">
                           <a:solidFill>
                             <a:srgbClr val="020302"/>
                           </a:solidFill>
                           <a:latin typeface="AdobeClean-Light"/>
+                          <a:ea typeface="+mn-ea"/>
                           <a:cs typeface="AdobeClean-Light"/>
                         </a:rPr>
-                        <a:t>Geschäftszeiten/4 Stunden</a:t>
+                        <a:t>Geschäftszeiten/</a:t>
+                      </a:r>
+                      <a:br>
+                        <a:rPr lang="de-DE" sz="820" dirty="0">
+                          <a:solidFill>
+                            <a:srgbClr val="020302"/>
+                          </a:solidFill>
+                          <a:latin typeface="AdobeClean-Light"/>
+                          <a:ea typeface="+mn-ea"/>
+                          <a:cs typeface="AdobeClean-Light"/>
+                        </a:rPr>
+                      </a:br>
+                      <a:r>
+                        <a:rPr lang="de-DE" sz="820" dirty="0">
+                          <a:solidFill>
+                            <a:srgbClr val="020302"/>
+                          </a:solidFill>
+                          <a:latin typeface="AdobeClean-Light"/>
+                          <a:ea typeface="+mn-ea"/>
+                          <a:cs typeface="AdobeClean-Light"/>
+                        </a:rPr>
+                        <a:t>4 Stunden</a:t>
                       </a:r>
                     </a:p>
                   </a:txBody>
@@ -3120,9 +3232,9 @@
                     <a:bodyPr/>
                     <a:lstStyle/>
                     <a:p>
-                      <a:pPr marL="351790" marR="481330" indent="144145" algn="ctr">
+                      <a:pPr marL="404813" marR="459740" indent="1588" algn="ctr">
                         <a:lnSpc>
-                          <a:spcPct val="102299"/>
+                          <a:spcPct val="100000"/>
                         </a:lnSpc>
                       </a:pPr>
                       <a:r>
@@ -3131,16 +3243,18 @@
                             <a:srgbClr val="020302"/>
                           </a:solidFill>
                           <a:latin typeface="AdobeClean-Light"/>
+                          <a:ea typeface="+mn-ea"/>
                           <a:cs typeface="AdobeClean-Light"/>
                         </a:rPr>
                         <a:t>24x5/</a:t>
                       </a:r>
                       <a:br>
-                        <a:rPr lang="sk-SK" sz="900" dirty="0">
+                        <a:rPr lang="de-DE" sz="900" dirty="0">
                           <a:solidFill>
                             <a:srgbClr val="020302"/>
                           </a:solidFill>
                           <a:latin typeface="AdobeClean-Light"/>
+                          <a:ea typeface="+mn-ea"/>
                           <a:cs typeface="AdobeClean-Light"/>
                         </a:rPr>
                       </a:br>
@@ -3150,6 +3264,7 @@
                             <a:srgbClr val="020302"/>
                           </a:solidFill>
                           <a:latin typeface="AdobeClean-Light"/>
+                          <a:ea typeface="+mn-ea"/>
                           <a:cs typeface="AdobeClean-Light"/>
                         </a:rPr>
                         <a:t>30 Minuten</a:t>
@@ -3241,7 +3356,7 @@
                         <a:t>Die Unternehmensfunktionen des Kunden weisen eine geringfügige oder gar keine Beeinträchtigung des Service auf, es gibt jedoch eine Lösung/Problemumgehung, </a:t>
                       </a:r>
                       <a:br>
-                        <a:rPr lang="sk-SK" sz="900" b="0" i="0" u="none" strike="noStrike" dirty="0">
+                        <a:rPr lang="de-DE" sz="900" b="0" i="0" u="none" strike="noStrike" dirty="0">
                           <a:solidFill>
                             <a:srgbClr val="000000"/>
                           </a:solidFill>
@@ -3259,7 +3374,7 @@
                       </a:r>
                     </a:p>
                   </a:txBody>
-                  <a:tcPr marL="0" marR="0" marT="0" marB="0" anchor="ctr">
+                  <a:tcPr marL="0" marR="0" marT="0" marB="36000" anchor="ctr">
                     <a:lnL w="6350">
                       <a:solidFill>
                         <a:srgbClr val="B7B8B8"/>
@@ -3294,17 +3409,18 @@
                     <a:bodyPr/>
                     <a:lstStyle/>
                     <a:p>
-                      <a:pPr marL="473709" marR="343535" indent="-175895" algn="l">
+                      <a:pPr marL="301625" marR="343535" indent="-3175" algn="ctr">
                         <a:lnSpc>
                           <a:spcPct val="102200"/>
                         </a:lnSpc>
                       </a:pPr>
                       <a:r>
-                        <a:rPr lang="de-DE" sz="900">
+                        <a:rPr lang="de-DE" sz="820" dirty="0">
                           <a:solidFill>
                             <a:srgbClr val="020302"/>
                           </a:solidFill>
                           <a:latin typeface="AdobeClean-Light"/>
+                          <a:ea typeface="+mn-ea"/>
                           <a:cs typeface="AdobeClean-Light"/>
                         </a:rPr>
                         <a:t>Geschäftszeiten/6 Stunden</a:t>
@@ -3343,7 +3459,7 @@
                     <a:bodyPr/>
                     <a:lstStyle/>
                     <a:p>
-                      <a:pPr marL="508000" marR="531495" indent="1270" algn="l">
+                      <a:pPr marL="447675" marR="492125" indent="0" algn="ctr">
                         <a:lnSpc>
                           <a:spcPct val="102200"/>
                         </a:lnSpc>
@@ -3368,7 +3484,28 @@
                           <a:ea typeface="+mn-ea"/>
                           <a:cs typeface="AdobeClean-Light"/>
                         </a:rPr>
-                        <a:t>4x5/1 Stunde</a:t>
+                        <a:t>4x5/</a:t>
+                      </a:r>
+                      <a:br>
+                        <a:rPr lang="de-DE" sz="900" dirty="0">
+                          <a:solidFill>
+                            <a:srgbClr val="020302"/>
+                          </a:solidFill>
+                          <a:latin typeface="AdobeClean-Light"/>
+                          <a:ea typeface="+mn-ea"/>
+                          <a:cs typeface="AdobeClean-Light"/>
+                        </a:rPr>
+                      </a:br>
+                      <a:r>
+                        <a:rPr lang="de-DE" sz="900" dirty="0">
+                          <a:solidFill>
+                            <a:srgbClr val="020302"/>
+                          </a:solidFill>
+                          <a:latin typeface="AdobeClean-Light"/>
+                          <a:ea typeface="+mn-ea"/>
+                          <a:cs typeface="AdobeClean-Light"/>
+                        </a:rPr>
+                        <a:t>1 Stunde</a:t>
                       </a:r>
                     </a:p>
                   </a:txBody>
@@ -3428,7 +3565,7 @@
                         </a:spcBef>
                       </a:pPr>
                       <a:r>
-                        <a:rPr lang="de-DE" sz="900" b="1">
+                        <a:rPr lang="de-DE" sz="900" b="1" dirty="0">
                           <a:solidFill>
                             <a:srgbClr val="020302"/>
                           </a:solidFill>
@@ -3448,7 +3585,7 @@
                         </a:spcBef>
                       </a:pPr>
                       <a:r>
-                        <a:rPr lang="de-DE" sz="900" b="0" i="0" u="none" strike="noStrike">
+                        <a:rPr lang="de-DE" sz="900" b="0" i="0" u="none" strike="noStrike" dirty="0">
                           <a:solidFill>
                             <a:srgbClr val="000000"/>
                           </a:solidFill>
@@ -3506,26 +3643,7 @@
                           <a:latin typeface="AdobeClean-Light"/>
                           <a:cs typeface="AdobeClean-Light"/>
                         </a:rPr>
-                        <a:t>Geschäftstage/</a:t>
-                      </a:r>
-                      <a:br>
-                        <a:rPr lang="sk-SK" sz="900" dirty="0">
-                          <a:solidFill>
-                            <a:srgbClr val="020302"/>
-                          </a:solidFill>
-                          <a:latin typeface="AdobeClean-Light"/>
-                          <a:cs typeface="AdobeClean-Light"/>
-                        </a:rPr>
-                      </a:br>
-                      <a:r>
-                        <a:rPr lang="de-DE" sz="900" dirty="0">
-                          <a:solidFill>
-                            <a:srgbClr val="020302"/>
-                          </a:solidFill>
-                          <a:latin typeface="AdobeClean-Light"/>
-                          <a:cs typeface="AdobeClean-Light"/>
-                        </a:rPr>
-                        <a:t>3 Tage</a:t>
+                        <a:t>Geschäftstage/3 Tage</a:t>
                       </a:r>
                     </a:p>
                   </a:txBody>
@@ -3561,7 +3679,7 @@
                     <a:bodyPr/>
                     <a:lstStyle/>
                     <a:p>
-                      <a:pPr marL="473709" marR="343535" indent="-175895" algn="ctr">
+                      <a:pPr marL="301625" marR="343535" indent="-3175" algn="ctr">
                         <a:lnSpc>
                           <a:spcPct val="102200"/>
                         </a:lnSpc>
@@ -3577,7 +3695,7 @@
                         <a:t>Geschäftstage/</a:t>
                       </a:r>
                       <a:br>
-                        <a:rPr lang="sk-SK" sz="900" dirty="0">
+                        <a:rPr lang="de-DE" sz="900" dirty="0">
                           <a:solidFill>
                             <a:srgbClr val="020302"/>
                           </a:solidFill>
@@ -3673,7 +3791,7 @@
         <p:spPr>
           <a:xfrm>
             <a:off x="97786" y="9888626"/>
-            <a:ext cx="2645413" cy="133370"/>
+            <a:ext cx="3045463" cy="133370"/>
           </a:xfrm>
           <a:prstGeom prst="rect">
             <a:avLst/>
@@ -3701,7 +3819,47 @@
                 <a:latin typeface="Adobe Clean"/>
                 <a:cs typeface="Adobe Clean"/>
               </a:rPr>
-              <a:t>©2021 Adobe. All Rights Reserved. Adobe Confidential.</a:t>
+              <a:t>©2021 Adobe. All Rights </a:t>
+            </a:r>
+            <a:r>
+              <a:rPr lang="de-DE" sz="800" dirty="0" err="1">
+                <a:solidFill>
+                  <a:srgbClr val="6D6D6D"/>
+                </a:solidFill>
+                <a:latin typeface="Adobe Clean"/>
+                <a:cs typeface="Adobe Clean"/>
+              </a:rPr>
+              <a:t>Reserved</a:t>
+            </a:r>
+            <a:r>
+              <a:rPr lang="de-DE" sz="800" dirty="0">
+                <a:solidFill>
+                  <a:srgbClr val="6D6D6D"/>
+                </a:solidFill>
+                <a:latin typeface="Adobe Clean"/>
+                <a:cs typeface="Adobe Clean"/>
+              </a:rPr>
+              <a:t>. Adobe </a:t>
+            </a:r>
+            <a:r>
+              <a:rPr lang="de-DE" sz="800" dirty="0" err="1">
+                <a:solidFill>
+                  <a:srgbClr val="6D6D6D"/>
+                </a:solidFill>
+                <a:latin typeface="Adobe Clean"/>
+                <a:cs typeface="Adobe Clean"/>
+              </a:rPr>
+              <a:t>Confidential</a:t>
+            </a:r>
+            <a:r>
+              <a:rPr lang="de-DE" sz="800" dirty="0">
+                <a:solidFill>
+                  <a:srgbClr val="6D6D6D"/>
+                </a:solidFill>
+                <a:latin typeface="Adobe Clean"/>
+                <a:cs typeface="Adobe Clean"/>
+              </a:rPr>
+              <a:t>.</a:t>
             </a:r>
           </a:p>
         </p:txBody>
@@ -3720,7 +3878,7 @@
         </p:nvSpPr>
         <p:spPr>
           <a:xfrm>
-            <a:off x="387610" y="457200"/>
+            <a:off x="387610" y="421174"/>
             <a:ext cx="2156171" cy="200055"/>
           </a:xfrm>
           <a:prstGeom prst="rect">
@@ -3735,7 +3893,7 @@
           <a:lstStyle/>
           <a:p>
             <a:r>
-              <a:rPr lang="de-DE" sz="700" i="1" dirty="0">
+              <a:rPr lang="de-DE" sz="700" i="1">
                 <a:solidFill>
                   <a:schemeClr val="bg1"/>
                 </a:solidFill>
@@ -3760,14 +3918,14 @@
           <p:nvPr>
             <p:extLst>
               <p:ext uri="{D42A27DB-BD31-4B8C-83A1-F6EECF244321}">
-                <p14:modId xmlns:p14="http://schemas.microsoft.com/office/powerpoint/2010/main" val="1066754650"/>
+                <p14:modId xmlns:p14="http://schemas.microsoft.com/office/powerpoint/2010/main" val="1090355141"/>
               </p:ext>
             </p:extLst>
           </p:nvPr>
         </p:nvGraphicFramePr>
         <p:xfrm>
           <a:off x="273550" y="2258474"/>
-          <a:ext cx="7281935" cy="4738570"/>
+          <a:ext cx="7281935" cy="4839582"/>
         </p:xfrm>
         <a:graphic>
           <a:graphicData uri="http://schemas.openxmlformats.org/drawingml/2006/table">
@@ -3783,14 +3941,14 @@
                     </a:ext>
                   </a:extLst>
                 </a:gridCol>
-                <a:gridCol w="3042833">
+                <a:gridCol w="3123909">
                   <a:extLst>
                     <a:ext uri="{9D8B030D-6E8A-4147-A177-3AD203B41FA5}">
                       <a16:colId xmlns:a16="http://schemas.microsoft.com/office/drawing/2014/main" val="20001"/>
                     </a:ext>
                   </a:extLst>
                 </a:gridCol>
-                <a:gridCol w="1384643">
+                <a:gridCol w="1303567">
                   <a:extLst>
                     <a:ext uri="{9D8B030D-6E8A-4147-A177-3AD203B41FA5}">
                       <a16:colId xmlns:a16="http://schemas.microsoft.com/office/drawing/2014/main" val="2563521174"/>
@@ -3811,7 +3969,7 @@
                     <a:bodyPr/>
                     <a:lstStyle/>
                     <a:p>
-                      <a:endParaRPr lang="en-US" dirty="0"/>
+                      <a:endParaRPr lang="en-US"/>
                     </a:p>
                   </a:txBody>
                   <a:tcPr/>
@@ -3849,7 +4007,7 @@
                         <a:defRPr/>
                       </a:pPr>
                       <a:r>
-                        <a:rPr lang="de-DE" sz="900">
+                        <a:rPr lang="de-DE" sz="900" dirty="0">
                           <a:solidFill>
                             <a:srgbClr val="404040"/>
                           </a:solidFill>
@@ -3898,7 +4056,7 @@
                         </a:spcBef>
                       </a:pPr>
                       <a:r>
-                        <a:rPr lang="de-DE" sz="900">
+                        <a:rPr lang="de-DE" sz="900" dirty="0">
                           <a:solidFill>
                             <a:srgbClr val="FFFFFF"/>
                           </a:solidFill>
@@ -3951,7 +4109,7 @@
                     <a:bodyPr/>
                     <a:lstStyle/>
                     <a:p>
-                      <a:endParaRPr lang="en-US" dirty="0"/>
+                      <a:endParaRPr lang="en-US"/>
                     </a:p>
                   </a:txBody>
                   <a:tcPr/>
@@ -3988,7 +4146,7 @@
                         <a:tabLst/>
                         <a:defRPr/>
                       </a:pPr>
-                      <a:endParaRPr lang="en-US" sz="800" i="1" dirty="0">
+                      <a:endParaRPr lang="en-US" sz="800" i="1">
                         <a:solidFill>
                           <a:sysClr val="windowText" lastClr="000000"/>
                         </a:solidFill>
@@ -4228,7 +4386,7 @@
                           <a:spcPts val="470"/>
                         </a:spcBef>
                       </a:pPr>
-                      <a:endParaRPr sz="900" dirty="0">
+                      <a:endParaRPr sz="900">
                         <a:latin typeface="Wingdings"/>
                         <a:cs typeface="Wingdings"/>
                       </a:endParaRPr>
@@ -4269,7 +4427,7 @@
                           <a:spcPts val="470"/>
                         </a:spcBef>
                       </a:pPr>
-                      <a:endParaRPr sz="900" dirty="0">
+                      <a:endParaRPr sz="900">
                         <a:latin typeface="Wingdings"/>
                         <a:cs typeface="Wingdings"/>
                       </a:endParaRPr>
@@ -4312,7 +4470,7 @@
                           <a:spcPts val="459"/>
                         </a:spcBef>
                       </a:pPr>
-                      <a:endParaRPr sz="900" dirty="0">
+                      <a:endParaRPr sz="900">
                         <a:latin typeface="AdobeClean-Light"/>
                         <a:cs typeface="AdobeClean-Light"/>
                       </a:endParaRPr>
@@ -4386,7 +4544,7 @@
                           <a:spcPct val="100000"/>
                         </a:lnSpc>
                       </a:pPr>
-                      <a:endParaRPr sz="900" dirty="0">
+                      <a:endParaRPr sz="900">
                         <a:latin typeface="Times New Roman"/>
                         <a:cs typeface="Times New Roman"/>
                       </a:endParaRPr>
@@ -4467,7 +4625,7 @@
                           <a:spcPts val="500"/>
                         </a:spcBef>
                       </a:pPr>
-                      <a:endParaRPr sz="900" dirty="0">
+                      <a:endParaRPr sz="900">
                         <a:latin typeface="AdobeClean-Light"/>
                         <a:cs typeface="AdobeClean-Light"/>
                       </a:endParaRPr>
@@ -4559,7 +4717,7 @@
                           <a:spcPct val="100000"/>
                         </a:lnSpc>
                       </a:pPr>
-                      <a:endParaRPr sz="900" dirty="0">
+                      <a:endParaRPr sz="900">
                         <a:latin typeface="Times New Roman"/>
                         <a:cs typeface="Times New Roman"/>
                       </a:endParaRPr>
@@ -4864,7 +5022,7 @@
                           <a:spcPts val="455"/>
                         </a:spcBef>
                       </a:pPr>
-                      <a:endParaRPr sz="900" dirty="0">
+                      <a:endParaRPr sz="900">
                         <a:latin typeface="AdobeClean-Light"/>
                         <a:cs typeface="AdobeClean-Light"/>
                       </a:endParaRPr>
@@ -5022,7 +5180,7 @@
                           <a:spcPts val="455"/>
                         </a:spcBef>
                       </a:pPr>
-                      <a:endParaRPr sz="900" dirty="0">
+                      <a:endParaRPr sz="900">
                         <a:latin typeface="AdobeClean-Light"/>
                         <a:cs typeface="AdobeClean-Light"/>
                       </a:endParaRPr>
@@ -5195,7 +5353,7 @@
                           <a:spcPts val="455"/>
                         </a:spcBef>
                       </a:pPr>
-                      <a:endParaRPr sz="900" dirty="0">
+                      <a:endParaRPr sz="900">
                         <a:latin typeface="AdobeClean-Light"/>
                         <a:cs typeface="AdobeClean-Light"/>
                       </a:endParaRPr>
@@ -5236,7 +5394,7 @@
                         </a:spcBef>
                       </a:pPr>
                       <a:r>
-                        <a:rPr lang="de-DE" sz="900" dirty="0">
+                        <a:rPr lang="de-DE" sz="900">
                           <a:solidFill>
                             <a:srgbClr val="020302"/>
                           </a:solidFill>
@@ -5275,7 +5433,7 @@
                           <a:spcPts val="464"/>
                         </a:spcBef>
                       </a:pPr>
-                      <a:endParaRPr sz="900" dirty="0">
+                      <a:endParaRPr sz="900">
                         <a:latin typeface="Wingdings"/>
                         <a:cs typeface="Wingdings"/>
                       </a:endParaRPr>
@@ -5347,7 +5505,7 @@
                           <a:spcPts val="459"/>
                         </a:spcBef>
                       </a:pPr>
-                      <a:endParaRPr sz="900" dirty="0">
+                      <a:endParaRPr sz="900">
                         <a:latin typeface="AdobeClean-Light"/>
                         <a:cs typeface="AdobeClean-Light"/>
                       </a:endParaRPr>
@@ -5427,7 +5585,7 @@
                           <a:spcPts val="470"/>
                         </a:spcBef>
                       </a:pPr>
-                      <a:endParaRPr sz="900" dirty="0">
+                      <a:endParaRPr sz="900">
                         <a:latin typeface="Wingdings"/>
                         <a:cs typeface="Wingdings"/>
                       </a:endParaRPr>
@@ -5499,7 +5657,7 @@
                           <a:spcPts val="450"/>
                         </a:spcBef>
                       </a:pPr>
-                      <a:endParaRPr sz="900" dirty="0">
+                      <a:endParaRPr sz="900">
                         <a:latin typeface="AdobeClean-Light"/>
                         <a:cs typeface="AdobeClean-Light"/>
                       </a:endParaRPr>
@@ -5576,7 +5734,7 @@
                           <a:spcPct val="100000"/>
                         </a:lnSpc>
                       </a:pPr>
-                      <a:endParaRPr sz="900" dirty="0">
+                      <a:endParaRPr sz="900">
                         <a:latin typeface="Times New Roman"/>
                         <a:cs typeface="Times New Roman"/>
                       </a:endParaRPr>
@@ -5692,7 +5850,7 @@
                           <a:spcPct val="100000"/>
                         </a:lnSpc>
                       </a:pPr>
-                      <a:endParaRPr sz="900" dirty="0">
+                      <a:endParaRPr sz="900">
                         <a:latin typeface="Times New Roman"/>
                         <a:cs typeface="Times New Roman"/>
                       </a:endParaRPr>
@@ -5808,7 +5966,7 @@
                           <a:spcPct val="100000"/>
                         </a:lnSpc>
                       </a:pPr>
-                      <a:endParaRPr sz="900" dirty="0">
+                      <a:endParaRPr sz="900">
                         <a:latin typeface="Times New Roman"/>
                         <a:cs typeface="Times New Roman"/>
                       </a:endParaRPr>
@@ -5889,7 +6047,7 @@
                           <a:spcPts val="459"/>
                         </a:spcBef>
                       </a:pPr>
-                      <a:endParaRPr sz="900" dirty="0">
+                      <a:endParaRPr sz="900">
                         <a:latin typeface="AdobeClean-Light"/>
                         <a:cs typeface="AdobeClean-Light"/>
                       </a:endParaRPr>
@@ -5981,7 +6139,7 @@
                           <a:spcPct val="100000"/>
                         </a:lnSpc>
                       </a:pPr>
-                      <a:endParaRPr sz="900" dirty="0">
+                      <a:endParaRPr sz="900">
                         <a:latin typeface="Times New Roman"/>
                         <a:cs typeface="Times New Roman"/>
                       </a:endParaRPr>
@@ -6062,7 +6220,7 @@
                           <a:spcPts val="465"/>
                         </a:spcBef>
                       </a:pPr>
-                      <a:endParaRPr sz="900" dirty="0">
+                      <a:endParaRPr sz="900">
                         <a:latin typeface="AdobeClean-Light"/>
                         <a:cs typeface="AdobeClean-Light"/>
                       </a:endParaRPr>
@@ -6139,7 +6297,7 @@
                           <a:spcPct val="100000"/>
                         </a:lnSpc>
                       </a:pPr>
-                      <a:endParaRPr sz="900" dirty="0">
+                      <a:endParaRPr sz="900">
                         <a:latin typeface="Times New Roman"/>
                         <a:cs typeface="Times New Roman"/>
                       </a:endParaRPr>
@@ -6220,7 +6378,7 @@
                           <a:spcPts val="500"/>
                         </a:spcBef>
                       </a:pPr>
-                      <a:endParaRPr sz="900" dirty="0">
+                      <a:endParaRPr sz="900">
                         <a:latin typeface="AdobeClean-Light"/>
                         <a:cs typeface="AdobeClean-Light"/>
                       </a:endParaRPr>
@@ -6261,14 +6419,33 @@
                         </a:spcBef>
                       </a:pPr>
                       <a:r>
-                        <a:rPr lang="de-DE" sz="900" spc="-30" baseline="0" dirty="0">
+                        <a:rPr lang="de-DE" sz="900" dirty="0">
                           <a:solidFill>
                             <a:srgbClr val="020302"/>
                           </a:solidFill>
                           <a:latin typeface="AdobeClean-Light"/>
                           <a:cs typeface="AdobeClean-Light"/>
                         </a:rPr>
-                        <a:t>Prüfung von Freigabe, Migration, Aktualisierung und Produkt-Roadmap</a:t>
+                        <a:t>Prüfung von Freigabe, Migration, Aktualisierung </a:t>
+                      </a:r>
+                      <a:br>
+                        <a:rPr lang="de-DE" sz="900" dirty="0">
+                          <a:solidFill>
+                            <a:srgbClr val="020302"/>
+                          </a:solidFill>
+                          <a:latin typeface="AdobeClean-Light"/>
+                          <a:cs typeface="AdobeClean-Light"/>
+                        </a:rPr>
+                      </a:br>
+                      <a:r>
+                        <a:rPr lang="de-DE" sz="900" dirty="0">
+                          <a:solidFill>
+                            <a:srgbClr val="020302"/>
+                          </a:solidFill>
+                          <a:latin typeface="AdobeClean-Light"/>
+                          <a:cs typeface="AdobeClean-Light"/>
+                        </a:rPr>
+                        <a:t>und Produkt-Roadmap</a:t>
                       </a:r>
                     </a:p>
                   </a:txBody>
@@ -6297,7 +6474,7 @@
                           <a:spcPct val="100000"/>
                         </a:lnSpc>
                       </a:pPr>
-                      <a:endParaRPr sz="900" dirty="0">
+                      <a:endParaRPr sz="900">
                         <a:latin typeface="Times New Roman"/>
                         <a:cs typeface="Times New Roman"/>
                       </a:endParaRPr>
@@ -6378,7 +6555,7 @@
                           <a:spcPts val="530"/>
                         </a:spcBef>
                       </a:pPr>
-                      <a:endParaRPr sz="900" dirty="0">
+                      <a:endParaRPr sz="900">
                         <a:latin typeface="AdobeClean-Light"/>
                         <a:cs typeface="AdobeClean-Light"/>
                       </a:endParaRPr>
@@ -6428,11 +6605,25 @@
                         </a:spcBef>
                       </a:pPr>
                       <a:r>
-                        <a:rPr lang="de-DE" sz="900" spc="-30" baseline="0" dirty="0">
+                        <a:rPr lang="de-DE" sz="900" dirty="0">
                           <a:latin typeface="AdobeClean-Light"/>
                           <a:cs typeface="AdobeClean-Light"/>
                         </a:rPr>
-                        <a:t>Cloud-Support-Aktivitäten – Experience Manager as a Cloud Service</a:t>
+                        <a:t>Cloud-Support-Aktivitäten – Experience Manager </a:t>
+                      </a:r>
+                      <a:r>
+                        <a:rPr lang="de-DE" sz="900" dirty="0" err="1">
+                          <a:latin typeface="AdobeClean-Light"/>
+                          <a:cs typeface="AdobeClean-Light"/>
+                        </a:rPr>
+                        <a:t>as</a:t>
+                      </a:r>
+                      <a:r>
+                        <a:rPr lang="de-DE" sz="900" dirty="0">
+                          <a:latin typeface="AdobeClean-Light"/>
+                          <a:cs typeface="AdobeClean-Light"/>
+                        </a:rPr>
+                        <a:t> a Cloud Service</a:t>
                       </a:r>
                     </a:p>
                   </a:txBody>
@@ -6467,7 +6658,7 @@
                           <a:spcPct val="100000"/>
                         </a:lnSpc>
                       </a:pPr>
-                      <a:endParaRPr sz="900" dirty="0">
+                      <a:endParaRPr sz="900">
                         <a:latin typeface="Times New Roman"/>
                         <a:cs typeface="Times New Roman"/>
                       </a:endParaRPr>
@@ -6680,7 +6871,7 @@
                           <a:spcPct val="100000"/>
                         </a:lnSpc>
                       </a:pPr>
-                      <a:endParaRPr sz="900" dirty="0">
+                      <a:endParaRPr sz="900">
                         <a:latin typeface="Times New Roman"/>
                         <a:cs typeface="Times New Roman"/>
                       </a:endParaRPr>
@@ -6873,7 +7064,7 @@
                     <a:lstStyle/>
                     <a:p>
                       <a:pPr algn="l" rtl="0"/>
-                      <a:endParaRPr lang="en-US" dirty="0"/>
+                      <a:endParaRPr lang="en-US"/>
                     </a:p>
                   </a:txBody>
                   <a:tcPr marL="0" marR="0" marT="0" marB="0">
@@ -6994,7 +7185,7 @@
           <p:nvPr/>
         </p:nvPicPr>
         <p:blipFill>
-          <a:blip r:embed="rId2" cstate="print"/>
+          <a:blip r:embed="rId3" cstate="print"/>
           <a:stretch>
             <a:fillRect/>
           </a:stretch>
@@ -7016,9 +7207,9 @@
           <p:nvPr/>
         </p:nvSpPr>
         <p:spPr>
-          <a:xfrm flipV="1">
-            <a:off x="357339" y="851768"/>
-            <a:ext cx="1942628" cy="45719"/>
+          <a:xfrm>
+            <a:off x="357339" y="897486"/>
+            <a:ext cx="1942628" cy="47539"/>
           </a:xfrm>
           <a:custGeom>
             <a:avLst/>
@@ -7060,7 +7251,7 @@
         <p:spPr>
           <a:xfrm>
             <a:off x="357339" y="608961"/>
-            <a:ext cx="2407636" cy="228268"/>
+            <a:ext cx="2052486" cy="228268"/>
           </a:xfrm>
           <a:prstGeom prst="rect">
             <a:avLst/>
@@ -7101,8 +7292,8 @@
         </p:nvSpPr>
         <p:spPr>
           <a:xfrm>
-            <a:off x="2868165" y="1433668"/>
-            <a:ext cx="2370593" cy="936154"/>
+            <a:off x="2868166" y="1433668"/>
+            <a:ext cx="2370593" cy="843821"/>
           </a:xfrm>
           <a:prstGeom prst="rect">
             <a:avLst/>
@@ -7123,54 +7314,52 @@
               </a:spcBef>
             </a:pPr>
             <a:r>
-              <a:rPr lang="de-DE" sz="1000" spc="-40" dirty="0">
+              <a:rPr lang="de-DE" sz="900" dirty="0">
                 <a:solidFill>
                   <a:srgbClr val="4B4B4B"/>
                 </a:solidFill>
                 <a:latin typeface="AdobeClean-Light"/>
                 <a:cs typeface="AdobeClean-Light"/>
               </a:rPr>
-              <a:t>Ein spezifischer Support-Mitarbeiter, der sich mit Ihrer Lösungsumgebung und Ihren</a:t>
-            </a:r>
-            <a:r>
-              <a:rPr lang="sk-SK" sz="1000" spc="-40" dirty="0">
+              <a:t>Ein spezifischer Support-Mitarbeiter, der sich </a:t>
+            </a:r>
+            <a:br>
+              <a:rPr lang="de-DE" sz="900" dirty="0">
                 <a:solidFill>
                   <a:srgbClr val="4B4B4B"/>
                 </a:solidFill>
                 <a:latin typeface="AdobeClean-Light"/>
                 <a:cs typeface="AdobeClean-Light"/>
               </a:rPr>
-              <a:t> </a:t>
-            </a:r>
-            <a:r>
-              <a:rPr lang="de-DE" sz="1000" spc="-40" dirty="0">
+            </a:br>
+            <a:r>
+              <a:rPr lang="de-DE" sz="900" dirty="0">
                 <a:solidFill>
                   <a:srgbClr val="4B4B4B"/>
                 </a:solidFill>
                 <a:latin typeface="AdobeClean-Light"/>
                 <a:cs typeface="AdobeClean-Light"/>
               </a:rPr>
-              <a:t>Unternehmenszielen vertraut macht. Der spezifische Support-Mitarbeiter ist ein</a:t>
-            </a:r>
-            <a:r>
-              <a:rPr lang="sk-SK" sz="1000" spc="-40" dirty="0">
+              <a:t>mit Ihrer Lösungsumgebung und Ihren Unternehmenszielen vertraut macht. </a:t>
+            </a:r>
+            <a:br>
+              <a:rPr lang="de-DE" sz="900" dirty="0">
                 <a:solidFill>
                   <a:srgbClr val="4B4B4B"/>
                 </a:solidFill>
                 <a:latin typeface="AdobeClean-Light"/>
                 <a:cs typeface="AdobeClean-Light"/>
               </a:rPr>
-              <a:t> </a:t>
-            </a:r>
-            <a:r>
-              <a:rPr lang="de-DE" sz="1000" spc="-40" dirty="0">
+            </a:br>
+            <a:r>
+              <a:rPr lang="de-DE" sz="900" dirty="0">
                 <a:solidFill>
                   <a:srgbClr val="4B4B4B"/>
                 </a:solidFill>
                 <a:latin typeface="AdobeClean-Light"/>
                 <a:cs typeface="AdobeClean-Light"/>
               </a:rPr>
-              <a:t>erfahrener Support-Engineer, der Sie bei der Koordination Ihres Enterprise Support-Erlebnisses unterstützt.</a:t>
+              <a:t>Der spezifische Support-Mitarbeiter ist ein erfahrener Support-Engineer, der Sie bei der Koordination Ihres Enterprise Support-Angebots unterstützt.</a:t>
             </a:r>
           </a:p>
         </p:txBody>
@@ -7184,7 +7373,7 @@
           <p:nvPr/>
         </p:nvPicPr>
         <p:blipFill>
-          <a:blip r:embed="rId3" cstate="print"/>
+          <a:blip r:embed="rId4" cstate="print"/>
           <a:stretch>
             <a:fillRect/>
           </a:stretch>
@@ -7208,15 +7397,15 @@
           <p:nvPr/>
         </p:nvPicPr>
         <p:blipFill>
-          <a:blip r:embed="rId4" cstate="print"/>
+          <a:blip r:embed="rId5" cstate="print"/>
           <a:stretch>
             <a:fillRect/>
           </a:stretch>
         </p:blipFill>
         <p:spPr>
           <a:xfrm>
-            <a:off x="5257800" y="2561747"/>
-            <a:ext cx="365760" cy="365760"/>
+            <a:off x="5276602" y="2551974"/>
+            <a:ext cx="328156" cy="328156"/>
           </a:xfrm>
           <a:prstGeom prst="rect">
             <a:avLst/>
@@ -7231,8 +7420,8 @@
         </p:nvSpPr>
         <p:spPr>
           <a:xfrm>
-            <a:off x="5333364" y="1433668"/>
-            <a:ext cx="2394269" cy="936154"/>
+            <a:off x="5333365" y="1433668"/>
+            <a:ext cx="2373256" cy="843821"/>
           </a:xfrm>
           <a:prstGeom prst="rect">
             <a:avLst/>
@@ -7253,14 +7442,52 @@
               </a:spcBef>
             </a:pPr>
             <a:r>
-              <a:rPr lang="de-DE" sz="1000" dirty="0">
+              <a:rPr lang="de-DE" sz="900" dirty="0">
                 <a:solidFill>
                   <a:srgbClr val="4B4B4B"/>
                 </a:solidFill>
                 <a:latin typeface="AdobeClean-Light"/>
                 <a:cs typeface="AdobeClean-Light"/>
               </a:rPr>
-              <a:t>Fortlaufende planmäßige Prüfung offener Support-Anfragen, um sicherzustellen, dass Kunden über Fallbeschreibung, geschäftliche Auswirkungen, Status, Priorität und die nächsten Schritte für eine zweckdienliche Lösung auf dem Laufenden sind.</a:t>
+              <a:t>Fortlaufende planmäßige Prüfung offener Support-Anfragen, um sicherzustellen, </a:t>
+            </a:r>
+            <a:br>
+              <a:rPr lang="de-DE" sz="900" dirty="0">
+                <a:solidFill>
+                  <a:srgbClr val="4B4B4B"/>
+                </a:solidFill>
+                <a:latin typeface="AdobeClean-Light"/>
+                <a:cs typeface="AdobeClean-Light"/>
+              </a:rPr>
+            </a:br>
+            <a:r>
+              <a:rPr lang="de-DE" sz="900" dirty="0">
+                <a:solidFill>
+                  <a:srgbClr val="4B4B4B"/>
+                </a:solidFill>
+                <a:latin typeface="AdobeClean-Light"/>
+                <a:cs typeface="AdobeClean-Light"/>
+              </a:rPr>
+              <a:t>dass Kunden über Fallbeschreibung, geschäftliche Auswirkungen, Status, Priorität und die nächsten Schritte für eine zweckdienliche Lösung auf </a:t>
+            </a:r>
+            <a:br>
+              <a:rPr lang="de-DE" sz="900" dirty="0">
+                <a:solidFill>
+                  <a:srgbClr val="4B4B4B"/>
+                </a:solidFill>
+                <a:latin typeface="AdobeClean-Light"/>
+                <a:cs typeface="AdobeClean-Light"/>
+              </a:rPr>
+            </a:br>
+            <a:r>
+              <a:rPr lang="de-DE" sz="900" dirty="0">
+                <a:solidFill>
+                  <a:srgbClr val="4B4B4B"/>
+                </a:solidFill>
+                <a:latin typeface="AdobeClean-Light"/>
+                <a:cs typeface="AdobeClean-Light"/>
+              </a:rPr>
+              <a:t>dem Laufenden sind.</a:t>
             </a:r>
           </a:p>
         </p:txBody>
@@ -7274,7 +7501,7 @@
           <p:nvPr/>
         </p:nvPicPr>
         <p:blipFill>
-          <a:blip r:embed="rId5" cstate="print"/>
+          <a:blip r:embed="rId6" cstate="print"/>
           <a:stretch>
             <a:fillRect/>
           </a:stretch>
@@ -7298,7 +7525,7 @@
         <p:spPr>
           <a:xfrm>
             <a:off x="324340" y="1433668"/>
-            <a:ext cx="2249511" cy="936154"/>
+            <a:ext cx="2226087" cy="705321"/>
           </a:xfrm>
           <a:prstGeom prst="rect">
             <a:avLst/>
@@ -7319,17 +7546,17 @@
               </a:spcBef>
             </a:pPr>
             <a:r>
-              <a:rPr lang="de-DE" sz="1000" dirty="0">
+              <a:rPr lang="de-DE" sz="900" dirty="0">
                 <a:solidFill>
                   <a:srgbClr val="020302"/>
                 </a:solidFill>
                 <a:latin typeface="AdobeClean-Light"/>
                 <a:cs typeface="AdobeClean-Light"/>
               </a:rPr>
-              <a:t>Ein spezifischer Technical Account Manager, der Ihr Elite-Erlebnis überwacht, die Support- und Außendienstinteraktionen koordiniert und proaktiv Services bereitstellt, um Ihren Unternehmenswert </a:t>
+              <a:t>Ein spezifischer Technical Account Manager, </a:t>
             </a:r>
             <a:br>
-              <a:rPr lang="sk-SK" sz="1000" dirty="0">
+              <a:rPr lang="de-DE" sz="900" dirty="0">
                 <a:solidFill>
                   <a:srgbClr val="020302"/>
                 </a:solidFill>
@@ -7338,14 +7565,33 @@
               </a:rPr>
             </a:br>
             <a:r>
-              <a:rPr lang="de-DE" sz="1000" dirty="0">
+              <a:rPr lang="de-DE" sz="900" dirty="0">
                 <a:solidFill>
                   <a:srgbClr val="020302"/>
                 </a:solidFill>
                 <a:latin typeface="AdobeClean-Light"/>
                 <a:cs typeface="AdobeClean-Light"/>
               </a:rPr>
-              <a:t>zu maximieren.</a:t>
+              <a:t>der Ihr Elite-Erlebnis überwacht, die Support- und Außendienstinteraktionen koordiniert </a:t>
+            </a:r>
+            <a:br>
+              <a:rPr lang="de-DE" sz="900" dirty="0">
+                <a:solidFill>
+                  <a:srgbClr val="020302"/>
+                </a:solidFill>
+                <a:latin typeface="AdobeClean-Light"/>
+                <a:cs typeface="AdobeClean-Light"/>
+              </a:rPr>
+            </a:br>
+            <a:r>
+              <a:rPr lang="de-DE" sz="900" dirty="0">
+                <a:solidFill>
+                  <a:srgbClr val="020302"/>
+                </a:solidFill>
+                <a:latin typeface="AdobeClean-Light"/>
+                <a:cs typeface="AdobeClean-Light"/>
+              </a:rPr>
+              <a:t>und proaktiv Services bereitstellt, um Ihren Unternehmenswert zu maximieren.</a:t>
             </a:r>
           </a:p>
         </p:txBody>
@@ -7401,7 +7647,7 @@
           <p:nvPr/>
         </p:nvPicPr>
         <p:blipFill>
-          <a:blip r:embed="rId6" cstate="print"/>
+          <a:blip r:embed="rId7" cstate="print"/>
           <a:stretch>
             <a:fillRect/>
           </a:stretch>
@@ -7425,7 +7671,7 @@
           <p:nvPr/>
         </p:nvPicPr>
         <p:blipFill>
-          <a:blip r:embed="rId7" cstate="print"/>
+          <a:blip r:embed="rId8" cstate="print"/>
           <a:stretch>
             <a:fillRect/>
           </a:stretch>
@@ -7448,8 +7694,8 @@
         </p:nvSpPr>
         <p:spPr>
           <a:xfrm>
-            <a:off x="2791726" y="5243920"/>
-            <a:ext cx="2194560" cy="499111"/>
+            <a:off x="2791726" y="5202645"/>
+            <a:ext cx="2194560" cy="451342"/>
           </a:xfrm>
           <a:prstGeom prst="rect">
             <a:avLst/>
@@ -7470,52 +7716,14 @@
               </a:spcBef>
             </a:pPr>
             <a:r>
-              <a:rPr lang="de-DE" sz="1000" dirty="0">
+              <a:rPr lang="de-DE" sz="900" dirty="0">
                 <a:solidFill>
                   <a:srgbClr val="020302"/>
                 </a:solidFill>
                 <a:latin typeface="AdobeClean-Light"/>
                 <a:cs typeface="AdobeClean-Light"/>
               </a:rPr>
-              <a:t>Laufender Wissenstransfer vom </a:t>
-            </a:r>
-            <a:br>
-              <a:rPr lang="sk-SK" sz="1000" dirty="0">
-                <a:solidFill>
-                  <a:srgbClr val="020302"/>
-                </a:solidFill>
-                <a:latin typeface="AdobeClean-Light"/>
-                <a:cs typeface="AdobeClean-Light"/>
-              </a:rPr>
-            </a:br>
-            <a:r>
-              <a:rPr lang="de-DE" sz="1000" dirty="0">
-                <a:solidFill>
-                  <a:srgbClr val="020302"/>
-                </a:solidFill>
-                <a:latin typeface="AdobeClean-Light"/>
-                <a:cs typeface="AdobeClean-Light"/>
-              </a:rPr>
-              <a:t>Adobe Support-Team, um Best Practices </a:t>
-            </a:r>
-            <a:br>
-              <a:rPr lang="sk-SK" sz="1000" dirty="0">
-                <a:solidFill>
-                  <a:srgbClr val="020302"/>
-                </a:solidFill>
-                <a:latin typeface="AdobeClean-Light"/>
-                <a:cs typeface="AdobeClean-Light"/>
-              </a:rPr>
-            </a:br>
-            <a:r>
-              <a:rPr lang="de-DE" sz="1000" dirty="0">
-                <a:solidFill>
-                  <a:srgbClr val="020302"/>
-                </a:solidFill>
-                <a:latin typeface="AdobeClean-Light"/>
-                <a:cs typeface="AdobeClean-Light"/>
-              </a:rPr>
-              <a:t>zur Lösungsnutzung bereitzustellen.</a:t>
+              <a:t>Laufender Wissenstransfer vom Adobe Support-Team, um Best Practices zur Lösungsnutzung bereitzustellen.</a:t>
             </a:r>
           </a:p>
         </p:txBody>
@@ -7528,8 +7736,8 @@
         </p:nvSpPr>
         <p:spPr>
           <a:xfrm>
-            <a:off x="5265660" y="5243920"/>
-            <a:ext cx="2482881" cy="758862"/>
+            <a:off x="5265661" y="5202645"/>
+            <a:ext cx="2399629" cy="758862"/>
           </a:xfrm>
           <a:prstGeom prst="rect">
             <a:avLst/>
@@ -7550,7 +7758,7 @@
               </a:spcBef>
             </a:pPr>
             <a:r>
-              <a:rPr lang="de-DE" sz="900" dirty="0">
+              <a:rPr lang="de-DE" sz="900" spc="-10" dirty="0">
                 <a:solidFill>
                   <a:srgbClr val="020302"/>
                 </a:solidFill>
@@ -7560,7 +7768,7 @@
               <a:t>Verwalten Sie wichtige Ereignisse, um sicherzustellen, dass Sie während dieser zentralen Unternehmens- </a:t>
             </a:r>
             <a:br>
-              <a:rPr lang="sk-SK" sz="900" dirty="0">
+              <a:rPr lang="de-DE" sz="900" spc="-10" dirty="0">
                 <a:solidFill>
                   <a:srgbClr val="020302"/>
                 </a:solidFill>
@@ -7569,7 +7777,7 @@
               </a:rPr>
             </a:br>
             <a:r>
-              <a:rPr lang="de-DE" sz="900" dirty="0">
+              <a:rPr lang="de-DE" sz="900" spc="-10" dirty="0">
                 <a:solidFill>
                   <a:srgbClr val="020302"/>
                 </a:solidFill>
@@ -7589,8 +7797,8 @@
         </p:nvSpPr>
         <p:spPr>
           <a:xfrm>
-            <a:off x="324340" y="5228045"/>
-            <a:ext cx="2467386" cy="791755"/>
+            <a:off x="324340" y="5220929"/>
+            <a:ext cx="2329959" cy="791755"/>
           </a:xfrm>
           <a:prstGeom prst="rect">
             <a:avLst/>
@@ -7611,16 +7819,16 @@
               </a:spcBef>
             </a:pPr>
             <a:r>
-              <a:rPr lang="sk-SK" sz="900" dirty="0">
+              <a:rPr lang="de-DE" sz="900" dirty="0">
                 <a:solidFill>
                   <a:srgbClr val="020302"/>
                 </a:solidFill>
                 <a:latin typeface="AdobeClean-Light"/>
                 <a:cs typeface="AdobeClean-Light"/>
               </a:rPr>
-              <a:t>S</a:t>
-            </a:r>
-            <a:r>
+              <a:t>Sie erhalten personalisierte Anleitungen zu </a:t>
+            </a:r>
+            <a:br>
               <a:rPr lang="de-DE" sz="900" dirty="0">
                 <a:solidFill>
                   <a:srgbClr val="020302"/>
@@ -7628,83 +7836,16 @@
                 <a:latin typeface="AdobeClean-Light"/>
                 <a:cs typeface="AdobeClean-Light"/>
               </a:rPr>
-              <a:t>ie erhalten personalisierte Anleitungen </a:t>
-            </a:r>
-            <a:br>
-              <a:rPr lang="sk-SK" sz="900" dirty="0">
+            </a:br>
+            <a:r>
+              <a:rPr lang="de-DE" sz="900" dirty="0">
                 <a:solidFill>
                   <a:srgbClr val="020302"/>
                 </a:solidFill>
                 <a:latin typeface="AdobeClean-Light"/>
                 <a:cs typeface="AdobeClean-Light"/>
               </a:rPr>
-            </a:br>
-            <a:r>
-              <a:rPr lang="de-DE" sz="900" dirty="0">
-                <a:solidFill>
-                  <a:srgbClr val="020302"/>
-                </a:solidFill>
-                <a:latin typeface="AdobeClean-Light"/>
-                <a:cs typeface="AdobeClean-Light"/>
-              </a:rPr>
-              <a:t>zu neuen Produktfunktionen, um die neuesten</a:t>
-            </a:r>
-            <a:br>
-              <a:rPr lang="sk-SK" sz="900" dirty="0">
-                <a:solidFill>
-                  <a:srgbClr val="020302"/>
-                </a:solidFill>
-                <a:latin typeface="AdobeClean-Light"/>
-                <a:cs typeface="AdobeClean-Light"/>
-              </a:rPr>
-            </a:br>
-            <a:r>
-              <a:rPr lang="de-DE" sz="900" dirty="0">
-                <a:solidFill>
-                  <a:srgbClr val="020302"/>
-                </a:solidFill>
-                <a:latin typeface="AdobeClean-Light"/>
-                <a:cs typeface="AdobeClean-Light"/>
-              </a:rPr>
-              <a:t>Innovationen nutzen zu können, und eine Prüfung </a:t>
-            </a:r>
-            <a:br>
-              <a:rPr lang="sk-SK" sz="900" dirty="0">
-                <a:solidFill>
-                  <a:srgbClr val="020302"/>
-                </a:solidFill>
-                <a:latin typeface="AdobeClean-Light"/>
-                <a:cs typeface="AdobeClean-Light"/>
-              </a:rPr>
-            </a:br>
-            <a:r>
-              <a:rPr lang="de-DE" sz="900" dirty="0">
-                <a:solidFill>
-                  <a:srgbClr val="020302"/>
-                </a:solidFill>
-                <a:latin typeface="AdobeClean-Light"/>
-                <a:cs typeface="AdobeClean-Light"/>
-              </a:rPr>
-              <a:t>des Veröffentlichungs- und Aktualisierungsplans </a:t>
-            </a:r>
-            <a:br>
-              <a:rPr lang="sk-SK" sz="900" dirty="0">
-                <a:solidFill>
-                  <a:srgbClr val="020302"/>
-                </a:solidFill>
-                <a:latin typeface="AdobeClean-Light"/>
-                <a:cs typeface="AdobeClean-Light"/>
-              </a:rPr>
-            </a:br>
-            <a:r>
-              <a:rPr lang="de-DE" sz="900" dirty="0">
-                <a:solidFill>
-                  <a:srgbClr val="020302"/>
-                </a:solidFill>
-                <a:latin typeface="AdobeClean-Light"/>
-                <a:cs typeface="AdobeClean-Light"/>
-              </a:rPr>
-              <a:t>durch Adobe-Experten.</a:t>
+              <a:t>neuen Produktfunktionen, um die neuesten Innovationen nutzen zu können, und eine Prüfung des Veröffentlichungs- und Aktualisierungsplans durch Adobe-Experten.</a:t>
             </a:r>
           </a:p>
         </p:txBody>
@@ -7717,8 +7858,8 @@
         </p:nvSpPr>
         <p:spPr>
           <a:xfrm>
-            <a:off x="97787" y="9888626"/>
-            <a:ext cx="3082618" cy="133370"/>
+            <a:off x="97787" y="9865765"/>
+            <a:ext cx="3036898" cy="133370"/>
           </a:xfrm>
           <a:prstGeom prst="rect">
             <a:avLst/>
@@ -7746,7 +7887,47 @@
                 <a:latin typeface="Adobe Clean"/>
                 <a:cs typeface="Adobe Clean"/>
               </a:rPr>
-              <a:t>©2021 Adobe. All Rights Reserved. Adobe Confidential.</a:t>
+              <a:t>©2021 Adobe. All Rights </a:t>
+            </a:r>
+            <a:r>
+              <a:rPr lang="de-DE" sz="800" dirty="0" err="1">
+                <a:solidFill>
+                  <a:srgbClr val="6D6D6D"/>
+                </a:solidFill>
+                <a:latin typeface="Adobe Clean"/>
+                <a:cs typeface="Adobe Clean"/>
+              </a:rPr>
+              <a:t>Reserved</a:t>
+            </a:r>
+            <a:r>
+              <a:rPr lang="de-DE" sz="800" dirty="0">
+                <a:solidFill>
+                  <a:srgbClr val="6D6D6D"/>
+                </a:solidFill>
+                <a:latin typeface="Adobe Clean"/>
+                <a:cs typeface="Adobe Clean"/>
+              </a:rPr>
+              <a:t>. Adobe </a:t>
+            </a:r>
+            <a:r>
+              <a:rPr lang="de-DE" sz="800" dirty="0" err="1">
+                <a:solidFill>
+                  <a:srgbClr val="6D6D6D"/>
+                </a:solidFill>
+                <a:latin typeface="Adobe Clean"/>
+                <a:cs typeface="Adobe Clean"/>
+              </a:rPr>
+              <a:t>Confidential</a:t>
+            </a:r>
+            <a:r>
+              <a:rPr lang="de-DE" sz="800" dirty="0">
+                <a:solidFill>
+                  <a:srgbClr val="6D6D6D"/>
+                </a:solidFill>
+                <a:latin typeface="Adobe Clean"/>
+                <a:cs typeface="Adobe Clean"/>
+              </a:rPr>
+              <a:t>.</a:t>
             </a:r>
           </a:p>
         </p:txBody>
@@ -7766,13 +7947,13 @@
           <p:nvPr/>
         </p:nvPicPr>
         <p:blipFill>
-          <a:blip r:embed="rId8" cstate="print">
+          <a:blip r:embed="rId9" cstate="print">
             <a:extLst>
               <a:ext uri="{28A0092B-C50C-407E-A947-70E740481C1C}">
                 <a14:useLocalDpi xmlns:a14="http://schemas.microsoft.com/office/drawing/2010/main" val="0"/>
               </a:ext>
               <a:ext uri="{96DAC541-7B7A-43D3-8B79-37D633B846F1}">
-                <asvg:svgBlip xmlns:asvg="http://schemas.microsoft.com/office/drawing/2016/SVG/main" r:embed="rId9"/>
+                <asvg:svgBlip xmlns:asvg="http://schemas.microsoft.com/office/drawing/2016/SVG/main" r:embed="rId10"/>
               </a:ext>
             </a:extLst>
           </a:blip>
@@ -7805,7 +7986,7 @@
         <p:spPr>
           <a:xfrm>
             <a:off x="2791726" y="9060487"/>
-            <a:ext cx="2194560" cy="795089"/>
+            <a:ext cx="2233770" cy="579646"/>
           </a:xfrm>
           <a:prstGeom prst="rect">
             <a:avLst/>
@@ -7829,33 +8010,14 @@
               </a:tabLst>
             </a:pPr>
             <a:r>
-              <a:rPr lang="de-DE" sz="1000" dirty="0">
+              <a:rPr lang="de-DE" sz="900" dirty="0">
                 <a:solidFill>
                   <a:srgbClr val="020302"/>
                 </a:solidFill>
                 <a:latin typeface="AdobeClean-Light"/>
                 <a:cs typeface="AdobeClean-Light"/>
               </a:rPr>
-              <a:t>Starten Sie eine Chat-Session, </a:t>
-            </a:r>
-            <a:br>
-              <a:rPr lang="sk-SK" sz="1000" dirty="0">
-                <a:solidFill>
-                  <a:srgbClr val="020302"/>
-                </a:solidFill>
-                <a:latin typeface="AdobeClean-Light"/>
-                <a:cs typeface="AdobeClean-Light"/>
-              </a:rPr>
-            </a:br>
-            <a:r>
-              <a:rPr lang="de-DE" sz="1000" dirty="0">
-                <a:solidFill>
-                  <a:srgbClr val="020302"/>
-                </a:solidFill>
-                <a:latin typeface="AdobeClean-Light"/>
-                <a:cs typeface="AdobeClean-Light"/>
-              </a:rPr>
-              <a:t>um Antworten und Hilfe bei der Fallübermittlung zu erhalten</a:t>
+              <a:t>Starten Sie eine Chat-Session, um Antworten und Hilfe bei der Fallübermittlung zu erhalten.</a:t>
             </a:r>
           </a:p>
           <a:p>
@@ -7871,17 +8033,17 @@
               </a:tabLst>
             </a:pPr>
             <a:r>
-              <a:rPr lang="de-DE" sz="1000" i="1" dirty="0">
+              <a:rPr lang="de-DE" sz="900" i="1" dirty="0">
                 <a:solidFill>
                   <a:srgbClr val="7A7A7A"/>
                 </a:solidFill>
                 <a:latin typeface="AdobeClean-LightIt"/>
                 <a:cs typeface="AdobeClean-LightIt"/>
               </a:rPr>
-              <a:t>*Nicht alle Produkte verfügen</a:t>
+              <a:t>*Nicht alle Produkte verfügen </a:t>
             </a:r>
             <a:br>
-              <a:rPr lang="sk-SK" sz="1000" i="1" dirty="0">
+              <a:rPr lang="de-DE" sz="900" i="1" dirty="0">
                 <a:solidFill>
                   <a:srgbClr val="7A7A7A"/>
                 </a:solidFill>
@@ -7890,24 +8052,14 @@
               </a:rPr>
             </a:br>
             <a:r>
-              <a:rPr lang="de-DE" sz="1000" i="1" dirty="0">
+              <a:rPr lang="de-DE" sz="900" i="1" dirty="0">
                 <a:solidFill>
                   <a:srgbClr val="7A7A7A"/>
                 </a:solidFill>
                 <a:latin typeface="AdobeClean-LightIt"/>
                 <a:cs typeface="AdobeClean-LightIt"/>
               </a:rPr>
-              <a:t>über Live-Chat-Support</a:t>
-            </a:r>
-            <a:r>
-              <a:rPr lang="de-DE" sz="900" i="1" dirty="0">
-                <a:solidFill>
-                  <a:srgbClr val="7A7A7A"/>
-                </a:solidFill>
-                <a:latin typeface="AdobeClean-LightIt"/>
-                <a:cs typeface="AdobeClean-LightIt"/>
-              </a:rPr>
-              <a:t>.  </a:t>
+              <a:t>über Live-Chat-Support.  </a:t>
             </a:r>
           </a:p>
         </p:txBody>
@@ -8028,7 +8180,7 @@
         <p:spPr>
           <a:xfrm>
             <a:off x="324341" y="7152361"/>
-            <a:ext cx="2194560" cy="1113125"/>
+            <a:ext cx="2233770" cy="866904"/>
           </a:xfrm>
           <a:prstGeom prst="rect">
             <a:avLst/>
@@ -8041,16 +8193,16 @@
           <a:lstStyle/>
           <a:p>
             <a:r>
-              <a:rPr lang="de-DE" sz="1000" dirty="0">
+              <a:rPr lang="de-DE" sz="900" dirty="0">
                 <a:solidFill>
                   <a:srgbClr val="4B4B4B"/>
                 </a:solidFill>
                 <a:latin typeface="Adobe Clean Light" panose="020B0303020404020204" pitchFamily="34" charset="0"/>
               </a:rPr>
-              <a:t>Kontinuierlicher Online-Zugriff auf eine wachsende Datenbank technischer Lösungen, Produktdokumentationen, </a:t>
+              <a:t>Kontinuierlicher Online-Zugriff auf eine wachsende Datenbank technischer Lösungen, Produktdokumentationen, FAQs und mehr. Tauschen Sie sich mit Fachleuten und anderen Kunden in der Adobe-Community über </a:t>
             </a:r>
             <a:br>
-              <a:rPr lang="sk-SK" sz="1000" dirty="0">
+              <a:rPr lang="de-DE" sz="900" dirty="0">
                 <a:solidFill>
                   <a:srgbClr val="4B4B4B"/>
                 </a:solidFill>
@@ -8058,64 +8210,13 @@
               </a:rPr>
             </a:br>
             <a:r>
-              <a:rPr lang="de-DE" sz="1000" dirty="0">
+              <a:rPr lang="de-DE" sz="900" dirty="0">
                 <a:solidFill>
                   <a:srgbClr val="4B4B4B"/>
                 </a:solidFill>
                 <a:latin typeface="Adobe Clean Light" panose="020B0303020404020204" pitchFamily="34" charset="0"/>
               </a:rPr>
-              <a:t>FAQs und mehr. Tauschen Sie sich </a:t>
-            </a:r>
-            <a:br>
-              <a:rPr lang="sk-SK" sz="1000" dirty="0">
-                <a:solidFill>
-                  <a:srgbClr val="4B4B4B"/>
-                </a:solidFill>
-                <a:latin typeface="Adobe Clean Light" panose="020B0303020404020204" pitchFamily="34" charset="0"/>
-              </a:rPr>
-            </a:br>
-            <a:r>
-              <a:rPr lang="de-DE" sz="1000" dirty="0">
-                <a:solidFill>
-                  <a:srgbClr val="4B4B4B"/>
-                </a:solidFill>
-                <a:latin typeface="Adobe Clean Light" panose="020B0303020404020204" pitchFamily="34" charset="0"/>
-              </a:rPr>
-              <a:t>mit Fachleuten und anderen Kunden </a:t>
-            </a:r>
-            <a:br>
-              <a:rPr lang="sk-SK" sz="1000" dirty="0">
-                <a:solidFill>
-                  <a:srgbClr val="4B4B4B"/>
-                </a:solidFill>
-                <a:latin typeface="Adobe Clean Light" panose="020B0303020404020204" pitchFamily="34" charset="0"/>
-              </a:rPr>
-            </a:br>
-            <a:r>
-              <a:rPr lang="de-DE" sz="1000" dirty="0">
-                <a:solidFill>
-                  <a:srgbClr val="4B4B4B"/>
-                </a:solidFill>
-                <a:latin typeface="Adobe Clean Light" panose="020B0303020404020204" pitchFamily="34" charset="0"/>
-              </a:rPr>
-              <a:t>in der Adobe-Community über </a:t>
-            </a:r>
-            <a:br>
-              <a:rPr lang="sk-SK" sz="1000" dirty="0">
-                <a:solidFill>
-                  <a:srgbClr val="4B4B4B"/>
-                </a:solidFill>
-                <a:latin typeface="Adobe Clean Light" panose="020B0303020404020204" pitchFamily="34" charset="0"/>
-              </a:rPr>
-            </a:br>
-            <a:r>
-              <a:rPr lang="de-DE" sz="1000" dirty="0">
-                <a:solidFill>
-                  <a:srgbClr val="4B4B4B"/>
-                </a:solidFill>
-                <a:latin typeface="Adobe Clean Light" panose="020B0303020404020204" pitchFamily="34" charset="0"/>
-              </a:rPr>
-              <a:t>Best Practices und Erfahrungen aus</a:t>
+              <a:t>Best Practices und Erfahrungen aus.</a:t>
             </a:r>
           </a:p>
         </p:txBody>
@@ -8190,7 +8291,7 @@
         <p:spPr>
           <a:xfrm>
             <a:off x="5723508" y="6960100"/>
-            <a:ext cx="1316707" cy="184666"/>
+            <a:ext cx="1682961" cy="184666"/>
           </a:xfrm>
           <a:prstGeom prst="rect">
             <a:avLst/>
@@ -8211,12 +8312,20 @@
               </a:spcAft>
             </a:pPr>
             <a:r>
-              <a:rPr lang="de-DE" sz="1200" b="1">
+              <a:rPr lang="de-DE" sz="1200" b="1" spc="-10" dirty="0" err="1">
                 <a:latin typeface="+mj-lt"/>
                 <a:ea typeface="Open Sans" pitchFamily="34" charset="0"/>
                 <a:cs typeface="Open Sans" pitchFamily="34" charset="0"/>
               </a:rPr>
-              <a:t>Journeys für die Selbsthilfe</a:t>
+              <a:t>Journeys</a:t>
+            </a:r>
+            <a:r>
+              <a:rPr lang="de-DE" sz="1200" b="1" spc="-10" dirty="0">
+                <a:latin typeface="+mj-lt"/>
+                <a:ea typeface="Open Sans" pitchFamily="34" charset="0"/>
+                <a:cs typeface="Open Sans" pitchFamily="34" charset="0"/>
+              </a:rPr>
+              <a:t> für die Selbsthilfe</a:t>
             </a:r>
           </a:p>
         </p:txBody>
@@ -8236,7 +8345,7 @@
         <p:spPr>
           <a:xfrm>
             <a:off x="5265661" y="7152361"/>
-            <a:ext cx="2194560" cy="1113125"/>
+            <a:ext cx="2233770" cy="866904"/>
           </a:xfrm>
           <a:prstGeom prst="rect">
             <a:avLst/>
@@ -8249,16 +8358,16 @@
           <a:lstStyle/>
           <a:p>
             <a:r>
-              <a:rPr lang="de-DE" sz="1000" dirty="0">
+              <a:rPr lang="de-DE" sz="900" dirty="0">
                 <a:solidFill>
                   <a:srgbClr val="4B4B4B"/>
                 </a:solidFill>
                 <a:latin typeface="Adobe Clean Light" panose="020B0303020404020204" pitchFamily="34" charset="0"/>
               </a:rPr>
-              <a:t>Experience Maker entstehen in der Experience League. Kunden können durch personalisiertes Lernen ihre Customer-Experience-Management-Fähigkeiten entwickeln, mit einer globalen Community anderer Anwender interagieren und </a:t>
+              <a:t>Experience Maker entstehen in der Experience League. Kunden können durch personalisiertes Lernen ihre Customer-Experience-Management-Fähigkeiten entwickeln, mit einer globalen Community anderer Anwender interagieren </a:t>
             </a:r>
             <a:br>
-              <a:rPr lang="sk-SK" sz="1000" dirty="0">
+              <a:rPr lang="de-DE" sz="900" dirty="0">
                 <a:solidFill>
                   <a:srgbClr val="4B4B4B"/>
                 </a:solidFill>
@@ -8266,13 +8375,13 @@
               </a:rPr>
             </a:br>
             <a:r>
-              <a:rPr lang="de-DE" sz="1000" dirty="0">
+              <a:rPr lang="de-DE" sz="900" dirty="0">
                 <a:solidFill>
                   <a:srgbClr val="4B4B4B"/>
                 </a:solidFill>
                 <a:latin typeface="Adobe Clean Light" panose="020B0303020404020204" pitchFamily="34" charset="0"/>
               </a:rPr>
-              <a:t>so ihre eigene Karriere fördern</a:t>
+              <a:t>und so ihre eigene Karriere fördern.</a:t>
             </a:r>
           </a:p>
         </p:txBody>
@@ -8494,7 +8603,7 @@
         <p:spPr>
           <a:xfrm>
             <a:off x="2791726" y="7152361"/>
-            <a:ext cx="2194560" cy="1113125"/>
+            <a:ext cx="2233770" cy="728405"/>
           </a:xfrm>
           <a:prstGeom prst="rect">
             <a:avLst/>
@@ -8507,7 +8616,7 @@
           <a:lstStyle/>
           <a:p>
             <a:r>
-              <a:rPr lang="de-DE" sz="1000" dirty="0">
+              <a:rPr lang="de-DE" sz="900" dirty="0">
                 <a:solidFill>
                   <a:srgbClr val="020302"/>
                 </a:solidFill>
@@ -8516,7 +8625,7 @@
               <a:t>Autorisierte Anwender oder </a:t>
             </a:r>
             <a:r>
-              <a:rPr lang="de-DE" sz="1000" b="1" dirty="0">
+              <a:rPr lang="de-DE" sz="900" b="1" dirty="0">
                 <a:solidFill>
                   <a:srgbClr val="020302"/>
                 </a:solidFill>
@@ -8525,43 +8634,10 @@
               <a:t>spezifische Support-Kontakte</a:t>
             </a:r>
             <a:r>
-              <a:rPr lang="de-DE" sz="1000" dirty="0">
+              <a:rPr lang="de-DE" sz="900" dirty="0">
                 <a:latin typeface="Adobe Clean Light" panose="020B0303020404020204" pitchFamily="34" charset="0"/>
               </a:rPr>
-              <a:t> können Probleme </a:t>
-            </a:r>
-            <a:br>
-              <a:rPr lang="sk-SK" sz="1000" dirty="0">
-                <a:latin typeface="Adobe Clean Light" panose="020B0303020404020204" pitchFamily="34" charset="0"/>
-              </a:rPr>
-            </a:br>
-            <a:r>
-              <a:rPr lang="de-DE" sz="1000" dirty="0">
-                <a:latin typeface="Adobe Clean Light" panose="020B0303020404020204" pitchFamily="34" charset="0"/>
-              </a:rPr>
-              <a:t>über alle verfügbaren Kanäle </a:t>
-            </a:r>
-            <a:br>
-              <a:rPr lang="sk-SK" sz="1000" dirty="0">
-                <a:latin typeface="Adobe Clean Light" panose="020B0303020404020204" pitchFamily="34" charset="0"/>
-              </a:rPr>
-            </a:br>
-            <a:r>
-              <a:rPr lang="de-DE" sz="1000" dirty="0">
-                <a:latin typeface="Adobe Clean Light" panose="020B0303020404020204" pitchFamily="34" charset="0"/>
-              </a:rPr>
-              <a:t>(einschließlich Telefon für P1) einreichen und im Namen Ihres Unternehmens </a:t>
-            </a:r>
-            <a:br>
-              <a:rPr lang="sk-SK" sz="1000" dirty="0">
-                <a:latin typeface="Adobe Clean Light" panose="020B0303020404020204" pitchFamily="34" charset="0"/>
-              </a:rPr>
-            </a:br>
-            <a:r>
-              <a:rPr lang="de-DE" sz="1000" dirty="0">
-                <a:latin typeface="Adobe Clean Light" panose="020B0303020404020204" pitchFamily="34" charset="0"/>
-              </a:rPr>
-              <a:t>mit unserem technischen Support-Team interagieren. </a:t>
+              <a:t> können Probleme über alle verfügbaren Kanäle (einschließlich Telefon für P1) einreichen und im Namen Ihres Unternehmens mit unserem technischen Support-Team interagieren. </a:t>
             </a:r>
           </a:p>
         </p:txBody>
@@ -8580,8 +8656,8 @@
         </p:nvSpPr>
         <p:spPr>
           <a:xfrm>
-            <a:off x="214971" y="6477000"/>
-            <a:ext cx="2084996" cy="45719"/>
+            <a:off x="214971" y="6586303"/>
+            <a:ext cx="2109129" cy="56818"/>
           </a:xfrm>
           <a:custGeom>
             <a:avLst/>
@@ -8730,7 +8806,7 @@
         <p:spPr>
           <a:xfrm>
             <a:off x="355868" y="9026059"/>
-            <a:ext cx="2194560" cy="805349"/>
+            <a:ext cx="2298432" cy="728405"/>
           </a:xfrm>
           <a:prstGeom prst="rect">
             <a:avLst/>
@@ -8743,13 +8819,30 @@
           <a:lstStyle/>
           <a:p>
             <a:r>
-              <a:rPr lang="de-DE" sz="1000" spc="-30" dirty="0">
+              <a:rPr lang="de-DE" sz="900" dirty="0">
                 <a:solidFill>
                   <a:srgbClr val="4B4B4B"/>
                 </a:solidFill>
                 <a:latin typeface="Adobe Clean Light" panose="020B0303020404020204" pitchFamily="34" charset="0"/>
               </a:rPr>
-              <a:t>Die vom Adobe Support-Team geleitete Office Hours-Reihe umfasst Sessions mit informativem Inhalt sowie Angebote zur Problembehebung sowie Tipps und Tricks für den Erfolg bei der Nutzung von Adobe-Lösungen. </a:t>
+              <a:t>Die vom Adobe Support-Team geleitete Office Hours-Reihe umfasst Sessions mit informativem Inhalt sowie Angebote zur Problembehebung sowie Tipps und Tricks für den Erfolg bei </a:t>
+            </a:r>
+            <a:br>
+              <a:rPr lang="de-DE" sz="900" dirty="0">
+                <a:solidFill>
+                  <a:srgbClr val="4B4B4B"/>
+                </a:solidFill>
+                <a:latin typeface="Adobe Clean Light" panose="020B0303020404020204" pitchFamily="34" charset="0"/>
+              </a:rPr>
+            </a:br>
+            <a:r>
+              <a:rPr lang="de-DE" sz="900" dirty="0">
+                <a:solidFill>
+                  <a:srgbClr val="4B4B4B"/>
+                </a:solidFill>
+                <a:latin typeface="Adobe Clean Light" panose="020B0303020404020204" pitchFamily="34" charset="0"/>
+              </a:rPr>
+              <a:t>der Nutzung von Adobe-Lösungen. </a:t>
             </a:r>
           </a:p>
         </p:txBody>
@@ -8870,7 +8963,7 @@
         <p:spPr>
           <a:xfrm>
             <a:off x="5265661" y="8987081"/>
-            <a:ext cx="2408952" cy="959237"/>
+            <a:ext cx="2341638" cy="728405"/>
           </a:xfrm>
           <a:prstGeom prst="rect">
             <a:avLst/>
@@ -8883,7 +8976,7 @@
           <a:lstStyle/>
           <a:p>
             <a:r>
-              <a:rPr lang="de-DE" sz="1000" dirty="0">
+              <a:rPr lang="de-DE" sz="900" spc="-10" dirty="0">
                 <a:solidFill>
                   <a:srgbClr val="4B4B4B"/>
                 </a:solidFill>
@@ -8909,13 +9002,13 @@
           <p:nvPr/>
         </p:nvPicPr>
         <p:blipFill>
-          <a:blip r:embed="rId10">
+          <a:blip r:embed="rId11">
             <a:extLst>
               <a:ext uri="{28A0092B-C50C-407E-A947-70E740481C1C}">
                 <a14:useLocalDpi xmlns:a14="http://schemas.microsoft.com/office/drawing/2010/main" val="0"/>
               </a:ext>
               <a:ext uri="{96DAC541-7B7A-43D3-8B79-37D633B846F1}">
-                <asvg:svgBlip xmlns:asvg="http://schemas.microsoft.com/office/drawing/2016/SVG/main" r:embed="rId11"/>
+                <asvg:svgBlip xmlns:asvg="http://schemas.microsoft.com/office/drawing/2016/SVG/main" r:embed="rId12"/>
               </a:ext>
             </a:extLst>
           </a:blip>
@@ -8948,13 +9041,13 @@
           <p:nvPr/>
         </p:nvPicPr>
         <p:blipFill>
-          <a:blip r:embed="rId12">
+          <a:blip r:embed="rId13">
             <a:extLst>
               <a:ext uri="{28A0092B-C50C-407E-A947-70E740481C1C}">
                 <a14:useLocalDpi xmlns:a14="http://schemas.microsoft.com/office/drawing/2010/main" val="0"/>
               </a:ext>
               <a:ext uri="{96DAC541-7B7A-43D3-8B79-37D633B846F1}">
-                <asvg:svgBlip xmlns:asvg="http://schemas.microsoft.com/office/drawing/2016/SVG/main" r:embed="rId13"/>
+                <asvg:svgBlip xmlns:asvg="http://schemas.microsoft.com/office/drawing/2016/SVG/main" r:embed="rId14"/>
               </a:ext>
             </a:extLst>
           </a:blip>
@@ -8987,13 +9080,13 @@
           <p:nvPr/>
         </p:nvPicPr>
         <p:blipFill>
-          <a:blip r:embed="rId14">
+          <a:blip r:embed="rId15">
             <a:extLst>
               <a:ext uri="{28A0092B-C50C-407E-A947-70E740481C1C}">
                 <a14:useLocalDpi xmlns:a14="http://schemas.microsoft.com/office/drawing/2010/main" val="0"/>
               </a:ext>
               <a:ext uri="{96DAC541-7B7A-43D3-8B79-37D633B846F1}">
-                <asvg:svgBlip xmlns:asvg="http://schemas.microsoft.com/office/drawing/2016/SVG/main" r:embed="rId15"/>
+                <asvg:svgBlip xmlns:asvg="http://schemas.microsoft.com/office/drawing/2016/SVG/main" r:embed="rId16"/>
               </a:ext>
             </a:extLst>
           </a:blip>
@@ -9026,13 +9119,13 @@
           <p:nvPr/>
         </p:nvPicPr>
         <p:blipFill>
-          <a:blip r:embed="rId16">
+          <a:blip r:embed="rId17">
             <a:extLst>
               <a:ext uri="{28A0092B-C50C-407E-A947-70E740481C1C}">
                 <a14:useLocalDpi xmlns:a14="http://schemas.microsoft.com/office/drawing/2010/main" val="0"/>
               </a:ext>
               <a:ext uri="{96DAC541-7B7A-43D3-8B79-37D633B846F1}">
-                <asvg:svgBlip xmlns:asvg="http://schemas.microsoft.com/office/drawing/2016/SVG/main" r:embed="rId17"/>
+                <asvg:svgBlip xmlns:asvg="http://schemas.microsoft.com/office/drawing/2016/SVG/main" r:embed="rId18"/>
               </a:ext>
             </a:extLst>
           </a:blip>
@@ -9065,13 +9158,13 @@
           <p:nvPr/>
         </p:nvPicPr>
         <p:blipFill>
-          <a:blip r:embed="rId18">
+          <a:blip r:embed="rId19">
             <a:extLst>
               <a:ext uri="{28A0092B-C50C-407E-A947-70E740481C1C}">
                 <a14:useLocalDpi xmlns:a14="http://schemas.microsoft.com/office/drawing/2010/main" val="0"/>
               </a:ext>
               <a:ext uri="{96DAC541-7B7A-43D3-8B79-37D633B846F1}">
-                <asvg:svgBlip xmlns:asvg="http://schemas.microsoft.com/office/drawing/2016/SVG/main" r:embed="rId19"/>
+                <asvg:svgBlip xmlns:asvg="http://schemas.microsoft.com/office/drawing/2016/SVG/main" r:embed="rId20"/>
               </a:ext>
             </a:extLst>
           </a:blip>
@@ -9104,13 +9197,13 @@
           <p:nvPr/>
         </p:nvPicPr>
         <p:blipFill>
-          <a:blip r:embed="rId20">
+          <a:blip r:embed="rId21">
             <a:extLst>
               <a:ext uri="{28A0092B-C50C-407E-A947-70E740481C1C}">
                 <a14:useLocalDpi xmlns:a14="http://schemas.microsoft.com/office/drawing/2010/main" val="0"/>
               </a:ext>
               <a:ext uri="{96DAC541-7B7A-43D3-8B79-37D633B846F1}">
-                <asvg:svgBlip xmlns:asvg="http://schemas.microsoft.com/office/drawing/2016/SVG/main" r:embed="rId21"/>
+                <asvg:svgBlip xmlns:asvg="http://schemas.microsoft.com/office/drawing/2016/SVG/main" r:embed="rId22"/>
               </a:ext>
             </a:extLst>
           </a:blip>
@@ -9197,7 +9290,7 @@
         </p:nvSpPr>
         <p:spPr>
           <a:xfrm>
-            <a:off x="214971" y="6172200"/>
+            <a:off x="214971" y="6263324"/>
             <a:ext cx="1930978" cy="307777"/>
           </a:xfrm>
           <a:prstGeom prst="rect">
@@ -9428,7 +9521,7 @@
         <p:spPr>
           <a:xfrm>
             <a:off x="324341" y="4031705"/>
-            <a:ext cx="2249510" cy="672172"/>
+            <a:ext cx="2085484" cy="605102"/>
           </a:xfrm>
           <a:prstGeom prst="rect">
             <a:avLst/>
@@ -9449,14 +9542,33 @@
               </a:spcBef>
             </a:pPr>
             <a:r>
-              <a:rPr lang="de-DE" sz="1000" dirty="0">
+              <a:rPr lang="de-DE" sz="900" dirty="0">
                 <a:solidFill>
                   <a:srgbClr val="020302"/>
                 </a:solidFill>
                 <a:latin typeface="AdobeClean-Light"/>
                 <a:cs typeface="AdobeClean-Light"/>
               </a:rPr>
-              <a:t>Proaktive Prüfung Ihrer Lösungsimplementierung, -konfiguration und -architektur, einschließlich Integrationen.</a:t>
+              <a:t>Proaktive Prüfung Ihrer Lösungsimplementierung, </a:t>
+            </a:r>
+            <a:br>
+              <a:rPr lang="de-DE" sz="900" dirty="0">
+                <a:solidFill>
+                  <a:srgbClr val="020302"/>
+                </a:solidFill>
+                <a:latin typeface="AdobeClean-Light"/>
+                <a:cs typeface="AdobeClean-Light"/>
+              </a:rPr>
+            </a:br>
+            <a:r>
+              <a:rPr lang="de-DE" sz="900" dirty="0">
+                <a:solidFill>
+                  <a:srgbClr val="020302"/>
+                </a:solidFill>
+                <a:latin typeface="AdobeClean-Light"/>
+                <a:cs typeface="AdobeClean-Light"/>
+              </a:rPr>
+              <a:t>-konfiguration und -architektur, einschließlich Integrationen.</a:t>
             </a:r>
           </a:p>
         </p:txBody>
@@ -9476,7 +9588,7 @@
         <p:spPr>
           <a:xfrm>
             <a:off x="5265660" y="4031705"/>
-            <a:ext cx="2354339" cy="652615"/>
+            <a:ext cx="2341639" cy="589457"/>
           </a:xfrm>
           <a:prstGeom prst="rect">
             <a:avLst/>
@@ -9497,14 +9609,14 @@
               </a:spcBef>
             </a:pPr>
             <a:r>
-              <a:rPr lang="de-DE" sz="1000" dirty="0">
+              <a:rPr lang="de-DE" sz="900" dirty="0">
                 <a:solidFill>
                   <a:srgbClr val="020302"/>
                 </a:solidFill>
                 <a:latin typeface="AdobeClean-Light"/>
                 <a:cs typeface="AdobeClean-Light"/>
               </a:rPr>
-              <a:t>Sie erhalten Best Practices für die Wartung und aktuelle Fehlerbehebungen (SPs, MR, Patches, FPs), damit Sie bei allen Wartungsprüfungen auf dem neuesten Stand sind</a:t>
+              <a:t>Sie erhalten Best Practices für die Wartung und aktuelle Fehlerbehebungen (SPs, MR, Patches, FPs), damit Sie bei allen Wartungsprüfungen auf dem neuesten Stand sind.</a:t>
             </a:r>
           </a:p>
         </p:txBody>
@@ -9523,15 +9635,15 @@
         </p:nvSpPr>
         <p:spPr>
           <a:xfrm>
-            <a:off x="2852427" y="2847845"/>
-            <a:ext cx="2194560" cy="615553"/>
+            <a:off x="2852426" y="2847845"/>
+            <a:ext cx="2305425" cy="553998"/>
           </a:xfrm>
           <a:prstGeom prst="rect">
             <a:avLst/>
           </a:prstGeom>
         </p:spPr>
         <p:txBody>
-          <a:bodyPr lIns="0" tIns="0" rIns="0" bIns="0">
+          <a:bodyPr wrap="square" lIns="0" tIns="0" rIns="0" bIns="0">
             <a:spAutoFit/>
           </a:bodyPr>
           <a:lstStyle/>
@@ -9542,14 +9654,71 @@
               </a:spcBef>
             </a:pPr>
             <a:r>
-              <a:rPr lang="de-DE" sz="1000" dirty="0">
+              <a:rPr lang="de-DE" sz="900" dirty="0">
                 <a:solidFill>
                   <a:srgbClr val="4B4B4B"/>
                 </a:solidFill>
                 <a:latin typeface="AdobeClean-Light"/>
                 <a:cs typeface="AdobeClean-Light"/>
               </a:rPr>
-              <a:t>Fortlaufende Prüfung der Services, Support-Metriken und Bereitstellungen des Elite-Programms, einschließlich eines zukunftsorientierten Plans</a:t>
+              <a:t>Fortlaufende Prüfung der Services, </a:t>
+            </a:r>
+            <a:br>
+              <a:rPr lang="de-DE" sz="900" dirty="0">
+                <a:solidFill>
+                  <a:srgbClr val="4B4B4B"/>
+                </a:solidFill>
+                <a:latin typeface="AdobeClean-Light"/>
+                <a:cs typeface="AdobeClean-Light"/>
+              </a:rPr>
+            </a:br>
+            <a:r>
+              <a:rPr lang="de-DE" sz="900" dirty="0">
+                <a:solidFill>
+                  <a:srgbClr val="4B4B4B"/>
+                </a:solidFill>
+                <a:latin typeface="AdobeClean-Light"/>
+                <a:cs typeface="AdobeClean-Light"/>
+              </a:rPr>
+              <a:t>Support-Metriken und Bereitstellungen </a:t>
+            </a:r>
+            <a:br>
+              <a:rPr lang="de-DE" sz="900" dirty="0">
+                <a:solidFill>
+                  <a:srgbClr val="4B4B4B"/>
+                </a:solidFill>
+                <a:latin typeface="AdobeClean-Light"/>
+                <a:cs typeface="AdobeClean-Light"/>
+              </a:rPr>
+            </a:br>
+            <a:r>
+              <a:rPr lang="de-DE" sz="900" dirty="0">
+                <a:solidFill>
+                  <a:srgbClr val="4B4B4B"/>
+                </a:solidFill>
+                <a:latin typeface="AdobeClean-Light"/>
+                <a:cs typeface="AdobeClean-Light"/>
+              </a:rPr>
+              <a:t>des Elite-Programms, einschließlich </a:t>
+            </a:r>
+            <a:br>
+              <a:rPr lang="de-DE" sz="900" dirty="0">
+                <a:solidFill>
+                  <a:srgbClr val="4B4B4B"/>
+                </a:solidFill>
+                <a:latin typeface="AdobeClean-Light"/>
+                <a:cs typeface="AdobeClean-Light"/>
+              </a:rPr>
+            </a:br>
+            <a:r>
+              <a:rPr lang="de-DE" sz="900" dirty="0">
+                <a:solidFill>
+                  <a:srgbClr val="4B4B4B"/>
+                </a:solidFill>
+                <a:latin typeface="AdobeClean-Light"/>
+                <a:cs typeface="AdobeClean-Light"/>
+              </a:rPr>
+              <a:t>eines zukunftsorientierten Plans</a:t>
             </a:r>
           </a:p>
         </p:txBody>
@@ -9568,8 +9737,8 @@
         </p:nvSpPr>
         <p:spPr>
           <a:xfrm>
-            <a:off x="5431520" y="2895600"/>
-            <a:ext cx="2340880" cy="615553"/>
+            <a:off x="5431519" y="2854370"/>
+            <a:ext cx="2233771" cy="553998"/>
           </a:xfrm>
           <a:prstGeom prst="rect">
             <a:avLst/>
@@ -9587,14 +9756,33 @@
               </a:spcBef>
             </a:pPr>
             <a:r>
-              <a:rPr lang="de-DE" sz="1000" dirty="0">
+              <a:rPr lang="de-DE" sz="900" dirty="0">
                 <a:solidFill>
                   <a:srgbClr val="4B4B4B"/>
                 </a:solidFill>
                 <a:latin typeface="AdobeClean-Light"/>
                 <a:cs typeface="AdobeClean-Light"/>
               </a:rPr>
-              <a:t>Eine 60-minütige Session mit Konzentration auf eine bestimmte Produktfunktion und deren Nutzung zum Lösen gängiger Unternehmensprobleme.</a:t>
+              <a:t>Eine 60-minütige Session mit Konzentration auf eine bestimmte Produktfunktion </a:t>
+            </a:r>
+            <a:br>
+              <a:rPr lang="de-DE" sz="900" dirty="0">
+                <a:solidFill>
+                  <a:srgbClr val="4B4B4B"/>
+                </a:solidFill>
+                <a:latin typeface="AdobeClean-Light"/>
+                <a:cs typeface="AdobeClean-Light"/>
+              </a:rPr>
+            </a:br>
+            <a:r>
+              <a:rPr lang="de-DE" sz="900" dirty="0">
+                <a:solidFill>
+                  <a:srgbClr val="4B4B4B"/>
+                </a:solidFill>
+                <a:latin typeface="AdobeClean-Light"/>
+                <a:cs typeface="AdobeClean-Light"/>
+              </a:rPr>
+              <a:t>und deren Nutzung zum Lösen gängiger Unternehmensprobleme.</a:t>
             </a:r>
           </a:p>
         </p:txBody>
@@ -9613,8 +9801,8 @@
         </p:nvSpPr>
         <p:spPr>
           <a:xfrm>
-            <a:off x="324341" y="2842848"/>
-            <a:ext cx="2428138" cy="615553"/>
+            <a:off x="324340" y="2842848"/>
+            <a:ext cx="2233771" cy="692497"/>
           </a:xfrm>
           <a:prstGeom prst="rect">
             <a:avLst/>
@@ -9632,14 +9820,90 @@
               </a:spcBef>
             </a:pPr>
             <a:r>
-              <a:rPr lang="de-DE" sz="1000" spc="-50" dirty="0">
+              <a:rPr lang="de-DE" sz="900" dirty="0">
                 <a:solidFill>
                   <a:srgbClr val="4B4B4B"/>
                 </a:solidFill>
                 <a:latin typeface="AdobeClean-Light"/>
                 <a:cs typeface="AdobeClean-Light"/>
               </a:rPr>
-              <a:t>Ein spezifischer Ansprechpartner innerhalb von Adobe, der Unterstützung bei Eskalation und regelmäßigen Updates bietet und sicherstellt, dass die wichtigsten offenen Support-Anfragen priorisiert werden.</a:t>
+              <a:t>Ein spezifischer Ansprechpartner innerhalb </a:t>
+            </a:r>
+            <a:br>
+              <a:rPr lang="de-DE" sz="900" dirty="0">
+                <a:solidFill>
+                  <a:srgbClr val="4B4B4B"/>
+                </a:solidFill>
+                <a:latin typeface="AdobeClean-Light"/>
+                <a:cs typeface="AdobeClean-Light"/>
+              </a:rPr>
+            </a:br>
+            <a:r>
+              <a:rPr lang="de-DE" sz="900" dirty="0">
+                <a:solidFill>
+                  <a:srgbClr val="4B4B4B"/>
+                </a:solidFill>
+                <a:latin typeface="AdobeClean-Light"/>
+                <a:cs typeface="AdobeClean-Light"/>
+              </a:rPr>
+              <a:t>von Adobe, der Unterstützung bei Eskalation </a:t>
+            </a:r>
+            <a:br>
+              <a:rPr lang="de-DE" sz="900" dirty="0">
+                <a:solidFill>
+                  <a:srgbClr val="4B4B4B"/>
+                </a:solidFill>
+                <a:latin typeface="AdobeClean-Light"/>
+                <a:cs typeface="AdobeClean-Light"/>
+              </a:rPr>
+            </a:br>
+            <a:r>
+              <a:rPr lang="de-DE" sz="900" dirty="0">
+                <a:solidFill>
+                  <a:srgbClr val="4B4B4B"/>
+                </a:solidFill>
+                <a:latin typeface="AdobeClean-Light"/>
+                <a:cs typeface="AdobeClean-Light"/>
+              </a:rPr>
+              <a:t>und regelmäßigen Updates bietet und </a:t>
+            </a:r>
+            <a:br>
+              <a:rPr lang="de-DE" sz="900" dirty="0">
+                <a:solidFill>
+                  <a:srgbClr val="4B4B4B"/>
+                </a:solidFill>
+                <a:latin typeface="AdobeClean-Light"/>
+                <a:cs typeface="AdobeClean-Light"/>
+              </a:rPr>
+            </a:br>
+            <a:r>
+              <a:rPr lang="de-DE" sz="900" dirty="0">
+                <a:solidFill>
+                  <a:srgbClr val="4B4B4B"/>
+                </a:solidFill>
+                <a:latin typeface="AdobeClean-Light"/>
+                <a:cs typeface="AdobeClean-Light"/>
+              </a:rPr>
+              <a:t>sicherstellt, dass die wichtigsten offenen </a:t>
+            </a:r>
+            <a:br>
+              <a:rPr lang="de-DE" sz="900" dirty="0">
+                <a:solidFill>
+                  <a:srgbClr val="4B4B4B"/>
+                </a:solidFill>
+                <a:latin typeface="AdobeClean-Light"/>
+                <a:cs typeface="AdobeClean-Light"/>
+              </a:rPr>
+            </a:br>
+            <a:r>
+              <a:rPr lang="de-DE" sz="900" dirty="0">
+                <a:solidFill>
+                  <a:srgbClr val="4B4B4B"/>
+                </a:solidFill>
+                <a:latin typeface="AdobeClean-Light"/>
+                <a:cs typeface="AdobeClean-Light"/>
+              </a:rPr>
+              <a:t>Support-Anfragen priorisiert werden.</a:t>
             </a:r>
           </a:p>
         </p:txBody>
@@ -9658,8 +9922,8 @@
         </p:nvSpPr>
         <p:spPr>
           <a:xfrm>
-            <a:off x="3153726" y="1126245"/>
-            <a:ext cx="2194560" cy="169277"/>
+            <a:off x="3153726" y="1078620"/>
+            <a:ext cx="2194560" cy="338554"/>
           </a:xfrm>
           <a:prstGeom prst="rect">
             <a:avLst/>
@@ -9677,14 +9941,33 @@
               </a:spcBef>
             </a:pPr>
             <a:r>
-              <a:rPr lang="de-DE" sz="1100" b="1">
+              <a:rPr lang="de-DE" sz="1100" b="1" dirty="0">
                 <a:solidFill>
                   <a:srgbClr val="020302"/>
                 </a:solidFill>
                 <a:latin typeface="Adobe Clean" panose="020B0503020404020204" pitchFamily="34" charset="0"/>
                 <a:cs typeface="Arial"/>
               </a:rPr>
-              <a:t>Spezifischer Support-Mitarbeiter</a:t>
+              <a:t>Spezifischer Support-</a:t>
+            </a:r>
+            <a:br>
+              <a:rPr lang="de-DE" sz="1100" b="1" dirty="0">
+                <a:solidFill>
+                  <a:srgbClr val="020302"/>
+                </a:solidFill>
+                <a:latin typeface="Adobe Clean" panose="020B0503020404020204" pitchFamily="34" charset="0"/>
+                <a:cs typeface="Arial"/>
+              </a:rPr>
+            </a:br>
+            <a:r>
+              <a:rPr lang="de-DE" sz="1100" b="1" dirty="0">
+                <a:solidFill>
+                  <a:srgbClr val="020302"/>
+                </a:solidFill>
+                <a:latin typeface="Adobe Clean" panose="020B0503020404020204" pitchFamily="34" charset="0"/>
+                <a:cs typeface="Arial"/>
+              </a:rPr>
+              <a:t>Mitarbeiter</a:t>
             </a:r>
           </a:p>
         </p:txBody>
@@ -9793,8 +10076,8 @@
         </p:nvSpPr>
         <p:spPr>
           <a:xfrm>
-            <a:off x="3138805" y="3778989"/>
-            <a:ext cx="2194560" cy="169277"/>
+            <a:off x="3138805" y="3686914"/>
+            <a:ext cx="2194560" cy="338554"/>
           </a:xfrm>
           <a:prstGeom prst="rect">
             <a:avLst/>
@@ -9812,14 +10095,33 @@
               </a:spcBef>
             </a:pPr>
             <a:r>
-              <a:rPr lang="de-DE" sz="1100" b="1">
+              <a:rPr lang="de-DE" sz="1100" b="1" dirty="0">
                 <a:solidFill>
                   <a:srgbClr val="020302"/>
                 </a:solidFill>
                 <a:latin typeface="Adobe Clean" panose="020B0503020404020204" pitchFamily="34" charset="0"/>
                 <a:cs typeface="Adobe Clean"/>
               </a:rPr>
-              <a:t>Prüfung der Lösungs-Roadmap</a:t>
+              <a:t>Prüfung der Lösungs-</a:t>
+            </a:r>
+            <a:br>
+              <a:rPr lang="de-DE" sz="1100" b="1" dirty="0">
+                <a:solidFill>
+                  <a:srgbClr val="020302"/>
+                </a:solidFill>
+                <a:latin typeface="Adobe Clean" panose="020B0503020404020204" pitchFamily="34" charset="0"/>
+                <a:cs typeface="Adobe Clean"/>
+              </a:rPr>
+            </a:br>
+            <a:r>
+              <a:rPr lang="de-DE" sz="1100" b="1" dirty="0">
+                <a:solidFill>
+                  <a:srgbClr val="020302"/>
+                </a:solidFill>
+                <a:latin typeface="Adobe Clean" panose="020B0503020404020204" pitchFamily="34" charset="0"/>
+                <a:cs typeface="Adobe Clean"/>
+              </a:rPr>
+              <a:t>Roadmap</a:t>
             </a:r>
           </a:p>
         </p:txBody>
@@ -10018,7 +10320,7 @@
         </p:nvSpPr>
         <p:spPr>
           <a:xfrm>
-            <a:off x="683086" y="4863599"/>
+            <a:off x="689237" y="4849456"/>
             <a:ext cx="2194560" cy="338554"/>
           </a:xfrm>
           <a:prstGeom prst="rect">
@@ -10044,10 +10346,10 @@
                 <a:latin typeface="Adobe Clean" panose="020B0503020404020204" pitchFamily="34" charset="0"/>
                 <a:cs typeface="Adobe Clean"/>
               </a:rPr>
-              <a:t>Vorbereitung und Prüfung</a:t>
+              <a:t>Vorbereitung und Prüfung </a:t>
             </a:r>
             <a:br>
-              <a:rPr lang="sk-SK" sz="1100" b="1" dirty="0">
+              <a:rPr lang="de-DE" sz="1100" b="1" dirty="0">
                 <a:solidFill>
                   <a:srgbClr val="020302"/>
                 </a:solidFill>
@@ -10063,7 +10365,7 @@
                 <a:latin typeface="Adobe Clean" panose="020B0503020404020204" pitchFamily="34" charset="0"/>
                 <a:cs typeface="Adobe Clean"/>
               </a:rPr>
-              <a:t> für neue Versionen</a:t>
+              <a:t>für neue Versionen</a:t>
             </a:r>
           </a:p>
         </p:txBody>
@@ -10082,7 +10384,7 @@
         </p:nvSpPr>
         <p:spPr>
           <a:xfrm>
-            <a:off x="3113405" y="4935181"/>
+            <a:off x="3113405" y="4893906"/>
             <a:ext cx="2194560" cy="169277"/>
           </a:xfrm>
           <a:prstGeom prst="rect">
@@ -10130,7 +10432,7 @@
         </p:nvSpPr>
         <p:spPr>
           <a:xfrm>
-            <a:off x="5723508" y="4935181"/>
+            <a:off x="5723508" y="4893906"/>
             <a:ext cx="2194560" cy="169277"/>
           </a:xfrm>
           <a:prstGeom prst="rect">
@@ -10289,13 +10591,13 @@
           <p:nvPr/>
         </p:nvPicPr>
         <p:blipFill>
-          <a:blip r:embed="rId22">
+          <a:blip r:embed="rId23">
             <a:extLst>
               <a:ext uri="{28A0092B-C50C-407E-A947-70E740481C1C}">
                 <a14:useLocalDpi xmlns:a14="http://schemas.microsoft.com/office/drawing/2010/main" val="0"/>
               </a:ext>
               <a:ext uri="{96DAC541-7B7A-43D3-8B79-37D633B846F1}">
-                <asvg:svgBlip xmlns:asvg="http://schemas.microsoft.com/office/drawing/2016/SVG/main" r:embed="rId23"/>
+                <asvg:svgBlip xmlns:asvg="http://schemas.microsoft.com/office/drawing/2016/SVG/main" r:embed="rId24"/>
               </a:ext>
             </a:extLst>
           </a:blip>
@@ -10328,7 +10630,7 @@
           <p:nvPr/>
         </p:nvPicPr>
         <p:blipFill>
-          <a:blip r:embed="rId24"/>
+          <a:blip r:embed="rId25"/>
           <a:stretch>
             <a:fillRect/>
           </a:stretch>
@@ -10358,14 +10660,14 @@
           <p:nvPr/>
         </p:nvPicPr>
         <p:blipFill>
-          <a:blip r:embed="rId25"/>
+          <a:blip r:embed="rId26"/>
           <a:stretch>
             <a:fillRect/>
           </a:stretch>
         </p:blipFill>
         <p:spPr>
           <a:xfrm>
-            <a:off x="355868" y="4878393"/>
+            <a:off x="355868" y="4837118"/>
             <a:ext cx="240657" cy="300821"/>
           </a:xfrm>
           <a:prstGeom prst="rect">
@@ -10388,7 +10690,7 @@
           <p:nvPr/>
         </p:nvPicPr>
         <p:blipFill>
-          <a:blip r:embed="rId26"/>
+          <a:blip r:embed="rId27"/>
           <a:stretch>
             <a:fillRect/>
           </a:stretch>
@@ -10418,14 +10720,14 @@
           <p:nvPr/>
         </p:nvPicPr>
         <p:blipFill>
-          <a:blip r:embed="rId27"/>
+          <a:blip r:embed="rId28"/>
           <a:stretch>
             <a:fillRect/>
           </a:stretch>
         </p:blipFill>
         <p:spPr>
           <a:xfrm>
-            <a:off x="5276601" y="4928329"/>
+            <a:off x="5276601" y="4887054"/>
             <a:ext cx="347646" cy="264530"/>
           </a:xfrm>
           <a:prstGeom prst="rect">
@@ -10448,13 +10750,13 @@
           <p:nvPr/>
         </p:nvPicPr>
         <p:blipFill>
-          <a:blip r:embed="rId28" cstate="print">
+          <a:blip r:embed="rId29" cstate="print">
             <a:extLst>
               <a:ext uri="{28A0092B-C50C-407E-A947-70E740481C1C}">
                 <a14:useLocalDpi xmlns:a14="http://schemas.microsoft.com/office/drawing/2010/main" val="0"/>
               </a:ext>
               <a:ext uri="{96DAC541-7B7A-43D3-8B79-37D633B846F1}">
-                <asvg:svgBlip xmlns:asvg="http://schemas.microsoft.com/office/drawing/2016/SVG/main" r:embed="rId29"/>
+                <asvg:svgBlip xmlns:asvg="http://schemas.microsoft.com/office/drawing/2016/SVG/main" r:embed="rId30"/>
               </a:ext>
             </a:extLst>
           </a:blip>
@@ -10464,7 +10766,7 @@
         </p:blipFill>
         <p:spPr>
           <a:xfrm>
-            <a:off x="2768925" y="4836780"/>
+            <a:off x="2768925" y="4795505"/>
             <a:ext cx="365760" cy="365760"/>
           </a:xfrm>
           <a:prstGeom prst="rect">
@@ -10487,7 +10789,7 @@
         <p:spPr>
           <a:xfrm>
             <a:off x="2764975" y="4039530"/>
-            <a:ext cx="2488526" cy="881460"/>
+            <a:ext cx="2282011" cy="797334"/>
           </a:xfrm>
           <a:prstGeom prst="rect">
             <a:avLst/>
@@ -10508,33 +10810,14 @@
               </a:spcBef>
             </a:pPr>
             <a:r>
-              <a:rPr lang="de-DE" sz="1000" dirty="0">
+              <a:rPr lang="de-DE" sz="900" dirty="0">
                 <a:solidFill>
                   <a:srgbClr val="020302"/>
                 </a:solidFill>
                 <a:latin typeface="AdobeClean-Light"/>
                 <a:cs typeface="AdobeClean-Light"/>
               </a:rPr>
-              <a:t>Vergleich der Adobe-Lösungs-Roadmap mit Ihrer Projekt-Roadmap und entsprechende Ausrichtung, um Risiken zu minimieren </a:t>
-            </a:r>
-            <a:br>
-              <a:rPr lang="sk-SK" sz="1000" dirty="0">
-                <a:solidFill>
-                  <a:srgbClr val="020302"/>
-                </a:solidFill>
-                <a:latin typeface="AdobeClean-Light"/>
-                <a:cs typeface="AdobeClean-Light"/>
-              </a:rPr>
-            </a:br>
-            <a:r>
-              <a:rPr lang="de-DE" sz="1000" dirty="0">
-                <a:solidFill>
-                  <a:srgbClr val="020302"/>
-                </a:solidFill>
-                <a:latin typeface="AdobeClean-Light"/>
-                <a:cs typeface="AdobeClean-Light"/>
-              </a:rPr>
-              <a:t>und sich auf die Zukunft vorzubereiten.</a:t>
+              <a:t>Vergleich der Adobe-Lösungs-Roadmap mit Ihrer Projekt-Roadmap und entsprechende Ausrichtung, um Risiken zu minimieren und sich auf die Zukunft vorzubereiten.</a:t>
             </a:r>
           </a:p>
           <a:p>
@@ -10547,7 +10830,7 @@
               </a:spcBef>
             </a:pPr>
             <a:r>
-              <a:rPr lang="de-DE" sz="1000" dirty="0">
+              <a:rPr lang="de-DE" sz="900" dirty="0">
                 <a:solidFill>
                   <a:srgbClr val="020302"/>
                 </a:solidFill>
@@ -10842,8 +11125,8 @@
         </p:nvSpPr>
         <p:spPr>
           <a:xfrm>
-            <a:off x="4800600" y="2654678"/>
-            <a:ext cx="1894205" cy="0"/>
+            <a:off x="4724780" y="2616577"/>
+            <a:ext cx="1761746" cy="47687"/>
           </a:xfrm>
           <a:custGeom>
             <a:avLst/>
@@ -10884,8 +11167,8 @@
         </p:nvSpPr>
         <p:spPr>
           <a:xfrm>
-            <a:off x="4843268" y="2329688"/>
-            <a:ext cx="2014705" cy="228268"/>
+            <a:off x="4713093" y="2342388"/>
+            <a:ext cx="2103631" cy="228268"/>
           </a:xfrm>
           <a:prstGeom prst="rect">
             <a:avLst/>
@@ -10926,8 +11209,8 @@
         </p:nvSpPr>
         <p:spPr>
           <a:xfrm>
-            <a:off x="914421" y="2342312"/>
-            <a:ext cx="1465519" cy="228268"/>
+            <a:off x="914421" y="2355012"/>
+            <a:ext cx="1804469" cy="228268"/>
           </a:xfrm>
           <a:prstGeom prst="rect">
             <a:avLst/>
@@ -10968,8 +11251,8 @@
         </p:nvSpPr>
         <p:spPr>
           <a:xfrm>
-            <a:off x="242187" y="2787904"/>
-            <a:ext cx="3450092" cy="628377"/>
+            <a:off x="242187" y="2749804"/>
+            <a:ext cx="3307463" cy="782265"/>
           </a:xfrm>
           <a:prstGeom prst="rect">
             <a:avLst/>
@@ -11028,21 +11311,7 @@
                 <a:latin typeface="AdobeClean-SemiLight"/>
                 <a:cs typeface="AdobeClean-SemiLight"/>
               </a:rPr>
-              <a:t>zentrale Palette von Beratungs-Services</a:t>
-            </a:r>
-            <a:r>
-              <a:rPr lang="sk-SK" sz="950" dirty="0">
-                <a:latin typeface="AdobeClean-SemiLight"/>
-                <a:cs typeface="AdobeClean-SemiLight"/>
-              </a:rPr>
-              <a:t> </a:t>
-            </a:r>
-            <a:r>
-              <a:rPr lang="de-DE" sz="950" dirty="0">
-                <a:latin typeface="AdobeClean-SemiLight"/>
-                <a:cs typeface="AdobeClean-SemiLight"/>
-              </a:rPr>
-              <a:t>und </a:t>
+              <a:t>zentrale Palette von Beratungs-Services und </a:t>
             </a:r>
             <a:r>
               <a:rPr lang="de-DE" sz="1000" dirty="0">
@@ -11070,7 +11339,21 @@
                 <a:latin typeface="AdobeClean-Light"/>
                 <a:cs typeface="AdobeClean-Light"/>
               </a:rPr>
-              <a:t>die Time-to-Value beschleunigen</a:t>
+              <a:t>die Time-</a:t>
+            </a:r>
+            <a:r>
+              <a:rPr lang="de-DE" sz="950" dirty="0" err="1">
+                <a:latin typeface="AdobeClean-Light"/>
+                <a:cs typeface="AdobeClean-Light"/>
+              </a:rPr>
+              <a:t>to</a:t>
+            </a:r>
+            <a:r>
+              <a:rPr lang="de-DE" sz="950" dirty="0">
+                <a:latin typeface="AdobeClean-Light"/>
+                <a:cs typeface="AdobeClean-Light"/>
+              </a:rPr>
+              <a:t>-Value beschleunigen</a:t>
             </a:r>
             <a:r>
               <a:rPr lang="de-DE" sz="1000" dirty="0">
@@ -11169,7 +11452,7 @@
         </p:nvSpPr>
         <p:spPr>
           <a:xfrm>
-            <a:off x="3976901" y="2790952"/>
+            <a:off x="3976901" y="2752852"/>
             <a:ext cx="3543300" cy="628377"/>
           </a:xfrm>
           <a:prstGeom prst="rect">
@@ -11228,7 +11511,27 @@
                 <a:latin typeface="Adobe Clean"/>
                 <a:cs typeface="Adobe Clean"/>
               </a:rPr>
-              <a:t>Time-to-Value</a:t>
+              <a:t>Time-</a:t>
+            </a:r>
+            <a:r>
+              <a:rPr lang="de-DE" sz="1000" b="1" dirty="0" err="1">
+                <a:solidFill>
+                  <a:srgbClr val="4B4B4B"/>
+                </a:solidFill>
+                <a:latin typeface="Adobe Clean"/>
+                <a:cs typeface="Adobe Clean"/>
+              </a:rPr>
+              <a:t>to</a:t>
+            </a:r>
+            <a:r>
+              <a:rPr lang="de-DE" sz="1000" b="1" dirty="0">
+                <a:solidFill>
+                  <a:srgbClr val="4B4B4B"/>
+                </a:solidFill>
+                <a:latin typeface="Adobe Clean"/>
+                <a:cs typeface="Adobe Clean"/>
+              </a:rPr>
+              <a:t>-Value</a:t>
             </a:r>
             <a:r>
               <a:rPr lang="de-DE" sz="1000" dirty="0">
@@ -11271,7 +11574,7 @@
         </p:nvSpPr>
         <p:spPr>
           <a:xfrm>
-            <a:off x="924304" y="2667378"/>
+            <a:off x="924304" y="2629278"/>
             <a:ext cx="1245870" cy="0"/>
           </a:xfrm>
           <a:custGeom>
@@ -11312,9 +11615,9 @@
           <p:nvPr/>
         </p:nvSpPr>
         <p:spPr>
-          <a:xfrm>
-            <a:off x="3692282" y="2413489"/>
-            <a:ext cx="0" cy="1005840"/>
+          <a:xfrm flipH="1">
+            <a:off x="3646563" y="2375388"/>
+            <a:ext cx="45719" cy="1156679"/>
           </a:xfrm>
           <a:custGeom>
             <a:avLst/>
@@ -11355,8 +11658,8 @@
         </p:nvSpPr>
         <p:spPr>
           <a:xfrm>
-            <a:off x="263463" y="5348732"/>
-            <a:ext cx="3428815" cy="482600"/>
+            <a:off x="263463" y="5297932"/>
+            <a:ext cx="3383099" cy="482600"/>
           </a:xfrm>
           <a:prstGeom prst="rect">
             <a:avLst/>
@@ -11394,8 +11697,8 @@
         </p:nvSpPr>
         <p:spPr>
           <a:xfrm>
-            <a:off x="263464" y="5982715"/>
-            <a:ext cx="2116476" cy="166712"/>
+            <a:off x="263463" y="5906515"/>
+            <a:ext cx="2116479" cy="166712"/>
           </a:xfrm>
           <a:prstGeom prst="rect">
             <a:avLst/>
@@ -11433,8 +11736,8 @@
         </p:nvSpPr>
         <p:spPr>
           <a:xfrm>
-            <a:off x="205422" y="6308299"/>
-            <a:ext cx="3171587" cy="592470"/>
+            <a:off x="205422" y="6232099"/>
+            <a:ext cx="3211727" cy="592470"/>
           </a:xfrm>
           <a:prstGeom prst="rect">
             <a:avLst/>
@@ -11507,7 +11810,7 @@
         <p:spPr>
           <a:xfrm>
             <a:off x="263464" y="4126991"/>
-            <a:ext cx="3141980" cy="1070610"/>
+            <a:ext cx="3286186" cy="1070610"/>
           </a:xfrm>
           <a:prstGeom prst="rect">
             <a:avLst/>
@@ -11528,7 +11831,7 @@
               </a:spcBef>
             </a:pPr>
             <a:r>
-              <a:rPr lang="de-DE" sz="1600">
+              <a:rPr lang="de-DE" sz="1600" dirty="0">
                 <a:solidFill>
                   <a:srgbClr val="FFFFFF"/>
                 </a:solidFill>
@@ -11548,28 +11851,28 @@
               </a:spcBef>
             </a:pPr>
             <a:r>
-              <a:rPr lang="de-DE" sz="1000">
+              <a:rPr lang="de-DE" sz="1000" dirty="0">
                 <a:latin typeface="AdobeClean-Light"/>
                 <a:cs typeface="AdobeClean-Light"/>
               </a:rPr>
               <a:t>Experten für Adobe-Lösungen helfen bei der Prüfung von Anforderungen, Architektur, Entwicklungsprozess und Launch-Bereitschaft </a:t>
             </a:r>
             <a:r>
-              <a:rPr lang="de-DE" sz="1000">
+              <a:rPr lang="de-DE" sz="1000" dirty="0">
                 <a:latin typeface="AdobeClean-SemiLight"/>
                 <a:cs typeface="AdobeClean-SemiLight"/>
               </a:rPr>
               <a:t>mit </a:t>
             </a:r>
             <a:r>
-              <a:rPr lang="de-DE" sz="950">
+              <a:rPr lang="de-DE" sz="950" dirty="0">
                 <a:latin typeface="AdobeClean-SemiLight"/>
                 <a:cs typeface="AdobeClean-SemiLight"/>
               </a:rPr>
               <a:t>Best Practice-basierten Anleitungen </a:t>
             </a:r>
             <a:r>
-              <a:rPr lang="de-DE" sz="1000">
+              <a:rPr lang="de-DE" sz="1000" dirty="0">
                 <a:latin typeface="AdobeClean-SemiLight"/>
                 <a:cs typeface="AdobeClean-SemiLight"/>
               </a:rPr>
@@ -11585,7 +11888,7 @@
           <p:nvPr/>
         </p:nvPicPr>
         <p:blipFill>
-          <a:blip r:embed="rId3">
+          <a:blip r:embed="rId3" cstate="print">
             <a:extLst>
               <a:ext uri="{28A0092B-C50C-407E-A947-70E740481C1C}">
                 <a14:useLocalDpi xmlns:a14="http://schemas.microsoft.com/office/drawing/2010/main" val="0"/>
@@ -11597,8 +11900,8 @@
         </p:blipFill>
         <p:spPr>
           <a:xfrm>
-            <a:off x="363328" y="6932449"/>
-            <a:ext cx="3053821" cy="2815984"/>
+            <a:off x="363328" y="6975436"/>
+            <a:ext cx="3053821" cy="2818911"/>
           </a:xfrm>
           <a:prstGeom prst="rect">
             <a:avLst/>
@@ -11613,7 +11916,7 @@
         </p:nvSpPr>
         <p:spPr>
           <a:xfrm>
-            <a:off x="3947346" y="5363972"/>
+            <a:off x="3947346" y="5297297"/>
             <a:ext cx="3335020" cy="805029"/>
           </a:xfrm>
           <a:prstGeom prst="rect">
@@ -11636,30 +11939,50 @@
             </a:pPr>
             <a:r>
               <a:rPr lang="de-DE" sz="1000" b="1" dirty="0">
-                <a:latin typeface="Arial"/>
+                <a:latin typeface="Adobe Clean" panose="020B0503020404020204" pitchFamily="34" charset="0"/>
                 <a:cs typeface="Arial"/>
               </a:rPr>
               <a:t>Aktivitäten des technischen Tracks</a:t>
+            </a:r>
+            <a:r>
+              <a:rPr lang="de-DE" sz="1000" dirty="0">
+                <a:latin typeface="Adobe Clean" panose="020B0503020404020204" pitchFamily="34" charset="0"/>
+                <a:cs typeface="AdobeClean-Light"/>
+              </a:rPr>
+              <a:t> </a:t>
             </a:r>
             <a:r>
               <a:rPr lang="de-DE" sz="1000" dirty="0">
                 <a:latin typeface="AdobeClean-Light"/>
                 <a:cs typeface="AdobeClean-Light"/>
               </a:rPr>
-              <a:t> stellen sicher, dass Kunden technisch versiert sind und ihre Tools optimal nutzen. Diese Aktivitätstypen umfassen insbesondere Support und Empfehlungen für Plattformkonfigurationen, Integrationen und </a:t>
+              <a:t>stellen sicher, dass Kunden technisch versiert sind und ihre Tools optimal nutzen. </a:t>
             </a:r>
             <a:br>
-              <a:rPr lang="sk-SK" sz="1000" dirty="0">
-                <a:latin typeface="AdobeClean-Light"/>
-                <a:cs typeface="AdobeClean-Light"/>
-              </a:rPr>
-            </a:br>
-            <a:r>
               <a:rPr lang="de-DE" sz="1000" dirty="0">
                 <a:latin typeface="AdobeClean-Light"/>
                 <a:cs typeface="AdobeClean-Light"/>
               </a:rPr>
-              <a:t>die Fehlerbehebung</a:t>
+            </a:br>
+            <a:r>
+              <a:rPr lang="de-DE" sz="1000" dirty="0">
+                <a:latin typeface="AdobeClean-Light"/>
+                <a:cs typeface="AdobeClean-Light"/>
+              </a:rPr>
+              <a:t>Diese Aktivitätstypen umfassen insbesondere Support und Empfehlungen für Plattformkonfigurationen, Integrationen </a:t>
+            </a:r>
+            <a:br>
+              <a:rPr lang="de-DE" sz="1000" dirty="0">
+                <a:latin typeface="AdobeClean-Light"/>
+                <a:cs typeface="AdobeClean-Light"/>
+              </a:rPr>
+            </a:br>
+            <a:r>
+              <a:rPr lang="de-DE" sz="1000" dirty="0">
+                <a:latin typeface="AdobeClean-Light"/>
+                <a:cs typeface="AdobeClean-Light"/>
+              </a:rPr>
+              <a:t>und die Fehlerbehebung.</a:t>
             </a:r>
           </a:p>
         </p:txBody>
@@ -11672,8 +11995,8 @@
         </p:nvSpPr>
         <p:spPr>
           <a:xfrm>
-            <a:off x="3947346" y="6174740"/>
-            <a:ext cx="3335020" cy="1436291"/>
+            <a:off x="3947345" y="6174740"/>
+            <a:ext cx="3085279" cy="1436291"/>
           </a:xfrm>
           <a:prstGeom prst="rect">
             <a:avLst/>
@@ -11832,7 +12155,7 @@
         <p:spPr>
           <a:xfrm>
             <a:off x="3942774" y="7717028"/>
-            <a:ext cx="3601507" cy="1989006"/>
+            <a:ext cx="3208655" cy="1989006"/>
           </a:xfrm>
           <a:prstGeom prst="rect">
             <a:avLst/>
@@ -11854,17 +12177,37 @@
             </a:pPr>
             <a:r>
               <a:rPr lang="de-DE" sz="1000" b="1" dirty="0">
-                <a:latin typeface="Arial"/>
+                <a:latin typeface="Adobe Clean" panose="020B0503020404020204" pitchFamily="34" charset="0"/>
                 <a:cs typeface="Arial"/>
               </a:rPr>
               <a:t>Aktivitäten des strategischen Tracks</a:t>
+            </a:r>
+            <a:r>
+              <a:rPr lang="de-DE" sz="1000" dirty="0">
+                <a:latin typeface="Adobe Clean" panose="020B0503020404020204" pitchFamily="34" charset="0"/>
+                <a:cs typeface="AdobeClean-Light"/>
+              </a:rPr>
+              <a:t> </a:t>
             </a:r>
             <a:r>
               <a:rPr lang="de-DE" sz="1000" dirty="0">
                 <a:latin typeface="AdobeClean-Light"/>
                 <a:cs typeface="AdobeClean-Light"/>
               </a:rPr>
-              <a:t> ermitteln Möglichkeiten, mit den vom Kunden genutzten Adobe-Lösungen optimale Ergebnisse zu erzielen. Sie enthalten Support-Empfehlungen zu Strategie, Messung und Reifegrad, mit denen eine oder mehrere Adobe-Lösungen optimal genutzt werden können.</a:t>
+              <a:t>ermitteln Möglichkeiten, mit den vom Kunden genutzten Adobe-Lösungen optimale Ergebnisse zu erzielen. Sie enthalten Support-Empfehlungen </a:t>
+            </a:r>
+            <a:br>
+              <a:rPr lang="de-DE" sz="1000" dirty="0">
+                <a:latin typeface="AdobeClean-Light"/>
+                <a:cs typeface="AdobeClean-Light"/>
+              </a:rPr>
+            </a:br>
+            <a:r>
+              <a:rPr lang="de-DE" sz="1000" dirty="0">
+                <a:latin typeface="AdobeClean-Light"/>
+                <a:cs typeface="AdobeClean-Light"/>
+              </a:rPr>
+              <a:t>zu Strategie, Messung und Reifegrad, mit denen eine oder mehrere Adobe-Lösungen optimal genutzt werden können.</a:t>
             </a:r>
           </a:p>
           <a:p>
@@ -11986,14 +12329,14 @@
         <p:spPr>
           <a:xfrm>
             <a:off x="3942773" y="4126991"/>
-            <a:ext cx="3275329" cy="969496"/>
+            <a:ext cx="3434092" cy="925894"/>
           </a:xfrm>
           <a:prstGeom prst="rect">
             <a:avLst/>
           </a:prstGeom>
         </p:spPr>
         <p:txBody>
-          <a:bodyPr vert="horz" wrap="square" lIns="0" tIns="12700" rIns="0" bIns="0" rtlCol="0">
+          <a:bodyPr vert="horz" wrap="square" lIns="0" tIns="12700" rIns="0" bIns="0" rtlCol="0" anchor="t">
             <a:spAutoFit/>
           </a:bodyPr>
           <a:lstStyle/>
@@ -12019,9 +12362,6 @@
           </a:p>
           <a:p>
             <a:pPr marL="12700">
-              <a:lnSpc>
-                <a:spcPct val="100000"/>
-              </a:lnSpc>
               <a:spcBef>
                 <a:spcPts val="1595"/>
               </a:spcBef>
@@ -12034,68 +12374,28 @@
                 <a:latin typeface="Adobe Clean"/>
                 <a:cs typeface="Adobe Clean"/>
               </a:rPr>
-              <a:t>Als Elite-Kunde können Sie</a:t>
-            </a:r>
-            <a:r>
-              <a:rPr lang="de-DE" sz="1200" dirty="0">
+              <a:t>Als Elite-Kunde können Sie 4 </a:t>
+            </a:r>
+            <a:r>
+              <a:rPr lang="de-DE" sz="1000" b="1" dirty="0">
                 <a:solidFill>
                   <a:srgbClr val="1F1F1F"/>
                 </a:solidFill>
-                <a:uFill>
-                  <a:solidFill>
-                    <a:srgbClr val="1F1F1F"/>
-                  </a:solidFill>
-                </a:uFill>
-                <a:latin typeface="Times New Roman"/>
-                <a:cs typeface="Times New Roman"/>
+                <a:latin typeface="Adobe Clean" panose="020B0503020404020204" pitchFamily="34" charset="0"/>
+                <a:cs typeface="Arial"/>
+              </a:rPr>
+              <a:t>Aktivitäten pro Jahr</a:t>
+            </a:r>
+            <a:r>
+              <a:rPr lang="de-DE" sz="1000" dirty="0">
+                <a:solidFill>
+                  <a:srgbClr val="1F1F1F"/>
+                </a:solidFill>
+                <a:latin typeface="Adobe Clean" panose="020B0503020404020204" pitchFamily="34" charset="0"/>
+                <a:cs typeface="Adobe Clean"/>
               </a:rPr>
               <a:t> </a:t>
             </a:r>
-            <a:r>
-              <a:rPr lang="de-DE" sz="1200" u="sng" dirty="0">
-                <a:solidFill>
-                  <a:srgbClr val="1F1F1F"/>
-                </a:solidFill>
-                <a:uFill>
-                  <a:solidFill>
-                    <a:srgbClr val="1F1F1F"/>
-                  </a:solidFill>
-                </a:uFill>
-                <a:latin typeface="Times New Roman"/>
-                <a:cs typeface="Times New Roman"/>
-              </a:rPr>
-              <a:t>vier</a:t>
-            </a:r>
-            <a:r>
-              <a:rPr lang="de-DE" sz="1200" b="1" dirty="0">
-                <a:solidFill>
-                  <a:srgbClr val="1F1F1F"/>
-                </a:solidFill>
-                <a:latin typeface="Arial"/>
-                <a:cs typeface="Arial"/>
-              </a:rPr>
-              <a:t> </a:t>
-            </a:r>
-            <a:r>
-              <a:rPr lang="de-DE" sz="1000" b="1" dirty="0">
-                <a:solidFill>
-                  <a:srgbClr val="1F1F1F"/>
-                </a:solidFill>
-                <a:latin typeface="Arial"/>
-                <a:cs typeface="Arial"/>
-              </a:rPr>
-              <a:t>Aktivitäten pro Jahr</a:t>
-            </a:r>
-          </a:p>
-          <a:p>
-            <a:pPr marL="12700">
-              <a:lnSpc>
-                <a:spcPct val="100000"/>
-              </a:lnSpc>
-              <a:spcBef>
-                <a:spcPts val="55"/>
-              </a:spcBef>
-            </a:pPr>
             <a:r>
               <a:rPr lang="de-DE" sz="1000" dirty="0">
                 <a:solidFill>
@@ -12104,19 +12404,9 @@
                 <a:latin typeface="Adobe Clean"/>
                 <a:cs typeface="Adobe Clean"/>
               </a:rPr>
-              <a:t>aus dem </a:t>
-            </a:r>
-            <a:r>
-              <a:rPr lang="de-DE" sz="1000" b="1" dirty="0">
-                <a:solidFill>
-                  <a:srgbClr val="1F1F1F"/>
-                </a:solidFill>
-                <a:latin typeface="Arial"/>
-                <a:cs typeface="Arial"/>
-              </a:rPr>
-              <a:t>technischen </a:t>
-            </a:r>
-            <a:r>
+              <a:t>aus </a:t>
+            </a:r>
+            <a:br>
               <a:rPr lang="de-DE" sz="1000" dirty="0">
                 <a:solidFill>
                   <a:srgbClr val="1F1F1F"/>
@@ -12124,16 +12414,82 @@
                 <a:latin typeface="Adobe Clean"/>
                 <a:cs typeface="Adobe Clean"/>
               </a:rPr>
-              <a:t>und/oder dem </a:t>
+            </a:br>
+            <a:r>
+              <a:rPr lang="de-DE" sz="1000" dirty="0">
+                <a:solidFill>
+                  <a:srgbClr val="1F1F1F"/>
+                </a:solidFill>
+                <a:latin typeface="Adobe Clean"/>
+                <a:cs typeface="Adobe Clean"/>
+              </a:rPr>
+              <a:t>den folgenden zwei Tracks wählen</a:t>
+            </a:r>
+            <a:r>
+              <a:rPr lang="de-DE" sz="1000" dirty="0">
+                <a:solidFill>
+                  <a:srgbClr val="1F1F1F"/>
+                </a:solidFill>
+              </a:rPr>
+              <a:t>:</a:t>
+            </a:r>
+            <a:r>
+              <a:rPr lang="de-DE" sz="1000" dirty="0">
+                <a:solidFill>
+                  <a:srgbClr val="1F1F1F"/>
+                </a:solidFill>
+                <a:latin typeface="Adobe Clean"/>
+                <a:cs typeface="Adobe Clean"/>
+              </a:rPr>
+              <a:t> </a:t>
             </a:r>
             <a:r>
               <a:rPr lang="de-DE" sz="1000" b="1" dirty="0">
                 <a:solidFill>
                   <a:srgbClr val="1F1F1F"/>
                 </a:solidFill>
-                <a:latin typeface="Arial"/>
+                <a:latin typeface="Adobe Clean" panose="020B0503020404020204" pitchFamily="34" charset="0"/>
                 <a:cs typeface="Arial"/>
               </a:rPr>
+              <a:t>technischen </a:t>
+            </a:r>
+            <a:r>
+              <a:rPr lang="de-DE" sz="1000" dirty="0">
+                <a:solidFill>
+                  <a:srgbClr val="1F1F1F"/>
+                </a:solidFill>
+                <a:latin typeface="Adobe Clean"/>
+                <a:cs typeface="Adobe Clean"/>
+              </a:rPr>
+              <a:t>und/oder </a:t>
+            </a:r>
+            <a:br>
+              <a:rPr lang="de-DE" sz="1000" dirty="0">
+                <a:solidFill>
+                  <a:srgbClr val="1F1F1F"/>
+                </a:solidFill>
+                <a:latin typeface="Adobe Clean"/>
+                <a:cs typeface="Adobe Clean"/>
+              </a:rPr>
+            </a:br>
+            <a:r>
+              <a:rPr lang="de-DE" sz="1000" dirty="0">
+                <a:solidFill>
+                  <a:srgbClr val="1F1F1F"/>
+                </a:solidFill>
+                <a:latin typeface="Adobe Clean"/>
+                <a:cs typeface="Adobe Clean"/>
+              </a:rPr>
+              <a:t>dem </a:t>
+            </a:r>
+            <a:r>
+              <a:rPr lang="de-DE" sz="1000" b="1" dirty="0">
+                <a:solidFill>
+                  <a:srgbClr val="1F1F1F"/>
+                </a:solidFill>
+                <a:latin typeface="Adobe Clean" panose="020B0503020404020204" pitchFamily="34" charset="0"/>
+                <a:cs typeface="Arial"/>
+              </a:rPr>
               <a:t>strategischen</a:t>
             </a:r>
             <a:r>
@@ -12142,28 +12498,9 @@
                   <a:srgbClr val="1F1F1F"/>
                 </a:solidFill>
                 <a:latin typeface="AdobeClean-Light"/>
-                <a:cs typeface="AdobeClean-Light"/>
-              </a:rPr>
-              <a:t> </a:t>
-            </a:r>
-            <a:br>
-              <a:rPr lang="sk-SK" sz="1000" dirty="0">
-                <a:solidFill>
-                  <a:srgbClr val="1F1F1F"/>
-                </a:solidFill>
-                <a:latin typeface="AdobeClean-Light"/>
-                <a:cs typeface="AdobeClean-Light"/>
-              </a:rPr>
-            </a:br>
-            <a:r>
-              <a:rPr lang="de-DE" sz="1000" dirty="0">
-                <a:solidFill>
-                  <a:srgbClr val="1F1F1F"/>
-                </a:solidFill>
-                <a:latin typeface="AdobeClean-Light"/>
-                <a:cs typeface="AdobeClean-Light"/>
-              </a:rPr>
-              <a:t>Track nutzen.</a:t>
+                <a:cs typeface="Arial"/>
+              </a:rPr>
+              <a:t> Track nutzen.</a:t>
             </a:r>
           </a:p>
         </p:txBody>
@@ -12176,8 +12513,8 @@
         </p:nvSpPr>
         <p:spPr>
           <a:xfrm>
-            <a:off x="923023" y="538479"/>
-            <a:ext cx="2862083" cy="228268"/>
+            <a:off x="923023" y="538480"/>
+            <a:ext cx="2963177" cy="228268"/>
           </a:xfrm>
           <a:prstGeom prst="rect">
             <a:avLst/>
@@ -12219,7 +12556,7 @@
         <p:spPr>
           <a:xfrm>
             <a:off x="924894" y="814263"/>
-            <a:ext cx="2492255" cy="46109"/>
+            <a:ext cx="2532681" cy="70164"/>
           </a:xfrm>
           <a:custGeom>
             <a:avLst/>
@@ -12324,7 +12661,7 @@
         <p:spPr>
           <a:xfrm>
             <a:off x="97787" y="9861194"/>
-            <a:ext cx="2738212" cy="133370"/>
+            <a:ext cx="2772413" cy="133370"/>
           </a:xfrm>
           <a:prstGeom prst="rect">
             <a:avLst/>
@@ -12346,7 +12683,23 @@
             </a:pPr>
             <a:r>
               <a:rPr lang="de-DE" dirty="0"/>
-              <a:t>©2021 Adobe. All Rights Reserved. Adobe Confidential.</a:t>
+              <a:t>©2021 Adobe. All Rights </a:t>
+            </a:r>
+            <a:r>
+              <a:rPr lang="de-DE" dirty="0" err="1"/>
+              <a:t>Reserved</a:t>
+            </a:r>
+            <a:r>
+              <a:rPr lang="de-DE" dirty="0"/>
+              <a:t>. Adobe </a:t>
+            </a:r>
+            <a:r>
+              <a:rPr lang="de-DE" dirty="0" err="1"/>
+              <a:t>Confidential</a:t>
+            </a:r>
+            <a:r>
+              <a:rPr lang="de-DE" dirty="0"/>
+              <a:t>.</a:t>
             </a:r>
           </a:p>
         </p:txBody>
@@ -12723,8 +13076,8 @@
         </p:nvSpPr>
         <p:spPr>
           <a:xfrm>
-            <a:off x="5265660" y="1471646"/>
-            <a:ext cx="2278621" cy="536622"/>
+            <a:off x="5265661" y="1408146"/>
+            <a:ext cx="2278620" cy="536622"/>
           </a:xfrm>
           <a:prstGeom prst="rect">
             <a:avLst/>
@@ -12751,7 +13104,25 @@
                 </a:solidFill>
                 <a:latin typeface="Adobe Clean Light" panose="020B0303020404020204" pitchFamily="34" charset="0"/>
               </a:rPr>
-              <a:t>Förderung der Übernahme von Best Practices für die Anpassung und Kernkomponenten in AEM as a Cloud Service</a:t>
+              <a:t>Förderung der Übernahme von Best Practices für die Anpassung und Kernkomponenten in AEM </a:t>
+            </a:r>
+            <a:r>
+              <a:rPr lang="de-DE" sz="1000" dirty="0" err="1">
+                <a:solidFill>
+                  <a:srgbClr val="4B4B4B"/>
+                </a:solidFill>
+                <a:latin typeface="Adobe Clean Light" panose="020B0303020404020204" pitchFamily="34" charset="0"/>
+              </a:rPr>
+              <a:t>as</a:t>
+            </a:r>
+            <a:r>
+              <a:rPr lang="de-DE" sz="1000" dirty="0">
+                <a:solidFill>
+                  <a:srgbClr val="4B4B4B"/>
+                </a:solidFill>
+                <a:latin typeface="Adobe Clean Light" panose="020B0303020404020204" pitchFamily="34" charset="0"/>
+              </a:rPr>
+              <a:t> a Cloud Service.</a:t>
             </a:r>
           </a:p>
         </p:txBody>
@@ -12770,8 +13141,8 @@
         </p:nvSpPr>
         <p:spPr>
           <a:xfrm>
-            <a:off x="2835999" y="1464006"/>
-            <a:ext cx="2194560" cy="717376"/>
+            <a:off x="2835998" y="1400506"/>
+            <a:ext cx="2228123" cy="717376"/>
           </a:xfrm>
           <a:prstGeom prst="rect">
             <a:avLst/>
@@ -12801,7 +13172,7 @@
               <a:t>Identifizieren, Prüfen und Bereitstellen </a:t>
             </a:r>
             <a:br>
-              <a:rPr lang="sk-SK" sz="1000" dirty="0">
+              <a:rPr lang="de-DE" sz="1000" dirty="0">
                 <a:solidFill>
                   <a:srgbClr val="4B4B4B"/>
                 </a:solidFill>
@@ -12815,7 +13186,7 @@
                 </a:solidFill>
                 <a:latin typeface="Adobe Clean Light" panose="020B0303020404020204" pitchFamily="34" charset="0"/>
               </a:rPr>
-              <a:t>von Empfehlungen zu individuellen Lösungsübernahmebereichen mit Optimierungsmöglichkeiten</a:t>
+              <a:t>von Empfehlungen zu individuellen Lösungsübernahmebereichen mit Optimierungsmöglichkeiten.</a:t>
             </a:r>
           </a:p>
         </p:txBody>
@@ -12834,8 +13205,8 @@
         </p:nvSpPr>
         <p:spPr>
           <a:xfrm>
-            <a:off x="355868" y="1417898"/>
-            <a:ext cx="2317302" cy="899670"/>
+            <a:off x="355868" y="1354398"/>
+            <a:ext cx="2396720" cy="899670"/>
           </a:xfrm>
           <a:prstGeom prst="rect">
             <a:avLst/>
@@ -12862,10 +13233,28 @@
                 </a:solidFill>
                 <a:latin typeface="Adobe Clean Light" panose="020B0303020404020204" pitchFamily="34" charset="0"/>
               </a:rPr>
-              <a:t>Technische und betriebliche Governance </a:t>
+              <a:t>Technische und betriebliche </a:t>
+            </a:r>
+            <a:r>
+              <a:rPr lang="de-DE" sz="1000" dirty="0" err="1">
+                <a:solidFill>
+                  <a:srgbClr val="4B4B4B"/>
+                </a:solidFill>
+                <a:latin typeface="Adobe Clean Light" panose="020B0303020404020204" pitchFamily="34" charset="0"/>
+              </a:rPr>
+              <a:t>Governance</a:t>
+            </a:r>
+            <a:r>
+              <a:rPr lang="de-DE" sz="1000" dirty="0">
+                <a:solidFill>
+                  <a:srgbClr val="4B4B4B"/>
+                </a:solidFill>
+                <a:latin typeface="Adobe Clean Light" panose="020B0303020404020204" pitchFamily="34" charset="0"/>
+              </a:rPr>
+              <a:t> für </a:t>
             </a:r>
             <a:br>
-              <a:rPr lang="sk-SK" sz="1000" dirty="0">
+              <a:rPr lang="de-DE" sz="1000" dirty="0">
                 <a:solidFill>
                   <a:srgbClr val="4B4B4B"/>
                 </a:solidFill>
@@ -12879,10 +13268,28 @@
                 </a:solidFill>
                 <a:latin typeface="Adobe Clean Light" panose="020B0303020404020204" pitchFamily="34" charset="0"/>
               </a:rPr>
-              <a:t>für die Unterstützung von AEM as a Cloud Service-Kunden bei der Einhaltung von Branchenstandards und Best Practices </a:t>
+              <a:t>die Unterstützung von AEM </a:t>
+            </a:r>
+            <a:r>
+              <a:rPr lang="de-DE" sz="1000" dirty="0" err="1">
+                <a:solidFill>
+                  <a:srgbClr val="4B4B4B"/>
+                </a:solidFill>
+                <a:latin typeface="Adobe Clean Light" panose="020B0303020404020204" pitchFamily="34" charset="0"/>
+              </a:rPr>
+              <a:t>as</a:t>
+            </a:r>
+            <a:r>
+              <a:rPr lang="de-DE" sz="1000" dirty="0">
+                <a:solidFill>
+                  <a:srgbClr val="4B4B4B"/>
+                </a:solidFill>
+                <a:latin typeface="Adobe Clean Light" panose="020B0303020404020204" pitchFamily="34" charset="0"/>
+              </a:rPr>
+              <a:t> a Cloud Service-Kunden bei der Einhaltung von Branchenstandards und Best Practices </a:t>
             </a:r>
             <a:br>
-              <a:rPr lang="sk-SK" sz="1000" dirty="0">
+              <a:rPr lang="de-DE" sz="1000" dirty="0">
                 <a:solidFill>
                   <a:srgbClr val="4B4B4B"/>
                 </a:solidFill>
@@ -12896,7 +13303,25 @@
                 </a:solidFill>
                 <a:latin typeface="Adobe Clean Light" panose="020B0303020404020204" pitchFamily="34" charset="0"/>
               </a:rPr>
-              <a:t>für AEM as a Cloud Service</a:t>
+              <a:t>für AEM </a:t>
+            </a:r>
+            <a:r>
+              <a:rPr lang="de-DE" sz="1000" dirty="0" err="1">
+                <a:solidFill>
+                  <a:srgbClr val="4B4B4B"/>
+                </a:solidFill>
+                <a:latin typeface="Adobe Clean Light" panose="020B0303020404020204" pitchFamily="34" charset="0"/>
+              </a:rPr>
+              <a:t>as</a:t>
+            </a:r>
+            <a:r>
+              <a:rPr lang="de-DE" sz="1000" dirty="0">
+                <a:solidFill>
+                  <a:srgbClr val="4B4B4B"/>
+                </a:solidFill>
+                <a:latin typeface="Adobe Clean Light" panose="020B0303020404020204" pitchFamily="34" charset="0"/>
+              </a:rPr>
+              <a:t> a Cloud Service.</a:t>
             </a:r>
           </a:p>
         </p:txBody>
@@ -12915,7 +13340,7 @@
         </p:nvSpPr>
         <p:spPr>
           <a:xfrm>
-            <a:off x="5181599" y="936612"/>
+            <a:off x="5181599" y="895337"/>
             <a:ext cx="2278621" cy="461665"/>
           </a:xfrm>
           <a:prstGeom prst="rect">
@@ -12944,7 +13369,27 @@
                 <a:latin typeface="Adobe Clean"/>
                 <a:cs typeface="Adobe Clean"/>
               </a:rPr>
-              <a:t>Best Practices für die Anpassung von AEM as a Cloud Service</a:t>
+              <a:t>Best Practices für die Anpassung von AEM </a:t>
+            </a:r>
+            <a:r>
+              <a:rPr lang="de-DE" sz="1200" b="1" dirty="0" err="1">
+                <a:solidFill>
+                  <a:srgbClr val="020302"/>
+                </a:solidFill>
+                <a:latin typeface="Adobe Clean"/>
+                <a:cs typeface="Adobe Clean"/>
+              </a:rPr>
+              <a:t>as</a:t>
+            </a:r>
+            <a:r>
+              <a:rPr lang="de-DE" sz="1200" b="1" dirty="0">
+                <a:solidFill>
+                  <a:srgbClr val="020302"/>
+                </a:solidFill>
+                <a:latin typeface="Adobe Clean"/>
+                <a:cs typeface="Adobe Clean"/>
+              </a:rPr>
+              <a:t> a Cloud Service</a:t>
             </a:r>
           </a:p>
         </p:txBody>
@@ -12963,8 +13408,8 @@
         </p:nvSpPr>
         <p:spPr>
           <a:xfrm>
-            <a:off x="2752588" y="908302"/>
-            <a:ext cx="1708650" cy="461665"/>
+            <a:off x="2752588" y="867027"/>
+            <a:ext cx="1800362" cy="461665"/>
           </a:xfrm>
           <a:prstGeom prst="rect">
             <a:avLst/>
@@ -12985,14 +13430,34 @@
               </a:spcBef>
             </a:pPr>
             <a:r>
-              <a:rPr lang="de-DE" sz="1200" b="1">
+              <a:rPr lang="de-DE" sz="1200" b="1" dirty="0">
                 <a:solidFill>
                   <a:srgbClr val="020302"/>
                 </a:solidFill>
                 <a:latin typeface="Adobe Clean"/>
                 <a:cs typeface="Adobe Clean"/>
               </a:rPr>
-              <a:t>Zusatz-Services für AEM as a Cloud Service</a:t>
+              <a:t>Zusatz-Services für AEM </a:t>
+            </a:r>
+            <a:r>
+              <a:rPr lang="de-DE" sz="1200" b="1" dirty="0" err="1">
+                <a:solidFill>
+                  <a:srgbClr val="020302"/>
+                </a:solidFill>
+                <a:latin typeface="Adobe Clean"/>
+                <a:cs typeface="Adobe Clean"/>
+              </a:rPr>
+              <a:t>as</a:t>
+            </a:r>
+            <a:r>
+              <a:rPr lang="de-DE" sz="1200" b="1" dirty="0">
+                <a:solidFill>
+                  <a:srgbClr val="020302"/>
+                </a:solidFill>
+                <a:latin typeface="Adobe Clean"/>
+                <a:cs typeface="Adobe Clean"/>
+              </a:rPr>
+              <a:t> a Cloud Service</a:t>
             </a:r>
           </a:p>
         </p:txBody>
@@ -13011,7 +13476,7 @@
         </p:nvSpPr>
         <p:spPr>
           <a:xfrm>
-            <a:off x="381000" y="908303"/>
+            <a:off x="381000" y="867028"/>
             <a:ext cx="1998943" cy="461665"/>
           </a:xfrm>
           <a:prstGeom prst="rect">
@@ -13033,25 +13498,26 @@
               </a:spcBef>
             </a:pPr>
             <a:r>
-              <a:rPr lang="de-DE" sz="1200" b="1" dirty="0">
+              <a:rPr lang="de-DE" sz="1200" b="1" dirty="0" err="1">
                 <a:solidFill>
                   <a:srgbClr val="020302"/>
                 </a:solidFill>
                 <a:latin typeface="Adobe Clean"/>
                 <a:cs typeface="Adobe Clean"/>
               </a:rPr>
-              <a:t>Governance für AEM </a:t>
-            </a:r>
-            <a:br>
-              <a:rPr lang="sk-SK" sz="1200" b="1" dirty="0">
+              <a:t>Governance</a:t>
+            </a:r>
+            <a:r>
+              <a:rPr lang="de-DE" sz="1200" b="1" dirty="0">
                 <a:solidFill>
                   <a:srgbClr val="020302"/>
                 </a:solidFill>
                 <a:latin typeface="Adobe Clean"/>
                 <a:cs typeface="Adobe Clean"/>
               </a:rPr>
-            </a:br>
-            <a:r>
+              <a:t> für AEM </a:t>
+            </a:r>
+            <a:br>
               <a:rPr lang="de-DE" sz="1200" b="1" dirty="0">
                 <a:solidFill>
                   <a:srgbClr val="020302"/>
@@ -13059,7 +13525,26 @@
                 <a:latin typeface="Adobe Clean"/>
                 <a:cs typeface="Adobe Clean"/>
               </a:rPr>
-              <a:t>as a Cloud Service</a:t>
+            </a:br>
+            <a:r>
+              <a:rPr lang="de-DE" sz="1200" b="1" dirty="0" err="1">
+                <a:solidFill>
+                  <a:srgbClr val="020302"/>
+                </a:solidFill>
+                <a:latin typeface="Adobe Clean"/>
+                <a:cs typeface="Adobe Clean"/>
+              </a:rPr>
+              <a:t>as</a:t>
+            </a:r>
+            <a:r>
+              <a:rPr lang="de-DE" sz="1200" b="1" dirty="0">
+                <a:solidFill>
+                  <a:srgbClr val="020302"/>
+                </a:solidFill>
+                <a:latin typeface="Adobe Clean"/>
+                <a:cs typeface="Adobe Clean"/>
+              </a:rPr>
+              <a:t> a Cloud Service</a:t>
             </a:r>
           </a:p>
         </p:txBody>
@@ -13268,7 +13753,7 @@
         <p:spPr>
           <a:xfrm>
             <a:off x="6754821" y="9283729"/>
-            <a:ext cx="930275" cy="662305"/>
+            <a:ext cx="990909" cy="662305"/>
           </a:xfrm>
           <a:prstGeom prst="rect">
             <a:avLst/>
@@ -13289,7 +13774,7 @@
               </a:spcBef>
             </a:pPr>
             <a:r>
-              <a:rPr lang="de-DE" sz="800">
+              <a:rPr lang="de-DE" sz="800" dirty="0">
                 <a:solidFill>
                   <a:srgbClr val="777879"/>
                 </a:solidFill>
@@ -13306,7 +13791,7 @@
               </a:lnSpc>
             </a:pPr>
             <a:r>
-              <a:rPr lang="de-DE" sz="800">
+              <a:rPr lang="de-DE" sz="800" dirty="0">
                 <a:solidFill>
                   <a:srgbClr val="777879"/>
                 </a:solidFill>
@@ -13323,7 +13808,7 @@
               </a:lnSpc>
             </a:pPr>
             <a:r>
-              <a:rPr lang="de-DE" sz="800">
+              <a:rPr lang="de-DE" sz="800" dirty="0">
                 <a:solidFill>
                   <a:srgbClr val="777879"/>
                 </a:solidFill>
@@ -13343,7 +13828,7 @@
               </a:spcBef>
             </a:pPr>
             <a:r>
-              <a:rPr lang="de-DE" sz="800">
+              <a:rPr lang="de-DE" sz="800" dirty="0">
                 <a:solidFill>
                   <a:srgbClr val="777879"/>
                 </a:solidFill>
@@ -13363,7 +13848,7 @@
               </a:spcBef>
             </a:pPr>
             <a:r>
-              <a:rPr lang="de-DE" sz="800" u="sng">
+              <a:rPr lang="de-DE" sz="800" u="sng" dirty="0">
                 <a:solidFill>
                   <a:srgbClr val="5F5F5F"/>
                 </a:solidFill>
@@ -13531,7 +14016,7 @@
         <p:spPr>
           <a:xfrm>
             <a:off x="75947" y="9437110"/>
-            <a:ext cx="5809358" cy="570865"/>
+            <a:ext cx="5989573" cy="570865"/>
           </a:xfrm>
           <a:prstGeom prst="rect">
             <a:avLst/>
@@ -13559,7 +14044,27 @@
                 <a:latin typeface="AdobeClean-LightIt"/>
                 <a:cs typeface="AdobeClean-LightIt"/>
               </a:rPr>
-              <a:t>Weitere Informationen zum Support-Angebot von Adobe sowie zum für Ihre Bedürfnisse geeigneten Support-Level erhalten Sie bei Ihrem spezifischen Account-Manager (NAM) oder Ihrem Customer Success Manager(CSM)</a:t>
+              <a:t>Weitere Informationen zum Support-Angebot von Adobe sowie zum für Ihre Bedürfnisse geeigneten Support-Level erhalten Sie bei Ihrem spezifischen Account-Manager (NAM) oder Ihrem Customer </a:t>
+            </a:r>
+            <a:r>
+              <a:rPr lang="de-DE" sz="1100" i="1" dirty="0" err="1">
+                <a:solidFill>
+                  <a:srgbClr val="777879"/>
+                </a:solidFill>
+                <a:latin typeface="AdobeClean-LightIt"/>
+                <a:cs typeface="AdobeClean-LightIt"/>
+              </a:rPr>
+              <a:t>Success</a:t>
+            </a:r>
+            <a:r>
+              <a:rPr lang="de-DE" sz="1100" i="1" dirty="0">
+                <a:solidFill>
+                  <a:srgbClr val="777879"/>
+                </a:solidFill>
+                <a:latin typeface="AdobeClean-LightIt"/>
+                <a:cs typeface="AdobeClean-LightIt"/>
+              </a:rPr>
+              <a:t> Manager (CSM).</a:t>
             </a:r>
           </a:p>
           <a:p>
@@ -13579,7 +14084,47 @@
                 <a:latin typeface="Adobe Clean"/>
                 <a:cs typeface="Adobe Clean"/>
               </a:rPr>
-              <a:t>©2021 Adobe. All Rights Reserved. Adobe Confidential.</a:t>
+              <a:t>©2021 Adobe. All Rights </a:t>
+            </a:r>
+            <a:r>
+              <a:rPr lang="de-DE" sz="800" dirty="0" err="1">
+                <a:solidFill>
+                  <a:srgbClr val="6D6D6D"/>
+                </a:solidFill>
+                <a:latin typeface="Adobe Clean"/>
+                <a:cs typeface="Adobe Clean"/>
+              </a:rPr>
+              <a:t>Reserved</a:t>
+            </a:r>
+            <a:r>
+              <a:rPr lang="de-DE" sz="800" dirty="0">
+                <a:solidFill>
+                  <a:srgbClr val="6D6D6D"/>
+                </a:solidFill>
+                <a:latin typeface="Adobe Clean"/>
+                <a:cs typeface="Adobe Clean"/>
+              </a:rPr>
+              <a:t>. Adobe </a:t>
+            </a:r>
+            <a:r>
+              <a:rPr lang="de-DE" sz="800" dirty="0" err="1">
+                <a:solidFill>
+                  <a:srgbClr val="6D6D6D"/>
+                </a:solidFill>
+                <a:latin typeface="Adobe Clean"/>
+                <a:cs typeface="Adobe Clean"/>
+              </a:rPr>
+              <a:t>Confidential</a:t>
+            </a:r>
+            <a:r>
+              <a:rPr lang="de-DE" sz="800" dirty="0">
+                <a:solidFill>
+                  <a:srgbClr val="6D6D6D"/>
+                </a:solidFill>
+                <a:latin typeface="Adobe Clean"/>
+                <a:cs typeface="Adobe Clean"/>
+              </a:rPr>
+              <a:t>.</a:t>
             </a:r>
           </a:p>
         </p:txBody>
@@ -13640,10 +14185,10 @@
                 </a:solidFill>
                 <a:latin typeface="AdobeClean-Light"/>
               </a:rPr>
-              <a:t>Das regionale Support-Angebot von Adobe wird durch Abgleich der Rechnungsadresse des Kunden </a:t>
+              <a:t>Das regionale Support-Angebot von Adobe wird durch Abgleich der Rechnungsadresse des Kunden (entsprechend dem Kundenauftrag </a:t>
             </a:r>
             <a:br>
-              <a:rPr lang="sk-SK" sz="1000" dirty="0">
+              <a:rPr lang="de-DE" sz="1000" dirty="0">
                 <a:solidFill>
                   <a:srgbClr val="1F1F1F"/>
                 </a:solidFill>
@@ -13657,7 +14202,7 @@
                 </a:solidFill>
                 <a:latin typeface="AdobeClean-Light"/>
               </a:rPr>
-              <a:t>(entsprechend dem Kundenauftrag oder einer anderen Kaufbestätigung für Adobe-Support) mit einer der folgenden Regionen ermittelt:</a:t>
+              <a:t>oder einer anderen Kaufbestätigung für Adobe-Support) mit einer der folgenden Regionen ermittelt:</a:t>
             </a:r>
           </a:p>
         </p:txBody>
@@ -13677,7 +14222,7 @@
           <p:nvPr>
             <p:extLst>
               <p:ext uri="{D42A27DB-BD31-4B8C-83A1-F6EECF244321}">
-                <p14:modId xmlns:p14="http://schemas.microsoft.com/office/powerpoint/2010/main" val="3975465108"/>
+                <p14:modId xmlns:p14="http://schemas.microsoft.com/office/powerpoint/2010/main" val="3565966571"/>
               </p:ext>
             </p:extLst>
           </p:nvPr>
@@ -13795,13 +14340,30 @@
                     <a:p>
                       <a:pPr algn="ctr"/>
                       <a:r>
-                        <a:rPr lang="de-DE" sz="1100">
+                        <a:rPr lang="de-DE" sz="1100" dirty="0">
                           <a:solidFill>
                             <a:schemeClr val="tx1"/>
                           </a:solidFill>
                           <a:latin typeface="Adobe Clean" panose="020B0503020404020204" pitchFamily="34" charset="0"/>
                         </a:rPr>
-                        <a:t>Europa, Naher Osten und Afrika</a:t>
+                        <a:t>Europa, Naher Osten </a:t>
+                      </a:r>
+                      <a:br>
+                        <a:rPr lang="de-DE" sz="1100" dirty="0">
+                          <a:solidFill>
+                            <a:schemeClr val="tx1"/>
+                          </a:solidFill>
+                          <a:latin typeface="Adobe Clean" panose="020B0503020404020204" pitchFamily="34" charset="0"/>
+                        </a:rPr>
+                      </a:br>
+                      <a:r>
+                        <a:rPr lang="de-DE" sz="1100" dirty="0">
+                          <a:solidFill>
+                            <a:schemeClr val="tx1"/>
+                          </a:solidFill>
+                          <a:latin typeface="Adobe Clean" panose="020B0503020404020204" pitchFamily="34" charset="0"/>
+                        </a:rPr>
+                        <a:t>und Afrika</a:t>
                       </a:r>
                     </a:p>
                   </a:txBody>
@@ -14287,7 +14849,7 @@
                         <a:buNone/>
                       </a:pPr>
                       <a:r>
-                        <a:rPr lang="de-DE" sz="1100">
+                        <a:rPr lang="de-DE" sz="1100" dirty="0">
                           <a:solidFill>
                             <a:schemeClr val="tx1"/>
                           </a:solidFill>
@@ -14332,7 +14894,7 @@
                     <a:p>
                       <a:pPr algn="ctr"/>
                       <a:r>
-                        <a:rPr lang="de-DE" sz="1100" i="0">
+                        <a:rPr lang="de-DE" sz="1100" i="0" dirty="0">
                           <a:solidFill>
                             <a:schemeClr val="tx1"/>
                           </a:solidFill>
@@ -14341,7 +14903,7 @@
                         <a:t> </a:t>
                       </a:r>
                       <a:r>
-                        <a:rPr lang="de-DE" sz="1100" i="0" baseline="30000">
+                        <a:rPr lang="de-DE" sz="1100" i="0" baseline="30000" dirty="0">
                           <a:solidFill>
                             <a:schemeClr val="tx1"/>
                           </a:solidFill>
@@ -14350,7 +14912,7 @@
                         <a:t>1</a:t>
                       </a:r>
                       <a:r>
-                        <a:rPr lang="de-DE" sz="1100" i="0">
+                        <a:rPr lang="de-DE" sz="1100" i="0" dirty="0">
                           <a:solidFill>
                             <a:schemeClr val="tx1"/>
                           </a:solidFill>
@@ -14413,7 +14975,7 @@
                     <a:bodyPr/>
                     <a:lstStyle/>
                     <a:p>
-                      <a:endParaRPr lang="en-US" sz="1100" dirty="0">
+                      <a:endParaRPr lang="en-US" sz="1100">
                         <a:solidFill>
                           <a:schemeClr val="tx1"/>
                         </a:solidFill>
@@ -14474,7 +15036,7 @@
                     <a:bodyPr/>
                     <a:lstStyle/>
                     <a:p>
-                      <a:endParaRPr lang="en-US" sz="1100" dirty="0">
+                      <a:endParaRPr lang="en-US" sz="1100">
                         <a:solidFill>
                           <a:schemeClr val="tx1"/>
                         </a:solidFill>
@@ -14535,7 +15097,7 @@
                     <a:bodyPr/>
                     <a:lstStyle/>
                     <a:p>
-                      <a:endParaRPr lang="en-US" sz="1100" dirty="0">
+                      <a:endParaRPr lang="en-US" sz="1100">
                         <a:solidFill>
                           <a:schemeClr val="tx1"/>
                         </a:solidFill>
@@ -14699,8 +15261,8 @@
         </p:nvSpPr>
         <p:spPr>
           <a:xfrm>
-            <a:off x="2840871" y="8528519"/>
-            <a:ext cx="810895" cy="385445"/>
+            <a:off x="2686447" y="8528519"/>
+            <a:ext cx="1119744" cy="385445"/>
           </a:xfrm>
           <a:prstGeom prst="rect">
             <a:avLst/>
@@ -14712,7 +15274,7 @@
           </a:bodyPr>
           <a:lstStyle/>
           <a:p>
-            <a:pPr marL="139065" marR="5080" indent="-139065">
+            <a:pPr marR="5080" algn="ctr">
               <a:lnSpc>
                 <a:spcPts val="1390"/>
               </a:lnSpc>
@@ -14721,7 +15283,7 @@
               </a:spcBef>
             </a:pPr>
             <a:r>
-              <a:rPr lang="de-DE" sz="1200" b="1">
+              <a:rPr lang="de-DE" sz="1200" b="1" dirty="0">
                 <a:solidFill>
                   <a:srgbClr val="FFFFFF"/>
                 </a:solidFill>
@@ -14760,7 +15322,7 @@
           </a:bodyPr>
           <a:lstStyle/>
           <a:p>
-            <a:pPr marL="139065" marR="5080" indent="-139065">
+            <a:pPr marR="5080" algn="ctr">
               <a:lnSpc>
                 <a:spcPts val="1390"/>
               </a:lnSpc>
@@ -14769,7 +15331,7 @@
               </a:spcBef>
             </a:pPr>
             <a:r>
-              <a:rPr lang="de-DE" sz="1200" b="1">
+              <a:rPr lang="de-DE" sz="1200" b="1" dirty="0">
                 <a:solidFill>
                   <a:srgbClr val="FFFFFF"/>
                 </a:solidFill>
@@ -14795,8 +15357,8 @@
         </p:nvSpPr>
         <p:spPr>
           <a:xfrm>
-            <a:off x="6624118" y="8543943"/>
-            <a:ext cx="767281" cy="385445"/>
+            <a:off x="6381750" y="8543943"/>
+            <a:ext cx="995278" cy="385445"/>
           </a:xfrm>
           <a:prstGeom prst="rect">
             <a:avLst/>
@@ -14808,7 +15370,7 @@
           </a:bodyPr>
           <a:lstStyle/>
           <a:p>
-            <a:pPr marL="50800" marR="5080" indent="-51435">
+            <a:pPr marR="5080" algn="ctr">
               <a:lnSpc>
                 <a:spcPts val="1390"/>
               </a:lnSpc>
@@ -14844,14 +15406,14 @@
           <p:nvPr>
             <p:extLst>
               <p:ext uri="{D42A27DB-BD31-4B8C-83A1-F6EECF244321}">
-                <p14:modId xmlns:p14="http://schemas.microsoft.com/office/powerpoint/2010/main" val="3733690768"/>
+                <p14:modId xmlns:p14="http://schemas.microsoft.com/office/powerpoint/2010/main" val="1092239890"/>
               </p:ext>
             </p:extLst>
           </p:nvPr>
         </p:nvGraphicFramePr>
         <p:xfrm>
           <a:off x="194236" y="1059345"/>
-          <a:ext cx="7368291" cy="3413760"/>
+          <a:ext cx="7368291" cy="3261360"/>
         </p:xfrm>
         <a:graphic>
           <a:graphicData uri="http://schemas.openxmlformats.org/drawingml/2006/table">
@@ -14860,14 +15422,14 @@
                 <a:tableStyleId>{5C22544A-7EE6-4342-B048-85BDC9FD1C3A}</a:tableStyleId>
               </a:tblPr>
               <a:tblGrid>
-                <a:gridCol w="3691964">
+                <a:gridCol w="3467174">
                   <a:extLst>
                     <a:ext uri="{9D8B030D-6E8A-4147-A177-3AD203B41FA5}">
                       <a16:colId xmlns:a16="http://schemas.microsoft.com/office/drawing/2014/main" val="2364693614"/>
                     </a:ext>
                   </a:extLst>
                 </a:gridCol>
-                <a:gridCol w="3676327">
+                <a:gridCol w="3901117">
                   <a:extLst>
                     <a:ext uri="{9D8B030D-6E8A-4147-A177-3AD203B41FA5}">
                       <a16:colId xmlns:a16="http://schemas.microsoft.com/office/drawing/2014/main" val="1545335406"/>
@@ -14974,28 +15536,7 @@
                           <a:ea typeface="+mn-ea"/>
                           <a:cs typeface="+mn-cs"/>
                         </a:rPr>
-                        <a:t>Mit der Experience League unterstützt Adobe Unternehmen dabei, </a:t>
-                      </a:r>
-                      <a:br>
-                        <a:rPr lang="sk-SK" sz="1000" b="0" dirty="0">
-                          <a:solidFill>
-                            <a:srgbClr val="000000"/>
-                          </a:solidFill>
-                          <a:latin typeface="Adobe Clean Light" panose="020B0303020404020204" pitchFamily="34" charset="0"/>
-                          <a:ea typeface="+mn-ea"/>
-                          <a:cs typeface="+mn-cs"/>
-                        </a:rPr>
-                      </a:br>
-                      <a:r>
-                        <a:rPr lang="de-DE" sz="1000" b="0" dirty="0">
-                          <a:solidFill>
-                            <a:srgbClr val="000000"/>
-                          </a:solidFill>
-                          <a:latin typeface="Adobe Clean Light" panose="020B0303020404020204" pitchFamily="34" charset="0"/>
-                          <a:ea typeface="+mn-ea"/>
-                          <a:cs typeface="+mn-cs"/>
-                        </a:rPr>
-                        <a:t>mit ihren Investitionen in Adobe optimale Ergebnisse zu erzielen. An diesem zentralen Ort können Kunden auf einem personalisierten Weg zum Erfolg lernen, Kontakte knüpfen und sich weiterentwickeln. Dafür nutzen sie Selbsthilfe-Tutorials, Produktdokumentation, von Kursleitern geführte Schulungen, Community und technischen Support. </a:t>
+                        <a:t>Mit der Experience League unterstützt Adobe Unternehmen dabei, mit ihren Investitionen in Adobe optimale Ergebnisse zu erzielen. An diesem zentralen Ort können Kunden auf einem personalisierten Weg zum Erfolg lernen, Kontakte knüpfen und sich weiterentwickeln. Dafür nutzen sie Selbsthilfe-Tutorials, Produktdokumentation, von Kursleitern geführte Schulungen, Community und technischen Support. </a:t>
                       </a:r>
                     </a:p>
                   </a:txBody>
@@ -15172,7 +15713,7 @@
                         <a:defRPr/>
                       </a:pPr>
                       <a:r>
-                        <a:rPr lang="de-DE" sz="1000">
+                        <a:rPr lang="de-DE" sz="1000" dirty="0">
                           <a:solidFill>
                             <a:srgbClr val="000000"/>
                           </a:solidFill>
@@ -15354,49 +15895,7 @@
                           <a:ea typeface="+mn-ea"/>
                           <a:cs typeface="+mn-cs"/>
                         </a:rPr>
-                        <a:t>Status.adobe.com übermittelt die Statusinformationen sämtlicher Adobe-Produkte und -Services, die in Umgebungen mit mehreren Mandanten implementiert sind. Kunden können Voreinstellungen </a:t>
-                      </a:r>
-                      <a:br>
-                        <a:rPr lang="sk-SK" sz="1000" dirty="0">
-                          <a:solidFill>
-                            <a:srgbClr val="000000"/>
-                          </a:solidFill>
-                          <a:latin typeface="Adobe Clean Light" panose="020B0303020404020204" pitchFamily="34" charset="0"/>
-                          <a:ea typeface="+mn-ea"/>
-                          <a:cs typeface="+mn-cs"/>
-                        </a:rPr>
-                      </a:br>
-                      <a:r>
-                        <a:rPr lang="de-DE" sz="1000" dirty="0">
-                          <a:solidFill>
-                            <a:srgbClr val="000000"/>
-                          </a:solidFill>
-                          <a:latin typeface="Adobe Clean Light" panose="020B0303020404020204" pitchFamily="34" charset="0"/>
-                          <a:ea typeface="+mn-ea"/>
-                          <a:cs typeface="+mn-cs"/>
-                        </a:rPr>
-                        <a:t>für ihr Abonnement auswählen und E-Mail-Benachrichtigungen erhalten, wenn Adobe ein Produktereignis erstellt, aktualisiert oder löst. </a:t>
-                      </a:r>
-                      <a:br>
-                        <a:rPr lang="sk-SK" sz="1000" dirty="0">
-                          <a:solidFill>
-                            <a:srgbClr val="000000"/>
-                          </a:solidFill>
-                          <a:latin typeface="Adobe Clean Light" panose="020B0303020404020204" pitchFamily="34" charset="0"/>
-                          <a:ea typeface="+mn-ea"/>
-                          <a:cs typeface="+mn-cs"/>
-                        </a:rPr>
-                      </a:br>
-                      <a:r>
-                        <a:rPr lang="de-DE" sz="1000" dirty="0">
-                          <a:solidFill>
-                            <a:srgbClr val="000000"/>
-                          </a:solidFill>
-                          <a:latin typeface="Adobe Clean Light" panose="020B0303020404020204" pitchFamily="34" charset="0"/>
-                          <a:ea typeface="+mn-ea"/>
-                          <a:cs typeface="+mn-cs"/>
-                        </a:rPr>
-                        <a:t>Dies kann geplante Wartungen oder Service-Probleme unterschiedlichen Schweregrads umfassen. </a:t>
+                        <a:t>Status.adobe.com übermittelt die Statusinformationen sämtlicher Adobe-Produkte und -Services, die in Umgebungen mit mehreren Mandanten implementiert sind. Kunden können Voreinstellungen für ihr Abonnement auswählen und E-Mail-Benachrichtigungen erhalten, wenn Adobe ein Produktereignis erstellt, aktualisiert oder löst. Dies kann geplante Wartungen oder Service-Probleme unterschiedlichen Schweregrads umfassen. </a:t>
                       </a:r>
                     </a:p>
                   </a:txBody>
@@ -15553,10 +16052,10 @@
                           <a:ea typeface="+mn-ea"/>
                           <a:cs typeface="+mn-cs"/>
                         </a:rPr>
-                        <a:t>Allgemeine Geschäftsbedingungen mit detaillierten Informationen </a:t>
+                        <a:t>Allgemeine Geschäftsbedingungen mit detaillierten Informationen zu </a:t>
                       </a:r>
                       <a:br>
-                        <a:rPr lang="sk-SK" sz="1000" dirty="0">
+                        <a:rPr lang="de-DE" sz="1000" dirty="0">
                           <a:solidFill>
                             <a:srgbClr val="000000"/>
                           </a:solidFill>
@@ -15574,7 +16073,7 @@
                           <a:ea typeface="+mn-ea"/>
                           <a:cs typeface="+mn-cs"/>
                         </a:rPr>
-                        <a:t>zu den angebotenen Support-Services</a:t>
+                        <a:t>den angebotenen Support-Services</a:t>
                       </a:r>
                     </a:p>
                   </a:txBody>
@@ -16345,18 +16844,18 @@
 </file>
 
 <file path=customXml/item1.xml><?xml version="1.0" encoding="utf-8"?>
-<p:properties xmlns:p="http://schemas.microsoft.com/office/2006/metadata/properties" xmlns:xsi="http://www.w3.org/2001/XMLSchema-instance" xmlns:pc="http://schemas.microsoft.com/office/infopath/2007/PartnerControls">
-  <documentManagement/>
-</p:properties>
-</file>
-
-<file path=customXml/item2.xml><?xml version="1.0" encoding="utf-8"?>
 <?mso-contentType ?>
 <FormTemplates xmlns="http://schemas.microsoft.com/sharepoint/v3/contenttype/forms">
   <Display>DocumentLibraryForm</Display>
   <Edit>DocumentLibraryForm</Edit>
   <New>DocumentLibraryForm</New>
 </FormTemplates>
+</file>
+
+<file path=customXml/item2.xml><?xml version="1.0" encoding="utf-8"?>
+<p:properties xmlns:p="http://schemas.microsoft.com/office/2006/metadata/properties" xmlns:xsi="http://www.w3.org/2001/XMLSchema-instance" xmlns:pc="http://schemas.microsoft.com/office/infopath/2007/PartnerControls">
+  <documentManagement/>
+</p:properties>
 </file>
 
 <file path=customXml/item3.xml><?xml version="1.0" encoding="utf-8"?>
@@ -16565,6 +17064,14 @@
 </file>
 
 <file path=customXml/itemProps1.xml><?xml version="1.0" encoding="utf-8"?>
+<ds:datastoreItem xmlns:ds="http://schemas.openxmlformats.org/officeDocument/2006/customXml" ds:itemID="{669D9D3B-3229-44EE-9964-24A06AE66887}">
+  <ds:schemaRefs>
+    <ds:schemaRef ds:uri="http://schemas.microsoft.com/sharepoint/v3/contenttype/forms"/>
+  </ds:schemaRefs>
+</ds:datastoreItem>
+</file>
+
+<file path=customXml/itemProps2.xml><?xml version="1.0" encoding="utf-8"?>
 <ds:datastoreItem xmlns:ds="http://schemas.openxmlformats.org/officeDocument/2006/customXml" ds:itemID="{CED41536-010B-47B1-9229-B72BE4090090}">
   <ds:schemaRefs>
     <ds:schemaRef ds:uri="http://schemas.microsoft.com/office/2006/metadata/properties"/>
@@ -16573,29 +17080,21 @@
 </ds:datastoreItem>
 </file>
 
-<file path=customXml/itemProps2.xml><?xml version="1.0" encoding="utf-8"?>
-<ds:datastoreItem xmlns:ds="http://schemas.openxmlformats.org/officeDocument/2006/customXml" ds:itemID="{669D9D3B-3229-44EE-9964-24A06AE66887}">
-  <ds:schemaRefs>
-    <ds:schemaRef ds:uri="http://schemas.microsoft.com/sharepoint/v3/contenttype/forms"/>
-  </ds:schemaRefs>
-</ds:datastoreItem>
-</file>
-
 <file path=customXml/itemProps3.xml><?xml version="1.0" encoding="utf-8"?>
 <ds:datastoreItem xmlns:ds="http://schemas.openxmlformats.org/officeDocument/2006/customXml" ds:itemID="{75C1A8FD-3884-41A0-BE37-D15776C885D1}">
   <ds:schemaRefs>
-    <ds:schemaRef ds:uri="http://schemas.microsoft.com/office/2006/metadata/contentType"/>
-    <ds:schemaRef ds:uri="http://schemas.microsoft.com/office/2006/metadata/properties/metaAttributes"/>
-    <ds:schemaRef ds:uri="http://www.w3.org/2001/XMLSchema"/>
-    <ds:schemaRef ds:uri="http://schemas.microsoft.com/office/2006/metadata/properties"/>
+    <ds:schemaRef ds:uri="6c8368ec-3776-49b5-a5bb-90648cf9530f"/>
     <ds:schemaRef ds:uri="8a053bff-88be-49e4-9a87-e748e18b8b62"/>
-    <ds:schemaRef ds:uri="6c8368ec-3776-49b5-a5bb-90648cf9530f"/>
-    <ds:schemaRef ds:uri="http://schemas.microsoft.com/office/2006/documentManagement/types"/>
-    <ds:schemaRef ds:uri="http://schemas.microsoft.com/office/infopath/2007/PartnerControls"/>
-    <ds:schemaRef ds:uri="http://schemas.openxmlformats.org/package/2006/metadata/core-properties"/>
     <ds:schemaRef ds:uri="http://purl.org/dc/elements/1.1/"/>
     <ds:schemaRef ds:uri="http://purl.org/dc/terms/"/>
     <ds:schemaRef ds:uri="http://schemas.microsoft.com/internal/obd"/>
+    <ds:schemaRef ds:uri="http://schemas.microsoft.com/office/2006/documentManagement/types"/>
+    <ds:schemaRef ds:uri="http://schemas.microsoft.com/office/2006/metadata/contentType"/>
+    <ds:schemaRef ds:uri="http://schemas.microsoft.com/office/2006/metadata/properties"/>
+    <ds:schemaRef ds:uri="http://schemas.microsoft.com/office/2006/metadata/properties/metaAttributes"/>
+    <ds:schemaRef ds:uri="http://schemas.microsoft.com/office/infopath/2007/PartnerControls"/>
+    <ds:schemaRef ds:uri="http://schemas.openxmlformats.org/package/2006/metadata/core-properties"/>
+    <ds:schemaRef ds:uri="http://www.w3.org/2001/XMLSchema"/>
   </ds:schemaRefs>
 </ds:datastoreItem>
 </file>
--- a/help/data-sheets/assets/EliteSupportDatasheet.pptx
+++ b/help/data-sheets/assets/EliteSupportDatasheet.pptx
@@ -159,26 +159,26 @@
 <file path=ppt/changesInfos/changesInfo1.xml><?xml version="1.0" encoding="utf-8"?>
 <pc:chgInfo xmlns:a="http://schemas.openxmlformats.org/drawingml/2006/main" xmlns:r="http://schemas.openxmlformats.org/officeDocument/2006/relationships" xmlns:ac="http://schemas.microsoft.com/office/drawing/2013/main/command" xmlns:pc="http://schemas.microsoft.com/office/powerpoint/2013/main/command">
   <pc:docChgLst>
-    <pc:chgData name="Lauren Schutte" userId="6e08b2d3-447a-4d66-86be-444d50df187f" providerId="ADAL" clId="{0BC4D7A0-4BBD-1B49-BE14-170949F0EA37}"/>
+    <pc:chgData name="Akilah Johnson" userId="2fa3aa60-0c9c-4d06-bae2-795983241227" providerId="ADAL" clId="{4F9F8D59-37FF-0B43-9EF5-31D48C73FC8D}"/>
     <pc:docChg chg="modSld">
-      <pc:chgData name="Lauren Schutte" userId="6e08b2d3-447a-4d66-86be-444d50df187f" providerId="ADAL" clId="{0BC4D7A0-4BBD-1B49-BE14-170949F0EA37}" dt="2021-10-13T19:10:14.671" v="3" actId="1035"/>
+      <pc:chgData name="Akilah Johnson" userId="2fa3aa60-0c9c-4d06-bae2-795983241227" providerId="ADAL" clId="{4F9F8D59-37FF-0B43-9EF5-31D48C73FC8D}" dt="2021-11-24T00:07:01.857" v="8" actId="20577"/>
       <pc:docMkLst>
         <pc:docMk/>
       </pc:docMkLst>
       <pc:sldChg chg="modSp mod">
-        <pc:chgData name="Lauren Schutte" userId="6e08b2d3-447a-4d66-86be-444d50df187f" providerId="ADAL" clId="{0BC4D7A0-4BBD-1B49-BE14-170949F0EA37}" dt="2021-10-13T19:10:14.671" v="3" actId="1035"/>
+        <pc:chgData name="Akilah Johnson" userId="2fa3aa60-0c9c-4d06-bae2-795983241227" providerId="ADAL" clId="{4F9F8D59-37FF-0B43-9EF5-31D48C73FC8D}" dt="2021-11-24T00:07:01.857" v="8" actId="20577"/>
         <pc:sldMkLst>
           <pc:docMk/>
           <pc:sldMk cId="0" sldId="256"/>
         </pc:sldMkLst>
-        <pc:spChg chg="mod">
-          <ac:chgData name="Lauren Schutte" userId="6e08b2d3-447a-4d66-86be-444d50df187f" providerId="ADAL" clId="{0BC4D7A0-4BBD-1B49-BE14-170949F0EA37}" dt="2021-10-13T19:10:14.671" v="3" actId="1035"/>
-          <ac:spMkLst>
+        <pc:graphicFrameChg chg="modGraphic">
+          <ac:chgData name="Akilah Johnson" userId="2fa3aa60-0c9c-4d06-bae2-795983241227" providerId="ADAL" clId="{4F9F8D59-37FF-0B43-9EF5-31D48C73FC8D}" dt="2021-11-24T00:07:01.857" v="8" actId="20577"/>
+          <ac:graphicFrameMkLst>
             <pc:docMk/>
             <pc:sldMk cId="0" sldId="256"/>
-            <ac:spMk id="4" creationId="{00000000-0000-0000-0000-000000000000}"/>
-          </ac:spMkLst>
-        </pc:spChg>
+            <ac:graphicFrameMk id="7" creationId="{00000000-0000-0000-0000-000000000000}"/>
+          </ac:graphicFrameMkLst>
+        </pc:graphicFrameChg>
       </pc:sldChg>
     </pc:docChg>
   </pc:docChgLst>
@@ -203,6 +203,30 @@
             <ac:graphicFrameMk id="7" creationId="{00000000-0000-0000-0000-000000000000}"/>
           </ac:graphicFrameMkLst>
         </pc:graphicFrameChg>
+      </pc:sldChg>
+    </pc:docChg>
+  </pc:docChgLst>
+  <pc:docChgLst>
+    <pc:chgData name="Lauren Schutte" userId="6e08b2d3-447a-4d66-86be-444d50df187f" providerId="ADAL" clId="{0BC4D7A0-4BBD-1B49-BE14-170949F0EA37}"/>
+    <pc:docChg chg="modSld">
+      <pc:chgData name="Lauren Schutte" userId="6e08b2d3-447a-4d66-86be-444d50df187f" providerId="ADAL" clId="{0BC4D7A0-4BBD-1B49-BE14-170949F0EA37}" dt="2021-10-13T19:10:14.671" v="3" actId="1035"/>
+      <pc:docMkLst>
+        <pc:docMk/>
+      </pc:docMkLst>
+      <pc:sldChg chg="modSp mod">
+        <pc:chgData name="Lauren Schutte" userId="6e08b2d3-447a-4d66-86be-444d50df187f" providerId="ADAL" clId="{0BC4D7A0-4BBD-1B49-BE14-170949F0EA37}" dt="2021-10-13T19:10:14.671" v="3" actId="1035"/>
+        <pc:sldMkLst>
+          <pc:docMk/>
+          <pc:sldMk cId="0" sldId="256"/>
+        </pc:sldMkLst>
+        <pc:spChg chg="mod">
+          <ac:chgData name="Lauren Schutte" userId="6e08b2d3-447a-4d66-86be-444d50df187f" providerId="ADAL" clId="{0BC4D7A0-4BBD-1B49-BE14-170949F0EA37}" dt="2021-10-13T19:10:14.671" v="3" actId="1035"/>
+          <ac:spMkLst>
+            <pc:docMk/>
+            <pc:sldMk cId="0" sldId="256"/>
+            <ac:spMk id="4" creationId="{00000000-0000-0000-0000-000000000000}"/>
+          </ac:spMkLst>
+        </pc:spChg>
       </pc:sldChg>
     </pc:docChg>
   </pc:docChgLst>
@@ -261,30 +285,6 @@
       </pc:sldChg>
     </pc:docChg>
   </pc:docChgLst>
-  <pc:docChgLst>
-    <pc:chgData name="Akilah Johnson" userId="2fa3aa60-0c9c-4d06-bae2-795983241227" providerId="ADAL" clId="{4F9F8D59-37FF-0B43-9EF5-31D48C73FC8D}"/>
-    <pc:docChg chg="modSld">
-      <pc:chgData name="Akilah Johnson" userId="2fa3aa60-0c9c-4d06-bae2-795983241227" providerId="ADAL" clId="{4F9F8D59-37FF-0B43-9EF5-31D48C73FC8D}" dt="2021-11-24T00:07:01.857" v="8" actId="20577"/>
-      <pc:docMkLst>
-        <pc:docMk/>
-      </pc:docMkLst>
-      <pc:sldChg chg="modSp mod">
-        <pc:chgData name="Akilah Johnson" userId="2fa3aa60-0c9c-4d06-bae2-795983241227" providerId="ADAL" clId="{4F9F8D59-37FF-0B43-9EF5-31D48C73FC8D}" dt="2021-11-24T00:07:01.857" v="8" actId="20577"/>
-        <pc:sldMkLst>
-          <pc:docMk/>
-          <pc:sldMk cId="0" sldId="256"/>
-        </pc:sldMkLst>
-        <pc:graphicFrameChg chg="modGraphic">
-          <ac:chgData name="Akilah Johnson" userId="2fa3aa60-0c9c-4d06-bae2-795983241227" providerId="ADAL" clId="{4F9F8D59-37FF-0B43-9EF5-31D48C73FC8D}" dt="2021-11-24T00:07:01.857" v="8" actId="20577"/>
-          <ac:graphicFrameMkLst>
-            <pc:docMk/>
-            <pc:sldMk cId="0" sldId="256"/>
-            <ac:graphicFrameMk id="7" creationId="{00000000-0000-0000-0000-000000000000}"/>
-          </ac:graphicFrameMkLst>
-        </pc:graphicFrameChg>
-      </pc:sldChg>
-    </pc:docChg>
-  </pc:docChgLst>
 </pc:chgInfo>
 </file>
 
@@ -370,7 +370,7 @@
           <a:p>
             <a:fld id="{C12E57D6-2086-AA47-A7A4-C0CDE7C14E44}" type="datetimeFigureOut">
               <a:rPr lang="en-US" smtClean="0"/>
-              <a:t>1/20/22</a:t>
+              <a:t>2/14/2022</a:t>
             </a:fld>
             <a:endParaRPr lang="en-US"/>
           </a:p>
@@ -681,7 +681,7 @@
           <a:bodyPr/>
           <a:lstStyle/>
           <a:p>
-            <a:endParaRPr lang="en-US"/>
+            <a:endParaRPr lang="en-US" dirty="0"/>
           </a:p>
         </p:txBody>
       </p:sp>
@@ -944,7 +944,7 @@
           <a:p>
             <a:fld id="{1D8BD707-D9CF-40AE-B4C6-C98DA3205C09}" type="datetimeFigureOut">
               <a:rPr lang="en-US"/>
-              <a:t>1/20/22</a:t>
+              <a:t>2/14/2022</a:t>
             </a:fld>
             <a:endParaRPr lang="en-US"/>
           </a:p>
@@ -1189,7 +1189,7 @@
           <a:p>
             <a:fld id="{1D8BD707-D9CF-40AE-B4C6-C98DA3205C09}" type="datetimeFigureOut">
               <a:rPr lang="en-US"/>
-              <a:t>1/20/22</a:t>
+              <a:t>2/14/2022</a:t>
             </a:fld>
             <a:endParaRPr lang="en-US"/>
           </a:p>
@@ -1447,7 +1447,7 @@
           <a:p>
             <a:fld id="{1D8BD707-D9CF-40AE-B4C6-C98DA3205C09}" type="datetimeFigureOut">
               <a:rPr lang="en-US"/>
-              <a:t>1/20/22</a:t>
+              <a:t>2/14/2022</a:t>
             </a:fld>
             <a:endParaRPr lang="en-US"/>
           </a:p>
@@ -1639,7 +1639,7 @@
           <a:p>
             <a:fld id="{1D8BD707-D9CF-40AE-B4C6-C98DA3205C09}" type="datetimeFigureOut">
               <a:rPr lang="en-US"/>
-              <a:t>1/20/22</a:t>
+              <a:t>2/14/2022</a:t>
             </a:fld>
             <a:endParaRPr lang="en-US"/>
           </a:p>
@@ -1802,7 +1802,7 @@
           <a:p>
             <a:fld id="{1D8BD707-D9CF-40AE-B4C6-C98DA3205C09}" type="datetimeFigureOut">
               <a:rPr lang="en-US"/>
-              <a:t>1/20/22</a:t>
+              <a:t>2/14/2022</a:t>
             </a:fld>
             <a:endParaRPr lang="en-US"/>
           </a:p>
@@ -2065,7 +2065,7 @@
           <a:p>
             <a:fld id="{1D8BD707-D9CF-40AE-B4C6-C98DA3205C09}" type="datetimeFigureOut">
               <a:rPr lang="en-US"/>
-              <a:t>1/20/22</a:t>
+              <a:t>2/14/2022</a:t>
             </a:fld>
             <a:endParaRPr lang="en-US"/>
           </a:p>
@@ -2359,16 +2359,9 @@
               </a:spcBef>
             </a:pPr>
             <a:r>
-              <a:rPr sz="2300"/>
-              <a:t>ADOBE </a:t>
-            </a:r>
-            <a:r>
-              <a:rPr lang="en-US" sz="2300"/>
-              <a:t>SUPPORT PLANS</a:t>
-            </a:r>
-            <a:endParaRPr sz="2300">
-              <a:latin typeface="Adobe Clean" panose="020B0503020404020204" pitchFamily="34" charset="0"/>
-            </a:endParaRPr>
+              <a:rPr lang="de-DE" sz="2300"/>
+              <a:t>SUPPORT-PAKETE VON ADOBE</a:t>
+            </a:r>
           </a:p>
         </p:txBody>
       </p:sp>
@@ -2381,7 +2374,7 @@
         <p:spPr>
           <a:xfrm>
             <a:off x="159522" y="560755"/>
-            <a:ext cx="7003277" cy="1466427"/>
+            <a:ext cx="7003277" cy="1411027"/>
           </a:xfrm>
           <a:prstGeom prst="rect">
             <a:avLst/>
@@ -2402,77 +2395,17 @@
               </a:spcBef>
             </a:pPr>
             <a:r>
-              <a:rPr lang="en-US" sz="1100" spc="-5" dirty="0">
+              <a:rPr lang="de-DE" sz="1100" dirty="0">
                 <a:solidFill>
                   <a:srgbClr val="FFFFFF"/>
                 </a:solidFill>
                 <a:latin typeface="AdobeClean-Light"/>
                 <a:cs typeface="AdobeClean-Light"/>
               </a:rPr>
-              <a:t>Standard</a:t>
-            </a:r>
-            <a:r>
-              <a:rPr sz="1100" dirty="0">
-                <a:solidFill>
-                  <a:srgbClr val="FFFFFF"/>
-                </a:solidFill>
-                <a:latin typeface="AdobeClean-Light"/>
-                <a:cs typeface="AdobeClean-Light"/>
-              </a:rPr>
-              <a:t> |</a:t>
-            </a:r>
-            <a:r>
-              <a:rPr sz="1100" spc="10" dirty="0">
-                <a:solidFill>
-                  <a:srgbClr val="FFFFFF"/>
-                </a:solidFill>
-                <a:latin typeface="AdobeClean-Light"/>
-                <a:cs typeface="AdobeClean-Light"/>
-              </a:rPr>
-              <a:t> </a:t>
-            </a:r>
-            <a:r>
-              <a:rPr sz="1100" spc="-5" dirty="0">
-                <a:solidFill>
-                  <a:srgbClr val="FFFFFF"/>
-                </a:solidFill>
-                <a:latin typeface="AdobeClean-Light"/>
-                <a:cs typeface="AdobeClean-Light"/>
-              </a:rPr>
-              <a:t>Enterprise</a:t>
-            </a:r>
-            <a:r>
-              <a:rPr sz="1100" spc="10" dirty="0">
-                <a:solidFill>
-                  <a:srgbClr val="FFFFFF"/>
-                </a:solidFill>
-                <a:latin typeface="AdobeClean-Light"/>
-                <a:cs typeface="AdobeClean-Light"/>
-              </a:rPr>
-              <a:t> </a:t>
-            </a:r>
-            <a:r>
-              <a:rPr sz="1100" dirty="0">
-                <a:solidFill>
-                  <a:srgbClr val="FFFFFF"/>
-                </a:solidFill>
-                <a:latin typeface="AdobeClean-Light"/>
-                <a:cs typeface="AdobeClean-Light"/>
-              </a:rPr>
-              <a:t>|</a:t>
-            </a:r>
-            <a:r>
-              <a:rPr sz="1100" spc="5" dirty="0">
-                <a:solidFill>
-                  <a:srgbClr val="FFFFFF"/>
-                </a:solidFill>
-                <a:latin typeface="AdobeClean-Light"/>
-                <a:cs typeface="AdobeClean-Light"/>
-              </a:rPr>
-              <a:t> </a:t>
-            </a:r>
-            <a:r>
-              <a:rPr sz="1100" b="1" spc="-65" dirty="0">
+              <a:t>Standard | Enterprise | </a:t>
+            </a:r>
+            <a:r>
+              <a:rPr lang="de-DE" sz="1100" b="1" dirty="0">
                 <a:solidFill>
                   <a:srgbClr val="FFFFFF"/>
                 </a:solidFill>
@@ -2481,10 +2414,6 @@
               </a:rPr>
               <a:t>Elite</a:t>
             </a:r>
-            <a:endParaRPr sz="1100" dirty="0">
-              <a:latin typeface="Arial"/>
-              <a:cs typeface="Arial"/>
-            </a:endParaRPr>
           </a:p>
           <a:p>
             <a:pPr marL="12700" marR="1076325">
@@ -2493,21 +2422,65 @@
               </a:spcBef>
             </a:pPr>
             <a:r>
-              <a:rPr lang="en-US" sz="900" dirty="0">
+              <a:rPr lang="de-DE" sz="860" dirty="0">
                 <a:solidFill>
                   <a:schemeClr val="bg1"/>
                 </a:solidFill>
                 <a:latin typeface="Adobe Clean SemiLight" panose="020B0403020404020204" pitchFamily="34" charset="0"/>
               </a:rPr>
-              <a:t>Adobe provides a comprehensive range of technical resources to help support your business included as part of your Experience Cloud license subscription and further enhanced in the ELITE support package. ELITE support includes access to personalized learning paths and monitored community forums via the Adobe Experience League. You can also take advantage of our detailed and in-depth technical product documentation and current release notes. ELITE customers will also have access to a Named Support Engineer as well as a Technical Account Manager who combine and work in partnership with you to provide best in class proactive and reactive support while acting as your designated technical contacts in the Adobe Support Team. With deep experience in your designated Experience Cloud solutions, your support team work to ensure that no matter how complex your support needs are, the Adobe Support team will be there side by side with you throughout, to ensure you maximize your investment in the Adobe Experience Cloud solutions and to help you avoid problems before they happen.</a:t>
-            </a:r>
-            <a:endParaRPr sz="900" dirty="0">
-              <a:solidFill>
-                <a:schemeClr val="bg1"/>
-              </a:solidFill>
-              <a:latin typeface="AdobeClean-Light"/>
-              <a:cs typeface="AdobeClean-Light"/>
-            </a:endParaRPr>
+              <a:t>Adobe bietet eine umfangreiche Palette an technischen Ressourcen zur Unterstützung Ihres Unternehmens. Diese sind Teil des Experience Cloud-Lizenzabonnements und werden durch das ELITE Support-Paket weiter ergänzt. ELITE Support bietet über die Adobe Experience League Zugang zu personalisierten Lernpfaden und von Moderatoren betreuten Community-Foren. Darüber hinaus stehen Ihnen unsere umfangreiche technische Produktdokumentation sowie aktuelle Versionshinweise zur Verfügung. </a:t>
+            </a:r>
+            <a:br>
+              <a:rPr lang="de-DE" sz="860" dirty="0">
+                <a:solidFill>
+                  <a:schemeClr val="bg1"/>
+                </a:solidFill>
+                <a:latin typeface="Adobe Clean SemiLight" panose="020B0403020404020204" pitchFamily="34" charset="0"/>
+              </a:rPr>
+            </a:br>
+            <a:r>
+              <a:rPr lang="de-DE" sz="860" dirty="0">
+                <a:solidFill>
+                  <a:schemeClr val="bg1"/>
+                </a:solidFill>
+                <a:latin typeface="Adobe Clean SemiLight" panose="020B0403020404020204" pitchFamily="34" charset="0"/>
+              </a:rPr>
+              <a:t>ELITE-Kunden erhalten auch Kontakt zu einem spezifischen Support-Mitarbeiter sowie einem Technical Account Manager. Diese </a:t>
+            </a:r>
+            <a:br>
+              <a:rPr lang="de-DE" sz="860" dirty="0">
+                <a:solidFill>
+                  <a:schemeClr val="bg1"/>
+                </a:solidFill>
+                <a:latin typeface="Adobe Clean SemiLight" panose="020B0403020404020204" pitchFamily="34" charset="0"/>
+              </a:rPr>
+            </a:br>
+            <a:r>
+              <a:rPr lang="de-DE" sz="860" dirty="0">
+                <a:solidFill>
+                  <a:schemeClr val="bg1"/>
+                </a:solidFill>
+                <a:latin typeface="Adobe Clean SemiLight" panose="020B0403020404020204" pitchFamily="34" charset="0"/>
+              </a:rPr>
+              <a:t>sind Ihre Ansprechpartner für technische Fragen im Adobe-Support-Team und arbeiten gemeinsam mit Ihnen daran, bestmöglichen, reaktionsschnellen Support anzubieten. Mit umfangreicher Expertise in unseren Experience Cloud-Lösungen unterstützt Sie das Support-Team von Adobe auch bei den komplexesten Support-Bedürfnissen. So können Sie das Optimum aus Ihren Investitionen </a:t>
+            </a:r>
+            <a:br>
+              <a:rPr lang="de-DE" sz="860" dirty="0">
+                <a:solidFill>
+                  <a:schemeClr val="bg1"/>
+                </a:solidFill>
+                <a:latin typeface="Adobe Clean SemiLight" panose="020B0403020404020204" pitchFamily="34" charset="0"/>
+              </a:rPr>
+            </a:br>
+            <a:r>
+              <a:rPr lang="de-DE" sz="860" dirty="0">
+                <a:solidFill>
+                  <a:schemeClr val="bg1"/>
+                </a:solidFill>
+                <a:latin typeface="Adobe Clean SemiLight" panose="020B0403020404020204" pitchFamily="34" charset="0"/>
+              </a:rPr>
+              <a:t>in die Adobe Experience Cloud-Lösungen herausholen und Probleme vermeiden, bevor sie überhaupt entstehen.</a:t>
+            </a:r>
           </a:p>
         </p:txBody>
       </p:sp>
@@ -2519,7 +2492,7 @@
         </p:nvSpPr>
         <p:spPr>
           <a:xfrm>
-            <a:off x="168564" y="7162800"/>
+            <a:off x="168564" y="7178040"/>
             <a:ext cx="2780665" cy="238760"/>
           </a:xfrm>
           <a:prstGeom prst="rect">
@@ -2541,7 +2514,7 @@
               </a:spcBef>
             </a:pPr>
             <a:r>
-              <a:rPr sz="1400" b="1" u="heavy" spc="20">
+              <a:rPr lang="de-DE" sz="1400" b="1" u="heavy" dirty="0">
                 <a:solidFill>
                   <a:srgbClr val="020302"/>
                 </a:solidFill>
@@ -2553,447 +2526,8 @@
                 <a:latin typeface="Adobe Clean"/>
                 <a:cs typeface="Adobe Clean"/>
               </a:rPr>
-              <a:t>S</a:t>
-            </a:r>
-            <a:r>
-              <a:rPr sz="1400" b="1" u="heavy">
-                <a:solidFill>
-                  <a:srgbClr val="020302"/>
-                </a:solidFill>
-                <a:uFill>
-                  <a:solidFill>
-                    <a:srgbClr val="020302"/>
-                  </a:solidFill>
-                </a:uFill>
-                <a:latin typeface="Adobe Clean"/>
-                <a:cs typeface="Adobe Clean"/>
-              </a:rPr>
-              <a:t>er</a:t>
-            </a:r>
-            <a:r>
-              <a:rPr sz="1400" b="1" u="heavy" spc="10">
-                <a:solidFill>
-                  <a:srgbClr val="020302"/>
-                </a:solidFill>
-                <a:uFill>
-                  <a:solidFill>
-                    <a:srgbClr val="020302"/>
-                  </a:solidFill>
-                </a:uFill>
-                <a:latin typeface="Adobe Clean"/>
-                <a:cs typeface="Adobe Clean"/>
-              </a:rPr>
-              <a:t>vi</a:t>
-            </a:r>
-            <a:r>
-              <a:rPr sz="1400" b="1" u="heavy">
-                <a:solidFill>
-                  <a:srgbClr val="020302"/>
-                </a:solidFill>
-                <a:uFill>
-                  <a:solidFill>
-                    <a:srgbClr val="020302"/>
-                  </a:solidFill>
-                </a:uFill>
-                <a:latin typeface="Adobe Clean"/>
-                <a:cs typeface="Adobe Clean"/>
-              </a:rPr>
-              <a:t>ce</a:t>
-            </a:r>
-            <a:r>
-              <a:rPr sz="1400" b="1" u="heavy" spc="20">
-                <a:solidFill>
-                  <a:srgbClr val="020302"/>
-                </a:solidFill>
-                <a:uFill>
-                  <a:solidFill>
-                    <a:srgbClr val="020302"/>
-                  </a:solidFill>
-                </a:uFill>
-                <a:latin typeface="Adobe Clean"/>
-                <a:cs typeface="Adobe Clean"/>
-              </a:rPr>
-              <a:t> </a:t>
-            </a:r>
-            <a:r>
-              <a:rPr sz="1400" b="1" u="heavy" spc="-20">
-                <a:solidFill>
-                  <a:srgbClr val="020302"/>
-                </a:solidFill>
-                <a:uFill>
-                  <a:solidFill>
-                    <a:srgbClr val="020302"/>
-                  </a:solidFill>
-                </a:uFill>
-                <a:latin typeface="Adobe Clean"/>
-                <a:cs typeface="Adobe Clean"/>
-              </a:rPr>
-              <a:t>Le</a:t>
-            </a:r>
-            <a:r>
-              <a:rPr sz="1400" b="1" u="heavy" spc="-10">
-                <a:solidFill>
-                  <a:srgbClr val="020302"/>
-                </a:solidFill>
-                <a:uFill>
-                  <a:solidFill>
-                    <a:srgbClr val="020302"/>
-                  </a:solidFill>
-                </a:uFill>
-                <a:latin typeface="Adobe Clean"/>
-                <a:cs typeface="Adobe Clean"/>
-              </a:rPr>
-              <a:t>v</a:t>
-            </a:r>
-            <a:r>
-              <a:rPr sz="1400" b="1" u="heavy" spc="-20">
-                <a:solidFill>
-                  <a:srgbClr val="020302"/>
-                </a:solidFill>
-                <a:uFill>
-                  <a:solidFill>
-                    <a:srgbClr val="020302"/>
-                  </a:solidFill>
-                </a:uFill>
-                <a:latin typeface="Adobe Clean"/>
-                <a:cs typeface="Adobe Clean"/>
-              </a:rPr>
-              <a:t>e</a:t>
-            </a:r>
-            <a:r>
-              <a:rPr sz="1400" b="1" u="heavy">
-                <a:solidFill>
-                  <a:srgbClr val="020302"/>
-                </a:solidFill>
-                <a:uFill>
-                  <a:solidFill>
-                    <a:srgbClr val="020302"/>
-                  </a:solidFill>
-                </a:uFill>
-                <a:latin typeface="Adobe Clean"/>
-                <a:cs typeface="Adobe Clean"/>
-              </a:rPr>
-              <a:t>l</a:t>
-            </a:r>
-            <a:r>
-              <a:rPr sz="1400" b="1" u="heavy" spc="-10">
-                <a:solidFill>
-                  <a:srgbClr val="020302"/>
-                </a:solidFill>
-                <a:uFill>
-                  <a:solidFill>
-                    <a:srgbClr val="020302"/>
-                  </a:solidFill>
-                </a:uFill>
-                <a:latin typeface="Adobe Clean"/>
-                <a:cs typeface="Adobe Clean"/>
-              </a:rPr>
-              <a:t> </a:t>
-            </a:r>
-            <a:r>
-              <a:rPr sz="1400" b="1" u="heavy" spc="-65">
-                <a:solidFill>
-                  <a:srgbClr val="020302"/>
-                </a:solidFill>
-                <a:uFill>
-                  <a:solidFill>
-                    <a:srgbClr val="020302"/>
-                  </a:solidFill>
-                </a:uFill>
-                <a:latin typeface="Adobe Clean"/>
-                <a:cs typeface="Adobe Clean"/>
-              </a:rPr>
-              <a:t>T</a:t>
-            </a:r>
-            <a:r>
-              <a:rPr sz="1400" b="1" u="heavy" spc="-35">
-                <a:solidFill>
-                  <a:srgbClr val="020302"/>
-                </a:solidFill>
-                <a:uFill>
-                  <a:solidFill>
-                    <a:srgbClr val="020302"/>
-                  </a:solidFill>
-                </a:uFill>
-                <a:latin typeface="Adobe Clean"/>
-                <a:cs typeface="Adobe Clean"/>
-              </a:rPr>
-              <a:t>a</a:t>
-            </a:r>
-            <a:r>
-              <a:rPr sz="1400" b="1" u="heavy" spc="-45">
-                <a:solidFill>
-                  <a:srgbClr val="020302"/>
-                </a:solidFill>
-                <a:uFill>
-                  <a:solidFill>
-                    <a:srgbClr val="020302"/>
-                  </a:solidFill>
-                </a:uFill>
-                <a:latin typeface="Adobe Clean"/>
-                <a:cs typeface="Adobe Clean"/>
-              </a:rPr>
-              <a:t>r</a:t>
-            </a:r>
-            <a:r>
-              <a:rPr sz="1400" b="1" u="heavy" spc="-35">
-                <a:solidFill>
-                  <a:srgbClr val="020302"/>
-                </a:solidFill>
-                <a:uFill>
-                  <a:solidFill>
-                    <a:srgbClr val="020302"/>
-                  </a:solidFill>
-                </a:uFill>
-                <a:latin typeface="Adobe Clean"/>
-                <a:cs typeface="Adobe Clean"/>
-              </a:rPr>
-              <a:t>g</a:t>
-            </a:r>
-            <a:r>
-              <a:rPr sz="1400" b="1" u="heavy" spc="-55">
-                <a:solidFill>
-                  <a:srgbClr val="020302"/>
-                </a:solidFill>
-                <a:uFill>
-                  <a:solidFill>
-                    <a:srgbClr val="020302"/>
-                  </a:solidFill>
-                </a:uFill>
-                <a:latin typeface="Adobe Clean"/>
-                <a:cs typeface="Adobe Clean"/>
-              </a:rPr>
-              <a:t>et</a:t>
-            </a:r>
-            <a:r>
-              <a:rPr sz="1400" b="1" u="heavy" spc="-45">
-                <a:solidFill>
-                  <a:srgbClr val="020302"/>
-                </a:solidFill>
-                <a:uFill>
-                  <a:solidFill>
-                    <a:srgbClr val="020302"/>
-                  </a:solidFill>
-                </a:uFill>
-                <a:latin typeface="Adobe Clean"/>
-                <a:cs typeface="Adobe Clean"/>
-              </a:rPr>
-              <a:t>s</a:t>
-            </a:r>
-            <a:r>
-              <a:rPr sz="1400" b="1" u="heavy">
-                <a:solidFill>
-                  <a:srgbClr val="020302"/>
-                </a:solidFill>
-                <a:uFill>
-                  <a:solidFill>
-                    <a:srgbClr val="020302"/>
-                  </a:solidFill>
-                </a:uFill>
-                <a:latin typeface="Adobe Clean"/>
-                <a:cs typeface="Adobe Clean"/>
-              </a:rPr>
-              <a:t>:</a:t>
-            </a:r>
-            <a:r>
-              <a:rPr sz="1400" b="1" u="heavy" spc="-80">
-                <a:solidFill>
-                  <a:srgbClr val="020302"/>
-                </a:solidFill>
-                <a:uFill>
-                  <a:solidFill>
-                    <a:srgbClr val="020302"/>
-                  </a:solidFill>
-                </a:uFill>
-                <a:latin typeface="Adobe Clean"/>
-                <a:cs typeface="Adobe Clean"/>
-              </a:rPr>
-              <a:t> </a:t>
-            </a:r>
-            <a:r>
-              <a:rPr sz="1400" b="1" u="heavy" spc="-20">
-                <a:solidFill>
-                  <a:srgbClr val="020302"/>
-                </a:solidFill>
-                <a:uFill>
-                  <a:solidFill>
-                    <a:srgbClr val="020302"/>
-                  </a:solidFill>
-                </a:uFill>
-                <a:latin typeface="Adobe Clean"/>
-                <a:cs typeface="Adobe Clean"/>
-              </a:rPr>
-              <a:t>I</a:t>
-            </a:r>
-            <a:r>
-              <a:rPr sz="1400" b="1" u="heavy" spc="-10">
-                <a:solidFill>
-                  <a:srgbClr val="020302"/>
-                </a:solidFill>
-                <a:uFill>
-                  <a:solidFill>
-                    <a:srgbClr val="020302"/>
-                  </a:solidFill>
-                </a:uFill>
-                <a:latin typeface="Adobe Clean"/>
-                <a:cs typeface="Adobe Clean"/>
-              </a:rPr>
-              <a:t>ni</a:t>
-            </a:r>
-            <a:r>
-              <a:rPr sz="1400" b="1" u="heavy" spc="-20">
-                <a:solidFill>
-                  <a:srgbClr val="020302"/>
-                </a:solidFill>
-                <a:uFill>
-                  <a:solidFill>
-                    <a:srgbClr val="020302"/>
-                  </a:solidFill>
-                </a:uFill>
-                <a:latin typeface="Adobe Clean"/>
-                <a:cs typeface="Adobe Clean"/>
-              </a:rPr>
-              <a:t>t</a:t>
-            </a:r>
-            <a:r>
-              <a:rPr sz="1400" b="1" u="heavy" spc="-10">
-                <a:solidFill>
-                  <a:srgbClr val="020302"/>
-                </a:solidFill>
-                <a:uFill>
-                  <a:solidFill>
-                    <a:srgbClr val="020302"/>
-                  </a:solidFill>
-                </a:uFill>
-                <a:latin typeface="Adobe Clean"/>
-                <a:cs typeface="Adobe Clean"/>
-              </a:rPr>
-              <a:t>i</a:t>
-            </a:r>
-            <a:r>
-              <a:rPr sz="1400" b="1" u="heavy">
-                <a:solidFill>
-                  <a:srgbClr val="020302"/>
-                </a:solidFill>
-                <a:uFill>
-                  <a:solidFill>
-                    <a:srgbClr val="020302"/>
-                  </a:solidFill>
-                </a:uFill>
-                <a:latin typeface="Adobe Clean"/>
-                <a:cs typeface="Adobe Clean"/>
-              </a:rPr>
-              <a:t>al</a:t>
-            </a:r>
-            <a:r>
-              <a:rPr sz="1400" b="1" u="heavy" spc="-140">
-                <a:solidFill>
-                  <a:srgbClr val="020302"/>
-                </a:solidFill>
-                <a:uFill>
-                  <a:solidFill>
-                    <a:srgbClr val="020302"/>
-                  </a:solidFill>
-                </a:uFill>
-                <a:latin typeface="Adobe Clean"/>
-                <a:cs typeface="Adobe Clean"/>
-              </a:rPr>
-              <a:t> </a:t>
-            </a:r>
-            <a:r>
-              <a:rPr sz="1400" b="1" u="heavy" spc="-15">
-                <a:solidFill>
-                  <a:srgbClr val="020302"/>
-                </a:solidFill>
-                <a:uFill>
-                  <a:solidFill>
-                    <a:srgbClr val="020302"/>
-                  </a:solidFill>
-                </a:uFill>
-                <a:latin typeface="Adobe Clean"/>
-                <a:cs typeface="Adobe Clean"/>
-              </a:rPr>
-              <a:t>R</a:t>
-            </a:r>
-            <a:r>
-              <a:rPr sz="1400" b="1" u="heavy" spc="-25">
-                <a:solidFill>
-                  <a:srgbClr val="020302"/>
-                </a:solidFill>
-                <a:uFill>
-                  <a:solidFill>
-                    <a:srgbClr val="020302"/>
-                  </a:solidFill>
-                </a:uFill>
-                <a:latin typeface="Adobe Clean"/>
-                <a:cs typeface="Adobe Clean"/>
-              </a:rPr>
-              <a:t>e</a:t>
-            </a:r>
-            <a:r>
-              <a:rPr sz="1400" b="1" u="heavy" spc="-15">
-                <a:solidFill>
-                  <a:srgbClr val="020302"/>
-                </a:solidFill>
-                <a:uFill>
-                  <a:solidFill>
-                    <a:srgbClr val="020302"/>
-                  </a:solidFill>
-                </a:uFill>
-                <a:latin typeface="Adobe Clean"/>
-                <a:cs typeface="Adobe Clean"/>
-              </a:rPr>
-              <a:t>s</a:t>
-            </a:r>
-            <a:r>
-              <a:rPr sz="1400" b="1" u="heavy" spc="-25">
-                <a:solidFill>
-                  <a:srgbClr val="020302"/>
-                </a:solidFill>
-                <a:uFill>
-                  <a:solidFill>
-                    <a:srgbClr val="020302"/>
-                  </a:solidFill>
-                </a:uFill>
-                <a:latin typeface="Adobe Clean"/>
-                <a:cs typeface="Adobe Clean"/>
-              </a:rPr>
-              <a:t>p</a:t>
-            </a:r>
-            <a:r>
-              <a:rPr sz="1400" b="1" u="heavy" spc="-15">
-                <a:solidFill>
-                  <a:srgbClr val="020302"/>
-                </a:solidFill>
-                <a:uFill>
-                  <a:solidFill>
-                    <a:srgbClr val="020302"/>
-                  </a:solidFill>
-                </a:uFill>
-                <a:latin typeface="Adobe Clean"/>
-                <a:cs typeface="Adobe Clean"/>
-              </a:rPr>
-              <a:t>ons</a:t>
-            </a:r>
-            <a:r>
-              <a:rPr sz="1400" b="1" u="heavy">
-                <a:solidFill>
-                  <a:srgbClr val="020302"/>
-                </a:solidFill>
-                <a:uFill>
-                  <a:solidFill>
-                    <a:srgbClr val="020302"/>
-                  </a:solidFill>
-                </a:uFill>
-                <a:latin typeface="Adobe Clean"/>
-                <a:cs typeface="Adobe Clean"/>
-              </a:rPr>
-              <a:t>e</a:t>
-            </a:r>
-            <a:endParaRPr sz="1400">
-              <a:latin typeface="Adobe Clean"/>
-              <a:cs typeface="Adobe Clean"/>
-            </a:endParaRPr>
+              <a:t>Service-Level-Ziele: Erste Reaktion</a:t>
+            </a:r>
           </a:p>
         </p:txBody>
       </p:sp>
@@ -3006,14 +2540,14 @@
           <p:nvPr>
             <p:extLst>
               <p:ext uri="{D42A27DB-BD31-4B8C-83A1-F6EECF244321}">
-                <p14:modId xmlns:p14="http://schemas.microsoft.com/office/powerpoint/2010/main" val="3940642931"/>
+                <p14:modId xmlns:p14="http://schemas.microsoft.com/office/powerpoint/2010/main" val="3977618702"/>
               </p:ext>
             </p:extLst>
           </p:nvPr>
         </p:nvGraphicFramePr>
         <p:xfrm>
-          <a:off x="145668" y="7473158"/>
-          <a:ext cx="7409815" cy="2259721"/>
+          <a:off x="145668" y="7450298"/>
+          <a:ext cx="7409815" cy="2426994"/>
         </p:xfrm>
         <a:graphic>
           <a:graphicData uri="http://schemas.openxmlformats.org/drawingml/2006/table">
@@ -3022,21 +2556,21 @@
                 <a:tableStyleId>{2D5ABB26-0587-4C30-8999-92F81FD0307C}</a:tableStyleId>
               </a:tblPr>
               <a:tblGrid>
-                <a:gridCol w="4654932">
+                <a:gridCol w="4510152">
                   <a:extLst>
                     <a:ext uri="{9D8B030D-6E8A-4147-A177-3AD203B41FA5}">
                       <a16:colId xmlns:a16="http://schemas.microsoft.com/office/drawing/2014/main" val="20000"/>
                     </a:ext>
                   </a:extLst>
                 </a:gridCol>
-                <a:gridCol w="1371600">
+                <a:gridCol w="1455420">
                   <a:extLst>
                     <a:ext uri="{9D8B030D-6E8A-4147-A177-3AD203B41FA5}">
                       <a16:colId xmlns:a16="http://schemas.microsoft.com/office/drawing/2014/main" val="20001"/>
                     </a:ext>
                   </a:extLst>
                 </a:gridCol>
-                <a:gridCol w="1383283">
+                <a:gridCol w="1444243">
                   <a:extLst>
                     <a:ext uri="{9D8B030D-6E8A-4147-A177-3AD203B41FA5}">
                       <a16:colId xmlns:a16="http://schemas.microsoft.com/office/drawing/2014/main" val="20002"/>
@@ -3059,19 +2593,15 @@
                         </a:spcBef>
                       </a:pPr>
                       <a:r>
-                        <a:rPr sz="900" spc="0">
+                        <a:rPr lang="de-DE" sz="900" dirty="0">
                           <a:solidFill>
                             <a:srgbClr val="020302"/>
                           </a:solidFill>
                           <a:latin typeface="Adobe Clean"/>
                           <a:cs typeface="Adobe Clean"/>
                         </a:rPr>
-                        <a:t>Priority</a:t>
+                        <a:t>Priorität</a:t>
                       </a:r>
-                      <a:endParaRPr sz="900" spc="0">
-                        <a:latin typeface="Adobe Clean"/>
-                        <a:cs typeface="Adobe Clean"/>
-                      </a:endParaRPr>
                     </a:p>
                   </a:txBody>
                   <a:tcPr marL="0" marR="0" marT="5715" marB="0" anchor="ctr">
@@ -3118,29 +2648,15 @@
                         </a:spcBef>
                       </a:pPr>
                       <a:r>
-                        <a:rPr lang="en-US" sz="900" spc="0" dirty="0">
+                        <a:rPr lang="de-DE" sz="900">
                           <a:solidFill>
                             <a:srgbClr val="020302"/>
                           </a:solidFill>
                           <a:latin typeface="Adobe Clean"/>
                           <a:cs typeface="Adobe Clean"/>
                         </a:rPr>
-                        <a:t>Standard </a:t>
+                        <a:t>Standard Support</a:t>
                       </a:r>
-                      <a:r>
-                        <a:rPr sz="900" spc="0" dirty="0">
-                          <a:solidFill>
-                            <a:srgbClr val="020302"/>
-                          </a:solidFill>
-                          <a:latin typeface="Adobe Clean"/>
-                          <a:cs typeface="Adobe Clean"/>
-                        </a:rPr>
-                        <a:t> Support</a:t>
-                      </a:r>
-                      <a:endParaRPr sz="900" spc="0" dirty="0">
-                        <a:latin typeface="Adobe Clean"/>
-                        <a:cs typeface="Adobe Clean"/>
-                      </a:endParaRPr>
                     </a:p>
                   </a:txBody>
                   <a:tcPr marL="0" marR="0" marT="5715" marB="0" anchor="ctr">
@@ -3181,7 +2697,7 @@
                     <a:bodyPr/>
                     <a:lstStyle/>
                     <a:p>
-                      <a:pPr marL="263525" algn="l">
+                      <a:pPr marL="263525" algn="ctr">
                         <a:lnSpc>
                           <a:spcPct val="100000"/>
                         </a:lnSpc>
@@ -3190,39 +2706,15 @@
                         </a:spcBef>
                       </a:pPr>
                       <a:r>
-                        <a:rPr sz="900" spc="0">
+                        <a:rPr lang="de-DE" sz="900" dirty="0">
                           <a:solidFill>
                             <a:srgbClr val="FFFFFF"/>
                           </a:solidFill>
                           <a:latin typeface="Adobe Clean"/>
                           <a:cs typeface="Adobe Clean"/>
                         </a:rPr>
-                        <a:t>Elite</a:t>
+                        <a:t>Elite Support</a:t>
                       </a:r>
-                      <a:r>
-                        <a:rPr lang="en-US" sz="900" spc="0">
-                          <a:solidFill>
-                            <a:srgbClr val="FFFFFF"/>
-                          </a:solidFill>
-                          <a:latin typeface="Adobe Clean"/>
-                          <a:cs typeface="Adobe Clean"/>
-                        </a:rPr>
-                        <a:t>  </a:t>
-                      </a:r>
-                      <a:r>
-                        <a:rPr sz="900" spc="0">
-                          <a:solidFill>
-                            <a:srgbClr val="FFFFFF"/>
-                          </a:solidFill>
-                          <a:latin typeface="Adobe Clean"/>
-                          <a:cs typeface="Adobe Clean"/>
-                        </a:rPr>
-                        <a:t>Support</a:t>
-                      </a:r>
-                      <a:endParaRPr sz="900" spc="0">
-                        <a:latin typeface="Adobe Clean"/>
-                        <a:cs typeface="Adobe Clean"/>
-                      </a:endParaRPr>
                     </a:p>
                   </a:txBody>
                   <a:tcPr marL="0" marR="0" marT="8255" marB="0" anchor="ctr">
@@ -3264,7 +2756,7 @@
                   </a:ext>
                 </a:extLst>
               </a:tr>
-              <a:tr h="511415">
+              <a:tr h="563880">
                 <a:tc>
                   <a:txBody>
                     <a:bodyPr/>
@@ -3279,19 +2771,15 @@
                         </a:spcBef>
                       </a:pPr>
                       <a:r>
-                        <a:rPr sz="900" b="1" spc="0">
+                        <a:rPr lang="de-DE" sz="860" b="1" dirty="0">
                           <a:solidFill>
                             <a:srgbClr val="020302"/>
                           </a:solidFill>
                           <a:latin typeface="Adobe Clean"/>
                           <a:cs typeface="Adobe Clean"/>
                         </a:rPr>
-                        <a:t>PRIORITY 1</a:t>
+                        <a:t>PRIORITÄT 1</a:t>
                       </a:r>
-                      <a:endParaRPr sz="900" spc="0">
-                        <a:latin typeface="Adobe Clean"/>
-                        <a:cs typeface="Adobe Clean"/>
-                      </a:endParaRPr>
                     </a:p>
                     <a:p>
                       <a:pPr marL="50165" marR="495300" algn="l">
@@ -3303,19 +2791,14 @@
                         </a:spcBef>
                       </a:pPr>
                       <a:r>
-                        <a:rPr lang="en-US" sz="900" b="0" i="0" u="none" strike="noStrike" spc="0">
+                        <a:rPr lang="de-DE" sz="860" b="0" i="0" u="none" strike="noStrike" dirty="0">
                           <a:solidFill>
                             <a:srgbClr val="000000"/>
                           </a:solidFill>
-                          <a:effectLst/>
                           <a:latin typeface="Adobe Clean Light"/>
                         </a:rPr>
-                        <a:t>Customer's production business functions are down or have significant data loss or service degradation and immediate attention is required to restore functionality and usability</a:t>
+                        <a:t>Die Produktionsfunktionen im Unternehmen des Kunden sind ausgefallen oder weisen einen erheblichen Datenverlust oder eine Beeinträchtigung des Service auf und ein sofortiges Eingreifen ist nötig, um Funktionalität und Nutzbarkeit wiederherzustellen</a:t>
                       </a:r>
-                      <a:endParaRPr sz="900" spc="0">
-                        <a:latin typeface="Adobe Clean Light"/>
-                        <a:cs typeface="AdobeClean-Light"/>
-                      </a:endParaRPr>
                     </a:p>
                   </a:txBody>
                   <a:tcPr marL="0" marR="0" marT="0" marB="0" anchor="ctr">
@@ -3359,7 +2842,7 @@
                         </a:lnSpc>
                       </a:pPr>
                       <a:r>
-                        <a:rPr sz="900" spc="0">
+                        <a:rPr lang="de-DE" sz="850" dirty="0">
                           <a:solidFill>
                             <a:srgbClr val="020302"/>
                           </a:solidFill>
@@ -3368,50 +2851,25 @@
                         </a:rPr>
                         <a:t>24x7/</a:t>
                       </a:r>
-                      <a:r>
-                        <a:rPr lang="en-US" sz="900" spc="0">
+                      <a:br>
+                        <a:rPr lang="de-DE" sz="850" dirty="0">
                           <a:solidFill>
                             <a:srgbClr val="020302"/>
                           </a:solidFill>
                           <a:latin typeface="AdobeClean-Light"/>
                           <a:cs typeface="AdobeClean-Light"/>
                         </a:rPr>
-                        <a:t>          </a:t>
-                      </a:r>
+                      </a:br>
                       <a:r>
-                        <a:rPr sz="900" spc="0">
+                        <a:rPr lang="de-DE" sz="850" dirty="0">
                           <a:solidFill>
                             <a:srgbClr val="020302"/>
                           </a:solidFill>
                           <a:latin typeface="AdobeClean-Light"/>
                           <a:cs typeface="AdobeClean-Light"/>
                         </a:rPr>
-                        <a:t> 1</a:t>
+                        <a:t>1 Stunde</a:t>
                       </a:r>
-                      <a:r>
-                        <a:rPr lang="en-US" sz="900" spc="0">
-                          <a:solidFill>
-                            <a:srgbClr val="020302"/>
-                          </a:solidFill>
-                          <a:latin typeface="AdobeClean-Light"/>
-                          <a:cs typeface="AdobeClean-Light"/>
-                        </a:rPr>
-                        <a:t> </a:t>
-                      </a:r>
-                      <a:r>
-                        <a:rPr sz="900" spc="0">
-                          <a:solidFill>
-                            <a:srgbClr val="020302"/>
-                          </a:solidFill>
-                          <a:latin typeface="AdobeClean-Light"/>
-                          <a:cs typeface="AdobeClean-Light"/>
-                        </a:rPr>
-                        <a:t>hour</a:t>
-                      </a:r>
-                      <a:endParaRPr sz="900" spc="0">
-                        <a:latin typeface="AdobeClean-Light"/>
-                        <a:cs typeface="AdobeClean-Light"/>
-                      </a:endParaRPr>
                     </a:p>
                   </a:txBody>
                   <a:tcPr marL="0" marR="0" marT="0" marB="0" anchor="ctr">
@@ -3449,75 +2907,40 @@
                     <a:bodyPr/>
                     <a:lstStyle/>
                     <a:p>
-                      <a:pPr marL="405130" marR="459740" indent="92710" algn="l">
+                      <a:pPr marL="405130" marR="459740" indent="92710" algn="ctr">
                         <a:lnSpc>
                           <a:spcPct val="100000"/>
                         </a:lnSpc>
                       </a:pPr>
                       <a:r>
-                        <a:rPr lang="en-US" sz="900" spc="0">
+                        <a:rPr lang="de-DE" sz="850" dirty="0">
                           <a:solidFill>
                             <a:srgbClr val="020302"/>
                           </a:solidFill>
                           <a:latin typeface="AdobeClean-Light"/>
                           <a:cs typeface="AdobeClean-Light"/>
                         </a:rPr>
-                        <a:t>2</a:t>
+                        <a:t>24x7/</a:t>
                       </a:r>
-                      <a:r>
-                        <a:rPr sz="900" spc="0">
+                      <a:br>
+                        <a:rPr lang="de-DE" sz="850" dirty="0">
                           <a:solidFill>
                             <a:srgbClr val="020302"/>
                           </a:solidFill>
                           <a:latin typeface="AdobeClean-Light"/>
                           <a:cs typeface="AdobeClean-Light"/>
                         </a:rPr>
-                        <a:t>4x7 /</a:t>
-                      </a:r>
+                      </a:br>
                       <a:r>
-                        <a:rPr lang="en-US" sz="900" spc="0">
+                        <a:rPr lang="de-DE" sz="850" dirty="0">
                           <a:solidFill>
                             <a:srgbClr val="020302"/>
                           </a:solidFill>
                           <a:latin typeface="AdobeClean-Light"/>
                           <a:cs typeface="AdobeClean-Light"/>
                         </a:rPr>
-                        <a:t>  </a:t>
+                        <a:t>15 Minuten</a:t>
                       </a:r>
-                      <a:r>
-                        <a:rPr sz="900" spc="0">
-                          <a:solidFill>
-                            <a:srgbClr val="020302"/>
-                          </a:solidFill>
-                          <a:latin typeface="AdobeClean-Light"/>
-                          <a:cs typeface="AdobeClean-Light"/>
-                        </a:rPr>
-                        <a:t> 15</a:t>
-                      </a:r>
-                      <a:r>
-                        <a:rPr lang="en-US" sz="900" spc="0">
-                          <a:solidFill>
-                            <a:srgbClr val="020302"/>
-                          </a:solidFill>
-                          <a:latin typeface="AdobeClean-Light"/>
-                          <a:cs typeface="AdobeClean-Light"/>
-                        </a:rPr>
-                        <a:t> </a:t>
-                      </a:r>
-                      <a:r>
-                        <a:rPr sz="900" spc="0">
-                          <a:solidFill>
-                            <a:srgbClr val="020302"/>
-                          </a:solidFill>
-                          <a:latin typeface="AdobeClean-Light"/>
-                          <a:cs typeface="AdobeClean-Light"/>
-                        </a:rPr>
-                        <a:t>minutes</a:t>
-                      </a:r>
-                      <a:endParaRPr sz="900" spc="0">
-                        <a:latin typeface="AdobeClean-Light"/>
-                        <a:cs typeface="AdobeClean-Light"/>
-                      </a:endParaRPr>
                     </a:p>
                   </a:txBody>
                   <a:tcPr marL="0" marR="0" marT="2540" marB="0" anchor="ctr">
@@ -3579,19 +3002,15 @@
                         </a:spcBef>
                       </a:pPr>
                       <a:r>
-                        <a:rPr sz="900" b="1" spc="0">
+                        <a:rPr lang="de-DE" sz="860" b="1" dirty="0">
                           <a:solidFill>
                             <a:srgbClr val="020302"/>
                           </a:solidFill>
                           <a:latin typeface="Adobe Clean"/>
                           <a:cs typeface="Adobe Clean"/>
                         </a:rPr>
-                        <a:t>PRIORITY 2</a:t>
+                        <a:t>PRIORITÄT 2</a:t>
                       </a:r>
-                      <a:endParaRPr sz="900" spc="0">
-                        <a:latin typeface="Adobe Clean"/>
-                        <a:cs typeface="Adobe Clean"/>
-                      </a:endParaRPr>
                     </a:p>
                     <a:p>
                       <a:pPr marL="49530" marR="719455" algn="l">
@@ -3603,19 +3022,14 @@
                         </a:spcBef>
                       </a:pPr>
                       <a:r>
-                        <a:rPr lang="en-US" sz="900" b="0" i="0" u="none" strike="noStrike" spc="0">
+                        <a:rPr lang="de-DE" sz="860" b="0" i="0" u="none" strike="noStrike" dirty="0">
                           <a:solidFill>
                             <a:srgbClr val="000000"/>
                           </a:solidFill>
-                          <a:effectLst/>
                           <a:latin typeface="Adobe Clean Light"/>
                         </a:rPr>
-                        <a:t>Customer's business functions have major service degradation or potential data loss, or a major feature is impacted</a:t>
+                        <a:t>Die Unternehmensfunktionen des Kunden weisen eine erhebliche Beeinträchtigung des Service oder möglichen Datenverlust auf oder eine zentrale Funktion ist betroffen</a:t>
                       </a:r>
-                      <a:endParaRPr sz="900" spc="0">
-                        <a:latin typeface="Adobe Clean Light"/>
-                        <a:cs typeface="AdobeClean-Light"/>
-                      </a:endParaRPr>
                     </a:p>
                   </a:txBody>
                   <a:tcPr marL="0" marR="0" marT="0" marB="0" anchor="ctr">
@@ -3653,65 +3067,40 @@
                     <a:bodyPr/>
                     <a:lstStyle/>
                     <a:p>
-                      <a:pPr marL="473075" marR="343535" indent="-175895" algn="l">
+                      <a:pPr marL="473075" marR="343535" indent="-175895" algn="ctr">
                         <a:lnSpc>
                           <a:spcPct val="102200"/>
                         </a:lnSpc>
                       </a:pPr>
                       <a:r>
-                        <a:rPr sz="900" spc="0">
+                        <a:rPr lang="de-DE" sz="850" dirty="0">
                           <a:solidFill>
                             <a:srgbClr val="020302"/>
                           </a:solidFill>
                           <a:latin typeface="AdobeClean-Light"/>
                           <a:cs typeface="AdobeClean-Light"/>
                         </a:rPr>
-                        <a:t>Business hours</a:t>
+                        <a:t>Geschäftszeiten/</a:t>
                       </a:r>
-                      <a:r>
-                        <a:rPr lang="en-US" sz="900" spc="0">
+                      <a:br>
+                        <a:rPr lang="de-DE" sz="850" dirty="0">
                           <a:solidFill>
                             <a:srgbClr val="020302"/>
                           </a:solidFill>
                           <a:latin typeface="AdobeClean-Light"/>
                           <a:cs typeface="AdobeClean-Light"/>
                         </a:rPr>
-                        <a:t> </a:t>
-                      </a:r>
+                      </a:br>
                       <a:r>
-                        <a:rPr sz="900" spc="0">
+                        <a:rPr lang="de-DE" sz="850" dirty="0">
                           <a:solidFill>
                             <a:srgbClr val="020302"/>
                           </a:solidFill>
                           <a:latin typeface="AdobeClean-Light"/>
                           <a:cs typeface="AdobeClean-Light"/>
                         </a:rPr>
-                        <a:t>/</a:t>
+                        <a:t>4 Stunden</a:t>
                       </a:r>
-                      <a:r>
-                        <a:rPr lang="en-US" sz="900" spc="0">
-                          <a:solidFill>
-                            <a:srgbClr val="020302"/>
-                          </a:solidFill>
-                          <a:latin typeface="AdobeClean-Light"/>
-                          <a:cs typeface="AdobeClean-Light"/>
-                        </a:rPr>
-                        <a:t>       </a:t>
-                      </a:r>
-                      <a:r>
-                        <a:rPr sz="900" spc="0">
-                          <a:solidFill>
-                            <a:srgbClr val="020302"/>
-                          </a:solidFill>
-                          <a:latin typeface="AdobeClean-Light"/>
-                          <a:cs typeface="AdobeClean-Light"/>
-                        </a:rPr>
-                        <a:t>4 hours</a:t>
-                      </a:r>
-                      <a:endParaRPr sz="900" spc="0">
-                        <a:latin typeface="AdobeClean-Light"/>
-                        <a:cs typeface="AdobeClean-Light"/>
-                      </a:endParaRPr>
                     </a:p>
                   </a:txBody>
                   <a:tcPr marL="0" marR="0" marT="0" marB="0" anchor="ctr">
@@ -3746,65 +3135,40 @@
                     <a:bodyPr/>
                     <a:lstStyle/>
                     <a:p>
-                      <a:pPr marL="351790" marR="481330" indent="144145" algn="l">
+                      <a:pPr marL="351790" marR="481330" indent="144145" algn="ctr">
                         <a:lnSpc>
                           <a:spcPct val="102299"/>
                         </a:lnSpc>
                       </a:pPr>
                       <a:r>
-                        <a:rPr sz="900" spc="0">
+                        <a:rPr lang="de-DE" sz="850" dirty="0">
                           <a:solidFill>
                             <a:srgbClr val="020302"/>
                           </a:solidFill>
                           <a:latin typeface="AdobeClean-Light"/>
                           <a:cs typeface="AdobeClean-Light"/>
                         </a:rPr>
-                        <a:t>24x5 /</a:t>
+                        <a:t>24x5/</a:t>
                       </a:r>
-                      <a:r>
-                        <a:rPr lang="en-US" sz="900" spc="0">
+                      <a:br>
+                        <a:rPr lang="de-DE" sz="850" dirty="0">
                           <a:solidFill>
                             <a:srgbClr val="020302"/>
                           </a:solidFill>
                           <a:latin typeface="AdobeClean-Light"/>
                           <a:cs typeface="AdobeClean-Light"/>
                         </a:rPr>
-                        <a:t> </a:t>
-                      </a:r>
+                      </a:br>
                       <a:r>
-                        <a:rPr sz="900" spc="0">
+                        <a:rPr lang="de-DE" sz="850" dirty="0">
                           <a:solidFill>
                             <a:srgbClr val="020302"/>
                           </a:solidFill>
                           <a:latin typeface="AdobeClean-Light"/>
                           <a:cs typeface="AdobeClean-Light"/>
                         </a:rPr>
-                        <a:t> 30</a:t>
+                        <a:t>30 Minuten</a:t>
                       </a:r>
-                      <a:r>
-                        <a:rPr lang="en-US" sz="900" spc="0">
-                          <a:solidFill>
-                            <a:srgbClr val="020302"/>
-                          </a:solidFill>
-                          <a:latin typeface="AdobeClean-Light"/>
-                          <a:cs typeface="AdobeClean-Light"/>
-                        </a:rPr>
-                        <a:t> m</a:t>
-                      </a:r>
-                      <a:r>
-                        <a:rPr sz="900" spc="0">
-                          <a:solidFill>
-                            <a:srgbClr val="020302"/>
-                          </a:solidFill>
-                          <a:latin typeface="AdobeClean-Light"/>
-                          <a:cs typeface="AdobeClean-Light"/>
-                        </a:rPr>
-                        <a:t>inutes</a:t>
-                      </a:r>
-                      <a:endParaRPr sz="900" spc="0">
-                        <a:latin typeface="AdobeClean-Light"/>
-                        <a:cs typeface="AdobeClean-Light"/>
-                      </a:endParaRPr>
                     </a:p>
                   </a:txBody>
                   <a:tcPr marL="0" marR="0" marT="5080" marB="0" anchor="ctr">
@@ -3848,7 +3212,7 @@
                   </a:ext>
                 </a:extLst>
               </a:tr>
-              <a:tr h="380435">
+              <a:tr h="401912">
                 <a:tc>
                   <a:txBody>
                     <a:bodyPr/>
@@ -3863,19 +3227,15 @@
                         </a:spcBef>
                       </a:pPr>
                       <a:r>
-                        <a:rPr sz="900" b="1" spc="0">
+                        <a:rPr lang="de-DE" sz="860" b="1" dirty="0">
                           <a:solidFill>
                             <a:srgbClr val="020302"/>
                           </a:solidFill>
                           <a:latin typeface="Adobe Clean"/>
                           <a:cs typeface="Adobe Clean"/>
                         </a:rPr>
-                        <a:t>PRIORITY 3</a:t>
+                        <a:t>PRIORITÄT 3</a:t>
                       </a:r>
-                      <a:endParaRPr sz="900" spc="0">
-                        <a:latin typeface="Adobe Clean"/>
-                        <a:cs typeface="Adobe Clean"/>
-                      </a:endParaRPr>
                     </a:p>
                     <a:p>
                       <a:pPr marL="48895" marR="387985" indent="-2540" algn="l">
@@ -3887,19 +3247,31 @@
                         </a:spcBef>
                       </a:pPr>
                       <a:r>
-                        <a:rPr lang="en-US" sz="900" b="0" i="0" u="none" strike="noStrike" spc="0">
+                        <a:rPr lang="de-DE" sz="860" b="0" i="0" u="none" strike="noStrike" dirty="0">
                           <a:solidFill>
                             <a:srgbClr val="000000"/>
                           </a:solidFill>
-                          <a:effectLst/>
                           <a:latin typeface="Adobe Clean Light"/>
                         </a:rPr>
-                        <a:t>Customer’s business functions have minor to no service degradation but there exists a solution/workaround allowing business functions to continue normally</a:t>
+                        <a:t>Die Unternehmensfunktionen des Kunden weisen eine geringfügige oder gar keine Beeinträchtigung des Service auf und es gibt eine Lösung/Problemumgehung, </a:t>
                       </a:r>
-                      <a:endParaRPr sz="900" spc="0">
-                        <a:latin typeface="AdobeClean-Light"/>
-                        <a:cs typeface="AdobeClean-Light"/>
-                      </a:endParaRPr>
+                      <a:br>
+                        <a:rPr lang="de-DE" sz="860" b="0" i="0" u="none" strike="noStrike" dirty="0">
+                          <a:solidFill>
+                            <a:srgbClr val="000000"/>
+                          </a:solidFill>
+                          <a:latin typeface="Adobe Clean Light"/>
+                        </a:rPr>
+                      </a:br>
+                      <a:r>
+                        <a:rPr lang="de-DE" sz="860" b="0" i="0" u="none" strike="noStrike" dirty="0">
+                          <a:solidFill>
+                            <a:srgbClr val="000000"/>
+                          </a:solidFill>
+                          <a:latin typeface="Adobe Clean Light"/>
+                        </a:rPr>
+                        <a:t>mit der die Unternehmensfunktionen weiterhin normal genutzt werden können.</a:t>
+                      </a:r>
                     </a:p>
                   </a:txBody>
                   <a:tcPr marL="0" marR="0" marT="0" marB="0" anchor="ctr">
@@ -3937,25 +3309,40 @@
                     <a:bodyPr/>
                     <a:lstStyle/>
                     <a:p>
-                      <a:pPr marL="473075" marR="343535" indent="-175895" algn="l">
+                      <a:pPr marL="473075" marR="343535" indent="-175895" algn="ctr">
                         <a:lnSpc>
                           <a:spcPct val="102200"/>
                         </a:lnSpc>
                       </a:pPr>
                       <a:r>
-                        <a:rPr lang="en-US" sz="900" spc="0">
+                        <a:rPr lang="de-DE" sz="850" dirty="0">
                           <a:solidFill>
                             <a:srgbClr val="020302"/>
                           </a:solidFill>
                           <a:latin typeface="AdobeClean-Light"/>
                           <a:cs typeface="AdobeClean-Light"/>
                         </a:rPr>
-                        <a:t>Business hours /       6 hours</a:t>
+                        <a:t>Geschäftszeiten/</a:t>
                       </a:r>
-                      <a:endParaRPr lang="en-US" sz="900" spc="0">
-                        <a:latin typeface="AdobeClean-Light"/>
-                        <a:cs typeface="AdobeClean-Light"/>
-                      </a:endParaRPr>
+                      <a:br>
+                        <a:rPr lang="de-DE" sz="850" dirty="0">
+                          <a:solidFill>
+                            <a:srgbClr val="020302"/>
+                          </a:solidFill>
+                          <a:latin typeface="AdobeClean-Light"/>
+                          <a:cs typeface="AdobeClean-Light"/>
+                        </a:rPr>
+                      </a:br>
+                      <a:r>
+                        <a:rPr lang="de-DE" sz="850" dirty="0">
+                          <a:solidFill>
+                            <a:srgbClr val="020302"/>
+                          </a:solidFill>
+                          <a:latin typeface="AdobeClean-Light"/>
+                          <a:cs typeface="AdobeClean-Light"/>
+                        </a:rPr>
+                        <a:t>6 Stunden</a:t>
+                      </a:r>
                     </a:p>
                   </a:txBody>
                   <a:tcPr marL="0" marR="0" marT="0" marB="0" anchor="ctr">
@@ -3990,13 +3377,13 @@
                     <a:bodyPr/>
                     <a:lstStyle/>
                     <a:p>
-                      <a:pPr marL="508000" marR="531495" indent="1270" algn="l">
+                      <a:pPr marL="508000" marR="531495" indent="1270" algn="ctr">
                         <a:lnSpc>
                           <a:spcPct val="102200"/>
                         </a:lnSpc>
                       </a:pPr>
                       <a:r>
-                        <a:rPr lang="en-US" sz="900" spc="0">
+                        <a:rPr lang="de-DE" sz="850" dirty="0">
                           <a:solidFill>
                             <a:srgbClr val="020302"/>
                           </a:solidFill>
@@ -4007,7 +3394,7 @@
                         <a:t>2</a:t>
                       </a:r>
                       <a:r>
-                        <a:rPr sz="900" spc="0">
+                        <a:rPr lang="de-DE" sz="850" dirty="0">
                           <a:solidFill>
                             <a:srgbClr val="020302"/>
                           </a:solidFill>
@@ -4017,8 +3404,8 @@
                         </a:rPr>
                         <a:t>4x5/</a:t>
                       </a:r>
-                      <a:r>
-                        <a:rPr lang="en-US" sz="900" spc="0">
+                      <a:br>
+                        <a:rPr lang="de-DE" sz="850" dirty="0">
                           <a:solidFill>
                             <a:srgbClr val="020302"/>
                           </a:solidFill>
@@ -4026,10 +3413,9 @@
                           <a:ea typeface="+mn-ea"/>
                           <a:cs typeface="AdobeClean-Light"/>
                         </a:rPr>
-                        <a:t>   </a:t>
-                      </a:r>
+                      </a:br>
                       <a:r>
-                        <a:rPr sz="900" spc="0">
+                        <a:rPr lang="de-DE" sz="850" dirty="0">
                           <a:solidFill>
                             <a:srgbClr val="020302"/>
                           </a:solidFill>
@@ -4037,7 +3423,7 @@
                           <a:ea typeface="+mn-ea"/>
                           <a:cs typeface="AdobeClean-Light"/>
                         </a:rPr>
-                        <a:t>1 hour</a:t>
+                        <a:t>1 Stunde</a:t>
                       </a:r>
                     </a:p>
                   </a:txBody>
@@ -4097,19 +3483,15 @@
                         </a:spcBef>
                       </a:pPr>
                       <a:r>
-                        <a:rPr sz="900" b="1" spc="0">
+                        <a:rPr lang="de-DE" sz="860" b="1" dirty="0">
                           <a:solidFill>
                             <a:srgbClr val="020302"/>
                           </a:solidFill>
                           <a:latin typeface="Adobe Clean"/>
                           <a:cs typeface="Adobe Clean"/>
                         </a:rPr>
-                        <a:t>PRIORITY 4</a:t>
+                        <a:t>PRIORITÄT 4</a:t>
                       </a:r>
-                      <a:endParaRPr sz="900" spc="0">
-                        <a:latin typeface="Adobe Clean"/>
-                        <a:cs typeface="Adobe Clean"/>
-                      </a:endParaRPr>
                     </a:p>
                     <a:p>
                       <a:pPr marL="62230" algn="l">
@@ -4121,19 +3503,14 @@
                         </a:spcBef>
                       </a:pPr>
                       <a:r>
-                        <a:rPr lang="en-US" sz="900" b="0" i="0" u="none" strike="noStrike" spc="0">
+                        <a:rPr lang="de-DE" sz="860" b="0" i="0" u="none" strike="noStrike" dirty="0">
                           <a:solidFill>
                             <a:srgbClr val="000000"/>
                           </a:solidFill>
-                          <a:effectLst/>
                           <a:latin typeface="Adobe Clean Light"/>
                         </a:rPr>
-                        <a:t>General question regarding current product functionality or an enhancement request</a:t>
+                        <a:t>Allgemeine Frage zur aktuellen Produktfunktionalität oder Anfrage zu einer Erweiterung</a:t>
                       </a:r>
-                      <a:endParaRPr sz="900" spc="0">
-                        <a:latin typeface="Adobe Clean Light"/>
-                        <a:cs typeface="AdobeClean-Light"/>
-                      </a:endParaRPr>
                     </a:p>
                   </a:txBody>
                   <a:tcPr marL="0" marR="0" marT="0" marB="0" anchor="ctr">
@@ -4171,25 +3548,40 @@
                     <a:bodyPr/>
                     <a:lstStyle/>
                     <a:p>
-                      <a:pPr marL="473075" marR="343535" indent="-175895" algn="l">
+                      <a:pPr marL="473075" marR="343535" indent="-175895" algn="ctr">
                         <a:lnSpc>
                           <a:spcPct val="102200"/>
                         </a:lnSpc>
                       </a:pPr>
                       <a:r>
-                        <a:rPr lang="en-US" sz="900" spc="0">
+                        <a:rPr lang="de-DE" sz="850" dirty="0">
                           <a:solidFill>
                             <a:srgbClr val="020302"/>
                           </a:solidFill>
                           <a:latin typeface="AdobeClean-Light"/>
                           <a:cs typeface="AdobeClean-Light"/>
                         </a:rPr>
-                        <a:t>Business days /       3 days</a:t>
+                        <a:t>Geschäftstage/</a:t>
                       </a:r>
-                      <a:endParaRPr lang="en-US" sz="900" spc="0">
-                        <a:latin typeface="AdobeClean-Light"/>
-                        <a:cs typeface="AdobeClean-Light"/>
-                      </a:endParaRPr>
+                      <a:br>
+                        <a:rPr lang="de-DE" sz="850" dirty="0">
+                          <a:solidFill>
+                            <a:srgbClr val="020302"/>
+                          </a:solidFill>
+                          <a:latin typeface="AdobeClean-Light"/>
+                          <a:cs typeface="AdobeClean-Light"/>
+                        </a:rPr>
+                      </a:br>
+                      <a:r>
+                        <a:rPr lang="de-DE" sz="850" dirty="0">
+                          <a:solidFill>
+                            <a:srgbClr val="020302"/>
+                          </a:solidFill>
+                          <a:latin typeface="AdobeClean-Light"/>
+                          <a:cs typeface="AdobeClean-Light"/>
+                        </a:rPr>
+                        <a:t>3 Tage</a:t>
+                      </a:r>
                     </a:p>
                   </a:txBody>
                   <a:tcPr marL="0" marR="0" marT="0" marB="0" anchor="ctr">
@@ -4224,25 +3616,40 @@
                     <a:bodyPr/>
                     <a:lstStyle/>
                     <a:p>
-                      <a:pPr marL="473075" marR="343535" indent="-175895" algn="l">
+                      <a:pPr marL="473075" marR="343535" indent="-175895" algn="ctr">
                         <a:lnSpc>
                           <a:spcPct val="102200"/>
                         </a:lnSpc>
                       </a:pPr>
                       <a:r>
-                        <a:rPr lang="en-US" sz="900" spc="0" dirty="0">
+                        <a:rPr lang="de-DE" sz="850" dirty="0">
                           <a:solidFill>
                             <a:srgbClr val="020302"/>
                           </a:solidFill>
                           <a:latin typeface="AdobeClean-Light"/>
                           <a:cs typeface="AdobeClean-Light"/>
                         </a:rPr>
-                        <a:t>Business days /       1 day</a:t>
+                        <a:t>Geschäftstage/</a:t>
                       </a:r>
-                      <a:endParaRPr lang="en-US" sz="900" spc="0" dirty="0">
-                        <a:latin typeface="AdobeClean-Light"/>
-                        <a:cs typeface="AdobeClean-Light"/>
-                      </a:endParaRPr>
+                      <a:br>
+                        <a:rPr lang="de-DE" sz="850" dirty="0">
+                          <a:solidFill>
+                            <a:srgbClr val="020302"/>
+                          </a:solidFill>
+                          <a:latin typeface="AdobeClean-Light"/>
+                          <a:cs typeface="AdobeClean-Light"/>
+                        </a:rPr>
+                      </a:br>
+                      <a:r>
+                        <a:rPr lang="de-DE" sz="850" dirty="0">
+                          <a:solidFill>
+                            <a:srgbClr val="020302"/>
+                          </a:solidFill>
+                          <a:latin typeface="AdobeClean-Light"/>
+                          <a:cs typeface="AdobeClean-Light"/>
+                        </a:rPr>
+                        <a:t>1 Tag</a:t>
+                      </a:r>
                     </a:p>
                   </a:txBody>
                   <a:tcPr marL="0" marR="0" marT="27940" marB="0" anchor="ctr">
@@ -4320,8 +3727,8 @@
         </p:nvSpPr>
         <p:spPr>
           <a:xfrm>
-            <a:off x="97787" y="9888626"/>
-            <a:ext cx="2202180" cy="149860"/>
+            <a:off x="97786" y="9888626"/>
+            <a:ext cx="2759713" cy="133370"/>
           </a:xfrm>
           <a:prstGeom prst="rect">
             <a:avLst/>
@@ -4342,99 +3749,15 @@
               </a:spcBef>
             </a:pPr>
             <a:r>
-              <a:rPr sz="800" spc="-15">
+              <a:rPr lang="de-DE" sz="800" dirty="0">
                 <a:solidFill>
                   <a:srgbClr val="6D6D6D"/>
                 </a:solidFill>
                 <a:latin typeface="Adobe Clean"/>
                 <a:cs typeface="Adobe Clean"/>
               </a:rPr>
-              <a:t>©2021 </a:t>
-            </a:r>
-            <a:r>
-              <a:rPr sz="800" spc="-5">
-                <a:solidFill>
-                  <a:srgbClr val="6D6D6D"/>
-                </a:solidFill>
-                <a:latin typeface="Adobe Clean"/>
-                <a:cs typeface="Adobe Clean"/>
-              </a:rPr>
-              <a:t>Adobe. All</a:t>
-            </a:r>
-            <a:r>
-              <a:rPr sz="800" spc="-15">
-                <a:solidFill>
-                  <a:srgbClr val="6D6D6D"/>
-                </a:solidFill>
-                <a:latin typeface="Adobe Clean"/>
-                <a:cs typeface="Adobe Clean"/>
-              </a:rPr>
-              <a:t> Rights</a:t>
-            </a:r>
-            <a:r>
-              <a:rPr sz="800" spc="-5">
-                <a:solidFill>
-                  <a:srgbClr val="6D6D6D"/>
-                </a:solidFill>
-                <a:latin typeface="Adobe Clean"/>
-                <a:cs typeface="Adobe Clean"/>
-              </a:rPr>
-              <a:t> </a:t>
-            </a:r>
-            <a:r>
-              <a:rPr sz="800" spc="-15">
-                <a:solidFill>
-                  <a:srgbClr val="6D6D6D"/>
-                </a:solidFill>
-                <a:latin typeface="Adobe Clean"/>
-                <a:cs typeface="Adobe Clean"/>
-              </a:rPr>
-              <a:t>Reserved.</a:t>
-            </a:r>
-            <a:r>
-              <a:rPr sz="800" spc="-10">
-                <a:solidFill>
-                  <a:srgbClr val="6D6D6D"/>
-                </a:solidFill>
-                <a:latin typeface="Adobe Clean"/>
-                <a:cs typeface="Adobe Clean"/>
-              </a:rPr>
-              <a:t> </a:t>
-            </a:r>
-            <a:r>
-              <a:rPr sz="800" spc="-5">
-                <a:solidFill>
-                  <a:srgbClr val="6D6D6D"/>
-                </a:solidFill>
-                <a:latin typeface="Adobe Clean"/>
-                <a:cs typeface="Adobe Clean"/>
-              </a:rPr>
-              <a:t>Adobe</a:t>
-            </a:r>
-            <a:r>
-              <a:rPr sz="800" spc="65">
-                <a:solidFill>
-                  <a:srgbClr val="6D6D6D"/>
-                </a:solidFill>
-                <a:latin typeface="Adobe Clean"/>
-                <a:cs typeface="Adobe Clean"/>
-              </a:rPr>
-              <a:t> </a:t>
-            </a:r>
-            <a:r>
-              <a:rPr sz="800" spc="-15">
-                <a:solidFill>
-                  <a:srgbClr val="6D6D6D"/>
-                </a:solidFill>
-                <a:latin typeface="Adobe Clean"/>
-                <a:cs typeface="Adobe Clean"/>
-              </a:rPr>
-              <a:t>Confidential.</a:t>
-            </a:r>
-            <a:endParaRPr sz="800">
-              <a:latin typeface="Adobe Clean"/>
-              <a:cs typeface="Adobe Clean"/>
-            </a:endParaRPr>
+              <a:t>©2021 Adobe. All Rights Reserved. Adobe Confidential.</a:t>
+            </a:r>
           </a:p>
         </p:txBody>
       </p:sp>
@@ -4467,7 +3790,7 @@
           <a:lstStyle/>
           <a:p>
             <a:r>
-              <a:rPr lang="en-US" sz="700" i="1">
+              <a:rPr lang="de-DE" sz="700" i="1">
                 <a:solidFill>
                   <a:schemeClr val="bg1"/>
                 </a:solidFill>
@@ -4492,14 +3815,14 @@
           <p:nvPr>
             <p:extLst>
               <p:ext uri="{D42A27DB-BD31-4B8C-83A1-F6EECF244321}">
-                <p14:modId xmlns:p14="http://schemas.microsoft.com/office/powerpoint/2010/main" val="2453616751"/>
+                <p14:modId xmlns:p14="http://schemas.microsoft.com/office/powerpoint/2010/main" val="3542609444"/>
               </p:ext>
             </p:extLst>
           </p:nvPr>
         </p:nvGraphicFramePr>
         <p:xfrm>
           <a:off x="273550" y="2258474"/>
-          <a:ext cx="7281935" cy="4738570"/>
+          <a:ext cx="7281935" cy="4937467"/>
         </p:xfrm>
         <a:graphic>
           <a:graphicData uri="http://schemas.openxmlformats.org/drawingml/2006/table">
@@ -4581,39 +3904,15 @@
                         <a:defRPr/>
                       </a:pPr>
                       <a:r>
-                        <a:rPr lang="en-US" sz="900" spc="-20" dirty="0">
+                        <a:rPr lang="de-DE" sz="900">
                           <a:solidFill>
                             <a:srgbClr val="404040"/>
                           </a:solidFill>
                           <a:latin typeface="Adobe Clean"/>
                           <a:cs typeface="Adobe Clean"/>
                         </a:rPr>
-                        <a:t>Standard </a:t>
+                        <a:t>Standard Support</a:t>
                       </a:r>
-                      <a:r>
-                        <a:rPr lang="en-US" sz="900" spc="-135" dirty="0">
-                          <a:solidFill>
-                            <a:srgbClr val="404040"/>
-                          </a:solidFill>
-                          <a:latin typeface="Adobe Clean"/>
-                          <a:cs typeface="Adobe Clean"/>
-                        </a:rPr>
-                        <a:t> </a:t>
-                      </a:r>
-                      <a:r>
-                        <a:rPr lang="en-US" sz="900" spc="-20" dirty="0">
-                          <a:solidFill>
-                            <a:srgbClr val="404040"/>
-                          </a:solidFill>
-                          <a:latin typeface="Adobe Clean"/>
-                          <a:cs typeface="Adobe Clean"/>
-                        </a:rPr>
-                        <a:t>Support</a:t>
-                      </a:r>
-                      <a:endParaRPr lang="en-US" sz="900" dirty="0">
-                        <a:latin typeface="Adobe Clean"/>
-                        <a:cs typeface="Adobe Clean"/>
-                      </a:endParaRPr>
                     </a:p>
                   </a:txBody>
                   <a:tcPr marL="0" marR="0" marT="7620" marB="0" anchor="ctr">
@@ -4654,29 +3953,15 @@
                         </a:spcBef>
                       </a:pPr>
                       <a:r>
-                        <a:rPr lang="en-US" sz="900" spc="-20">
+                        <a:rPr lang="de-DE" sz="900">
                           <a:solidFill>
                             <a:srgbClr val="FFFFFF"/>
                           </a:solidFill>
                           <a:latin typeface="Adobe Clean"/>
                           <a:cs typeface="Adobe Clean"/>
                         </a:rPr>
-                        <a:t>Elite </a:t>
+                        <a:t>Elite Support</a:t>
                       </a:r>
-                      <a:r>
-                        <a:rPr sz="900" spc="-20">
-                          <a:solidFill>
-                            <a:srgbClr val="FFFFFF"/>
-                          </a:solidFill>
-                          <a:latin typeface="Adobe Clean"/>
-                          <a:cs typeface="Adobe Clean"/>
-                        </a:rPr>
-                        <a:t>Support</a:t>
-                      </a:r>
-                      <a:endParaRPr sz="900">
-                        <a:latin typeface="Adobe Clean"/>
-                        <a:cs typeface="Adobe Clean"/>
-                      </a:endParaRPr>
                     </a:p>
                   </a:txBody>
                   <a:tcPr marL="0" marR="0" marT="7620" marB="0" anchor="ctr">
@@ -4741,7 +4026,7 @@
                     <a:bodyPr/>
                     <a:lstStyle/>
                     <a:p>
-                      <a:pPr marL="0" marR="0" lvl="0" indent="0" algn="ctr" defTabSz="914400" eaLnBrk="1" fontAlgn="auto" latinLnBrk="0" hangingPunct="1">
+                      <a:pPr marL="0" marR="0" lvl="0" indent="0" algn="l" defTabSz="914400" rtl="0" eaLnBrk="1" fontAlgn="auto" latinLnBrk="0" hangingPunct="1">
                         <a:lnSpc>
                           <a:spcPct val="100000"/>
                         </a:lnSpc>
@@ -4822,13 +4107,13 @@
                         <a:defRPr/>
                       </a:pPr>
                       <a:r>
-                        <a:rPr lang="en-US" sz="800" i="1">
+                        <a:rPr lang="de-DE" sz="800" i="1">
                           <a:solidFill>
                             <a:schemeClr val="bg1"/>
                           </a:solidFill>
                           <a:latin typeface="Adobe Clean Light" panose="020B0303020404020204" pitchFamily="34" charset="0"/>
                         </a:rPr>
-                        <a:t>Paid Support ($)</a:t>
+                        <a:t>Kostenpflichtiger Support (€)</a:t>
                       </a:r>
                     </a:p>
                   </a:txBody>
@@ -4892,22 +4177,15 @@
                         </a:spcBef>
                       </a:pPr>
                       <a:r>
-                        <a:rPr lang="en-US" sz="1000" b="1" i="0" spc="0">
+                        <a:rPr lang="de-DE" sz="1000" b="1" i="0">
                           <a:solidFill>
                             <a:schemeClr val="bg1"/>
                           </a:solidFill>
                           <a:latin typeface="Adobe Clean" panose="020B0503020404020204" pitchFamily="34" charset="0"/>
                           <a:cs typeface="AdobeClean-Light"/>
                         </a:rPr>
-                        <a:t>Assigned Experts</a:t>
+                        <a:t>Zugewiesene Experten</a:t>
                       </a:r>
-                      <a:endParaRPr sz="1000" b="1" i="0" spc="0">
-                        <a:solidFill>
-                          <a:schemeClr val="bg1"/>
-                        </a:solidFill>
-                        <a:latin typeface="Adobe Clean" panose="020B0503020404020204" pitchFamily="34" charset="0"/>
-                        <a:cs typeface="AdobeClean-Light"/>
-                      </a:endParaRPr>
                     </a:p>
                   </a:txBody>
                   <a:tcPr marL="0" marR="0" marT="58419" marB="0" anchor="ctr">
@@ -4954,7 +4232,7 @@
                         </a:spcBef>
                       </a:pPr>
                       <a:r>
-                        <a:rPr sz="900" spc="0">
+                        <a:rPr lang="de-DE" sz="900" dirty="0">
                           <a:solidFill>
                             <a:srgbClr val="020302"/>
                           </a:solidFill>
@@ -4963,10 +4241,6 @@
                         </a:rPr>
                         <a:t>Account Support Lead</a:t>
                       </a:r>
-                      <a:endParaRPr sz="900" spc="0">
-                        <a:latin typeface="AdobeClean-Light"/>
-                        <a:cs typeface="AdobeClean-Light"/>
-                      </a:endParaRPr>
                     </a:p>
                   </a:txBody>
                   <a:tcPr marL="0" marR="0" marT="58419" marB="0">
@@ -5001,7 +4275,7 @@
                     <a:bodyPr/>
                     <a:lstStyle/>
                     <a:p>
-                      <a:pPr algn="ctr">
+                      <a:pPr algn="l" rtl="0">
                         <a:lnSpc>
                           <a:spcPct val="100000"/>
                         </a:lnSpc>
@@ -5042,7 +4316,7 @@
                     <a:bodyPr/>
                     <a:lstStyle/>
                     <a:p>
-                      <a:pPr algn="ctr">
+                      <a:pPr algn="l" rtl="0">
                         <a:lnSpc>
                           <a:spcPct val="100000"/>
                         </a:lnSpc>
@@ -5085,7 +4359,7 @@
                     <a:bodyPr/>
                     <a:lstStyle/>
                     <a:p>
-                      <a:pPr marL="50800">
+                      <a:pPr marL="50800" algn="l" rtl="0">
                         <a:lnSpc>
                           <a:spcPct val="100000"/>
                         </a:lnSpc>
@@ -5131,19 +4405,15 @@
                         </a:spcBef>
                       </a:pPr>
                       <a:r>
-                        <a:rPr sz="900" spc="0">
+                        <a:rPr lang="de-DE" sz="900">
                           <a:solidFill>
                             <a:srgbClr val="020302"/>
                           </a:solidFill>
                           <a:latin typeface="AdobeClean-Light"/>
                           <a:cs typeface="AdobeClean-Light"/>
                         </a:rPr>
-                        <a:t>Named Support Engineer</a:t>
+                        <a:t>Spezifischer Support-Mitarbeiter</a:t>
                       </a:r>
-                      <a:endParaRPr sz="900" spc="0">
-                        <a:latin typeface="AdobeClean-Light"/>
-                        <a:cs typeface="AdobeClean-Light"/>
-                      </a:endParaRPr>
                     </a:p>
                   </a:txBody>
                   <a:tcPr marL="0" marR="0" marT="58419" marB="0">
@@ -5166,7 +4436,7 @@
                     <a:bodyPr/>
                     <a:lstStyle/>
                     <a:p>
-                      <a:pPr algn="ctr">
+                      <a:pPr algn="l" rtl="0">
                         <a:lnSpc>
                           <a:spcPct val="100000"/>
                         </a:lnSpc>
@@ -5213,7 +4483,7 @@
                         <a:defRPr/>
                       </a:pPr>
                       <a:r>
-                        <a:rPr lang="en-US" sz="900">
+                        <a:rPr lang="de-DE" sz="900">
                           <a:solidFill>
                             <a:srgbClr val="020302"/>
                           </a:solidFill>
@@ -5222,10 +4492,6 @@
                         </a:rPr>
                         <a:t></a:t>
                       </a:r>
-                      <a:endParaRPr lang="en-US" sz="900">
-                        <a:latin typeface="Wingdings"/>
-                        <a:cs typeface="Wingdings"/>
-                      </a:endParaRPr>
                     </a:p>
                   </a:txBody>
                   <a:tcPr marL="0" marR="0" marT="0" marB="0" anchor="ctr">
@@ -5242,13 +4508,13 @@
                   </a:ext>
                 </a:extLst>
               </a:tr>
-              <a:tr h="236808">
+              <a:tr h="204484">
                 <a:tc vMerge="1">
                   <a:txBody>
                     <a:bodyPr/>
                     <a:lstStyle/>
                     <a:p>
-                      <a:pPr marL="50800">
+                      <a:pPr marL="50800" algn="l" rtl="0">
                         <a:lnSpc>
                           <a:spcPct val="100000"/>
                         </a:lnSpc>
@@ -5306,7 +4572,7 @@
                         </a:spcBef>
                       </a:pPr>
                       <a:r>
-                        <a:rPr sz="900" spc="0">
+                        <a:rPr lang="de-DE" sz="900" dirty="0">
                           <a:solidFill>
                             <a:srgbClr val="020302"/>
                           </a:solidFill>
@@ -5315,10 +4581,6 @@
                         </a:rPr>
                         <a:t>Technical Account Manager</a:t>
                       </a:r>
-                      <a:endParaRPr sz="900" spc="0">
-                        <a:latin typeface="AdobeClean-Light"/>
-                        <a:cs typeface="AdobeClean-Light"/>
-                      </a:endParaRPr>
                     </a:p>
                   </a:txBody>
                   <a:tcPr marL="0" marR="0" marT="63500" marB="0">
@@ -5347,7 +4609,7 @@
                     <a:bodyPr/>
                     <a:lstStyle/>
                     <a:p>
-                      <a:pPr algn="ctr">
+                      <a:pPr algn="l" rtl="0">
                         <a:lnSpc>
                           <a:spcPct val="100000"/>
                         </a:lnSpc>
@@ -5403,7 +4665,7 @@
                         <a:defRPr/>
                       </a:pPr>
                       <a:r>
-                        <a:rPr lang="en-US" sz="900">
+                        <a:rPr lang="de-DE" sz="900">
                           <a:solidFill>
                             <a:srgbClr val="020302"/>
                           </a:solidFill>
@@ -5412,10 +4674,6 @@
                         </a:rPr>
                         <a:t></a:t>
                       </a:r>
-                      <a:endParaRPr lang="en-US" sz="900">
-                        <a:latin typeface="Wingdings"/>
-                        <a:cs typeface="Wingdings"/>
-                      </a:endParaRPr>
                     </a:p>
                   </a:txBody>
                   <a:tcPr marL="0" marR="0" marT="0" marB="0" anchor="ctr">
@@ -5456,22 +4714,15 @@
                         </a:spcBef>
                       </a:pPr>
                       <a:r>
-                        <a:rPr lang="en-US" sz="1000" b="1" i="0" spc="0">
+                        <a:rPr lang="de-DE" sz="1000" b="1" i="0" dirty="0">
                           <a:solidFill>
                             <a:schemeClr val="bg1"/>
                           </a:solidFill>
                           <a:latin typeface="Adobe Clean" panose="020B0503020404020204" pitchFamily="34" charset="0"/>
                           <a:cs typeface="AdobeClean-Light"/>
                         </a:rPr>
-                        <a:t>Support Services</a:t>
+                        <a:t>Support-Services</a:t>
                       </a:r>
-                      <a:endParaRPr sz="1000" b="1" i="0" spc="0">
-                        <a:solidFill>
-                          <a:schemeClr val="bg1"/>
-                        </a:solidFill>
-                        <a:latin typeface="Adobe Clean" panose="020B0503020404020204" pitchFamily="34" charset="0"/>
-                        <a:cs typeface="AdobeClean-Light"/>
-                      </a:endParaRPr>
                     </a:p>
                   </a:txBody>
                   <a:tcPr marL="0" marR="0" marT="57150" marB="0" anchor="ctr">
@@ -5527,29 +4778,15 @@
                         </a:spcBef>
                       </a:pPr>
                       <a:r>
-                        <a:rPr lang="en-US" sz="900" spc="0">
+                        <a:rPr lang="de-DE" sz="900" dirty="0">
                           <a:solidFill>
                             <a:srgbClr val="020302"/>
                           </a:solidFill>
                           <a:latin typeface="AdobeClean-Light"/>
                           <a:cs typeface="AdobeClean-Light"/>
                         </a:rPr>
-                        <a:t>Online</a:t>
+                        <a:t>Online Support</a:t>
                       </a:r>
-                      <a:r>
-                        <a:rPr sz="900" spc="0">
-                          <a:solidFill>
-                            <a:srgbClr val="020302"/>
-                          </a:solidFill>
-                          <a:latin typeface="AdobeClean-Light"/>
-                          <a:cs typeface="AdobeClean-Light"/>
-                        </a:rPr>
-                        <a:t> Support</a:t>
-                      </a:r>
-                      <a:endParaRPr sz="900" spc="0">
-                        <a:latin typeface="AdobeClean-Light"/>
-                        <a:cs typeface="AdobeClean-Light"/>
-                      </a:endParaRPr>
                     </a:p>
                   </a:txBody>
                   <a:tcPr marL="0" marR="0" marT="57150" marB="0">
@@ -5587,39 +4824,15 @@
                         </a:spcBef>
                       </a:pPr>
                       <a:r>
-                        <a:rPr sz="900" spc="-25">
+                        <a:rPr lang="de-DE" sz="900">
                           <a:solidFill>
                             <a:srgbClr val="020302"/>
                           </a:solidFill>
                           <a:latin typeface="AdobeClean-Light"/>
                           <a:cs typeface="AdobeClean-Light"/>
                         </a:rPr>
-                        <a:t>Business</a:t>
+                        <a:t>Geschäftszeiten</a:t>
                       </a:r>
-                      <a:r>
-                        <a:rPr sz="900" spc="-15">
-                          <a:solidFill>
-                            <a:srgbClr val="020302"/>
-                          </a:solidFill>
-                          <a:latin typeface="AdobeClean-Light"/>
-                          <a:cs typeface="AdobeClean-Light"/>
-                        </a:rPr>
-                        <a:t> </a:t>
-                      </a:r>
-                      <a:r>
-                        <a:rPr sz="900" spc="-30">
-                          <a:solidFill>
-                            <a:srgbClr val="020302"/>
-                          </a:solidFill>
-                          <a:latin typeface="AdobeClean-Light"/>
-                          <a:cs typeface="AdobeClean-Light"/>
-                        </a:rPr>
-                        <a:t>hours</a:t>
-                      </a:r>
-                      <a:endParaRPr sz="900">
-                        <a:latin typeface="AdobeClean-Light"/>
-                        <a:cs typeface="AdobeClean-Light"/>
-                      </a:endParaRPr>
                     </a:p>
                   </a:txBody>
                   <a:tcPr marL="0" marR="0" marT="67945" marB="0">
@@ -5658,7 +4871,7 @@
                         </a:spcBef>
                       </a:pPr>
                       <a:r>
-                        <a:rPr lang="en-US" sz="900" spc="-25">
+                        <a:rPr lang="de-DE" sz="900">
                           <a:solidFill>
                             <a:srgbClr val="020302"/>
                           </a:solidFill>
@@ -5667,10 +4880,6 @@
                         </a:rPr>
                         <a:t>24x5</a:t>
                       </a:r>
-                      <a:endParaRPr sz="900">
-                        <a:latin typeface="AdobeClean-Light"/>
-                        <a:cs typeface="AdobeClean-Light"/>
-                      </a:endParaRPr>
                     </a:p>
                   </a:txBody>
                   <a:tcPr marL="0" marR="0" marT="67945" marB="0" anchor="ctr">
@@ -5702,7 +4911,7 @@
                     <a:bodyPr/>
                     <a:lstStyle/>
                     <a:p>
-                      <a:pPr marL="50800">
+                      <a:pPr marL="50800" algn="l" rtl="0">
                         <a:lnSpc>
                           <a:spcPct val="100000"/>
                         </a:lnSpc>
@@ -5751,39 +4960,15 @@
                         </a:spcBef>
                       </a:pPr>
                       <a:r>
-                        <a:rPr sz="900" spc="0">
+                        <a:rPr lang="de-DE" sz="900">
                           <a:solidFill>
                             <a:srgbClr val="020302"/>
                           </a:solidFill>
                           <a:latin typeface="AdobeClean-Light"/>
                           <a:cs typeface="AdobeClean-Light"/>
                         </a:rPr>
-                        <a:t>24x7</a:t>
+                        <a:t>24x7x365 Support für Probleme der Kategorie P1</a:t>
                       </a:r>
-                      <a:r>
-                        <a:rPr lang="en-US" sz="900" spc="0">
-                          <a:solidFill>
-                            <a:srgbClr val="020302"/>
-                          </a:solidFill>
-                          <a:latin typeface="AdobeClean-Light"/>
-                          <a:cs typeface="AdobeClean-Light"/>
-                        </a:rPr>
-                        <a:t>x365</a:t>
-                      </a:r>
-                      <a:r>
-                        <a:rPr sz="900" spc="0">
-                          <a:solidFill>
-                            <a:srgbClr val="020302"/>
-                          </a:solidFill>
-                          <a:latin typeface="AdobeClean-Light"/>
-                          <a:cs typeface="AdobeClean-Light"/>
-                        </a:rPr>
-                        <a:t> P1 Issue Support</a:t>
-                      </a:r>
-                      <a:endParaRPr sz="900" spc="0">
-                        <a:latin typeface="AdobeClean-Light"/>
-                        <a:cs typeface="AdobeClean-Light"/>
-                      </a:endParaRPr>
                     </a:p>
                   </a:txBody>
                   <a:tcPr marL="0" marR="0" marT="57785" marB="0">
@@ -5815,7 +5000,7 @@
                         </a:spcBef>
                       </a:pPr>
                       <a:r>
-                        <a:rPr sz="900">
+                        <a:rPr lang="de-DE" sz="900">
                           <a:solidFill>
                             <a:srgbClr val="020302"/>
                           </a:solidFill>
@@ -5824,10 +5009,6 @@
                         </a:rPr>
                         <a:t></a:t>
                       </a:r>
-                      <a:endParaRPr sz="900">
-                        <a:latin typeface="Wingdings"/>
-                        <a:cs typeface="Wingdings"/>
-                      </a:endParaRPr>
                     </a:p>
                   </a:txBody>
                   <a:tcPr marL="0" marR="0" marT="58419" marB="0">
@@ -5857,7 +5038,7 @@
                         </a:spcBef>
                       </a:pPr>
                       <a:r>
-                        <a:rPr sz="900">
+                        <a:rPr lang="de-DE" sz="900">
                           <a:solidFill>
                             <a:srgbClr val="020302"/>
                           </a:solidFill>
@@ -5866,10 +5047,6 @@
                         </a:rPr>
                         <a:t></a:t>
                       </a:r>
-                      <a:endParaRPr sz="900">
-                        <a:latin typeface="Wingdings"/>
-                        <a:cs typeface="Wingdings"/>
-                      </a:endParaRPr>
                     </a:p>
                   </a:txBody>
                   <a:tcPr marL="0" marR="0" marT="58419" marB="0" anchor="ctr">
@@ -5892,7 +5069,7 @@
                     <a:bodyPr/>
                     <a:lstStyle/>
                     <a:p>
-                      <a:pPr marL="50800">
+                      <a:pPr marL="50800" algn="l" rtl="0">
                         <a:lnSpc>
                           <a:spcPct val="100000"/>
                         </a:lnSpc>
@@ -5950,19 +5127,15 @@
                         </a:spcBef>
                       </a:pPr>
                       <a:r>
-                        <a:rPr lang="en-US" sz="900" spc="0">
+                        <a:rPr lang="de-DE" sz="900">
                           <a:solidFill>
                             <a:srgbClr val="020302"/>
                           </a:solidFill>
                           <a:latin typeface="AdobeClean-Light"/>
                           <a:cs typeface="AdobeClean-Light"/>
                         </a:rPr>
-                        <a:t>Named Support Contacts (per product)</a:t>
+                        <a:t>Spezifische Support-Kontakte (pro Produkt)</a:t>
                       </a:r>
-                      <a:endParaRPr sz="900" spc="0">
-                        <a:latin typeface="AdobeClean-Light"/>
-                        <a:cs typeface="AdobeClean-Light"/>
-                      </a:endParaRPr>
                     </a:p>
                   </a:txBody>
                   <a:tcPr marL="0" marR="0" marT="57785" marB="0">
@@ -6000,7 +5173,7 @@
                         </a:spcBef>
                       </a:pPr>
                       <a:r>
-                        <a:rPr sz="900">
+                        <a:rPr lang="de-DE" sz="900">
                           <a:solidFill>
                             <a:srgbClr val="020302"/>
                           </a:solidFill>
@@ -6009,10 +5182,6 @@
                         </a:rPr>
                         <a:t>4</a:t>
                       </a:r>
-                      <a:endParaRPr sz="900">
-                        <a:latin typeface="AdobeClean-Light"/>
-                        <a:cs typeface="AdobeClean-Light"/>
-                      </a:endParaRPr>
                     </a:p>
                   </a:txBody>
                   <a:tcPr marL="0" marR="0" marT="57785" marB="0">
@@ -6042,7 +5211,7 @@
                         </a:spcBef>
                       </a:pPr>
                       <a:r>
-                        <a:rPr lang="en-US" sz="900">
+                        <a:rPr lang="de-DE" sz="900">
                           <a:solidFill>
                             <a:srgbClr val="020302"/>
                           </a:solidFill>
@@ -6051,10 +5220,6 @@
                         </a:rPr>
                         <a:t>15</a:t>
                       </a:r>
-                      <a:endParaRPr sz="900">
-                        <a:latin typeface="AdobeClean-Light"/>
-                        <a:cs typeface="AdobeClean-Light"/>
-                      </a:endParaRPr>
                     </a:p>
                   </a:txBody>
                   <a:tcPr marL="0" marR="0" marT="57785" marB="0" anchor="ctr">
@@ -6077,7 +5242,7 @@
                     <a:bodyPr/>
                     <a:lstStyle/>
                     <a:p>
-                      <a:pPr marL="50800">
+                      <a:pPr marL="50800" algn="l" rtl="0">
                         <a:lnSpc>
                           <a:spcPct val="100000"/>
                         </a:lnSpc>
@@ -6126,19 +5291,15 @@
                         </a:spcBef>
                       </a:pPr>
                       <a:r>
-                        <a:rPr lang="en-US" sz="900" spc="0">
+                        <a:rPr lang="de-DE" sz="900">
                           <a:solidFill>
                             <a:srgbClr val="020302"/>
                           </a:solidFill>
                           <a:latin typeface="AdobeClean-Light"/>
                           <a:cs typeface="AdobeClean-Light"/>
                         </a:rPr>
-                        <a:t>Live Telephone Support</a:t>
+                        <a:t>Live-Telefon-Support</a:t>
                       </a:r>
-                      <a:endParaRPr sz="900" spc="0">
-                        <a:latin typeface="AdobeClean-Light"/>
-                        <a:cs typeface="AdobeClean-Light"/>
-                      </a:endParaRPr>
                     </a:p>
                   </a:txBody>
                   <a:tcPr marL="0" marR="0" marT="57785" marB="0">
@@ -6161,7 +5322,7 @@
                     <a:bodyPr/>
                     <a:lstStyle/>
                     <a:p>
-                      <a:pPr algn="ctr">
+                      <a:pPr algn="l" rtl="0">
                         <a:lnSpc>
                           <a:spcPct val="100000"/>
                         </a:lnSpc>
@@ -6202,7 +5363,7 @@
                         </a:spcBef>
                       </a:pPr>
                       <a:r>
-                        <a:rPr sz="900">
+                        <a:rPr lang="de-DE" sz="900">
                           <a:solidFill>
                             <a:srgbClr val="020302"/>
                           </a:solidFill>
@@ -6211,10 +5372,6 @@
                         </a:rPr>
                         <a:t></a:t>
                       </a:r>
-                      <a:endParaRPr sz="900">
-                        <a:latin typeface="Wingdings"/>
-                        <a:cs typeface="Wingdings"/>
-                      </a:endParaRPr>
                     </a:p>
                   </a:txBody>
                   <a:tcPr marL="0" marR="0" marT="59054" marB="0" anchor="ctr">
@@ -6237,7 +5394,7 @@
                     <a:bodyPr/>
                     <a:lstStyle/>
                     <a:p>
-                      <a:pPr marL="50800">
+                      <a:pPr marL="50800" algn="l" rtl="0">
                         <a:lnSpc>
                           <a:spcPct val="100000"/>
                         </a:lnSpc>
@@ -6286,19 +5443,15 @@
                         </a:spcBef>
                       </a:pPr>
                       <a:r>
-                        <a:rPr sz="900" spc="0">
+                        <a:rPr lang="de-DE" sz="900">
                           <a:solidFill>
                             <a:srgbClr val="020302"/>
                           </a:solidFill>
                           <a:latin typeface="AdobeClean-Light"/>
                           <a:cs typeface="AdobeClean-Light"/>
                         </a:rPr>
-                        <a:t>Escalation Management</a:t>
+                        <a:t>Eskalations-Management</a:t>
                       </a:r>
-                      <a:endParaRPr sz="900" spc="0">
-                        <a:latin typeface="AdobeClean-Light"/>
-                        <a:cs typeface="AdobeClean-Light"/>
-                      </a:endParaRPr>
                     </a:p>
                   </a:txBody>
                   <a:tcPr marL="0" marR="0" marT="58419" marB="0">
@@ -6321,7 +5474,7 @@
                     <a:bodyPr/>
                     <a:lstStyle/>
                     <a:p>
-                      <a:pPr algn="ctr">
+                      <a:pPr algn="l" rtl="0">
                         <a:lnSpc>
                           <a:spcPct val="100000"/>
                         </a:lnSpc>
@@ -6362,7 +5515,7 @@
                         </a:spcBef>
                       </a:pPr>
                       <a:r>
-                        <a:rPr sz="900">
+                        <a:rPr lang="de-DE" sz="900">
                           <a:solidFill>
                             <a:srgbClr val="020302"/>
                           </a:solidFill>
@@ -6371,10 +5524,6 @@
                         </a:rPr>
                         <a:t></a:t>
                       </a:r>
-                      <a:endParaRPr sz="900">
-                        <a:latin typeface="Wingdings"/>
-                        <a:cs typeface="Wingdings"/>
-                      </a:endParaRPr>
                     </a:p>
                   </a:txBody>
                   <a:tcPr marL="0" marR="0" marT="59690" marB="0" anchor="ctr">
@@ -6397,7 +5546,7 @@
                     <a:bodyPr/>
                     <a:lstStyle/>
                     <a:p>
-                      <a:pPr marL="50800">
+                      <a:pPr marL="50800" algn="l" rtl="0">
                         <a:lnSpc>
                           <a:spcPct val="100000"/>
                         </a:lnSpc>
@@ -6446,29 +5595,15 @@
                         </a:spcBef>
                       </a:pPr>
                       <a:r>
-                        <a:rPr sz="900" spc="0">
+                        <a:rPr lang="de-DE" sz="900">
                           <a:solidFill>
                             <a:srgbClr val="020302"/>
                           </a:solidFill>
                           <a:latin typeface="AdobeClean-Light"/>
                           <a:cs typeface="AdobeClean-Light"/>
                         </a:rPr>
-                        <a:t>Service Reviews </a:t>
+                        <a:t>Jährliche Service-Prüfung</a:t>
                       </a:r>
-                      <a:r>
-                        <a:rPr lang="en-US" sz="900" spc="0">
-                          <a:solidFill>
-                            <a:srgbClr val="020302"/>
-                          </a:solidFill>
-                          <a:latin typeface="AdobeClean-Light"/>
-                          <a:cs typeface="AdobeClean-Light"/>
-                        </a:rPr>
-                        <a:t>per Year</a:t>
-                      </a:r>
-                      <a:endParaRPr sz="900" spc="0">
-                        <a:latin typeface="AdobeClean-Light"/>
-                        <a:cs typeface="AdobeClean-Light"/>
-                      </a:endParaRPr>
                     </a:p>
                   </a:txBody>
                   <a:tcPr marL="0" marR="0" marT="57150" marB="0">
@@ -6491,7 +5626,7 @@
                     <a:bodyPr/>
                     <a:lstStyle/>
                     <a:p>
-                      <a:pPr>
+                      <a:pPr algn="l" rtl="0">
                         <a:lnSpc>
                           <a:spcPct val="100000"/>
                         </a:lnSpc>
@@ -6526,16 +5661,12 @@
                         </a:lnSpc>
                       </a:pPr>
                       <a:r>
-                        <a:rPr lang="en-US" sz="900">
+                        <a:rPr lang="de-DE" sz="900">
                           <a:latin typeface="Times New Roman"/>
                           <a:cs typeface="Times New Roman"/>
                         </a:rPr>
                         <a:t>4</a:t>
                       </a:r>
-                      <a:endParaRPr sz="900">
-                        <a:latin typeface="Times New Roman"/>
-                        <a:cs typeface="Times New Roman"/>
-                      </a:endParaRPr>
                     </a:p>
                   </a:txBody>
                   <a:tcPr marL="0" marR="0" marT="0" marB="0" anchor="ctr">
@@ -6577,16 +5708,12 @@
                         </a:spcBef>
                       </a:pPr>
                       <a:r>
-                        <a:rPr lang="en-US" sz="900" spc="0">
+                        <a:rPr lang="de-DE" sz="900">
                           <a:latin typeface="AdobeClean-Light"/>
                           <a:cs typeface="AdobeClean-Light"/>
                         </a:rPr>
-                        <a:t>Expert Sessions per Year</a:t>
+                        <a:t>Jährliche Experten-Sessions</a:t>
                       </a:r>
-                      <a:endParaRPr sz="900" spc="0">
-                        <a:latin typeface="AdobeClean-Light"/>
-                        <a:cs typeface="AdobeClean-Light"/>
-                      </a:endParaRPr>
                     </a:p>
                   </a:txBody>
                   <a:tcPr marL="0" marR="0" marT="57150" marB="0">
@@ -6615,7 +5742,7 @@
                     <a:bodyPr/>
                     <a:lstStyle/>
                     <a:p>
-                      <a:pPr>
+                      <a:pPr algn="l" rtl="0">
                         <a:lnSpc>
                           <a:spcPct val="100000"/>
                         </a:lnSpc>
@@ -6650,16 +5777,12 @@
                         </a:lnSpc>
                       </a:pPr>
                       <a:r>
-                        <a:rPr lang="en-US" sz="900">
+                        <a:rPr lang="de-DE" sz="900">
                           <a:latin typeface="Times New Roman"/>
                           <a:cs typeface="Times New Roman"/>
                         </a:rPr>
                         <a:t>4</a:t>
                       </a:r>
-                      <a:endParaRPr sz="900">
-                        <a:latin typeface="Times New Roman"/>
-                        <a:cs typeface="Times New Roman"/>
-                      </a:endParaRPr>
                     </a:p>
                   </a:txBody>
                   <a:tcPr marL="0" marR="0" marT="0" marB="0" anchor="ctr">
@@ -6701,16 +5824,12 @@
                         </a:spcBef>
                       </a:pPr>
                       <a:r>
-                        <a:rPr lang="en-US" sz="900" spc="0">
+                        <a:rPr lang="de-DE" sz="900">
                           <a:latin typeface="AdobeClean-Light"/>
                           <a:cs typeface="AdobeClean-Light"/>
                         </a:rPr>
-                        <a:t>Case Reviews</a:t>
+                        <a:t>Fallprüfungen</a:t>
                       </a:r>
-                      <a:endParaRPr sz="900" spc="0">
-                        <a:latin typeface="AdobeClean-Light"/>
-                        <a:cs typeface="AdobeClean-Light"/>
-                      </a:endParaRPr>
                     </a:p>
                   </a:txBody>
                   <a:tcPr marL="0" marR="0" marT="57150" marB="0">
@@ -6739,7 +5858,7 @@
                     <a:bodyPr/>
                     <a:lstStyle/>
                     <a:p>
-                      <a:pPr>
+                      <a:pPr algn="l" rtl="0">
                         <a:lnSpc>
                           <a:spcPct val="100000"/>
                         </a:lnSpc>
@@ -6786,7 +5905,7 @@
                         <a:defRPr/>
                       </a:pPr>
                       <a:r>
-                        <a:rPr lang="en-US" sz="900">
+                        <a:rPr lang="de-DE" sz="900">
                           <a:solidFill>
                             <a:srgbClr val="020302"/>
                           </a:solidFill>
@@ -6795,10 +5914,6 @@
                         </a:rPr>
                         <a:t></a:t>
                       </a:r>
-                      <a:endParaRPr lang="en-US" sz="900">
-                        <a:latin typeface="Wingdings"/>
-                        <a:cs typeface="Wingdings"/>
-                      </a:endParaRPr>
                     </a:p>
                   </a:txBody>
                   <a:tcPr marL="0" marR="0" marT="0" marB="0" anchor="ctr">
@@ -6821,7 +5936,7 @@
                     <a:bodyPr/>
                     <a:lstStyle/>
                     <a:p>
-                      <a:pPr marL="48895">
+                      <a:pPr marL="48895" algn="l" rtl="0">
                         <a:lnSpc>
                           <a:spcPct val="100000"/>
                         </a:lnSpc>
@@ -6879,29 +5994,15 @@
                         </a:spcBef>
                       </a:pPr>
                       <a:r>
-                        <a:rPr sz="900" spc="0">
+                        <a:rPr lang="de-DE" sz="900">
                           <a:solidFill>
                             <a:srgbClr val="020302"/>
                           </a:solidFill>
                           <a:latin typeface="AdobeClean-Light"/>
                           <a:cs typeface="AdobeClean-Light"/>
                         </a:rPr>
-                        <a:t>Event </a:t>
+                        <a:t>Ereignis-Management</a:t>
                       </a:r>
-                      <a:r>
-                        <a:rPr lang="en-US" sz="900" spc="0">
-                          <a:solidFill>
-                            <a:srgbClr val="020302"/>
-                          </a:solidFill>
-                          <a:latin typeface="AdobeClean-Light"/>
-                          <a:cs typeface="AdobeClean-Light"/>
-                        </a:rPr>
-                        <a:t>Management</a:t>
-                      </a:r>
-                      <a:endParaRPr sz="900" spc="0">
-                        <a:latin typeface="AdobeClean-Light"/>
-                        <a:cs typeface="AdobeClean-Light"/>
-                      </a:endParaRPr>
                     </a:p>
                   </a:txBody>
                   <a:tcPr marL="0" marR="0" marT="58419" marB="0">
@@ -6930,7 +6031,7 @@
                     <a:bodyPr/>
                     <a:lstStyle/>
                     <a:p>
-                      <a:pPr>
+                      <a:pPr algn="l" rtl="0">
                         <a:lnSpc>
                           <a:spcPct val="100000"/>
                         </a:lnSpc>
@@ -6977,7 +6078,7 @@
                         <a:defRPr/>
                       </a:pPr>
                       <a:r>
-                        <a:rPr lang="en-US" sz="900">
+                        <a:rPr lang="de-DE" sz="900">
                           <a:solidFill>
                             <a:srgbClr val="020302"/>
                           </a:solidFill>
@@ -6986,10 +6087,6 @@
                         </a:rPr>
                         <a:t></a:t>
                       </a:r>
-                      <a:endParaRPr lang="en-US" sz="900">
-                        <a:latin typeface="Wingdings"/>
-                        <a:cs typeface="Wingdings"/>
-                      </a:endParaRPr>
                     </a:p>
                   </a:txBody>
                   <a:tcPr marL="0" marR="0" marT="0" marB="0" anchor="ctr">
@@ -7012,7 +6109,7 @@
                     <a:bodyPr/>
                     <a:lstStyle/>
                     <a:p>
-                      <a:pPr marL="48895">
+                      <a:pPr marL="48895" algn="l" rtl="0">
                         <a:lnSpc>
                           <a:spcPct val="100000"/>
                         </a:lnSpc>
@@ -7061,39 +6158,15 @@
                         </a:spcBef>
                       </a:pPr>
                       <a:r>
-                        <a:rPr sz="900" spc="0">
+                        <a:rPr lang="de-DE" sz="900">
                           <a:solidFill>
                             <a:srgbClr val="020302"/>
                           </a:solidFill>
                           <a:latin typeface="AdobeClean-Light"/>
                           <a:cs typeface="AdobeClean-Light"/>
                         </a:rPr>
-                        <a:t>Environment</a:t>
+                        <a:t>Umgebungsbewertung, -wartung und -überwachung</a:t>
                       </a:r>
-                      <a:r>
-                        <a:rPr lang="en-US" sz="900" spc="0">
-                          <a:solidFill>
-                            <a:srgbClr val="020302"/>
-                          </a:solidFill>
-                          <a:latin typeface="AdobeClean-Light"/>
-                          <a:cs typeface="AdobeClean-Light"/>
-                        </a:rPr>
-                        <a:t> </a:t>
-                      </a:r>
-                      <a:r>
-                        <a:rPr sz="900" spc="0">
-                          <a:solidFill>
-                            <a:srgbClr val="020302"/>
-                          </a:solidFill>
-                          <a:latin typeface="AdobeClean-Light"/>
-                          <a:cs typeface="AdobeClean-Light"/>
-                        </a:rPr>
-                        <a:t>Review, Maintenance &amp; Monitoring</a:t>
-                      </a:r>
-                      <a:endParaRPr sz="900" spc="0">
-                        <a:latin typeface="AdobeClean-Light"/>
-                        <a:cs typeface="AdobeClean-Light"/>
-                      </a:endParaRPr>
                     </a:p>
                   </a:txBody>
                   <a:tcPr marL="0" marR="0" marT="59055" marB="0">
@@ -7116,7 +6189,7 @@
                     <a:bodyPr/>
                     <a:lstStyle/>
                     <a:p>
-                      <a:pPr>
+                      <a:pPr algn="l" rtl="0">
                         <a:lnSpc>
                           <a:spcPct val="100000"/>
                         </a:lnSpc>
@@ -7163,7 +6236,7 @@
                         <a:defRPr/>
                       </a:pPr>
                       <a:r>
-                        <a:rPr lang="en-US" sz="900">
+                        <a:rPr lang="de-DE" sz="900">
                           <a:solidFill>
                             <a:srgbClr val="020302"/>
                           </a:solidFill>
@@ -7172,10 +6245,6 @@
                         </a:rPr>
                         <a:t></a:t>
                       </a:r>
-                      <a:endParaRPr lang="en-US" sz="900">
-                        <a:latin typeface="Wingdings"/>
-                        <a:cs typeface="Wingdings"/>
-                      </a:endParaRPr>
                     </a:p>
                   </a:txBody>
                   <a:tcPr marL="0" marR="0" marT="0" marB="0" anchor="ctr">
@@ -7198,7 +6267,7 @@
                     <a:bodyPr/>
                     <a:lstStyle/>
                     <a:p>
-                      <a:pPr marL="49530">
+                      <a:pPr marL="49530" algn="l" rtl="0">
                         <a:lnSpc>
                           <a:spcPct val="100000"/>
                         </a:lnSpc>
@@ -7247,19 +6316,34 @@
                         </a:spcBef>
                       </a:pPr>
                       <a:r>
-                        <a:rPr sz="900" spc="0">
+                        <a:rPr lang="de-DE" sz="900" dirty="0">
                           <a:solidFill>
                             <a:srgbClr val="020302"/>
                           </a:solidFill>
                           <a:latin typeface="AdobeClean-Light"/>
                           <a:cs typeface="AdobeClean-Light"/>
                         </a:rPr>
-                        <a:t>Release, Migration, Upgrade &amp; Product Roadmap Review</a:t>
+                        <a:t>Prüfung von Freigabe, Migration, Aktualisierung </a:t>
                       </a:r>
-                      <a:endParaRPr sz="900" spc="0">
-                        <a:latin typeface="AdobeClean-Light"/>
-                        <a:cs typeface="AdobeClean-Light"/>
-                      </a:endParaRPr>
+                      <a:br>
+                        <a:rPr lang="de-DE" sz="900" dirty="0">
+                          <a:solidFill>
+                            <a:srgbClr val="020302"/>
+                          </a:solidFill>
+                          <a:latin typeface="AdobeClean-Light"/>
+                          <a:cs typeface="AdobeClean-Light"/>
+                        </a:rPr>
+                      </a:br>
+                      <a:r>
+                        <a:rPr lang="de-DE" sz="900" dirty="0">
+                          <a:solidFill>
+                            <a:srgbClr val="020302"/>
+                          </a:solidFill>
+                          <a:latin typeface="AdobeClean-Light"/>
+                          <a:cs typeface="AdobeClean-Light"/>
+                        </a:rPr>
+                        <a:t>und Produkt-Roadmap</a:t>
+                      </a:r>
                     </a:p>
                   </a:txBody>
                   <a:tcPr marL="0" marR="0" marT="63500" marB="0">
@@ -7282,7 +6366,7 @@
                     <a:bodyPr/>
                     <a:lstStyle/>
                     <a:p>
-                      <a:pPr>
+                      <a:pPr algn="l" rtl="0">
                         <a:lnSpc>
                           <a:spcPct val="100000"/>
                         </a:lnSpc>
@@ -7329,7 +6413,7 @@
                         <a:defRPr/>
                       </a:pPr>
                       <a:r>
-                        <a:rPr lang="en-US" sz="900">
+                        <a:rPr lang="de-DE" sz="900">
                           <a:solidFill>
                             <a:srgbClr val="020302"/>
                           </a:solidFill>
@@ -7338,10 +6422,6 @@
                         </a:rPr>
                         <a:t></a:t>
                       </a:r>
-                      <a:endParaRPr lang="en-US" sz="900">
-                        <a:latin typeface="Wingdings"/>
-                        <a:cs typeface="Wingdings"/>
-                      </a:endParaRPr>
                     </a:p>
                   </a:txBody>
                   <a:tcPr marL="0" marR="0" marT="0" marB="0" anchor="ctr">
@@ -7358,13 +6438,13 @@
                   </a:ext>
                 </a:extLst>
               </a:tr>
-              <a:tr h="241305">
+              <a:tr h="371514">
                 <a:tc vMerge="1">
                   <a:txBody>
                     <a:bodyPr/>
                     <a:lstStyle/>
                     <a:p>
-                      <a:pPr marL="49530">
+                      <a:pPr marL="49530" algn="l" rtl="0">
                         <a:lnSpc>
                           <a:spcPct val="100000"/>
                         </a:lnSpc>
@@ -7422,11 +6502,24 @@
                         </a:spcBef>
                       </a:pPr>
                       <a:r>
-                        <a:rPr sz="900" spc="0">
+                        <a:rPr lang="de-DE" sz="900" dirty="0">
                           <a:latin typeface="AdobeClean-Light"/>
                           <a:cs typeface="AdobeClean-Light"/>
                         </a:rPr>
-                        <a:t>Cloud Support Activities – Experience Manager as Cloud</a:t>
+                        <a:t>Cloud-Support-Aktivitäten – Experience Manager </a:t>
+                      </a:r>
+                      <a:br>
+                        <a:rPr lang="de-DE" sz="900" dirty="0">
+                          <a:latin typeface="AdobeClean-Light"/>
+                          <a:cs typeface="AdobeClean-Light"/>
+                        </a:rPr>
+                      </a:br>
+                      <a:r>
+                        <a:rPr lang="de-DE" sz="900" dirty="0">
+                          <a:latin typeface="AdobeClean-Light"/>
+                          <a:cs typeface="AdobeClean-Light"/>
+                        </a:rPr>
+                        <a:t>as a Cloud Service</a:t>
                       </a:r>
                     </a:p>
                   </a:txBody>
@@ -7456,7 +6549,7 @@
                     <a:bodyPr/>
                     <a:lstStyle/>
                     <a:p>
-                      <a:pPr>
+                      <a:pPr algn="l" rtl="0">
                         <a:lnSpc>
                           <a:spcPct val="100000"/>
                         </a:lnSpc>
@@ -7512,7 +6605,7 @@
                         <a:defRPr/>
                       </a:pPr>
                       <a:r>
-                        <a:rPr lang="en-US" sz="900">
+                        <a:rPr lang="de-DE" sz="900">
                           <a:solidFill>
                             <a:srgbClr val="020302"/>
                           </a:solidFill>
@@ -7521,10 +6614,6 @@
                         </a:rPr>
                         <a:t></a:t>
                       </a:r>
-                      <a:endParaRPr lang="en-US" sz="900">
-                        <a:latin typeface="Wingdings"/>
-                        <a:cs typeface="Wingdings"/>
-                      </a:endParaRPr>
                     </a:p>
                   </a:txBody>
                   <a:tcPr marL="0" marR="0" marT="0" marB="0" anchor="ctr">
@@ -7565,22 +6654,15 @@
                         </a:spcBef>
                       </a:pPr>
                       <a:r>
-                        <a:rPr lang="en-US" sz="1000" b="1" i="0" spc="0">
+                        <a:rPr lang="de-DE" sz="1000" b="1" i="0">
                           <a:solidFill>
                             <a:schemeClr val="bg1"/>
                           </a:solidFill>
                           <a:latin typeface="Adobe Clean" panose="020B0503020404020204" pitchFamily="34" charset="0"/>
                           <a:cs typeface="AdobeClean-Light"/>
                         </a:rPr>
-                        <a:t>Field Services</a:t>
+                        <a:t>Außendienst</a:t>
                       </a:r>
-                      <a:endParaRPr sz="1000" b="1" i="0" spc="0">
-                        <a:solidFill>
-                          <a:schemeClr val="bg1"/>
-                        </a:solidFill>
-                        <a:latin typeface="Adobe Clean" panose="020B0503020404020204" pitchFamily="34" charset="0"/>
-                        <a:cs typeface="AdobeClean-Light"/>
-                      </a:endParaRPr>
                     </a:p>
                   </a:txBody>
                   <a:tcPr marL="0" marR="0" marT="48260" marB="0" anchor="ctr">
@@ -7633,14 +6715,14 @@
                         </a:spcBef>
                       </a:pPr>
                       <a:r>
-                        <a:rPr sz="900" spc="0">
+                        <a:rPr lang="de-DE" sz="900" dirty="0">
                           <a:solidFill>
                             <a:srgbClr val="020302"/>
                           </a:solidFill>
                           <a:latin typeface="AdobeClean-Light"/>
                           <a:cs typeface="AdobeClean-Light"/>
                         </a:rPr>
-                        <a:t>Launch Advisory Services – First Year of new solution</a:t>
+                        <a:t>Launch Advisory-Services – Erstes Jahr mit der neuen Lösung</a:t>
                       </a:r>
                     </a:p>
                   </a:txBody>
@@ -7680,7 +6762,7 @@
                     <a:bodyPr/>
                     <a:lstStyle/>
                     <a:p>
-                      <a:pPr>
+                      <a:pPr algn="l" rtl="0">
                         <a:lnSpc>
                           <a:spcPct val="100000"/>
                         </a:lnSpc>
@@ -7752,7 +6834,7 @@
                         <a:defRPr/>
                       </a:pPr>
                       <a:r>
-                        <a:rPr lang="en-US" sz="900">
+                        <a:rPr lang="de-DE" sz="900">
                           <a:solidFill>
                             <a:srgbClr val="020302"/>
                           </a:solidFill>
@@ -7761,10 +6843,6 @@
                         </a:rPr>
                         <a:t></a:t>
                       </a:r>
-                      <a:endParaRPr lang="en-US" sz="900">
-                        <a:latin typeface="Wingdings"/>
-                        <a:cs typeface="Wingdings"/>
-                      </a:endParaRPr>
                     </a:p>
                   </a:txBody>
                   <a:tcPr marL="0" marR="0" marT="0" marB="0" anchor="ctr">
@@ -7843,11 +6921,11 @@
                         <a:defRPr/>
                       </a:pPr>
                       <a:r>
-                        <a:rPr lang="en-US" sz="900" spc="0">
+                        <a:rPr lang="de-DE" sz="900" dirty="0">
                           <a:latin typeface="AdobeClean-Light"/>
                           <a:cs typeface="AdobeClean-Light"/>
                         </a:rPr>
-                        <a:t>Field Service Activities </a:t>
+                        <a:t>Außendienstaktivitäten </a:t>
                       </a:r>
                     </a:p>
                   </a:txBody>
@@ -7881,7 +6959,7 @@
                     <a:bodyPr/>
                     <a:lstStyle/>
                     <a:p>
-                      <a:pPr algn="ctr"/>
+                      <a:pPr algn="l" rtl="0"/>
                       <a:endParaRPr lang="en-US"/>
                     </a:p>
                   </a:txBody>
@@ -7930,13 +7008,12 @@
                     <a:p>
                       <a:pPr algn="ctr"/>
                       <a:r>
-                        <a:rPr lang="en-US" sz="900" dirty="0">
+                        <a:rPr lang="de-DE" sz="900" dirty="0">
                           <a:latin typeface="Times New Roman"/>
                           <a:cs typeface="Times New Roman"/>
                         </a:rPr>
                         <a:t>4</a:t>
                       </a:r>
-                      <a:endParaRPr lang="en-US" dirty="0"/>
                     </a:p>
                   </a:txBody>
                   <a:tcPr marL="0" marR="0" marT="0" marB="0" anchor="ctr">
@@ -8026,9 +7103,9 @@
           <p:nvPr/>
         </p:nvSpPr>
         <p:spPr>
-          <a:xfrm>
-            <a:off x="357339" y="897487"/>
-            <a:ext cx="1736725" cy="0"/>
+          <a:xfrm flipV="1">
+            <a:off x="357339" y="729848"/>
+            <a:ext cx="1900144" cy="45719"/>
           </a:xfrm>
           <a:custGeom>
             <a:avLst/>
@@ -8069,8 +7146,8 @@
         </p:nvSpPr>
         <p:spPr>
           <a:xfrm>
-            <a:off x="357339" y="608961"/>
-            <a:ext cx="1647825" cy="238760"/>
+            <a:off x="357339" y="487041"/>
+            <a:ext cx="2042961" cy="228268"/>
           </a:xfrm>
           <a:prstGeom prst="rect">
             <a:avLst/>
@@ -8091,59 +7168,15 @@
               </a:spcBef>
             </a:pPr>
             <a:r>
-              <a:rPr sz="1400" b="1" spc="-10">
+              <a:rPr lang="de-DE" sz="1400" b="1" dirty="0">
                 <a:solidFill>
                   <a:srgbClr val="020302"/>
                 </a:solidFill>
                 <a:latin typeface="Adobe Clean"/>
                 <a:cs typeface="Adobe Clean"/>
               </a:rPr>
-              <a:t>Elite</a:t>
-            </a:r>
-            <a:r>
-              <a:rPr sz="1400" b="1" spc="-50">
-                <a:solidFill>
-                  <a:srgbClr val="020302"/>
-                </a:solidFill>
-                <a:latin typeface="Adobe Clean"/>
-                <a:cs typeface="Adobe Clean"/>
-              </a:rPr>
-              <a:t> </a:t>
-            </a:r>
-            <a:r>
-              <a:rPr sz="1400" b="1" spc="-10">
-                <a:solidFill>
-                  <a:srgbClr val="020302"/>
-                </a:solidFill>
-                <a:latin typeface="Adobe Clean"/>
-                <a:cs typeface="Adobe Clean"/>
-              </a:rPr>
-              <a:t>Support</a:t>
-            </a:r>
-            <a:r>
-              <a:rPr sz="1400" b="1" spc="-45">
-                <a:solidFill>
-                  <a:srgbClr val="020302"/>
-                </a:solidFill>
-                <a:latin typeface="Adobe Clean"/>
-                <a:cs typeface="Adobe Clean"/>
-              </a:rPr>
-              <a:t> </a:t>
-            </a:r>
-            <a:r>
-              <a:rPr sz="1400" b="1" spc="-15">
-                <a:solidFill>
-                  <a:srgbClr val="020302"/>
-                </a:solidFill>
-                <a:latin typeface="Adobe Clean"/>
-                <a:cs typeface="Adobe Clean"/>
-              </a:rPr>
-              <a:t>Features</a:t>
-            </a:r>
-            <a:endParaRPr sz="1400">
-              <a:latin typeface="Adobe Clean"/>
-              <a:cs typeface="Adobe Clean"/>
-            </a:endParaRPr>
+              <a:t>Umfang von Elite Support</a:t>
+            </a:r>
           </a:p>
         </p:txBody>
       </p:sp>
@@ -8155,8 +7188,8 @@
         </p:nvSpPr>
         <p:spPr>
           <a:xfrm>
-            <a:off x="2868167" y="1433668"/>
-            <a:ext cx="2194560" cy="936154"/>
+            <a:off x="2868167" y="1311748"/>
+            <a:ext cx="2306706" cy="982320"/>
           </a:xfrm>
           <a:prstGeom prst="rect">
             <a:avLst/>
@@ -8177,19 +7210,34 @@
               </a:spcBef>
             </a:pPr>
             <a:r>
-              <a:rPr sz="1000">
+              <a:rPr lang="de-DE" sz="900" dirty="0">
                 <a:solidFill>
                   <a:srgbClr val="4B4B4B"/>
                 </a:solidFill>
                 <a:latin typeface="AdobeClean-Light"/>
                 <a:cs typeface="AdobeClean-Light"/>
               </a:rPr>
-              <a:t>A designated support engineer who  becomes familiar with your solution  environment and business goals. The NSE  is an experienced support engineer that  helps coordinate your Enterprise Support  experience.</a:t>
-            </a:r>
-            <a:endParaRPr sz="1000">
-              <a:latin typeface="AdobeClean-Light"/>
-              <a:cs typeface="AdobeClean-Light"/>
-            </a:endParaRPr>
+              <a:t>Ein spezifischer Support-Mitarbeiter, der sich mit Ihrer Lösungsumgebung und Ihren Unternehmenszielen vertraut macht. Der spezifische Support-Mitarbeiter ist ein erfahrener Support-Engineer, der Sie bei der Koordination Ihres Enterprise </a:t>
+            </a:r>
+            <a:br>
+              <a:rPr lang="de-DE" sz="900" dirty="0">
+                <a:solidFill>
+                  <a:srgbClr val="4B4B4B"/>
+                </a:solidFill>
+                <a:latin typeface="AdobeClean-Light"/>
+                <a:cs typeface="AdobeClean-Light"/>
+              </a:rPr>
+            </a:br>
+            <a:r>
+              <a:rPr lang="de-DE" sz="900" dirty="0">
+                <a:solidFill>
+                  <a:srgbClr val="4B4B4B"/>
+                </a:solidFill>
+                <a:latin typeface="AdobeClean-Light"/>
+                <a:cs typeface="AdobeClean-Light"/>
+              </a:rPr>
+              <a:t>Support-Angebots unterstützt.</a:t>
+            </a:r>
           </a:p>
         </p:txBody>
       </p:sp>
@@ -8209,7 +7257,7 @@
         </p:blipFill>
         <p:spPr>
           <a:xfrm>
-            <a:off x="2768925" y="1066800"/>
+            <a:off x="2768925" y="944880"/>
             <a:ext cx="365760" cy="365760"/>
           </a:xfrm>
           <a:prstGeom prst="rect">
@@ -8233,7 +7281,7 @@
         </p:blipFill>
         <p:spPr>
           <a:xfrm>
-            <a:off x="5257800" y="2561747"/>
+            <a:off x="5257800" y="2439827"/>
             <a:ext cx="365760" cy="365760"/>
           </a:xfrm>
           <a:prstGeom prst="rect">
@@ -8249,8 +7297,8 @@
         </p:nvSpPr>
         <p:spPr>
           <a:xfrm>
-            <a:off x="5333365" y="1433668"/>
-            <a:ext cx="2194560" cy="936154"/>
+            <a:off x="5333365" y="1311748"/>
+            <a:ext cx="2194560" cy="982320"/>
           </a:xfrm>
           <a:prstGeom prst="rect">
             <a:avLst/>
@@ -8271,19 +7319,15 @@
               </a:spcBef>
             </a:pPr>
             <a:r>
-              <a:rPr sz="1000">
+              <a:rPr lang="de-DE" sz="900" dirty="0">
                 <a:solidFill>
                   <a:srgbClr val="4B4B4B"/>
                 </a:solidFill>
                 <a:latin typeface="AdobeClean-Light"/>
                 <a:cs typeface="AdobeClean-Light"/>
               </a:rPr>
-              <a:t>Regular scheduled review of open  support requests, ensuring customer  alignment on case description, business  impact, status, priority and agreement on  next steps required to ensure an  expedient resolution.</a:t>
-            </a:r>
-            <a:endParaRPr sz="1000">
-              <a:latin typeface="AdobeClean-Light"/>
-              <a:cs typeface="AdobeClean-Light"/>
-            </a:endParaRPr>
+              <a:t>Fortlaufende planmäßige Prüfung offener Support-Anfragen, um sicherzustellen, dass Kunden über Fallbeschreibung, geschäftliche Auswirkungen, Status, Priorität und die nächsten Schritte für eine zweckdienliche Lösung auf dem Laufenden sind.</a:t>
+            </a:r>
           </a:p>
         </p:txBody>
       </p:sp>
@@ -8303,7 +7347,7 @@
         </p:blipFill>
         <p:spPr>
           <a:xfrm>
-            <a:off x="2768925" y="2500787"/>
+            <a:off x="2768925" y="2378867"/>
             <a:ext cx="241555" cy="365760"/>
           </a:xfrm>
           <a:prstGeom prst="rect">
@@ -8319,8 +7363,8 @@
         </p:nvSpPr>
         <p:spPr>
           <a:xfrm>
-            <a:off x="324341" y="1433668"/>
-            <a:ext cx="2194560" cy="782265"/>
+            <a:off x="324341" y="1311748"/>
+            <a:ext cx="2273188" cy="705321"/>
           </a:xfrm>
           <a:prstGeom prst="rect">
             <a:avLst/>
@@ -8341,24 +7385,14 @@
               </a:spcBef>
             </a:pPr>
             <a:r>
-              <a:rPr sz="1000">
+              <a:rPr lang="de-DE" sz="900" dirty="0">
                 <a:solidFill>
                   <a:srgbClr val="020302"/>
                 </a:solidFill>
                 <a:latin typeface="AdobeClean-Light"/>
                 <a:cs typeface="AdobeClean-Light"/>
               </a:rPr>
-              <a:t>A designated Technical Account Manager to  oversee your Elite experience, coordinate  the support and field services  engagements, and provide proactive services  to maximize your business valu</a:t>
-            </a:r>
-            <a:r>
-              <a:rPr lang="en-US" sz="1000">
-                <a:solidFill>
-                  <a:srgbClr val="020302"/>
-                </a:solidFill>
-                <a:latin typeface="AdobeClean-Light"/>
-                <a:cs typeface="AdobeClean-Light"/>
-              </a:rPr>
-              <a:t>e.</a:t>
+              <a:t>Ein spezifischer Technical Account Manager, der Ihr Elite-Erlebnis überwacht, die Support- und Außendienstinteraktionen koordiniert und proaktiv Services bereitstellt, um Ihren Unternehmenswert zu maximieren.</a:t>
             </a:r>
           </a:p>
         </p:txBody>
@@ -8371,7 +7405,7 @@
         </p:nvSpPr>
         <p:spPr>
           <a:xfrm>
-            <a:off x="689237" y="1126245"/>
+            <a:off x="689237" y="1004325"/>
             <a:ext cx="2194560" cy="169277"/>
           </a:xfrm>
           <a:prstGeom prst="rect">
@@ -8393,7 +7427,7 @@
               </a:spcBef>
             </a:pPr>
             <a:r>
-              <a:rPr sz="1100" b="1">
+              <a:rPr lang="de-DE" sz="1100" b="1" dirty="0">
                 <a:solidFill>
                   <a:srgbClr val="020302"/>
                 </a:solidFill>
@@ -8402,10 +7436,6 @@
               </a:rPr>
               <a:t>Technical Account Manager</a:t>
             </a:r>
-            <a:endParaRPr sz="1100">
-              <a:latin typeface="Adobe Clean" panose="020B0503020404020204" pitchFamily="34" charset="0"/>
-              <a:cs typeface="Arial"/>
-            </a:endParaRPr>
           </a:p>
         </p:txBody>
       </p:sp>
@@ -8425,7 +7455,7 @@
         </p:blipFill>
         <p:spPr>
           <a:xfrm>
-            <a:off x="228600" y="1066800"/>
+            <a:off x="228600" y="944880"/>
             <a:ext cx="365760" cy="365760"/>
           </a:xfrm>
           <a:prstGeom prst="rect">
@@ -8449,7 +7479,7 @@
         </p:blipFill>
         <p:spPr>
           <a:xfrm>
-            <a:off x="5257800" y="1066800"/>
+            <a:off x="5257800" y="944880"/>
             <a:ext cx="365760" cy="365760"/>
           </a:xfrm>
           <a:prstGeom prst="rect">
@@ -8465,8 +7495,8 @@
         </p:nvSpPr>
         <p:spPr>
           <a:xfrm>
-            <a:off x="2791726" y="5243920"/>
-            <a:ext cx="2194560" cy="499111"/>
+            <a:off x="2791726" y="5122000"/>
+            <a:ext cx="2194560" cy="453329"/>
           </a:xfrm>
           <a:prstGeom prst="rect">
             <a:avLst/>
@@ -8487,49 +7517,15 @@
               </a:spcBef>
             </a:pPr>
             <a:r>
-              <a:rPr sz="1000">
+              <a:rPr lang="de-DE" sz="900" dirty="0">
                 <a:solidFill>
                   <a:srgbClr val="020302"/>
                 </a:solidFill>
                 <a:latin typeface="AdobeClean-Light"/>
                 <a:cs typeface="AdobeClean-Light"/>
               </a:rPr>
-              <a:t>Ongoing knowledge transfer from Adobe  </a:t>
-            </a:r>
-            <a:r>
-              <a:rPr lang="en-US" sz="1000">
-                <a:solidFill>
-                  <a:srgbClr val="020302"/>
-                </a:solidFill>
-                <a:latin typeface="AdobeClean-Light"/>
-                <a:cs typeface="AdobeClean-Light"/>
-              </a:rPr>
-              <a:t>Support team</a:t>
-            </a:r>
-            <a:r>
-              <a:rPr sz="1000">
-                <a:solidFill>
-                  <a:srgbClr val="020302"/>
-                </a:solidFill>
-                <a:latin typeface="AdobeClean-Light"/>
-                <a:cs typeface="AdobeClean-Light"/>
-              </a:rPr>
-              <a:t> to provide </a:t>
-            </a:r>
-            <a:r>
-              <a:rPr lang="en-US" sz="1000">
-                <a:solidFill>
-                  <a:srgbClr val="020302"/>
-                </a:solidFill>
-                <a:latin typeface="AdobeClean-Light"/>
-                <a:cs typeface="AdobeClean-Light"/>
-              </a:rPr>
-              <a:t>best practices around solution usage.</a:t>
-            </a:r>
-            <a:endParaRPr sz="1000">
-              <a:latin typeface="AdobeClean-Light"/>
-              <a:cs typeface="AdobeClean-Light"/>
-            </a:endParaRPr>
+              <a:t>Laufender Wissenstransfer vom Adobe Support-Team, um Best Practices zur Lösungsnutzung bereitzustellen.</a:t>
+            </a:r>
           </a:p>
         </p:txBody>
       </p:sp>
@@ -8541,8 +7537,8 @@
         </p:nvSpPr>
         <p:spPr>
           <a:xfrm>
-            <a:off x="5265661" y="5243920"/>
-            <a:ext cx="2194560" cy="669927"/>
+            <a:off x="5265661" y="5122000"/>
+            <a:ext cx="2194560" cy="914609"/>
           </a:xfrm>
           <a:prstGeom prst="rect">
             <a:avLst/>
@@ -8563,19 +7559,34 @@
               </a:spcBef>
             </a:pPr>
             <a:r>
-              <a:rPr sz="1000">
+              <a:rPr lang="de-DE" sz="900" dirty="0">
                 <a:solidFill>
                   <a:srgbClr val="020302"/>
                 </a:solidFill>
                 <a:latin typeface="AdobeClean-Light"/>
                 <a:cs typeface="AdobeClean-Light"/>
               </a:rPr>
-              <a:t>Manage key events to ensure you have the  right level of support, coverage, and  mitigation plan in place during those key  business and project milestones.</a:t>
-            </a:r>
-            <a:endParaRPr sz="1000">
-              <a:latin typeface="AdobeClean-Light"/>
-              <a:cs typeface="AdobeClean-Light"/>
-            </a:endParaRPr>
+              <a:t>Verwalten Sie wichtige Ereignisse, um sicherzustellen, dass Sie während dieser zentralen Unternehmens- und Projekt-Milestones über angemessenen Support, entsprechende Abdeckung und einen Plan </a:t>
+            </a:r>
+            <a:br>
+              <a:rPr lang="de-DE" sz="900" dirty="0">
+                <a:solidFill>
+                  <a:srgbClr val="020302"/>
+                </a:solidFill>
+                <a:latin typeface="AdobeClean-Light"/>
+                <a:cs typeface="AdobeClean-Light"/>
+              </a:rPr>
+            </a:br>
+            <a:r>
+              <a:rPr lang="de-DE" sz="900" dirty="0">
+                <a:solidFill>
+                  <a:srgbClr val="020302"/>
+                </a:solidFill>
+                <a:latin typeface="AdobeClean-Light"/>
+                <a:cs typeface="AdobeClean-Light"/>
+              </a:rPr>
+              <a:t>mit Sicherheitsmechanismen verfügen.</a:t>
+            </a:r>
           </a:p>
         </p:txBody>
       </p:sp>
@@ -8587,8 +7598,8 @@
         </p:nvSpPr>
         <p:spPr>
           <a:xfrm>
-            <a:off x="324341" y="5262204"/>
-            <a:ext cx="2194560" cy="698781"/>
+            <a:off x="324341" y="5140284"/>
+            <a:ext cx="2194560" cy="793743"/>
           </a:xfrm>
           <a:prstGeom prst="rect">
             <a:avLst/>
@@ -8609,19 +7620,15 @@
               </a:spcBef>
             </a:pPr>
             <a:r>
-              <a:rPr sz="1000">
+              <a:rPr lang="de-DE" sz="900" dirty="0">
                 <a:solidFill>
                   <a:srgbClr val="020302"/>
                 </a:solidFill>
                 <a:latin typeface="AdobeClean-Light"/>
                 <a:cs typeface="AdobeClean-Light"/>
               </a:rPr>
-              <a:t>Receive personalized guidance on new  product features to take advantage of  latest innovations, and have Adobe  experts review release and upgrade plan.</a:t>
-            </a:r>
-            <a:endParaRPr sz="1000">
-              <a:latin typeface="AdobeClean-Light"/>
-              <a:cs typeface="AdobeClean-Light"/>
-            </a:endParaRPr>
+              <a:t>Sie erhalten personalisierte Anleitungen zu neuen Produktfunktionen, um die neuesten Innovationen nutzen zu können, und eine Prüfung des Veröffentlichungs- und Aktualisierungsplans durch Adobe-Experten.</a:t>
+            </a:r>
           </a:p>
         </p:txBody>
       </p:sp>
@@ -8633,8 +7640,8 @@
         </p:nvSpPr>
         <p:spPr>
           <a:xfrm>
-            <a:off x="97787" y="9888626"/>
-            <a:ext cx="2202180" cy="149860"/>
+            <a:off x="97786" y="9888626"/>
+            <a:ext cx="2584453" cy="133370"/>
           </a:xfrm>
           <a:prstGeom prst="rect">
             <a:avLst/>
@@ -8655,99 +7662,15 @@
               </a:spcBef>
             </a:pPr>
             <a:r>
-              <a:rPr sz="800" spc="-15">
+              <a:rPr lang="de-DE" sz="800" dirty="0">
                 <a:solidFill>
                   <a:srgbClr val="6D6D6D"/>
                 </a:solidFill>
                 <a:latin typeface="Adobe Clean"/>
                 <a:cs typeface="Adobe Clean"/>
               </a:rPr>
-              <a:t>©2021 </a:t>
-            </a:r>
-            <a:r>
-              <a:rPr sz="800" spc="-5">
-                <a:solidFill>
-                  <a:srgbClr val="6D6D6D"/>
-                </a:solidFill>
-                <a:latin typeface="Adobe Clean"/>
-                <a:cs typeface="Adobe Clean"/>
-              </a:rPr>
-              <a:t>Adobe. All</a:t>
-            </a:r>
-            <a:r>
-              <a:rPr sz="800" spc="-15">
-                <a:solidFill>
-                  <a:srgbClr val="6D6D6D"/>
-                </a:solidFill>
-                <a:latin typeface="Adobe Clean"/>
-                <a:cs typeface="Adobe Clean"/>
-              </a:rPr>
-              <a:t> Rights</a:t>
-            </a:r>
-            <a:r>
-              <a:rPr sz="800" spc="-5">
-                <a:solidFill>
-                  <a:srgbClr val="6D6D6D"/>
-                </a:solidFill>
-                <a:latin typeface="Adobe Clean"/>
-                <a:cs typeface="Adobe Clean"/>
-              </a:rPr>
-              <a:t> </a:t>
-            </a:r>
-            <a:r>
-              <a:rPr sz="800" spc="-15">
-                <a:solidFill>
-                  <a:srgbClr val="6D6D6D"/>
-                </a:solidFill>
-                <a:latin typeface="Adobe Clean"/>
-                <a:cs typeface="Adobe Clean"/>
-              </a:rPr>
-              <a:t>Reserved.</a:t>
-            </a:r>
-            <a:r>
-              <a:rPr sz="800" spc="-10">
-                <a:solidFill>
-                  <a:srgbClr val="6D6D6D"/>
-                </a:solidFill>
-                <a:latin typeface="Adobe Clean"/>
-                <a:cs typeface="Adobe Clean"/>
-              </a:rPr>
-              <a:t> </a:t>
-            </a:r>
-            <a:r>
-              <a:rPr sz="800" spc="-5">
-                <a:solidFill>
-                  <a:srgbClr val="6D6D6D"/>
-                </a:solidFill>
-                <a:latin typeface="Adobe Clean"/>
-                <a:cs typeface="Adobe Clean"/>
-              </a:rPr>
-              <a:t>Adobe</a:t>
-            </a:r>
-            <a:r>
-              <a:rPr sz="800" spc="65">
-                <a:solidFill>
-                  <a:srgbClr val="6D6D6D"/>
-                </a:solidFill>
-                <a:latin typeface="Adobe Clean"/>
-                <a:cs typeface="Adobe Clean"/>
-              </a:rPr>
-              <a:t> </a:t>
-            </a:r>
-            <a:r>
-              <a:rPr sz="800" spc="-15">
-                <a:solidFill>
-                  <a:srgbClr val="6D6D6D"/>
-                </a:solidFill>
-                <a:latin typeface="Adobe Clean"/>
-                <a:cs typeface="Adobe Clean"/>
-              </a:rPr>
-              <a:t>Confidential.</a:t>
-            </a:r>
-            <a:endParaRPr sz="800">
-              <a:latin typeface="Adobe Clean"/>
-              <a:cs typeface="Adobe Clean"/>
-            </a:endParaRPr>
+              <a:t>©2021 Adobe. All Rights Reserved. Adobe Confidential.</a:t>
+            </a:r>
           </a:p>
         </p:txBody>
       </p:sp>
@@ -8782,7 +7705,7 @@
         </p:blipFill>
         <p:spPr>
           <a:xfrm>
-            <a:off x="228599" y="2472569"/>
+            <a:off x="228599" y="2350649"/>
             <a:ext cx="365760" cy="365760"/>
           </a:xfrm>
           <a:prstGeom prst="rect">
@@ -8805,7 +7728,7 @@
         <p:spPr>
           <a:xfrm>
             <a:off x="2791726" y="9060487"/>
-            <a:ext cx="2194560" cy="487313"/>
+            <a:ext cx="2194560" cy="718145"/>
           </a:xfrm>
           <a:prstGeom prst="rect">
             <a:avLst/>
@@ -8829,154 +7752,33 @@
               </a:tabLst>
             </a:pPr>
             <a:r>
-              <a:rPr sz="1000" spc="-20">
+              <a:rPr lang="de-DE" sz="900" dirty="0">
                 <a:solidFill>
                   <a:srgbClr val="020302"/>
                 </a:solidFill>
                 <a:latin typeface="AdobeClean-Light"/>
                 <a:cs typeface="AdobeClean-Light"/>
               </a:rPr>
-              <a:t>Start </a:t>
-            </a:r>
-            <a:r>
-              <a:rPr sz="1000">
+              <a:t>Starten Sie eine Chat-Session, </a:t>
+            </a:r>
+            <a:br>
+              <a:rPr lang="de-DE" sz="900" dirty="0">
                 <a:solidFill>
                   <a:srgbClr val="020302"/>
                 </a:solidFill>
                 <a:latin typeface="AdobeClean-Light"/>
                 <a:cs typeface="AdobeClean-Light"/>
               </a:rPr>
-              <a:t>a </a:t>
-            </a:r>
-            <a:r>
-              <a:rPr sz="1000" spc="-15">
+            </a:br>
+            <a:r>
+              <a:rPr lang="de-DE" sz="900" dirty="0">
                 <a:solidFill>
                   <a:srgbClr val="020302"/>
                 </a:solidFill>
                 <a:latin typeface="AdobeClean-Light"/>
                 <a:cs typeface="AdobeClean-Light"/>
               </a:rPr>
-              <a:t>chat </a:t>
-            </a:r>
-            <a:r>
-              <a:rPr sz="1000" spc="-10">
-                <a:solidFill>
-                  <a:srgbClr val="020302"/>
-                </a:solidFill>
-                <a:latin typeface="AdobeClean-Light"/>
-                <a:cs typeface="AdobeClean-Light"/>
-              </a:rPr>
-              <a:t>session </a:t>
-            </a:r>
-            <a:r>
-              <a:rPr sz="1000" spc="-5">
-                <a:solidFill>
-                  <a:srgbClr val="020302"/>
-                </a:solidFill>
-                <a:latin typeface="AdobeClean-Light"/>
-                <a:cs typeface="AdobeClean-Light"/>
-              </a:rPr>
-              <a:t>to </a:t>
-            </a:r>
-            <a:r>
-              <a:rPr sz="1000" spc="-10">
-                <a:solidFill>
-                  <a:srgbClr val="020302"/>
-                </a:solidFill>
-                <a:latin typeface="AdobeClean-Light"/>
-                <a:cs typeface="AdobeClean-Light"/>
-              </a:rPr>
-              <a:t>get </a:t>
-            </a:r>
-            <a:r>
-              <a:rPr sz="1000" spc="-20">
-                <a:solidFill>
-                  <a:srgbClr val="020302"/>
-                </a:solidFill>
-                <a:latin typeface="AdobeClean-Light"/>
-                <a:cs typeface="AdobeClean-Light"/>
-              </a:rPr>
-              <a:t>answers</a:t>
-            </a:r>
-            <a:r>
-              <a:rPr lang="en-US" sz="1000" spc="-45">
-                <a:solidFill>
-                  <a:srgbClr val="020302"/>
-                </a:solidFill>
-                <a:latin typeface="AdobeClean-Light"/>
-                <a:cs typeface="AdobeClean-Light"/>
-              </a:rPr>
-              <a:t> </a:t>
-            </a:r>
-            <a:r>
-              <a:rPr lang="en-US" sz="1000">
-                <a:solidFill>
-                  <a:srgbClr val="020302"/>
-                </a:solidFill>
-                <a:latin typeface="AdobeClean-Light"/>
-                <a:cs typeface="AdobeClean-Light"/>
-              </a:rPr>
-              <a:t>&amp; </a:t>
-            </a:r>
-            <a:r>
-              <a:rPr sz="1000" spc="-15">
-                <a:solidFill>
-                  <a:srgbClr val="020302"/>
-                </a:solidFill>
-                <a:latin typeface="AdobeClean-Light"/>
-                <a:cs typeface="AdobeClean-Light"/>
-              </a:rPr>
-              <a:t>help </a:t>
-            </a:r>
-            <a:r>
-              <a:rPr sz="1000" spc="-10">
-                <a:solidFill>
-                  <a:srgbClr val="020302"/>
-                </a:solidFill>
-                <a:latin typeface="AdobeClean-Light"/>
-                <a:cs typeface="AdobeClean-Light"/>
-              </a:rPr>
-              <a:t>with</a:t>
-            </a:r>
-            <a:r>
-              <a:rPr sz="1000" spc="85">
-                <a:solidFill>
-                  <a:srgbClr val="020302"/>
-                </a:solidFill>
-                <a:latin typeface="AdobeClean-Light"/>
-                <a:cs typeface="AdobeClean-Light"/>
-              </a:rPr>
-              <a:t> </a:t>
-            </a:r>
-            <a:r>
-              <a:rPr sz="1000" spc="-10">
-                <a:solidFill>
-                  <a:srgbClr val="020302"/>
-                </a:solidFill>
-                <a:latin typeface="AdobeClean-Light"/>
-                <a:cs typeface="AdobeClean-Light"/>
-              </a:rPr>
-              <a:t>case </a:t>
-            </a:r>
-            <a:r>
-              <a:rPr sz="1000" spc="-20">
-                <a:solidFill>
-                  <a:srgbClr val="020302"/>
-                </a:solidFill>
-                <a:latin typeface="AdobeClean-Light"/>
-                <a:cs typeface="AdobeClean-Light"/>
-              </a:rPr>
-              <a:t>submission</a:t>
-            </a:r>
-            <a:r>
-              <a:rPr lang="en-US" sz="1000" spc="-20">
-                <a:solidFill>
-                  <a:srgbClr val="020302"/>
-                </a:solidFill>
-                <a:latin typeface="AdobeClean-Light"/>
-                <a:cs typeface="AdobeClean-Light"/>
-              </a:rPr>
-              <a:t>.</a:t>
+              <a:t>um Antworten und Hilfe bei der Fallübermittlung zu erhalten.</a:t>
             </a:r>
           </a:p>
           <a:p>
@@ -8992,39 +7794,34 @@
               </a:tabLst>
             </a:pPr>
             <a:r>
-              <a:rPr sz="1000" i="1" spc="-10">
+              <a:rPr lang="de-DE" sz="900" i="1" dirty="0">
                 <a:solidFill>
                   <a:srgbClr val="7A7A7A"/>
                 </a:solidFill>
                 <a:latin typeface="AdobeClean-LightIt"/>
                 <a:cs typeface="AdobeClean-LightIt"/>
               </a:rPr>
-              <a:t>*Not all </a:t>
-            </a:r>
-            <a:r>
-              <a:rPr sz="1000" i="1" spc="-20">
+              <a:t>*Nicht alle Produkte verfügen über </a:t>
+            </a:r>
+            <a:br>
+              <a:rPr lang="de-DE" sz="900" i="1" dirty="0">
                 <a:solidFill>
                   <a:srgbClr val="7A7A7A"/>
                 </a:solidFill>
                 <a:latin typeface="AdobeClean-LightIt"/>
                 <a:cs typeface="AdobeClean-LightIt"/>
               </a:rPr>
-              <a:t>products have live chat support</a:t>
-            </a:r>
-            <a:r>
-              <a:rPr sz="900" i="1" spc="-20">
+            </a:br>
+            <a:r>
+              <a:rPr lang="de-DE" sz="900" i="1" dirty="0">
                 <a:solidFill>
                   <a:srgbClr val="7A7A7A"/>
                 </a:solidFill>
                 <a:latin typeface="AdobeClean-LightIt"/>
                 <a:cs typeface="AdobeClean-LightIt"/>
               </a:rPr>
-              <a:t>.  </a:t>
-            </a:r>
-            <a:endParaRPr sz="900">
-              <a:latin typeface="AdobeClean-Light"/>
-              <a:cs typeface="AdobeClean-Light"/>
-            </a:endParaRPr>
+              <a:t>Live-Chat-Support.  </a:t>
+            </a:r>
           </a:p>
         </p:txBody>
       </p:sp>
@@ -9071,12 +7868,12 @@
               <a:defRPr/>
             </a:pPr>
             <a:r>
-              <a:rPr lang="en-US" sz="1200">
+              <a:rPr lang="de-DE" sz="1200">
                 <a:solidFill>
                   <a:srgbClr val="000000"/>
                 </a:solidFill>
               </a:rPr>
-              <a:t>Community Forums</a:t>
+              <a:t>Community-Foren</a:t>
             </a:r>
           </a:p>
         </p:txBody>
@@ -9119,12 +7916,12 @@
               </a:spcAft>
             </a:pPr>
             <a:r>
-              <a:rPr lang="en-US" sz="1200" b="1">
+              <a:rPr lang="de-DE" sz="1200" b="1">
                 <a:latin typeface="+mj-lt"/>
                 <a:ea typeface="Open Sans" pitchFamily="34" charset="0"/>
                 <a:cs typeface="Open Sans" pitchFamily="34" charset="0"/>
               </a:rPr>
-              <a:t>Online Forums</a:t>
+              <a:t>Online-Foren</a:t>
             </a:r>
           </a:p>
         </p:txBody>
@@ -9144,7 +7941,7 @@
         <p:spPr>
           <a:xfrm>
             <a:off x="324341" y="7152361"/>
-            <a:ext cx="2194560" cy="959237"/>
+            <a:ext cx="2194560" cy="866904"/>
           </a:xfrm>
           <a:prstGeom prst="rect">
             <a:avLst/>
@@ -9157,13 +7954,13 @@
           <a:lstStyle/>
           <a:p>
             <a:r>
-              <a:rPr lang="en-US" sz="1000">
+              <a:rPr lang="de-DE" sz="900" dirty="0">
                 <a:solidFill>
                   <a:srgbClr val="4B4B4B"/>
                 </a:solidFill>
                 <a:latin typeface="Adobe Clean Light" panose="020B0303020404020204" pitchFamily="34" charset="0"/>
               </a:rPr>
-              <a:t>Continuous online access to a growing database of technical solutions, product documentation, FAQs and more. Connect with practitioners and other customers on Adobe Community to share best practices and lessons learned.</a:t>
+              <a:t>Kontinuierlicher Online-Zugriff auf eine wachsende Datenbank technischer Lösungen, Produktdokumentationen, FAQs und mehr. Tauschen Sie sich mit Fachleuten und anderen Kunden in der Adobe-Community über Best Practices und Erfahrungen aus.</a:t>
             </a:r>
           </a:p>
         </p:txBody>
@@ -9211,7 +8008,7 @@
               <a:defRPr/>
             </a:pPr>
             <a:r>
-              <a:rPr lang="en-US" sz="1200">
+              <a:rPr lang="de-DE" sz="1200">
                 <a:solidFill>
                   <a:srgbClr val="000000"/>
                 </a:solidFill>
@@ -9259,12 +8056,12 @@
               </a:spcAft>
             </a:pPr>
             <a:r>
-              <a:rPr lang="en-US" sz="1200" b="1">
+              <a:rPr lang="de-DE" sz="1200" b="1">
                 <a:latin typeface="+mj-lt"/>
                 <a:ea typeface="Open Sans" pitchFamily="34" charset="0"/>
                 <a:cs typeface="Open Sans" pitchFamily="34" charset="0"/>
               </a:rPr>
-              <a:t>Self-guided Journeys</a:t>
+              <a:t>Journeys für die Selbsthilfe</a:t>
             </a:r>
           </a:p>
         </p:txBody>
@@ -9284,7 +8081,7 @@
         <p:spPr>
           <a:xfrm>
             <a:off x="5265661" y="7152361"/>
-            <a:ext cx="2194560" cy="1113125"/>
+            <a:ext cx="2194560" cy="1005403"/>
           </a:xfrm>
           <a:prstGeom prst="rect">
             <a:avLst/>
@@ -9297,13 +8094,13 @@
           <a:lstStyle/>
           <a:p>
             <a:r>
-              <a:rPr lang="en-US" sz="1000">
+              <a:rPr lang="de-DE" sz="900" dirty="0">
                 <a:solidFill>
                   <a:srgbClr val="4B4B4B"/>
                 </a:solidFill>
                 <a:latin typeface="Adobe Clean Light" panose="020B0303020404020204" pitchFamily="34" charset="0"/>
               </a:rPr>
-              <a:t>Experience Makers are made with Experience League. Customers can kickstart their Customer Experience Management abilities with personalized learning to develop skills, engage with a global community of peers, and earn career advancing recognition.</a:t>
+              <a:t>Experience Maker entstehen in der Experience League. Kunden können durch personalisiertes Lernen ihre Customer-Experience-Management-Fähigkeiten entwickeln, mit einer globalen Community anderer Anwender interagieren und so ihre eigene Karriere fördern.</a:t>
             </a:r>
           </a:p>
         </p:txBody>
@@ -9351,12 +8148,12 @@
               <a:defRPr/>
             </a:pPr>
             <a:r>
-              <a:rPr lang="en-US" sz="1200">
+              <a:rPr lang="de-DE" sz="1200">
                 <a:solidFill>
                   <a:srgbClr val="000000"/>
                 </a:solidFill>
               </a:rPr>
-              <a:t>Live Chat  Support*</a:t>
+              <a:t>Live-Chat-Support*</a:t>
             </a:r>
           </a:p>
         </p:txBody>
@@ -9399,12 +8196,12 @@
               </a:spcAft>
             </a:pPr>
             <a:r>
-              <a:rPr lang="en-US" sz="1200" b="1">
+              <a:rPr lang="de-DE" sz="1200" b="1">
                 <a:latin typeface="+mj-lt"/>
                 <a:ea typeface="Open Sans" pitchFamily="34" charset="0"/>
                 <a:cs typeface="Open Sans" pitchFamily="34" charset="0"/>
               </a:rPr>
-              <a:t>Chat Support</a:t>
+              <a:t>Chat-Support</a:t>
             </a:r>
           </a:p>
         </p:txBody>
@@ -9452,7 +8249,7 @@
               <a:defRPr/>
             </a:pPr>
             <a:r>
-              <a:rPr lang="en-US" sz="1200">
+              <a:rPr lang="de-DE" sz="1200">
                 <a:solidFill>
                   <a:srgbClr val="000000"/>
                 </a:solidFill>
@@ -9500,12 +8297,12 @@
               </a:spcAft>
             </a:pPr>
             <a:r>
-              <a:rPr lang="en-US" sz="1200" b="1">
+              <a:rPr lang="de-DE" sz="1200" b="1">
                 <a:latin typeface="+mj-lt"/>
                 <a:ea typeface="Open Sans" pitchFamily="34" charset="0"/>
                 <a:cs typeface="Open Sans" pitchFamily="34" charset="0"/>
               </a:rPr>
-              <a:t>Phone  Support</a:t>
+              <a:t>Telefonischer Support</a:t>
             </a:r>
           </a:p>
         </p:txBody>
@@ -9525,7 +8322,7 @@
         <p:spPr>
           <a:xfrm>
             <a:off x="2791726" y="7152361"/>
-            <a:ext cx="2194560" cy="805349"/>
+            <a:ext cx="2194560" cy="866904"/>
           </a:xfrm>
           <a:prstGeom prst="rect">
             <a:avLst/>
@@ -9538,35 +8335,29 @@
           <a:lstStyle/>
           <a:p>
             <a:r>
-              <a:rPr lang="en-US" sz="1000">
+              <a:rPr lang="de-DE" sz="900" dirty="0">
                 <a:solidFill>
                   <a:srgbClr val="020302"/>
                 </a:solidFill>
                 <a:latin typeface="AdobeClean-Light"/>
               </a:rPr>
-              <a:t>Authorized users or </a:t>
-            </a:r>
-            <a:r>
-              <a:rPr lang="en-US" sz="1000" b="1">
+              <a:t>Autorisierte Anwender oder </a:t>
+            </a:r>
+            <a:r>
+              <a:rPr lang="de-DE" sz="900" b="1" dirty="0">
                 <a:solidFill>
                   <a:srgbClr val="020302"/>
                 </a:solidFill>
                 <a:latin typeface="AdobeClean-Light"/>
               </a:rPr>
-              <a:t>Named Support Contacts </a:t>
-            </a:r>
-            <a:r>
-              <a:rPr lang="en-US" sz="1000">
+              <a:t>spezifische Support-Kontakte</a:t>
+            </a:r>
+            <a:r>
+              <a:rPr lang="de-DE" sz="900" dirty="0">
                 <a:latin typeface="Adobe Clean Light" panose="020B0303020404020204" pitchFamily="34" charset="0"/>
               </a:rPr>
-              <a:t>can submit issues through all available  channels (including phone for P1) and interact with our technical support team on behalf of your company. </a:t>
-            </a:r>
-            <a:endParaRPr lang="en-US" sz="1000">
-              <a:solidFill>
-                <a:srgbClr val="000000"/>
-              </a:solidFill>
-              <a:latin typeface="Adobe Clean Light" panose="020B0303020404020204" pitchFamily="34" charset="0"/>
-            </a:endParaRPr>
+              <a:t> können Probleme über alle verfügbaren Kanäle (einschließlich Telefon für P1) einreichen und im Namen Ihres Unternehmens mit unserem technischen Support-Team interagieren. </a:t>
+            </a:r>
           </a:p>
         </p:txBody>
       </p:sp>
@@ -9661,7 +8452,7 @@
               <a:defRPr/>
             </a:pPr>
             <a:r>
-              <a:rPr lang="en-US" sz="1200">
+              <a:rPr lang="de-DE" sz="1200">
                 <a:solidFill>
                   <a:srgbClr val="000000"/>
                 </a:solidFill>
@@ -9709,12 +8500,12 @@
               </a:spcAft>
             </a:pPr>
             <a:r>
-              <a:rPr lang="en-US" sz="1200" b="1">
+              <a:rPr lang="de-DE" sz="1200" b="1">
                 <a:latin typeface="+mj-lt"/>
                 <a:ea typeface="Open Sans" pitchFamily="34" charset="0"/>
                 <a:cs typeface="Open Sans" pitchFamily="34" charset="0"/>
               </a:rPr>
-              <a:t>Webinars</a:t>
+              <a:t>Webinare</a:t>
             </a:r>
           </a:p>
         </p:txBody>
@@ -9734,7 +8525,7 @@
         <p:spPr>
           <a:xfrm>
             <a:off x="355868" y="9026059"/>
-            <a:ext cx="2194560" cy="805349"/>
+            <a:ext cx="2326372" cy="728405"/>
           </a:xfrm>
           <a:prstGeom prst="rect">
             <a:avLst/>
@@ -9747,13 +8538,13 @@
           <a:lstStyle/>
           <a:p>
             <a:r>
-              <a:rPr lang="en-US" sz="1000">
+              <a:rPr lang="de-DE" sz="900" dirty="0">
                 <a:solidFill>
                   <a:srgbClr val="4B4B4B"/>
                 </a:solidFill>
                 <a:latin typeface="Adobe Clean Light" panose="020B0303020404020204" pitchFamily="34" charset="0"/>
               </a:rPr>
-              <a:t>Office Hours led by the Adobe Customer Support team includes sessions designed to inform as well as help participants troubleshoot problems and provide tips and tricks for success with Adobe solutions. </a:t>
+              <a:t>Die vom Adobe Support-Team geleitete Office Hours-Reihe umfasst Sessions mit informativem Inhalt sowie Angebote zur Problembehebung sowie Tipps und Tricks für den Erfolg bei der Nutzung von Adobe-Lösungen. </a:t>
             </a:r>
           </a:p>
         </p:txBody>
@@ -9801,12 +8592,12 @@
               <a:defRPr/>
             </a:pPr>
             <a:r>
-              <a:rPr lang="en-US" sz="1200">
+              <a:rPr lang="de-DE" sz="1200">
                 <a:solidFill>
                   <a:srgbClr val="000000"/>
                 </a:solidFill>
               </a:rPr>
-              <a:t>Self-help Portals</a:t>
+              <a:t>Selbsthilfe-Portale</a:t>
             </a:r>
           </a:p>
         </p:txBody>
@@ -9849,12 +8640,12 @@
               </a:spcAft>
             </a:pPr>
             <a:r>
-              <a:rPr lang="en-US" sz="1200" b="1">
+              <a:rPr lang="de-DE" sz="1200" b="1">
                 <a:latin typeface="+mj-lt"/>
                 <a:ea typeface="Open Sans" pitchFamily="34" charset="0"/>
                 <a:cs typeface="Open Sans" pitchFamily="34" charset="0"/>
               </a:rPr>
-              <a:t>24/7 Support Portal</a:t>
+              <a:t>24/7-Support-Portal</a:t>
             </a:r>
           </a:p>
         </p:txBody>
@@ -9874,7 +8665,7 @@
         <p:spPr>
           <a:xfrm>
             <a:off x="5265661" y="8987081"/>
-            <a:ext cx="2194560" cy="805349"/>
+            <a:ext cx="2194560" cy="866904"/>
           </a:xfrm>
           <a:prstGeom prst="rect">
             <a:avLst/>
@@ -9887,16 +8678,16 @@
           <a:lstStyle/>
           <a:p>
             <a:r>
-              <a:rPr lang="en-US" sz="1000">
+              <a:rPr lang="de-DE" sz="900" dirty="0">
                 <a:solidFill>
                   <a:srgbClr val="4B4B4B"/>
                 </a:solidFill>
                 <a:latin typeface="Adobe Clean Light" panose="020B0303020404020204" pitchFamily="34" charset="0"/>
               </a:rPr>
-              <a:t>On-demand access to the online </a:t>
+              <a:t>On-Demand-Zugriff auf das Online-Selbsthilfe-Support-Portal, um Support-Anfragen einzureichen, den Fallstatus zu überprüfen </a:t>
             </a:r>
             <a:br>
-              <a:rPr lang="en-US" sz="1000">
+              <a:rPr lang="de-DE" sz="900" dirty="0">
                 <a:solidFill>
                   <a:srgbClr val="4B4B4B"/>
                 </a:solidFill>
@@ -9904,13 +8695,13 @@
               </a:rPr>
             </a:br>
             <a:r>
-              <a:rPr lang="en-US" sz="1000">
+              <a:rPr lang="de-DE" sz="900" dirty="0">
                 <a:solidFill>
                   <a:srgbClr val="4B4B4B"/>
                 </a:solidFill>
                 <a:latin typeface="Adobe Clean Light" panose="020B0303020404020204" pitchFamily="34" charset="0"/>
               </a:rPr>
-              <a:t>Self-help Support Portal to submit support requests, review case status, and browse other resources, like our knowledgebase, news and alerts, featured tips, and more.</a:t>
+              <a:t>und andere Ressourcen zu durchsuchen, z. B. unsere Wissensdatenbank, Neuigkeiten und Hinweise, spezielle Tipps und mehr.</a:t>
             </a:r>
           </a:p>
         </p:txBody>
@@ -10240,19 +9031,15 @@
               </a:spcBef>
             </a:pPr>
             <a:r>
-              <a:rPr lang="en-US" sz="1400" b="1" dirty="0">
+              <a:rPr lang="de-DE" sz="1400" b="1">
                 <a:solidFill>
                   <a:srgbClr val="020302"/>
                 </a:solidFill>
                 <a:latin typeface="Adobe Clean"/>
                 <a:cs typeface="Adobe Clean"/>
               </a:rPr>
-              <a:t>Standard Support Features</a:t>
-            </a:r>
-            <a:endParaRPr lang="en-US" sz="1400" dirty="0">
-              <a:latin typeface="Adobe Clean"/>
-              <a:cs typeface="Adobe Clean"/>
-            </a:endParaRPr>
+              <a:t>Umfang von Standard Support</a:t>
+            </a:r>
           </a:p>
         </p:txBody>
       </p:sp>
@@ -10270,8 +9057,8 @@
         </p:nvGrpSpPr>
         <p:grpSpPr>
           <a:xfrm rot="5400000">
-            <a:off x="1113102" y="-747421"/>
-            <a:ext cx="5753361" cy="7931849"/>
+            <a:off x="1098603" y="-732924"/>
+            <a:ext cx="5782355" cy="7931849"/>
             <a:chOff x="-247019" y="421767"/>
             <a:chExt cx="3875281" cy="7641336"/>
           </a:xfrm>
@@ -10397,7 +9184,7 @@
         </p:nvSpPr>
         <p:spPr>
           <a:xfrm rot="5400000" flipH="1">
-            <a:off x="3863341" y="1912620"/>
+            <a:off x="3863341" y="1790700"/>
             <a:ext cx="45719" cy="5577840"/>
           </a:xfrm>
           <a:custGeom>
@@ -10452,15 +9239,15 @@
         </p:nvSpPr>
         <p:spPr>
           <a:xfrm>
-            <a:off x="324341" y="4031705"/>
-            <a:ext cx="2194560" cy="499111"/>
+            <a:off x="324341" y="3909785"/>
+            <a:ext cx="2273188" cy="607089"/>
           </a:xfrm>
           <a:prstGeom prst="rect">
             <a:avLst/>
           </a:prstGeom>
         </p:spPr>
         <p:txBody>
-          <a:bodyPr lIns="0" tIns="0" rIns="0" bIns="0">
+          <a:bodyPr wrap="square" lIns="0" tIns="0" rIns="0" bIns="0">
             <a:spAutoFit/>
           </a:bodyPr>
           <a:lstStyle/>
@@ -10474,22 +9261,15 @@
               </a:spcBef>
             </a:pPr>
             <a:r>
-              <a:rPr lang="en-US" sz="1000">
+              <a:rPr lang="de-DE" sz="900" dirty="0">
                 <a:solidFill>
                   <a:srgbClr val="020302"/>
                 </a:solidFill>
                 <a:latin typeface="AdobeClean-Light"/>
                 <a:cs typeface="AdobeClean-Light"/>
               </a:rPr>
-              <a:t>Proactive review of your solution  deployment, configuration, and overall  architecture, including integrations.</a:t>
-            </a:r>
-            <a:endParaRPr lang="en-US" sz="1000">
-              <a:solidFill>
-                <a:prstClr val="black"/>
-              </a:solidFill>
-              <a:latin typeface="AdobeClean-Light"/>
-              <a:cs typeface="AdobeClean-Light"/>
-            </a:endParaRPr>
+              <a:t>Proaktive Prüfung Ihrer Lösungsimplementierung, -konfiguration und -architektur, einschließlich Integrationen.</a:t>
+            </a:r>
           </a:p>
         </p:txBody>
       </p:sp>
@@ -10507,8 +9287,8 @@
         </p:nvSpPr>
         <p:spPr>
           <a:xfrm>
-            <a:off x="5265661" y="4031705"/>
-            <a:ext cx="2194560" cy="652615"/>
+            <a:off x="5265661" y="3909785"/>
+            <a:ext cx="2194560" cy="591444"/>
           </a:xfrm>
           <a:prstGeom prst="rect">
             <a:avLst/>
@@ -10529,22 +9309,15 @@
               </a:spcBef>
             </a:pPr>
             <a:r>
-              <a:rPr lang="en-US" sz="1000">
+              <a:rPr lang="de-DE" sz="900" dirty="0">
                 <a:solidFill>
                   <a:srgbClr val="020302"/>
                 </a:solidFill>
                 <a:latin typeface="AdobeClean-Light"/>
                 <a:cs typeface="AdobeClean-Light"/>
               </a:rPr>
-              <a:t>Receive maintenance best practices and latest  fixes (SPs, MR, patches, FPs) to remain up-to-  date on all maintenance checks.</a:t>
-            </a:r>
-            <a:endParaRPr lang="en-US" sz="1000">
-              <a:solidFill>
-                <a:prstClr val="black"/>
-              </a:solidFill>
-              <a:latin typeface="AdobeClean-Light"/>
-              <a:cs typeface="AdobeClean-Light"/>
-            </a:endParaRPr>
+              <a:t>Sie erhalten Best Practices für die Wartung und aktuelle Fehlerbehebungen (SPs, MR, Patches, FPs), damit Sie bei allen Wartung-sprüfungen auf dem neuesten Stand sind.</a:t>
+            </a:r>
           </a:p>
         </p:txBody>
       </p:sp>
@@ -10562,8 +9335,8 @@
         </p:nvSpPr>
         <p:spPr>
           <a:xfrm>
-            <a:off x="2852427" y="2847845"/>
-            <a:ext cx="2194560" cy="615553"/>
+            <a:off x="2852427" y="2725925"/>
+            <a:ext cx="2194560" cy="553998"/>
           </a:xfrm>
           <a:prstGeom prst="rect">
             <a:avLst/>
@@ -10581,22 +9354,15 @@
               </a:spcBef>
             </a:pPr>
             <a:r>
-              <a:rPr lang="en-US" sz="1000">
+              <a:rPr lang="de-DE" sz="900">
                 <a:solidFill>
                   <a:srgbClr val="4B4B4B"/>
                 </a:solidFill>
                 <a:latin typeface="AdobeClean-Light"/>
                 <a:cs typeface="AdobeClean-Light"/>
               </a:rPr>
-              <a:t>A regular review of Elite program services, support metrics, and deliverables, including a forward-looking plan</a:t>
-            </a:r>
-            <a:endParaRPr lang="en-US" sz="1000">
-              <a:solidFill>
-                <a:prstClr val="black"/>
-              </a:solidFill>
-              <a:latin typeface="AdobeClean-Light"/>
-              <a:cs typeface="AdobeClean-Light"/>
-            </a:endParaRPr>
+              <a:t>Fortlaufende Prüfung der Services, Support-Metriken und Bereitstellungen des Elite-Programms, einschließlich eines zukunftsorientierten Plans</a:t>
+            </a:r>
           </a:p>
         </p:txBody>
       </p:sp>
@@ -10614,8 +9380,8 @@
         </p:nvSpPr>
         <p:spPr>
           <a:xfrm>
-            <a:off x="5431520" y="2854370"/>
-            <a:ext cx="2194560" cy="615553"/>
+            <a:off x="5431520" y="2732450"/>
+            <a:ext cx="2194560" cy="553998"/>
           </a:xfrm>
           <a:prstGeom prst="rect">
             <a:avLst/>
@@ -10633,22 +9399,15 @@
               </a:spcBef>
             </a:pPr>
             <a:r>
-              <a:rPr lang="en-US" sz="1000">
+              <a:rPr lang="de-DE" sz="900" dirty="0">
                 <a:solidFill>
                   <a:srgbClr val="4B4B4B"/>
                 </a:solidFill>
                 <a:latin typeface="AdobeClean-Light"/>
                 <a:cs typeface="AdobeClean-Light"/>
               </a:rPr>
-              <a:t>A 60-minute session focusing on a  specific product feature and how it can  be utilized to solve common business  problems.</a:t>
-            </a:r>
-            <a:endParaRPr lang="en-US" sz="1000">
-              <a:solidFill>
-                <a:prstClr val="black"/>
-              </a:solidFill>
-              <a:latin typeface="AdobeClean-Light"/>
-              <a:cs typeface="AdobeClean-Light"/>
-            </a:endParaRPr>
+              <a:t>Eine 60-minütige Session mit Konzentration auf eine bestimmte Produktfunktion und deren Nutzung zum Lösen gängiger Unternehmensprobleme.</a:t>
+            </a:r>
           </a:p>
         </p:txBody>
       </p:sp>
@@ -10666,8 +9425,8 @@
         </p:nvSpPr>
         <p:spPr>
           <a:xfrm>
-            <a:off x="324341" y="2842848"/>
-            <a:ext cx="2194560" cy="615553"/>
+            <a:off x="324341" y="2720928"/>
+            <a:ext cx="2194560" cy="692497"/>
           </a:xfrm>
           <a:prstGeom prst="rect">
             <a:avLst/>
@@ -10685,16 +9444,15 @@
               </a:spcBef>
             </a:pPr>
             <a:r>
-              <a:rPr lang="en-US" sz="1000">
+              <a:rPr lang="de-DE" sz="900">
                 <a:solidFill>
                   <a:srgbClr val="4B4B4B"/>
                 </a:solidFill>
                 <a:latin typeface="AdobeClean-Light"/>
                 <a:cs typeface="AdobeClean-Light"/>
               </a:rPr>
-              <a:t>A designated point of contact within Adobe  who can provide escalation assistance,  regular updates and ensure priority is given  to your most critical open support requests.</a:t>
-            </a:r>
-            <a:endParaRPr lang="en-US"/>
+              <a:t>Ein spezifischer Ansprechpartner innerhalb von Adobe, der Unterstützung bei Eskalation und regelmäßigen Updates bietet und sicherstellt, dass die wichtigsten offenen Support-Anfragen priorisiert werden.</a:t>
+            </a:r>
           </a:p>
         </p:txBody>
       </p:sp>
@@ -10712,7 +9470,7 @@
         </p:nvSpPr>
         <p:spPr>
           <a:xfrm>
-            <a:off x="3153726" y="1126245"/>
+            <a:off x="3153726" y="1004325"/>
             <a:ext cx="2194560" cy="169277"/>
           </a:xfrm>
           <a:prstGeom prst="rect">
@@ -10731,22 +9489,15 @@
               </a:spcBef>
             </a:pPr>
             <a:r>
-              <a:rPr lang="en-US" sz="1100" b="1">
+              <a:rPr lang="de-DE" sz="1100" b="1">
                 <a:solidFill>
                   <a:srgbClr val="020302"/>
                 </a:solidFill>
                 <a:latin typeface="Adobe Clean" panose="020B0503020404020204" pitchFamily="34" charset="0"/>
                 <a:cs typeface="Arial"/>
               </a:rPr>
-              <a:t>Named Support Engineer</a:t>
-            </a:r>
-            <a:endParaRPr lang="en-US" sz="1100">
-              <a:solidFill>
-                <a:prstClr val="black"/>
-              </a:solidFill>
-              <a:latin typeface="Adobe Clean" panose="020B0503020404020204" pitchFamily="34" charset="0"/>
-              <a:cs typeface="Arial"/>
-            </a:endParaRPr>
+              <a:t>Spezifischer Support-Mitarbeiter</a:t>
+            </a:r>
           </a:p>
         </p:txBody>
       </p:sp>
@@ -10764,7 +9515,7 @@
         </p:nvSpPr>
         <p:spPr>
           <a:xfrm>
-            <a:off x="5723508" y="1126245"/>
+            <a:off x="5723508" y="1004325"/>
             <a:ext cx="2194560" cy="169277"/>
           </a:xfrm>
           <a:prstGeom prst="rect">
@@ -10783,22 +9534,15 @@
               </a:spcBef>
             </a:pPr>
             <a:r>
-              <a:rPr lang="en-US" sz="1100" b="1">
+              <a:rPr lang="de-DE" sz="1100" b="1">
                 <a:solidFill>
                   <a:srgbClr val="020302"/>
                 </a:solidFill>
                 <a:latin typeface="Adobe Clean" panose="020B0503020404020204" pitchFamily="34" charset="0"/>
                 <a:cs typeface="Arial"/>
               </a:rPr>
-              <a:t>Case Reviews</a:t>
-            </a:r>
-            <a:endParaRPr lang="en-US" sz="1100">
-              <a:solidFill>
-                <a:prstClr val="black"/>
-              </a:solidFill>
-              <a:latin typeface="Adobe Clean" panose="020B0503020404020204" pitchFamily="34" charset="0"/>
-              <a:cs typeface="Arial"/>
-            </a:endParaRPr>
+              <a:t>Fallprüfungen</a:t>
+            </a:r>
           </a:p>
         </p:txBody>
       </p:sp>
@@ -10816,7 +9560,7 @@
         </p:nvSpPr>
         <p:spPr>
           <a:xfrm>
-            <a:off x="5723508" y="3778989"/>
+            <a:off x="5723508" y="3657069"/>
             <a:ext cx="2194560" cy="169277"/>
           </a:xfrm>
           <a:prstGeom prst="rect">
@@ -10835,22 +9579,15 @@
               </a:spcBef>
             </a:pPr>
             <a:r>
-              <a:rPr lang="en-US" sz="1100" b="1">
+              <a:rPr lang="de-DE" sz="1100" b="1">
                 <a:solidFill>
                   <a:srgbClr val="020302"/>
                 </a:solidFill>
                 <a:latin typeface="Adobe Clean" panose="020B0503020404020204" pitchFamily="34" charset="0"/>
                 <a:cs typeface="Adobe Clean"/>
               </a:rPr>
-              <a:t>Maintenance &amp; Monitoring</a:t>
-            </a:r>
-            <a:endParaRPr lang="en-US" sz="1100">
-              <a:solidFill>
-                <a:prstClr val="black"/>
-              </a:solidFill>
-              <a:latin typeface="Adobe Clean" panose="020B0503020404020204" pitchFamily="34" charset="0"/>
-              <a:cs typeface="Adobe Clean"/>
-            </a:endParaRPr>
+              <a:t>Wartung und Überwachung</a:t>
+            </a:r>
           </a:p>
         </p:txBody>
       </p:sp>
@@ -10868,7 +9605,7 @@
         </p:nvSpPr>
         <p:spPr>
           <a:xfrm>
-            <a:off x="3138805" y="3778989"/>
+            <a:off x="3138805" y="3657069"/>
             <a:ext cx="2194560" cy="169277"/>
           </a:xfrm>
           <a:prstGeom prst="rect">
@@ -10887,22 +9624,15 @@
               </a:spcBef>
             </a:pPr>
             <a:r>
-              <a:rPr lang="en-US" sz="1100" b="1">
+              <a:rPr lang="de-DE" sz="1100" b="1">
                 <a:solidFill>
                   <a:srgbClr val="020302"/>
                 </a:solidFill>
                 <a:latin typeface="Adobe Clean" panose="020B0503020404020204" pitchFamily="34" charset="0"/>
                 <a:cs typeface="Adobe Clean"/>
               </a:rPr>
-              <a:t>Solution Roadmap Review</a:t>
-            </a:r>
-            <a:endParaRPr lang="en-US" sz="1100">
-              <a:solidFill>
-                <a:prstClr val="black"/>
-              </a:solidFill>
-              <a:latin typeface="Adobe Clean" panose="020B0503020404020204" pitchFamily="34" charset="0"/>
-              <a:cs typeface="Adobe Clean"/>
-            </a:endParaRPr>
+              <a:t>Prüfung der Lösungs-Roadmap</a:t>
+            </a:r>
           </a:p>
         </p:txBody>
       </p:sp>
@@ -10920,7 +9650,7 @@
         </p:nvSpPr>
         <p:spPr>
           <a:xfrm>
-            <a:off x="689237" y="3778989"/>
+            <a:off x="689237" y="3657069"/>
             <a:ext cx="2194560" cy="169277"/>
           </a:xfrm>
           <a:prstGeom prst="rect">
@@ -10939,22 +9669,15 @@
               </a:spcBef>
             </a:pPr>
             <a:r>
-              <a:rPr lang="en-US" sz="1100" b="1">
+              <a:rPr lang="de-DE" sz="1100" b="1">
                 <a:solidFill>
                   <a:srgbClr val="020302"/>
                 </a:solidFill>
                 <a:latin typeface="Adobe Clean" panose="020B0503020404020204" pitchFamily="34" charset="0"/>
                 <a:cs typeface="Adobe Clean"/>
               </a:rPr>
-              <a:t>Environment Review</a:t>
-            </a:r>
-            <a:endParaRPr lang="en-US" sz="1100">
-              <a:solidFill>
-                <a:prstClr val="black"/>
-              </a:solidFill>
-              <a:latin typeface="Adobe Clean" panose="020B0503020404020204" pitchFamily="34" charset="0"/>
-              <a:cs typeface="Adobe Clean"/>
-            </a:endParaRPr>
+              <a:t>Umgebungsprüfung</a:t>
+            </a:r>
           </a:p>
         </p:txBody>
       </p:sp>
@@ -10972,7 +9695,7 @@
         </p:nvSpPr>
         <p:spPr>
           <a:xfrm>
-            <a:off x="689237" y="2599639"/>
+            <a:off x="689237" y="2477719"/>
             <a:ext cx="2194560" cy="169277"/>
           </a:xfrm>
           <a:prstGeom prst="rect">
@@ -10991,22 +9714,15 @@
               </a:spcBef>
             </a:pPr>
             <a:r>
-              <a:rPr lang="en-US" sz="1100" b="1">
+              <a:rPr lang="de-DE" sz="1100" b="1">
                 <a:solidFill>
                   <a:srgbClr val="020302"/>
                 </a:solidFill>
                 <a:latin typeface="Adobe Clean" panose="020B0503020404020204" pitchFamily="34" charset="0"/>
                 <a:cs typeface="Adobe Clean"/>
               </a:rPr>
-              <a:t>Escalation Management</a:t>
-            </a:r>
-            <a:endParaRPr lang="en-US" sz="1100">
-              <a:solidFill>
-                <a:prstClr val="black"/>
-              </a:solidFill>
-              <a:latin typeface="Adobe Clean" panose="020B0503020404020204" pitchFamily="34" charset="0"/>
-              <a:cs typeface="Adobe Clean"/>
-            </a:endParaRPr>
+              <a:t>Eskalations-Management</a:t>
+            </a:r>
           </a:p>
         </p:txBody>
       </p:sp>
@@ -11024,7 +9740,7 @@
         </p:nvSpPr>
         <p:spPr>
           <a:xfrm>
-            <a:off x="3153726" y="2599639"/>
+            <a:off x="3153726" y="2477719"/>
             <a:ext cx="2194560" cy="169277"/>
           </a:xfrm>
           <a:prstGeom prst="rect">
@@ -11043,22 +9759,15 @@
               </a:spcBef>
             </a:pPr>
             <a:r>
-              <a:rPr lang="en-US" sz="1100" b="1">
+              <a:rPr lang="de-DE" sz="1100" b="1">
                 <a:solidFill>
                   <a:srgbClr val="020302"/>
                 </a:solidFill>
                 <a:latin typeface="Adobe Clean" panose="020B0503020404020204" pitchFamily="34" charset="0"/>
                 <a:cs typeface="Adobe Clean"/>
               </a:rPr>
-              <a:t>Service Reviews</a:t>
-            </a:r>
-            <a:endParaRPr lang="en-US" sz="1100">
-              <a:solidFill>
-                <a:prstClr val="black"/>
-              </a:solidFill>
-              <a:latin typeface="Adobe Clean" panose="020B0503020404020204" pitchFamily="34" charset="0"/>
-              <a:cs typeface="Adobe Clean"/>
-            </a:endParaRPr>
+              <a:t>Service-Prüfungen</a:t>
+            </a:r>
           </a:p>
         </p:txBody>
       </p:sp>
@@ -11076,7 +9785,7 @@
         </p:nvSpPr>
         <p:spPr>
           <a:xfrm>
-            <a:off x="5723508" y="2599639"/>
+            <a:off x="5723508" y="2477719"/>
             <a:ext cx="2194560" cy="169277"/>
           </a:xfrm>
           <a:prstGeom prst="rect">
@@ -11095,22 +9804,15 @@
               </a:spcBef>
             </a:pPr>
             <a:r>
-              <a:rPr lang="en-US" sz="1100" b="1">
+              <a:rPr lang="de-DE" sz="1100" b="1">
                 <a:solidFill>
                   <a:srgbClr val="020302"/>
                 </a:solidFill>
                 <a:latin typeface="Adobe Clean" panose="020B0503020404020204" pitchFamily="34" charset="0"/>
                 <a:cs typeface="Adobe Clean"/>
               </a:rPr>
-              <a:t>Expert Sessions</a:t>
-            </a:r>
-            <a:endParaRPr lang="en-US" sz="1100">
-              <a:solidFill>
-                <a:prstClr val="black"/>
-              </a:solidFill>
-              <a:latin typeface="Adobe Clean" panose="020B0503020404020204" pitchFamily="34" charset="0"/>
-              <a:cs typeface="Adobe Clean"/>
-            </a:endParaRPr>
+              <a:t>Experten-Sessions</a:t>
+            </a:r>
           </a:p>
         </p:txBody>
       </p:sp>
@@ -11128,8 +9830,8 @@
         </p:nvSpPr>
         <p:spPr>
           <a:xfrm>
-            <a:off x="689237" y="4935181"/>
-            <a:ext cx="2194560" cy="169277"/>
+            <a:off x="689237" y="4813261"/>
+            <a:ext cx="2194560" cy="338554"/>
           </a:xfrm>
           <a:prstGeom prst="rect">
             <a:avLst/>
@@ -11147,22 +9849,34 @@
               </a:spcBef>
             </a:pPr>
             <a:r>
-              <a:rPr lang="en-US" sz="1100" b="1">
+              <a:rPr lang="de-DE" sz="1100" b="1" dirty="0">
                 <a:solidFill>
                   <a:srgbClr val="020302"/>
                 </a:solidFill>
                 <a:latin typeface="Adobe Clean" panose="020B0503020404020204" pitchFamily="34" charset="0"/>
                 <a:cs typeface="Adobe Clean"/>
               </a:rPr>
-              <a:t>Release Preparation &amp; Review</a:t>
-            </a:r>
-            <a:endParaRPr lang="en-US" sz="1100">
-              <a:solidFill>
-                <a:prstClr val="black"/>
-              </a:solidFill>
-              <a:latin typeface="Adobe Clean" panose="020B0503020404020204" pitchFamily="34" charset="0"/>
-              <a:cs typeface="Adobe Clean"/>
-            </a:endParaRPr>
+              <a:t>Vorbereitung und Prüfung für </a:t>
+            </a:r>
+            <a:br>
+              <a:rPr lang="de-DE" sz="1100" b="1" dirty="0">
+                <a:solidFill>
+                  <a:srgbClr val="020302"/>
+                </a:solidFill>
+                <a:latin typeface="Adobe Clean" panose="020B0503020404020204" pitchFamily="34" charset="0"/>
+                <a:cs typeface="Adobe Clean"/>
+              </a:rPr>
+            </a:br>
+            <a:r>
+              <a:rPr lang="de-DE" sz="1100" b="1" dirty="0">
+                <a:solidFill>
+                  <a:srgbClr val="020302"/>
+                </a:solidFill>
+                <a:latin typeface="Adobe Clean" panose="020B0503020404020204" pitchFamily="34" charset="0"/>
+                <a:cs typeface="Adobe Clean"/>
+              </a:rPr>
+              <a:t>neue Versionen</a:t>
+            </a:r>
           </a:p>
         </p:txBody>
       </p:sp>
@@ -11180,7 +9894,7 @@
         </p:nvSpPr>
         <p:spPr>
           <a:xfrm>
-            <a:off x="3113405" y="4935181"/>
+            <a:off x="3113405" y="4813261"/>
             <a:ext cx="2194560" cy="169277"/>
           </a:xfrm>
           <a:prstGeom prst="rect">
@@ -11202,19 +9916,15 @@
               </a:spcBef>
             </a:pPr>
             <a:r>
-              <a:rPr lang="en-US" sz="1100" b="1">
+              <a:rPr lang="de-DE" sz="1100" b="1">
                 <a:solidFill>
                   <a:srgbClr val="020302"/>
                 </a:solidFill>
                 <a:latin typeface="Adobe Clean" panose="020B0503020404020204" pitchFamily="34" charset="0"/>
                 <a:cs typeface="Adobe Clean"/>
               </a:rPr>
-              <a:t>Knowledge Transfer</a:t>
-            </a:r>
-            <a:endParaRPr lang="en-US" sz="1100">
-              <a:latin typeface="Adobe Clean" panose="020B0503020404020204" pitchFamily="34" charset="0"/>
-              <a:cs typeface="Adobe Clean"/>
-            </a:endParaRPr>
+              <a:t>Wissenstransfer</a:t>
+            </a:r>
           </a:p>
         </p:txBody>
       </p:sp>
@@ -11232,7 +9942,7 @@
         </p:nvSpPr>
         <p:spPr>
           <a:xfrm>
-            <a:off x="5723508" y="4935181"/>
+            <a:off x="5723508" y="4813261"/>
             <a:ext cx="2194560" cy="169277"/>
           </a:xfrm>
           <a:prstGeom prst="rect">
@@ -11254,19 +9964,15 @@
               </a:spcBef>
             </a:pPr>
             <a:r>
-              <a:rPr lang="en-US" sz="1100" b="1">
+              <a:rPr lang="de-DE" sz="1100" b="1">
                 <a:solidFill>
                   <a:srgbClr val="020302"/>
                 </a:solidFill>
                 <a:latin typeface="Adobe Clean" panose="020B0503020404020204" pitchFamily="34" charset="0"/>
                 <a:cs typeface="Adobe Clean"/>
               </a:rPr>
-              <a:t>Event Management</a:t>
-            </a:r>
-            <a:endParaRPr lang="en-US" sz="1100">
-              <a:latin typeface="Adobe Clean" panose="020B0503020404020204" pitchFamily="34" charset="0"/>
-              <a:cs typeface="Adobe Clean"/>
-            </a:endParaRPr>
+              <a:t>Ereignis-Management</a:t>
+            </a:r>
           </a:p>
         </p:txBody>
       </p:sp>
@@ -11284,7 +9990,7 @@
         </p:nvSpPr>
         <p:spPr>
           <a:xfrm rot="5400000" flipH="1">
-            <a:off x="3863341" y="756920"/>
+            <a:off x="3863341" y="635000"/>
             <a:ext cx="45719" cy="5577840"/>
           </a:xfrm>
           <a:custGeom>
@@ -11339,7 +10045,7 @@
         </p:nvSpPr>
         <p:spPr>
           <a:xfrm rot="5400000" flipH="1">
-            <a:off x="3863341" y="-322580"/>
+            <a:off x="3863341" y="-444500"/>
             <a:ext cx="45719" cy="5577840"/>
           </a:xfrm>
           <a:custGeom>
@@ -11411,7 +10117,7 @@
         </p:blipFill>
         <p:spPr>
           <a:xfrm>
-            <a:off x="228599" y="3634381"/>
+            <a:off x="228599" y="3512461"/>
             <a:ext cx="457200" cy="457200"/>
           </a:xfrm>
           <a:prstGeom prst="rect">
@@ -11441,7 +10147,7 @@
         </p:blipFill>
         <p:spPr>
           <a:xfrm>
-            <a:off x="2768925" y="3722747"/>
+            <a:off x="2768925" y="3600827"/>
             <a:ext cx="309943" cy="288000"/>
           </a:xfrm>
           <a:prstGeom prst="rect">
@@ -11471,7 +10177,7 @@
         </p:blipFill>
         <p:spPr>
           <a:xfrm>
-            <a:off x="355868" y="4878393"/>
+            <a:off x="355868" y="4756473"/>
             <a:ext cx="240657" cy="300821"/>
           </a:xfrm>
           <a:prstGeom prst="rect">
@@ -11501,7 +10207,7 @@
         </p:blipFill>
         <p:spPr>
           <a:xfrm>
-            <a:off x="5276601" y="3720877"/>
+            <a:off x="5276601" y="3598957"/>
             <a:ext cx="328157" cy="284207"/>
           </a:xfrm>
           <a:prstGeom prst="rect">
@@ -11531,7 +10237,7 @@
         </p:blipFill>
         <p:spPr>
           <a:xfrm>
-            <a:off x="5276601" y="4928329"/>
+            <a:off x="5276601" y="4806409"/>
             <a:ext cx="347646" cy="264530"/>
           </a:xfrm>
           <a:prstGeom prst="rect">
@@ -11570,7 +10276,7 @@
         </p:blipFill>
         <p:spPr>
           <a:xfrm>
-            <a:off x="2768925" y="4836780"/>
+            <a:off x="2768925" y="4714860"/>
             <a:ext cx="365760" cy="365760"/>
           </a:xfrm>
           <a:prstGeom prst="rect">
@@ -11592,8 +10298,8 @@
         </p:nvSpPr>
         <p:spPr>
           <a:xfrm>
-            <a:off x="2764975" y="4039530"/>
-            <a:ext cx="2282011" cy="708399"/>
+            <a:off x="2764975" y="3917610"/>
+            <a:ext cx="2348045" cy="799321"/>
           </a:xfrm>
           <a:prstGeom prst="rect">
             <a:avLst/>
@@ -11614,19 +10320,15 @@
               </a:spcBef>
             </a:pPr>
             <a:r>
-              <a:rPr lang="en-US" sz="1000">
+              <a:rPr lang="de-DE" sz="900" dirty="0">
                 <a:solidFill>
                   <a:srgbClr val="020302"/>
                 </a:solidFill>
                 <a:latin typeface="AdobeClean-Light"/>
                 <a:cs typeface="AdobeClean-Light"/>
               </a:rPr>
-              <a:t>Compare and align Adobe solution  roadmap with your project roadmap to  mitigate risk and prepare for the future.</a:t>
-            </a:r>
-            <a:endParaRPr lang="en-US" sz="1000">
-              <a:latin typeface="AdobeClean-Light"/>
-              <a:cs typeface="AdobeClean-Light"/>
-            </a:endParaRPr>
+              <a:t>Vergleich der Adobe-Lösungs-Roadmap mit Ihrer Projekt-Roadmap und entsprechende Ausrichtung, um Risiken zu minimieren und sich auf die Zukunft vorzubereiten.</a:t>
+            </a:r>
           </a:p>
           <a:p>
             <a:pPr marL="18415" marR="262255" lvl="0">
@@ -11638,7 +10340,7 @@
               </a:spcBef>
             </a:pPr>
             <a:r>
-              <a:rPr lang="en-US" sz="1000">
+              <a:rPr lang="de-DE" sz="900" dirty="0">
                 <a:solidFill>
                   <a:srgbClr val="020302"/>
                 </a:solidFill>
@@ -11647,13 +10349,6 @@
               </a:rPr>
               <a:t>.</a:t>
             </a:r>
-            <a:endParaRPr lang="en-US" sz="1000">
-              <a:solidFill>
-                <a:prstClr val="black"/>
-              </a:solidFill>
-              <a:latin typeface="AdobeClean-Light"/>
-              <a:cs typeface="AdobeClean-Light"/>
-            </a:endParaRPr>
           </a:p>
         </p:txBody>
       </p:sp>
@@ -11982,8 +10677,8 @@
         </p:nvSpPr>
         <p:spPr>
           <a:xfrm>
-            <a:off x="4843269" y="2329688"/>
-            <a:ext cx="1656080" cy="238760"/>
+            <a:off x="4789928" y="2329688"/>
+            <a:ext cx="1775715" cy="228268"/>
           </a:xfrm>
           <a:prstGeom prst="rect">
             <a:avLst/>
@@ -12004,179 +10699,15 @@
               </a:spcBef>
             </a:pPr>
             <a:r>
-              <a:rPr sz="1400" b="1" spc="-25">
+              <a:rPr lang="de-DE" sz="1400" b="1" dirty="0">
                 <a:solidFill>
                   <a:srgbClr val="020302"/>
                 </a:solidFill>
                 <a:latin typeface="Adobe Clean"/>
                 <a:cs typeface="Adobe Clean"/>
               </a:rPr>
-              <a:t>Fi</a:t>
-            </a:r>
-            <a:r>
-              <a:rPr sz="1400" b="1" spc="-35">
-                <a:solidFill>
-                  <a:srgbClr val="020302"/>
-                </a:solidFill>
-                <a:latin typeface="Adobe Clean"/>
-                <a:cs typeface="Adobe Clean"/>
-              </a:rPr>
-              <a:t>e</a:t>
-            </a:r>
-            <a:r>
-              <a:rPr sz="1400" b="1" spc="-25">
-                <a:solidFill>
-                  <a:srgbClr val="020302"/>
-                </a:solidFill>
-                <a:latin typeface="Adobe Clean"/>
-                <a:cs typeface="Adobe Clean"/>
-              </a:rPr>
-              <a:t>l</a:t>
-            </a:r>
-            <a:r>
-              <a:rPr sz="1400" b="1">
-                <a:solidFill>
-                  <a:srgbClr val="020302"/>
-                </a:solidFill>
-                <a:latin typeface="Adobe Clean"/>
-                <a:cs typeface="Adobe Clean"/>
-              </a:rPr>
-              <a:t>d</a:t>
-            </a:r>
-            <a:r>
-              <a:rPr sz="1400" b="1" spc="-40">
-                <a:solidFill>
-                  <a:srgbClr val="020302"/>
-                </a:solidFill>
-                <a:latin typeface="Adobe Clean"/>
-                <a:cs typeface="Adobe Clean"/>
-              </a:rPr>
-              <a:t> </a:t>
-            </a:r>
-            <a:r>
-              <a:rPr sz="1400" b="1" spc="25">
-                <a:solidFill>
-                  <a:srgbClr val="020302"/>
-                </a:solidFill>
-                <a:latin typeface="Adobe Clean"/>
-                <a:cs typeface="Adobe Clean"/>
-              </a:rPr>
-              <a:t>S</a:t>
-            </a:r>
-            <a:r>
-              <a:rPr sz="1400" b="1" spc="5">
-                <a:solidFill>
-                  <a:srgbClr val="020302"/>
-                </a:solidFill>
-                <a:latin typeface="Adobe Clean"/>
-                <a:cs typeface="Adobe Clean"/>
-              </a:rPr>
-              <a:t>e</a:t>
-            </a:r>
-            <a:r>
-              <a:rPr sz="1400" b="1" spc="15">
-                <a:solidFill>
-                  <a:srgbClr val="020302"/>
-                </a:solidFill>
-                <a:latin typeface="Adobe Clean"/>
-                <a:cs typeface="Adobe Clean"/>
-              </a:rPr>
-              <a:t>rvi</a:t>
-            </a:r>
-            <a:r>
-              <a:rPr sz="1400" b="1" spc="5">
-                <a:solidFill>
-                  <a:srgbClr val="020302"/>
-                </a:solidFill>
-                <a:latin typeface="Adobe Clean"/>
-                <a:cs typeface="Adobe Clean"/>
-              </a:rPr>
-              <a:t>c</a:t>
-            </a:r>
-            <a:r>
-              <a:rPr sz="1400" b="1">
-                <a:solidFill>
-                  <a:srgbClr val="020302"/>
-                </a:solidFill>
-                <a:latin typeface="Adobe Clean"/>
-                <a:cs typeface="Adobe Clean"/>
-              </a:rPr>
-              <a:t>e</a:t>
-            </a:r>
-            <a:r>
-              <a:rPr sz="1400" b="1" spc="-190">
-                <a:solidFill>
-                  <a:srgbClr val="020302"/>
-                </a:solidFill>
-                <a:latin typeface="Adobe Clean"/>
-                <a:cs typeface="Adobe Clean"/>
-              </a:rPr>
-              <a:t> </a:t>
-            </a:r>
-            <a:r>
-              <a:rPr sz="1400" b="1" spc="5">
-                <a:solidFill>
-                  <a:srgbClr val="020302"/>
-                </a:solidFill>
-                <a:latin typeface="Adobe Clean"/>
-                <a:cs typeface="Adobe Clean"/>
-              </a:rPr>
-              <a:t>A</a:t>
-            </a:r>
-            <a:r>
-              <a:rPr sz="1400" b="1" spc="-5">
-                <a:solidFill>
-                  <a:srgbClr val="020302"/>
-                </a:solidFill>
-                <a:latin typeface="Adobe Clean"/>
-                <a:cs typeface="Adobe Clean"/>
-              </a:rPr>
-              <a:t>ct</a:t>
-            </a:r>
-            <a:r>
-              <a:rPr sz="1400" b="1" spc="5">
-                <a:solidFill>
-                  <a:srgbClr val="020302"/>
-                </a:solidFill>
-                <a:latin typeface="Adobe Clean"/>
-                <a:cs typeface="Adobe Clean"/>
-              </a:rPr>
-              <a:t>ivi</a:t>
-            </a:r>
-            <a:r>
-              <a:rPr sz="1400" b="1" spc="-5">
-                <a:solidFill>
-                  <a:srgbClr val="020302"/>
-                </a:solidFill>
-                <a:latin typeface="Adobe Clean"/>
-                <a:cs typeface="Adobe Clean"/>
-              </a:rPr>
-              <a:t>t</a:t>
-            </a:r>
-            <a:r>
-              <a:rPr sz="1400" b="1" spc="5">
-                <a:solidFill>
-                  <a:srgbClr val="020302"/>
-                </a:solidFill>
-                <a:latin typeface="Adobe Clean"/>
-                <a:cs typeface="Adobe Clean"/>
-              </a:rPr>
-              <a:t>i</a:t>
-            </a:r>
-            <a:r>
-              <a:rPr sz="1400" b="1" spc="-5">
-                <a:solidFill>
-                  <a:srgbClr val="020302"/>
-                </a:solidFill>
-                <a:latin typeface="Adobe Clean"/>
-                <a:cs typeface="Adobe Clean"/>
-              </a:rPr>
-              <a:t>es</a:t>
-            </a:r>
-            <a:endParaRPr sz="1400">
-              <a:latin typeface="Adobe Clean"/>
-              <a:cs typeface="Adobe Clean"/>
-            </a:endParaRPr>
+              <a:t>Außendienstaktivitäten</a:t>
+            </a:r>
           </a:p>
         </p:txBody>
       </p:sp>
@@ -12210,99 +10741,15 @@
               </a:spcBef>
             </a:pPr>
             <a:r>
-              <a:rPr sz="1400" b="1" spc="-25">
+              <a:rPr lang="de-DE" sz="1400" b="1" dirty="0">
                 <a:solidFill>
                   <a:srgbClr val="020302"/>
                 </a:solidFill>
                 <a:latin typeface="Adobe Clean"/>
                 <a:cs typeface="Adobe Clean"/>
               </a:rPr>
-              <a:t>L</a:t>
-            </a:r>
-            <a:r>
-              <a:rPr sz="1400" b="1" spc="-5">
-                <a:solidFill>
-                  <a:srgbClr val="020302"/>
-                </a:solidFill>
-                <a:latin typeface="Adobe Clean"/>
-                <a:cs typeface="Adobe Clean"/>
-              </a:rPr>
-              <a:t>a</a:t>
-            </a:r>
-            <a:r>
-              <a:rPr sz="1400" b="1" spc="-20">
-                <a:solidFill>
-                  <a:srgbClr val="020302"/>
-                </a:solidFill>
-                <a:latin typeface="Adobe Clean"/>
-                <a:cs typeface="Adobe Clean"/>
-              </a:rPr>
-              <a:t>u</a:t>
-            </a:r>
-            <a:r>
-              <a:rPr sz="1400" b="1" spc="-15">
-                <a:solidFill>
-                  <a:srgbClr val="020302"/>
-                </a:solidFill>
-                <a:latin typeface="Adobe Clean"/>
-                <a:cs typeface="Adobe Clean"/>
-              </a:rPr>
-              <a:t>n</a:t>
-            </a:r>
-            <a:r>
-              <a:rPr sz="1400" b="1" spc="-25">
-                <a:solidFill>
-                  <a:srgbClr val="020302"/>
-                </a:solidFill>
-                <a:latin typeface="Adobe Clean"/>
-                <a:cs typeface="Adobe Clean"/>
-              </a:rPr>
-              <a:t>c</a:t>
-            </a:r>
-            <a:r>
-              <a:rPr sz="1400" b="1">
-                <a:solidFill>
-                  <a:srgbClr val="020302"/>
-                </a:solidFill>
-                <a:latin typeface="Adobe Clean"/>
-                <a:cs typeface="Adobe Clean"/>
-              </a:rPr>
-              <a:t>h</a:t>
-            </a:r>
-            <a:r>
-              <a:rPr sz="1400" b="1" spc="-25">
-                <a:solidFill>
-                  <a:srgbClr val="020302"/>
-                </a:solidFill>
-                <a:latin typeface="Adobe Clean"/>
-                <a:cs typeface="Adobe Clean"/>
-              </a:rPr>
-              <a:t> </a:t>
-            </a:r>
-            <a:r>
-              <a:rPr sz="1400" b="1" spc="-10">
-                <a:solidFill>
-                  <a:srgbClr val="020302"/>
-                </a:solidFill>
-                <a:latin typeface="Adobe Clean"/>
-                <a:cs typeface="Adobe Clean"/>
-              </a:rPr>
-              <a:t>Advisor</a:t>
-            </a:r>
-            <a:r>
-              <a:rPr sz="1400" b="1">
-                <a:solidFill>
-                  <a:srgbClr val="020302"/>
-                </a:solidFill>
-                <a:latin typeface="Adobe Clean"/>
-                <a:cs typeface="Adobe Clean"/>
-              </a:rPr>
-              <a:t>y</a:t>
-            </a:r>
-            <a:endParaRPr sz="1400">
-              <a:latin typeface="Adobe Clean"/>
-              <a:cs typeface="Adobe Clean"/>
-            </a:endParaRPr>
+              <a:t>Launch Advisory</a:t>
+            </a:r>
           </a:p>
         </p:txBody>
       </p:sp>
@@ -12314,8 +10761,8 @@
         </p:nvSpPr>
         <p:spPr>
           <a:xfrm>
-            <a:off x="242187" y="2787904"/>
-            <a:ext cx="3004185" cy="635000"/>
+            <a:off x="242186" y="2787904"/>
+            <a:ext cx="3357499" cy="782265"/>
           </a:xfrm>
           <a:prstGeom prst="rect">
             <a:avLst/>
@@ -12336,90 +10783,89 @@
               </a:spcBef>
             </a:pPr>
             <a:r>
-              <a:rPr sz="1000">
+              <a:rPr lang="de-DE" sz="1000" dirty="0">
                 <a:solidFill>
                   <a:srgbClr val="1F1F1F"/>
                 </a:solidFill>
                 <a:latin typeface="AdobeClean-Light"/>
                 <a:cs typeface="AdobeClean-Light"/>
               </a:rPr>
-              <a:t>For customers implementing a </a:t>
-            </a:r>
-            <a:r>
-              <a:rPr sz="1000" b="1">
+              <a:t>Für Kunden, die eine </a:t>
+            </a:r>
+            <a:r>
+              <a:rPr lang="de-DE" sz="1000" b="1" dirty="0">
                 <a:solidFill>
                   <a:srgbClr val="1F1F1F"/>
                 </a:solidFill>
                 <a:latin typeface="Adobe Clean"/>
                 <a:cs typeface="Adobe Clean"/>
               </a:rPr>
-              <a:t>new Adobe Experience Cloud  solution, </a:t>
-            </a:r>
-            <a:r>
-              <a:rPr sz="1000">
+              <a:t>neue Adobe Experience Cloud-Lösung implementieren, bietet </a:t>
+            </a:r>
+            <a:r>
+              <a:rPr lang="de-DE" sz="1000" dirty="0">
                 <a:latin typeface="AdobeClean-Light"/>
                 <a:cs typeface="AdobeClean-Light"/>
               </a:rPr>
               <a:t>Launch Advisory </a:t>
             </a:r>
             <a:r>
-              <a:rPr sz="1000">
+              <a:rPr lang="de-DE" sz="1000" dirty="0">
                 <a:latin typeface="AdobeClean-SemiLight"/>
                 <a:cs typeface="AdobeClean-SemiLight"/>
               </a:rPr>
-              <a:t>is a </a:t>
-            </a:r>
-            <a:r>
-              <a:rPr sz="950">
+              <a:t>eine </a:t>
+            </a:r>
+            <a:r>
+              <a:rPr lang="de-DE" sz="950" dirty="0">
                 <a:latin typeface="AdobeClean-SemiLight"/>
                 <a:cs typeface="AdobeClean-SemiLight"/>
               </a:rPr>
-              <a:t>core set of advisory</a:t>
-            </a:r>
-          </a:p>
-          <a:p>
-            <a:pPr marL="12700" marR="86995" indent="-635">
-              <a:lnSpc>
-                <a:spcPct val="100000"/>
-              </a:lnSpc>
-            </a:pPr>
-            <a:r>
-              <a:rPr sz="950">
-                <a:latin typeface="AdobeClean-SemiLight"/>
-                <a:cs typeface="AdobeClean-SemiLight"/>
-              </a:rPr>
-              <a:t>services </a:t>
-            </a:r>
-            <a:r>
-              <a:rPr sz="1000">
+              <a:t>zentrale Palette von Beratungs-Services und </a:t>
+            </a:r>
+            <a:r>
+              <a:rPr lang="de-DE" sz="1000" dirty="0">
                 <a:latin typeface="AdobeClean-Light"/>
                 <a:cs typeface="AdobeClean-Light"/>
               </a:rPr>
-              <a:t>and recommendations that are proven to </a:t>
-            </a:r>
-            <a:r>
-              <a:rPr sz="950">
+              <a:t>Empfehlungen, die nachweislich </a:t>
+            </a:r>
+            <a:r>
+              <a:rPr lang="de-DE" sz="950" dirty="0">
                 <a:latin typeface="AdobeClean-Light"/>
                 <a:cs typeface="AdobeClean-Light"/>
               </a:rPr>
-              <a:t>support  successful deployments </a:t>
-            </a:r>
-            <a:r>
-              <a:rPr sz="1000">
+              <a:t>erfolgreiche Implementierungen unterstützen </a:t>
+            </a:r>
+            <a:r>
+              <a:rPr lang="de-DE" sz="1000" dirty="0">
                 <a:latin typeface="AdobeClean-Light"/>
                 <a:cs typeface="AdobeClean-Light"/>
               </a:rPr>
-              <a:t>and </a:t>
-            </a:r>
-            <a:r>
-              <a:rPr sz="950">
+              <a:t>und </a:t>
+            </a:r>
+            <a:r>
+              <a:rPr lang="de-DE" sz="950" dirty="0">
                 <a:latin typeface="AdobeClean-Light"/>
                 <a:cs typeface="AdobeClean-Light"/>
               </a:rPr>
-              <a:t>accelerate time-to-value</a:t>
-            </a:r>
-            <a:r>
-              <a:rPr sz="1000">
+              <a:t>die </a:t>
+            </a:r>
+            <a:br>
+              <a:rPr lang="de-DE" sz="950" dirty="0">
+                <a:latin typeface="AdobeClean-Light"/>
+                <a:cs typeface="AdobeClean-Light"/>
+              </a:rPr>
+            </a:br>
+            <a:r>
+              <a:rPr lang="de-DE" sz="950" dirty="0">
+                <a:latin typeface="AdobeClean-Light"/>
+                <a:cs typeface="AdobeClean-Light"/>
+              </a:rPr>
+              <a:t>Time-to-Value beschleunigen</a:t>
+            </a:r>
+            <a:r>
+              <a:rPr lang="de-DE" sz="1000" dirty="0">
                 <a:latin typeface="AdobeClean-Light"/>
                 <a:cs typeface="AdobeClean-Light"/>
               </a:rPr>
@@ -12537,79 +10983,75 @@
               </a:spcBef>
             </a:pPr>
             <a:r>
-              <a:rPr sz="1000">
+              <a:rPr lang="de-DE" sz="1000" dirty="0">
                 <a:solidFill>
                   <a:srgbClr val="4B4B4B"/>
                 </a:solidFill>
                 <a:latin typeface="AdobeClean-Light"/>
                 <a:cs typeface="AdobeClean-Light"/>
               </a:rPr>
-              <a:t>Field Services are used for </a:t>
-            </a:r>
-            <a:r>
-              <a:rPr sz="1000" b="1">
+              <a:t>Der Außendienst sorgt für </a:t>
+            </a:r>
+            <a:r>
+              <a:rPr lang="de-DE" sz="1000" b="1" dirty="0">
                 <a:solidFill>
                   <a:srgbClr val="4B4B4B"/>
                 </a:solidFill>
                 <a:latin typeface="Adobe Clean"/>
                 <a:cs typeface="Adobe Clean"/>
               </a:rPr>
-              <a:t>quick resolution</a:t>
-            </a:r>
-            <a:r>
-              <a:rPr sz="1000">
+              <a:t>schnelle Problemlösung,</a:t>
+            </a:r>
+            <a:r>
+              <a:rPr lang="de-DE" sz="1000" dirty="0">
                 <a:solidFill>
                   <a:srgbClr val="4B4B4B"/>
                 </a:solidFill>
                 <a:latin typeface="AdobeClean-Light"/>
                 <a:cs typeface="AdobeClean-Light"/>
               </a:rPr>
-              <a:t>, focused customer success  and accelerated </a:t>
-            </a:r>
-            <a:r>
-              <a:rPr sz="1000" b="1">
+              <a:t> fokussierten Kundenerfolg und beschleunigte </a:t>
+            </a:r>
+            <a:r>
+              <a:rPr lang="de-DE" sz="1000" b="1" dirty="0">
                 <a:solidFill>
                   <a:srgbClr val="4B4B4B"/>
                 </a:solidFill>
                 <a:latin typeface="Adobe Clean"/>
                 <a:cs typeface="Adobe Clean"/>
               </a:rPr>
-              <a:t>time-to-value</a:t>
-            </a:r>
-            <a:r>
-              <a:rPr sz="1000">
+              <a:t>Time-to-Value</a:t>
+            </a:r>
+            <a:r>
+              <a:rPr lang="de-DE" sz="1000" dirty="0">
                 <a:solidFill>
                   <a:srgbClr val="4B4B4B"/>
                 </a:solidFill>
                 <a:latin typeface="AdobeClean-Light"/>
                 <a:cs typeface="AdobeClean-Light"/>
               </a:rPr>
-              <a:t>. If Launch advisory is active there will be  </a:t>
-            </a:r>
-            <a:r>
-              <a:rPr sz="1000" b="1">
+              <a:t>. Wenn Launch Advisory aktiv ist, gibt es im ersten Jahr keinen </a:t>
+            </a:r>
+            <a:r>
+              <a:rPr lang="de-DE" sz="1000" b="1" dirty="0">
                 <a:solidFill>
                   <a:srgbClr val="4B4B4B"/>
                 </a:solidFill>
                 <a:latin typeface="Adobe Clean"/>
                 <a:cs typeface="Adobe Clean"/>
               </a:rPr>
-              <a:t>no Field Services in year 1 </a:t>
-            </a:r>
-            <a:r>
-              <a:rPr sz="1000">
+              <a:t>Außendienst für </a:t>
+            </a:r>
+            <a:r>
+              <a:rPr lang="de-DE" sz="1000" dirty="0">
                 <a:solidFill>
                   <a:srgbClr val="4B4B4B"/>
                 </a:solidFill>
                 <a:latin typeface="AdobeClean-Light"/>
                 <a:cs typeface="AdobeClean-Light"/>
               </a:rPr>
-              <a:t>for any solution product covered by a  Support contract.</a:t>
-            </a:r>
-            <a:endParaRPr sz="1000">
-              <a:latin typeface="AdobeClean-Light"/>
-              <a:cs typeface="AdobeClean-Light"/>
-            </a:endParaRPr>
+              <a:t>Lösungsprodukte, die unter einen Adobe Support-Vertrag fallen.</a:t>
+            </a:r>
           </a:p>
         </p:txBody>
       </p:sp>
@@ -12727,11 +11169,11 @@
               </a:spcBef>
             </a:pPr>
             <a:r>
-              <a:rPr sz="1000">
+              <a:rPr lang="de-DE" sz="1000" dirty="0">
                 <a:latin typeface="AdobeClean-Light"/>
                 <a:cs typeface="AdobeClean-Light"/>
               </a:rPr>
-              <a:t>Launch Advisory will align with your project schedule through  common milestones (Kickoff, Define, Design, Go-live and Post  Launch) to guide, validate, assess and make recommendations.</a:t>
+              <a:t>Launch Advisory orientiert sich anhand gängiger Milestones (Kickoff, Definition, Design, Go-Live und Post-Launch) an Ihren Projektplan und umfasst Anleitung, Prüfung, Bewertung und Empfehlungen.</a:t>
             </a:r>
           </a:p>
         </p:txBody>
@@ -12745,7 +11187,7 @@
         <p:spPr>
           <a:xfrm>
             <a:off x="263464" y="5982715"/>
-            <a:ext cx="1247140" cy="166712"/>
+            <a:ext cx="3264596" cy="166712"/>
           </a:xfrm>
           <a:prstGeom prst="rect">
             <a:avLst/>
@@ -12766,11 +11208,11 @@
               </a:spcBef>
             </a:pPr>
             <a:r>
-              <a:rPr sz="1000">
+              <a:rPr lang="de-DE" sz="1000" dirty="0">
                 <a:latin typeface="AdobeClean-Light"/>
                 <a:cs typeface="AdobeClean-Light"/>
               </a:rPr>
-              <a:t>Key Deliverables include:</a:t>
+              <a:t>Zu den wichtigsten Angeboten gehören:</a:t>
             </a:r>
           </a:p>
         </p:txBody>
@@ -12784,7 +11226,7 @@
         <p:spPr>
           <a:xfrm>
             <a:off x="205422" y="6308299"/>
-            <a:ext cx="2745105" cy="592470"/>
+            <a:ext cx="3114040" cy="592470"/>
           </a:xfrm>
           <a:prstGeom prst="rect">
             <a:avLst/>
@@ -12804,12 +11246,12 @@
               <a:buChar char="•"/>
             </a:pPr>
             <a:r>
-              <a:rPr lang="en-US" sz="1000">
+              <a:rPr lang="de-DE" sz="1000" dirty="0">
                 <a:solidFill>
                   <a:prstClr val="black"/>
                 </a:solidFill>
               </a:rPr>
-              <a:t>Kickoff (including project collaboration plan) deck</a:t>
+              <a:t>Kickoff-Deck (einschließlich Projekt-Kooperationsplan)</a:t>
             </a:r>
           </a:p>
           <a:p>
@@ -12821,12 +11263,12 @@
               <a:buChar char="•"/>
             </a:pPr>
             <a:r>
-              <a:rPr lang="en-US" sz="1000">
+              <a:rPr lang="de-DE" sz="1000" dirty="0">
                 <a:solidFill>
                   <a:prstClr val="black"/>
                 </a:solidFill>
               </a:rPr>
-              <a:t>Assessment &amp; recommendations document(s)</a:t>
+              <a:t>Dokument(e) für Bewertung und Empfehlung</a:t>
             </a:r>
           </a:p>
           <a:p>
@@ -12838,12 +11280,12 @@
               <a:buChar char="•"/>
             </a:pPr>
             <a:r>
-              <a:rPr lang="en-US" sz="1000">
+              <a:rPr lang="de-DE" sz="1000" dirty="0">
                 <a:solidFill>
                   <a:prstClr val="black"/>
                 </a:solidFill>
               </a:rPr>
-              <a:t>Engagement summary</a:t>
+              <a:t>Interaktionszusammenfassung</a:t>
             </a:r>
           </a:p>
         </p:txBody>
@@ -12878,19 +11320,15 @@
               </a:spcBef>
             </a:pPr>
             <a:r>
-              <a:rPr sz="1600">
+              <a:rPr lang="de-DE" sz="1600" dirty="0">
                 <a:solidFill>
                   <a:srgbClr val="FFFFFF"/>
                 </a:solidFill>
                 <a:latin typeface="Arial"/>
                 <a:cs typeface="Arial"/>
               </a:rPr>
-              <a:t>Implementation</a:t>
-            </a:r>
-            <a:endParaRPr sz="1600">
-              <a:latin typeface="Arial"/>
-              <a:cs typeface="Arial"/>
-            </a:endParaRPr>
+              <a:t>Implementierung</a:t>
+            </a:r>
           </a:p>
           <a:p>
             <a:pPr marL="12700" marR="5080">
@@ -12902,32 +11340,32 @@
               </a:spcBef>
             </a:pPr>
             <a:r>
-              <a:rPr sz="1000">
+              <a:rPr lang="de-DE" sz="1000" dirty="0">
                 <a:latin typeface="AdobeClean-Light"/>
                 <a:cs typeface="AdobeClean-Light"/>
               </a:rPr>
-              <a:t>Adobe solution experts help validate requirements, architecture,  development process, and launch readiness reviews </a:t>
-            </a:r>
-            <a:r>
-              <a:rPr sz="1000">
+              <a:t>Experten für Adobe-Lösungen helfen bei der Prüfung von Anforderungen, Architektur, Entwicklungsprozess und Launch-Bereitschaft </a:t>
+            </a:r>
+            <a:r>
+              <a:rPr lang="de-DE" sz="1000" dirty="0">
                 <a:latin typeface="AdobeClean-SemiLight"/>
                 <a:cs typeface="AdobeClean-SemiLight"/>
               </a:rPr>
-              <a:t>with </a:t>
-            </a:r>
-            <a:r>
-              <a:rPr sz="950">
+              <a:t>mit </a:t>
+            </a:r>
+            <a:r>
+              <a:rPr lang="de-DE" sz="950" dirty="0">
                 <a:latin typeface="AdobeClean-SemiLight"/>
                 <a:cs typeface="AdobeClean-SemiLight"/>
               </a:rPr>
-              <a:t>best  practice-based guidance </a:t>
-            </a:r>
-            <a:r>
-              <a:rPr sz="1000">
+              <a:t>Best Practice-basierten Anleitungen </a:t>
+            </a:r>
+            <a:r>
+              <a:rPr lang="de-DE" sz="1000" dirty="0">
                 <a:latin typeface="AdobeClean-SemiLight"/>
                 <a:cs typeface="AdobeClean-SemiLight"/>
               </a:rPr>
-              <a:t>to customers and implementation  partners.</a:t>
+              <a:t>für Kunden und Implementierungspartner.</a:t>
             </a:r>
           </a:p>
         </p:txBody>
@@ -12939,15 +11377,20 @@
           <p:nvPr/>
         </p:nvPicPr>
         <p:blipFill>
-          <a:blip r:embed="rId3" cstate="print"/>
-          <a:stretch>
-            <a:fillRect/>
-          </a:stretch>
+          <a:blip r:embed="rId3" cstate="print">
+            <a:extLst>
+              <a:ext uri="{28A0092B-C50C-407E-A947-70E740481C1C}">
+                <a14:useLocalDpi xmlns:a14="http://schemas.microsoft.com/office/drawing/2010/main" val="0"/>
+              </a:ext>
+            </a:extLst>
+          </a:blip>
+          <a:srcRect/>
+          <a:stretch/>
         </p:blipFill>
         <p:spPr>
           <a:xfrm>
-            <a:off x="363328" y="6930985"/>
-            <a:ext cx="3053821" cy="2818913"/>
+            <a:off x="363328" y="6961466"/>
+            <a:ext cx="3053821" cy="2818911"/>
           </a:xfrm>
           <a:prstGeom prst="rect">
             <a:avLst/>
@@ -12963,7 +11406,7 @@
         <p:spPr>
           <a:xfrm>
             <a:off x="3947346" y="5363972"/>
-            <a:ext cx="3335020" cy="659765"/>
+            <a:ext cx="3335020" cy="807272"/>
           </a:xfrm>
           <a:prstGeom prst="rect">
             <a:avLst/>
@@ -12984,30 +11427,32 @@
               </a:spcBef>
             </a:pPr>
             <a:r>
-              <a:rPr sz="1000" b="1">
+              <a:rPr lang="de-DE" sz="1000" b="1" dirty="0">
                 <a:latin typeface="Arial"/>
                 <a:cs typeface="Arial"/>
               </a:rPr>
-              <a:t>Technical Track Activities </a:t>
-            </a:r>
-            <a:r>
-              <a:rPr sz="1000">
+              <a:t>Aktivitäten des technischen Tracks</a:t>
+            </a:r>
+            <a:r>
+              <a:rPr lang="de-DE" sz="1000" dirty="0">
                 <a:latin typeface="AdobeClean-Light"/>
                 <a:cs typeface="AdobeClean-Light"/>
               </a:rPr>
-              <a:t>ensure customers are technically sound  and maximizing their tool adoption. Specifically, these types of  activities include support and recommendations related to platform  configurations, integrations and troubleshooting</a:t>
-            </a:r>
-            <a:r>
-              <a:rPr lang="en-US" sz="1000">
+              <a:t> stellen sicher, dass Kunden technisch versiert sind und ihre Tools optimal nutzen. Diese Aktivitätstypen umfassen insbesondere Support und Empfehlungen für Plattformkonfigurationen, Integrationen </a:t>
+            </a:r>
+            <a:br>
+              <a:rPr lang="de-DE" sz="1000" dirty="0">
                 <a:latin typeface="AdobeClean-Light"/>
                 <a:cs typeface="AdobeClean-Light"/>
               </a:rPr>
-              <a:t>.</a:t>
-            </a:r>
-            <a:endParaRPr sz="1000">
-              <a:latin typeface="AdobeClean-Light"/>
-              <a:cs typeface="AdobeClean-Light"/>
-            </a:endParaRPr>
+            </a:br>
+            <a:r>
+              <a:rPr lang="de-DE" sz="1000" dirty="0">
+                <a:latin typeface="AdobeClean-Light"/>
+                <a:cs typeface="AdobeClean-Light"/>
+              </a:rPr>
+              <a:t>und die Fehlerbehebung.</a:t>
+            </a:r>
           </a:p>
         </p:txBody>
       </p:sp>
@@ -13020,7 +11465,7 @@
         <p:spPr>
           <a:xfrm>
             <a:off x="3947346" y="6174740"/>
-            <a:ext cx="2099310" cy="1436291"/>
+            <a:ext cx="2948754" cy="1436291"/>
           </a:xfrm>
           <a:prstGeom prst="rect">
             <a:avLst/>
@@ -13041,11 +11486,11 @@
               </a:spcBef>
             </a:pPr>
             <a:r>
-              <a:rPr sz="1000">
+              <a:rPr lang="de-DE" sz="1000" dirty="0">
                 <a:latin typeface="AdobeClean-Light"/>
                 <a:cs typeface="AdobeClean-Light"/>
               </a:rPr>
-              <a:t>Types of technical activities available::</a:t>
+              <a:t>Verfügbare technische Aktivitäten:</a:t>
             </a:r>
           </a:p>
           <a:p>
@@ -13060,12 +11505,12 @@
               <a:buChar char="ü"/>
             </a:pPr>
             <a:r>
-              <a:rPr lang="en-US" sz="1000">
+              <a:rPr lang="de-DE" sz="1000" dirty="0">
                 <a:solidFill>
                   <a:prstClr val="black"/>
                 </a:solidFill>
               </a:rPr>
-              <a:t>Health audit</a:t>
+              <a:t>Statusprüfung</a:t>
             </a:r>
           </a:p>
           <a:p>
@@ -13080,12 +11525,12 @@
               <a:buChar char="ü"/>
             </a:pPr>
             <a:r>
-              <a:rPr lang="en-US" sz="1000">
+              <a:rPr lang="de-DE" sz="1000" dirty="0">
                 <a:solidFill>
                   <a:prstClr val="black"/>
                 </a:solidFill>
               </a:rPr>
-              <a:t>Platform audit</a:t>
+              <a:t>Plattformprüfung</a:t>
             </a:r>
           </a:p>
           <a:p>
@@ -13100,12 +11545,12 @@
               <a:buChar char="ü"/>
             </a:pPr>
             <a:r>
-              <a:rPr lang="en-US" sz="1000">
+              <a:rPr lang="de-DE" sz="1000" dirty="0">
                 <a:solidFill>
                   <a:prstClr val="black"/>
                 </a:solidFill>
               </a:rPr>
-              <a:t>Feature set enablement</a:t>
+              <a:t>Aktivierung von Funktionssätzen</a:t>
             </a:r>
           </a:p>
           <a:p>
@@ -13120,12 +11565,12 @@
               <a:buChar char="ü"/>
             </a:pPr>
             <a:r>
-              <a:rPr lang="en-US" sz="1000">
+              <a:rPr lang="de-DE" sz="1000" dirty="0">
                 <a:solidFill>
                   <a:prstClr val="black"/>
                 </a:solidFill>
               </a:rPr>
-              <a:t>Basic integrations and configurations</a:t>
+              <a:t>Grundlegende Integrationen und Konfigurationen</a:t>
             </a:r>
           </a:p>
           <a:p>
@@ -13140,12 +11585,12 @@
               <a:buChar char="ü"/>
             </a:pPr>
             <a:r>
-              <a:rPr lang="en-US" sz="1000">
+              <a:rPr lang="de-DE" sz="1000" dirty="0">
                 <a:solidFill>
                   <a:prstClr val="black"/>
                 </a:solidFill>
               </a:rPr>
-              <a:t>Customer solution troubleshooting</a:t>
+              <a:t>Fehlerbehebung bei der Kundenlösung</a:t>
             </a:r>
           </a:p>
           <a:p>
@@ -13160,12 +11605,12 @@
               <a:buChar char="ü"/>
             </a:pPr>
             <a:r>
-              <a:rPr lang="en-US" sz="1000">
+              <a:rPr lang="de-DE" sz="1000" dirty="0">
                 <a:solidFill>
                   <a:prstClr val="black"/>
                 </a:solidFill>
               </a:rPr>
-              <a:t>Cloud service support</a:t>
+              <a:t>Cloud-Service-Support</a:t>
             </a:r>
           </a:p>
         </p:txBody>
@@ -13200,18 +11645,18 @@
               </a:spcBef>
             </a:pPr>
             <a:r>
-              <a:rPr sz="1000" b="1">
+              <a:rPr lang="de-DE" sz="1000" b="1" dirty="0">
                 <a:latin typeface="Arial"/>
                 <a:cs typeface="Arial"/>
               </a:rPr>
-              <a:t>Strategic Track Activities </a:t>
-            </a:r>
-            <a:r>
-              <a:rPr sz="1000">
+              <a:t>Aktivitäten des strategischen Tracks</a:t>
+            </a:r>
+            <a:r>
+              <a:rPr lang="de-DE" sz="1000" dirty="0">
                 <a:latin typeface="AdobeClean-Light"/>
                 <a:cs typeface="AdobeClean-Light"/>
               </a:rPr>
-              <a:t>locate opportunities to ensure value is  being realized from a customer’s Adobe solutions. They include  support recommendations related to strategy, measurement and  maturity to drive value realization across one or more Adobe  solutions.</a:t>
+              <a:t> ermitteln Möglichkeiten, mit den vom Kunden genutzten Adobe-Lösungen optimale Ergebnisse zu erzielen. Sie enthalten Support-Empfehlungen zu Strategie, Messung und Reifegrad, mit denen eine oder mehrere Adobe-Lösungen optimal genutzt werden können.</a:t>
             </a:r>
           </a:p>
           <a:p>
@@ -13223,7 +11668,7 @@
                 <a:spcPts val="40"/>
               </a:spcBef>
             </a:pPr>
-            <a:endParaRPr sz="1100">
+            <a:endParaRPr sz="1100" dirty="0">
               <a:latin typeface="AdobeClean-Light"/>
               <a:cs typeface="AdobeClean-Light"/>
             </a:endParaRPr>
@@ -13235,11 +11680,11 @@
               </a:lnSpc>
             </a:pPr>
             <a:r>
-              <a:rPr sz="1000">
+              <a:rPr lang="de-DE" sz="1000" dirty="0">
                 <a:latin typeface="AdobeClean-Light"/>
                 <a:cs typeface="AdobeClean-Light"/>
               </a:rPr>
-              <a:t>Types of strategic activities available::</a:t>
+              <a:t>Verfügbare strategische Aktivitäten:</a:t>
             </a:r>
           </a:p>
           <a:p>
@@ -13254,12 +11699,12 @@
               <a:buChar char="ü"/>
             </a:pPr>
             <a:r>
-              <a:rPr lang="en-US" sz="1000">
+              <a:rPr lang="de-DE" sz="1000" dirty="0">
                 <a:solidFill>
                   <a:prstClr val="black"/>
                 </a:solidFill>
               </a:rPr>
-              <a:t>Maturity Roadmap</a:t>
+              <a:t>Reifegrad-Roadmap</a:t>
             </a:r>
           </a:p>
           <a:p>
@@ -13274,12 +11719,12 @@
               <a:buChar char="ü"/>
             </a:pPr>
             <a:r>
-              <a:rPr lang="en-US" sz="1000">
+              <a:rPr lang="de-DE" sz="1000" dirty="0">
                 <a:solidFill>
                   <a:prstClr val="black"/>
                 </a:solidFill>
               </a:rPr>
-              <a:t>Use case development/measurement</a:t>
+              <a:t>Use-Case-Entwicklung/-Messung</a:t>
             </a:r>
           </a:p>
           <a:p>
@@ -13294,12 +11739,12 @@
               <a:buChar char="ü"/>
             </a:pPr>
             <a:r>
-              <a:rPr lang="en-US" sz="1000">
+              <a:rPr lang="de-DE" sz="1000" dirty="0">
                 <a:solidFill>
                   <a:prstClr val="black"/>
                 </a:solidFill>
               </a:rPr>
-              <a:t>Reporting &amp; analysis</a:t>
+              <a:t>Reporting und Analyse</a:t>
             </a:r>
           </a:p>
           <a:p>
@@ -13314,12 +11759,12 @@
               <a:buChar char="ü"/>
             </a:pPr>
             <a:r>
-              <a:rPr lang="en-US" sz="1000">
+              <a:rPr lang="de-DE" sz="1000" dirty="0">
                 <a:solidFill>
                   <a:prstClr val="black"/>
                 </a:solidFill>
               </a:rPr>
-              <a:t>Best practices enablement</a:t>
+              <a:t>Aktivierung von Best Practices</a:t>
             </a:r>
           </a:p>
         </p:txBody>
@@ -13354,19 +11799,15 @@
               </a:spcBef>
             </a:pPr>
             <a:r>
-              <a:rPr sz="1600">
+              <a:rPr lang="de-DE" sz="1600" dirty="0">
                 <a:solidFill>
                   <a:srgbClr val="FFFFFF"/>
                 </a:solidFill>
                 <a:latin typeface="Arial"/>
                 <a:cs typeface="Arial"/>
               </a:rPr>
-              <a:t>Run &amp; Operate</a:t>
-            </a:r>
-            <a:endParaRPr sz="1600">
-              <a:latin typeface="Arial"/>
-              <a:cs typeface="Arial"/>
-            </a:endParaRPr>
+              <a:t>Ausführung und Betrieb</a:t>
+            </a:r>
           </a:p>
           <a:p>
             <a:pPr marL="12700">
@@ -13375,57 +11816,17 @@
               </a:spcBef>
             </a:pPr>
             <a:r>
-              <a:rPr sz="1000">
+              <a:rPr lang="de-DE" sz="1000" dirty="0">
                 <a:solidFill>
                   <a:srgbClr val="1F1F1F"/>
                 </a:solidFill>
                 <a:latin typeface="Adobe Clean"/>
                 <a:cs typeface="Adobe Clean"/>
               </a:rPr>
-              <a:t>As an </a:t>
-            </a:r>
-            <a:r>
-              <a:rPr lang="en-US" sz="1000">
-                <a:solidFill>
-                  <a:srgbClr val="1F1F1F"/>
-                </a:solidFill>
-                <a:latin typeface="Adobe Clean"/>
-                <a:cs typeface="Adobe Clean"/>
-              </a:rPr>
-              <a:t>Elite</a:t>
-            </a:r>
-            <a:r>
-              <a:rPr sz="1000">
-                <a:solidFill>
-                  <a:srgbClr val="1F1F1F"/>
-                </a:solidFill>
-                <a:latin typeface="Adobe Clean"/>
-                <a:cs typeface="Adobe Clean"/>
-              </a:rPr>
-              <a:t> customer, you are</a:t>
-            </a:r>
-            <a:r>
-              <a:rPr lang="en-US" sz="1000">
-                <a:solidFill>
-                  <a:srgbClr val="1F1F1F"/>
-                </a:solidFill>
-                <a:latin typeface="Adobe Clean"/>
-                <a:cs typeface="Adobe Clean"/>
-              </a:rPr>
-              <a:t> </a:t>
-            </a:r>
-            <a:r>
-              <a:rPr sz="1000">
-                <a:solidFill>
-                  <a:srgbClr val="1F1F1F"/>
-                </a:solidFill>
-                <a:latin typeface="Adobe Clean"/>
-                <a:cs typeface="Adobe Clean"/>
-              </a:rPr>
-              <a:t> eligible for</a:t>
-            </a:r>
-            <a:r>
-              <a:rPr lang="en-US" sz="1200">
+              <a:t>Als Elite-Kunde können Sie</a:t>
+            </a:r>
+            <a:r>
+              <a:rPr lang="de-DE" sz="1200" dirty="0">
                 <a:solidFill>
                   <a:srgbClr val="1F1F1F"/>
                 </a:solidFill>
@@ -13440,7 +11841,7 @@
               <a:t> </a:t>
             </a:r>
             <a:r>
-              <a:rPr lang="en-US" sz="1200" u="sng">
+              <a:rPr lang="de-DE" sz="1200" u="sng" dirty="0">
                 <a:solidFill>
                   <a:srgbClr val="1F1F1F"/>
                 </a:solidFill>
@@ -13455,7 +11856,7 @@
               <a:t>4</a:t>
             </a:r>
             <a:r>
-              <a:rPr sz="1200" b="1">
+              <a:rPr lang="de-DE" sz="1200" b="1" dirty="0">
                 <a:solidFill>
                   <a:srgbClr val="1F1F1F"/>
                 </a:solidFill>
@@ -13465,89 +11866,75 @@
               <a:t> </a:t>
             </a:r>
             <a:r>
-              <a:rPr sz="1000" b="1">
+              <a:rPr lang="de-DE" sz="1000" b="1" dirty="0">
                 <a:solidFill>
                   <a:srgbClr val="1F1F1F"/>
                 </a:solidFill>
                 <a:latin typeface="Arial"/>
                 <a:cs typeface="Arial"/>
               </a:rPr>
-              <a:t>activities per </a:t>
-            </a:r>
-            <a:r>
-              <a:rPr lang="en-US" sz="1000" b="1">
+              <a:t>Aktivitäten pro Jahr </a:t>
+            </a:r>
+            <a:r>
+              <a:rPr lang="de-DE" sz="1000" dirty="0">
+                <a:solidFill>
+                  <a:srgbClr val="1F1F1F"/>
+                </a:solidFill>
+                <a:latin typeface="Adobe Clean"/>
+                <a:cs typeface="Arial"/>
+              </a:rPr>
+              <a:t>aus</a:t>
+            </a:r>
+            <a:r>
+              <a:rPr lang="de-DE" sz="1000" dirty="0">
+                <a:solidFill>
+                  <a:srgbClr val="1F1F1F"/>
+                </a:solidFill>
+                <a:latin typeface="Adobe Clean"/>
+                <a:cs typeface="Adobe Clean"/>
+              </a:rPr>
+              <a:t> den folgenden zwei Tracks wählen: </a:t>
+            </a:r>
+            <a:r>
+              <a:rPr lang="de-DE" sz="1000" b="1" dirty="0">
                 <a:solidFill>
                   <a:srgbClr val="1F1F1F"/>
                 </a:solidFill>
                 <a:latin typeface="Arial"/>
                 <a:cs typeface="Arial"/>
               </a:rPr>
-              <a:t>year </a:t>
-            </a:r>
-            <a:r>
-              <a:rPr lang="en-US" sz="1000">
-                <a:solidFill>
-                  <a:srgbClr val="1F1F1F"/>
-                </a:solidFill>
-                <a:latin typeface="Adobe Clean"/>
-                <a:cs typeface="Arial"/>
-              </a:rPr>
-              <a:t>from</a:t>
-            </a:r>
-            <a:r>
-              <a:rPr sz="1000">
+              <a:t>Dem technischen </a:t>
+            </a:r>
+            <a:r>
+              <a:rPr lang="de-DE" sz="1000" dirty="0">
                 <a:solidFill>
                   <a:srgbClr val="1F1F1F"/>
                 </a:solidFill>
                 <a:latin typeface="Adobe Clean"/>
                 <a:cs typeface="Adobe Clean"/>
               </a:rPr>
-              <a:t> the following two tracks: </a:t>
-            </a:r>
-            <a:r>
-              <a:rPr sz="1000" b="1">
+              <a:t>und/oder </a:t>
+            </a:r>
+            <a:r>
+              <a:rPr lang="de-DE" sz="1000" b="1" dirty="0">
                 <a:solidFill>
                   <a:srgbClr val="1F1F1F"/>
                 </a:solidFill>
                 <a:latin typeface="Arial"/>
                 <a:cs typeface="Arial"/>
               </a:rPr>
-              <a:t>Technical </a:t>
-            </a:r>
-            <a:r>
-              <a:rPr sz="1000">
-                <a:solidFill>
-                  <a:srgbClr val="1F1F1F"/>
-                </a:solidFill>
-                <a:latin typeface="Adobe Clean"/>
-                <a:cs typeface="Adobe Clean"/>
-              </a:rPr>
-              <a:t>and/or </a:t>
-            </a:r>
-            <a:r>
-              <a:rPr sz="1000" b="1">
-                <a:solidFill>
-                  <a:srgbClr val="1F1F1F"/>
-                </a:solidFill>
-                <a:latin typeface="Arial"/>
-                <a:cs typeface="Arial"/>
-              </a:rPr>
-              <a:t>Strategic</a:t>
-            </a:r>
-            <a:r>
-              <a:rPr lang="en-US" sz="1000" b="1">
+              <a:t>dem strategischen</a:t>
+            </a:r>
+            <a:r>
+              <a:rPr lang="de-DE" sz="1000" b="1" dirty="0">
                 <a:solidFill>
                   <a:srgbClr val="1F1F1F"/>
                 </a:solidFill>
                 <a:latin typeface="AdobeClean-Light"/>
                 <a:cs typeface="Arial"/>
               </a:rPr>
-              <a:t>.</a:t>
-            </a:r>
-            <a:endParaRPr sz="1000">
-              <a:latin typeface="AdobeClean-Light"/>
-              <a:cs typeface="AdobeClean-Light"/>
-            </a:endParaRPr>
+              <a:t> Track.</a:t>
+            </a:r>
           </a:p>
         </p:txBody>
       </p:sp>
@@ -13560,7 +11947,7 @@
         <p:spPr>
           <a:xfrm>
             <a:off x="923023" y="538480"/>
-            <a:ext cx="2323349" cy="228268"/>
+            <a:ext cx="2928374" cy="228268"/>
           </a:xfrm>
           <a:prstGeom prst="rect">
             <a:avLst/>
@@ -13581,69 +11968,15 @@
               </a:spcBef>
             </a:pPr>
             <a:r>
-              <a:rPr sz="1400" b="1" spc="-15">
+              <a:rPr lang="de-DE" sz="1400" b="1" dirty="0">
                 <a:solidFill>
                   <a:srgbClr val="020302"/>
                 </a:solidFill>
                 <a:latin typeface="Adobe Clean"/>
                 <a:cs typeface="Adobe Clean"/>
               </a:rPr>
-              <a:t>Cloud</a:t>
-            </a:r>
-            <a:r>
-              <a:rPr sz="1400" b="1" spc="-45">
-                <a:solidFill>
-                  <a:srgbClr val="020302"/>
-                </a:solidFill>
-                <a:latin typeface="Adobe Clean"/>
-                <a:cs typeface="Adobe Clean"/>
-              </a:rPr>
-              <a:t> </a:t>
-            </a:r>
-            <a:r>
-              <a:rPr sz="1400" b="1" spc="-15">
-                <a:solidFill>
-                  <a:srgbClr val="020302"/>
-                </a:solidFill>
-                <a:latin typeface="Adobe Clean"/>
-                <a:cs typeface="Adobe Clean"/>
-              </a:rPr>
-              <a:t>Support</a:t>
-            </a:r>
-            <a:r>
-              <a:rPr sz="1400" b="1" spc="-50">
-                <a:solidFill>
-                  <a:srgbClr val="020302"/>
-                </a:solidFill>
-                <a:latin typeface="Adobe Clean"/>
-                <a:cs typeface="Adobe Clean"/>
-              </a:rPr>
-              <a:t> </a:t>
-            </a:r>
-            <a:r>
-              <a:rPr sz="1400" b="1" spc="-15">
-                <a:solidFill>
-                  <a:srgbClr val="020302"/>
-                </a:solidFill>
-                <a:latin typeface="Adobe Clean"/>
-                <a:cs typeface="Adobe Clean"/>
-              </a:rPr>
-              <a:t>Activities</a:t>
-            </a:r>
-            <a:r>
-              <a:rPr lang="en-US" sz="1400" b="1" spc="-15">
-                <a:solidFill>
-                  <a:srgbClr val="020302"/>
-                </a:solidFill>
-                <a:latin typeface="Adobe Clean"/>
-                <a:cs typeface="Adobe Clean"/>
-              </a:rPr>
-              <a:t> - AEM</a:t>
-            </a:r>
-            <a:endParaRPr sz="1400">
-              <a:latin typeface="Adobe Clean"/>
-              <a:cs typeface="Adobe Clean"/>
-            </a:endParaRPr>
+              <a:t>Cloud-Support-Aktivitäten – AEM</a:t>
+            </a:r>
           </a:p>
         </p:txBody>
       </p:sp>
@@ -13656,7 +11989,7 @@
         <p:spPr>
           <a:xfrm>
             <a:off x="924894" y="814263"/>
-            <a:ext cx="2321477" cy="45719"/>
+            <a:ext cx="2452115" cy="46109"/>
           </a:xfrm>
           <a:custGeom>
             <a:avLst/>
@@ -13759,6 +12092,10 @@
           </p:nvPr>
         </p:nvSpPr>
         <p:spPr>
+          <a:xfrm>
+            <a:off x="97787" y="9861194"/>
+            <a:ext cx="2621104" cy="133370"/>
+          </a:xfrm>
           <a:prstGeom prst="rect">
             <a:avLst/>
           </a:prstGeom>
@@ -13778,36 +12115,8 @@
               </a:spcBef>
             </a:pPr>
             <a:r>
-              <a:rPr spc="-5"/>
-              <a:t>©2021 Adobe. All</a:t>
-            </a:r>
-            <a:r>
-              <a:rPr spc="-15"/>
-              <a:t> Rights</a:t>
-            </a:r>
-            <a:r>
-              <a:rPr spc="-10"/>
-              <a:t> </a:t>
-            </a:r>
-            <a:r>
-              <a:rPr spc="-15"/>
-              <a:t>Reserved.</a:t>
-            </a:r>
-            <a:r>
-              <a:rPr spc="-10"/>
-              <a:t> </a:t>
-            </a:r>
-            <a:r>
-              <a:rPr spc="-5"/>
-              <a:t>Adobe</a:t>
-            </a:r>
-            <a:r>
-              <a:rPr spc="60"/>
-              <a:t> </a:t>
-            </a:r>
-            <a:r>
-              <a:rPr spc="-15"/>
-              <a:t>Confidential.</a:t>
+              <a:rPr lang="de-DE" dirty="0"/>
+              <a:t>©2021 Adobe. All Rights Reserved. Adobe Confidential.</a:t>
             </a:r>
           </a:p>
         </p:txBody>
@@ -13863,8 +12172,8 @@
           <a:p>
             <a:pPr algn="ctr"/>
             <a:r>
-              <a:rPr lang="en-US" sz="1600"/>
-              <a:t>Run &amp; Operate</a:t>
+              <a:rPr lang="de-DE" sz="1600"/>
+              <a:t>Ausführung und Betrieb</a:t>
             </a:r>
           </a:p>
         </p:txBody>
@@ -13920,8 +12229,8 @@
           <a:p>
             <a:pPr algn="ctr"/>
             <a:r>
-              <a:rPr lang="en-US" sz="1600"/>
-              <a:t>Implementation</a:t>
+              <a:rPr lang="de-DE" sz="1600"/>
+              <a:t>Implementierung</a:t>
             </a:r>
           </a:p>
         </p:txBody>
@@ -13956,8 +12265,8 @@
           <a:p>
             <a:pPr algn="ctr"/>
             <a:r>
-              <a:rPr lang="en-US" sz="1100"/>
-              <a:t>Post Launch</a:t>
+              <a:rPr lang="de-DE" sz="1100"/>
+              <a:t>Post-Launch</a:t>
             </a:r>
           </a:p>
         </p:txBody>
@@ -13992,7 +12301,7 @@
           <a:p>
             <a:pPr algn="ctr"/>
             <a:r>
-              <a:rPr lang="en-US" sz="1100"/>
+              <a:rPr lang="de-DE" sz="1100"/>
               <a:t>Go-Live</a:t>
             </a:r>
           </a:p>
@@ -14028,8 +12337,8 @@
           <a:p>
             <a:pPr algn="ctr"/>
             <a:r>
-              <a:rPr lang="en-US" sz="1100"/>
-              <a:t>Define</a:t>
+              <a:rPr lang="de-DE" sz="1100"/>
+              <a:t>Definition</a:t>
             </a:r>
           </a:p>
         </p:txBody>
@@ -14064,7 +12373,7 @@
           <a:p>
             <a:pPr algn="ctr"/>
             <a:r>
-              <a:rPr lang="en-US" sz="1100"/>
+              <a:rPr lang="de-DE" sz="1100"/>
               <a:t>Kickoff</a:t>
             </a:r>
           </a:p>
@@ -14100,7 +12409,7 @@
           <a:p>
             <a:pPr algn="ctr"/>
             <a:r>
-              <a:rPr lang="en-US" sz="1100"/>
+              <a:rPr lang="de-DE" sz="1100"/>
               <a:t>Design</a:t>
             </a:r>
           </a:p>
@@ -14158,14 +12467,14 @@
           <a:p>
             <a:pPr algn="ctr"/>
             <a:r>
-              <a:rPr lang="en-US" sz="1400">
+              <a:rPr lang="de-DE" sz="1400" dirty="0">
                 <a:solidFill>
                   <a:schemeClr val="accent1">
                     <a:lumMod val="50000"/>
                   </a:schemeClr>
                 </a:solidFill>
               </a:rPr>
-              <a:t>4 Activities per Year</a:t>
+              <a:t>4 Aktivitäten pro Jahr</a:t>
             </a:r>
           </a:p>
         </p:txBody>
@@ -14185,7 +12494,7 @@
         <p:spPr>
           <a:xfrm>
             <a:off x="5265661" y="1471646"/>
-            <a:ext cx="2194560" cy="536622"/>
+            <a:ext cx="2194560" cy="716093"/>
           </a:xfrm>
           <a:prstGeom prst="rect">
             <a:avLst/>
@@ -14206,20 +12515,65 @@
               </a:spcBef>
             </a:pPr>
             <a:r>
-              <a:rPr lang="en-US" sz="1000">
+              <a:rPr lang="de-DE" sz="1000" dirty="0">
                 <a:solidFill>
                   <a:srgbClr val="4B4B4B"/>
                 </a:solidFill>
                 <a:latin typeface="Adobe Clean Light" panose="020B0303020404020204" pitchFamily="34" charset="0"/>
               </a:rPr>
-              <a:t>Drive adoption of customization best practices and core components in AEM as a Cloud Service.</a:t>
-            </a:r>
-            <a:endParaRPr sz="1000">
-              <a:solidFill>
-                <a:srgbClr val="4B4B4B"/>
-              </a:solidFill>
-              <a:latin typeface="Adobe Clean Light" panose="020B0303020404020204" pitchFamily="34" charset="0"/>
-            </a:endParaRPr>
+              <a:t>Förderung der Übernahme von </a:t>
+            </a:r>
+            <a:br>
+              <a:rPr lang="de-DE" sz="1000" dirty="0">
+                <a:solidFill>
+                  <a:srgbClr val="4B4B4B"/>
+                </a:solidFill>
+                <a:latin typeface="Adobe Clean Light" panose="020B0303020404020204" pitchFamily="34" charset="0"/>
+              </a:rPr>
+            </a:br>
+            <a:r>
+              <a:rPr lang="de-DE" sz="1000" dirty="0">
+                <a:solidFill>
+                  <a:srgbClr val="4B4B4B"/>
+                </a:solidFill>
+                <a:latin typeface="Adobe Clean Light" panose="020B0303020404020204" pitchFamily="34" charset="0"/>
+              </a:rPr>
+              <a:t>Best Practices für die Anpassung </a:t>
+            </a:r>
+            <a:br>
+              <a:rPr lang="de-DE" sz="1000" dirty="0">
+                <a:solidFill>
+                  <a:srgbClr val="4B4B4B"/>
+                </a:solidFill>
+                <a:latin typeface="Adobe Clean Light" panose="020B0303020404020204" pitchFamily="34" charset="0"/>
+              </a:rPr>
+            </a:br>
+            <a:r>
+              <a:rPr lang="de-DE" sz="1000" dirty="0">
+                <a:solidFill>
+                  <a:srgbClr val="4B4B4B"/>
+                </a:solidFill>
+                <a:latin typeface="Adobe Clean Light" panose="020B0303020404020204" pitchFamily="34" charset="0"/>
+              </a:rPr>
+              <a:t>und Kernkomponenten in AEM as </a:t>
+            </a:r>
+            <a:br>
+              <a:rPr lang="de-DE" sz="1000" dirty="0">
+                <a:solidFill>
+                  <a:srgbClr val="4B4B4B"/>
+                </a:solidFill>
+                <a:latin typeface="Adobe Clean Light" panose="020B0303020404020204" pitchFamily="34" charset="0"/>
+              </a:rPr>
+            </a:br>
+            <a:r>
+              <a:rPr lang="de-DE" sz="1000" dirty="0">
+                <a:solidFill>
+                  <a:srgbClr val="4B4B4B"/>
+                </a:solidFill>
+                <a:latin typeface="Adobe Clean Light" panose="020B0303020404020204" pitchFamily="34" charset="0"/>
+              </a:rPr>
+              <a:t>a Cloud Service.</a:t>
+            </a:r>
           </a:p>
         </p:txBody>
       </p:sp>
@@ -14259,20 +12613,14 @@
               </a:spcBef>
             </a:pPr>
             <a:r>
-              <a:rPr lang="en-US" sz="1000">
+              <a:rPr lang="de-DE" sz="1000" dirty="0">
                 <a:solidFill>
                   <a:srgbClr val="4B4B4B"/>
                 </a:solidFill>
                 <a:latin typeface="Adobe Clean Light" panose="020B0303020404020204" pitchFamily="34" charset="0"/>
               </a:rPr>
-              <a:t>Identify, review and provide recommendations on customized solution adoption areas that have opportunities for optimization.</a:t>
-            </a:r>
-            <a:endParaRPr sz="1000">
-              <a:solidFill>
-                <a:srgbClr val="4B4B4B"/>
-              </a:solidFill>
-              <a:latin typeface="Adobe Clean Light" panose="020B0303020404020204" pitchFamily="34" charset="0"/>
-            </a:endParaRPr>
+              <a:t>Identifizieren, Prüfen und Bereitstellen von Empfehlungen zu individuellen Lösungsübernahmebereichen mit Optimierungsmöglichkeiten.</a:t>
+            </a:r>
           </a:p>
         </p:txBody>
       </p:sp>
@@ -14312,20 +12660,14 @@
               </a:spcBef>
             </a:pPr>
             <a:r>
-              <a:rPr lang="en-US" sz="1000">
+              <a:rPr lang="de-DE" sz="1000" dirty="0">
                 <a:solidFill>
                   <a:srgbClr val="4B4B4B"/>
                 </a:solidFill>
                 <a:latin typeface="Adobe Clean Light" panose="020B0303020404020204" pitchFamily="34" charset="0"/>
               </a:rPr>
-              <a:t>Technical &amp; operational governance to assist AEM as a Cloud Service Customers in adhering to industry standards and best practices for AEM as a Cloud Service.</a:t>
-            </a:r>
-            <a:endParaRPr sz="1000">
-              <a:solidFill>
-                <a:srgbClr val="4B4B4B"/>
-              </a:solidFill>
-              <a:latin typeface="Adobe Clean Light" panose="020B0303020404020204" pitchFamily="34" charset="0"/>
-            </a:endParaRPr>
+              <a:t>Technische und betriebliche Governance für die Unterstützung von AEM as a Cloud Service-Kunden bei der Einhaltung von Branchenstandards und Best Practices für AEM as a Cloud Service.</a:t>
+            </a:r>
           </a:p>
         </p:txBody>
       </p:sp>
@@ -14344,7 +12686,7 @@
         <p:spPr>
           <a:xfrm>
             <a:off x="5181600" y="936612"/>
-            <a:ext cx="1972258" cy="461665"/>
+            <a:ext cx="2350006" cy="461665"/>
           </a:xfrm>
           <a:prstGeom prst="rect">
             <a:avLst/>
@@ -14365,489 +12707,15 @@
               </a:spcBef>
             </a:pPr>
             <a:r>
-              <a:rPr lang="en-US" sz="1200" b="1" spc="-15">
+              <a:rPr lang="de-DE" sz="1200" b="1" dirty="0">
                 <a:solidFill>
                   <a:srgbClr val="020302"/>
                 </a:solidFill>
                 <a:latin typeface="Adobe Clean"/>
                 <a:cs typeface="Adobe Clean"/>
               </a:rPr>
-              <a:t>C</a:t>
-            </a:r>
-            <a:r>
-              <a:rPr lang="en-US" sz="1200" b="1" spc="-20">
-                <a:solidFill>
-                  <a:srgbClr val="020302"/>
-                </a:solidFill>
-                <a:latin typeface="Adobe Clean"/>
-                <a:cs typeface="Adobe Clean"/>
-              </a:rPr>
-              <a:t>u</a:t>
-            </a:r>
-            <a:r>
-              <a:rPr lang="en-US" sz="1200" b="1" spc="-25">
-                <a:solidFill>
-                  <a:srgbClr val="020302"/>
-                </a:solidFill>
-                <a:latin typeface="Adobe Clean"/>
-                <a:cs typeface="Adobe Clean"/>
-              </a:rPr>
-              <a:t>st</a:t>
-            </a:r>
-            <a:r>
-              <a:rPr lang="en-US" sz="1200" b="1" spc="-15">
-                <a:solidFill>
-                  <a:srgbClr val="020302"/>
-                </a:solidFill>
-                <a:latin typeface="Adobe Clean"/>
-                <a:cs typeface="Adobe Clean"/>
-              </a:rPr>
-              <a:t>o</a:t>
-            </a:r>
-            <a:r>
-              <a:rPr lang="en-US" sz="1200" b="1" spc="-20">
-                <a:solidFill>
-                  <a:srgbClr val="020302"/>
-                </a:solidFill>
-                <a:latin typeface="Adobe Clean"/>
-                <a:cs typeface="Adobe Clean"/>
-              </a:rPr>
-              <a:t>miza</a:t>
-            </a:r>
-            <a:r>
-              <a:rPr lang="en-US" sz="1200" b="1" spc="-25">
-                <a:solidFill>
-                  <a:srgbClr val="020302"/>
-                </a:solidFill>
-                <a:latin typeface="Adobe Clean"/>
-                <a:cs typeface="Adobe Clean"/>
-              </a:rPr>
-              <a:t>t</a:t>
-            </a:r>
-            <a:r>
-              <a:rPr lang="en-US" sz="1200" b="1" spc="-20">
-                <a:solidFill>
-                  <a:srgbClr val="020302"/>
-                </a:solidFill>
-                <a:latin typeface="Adobe Clean"/>
-                <a:cs typeface="Adobe Clean"/>
-              </a:rPr>
-              <a:t>i</a:t>
-            </a:r>
-            <a:r>
-              <a:rPr lang="en-US" sz="1200" b="1" spc="-15">
-                <a:solidFill>
-                  <a:srgbClr val="020302"/>
-                </a:solidFill>
-                <a:latin typeface="Adobe Clean"/>
-                <a:cs typeface="Adobe Clean"/>
-              </a:rPr>
-              <a:t>o</a:t>
-            </a:r>
-            <a:r>
-              <a:rPr lang="en-US" sz="1200" b="1">
-                <a:solidFill>
-                  <a:srgbClr val="020302"/>
-                </a:solidFill>
-                <a:latin typeface="Adobe Clean"/>
-                <a:cs typeface="Adobe Clean"/>
-              </a:rPr>
-              <a:t>n</a:t>
-            </a:r>
-            <a:r>
-              <a:rPr lang="en-US" sz="1200" b="1" spc="-50">
-                <a:solidFill>
-                  <a:srgbClr val="020302"/>
-                </a:solidFill>
-                <a:latin typeface="Adobe Clean"/>
-                <a:cs typeface="Adobe Clean"/>
-              </a:rPr>
-              <a:t> </a:t>
-            </a:r>
-            <a:r>
-              <a:rPr lang="en-US" sz="1200" b="1" spc="-20">
-                <a:solidFill>
-                  <a:srgbClr val="020302"/>
-                </a:solidFill>
-                <a:latin typeface="Adobe Clean"/>
-                <a:cs typeface="Adobe Clean"/>
-              </a:rPr>
-              <a:t>B</a:t>
-            </a:r>
-            <a:r>
-              <a:rPr lang="en-US" sz="1200" b="1" spc="-25">
-                <a:solidFill>
-                  <a:srgbClr val="020302"/>
-                </a:solidFill>
-                <a:latin typeface="Adobe Clean"/>
-                <a:cs typeface="Adobe Clean"/>
-              </a:rPr>
-              <a:t>es</a:t>
-            </a:r>
-            <a:r>
-              <a:rPr lang="en-US" sz="1200" b="1">
-                <a:solidFill>
-                  <a:srgbClr val="020302"/>
-                </a:solidFill>
-                <a:latin typeface="Adobe Clean"/>
-                <a:cs typeface="Adobe Clean"/>
-              </a:rPr>
-              <a:t>t</a:t>
-            </a:r>
-            <a:r>
-              <a:rPr lang="en-US" sz="1200" b="1" spc="-50">
-                <a:solidFill>
-                  <a:srgbClr val="020302"/>
-                </a:solidFill>
-                <a:latin typeface="Adobe Clean"/>
-                <a:cs typeface="Adobe Clean"/>
-              </a:rPr>
-              <a:t> </a:t>
-            </a:r>
-            <a:r>
-              <a:rPr lang="en-US" sz="1200" b="1" spc="-25">
-                <a:solidFill>
-                  <a:srgbClr val="020302"/>
-                </a:solidFill>
-                <a:latin typeface="Adobe Clean"/>
-                <a:cs typeface="Adobe Clean"/>
-              </a:rPr>
-              <a:t>P</a:t>
-            </a:r>
-            <a:r>
-              <a:rPr lang="en-US" sz="1200" b="1" spc="-20">
-                <a:solidFill>
-                  <a:srgbClr val="020302"/>
-                </a:solidFill>
-                <a:latin typeface="Adobe Clean"/>
-                <a:cs typeface="Adobe Clean"/>
-              </a:rPr>
-              <a:t>ra</a:t>
-            </a:r>
-            <a:r>
-              <a:rPr lang="en-US" sz="1200" b="1" spc="-30">
-                <a:solidFill>
-                  <a:srgbClr val="020302"/>
-                </a:solidFill>
-                <a:latin typeface="Adobe Clean"/>
-                <a:cs typeface="Adobe Clean"/>
-              </a:rPr>
-              <a:t>c</a:t>
-            </a:r>
-            <a:r>
-              <a:rPr lang="en-US" sz="1200" b="1" spc="-25">
-                <a:solidFill>
-                  <a:srgbClr val="020302"/>
-                </a:solidFill>
-                <a:latin typeface="Adobe Clean"/>
-                <a:cs typeface="Adobe Clean"/>
-              </a:rPr>
-              <a:t>t</a:t>
-            </a:r>
-            <a:r>
-              <a:rPr lang="en-US" sz="1200" b="1" spc="-20">
-                <a:solidFill>
-                  <a:srgbClr val="020302"/>
-                </a:solidFill>
-                <a:latin typeface="Adobe Clean"/>
-                <a:cs typeface="Adobe Clean"/>
-              </a:rPr>
-              <a:t>i</a:t>
-            </a:r>
-            <a:r>
-              <a:rPr lang="en-US" sz="1200" b="1" spc="-30">
-                <a:solidFill>
-                  <a:srgbClr val="020302"/>
-                </a:solidFill>
-                <a:latin typeface="Adobe Clean"/>
-                <a:cs typeface="Adobe Clean"/>
-              </a:rPr>
-              <a:t>c</a:t>
-            </a:r>
-            <a:r>
-              <a:rPr lang="en-US" sz="1200" b="1" spc="-25">
-                <a:solidFill>
-                  <a:srgbClr val="020302"/>
-                </a:solidFill>
-                <a:latin typeface="Adobe Clean"/>
-                <a:cs typeface="Adobe Clean"/>
-              </a:rPr>
-              <a:t>e</a:t>
-            </a:r>
-            <a:r>
-              <a:rPr lang="en-US" sz="1200" b="1">
-                <a:solidFill>
-                  <a:srgbClr val="020302"/>
-                </a:solidFill>
-                <a:latin typeface="Adobe Clean"/>
-                <a:cs typeface="Adobe Clean"/>
-              </a:rPr>
-              <a:t>s</a:t>
-            </a:r>
-            <a:r>
-              <a:rPr lang="en-US" sz="1200" b="1" spc="-45">
-                <a:solidFill>
-                  <a:srgbClr val="020302"/>
-                </a:solidFill>
-                <a:latin typeface="Adobe Clean"/>
-                <a:cs typeface="Adobe Clean"/>
-              </a:rPr>
-              <a:t> </a:t>
-            </a:r>
-            <a:r>
-              <a:rPr lang="en-US" sz="1200" b="1" spc="-25">
-                <a:solidFill>
-                  <a:srgbClr val="020302"/>
-                </a:solidFill>
-                <a:latin typeface="Adobe Clean"/>
-                <a:cs typeface="Adobe Clean"/>
-              </a:rPr>
-              <a:t>f</a:t>
-            </a:r>
-            <a:r>
-              <a:rPr lang="en-US" sz="1200" b="1" spc="-15">
-                <a:solidFill>
-                  <a:srgbClr val="020302"/>
-                </a:solidFill>
-                <a:latin typeface="Adobe Clean"/>
-                <a:cs typeface="Adobe Clean"/>
-              </a:rPr>
-              <a:t>o</a:t>
-            </a:r>
-            <a:r>
-              <a:rPr lang="en-US" sz="1200" b="1">
-                <a:solidFill>
-                  <a:srgbClr val="020302"/>
-                </a:solidFill>
-                <a:latin typeface="Adobe Clean"/>
-                <a:cs typeface="Adobe Clean"/>
-              </a:rPr>
-              <a:t>r</a:t>
-            </a:r>
-            <a:r>
-              <a:rPr lang="en-US" sz="1200" b="1" spc="-45">
-                <a:solidFill>
-                  <a:srgbClr val="020302"/>
-                </a:solidFill>
-                <a:latin typeface="Adobe Clean"/>
-                <a:cs typeface="Adobe Clean"/>
-              </a:rPr>
-              <a:t> </a:t>
-            </a:r>
-            <a:r>
-              <a:rPr lang="en-US" sz="1200" b="1" spc="-30">
-                <a:solidFill>
-                  <a:srgbClr val="020302"/>
-                </a:solidFill>
-                <a:latin typeface="Adobe Clean"/>
-                <a:cs typeface="Adobe Clean"/>
-              </a:rPr>
-              <a:t>AE</a:t>
-            </a:r>
-            <a:r>
-              <a:rPr lang="en-US" sz="1200" b="1">
-                <a:solidFill>
-                  <a:srgbClr val="020302"/>
-                </a:solidFill>
-                <a:latin typeface="Adobe Clean"/>
-                <a:cs typeface="Adobe Clean"/>
-              </a:rPr>
-              <a:t>M</a:t>
-            </a:r>
-            <a:r>
-              <a:rPr lang="en-US" sz="1200" b="1" spc="-55">
-                <a:solidFill>
-                  <a:srgbClr val="020302"/>
-                </a:solidFill>
-                <a:latin typeface="Adobe Clean"/>
-                <a:cs typeface="Adobe Clean"/>
-              </a:rPr>
-              <a:t> </a:t>
-            </a:r>
-            <a:r>
-              <a:rPr lang="en-US" sz="1200" b="1" spc="-20">
-                <a:solidFill>
-                  <a:srgbClr val="020302"/>
-                </a:solidFill>
-                <a:latin typeface="Adobe Clean"/>
-                <a:cs typeface="Adobe Clean"/>
-              </a:rPr>
-              <a:t>a</a:t>
-            </a:r>
-            <a:r>
-              <a:rPr lang="en-US" sz="1200" b="1">
-                <a:solidFill>
-                  <a:srgbClr val="020302"/>
-                </a:solidFill>
-                <a:latin typeface="Adobe Clean"/>
-                <a:cs typeface="Adobe Clean"/>
-              </a:rPr>
-              <a:t>s</a:t>
-            </a:r>
-            <a:r>
-              <a:rPr lang="en-US" sz="1200" b="1" spc="-45">
-                <a:solidFill>
-                  <a:srgbClr val="020302"/>
-                </a:solidFill>
-                <a:latin typeface="Adobe Clean"/>
-                <a:cs typeface="Adobe Clean"/>
-              </a:rPr>
-              <a:t> </a:t>
-            </a:r>
-            <a:r>
-              <a:rPr lang="en-US" sz="1200" b="1">
-                <a:solidFill>
-                  <a:srgbClr val="020302"/>
-                </a:solidFill>
-                <a:latin typeface="Adobe Clean"/>
-                <a:cs typeface="Adobe Clean"/>
-              </a:rPr>
-              <a:t>a</a:t>
-            </a:r>
-            <a:r>
-              <a:rPr lang="en-US" sz="1200" b="1" spc="-45">
-                <a:solidFill>
-                  <a:srgbClr val="020302"/>
-                </a:solidFill>
-                <a:latin typeface="Adobe Clean"/>
-                <a:cs typeface="Adobe Clean"/>
-              </a:rPr>
-              <a:t> </a:t>
-            </a:r>
-            <a:r>
-              <a:rPr lang="en-US" sz="1200" b="1" spc="-15">
-                <a:solidFill>
-                  <a:srgbClr val="020302"/>
-                </a:solidFill>
-                <a:latin typeface="Adobe Clean"/>
-                <a:cs typeface="Adobe Clean"/>
-              </a:rPr>
-              <a:t>C</a:t>
-            </a:r>
-            <a:r>
-              <a:rPr lang="en-US" sz="1200" b="1" spc="-25">
-                <a:solidFill>
-                  <a:srgbClr val="020302"/>
-                </a:solidFill>
-                <a:latin typeface="Adobe Clean"/>
-                <a:cs typeface="Adobe Clean"/>
-              </a:rPr>
-              <a:t>l</a:t>
-            </a:r>
-            <a:r>
-              <a:rPr lang="en-US" sz="1200" b="1" spc="-15">
-                <a:solidFill>
-                  <a:srgbClr val="020302"/>
-                </a:solidFill>
-                <a:latin typeface="Adobe Clean"/>
-                <a:cs typeface="Adobe Clean"/>
-              </a:rPr>
-              <a:t>o</a:t>
-            </a:r>
-            <a:r>
-              <a:rPr lang="en-US" sz="1200" b="1" spc="-20">
-                <a:solidFill>
-                  <a:srgbClr val="020302"/>
-                </a:solidFill>
-                <a:latin typeface="Adobe Clean"/>
-                <a:cs typeface="Adobe Clean"/>
-              </a:rPr>
-              <a:t>u</a:t>
-            </a:r>
-            <a:r>
-              <a:rPr lang="en-US" sz="1200" b="1">
-                <a:solidFill>
-                  <a:srgbClr val="020302"/>
-                </a:solidFill>
-                <a:latin typeface="Adobe Clean"/>
-                <a:cs typeface="Adobe Clean"/>
-              </a:rPr>
-              <a:t>d</a:t>
-            </a:r>
-            <a:r>
-              <a:rPr lang="en-US" sz="1200" b="1" spc="-50">
-                <a:solidFill>
-                  <a:srgbClr val="020302"/>
-                </a:solidFill>
-                <a:latin typeface="Adobe Clean"/>
-                <a:cs typeface="Adobe Clean"/>
-              </a:rPr>
-              <a:t> </a:t>
-            </a:r>
-            <a:r>
-              <a:rPr lang="en-US" sz="1200" b="1" spc="-20">
-                <a:solidFill>
-                  <a:srgbClr val="020302"/>
-                </a:solidFill>
-                <a:latin typeface="Adobe Clean"/>
-                <a:cs typeface="Adobe Clean"/>
-              </a:rPr>
-              <a:t>S</a:t>
-            </a:r>
-            <a:r>
-              <a:rPr lang="en-US" sz="1200" b="1" spc="-25">
-                <a:solidFill>
-                  <a:srgbClr val="020302"/>
-                </a:solidFill>
-                <a:latin typeface="Adobe Clean"/>
-                <a:cs typeface="Adobe Clean"/>
-              </a:rPr>
-              <a:t>e</a:t>
-            </a:r>
-            <a:r>
-              <a:rPr lang="en-US" sz="1200" b="1" spc="-20">
-                <a:solidFill>
-                  <a:srgbClr val="020302"/>
-                </a:solidFill>
-                <a:latin typeface="Adobe Clean"/>
-                <a:cs typeface="Adobe Clean"/>
-              </a:rPr>
-              <a:t>r</a:t>
-            </a:r>
-            <a:r>
-              <a:rPr lang="en-US" sz="1200" b="1" spc="-30">
-                <a:solidFill>
-                  <a:srgbClr val="020302"/>
-                </a:solidFill>
-                <a:latin typeface="Adobe Clean"/>
-                <a:cs typeface="Adobe Clean"/>
-              </a:rPr>
-              <a:t>v</a:t>
-            </a:r>
-            <a:r>
-              <a:rPr lang="en-US" sz="1200" b="1" spc="-20">
-                <a:solidFill>
-                  <a:srgbClr val="020302"/>
-                </a:solidFill>
-                <a:latin typeface="Adobe Clean"/>
-                <a:cs typeface="Adobe Clean"/>
-              </a:rPr>
-              <a:t>i</a:t>
-            </a:r>
-            <a:r>
-              <a:rPr lang="en-US" sz="1200" b="1" spc="-30">
-                <a:solidFill>
-                  <a:srgbClr val="020302"/>
-                </a:solidFill>
-                <a:latin typeface="Adobe Clean"/>
-                <a:cs typeface="Adobe Clean"/>
-              </a:rPr>
-              <a:t>c</a:t>
-            </a:r>
-            <a:r>
-              <a:rPr lang="en-US" sz="1200" b="1">
-                <a:solidFill>
-                  <a:srgbClr val="020302"/>
-                </a:solidFill>
-                <a:latin typeface="Adobe Clean"/>
-                <a:cs typeface="Adobe Clean"/>
-              </a:rPr>
-              <a:t>e</a:t>
-            </a:r>
-            <a:endParaRPr lang="en-US" sz="1200">
-              <a:latin typeface="Adobe Clean"/>
-              <a:cs typeface="Adobe Clean"/>
-            </a:endParaRPr>
+              <a:t>Best Practices für die Anpassung von AEM as a Cloud Service</a:t>
+            </a:r>
           </a:p>
         </p:txBody>
       </p:sp>
@@ -14887,19 +12755,15 @@
               </a:spcBef>
             </a:pPr>
             <a:r>
-              <a:rPr lang="en-US" sz="1200" b="1" spc="-25">
+              <a:rPr lang="de-DE" sz="1200" b="1" dirty="0">
                 <a:solidFill>
                   <a:srgbClr val="020302"/>
                 </a:solidFill>
                 <a:latin typeface="Adobe Clean"/>
                 <a:cs typeface="Adobe Clean"/>
               </a:rPr>
-              <a:t>Value-added Services for AEM as a Cloud Service</a:t>
-            </a:r>
-            <a:endParaRPr lang="en-US" sz="1200">
-              <a:latin typeface="Adobe Clean"/>
-              <a:cs typeface="Adobe Clean"/>
-            </a:endParaRPr>
+              <a:t>Zusatz-Services für AEM as a Cloud Service</a:t>
+            </a:r>
           </a:p>
         </p:txBody>
       </p:sp>
@@ -14939,359 +12803,34 @@
               </a:spcBef>
             </a:pPr>
             <a:r>
-              <a:rPr lang="en-US" sz="1200" b="1" spc="-20">
+              <a:rPr lang="de-DE" sz="1200" b="1" dirty="0">
                 <a:solidFill>
                   <a:srgbClr val="020302"/>
                 </a:solidFill>
                 <a:latin typeface="Adobe Clean"/>
                 <a:cs typeface="Adobe Clean"/>
               </a:rPr>
-              <a:t>G</a:t>
-            </a:r>
-            <a:r>
-              <a:rPr lang="en-US" sz="1200" b="1" spc="-15">
+              <a:t>Governance für AEM </a:t>
+            </a:r>
+            <a:br>
+              <a:rPr lang="de-DE" sz="1200" b="1" dirty="0">
                 <a:solidFill>
                   <a:srgbClr val="020302"/>
                 </a:solidFill>
                 <a:latin typeface="Adobe Clean"/>
                 <a:cs typeface="Adobe Clean"/>
               </a:rPr>
-              <a:t>o</a:t>
-            </a:r>
-            <a:r>
-              <a:rPr lang="en-US" sz="1200" b="1" spc="-25">
+            </a:br>
+            <a:r>
+              <a:rPr lang="de-DE" sz="1200" b="1" dirty="0">
                 <a:solidFill>
                   <a:srgbClr val="020302"/>
                 </a:solidFill>
                 <a:latin typeface="Adobe Clean"/>
                 <a:cs typeface="Adobe Clean"/>
               </a:rPr>
-              <a:t>ve</a:t>
-            </a:r>
-            <a:r>
-              <a:rPr lang="en-US" sz="1200" b="1" spc="-20">
-                <a:solidFill>
-                  <a:srgbClr val="020302"/>
-                </a:solidFill>
-                <a:latin typeface="Adobe Clean"/>
-                <a:cs typeface="Adobe Clean"/>
-              </a:rPr>
-              <a:t>r</a:t>
-            </a:r>
-            <a:r>
-              <a:rPr lang="en-US" sz="1200" b="1" spc="-25">
-                <a:solidFill>
-                  <a:srgbClr val="020302"/>
-                </a:solidFill>
-                <a:latin typeface="Adobe Clean"/>
-                <a:cs typeface="Adobe Clean"/>
-              </a:rPr>
-              <a:t>n</a:t>
-            </a:r>
-            <a:r>
-              <a:rPr lang="en-US" sz="1200" b="1" spc="-20">
-                <a:solidFill>
-                  <a:srgbClr val="020302"/>
-                </a:solidFill>
-                <a:latin typeface="Adobe Clean"/>
-                <a:cs typeface="Adobe Clean"/>
-              </a:rPr>
-              <a:t>a</a:t>
-            </a:r>
-            <a:r>
-              <a:rPr lang="en-US" sz="1200" b="1" spc="-25">
-                <a:solidFill>
-                  <a:srgbClr val="020302"/>
-                </a:solidFill>
-                <a:latin typeface="Adobe Clean"/>
-                <a:cs typeface="Adobe Clean"/>
-              </a:rPr>
-              <a:t>n</a:t>
-            </a:r>
-            <a:r>
-              <a:rPr lang="en-US" sz="1200" b="1" spc="-30">
-                <a:solidFill>
-                  <a:srgbClr val="020302"/>
-                </a:solidFill>
-                <a:latin typeface="Adobe Clean"/>
-                <a:cs typeface="Adobe Clean"/>
-              </a:rPr>
-              <a:t>c</a:t>
-            </a:r>
-            <a:r>
-              <a:rPr lang="en-US" sz="1200" b="1">
-                <a:solidFill>
-                  <a:srgbClr val="020302"/>
-                </a:solidFill>
-                <a:latin typeface="Adobe Clean"/>
-                <a:cs typeface="Adobe Clean"/>
-              </a:rPr>
-              <a:t>e</a:t>
-            </a:r>
-            <a:r>
-              <a:rPr lang="en-US" sz="1200" b="1" spc="-50">
-                <a:solidFill>
-                  <a:srgbClr val="020302"/>
-                </a:solidFill>
-                <a:latin typeface="Adobe Clean"/>
-                <a:cs typeface="Adobe Clean"/>
-              </a:rPr>
-              <a:t> </a:t>
-            </a:r>
-            <a:r>
-              <a:rPr lang="en-US" sz="1200" b="1" spc="-25">
-                <a:solidFill>
-                  <a:srgbClr val="020302"/>
-                </a:solidFill>
-                <a:latin typeface="Adobe Clean"/>
-                <a:cs typeface="Adobe Clean"/>
-              </a:rPr>
-              <a:t>f</a:t>
-            </a:r>
-            <a:r>
-              <a:rPr lang="en-US" sz="1200" b="1" spc="-15">
-                <a:solidFill>
-                  <a:srgbClr val="020302"/>
-                </a:solidFill>
-                <a:latin typeface="Adobe Clean"/>
-                <a:cs typeface="Adobe Clean"/>
-              </a:rPr>
-              <a:t>o</a:t>
-            </a:r>
-            <a:r>
-              <a:rPr lang="en-US" sz="1200" b="1">
-                <a:solidFill>
-                  <a:srgbClr val="020302"/>
-                </a:solidFill>
-                <a:latin typeface="Adobe Clean"/>
-                <a:cs typeface="Adobe Clean"/>
-              </a:rPr>
-              <a:t>r</a:t>
-            </a:r>
-            <a:r>
-              <a:rPr lang="en-US" sz="1200" b="1" spc="-45">
-                <a:solidFill>
-                  <a:srgbClr val="020302"/>
-                </a:solidFill>
-                <a:latin typeface="Adobe Clean"/>
-                <a:cs typeface="Adobe Clean"/>
-              </a:rPr>
-              <a:t> </a:t>
-            </a:r>
-            <a:r>
-              <a:rPr lang="en-US" sz="1200" b="1" spc="-30">
-                <a:solidFill>
-                  <a:srgbClr val="020302"/>
-                </a:solidFill>
-                <a:latin typeface="Adobe Clean"/>
-                <a:cs typeface="Adobe Clean"/>
-              </a:rPr>
-              <a:t>A</a:t>
-            </a:r>
-            <a:r>
-              <a:rPr lang="en-US" sz="1200" b="1" spc="-25">
-                <a:solidFill>
-                  <a:srgbClr val="020302"/>
-                </a:solidFill>
-                <a:latin typeface="Adobe Clean"/>
-                <a:cs typeface="Adobe Clean"/>
-              </a:rPr>
-              <a:t>E</a:t>
-            </a:r>
-            <a:r>
-              <a:rPr lang="en-US" sz="1200" b="1">
-                <a:solidFill>
-                  <a:srgbClr val="020302"/>
-                </a:solidFill>
-                <a:latin typeface="Adobe Clean"/>
-                <a:cs typeface="Adobe Clean"/>
-              </a:rPr>
-              <a:t>M</a:t>
-            </a:r>
-            <a:r>
-              <a:rPr lang="en-US" sz="1200" b="1" spc="-50">
-                <a:solidFill>
-                  <a:srgbClr val="020302"/>
-                </a:solidFill>
-                <a:latin typeface="Adobe Clean"/>
-                <a:cs typeface="Adobe Clean"/>
-              </a:rPr>
-              <a:t> </a:t>
-            </a:r>
-            <a:r>
-              <a:rPr lang="en-US" sz="1200" b="1" spc="-20">
-                <a:solidFill>
-                  <a:srgbClr val="020302"/>
-                </a:solidFill>
-                <a:latin typeface="Adobe Clean"/>
-                <a:cs typeface="Adobe Clean"/>
-              </a:rPr>
-              <a:t>a</a:t>
-            </a:r>
-            <a:r>
-              <a:rPr lang="en-US" sz="1200" b="1">
-                <a:solidFill>
-                  <a:srgbClr val="020302"/>
-                </a:solidFill>
-                <a:latin typeface="Adobe Clean"/>
-                <a:cs typeface="Adobe Clean"/>
-              </a:rPr>
-              <a:t>s</a:t>
-            </a:r>
-            <a:r>
-              <a:rPr lang="en-US" sz="1200" b="1" spc="-45">
-                <a:solidFill>
-                  <a:srgbClr val="020302"/>
-                </a:solidFill>
-                <a:latin typeface="Adobe Clean"/>
-                <a:cs typeface="Adobe Clean"/>
-              </a:rPr>
-              <a:t> </a:t>
-            </a:r>
-            <a:r>
-              <a:rPr lang="en-US" sz="1200" b="1">
-                <a:solidFill>
-                  <a:srgbClr val="020302"/>
-                </a:solidFill>
-                <a:latin typeface="Adobe Clean"/>
-                <a:cs typeface="Adobe Clean"/>
-              </a:rPr>
-              <a:t>a</a:t>
-            </a:r>
-            <a:r>
-              <a:rPr lang="en-US" sz="1200" b="1" spc="-40">
-                <a:solidFill>
-                  <a:srgbClr val="020302"/>
-                </a:solidFill>
-                <a:latin typeface="Adobe Clean"/>
-                <a:cs typeface="Adobe Clean"/>
-              </a:rPr>
-              <a:t> </a:t>
-            </a:r>
-            <a:r>
-              <a:rPr lang="en-US" sz="1200" b="1" spc="-15">
-                <a:solidFill>
-                  <a:srgbClr val="020302"/>
-                </a:solidFill>
-                <a:latin typeface="Adobe Clean"/>
-                <a:cs typeface="Adobe Clean"/>
-              </a:rPr>
-              <a:t>C</a:t>
-            </a:r>
-            <a:r>
-              <a:rPr lang="en-US" sz="1200" b="1" spc="-25">
-                <a:solidFill>
-                  <a:srgbClr val="020302"/>
-                </a:solidFill>
-                <a:latin typeface="Adobe Clean"/>
-                <a:cs typeface="Adobe Clean"/>
-              </a:rPr>
-              <a:t>l</a:t>
-            </a:r>
-            <a:r>
-              <a:rPr lang="en-US" sz="1200" b="1" spc="-15">
-                <a:solidFill>
-                  <a:srgbClr val="020302"/>
-                </a:solidFill>
-                <a:latin typeface="Adobe Clean"/>
-                <a:cs typeface="Adobe Clean"/>
-              </a:rPr>
-              <a:t>ou</a:t>
-            </a:r>
-            <a:r>
-              <a:rPr lang="en-US" sz="1200" b="1">
-                <a:solidFill>
-                  <a:srgbClr val="020302"/>
-                </a:solidFill>
-                <a:latin typeface="Adobe Clean"/>
-                <a:cs typeface="Adobe Clean"/>
-              </a:rPr>
-              <a:t>d</a:t>
-            </a:r>
-            <a:r>
-              <a:rPr lang="en-US" sz="1200" b="1" spc="-50">
-                <a:solidFill>
-                  <a:srgbClr val="020302"/>
-                </a:solidFill>
-                <a:latin typeface="Adobe Clean"/>
-                <a:cs typeface="Adobe Clean"/>
-              </a:rPr>
-              <a:t> </a:t>
-            </a:r>
-            <a:r>
-              <a:rPr lang="en-US" sz="1200" b="1" spc="-20">
-                <a:solidFill>
-                  <a:srgbClr val="020302"/>
-                </a:solidFill>
-                <a:latin typeface="Adobe Clean"/>
-                <a:cs typeface="Adobe Clean"/>
-              </a:rPr>
-              <a:t>S</a:t>
-            </a:r>
-            <a:r>
-              <a:rPr lang="en-US" sz="1200" b="1" spc="-25">
-                <a:solidFill>
-                  <a:srgbClr val="020302"/>
-                </a:solidFill>
-                <a:latin typeface="Adobe Clean"/>
-                <a:cs typeface="Adobe Clean"/>
-              </a:rPr>
-              <a:t>e</a:t>
-            </a:r>
-            <a:r>
-              <a:rPr lang="en-US" sz="1200" b="1" spc="-20">
-                <a:solidFill>
-                  <a:srgbClr val="020302"/>
-                </a:solidFill>
-                <a:latin typeface="Adobe Clean"/>
-                <a:cs typeface="Adobe Clean"/>
-              </a:rPr>
-              <a:t>r</a:t>
-            </a:r>
-            <a:r>
-              <a:rPr lang="en-US" sz="1200" b="1" spc="-25">
-                <a:solidFill>
-                  <a:srgbClr val="020302"/>
-                </a:solidFill>
-                <a:latin typeface="Adobe Clean"/>
-                <a:cs typeface="Adobe Clean"/>
-              </a:rPr>
-              <a:t>v</a:t>
-            </a:r>
-            <a:r>
-              <a:rPr lang="en-US" sz="1200" b="1" spc="-20">
-                <a:solidFill>
-                  <a:srgbClr val="020302"/>
-                </a:solidFill>
-                <a:latin typeface="Adobe Clean"/>
-                <a:cs typeface="Adobe Clean"/>
-              </a:rPr>
-              <a:t>i</a:t>
-            </a:r>
-            <a:r>
-              <a:rPr lang="en-US" sz="1200" b="1" spc="-30">
-                <a:solidFill>
-                  <a:srgbClr val="020302"/>
-                </a:solidFill>
-                <a:latin typeface="Adobe Clean"/>
-                <a:cs typeface="Adobe Clean"/>
-              </a:rPr>
-              <a:t>c</a:t>
-            </a:r>
-            <a:r>
-              <a:rPr lang="en-US" sz="1200" b="1">
-                <a:solidFill>
-                  <a:srgbClr val="020302"/>
-                </a:solidFill>
-                <a:latin typeface="Adobe Clean"/>
-                <a:cs typeface="Adobe Clean"/>
-              </a:rPr>
-              <a:t>e</a:t>
-            </a:r>
-            <a:endParaRPr lang="en-US" sz="1200">
-              <a:latin typeface="Adobe Clean"/>
-              <a:cs typeface="Adobe Clean"/>
-            </a:endParaRPr>
+              <a:t>as a Cloud Service</a:t>
+            </a:r>
           </a:p>
         </p:txBody>
       </p:sp>
@@ -15352,49 +12891,15 @@
               </a:lnSpc>
             </a:pPr>
             <a:r>
-              <a:rPr sz="500" spc="-5">
+              <a:rPr lang="de-DE" sz="500">
                 <a:solidFill>
                   <a:srgbClr val="6C6C6C"/>
                 </a:solidFill>
                 <a:latin typeface="Adobe Clean"/>
                 <a:cs typeface="Adobe Clean"/>
               </a:rPr>
-              <a:t>©2020 Adobe. All Rights Reserved. </a:t>
-            </a:r>
-            <a:r>
-              <a:rPr sz="500">
-                <a:solidFill>
-                  <a:srgbClr val="6C6C6C"/>
-                </a:solidFill>
-                <a:latin typeface="Adobe Clean"/>
-                <a:cs typeface="Adobe Clean"/>
-              </a:rPr>
-              <a:t>Adobe</a:t>
-            </a:r>
-            <a:r>
-              <a:rPr sz="500" spc="5">
-                <a:solidFill>
-                  <a:srgbClr val="6C6C6C"/>
-                </a:solidFill>
-                <a:latin typeface="Adobe Clean"/>
-                <a:cs typeface="Adobe Clean"/>
-              </a:rPr>
-              <a:t> </a:t>
-            </a:r>
-            <a:r>
-              <a:rPr sz="500" spc="-5">
-                <a:solidFill>
-                  <a:srgbClr val="6C6C6C"/>
-                </a:solidFill>
-                <a:latin typeface="Adobe Clean"/>
-                <a:cs typeface="Adobe Clean"/>
-              </a:rPr>
-              <a:t>Confidential.</a:t>
-            </a:r>
-            <a:endParaRPr sz="500">
-              <a:latin typeface="Adobe Clean"/>
-              <a:cs typeface="Adobe Clean"/>
-            </a:endParaRPr>
+              <a:t>©2020 Adobe. All Rights Reserved. Adobe Confidential.</a:t>
+            </a:r>
           </a:p>
           <a:p>
             <a:pPr>
@@ -15420,39 +12925,15 @@
               </a:spcBef>
             </a:pPr>
             <a:r>
-              <a:rPr sz="800" spc="-5">
+              <a:rPr lang="de-DE" sz="800">
                 <a:solidFill>
                   <a:srgbClr val="6D6D6D"/>
                 </a:solidFill>
                 <a:latin typeface="Adobe Clean"/>
                 <a:cs typeface="Adobe Clean"/>
               </a:rPr>
-              <a:t>©2020 Adobe. All Rights Reserved. Adobe</a:t>
-            </a:r>
-            <a:r>
-              <a:rPr sz="800" spc="75">
-                <a:solidFill>
-                  <a:srgbClr val="6D6D6D"/>
-                </a:solidFill>
-                <a:latin typeface="Adobe Clean"/>
-                <a:cs typeface="Adobe Clean"/>
-              </a:rPr>
-              <a:t> </a:t>
-            </a:r>
-            <a:r>
-              <a:rPr sz="800" spc="-5">
-                <a:solidFill>
-                  <a:srgbClr val="6D6D6D"/>
-                </a:solidFill>
-                <a:latin typeface="Adobe Clean"/>
-                <a:cs typeface="Adobe Clean"/>
-              </a:rPr>
-              <a:t>Confidential.</a:t>
-            </a:r>
-            <a:endParaRPr sz="800">
-              <a:latin typeface="Adobe Clean"/>
-              <a:cs typeface="Adobe Clean"/>
-            </a:endParaRPr>
+              <a:t>©2020 Adobe. All Rights Reserved. Adobe Confidential.</a:t>
+            </a:r>
           </a:p>
         </p:txBody>
       </p:sp>
@@ -15536,19 +13017,15 @@
               </a:spcBef>
             </a:pPr>
             <a:r>
-              <a:rPr lang="en-US" sz="1400" b="1" spc="-15">
+              <a:rPr lang="de-DE" sz="1400" b="1">
                 <a:solidFill>
                   <a:srgbClr val="020302"/>
                 </a:solidFill>
                 <a:latin typeface="Adobe Clean"/>
                 <a:cs typeface="Adobe Clean"/>
               </a:rPr>
-              <a:t>Resources</a:t>
-            </a:r>
-            <a:endParaRPr sz="1400">
-              <a:latin typeface="Adobe Clean"/>
-              <a:cs typeface="Adobe Clean"/>
-            </a:endParaRPr>
+              <a:t>Ressourcen</a:t>
+            </a:r>
           </a:p>
         </p:txBody>
       </p:sp>
@@ -15560,8 +13037,8 @@
         </p:nvSpPr>
         <p:spPr>
           <a:xfrm>
-            <a:off x="6754821" y="9283729"/>
-            <a:ext cx="930275" cy="662305"/>
+            <a:off x="6663381" y="9283729"/>
+            <a:ext cx="1093526" cy="662305"/>
           </a:xfrm>
           <a:prstGeom prst="rect">
             <a:avLst/>
@@ -15582,7 +13059,7 @@
               </a:spcBef>
             </a:pPr>
             <a:r>
-              <a:rPr sz="800" spc="-15">
+              <a:rPr lang="de-DE" sz="800" dirty="0">
                 <a:solidFill>
                   <a:srgbClr val="777879"/>
                 </a:solidFill>
@@ -15591,10 +13068,6 @@
               </a:rPr>
               <a:t>Adobe</a:t>
             </a:r>
-            <a:endParaRPr sz="800">
-              <a:latin typeface="Adobe Clean"/>
-              <a:cs typeface="Adobe Clean"/>
-            </a:endParaRPr>
           </a:p>
           <a:p>
             <a:pPr marL="12700">
@@ -15603,90 +13076,32 @@
               </a:lnSpc>
             </a:pPr>
             <a:r>
-              <a:rPr sz="800" spc="-15">
+              <a:rPr lang="de-DE" sz="800" dirty="0">
                 <a:solidFill>
                   <a:srgbClr val="777879"/>
                 </a:solidFill>
                 <a:latin typeface="Adobe Clean"/>
                 <a:cs typeface="Adobe Clean"/>
               </a:rPr>
-              <a:t>345 Park</a:t>
-            </a:r>
-            <a:r>
-              <a:rPr sz="800" spc="-100">
+              <a:t>345 Park Avenue</a:t>
+            </a:r>
+          </a:p>
+          <a:p>
+            <a:pPr marL="12700">
+              <a:lnSpc>
+                <a:spcPts val="944"/>
+              </a:lnSpc>
+            </a:pPr>
+            <a:r>
+              <a:rPr lang="de-DE" sz="800" dirty="0">
                 <a:solidFill>
                   <a:srgbClr val="777879"/>
                 </a:solidFill>
                 <a:latin typeface="Adobe Clean"/>
                 <a:cs typeface="Adobe Clean"/>
               </a:rPr>
-              <a:t> </a:t>
-            </a:r>
-            <a:r>
-              <a:rPr sz="800" spc="-15">
-                <a:solidFill>
-                  <a:srgbClr val="777879"/>
-                </a:solidFill>
-                <a:latin typeface="Adobe Clean"/>
-                <a:cs typeface="Adobe Clean"/>
-              </a:rPr>
-              <a:t>Avenue</a:t>
-            </a:r>
-            <a:endParaRPr sz="800">
-              <a:latin typeface="Adobe Clean"/>
-              <a:cs typeface="Adobe Clean"/>
-            </a:endParaRPr>
-          </a:p>
-          <a:p>
-            <a:pPr marL="12700">
-              <a:lnSpc>
-                <a:spcPts val="944"/>
-              </a:lnSpc>
-            </a:pPr>
-            <a:r>
-              <a:rPr sz="800" spc="-10">
-                <a:solidFill>
-                  <a:srgbClr val="777879"/>
-                </a:solidFill>
-                <a:latin typeface="Adobe Clean"/>
-                <a:cs typeface="Adobe Clean"/>
-              </a:rPr>
-              <a:t>San </a:t>
-            </a:r>
-            <a:r>
-              <a:rPr sz="800" spc="-15">
-                <a:solidFill>
-                  <a:srgbClr val="777879"/>
-                </a:solidFill>
-                <a:latin typeface="Adobe Clean"/>
-                <a:cs typeface="Adobe Clean"/>
-              </a:rPr>
-              <a:t>Jose,</a:t>
-            </a:r>
-            <a:r>
-              <a:rPr sz="800" spc="-140">
-                <a:solidFill>
-                  <a:srgbClr val="777879"/>
-                </a:solidFill>
-                <a:latin typeface="Adobe Clean"/>
-                <a:cs typeface="Adobe Clean"/>
-              </a:rPr>
-              <a:t> </a:t>
-            </a:r>
-            <a:r>
-              <a:rPr sz="800" spc="-20">
-                <a:solidFill>
-                  <a:srgbClr val="777879"/>
-                </a:solidFill>
-                <a:latin typeface="Adobe Clean"/>
-                <a:cs typeface="Adobe Clean"/>
-              </a:rPr>
-              <a:t>CA95110-2704</a:t>
-            </a:r>
-            <a:endParaRPr sz="800">
-              <a:latin typeface="Adobe Clean"/>
-              <a:cs typeface="Adobe Clean"/>
-            </a:endParaRPr>
+              <a:t>San Jose, CA95110-2704</a:t>
+            </a:r>
           </a:p>
           <a:p>
             <a:pPr marL="12700">
@@ -15698,7 +13113,7 @@
               </a:spcBef>
             </a:pPr>
             <a:r>
-              <a:rPr sz="800" spc="-10">
+              <a:rPr lang="de-DE" sz="800" dirty="0">
                 <a:solidFill>
                   <a:srgbClr val="777879"/>
                 </a:solidFill>
@@ -15707,10 +13122,6 @@
               </a:rPr>
               <a:t>USA</a:t>
             </a:r>
-            <a:endParaRPr sz="800">
-              <a:latin typeface="Adobe Clean"/>
-              <a:cs typeface="Adobe Clean"/>
-            </a:endParaRPr>
           </a:p>
           <a:p>
             <a:pPr marL="12700">
@@ -15722,7 +13133,7 @@
               </a:spcBef>
             </a:pPr>
             <a:r>
-              <a:rPr sz="800" u="sng" spc="-25">
+              <a:rPr lang="de-DE" sz="800" u="sng" dirty="0">
                 <a:solidFill>
                   <a:srgbClr val="5F5F5F"/>
                 </a:solidFill>
@@ -15737,10 +13148,6 @@
               </a:rPr>
               <a:t>www.adobe.com</a:t>
             </a:r>
-            <a:endParaRPr sz="800">
-              <a:latin typeface="Adobe Clean"/>
-              <a:cs typeface="Adobe Clean"/>
-            </a:endParaRPr>
           </a:p>
         </p:txBody>
       </p:sp>
@@ -15781,7 +13188,7 @@
         </p:nvSpPr>
         <p:spPr>
           <a:xfrm>
-            <a:off x="6192012" y="9304781"/>
+            <a:off x="6100572" y="9304781"/>
             <a:ext cx="475615" cy="419734"/>
           </a:xfrm>
           <a:custGeom>
@@ -15864,7 +13271,7 @@
         </p:nvSpPr>
         <p:spPr>
           <a:xfrm>
-            <a:off x="6192011" y="9797795"/>
+            <a:off x="6100571" y="9797795"/>
             <a:ext cx="477011" cy="160019"/>
           </a:xfrm>
           <a:prstGeom prst="rect">
@@ -15893,8 +13300,8 @@
         </p:nvSpPr>
         <p:spPr>
           <a:xfrm>
-            <a:off x="75947" y="9437110"/>
-            <a:ext cx="5466715" cy="570865"/>
+            <a:off x="75947" y="9292330"/>
+            <a:ext cx="5717918" cy="717504"/>
           </a:xfrm>
           <a:prstGeom prst="rect">
             <a:avLst/>
@@ -15915,429 +13322,15 @@
               </a:spcBef>
             </a:pPr>
             <a:r>
-              <a:rPr sz="1100" i="1" spc="-10">
+              <a:rPr lang="de-DE" sz="1100" i="1" dirty="0">
                 <a:solidFill>
                   <a:srgbClr val="777879"/>
                 </a:solidFill>
                 <a:latin typeface="AdobeClean-LightIt"/>
                 <a:cs typeface="AdobeClean-LightIt"/>
               </a:rPr>
-              <a:t>To</a:t>
-            </a:r>
-            <a:r>
-              <a:rPr sz="1100" i="1" spc="-50">
-                <a:solidFill>
-                  <a:srgbClr val="777879"/>
-                </a:solidFill>
-                <a:latin typeface="AdobeClean-LightIt"/>
-                <a:cs typeface="AdobeClean-LightIt"/>
-              </a:rPr>
-              <a:t> </a:t>
-            </a:r>
-            <a:r>
-              <a:rPr sz="1100" i="1" spc="-15">
-                <a:solidFill>
-                  <a:srgbClr val="777879"/>
-                </a:solidFill>
-                <a:latin typeface="AdobeClean-LightIt"/>
-                <a:cs typeface="AdobeClean-LightIt"/>
-              </a:rPr>
-              <a:t>learn</a:t>
-            </a:r>
-            <a:r>
-              <a:rPr sz="1100" i="1" spc="-40">
-                <a:solidFill>
-                  <a:srgbClr val="777879"/>
-                </a:solidFill>
-                <a:latin typeface="AdobeClean-LightIt"/>
-                <a:cs typeface="AdobeClean-LightIt"/>
-              </a:rPr>
-              <a:t> </a:t>
-            </a:r>
-            <a:r>
-              <a:rPr sz="1100" i="1" spc="-15">
-                <a:solidFill>
-                  <a:srgbClr val="777879"/>
-                </a:solidFill>
-                <a:latin typeface="AdobeClean-LightIt"/>
-                <a:cs typeface="AdobeClean-LightIt"/>
-              </a:rPr>
-              <a:t>more</a:t>
-            </a:r>
-            <a:r>
-              <a:rPr sz="1100" i="1" spc="-45">
-                <a:solidFill>
-                  <a:srgbClr val="777879"/>
-                </a:solidFill>
-                <a:latin typeface="AdobeClean-LightIt"/>
-                <a:cs typeface="AdobeClean-LightIt"/>
-              </a:rPr>
-              <a:t> </a:t>
-            </a:r>
-            <a:r>
-              <a:rPr sz="1100" i="1" spc="-15">
-                <a:solidFill>
-                  <a:srgbClr val="777879"/>
-                </a:solidFill>
-                <a:latin typeface="AdobeClean-LightIt"/>
-                <a:cs typeface="AdobeClean-LightIt"/>
-              </a:rPr>
-              <a:t>about</a:t>
-            </a:r>
-            <a:r>
-              <a:rPr sz="1100" i="1" spc="-45">
-                <a:solidFill>
-                  <a:srgbClr val="777879"/>
-                </a:solidFill>
-                <a:latin typeface="AdobeClean-LightIt"/>
-                <a:cs typeface="AdobeClean-LightIt"/>
-              </a:rPr>
-              <a:t> </a:t>
-            </a:r>
-            <a:r>
-              <a:rPr sz="1100" i="1" spc="-15">
-                <a:solidFill>
-                  <a:srgbClr val="777879"/>
-                </a:solidFill>
-                <a:latin typeface="AdobeClean-LightIt"/>
-                <a:cs typeface="AdobeClean-LightIt"/>
-              </a:rPr>
-              <a:t>Adobe</a:t>
-            </a:r>
-            <a:r>
-              <a:rPr sz="1100" i="1" spc="-60">
-                <a:solidFill>
-                  <a:srgbClr val="777879"/>
-                </a:solidFill>
-                <a:latin typeface="AdobeClean-LightIt"/>
-                <a:cs typeface="AdobeClean-LightIt"/>
-              </a:rPr>
-              <a:t> </a:t>
-            </a:r>
-            <a:r>
-              <a:rPr sz="1100" i="1" spc="-15">
-                <a:solidFill>
-                  <a:srgbClr val="777879"/>
-                </a:solidFill>
-                <a:latin typeface="AdobeClean-LightIt"/>
-                <a:cs typeface="AdobeClean-LightIt"/>
-              </a:rPr>
-              <a:t>Support</a:t>
-            </a:r>
-            <a:r>
-              <a:rPr lang="en-US" sz="1100" i="1" spc="-15">
-                <a:solidFill>
-                  <a:srgbClr val="777879"/>
-                </a:solidFill>
-                <a:latin typeface="AdobeClean-LightIt"/>
-                <a:cs typeface="AdobeClean-LightIt"/>
-              </a:rPr>
-              <a:t> Offerings</a:t>
-            </a:r>
-            <a:r>
-              <a:rPr sz="1100" i="1" spc="-75">
-                <a:solidFill>
-                  <a:srgbClr val="777879"/>
-                </a:solidFill>
-                <a:latin typeface="AdobeClean-LightIt"/>
-                <a:cs typeface="AdobeClean-LightIt"/>
-              </a:rPr>
-              <a:t> </a:t>
-            </a:r>
-            <a:r>
-              <a:rPr sz="1100" i="1" spc="-15">
-                <a:solidFill>
-                  <a:srgbClr val="777879"/>
-                </a:solidFill>
-                <a:latin typeface="AdobeClean-LightIt"/>
-                <a:cs typeface="AdobeClean-LightIt"/>
-              </a:rPr>
-              <a:t>and</a:t>
-            </a:r>
-            <a:r>
-              <a:rPr sz="1100" i="1" spc="-50">
-                <a:solidFill>
-                  <a:srgbClr val="777879"/>
-                </a:solidFill>
-                <a:latin typeface="AdobeClean-LightIt"/>
-                <a:cs typeface="AdobeClean-LightIt"/>
-              </a:rPr>
-              <a:t> </a:t>
-            </a:r>
-            <a:r>
-              <a:rPr sz="1100" i="1" spc="-15">
-                <a:solidFill>
-                  <a:srgbClr val="777879"/>
-                </a:solidFill>
-                <a:latin typeface="AdobeClean-LightIt"/>
-                <a:cs typeface="AdobeClean-LightIt"/>
-              </a:rPr>
-              <a:t>the</a:t>
-            </a:r>
-            <a:r>
-              <a:rPr sz="1100" i="1" spc="-55">
-                <a:solidFill>
-                  <a:srgbClr val="777879"/>
-                </a:solidFill>
-                <a:latin typeface="AdobeClean-LightIt"/>
-                <a:cs typeface="AdobeClean-LightIt"/>
-              </a:rPr>
-              <a:t> </a:t>
-            </a:r>
-            <a:r>
-              <a:rPr sz="1100" i="1" spc="-15">
-                <a:solidFill>
-                  <a:srgbClr val="777879"/>
-                </a:solidFill>
-                <a:latin typeface="AdobeClean-LightIt"/>
-                <a:cs typeface="AdobeClean-LightIt"/>
-              </a:rPr>
-              <a:t>right</a:t>
-            </a:r>
-            <a:r>
-              <a:rPr sz="1100" i="1" spc="-95">
-                <a:solidFill>
-                  <a:srgbClr val="777879"/>
-                </a:solidFill>
-                <a:latin typeface="AdobeClean-LightIt"/>
-                <a:cs typeface="AdobeClean-LightIt"/>
-              </a:rPr>
-              <a:t> </a:t>
-            </a:r>
-            <a:r>
-              <a:rPr sz="1100" i="1" spc="-15">
-                <a:solidFill>
-                  <a:srgbClr val="777879"/>
-                </a:solidFill>
-                <a:latin typeface="AdobeClean-LightIt"/>
-                <a:cs typeface="AdobeClean-LightIt"/>
-              </a:rPr>
-              <a:t>level</a:t>
-            </a:r>
-            <a:r>
-              <a:rPr sz="1100" i="1" spc="-55">
-                <a:solidFill>
-                  <a:srgbClr val="777879"/>
-                </a:solidFill>
-                <a:latin typeface="AdobeClean-LightIt"/>
-                <a:cs typeface="AdobeClean-LightIt"/>
-              </a:rPr>
-              <a:t> </a:t>
-            </a:r>
-            <a:r>
-              <a:rPr sz="1100" i="1" spc="-15">
-                <a:solidFill>
-                  <a:srgbClr val="777879"/>
-                </a:solidFill>
-                <a:latin typeface="AdobeClean-LightIt"/>
-                <a:cs typeface="AdobeClean-LightIt"/>
-              </a:rPr>
-              <a:t>for</a:t>
-            </a:r>
-            <a:r>
-              <a:rPr sz="1100" i="1" spc="-85">
-                <a:solidFill>
-                  <a:srgbClr val="777879"/>
-                </a:solidFill>
-                <a:latin typeface="AdobeClean-LightIt"/>
-                <a:cs typeface="AdobeClean-LightIt"/>
-              </a:rPr>
-              <a:t> </a:t>
-            </a:r>
-            <a:r>
-              <a:rPr sz="1100" i="1" spc="-15">
-                <a:solidFill>
-                  <a:srgbClr val="777879"/>
-                </a:solidFill>
-                <a:latin typeface="AdobeClean-LightIt"/>
-                <a:cs typeface="AdobeClean-LightIt"/>
-              </a:rPr>
-              <a:t>you,</a:t>
-            </a:r>
-            <a:r>
-              <a:rPr sz="1100" i="1" spc="-65">
-                <a:solidFill>
-                  <a:srgbClr val="777879"/>
-                </a:solidFill>
-                <a:latin typeface="AdobeClean-LightIt"/>
-                <a:cs typeface="AdobeClean-LightIt"/>
-              </a:rPr>
-              <a:t> </a:t>
-            </a:r>
-            <a:r>
-              <a:rPr sz="1100" i="1" spc="-15">
-                <a:solidFill>
-                  <a:srgbClr val="777879"/>
-                </a:solidFill>
-                <a:latin typeface="AdobeClean-LightIt"/>
-                <a:cs typeface="AdobeClean-LightIt"/>
-              </a:rPr>
-              <a:t>contact</a:t>
-            </a:r>
-            <a:r>
-              <a:rPr sz="1100" i="1" spc="-85">
-                <a:solidFill>
-                  <a:srgbClr val="777879"/>
-                </a:solidFill>
-                <a:latin typeface="AdobeClean-LightIt"/>
-                <a:cs typeface="AdobeClean-LightIt"/>
-              </a:rPr>
-              <a:t> </a:t>
-            </a:r>
-            <a:r>
-              <a:rPr sz="1100" i="1" spc="-15">
-                <a:solidFill>
-                  <a:srgbClr val="777879"/>
-                </a:solidFill>
-                <a:latin typeface="AdobeClean-LightIt"/>
-                <a:cs typeface="AdobeClean-LightIt"/>
-              </a:rPr>
-              <a:t>your</a:t>
-            </a:r>
-            <a:r>
-              <a:rPr sz="1100" i="1" spc="-70">
-                <a:solidFill>
-                  <a:srgbClr val="777879"/>
-                </a:solidFill>
-                <a:latin typeface="AdobeClean-LightIt"/>
-                <a:cs typeface="AdobeClean-LightIt"/>
-              </a:rPr>
-              <a:t> </a:t>
-            </a:r>
-            <a:r>
-              <a:rPr sz="1100" i="1" spc="-15">
-                <a:solidFill>
-                  <a:srgbClr val="777879"/>
-                </a:solidFill>
-                <a:latin typeface="AdobeClean-LightIt"/>
-                <a:cs typeface="AdobeClean-LightIt"/>
-              </a:rPr>
-              <a:t>Named</a:t>
-            </a:r>
-            <a:r>
-              <a:rPr sz="1100" i="1" spc="-55">
-                <a:solidFill>
-                  <a:srgbClr val="777879"/>
-                </a:solidFill>
-                <a:latin typeface="AdobeClean-LightIt"/>
-                <a:cs typeface="AdobeClean-LightIt"/>
-              </a:rPr>
-              <a:t> </a:t>
-            </a:r>
-            <a:r>
-              <a:rPr sz="1100" i="1" spc="-25">
-                <a:solidFill>
-                  <a:srgbClr val="777879"/>
-                </a:solidFill>
-                <a:latin typeface="AdobeClean-LightIt"/>
-                <a:cs typeface="AdobeClean-LightIt"/>
-              </a:rPr>
-              <a:t>Account</a:t>
-            </a:r>
-            <a:r>
-              <a:rPr sz="1100" i="1" spc="-120">
-                <a:solidFill>
-                  <a:srgbClr val="777879"/>
-                </a:solidFill>
-                <a:latin typeface="AdobeClean-LightIt"/>
-                <a:cs typeface="AdobeClean-LightIt"/>
-              </a:rPr>
-              <a:t> </a:t>
-            </a:r>
-            <a:r>
-              <a:rPr sz="1100" i="1" spc="-20">
-                <a:solidFill>
-                  <a:srgbClr val="777879"/>
-                </a:solidFill>
-                <a:latin typeface="AdobeClean-LightIt"/>
-                <a:cs typeface="AdobeClean-LightIt"/>
-              </a:rPr>
-              <a:t>Manager  </a:t>
-            </a:r>
-            <a:r>
-              <a:rPr sz="1100" i="1" spc="-15">
-                <a:solidFill>
-                  <a:srgbClr val="777879"/>
-                </a:solidFill>
-                <a:latin typeface="AdobeClean-LightIt"/>
-                <a:cs typeface="AdobeClean-LightIt"/>
-              </a:rPr>
-              <a:t>(NAM) </a:t>
-            </a:r>
-            <a:r>
-              <a:rPr sz="1100" i="1" spc="-10">
-                <a:solidFill>
-                  <a:srgbClr val="777879"/>
-                </a:solidFill>
-                <a:latin typeface="AdobeClean-LightIt"/>
-                <a:cs typeface="AdobeClean-LightIt"/>
-              </a:rPr>
-              <a:t>or </a:t>
-            </a:r>
-            <a:r>
-              <a:rPr sz="1100" i="1" spc="-15">
-                <a:solidFill>
-                  <a:srgbClr val="777879"/>
-                </a:solidFill>
-                <a:latin typeface="AdobeClean-LightIt"/>
-                <a:cs typeface="AdobeClean-LightIt"/>
-              </a:rPr>
-              <a:t>Customer </a:t>
-            </a:r>
-            <a:r>
-              <a:rPr sz="1100" i="1" spc="-20">
-                <a:solidFill>
-                  <a:srgbClr val="777879"/>
-                </a:solidFill>
-                <a:latin typeface="AdobeClean-LightIt"/>
-                <a:cs typeface="AdobeClean-LightIt"/>
-              </a:rPr>
-              <a:t>Success</a:t>
-            </a:r>
-            <a:r>
-              <a:rPr sz="1100" i="1" spc="-180">
-                <a:solidFill>
-                  <a:srgbClr val="777879"/>
-                </a:solidFill>
-                <a:latin typeface="AdobeClean-LightIt"/>
-                <a:cs typeface="AdobeClean-LightIt"/>
-              </a:rPr>
-              <a:t> </a:t>
-            </a:r>
-            <a:r>
-              <a:rPr sz="1100" i="1" spc="-15">
-                <a:solidFill>
-                  <a:srgbClr val="777879"/>
-                </a:solidFill>
-                <a:latin typeface="AdobeClean-LightIt"/>
-                <a:cs typeface="AdobeClean-LightIt"/>
-              </a:rPr>
-              <a:t>Manager</a:t>
-            </a:r>
-            <a:r>
-              <a:rPr lang="en-US" sz="1100" i="1" spc="-15">
-                <a:solidFill>
-                  <a:srgbClr val="777879"/>
-                </a:solidFill>
-                <a:latin typeface="AdobeClean-LightIt"/>
-                <a:cs typeface="AdobeClean-LightIt"/>
-              </a:rPr>
-              <a:t> </a:t>
-            </a:r>
-            <a:r>
-              <a:rPr sz="1100" i="1" spc="-15">
-                <a:solidFill>
-                  <a:srgbClr val="777879"/>
-                </a:solidFill>
-                <a:latin typeface="AdobeClean-LightIt"/>
-                <a:cs typeface="AdobeClean-LightIt"/>
-              </a:rPr>
-              <a:t>(CSM)</a:t>
-            </a:r>
-            <a:endParaRPr sz="1100">
-              <a:latin typeface="AdobeClean-LightIt"/>
-              <a:cs typeface="AdobeClean-LightIt"/>
-            </a:endParaRPr>
+              <a:t>Weitere Informationen zum Support-Angebot von Adobe sowie zum für Ihre Bedürfnisse geeigneten Support-Level erhalten Sie bei Ihrem spezifischen Account-Manager (NAM) oder Ihrem Customer Success Manager (CSM).</a:t>
+            </a:r>
           </a:p>
           <a:p>
             <a:pPr marL="34290">
@@ -16349,59 +13342,15 @@
               </a:spcBef>
             </a:pPr>
             <a:r>
-              <a:rPr sz="800" spc="-5">
+              <a:rPr lang="de-DE" sz="800" dirty="0">
                 <a:solidFill>
                   <a:srgbClr val="6D6D6D"/>
                 </a:solidFill>
                 <a:latin typeface="Adobe Clean"/>
                 <a:cs typeface="Adobe Clean"/>
               </a:rPr>
-              <a:t>©202</a:t>
-            </a:r>
-            <a:r>
-              <a:rPr lang="en-US" sz="800" spc="-5">
-                <a:solidFill>
-                  <a:srgbClr val="6D6D6D"/>
-                </a:solidFill>
-                <a:latin typeface="Adobe Clean"/>
-                <a:cs typeface="Adobe Clean"/>
-              </a:rPr>
-              <a:t>1</a:t>
-            </a:r>
-            <a:r>
-              <a:rPr sz="800" spc="-5">
-                <a:solidFill>
-                  <a:srgbClr val="6D6D6D"/>
-                </a:solidFill>
-                <a:latin typeface="Adobe Clean"/>
-                <a:cs typeface="Adobe Clean"/>
-              </a:rPr>
-              <a:t> Adobe. All Rights Reserved. Adobe</a:t>
-            </a:r>
-            <a:r>
-              <a:rPr sz="800" spc="75">
-                <a:solidFill>
-                  <a:srgbClr val="6D6D6D"/>
-                </a:solidFill>
-                <a:latin typeface="Adobe Clean"/>
-                <a:cs typeface="Adobe Clean"/>
-              </a:rPr>
-              <a:t> </a:t>
-            </a:r>
-            <a:r>
-              <a:rPr sz="800" spc="-5">
-                <a:solidFill>
-                  <a:srgbClr val="6D6D6D"/>
-                </a:solidFill>
-                <a:latin typeface="Adobe Clean"/>
-                <a:cs typeface="Adobe Clean"/>
-              </a:rPr>
-              <a:t>Confidential.</a:t>
-            </a:r>
-            <a:endParaRPr sz="800">
-              <a:latin typeface="Adobe Clean"/>
-              <a:cs typeface="Adobe Clean"/>
-            </a:endParaRPr>
+              <a:t>©2021 Adobe. All Rights Reserved. Adobe Confidential.</a:t>
+            </a:r>
           </a:p>
         </p:txBody>
       </p:sp>
@@ -16438,19 +13387,15 @@
               </a:spcBef>
             </a:pPr>
             <a:r>
-              <a:rPr lang="en-US" sz="1400" b="1" spc="-15">
+              <a:rPr lang="de-DE" sz="1400" b="1" dirty="0">
                 <a:solidFill>
                   <a:srgbClr val="020302"/>
                 </a:solidFill>
                 <a:latin typeface="Adobe Clean"/>
                 <a:cs typeface="Adobe Clean"/>
               </a:rPr>
-              <a:t>Regional scope of Adobe Support, Local Hours Of Operation And Language Support</a:t>
-            </a:r>
-            <a:endParaRPr lang="en-US" sz="1400" spc="-15">
-              <a:ea typeface="+mn-lt"/>
-              <a:cs typeface="+mn-lt"/>
-            </a:endParaRPr>
+              <a:t>Regionales Support-Angebot von Adobe, örtliche Geschäftszeiten und unterstützte Sprachen</a:t>
+            </a:r>
           </a:p>
           <a:p>
             <a:pPr>
@@ -16459,17 +13404,31 @@
               </a:spcBef>
             </a:pPr>
             <a:r>
-              <a:rPr lang="en-US" sz="1000" spc="-15">
+              <a:rPr lang="de-DE" sz="1000" dirty="0">
                 <a:solidFill>
                   <a:srgbClr val="1F1F1F"/>
                 </a:solidFill>
                 <a:latin typeface="AdobeClean-Light"/>
               </a:rPr>
-              <a:t>The regional scope of Adobe Support is established by aligning the customer's billing address (via the Sales Order or other Adobe Support purchasing document) to one of the following regions:</a:t>
-            </a:r>
-            <a:endParaRPr lang="en-US" sz="1000">
-              <a:latin typeface="AdobeClean-Light"/>
-            </a:endParaRPr>
+              <a:t>Das regionale Support-Angebot von Adobe wird durch Abgleich der Rechnungsadresse des Kunden (entsprechend dem Kundenauftrag </a:t>
+            </a:r>
+            <a:br>
+              <a:rPr lang="de-DE" sz="1000" dirty="0">
+                <a:solidFill>
+                  <a:srgbClr val="1F1F1F"/>
+                </a:solidFill>
+                <a:latin typeface="AdobeClean-Light"/>
+              </a:rPr>
+            </a:br>
+            <a:r>
+              <a:rPr lang="de-DE" sz="1000" dirty="0">
+                <a:solidFill>
+                  <a:srgbClr val="1F1F1F"/>
+                </a:solidFill>
+                <a:latin typeface="AdobeClean-Light"/>
+              </a:rPr>
+              <a:t>oder einer anderen Kaufbestätigung für Adobe-Support) mit einer der folgenden Regionen ermittelt:</a:t>
+            </a:r>
           </a:p>
         </p:txBody>
       </p:sp>
@@ -16488,7 +13447,7 @@
           <p:nvPr>
             <p:extLst>
               <p:ext uri="{D42A27DB-BD31-4B8C-83A1-F6EECF244321}">
-                <p14:modId xmlns:p14="http://schemas.microsoft.com/office/powerpoint/2010/main" val="3975465108"/>
+                <p14:modId xmlns:p14="http://schemas.microsoft.com/office/powerpoint/2010/main" val="3011440355"/>
               </p:ext>
             </p:extLst>
           </p:nvPr>
@@ -16541,13 +13500,13 @@
                     <a:p>
                       <a:pPr algn="ctr"/>
                       <a:r>
-                        <a:rPr lang="en-US" sz="1100">
+                        <a:rPr lang="de-DE" sz="1100">
                           <a:solidFill>
                             <a:schemeClr val="tx1"/>
                           </a:solidFill>
                           <a:latin typeface="Adobe Clean" panose="020B0503020404020204" pitchFamily="34" charset="0"/>
                         </a:rPr>
-                        <a:t>Americas</a:t>
+                        <a:t>Nord- und Südamerika</a:t>
                       </a:r>
                     </a:p>
                   </a:txBody>
@@ -16606,13 +13565,30 @@
                     <a:p>
                       <a:pPr algn="ctr"/>
                       <a:r>
-                        <a:rPr lang="en-US" sz="1100">
+                        <a:rPr lang="de-DE" sz="1100" dirty="0">
                           <a:solidFill>
                             <a:schemeClr val="tx1"/>
                           </a:solidFill>
                           <a:latin typeface="Adobe Clean" panose="020B0503020404020204" pitchFamily="34" charset="0"/>
                         </a:rPr>
-                        <a:t>Europe, Middle East &amp; Africa</a:t>
+                        <a:t>Europa, Naher Osten </a:t>
+                      </a:r>
+                      <a:br>
+                        <a:rPr lang="de-DE" sz="1100" dirty="0">
+                          <a:solidFill>
+                            <a:schemeClr val="tx1"/>
+                          </a:solidFill>
+                          <a:latin typeface="Adobe Clean" panose="020B0503020404020204" pitchFamily="34" charset="0"/>
+                        </a:rPr>
+                      </a:br>
+                      <a:r>
+                        <a:rPr lang="de-DE" sz="1100" dirty="0">
+                          <a:solidFill>
+                            <a:schemeClr val="tx1"/>
+                          </a:solidFill>
+                          <a:latin typeface="Adobe Clean" panose="020B0503020404020204" pitchFamily="34" charset="0"/>
+                        </a:rPr>
+                        <a:t>und Afrika</a:t>
                       </a:r>
                     </a:p>
                   </a:txBody>
@@ -16671,13 +13647,13 @@
                     <a:p>
                       <a:pPr algn="ctr"/>
                       <a:r>
-                        <a:rPr lang="en-US" sz="1100">
+                        <a:rPr lang="de-DE" sz="1100">
                           <a:solidFill>
                             <a:schemeClr val="tx1"/>
                           </a:solidFill>
                           <a:latin typeface="Adobe Clean" panose="020B0503020404020204" pitchFamily="34" charset="0"/>
                         </a:rPr>
-                        <a:t>Asia Pacific</a:t>
+                        <a:t>Asien-Pazifik</a:t>
                       </a:r>
                     </a:p>
                   </a:txBody>
@@ -16736,7 +13712,7 @@
                     <a:p>
                       <a:pPr algn="ctr"/>
                       <a:r>
-                        <a:rPr lang="en-US" sz="1100">
+                        <a:rPr lang="de-DE" sz="1100">
                           <a:solidFill>
                             <a:schemeClr val="tx1"/>
                           </a:solidFill>
@@ -16745,7 +13721,7 @@
                         <a:t>Japan </a:t>
                       </a:r>
                       <a:r>
-                        <a:rPr lang="en-US" sz="1100" baseline="30000">
+                        <a:rPr lang="de-DE" sz="1100" baseline="30000">
                           <a:solidFill>
                             <a:schemeClr val="tx1"/>
                           </a:solidFill>
@@ -16753,12 +13729,6 @@
                         </a:rPr>
                         <a:t>1 </a:t>
                       </a:r>
-                      <a:endParaRPr lang="en-US" sz="1100">
-                        <a:solidFill>
-                          <a:schemeClr val="tx1"/>
-                        </a:solidFill>
-                        <a:latin typeface="Adobe Clean" panose="020B0503020404020204" pitchFamily="34" charset="0"/>
-                      </a:endParaRPr>
                     </a:p>
                   </a:txBody>
                   <a:tcPr anchor="ctr">
@@ -16823,13 +13793,13 @@
                     <a:p>
                       <a:pPr algn="ctr"/>
                       <a:r>
-                        <a:rPr lang="en-US" sz="1100">
+                        <a:rPr lang="de-DE" sz="1100">
                           <a:solidFill>
                             <a:schemeClr val="tx1"/>
                           </a:solidFill>
                           <a:latin typeface="Adobe Clean" panose="020B0503020404020204" pitchFamily="34" charset="0"/>
                         </a:rPr>
-                        <a:t>6 am – 5:30 pm</a:t>
+                        <a:t>6:00–17:30 Uhr</a:t>
                       </a:r>
                     </a:p>
                   </a:txBody>
@@ -16888,13 +13858,13 @@
                     <a:p>
                       <a:pPr algn="ctr"/>
                       <a:r>
-                        <a:rPr lang="en-US" sz="1100">
+                        <a:rPr lang="de-DE" sz="1100">
                           <a:solidFill>
                             <a:schemeClr val="tx1"/>
                           </a:solidFill>
                           <a:latin typeface="Adobe Clean" panose="020B0503020404020204" pitchFamily="34" charset="0"/>
                         </a:rPr>
-                        <a:t>9 am – 5 pm</a:t>
+                        <a:t>9:00–17:00 Uhr</a:t>
                       </a:r>
                     </a:p>
                   </a:txBody>
@@ -16953,13 +13923,13 @@
                     <a:p>
                       <a:pPr algn="ctr"/>
                       <a:r>
-                        <a:rPr lang="en-US" sz="1100">
+                        <a:rPr lang="de-DE" sz="1100">
                           <a:solidFill>
                             <a:schemeClr val="tx1"/>
                           </a:solidFill>
                           <a:latin typeface="Adobe Clean" panose="020B0503020404020204" pitchFamily="34" charset="0"/>
                         </a:rPr>
-                        <a:t>9 am – 5 pm</a:t>
+                        <a:t>9:00–17:00 Uhr</a:t>
                       </a:r>
                     </a:p>
                   </a:txBody>
@@ -17018,13 +13988,13 @@
                     <a:p>
                       <a:pPr algn="ctr"/>
                       <a:r>
-                        <a:rPr lang="en-US" sz="1100">
+                        <a:rPr lang="de-DE" sz="1100">
                           <a:solidFill>
                             <a:schemeClr val="tx1"/>
                           </a:solidFill>
                           <a:latin typeface="Adobe Clean" panose="020B0503020404020204" pitchFamily="34" charset="0"/>
                         </a:rPr>
-                        <a:t>9 am – 5:30 pm</a:t>
+                        <a:t>9:00–17:30 Uhr</a:t>
                       </a:r>
                     </a:p>
                   </a:txBody>
@@ -17104,23 +14074,17 @@
                         <a:buNone/>
                       </a:pPr>
                       <a:r>
-                        <a:rPr lang="en-US" sz="1100">
+                        <a:rPr lang="de-DE" sz="1100" dirty="0">
                           <a:solidFill>
                             <a:schemeClr val="tx1"/>
                           </a:solidFill>
                           <a:latin typeface="Adobe Clean"/>
                         </a:rPr>
-                        <a:t>Language support is only available in English and Japanese. </a:t>
+                        <a:t>Sprachunterstützung ist nur auf Englisch und Japanisch verfügbar. </a:t>
                       </a:r>
-                      <a:endParaRPr lang="en-US" sz="1100">
-                        <a:solidFill>
-                          <a:schemeClr val="tx1"/>
-                        </a:solidFill>
-                        <a:latin typeface="Adobe Clean" panose="020B0503020404020204" pitchFamily="34" charset="0"/>
-                      </a:endParaRPr>
                     </a:p>
                     <a:p>
-                      <a:pPr marL="0" marR="0" lvl="0" indent="0" algn="ctr" defTabSz="914400" eaLnBrk="1" fontAlgn="auto" latinLnBrk="0" hangingPunct="1">
+                      <a:pPr marL="0" marR="0" lvl="0" indent="0" algn="l" defTabSz="914400" rtl="0" eaLnBrk="1" fontAlgn="auto" latinLnBrk="0" hangingPunct="1">
                         <a:lnSpc>
                           <a:spcPct val="100000"/>
                         </a:lnSpc>
@@ -17137,7 +14101,7 @@
                         <a:tabLst/>
                         <a:defRPr/>
                       </a:pPr>
-                      <a:endParaRPr kumimoji="0" lang="en-US" sz="1100" b="1" i="0" u="none" strike="noStrike" kern="0" cap="none" spc="0" normalizeH="0" baseline="30000" noProof="0">
+                      <a:endParaRPr kumimoji="0" lang="en-US" sz="1100" b="1" i="0" u="none" strike="noStrike" kern="0" cap="none" spc="0" normalizeH="0" baseline="30000" noProof="0" dirty="0">
                         <a:ln>
                           <a:noFill/>
                         </a:ln>
@@ -17155,7 +14119,7 @@
                     <a:p>
                       <a:pPr algn="ctr"/>
                       <a:r>
-                        <a:rPr lang="en-US" sz="1100" i="0">
+                        <a:rPr lang="de-DE" sz="1100" i="0" dirty="0">
                           <a:solidFill>
                             <a:schemeClr val="tx1"/>
                           </a:solidFill>
@@ -17164,29 +14128,23 @@
                         <a:t> </a:t>
                       </a:r>
                       <a:r>
-                        <a:rPr lang="en-US" sz="1100" i="0" baseline="30000">
+                        <a:rPr lang="de-DE" sz="1100" i="0" baseline="30000" dirty="0">
                           <a:solidFill>
                             <a:schemeClr val="tx1"/>
                           </a:solidFill>
                           <a:latin typeface="Adobe Clean"/>
                         </a:rPr>
-                        <a:t>1 </a:t>
+                        <a:t>1</a:t>
                       </a:r>
                       <a:r>
-                        <a:rPr lang="en-US" sz="1100" i="0">
+                        <a:rPr lang="de-DE" sz="1100" i="0" dirty="0">
                           <a:solidFill>
                             <a:schemeClr val="tx1"/>
                           </a:solidFill>
                           <a:latin typeface="Adobe Clean"/>
                         </a:rPr>
-                        <a:t>P2, P3, P4 cases are limited to business hours only in Japan.</a:t>
+                        <a:t>Fälle der Kategorien P2, P3 und P4 sind in Japan auf Geschäftszeiten beschränkt.</a:t>
                       </a:r>
-                      <a:endParaRPr lang="en-US" sz="1100" b="1" i="0">
-                        <a:solidFill>
-                          <a:schemeClr val="tx1"/>
-                        </a:solidFill>
-                        <a:latin typeface="Adobe Clean"/>
-                      </a:endParaRPr>
                     </a:p>
                   </a:txBody>
                   <a:tcPr anchor="ctr">
@@ -17482,7 +14440,50 @@
           <a:bodyPr wrap="square" lIns="0" tIns="0" rIns="0" bIns="0" rtlCol="0"/>
           <a:lstStyle/>
           <a:p>
-            <a:endParaRPr/>
+            <a:pPr marL="139065" marR="5080" indent="-139065">
+              <a:lnSpc>
+                <a:spcPts val="1390"/>
+              </a:lnSpc>
+              <a:spcBef>
+                <a:spcPts val="185"/>
+              </a:spcBef>
+            </a:pPr>
+            <a:r>
+              <a:rPr lang="de-DE" sz="1800" b="1">
+                <a:solidFill>
+                  <a:srgbClr val="FFFFFF"/>
+                </a:solidFill>
+                <a:latin typeface="Adobe Clean"/>
+                <a:cs typeface="Adobe Clean"/>
+              </a:rPr>
+              <a:t>Schneller</a:t>
+            </a:r>
+            <a:br>
+              <a:rPr lang="de-DE" sz="1800" b="1">
+                <a:solidFill>
+                  <a:srgbClr val="FFFFFF"/>
+                </a:solidFill>
+                <a:latin typeface="Adobe Clean"/>
+                <a:cs typeface="Adobe Clean"/>
+              </a:rPr>
+            </a:br>
+            <a:r>
+              <a:rPr lang="de-DE" sz="1800" b="1">
+                <a:solidFill>
+                  <a:srgbClr val="FFFFFF"/>
+                </a:solidFill>
+                <a:latin typeface="Adobe Clean"/>
+                <a:cs typeface="Adobe Clean"/>
+              </a:rPr>
+              <a:t>Support</a:t>
+            </a:r>
+            <a:endParaRPr lang="de-DE" sz="1800" b="1" dirty="0">
+              <a:solidFill>
+                <a:srgbClr val="FFFFFF"/>
+              </a:solidFill>
+              <a:latin typeface="Adobe Clean"/>
+              <a:cs typeface="Adobe Clean"/>
+            </a:endParaRPr>
           </a:p>
         </p:txBody>
       </p:sp>
@@ -17528,8 +14529,8 @@
         </p:nvSpPr>
         <p:spPr>
           <a:xfrm>
-            <a:off x="2840871" y="8528519"/>
-            <a:ext cx="810895" cy="385445"/>
+            <a:off x="2772291" y="8528519"/>
+            <a:ext cx="1113909" cy="385445"/>
           </a:xfrm>
           <a:prstGeom prst="rect">
             <a:avLst/>
@@ -17550,181 +14551,15 @@
               </a:spcBef>
             </a:pPr>
             <a:r>
-              <a:rPr sz="1200" b="1" spc="-15">
+              <a:rPr lang="de-DE" sz="1200" b="1" dirty="0">
                 <a:solidFill>
                   <a:srgbClr val="FFFFFF"/>
                 </a:solidFill>
                 <a:latin typeface="Adobe Clean"/>
                 <a:cs typeface="Adobe Clean"/>
               </a:rPr>
-              <a:t>U</a:t>
-            </a:r>
-            <a:r>
-              <a:rPr sz="1200" b="1" spc="-20">
-                <a:solidFill>
-                  <a:srgbClr val="FFFFFF"/>
-                </a:solidFill>
-                <a:latin typeface="Adobe Clean"/>
-                <a:cs typeface="Adobe Clean"/>
-              </a:rPr>
-              <a:t>n</a:t>
-            </a:r>
-            <a:r>
-              <a:rPr sz="1200" b="1" spc="-25">
-                <a:solidFill>
-                  <a:srgbClr val="FFFFFF"/>
-                </a:solidFill>
-                <a:latin typeface="Adobe Clean"/>
-                <a:cs typeface="Adobe Clean"/>
-              </a:rPr>
-              <a:t>p</a:t>
-            </a:r>
-            <a:r>
-              <a:rPr sz="1200" b="1" spc="-15">
-                <a:solidFill>
-                  <a:srgbClr val="FFFFFF"/>
-                </a:solidFill>
-                <a:latin typeface="Adobe Clean"/>
-                <a:cs typeface="Adobe Clean"/>
-              </a:rPr>
-              <a:t>a</a:t>
-            </a:r>
-            <a:r>
-              <a:rPr sz="1200" b="1" spc="-25">
-                <a:solidFill>
-                  <a:srgbClr val="FFFFFF"/>
-                </a:solidFill>
-                <a:latin typeface="Adobe Clean"/>
-                <a:cs typeface="Adobe Clean"/>
-              </a:rPr>
-              <a:t>r</a:t>
-            </a:r>
-            <a:r>
-              <a:rPr sz="1200" b="1" spc="-15">
-                <a:solidFill>
-                  <a:srgbClr val="FFFFFF"/>
-                </a:solidFill>
-                <a:latin typeface="Adobe Clean"/>
-                <a:cs typeface="Adobe Clean"/>
-              </a:rPr>
-              <a:t>a</a:t>
-            </a:r>
-            <a:r>
-              <a:rPr sz="1200" b="1" spc="-30">
-                <a:solidFill>
-                  <a:srgbClr val="FFFFFF"/>
-                </a:solidFill>
-                <a:latin typeface="Adobe Clean"/>
-                <a:cs typeface="Adobe Clean"/>
-              </a:rPr>
-              <a:t>ll</a:t>
-            </a:r>
-            <a:r>
-              <a:rPr sz="1200" b="1" spc="-25">
-                <a:solidFill>
-                  <a:srgbClr val="FFFFFF"/>
-                </a:solidFill>
-                <a:latin typeface="Adobe Clean"/>
-                <a:cs typeface="Adobe Clean"/>
-              </a:rPr>
-              <a:t>e</a:t>
-            </a:r>
-            <a:r>
-              <a:rPr sz="1200" b="1" spc="-30">
-                <a:solidFill>
-                  <a:srgbClr val="FFFFFF"/>
-                </a:solidFill>
-                <a:latin typeface="Adobe Clean"/>
-                <a:cs typeface="Adobe Clean"/>
-              </a:rPr>
-              <a:t>l</a:t>
-            </a:r>
-            <a:r>
-              <a:rPr sz="1200" b="1" spc="-25">
-                <a:solidFill>
-                  <a:srgbClr val="FFFFFF"/>
-                </a:solidFill>
-                <a:latin typeface="Adobe Clean"/>
-                <a:cs typeface="Adobe Clean"/>
-              </a:rPr>
-              <a:t>e</a:t>
-            </a:r>
-            <a:r>
-              <a:rPr sz="1200" b="1">
-                <a:solidFill>
-                  <a:srgbClr val="FFFFFF"/>
-                </a:solidFill>
-                <a:latin typeface="Adobe Clean"/>
-                <a:cs typeface="Adobe Clean"/>
-              </a:rPr>
-              <a:t>d  </a:t>
-            </a:r>
-            <a:r>
-              <a:rPr sz="1200" b="1" spc="-25">
-                <a:solidFill>
-                  <a:srgbClr val="FFFFFF"/>
-                </a:solidFill>
-                <a:latin typeface="Adobe Clean"/>
-                <a:cs typeface="Adobe Clean"/>
-              </a:rPr>
-              <a:t>Expertise</a:t>
-            </a:r>
-            <a:endParaRPr sz="1200">
-              <a:latin typeface="Adobe Clean"/>
-              <a:cs typeface="Adobe Clean"/>
-            </a:endParaRPr>
-          </a:p>
-        </p:txBody>
-      </p:sp>
-      <p:sp>
-        <p:nvSpPr>
-          <p:cNvPr id="85" name="object 64">
-            <a:extLst>
-              <a:ext uri="{FF2B5EF4-FFF2-40B4-BE49-F238E27FC236}">
-                <a16:creationId xmlns:a16="http://schemas.microsoft.com/office/drawing/2014/main" id="{3921F04C-B61B-A948-947F-C33BBFF39A32}"/>
-              </a:ext>
-            </a:extLst>
-          </p:cNvPr>
-          <p:cNvSpPr txBox="1"/>
-          <p:nvPr/>
-        </p:nvSpPr>
-        <p:spPr>
-          <a:xfrm>
-            <a:off x="4732495" y="8541244"/>
-            <a:ext cx="810895" cy="382797"/>
-          </a:xfrm>
-          <a:prstGeom prst="rect">
-            <a:avLst/>
-          </a:prstGeom>
-        </p:spPr>
-        <p:txBody>
-          <a:bodyPr vert="horz" wrap="square" lIns="0" tIns="23495" rIns="0" bIns="0" rtlCol="0">
-            <a:spAutoFit/>
-          </a:bodyPr>
-          <a:lstStyle/>
-          <a:p>
-            <a:pPr marL="139065" marR="5080" indent="-139065">
-              <a:lnSpc>
-                <a:spcPts val="1390"/>
-              </a:lnSpc>
-              <a:spcBef>
-                <a:spcPts val="185"/>
-              </a:spcBef>
-            </a:pPr>
-            <a:r>
-              <a:rPr lang="en-US" sz="1200" b="1" spc="-15">
-                <a:solidFill>
-                  <a:srgbClr val="FFFFFF"/>
-                </a:solidFill>
-                <a:latin typeface="Adobe Clean"/>
-                <a:cs typeface="Adobe Clean"/>
-              </a:rPr>
-              <a:t>Accelerated Support</a:t>
-            </a:r>
-            <a:endParaRPr sz="1200">
-              <a:latin typeface="Adobe Clean"/>
-              <a:cs typeface="Adobe Clean"/>
-            </a:endParaRPr>
+              <a:t>Unübertroffenes Know-how</a:t>
+            </a:r>
           </a:p>
         </p:txBody>
       </p:sp>
@@ -17742,8 +14577,8 @@
         </p:nvSpPr>
         <p:spPr>
           <a:xfrm>
-            <a:off x="6624119" y="8543943"/>
-            <a:ext cx="510540" cy="385445"/>
+            <a:off x="6410759" y="8543943"/>
+            <a:ext cx="938408" cy="385445"/>
           </a:xfrm>
           <a:prstGeom prst="rect">
             <a:avLst/>
@@ -17755,7 +14590,7 @@
           </a:bodyPr>
           <a:lstStyle/>
           <a:p>
-            <a:pPr marL="50800" marR="5080" indent="-51435">
+            <a:pPr marL="50800" marR="5080" indent="-51435" algn="ctr">
               <a:lnSpc>
                 <a:spcPts val="1390"/>
               </a:lnSpc>
@@ -17764,109 +14599,15 @@
               </a:spcBef>
             </a:pPr>
             <a:r>
-              <a:rPr sz="1200" b="1" spc="-50">
+              <a:rPr lang="de-DE" sz="1200" b="1" dirty="0">
                 <a:solidFill>
                   <a:srgbClr val="FFFFFF"/>
                 </a:solidFill>
                 <a:latin typeface="Adobe Clean"/>
                 <a:cs typeface="Adobe Clean"/>
               </a:rPr>
-              <a:t>S</a:t>
-            </a:r>
-            <a:r>
-              <a:rPr sz="1200" b="1" spc="-20">
-                <a:solidFill>
-                  <a:srgbClr val="FFFFFF"/>
-                </a:solidFill>
-                <a:latin typeface="Adobe Clean"/>
-                <a:cs typeface="Adobe Clean"/>
-              </a:rPr>
-              <a:t>t</a:t>
-            </a:r>
-            <a:r>
-              <a:rPr sz="1200" b="1" spc="-75">
-                <a:solidFill>
-                  <a:srgbClr val="FFFFFF"/>
-                </a:solidFill>
-                <a:latin typeface="Adobe Clean"/>
-                <a:cs typeface="Adobe Clean"/>
-              </a:rPr>
-              <a:t>r</a:t>
-            </a:r>
-            <a:r>
-              <a:rPr sz="1200" b="1" spc="-90">
-                <a:solidFill>
-                  <a:srgbClr val="FFFFFF"/>
-                </a:solidFill>
-                <a:latin typeface="Adobe Clean"/>
-                <a:cs typeface="Adobe Clean"/>
-              </a:rPr>
-              <a:t>a</a:t>
-            </a:r>
-            <a:r>
-              <a:rPr sz="1200" b="1" spc="-55">
-                <a:solidFill>
-                  <a:srgbClr val="FFFFFF"/>
-                </a:solidFill>
-                <a:latin typeface="Adobe Clean"/>
-                <a:cs typeface="Adobe Clean"/>
-              </a:rPr>
-              <a:t>t</a:t>
-            </a:r>
-            <a:r>
-              <a:rPr sz="1200" b="1" spc="-100">
-                <a:solidFill>
-                  <a:srgbClr val="FFFFFF"/>
-                </a:solidFill>
-                <a:latin typeface="Adobe Clean"/>
-                <a:cs typeface="Adobe Clean"/>
-              </a:rPr>
-              <a:t>e</a:t>
-            </a:r>
-            <a:r>
-              <a:rPr sz="1200" b="1" spc="-80">
-                <a:solidFill>
-                  <a:srgbClr val="FFFFFF"/>
-                </a:solidFill>
-                <a:latin typeface="Adobe Clean"/>
-                <a:cs typeface="Adobe Clean"/>
-              </a:rPr>
-              <a:t>g</a:t>
-            </a:r>
-            <a:r>
-              <a:rPr sz="1200" b="1" spc="-35">
-                <a:solidFill>
-                  <a:srgbClr val="FFFFFF"/>
-                </a:solidFill>
-                <a:latin typeface="Adobe Clean"/>
-                <a:cs typeface="Adobe Clean"/>
-              </a:rPr>
-              <a:t>i</a:t>
-            </a:r>
-            <a:r>
-              <a:rPr sz="1200" b="1">
-                <a:solidFill>
-                  <a:srgbClr val="FFFFFF"/>
-                </a:solidFill>
-                <a:latin typeface="Adobe Clean"/>
-                <a:cs typeface="Adobe Clean"/>
-              </a:rPr>
-              <a:t>c  </a:t>
-            </a:r>
-            <a:r>
-              <a:rPr sz="1200" b="1" spc="-45">
-                <a:solidFill>
-                  <a:srgbClr val="FFFFFF"/>
-                </a:solidFill>
-                <a:latin typeface="Adobe Clean"/>
-                <a:cs typeface="Adobe Clean"/>
-              </a:rPr>
-              <a:t>Advice</a:t>
-            </a:r>
-            <a:endParaRPr sz="1200">
-              <a:latin typeface="Adobe Clean"/>
-              <a:cs typeface="Adobe Clean"/>
-            </a:endParaRPr>
+              <a:t>Strategische Beratung</a:t>
+            </a:r>
           </a:p>
         </p:txBody>
       </p:sp>
@@ -17885,14 +14626,14 @@
           <p:nvPr>
             <p:extLst>
               <p:ext uri="{D42A27DB-BD31-4B8C-83A1-F6EECF244321}">
-                <p14:modId xmlns:p14="http://schemas.microsoft.com/office/powerpoint/2010/main" val="1493671087"/>
+                <p14:modId xmlns:p14="http://schemas.microsoft.com/office/powerpoint/2010/main" val="2034748112"/>
               </p:ext>
             </p:extLst>
           </p:nvPr>
         </p:nvGraphicFramePr>
         <p:xfrm>
           <a:off x="194236" y="1059345"/>
-          <a:ext cx="7368291" cy="2931160"/>
+          <a:ext cx="7368291" cy="3566160"/>
         </p:xfrm>
         <a:graphic>
           <a:graphicData uri="http://schemas.openxmlformats.org/drawingml/2006/table">
@@ -17923,7 +14664,7 @@
                     <a:lstStyle/>
                     <a:p>
                       <a:r>
-                        <a:rPr lang="en-US" sz="1100" b="0">
+                        <a:rPr lang="de-DE" sz="1100" b="0">
                           <a:solidFill>
                             <a:schemeClr val="tx1"/>
                           </a:solidFill>
@@ -17934,14 +14675,6 @@
                         </a:rPr>
                         <a:t>Experience League</a:t>
                       </a:r>
-                      <a:endParaRPr lang="en-US" sz="1100" b="0">
-                        <a:solidFill>
-                          <a:schemeClr val="tx1"/>
-                        </a:solidFill>
-                        <a:latin typeface="Adobe Clean" panose="020B0503020404020204" pitchFamily="34" charset="0"/>
-                        <a:ea typeface="+mn-ea"/>
-                        <a:cs typeface="+mn-cs"/>
-                      </a:endParaRPr>
                     </a:p>
                   </a:txBody>
                   <a:tcPr marL="47625" marR="47625" marT="0" marB="0" anchor="ctr">
@@ -18015,7 +14748,7 @@
                         <a:defRPr/>
                       </a:pPr>
                       <a:r>
-                        <a:rPr lang="en-US" sz="1000" b="0" kern="1200">
+                        <a:rPr lang="de-DE" sz="1000" b="0" dirty="0">
                           <a:solidFill>
                             <a:srgbClr val="000000"/>
                           </a:solidFill>
@@ -18023,7 +14756,28 @@
                           <a:ea typeface="+mn-ea"/>
                           <a:cs typeface="+mn-cs"/>
                         </a:rPr>
-                        <a:t>Experience League is how Adobe helps businesses achieve the value they expect from their Adobe investment. It’s the unified place where customers can learn, connect, and grow along a personalized path to success that includes self-help tutorials, product documentation, instructor-led training, community and technical support. </a:t>
+                        <a:t>Mit der Experience League unterstützt Adobe Unternehmen dabei, mit ihren Investitionen in Adobe optimale Ergebnisse zu erzielen. An diesem zentralen Ort können Kunden auf einem personalisierten Weg zum Erfolg lernen, Kontakte knüpfen und </a:t>
+                      </a:r>
+                      <a:br>
+                        <a:rPr lang="de-DE" sz="1000" b="0" dirty="0">
+                          <a:solidFill>
+                            <a:srgbClr val="000000"/>
+                          </a:solidFill>
+                          <a:latin typeface="Adobe Clean Light" panose="020B0303020404020204" pitchFamily="34" charset="0"/>
+                          <a:ea typeface="+mn-ea"/>
+                          <a:cs typeface="+mn-cs"/>
+                        </a:rPr>
+                      </a:br>
+                      <a:r>
+                        <a:rPr lang="de-DE" sz="1000" b="0" dirty="0">
+                          <a:solidFill>
+                            <a:srgbClr val="000000"/>
+                          </a:solidFill>
+                          <a:latin typeface="Adobe Clean Light" panose="020B0303020404020204" pitchFamily="34" charset="0"/>
+                          <a:ea typeface="+mn-ea"/>
+                          <a:cs typeface="+mn-cs"/>
+                        </a:rPr>
+                        <a:t>sich weiterentwickeln. Dafür nutzen sie Selbsthilfe-Tutorials, Produktdokumentation, von Kursleitern geführte Schulungen, Community und technischen Support. </a:t>
                       </a:r>
                     </a:p>
                   </a:txBody>
@@ -18105,11 +14859,10 @@
                         <a:defRPr/>
                       </a:pPr>
                       <a:r>
-                        <a:rPr lang="en-US" sz="1100">
+                        <a:rPr lang="de-DE" sz="1100">
                           <a:solidFill>
                             <a:schemeClr val="dk1"/>
                           </a:solidFill>
-                          <a:effectLst/>
                           <a:latin typeface="Adobe Clean" panose="020B0503020404020204" pitchFamily="34" charset="0"/>
                           <a:ea typeface="+mn-ea"/>
                           <a:cs typeface="+mn-cs"/>
@@ -18118,26 +14871,16 @@
                         <a:t>Training</a:t>
                       </a:r>
                       <a:r>
-                        <a:rPr lang="en-US" sz="1100">
+                        <a:rPr lang="de-DE" sz="1100">
                           <a:solidFill>
                             <a:schemeClr val="dk1"/>
                           </a:solidFill>
-                          <a:effectLst/>
                           <a:latin typeface="Adobe Clean" panose="020B0503020404020204" pitchFamily="34" charset="0"/>
                           <a:ea typeface="+mn-ea"/>
                           <a:cs typeface="+mn-cs"/>
                         </a:rPr>
                         <a:t> </a:t>
                       </a:r>
-                      <a:endParaRPr lang="en-US" sz="1100">
-                        <a:solidFill>
-                          <a:schemeClr val="tx1"/>
-                        </a:solidFill>
-                        <a:effectLst/>
-                        <a:latin typeface="Adobe Clean" panose="020B0503020404020204" pitchFamily="34" charset="0"/>
-                        <a:ea typeface="+mn-ea"/>
-                        <a:cs typeface="+mn-cs"/>
-                      </a:endParaRPr>
                     </a:p>
                   </a:txBody>
                   <a:tcPr anchor="ctr">
@@ -18211,7 +14954,7 @@
                         <a:defRPr/>
                       </a:pPr>
                       <a:r>
-                        <a:rPr lang="en-US" sz="1000" kern="1200">
+                        <a:rPr lang="de-DE" sz="1000">
                           <a:solidFill>
                             <a:srgbClr val="000000"/>
                           </a:solidFill>
@@ -18219,7 +14962,7 @@
                           <a:ea typeface="+mn-ea"/>
                           <a:cs typeface="+mn-cs"/>
                         </a:rPr>
-                        <a:t>Adobe Digital Learning Services courses are accessible from Experience League. Learning courses integrate both on-demand and instructor-led lessons.  Here you can accrue skills that have recognized market value and position them to drive success in your organizations.</a:t>
+                        <a:t>Adobe Digital Learning Services-Kurse sind über die Experience League verfügbar. Das Angebot umfasst sowohl On-Demand- als auch von Kursleiter geführte Schulungen.  Hier können Sie Kompetenzen erwerben, die auf dem Markt anerkannt sind und den Erfolg im Unternehmen vorantreiben.</a:t>
                       </a:r>
                     </a:p>
                   </a:txBody>
@@ -18301,27 +15044,17 @@
                         <a:defRPr/>
                       </a:pPr>
                       <a:r>
-                        <a:rPr lang="en-US" sz="1100">
+                        <a:rPr lang="de-DE" sz="1100">
                           <a:solidFill>
                             <a:schemeClr val="tx1"/>
                           </a:solidFill>
-                          <a:effectLst/>
                           <a:latin typeface="Adobe Clean" panose="020B0503020404020204" pitchFamily="34" charset="0"/>
                           <a:ea typeface="+mn-ea"/>
                           <a:cs typeface="+mn-cs"/>
                           <a:hlinkClick r:id="rId9"/>
                         </a:rPr>
-                        <a:t>Production Issues &amp; System Outages</a:t>
+                        <a:t>Produktionsprobleme und Systemausfälle</a:t>
                       </a:r>
-                      <a:endParaRPr lang="en-US" sz="1100">
-                        <a:solidFill>
-                          <a:schemeClr val="tx1"/>
-                        </a:solidFill>
-                        <a:effectLst/>
-                        <a:latin typeface="Adobe Clean" panose="020B0503020404020204" pitchFamily="34" charset="0"/>
-                        <a:ea typeface="+mn-ea"/>
-                        <a:cs typeface="+mn-cs"/>
-                      </a:endParaRPr>
                     </a:p>
                   </a:txBody>
                   <a:tcPr anchor="ctr">
@@ -18395,7 +15128,7 @@
                         <a:defRPr/>
                       </a:pPr>
                       <a:r>
-                        <a:rPr lang="en-US" sz="1000" kern="1200">
+                        <a:rPr lang="de-DE" sz="1000" dirty="0">
                           <a:solidFill>
                             <a:srgbClr val="000000"/>
                           </a:solidFill>
@@ -18403,7 +15136,7 @@
                           <a:ea typeface="+mn-ea"/>
                           <a:cs typeface="+mn-cs"/>
                         </a:rPr>
-                        <a:t>Status.adobe.com conveys the health information of all Adobe products and services that are deployed in multi-tenant environments. Customers can choose their subscription preferences to get email notifications whenever Adobe creates, updates or resolves a product event. This can include scheduled maintenance or service issues of varying levels of severity. </a:t>
+                        <a:t>Status.adobe.com übermittelt die Statusinformationen sämtlicher Adobe-Produkte und -Services, die in Umgebungen mit mehreren Mandanten implementiert sind. Kunden können Voreinstellungen für ihr Abonnement auswählen und E-Mail-Benachrichtigungen erhalten, wenn Adobe ein Produktereignis erstellt, aktualisiert oder löst. Dies kann geplante Wartungen oder Service-Probleme unterschiedlichen Schweregrads umfassen. </a:t>
                       </a:r>
                     </a:p>
                   </a:txBody>
@@ -18485,27 +15218,17 @@
                         <a:defRPr/>
                       </a:pPr>
                       <a:r>
-                        <a:rPr lang="en-US" sz="1100">
+                        <a:rPr lang="de-DE" sz="1100">
                           <a:solidFill>
                             <a:schemeClr val="tx1"/>
                           </a:solidFill>
-                          <a:effectLst/>
                           <a:latin typeface="Adobe Clean" panose="020B0503020404020204" pitchFamily="34" charset="0"/>
                           <a:ea typeface="+mn-ea"/>
                           <a:cs typeface="+mn-cs"/>
                           <a:hlinkClick r:id="rId10"/>
                         </a:rPr>
-                        <a:t>Terms and Conditions</a:t>
+                        <a:t>Geschäftsbedingungen</a:t>
                       </a:r>
-                      <a:endParaRPr lang="en-US" sz="1100">
-                        <a:solidFill>
-                          <a:schemeClr val="tx1"/>
-                        </a:solidFill>
-                        <a:effectLst/>
-                        <a:latin typeface="Adobe Clean" panose="020B0503020404020204" pitchFamily="34" charset="0"/>
-                        <a:ea typeface="+mn-ea"/>
-                        <a:cs typeface="+mn-cs"/>
-                      </a:endParaRPr>
                     </a:p>
                   </a:txBody>
                   <a:tcPr anchor="ctr">
@@ -18562,7 +15285,7 @@
                     <a:lstStyle/>
                     <a:p>
                       <a:r>
-                        <a:rPr lang="en-US" sz="1000" kern="1200">
+                        <a:rPr lang="de-DE" sz="1000" dirty="0">
                           <a:solidFill>
                             <a:srgbClr val="000000"/>
                           </a:solidFill>
@@ -18570,7 +15293,7 @@
                           <a:ea typeface="+mn-ea"/>
                           <a:cs typeface="+mn-cs"/>
                         </a:rPr>
-                        <a:t>Terms and conditions detailing Support Services offerings</a:t>
+                        <a:t>Allgemeine Geschäftsbedingungen mit detaillierten Informationen zu den angebotenen Support-Services</a:t>
                       </a:r>
                     </a:p>
                   </a:txBody>
@@ -18749,6 +15472,54 @@
           </a:prstGeom>
         </p:spPr>
       </p:pic>
+      <p:sp>
+        <p:nvSpPr>
+          <p:cNvPr id="22" name="object 64">
+            <a:extLst>
+              <a:ext uri="{FF2B5EF4-FFF2-40B4-BE49-F238E27FC236}">
+                <a16:creationId xmlns:a16="http://schemas.microsoft.com/office/drawing/2014/main" id="{60E5A3C9-1792-42FE-8D8E-B4F93280734C}"/>
+              </a:ext>
+            </a:extLst>
+          </p:cNvPr>
+          <p:cNvSpPr txBox="1"/>
+          <p:nvPr/>
+        </p:nvSpPr>
+        <p:spPr>
+          <a:xfrm>
+            <a:off x="4601419" y="8533624"/>
+            <a:ext cx="810895" cy="382797"/>
+          </a:xfrm>
+          <a:prstGeom prst="rect">
+            <a:avLst/>
+          </a:prstGeom>
+        </p:spPr>
+        <p:txBody>
+          <a:bodyPr vert="horz" wrap="square" lIns="0" tIns="23495" rIns="0" bIns="0" rtlCol="0">
+            <a:spAutoFit/>
+          </a:bodyPr>
+          <a:lstStyle/>
+          <a:p>
+            <a:pPr marL="139065" marR="5080" indent="-139065" algn="ctr">
+              <a:lnSpc>
+                <a:spcPts val="1390"/>
+              </a:lnSpc>
+              <a:spcBef>
+                <a:spcPts val="185"/>
+              </a:spcBef>
+            </a:pPr>
+            <a:r>
+              <a:rPr lang="de-DE" sz="1200" b="1" dirty="0">
+                <a:solidFill>
+                  <a:srgbClr val="FFFFFF"/>
+                </a:solidFill>
+                <a:latin typeface="Adobe Clean"/>
+                <a:cs typeface="Adobe Clean"/>
+              </a:rPr>
+              <a:t>	Schneller Support</a:t>
+            </a:r>
+          </a:p>
+        </p:txBody>
+      </p:sp>
     </p:spTree>
     <p:extLst>
       <p:ext uri="{BB962C8B-B14F-4D97-AF65-F5344CB8AC3E}">
@@ -19341,12 +16112,9 @@
 </file>
 
 <file path=customXml/item1.xml><?xml version="1.0" encoding="utf-8"?>
-<?mso-contentType ?>
-<FormTemplates xmlns="http://schemas.microsoft.com/sharepoint/v3/contenttype/forms">
-  <Display>DocumentLibraryForm</Display>
-  <Edit>DocumentLibraryForm</Edit>
-  <New>DocumentLibraryForm</New>
-</FormTemplates>
+<p:properties xmlns:p="http://schemas.microsoft.com/office/2006/metadata/properties" xmlns:xsi="http://www.w3.org/2001/XMLSchema-instance" xmlns:pc="http://schemas.microsoft.com/office/infopath/2007/PartnerControls">
+  <documentManagement/>
+</p:properties>
 </file>
 
 <file path=customXml/item2.xml><?xml version="1.0" encoding="utf-8"?>
@@ -19555,15 +16323,19 @@
 </file>
 
 <file path=customXml/item3.xml><?xml version="1.0" encoding="utf-8"?>
-<p:properties xmlns:p="http://schemas.microsoft.com/office/2006/metadata/properties" xmlns:xsi="http://www.w3.org/2001/XMLSchema-instance" xmlns:pc="http://schemas.microsoft.com/office/infopath/2007/PartnerControls">
-  <documentManagement/>
-</p:properties>
+<?mso-contentType ?>
+<FormTemplates xmlns="http://schemas.microsoft.com/sharepoint/v3/contenttype/forms">
+  <Display>DocumentLibraryForm</Display>
+  <Edit>DocumentLibraryForm</Edit>
+  <New>DocumentLibraryForm</New>
+</FormTemplates>
 </file>
 
 <file path=customXml/itemProps1.xml><?xml version="1.0" encoding="utf-8"?>
-<ds:datastoreItem xmlns:ds="http://schemas.openxmlformats.org/officeDocument/2006/customXml" ds:itemID="{669D9D3B-3229-44EE-9964-24A06AE66887}">
+<ds:datastoreItem xmlns:ds="http://schemas.openxmlformats.org/officeDocument/2006/customXml" ds:itemID="{CED41536-010B-47B1-9229-B72BE4090090}">
   <ds:schemaRefs>
-    <ds:schemaRef ds:uri="http://schemas.microsoft.com/sharepoint/v3/contenttype/forms"/>
+    <ds:schemaRef ds:uri="http://schemas.microsoft.com/office/2006/metadata/properties"/>
+    <ds:schemaRef ds:uri="http://schemas.microsoft.com/office/infopath/2007/PartnerControls"/>
   </ds:schemaRefs>
 </ds:datastoreItem>
 </file>
@@ -19588,10 +16360,9 @@
 </file>
 
 <file path=customXml/itemProps3.xml><?xml version="1.0" encoding="utf-8"?>
-<ds:datastoreItem xmlns:ds="http://schemas.openxmlformats.org/officeDocument/2006/customXml" ds:itemID="{CED41536-010B-47B1-9229-B72BE4090090}">
+<ds:datastoreItem xmlns:ds="http://schemas.openxmlformats.org/officeDocument/2006/customXml" ds:itemID="{669D9D3B-3229-44EE-9964-24A06AE66887}">
   <ds:schemaRefs>
-    <ds:schemaRef ds:uri="http://schemas.microsoft.com/office/2006/metadata/properties"/>
-    <ds:schemaRef ds:uri="http://schemas.microsoft.com/office/infopath/2007/PartnerControls"/>
+    <ds:schemaRef ds:uri="http://schemas.microsoft.com/sharepoint/v3/contenttype/forms"/>
   </ds:schemaRefs>
 </ds:datastoreItem>
 </file>